--- a/public/drawings.pptx
+++ b/public/drawings.pptx
@@ -5,11 +5,12 @@
     <p:sldMasterId id="2147483648" r:id="rId1"/>
   </p:sldMasterIdLst>
   <p:notesMasterIdLst>
-    <p:notesMasterId r:id="rId4"/>
+    <p:notesMasterId r:id="rId5"/>
   </p:notesMasterIdLst>
   <p:sldIdLst>
     <p:sldId id="257" r:id="rId2"/>
     <p:sldId id="258" r:id="rId3"/>
+    <p:sldId id="338" r:id="rId4"/>
   </p:sldIdLst>
   <p:sldSz cx="12192000" cy="6858000"/>
   <p:notesSz cx="6858000" cy="9144000"/>
@@ -6619,6 +6620,971 @@
 </p:sld>
 </file>
 
+<file path=ppt/slides/slide3.xml><?xml version="1.0" encoding="utf-8"?>
+<p:sld xmlns:a="http://schemas.openxmlformats.org/drawingml/2006/main" xmlns:r="http://schemas.openxmlformats.org/officeDocument/2006/relationships" xmlns:p="http://schemas.openxmlformats.org/presentationml/2006/main">
+  <p:cSld>
+    <p:spTree>
+      <p:nvGrpSpPr>
+        <p:cNvPr id="1" name=""/>
+        <p:cNvGrpSpPr/>
+        <p:nvPr/>
+      </p:nvGrpSpPr>
+      <p:grpSpPr>
+        <a:xfrm>
+          <a:off x="0" y="0"/>
+          <a:ext cx="0" cy="0"/>
+          <a:chOff x="0" y="0"/>
+          <a:chExt cx="0" cy="0"/>
+        </a:xfrm>
+      </p:grpSpPr>
+      <p:grpSp>
+        <p:nvGrpSpPr>
+          <p:cNvPr id="19" name="Group 18">
+            <a:extLst>
+              <a:ext uri="{FF2B5EF4-FFF2-40B4-BE49-F238E27FC236}">
+                <a16:creationId xmlns:a16="http://schemas.microsoft.com/office/drawing/2014/main" id="{9ADE262E-959D-9783-FA41-10BC9B1D484A}"/>
+              </a:ext>
+            </a:extLst>
+          </p:cNvPr>
+          <p:cNvGrpSpPr/>
+          <p:nvPr/>
+        </p:nvGrpSpPr>
+        <p:grpSpPr>
+          <a:xfrm>
+            <a:off x="2418493" y="2154342"/>
+            <a:ext cx="5991078" cy="3650922"/>
+            <a:chOff x="2418493" y="2154342"/>
+            <a:chExt cx="5991078" cy="3650922"/>
+          </a:xfrm>
+        </p:grpSpPr>
+        <p:grpSp>
+          <p:nvGrpSpPr>
+            <p:cNvPr id="9" name="Group 8">
+              <a:extLst>
+                <a:ext uri="{FF2B5EF4-FFF2-40B4-BE49-F238E27FC236}">
+                  <a16:creationId xmlns:a16="http://schemas.microsoft.com/office/drawing/2014/main" id="{F55556D6-4C52-06C4-1B0E-D6D8E8907C35}"/>
+                </a:ext>
+              </a:extLst>
+            </p:cNvPr>
+            <p:cNvGrpSpPr/>
+            <p:nvPr/>
+          </p:nvGrpSpPr>
+          <p:grpSpPr>
+            <a:xfrm>
+              <a:off x="2418493" y="2154342"/>
+              <a:ext cx="5991078" cy="3650922"/>
+              <a:chOff x="2418493" y="2154342"/>
+              <a:chExt cx="5991078" cy="3650922"/>
+            </a:xfrm>
+          </p:grpSpPr>
+          <p:cxnSp>
+            <p:nvCxnSpPr>
+              <p:cNvPr id="5" name="Straight Arrow Connector 4"/>
+              <p:cNvCxnSpPr/>
+              <p:nvPr/>
+            </p:nvCxnSpPr>
+            <p:spPr bwMode="auto">
+              <a:xfrm>
+                <a:off x="2988459" y="5394702"/>
+                <a:ext cx="5040560" cy="0"/>
+              </a:xfrm>
+              <a:prstGeom prst="straightConnector1">
+                <a:avLst/>
+              </a:prstGeom>
+              <a:solidFill>
+                <a:schemeClr val="accent1"/>
+              </a:solidFill>
+              <a:ln w="19050" cap="flat" cmpd="sng" algn="ctr">
+                <a:solidFill>
+                  <a:srgbClr val="003D62"/>
+                </a:solidFill>
+                <a:prstDash val="solid"/>
+                <a:round/>
+                <a:headEnd type="none" w="med" len="med"/>
+                <a:tailEnd type="triangle" w="lg" len="lg"/>
+              </a:ln>
+              <a:effectLst/>
+              <a:extLst>
+                <a:ext uri="{AF507438-7753-43e0-B8FC-AC1667EBCBE1}">
+                  <a14:hiddenEffects xmlns:a14="http://schemas.microsoft.com/office/drawing/2010/main" xmlns="">
+                    <a:effectLst>
+                      <a:outerShdw blurRad="63500" dist="38099" dir="2700000" algn="ctr" rotWithShape="0">
+                        <a:schemeClr val="bg2">
+                          <a:alpha val="74998"/>
+                        </a:schemeClr>
+                      </a:outerShdw>
+                    </a:effectLst>
+                  </a14:hiddenEffects>
+                </a:ext>
+              </a:extLst>
+            </p:spPr>
+          </p:cxnSp>
+          <p:cxnSp>
+            <p:nvCxnSpPr>
+              <p:cNvPr id="6" name="Straight Arrow Connector 5"/>
+              <p:cNvCxnSpPr/>
+              <p:nvPr/>
+            </p:nvCxnSpPr>
+            <p:spPr bwMode="auto">
+              <a:xfrm flipV="1">
+                <a:off x="2988459" y="2154342"/>
+                <a:ext cx="0" cy="3240360"/>
+              </a:xfrm>
+              <a:prstGeom prst="straightConnector1">
+                <a:avLst/>
+              </a:prstGeom>
+              <a:solidFill>
+                <a:schemeClr val="accent1"/>
+              </a:solidFill>
+              <a:ln w="19050" cap="flat" cmpd="sng" algn="ctr">
+                <a:solidFill>
+                  <a:srgbClr val="003D62"/>
+                </a:solidFill>
+                <a:prstDash val="solid"/>
+                <a:round/>
+                <a:headEnd type="none" w="med" len="med"/>
+                <a:tailEnd type="triangle" w="lg" len="lg"/>
+              </a:ln>
+              <a:effectLst/>
+              <a:extLst>
+                <a:ext uri="{AF507438-7753-43e0-B8FC-AC1667EBCBE1}">
+                  <a14:hiddenEffects xmlns:a14="http://schemas.microsoft.com/office/drawing/2010/main" xmlns="">
+                    <a:effectLst>
+                      <a:outerShdw blurRad="63500" dist="38099" dir="2700000" algn="ctr" rotWithShape="0">
+                        <a:schemeClr val="bg2">
+                          <a:alpha val="74998"/>
+                        </a:schemeClr>
+                      </a:outerShdw>
+                    </a:effectLst>
+                  </a14:hiddenEffects>
+                </a:ext>
+              </a:extLst>
+            </p:spPr>
+          </p:cxnSp>
+          <p:cxnSp>
+            <p:nvCxnSpPr>
+              <p:cNvPr id="11" name="Straight Arrow Connector 10"/>
+              <p:cNvCxnSpPr/>
+              <p:nvPr/>
+            </p:nvCxnSpPr>
+            <p:spPr bwMode="auto">
+              <a:xfrm flipV="1">
+                <a:off x="2988459" y="2874422"/>
+                <a:ext cx="2304256" cy="2520280"/>
+              </a:xfrm>
+              <a:prstGeom prst="straightConnector1">
+                <a:avLst/>
+              </a:prstGeom>
+              <a:solidFill>
+                <a:schemeClr val="accent1"/>
+              </a:solidFill>
+              <a:ln w="19050" cap="flat" cmpd="sng" algn="ctr">
+                <a:solidFill>
+                  <a:srgbClr val="7E002F"/>
+                </a:solidFill>
+                <a:prstDash val="solid"/>
+                <a:round/>
+                <a:headEnd type="none" w="med" len="med"/>
+                <a:tailEnd type="none" w="lg" len="lg"/>
+              </a:ln>
+              <a:effectLst/>
+              <a:extLst>
+                <a:ext uri="{AF507438-7753-43e0-B8FC-AC1667EBCBE1}">
+                  <a14:hiddenEffects xmlns:a14="http://schemas.microsoft.com/office/drawing/2010/main" xmlns="">
+                    <a:effectLst>
+                      <a:outerShdw blurRad="63500" dist="38099" dir="2700000" algn="ctr" rotWithShape="0">
+                        <a:schemeClr val="bg2">
+                          <a:alpha val="74998"/>
+                        </a:schemeClr>
+                      </a:outerShdw>
+                    </a:effectLst>
+                  </a14:hiddenEffects>
+                </a:ext>
+              </a:extLst>
+            </p:spPr>
+          </p:cxnSp>
+          <p:cxnSp>
+            <p:nvCxnSpPr>
+              <p:cNvPr id="12" name="Straight Arrow Connector 11"/>
+              <p:cNvCxnSpPr/>
+              <p:nvPr/>
+            </p:nvCxnSpPr>
+            <p:spPr bwMode="auto">
+              <a:xfrm>
+                <a:off x="5292715" y="2874422"/>
+                <a:ext cx="2664296" cy="0"/>
+              </a:xfrm>
+              <a:prstGeom prst="straightConnector1">
+                <a:avLst/>
+              </a:prstGeom>
+              <a:solidFill>
+                <a:schemeClr val="accent1"/>
+              </a:solidFill>
+              <a:ln w="19050" cap="flat" cmpd="sng" algn="ctr">
+                <a:solidFill>
+                  <a:srgbClr val="7E002F"/>
+                </a:solidFill>
+                <a:prstDash val="solid"/>
+                <a:round/>
+                <a:headEnd type="none" w="med" len="med"/>
+                <a:tailEnd type="none" w="lg" len="lg"/>
+              </a:ln>
+              <a:effectLst/>
+              <a:extLst>
+                <a:ext uri="{AF507438-7753-43e0-B8FC-AC1667EBCBE1}">
+                  <a14:hiddenEffects xmlns:a14="http://schemas.microsoft.com/office/drawing/2010/main" xmlns="">
+                    <a:effectLst>
+                      <a:outerShdw blurRad="63500" dist="38099" dir="2700000" algn="ctr" rotWithShape="0">
+                        <a:schemeClr val="bg2">
+                          <a:alpha val="74998"/>
+                        </a:schemeClr>
+                      </a:outerShdw>
+                    </a:effectLst>
+                  </a14:hiddenEffects>
+                </a:ext>
+              </a:extLst>
+            </p:spPr>
+          </p:cxnSp>
+          <mc:AlternateContent xmlns:mc="http://schemas.openxmlformats.org/markup-compatibility/2006">
+            <mc:Choice xmlns:a14="http://schemas.microsoft.com/office/drawing/2010/main" Requires="a14">
+              <p:sp>
+                <p:nvSpPr>
+                  <p:cNvPr id="16" name="TextBox 15"/>
+                  <p:cNvSpPr txBox="1"/>
+                  <p:nvPr/>
+                </p:nvSpPr>
+                <p:spPr>
+                  <a:xfrm>
+                    <a:off x="4295801" y="5466710"/>
+                    <a:ext cx="2979277" cy="338554"/>
+                  </a:xfrm>
+                  <a:prstGeom prst="rect">
+                    <a:avLst/>
+                  </a:prstGeom>
+                  <a:noFill/>
+                </p:spPr>
+                <p:txBody>
+                  <a:bodyPr wrap="none" rtlCol="0">
+                    <a:spAutoFit/>
+                  </a:bodyPr>
+                  <a:lstStyle/>
+                  <a:p>
+                    <a:r>
+                      <a:rPr lang="en-US" sz="1600" dirty="0">
+                        <a:solidFill>
+                          <a:srgbClr val="003D62"/>
+                        </a:solidFill>
+                        <a:latin typeface="+mj-lt"/>
+                      </a:rPr>
+                      <a:t>Computational intensity (</a:t>
+                    </a:r>
+                    <a14:m>
+                      <m:oMath xmlns:m="http://schemas.openxmlformats.org/officeDocument/2006/math">
+                        <m:sSub>
+                          <m:sSubPr>
+                            <m:ctrlPr>
+                              <a:rPr lang="en-US" sz="1600" i="1" smtClean="0">
+                                <a:solidFill>
+                                  <a:srgbClr val="003D62"/>
+                                </a:solidFill>
+                                <a:latin typeface="Cambria Math" panose="02040503050406030204" pitchFamily="18" charset="0"/>
+                              </a:rPr>
+                            </m:ctrlPr>
+                          </m:sSubPr>
+                          <m:e>
+                            <m:r>
+                              <a:rPr lang="en-US" sz="1600" b="0" i="1" smtClean="0">
+                                <a:solidFill>
+                                  <a:srgbClr val="003D62"/>
+                                </a:solidFill>
+                                <a:latin typeface="Cambria Math" panose="02040503050406030204" pitchFamily="18" charset="0"/>
+                              </a:rPr>
+                              <m:t>𝑖</m:t>
+                            </m:r>
+                          </m:e>
+                          <m:sub>
+                            <m:r>
+                              <a:rPr lang="en-US" sz="1600" b="0" i="1" smtClean="0">
+                                <a:solidFill>
+                                  <a:srgbClr val="003D62"/>
+                                </a:solidFill>
+                                <a:latin typeface="Cambria Math" panose="02040503050406030204" pitchFamily="18" charset="0"/>
+                              </a:rPr>
+                              <m:t>𝑐</m:t>
+                            </m:r>
+                          </m:sub>
+                        </m:sSub>
+                      </m:oMath>
+                    </a14:m>
+                    <a:r>
+                      <a:rPr lang="en-US" sz="1600" dirty="0">
+                        <a:solidFill>
+                          <a:srgbClr val="003D62"/>
+                        </a:solidFill>
+                        <a:latin typeface="+mj-lt"/>
+                      </a:rPr>
+                      <a:t>) [F/B]</a:t>
+                    </a:r>
+                  </a:p>
+                </p:txBody>
+              </p:sp>
+            </mc:Choice>
+            <mc:Fallback>
+              <p:sp>
+                <p:nvSpPr>
+                  <p:cNvPr id="16" name="TextBox 15"/>
+                  <p:cNvSpPr txBox="1">
+                    <a:spLocks noRot="1" noChangeAspect="1" noMove="1" noResize="1" noEditPoints="1" noAdjustHandles="1" noChangeArrowheads="1" noChangeShapeType="1" noTextEdit="1"/>
+                  </p:cNvSpPr>
+                  <p:nvPr/>
+                </p:nvSpPr>
+                <p:spPr>
+                  <a:xfrm>
+                    <a:off x="4295801" y="5466710"/>
+                    <a:ext cx="2979277" cy="338554"/>
+                  </a:xfrm>
+                  <a:prstGeom prst="rect">
+                    <a:avLst/>
+                  </a:prstGeom>
+                  <a:blipFill>
+                    <a:blip r:embed="rId2"/>
+                    <a:stretch>
+                      <a:fillRect l="-1277" t="-3704" b="-22222"/>
+                    </a:stretch>
+                  </a:blipFill>
+                </p:spPr>
+                <p:txBody>
+                  <a:bodyPr/>
+                  <a:lstStyle/>
+                  <a:p>
+                    <a:r>
+                      <a:rPr lang="en-GB">
+                        <a:noFill/>
+                      </a:rPr>
+                      <a:t> </a:t>
+                    </a:r>
+                  </a:p>
+                </p:txBody>
+              </p:sp>
+            </mc:Fallback>
+          </mc:AlternateContent>
+          <p:sp>
+            <p:nvSpPr>
+              <p:cNvPr id="17" name="TextBox 16"/>
+              <p:cNvSpPr txBox="1"/>
+              <p:nvPr/>
+            </p:nvSpPr>
+            <p:spPr>
+              <a:xfrm rot="16200000">
+                <a:off x="1685055" y="3615115"/>
+                <a:ext cx="1836208" cy="369332"/>
+              </a:xfrm>
+              <a:prstGeom prst="rect">
+                <a:avLst/>
+              </a:prstGeom>
+              <a:noFill/>
+            </p:spPr>
+            <p:txBody>
+              <a:bodyPr wrap="none" rtlCol="0">
+                <a:spAutoFit/>
+              </a:bodyPr>
+              <a:lstStyle/>
+              <a:p>
+                <a:r>
+                  <a:rPr lang="en-US" dirty="0">
+                    <a:solidFill>
+                      <a:srgbClr val="003D62"/>
+                    </a:solidFill>
+                    <a:latin typeface="+mj-lt"/>
+                  </a:rPr>
+                  <a:t>Performance [F/s]</a:t>
+                </a:r>
+              </a:p>
+            </p:txBody>
+          </p:sp>
+          <mc:AlternateContent xmlns:mc="http://schemas.openxmlformats.org/markup-compatibility/2006">
+            <mc:Choice xmlns:a14="http://schemas.microsoft.com/office/drawing/2010/main" Requires="a14">
+              <p:sp>
+                <p:nvSpPr>
+                  <p:cNvPr id="20" name="TextBox 19"/>
+                  <p:cNvSpPr txBox="1"/>
+                  <p:nvPr/>
+                </p:nvSpPr>
+                <p:spPr>
+                  <a:xfrm rot="18753246">
+                    <a:off x="3781423" y="3591584"/>
+                    <a:ext cx="571375" cy="338554"/>
+                  </a:xfrm>
+                  <a:prstGeom prst="rect">
+                    <a:avLst/>
+                  </a:prstGeom>
+                  <a:noFill/>
+                </p:spPr>
+                <p:txBody>
+                  <a:bodyPr wrap="none" rtlCol="0">
+                    <a:spAutoFit/>
+                  </a:bodyPr>
+                  <a:lstStyle/>
+                  <a:p>
+                    <a14:m>
+                      <m:oMathPara xmlns:m="http://schemas.openxmlformats.org/officeDocument/2006/math">
+                        <m:oMathParaPr>
+                          <m:jc m:val="centerGroup"/>
+                        </m:oMathParaPr>
+                        <m:oMath xmlns:m="http://schemas.openxmlformats.org/officeDocument/2006/math">
+                          <m:r>
+                            <a:rPr lang="en-US" sz="1600" b="0" i="1" smtClean="0">
+                              <a:solidFill>
+                                <a:srgbClr val="7E002F"/>
+                              </a:solidFill>
+                              <a:latin typeface="Cambria Math" panose="02040503050406030204" pitchFamily="18" charset="0"/>
+                            </a:rPr>
+                            <m:t>𝐵</m:t>
+                          </m:r>
+                          <m:r>
+                            <a:rPr lang="en-US" sz="1600" b="0" i="1" smtClean="0">
+                              <a:solidFill>
+                                <a:srgbClr val="7E002F"/>
+                              </a:solidFill>
+                              <a:latin typeface="Cambria Math" panose="02040503050406030204" pitchFamily="18" charset="0"/>
+                            </a:rPr>
+                            <m:t> </m:t>
+                          </m:r>
+                          <m:sSub>
+                            <m:sSubPr>
+                              <m:ctrlPr>
+                                <a:rPr lang="en-US" sz="1600" b="0" i="1" smtClean="0">
+                                  <a:solidFill>
+                                    <a:srgbClr val="7E002F"/>
+                                  </a:solidFill>
+                                  <a:latin typeface="Cambria Math" panose="02040503050406030204" pitchFamily="18" charset="0"/>
+                                </a:rPr>
+                              </m:ctrlPr>
+                            </m:sSubPr>
+                            <m:e>
+                              <m:r>
+                                <a:rPr lang="en-US" sz="1600" b="0" i="1" smtClean="0">
+                                  <a:solidFill>
+                                    <a:srgbClr val="7E002F"/>
+                                  </a:solidFill>
+                                  <a:latin typeface="Cambria Math" panose="02040503050406030204" pitchFamily="18" charset="0"/>
+                                </a:rPr>
+                                <m:t>𝐼</m:t>
+                              </m:r>
+                            </m:e>
+                            <m:sub>
+                              <m:r>
+                                <a:rPr lang="en-US" sz="1600" b="0" i="1" smtClean="0">
+                                  <a:solidFill>
+                                    <a:srgbClr val="7E002F"/>
+                                  </a:solidFill>
+                                  <a:latin typeface="Cambria Math" panose="02040503050406030204" pitchFamily="18" charset="0"/>
+                                </a:rPr>
+                                <m:t>𝑐</m:t>
+                              </m:r>
+                            </m:sub>
+                          </m:sSub>
+                        </m:oMath>
+                      </m:oMathPara>
+                    </a14:m>
+                    <a:endParaRPr lang="en-US" sz="1600" b="0" dirty="0">
+                      <a:solidFill>
+                        <a:srgbClr val="7E002F"/>
+                      </a:solidFill>
+                    </a:endParaRPr>
+                  </a:p>
+                </p:txBody>
+              </p:sp>
+            </mc:Choice>
+            <mc:Fallback>
+              <p:sp>
+                <p:nvSpPr>
+                  <p:cNvPr id="20" name="TextBox 19"/>
+                  <p:cNvSpPr txBox="1">
+                    <a:spLocks noRot="1" noChangeAspect="1" noMove="1" noResize="1" noEditPoints="1" noAdjustHandles="1" noChangeArrowheads="1" noChangeShapeType="1" noTextEdit="1"/>
+                  </p:cNvSpPr>
+                  <p:nvPr/>
+                </p:nvSpPr>
+                <p:spPr>
+                  <a:xfrm rot="18753246">
+                    <a:off x="3781423" y="3591584"/>
+                    <a:ext cx="571375" cy="338554"/>
+                  </a:xfrm>
+                  <a:prstGeom prst="rect">
+                    <a:avLst/>
+                  </a:prstGeom>
+                  <a:blipFill>
+                    <a:blip r:embed="rId3"/>
+                    <a:stretch>
+                      <a:fillRect/>
+                    </a:stretch>
+                  </a:blipFill>
+                </p:spPr>
+                <p:txBody>
+                  <a:bodyPr/>
+                  <a:lstStyle/>
+                  <a:p>
+                    <a:r>
+                      <a:rPr lang="en-GB">
+                        <a:noFill/>
+                      </a:rPr>
+                      <a:t> </a:t>
+                    </a:r>
+                  </a:p>
+                </p:txBody>
+              </p:sp>
+            </mc:Fallback>
+          </mc:AlternateContent>
+          <p:sp>
+            <p:nvSpPr>
+              <p:cNvPr id="24" name="TextBox 23"/>
+              <p:cNvSpPr txBox="1"/>
+              <p:nvPr/>
+            </p:nvSpPr>
+            <p:spPr>
+              <a:xfrm>
+                <a:off x="3434551" y="2401428"/>
+                <a:ext cx="4378763" cy="338554"/>
+              </a:xfrm>
+              <a:prstGeom prst="rect">
+                <a:avLst/>
+              </a:prstGeom>
+              <a:noFill/>
+            </p:spPr>
+            <p:txBody>
+              <a:bodyPr wrap="none" rtlCol="0">
+                <a:spAutoFit/>
+              </a:bodyPr>
+              <a:lstStyle/>
+              <a:p>
+                <a:r>
+                  <a:rPr lang="en-US" sz="1600" dirty="0">
+                    <a:solidFill>
+                      <a:srgbClr val="003D62"/>
+                    </a:solidFill>
+                    <a:latin typeface="+mj-lt"/>
+                  </a:rPr>
+                  <a:t>Bandwidth limited &lt;-|-&gt; peak performance limited </a:t>
+                </a:r>
+              </a:p>
+            </p:txBody>
+          </p:sp>
+          <p:cxnSp>
+            <p:nvCxnSpPr>
+              <p:cNvPr id="28" name="Straight Arrow Connector 27"/>
+              <p:cNvCxnSpPr/>
+              <p:nvPr/>
+            </p:nvCxnSpPr>
+            <p:spPr bwMode="auto">
+              <a:xfrm>
+                <a:off x="2999656" y="2874422"/>
+                <a:ext cx="2304256" cy="0"/>
+              </a:xfrm>
+              <a:prstGeom prst="straightConnector1">
+                <a:avLst/>
+              </a:prstGeom>
+              <a:solidFill>
+                <a:schemeClr val="accent1"/>
+              </a:solidFill>
+              <a:ln w="19050" cap="flat" cmpd="sng" algn="ctr">
+                <a:solidFill>
+                  <a:srgbClr val="7E002F"/>
+                </a:solidFill>
+                <a:prstDash val="dash"/>
+                <a:round/>
+                <a:headEnd type="none" w="med" len="med"/>
+                <a:tailEnd type="none" w="lg" len="lg"/>
+              </a:ln>
+              <a:effectLst/>
+              <a:extLst>
+                <a:ext uri="{AF507438-7753-43e0-B8FC-AC1667EBCBE1}">
+                  <a14:hiddenEffects xmlns:a14="http://schemas.microsoft.com/office/drawing/2010/main" xmlns="">
+                    <a:effectLst>
+                      <a:outerShdw blurRad="63500" dist="38099" dir="2700000" algn="ctr" rotWithShape="0">
+                        <a:schemeClr val="bg2">
+                          <a:alpha val="74998"/>
+                        </a:schemeClr>
+                      </a:outerShdw>
+                    </a:effectLst>
+                  </a14:hiddenEffects>
+                </a:ext>
+              </a:extLst>
+            </p:spPr>
+          </p:cxnSp>
+          <mc:AlternateContent xmlns:mc="http://schemas.openxmlformats.org/markup-compatibility/2006">
+            <mc:Choice xmlns:a14="http://schemas.microsoft.com/office/drawing/2010/main" Requires="a14">
+              <p:sp>
+                <p:nvSpPr>
+                  <p:cNvPr id="8" name="TextBox 7">
+                    <a:extLst>
+                      <a:ext uri="{FF2B5EF4-FFF2-40B4-BE49-F238E27FC236}">
+                        <a16:creationId xmlns:a16="http://schemas.microsoft.com/office/drawing/2014/main" id="{07953C7D-A754-EB4B-25CE-995993A86598}"/>
+                      </a:ext>
+                    </a:extLst>
+                  </p:cNvPr>
+                  <p:cNvSpPr txBox="1"/>
+                  <p:nvPr/>
+                </p:nvSpPr>
+                <p:spPr>
+                  <a:xfrm>
+                    <a:off x="7957011" y="2679048"/>
+                    <a:ext cx="452560" cy="390748"/>
+                  </a:xfrm>
+                  <a:prstGeom prst="rect">
+                    <a:avLst/>
+                  </a:prstGeom>
+                  <a:noFill/>
+                </p:spPr>
+                <p:txBody>
+                  <a:bodyPr wrap="none" rtlCol="0">
+                    <a:spAutoFit/>
+                  </a:bodyPr>
+                  <a:lstStyle/>
+                  <a:p>
+                    <a14:m>
+                      <m:oMathPara xmlns:m="http://schemas.openxmlformats.org/officeDocument/2006/math">
+                        <m:oMathParaPr>
+                          <m:jc m:val="centerGroup"/>
+                        </m:oMathParaPr>
+                        <m:oMath xmlns:m="http://schemas.openxmlformats.org/officeDocument/2006/math">
+                          <m:sSub>
+                            <m:sSubPr>
+                              <m:ctrlPr>
+                                <a:rPr lang="en-US" b="0" i="1" smtClean="0">
+                                  <a:solidFill>
+                                    <a:srgbClr val="C00000"/>
+                                  </a:solidFill>
+                                  <a:latin typeface="Cambria Math" panose="02040503050406030204" pitchFamily="18" charset="0"/>
+                                </a:rPr>
+                              </m:ctrlPr>
+                            </m:sSubPr>
+                            <m:e>
+                              <m:r>
+                                <a:rPr lang="en-US" b="0" i="1" smtClean="0">
+                                  <a:solidFill>
+                                    <a:srgbClr val="C00000"/>
+                                  </a:solidFill>
+                                  <a:latin typeface="Cambria Math" panose="02040503050406030204" pitchFamily="18" charset="0"/>
+                                </a:rPr>
+                                <m:t>𝑃</m:t>
+                              </m:r>
+                            </m:e>
+                            <m:sub>
+                              <m:r>
+                                <a:rPr lang="en-US" b="0" i="1" smtClean="0">
+                                  <a:solidFill>
+                                    <a:srgbClr val="C00000"/>
+                                  </a:solidFill>
+                                  <a:latin typeface="Cambria Math" panose="02040503050406030204" pitchFamily="18" charset="0"/>
+                                </a:rPr>
+                                <m:t>𝑝</m:t>
+                              </m:r>
+                            </m:sub>
+                          </m:sSub>
+                        </m:oMath>
+                      </m:oMathPara>
+                    </a14:m>
+                    <a:endParaRPr lang="en-GB" dirty="0">
+                      <a:solidFill>
+                        <a:srgbClr val="C00000"/>
+                      </a:solidFill>
+                    </a:endParaRPr>
+                  </a:p>
+                </p:txBody>
+              </p:sp>
+            </mc:Choice>
+            <mc:Fallback>
+              <p:sp>
+                <p:nvSpPr>
+                  <p:cNvPr id="8" name="TextBox 7">
+                    <a:extLst>
+                      <a:ext uri="{FF2B5EF4-FFF2-40B4-BE49-F238E27FC236}">
+                        <a16:creationId xmlns:a16="http://schemas.microsoft.com/office/drawing/2014/main" id="{07953C7D-A754-EB4B-25CE-995993A86598}"/>
+                      </a:ext>
+                    </a:extLst>
+                  </p:cNvPr>
+                  <p:cNvSpPr txBox="1">
+                    <a:spLocks noRot="1" noChangeAspect="1" noMove="1" noResize="1" noEditPoints="1" noAdjustHandles="1" noChangeArrowheads="1" noChangeShapeType="1" noTextEdit="1"/>
+                  </p:cNvSpPr>
+                  <p:nvPr/>
+                </p:nvSpPr>
+                <p:spPr>
+                  <a:xfrm>
+                    <a:off x="7957011" y="2679048"/>
+                    <a:ext cx="452560" cy="390748"/>
+                  </a:xfrm>
+                  <a:prstGeom prst="rect">
+                    <a:avLst/>
+                  </a:prstGeom>
+                  <a:blipFill>
+                    <a:blip r:embed="rId4"/>
+                    <a:stretch>
+                      <a:fillRect b="-3125"/>
+                    </a:stretch>
+                  </a:blipFill>
+                </p:spPr>
+                <p:txBody>
+                  <a:bodyPr/>
+                  <a:lstStyle/>
+                  <a:p>
+                    <a:r>
+                      <a:rPr lang="en-GB">
+                        <a:noFill/>
+                      </a:rPr>
+                      <a:t> </a:t>
+                    </a:r>
+                  </a:p>
+                </p:txBody>
+              </p:sp>
+            </mc:Fallback>
+          </mc:AlternateContent>
+        </p:grpSp>
+        <p:sp>
+          <p:nvSpPr>
+            <p:cNvPr id="10" name="Oval 9">
+              <a:extLst>
+                <a:ext uri="{FF2B5EF4-FFF2-40B4-BE49-F238E27FC236}">
+                  <a16:creationId xmlns:a16="http://schemas.microsoft.com/office/drawing/2014/main" id="{DAD41C12-EF12-1477-DFFB-6E0655069BF2}"/>
+                </a:ext>
+              </a:extLst>
+            </p:cNvPr>
+            <p:cNvSpPr>
+              <a:spLocks noChangeAspect="1"/>
+            </p:cNvSpPr>
+            <p:nvPr/>
+          </p:nvSpPr>
+          <p:spPr>
+            <a:xfrm>
+              <a:off x="4516243" y="4092861"/>
+              <a:ext cx="278777" cy="278777"/>
+            </a:xfrm>
+            <a:prstGeom prst="ellipse">
+              <a:avLst/>
+            </a:prstGeom>
+            <a:ln w="25400">
+              <a:solidFill>
+                <a:srgbClr val="FF0000"/>
+              </a:solidFill>
+            </a:ln>
+          </p:spPr>
+          <p:style>
+            <a:lnRef idx="2">
+              <a:schemeClr val="accent6"/>
+            </a:lnRef>
+            <a:fillRef idx="1">
+              <a:schemeClr val="lt1"/>
+            </a:fillRef>
+            <a:effectRef idx="0">
+              <a:schemeClr val="accent6"/>
+            </a:effectRef>
+            <a:fontRef idx="minor">
+              <a:schemeClr val="dk1"/>
+            </a:fontRef>
+          </p:style>
+          <p:txBody>
+            <a:bodyPr rtlCol="0" anchor="ctr"/>
+            <a:lstStyle/>
+            <a:p>
+              <a:pPr algn="ctr"/>
+              <a:r>
+                <a:rPr lang="en-GB" dirty="0">
+                  <a:solidFill>
+                    <a:srgbClr val="FF0000"/>
+                  </a:solidFill>
+                </a:rPr>
+                <a:t>1</a:t>
+              </a:r>
+            </a:p>
+          </p:txBody>
+        </p:sp>
+        <p:sp>
+          <p:nvSpPr>
+            <p:cNvPr id="13" name="Oval 12">
+              <a:extLst>
+                <a:ext uri="{FF2B5EF4-FFF2-40B4-BE49-F238E27FC236}">
+                  <a16:creationId xmlns:a16="http://schemas.microsoft.com/office/drawing/2014/main" id="{30B79236-7D7B-6FB8-6773-E21336E3D26B}"/>
+                </a:ext>
+              </a:extLst>
+            </p:cNvPr>
+            <p:cNvSpPr>
+              <a:spLocks noChangeAspect="1"/>
+            </p:cNvSpPr>
+            <p:nvPr/>
+          </p:nvSpPr>
+          <p:spPr>
+            <a:xfrm>
+              <a:off x="6408231" y="3788062"/>
+              <a:ext cx="278777" cy="278777"/>
+            </a:xfrm>
+            <a:prstGeom prst="ellipse">
+              <a:avLst/>
+            </a:prstGeom>
+            <a:ln w="25400">
+              <a:solidFill>
+                <a:srgbClr val="FF0000"/>
+              </a:solidFill>
+            </a:ln>
+          </p:spPr>
+          <p:style>
+            <a:lnRef idx="2">
+              <a:schemeClr val="accent6"/>
+            </a:lnRef>
+            <a:fillRef idx="1">
+              <a:schemeClr val="lt1"/>
+            </a:fillRef>
+            <a:effectRef idx="0">
+              <a:schemeClr val="accent6"/>
+            </a:effectRef>
+            <a:fontRef idx="minor">
+              <a:schemeClr val="dk1"/>
+            </a:fontRef>
+          </p:style>
+          <p:txBody>
+            <a:bodyPr rtlCol="0" anchor="ctr"/>
+            <a:lstStyle/>
+            <a:p>
+              <a:pPr algn="ctr"/>
+              <a:r>
+                <a:rPr lang="en-GB" dirty="0">
+                  <a:solidFill>
+                    <a:srgbClr val="FF0000"/>
+                  </a:solidFill>
+                </a:rPr>
+                <a:t>2</a:t>
+              </a:r>
+            </a:p>
+          </p:txBody>
+        </p:sp>
+        <p:sp>
+          <p:nvSpPr>
+            <p:cNvPr id="14" name="Oval 13">
+              <a:extLst>
+                <a:ext uri="{FF2B5EF4-FFF2-40B4-BE49-F238E27FC236}">
+                  <a16:creationId xmlns:a16="http://schemas.microsoft.com/office/drawing/2014/main" id="{A374655F-E771-E798-A03D-72121174FBE9}"/>
+                </a:ext>
+              </a:extLst>
+            </p:cNvPr>
+            <p:cNvSpPr>
+              <a:spLocks noChangeAspect="1"/>
+            </p:cNvSpPr>
+            <p:nvPr/>
+          </p:nvSpPr>
+          <p:spPr>
+            <a:xfrm>
+              <a:off x="5181598" y="2829058"/>
+              <a:ext cx="278777" cy="278777"/>
+            </a:xfrm>
+            <a:prstGeom prst="ellipse">
+              <a:avLst/>
+            </a:prstGeom>
+            <a:ln w="25400">
+              <a:solidFill>
+                <a:srgbClr val="FF0000"/>
+              </a:solidFill>
+            </a:ln>
+          </p:spPr>
+          <p:style>
+            <a:lnRef idx="2">
+              <a:schemeClr val="accent6"/>
+            </a:lnRef>
+            <a:fillRef idx="1">
+              <a:schemeClr val="lt1"/>
+            </a:fillRef>
+            <a:effectRef idx="0">
+              <a:schemeClr val="accent6"/>
+            </a:effectRef>
+            <a:fontRef idx="minor">
+              <a:schemeClr val="dk1"/>
+            </a:fontRef>
+          </p:style>
+          <p:txBody>
+            <a:bodyPr rtlCol="0" anchor="ctr"/>
+            <a:lstStyle/>
+            <a:p>
+              <a:pPr algn="ctr"/>
+              <a:r>
+                <a:rPr lang="en-GB" dirty="0">
+                  <a:solidFill>
+                    <a:srgbClr val="FF0000"/>
+                  </a:solidFill>
+                </a:rPr>
+                <a:t>3</a:t>
+              </a:r>
+            </a:p>
+          </p:txBody>
+        </p:sp>
+        <p:sp>
+          <p:nvSpPr>
+            <p:cNvPr id="15" name="Oval 14">
+              <a:extLst>
+                <a:ext uri="{FF2B5EF4-FFF2-40B4-BE49-F238E27FC236}">
+                  <a16:creationId xmlns:a16="http://schemas.microsoft.com/office/drawing/2014/main" id="{F9A391E0-402A-607E-0473-EA3DE1ADE0C5}"/>
+                </a:ext>
+              </a:extLst>
+            </p:cNvPr>
+            <p:cNvSpPr>
+              <a:spLocks noChangeAspect="1"/>
+            </p:cNvSpPr>
+            <p:nvPr/>
+          </p:nvSpPr>
+          <p:spPr>
+            <a:xfrm>
+              <a:off x="7199965" y="2829056"/>
+              <a:ext cx="278777" cy="278777"/>
+            </a:xfrm>
+            <a:prstGeom prst="ellipse">
+              <a:avLst/>
+            </a:prstGeom>
+            <a:ln w="25400">
+              <a:solidFill>
+                <a:srgbClr val="FF0000"/>
+              </a:solidFill>
+            </a:ln>
+          </p:spPr>
+          <p:style>
+            <a:lnRef idx="2">
+              <a:schemeClr val="accent6"/>
+            </a:lnRef>
+            <a:fillRef idx="1">
+              <a:schemeClr val="lt1"/>
+            </a:fillRef>
+            <a:effectRef idx="0">
+              <a:schemeClr val="accent6"/>
+            </a:effectRef>
+            <a:fontRef idx="minor">
+              <a:schemeClr val="dk1"/>
+            </a:fontRef>
+          </p:style>
+          <p:txBody>
+            <a:bodyPr rtlCol="0" anchor="ctr"/>
+            <a:lstStyle/>
+            <a:p>
+              <a:pPr algn="ctr"/>
+              <a:r>
+                <a:rPr lang="en-GB" dirty="0">
+                  <a:solidFill>
+                    <a:srgbClr val="FF0000"/>
+                  </a:solidFill>
+                </a:rPr>
+                <a:t>4</a:t>
+              </a:r>
+            </a:p>
+          </p:txBody>
+        </p:sp>
+      </p:grpSp>
+    </p:spTree>
+    <p:extLst>
+      <p:ext uri="{BB962C8B-B14F-4D97-AF65-F5344CB8AC3E}">
+        <p14:creationId xmlns:p14="http://schemas.microsoft.com/office/powerpoint/2010/main" val="2209610087"/>
+      </p:ext>
+    </p:extLst>
+  </p:cSld>
+  <p:clrMapOvr>
+    <a:masterClrMapping/>
+  </p:clrMapOvr>
+</p:sld>
+</file>
+
 <file path=ppt/theme/theme1.xml><?xml version="1.0" encoding="utf-8"?>
 <a:theme xmlns:a="http://schemas.openxmlformats.org/drawingml/2006/main" name="Office Theme">
   <a:themeElements>

--- a/public/drawings.pptx
+++ b/public/drawings.pptx
@@ -5,7 +5,7 @@
     <p:sldMasterId id="2147483648" r:id="rId1"/>
   </p:sldMasterIdLst>
   <p:notesMasterIdLst>
-    <p:notesMasterId r:id="rId11"/>
+    <p:notesMasterId r:id="rId12"/>
   </p:notesMasterIdLst>
   <p:sldIdLst>
     <p:sldId id="257" r:id="rId2"/>
@@ -15,8 +15,9 @@
     <p:sldId id="323" r:id="rId6"/>
     <p:sldId id="318" r:id="rId7"/>
     <p:sldId id="340" r:id="rId8"/>
-    <p:sldId id="319" r:id="rId9"/>
-    <p:sldId id="320" r:id="rId10"/>
+    <p:sldId id="341" r:id="rId9"/>
+    <p:sldId id="319" r:id="rId10"/>
+    <p:sldId id="320" r:id="rId11"/>
   </p:sldIdLst>
   <p:sldSz cx="12192000" cy="6858000"/>
   <p:notesSz cx="6858000" cy="9144000"/>
@@ -4677,6 +4678,2591 @@
 </p:sld>
 </file>
 
+<file path=ppt/slides/slide10.xml><?xml version="1.0" encoding="utf-8"?>
+<p:sld xmlns:a="http://schemas.openxmlformats.org/drawingml/2006/main" xmlns:r="http://schemas.openxmlformats.org/officeDocument/2006/relationships" xmlns:p="http://schemas.openxmlformats.org/presentationml/2006/main">
+  <p:cSld>
+    <p:spTree>
+      <p:nvGrpSpPr>
+        <p:cNvPr id="1" name=""/>
+        <p:cNvGrpSpPr/>
+        <p:nvPr/>
+      </p:nvGrpSpPr>
+      <p:grpSpPr>
+        <a:xfrm>
+          <a:off x="0" y="0"/>
+          <a:ext cx="0" cy="0"/>
+          <a:chOff x="0" y="0"/>
+          <a:chExt cx="0" cy="0"/>
+        </a:xfrm>
+      </p:grpSpPr>
+      <p:graphicFrame>
+        <p:nvGraphicFramePr>
+          <p:cNvPr id="6" name="Content Placeholder 5"/>
+          <p:cNvGraphicFramePr>
+            <a:graphicFrameLocks noGrp="1"/>
+          </p:cNvGraphicFramePr>
+          <p:nvPr>
+            <p:ph idx="1"/>
+          </p:nvPr>
+        </p:nvGraphicFramePr>
+        <p:xfrm>
+          <a:off x="2639617" y="1340768"/>
+          <a:ext cx="7200795" cy="2952800"/>
+        </p:xfrm>
+        <a:graphic>
+          <a:graphicData uri="http://schemas.openxmlformats.org/drawingml/2006/table">
+            <a:tbl>
+              <a:tblPr firstRow="1" bandRow="1">
+                <a:tableStyleId>{46F890A9-2807-4EBB-B81D-B2AA78EC7F39}</a:tableStyleId>
+              </a:tblPr>
+              <a:tblGrid>
+                <a:gridCol w="522058">
+                  <a:extLst>
+                    <a:ext uri="{9D8B030D-6E8A-4147-A177-3AD203B41FA5}">
+                      <a16:colId xmlns:a16="http://schemas.microsoft.com/office/drawing/2014/main" val="20000"/>
+                    </a:ext>
+                  </a:extLst>
+                </a:gridCol>
+                <a:gridCol w="522058">
+                  <a:extLst>
+                    <a:ext uri="{9D8B030D-6E8A-4147-A177-3AD203B41FA5}">
+                      <a16:colId xmlns:a16="http://schemas.microsoft.com/office/drawing/2014/main" val="20001"/>
+                    </a:ext>
+                  </a:extLst>
+                </a:gridCol>
+                <a:gridCol w="522058">
+                  <a:extLst>
+                    <a:ext uri="{9D8B030D-6E8A-4147-A177-3AD203B41FA5}">
+                      <a16:colId xmlns:a16="http://schemas.microsoft.com/office/drawing/2014/main" val="20002"/>
+                    </a:ext>
+                  </a:extLst>
+                </a:gridCol>
+                <a:gridCol w="522058">
+                  <a:extLst>
+                    <a:ext uri="{9D8B030D-6E8A-4147-A177-3AD203B41FA5}">
+                      <a16:colId xmlns:a16="http://schemas.microsoft.com/office/drawing/2014/main" val="20003"/>
+                    </a:ext>
+                  </a:extLst>
+                </a:gridCol>
+                <a:gridCol w="522058">
+                  <a:extLst>
+                    <a:ext uri="{9D8B030D-6E8A-4147-A177-3AD203B41FA5}">
+                      <a16:colId xmlns:a16="http://schemas.microsoft.com/office/drawing/2014/main" val="20004"/>
+                    </a:ext>
+                  </a:extLst>
+                </a:gridCol>
+                <a:gridCol w="522058">
+                  <a:extLst>
+                    <a:ext uri="{9D8B030D-6E8A-4147-A177-3AD203B41FA5}">
+                      <a16:colId xmlns:a16="http://schemas.microsoft.com/office/drawing/2014/main" val="20005"/>
+                    </a:ext>
+                  </a:extLst>
+                </a:gridCol>
+                <a:gridCol w="522058">
+                  <a:extLst>
+                    <a:ext uri="{9D8B030D-6E8A-4147-A177-3AD203B41FA5}">
+                      <a16:colId xmlns:a16="http://schemas.microsoft.com/office/drawing/2014/main" val="20006"/>
+                    </a:ext>
+                  </a:extLst>
+                </a:gridCol>
+                <a:gridCol w="522058">
+                  <a:extLst>
+                    <a:ext uri="{9D8B030D-6E8A-4147-A177-3AD203B41FA5}">
+                      <a16:colId xmlns:a16="http://schemas.microsoft.com/office/drawing/2014/main" val="20007"/>
+                    </a:ext>
+                  </a:extLst>
+                </a:gridCol>
+                <a:gridCol w="3024331">
+                  <a:extLst>
+                    <a:ext uri="{9D8B030D-6E8A-4147-A177-3AD203B41FA5}">
+                      <a16:colId xmlns:a16="http://schemas.microsoft.com/office/drawing/2014/main" val="20008"/>
+                    </a:ext>
+                  </a:extLst>
+                </a:gridCol>
+              </a:tblGrid>
+              <a:tr h="369100">
+                <a:tc>
+                  <a:txBody>
+                    <a:bodyPr/>
+                    <a:lstStyle/>
+                    <a:p>
+                      <a:pPr algn="ctr"/>
+                      <a:r>
+                        <a:rPr lang="en-US" b="0" dirty="0" err="1">
+                          <a:solidFill>
+                            <a:srgbClr val="003D62"/>
+                          </a:solidFill>
+                        </a:rPr>
+                        <a:t>i</a:t>
+                      </a:r>
+                      <a:r>
+                        <a:rPr lang="en-US" b="0" dirty="0">
+                          <a:solidFill>
+                            <a:srgbClr val="003D62"/>
+                          </a:solidFill>
+                        </a:rPr>
+                        <a:t>\j</a:t>
+                      </a:r>
+                    </a:p>
+                  </a:txBody>
+                  <a:tcPr>
+                    <a:noFill/>
+                  </a:tcPr>
+                </a:tc>
+                <a:tc>
+                  <a:txBody>
+                    <a:bodyPr/>
+                    <a:lstStyle/>
+                    <a:p>
+                      <a:pPr algn="ctr"/>
+                      <a:r>
+                        <a:rPr lang="en-US" b="0" dirty="0">
+                          <a:solidFill>
+                            <a:srgbClr val="003D62"/>
+                          </a:solidFill>
+                        </a:rPr>
+                        <a:t>0</a:t>
+                      </a:r>
+                    </a:p>
+                  </a:txBody>
+                  <a:tcPr>
+                    <a:noFill/>
+                  </a:tcPr>
+                </a:tc>
+                <a:tc>
+                  <a:txBody>
+                    <a:bodyPr/>
+                    <a:lstStyle/>
+                    <a:p>
+                      <a:pPr algn="ctr"/>
+                      <a:r>
+                        <a:rPr lang="en-US" b="0" dirty="0">
+                          <a:solidFill>
+                            <a:srgbClr val="003D62"/>
+                          </a:solidFill>
+                        </a:rPr>
+                        <a:t>1</a:t>
+                      </a:r>
+                    </a:p>
+                  </a:txBody>
+                  <a:tcPr>
+                    <a:noFill/>
+                  </a:tcPr>
+                </a:tc>
+                <a:tc>
+                  <a:txBody>
+                    <a:bodyPr/>
+                    <a:lstStyle/>
+                    <a:p>
+                      <a:pPr algn="ctr"/>
+                      <a:r>
+                        <a:rPr lang="en-US" b="0" dirty="0">
+                          <a:solidFill>
+                            <a:srgbClr val="003D62"/>
+                          </a:solidFill>
+                        </a:rPr>
+                        <a:t>2</a:t>
+                      </a:r>
+                    </a:p>
+                  </a:txBody>
+                  <a:tcPr>
+                    <a:noFill/>
+                  </a:tcPr>
+                </a:tc>
+                <a:tc>
+                  <a:txBody>
+                    <a:bodyPr/>
+                    <a:lstStyle/>
+                    <a:p>
+                      <a:pPr algn="ctr"/>
+                      <a:r>
+                        <a:rPr lang="en-US" b="0" dirty="0">
+                          <a:solidFill>
+                            <a:srgbClr val="003D62"/>
+                          </a:solidFill>
+                        </a:rPr>
+                        <a:t>3</a:t>
+                      </a:r>
+                    </a:p>
+                  </a:txBody>
+                  <a:tcPr>
+                    <a:noFill/>
+                  </a:tcPr>
+                </a:tc>
+                <a:tc>
+                  <a:txBody>
+                    <a:bodyPr/>
+                    <a:lstStyle/>
+                    <a:p>
+                      <a:pPr algn="ctr"/>
+                      <a:r>
+                        <a:rPr lang="en-US" b="0" dirty="0">
+                          <a:solidFill>
+                            <a:srgbClr val="003D62"/>
+                          </a:solidFill>
+                        </a:rPr>
+                        <a:t>4</a:t>
+                      </a:r>
+                    </a:p>
+                  </a:txBody>
+                  <a:tcPr>
+                    <a:noFill/>
+                  </a:tcPr>
+                </a:tc>
+                <a:tc>
+                  <a:txBody>
+                    <a:bodyPr/>
+                    <a:lstStyle/>
+                    <a:p>
+                      <a:pPr algn="ctr"/>
+                      <a:r>
+                        <a:rPr lang="en-US" b="0" dirty="0">
+                          <a:solidFill>
+                            <a:srgbClr val="003D62"/>
+                          </a:solidFill>
+                        </a:rPr>
+                        <a:t>5</a:t>
+                      </a:r>
+                    </a:p>
+                  </a:txBody>
+                  <a:tcPr>
+                    <a:noFill/>
+                  </a:tcPr>
+                </a:tc>
+                <a:tc>
+                  <a:txBody>
+                    <a:bodyPr/>
+                    <a:lstStyle/>
+                    <a:p>
+                      <a:pPr algn="ctr"/>
+                      <a:r>
+                        <a:rPr lang="en-US" b="0" dirty="0">
+                          <a:solidFill>
+                            <a:srgbClr val="003D62"/>
+                          </a:solidFill>
+                        </a:rPr>
+                        <a:t>6</a:t>
+                      </a:r>
+                    </a:p>
+                  </a:txBody>
+                  <a:tcPr>
+                    <a:noFill/>
+                  </a:tcPr>
+                </a:tc>
+                <a:tc>
+                  <a:txBody>
+                    <a:bodyPr/>
+                    <a:lstStyle/>
+                    <a:p>
+                      <a:pPr algn="ctr"/>
+                      <a:r>
+                        <a:rPr lang="en-US" b="0" dirty="0" err="1">
+                          <a:solidFill>
+                            <a:srgbClr val="003D62"/>
+                          </a:solidFill>
+                        </a:rPr>
+                        <a:t>E</a:t>
+                      </a:r>
+                      <a:r>
+                        <a:rPr lang="en-US" b="0" baseline="-25000" dirty="0" err="1">
+                          <a:solidFill>
+                            <a:srgbClr val="003D62"/>
+                          </a:solidFill>
+                        </a:rPr>
+                        <a:t>row</a:t>
+                      </a:r>
+                      <a:endParaRPr lang="en-US" b="0" baseline="-25000" dirty="0">
+                        <a:solidFill>
+                          <a:srgbClr val="003D62"/>
+                        </a:solidFill>
+                      </a:endParaRPr>
+                    </a:p>
+                  </a:txBody>
+                  <a:tcPr>
+                    <a:noFill/>
+                  </a:tcPr>
+                </a:tc>
+                <a:extLst>
+                  <a:ext uri="{0D108BD9-81ED-4DB2-BD59-A6C34878D82A}">
+                    <a16:rowId xmlns:a16="http://schemas.microsoft.com/office/drawing/2014/main" val="10000"/>
+                  </a:ext>
+                </a:extLst>
+              </a:tr>
+              <a:tr h="369100">
+                <a:tc>
+                  <a:txBody>
+                    <a:bodyPr/>
+                    <a:lstStyle/>
+                    <a:p>
+                      <a:pPr algn="ctr"/>
+                      <a:r>
+                        <a:rPr lang="en-US" dirty="0">
+                          <a:solidFill>
+                            <a:srgbClr val="003D62"/>
+                          </a:solidFill>
+                        </a:rPr>
+                        <a:t>0</a:t>
+                      </a:r>
+                    </a:p>
+                  </a:txBody>
+                  <a:tcPr>
+                    <a:noFill/>
+                  </a:tcPr>
+                </a:tc>
+                <a:tc>
+                  <a:txBody>
+                    <a:bodyPr/>
+                    <a:lstStyle/>
+                    <a:p>
+                      <a:pPr algn="ctr"/>
+                      <a:endParaRPr lang="en-US" dirty="0"/>
+                    </a:p>
+                  </a:txBody>
+                  <a:tcPr>
+                    <a:lnB w="12700" cap="flat" cmpd="sng" algn="ctr">
+                      <a:solidFill>
+                        <a:scrgbClr r="0" g="0" b="0"/>
+                      </a:solidFill>
+                      <a:prstDash val="solid"/>
+                      <a:round/>
+                      <a:headEnd type="none" w="med" len="med"/>
+                      <a:tailEnd type="none" w="med" len="med"/>
+                    </a:lnB>
+                    <a:solidFill>
+                      <a:schemeClr val="bg2"/>
+                    </a:solidFill>
+                  </a:tcPr>
+                </a:tc>
+                <a:tc>
+                  <a:txBody>
+                    <a:bodyPr/>
+                    <a:lstStyle/>
+                    <a:p>
+                      <a:pPr algn="ctr"/>
+                      <a:endParaRPr lang="en-US" dirty="0"/>
+                    </a:p>
+                  </a:txBody>
+                  <a:tcPr>
+                    <a:solidFill>
+                      <a:schemeClr val="bg2"/>
+                    </a:solidFill>
+                  </a:tcPr>
+                </a:tc>
+                <a:tc>
+                  <a:txBody>
+                    <a:bodyPr/>
+                    <a:lstStyle/>
+                    <a:p>
+                      <a:pPr algn="ctr"/>
+                      <a:endParaRPr lang="en-US" dirty="0"/>
+                    </a:p>
+                  </a:txBody>
+                  <a:tcPr>
+                    <a:solidFill>
+                      <a:schemeClr val="bg2"/>
+                    </a:solidFill>
+                  </a:tcPr>
+                </a:tc>
+                <a:tc>
+                  <a:txBody>
+                    <a:bodyPr/>
+                    <a:lstStyle/>
+                    <a:p>
+                      <a:pPr algn="ctr"/>
+                      <a:endParaRPr lang="en-US" dirty="0"/>
+                    </a:p>
+                  </a:txBody>
+                  <a:tcPr>
+                    <a:solidFill>
+                      <a:schemeClr val="bg2"/>
+                    </a:solidFill>
+                  </a:tcPr>
+                </a:tc>
+                <a:tc>
+                  <a:txBody>
+                    <a:bodyPr/>
+                    <a:lstStyle/>
+                    <a:p>
+                      <a:pPr algn="ctr"/>
+                      <a:endParaRPr lang="en-US" dirty="0"/>
+                    </a:p>
+                  </a:txBody>
+                  <a:tcPr>
+                    <a:solidFill>
+                      <a:schemeClr val="bg2"/>
+                    </a:solidFill>
+                  </a:tcPr>
+                </a:tc>
+                <a:tc>
+                  <a:txBody>
+                    <a:bodyPr/>
+                    <a:lstStyle/>
+                    <a:p>
+                      <a:pPr algn="ctr"/>
+                      <a:endParaRPr lang="en-US" dirty="0"/>
+                    </a:p>
+                  </a:txBody>
+                  <a:tcPr>
+                    <a:solidFill>
+                      <a:schemeClr val="bg2"/>
+                    </a:solidFill>
+                  </a:tcPr>
+                </a:tc>
+                <a:tc>
+                  <a:txBody>
+                    <a:bodyPr/>
+                    <a:lstStyle/>
+                    <a:p>
+                      <a:pPr algn="ctr"/>
+                      <a:endParaRPr lang="en-US" dirty="0"/>
+                    </a:p>
+                  </a:txBody>
+                  <a:tcPr>
+                    <a:solidFill>
+                      <a:schemeClr val="bg2"/>
+                    </a:solidFill>
+                  </a:tcPr>
+                </a:tc>
+                <a:tc>
+                  <a:txBody>
+                    <a:bodyPr/>
+                    <a:lstStyle/>
+                    <a:p>
+                      <a:pPr algn="ctr"/>
+                      <a:endParaRPr lang="en-US" dirty="0"/>
+                    </a:p>
+                  </a:txBody>
+                  <a:tcPr>
+                    <a:solidFill>
+                      <a:schemeClr val="bg2"/>
+                    </a:solidFill>
+                  </a:tcPr>
+                </a:tc>
+                <a:extLst>
+                  <a:ext uri="{0D108BD9-81ED-4DB2-BD59-A6C34878D82A}">
+                    <a16:rowId xmlns:a16="http://schemas.microsoft.com/office/drawing/2014/main" val="10001"/>
+                  </a:ext>
+                </a:extLst>
+              </a:tr>
+              <a:tr h="369100">
+                <a:tc>
+                  <a:txBody>
+                    <a:bodyPr/>
+                    <a:lstStyle/>
+                    <a:p>
+                      <a:pPr algn="ctr"/>
+                      <a:r>
+                        <a:rPr lang="en-US" dirty="0">
+                          <a:solidFill>
+                            <a:srgbClr val="003D62"/>
+                          </a:solidFill>
+                        </a:rPr>
+                        <a:t>1</a:t>
+                      </a:r>
+                    </a:p>
+                  </a:txBody>
+                  <a:tcPr>
+                    <a:lnR w="12700" cap="flat" cmpd="sng" algn="ctr">
+                      <a:solidFill>
+                        <a:scrgbClr r="0" g="0" b="0"/>
+                      </a:solidFill>
+                      <a:prstDash val="solid"/>
+                      <a:round/>
+                      <a:headEnd type="none" w="med" len="med"/>
+                      <a:tailEnd type="none" w="med" len="med"/>
+                    </a:lnR>
+                    <a:noFill/>
+                  </a:tcPr>
+                </a:tc>
+                <a:tc>
+                  <a:txBody>
+                    <a:bodyPr/>
+                    <a:lstStyle/>
+                    <a:p>
+                      <a:pPr algn="ctr"/>
+                      <a:r>
+                        <a:rPr lang="en-US" dirty="0"/>
+                        <a:t>0</a:t>
+                      </a:r>
+                    </a:p>
+                  </a:txBody>
+                  <a:tcPr>
+                    <a:lnL w="12700" cap="flat" cmpd="sng" algn="ctr">
+                      <a:solidFill>
+                        <a:scrgbClr r="0" g="0" b="0"/>
+                      </a:solidFill>
+                      <a:prstDash val="solid"/>
+                      <a:round/>
+                      <a:headEnd type="none" w="med" len="med"/>
+                      <a:tailEnd type="none" w="med" len="med"/>
+                    </a:lnL>
+                    <a:lnR w="12700" cap="flat" cmpd="sng" algn="ctr">
+                      <a:solidFill>
+                        <a:scrgbClr r="0" g="0" b="0"/>
+                      </a:solidFill>
+                      <a:prstDash val="solid"/>
+                      <a:round/>
+                      <a:headEnd type="none" w="med" len="med"/>
+                      <a:tailEnd type="none" w="med" len="med"/>
+                    </a:lnR>
+                    <a:lnT w="12700" cap="flat" cmpd="sng" algn="ctr">
+                      <a:solidFill>
+                        <a:scrgbClr r="0" g="0" b="0"/>
+                      </a:solidFill>
+                      <a:prstDash val="solid"/>
+                      <a:round/>
+                      <a:headEnd type="none" w="med" len="med"/>
+                      <a:tailEnd type="none" w="med" len="med"/>
+                    </a:lnT>
+                    <a:lnB w="12700" cap="flat" cmpd="sng" algn="ctr">
+                      <a:solidFill>
+                        <a:scrgbClr r="0" g="0" b="0"/>
+                      </a:solidFill>
+                      <a:prstDash val="solid"/>
+                      <a:round/>
+                      <a:headEnd type="none" w="med" len="med"/>
+                      <a:tailEnd type="none" w="med" len="med"/>
+                    </a:lnB>
+                    <a:solidFill>
+                      <a:srgbClr val="A6A6A6"/>
+                    </a:solidFill>
+                  </a:tcPr>
+                </a:tc>
+                <a:tc>
+                  <a:txBody>
+                    <a:bodyPr/>
+                    <a:lstStyle/>
+                    <a:p>
+                      <a:pPr algn="ctr"/>
+                      <a:endParaRPr lang="en-US" dirty="0"/>
+                    </a:p>
+                  </a:txBody>
+                  <a:tcPr>
+                    <a:lnL w="12700" cap="flat" cmpd="sng" algn="ctr">
+                      <a:solidFill>
+                        <a:scrgbClr r="0" g="0" b="0"/>
+                      </a:solidFill>
+                      <a:prstDash val="solid"/>
+                      <a:round/>
+                      <a:headEnd type="none" w="med" len="med"/>
+                      <a:tailEnd type="none" w="med" len="med"/>
+                    </a:lnL>
+                    <a:lnB w="12700" cap="flat" cmpd="sng" algn="ctr">
+                      <a:solidFill>
+                        <a:scrgbClr r="0" g="0" b="0"/>
+                      </a:solidFill>
+                      <a:prstDash val="solid"/>
+                      <a:round/>
+                      <a:headEnd type="none" w="med" len="med"/>
+                      <a:tailEnd type="none" w="med" len="med"/>
+                    </a:lnB>
+                    <a:solidFill>
+                      <a:srgbClr val="DDDDDD"/>
+                    </a:solidFill>
+                  </a:tcPr>
+                </a:tc>
+                <a:tc>
+                  <a:txBody>
+                    <a:bodyPr/>
+                    <a:lstStyle/>
+                    <a:p>
+                      <a:pPr algn="ctr"/>
+                      <a:endParaRPr lang="en-US" dirty="0"/>
+                    </a:p>
+                  </a:txBody>
+                  <a:tcPr>
+                    <a:solidFill>
+                      <a:srgbClr val="DDDDDD"/>
+                    </a:solidFill>
+                  </a:tcPr>
+                </a:tc>
+                <a:tc>
+                  <a:txBody>
+                    <a:bodyPr/>
+                    <a:lstStyle/>
+                    <a:p>
+                      <a:pPr algn="ctr"/>
+                      <a:endParaRPr lang="en-US" dirty="0"/>
+                    </a:p>
+                  </a:txBody>
+                  <a:tcPr>
+                    <a:solidFill>
+                      <a:srgbClr val="DDDDDD"/>
+                    </a:solidFill>
+                  </a:tcPr>
+                </a:tc>
+                <a:tc>
+                  <a:txBody>
+                    <a:bodyPr/>
+                    <a:lstStyle/>
+                    <a:p>
+                      <a:pPr algn="ctr"/>
+                      <a:endParaRPr lang="en-US" dirty="0"/>
+                    </a:p>
+                  </a:txBody>
+                  <a:tcPr>
+                    <a:solidFill>
+                      <a:srgbClr val="DDDDDD"/>
+                    </a:solidFill>
+                  </a:tcPr>
+                </a:tc>
+                <a:tc>
+                  <a:txBody>
+                    <a:bodyPr/>
+                    <a:lstStyle/>
+                    <a:p>
+                      <a:pPr algn="ctr"/>
+                      <a:endParaRPr lang="en-US"/>
+                    </a:p>
+                  </a:txBody>
+                  <a:tcPr>
+                    <a:solidFill>
+                      <a:srgbClr val="DDDDDD"/>
+                    </a:solidFill>
+                  </a:tcPr>
+                </a:tc>
+                <a:tc>
+                  <a:txBody>
+                    <a:bodyPr/>
+                    <a:lstStyle/>
+                    <a:p>
+                      <a:pPr algn="ctr"/>
+                      <a:endParaRPr lang="en-US" dirty="0"/>
+                    </a:p>
+                  </a:txBody>
+                  <a:tcPr>
+                    <a:solidFill>
+                      <a:srgbClr val="DDDDDD"/>
+                    </a:solidFill>
+                  </a:tcPr>
+                </a:tc>
+                <a:tc>
+                  <a:txBody>
+                    <a:bodyPr/>
+                    <a:lstStyle/>
+                    <a:p>
+                      <a:pPr algn="ctr"/>
+                      <a:r>
+                        <a:rPr lang="en-US" dirty="0"/>
+                        <a:t>E</a:t>
+                      </a:r>
+                      <a:r>
+                        <a:rPr lang="en-US" baseline="-25000" dirty="0"/>
+                        <a:t>0</a:t>
+                      </a:r>
+                      <a:endParaRPr lang="en-US" dirty="0"/>
+                    </a:p>
+                  </a:txBody>
+                  <a:tcPr>
+                    <a:solidFill>
+                      <a:srgbClr val="DDDDDD"/>
+                    </a:solidFill>
+                  </a:tcPr>
+                </a:tc>
+                <a:extLst>
+                  <a:ext uri="{0D108BD9-81ED-4DB2-BD59-A6C34878D82A}">
+                    <a16:rowId xmlns:a16="http://schemas.microsoft.com/office/drawing/2014/main" val="10002"/>
+                  </a:ext>
+                </a:extLst>
+              </a:tr>
+              <a:tr h="369100">
+                <a:tc>
+                  <a:txBody>
+                    <a:bodyPr/>
+                    <a:lstStyle/>
+                    <a:p>
+                      <a:pPr algn="ctr"/>
+                      <a:r>
+                        <a:rPr lang="en-US" dirty="0">
+                          <a:solidFill>
+                            <a:srgbClr val="003D62"/>
+                          </a:solidFill>
+                        </a:rPr>
+                        <a:t>2</a:t>
+                      </a:r>
+                    </a:p>
+                  </a:txBody>
+                  <a:tcPr>
+                    <a:lnR w="12700" cap="flat" cmpd="sng" algn="ctr">
+                      <a:solidFill>
+                        <a:scrgbClr r="0" g="0" b="0"/>
+                      </a:solidFill>
+                      <a:prstDash val="solid"/>
+                      <a:round/>
+                      <a:headEnd type="none" w="med" len="med"/>
+                      <a:tailEnd type="none" w="med" len="med"/>
+                    </a:lnR>
+                    <a:noFill/>
+                  </a:tcPr>
+                </a:tc>
+                <a:tc>
+                  <a:txBody>
+                    <a:bodyPr/>
+                    <a:lstStyle/>
+                    <a:p>
+                      <a:pPr algn="ctr"/>
+                      <a:r>
+                        <a:rPr lang="en-US" dirty="0"/>
+                        <a:t>1</a:t>
+                      </a:r>
+                    </a:p>
+                  </a:txBody>
+                  <a:tcPr>
+                    <a:lnL w="12700" cap="flat" cmpd="sng" algn="ctr">
+                      <a:solidFill>
+                        <a:scrgbClr r="0" g="0" b="0"/>
+                      </a:solidFill>
+                      <a:prstDash val="solid"/>
+                      <a:round/>
+                      <a:headEnd type="none" w="med" len="med"/>
+                      <a:tailEnd type="none" w="med" len="med"/>
+                    </a:lnL>
+                    <a:lnR w="12700" cap="flat" cmpd="sng" algn="ctr">
+                      <a:solidFill>
+                        <a:scrgbClr r="0" g="0" b="0"/>
+                      </a:solidFill>
+                      <a:prstDash val="solid"/>
+                      <a:round/>
+                      <a:headEnd type="none" w="med" len="med"/>
+                      <a:tailEnd type="none" w="med" len="med"/>
+                    </a:lnR>
+                    <a:lnT w="12700" cap="flat" cmpd="sng" algn="ctr">
+                      <a:solidFill>
+                        <a:scrgbClr r="0" g="0" b="0"/>
+                      </a:solidFill>
+                      <a:prstDash val="solid"/>
+                      <a:round/>
+                      <a:headEnd type="none" w="med" len="med"/>
+                      <a:tailEnd type="none" w="med" len="med"/>
+                    </a:lnT>
+                    <a:lnB w="12700" cap="flat" cmpd="sng" algn="ctr">
+                      <a:solidFill>
+                        <a:scrgbClr r="0" g="0" b="0"/>
+                      </a:solidFill>
+                      <a:prstDash val="solid"/>
+                      <a:round/>
+                      <a:headEnd type="none" w="med" len="med"/>
+                      <a:tailEnd type="none" w="med" len="med"/>
+                    </a:lnB>
+                    <a:solidFill>
+                      <a:srgbClr val="A6A6A6"/>
+                    </a:solidFill>
+                  </a:tcPr>
+                </a:tc>
+                <a:tc>
+                  <a:txBody>
+                    <a:bodyPr/>
+                    <a:lstStyle/>
+                    <a:p>
+                      <a:pPr algn="ctr"/>
+                      <a:r>
+                        <a:rPr lang="en-US" dirty="0"/>
+                        <a:t>2</a:t>
+                      </a:r>
+                    </a:p>
+                  </a:txBody>
+                  <a:tcPr>
+                    <a:lnL w="12700" cap="flat" cmpd="sng" algn="ctr">
+                      <a:solidFill>
+                        <a:scrgbClr r="0" g="0" b="0"/>
+                      </a:solidFill>
+                      <a:prstDash val="solid"/>
+                      <a:round/>
+                      <a:headEnd type="none" w="med" len="med"/>
+                      <a:tailEnd type="none" w="med" len="med"/>
+                    </a:lnL>
+                    <a:lnR w="12700" cap="flat" cmpd="sng" algn="ctr">
+                      <a:solidFill>
+                        <a:scrgbClr r="0" g="0" b="0"/>
+                      </a:solidFill>
+                      <a:prstDash val="solid"/>
+                      <a:round/>
+                      <a:headEnd type="none" w="med" len="med"/>
+                      <a:tailEnd type="none" w="med" len="med"/>
+                    </a:lnR>
+                    <a:lnT w="12700" cap="flat" cmpd="sng" algn="ctr">
+                      <a:solidFill>
+                        <a:scrgbClr r="0" g="0" b="0"/>
+                      </a:solidFill>
+                      <a:prstDash val="solid"/>
+                      <a:round/>
+                      <a:headEnd type="none" w="med" len="med"/>
+                      <a:tailEnd type="none" w="med" len="med"/>
+                    </a:lnT>
+                    <a:lnB w="12700" cap="flat" cmpd="sng" algn="ctr">
+                      <a:solidFill>
+                        <a:scrgbClr r="0" g="0" b="0"/>
+                      </a:solidFill>
+                      <a:prstDash val="solid"/>
+                      <a:round/>
+                      <a:headEnd type="none" w="med" len="med"/>
+                      <a:tailEnd type="none" w="med" len="med"/>
+                    </a:lnB>
+                    <a:solidFill>
+                      <a:srgbClr val="A6A6A6"/>
+                    </a:solidFill>
+                  </a:tcPr>
+                </a:tc>
+                <a:tc>
+                  <a:txBody>
+                    <a:bodyPr/>
+                    <a:lstStyle/>
+                    <a:p>
+                      <a:pPr algn="ctr"/>
+                      <a:endParaRPr lang="en-US" dirty="0"/>
+                    </a:p>
+                  </a:txBody>
+                  <a:tcPr>
+                    <a:lnL w="12700" cap="flat" cmpd="sng" algn="ctr">
+                      <a:solidFill>
+                        <a:scrgbClr r="0" g="0" b="0"/>
+                      </a:solidFill>
+                      <a:prstDash val="solid"/>
+                      <a:round/>
+                      <a:headEnd type="none" w="med" len="med"/>
+                      <a:tailEnd type="none" w="med" len="med"/>
+                    </a:lnL>
+                    <a:lnB w="12700" cap="flat" cmpd="sng" algn="ctr">
+                      <a:solidFill>
+                        <a:scrgbClr r="0" g="0" b="0"/>
+                      </a:solidFill>
+                      <a:prstDash val="solid"/>
+                      <a:round/>
+                      <a:headEnd type="none" w="med" len="med"/>
+                      <a:tailEnd type="none" w="med" len="med"/>
+                    </a:lnB>
+                    <a:solidFill>
+                      <a:srgbClr val="DDDDDD"/>
+                    </a:solidFill>
+                  </a:tcPr>
+                </a:tc>
+                <a:tc>
+                  <a:txBody>
+                    <a:bodyPr/>
+                    <a:lstStyle/>
+                    <a:p>
+                      <a:pPr algn="ctr"/>
+                      <a:endParaRPr lang="en-US" dirty="0"/>
+                    </a:p>
+                  </a:txBody>
+                  <a:tcPr>
+                    <a:solidFill>
+                      <a:srgbClr val="DDDDDD"/>
+                    </a:solidFill>
+                  </a:tcPr>
+                </a:tc>
+                <a:tc>
+                  <a:txBody>
+                    <a:bodyPr/>
+                    <a:lstStyle/>
+                    <a:p>
+                      <a:pPr algn="ctr"/>
+                      <a:endParaRPr lang="en-US" dirty="0"/>
+                    </a:p>
+                  </a:txBody>
+                  <a:tcPr>
+                    <a:solidFill>
+                      <a:srgbClr val="DDDDDD"/>
+                    </a:solidFill>
+                  </a:tcPr>
+                </a:tc>
+                <a:tc>
+                  <a:txBody>
+                    <a:bodyPr/>
+                    <a:lstStyle/>
+                    <a:p>
+                      <a:pPr algn="ctr"/>
+                      <a:endParaRPr lang="en-US" dirty="0"/>
+                    </a:p>
+                  </a:txBody>
+                  <a:tcPr>
+                    <a:solidFill>
+                      <a:srgbClr val="DDDDDD"/>
+                    </a:solidFill>
+                  </a:tcPr>
+                </a:tc>
+                <a:tc>
+                  <a:txBody>
+                    <a:bodyPr/>
+                    <a:lstStyle/>
+                    <a:p>
+                      <a:pPr algn="ctr"/>
+                      <a:endParaRPr lang="en-US" dirty="0"/>
+                    </a:p>
+                  </a:txBody>
+                  <a:tcPr>
+                    <a:solidFill>
+                      <a:srgbClr val="DDDDDD"/>
+                    </a:solidFill>
+                  </a:tcPr>
+                </a:tc>
+                <a:tc>
+                  <a:txBody>
+                    <a:bodyPr/>
+                    <a:lstStyle/>
+                    <a:p>
+                      <a:pPr algn="ctr"/>
+                      <a:r>
+                        <a:rPr lang="en-US" dirty="0"/>
+                        <a:t>E</a:t>
+                      </a:r>
+                      <a:r>
+                        <a:rPr lang="en-US" baseline="-25000" dirty="0"/>
+                        <a:t>1</a:t>
+                      </a:r>
+                      <a:r>
+                        <a:rPr lang="en-US" dirty="0"/>
+                        <a:t>+E</a:t>
+                      </a:r>
+                      <a:r>
+                        <a:rPr lang="en-US" baseline="-25000" dirty="0"/>
+                        <a:t>2</a:t>
+                      </a:r>
+                      <a:endParaRPr lang="en-US" dirty="0"/>
+                    </a:p>
+                  </a:txBody>
+                  <a:tcPr>
+                    <a:solidFill>
+                      <a:srgbClr val="DDDDDD"/>
+                    </a:solidFill>
+                  </a:tcPr>
+                </a:tc>
+                <a:extLst>
+                  <a:ext uri="{0D108BD9-81ED-4DB2-BD59-A6C34878D82A}">
+                    <a16:rowId xmlns:a16="http://schemas.microsoft.com/office/drawing/2014/main" val="10003"/>
+                  </a:ext>
+                </a:extLst>
+              </a:tr>
+              <a:tr h="369100">
+                <a:tc>
+                  <a:txBody>
+                    <a:bodyPr/>
+                    <a:lstStyle/>
+                    <a:p>
+                      <a:pPr algn="ctr"/>
+                      <a:r>
+                        <a:rPr lang="en-US" dirty="0">
+                          <a:solidFill>
+                            <a:srgbClr val="003D62"/>
+                          </a:solidFill>
+                        </a:rPr>
+                        <a:t>3</a:t>
+                      </a:r>
+                    </a:p>
+                  </a:txBody>
+                  <a:tcPr>
+                    <a:lnR w="12700" cap="flat" cmpd="sng" algn="ctr">
+                      <a:solidFill>
+                        <a:scrgbClr r="0" g="0" b="0"/>
+                      </a:solidFill>
+                      <a:prstDash val="solid"/>
+                      <a:round/>
+                      <a:headEnd type="none" w="med" len="med"/>
+                      <a:tailEnd type="none" w="med" len="med"/>
+                    </a:lnR>
+                    <a:noFill/>
+                  </a:tcPr>
+                </a:tc>
+                <a:tc>
+                  <a:txBody>
+                    <a:bodyPr/>
+                    <a:lstStyle/>
+                    <a:p>
+                      <a:pPr algn="ctr"/>
+                      <a:r>
+                        <a:rPr lang="en-US" dirty="0"/>
+                        <a:t>3</a:t>
+                      </a:r>
+                    </a:p>
+                  </a:txBody>
+                  <a:tcPr>
+                    <a:lnL w="12700" cap="flat" cmpd="sng" algn="ctr">
+                      <a:solidFill>
+                        <a:scrgbClr r="0" g="0" b="0"/>
+                      </a:solidFill>
+                      <a:prstDash val="solid"/>
+                      <a:round/>
+                      <a:headEnd type="none" w="med" len="med"/>
+                      <a:tailEnd type="none" w="med" len="med"/>
+                    </a:lnL>
+                    <a:lnR w="12700" cap="flat" cmpd="sng" algn="ctr">
+                      <a:solidFill>
+                        <a:scrgbClr r="0" g="0" b="0"/>
+                      </a:solidFill>
+                      <a:prstDash val="solid"/>
+                      <a:round/>
+                      <a:headEnd type="none" w="med" len="med"/>
+                      <a:tailEnd type="none" w="med" len="med"/>
+                    </a:lnR>
+                    <a:lnT w="12700" cap="flat" cmpd="sng" algn="ctr">
+                      <a:solidFill>
+                        <a:scrgbClr r="0" g="0" b="0"/>
+                      </a:solidFill>
+                      <a:prstDash val="solid"/>
+                      <a:round/>
+                      <a:headEnd type="none" w="med" len="med"/>
+                      <a:tailEnd type="none" w="med" len="med"/>
+                    </a:lnT>
+                    <a:lnB w="12700" cap="flat" cmpd="sng" algn="ctr">
+                      <a:solidFill>
+                        <a:scrgbClr r="0" g="0" b="0"/>
+                      </a:solidFill>
+                      <a:prstDash val="solid"/>
+                      <a:round/>
+                      <a:headEnd type="none" w="med" len="med"/>
+                      <a:tailEnd type="none" w="med" len="med"/>
+                    </a:lnB>
+                    <a:solidFill>
+                      <a:srgbClr val="A6A6A6"/>
+                    </a:solidFill>
+                  </a:tcPr>
+                </a:tc>
+                <a:tc>
+                  <a:txBody>
+                    <a:bodyPr/>
+                    <a:lstStyle/>
+                    <a:p>
+                      <a:pPr algn="ctr"/>
+                      <a:r>
+                        <a:rPr lang="en-US" dirty="0"/>
+                        <a:t>4</a:t>
+                      </a:r>
+                    </a:p>
+                  </a:txBody>
+                  <a:tcPr>
+                    <a:lnL w="12700" cap="flat" cmpd="sng" algn="ctr">
+                      <a:solidFill>
+                        <a:scrgbClr r="0" g="0" b="0"/>
+                      </a:solidFill>
+                      <a:prstDash val="solid"/>
+                      <a:round/>
+                      <a:headEnd type="none" w="med" len="med"/>
+                      <a:tailEnd type="none" w="med" len="med"/>
+                    </a:lnL>
+                    <a:lnR w="12700" cap="flat" cmpd="sng" algn="ctr">
+                      <a:solidFill>
+                        <a:scrgbClr r="0" g="0" b="0"/>
+                      </a:solidFill>
+                      <a:prstDash val="solid"/>
+                      <a:round/>
+                      <a:headEnd type="none" w="med" len="med"/>
+                      <a:tailEnd type="none" w="med" len="med"/>
+                    </a:lnR>
+                    <a:lnT w="12700" cap="flat" cmpd="sng" algn="ctr">
+                      <a:solidFill>
+                        <a:scrgbClr r="0" g="0" b="0"/>
+                      </a:solidFill>
+                      <a:prstDash val="solid"/>
+                      <a:round/>
+                      <a:headEnd type="none" w="med" len="med"/>
+                      <a:tailEnd type="none" w="med" len="med"/>
+                    </a:lnT>
+                    <a:lnB w="12700" cap="flat" cmpd="sng" algn="ctr">
+                      <a:solidFill>
+                        <a:scrgbClr r="0" g="0" b="0"/>
+                      </a:solidFill>
+                      <a:prstDash val="solid"/>
+                      <a:round/>
+                      <a:headEnd type="none" w="med" len="med"/>
+                      <a:tailEnd type="none" w="med" len="med"/>
+                    </a:lnB>
+                    <a:solidFill>
+                      <a:srgbClr val="A6A6A6"/>
+                    </a:solidFill>
+                  </a:tcPr>
+                </a:tc>
+                <a:tc>
+                  <a:txBody>
+                    <a:bodyPr/>
+                    <a:lstStyle/>
+                    <a:p>
+                      <a:pPr algn="ctr"/>
+                      <a:r>
+                        <a:rPr lang="en-US" dirty="0"/>
+                        <a:t>5</a:t>
+                      </a:r>
+                    </a:p>
+                  </a:txBody>
+                  <a:tcPr>
+                    <a:lnL w="12700" cap="flat" cmpd="sng" algn="ctr">
+                      <a:solidFill>
+                        <a:scrgbClr r="0" g="0" b="0"/>
+                      </a:solidFill>
+                      <a:prstDash val="solid"/>
+                      <a:round/>
+                      <a:headEnd type="none" w="med" len="med"/>
+                      <a:tailEnd type="none" w="med" len="med"/>
+                    </a:lnL>
+                    <a:lnR w="12700" cap="flat" cmpd="sng" algn="ctr">
+                      <a:solidFill>
+                        <a:scrgbClr r="0" g="0" b="0"/>
+                      </a:solidFill>
+                      <a:prstDash val="solid"/>
+                      <a:round/>
+                      <a:headEnd type="none" w="med" len="med"/>
+                      <a:tailEnd type="none" w="med" len="med"/>
+                    </a:lnR>
+                    <a:lnT w="12700" cap="flat" cmpd="sng" algn="ctr">
+                      <a:solidFill>
+                        <a:scrgbClr r="0" g="0" b="0"/>
+                      </a:solidFill>
+                      <a:prstDash val="solid"/>
+                      <a:round/>
+                      <a:headEnd type="none" w="med" len="med"/>
+                      <a:tailEnd type="none" w="med" len="med"/>
+                    </a:lnT>
+                    <a:lnB w="12700" cap="flat" cmpd="sng" algn="ctr">
+                      <a:solidFill>
+                        <a:scrgbClr r="0" g="0" b="0"/>
+                      </a:solidFill>
+                      <a:prstDash val="solid"/>
+                      <a:round/>
+                      <a:headEnd type="none" w="med" len="med"/>
+                      <a:tailEnd type="none" w="med" len="med"/>
+                    </a:lnB>
+                    <a:solidFill>
+                      <a:srgbClr val="A6A6A6"/>
+                    </a:solidFill>
+                  </a:tcPr>
+                </a:tc>
+                <a:tc>
+                  <a:txBody>
+                    <a:bodyPr/>
+                    <a:lstStyle/>
+                    <a:p>
+                      <a:pPr algn="ctr"/>
+                      <a:endParaRPr lang="en-US" dirty="0"/>
+                    </a:p>
+                  </a:txBody>
+                  <a:tcPr>
+                    <a:lnL w="12700" cap="flat" cmpd="sng" algn="ctr">
+                      <a:solidFill>
+                        <a:scrgbClr r="0" g="0" b="0"/>
+                      </a:solidFill>
+                      <a:prstDash val="solid"/>
+                      <a:round/>
+                      <a:headEnd type="none" w="med" len="med"/>
+                      <a:tailEnd type="none" w="med" len="med"/>
+                    </a:lnL>
+                    <a:lnB w="12700" cap="flat" cmpd="sng" algn="ctr">
+                      <a:solidFill>
+                        <a:scrgbClr r="0" g="0" b="0"/>
+                      </a:solidFill>
+                      <a:prstDash val="solid"/>
+                      <a:round/>
+                      <a:headEnd type="none" w="med" len="med"/>
+                      <a:tailEnd type="none" w="med" len="med"/>
+                    </a:lnB>
+                    <a:solidFill>
+                      <a:srgbClr val="DDDDDD"/>
+                    </a:solidFill>
+                  </a:tcPr>
+                </a:tc>
+                <a:tc>
+                  <a:txBody>
+                    <a:bodyPr/>
+                    <a:lstStyle/>
+                    <a:p>
+                      <a:pPr algn="ctr"/>
+                      <a:endParaRPr lang="en-US" dirty="0"/>
+                    </a:p>
+                  </a:txBody>
+                  <a:tcPr>
+                    <a:solidFill>
+                      <a:srgbClr val="DDDDDD"/>
+                    </a:solidFill>
+                  </a:tcPr>
+                </a:tc>
+                <a:tc>
+                  <a:txBody>
+                    <a:bodyPr/>
+                    <a:lstStyle/>
+                    <a:p>
+                      <a:pPr algn="ctr"/>
+                      <a:endParaRPr lang="en-US" dirty="0"/>
+                    </a:p>
+                  </a:txBody>
+                  <a:tcPr>
+                    <a:solidFill>
+                      <a:srgbClr val="DDDDDD"/>
+                    </a:solidFill>
+                  </a:tcPr>
+                </a:tc>
+                <a:tc>
+                  <a:txBody>
+                    <a:bodyPr/>
+                    <a:lstStyle/>
+                    <a:p>
+                      <a:pPr algn="ctr"/>
+                      <a:endParaRPr lang="en-US" dirty="0"/>
+                    </a:p>
+                  </a:txBody>
+                  <a:tcPr>
+                    <a:solidFill>
+                      <a:srgbClr val="DDDDDD"/>
+                    </a:solidFill>
+                  </a:tcPr>
+                </a:tc>
+                <a:tc>
+                  <a:txBody>
+                    <a:bodyPr/>
+                    <a:lstStyle/>
+                    <a:p>
+                      <a:pPr marL="0" marR="0" indent="0" algn="ctr" defTabSz="457200" rtl="0" eaLnBrk="1" fontAlgn="auto" latinLnBrk="0" hangingPunct="1">
+                        <a:lnSpc>
+                          <a:spcPct val="100000"/>
+                        </a:lnSpc>
+                        <a:spcBef>
+                          <a:spcPts val="0"/>
+                        </a:spcBef>
+                        <a:spcAft>
+                          <a:spcPts val="0"/>
+                        </a:spcAft>
+                        <a:buClrTx/>
+                        <a:buSzTx/>
+                        <a:buFontTx/>
+                        <a:buNone/>
+                        <a:tabLst/>
+                        <a:defRPr/>
+                      </a:pPr>
+                      <a:r>
+                        <a:rPr lang="en-US" dirty="0"/>
+                        <a:t>E</a:t>
+                      </a:r>
+                      <a:r>
+                        <a:rPr lang="en-US" baseline="-25000" dirty="0"/>
+                        <a:t>3</a:t>
+                      </a:r>
+                      <a:r>
+                        <a:rPr lang="en-US" dirty="0"/>
+                        <a:t>+E</a:t>
+                      </a:r>
+                      <a:r>
+                        <a:rPr lang="en-US" baseline="-25000" dirty="0"/>
+                        <a:t>4</a:t>
+                      </a:r>
+                      <a:r>
+                        <a:rPr lang="en-US" dirty="0"/>
+                        <a:t>+E</a:t>
+                      </a:r>
+                      <a:r>
+                        <a:rPr lang="en-US" baseline="-25000" dirty="0"/>
+                        <a:t>5</a:t>
+                      </a:r>
+                      <a:endParaRPr lang="en-US" dirty="0"/>
+                    </a:p>
+                  </a:txBody>
+                  <a:tcPr>
+                    <a:solidFill>
+                      <a:srgbClr val="DDDDDD"/>
+                    </a:solidFill>
+                  </a:tcPr>
+                </a:tc>
+                <a:extLst>
+                  <a:ext uri="{0D108BD9-81ED-4DB2-BD59-A6C34878D82A}">
+                    <a16:rowId xmlns:a16="http://schemas.microsoft.com/office/drawing/2014/main" val="10004"/>
+                  </a:ext>
+                </a:extLst>
+              </a:tr>
+              <a:tr h="369100">
+                <a:tc>
+                  <a:txBody>
+                    <a:bodyPr/>
+                    <a:lstStyle/>
+                    <a:p>
+                      <a:pPr algn="ctr"/>
+                      <a:r>
+                        <a:rPr lang="en-US" dirty="0">
+                          <a:solidFill>
+                            <a:srgbClr val="003D62"/>
+                          </a:solidFill>
+                        </a:rPr>
+                        <a:t>4</a:t>
+                      </a:r>
+                    </a:p>
+                  </a:txBody>
+                  <a:tcPr>
+                    <a:lnR w="12700" cap="flat" cmpd="sng" algn="ctr">
+                      <a:solidFill>
+                        <a:scrgbClr r="0" g="0" b="0"/>
+                      </a:solidFill>
+                      <a:prstDash val="solid"/>
+                      <a:round/>
+                      <a:headEnd type="none" w="med" len="med"/>
+                      <a:tailEnd type="none" w="med" len="med"/>
+                    </a:lnR>
+                    <a:noFill/>
+                  </a:tcPr>
+                </a:tc>
+                <a:tc>
+                  <a:txBody>
+                    <a:bodyPr/>
+                    <a:lstStyle/>
+                    <a:p>
+                      <a:pPr algn="ctr"/>
+                      <a:r>
+                        <a:rPr lang="en-US" dirty="0"/>
+                        <a:t>6</a:t>
+                      </a:r>
+                    </a:p>
+                  </a:txBody>
+                  <a:tcPr>
+                    <a:lnL w="12700" cap="flat" cmpd="sng" algn="ctr">
+                      <a:solidFill>
+                        <a:scrgbClr r="0" g="0" b="0"/>
+                      </a:solidFill>
+                      <a:prstDash val="solid"/>
+                      <a:round/>
+                      <a:headEnd type="none" w="med" len="med"/>
+                      <a:tailEnd type="none" w="med" len="med"/>
+                    </a:lnL>
+                    <a:lnR w="12700" cap="flat" cmpd="sng" algn="ctr">
+                      <a:solidFill>
+                        <a:scrgbClr r="0" g="0" b="0"/>
+                      </a:solidFill>
+                      <a:prstDash val="solid"/>
+                      <a:round/>
+                      <a:headEnd type="none" w="med" len="med"/>
+                      <a:tailEnd type="none" w="med" len="med"/>
+                    </a:lnR>
+                    <a:lnT w="12700" cap="flat" cmpd="sng" algn="ctr">
+                      <a:solidFill>
+                        <a:scrgbClr r="0" g="0" b="0"/>
+                      </a:solidFill>
+                      <a:prstDash val="solid"/>
+                      <a:round/>
+                      <a:headEnd type="none" w="med" len="med"/>
+                      <a:tailEnd type="none" w="med" len="med"/>
+                    </a:lnT>
+                    <a:lnB w="12700" cap="flat" cmpd="sng" algn="ctr">
+                      <a:solidFill>
+                        <a:scrgbClr r="0" g="0" b="0"/>
+                      </a:solidFill>
+                      <a:prstDash val="solid"/>
+                      <a:round/>
+                      <a:headEnd type="none" w="med" len="med"/>
+                      <a:tailEnd type="none" w="med" len="med"/>
+                    </a:lnB>
+                    <a:solidFill>
+                      <a:srgbClr val="FF7C10"/>
+                    </a:solidFill>
+                  </a:tcPr>
+                </a:tc>
+                <a:tc>
+                  <a:txBody>
+                    <a:bodyPr/>
+                    <a:lstStyle/>
+                    <a:p>
+                      <a:pPr algn="ctr"/>
+                      <a:r>
+                        <a:rPr lang="en-US" dirty="0"/>
+                        <a:t>7</a:t>
+                      </a:r>
+                    </a:p>
+                  </a:txBody>
+                  <a:tcPr>
+                    <a:lnL w="12700" cap="flat" cmpd="sng" algn="ctr">
+                      <a:solidFill>
+                        <a:scrgbClr r="0" g="0" b="0"/>
+                      </a:solidFill>
+                      <a:prstDash val="solid"/>
+                      <a:round/>
+                      <a:headEnd type="none" w="med" len="med"/>
+                      <a:tailEnd type="none" w="med" len="med"/>
+                    </a:lnL>
+                    <a:lnR w="12700" cap="flat" cmpd="sng" algn="ctr">
+                      <a:solidFill>
+                        <a:scrgbClr r="0" g="0" b="0"/>
+                      </a:solidFill>
+                      <a:prstDash val="solid"/>
+                      <a:round/>
+                      <a:headEnd type="none" w="med" len="med"/>
+                      <a:tailEnd type="none" w="med" len="med"/>
+                    </a:lnR>
+                    <a:lnT w="12700" cap="flat" cmpd="sng" algn="ctr">
+                      <a:solidFill>
+                        <a:scrgbClr r="0" g="0" b="0"/>
+                      </a:solidFill>
+                      <a:prstDash val="solid"/>
+                      <a:round/>
+                      <a:headEnd type="none" w="med" len="med"/>
+                      <a:tailEnd type="none" w="med" len="med"/>
+                    </a:lnT>
+                    <a:lnB w="12700" cap="flat" cmpd="sng" algn="ctr">
+                      <a:solidFill>
+                        <a:scrgbClr r="0" g="0" b="0"/>
+                      </a:solidFill>
+                      <a:prstDash val="solid"/>
+                      <a:round/>
+                      <a:headEnd type="none" w="med" len="med"/>
+                      <a:tailEnd type="none" w="med" len="med"/>
+                    </a:lnB>
+                    <a:solidFill>
+                      <a:srgbClr val="FF7C10"/>
+                    </a:solidFill>
+                  </a:tcPr>
+                </a:tc>
+                <a:tc>
+                  <a:txBody>
+                    <a:bodyPr/>
+                    <a:lstStyle/>
+                    <a:p>
+                      <a:pPr algn="ctr"/>
+                      <a:r>
+                        <a:rPr lang="en-US" dirty="0"/>
+                        <a:t>8</a:t>
+                      </a:r>
+                    </a:p>
+                  </a:txBody>
+                  <a:tcPr>
+                    <a:lnL w="12700" cap="flat" cmpd="sng" algn="ctr">
+                      <a:solidFill>
+                        <a:scrgbClr r="0" g="0" b="0"/>
+                      </a:solidFill>
+                      <a:prstDash val="solid"/>
+                      <a:round/>
+                      <a:headEnd type="none" w="med" len="med"/>
+                      <a:tailEnd type="none" w="med" len="med"/>
+                    </a:lnL>
+                    <a:lnR w="12700" cap="flat" cmpd="sng" algn="ctr">
+                      <a:solidFill>
+                        <a:scrgbClr r="0" g="0" b="0"/>
+                      </a:solidFill>
+                      <a:prstDash val="solid"/>
+                      <a:round/>
+                      <a:headEnd type="none" w="med" len="med"/>
+                      <a:tailEnd type="none" w="med" len="med"/>
+                    </a:lnR>
+                    <a:lnT w="12700" cap="flat" cmpd="sng" algn="ctr">
+                      <a:solidFill>
+                        <a:scrgbClr r="0" g="0" b="0"/>
+                      </a:solidFill>
+                      <a:prstDash val="solid"/>
+                      <a:round/>
+                      <a:headEnd type="none" w="med" len="med"/>
+                      <a:tailEnd type="none" w="med" len="med"/>
+                    </a:lnT>
+                    <a:lnB w="12700" cap="flat" cmpd="sng" algn="ctr">
+                      <a:solidFill>
+                        <a:scrgbClr r="0" g="0" b="0"/>
+                      </a:solidFill>
+                      <a:prstDash val="solid"/>
+                      <a:round/>
+                      <a:headEnd type="none" w="med" len="med"/>
+                      <a:tailEnd type="none" w="med" len="med"/>
+                    </a:lnB>
+                    <a:solidFill>
+                      <a:srgbClr val="FF7C10"/>
+                    </a:solidFill>
+                  </a:tcPr>
+                </a:tc>
+                <a:tc>
+                  <a:txBody>
+                    <a:bodyPr/>
+                    <a:lstStyle/>
+                    <a:p>
+                      <a:pPr algn="ctr"/>
+                      <a:r>
+                        <a:rPr lang="en-US" dirty="0"/>
+                        <a:t>9</a:t>
+                      </a:r>
+                    </a:p>
+                  </a:txBody>
+                  <a:tcPr>
+                    <a:lnL w="12700" cap="flat" cmpd="sng" algn="ctr">
+                      <a:solidFill>
+                        <a:scrgbClr r="0" g="0" b="0"/>
+                      </a:solidFill>
+                      <a:prstDash val="solid"/>
+                      <a:round/>
+                      <a:headEnd type="none" w="med" len="med"/>
+                      <a:tailEnd type="none" w="med" len="med"/>
+                    </a:lnL>
+                    <a:lnR w="12700" cap="flat" cmpd="sng" algn="ctr">
+                      <a:solidFill>
+                        <a:scrgbClr r="0" g="0" b="0"/>
+                      </a:solidFill>
+                      <a:prstDash val="solid"/>
+                      <a:round/>
+                      <a:headEnd type="none" w="med" len="med"/>
+                      <a:tailEnd type="none" w="med" len="med"/>
+                    </a:lnR>
+                    <a:lnT w="12700" cap="flat" cmpd="sng" algn="ctr">
+                      <a:solidFill>
+                        <a:scrgbClr r="0" g="0" b="0"/>
+                      </a:solidFill>
+                      <a:prstDash val="solid"/>
+                      <a:round/>
+                      <a:headEnd type="none" w="med" len="med"/>
+                      <a:tailEnd type="none" w="med" len="med"/>
+                    </a:lnT>
+                    <a:lnB w="12700" cap="flat" cmpd="sng" algn="ctr">
+                      <a:solidFill>
+                        <a:scrgbClr r="0" g="0" b="0"/>
+                      </a:solidFill>
+                      <a:prstDash val="solid"/>
+                      <a:round/>
+                      <a:headEnd type="none" w="med" len="med"/>
+                      <a:tailEnd type="none" w="med" len="med"/>
+                    </a:lnB>
+                    <a:solidFill>
+                      <a:srgbClr val="FF7C10"/>
+                    </a:solidFill>
+                  </a:tcPr>
+                </a:tc>
+                <a:tc>
+                  <a:txBody>
+                    <a:bodyPr/>
+                    <a:lstStyle/>
+                    <a:p>
+                      <a:pPr algn="ctr"/>
+                      <a:endParaRPr lang="en-US" dirty="0"/>
+                    </a:p>
+                  </a:txBody>
+                  <a:tcPr>
+                    <a:lnL w="12700" cap="flat" cmpd="sng" algn="ctr">
+                      <a:solidFill>
+                        <a:scrgbClr r="0" g="0" b="0"/>
+                      </a:solidFill>
+                      <a:prstDash val="solid"/>
+                      <a:round/>
+                      <a:headEnd type="none" w="med" len="med"/>
+                      <a:tailEnd type="none" w="med" len="med"/>
+                    </a:lnL>
+                    <a:lnB w="12700" cap="flat" cmpd="sng" algn="ctr">
+                      <a:solidFill>
+                        <a:scrgbClr r="0" g="0" b="0"/>
+                      </a:solidFill>
+                      <a:prstDash val="solid"/>
+                      <a:round/>
+                      <a:headEnd type="none" w="med" len="med"/>
+                      <a:tailEnd type="none" w="med" len="med"/>
+                    </a:lnB>
+                    <a:solidFill>
+                      <a:srgbClr val="DDDDDD"/>
+                    </a:solidFill>
+                  </a:tcPr>
+                </a:tc>
+                <a:tc>
+                  <a:txBody>
+                    <a:bodyPr/>
+                    <a:lstStyle/>
+                    <a:p>
+                      <a:pPr algn="ctr"/>
+                      <a:endParaRPr lang="en-US" dirty="0"/>
+                    </a:p>
+                  </a:txBody>
+                  <a:tcPr>
+                    <a:solidFill>
+                      <a:srgbClr val="DDDDDD"/>
+                    </a:solidFill>
+                  </a:tcPr>
+                </a:tc>
+                <a:tc>
+                  <a:txBody>
+                    <a:bodyPr/>
+                    <a:lstStyle/>
+                    <a:p>
+                      <a:pPr algn="ctr"/>
+                      <a:endParaRPr lang="en-US" dirty="0"/>
+                    </a:p>
+                  </a:txBody>
+                  <a:tcPr>
+                    <a:solidFill>
+                      <a:srgbClr val="DDDDDD"/>
+                    </a:solidFill>
+                  </a:tcPr>
+                </a:tc>
+                <a:tc>
+                  <a:txBody>
+                    <a:bodyPr/>
+                    <a:lstStyle/>
+                    <a:p>
+                      <a:pPr marL="0" marR="0" indent="0" algn="ctr" defTabSz="457200" rtl="0" eaLnBrk="1" fontAlgn="auto" latinLnBrk="0" hangingPunct="1">
+                        <a:lnSpc>
+                          <a:spcPct val="100000"/>
+                        </a:lnSpc>
+                        <a:spcBef>
+                          <a:spcPts val="0"/>
+                        </a:spcBef>
+                        <a:spcAft>
+                          <a:spcPts val="0"/>
+                        </a:spcAft>
+                        <a:buClrTx/>
+                        <a:buSzTx/>
+                        <a:buFontTx/>
+                        <a:buNone/>
+                        <a:tabLst/>
+                        <a:defRPr/>
+                      </a:pPr>
+                      <a:r>
+                        <a:rPr lang="en-US" dirty="0"/>
+                        <a:t>E</a:t>
+                      </a:r>
+                      <a:r>
+                        <a:rPr lang="en-US" baseline="-25000" dirty="0"/>
+                        <a:t>6</a:t>
+                      </a:r>
+                      <a:r>
+                        <a:rPr lang="en-US" dirty="0"/>
+                        <a:t>+…+E</a:t>
+                      </a:r>
+                      <a:r>
+                        <a:rPr lang="en-US" baseline="-25000" dirty="0"/>
+                        <a:t>9</a:t>
+                      </a:r>
+                      <a:endParaRPr lang="en-US" dirty="0"/>
+                    </a:p>
+                  </a:txBody>
+                  <a:tcPr>
+                    <a:solidFill>
+                      <a:srgbClr val="FF7C10"/>
+                    </a:solidFill>
+                  </a:tcPr>
+                </a:tc>
+                <a:extLst>
+                  <a:ext uri="{0D108BD9-81ED-4DB2-BD59-A6C34878D82A}">
+                    <a16:rowId xmlns:a16="http://schemas.microsoft.com/office/drawing/2014/main" val="10005"/>
+                  </a:ext>
+                </a:extLst>
+              </a:tr>
+              <a:tr h="369100">
+                <a:tc>
+                  <a:txBody>
+                    <a:bodyPr/>
+                    <a:lstStyle/>
+                    <a:p>
+                      <a:pPr algn="ctr"/>
+                      <a:r>
+                        <a:rPr lang="en-US" dirty="0">
+                          <a:solidFill>
+                            <a:srgbClr val="003D62"/>
+                          </a:solidFill>
+                        </a:rPr>
+                        <a:t>5</a:t>
+                      </a:r>
+                    </a:p>
+                  </a:txBody>
+                  <a:tcPr>
+                    <a:lnR w="12700" cap="flat" cmpd="sng" algn="ctr">
+                      <a:solidFill>
+                        <a:scrgbClr r="0" g="0" b="0"/>
+                      </a:solidFill>
+                      <a:prstDash val="solid"/>
+                      <a:round/>
+                      <a:headEnd type="none" w="med" len="med"/>
+                      <a:tailEnd type="none" w="med" len="med"/>
+                    </a:lnR>
+                    <a:noFill/>
+                  </a:tcPr>
+                </a:tc>
+                <a:tc>
+                  <a:txBody>
+                    <a:bodyPr/>
+                    <a:lstStyle/>
+                    <a:p>
+                      <a:pPr algn="ctr"/>
+                      <a:r>
+                        <a:rPr lang="en-US" dirty="0"/>
+                        <a:t>10</a:t>
+                      </a:r>
+                    </a:p>
+                  </a:txBody>
+                  <a:tcPr>
+                    <a:lnL w="12700" cap="flat" cmpd="sng" algn="ctr">
+                      <a:solidFill>
+                        <a:scrgbClr r="0" g="0" b="0"/>
+                      </a:solidFill>
+                      <a:prstDash val="solid"/>
+                      <a:round/>
+                      <a:headEnd type="none" w="med" len="med"/>
+                      <a:tailEnd type="none" w="med" len="med"/>
+                    </a:lnL>
+                    <a:lnR w="12700" cap="flat" cmpd="sng" algn="ctr">
+                      <a:solidFill>
+                        <a:scrgbClr r="0" g="0" b="0"/>
+                      </a:solidFill>
+                      <a:prstDash val="solid"/>
+                      <a:round/>
+                      <a:headEnd type="none" w="med" len="med"/>
+                      <a:tailEnd type="none" w="med" len="med"/>
+                    </a:lnR>
+                    <a:lnT w="12700" cap="flat" cmpd="sng" algn="ctr">
+                      <a:solidFill>
+                        <a:scrgbClr r="0" g="0" b="0"/>
+                      </a:solidFill>
+                      <a:prstDash val="solid"/>
+                      <a:round/>
+                      <a:headEnd type="none" w="med" len="med"/>
+                      <a:tailEnd type="none" w="med" len="med"/>
+                    </a:lnT>
+                    <a:lnB w="12700" cap="flat" cmpd="sng" algn="ctr">
+                      <a:solidFill>
+                        <a:scrgbClr r="0" g="0" b="0"/>
+                      </a:solidFill>
+                      <a:prstDash val="solid"/>
+                      <a:round/>
+                      <a:headEnd type="none" w="med" len="med"/>
+                      <a:tailEnd type="none" w="med" len="med"/>
+                    </a:lnB>
+                    <a:solidFill>
+                      <a:srgbClr val="A6A6A6"/>
+                    </a:solidFill>
+                  </a:tcPr>
+                </a:tc>
+                <a:tc>
+                  <a:txBody>
+                    <a:bodyPr/>
+                    <a:lstStyle/>
+                    <a:p>
+                      <a:pPr algn="ctr"/>
+                      <a:r>
+                        <a:rPr lang="en-US" dirty="0"/>
+                        <a:t>11</a:t>
+                      </a:r>
+                    </a:p>
+                  </a:txBody>
+                  <a:tcPr>
+                    <a:lnL w="12700" cap="flat" cmpd="sng" algn="ctr">
+                      <a:solidFill>
+                        <a:scrgbClr r="0" g="0" b="0"/>
+                      </a:solidFill>
+                      <a:prstDash val="solid"/>
+                      <a:round/>
+                      <a:headEnd type="none" w="med" len="med"/>
+                      <a:tailEnd type="none" w="med" len="med"/>
+                    </a:lnL>
+                    <a:lnR w="12700" cap="flat" cmpd="sng" algn="ctr">
+                      <a:solidFill>
+                        <a:scrgbClr r="0" g="0" b="0"/>
+                      </a:solidFill>
+                      <a:prstDash val="solid"/>
+                      <a:round/>
+                      <a:headEnd type="none" w="med" len="med"/>
+                      <a:tailEnd type="none" w="med" len="med"/>
+                    </a:lnR>
+                    <a:lnT w="12700" cap="flat" cmpd="sng" algn="ctr">
+                      <a:solidFill>
+                        <a:scrgbClr r="0" g="0" b="0"/>
+                      </a:solidFill>
+                      <a:prstDash val="solid"/>
+                      <a:round/>
+                      <a:headEnd type="none" w="med" len="med"/>
+                      <a:tailEnd type="none" w="med" len="med"/>
+                    </a:lnT>
+                    <a:lnB w="12700" cap="flat" cmpd="sng" algn="ctr">
+                      <a:solidFill>
+                        <a:scrgbClr r="0" g="0" b="0"/>
+                      </a:solidFill>
+                      <a:prstDash val="solid"/>
+                      <a:round/>
+                      <a:headEnd type="none" w="med" len="med"/>
+                      <a:tailEnd type="none" w="med" len="med"/>
+                    </a:lnB>
+                    <a:solidFill>
+                      <a:srgbClr val="A6A6A6"/>
+                    </a:solidFill>
+                  </a:tcPr>
+                </a:tc>
+                <a:tc>
+                  <a:txBody>
+                    <a:bodyPr/>
+                    <a:lstStyle/>
+                    <a:p>
+                      <a:pPr algn="ctr"/>
+                      <a:r>
+                        <a:rPr lang="en-US" dirty="0"/>
+                        <a:t>12</a:t>
+                      </a:r>
+                    </a:p>
+                  </a:txBody>
+                  <a:tcPr>
+                    <a:lnL w="12700" cap="flat" cmpd="sng" algn="ctr">
+                      <a:solidFill>
+                        <a:scrgbClr r="0" g="0" b="0"/>
+                      </a:solidFill>
+                      <a:prstDash val="solid"/>
+                      <a:round/>
+                      <a:headEnd type="none" w="med" len="med"/>
+                      <a:tailEnd type="none" w="med" len="med"/>
+                    </a:lnL>
+                    <a:lnR w="12700" cap="flat" cmpd="sng" algn="ctr">
+                      <a:solidFill>
+                        <a:scrgbClr r="0" g="0" b="0"/>
+                      </a:solidFill>
+                      <a:prstDash val="solid"/>
+                      <a:round/>
+                      <a:headEnd type="none" w="med" len="med"/>
+                      <a:tailEnd type="none" w="med" len="med"/>
+                    </a:lnR>
+                    <a:lnT w="12700" cap="flat" cmpd="sng" algn="ctr">
+                      <a:solidFill>
+                        <a:scrgbClr r="0" g="0" b="0"/>
+                      </a:solidFill>
+                      <a:prstDash val="solid"/>
+                      <a:round/>
+                      <a:headEnd type="none" w="med" len="med"/>
+                      <a:tailEnd type="none" w="med" len="med"/>
+                    </a:lnT>
+                    <a:lnB w="12700" cap="flat" cmpd="sng" algn="ctr">
+                      <a:solidFill>
+                        <a:scrgbClr r="0" g="0" b="0"/>
+                      </a:solidFill>
+                      <a:prstDash val="solid"/>
+                      <a:round/>
+                      <a:headEnd type="none" w="med" len="med"/>
+                      <a:tailEnd type="none" w="med" len="med"/>
+                    </a:lnB>
+                    <a:solidFill>
+                      <a:srgbClr val="A6A6A6"/>
+                    </a:solidFill>
+                  </a:tcPr>
+                </a:tc>
+                <a:tc>
+                  <a:txBody>
+                    <a:bodyPr/>
+                    <a:lstStyle/>
+                    <a:p>
+                      <a:pPr algn="ctr"/>
+                      <a:r>
+                        <a:rPr lang="en-US" dirty="0"/>
+                        <a:t>13</a:t>
+                      </a:r>
+                    </a:p>
+                  </a:txBody>
+                  <a:tcPr>
+                    <a:lnL w="12700" cap="flat" cmpd="sng" algn="ctr">
+                      <a:solidFill>
+                        <a:scrgbClr r="0" g="0" b="0"/>
+                      </a:solidFill>
+                      <a:prstDash val="solid"/>
+                      <a:round/>
+                      <a:headEnd type="none" w="med" len="med"/>
+                      <a:tailEnd type="none" w="med" len="med"/>
+                    </a:lnL>
+                    <a:lnR w="12700" cap="flat" cmpd="sng" algn="ctr">
+                      <a:solidFill>
+                        <a:scrgbClr r="0" g="0" b="0"/>
+                      </a:solidFill>
+                      <a:prstDash val="solid"/>
+                      <a:round/>
+                      <a:headEnd type="none" w="med" len="med"/>
+                      <a:tailEnd type="none" w="med" len="med"/>
+                    </a:lnR>
+                    <a:lnT w="12700" cap="flat" cmpd="sng" algn="ctr">
+                      <a:solidFill>
+                        <a:scrgbClr r="0" g="0" b="0"/>
+                      </a:solidFill>
+                      <a:prstDash val="solid"/>
+                      <a:round/>
+                      <a:headEnd type="none" w="med" len="med"/>
+                      <a:tailEnd type="none" w="med" len="med"/>
+                    </a:lnT>
+                    <a:lnB w="12700" cap="flat" cmpd="sng" algn="ctr">
+                      <a:solidFill>
+                        <a:scrgbClr r="0" g="0" b="0"/>
+                      </a:solidFill>
+                      <a:prstDash val="solid"/>
+                      <a:round/>
+                      <a:headEnd type="none" w="med" len="med"/>
+                      <a:tailEnd type="none" w="med" len="med"/>
+                    </a:lnB>
+                    <a:solidFill>
+                      <a:srgbClr val="A6A6A6"/>
+                    </a:solidFill>
+                  </a:tcPr>
+                </a:tc>
+                <a:tc>
+                  <a:txBody>
+                    <a:bodyPr/>
+                    <a:lstStyle/>
+                    <a:p>
+                      <a:pPr algn="ctr"/>
+                      <a:r>
+                        <a:rPr lang="en-US" dirty="0"/>
+                        <a:t>14</a:t>
+                      </a:r>
+                    </a:p>
+                  </a:txBody>
+                  <a:tcPr>
+                    <a:lnL w="12700" cap="flat" cmpd="sng" algn="ctr">
+                      <a:solidFill>
+                        <a:scrgbClr r="0" g="0" b="0"/>
+                      </a:solidFill>
+                      <a:prstDash val="solid"/>
+                      <a:round/>
+                      <a:headEnd type="none" w="med" len="med"/>
+                      <a:tailEnd type="none" w="med" len="med"/>
+                    </a:lnL>
+                    <a:lnR w="12700" cap="flat" cmpd="sng" algn="ctr">
+                      <a:solidFill>
+                        <a:scrgbClr r="0" g="0" b="0"/>
+                      </a:solidFill>
+                      <a:prstDash val="solid"/>
+                      <a:round/>
+                      <a:headEnd type="none" w="med" len="med"/>
+                      <a:tailEnd type="none" w="med" len="med"/>
+                    </a:lnR>
+                    <a:lnT w="12700" cap="flat" cmpd="sng" algn="ctr">
+                      <a:solidFill>
+                        <a:scrgbClr r="0" g="0" b="0"/>
+                      </a:solidFill>
+                      <a:prstDash val="solid"/>
+                      <a:round/>
+                      <a:headEnd type="none" w="med" len="med"/>
+                      <a:tailEnd type="none" w="med" len="med"/>
+                    </a:lnT>
+                    <a:lnB w="12700" cap="flat" cmpd="sng" algn="ctr">
+                      <a:solidFill>
+                        <a:scrgbClr r="0" g="0" b="0"/>
+                      </a:solidFill>
+                      <a:prstDash val="solid"/>
+                      <a:round/>
+                      <a:headEnd type="none" w="med" len="med"/>
+                      <a:tailEnd type="none" w="med" len="med"/>
+                    </a:lnB>
+                    <a:solidFill>
+                      <a:srgbClr val="FF7C10"/>
+                    </a:solidFill>
+                  </a:tcPr>
+                </a:tc>
+                <a:tc>
+                  <a:txBody>
+                    <a:bodyPr/>
+                    <a:lstStyle/>
+                    <a:p>
+                      <a:pPr algn="ctr"/>
+                      <a:endParaRPr lang="en-US" dirty="0"/>
+                    </a:p>
+                  </a:txBody>
+                  <a:tcPr>
+                    <a:lnL w="12700" cap="flat" cmpd="sng" algn="ctr">
+                      <a:solidFill>
+                        <a:scrgbClr r="0" g="0" b="0"/>
+                      </a:solidFill>
+                      <a:prstDash val="solid"/>
+                      <a:round/>
+                      <a:headEnd type="none" w="med" len="med"/>
+                      <a:tailEnd type="none" w="med" len="med"/>
+                    </a:lnL>
+                    <a:lnB w="12700" cap="flat" cmpd="sng" algn="ctr">
+                      <a:solidFill>
+                        <a:scrgbClr r="0" g="0" b="0"/>
+                      </a:solidFill>
+                      <a:prstDash val="solid"/>
+                      <a:round/>
+                      <a:headEnd type="none" w="med" len="med"/>
+                      <a:tailEnd type="none" w="med" len="med"/>
+                    </a:lnB>
+                    <a:solidFill>
+                      <a:srgbClr val="DDDDDD"/>
+                    </a:solidFill>
+                  </a:tcPr>
+                </a:tc>
+                <a:tc>
+                  <a:txBody>
+                    <a:bodyPr/>
+                    <a:lstStyle/>
+                    <a:p>
+                      <a:pPr algn="ctr"/>
+                      <a:endParaRPr lang="en-US" dirty="0"/>
+                    </a:p>
+                  </a:txBody>
+                  <a:tcPr>
+                    <a:solidFill>
+                      <a:srgbClr val="DDDDDD"/>
+                    </a:solidFill>
+                  </a:tcPr>
+                </a:tc>
+                <a:tc>
+                  <a:txBody>
+                    <a:bodyPr/>
+                    <a:lstStyle/>
+                    <a:p>
+                      <a:pPr marL="0" marR="0" indent="0" algn="ctr" defTabSz="457200" rtl="0" eaLnBrk="1" fontAlgn="auto" latinLnBrk="0" hangingPunct="1">
+                        <a:lnSpc>
+                          <a:spcPct val="100000"/>
+                        </a:lnSpc>
+                        <a:spcBef>
+                          <a:spcPts val="0"/>
+                        </a:spcBef>
+                        <a:spcAft>
+                          <a:spcPts val="0"/>
+                        </a:spcAft>
+                        <a:buClrTx/>
+                        <a:buSzTx/>
+                        <a:buFontTx/>
+                        <a:buNone/>
+                        <a:tabLst/>
+                        <a:defRPr/>
+                      </a:pPr>
+                      <a:r>
+                        <a:rPr lang="en-US" dirty="0"/>
+                        <a:t>E</a:t>
+                      </a:r>
+                      <a:r>
+                        <a:rPr lang="en-US" baseline="-25000" dirty="0"/>
+                        <a:t>10</a:t>
+                      </a:r>
+                      <a:r>
+                        <a:rPr lang="en-US" dirty="0"/>
+                        <a:t>+…+E</a:t>
+                      </a:r>
+                      <a:r>
+                        <a:rPr lang="en-US" baseline="-25000" dirty="0"/>
+                        <a:t>14</a:t>
+                      </a:r>
+                      <a:r>
+                        <a:rPr lang="en-US" dirty="0">
+                          <a:solidFill>
+                            <a:srgbClr val="FF7C10"/>
+                          </a:solidFill>
+                        </a:rPr>
+                        <a:t>-E</a:t>
+                      </a:r>
+                      <a:r>
+                        <a:rPr lang="en-US" baseline="-25000" dirty="0">
+                          <a:solidFill>
+                            <a:srgbClr val="FF7C10"/>
+                          </a:solidFill>
+                        </a:rPr>
+                        <a:t>14</a:t>
+                      </a:r>
+                      <a:r>
+                        <a:rPr lang="en-US" dirty="0">
+                          <a:solidFill>
+                            <a:srgbClr val="FF7C10"/>
+                          </a:solidFill>
+                        </a:rPr>
+                        <a:t>+E’</a:t>
+                      </a:r>
+                      <a:r>
+                        <a:rPr lang="en-US" baseline="-25000" dirty="0">
+                          <a:solidFill>
+                            <a:srgbClr val="FF7C10"/>
+                          </a:solidFill>
+                        </a:rPr>
+                        <a:t>14</a:t>
+                      </a:r>
+                    </a:p>
+                  </a:txBody>
+                  <a:tcPr>
+                    <a:solidFill>
+                      <a:srgbClr val="DDDDDD"/>
+                    </a:solidFill>
+                  </a:tcPr>
+                </a:tc>
+                <a:extLst>
+                  <a:ext uri="{0D108BD9-81ED-4DB2-BD59-A6C34878D82A}">
+                    <a16:rowId xmlns:a16="http://schemas.microsoft.com/office/drawing/2014/main" val="10006"/>
+                  </a:ext>
+                </a:extLst>
+              </a:tr>
+              <a:tr h="369100">
+                <a:tc>
+                  <a:txBody>
+                    <a:bodyPr/>
+                    <a:lstStyle/>
+                    <a:p>
+                      <a:pPr algn="ctr"/>
+                      <a:r>
+                        <a:rPr lang="en-US" dirty="0">
+                          <a:solidFill>
+                            <a:srgbClr val="003D62"/>
+                          </a:solidFill>
+                        </a:rPr>
+                        <a:t>6</a:t>
+                      </a:r>
+                    </a:p>
+                  </a:txBody>
+                  <a:tcPr>
+                    <a:lnR w="12700" cap="flat" cmpd="sng" algn="ctr">
+                      <a:solidFill>
+                        <a:scrgbClr r="0" g="0" b="0"/>
+                      </a:solidFill>
+                      <a:prstDash val="solid"/>
+                      <a:round/>
+                      <a:headEnd type="none" w="med" len="med"/>
+                      <a:tailEnd type="none" w="med" len="med"/>
+                    </a:lnR>
+                    <a:noFill/>
+                  </a:tcPr>
+                </a:tc>
+                <a:tc>
+                  <a:txBody>
+                    <a:bodyPr/>
+                    <a:lstStyle/>
+                    <a:p>
+                      <a:pPr algn="ctr"/>
+                      <a:r>
+                        <a:rPr lang="en-US" dirty="0"/>
+                        <a:t>15</a:t>
+                      </a:r>
+                    </a:p>
+                  </a:txBody>
+                  <a:tcPr>
+                    <a:lnL w="12700" cap="flat" cmpd="sng" algn="ctr">
+                      <a:solidFill>
+                        <a:scrgbClr r="0" g="0" b="0"/>
+                      </a:solidFill>
+                      <a:prstDash val="solid"/>
+                      <a:round/>
+                      <a:headEnd type="none" w="med" len="med"/>
+                      <a:tailEnd type="none" w="med" len="med"/>
+                    </a:lnL>
+                    <a:lnR w="12700" cap="flat" cmpd="sng" algn="ctr">
+                      <a:solidFill>
+                        <a:scrgbClr r="0" g="0" b="0"/>
+                      </a:solidFill>
+                      <a:prstDash val="solid"/>
+                      <a:round/>
+                      <a:headEnd type="none" w="med" len="med"/>
+                      <a:tailEnd type="none" w="med" len="med"/>
+                    </a:lnR>
+                    <a:lnT w="12700" cap="flat" cmpd="sng" algn="ctr">
+                      <a:solidFill>
+                        <a:scrgbClr r="0" g="0" b="0"/>
+                      </a:solidFill>
+                      <a:prstDash val="solid"/>
+                      <a:round/>
+                      <a:headEnd type="none" w="med" len="med"/>
+                      <a:tailEnd type="none" w="med" len="med"/>
+                    </a:lnT>
+                    <a:lnB w="12700" cap="flat" cmpd="sng" algn="ctr">
+                      <a:solidFill>
+                        <a:scrgbClr r="0" g="0" b="0"/>
+                      </a:solidFill>
+                      <a:prstDash val="solid"/>
+                      <a:round/>
+                      <a:headEnd type="none" w="med" len="med"/>
+                      <a:tailEnd type="none" w="med" len="med"/>
+                    </a:lnB>
+                    <a:solidFill>
+                      <a:srgbClr val="A6A6A6"/>
+                    </a:solidFill>
+                  </a:tcPr>
+                </a:tc>
+                <a:tc>
+                  <a:txBody>
+                    <a:bodyPr/>
+                    <a:lstStyle/>
+                    <a:p>
+                      <a:pPr algn="ctr"/>
+                      <a:r>
+                        <a:rPr lang="en-US" dirty="0"/>
+                        <a:t>16</a:t>
+                      </a:r>
+                    </a:p>
+                  </a:txBody>
+                  <a:tcPr>
+                    <a:lnL w="12700" cap="flat" cmpd="sng" algn="ctr">
+                      <a:solidFill>
+                        <a:scrgbClr r="0" g="0" b="0"/>
+                      </a:solidFill>
+                      <a:prstDash val="solid"/>
+                      <a:round/>
+                      <a:headEnd type="none" w="med" len="med"/>
+                      <a:tailEnd type="none" w="med" len="med"/>
+                    </a:lnL>
+                    <a:lnR w="12700" cap="flat" cmpd="sng" algn="ctr">
+                      <a:solidFill>
+                        <a:scrgbClr r="0" g="0" b="0"/>
+                      </a:solidFill>
+                      <a:prstDash val="solid"/>
+                      <a:round/>
+                      <a:headEnd type="none" w="med" len="med"/>
+                      <a:tailEnd type="none" w="med" len="med"/>
+                    </a:lnR>
+                    <a:lnT w="12700" cap="flat" cmpd="sng" algn="ctr">
+                      <a:solidFill>
+                        <a:scrgbClr r="0" g="0" b="0"/>
+                      </a:solidFill>
+                      <a:prstDash val="solid"/>
+                      <a:round/>
+                      <a:headEnd type="none" w="med" len="med"/>
+                      <a:tailEnd type="none" w="med" len="med"/>
+                    </a:lnT>
+                    <a:lnB w="12700" cap="flat" cmpd="sng" algn="ctr">
+                      <a:solidFill>
+                        <a:scrgbClr r="0" g="0" b="0"/>
+                      </a:solidFill>
+                      <a:prstDash val="solid"/>
+                      <a:round/>
+                      <a:headEnd type="none" w="med" len="med"/>
+                      <a:tailEnd type="none" w="med" len="med"/>
+                    </a:lnB>
+                    <a:solidFill>
+                      <a:srgbClr val="A6A6A6"/>
+                    </a:solidFill>
+                  </a:tcPr>
+                </a:tc>
+                <a:tc>
+                  <a:txBody>
+                    <a:bodyPr/>
+                    <a:lstStyle/>
+                    <a:p>
+                      <a:pPr algn="ctr"/>
+                      <a:r>
+                        <a:rPr lang="en-US" dirty="0"/>
+                        <a:t>17</a:t>
+                      </a:r>
+                    </a:p>
+                  </a:txBody>
+                  <a:tcPr>
+                    <a:lnL w="12700" cap="flat" cmpd="sng" algn="ctr">
+                      <a:solidFill>
+                        <a:scrgbClr r="0" g="0" b="0"/>
+                      </a:solidFill>
+                      <a:prstDash val="solid"/>
+                      <a:round/>
+                      <a:headEnd type="none" w="med" len="med"/>
+                      <a:tailEnd type="none" w="med" len="med"/>
+                    </a:lnL>
+                    <a:lnR w="12700" cap="flat" cmpd="sng" algn="ctr">
+                      <a:solidFill>
+                        <a:scrgbClr r="0" g="0" b="0"/>
+                      </a:solidFill>
+                      <a:prstDash val="solid"/>
+                      <a:round/>
+                      <a:headEnd type="none" w="med" len="med"/>
+                      <a:tailEnd type="none" w="med" len="med"/>
+                    </a:lnR>
+                    <a:lnT w="12700" cap="flat" cmpd="sng" algn="ctr">
+                      <a:solidFill>
+                        <a:scrgbClr r="0" g="0" b="0"/>
+                      </a:solidFill>
+                      <a:prstDash val="solid"/>
+                      <a:round/>
+                      <a:headEnd type="none" w="med" len="med"/>
+                      <a:tailEnd type="none" w="med" len="med"/>
+                    </a:lnT>
+                    <a:lnB w="12700" cap="flat" cmpd="sng" algn="ctr">
+                      <a:solidFill>
+                        <a:scrgbClr r="0" g="0" b="0"/>
+                      </a:solidFill>
+                      <a:prstDash val="solid"/>
+                      <a:round/>
+                      <a:headEnd type="none" w="med" len="med"/>
+                      <a:tailEnd type="none" w="med" len="med"/>
+                    </a:lnB>
+                    <a:solidFill>
+                      <a:srgbClr val="A6A6A6"/>
+                    </a:solidFill>
+                  </a:tcPr>
+                </a:tc>
+                <a:tc>
+                  <a:txBody>
+                    <a:bodyPr/>
+                    <a:lstStyle/>
+                    <a:p>
+                      <a:pPr algn="ctr"/>
+                      <a:r>
+                        <a:rPr lang="en-US" dirty="0"/>
+                        <a:t>18</a:t>
+                      </a:r>
+                    </a:p>
+                  </a:txBody>
+                  <a:tcPr>
+                    <a:lnL w="12700" cap="flat" cmpd="sng" algn="ctr">
+                      <a:solidFill>
+                        <a:scrgbClr r="0" g="0" b="0"/>
+                      </a:solidFill>
+                      <a:prstDash val="solid"/>
+                      <a:round/>
+                      <a:headEnd type="none" w="med" len="med"/>
+                      <a:tailEnd type="none" w="med" len="med"/>
+                    </a:lnL>
+                    <a:lnR w="12700" cap="flat" cmpd="sng" algn="ctr">
+                      <a:solidFill>
+                        <a:scrgbClr r="0" g="0" b="0"/>
+                      </a:solidFill>
+                      <a:prstDash val="solid"/>
+                      <a:round/>
+                      <a:headEnd type="none" w="med" len="med"/>
+                      <a:tailEnd type="none" w="med" len="med"/>
+                    </a:lnR>
+                    <a:lnT w="12700" cap="flat" cmpd="sng" algn="ctr">
+                      <a:solidFill>
+                        <a:scrgbClr r="0" g="0" b="0"/>
+                      </a:solidFill>
+                      <a:prstDash val="solid"/>
+                      <a:round/>
+                      <a:headEnd type="none" w="med" len="med"/>
+                      <a:tailEnd type="none" w="med" len="med"/>
+                    </a:lnT>
+                    <a:lnB w="12700" cap="flat" cmpd="sng" algn="ctr">
+                      <a:solidFill>
+                        <a:scrgbClr r="0" g="0" b="0"/>
+                      </a:solidFill>
+                      <a:prstDash val="solid"/>
+                      <a:round/>
+                      <a:headEnd type="none" w="med" len="med"/>
+                      <a:tailEnd type="none" w="med" len="med"/>
+                    </a:lnB>
+                    <a:solidFill>
+                      <a:srgbClr val="A6A6A6"/>
+                    </a:solidFill>
+                  </a:tcPr>
+                </a:tc>
+                <a:tc>
+                  <a:txBody>
+                    <a:bodyPr/>
+                    <a:lstStyle/>
+                    <a:p>
+                      <a:pPr algn="ctr"/>
+                      <a:r>
+                        <a:rPr lang="en-US" dirty="0"/>
+                        <a:t>19</a:t>
+                      </a:r>
+                    </a:p>
+                  </a:txBody>
+                  <a:tcPr>
+                    <a:lnL w="12700" cap="flat" cmpd="sng" algn="ctr">
+                      <a:solidFill>
+                        <a:scrgbClr r="0" g="0" b="0"/>
+                      </a:solidFill>
+                      <a:prstDash val="solid"/>
+                      <a:round/>
+                      <a:headEnd type="none" w="med" len="med"/>
+                      <a:tailEnd type="none" w="med" len="med"/>
+                    </a:lnL>
+                    <a:lnR w="12700" cap="flat" cmpd="sng" algn="ctr">
+                      <a:solidFill>
+                        <a:scrgbClr r="0" g="0" b="0"/>
+                      </a:solidFill>
+                      <a:prstDash val="solid"/>
+                      <a:round/>
+                      <a:headEnd type="none" w="med" len="med"/>
+                      <a:tailEnd type="none" w="med" len="med"/>
+                    </a:lnR>
+                    <a:lnT w="12700" cap="flat" cmpd="sng" algn="ctr">
+                      <a:solidFill>
+                        <a:scrgbClr r="0" g="0" b="0"/>
+                      </a:solidFill>
+                      <a:prstDash val="solid"/>
+                      <a:round/>
+                      <a:headEnd type="none" w="med" len="med"/>
+                      <a:tailEnd type="none" w="med" len="med"/>
+                    </a:lnT>
+                    <a:lnB w="12700" cap="flat" cmpd="sng" algn="ctr">
+                      <a:solidFill>
+                        <a:scrgbClr r="0" g="0" b="0"/>
+                      </a:solidFill>
+                      <a:prstDash val="solid"/>
+                      <a:round/>
+                      <a:headEnd type="none" w="med" len="med"/>
+                      <a:tailEnd type="none" w="med" len="med"/>
+                    </a:lnB>
+                    <a:solidFill>
+                      <a:srgbClr val="FF7C10"/>
+                    </a:solidFill>
+                  </a:tcPr>
+                </a:tc>
+                <a:tc>
+                  <a:txBody>
+                    <a:bodyPr/>
+                    <a:lstStyle/>
+                    <a:p>
+                      <a:pPr algn="ctr"/>
+                      <a:r>
+                        <a:rPr lang="en-US" dirty="0"/>
+                        <a:t>20</a:t>
+                      </a:r>
+                    </a:p>
+                  </a:txBody>
+                  <a:tcPr>
+                    <a:lnL w="12700" cap="flat" cmpd="sng" algn="ctr">
+                      <a:solidFill>
+                        <a:scrgbClr r="0" g="0" b="0"/>
+                      </a:solidFill>
+                      <a:prstDash val="solid"/>
+                      <a:round/>
+                      <a:headEnd type="none" w="med" len="med"/>
+                      <a:tailEnd type="none" w="med" len="med"/>
+                    </a:lnL>
+                    <a:lnR w="12700" cap="flat" cmpd="sng" algn="ctr">
+                      <a:solidFill>
+                        <a:scrgbClr r="0" g="0" b="0"/>
+                      </a:solidFill>
+                      <a:prstDash val="solid"/>
+                      <a:round/>
+                      <a:headEnd type="none" w="med" len="med"/>
+                      <a:tailEnd type="none" w="med" len="med"/>
+                    </a:lnR>
+                    <a:lnT w="12700" cap="flat" cmpd="sng" algn="ctr">
+                      <a:solidFill>
+                        <a:scrgbClr r="0" g="0" b="0"/>
+                      </a:solidFill>
+                      <a:prstDash val="solid"/>
+                      <a:round/>
+                      <a:headEnd type="none" w="med" len="med"/>
+                      <a:tailEnd type="none" w="med" len="med"/>
+                    </a:lnT>
+                    <a:lnB w="12700" cap="flat" cmpd="sng" algn="ctr">
+                      <a:solidFill>
+                        <a:scrgbClr r="0" g="0" b="0"/>
+                      </a:solidFill>
+                      <a:prstDash val="solid"/>
+                      <a:round/>
+                      <a:headEnd type="none" w="med" len="med"/>
+                      <a:tailEnd type="none" w="med" len="med"/>
+                    </a:lnB>
+                    <a:solidFill>
+                      <a:srgbClr val="A6A6A6"/>
+                    </a:solidFill>
+                  </a:tcPr>
+                </a:tc>
+                <a:tc>
+                  <a:txBody>
+                    <a:bodyPr/>
+                    <a:lstStyle/>
+                    <a:p>
+                      <a:pPr algn="ctr"/>
+                      <a:endParaRPr lang="en-US" dirty="0"/>
+                    </a:p>
+                  </a:txBody>
+                  <a:tcPr>
+                    <a:lnL w="12700" cap="flat" cmpd="sng" algn="ctr">
+                      <a:solidFill>
+                        <a:scrgbClr r="0" g="0" b="0"/>
+                      </a:solidFill>
+                      <a:prstDash val="solid"/>
+                      <a:round/>
+                      <a:headEnd type="none" w="med" len="med"/>
+                      <a:tailEnd type="none" w="med" len="med"/>
+                    </a:lnL>
+                    <a:lnR w="12700" cap="flat" cmpd="sng" algn="ctr">
+                      <a:solidFill>
+                        <a:scrgbClr r="0" g="0" b="0"/>
+                      </a:solidFill>
+                      <a:prstDash val="solid"/>
+                      <a:round/>
+                      <a:headEnd type="none" w="med" len="med"/>
+                      <a:tailEnd type="none" w="med" len="med"/>
+                    </a:lnR>
+                    <a:solidFill>
+                      <a:srgbClr val="DDDDDD"/>
+                    </a:solidFill>
+                  </a:tcPr>
+                </a:tc>
+                <a:tc>
+                  <a:txBody>
+                    <a:bodyPr/>
+                    <a:lstStyle/>
+                    <a:p>
+                      <a:pPr marL="0" marR="0" indent="0" algn="ctr" defTabSz="457200" rtl="0" eaLnBrk="1" fontAlgn="auto" latinLnBrk="0" hangingPunct="1">
+                        <a:lnSpc>
+                          <a:spcPct val="100000"/>
+                        </a:lnSpc>
+                        <a:spcBef>
+                          <a:spcPts val="0"/>
+                        </a:spcBef>
+                        <a:spcAft>
+                          <a:spcPts val="0"/>
+                        </a:spcAft>
+                        <a:buClrTx/>
+                        <a:buSzTx/>
+                        <a:buFontTx/>
+                        <a:buNone/>
+                        <a:tabLst/>
+                        <a:defRPr/>
+                      </a:pPr>
+                      <a:r>
+                        <a:rPr lang="en-US" dirty="0"/>
+                        <a:t>E</a:t>
+                      </a:r>
+                      <a:r>
+                        <a:rPr lang="en-US" baseline="-25000" dirty="0"/>
+                        <a:t>15</a:t>
+                      </a:r>
+                      <a:r>
+                        <a:rPr lang="en-US" dirty="0"/>
+                        <a:t>+…+E</a:t>
+                      </a:r>
+                      <a:r>
+                        <a:rPr lang="en-US" baseline="-25000" dirty="0"/>
+                        <a:t>20</a:t>
+                      </a:r>
+                      <a:r>
+                        <a:rPr lang="en-US" baseline="0" dirty="0">
+                          <a:solidFill>
+                            <a:srgbClr val="FF7C10"/>
+                          </a:solidFill>
+                        </a:rPr>
+                        <a:t>-</a:t>
+                      </a:r>
+                      <a:r>
+                        <a:rPr lang="en-US" dirty="0">
+                          <a:solidFill>
+                            <a:srgbClr val="FF7C10"/>
+                          </a:solidFill>
+                        </a:rPr>
+                        <a:t>E</a:t>
+                      </a:r>
+                      <a:r>
+                        <a:rPr lang="en-US" baseline="-25000" dirty="0">
+                          <a:solidFill>
+                            <a:srgbClr val="FF7C10"/>
+                          </a:solidFill>
+                        </a:rPr>
+                        <a:t>19</a:t>
+                      </a:r>
+                      <a:r>
+                        <a:rPr lang="en-US" dirty="0">
+                          <a:solidFill>
+                            <a:srgbClr val="FF7C10"/>
+                          </a:solidFill>
+                        </a:rPr>
+                        <a:t>+E’</a:t>
+                      </a:r>
+                      <a:r>
+                        <a:rPr lang="en-US" baseline="-25000" dirty="0">
+                          <a:solidFill>
+                            <a:srgbClr val="FF7C10"/>
+                          </a:solidFill>
+                        </a:rPr>
+                        <a:t>19</a:t>
+                      </a:r>
+                    </a:p>
+                  </a:txBody>
+                  <a:tcPr>
+                    <a:lnL w="12700" cap="flat" cmpd="sng" algn="ctr">
+                      <a:solidFill>
+                        <a:scrgbClr r="0" g="0" b="0"/>
+                      </a:solidFill>
+                      <a:prstDash val="solid"/>
+                      <a:round/>
+                      <a:headEnd type="none" w="med" len="med"/>
+                      <a:tailEnd type="none" w="med" len="med"/>
+                    </a:lnL>
+                    <a:solidFill>
+                      <a:srgbClr val="DDDDDD"/>
+                    </a:solidFill>
+                  </a:tcPr>
+                </a:tc>
+                <a:extLst>
+                  <a:ext uri="{0D108BD9-81ED-4DB2-BD59-A6C34878D82A}">
+                    <a16:rowId xmlns:a16="http://schemas.microsoft.com/office/drawing/2014/main" val="10007"/>
+                  </a:ext>
+                </a:extLst>
+              </a:tr>
+            </a:tbl>
+          </a:graphicData>
+        </a:graphic>
+      </p:graphicFrame>
+    </p:spTree>
+    <p:extLst>
+      <p:ext uri="{BB962C8B-B14F-4D97-AF65-F5344CB8AC3E}">
+        <p14:creationId xmlns:p14="http://schemas.microsoft.com/office/powerpoint/2010/main" val="3383201513"/>
+      </p:ext>
+    </p:extLst>
+  </p:cSld>
+  <p:clrMapOvr>
+    <a:masterClrMapping/>
+  </p:clrMapOvr>
+</p:sld>
+</file>
+
 <file path=ppt/slides/slide2.xml><?xml version="1.0" encoding="utf-8"?>
 <p:sld xmlns:a="http://schemas.openxmlformats.org/drawingml/2006/main" xmlns:r="http://schemas.openxmlformats.org/officeDocument/2006/relationships" xmlns:p="http://schemas.openxmlformats.org/presentationml/2006/main">
   <p:cSld>
@@ -15062,7 +17648,7 @@
             <p:ph idx="1"/>
             <p:extLst>
               <p:ext uri="{D42A27DB-BD31-4B8C-83A1-F6EECF244321}">
-                <p14:modId xmlns:p14="http://schemas.microsoft.com/office/powerpoint/2010/main" val="519685751"/>
+                <p14:modId xmlns:p14="http://schemas.microsoft.com/office/powerpoint/2010/main" val="1345851156"/>
               </p:ext>
             </p:extLst>
           </p:nvPr>
@@ -18394,11 +20980,11 @@
                         <a:defRPr/>
                       </a:pPr>
                       <a:r>
-                        <a:rPr lang="en-US"/>
+                        <a:rPr lang="en-US" dirty="0"/>
                         <a:t>+E</a:t>
                       </a:r>
                       <a:r>
-                        <a:rPr lang="en-US" baseline="-25000"/>
+                        <a:rPr lang="en-US" baseline="-25000" dirty="0"/>
                         <a:t>10</a:t>
                       </a:r>
                       <a:r>
@@ -18468,14 +21054,7 @@
                         </a:rPr>
                         <a:t>19</a:t>
                       </a:r>
-                      <a:r>
-                        <a:rPr lang="en-US" dirty="0"/>
-                        <a:t>+E</a:t>
-                      </a:r>
-                      <a:r>
-                        <a:rPr lang="en-US" baseline="-25000" dirty="0"/>
-                        <a:t>20</a:t>
-                      </a:r>
+                      <a:endParaRPr lang="en-US" baseline="-25000" dirty="0"/>
                     </a:p>
                     <a:p>
                       <a:pPr marL="0" marR="0" lvl="0" indent="0" algn="ctr" defTabSz="457200" rtl="0" eaLnBrk="1" fontAlgn="auto" latinLnBrk="0" hangingPunct="1">
@@ -18576,6 +21155,3752 @@
 </file>
 
 <file path=ppt/slides/slide8.xml><?xml version="1.0" encoding="utf-8"?>
+<p:sld xmlns:a="http://schemas.openxmlformats.org/drawingml/2006/main" xmlns:r="http://schemas.openxmlformats.org/officeDocument/2006/relationships" xmlns:p="http://schemas.openxmlformats.org/presentationml/2006/main">
+  <p:cSld>
+    <p:spTree>
+      <p:nvGrpSpPr>
+        <p:cNvPr id="1" name=""/>
+        <p:cNvGrpSpPr/>
+        <p:nvPr/>
+      </p:nvGrpSpPr>
+      <p:grpSpPr>
+        <a:xfrm>
+          <a:off x="0" y="0"/>
+          <a:ext cx="0" cy="0"/>
+          <a:chOff x="0" y="0"/>
+          <a:chExt cx="0" cy="0"/>
+        </a:xfrm>
+      </p:grpSpPr>
+      <p:graphicFrame>
+        <p:nvGraphicFramePr>
+          <p:cNvPr id="6" name="Content Placeholder 5"/>
+          <p:cNvGraphicFramePr>
+            <a:graphicFrameLocks noGrp="1"/>
+          </p:cNvGraphicFramePr>
+          <p:nvPr>
+            <p:ph idx="1"/>
+            <p:extLst>
+              <p:ext uri="{D42A27DB-BD31-4B8C-83A1-F6EECF244321}">
+                <p14:modId xmlns:p14="http://schemas.microsoft.com/office/powerpoint/2010/main" val="3802349619"/>
+              </p:ext>
+            </p:extLst>
+          </p:nvPr>
+        </p:nvGraphicFramePr>
+        <p:xfrm>
+          <a:off x="2639617" y="1556792"/>
+          <a:ext cx="7200795" cy="5147360"/>
+        </p:xfrm>
+        <a:graphic>
+          <a:graphicData uri="http://schemas.openxmlformats.org/drawingml/2006/table">
+            <a:tbl>
+              <a:tblPr firstRow="1" bandRow="1">
+                <a:tableStyleId>{46F890A9-2807-4EBB-B81D-B2AA78EC7F39}</a:tableStyleId>
+              </a:tblPr>
+              <a:tblGrid>
+                <a:gridCol w="621069">
+                  <a:extLst>
+                    <a:ext uri="{9D8B030D-6E8A-4147-A177-3AD203B41FA5}">
+                      <a16:colId xmlns:a16="http://schemas.microsoft.com/office/drawing/2014/main" val="20000"/>
+                    </a:ext>
+                  </a:extLst>
+                </a:gridCol>
+                <a:gridCol w="621069">
+                  <a:extLst>
+                    <a:ext uri="{9D8B030D-6E8A-4147-A177-3AD203B41FA5}">
+                      <a16:colId xmlns:a16="http://schemas.microsoft.com/office/drawing/2014/main" val="20001"/>
+                    </a:ext>
+                  </a:extLst>
+                </a:gridCol>
+                <a:gridCol w="621069">
+                  <a:extLst>
+                    <a:ext uri="{9D8B030D-6E8A-4147-A177-3AD203B41FA5}">
+                      <a16:colId xmlns:a16="http://schemas.microsoft.com/office/drawing/2014/main" val="20002"/>
+                    </a:ext>
+                  </a:extLst>
+                </a:gridCol>
+                <a:gridCol w="621069">
+                  <a:extLst>
+                    <a:ext uri="{9D8B030D-6E8A-4147-A177-3AD203B41FA5}">
+                      <a16:colId xmlns:a16="http://schemas.microsoft.com/office/drawing/2014/main" val="20003"/>
+                    </a:ext>
+                  </a:extLst>
+                </a:gridCol>
+                <a:gridCol w="621069">
+                  <a:extLst>
+                    <a:ext uri="{9D8B030D-6E8A-4147-A177-3AD203B41FA5}">
+                      <a16:colId xmlns:a16="http://schemas.microsoft.com/office/drawing/2014/main" val="20004"/>
+                    </a:ext>
+                  </a:extLst>
+                </a:gridCol>
+                <a:gridCol w="621069">
+                  <a:extLst>
+                    <a:ext uri="{9D8B030D-6E8A-4147-A177-3AD203B41FA5}">
+                      <a16:colId xmlns:a16="http://schemas.microsoft.com/office/drawing/2014/main" val="20005"/>
+                    </a:ext>
+                  </a:extLst>
+                </a:gridCol>
+                <a:gridCol w="621069">
+                  <a:extLst>
+                    <a:ext uri="{9D8B030D-6E8A-4147-A177-3AD203B41FA5}">
+                      <a16:colId xmlns:a16="http://schemas.microsoft.com/office/drawing/2014/main" val="20006"/>
+                    </a:ext>
+                  </a:extLst>
+                </a:gridCol>
+                <a:gridCol w="621069">
+                  <a:extLst>
+                    <a:ext uri="{9D8B030D-6E8A-4147-A177-3AD203B41FA5}">
+                      <a16:colId xmlns:a16="http://schemas.microsoft.com/office/drawing/2014/main" val="20007"/>
+                    </a:ext>
+                  </a:extLst>
+                </a:gridCol>
+                <a:gridCol w="2232243">
+                  <a:extLst>
+                    <a:ext uri="{9D8B030D-6E8A-4147-A177-3AD203B41FA5}">
+                      <a16:colId xmlns:a16="http://schemas.microsoft.com/office/drawing/2014/main" val="20008"/>
+                    </a:ext>
+                  </a:extLst>
+                </a:gridCol>
+              </a:tblGrid>
+              <a:tr h="369100">
+                <a:tc>
+                  <a:txBody>
+                    <a:bodyPr/>
+                    <a:lstStyle/>
+                    <a:p>
+                      <a:pPr algn="ctr"/>
+                      <a:r>
+                        <a:rPr lang="en-US" b="0" i="1" dirty="0" err="1">
+                          <a:solidFill>
+                            <a:srgbClr val="003D62"/>
+                          </a:solidFill>
+                        </a:rPr>
+                        <a:t>E</a:t>
+                      </a:r>
+                      <a:r>
+                        <a:rPr lang="en-US" b="0" i="1" baseline="-25000" dirty="0" err="1">
+                          <a:solidFill>
+                            <a:srgbClr val="003D62"/>
+                          </a:solidFill>
+                        </a:rPr>
+                        <a:t>ij</a:t>
+                      </a:r>
+                      <a:endParaRPr lang="en-US" b="0" i="1" baseline="-25000" dirty="0">
+                        <a:solidFill>
+                          <a:srgbClr val="003D62"/>
+                        </a:solidFill>
+                      </a:endParaRPr>
+                    </a:p>
+                  </a:txBody>
+                  <a:tcPr>
+                    <a:noFill/>
+                  </a:tcPr>
+                </a:tc>
+                <a:tc>
+                  <a:txBody>
+                    <a:bodyPr/>
+                    <a:lstStyle/>
+                    <a:p>
+                      <a:pPr algn="ctr"/>
+                      <a:r>
+                        <a:rPr lang="en-US" b="0" dirty="0">
+                          <a:solidFill>
+                            <a:srgbClr val="003D62"/>
+                          </a:solidFill>
+                        </a:rPr>
+                        <a:t>0</a:t>
+                      </a:r>
+                    </a:p>
+                  </a:txBody>
+                  <a:tcPr>
+                    <a:noFill/>
+                  </a:tcPr>
+                </a:tc>
+                <a:tc>
+                  <a:txBody>
+                    <a:bodyPr/>
+                    <a:lstStyle/>
+                    <a:p>
+                      <a:pPr algn="ctr"/>
+                      <a:r>
+                        <a:rPr lang="en-US" b="0" dirty="0">
+                          <a:solidFill>
+                            <a:srgbClr val="003D62"/>
+                          </a:solidFill>
+                        </a:rPr>
+                        <a:t>1</a:t>
+                      </a:r>
+                    </a:p>
+                  </a:txBody>
+                  <a:tcPr>
+                    <a:noFill/>
+                  </a:tcPr>
+                </a:tc>
+                <a:tc>
+                  <a:txBody>
+                    <a:bodyPr/>
+                    <a:lstStyle/>
+                    <a:p>
+                      <a:pPr algn="ctr"/>
+                      <a:r>
+                        <a:rPr lang="en-US" b="0" dirty="0">
+                          <a:solidFill>
+                            <a:srgbClr val="003D62"/>
+                          </a:solidFill>
+                        </a:rPr>
+                        <a:t>2</a:t>
+                      </a:r>
+                    </a:p>
+                  </a:txBody>
+                  <a:tcPr>
+                    <a:noFill/>
+                  </a:tcPr>
+                </a:tc>
+                <a:tc>
+                  <a:txBody>
+                    <a:bodyPr/>
+                    <a:lstStyle/>
+                    <a:p>
+                      <a:pPr algn="ctr"/>
+                      <a:r>
+                        <a:rPr lang="en-US" b="0" dirty="0">
+                          <a:solidFill>
+                            <a:srgbClr val="003D62"/>
+                          </a:solidFill>
+                        </a:rPr>
+                        <a:t>3</a:t>
+                      </a:r>
+                    </a:p>
+                  </a:txBody>
+                  <a:tcPr>
+                    <a:noFill/>
+                  </a:tcPr>
+                </a:tc>
+                <a:tc>
+                  <a:txBody>
+                    <a:bodyPr/>
+                    <a:lstStyle/>
+                    <a:p>
+                      <a:pPr algn="ctr"/>
+                      <a:r>
+                        <a:rPr lang="en-US" b="0" dirty="0">
+                          <a:solidFill>
+                            <a:srgbClr val="003D62"/>
+                          </a:solidFill>
+                        </a:rPr>
+                        <a:t>4</a:t>
+                      </a:r>
+                    </a:p>
+                  </a:txBody>
+                  <a:tcPr>
+                    <a:noFill/>
+                  </a:tcPr>
+                </a:tc>
+                <a:tc>
+                  <a:txBody>
+                    <a:bodyPr/>
+                    <a:lstStyle/>
+                    <a:p>
+                      <a:pPr algn="ctr"/>
+                      <a:r>
+                        <a:rPr lang="en-US" b="0" dirty="0">
+                          <a:solidFill>
+                            <a:srgbClr val="003D62"/>
+                          </a:solidFill>
+                        </a:rPr>
+                        <a:t>5</a:t>
+                      </a:r>
+                    </a:p>
+                  </a:txBody>
+                  <a:tcPr>
+                    <a:noFill/>
+                  </a:tcPr>
+                </a:tc>
+                <a:tc>
+                  <a:txBody>
+                    <a:bodyPr/>
+                    <a:lstStyle/>
+                    <a:p>
+                      <a:pPr algn="ctr"/>
+                      <a:r>
+                        <a:rPr lang="en-US" b="0" dirty="0">
+                          <a:solidFill>
+                            <a:srgbClr val="003D62"/>
+                          </a:solidFill>
+                        </a:rPr>
+                        <a:t>6</a:t>
+                      </a:r>
+                    </a:p>
+                  </a:txBody>
+                  <a:tcPr>
+                    <a:noFill/>
+                  </a:tcPr>
+                </a:tc>
+                <a:tc>
+                  <a:txBody>
+                    <a:bodyPr/>
+                    <a:lstStyle/>
+                    <a:p>
+                      <a:pPr algn="ctr"/>
+                      <a:r>
+                        <a:rPr lang="en-US" b="0" i="1" dirty="0" err="1">
+                          <a:solidFill>
+                            <a:srgbClr val="003D62"/>
+                          </a:solidFill>
+                        </a:rPr>
+                        <a:t>E</a:t>
+                      </a:r>
+                      <a:r>
+                        <a:rPr lang="en-US" b="0" i="1" baseline="-25000" dirty="0" err="1">
+                          <a:solidFill>
+                            <a:srgbClr val="003D62"/>
+                          </a:solidFill>
+                        </a:rPr>
+                        <a:t>row</a:t>
+                      </a:r>
+                      <a:endParaRPr lang="en-US" b="0" i="1" baseline="-25000" dirty="0">
+                        <a:solidFill>
+                          <a:srgbClr val="003D62"/>
+                        </a:solidFill>
+                      </a:endParaRPr>
+                    </a:p>
+                  </a:txBody>
+                  <a:tcPr>
+                    <a:lnB w="12700" cap="flat" cmpd="sng" algn="ctr">
+                      <a:solidFill>
+                        <a:scrgbClr r="0" g="0" b="0"/>
+                      </a:solidFill>
+                      <a:prstDash val="solid"/>
+                      <a:round/>
+                      <a:headEnd type="none" w="med" len="med"/>
+                      <a:tailEnd type="none" w="med" len="med"/>
+                    </a:lnB>
+                    <a:noFill/>
+                  </a:tcPr>
+                </a:tc>
+                <a:extLst>
+                  <a:ext uri="{0D108BD9-81ED-4DB2-BD59-A6C34878D82A}">
+                    <a16:rowId xmlns:a16="http://schemas.microsoft.com/office/drawing/2014/main" val="10000"/>
+                  </a:ext>
+                </a:extLst>
+              </a:tr>
+              <a:tr h="369100">
+                <a:tc>
+                  <a:txBody>
+                    <a:bodyPr/>
+                    <a:lstStyle/>
+                    <a:p>
+                      <a:pPr algn="ctr"/>
+                      <a:r>
+                        <a:rPr lang="en-US" dirty="0">
+                          <a:solidFill>
+                            <a:srgbClr val="003D62"/>
+                          </a:solidFill>
+                        </a:rPr>
+                        <a:t>0</a:t>
+                      </a:r>
+                    </a:p>
+                  </a:txBody>
+                  <a:tcPr>
+                    <a:noFill/>
+                  </a:tcPr>
+                </a:tc>
+                <a:tc>
+                  <a:txBody>
+                    <a:bodyPr/>
+                    <a:lstStyle/>
+                    <a:p>
+                      <a:pPr algn="ctr"/>
+                      <a:endParaRPr lang="en-US" dirty="0"/>
+                    </a:p>
+                  </a:txBody>
+                  <a:tcPr>
+                    <a:lnB w="12700" cap="flat" cmpd="sng" algn="ctr">
+                      <a:solidFill>
+                        <a:scrgbClr r="0" g="0" b="0"/>
+                      </a:solidFill>
+                      <a:prstDash val="solid"/>
+                      <a:round/>
+                      <a:headEnd type="none" w="med" len="med"/>
+                      <a:tailEnd type="none" w="med" len="med"/>
+                    </a:lnB>
+                    <a:solidFill>
+                      <a:schemeClr val="bg2"/>
+                    </a:solidFill>
+                  </a:tcPr>
+                </a:tc>
+                <a:tc>
+                  <a:txBody>
+                    <a:bodyPr/>
+                    <a:lstStyle/>
+                    <a:p>
+                      <a:pPr algn="ctr"/>
+                      <a:endParaRPr lang="en-US" dirty="0"/>
+                    </a:p>
+                  </a:txBody>
+                  <a:tcPr>
+                    <a:solidFill>
+                      <a:schemeClr val="bg2"/>
+                    </a:solidFill>
+                  </a:tcPr>
+                </a:tc>
+                <a:tc>
+                  <a:txBody>
+                    <a:bodyPr/>
+                    <a:lstStyle/>
+                    <a:p>
+                      <a:pPr algn="ctr"/>
+                      <a:endParaRPr lang="en-US" dirty="0"/>
+                    </a:p>
+                  </a:txBody>
+                  <a:tcPr>
+                    <a:solidFill>
+                      <a:schemeClr val="bg2"/>
+                    </a:solidFill>
+                  </a:tcPr>
+                </a:tc>
+                <a:tc>
+                  <a:txBody>
+                    <a:bodyPr/>
+                    <a:lstStyle/>
+                    <a:p>
+                      <a:pPr algn="ctr"/>
+                      <a:endParaRPr lang="en-US" dirty="0"/>
+                    </a:p>
+                  </a:txBody>
+                  <a:tcPr>
+                    <a:solidFill>
+                      <a:schemeClr val="bg2"/>
+                    </a:solidFill>
+                  </a:tcPr>
+                </a:tc>
+                <a:tc>
+                  <a:txBody>
+                    <a:bodyPr/>
+                    <a:lstStyle/>
+                    <a:p>
+                      <a:pPr algn="ctr"/>
+                      <a:endParaRPr lang="en-US" dirty="0"/>
+                    </a:p>
+                  </a:txBody>
+                  <a:tcPr>
+                    <a:solidFill>
+                      <a:schemeClr val="bg2"/>
+                    </a:solidFill>
+                  </a:tcPr>
+                </a:tc>
+                <a:tc>
+                  <a:txBody>
+                    <a:bodyPr/>
+                    <a:lstStyle/>
+                    <a:p>
+                      <a:pPr algn="ctr"/>
+                      <a:endParaRPr lang="en-US" dirty="0"/>
+                    </a:p>
+                  </a:txBody>
+                  <a:tcPr>
+                    <a:solidFill>
+                      <a:schemeClr val="bg2"/>
+                    </a:solidFill>
+                  </a:tcPr>
+                </a:tc>
+                <a:tc>
+                  <a:txBody>
+                    <a:bodyPr/>
+                    <a:lstStyle/>
+                    <a:p>
+                      <a:pPr algn="ctr"/>
+                      <a:endParaRPr lang="en-US" dirty="0"/>
+                    </a:p>
+                  </a:txBody>
+                  <a:tcPr>
+                    <a:lnR w="12700" cap="flat" cmpd="sng" algn="ctr">
+                      <a:solidFill>
+                        <a:scrgbClr r="0" g="0" b="0"/>
+                      </a:solidFill>
+                      <a:prstDash val="solid"/>
+                      <a:round/>
+                      <a:headEnd type="none" w="med" len="med"/>
+                      <a:tailEnd type="none" w="med" len="med"/>
+                    </a:lnR>
+                    <a:solidFill>
+                      <a:schemeClr val="bg2"/>
+                    </a:solidFill>
+                  </a:tcPr>
+                </a:tc>
+                <a:tc>
+                  <a:txBody>
+                    <a:bodyPr/>
+                    <a:lstStyle/>
+                    <a:p>
+                      <a:pPr algn="ctr"/>
+                      <a:endParaRPr lang="en-US" dirty="0"/>
+                    </a:p>
+                  </a:txBody>
+                  <a:tcPr>
+                    <a:lnL w="12700" cap="flat" cmpd="sng" algn="ctr">
+                      <a:solidFill>
+                        <a:scrgbClr r="0" g="0" b="0"/>
+                      </a:solidFill>
+                      <a:prstDash val="solid"/>
+                      <a:round/>
+                      <a:headEnd type="none" w="med" len="med"/>
+                      <a:tailEnd type="none" w="med" len="med"/>
+                    </a:lnL>
+                    <a:lnR w="12700" cap="flat" cmpd="sng" algn="ctr">
+                      <a:solidFill>
+                        <a:scrgbClr r="0" g="0" b="0"/>
+                      </a:solidFill>
+                      <a:prstDash val="solid"/>
+                      <a:round/>
+                      <a:headEnd type="none" w="med" len="med"/>
+                      <a:tailEnd type="none" w="med" len="med"/>
+                    </a:lnR>
+                    <a:lnT w="12700" cap="flat" cmpd="sng" algn="ctr">
+                      <a:solidFill>
+                        <a:scrgbClr r="0" g="0" b="0"/>
+                      </a:solidFill>
+                      <a:prstDash val="solid"/>
+                      <a:round/>
+                      <a:headEnd type="none" w="med" len="med"/>
+                      <a:tailEnd type="none" w="med" len="med"/>
+                    </a:lnT>
+                    <a:lnB w="12700" cap="flat" cmpd="sng" algn="ctr">
+                      <a:solidFill>
+                        <a:scrgbClr r="0" g="0" b="0"/>
+                      </a:solidFill>
+                      <a:prstDash val="solid"/>
+                      <a:round/>
+                      <a:headEnd type="none" w="med" len="med"/>
+                      <a:tailEnd type="none" w="med" len="med"/>
+                    </a:lnB>
+                    <a:solidFill>
+                      <a:schemeClr val="bg2"/>
+                    </a:solidFill>
+                  </a:tcPr>
+                </a:tc>
+                <a:extLst>
+                  <a:ext uri="{0D108BD9-81ED-4DB2-BD59-A6C34878D82A}">
+                    <a16:rowId xmlns:a16="http://schemas.microsoft.com/office/drawing/2014/main" val="10001"/>
+                  </a:ext>
+                </a:extLst>
+              </a:tr>
+              <a:tr h="369100">
+                <a:tc>
+                  <a:txBody>
+                    <a:bodyPr/>
+                    <a:lstStyle/>
+                    <a:p>
+                      <a:pPr algn="ctr"/>
+                      <a:r>
+                        <a:rPr lang="en-US" dirty="0">
+                          <a:solidFill>
+                            <a:srgbClr val="003D62"/>
+                          </a:solidFill>
+                        </a:rPr>
+                        <a:t>1</a:t>
+                      </a:r>
+                    </a:p>
+                  </a:txBody>
+                  <a:tcPr>
+                    <a:lnR w="12700" cap="flat" cmpd="sng" algn="ctr">
+                      <a:solidFill>
+                        <a:scrgbClr r="0" g="0" b="0"/>
+                      </a:solidFill>
+                      <a:prstDash val="solid"/>
+                      <a:round/>
+                      <a:headEnd type="none" w="med" len="med"/>
+                      <a:tailEnd type="none" w="med" len="med"/>
+                    </a:lnR>
+                    <a:noFill/>
+                  </a:tcPr>
+                </a:tc>
+                <a:tc>
+                  <a:txBody>
+                    <a:bodyPr/>
+                    <a:lstStyle/>
+                    <a:p>
+                      <a:pPr algn="ctr"/>
+                      <a:r>
+                        <a:rPr lang="en-US" dirty="0"/>
+                        <a:t>0</a:t>
+                      </a:r>
+                    </a:p>
+                  </a:txBody>
+                  <a:tcPr>
+                    <a:lnL w="12700" cap="flat" cmpd="sng" algn="ctr">
+                      <a:solidFill>
+                        <a:scrgbClr r="0" g="0" b="0"/>
+                      </a:solidFill>
+                      <a:prstDash val="solid"/>
+                      <a:round/>
+                      <a:headEnd type="none" w="med" len="med"/>
+                      <a:tailEnd type="none" w="med" len="med"/>
+                    </a:lnL>
+                    <a:lnR w="12700" cap="flat" cmpd="sng" algn="ctr">
+                      <a:solidFill>
+                        <a:scrgbClr r="0" g="0" b="0"/>
+                      </a:solidFill>
+                      <a:prstDash val="solid"/>
+                      <a:round/>
+                      <a:headEnd type="none" w="med" len="med"/>
+                      <a:tailEnd type="none" w="med" len="med"/>
+                    </a:lnR>
+                    <a:lnT w="12700" cap="flat" cmpd="sng" algn="ctr">
+                      <a:solidFill>
+                        <a:scrgbClr r="0" g="0" b="0"/>
+                      </a:solidFill>
+                      <a:prstDash val="solid"/>
+                      <a:round/>
+                      <a:headEnd type="none" w="med" len="med"/>
+                      <a:tailEnd type="none" w="med" len="med"/>
+                    </a:lnT>
+                    <a:lnB w="12700" cap="flat" cmpd="sng" algn="ctr">
+                      <a:solidFill>
+                        <a:scrgbClr r="0" g="0" b="0"/>
+                      </a:solidFill>
+                      <a:prstDash val="solid"/>
+                      <a:round/>
+                      <a:headEnd type="none" w="med" len="med"/>
+                      <a:tailEnd type="none" w="med" len="med"/>
+                    </a:lnB>
+                    <a:solidFill>
+                      <a:srgbClr val="A6A6A6"/>
+                    </a:solidFill>
+                  </a:tcPr>
+                </a:tc>
+                <a:tc>
+                  <a:txBody>
+                    <a:bodyPr/>
+                    <a:lstStyle/>
+                    <a:p>
+                      <a:pPr algn="ctr"/>
+                      <a:endParaRPr lang="en-US" dirty="0"/>
+                    </a:p>
+                  </a:txBody>
+                  <a:tcPr>
+                    <a:lnL w="12700" cap="flat" cmpd="sng" algn="ctr">
+                      <a:solidFill>
+                        <a:scrgbClr r="0" g="0" b="0"/>
+                      </a:solidFill>
+                      <a:prstDash val="solid"/>
+                      <a:round/>
+                      <a:headEnd type="none" w="med" len="med"/>
+                      <a:tailEnd type="none" w="med" len="med"/>
+                    </a:lnL>
+                    <a:lnB w="12700" cap="flat" cmpd="sng" algn="ctr">
+                      <a:solidFill>
+                        <a:scrgbClr r="0" g="0" b="0"/>
+                      </a:solidFill>
+                      <a:prstDash val="solid"/>
+                      <a:round/>
+                      <a:headEnd type="none" w="med" len="med"/>
+                      <a:tailEnd type="none" w="med" len="med"/>
+                    </a:lnB>
+                    <a:solidFill>
+                      <a:srgbClr val="DDDDDD"/>
+                    </a:solidFill>
+                  </a:tcPr>
+                </a:tc>
+                <a:tc>
+                  <a:txBody>
+                    <a:bodyPr/>
+                    <a:lstStyle/>
+                    <a:p>
+                      <a:pPr algn="ctr"/>
+                      <a:endParaRPr lang="en-US" dirty="0"/>
+                    </a:p>
+                  </a:txBody>
+                  <a:tcPr>
+                    <a:solidFill>
+                      <a:srgbClr val="DDDDDD"/>
+                    </a:solidFill>
+                  </a:tcPr>
+                </a:tc>
+                <a:tc>
+                  <a:txBody>
+                    <a:bodyPr/>
+                    <a:lstStyle/>
+                    <a:p>
+                      <a:pPr algn="ctr"/>
+                      <a:endParaRPr lang="en-US" dirty="0"/>
+                    </a:p>
+                  </a:txBody>
+                  <a:tcPr>
+                    <a:solidFill>
+                      <a:srgbClr val="DDDDDD"/>
+                    </a:solidFill>
+                  </a:tcPr>
+                </a:tc>
+                <a:tc>
+                  <a:txBody>
+                    <a:bodyPr/>
+                    <a:lstStyle/>
+                    <a:p>
+                      <a:pPr algn="ctr"/>
+                      <a:endParaRPr lang="en-US" dirty="0"/>
+                    </a:p>
+                  </a:txBody>
+                  <a:tcPr>
+                    <a:solidFill>
+                      <a:srgbClr val="DDDDDD"/>
+                    </a:solidFill>
+                  </a:tcPr>
+                </a:tc>
+                <a:tc>
+                  <a:txBody>
+                    <a:bodyPr/>
+                    <a:lstStyle/>
+                    <a:p>
+                      <a:pPr algn="ctr"/>
+                      <a:endParaRPr lang="en-US"/>
+                    </a:p>
+                  </a:txBody>
+                  <a:tcPr>
+                    <a:solidFill>
+                      <a:srgbClr val="DDDDDD"/>
+                    </a:solidFill>
+                  </a:tcPr>
+                </a:tc>
+                <a:tc>
+                  <a:txBody>
+                    <a:bodyPr/>
+                    <a:lstStyle/>
+                    <a:p>
+                      <a:pPr algn="ctr"/>
+                      <a:endParaRPr lang="en-US" dirty="0"/>
+                    </a:p>
+                  </a:txBody>
+                  <a:tcPr>
+                    <a:lnR w="12700" cap="flat" cmpd="sng" algn="ctr">
+                      <a:solidFill>
+                        <a:scrgbClr r="0" g="0" b="0"/>
+                      </a:solidFill>
+                      <a:prstDash val="solid"/>
+                      <a:round/>
+                      <a:headEnd type="none" w="med" len="med"/>
+                      <a:tailEnd type="none" w="med" len="med"/>
+                    </a:lnR>
+                    <a:solidFill>
+                      <a:srgbClr val="DDDDDD"/>
+                    </a:solidFill>
+                  </a:tcPr>
+                </a:tc>
+                <a:tc>
+                  <a:txBody>
+                    <a:bodyPr/>
+                    <a:lstStyle/>
+                    <a:p>
+                      <a:pPr algn="ctr"/>
+                      <a:r>
+                        <a:rPr lang="en-US" dirty="0"/>
+                        <a:t>E</a:t>
+                      </a:r>
+                      <a:r>
+                        <a:rPr lang="en-US" baseline="-25000" dirty="0"/>
+                        <a:t>0</a:t>
+                      </a:r>
+                      <a:endParaRPr lang="en-US" dirty="0"/>
+                    </a:p>
+                  </a:txBody>
+                  <a:tcPr>
+                    <a:lnL w="12700" cap="flat" cmpd="sng" algn="ctr">
+                      <a:solidFill>
+                        <a:scrgbClr r="0" g="0" b="0"/>
+                      </a:solidFill>
+                      <a:prstDash val="solid"/>
+                      <a:round/>
+                      <a:headEnd type="none" w="med" len="med"/>
+                      <a:tailEnd type="none" w="med" len="med"/>
+                    </a:lnL>
+                    <a:lnR w="12700" cap="flat" cmpd="sng" algn="ctr">
+                      <a:solidFill>
+                        <a:scrgbClr r="0" g="0" b="0"/>
+                      </a:solidFill>
+                      <a:prstDash val="solid"/>
+                      <a:round/>
+                      <a:headEnd type="none" w="med" len="med"/>
+                      <a:tailEnd type="none" w="med" len="med"/>
+                    </a:lnR>
+                    <a:lnT w="12700" cap="flat" cmpd="sng" algn="ctr">
+                      <a:solidFill>
+                        <a:scrgbClr r="0" g="0" b="0"/>
+                      </a:solidFill>
+                      <a:prstDash val="solid"/>
+                      <a:round/>
+                      <a:headEnd type="none" w="med" len="med"/>
+                      <a:tailEnd type="none" w="med" len="med"/>
+                    </a:lnT>
+                    <a:lnB w="12700" cap="flat" cmpd="sng" algn="ctr">
+                      <a:solidFill>
+                        <a:scrgbClr r="0" g="0" b="0"/>
+                      </a:solidFill>
+                      <a:prstDash val="solid"/>
+                      <a:round/>
+                      <a:headEnd type="none" w="med" len="med"/>
+                      <a:tailEnd type="none" w="med" len="med"/>
+                    </a:lnB>
+                    <a:solidFill>
+                      <a:srgbClr val="DDDDDD"/>
+                    </a:solidFill>
+                  </a:tcPr>
+                </a:tc>
+                <a:extLst>
+                  <a:ext uri="{0D108BD9-81ED-4DB2-BD59-A6C34878D82A}">
+                    <a16:rowId xmlns:a16="http://schemas.microsoft.com/office/drawing/2014/main" val="10002"/>
+                  </a:ext>
+                </a:extLst>
+              </a:tr>
+              <a:tr h="369100">
+                <a:tc>
+                  <a:txBody>
+                    <a:bodyPr/>
+                    <a:lstStyle/>
+                    <a:p>
+                      <a:pPr algn="ctr"/>
+                      <a:r>
+                        <a:rPr lang="en-US" dirty="0">
+                          <a:solidFill>
+                            <a:srgbClr val="003D62"/>
+                          </a:solidFill>
+                        </a:rPr>
+                        <a:t>2</a:t>
+                      </a:r>
+                    </a:p>
+                  </a:txBody>
+                  <a:tcPr>
+                    <a:lnR w="12700" cap="flat" cmpd="sng" algn="ctr">
+                      <a:solidFill>
+                        <a:scrgbClr r="0" g="0" b="0"/>
+                      </a:solidFill>
+                      <a:prstDash val="solid"/>
+                      <a:round/>
+                      <a:headEnd type="none" w="med" len="med"/>
+                      <a:tailEnd type="none" w="med" len="med"/>
+                    </a:lnR>
+                    <a:noFill/>
+                  </a:tcPr>
+                </a:tc>
+                <a:tc>
+                  <a:txBody>
+                    <a:bodyPr/>
+                    <a:lstStyle/>
+                    <a:p>
+                      <a:pPr algn="ctr"/>
+                      <a:r>
+                        <a:rPr lang="en-US" dirty="0"/>
+                        <a:t>1</a:t>
+                      </a:r>
+                    </a:p>
+                  </a:txBody>
+                  <a:tcPr>
+                    <a:lnL w="12700" cap="flat" cmpd="sng" algn="ctr">
+                      <a:solidFill>
+                        <a:scrgbClr r="0" g="0" b="0"/>
+                      </a:solidFill>
+                      <a:prstDash val="solid"/>
+                      <a:round/>
+                      <a:headEnd type="none" w="med" len="med"/>
+                      <a:tailEnd type="none" w="med" len="med"/>
+                    </a:lnL>
+                    <a:lnR w="12700" cap="flat" cmpd="sng" algn="ctr">
+                      <a:solidFill>
+                        <a:scrgbClr r="0" g="0" b="0"/>
+                      </a:solidFill>
+                      <a:prstDash val="solid"/>
+                      <a:round/>
+                      <a:headEnd type="none" w="med" len="med"/>
+                      <a:tailEnd type="none" w="med" len="med"/>
+                    </a:lnR>
+                    <a:lnT w="12700" cap="flat" cmpd="sng" algn="ctr">
+                      <a:solidFill>
+                        <a:scrgbClr r="0" g="0" b="0"/>
+                      </a:solidFill>
+                      <a:prstDash val="solid"/>
+                      <a:round/>
+                      <a:headEnd type="none" w="med" len="med"/>
+                      <a:tailEnd type="none" w="med" len="med"/>
+                    </a:lnT>
+                    <a:lnB w="12700" cap="flat" cmpd="sng" algn="ctr">
+                      <a:solidFill>
+                        <a:scrgbClr r="0" g="0" b="0"/>
+                      </a:solidFill>
+                      <a:prstDash val="solid"/>
+                      <a:round/>
+                      <a:headEnd type="none" w="med" len="med"/>
+                      <a:tailEnd type="none" w="med" len="med"/>
+                    </a:lnB>
+                    <a:solidFill>
+                      <a:srgbClr val="A6A6A6"/>
+                    </a:solidFill>
+                  </a:tcPr>
+                </a:tc>
+                <a:tc>
+                  <a:txBody>
+                    <a:bodyPr/>
+                    <a:lstStyle/>
+                    <a:p>
+                      <a:pPr algn="ctr"/>
+                      <a:r>
+                        <a:rPr lang="en-US" dirty="0"/>
+                        <a:t>2</a:t>
+                      </a:r>
+                    </a:p>
+                  </a:txBody>
+                  <a:tcPr>
+                    <a:lnL w="12700" cap="flat" cmpd="sng" algn="ctr">
+                      <a:solidFill>
+                        <a:scrgbClr r="0" g="0" b="0"/>
+                      </a:solidFill>
+                      <a:prstDash val="solid"/>
+                      <a:round/>
+                      <a:headEnd type="none" w="med" len="med"/>
+                      <a:tailEnd type="none" w="med" len="med"/>
+                    </a:lnL>
+                    <a:lnR w="12700" cap="flat" cmpd="sng" algn="ctr">
+                      <a:solidFill>
+                        <a:scrgbClr r="0" g="0" b="0"/>
+                      </a:solidFill>
+                      <a:prstDash val="solid"/>
+                      <a:round/>
+                      <a:headEnd type="none" w="med" len="med"/>
+                      <a:tailEnd type="none" w="med" len="med"/>
+                    </a:lnR>
+                    <a:lnT w="12700" cap="flat" cmpd="sng" algn="ctr">
+                      <a:solidFill>
+                        <a:scrgbClr r="0" g="0" b="0"/>
+                      </a:solidFill>
+                      <a:prstDash val="solid"/>
+                      <a:round/>
+                      <a:headEnd type="none" w="med" len="med"/>
+                      <a:tailEnd type="none" w="med" len="med"/>
+                    </a:lnT>
+                    <a:lnB w="12700" cap="flat" cmpd="sng" algn="ctr">
+                      <a:solidFill>
+                        <a:scrgbClr r="0" g="0" b="0"/>
+                      </a:solidFill>
+                      <a:prstDash val="solid"/>
+                      <a:round/>
+                      <a:headEnd type="none" w="med" len="med"/>
+                      <a:tailEnd type="none" w="med" len="med"/>
+                    </a:lnB>
+                    <a:solidFill>
+                      <a:srgbClr val="A6A6A6"/>
+                    </a:solidFill>
+                  </a:tcPr>
+                </a:tc>
+                <a:tc>
+                  <a:txBody>
+                    <a:bodyPr/>
+                    <a:lstStyle/>
+                    <a:p>
+                      <a:pPr algn="ctr"/>
+                      <a:endParaRPr lang="en-US" dirty="0"/>
+                    </a:p>
+                  </a:txBody>
+                  <a:tcPr>
+                    <a:lnL w="12700" cap="flat" cmpd="sng" algn="ctr">
+                      <a:solidFill>
+                        <a:scrgbClr r="0" g="0" b="0"/>
+                      </a:solidFill>
+                      <a:prstDash val="solid"/>
+                      <a:round/>
+                      <a:headEnd type="none" w="med" len="med"/>
+                      <a:tailEnd type="none" w="med" len="med"/>
+                    </a:lnL>
+                    <a:lnB w="12700" cap="flat" cmpd="sng" algn="ctr">
+                      <a:solidFill>
+                        <a:scrgbClr r="0" g="0" b="0"/>
+                      </a:solidFill>
+                      <a:prstDash val="solid"/>
+                      <a:round/>
+                      <a:headEnd type="none" w="med" len="med"/>
+                      <a:tailEnd type="none" w="med" len="med"/>
+                    </a:lnB>
+                    <a:solidFill>
+                      <a:srgbClr val="DDDDDD"/>
+                    </a:solidFill>
+                  </a:tcPr>
+                </a:tc>
+                <a:tc>
+                  <a:txBody>
+                    <a:bodyPr/>
+                    <a:lstStyle/>
+                    <a:p>
+                      <a:pPr algn="ctr"/>
+                      <a:endParaRPr lang="en-US" dirty="0"/>
+                    </a:p>
+                  </a:txBody>
+                  <a:tcPr>
+                    <a:solidFill>
+                      <a:srgbClr val="DDDDDD"/>
+                    </a:solidFill>
+                  </a:tcPr>
+                </a:tc>
+                <a:tc>
+                  <a:txBody>
+                    <a:bodyPr/>
+                    <a:lstStyle/>
+                    <a:p>
+                      <a:pPr algn="ctr"/>
+                      <a:endParaRPr lang="en-US" dirty="0"/>
+                    </a:p>
+                  </a:txBody>
+                  <a:tcPr>
+                    <a:solidFill>
+                      <a:srgbClr val="DDDDDD"/>
+                    </a:solidFill>
+                  </a:tcPr>
+                </a:tc>
+                <a:tc>
+                  <a:txBody>
+                    <a:bodyPr/>
+                    <a:lstStyle/>
+                    <a:p>
+                      <a:pPr algn="ctr"/>
+                      <a:endParaRPr lang="en-US" dirty="0"/>
+                    </a:p>
+                  </a:txBody>
+                  <a:tcPr>
+                    <a:solidFill>
+                      <a:srgbClr val="DDDDDD"/>
+                    </a:solidFill>
+                  </a:tcPr>
+                </a:tc>
+                <a:tc>
+                  <a:txBody>
+                    <a:bodyPr/>
+                    <a:lstStyle/>
+                    <a:p>
+                      <a:pPr algn="ctr"/>
+                      <a:endParaRPr lang="en-US" dirty="0"/>
+                    </a:p>
+                  </a:txBody>
+                  <a:tcPr>
+                    <a:lnR w="12700" cap="flat" cmpd="sng" algn="ctr">
+                      <a:solidFill>
+                        <a:scrgbClr r="0" g="0" b="0"/>
+                      </a:solidFill>
+                      <a:prstDash val="solid"/>
+                      <a:round/>
+                      <a:headEnd type="none" w="med" len="med"/>
+                      <a:tailEnd type="none" w="med" len="med"/>
+                    </a:lnR>
+                    <a:solidFill>
+                      <a:srgbClr val="DDDDDD"/>
+                    </a:solidFill>
+                  </a:tcPr>
+                </a:tc>
+                <a:tc>
+                  <a:txBody>
+                    <a:bodyPr/>
+                    <a:lstStyle/>
+                    <a:p>
+                      <a:pPr algn="ctr"/>
+                      <a:r>
+                        <a:rPr lang="en-US" dirty="0"/>
+                        <a:t>E</a:t>
+                      </a:r>
+                      <a:r>
+                        <a:rPr lang="en-US" baseline="-25000" dirty="0"/>
+                        <a:t>1</a:t>
+                      </a:r>
+                      <a:r>
+                        <a:rPr lang="en-US" dirty="0"/>
+                        <a:t>+E</a:t>
+                      </a:r>
+                      <a:r>
+                        <a:rPr lang="en-US" baseline="-25000" dirty="0"/>
+                        <a:t>2</a:t>
+                      </a:r>
+                      <a:endParaRPr lang="en-US" dirty="0"/>
+                    </a:p>
+                  </a:txBody>
+                  <a:tcPr>
+                    <a:lnL w="12700" cap="flat" cmpd="sng" algn="ctr">
+                      <a:solidFill>
+                        <a:scrgbClr r="0" g="0" b="0"/>
+                      </a:solidFill>
+                      <a:prstDash val="solid"/>
+                      <a:round/>
+                      <a:headEnd type="none" w="med" len="med"/>
+                      <a:tailEnd type="none" w="med" len="med"/>
+                    </a:lnL>
+                    <a:lnR w="12700" cap="flat" cmpd="sng" algn="ctr">
+                      <a:solidFill>
+                        <a:scrgbClr r="0" g="0" b="0"/>
+                      </a:solidFill>
+                      <a:prstDash val="solid"/>
+                      <a:round/>
+                      <a:headEnd type="none" w="med" len="med"/>
+                      <a:tailEnd type="none" w="med" len="med"/>
+                    </a:lnR>
+                    <a:lnT w="12700" cap="flat" cmpd="sng" algn="ctr">
+                      <a:solidFill>
+                        <a:scrgbClr r="0" g="0" b="0"/>
+                      </a:solidFill>
+                      <a:prstDash val="solid"/>
+                      <a:round/>
+                      <a:headEnd type="none" w="med" len="med"/>
+                      <a:tailEnd type="none" w="med" len="med"/>
+                    </a:lnT>
+                    <a:lnB w="12700" cap="flat" cmpd="sng" algn="ctr">
+                      <a:solidFill>
+                        <a:scrgbClr r="0" g="0" b="0"/>
+                      </a:solidFill>
+                      <a:prstDash val="solid"/>
+                      <a:round/>
+                      <a:headEnd type="none" w="med" len="med"/>
+                      <a:tailEnd type="none" w="med" len="med"/>
+                    </a:lnB>
+                    <a:solidFill>
+                      <a:srgbClr val="DDDDDD"/>
+                    </a:solidFill>
+                  </a:tcPr>
+                </a:tc>
+                <a:extLst>
+                  <a:ext uri="{0D108BD9-81ED-4DB2-BD59-A6C34878D82A}">
+                    <a16:rowId xmlns:a16="http://schemas.microsoft.com/office/drawing/2014/main" val="10003"/>
+                  </a:ext>
+                </a:extLst>
+              </a:tr>
+              <a:tr h="369100">
+                <a:tc>
+                  <a:txBody>
+                    <a:bodyPr/>
+                    <a:lstStyle/>
+                    <a:p>
+                      <a:pPr algn="ctr"/>
+                      <a:r>
+                        <a:rPr lang="en-US" dirty="0">
+                          <a:solidFill>
+                            <a:srgbClr val="003D62"/>
+                          </a:solidFill>
+                        </a:rPr>
+                        <a:t>3</a:t>
+                      </a:r>
+                    </a:p>
+                  </a:txBody>
+                  <a:tcPr>
+                    <a:lnR w="12700" cap="flat" cmpd="sng" algn="ctr">
+                      <a:solidFill>
+                        <a:scrgbClr r="0" g="0" b="0"/>
+                      </a:solidFill>
+                      <a:prstDash val="solid"/>
+                      <a:round/>
+                      <a:headEnd type="none" w="med" len="med"/>
+                      <a:tailEnd type="none" w="med" len="med"/>
+                    </a:lnR>
+                    <a:noFill/>
+                  </a:tcPr>
+                </a:tc>
+                <a:tc>
+                  <a:txBody>
+                    <a:bodyPr/>
+                    <a:lstStyle/>
+                    <a:p>
+                      <a:pPr algn="ctr"/>
+                      <a:r>
+                        <a:rPr lang="en-US" dirty="0"/>
+                        <a:t>3</a:t>
+                      </a:r>
+                    </a:p>
+                  </a:txBody>
+                  <a:tcPr>
+                    <a:lnL w="12700" cap="flat" cmpd="sng" algn="ctr">
+                      <a:solidFill>
+                        <a:scrgbClr r="0" g="0" b="0"/>
+                      </a:solidFill>
+                      <a:prstDash val="solid"/>
+                      <a:round/>
+                      <a:headEnd type="none" w="med" len="med"/>
+                      <a:tailEnd type="none" w="med" len="med"/>
+                    </a:lnL>
+                    <a:lnR w="12700" cap="flat" cmpd="sng" algn="ctr">
+                      <a:solidFill>
+                        <a:scrgbClr r="0" g="0" b="0"/>
+                      </a:solidFill>
+                      <a:prstDash val="solid"/>
+                      <a:round/>
+                      <a:headEnd type="none" w="med" len="med"/>
+                      <a:tailEnd type="none" w="med" len="med"/>
+                    </a:lnR>
+                    <a:lnT w="12700" cap="flat" cmpd="sng" algn="ctr">
+                      <a:solidFill>
+                        <a:scrgbClr r="0" g="0" b="0"/>
+                      </a:solidFill>
+                      <a:prstDash val="solid"/>
+                      <a:round/>
+                      <a:headEnd type="none" w="med" len="med"/>
+                      <a:tailEnd type="none" w="med" len="med"/>
+                    </a:lnT>
+                    <a:lnB w="12700" cap="flat" cmpd="sng" algn="ctr">
+                      <a:solidFill>
+                        <a:scrgbClr r="0" g="0" b="0"/>
+                      </a:solidFill>
+                      <a:prstDash val="solid"/>
+                      <a:round/>
+                      <a:headEnd type="none" w="med" len="med"/>
+                      <a:tailEnd type="none" w="med" len="med"/>
+                    </a:lnB>
+                    <a:solidFill>
+                      <a:srgbClr val="A6A6A6"/>
+                    </a:solidFill>
+                  </a:tcPr>
+                </a:tc>
+                <a:tc>
+                  <a:txBody>
+                    <a:bodyPr/>
+                    <a:lstStyle/>
+                    <a:p>
+                      <a:pPr algn="ctr"/>
+                      <a:r>
+                        <a:rPr lang="en-US" dirty="0"/>
+                        <a:t>4</a:t>
+                      </a:r>
+                    </a:p>
+                  </a:txBody>
+                  <a:tcPr>
+                    <a:lnL w="12700" cap="flat" cmpd="sng" algn="ctr">
+                      <a:solidFill>
+                        <a:scrgbClr r="0" g="0" b="0"/>
+                      </a:solidFill>
+                      <a:prstDash val="solid"/>
+                      <a:round/>
+                      <a:headEnd type="none" w="med" len="med"/>
+                      <a:tailEnd type="none" w="med" len="med"/>
+                    </a:lnL>
+                    <a:lnR w="12700" cap="flat" cmpd="sng" algn="ctr">
+                      <a:solidFill>
+                        <a:scrgbClr r="0" g="0" b="0"/>
+                      </a:solidFill>
+                      <a:prstDash val="solid"/>
+                      <a:round/>
+                      <a:headEnd type="none" w="med" len="med"/>
+                      <a:tailEnd type="none" w="med" len="med"/>
+                    </a:lnR>
+                    <a:lnT w="12700" cap="flat" cmpd="sng" algn="ctr">
+                      <a:solidFill>
+                        <a:scrgbClr r="0" g="0" b="0"/>
+                      </a:solidFill>
+                      <a:prstDash val="solid"/>
+                      <a:round/>
+                      <a:headEnd type="none" w="med" len="med"/>
+                      <a:tailEnd type="none" w="med" len="med"/>
+                    </a:lnT>
+                    <a:lnB w="12700" cap="flat" cmpd="sng" algn="ctr">
+                      <a:solidFill>
+                        <a:scrgbClr r="0" g="0" b="0"/>
+                      </a:solidFill>
+                      <a:prstDash val="solid"/>
+                      <a:round/>
+                      <a:headEnd type="none" w="med" len="med"/>
+                      <a:tailEnd type="none" w="med" len="med"/>
+                    </a:lnB>
+                    <a:solidFill>
+                      <a:srgbClr val="A6A6A6"/>
+                    </a:solidFill>
+                  </a:tcPr>
+                </a:tc>
+                <a:tc>
+                  <a:txBody>
+                    <a:bodyPr/>
+                    <a:lstStyle/>
+                    <a:p>
+                      <a:pPr algn="ctr"/>
+                      <a:r>
+                        <a:rPr lang="en-US" dirty="0"/>
+                        <a:t>5</a:t>
+                      </a:r>
+                    </a:p>
+                  </a:txBody>
+                  <a:tcPr>
+                    <a:lnL w="12700" cap="flat" cmpd="sng" algn="ctr">
+                      <a:solidFill>
+                        <a:scrgbClr r="0" g="0" b="0"/>
+                      </a:solidFill>
+                      <a:prstDash val="solid"/>
+                      <a:round/>
+                      <a:headEnd type="none" w="med" len="med"/>
+                      <a:tailEnd type="none" w="med" len="med"/>
+                    </a:lnL>
+                    <a:lnR w="12700" cap="flat" cmpd="sng" algn="ctr">
+                      <a:solidFill>
+                        <a:scrgbClr r="0" g="0" b="0"/>
+                      </a:solidFill>
+                      <a:prstDash val="solid"/>
+                      <a:round/>
+                      <a:headEnd type="none" w="med" len="med"/>
+                      <a:tailEnd type="none" w="med" len="med"/>
+                    </a:lnR>
+                    <a:lnT w="12700" cap="flat" cmpd="sng" algn="ctr">
+                      <a:solidFill>
+                        <a:scrgbClr r="0" g="0" b="0"/>
+                      </a:solidFill>
+                      <a:prstDash val="solid"/>
+                      <a:round/>
+                      <a:headEnd type="none" w="med" len="med"/>
+                      <a:tailEnd type="none" w="med" len="med"/>
+                    </a:lnT>
+                    <a:lnB w="12700" cap="flat" cmpd="sng" algn="ctr">
+                      <a:solidFill>
+                        <a:scrgbClr r="0" g="0" b="0"/>
+                      </a:solidFill>
+                      <a:prstDash val="solid"/>
+                      <a:round/>
+                      <a:headEnd type="none" w="med" len="med"/>
+                      <a:tailEnd type="none" w="med" len="med"/>
+                    </a:lnB>
+                    <a:solidFill>
+                      <a:srgbClr val="A6A6A6"/>
+                    </a:solidFill>
+                  </a:tcPr>
+                </a:tc>
+                <a:tc>
+                  <a:txBody>
+                    <a:bodyPr/>
+                    <a:lstStyle/>
+                    <a:p>
+                      <a:pPr algn="ctr"/>
+                      <a:endParaRPr lang="en-US" dirty="0"/>
+                    </a:p>
+                  </a:txBody>
+                  <a:tcPr>
+                    <a:lnL w="12700" cap="flat" cmpd="sng" algn="ctr">
+                      <a:solidFill>
+                        <a:scrgbClr r="0" g="0" b="0"/>
+                      </a:solidFill>
+                      <a:prstDash val="solid"/>
+                      <a:round/>
+                      <a:headEnd type="none" w="med" len="med"/>
+                      <a:tailEnd type="none" w="med" len="med"/>
+                    </a:lnL>
+                    <a:lnB w="12700" cap="flat" cmpd="sng" algn="ctr">
+                      <a:solidFill>
+                        <a:scrgbClr r="0" g="0" b="0"/>
+                      </a:solidFill>
+                      <a:prstDash val="solid"/>
+                      <a:round/>
+                      <a:headEnd type="none" w="med" len="med"/>
+                      <a:tailEnd type="none" w="med" len="med"/>
+                    </a:lnB>
+                    <a:solidFill>
+                      <a:srgbClr val="DDDDDD"/>
+                    </a:solidFill>
+                  </a:tcPr>
+                </a:tc>
+                <a:tc>
+                  <a:txBody>
+                    <a:bodyPr/>
+                    <a:lstStyle/>
+                    <a:p>
+                      <a:pPr algn="ctr"/>
+                      <a:endParaRPr lang="en-US" dirty="0"/>
+                    </a:p>
+                  </a:txBody>
+                  <a:tcPr>
+                    <a:solidFill>
+                      <a:srgbClr val="DDDDDD"/>
+                    </a:solidFill>
+                  </a:tcPr>
+                </a:tc>
+                <a:tc>
+                  <a:txBody>
+                    <a:bodyPr/>
+                    <a:lstStyle/>
+                    <a:p>
+                      <a:pPr algn="ctr"/>
+                      <a:endParaRPr lang="en-US" dirty="0"/>
+                    </a:p>
+                  </a:txBody>
+                  <a:tcPr>
+                    <a:solidFill>
+                      <a:srgbClr val="DDDDDD"/>
+                    </a:solidFill>
+                  </a:tcPr>
+                </a:tc>
+                <a:tc>
+                  <a:txBody>
+                    <a:bodyPr/>
+                    <a:lstStyle/>
+                    <a:p>
+                      <a:pPr algn="ctr"/>
+                      <a:endParaRPr lang="en-US" dirty="0"/>
+                    </a:p>
+                  </a:txBody>
+                  <a:tcPr>
+                    <a:lnR w="12700" cap="flat" cmpd="sng" algn="ctr">
+                      <a:solidFill>
+                        <a:scrgbClr r="0" g="0" b="0"/>
+                      </a:solidFill>
+                      <a:prstDash val="solid"/>
+                      <a:round/>
+                      <a:headEnd type="none" w="med" len="med"/>
+                      <a:tailEnd type="none" w="med" len="med"/>
+                    </a:lnR>
+                    <a:solidFill>
+                      <a:srgbClr val="DDDDDD"/>
+                    </a:solidFill>
+                  </a:tcPr>
+                </a:tc>
+                <a:tc>
+                  <a:txBody>
+                    <a:bodyPr/>
+                    <a:lstStyle/>
+                    <a:p>
+                      <a:pPr marL="0" marR="0" indent="0" algn="ctr" defTabSz="457200" rtl="0" eaLnBrk="1" fontAlgn="auto" latinLnBrk="0" hangingPunct="1">
+                        <a:lnSpc>
+                          <a:spcPct val="100000"/>
+                        </a:lnSpc>
+                        <a:spcBef>
+                          <a:spcPts val="0"/>
+                        </a:spcBef>
+                        <a:spcAft>
+                          <a:spcPts val="0"/>
+                        </a:spcAft>
+                        <a:buClrTx/>
+                        <a:buSzTx/>
+                        <a:buFontTx/>
+                        <a:buNone/>
+                        <a:tabLst/>
+                        <a:defRPr/>
+                      </a:pPr>
+                      <a:r>
+                        <a:rPr lang="en-US" dirty="0"/>
+                        <a:t>E</a:t>
+                      </a:r>
+                      <a:r>
+                        <a:rPr lang="en-US" baseline="-25000" dirty="0"/>
+                        <a:t>3</a:t>
+                      </a:r>
+                      <a:r>
+                        <a:rPr lang="en-US" dirty="0"/>
+                        <a:t>+E</a:t>
+                      </a:r>
+                      <a:r>
+                        <a:rPr lang="en-US" baseline="-25000" dirty="0"/>
+                        <a:t>4</a:t>
+                      </a:r>
+                      <a:r>
+                        <a:rPr lang="en-US" dirty="0"/>
+                        <a:t>+E</a:t>
+                      </a:r>
+                      <a:r>
+                        <a:rPr lang="en-US" baseline="-25000" dirty="0"/>
+                        <a:t>5</a:t>
+                      </a:r>
+                      <a:endParaRPr lang="en-US" dirty="0"/>
+                    </a:p>
+                  </a:txBody>
+                  <a:tcPr>
+                    <a:lnL w="12700" cap="flat" cmpd="sng" algn="ctr">
+                      <a:solidFill>
+                        <a:scrgbClr r="0" g="0" b="0"/>
+                      </a:solidFill>
+                      <a:prstDash val="solid"/>
+                      <a:round/>
+                      <a:headEnd type="none" w="med" len="med"/>
+                      <a:tailEnd type="none" w="med" len="med"/>
+                    </a:lnL>
+                    <a:lnR w="12700" cap="flat" cmpd="sng" algn="ctr">
+                      <a:solidFill>
+                        <a:scrgbClr r="0" g="0" b="0"/>
+                      </a:solidFill>
+                      <a:prstDash val="solid"/>
+                      <a:round/>
+                      <a:headEnd type="none" w="med" len="med"/>
+                      <a:tailEnd type="none" w="med" len="med"/>
+                    </a:lnR>
+                    <a:lnT w="12700" cap="flat" cmpd="sng" algn="ctr">
+                      <a:solidFill>
+                        <a:scrgbClr r="0" g="0" b="0"/>
+                      </a:solidFill>
+                      <a:prstDash val="solid"/>
+                      <a:round/>
+                      <a:headEnd type="none" w="med" len="med"/>
+                      <a:tailEnd type="none" w="med" len="med"/>
+                    </a:lnT>
+                    <a:lnB w="12700" cap="flat" cmpd="sng" algn="ctr">
+                      <a:solidFill>
+                        <a:scrgbClr r="0" g="0" b="0"/>
+                      </a:solidFill>
+                      <a:prstDash val="solid"/>
+                      <a:round/>
+                      <a:headEnd type="none" w="med" len="med"/>
+                      <a:tailEnd type="none" w="med" len="med"/>
+                    </a:lnB>
+                    <a:solidFill>
+                      <a:srgbClr val="DDDDDD"/>
+                    </a:solidFill>
+                  </a:tcPr>
+                </a:tc>
+                <a:extLst>
+                  <a:ext uri="{0D108BD9-81ED-4DB2-BD59-A6C34878D82A}">
+                    <a16:rowId xmlns:a16="http://schemas.microsoft.com/office/drawing/2014/main" val="10004"/>
+                  </a:ext>
+                </a:extLst>
+              </a:tr>
+              <a:tr h="369100">
+                <a:tc>
+                  <a:txBody>
+                    <a:bodyPr/>
+                    <a:lstStyle/>
+                    <a:p>
+                      <a:pPr algn="ctr"/>
+                      <a:r>
+                        <a:rPr lang="en-US" dirty="0">
+                          <a:solidFill>
+                            <a:srgbClr val="003D62"/>
+                          </a:solidFill>
+                        </a:rPr>
+                        <a:t>4</a:t>
+                      </a:r>
+                    </a:p>
+                  </a:txBody>
+                  <a:tcPr>
+                    <a:lnR w="12700" cap="flat" cmpd="sng" algn="ctr">
+                      <a:solidFill>
+                        <a:scrgbClr r="0" g="0" b="0"/>
+                      </a:solidFill>
+                      <a:prstDash val="solid"/>
+                      <a:round/>
+                      <a:headEnd type="none" w="med" len="med"/>
+                      <a:tailEnd type="none" w="med" len="med"/>
+                    </a:lnR>
+                    <a:noFill/>
+                  </a:tcPr>
+                </a:tc>
+                <a:tc>
+                  <a:txBody>
+                    <a:bodyPr/>
+                    <a:lstStyle/>
+                    <a:p>
+                      <a:pPr algn="ctr"/>
+                      <a:r>
+                        <a:rPr lang="en-US" dirty="0"/>
+                        <a:t>6</a:t>
+                      </a:r>
+                    </a:p>
+                  </a:txBody>
+                  <a:tcPr>
+                    <a:lnL w="12700" cap="flat" cmpd="sng" algn="ctr">
+                      <a:solidFill>
+                        <a:scrgbClr r="0" g="0" b="0"/>
+                      </a:solidFill>
+                      <a:prstDash val="solid"/>
+                      <a:round/>
+                      <a:headEnd type="none" w="med" len="med"/>
+                      <a:tailEnd type="none" w="med" len="med"/>
+                    </a:lnL>
+                    <a:lnR w="12700" cap="flat" cmpd="sng" algn="ctr">
+                      <a:solidFill>
+                        <a:scrgbClr r="0" g="0" b="0"/>
+                      </a:solidFill>
+                      <a:prstDash val="solid"/>
+                      <a:round/>
+                      <a:headEnd type="none" w="med" len="med"/>
+                      <a:tailEnd type="none" w="med" len="med"/>
+                    </a:lnR>
+                    <a:lnT w="12700" cap="flat" cmpd="sng" algn="ctr">
+                      <a:solidFill>
+                        <a:scrgbClr r="0" g="0" b="0"/>
+                      </a:solidFill>
+                      <a:prstDash val="solid"/>
+                      <a:round/>
+                      <a:headEnd type="none" w="med" len="med"/>
+                      <a:tailEnd type="none" w="med" len="med"/>
+                    </a:lnT>
+                    <a:lnB w="12700" cap="flat" cmpd="sng" algn="ctr">
+                      <a:solidFill>
+                        <a:scrgbClr r="0" g="0" b="0"/>
+                      </a:solidFill>
+                      <a:prstDash val="solid"/>
+                      <a:round/>
+                      <a:headEnd type="none" w="med" len="med"/>
+                      <a:tailEnd type="none" w="med" len="med"/>
+                    </a:lnB>
+                    <a:solidFill>
+                      <a:srgbClr val="FF7B11"/>
+                    </a:solidFill>
+                  </a:tcPr>
+                </a:tc>
+                <a:tc>
+                  <a:txBody>
+                    <a:bodyPr/>
+                    <a:lstStyle/>
+                    <a:p>
+                      <a:pPr algn="ctr"/>
+                      <a:r>
+                        <a:rPr lang="en-US" dirty="0"/>
+                        <a:t>7</a:t>
+                      </a:r>
+                    </a:p>
+                  </a:txBody>
+                  <a:tcPr>
+                    <a:lnL w="12700" cap="flat" cmpd="sng" algn="ctr">
+                      <a:solidFill>
+                        <a:scrgbClr r="0" g="0" b="0"/>
+                      </a:solidFill>
+                      <a:prstDash val="solid"/>
+                      <a:round/>
+                      <a:headEnd type="none" w="med" len="med"/>
+                      <a:tailEnd type="none" w="med" len="med"/>
+                    </a:lnL>
+                    <a:lnR w="12700" cap="flat" cmpd="sng" algn="ctr">
+                      <a:solidFill>
+                        <a:scrgbClr r="0" g="0" b="0"/>
+                      </a:solidFill>
+                      <a:prstDash val="solid"/>
+                      <a:round/>
+                      <a:headEnd type="none" w="med" len="med"/>
+                      <a:tailEnd type="none" w="med" len="med"/>
+                    </a:lnR>
+                    <a:lnT w="12700" cap="flat" cmpd="sng" algn="ctr">
+                      <a:solidFill>
+                        <a:scrgbClr r="0" g="0" b="0"/>
+                      </a:solidFill>
+                      <a:prstDash val="solid"/>
+                      <a:round/>
+                      <a:headEnd type="none" w="med" len="med"/>
+                      <a:tailEnd type="none" w="med" len="med"/>
+                    </a:lnT>
+                    <a:lnB w="12700" cap="flat" cmpd="sng" algn="ctr">
+                      <a:solidFill>
+                        <a:scrgbClr r="0" g="0" b="0"/>
+                      </a:solidFill>
+                      <a:prstDash val="solid"/>
+                      <a:round/>
+                      <a:headEnd type="none" w="med" len="med"/>
+                      <a:tailEnd type="none" w="med" len="med"/>
+                    </a:lnB>
+                    <a:solidFill>
+                      <a:srgbClr val="FF7B11"/>
+                    </a:solidFill>
+                  </a:tcPr>
+                </a:tc>
+                <a:tc>
+                  <a:txBody>
+                    <a:bodyPr/>
+                    <a:lstStyle/>
+                    <a:p>
+                      <a:pPr algn="ctr"/>
+                      <a:r>
+                        <a:rPr lang="en-US" dirty="0"/>
+                        <a:t>8</a:t>
+                      </a:r>
+                    </a:p>
+                  </a:txBody>
+                  <a:tcPr>
+                    <a:lnL w="12700" cap="flat" cmpd="sng" algn="ctr">
+                      <a:solidFill>
+                        <a:scrgbClr r="0" g="0" b="0"/>
+                      </a:solidFill>
+                      <a:prstDash val="solid"/>
+                      <a:round/>
+                      <a:headEnd type="none" w="med" len="med"/>
+                      <a:tailEnd type="none" w="med" len="med"/>
+                    </a:lnL>
+                    <a:lnR w="12700" cap="flat" cmpd="sng" algn="ctr">
+                      <a:solidFill>
+                        <a:scrgbClr r="0" g="0" b="0"/>
+                      </a:solidFill>
+                      <a:prstDash val="solid"/>
+                      <a:round/>
+                      <a:headEnd type="none" w="med" len="med"/>
+                      <a:tailEnd type="none" w="med" len="med"/>
+                    </a:lnR>
+                    <a:lnT w="12700" cap="flat" cmpd="sng" algn="ctr">
+                      <a:solidFill>
+                        <a:scrgbClr r="0" g="0" b="0"/>
+                      </a:solidFill>
+                      <a:prstDash val="solid"/>
+                      <a:round/>
+                      <a:headEnd type="none" w="med" len="med"/>
+                      <a:tailEnd type="none" w="med" len="med"/>
+                    </a:lnT>
+                    <a:lnB w="12700" cap="flat" cmpd="sng" algn="ctr">
+                      <a:solidFill>
+                        <a:scrgbClr r="0" g="0" b="0"/>
+                      </a:solidFill>
+                      <a:prstDash val="solid"/>
+                      <a:round/>
+                      <a:headEnd type="none" w="med" len="med"/>
+                      <a:tailEnd type="none" w="med" len="med"/>
+                    </a:lnB>
+                    <a:solidFill>
+                      <a:srgbClr val="FF7B11"/>
+                    </a:solidFill>
+                  </a:tcPr>
+                </a:tc>
+                <a:tc>
+                  <a:txBody>
+                    <a:bodyPr/>
+                    <a:lstStyle/>
+                    <a:p>
+                      <a:pPr algn="ctr"/>
+                      <a:r>
+                        <a:rPr lang="en-US" dirty="0"/>
+                        <a:t>9</a:t>
+                      </a:r>
+                    </a:p>
+                  </a:txBody>
+                  <a:tcPr>
+                    <a:lnL w="12700" cap="flat" cmpd="sng" algn="ctr">
+                      <a:solidFill>
+                        <a:scrgbClr r="0" g="0" b="0"/>
+                      </a:solidFill>
+                      <a:prstDash val="solid"/>
+                      <a:round/>
+                      <a:headEnd type="none" w="med" len="med"/>
+                      <a:tailEnd type="none" w="med" len="med"/>
+                    </a:lnL>
+                    <a:lnR w="12700" cap="flat" cmpd="sng" algn="ctr">
+                      <a:solidFill>
+                        <a:scrgbClr r="0" g="0" b="0"/>
+                      </a:solidFill>
+                      <a:prstDash val="solid"/>
+                      <a:round/>
+                      <a:headEnd type="none" w="med" len="med"/>
+                      <a:tailEnd type="none" w="med" len="med"/>
+                    </a:lnR>
+                    <a:lnT w="12700" cap="flat" cmpd="sng" algn="ctr">
+                      <a:solidFill>
+                        <a:scrgbClr r="0" g="0" b="0"/>
+                      </a:solidFill>
+                      <a:prstDash val="solid"/>
+                      <a:round/>
+                      <a:headEnd type="none" w="med" len="med"/>
+                      <a:tailEnd type="none" w="med" len="med"/>
+                    </a:lnT>
+                    <a:lnB w="12700" cap="flat" cmpd="sng" algn="ctr">
+                      <a:solidFill>
+                        <a:scrgbClr r="0" g="0" b="0"/>
+                      </a:solidFill>
+                      <a:prstDash val="solid"/>
+                      <a:round/>
+                      <a:headEnd type="none" w="med" len="med"/>
+                      <a:tailEnd type="none" w="med" len="med"/>
+                    </a:lnB>
+                    <a:solidFill>
+                      <a:srgbClr val="FF7B11"/>
+                    </a:solidFill>
+                  </a:tcPr>
+                </a:tc>
+                <a:tc>
+                  <a:txBody>
+                    <a:bodyPr/>
+                    <a:lstStyle/>
+                    <a:p>
+                      <a:pPr algn="ctr"/>
+                      <a:endParaRPr lang="en-US" dirty="0"/>
+                    </a:p>
+                  </a:txBody>
+                  <a:tcPr>
+                    <a:lnL w="12700" cap="flat" cmpd="sng" algn="ctr">
+                      <a:solidFill>
+                        <a:scrgbClr r="0" g="0" b="0"/>
+                      </a:solidFill>
+                      <a:prstDash val="solid"/>
+                      <a:round/>
+                      <a:headEnd type="none" w="med" len="med"/>
+                      <a:tailEnd type="none" w="med" len="med"/>
+                    </a:lnL>
+                    <a:lnB w="12700" cap="flat" cmpd="sng" algn="ctr">
+                      <a:solidFill>
+                        <a:scrgbClr r="0" g="0" b="0"/>
+                      </a:solidFill>
+                      <a:prstDash val="solid"/>
+                      <a:round/>
+                      <a:headEnd type="none" w="med" len="med"/>
+                      <a:tailEnd type="none" w="med" len="med"/>
+                    </a:lnB>
+                    <a:solidFill>
+                      <a:srgbClr val="DDDDDD"/>
+                    </a:solidFill>
+                  </a:tcPr>
+                </a:tc>
+                <a:tc>
+                  <a:txBody>
+                    <a:bodyPr/>
+                    <a:lstStyle/>
+                    <a:p>
+                      <a:pPr algn="ctr"/>
+                      <a:endParaRPr lang="en-US" dirty="0"/>
+                    </a:p>
+                  </a:txBody>
+                  <a:tcPr>
+                    <a:solidFill>
+                      <a:srgbClr val="DDDDDD"/>
+                    </a:solidFill>
+                  </a:tcPr>
+                </a:tc>
+                <a:tc>
+                  <a:txBody>
+                    <a:bodyPr/>
+                    <a:lstStyle/>
+                    <a:p>
+                      <a:pPr algn="ctr"/>
+                      <a:endParaRPr lang="en-US" dirty="0"/>
+                    </a:p>
+                  </a:txBody>
+                  <a:tcPr>
+                    <a:lnR w="12700" cap="flat" cmpd="sng" algn="ctr">
+                      <a:solidFill>
+                        <a:scrgbClr r="0" g="0" b="0"/>
+                      </a:solidFill>
+                      <a:prstDash val="solid"/>
+                      <a:round/>
+                      <a:headEnd type="none" w="med" len="med"/>
+                      <a:tailEnd type="none" w="med" len="med"/>
+                    </a:lnR>
+                    <a:solidFill>
+                      <a:srgbClr val="DDDDDD"/>
+                    </a:solidFill>
+                  </a:tcPr>
+                </a:tc>
+                <a:tc>
+                  <a:txBody>
+                    <a:bodyPr/>
+                    <a:lstStyle/>
+                    <a:p>
+                      <a:pPr marL="0" marR="0" indent="0" algn="ctr" defTabSz="457200" rtl="0" eaLnBrk="1" fontAlgn="auto" latinLnBrk="0" hangingPunct="1">
+                        <a:lnSpc>
+                          <a:spcPct val="100000"/>
+                        </a:lnSpc>
+                        <a:spcBef>
+                          <a:spcPts val="0"/>
+                        </a:spcBef>
+                        <a:spcAft>
+                          <a:spcPts val="0"/>
+                        </a:spcAft>
+                        <a:buClrTx/>
+                        <a:buSzTx/>
+                        <a:buFontTx/>
+                        <a:buNone/>
+                        <a:tabLst/>
+                        <a:defRPr/>
+                      </a:pPr>
+                      <a:r>
+                        <a:rPr lang="en-US" dirty="0">
+                          <a:solidFill>
+                            <a:srgbClr val="FF7B11"/>
+                          </a:solidFill>
+                        </a:rPr>
+                        <a:t>E</a:t>
+                      </a:r>
+                      <a:r>
+                        <a:rPr lang="en-US" baseline="-25000" dirty="0">
+                          <a:solidFill>
+                            <a:srgbClr val="FF7B11"/>
+                          </a:solidFill>
+                        </a:rPr>
+                        <a:t>6</a:t>
+                      </a:r>
+                      <a:r>
+                        <a:rPr lang="en-US" dirty="0">
+                          <a:solidFill>
+                            <a:srgbClr val="FF7B11"/>
+                          </a:solidFill>
+                        </a:rPr>
+                        <a:t>+…+E</a:t>
+                      </a:r>
+                      <a:r>
+                        <a:rPr lang="en-US" baseline="-25000" dirty="0">
+                          <a:solidFill>
+                            <a:srgbClr val="FF7B11"/>
+                          </a:solidFill>
+                        </a:rPr>
+                        <a:t>9</a:t>
+                      </a:r>
+                      <a:endParaRPr lang="en-US" dirty="0">
+                        <a:solidFill>
+                          <a:srgbClr val="FF7B11"/>
+                        </a:solidFill>
+                      </a:endParaRPr>
+                    </a:p>
+                  </a:txBody>
+                  <a:tcPr>
+                    <a:lnL w="12700" cap="flat" cmpd="sng" algn="ctr">
+                      <a:solidFill>
+                        <a:scrgbClr r="0" g="0" b="0"/>
+                      </a:solidFill>
+                      <a:prstDash val="solid"/>
+                      <a:round/>
+                      <a:headEnd type="none" w="med" len="med"/>
+                      <a:tailEnd type="none" w="med" len="med"/>
+                    </a:lnL>
+                    <a:lnR w="12700" cap="flat" cmpd="sng" algn="ctr">
+                      <a:solidFill>
+                        <a:scrgbClr r="0" g="0" b="0"/>
+                      </a:solidFill>
+                      <a:prstDash val="solid"/>
+                      <a:round/>
+                      <a:headEnd type="none" w="med" len="med"/>
+                      <a:tailEnd type="none" w="med" len="med"/>
+                    </a:lnR>
+                    <a:lnT w="12700" cap="flat" cmpd="sng" algn="ctr">
+                      <a:solidFill>
+                        <a:scrgbClr r="0" g="0" b="0"/>
+                      </a:solidFill>
+                      <a:prstDash val="solid"/>
+                      <a:round/>
+                      <a:headEnd type="none" w="med" len="med"/>
+                      <a:tailEnd type="none" w="med" len="med"/>
+                    </a:lnT>
+                    <a:lnB w="12700" cap="flat" cmpd="sng" algn="ctr">
+                      <a:solidFill>
+                        <a:scrgbClr r="0" g="0" b="0"/>
+                      </a:solidFill>
+                      <a:prstDash val="solid"/>
+                      <a:round/>
+                      <a:headEnd type="none" w="med" len="med"/>
+                      <a:tailEnd type="none" w="med" len="med"/>
+                    </a:lnB>
+                    <a:solidFill>
+                      <a:srgbClr val="DDDDDD"/>
+                    </a:solidFill>
+                  </a:tcPr>
+                </a:tc>
+                <a:extLst>
+                  <a:ext uri="{0D108BD9-81ED-4DB2-BD59-A6C34878D82A}">
+                    <a16:rowId xmlns:a16="http://schemas.microsoft.com/office/drawing/2014/main" val="10005"/>
+                  </a:ext>
+                </a:extLst>
+              </a:tr>
+              <a:tr h="369100">
+                <a:tc>
+                  <a:txBody>
+                    <a:bodyPr/>
+                    <a:lstStyle/>
+                    <a:p>
+                      <a:pPr algn="ctr"/>
+                      <a:r>
+                        <a:rPr lang="en-US" dirty="0">
+                          <a:solidFill>
+                            <a:srgbClr val="003D62"/>
+                          </a:solidFill>
+                        </a:rPr>
+                        <a:t>5</a:t>
+                      </a:r>
+                    </a:p>
+                  </a:txBody>
+                  <a:tcPr>
+                    <a:lnR w="12700" cap="flat" cmpd="sng" algn="ctr">
+                      <a:solidFill>
+                        <a:scrgbClr r="0" g="0" b="0"/>
+                      </a:solidFill>
+                      <a:prstDash val="solid"/>
+                      <a:round/>
+                      <a:headEnd type="none" w="med" len="med"/>
+                      <a:tailEnd type="none" w="med" len="med"/>
+                    </a:lnR>
+                    <a:noFill/>
+                  </a:tcPr>
+                </a:tc>
+                <a:tc>
+                  <a:txBody>
+                    <a:bodyPr/>
+                    <a:lstStyle/>
+                    <a:p>
+                      <a:pPr algn="ctr"/>
+                      <a:r>
+                        <a:rPr lang="en-US" dirty="0"/>
+                        <a:t>10</a:t>
+                      </a:r>
+                    </a:p>
+                  </a:txBody>
+                  <a:tcPr>
+                    <a:lnL w="12700" cap="flat" cmpd="sng" algn="ctr">
+                      <a:solidFill>
+                        <a:scrgbClr r="0" g="0" b="0"/>
+                      </a:solidFill>
+                      <a:prstDash val="solid"/>
+                      <a:round/>
+                      <a:headEnd type="none" w="med" len="med"/>
+                      <a:tailEnd type="none" w="med" len="med"/>
+                    </a:lnL>
+                    <a:lnR w="12700" cap="flat" cmpd="sng" algn="ctr">
+                      <a:solidFill>
+                        <a:scrgbClr r="0" g="0" b="0"/>
+                      </a:solidFill>
+                      <a:prstDash val="solid"/>
+                      <a:round/>
+                      <a:headEnd type="none" w="med" len="med"/>
+                      <a:tailEnd type="none" w="med" len="med"/>
+                    </a:lnR>
+                    <a:lnT w="12700" cap="flat" cmpd="sng" algn="ctr">
+                      <a:solidFill>
+                        <a:scrgbClr r="0" g="0" b="0"/>
+                      </a:solidFill>
+                      <a:prstDash val="solid"/>
+                      <a:round/>
+                      <a:headEnd type="none" w="med" len="med"/>
+                      <a:tailEnd type="none" w="med" len="med"/>
+                    </a:lnT>
+                    <a:lnB w="12700" cap="flat" cmpd="sng" algn="ctr">
+                      <a:solidFill>
+                        <a:schemeClr val="tx1"/>
+                      </a:solidFill>
+                      <a:prstDash val="solid"/>
+                      <a:round/>
+                      <a:headEnd type="none" w="med" len="med"/>
+                      <a:tailEnd type="none" w="med" len="med"/>
+                    </a:lnB>
+                    <a:solidFill>
+                      <a:srgbClr val="A6A6A6"/>
+                    </a:solidFill>
+                  </a:tcPr>
+                </a:tc>
+                <a:tc>
+                  <a:txBody>
+                    <a:bodyPr/>
+                    <a:lstStyle/>
+                    <a:p>
+                      <a:pPr algn="ctr"/>
+                      <a:r>
+                        <a:rPr lang="en-US" dirty="0"/>
+                        <a:t>11</a:t>
+                      </a:r>
+                    </a:p>
+                  </a:txBody>
+                  <a:tcPr>
+                    <a:lnL w="12700" cap="flat" cmpd="sng" algn="ctr">
+                      <a:solidFill>
+                        <a:scrgbClr r="0" g="0" b="0"/>
+                      </a:solidFill>
+                      <a:prstDash val="solid"/>
+                      <a:round/>
+                      <a:headEnd type="none" w="med" len="med"/>
+                      <a:tailEnd type="none" w="med" len="med"/>
+                    </a:lnL>
+                    <a:lnR w="12700" cap="flat" cmpd="sng" algn="ctr">
+                      <a:solidFill>
+                        <a:scrgbClr r="0" g="0" b="0"/>
+                      </a:solidFill>
+                      <a:prstDash val="solid"/>
+                      <a:round/>
+                      <a:headEnd type="none" w="med" len="med"/>
+                      <a:tailEnd type="none" w="med" len="med"/>
+                    </a:lnR>
+                    <a:lnT w="12700" cap="flat" cmpd="sng" algn="ctr">
+                      <a:solidFill>
+                        <a:scrgbClr r="0" g="0" b="0"/>
+                      </a:solidFill>
+                      <a:prstDash val="solid"/>
+                      <a:round/>
+                      <a:headEnd type="none" w="med" len="med"/>
+                      <a:tailEnd type="none" w="med" len="med"/>
+                    </a:lnT>
+                    <a:lnB w="12700" cap="flat" cmpd="sng" algn="ctr">
+                      <a:solidFill>
+                        <a:schemeClr val="tx1"/>
+                      </a:solidFill>
+                      <a:prstDash val="solid"/>
+                      <a:round/>
+                      <a:headEnd type="none" w="med" len="med"/>
+                      <a:tailEnd type="none" w="med" len="med"/>
+                    </a:lnB>
+                    <a:solidFill>
+                      <a:srgbClr val="A6A6A6"/>
+                    </a:solidFill>
+                  </a:tcPr>
+                </a:tc>
+                <a:tc>
+                  <a:txBody>
+                    <a:bodyPr/>
+                    <a:lstStyle/>
+                    <a:p>
+                      <a:pPr algn="ctr"/>
+                      <a:r>
+                        <a:rPr lang="en-US" dirty="0"/>
+                        <a:t>12</a:t>
+                      </a:r>
+                    </a:p>
+                  </a:txBody>
+                  <a:tcPr>
+                    <a:lnL w="12700" cap="flat" cmpd="sng" algn="ctr">
+                      <a:solidFill>
+                        <a:scrgbClr r="0" g="0" b="0"/>
+                      </a:solidFill>
+                      <a:prstDash val="solid"/>
+                      <a:round/>
+                      <a:headEnd type="none" w="med" len="med"/>
+                      <a:tailEnd type="none" w="med" len="med"/>
+                    </a:lnL>
+                    <a:lnR w="12700" cap="flat" cmpd="sng" algn="ctr">
+                      <a:solidFill>
+                        <a:scrgbClr r="0" g="0" b="0"/>
+                      </a:solidFill>
+                      <a:prstDash val="solid"/>
+                      <a:round/>
+                      <a:headEnd type="none" w="med" len="med"/>
+                      <a:tailEnd type="none" w="med" len="med"/>
+                    </a:lnR>
+                    <a:lnT w="12700" cap="flat" cmpd="sng" algn="ctr">
+                      <a:solidFill>
+                        <a:scrgbClr r="0" g="0" b="0"/>
+                      </a:solidFill>
+                      <a:prstDash val="solid"/>
+                      <a:round/>
+                      <a:headEnd type="none" w="med" len="med"/>
+                      <a:tailEnd type="none" w="med" len="med"/>
+                    </a:lnT>
+                    <a:lnB w="12700" cap="flat" cmpd="sng" algn="ctr">
+                      <a:solidFill>
+                        <a:schemeClr val="tx1"/>
+                      </a:solidFill>
+                      <a:prstDash val="solid"/>
+                      <a:round/>
+                      <a:headEnd type="none" w="med" len="med"/>
+                      <a:tailEnd type="none" w="med" len="med"/>
+                    </a:lnB>
+                    <a:solidFill>
+                      <a:srgbClr val="A6A6A6"/>
+                    </a:solidFill>
+                  </a:tcPr>
+                </a:tc>
+                <a:tc>
+                  <a:txBody>
+                    <a:bodyPr/>
+                    <a:lstStyle/>
+                    <a:p>
+                      <a:pPr algn="ctr"/>
+                      <a:r>
+                        <a:rPr lang="en-US" dirty="0"/>
+                        <a:t>13</a:t>
+                      </a:r>
+                    </a:p>
+                  </a:txBody>
+                  <a:tcPr>
+                    <a:lnL w="12700" cap="flat" cmpd="sng" algn="ctr">
+                      <a:solidFill>
+                        <a:scrgbClr r="0" g="0" b="0"/>
+                      </a:solidFill>
+                      <a:prstDash val="solid"/>
+                      <a:round/>
+                      <a:headEnd type="none" w="med" len="med"/>
+                      <a:tailEnd type="none" w="med" len="med"/>
+                    </a:lnL>
+                    <a:lnR w="12700" cap="flat" cmpd="sng" algn="ctr">
+                      <a:solidFill>
+                        <a:scrgbClr r="0" g="0" b="0"/>
+                      </a:solidFill>
+                      <a:prstDash val="solid"/>
+                      <a:round/>
+                      <a:headEnd type="none" w="med" len="med"/>
+                      <a:tailEnd type="none" w="med" len="med"/>
+                    </a:lnR>
+                    <a:lnT w="12700" cap="flat" cmpd="sng" algn="ctr">
+                      <a:solidFill>
+                        <a:scrgbClr r="0" g="0" b="0"/>
+                      </a:solidFill>
+                      <a:prstDash val="solid"/>
+                      <a:round/>
+                      <a:headEnd type="none" w="med" len="med"/>
+                      <a:tailEnd type="none" w="med" len="med"/>
+                    </a:lnT>
+                    <a:lnB w="12700" cap="flat" cmpd="sng" algn="ctr">
+                      <a:solidFill>
+                        <a:schemeClr val="tx1"/>
+                      </a:solidFill>
+                      <a:prstDash val="solid"/>
+                      <a:round/>
+                      <a:headEnd type="none" w="med" len="med"/>
+                      <a:tailEnd type="none" w="med" len="med"/>
+                    </a:lnB>
+                    <a:solidFill>
+                      <a:srgbClr val="A6A6A6"/>
+                    </a:solidFill>
+                  </a:tcPr>
+                </a:tc>
+                <a:tc>
+                  <a:txBody>
+                    <a:bodyPr/>
+                    <a:lstStyle/>
+                    <a:p>
+                      <a:pPr algn="ctr"/>
+                      <a:r>
+                        <a:rPr lang="en-US" dirty="0"/>
+                        <a:t>14</a:t>
+                      </a:r>
+                    </a:p>
+                  </a:txBody>
+                  <a:tcPr>
+                    <a:lnL w="12700" cap="flat" cmpd="sng" algn="ctr">
+                      <a:solidFill>
+                        <a:scrgbClr r="0" g="0" b="0"/>
+                      </a:solidFill>
+                      <a:prstDash val="solid"/>
+                      <a:round/>
+                      <a:headEnd type="none" w="med" len="med"/>
+                      <a:tailEnd type="none" w="med" len="med"/>
+                    </a:lnL>
+                    <a:lnR w="12700" cap="flat" cmpd="sng" algn="ctr">
+                      <a:solidFill>
+                        <a:scrgbClr r="0" g="0" b="0"/>
+                      </a:solidFill>
+                      <a:prstDash val="solid"/>
+                      <a:round/>
+                      <a:headEnd type="none" w="med" len="med"/>
+                      <a:tailEnd type="none" w="med" len="med"/>
+                    </a:lnR>
+                    <a:lnT w="12700" cap="flat" cmpd="sng" algn="ctr">
+                      <a:solidFill>
+                        <a:scrgbClr r="0" g="0" b="0"/>
+                      </a:solidFill>
+                      <a:prstDash val="solid"/>
+                      <a:round/>
+                      <a:headEnd type="none" w="med" len="med"/>
+                      <a:tailEnd type="none" w="med" len="med"/>
+                    </a:lnT>
+                    <a:lnB w="12700" cap="flat" cmpd="sng" algn="ctr">
+                      <a:solidFill>
+                        <a:schemeClr val="tx1"/>
+                      </a:solidFill>
+                      <a:prstDash val="solid"/>
+                      <a:round/>
+                      <a:headEnd type="none" w="med" len="med"/>
+                      <a:tailEnd type="none" w="med" len="med"/>
+                    </a:lnB>
+                    <a:solidFill>
+                      <a:srgbClr val="FF7B11"/>
+                    </a:solidFill>
+                  </a:tcPr>
+                </a:tc>
+                <a:tc>
+                  <a:txBody>
+                    <a:bodyPr/>
+                    <a:lstStyle/>
+                    <a:p>
+                      <a:pPr algn="ctr"/>
+                      <a:endParaRPr lang="en-US" dirty="0"/>
+                    </a:p>
+                  </a:txBody>
+                  <a:tcPr>
+                    <a:lnL w="12700" cap="flat" cmpd="sng" algn="ctr">
+                      <a:solidFill>
+                        <a:scrgbClr r="0" g="0" b="0"/>
+                      </a:solidFill>
+                      <a:prstDash val="solid"/>
+                      <a:round/>
+                      <a:headEnd type="none" w="med" len="med"/>
+                      <a:tailEnd type="none" w="med" len="med"/>
+                    </a:lnL>
+                    <a:lnB w="12700" cap="flat" cmpd="sng" algn="ctr">
+                      <a:solidFill>
+                        <a:schemeClr val="tx1"/>
+                      </a:solidFill>
+                      <a:prstDash val="solid"/>
+                      <a:round/>
+                      <a:headEnd type="none" w="med" len="med"/>
+                      <a:tailEnd type="none" w="med" len="med"/>
+                    </a:lnB>
+                    <a:solidFill>
+                      <a:srgbClr val="DDDDDD"/>
+                    </a:solidFill>
+                  </a:tcPr>
+                </a:tc>
+                <a:tc>
+                  <a:txBody>
+                    <a:bodyPr/>
+                    <a:lstStyle/>
+                    <a:p>
+                      <a:pPr algn="ctr"/>
+                      <a:endParaRPr lang="en-US" dirty="0"/>
+                    </a:p>
+                  </a:txBody>
+                  <a:tcPr>
+                    <a:lnR w="12700" cap="flat" cmpd="sng" algn="ctr">
+                      <a:solidFill>
+                        <a:scrgbClr r="0" g="0" b="0"/>
+                      </a:solidFill>
+                      <a:prstDash val="solid"/>
+                      <a:round/>
+                      <a:headEnd type="none" w="med" len="med"/>
+                      <a:tailEnd type="none" w="med" len="med"/>
+                    </a:lnR>
+                    <a:solidFill>
+                      <a:srgbClr val="DDDDDD"/>
+                    </a:solidFill>
+                  </a:tcPr>
+                </a:tc>
+                <a:tc>
+                  <a:txBody>
+                    <a:bodyPr/>
+                    <a:lstStyle/>
+                    <a:p>
+                      <a:pPr marL="0" marR="0" indent="0" algn="ctr" defTabSz="457200" rtl="0" eaLnBrk="1" fontAlgn="auto" latinLnBrk="0" hangingPunct="1">
+                        <a:lnSpc>
+                          <a:spcPct val="100000"/>
+                        </a:lnSpc>
+                        <a:spcBef>
+                          <a:spcPts val="0"/>
+                        </a:spcBef>
+                        <a:spcAft>
+                          <a:spcPts val="0"/>
+                        </a:spcAft>
+                        <a:buClrTx/>
+                        <a:buSzTx/>
+                        <a:buFontTx/>
+                        <a:buNone/>
+                        <a:tabLst/>
+                        <a:defRPr/>
+                      </a:pPr>
+                      <a:r>
+                        <a:rPr lang="en-US" dirty="0"/>
+                        <a:t>E</a:t>
+                      </a:r>
+                      <a:r>
+                        <a:rPr lang="en-US" baseline="-25000" dirty="0"/>
+                        <a:t>10</a:t>
+                      </a:r>
+                      <a:r>
+                        <a:rPr lang="en-US" dirty="0"/>
+                        <a:t>+…+E</a:t>
+                      </a:r>
+                      <a:r>
+                        <a:rPr lang="en-US" baseline="-25000" dirty="0"/>
+                        <a:t>14</a:t>
+                      </a:r>
+                      <a:r>
+                        <a:rPr lang="en-US" dirty="0"/>
+                        <a:t>-E</a:t>
+                      </a:r>
+                      <a:r>
+                        <a:rPr lang="en-US" baseline="-25000" dirty="0"/>
+                        <a:t>14</a:t>
+                      </a:r>
+                      <a:r>
+                        <a:rPr lang="en-US" dirty="0">
+                          <a:solidFill>
+                            <a:srgbClr val="FF7B11"/>
+                          </a:solidFill>
+                        </a:rPr>
+                        <a:t>-E</a:t>
+                      </a:r>
+                      <a:r>
+                        <a:rPr lang="en-US" baseline="-25000" dirty="0">
+                          <a:solidFill>
+                            <a:srgbClr val="FF7B11"/>
+                          </a:solidFill>
+                        </a:rPr>
+                        <a:t>14</a:t>
+                      </a:r>
+                    </a:p>
+                  </a:txBody>
+                  <a:tcPr>
+                    <a:lnL w="12700" cap="flat" cmpd="sng" algn="ctr">
+                      <a:solidFill>
+                        <a:scrgbClr r="0" g="0" b="0"/>
+                      </a:solidFill>
+                      <a:prstDash val="solid"/>
+                      <a:round/>
+                      <a:headEnd type="none" w="med" len="med"/>
+                      <a:tailEnd type="none" w="med" len="med"/>
+                    </a:lnL>
+                    <a:lnR w="12700" cap="flat" cmpd="sng" algn="ctr">
+                      <a:solidFill>
+                        <a:scrgbClr r="0" g="0" b="0"/>
+                      </a:solidFill>
+                      <a:prstDash val="solid"/>
+                      <a:round/>
+                      <a:headEnd type="none" w="med" len="med"/>
+                      <a:tailEnd type="none" w="med" len="med"/>
+                    </a:lnR>
+                    <a:lnT w="12700" cap="flat" cmpd="sng" algn="ctr">
+                      <a:solidFill>
+                        <a:scrgbClr r="0" g="0" b="0"/>
+                      </a:solidFill>
+                      <a:prstDash val="solid"/>
+                      <a:round/>
+                      <a:headEnd type="none" w="med" len="med"/>
+                      <a:tailEnd type="none" w="med" len="med"/>
+                    </a:lnT>
+                    <a:lnB w="12700" cap="flat" cmpd="sng" algn="ctr">
+                      <a:solidFill>
+                        <a:scrgbClr r="0" g="0" b="0"/>
+                      </a:solidFill>
+                      <a:prstDash val="solid"/>
+                      <a:round/>
+                      <a:headEnd type="none" w="med" len="med"/>
+                      <a:tailEnd type="none" w="med" len="med"/>
+                    </a:lnB>
+                    <a:solidFill>
+                      <a:srgbClr val="DDDDDD"/>
+                    </a:solidFill>
+                  </a:tcPr>
+                </a:tc>
+                <a:extLst>
+                  <a:ext uri="{0D108BD9-81ED-4DB2-BD59-A6C34878D82A}">
+                    <a16:rowId xmlns:a16="http://schemas.microsoft.com/office/drawing/2014/main" val="10006"/>
+                  </a:ext>
+                </a:extLst>
+              </a:tr>
+              <a:tr h="369100">
+                <a:tc>
+                  <a:txBody>
+                    <a:bodyPr/>
+                    <a:lstStyle/>
+                    <a:p>
+                      <a:pPr algn="ctr"/>
+                      <a:r>
+                        <a:rPr lang="en-US" dirty="0">
+                          <a:solidFill>
+                            <a:srgbClr val="003D62"/>
+                          </a:solidFill>
+                        </a:rPr>
+                        <a:t>6</a:t>
+                      </a:r>
+                    </a:p>
+                  </a:txBody>
+                  <a:tcPr>
+                    <a:lnR w="12700" cap="flat" cmpd="sng" algn="ctr">
+                      <a:solidFill>
+                        <a:schemeClr val="tx1"/>
+                      </a:solidFill>
+                      <a:prstDash val="solid"/>
+                      <a:round/>
+                      <a:headEnd type="none" w="med" len="med"/>
+                      <a:tailEnd type="none" w="med" len="med"/>
+                    </a:lnR>
+                    <a:noFill/>
+                  </a:tcPr>
+                </a:tc>
+                <a:tc>
+                  <a:txBody>
+                    <a:bodyPr/>
+                    <a:lstStyle/>
+                    <a:p>
+                      <a:pPr algn="ctr"/>
+                      <a:r>
+                        <a:rPr lang="en-US" dirty="0"/>
+                        <a:t>15</a:t>
+                      </a:r>
+                    </a:p>
+                  </a:txBody>
+                  <a:tcPr>
+                    <a:lnL w="12700" cap="flat" cmpd="sng" algn="ctr">
+                      <a:solidFill>
+                        <a:schemeClr val="tx1"/>
+                      </a:solidFill>
+                      <a:prstDash val="solid"/>
+                      <a:round/>
+                      <a:headEnd type="none" w="med" len="med"/>
+                      <a:tailEnd type="none" w="med" len="med"/>
+                    </a:lnL>
+                    <a:lnR w="12700" cap="flat" cmpd="sng" algn="ctr">
+                      <a:solidFill>
+                        <a:schemeClr val="tx1"/>
+                      </a:solidFill>
+                      <a:prstDash val="solid"/>
+                      <a:round/>
+                      <a:headEnd type="none" w="med" len="med"/>
+                      <a:tailEnd type="none" w="med" len="med"/>
+                    </a:lnR>
+                    <a:lnT w="12700" cap="flat" cmpd="sng" algn="ctr">
+                      <a:solidFill>
+                        <a:schemeClr val="tx1"/>
+                      </a:solidFill>
+                      <a:prstDash val="solid"/>
+                      <a:round/>
+                      <a:headEnd type="none" w="med" len="med"/>
+                      <a:tailEnd type="none" w="med" len="med"/>
+                    </a:lnT>
+                    <a:lnB w="12700" cap="flat" cmpd="sng" algn="ctr">
+                      <a:solidFill>
+                        <a:schemeClr val="tx1"/>
+                      </a:solidFill>
+                      <a:prstDash val="solid"/>
+                      <a:round/>
+                      <a:headEnd type="none" w="med" len="med"/>
+                      <a:tailEnd type="none" w="med" len="med"/>
+                    </a:lnB>
+                    <a:solidFill>
+                      <a:srgbClr val="A6A6A6"/>
+                    </a:solidFill>
+                  </a:tcPr>
+                </a:tc>
+                <a:tc>
+                  <a:txBody>
+                    <a:bodyPr/>
+                    <a:lstStyle/>
+                    <a:p>
+                      <a:pPr algn="ctr"/>
+                      <a:r>
+                        <a:rPr lang="en-US" dirty="0"/>
+                        <a:t>16</a:t>
+                      </a:r>
+                    </a:p>
+                  </a:txBody>
+                  <a:tcPr>
+                    <a:lnL w="12700" cap="flat" cmpd="sng" algn="ctr">
+                      <a:solidFill>
+                        <a:schemeClr val="tx1"/>
+                      </a:solidFill>
+                      <a:prstDash val="solid"/>
+                      <a:round/>
+                      <a:headEnd type="none" w="med" len="med"/>
+                      <a:tailEnd type="none" w="med" len="med"/>
+                    </a:lnL>
+                    <a:lnR w="12700" cap="flat" cmpd="sng" algn="ctr">
+                      <a:solidFill>
+                        <a:schemeClr val="tx1"/>
+                      </a:solidFill>
+                      <a:prstDash val="solid"/>
+                      <a:round/>
+                      <a:headEnd type="none" w="med" len="med"/>
+                      <a:tailEnd type="none" w="med" len="med"/>
+                    </a:lnR>
+                    <a:lnT w="12700" cap="flat" cmpd="sng" algn="ctr">
+                      <a:solidFill>
+                        <a:schemeClr val="tx1"/>
+                      </a:solidFill>
+                      <a:prstDash val="solid"/>
+                      <a:round/>
+                      <a:headEnd type="none" w="med" len="med"/>
+                      <a:tailEnd type="none" w="med" len="med"/>
+                    </a:lnT>
+                    <a:lnB w="12700" cap="flat" cmpd="sng" algn="ctr">
+                      <a:solidFill>
+                        <a:schemeClr val="tx1"/>
+                      </a:solidFill>
+                      <a:prstDash val="solid"/>
+                      <a:round/>
+                      <a:headEnd type="none" w="med" len="med"/>
+                      <a:tailEnd type="none" w="med" len="med"/>
+                    </a:lnB>
+                    <a:solidFill>
+                      <a:srgbClr val="A6A6A6"/>
+                    </a:solidFill>
+                  </a:tcPr>
+                </a:tc>
+                <a:tc>
+                  <a:txBody>
+                    <a:bodyPr/>
+                    <a:lstStyle/>
+                    <a:p>
+                      <a:pPr algn="ctr"/>
+                      <a:r>
+                        <a:rPr lang="en-US" dirty="0"/>
+                        <a:t>17</a:t>
+                      </a:r>
+                    </a:p>
+                  </a:txBody>
+                  <a:tcPr>
+                    <a:lnL w="12700" cap="flat" cmpd="sng" algn="ctr">
+                      <a:solidFill>
+                        <a:schemeClr val="tx1"/>
+                      </a:solidFill>
+                      <a:prstDash val="solid"/>
+                      <a:round/>
+                      <a:headEnd type="none" w="med" len="med"/>
+                      <a:tailEnd type="none" w="med" len="med"/>
+                    </a:lnL>
+                    <a:lnR w="12700" cap="flat" cmpd="sng" algn="ctr">
+                      <a:solidFill>
+                        <a:schemeClr val="tx1"/>
+                      </a:solidFill>
+                      <a:prstDash val="solid"/>
+                      <a:round/>
+                      <a:headEnd type="none" w="med" len="med"/>
+                      <a:tailEnd type="none" w="med" len="med"/>
+                    </a:lnR>
+                    <a:lnT w="12700" cap="flat" cmpd="sng" algn="ctr">
+                      <a:solidFill>
+                        <a:schemeClr val="tx1"/>
+                      </a:solidFill>
+                      <a:prstDash val="solid"/>
+                      <a:round/>
+                      <a:headEnd type="none" w="med" len="med"/>
+                      <a:tailEnd type="none" w="med" len="med"/>
+                    </a:lnT>
+                    <a:lnB w="12700" cap="flat" cmpd="sng" algn="ctr">
+                      <a:solidFill>
+                        <a:schemeClr val="tx1"/>
+                      </a:solidFill>
+                      <a:prstDash val="solid"/>
+                      <a:round/>
+                      <a:headEnd type="none" w="med" len="med"/>
+                      <a:tailEnd type="none" w="med" len="med"/>
+                    </a:lnB>
+                    <a:solidFill>
+                      <a:srgbClr val="A6A6A6"/>
+                    </a:solidFill>
+                  </a:tcPr>
+                </a:tc>
+                <a:tc>
+                  <a:txBody>
+                    <a:bodyPr/>
+                    <a:lstStyle/>
+                    <a:p>
+                      <a:pPr algn="ctr"/>
+                      <a:r>
+                        <a:rPr lang="en-US" dirty="0"/>
+                        <a:t>18</a:t>
+                      </a:r>
+                    </a:p>
+                  </a:txBody>
+                  <a:tcPr>
+                    <a:lnL w="12700" cap="flat" cmpd="sng" algn="ctr">
+                      <a:solidFill>
+                        <a:schemeClr val="tx1"/>
+                      </a:solidFill>
+                      <a:prstDash val="solid"/>
+                      <a:round/>
+                      <a:headEnd type="none" w="med" len="med"/>
+                      <a:tailEnd type="none" w="med" len="med"/>
+                    </a:lnL>
+                    <a:lnR w="12700" cap="flat" cmpd="sng" algn="ctr">
+                      <a:solidFill>
+                        <a:schemeClr val="tx1"/>
+                      </a:solidFill>
+                      <a:prstDash val="solid"/>
+                      <a:round/>
+                      <a:headEnd type="none" w="med" len="med"/>
+                      <a:tailEnd type="none" w="med" len="med"/>
+                    </a:lnR>
+                    <a:lnT w="12700" cap="flat" cmpd="sng" algn="ctr">
+                      <a:solidFill>
+                        <a:schemeClr val="tx1"/>
+                      </a:solidFill>
+                      <a:prstDash val="solid"/>
+                      <a:round/>
+                      <a:headEnd type="none" w="med" len="med"/>
+                      <a:tailEnd type="none" w="med" len="med"/>
+                    </a:lnT>
+                    <a:lnB w="12700" cap="flat" cmpd="sng" algn="ctr">
+                      <a:solidFill>
+                        <a:schemeClr val="tx1"/>
+                      </a:solidFill>
+                      <a:prstDash val="solid"/>
+                      <a:round/>
+                      <a:headEnd type="none" w="med" len="med"/>
+                      <a:tailEnd type="none" w="med" len="med"/>
+                    </a:lnB>
+                    <a:solidFill>
+                      <a:srgbClr val="A6A6A6"/>
+                    </a:solidFill>
+                  </a:tcPr>
+                </a:tc>
+                <a:tc>
+                  <a:txBody>
+                    <a:bodyPr/>
+                    <a:lstStyle/>
+                    <a:p>
+                      <a:pPr algn="ctr"/>
+                      <a:r>
+                        <a:rPr lang="en-US" dirty="0"/>
+                        <a:t>19</a:t>
+                      </a:r>
+                    </a:p>
+                  </a:txBody>
+                  <a:tcPr>
+                    <a:lnL w="12700" cap="flat" cmpd="sng" algn="ctr">
+                      <a:solidFill>
+                        <a:schemeClr val="tx1"/>
+                      </a:solidFill>
+                      <a:prstDash val="solid"/>
+                      <a:round/>
+                      <a:headEnd type="none" w="med" len="med"/>
+                      <a:tailEnd type="none" w="med" len="med"/>
+                    </a:lnL>
+                    <a:lnR w="12700" cap="flat" cmpd="sng" algn="ctr">
+                      <a:solidFill>
+                        <a:schemeClr val="tx1"/>
+                      </a:solidFill>
+                      <a:prstDash val="solid"/>
+                      <a:round/>
+                      <a:headEnd type="none" w="med" len="med"/>
+                      <a:tailEnd type="none" w="med" len="med"/>
+                    </a:lnR>
+                    <a:lnT w="12700" cap="flat" cmpd="sng" algn="ctr">
+                      <a:solidFill>
+                        <a:schemeClr val="tx1"/>
+                      </a:solidFill>
+                      <a:prstDash val="solid"/>
+                      <a:round/>
+                      <a:headEnd type="none" w="med" len="med"/>
+                      <a:tailEnd type="none" w="med" len="med"/>
+                    </a:lnT>
+                    <a:lnB w="12700" cap="flat" cmpd="sng" algn="ctr">
+                      <a:solidFill>
+                        <a:schemeClr val="tx1"/>
+                      </a:solidFill>
+                      <a:prstDash val="solid"/>
+                      <a:round/>
+                      <a:headEnd type="none" w="med" len="med"/>
+                      <a:tailEnd type="none" w="med" len="med"/>
+                    </a:lnB>
+                    <a:solidFill>
+                      <a:srgbClr val="FF7B11"/>
+                    </a:solidFill>
+                  </a:tcPr>
+                </a:tc>
+                <a:tc>
+                  <a:txBody>
+                    <a:bodyPr/>
+                    <a:lstStyle/>
+                    <a:p>
+                      <a:pPr algn="ctr"/>
+                      <a:r>
+                        <a:rPr lang="en-US" dirty="0"/>
+                        <a:t>20</a:t>
+                      </a:r>
+                    </a:p>
+                  </a:txBody>
+                  <a:tcPr>
+                    <a:lnL w="12700" cap="flat" cmpd="sng" algn="ctr">
+                      <a:solidFill>
+                        <a:schemeClr val="tx1"/>
+                      </a:solidFill>
+                      <a:prstDash val="solid"/>
+                      <a:round/>
+                      <a:headEnd type="none" w="med" len="med"/>
+                      <a:tailEnd type="none" w="med" len="med"/>
+                    </a:lnL>
+                    <a:lnR w="12700" cap="flat" cmpd="sng" algn="ctr">
+                      <a:solidFill>
+                        <a:schemeClr val="tx1"/>
+                      </a:solidFill>
+                      <a:prstDash val="solid"/>
+                      <a:round/>
+                      <a:headEnd type="none" w="med" len="med"/>
+                      <a:tailEnd type="none" w="med" len="med"/>
+                    </a:lnR>
+                    <a:lnT w="12700" cap="flat" cmpd="sng" algn="ctr">
+                      <a:solidFill>
+                        <a:schemeClr val="tx1"/>
+                      </a:solidFill>
+                      <a:prstDash val="solid"/>
+                      <a:round/>
+                      <a:headEnd type="none" w="med" len="med"/>
+                      <a:tailEnd type="none" w="med" len="med"/>
+                    </a:lnT>
+                    <a:lnB w="12700" cap="flat" cmpd="sng" algn="ctr">
+                      <a:solidFill>
+                        <a:schemeClr val="tx1"/>
+                      </a:solidFill>
+                      <a:prstDash val="solid"/>
+                      <a:round/>
+                      <a:headEnd type="none" w="med" len="med"/>
+                      <a:tailEnd type="none" w="med" len="med"/>
+                    </a:lnB>
+                    <a:solidFill>
+                      <a:srgbClr val="A6A6A6"/>
+                    </a:solidFill>
+                  </a:tcPr>
+                </a:tc>
+                <a:tc>
+                  <a:txBody>
+                    <a:bodyPr/>
+                    <a:lstStyle/>
+                    <a:p>
+                      <a:pPr algn="ctr"/>
+                      <a:endParaRPr lang="en-US" dirty="0"/>
+                    </a:p>
+                  </a:txBody>
+                  <a:tcPr>
+                    <a:lnL w="12700" cap="flat" cmpd="sng" algn="ctr">
+                      <a:solidFill>
+                        <a:schemeClr val="tx1"/>
+                      </a:solidFill>
+                      <a:prstDash val="solid"/>
+                      <a:round/>
+                      <a:headEnd type="none" w="med" len="med"/>
+                      <a:tailEnd type="none" w="med" len="med"/>
+                    </a:lnL>
+                    <a:lnR w="12700" cap="flat" cmpd="sng" algn="ctr">
+                      <a:solidFill>
+                        <a:scrgbClr r="0" g="0" b="0"/>
+                      </a:solidFill>
+                      <a:prstDash val="solid"/>
+                      <a:round/>
+                      <a:headEnd type="none" w="med" len="med"/>
+                      <a:tailEnd type="none" w="med" len="med"/>
+                    </a:lnR>
+                    <a:lnB w="12700" cap="flat" cmpd="sng" algn="ctr">
+                      <a:noFill/>
+                      <a:prstDash val="solid"/>
+                      <a:round/>
+                      <a:headEnd type="none" w="med" len="med"/>
+                      <a:tailEnd type="none" w="med" len="med"/>
+                    </a:lnB>
+                    <a:solidFill>
+                      <a:srgbClr val="DDDDDD"/>
+                    </a:solidFill>
+                  </a:tcPr>
+                </a:tc>
+                <a:tc>
+                  <a:txBody>
+                    <a:bodyPr/>
+                    <a:lstStyle/>
+                    <a:p>
+                      <a:pPr marL="0" marR="0" indent="0" algn="ctr" defTabSz="457200" rtl="0" eaLnBrk="1" fontAlgn="auto" latinLnBrk="0" hangingPunct="1">
+                        <a:lnSpc>
+                          <a:spcPct val="100000"/>
+                        </a:lnSpc>
+                        <a:spcBef>
+                          <a:spcPts val="0"/>
+                        </a:spcBef>
+                        <a:spcAft>
+                          <a:spcPts val="0"/>
+                        </a:spcAft>
+                        <a:buClrTx/>
+                        <a:buSzTx/>
+                        <a:buFontTx/>
+                        <a:buNone/>
+                        <a:tabLst/>
+                        <a:defRPr/>
+                      </a:pPr>
+                      <a:r>
+                        <a:rPr lang="en-US" dirty="0"/>
+                        <a:t>E</a:t>
+                      </a:r>
+                      <a:r>
+                        <a:rPr lang="en-US" baseline="-25000" dirty="0"/>
+                        <a:t>15</a:t>
+                      </a:r>
+                      <a:r>
+                        <a:rPr lang="en-US" dirty="0"/>
+                        <a:t>+…+E</a:t>
+                      </a:r>
+                      <a:r>
+                        <a:rPr lang="en-US" baseline="-25000" dirty="0"/>
+                        <a:t>20</a:t>
+                      </a:r>
+                      <a:r>
+                        <a:rPr lang="en-US" dirty="0"/>
+                        <a:t>-</a:t>
+                      </a:r>
+                      <a:r>
+                        <a:rPr lang="en-US" dirty="0">
+                          <a:solidFill>
+                            <a:schemeClr val="tx1"/>
+                          </a:solidFill>
+                        </a:rPr>
+                        <a:t>E</a:t>
+                      </a:r>
+                      <a:r>
+                        <a:rPr lang="en-US" baseline="-25000" dirty="0">
+                          <a:solidFill>
+                            <a:schemeClr val="tx1"/>
+                          </a:solidFill>
+                        </a:rPr>
+                        <a:t>19</a:t>
+                      </a:r>
+                      <a:r>
+                        <a:rPr lang="en-US" dirty="0"/>
+                        <a:t>+</a:t>
+                      </a:r>
+                      <a:r>
+                        <a:rPr lang="en-US" dirty="0">
+                          <a:solidFill>
+                            <a:srgbClr val="FF7B11"/>
+                          </a:solidFill>
+                        </a:rPr>
+                        <a:t>E</a:t>
+                      </a:r>
+                      <a:r>
+                        <a:rPr lang="en-US" baseline="-25000" dirty="0">
+                          <a:solidFill>
+                            <a:srgbClr val="FF7B11"/>
+                          </a:solidFill>
+                        </a:rPr>
+                        <a:t>19</a:t>
+                      </a:r>
+                      <a:endParaRPr lang="en-US" baseline="-25000" dirty="0"/>
+                    </a:p>
+                  </a:txBody>
+                  <a:tcPr>
+                    <a:lnL w="12700" cap="flat" cmpd="sng" algn="ctr">
+                      <a:solidFill>
+                        <a:scrgbClr r="0" g="0" b="0"/>
+                      </a:solidFill>
+                      <a:prstDash val="solid"/>
+                      <a:round/>
+                      <a:headEnd type="none" w="med" len="med"/>
+                      <a:tailEnd type="none" w="med" len="med"/>
+                    </a:lnL>
+                    <a:lnR w="12700" cap="flat" cmpd="sng" algn="ctr">
+                      <a:solidFill>
+                        <a:scrgbClr r="0" g="0" b="0"/>
+                      </a:solidFill>
+                      <a:prstDash val="solid"/>
+                      <a:round/>
+                      <a:headEnd type="none" w="med" len="med"/>
+                      <a:tailEnd type="none" w="med" len="med"/>
+                    </a:lnR>
+                    <a:lnT w="12700" cap="flat" cmpd="sng" algn="ctr">
+                      <a:solidFill>
+                        <a:scrgbClr r="0" g="0" b="0"/>
+                      </a:solidFill>
+                      <a:prstDash val="solid"/>
+                      <a:round/>
+                      <a:headEnd type="none" w="med" len="med"/>
+                      <a:tailEnd type="none" w="med" len="med"/>
+                    </a:lnT>
+                    <a:lnB w="38100" cap="flat" cmpd="sng" algn="ctr">
+                      <a:solidFill>
+                        <a:schemeClr val="tx1"/>
+                      </a:solidFill>
+                      <a:prstDash val="solid"/>
+                      <a:round/>
+                      <a:headEnd type="none" w="med" len="med"/>
+                      <a:tailEnd type="none" w="med" len="med"/>
+                    </a:lnB>
+                    <a:solidFill>
+                      <a:srgbClr val="DDDDDD"/>
+                    </a:solidFill>
+                  </a:tcPr>
+                </a:tc>
+                <a:extLst>
+                  <a:ext uri="{0D108BD9-81ED-4DB2-BD59-A6C34878D82A}">
+                    <a16:rowId xmlns:a16="http://schemas.microsoft.com/office/drawing/2014/main" val="10007"/>
+                  </a:ext>
+                </a:extLst>
+              </a:tr>
+              <a:tr h="369100">
+                <a:tc>
+                  <a:txBody>
+                    <a:bodyPr/>
+                    <a:lstStyle/>
+                    <a:p>
+                      <a:pPr algn="ctr"/>
+                      <a:endParaRPr lang="en-US" dirty="0">
+                        <a:solidFill>
+                          <a:srgbClr val="003D62"/>
+                        </a:solidFill>
+                      </a:endParaRPr>
+                    </a:p>
+                  </a:txBody>
+                  <a:tcPr>
+                    <a:lnR w="12700" cap="flat" cmpd="sng" algn="ctr">
+                      <a:noFill/>
+                      <a:prstDash val="solid"/>
+                      <a:round/>
+                      <a:headEnd type="none" w="med" len="med"/>
+                      <a:tailEnd type="none" w="med" len="med"/>
+                    </a:lnR>
+                    <a:noFill/>
+                  </a:tcPr>
+                </a:tc>
+                <a:tc>
+                  <a:txBody>
+                    <a:bodyPr/>
+                    <a:lstStyle/>
+                    <a:p>
+                      <a:pPr algn="ctr"/>
+                      <a:endParaRPr lang="en-US" dirty="0"/>
+                    </a:p>
+                  </a:txBody>
+                  <a:tcPr>
+                    <a:lnL w="12700" cap="flat" cmpd="sng" algn="ctr">
+                      <a:noFill/>
+                      <a:prstDash val="solid"/>
+                      <a:round/>
+                      <a:headEnd type="none" w="med" len="med"/>
+                      <a:tailEnd type="none" w="med" len="med"/>
+                    </a:lnL>
+                    <a:lnR w="12700" cap="flat" cmpd="sng" algn="ctr">
+                      <a:noFill/>
+                      <a:prstDash val="solid"/>
+                      <a:round/>
+                      <a:headEnd type="none" w="med" len="med"/>
+                      <a:tailEnd type="none" w="med" len="med"/>
+                    </a:lnR>
+                    <a:lnT w="12700" cap="flat" cmpd="sng" algn="ctr">
+                      <a:solidFill>
+                        <a:schemeClr val="tx1"/>
+                      </a:solidFill>
+                      <a:prstDash val="solid"/>
+                      <a:round/>
+                      <a:headEnd type="none" w="med" len="med"/>
+                      <a:tailEnd type="none" w="med" len="med"/>
+                    </a:lnT>
+                    <a:lnB w="12700" cap="flat" cmpd="sng" algn="ctr">
+                      <a:noFill/>
+                      <a:prstDash val="solid"/>
+                      <a:round/>
+                      <a:headEnd type="none" w="med" len="med"/>
+                      <a:tailEnd type="none" w="med" len="med"/>
+                    </a:lnB>
+                    <a:lnTlToBr w="12700" cmpd="sng">
+                      <a:noFill/>
+                      <a:prstDash val="solid"/>
+                    </a:lnTlToBr>
+                    <a:lnBlToTr w="12700" cmpd="sng">
+                      <a:noFill/>
+                      <a:prstDash val="solid"/>
+                    </a:lnBlToTr>
+                    <a:noFill/>
+                  </a:tcPr>
+                </a:tc>
+                <a:tc>
+                  <a:txBody>
+                    <a:bodyPr/>
+                    <a:lstStyle/>
+                    <a:p>
+                      <a:pPr algn="ctr"/>
+                      <a:endParaRPr lang="en-US" dirty="0"/>
+                    </a:p>
+                  </a:txBody>
+                  <a:tcPr>
+                    <a:lnL w="12700" cap="flat" cmpd="sng" algn="ctr">
+                      <a:noFill/>
+                      <a:prstDash val="solid"/>
+                      <a:round/>
+                      <a:headEnd type="none" w="med" len="med"/>
+                      <a:tailEnd type="none" w="med" len="med"/>
+                    </a:lnL>
+                    <a:lnR w="12700" cap="flat" cmpd="sng" algn="ctr">
+                      <a:noFill/>
+                      <a:prstDash val="solid"/>
+                      <a:round/>
+                      <a:headEnd type="none" w="med" len="med"/>
+                      <a:tailEnd type="none" w="med" len="med"/>
+                    </a:lnR>
+                    <a:lnT w="12700" cap="flat" cmpd="sng" algn="ctr">
+                      <a:solidFill>
+                        <a:schemeClr val="tx1"/>
+                      </a:solidFill>
+                      <a:prstDash val="solid"/>
+                      <a:round/>
+                      <a:headEnd type="none" w="med" len="med"/>
+                      <a:tailEnd type="none" w="med" len="med"/>
+                    </a:lnT>
+                    <a:lnB w="12700" cap="flat" cmpd="sng" algn="ctr">
+                      <a:noFill/>
+                      <a:prstDash val="solid"/>
+                      <a:round/>
+                      <a:headEnd type="none" w="med" len="med"/>
+                      <a:tailEnd type="none" w="med" len="med"/>
+                    </a:lnB>
+                    <a:lnTlToBr w="12700" cmpd="sng">
+                      <a:noFill/>
+                      <a:prstDash val="solid"/>
+                    </a:lnTlToBr>
+                    <a:lnBlToTr w="12700" cmpd="sng">
+                      <a:noFill/>
+                      <a:prstDash val="solid"/>
+                    </a:lnBlToTr>
+                    <a:noFill/>
+                  </a:tcPr>
+                </a:tc>
+                <a:tc>
+                  <a:txBody>
+                    <a:bodyPr/>
+                    <a:lstStyle/>
+                    <a:p>
+                      <a:pPr algn="ctr"/>
+                      <a:endParaRPr lang="en-US" dirty="0"/>
+                    </a:p>
+                  </a:txBody>
+                  <a:tcPr>
+                    <a:lnL w="12700" cap="flat" cmpd="sng" algn="ctr">
+                      <a:noFill/>
+                      <a:prstDash val="solid"/>
+                      <a:round/>
+                      <a:headEnd type="none" w="med" len="med"/>
+                      <a:tailEnd type="none" w="med" len="med"/>
+                    </a:lnL>
+                    <a:lnR w="12700" cap="flat" cmpd="sng" algn="ctr">
+                      <a:noFill/>
+                      <a:prstDash val="solid"/>
+                      <a:round/>
+                      <a:headEnd type="none" w="med" len="med"/>
+                      <a:tailEnd type="none" w="med" len="med"/>
+                    </a:lnR>
+                    <a:lnT w="12700" cap="flat" cmpd="sng" algn="ctr">
+                      <a:solidFill>
+                        <a:schemeClr val="tx1"/>
+                      </a:solidFill>
+                      <a:prstDash val="solid"/>
+                      <a:round/>
+                      <a:headEnd type="none" w="med" len="med"/>
+                      <a:tailEnd type="none" w="med" len="med"/>
+                    </a:lnT>
+                    <a:lnB w="12700" cap="flat" cmpd="sng" algn="ctr">
+                      <a:noFill/>
+                      <a:prstDash val="solid"/>
+                      <a:round/>
+                      <a:headEnd type="none" w="med" len="med"/>
+                      <a:tailEnd type="none" w="med" len="med"/>
+                    </a:lnB>
+                    <a:lnTlToBr w="12700" cmpd="sng">
+                      <a:noFill/>
+                      <a:prstDash val="solid"/>
+                    </a:lnTlToBr>
+                    <a:lnBlToTr w="12700" cmpd="sng">
+                      <a:noFill/>
+                      <a:prstDash val="solid"/>
+                    </a:lnBlToTr>
+                    <a:noFill/>
+                  </a:tcPr>
+                </a:tc>
+                <a:tc>
+                  <a:txBody>
+                    <a:bodyPr/>
+                    <a:lstStyle/>
+                    <a:p>
+                      <a:pPr algn="ctr"/>
+                      <a:endParaRPr lang="en-US" dirty="0"/>
+                    </a:p>
+                  </a:txBody>
+                  <a:tcPr>
+                    <a:lnL w="12700" cap="flat" cmpd="sng" algn="ctr">
+                      <a:noFill/>
+                      <a:prstDash val="solid"/>
+                      <a:round/>
+                      <a:headEnd type="none" w="med" len="med"/>
+                      <a:tailEnd type="none" w="med" len="med"/>
+                    </a:lnL>
+                    <a:lnR w="12700" cap="flat" cmpd="sng" algn="ctr">
+                      <a:noFill/>
+                      <a:prstDash val="solid"/>
+                      <a:round/>
+                      <a:headEnd type="none" w="med" len="med"/>
+                      <a:tailEnd type="none" w="med" len="med"/>
+                    </a:lnR>
+                    <a:lnT w="12700" cap="flat" cmpd="sng" algn="ctr">
+                      <a:solidFill>
+                        <a:schemeClr val="tx1"/>
+                      </a:solidFill>
+                      <a:prstDash val="solid"/>
+                      <a:round/>
+                      <a:headEnd type="none" w="med" len="med"/>
+                      <a:tailEnd type="none" w="med" len="med"/>
+                    </a:lnT>
+                    <a:lnB w="12700" cap="flat" cmpd="sng" algn="ctr">
+                      <a:noFill/>
+                      <a:prstDash val="solid"/>
+                      <a:round/>
+                      <a:headEnd type="none" w="med" len="med"/>
+                      <a:tailEnd type="none" w="med" len="med"/>
+                    </a:lnB>
+                    <a:lnTlToBr w="12700" cmpd="sng">
+                      <a:noFill/>
+                      <a:prstDash val="solid"/>
+                    </a:lnTlToBr>
+                    <a:lnBlToTr w="12700" cmpd="sng">
+                      <a:noFill/>
+                      <a:prstDash val="solid"/>
+                    </a:lnBlToTr>
+                    <a:noFill/>
+                  </a:tcPr>
+                </a:tc>
+                <a:tc>
+                  <a:txBody>
+                    <a:bodyPr/>
+                    <a:lstStyle/>
+                    <a:p>
+                      <a:pPr algn="ctr"/>
+                      <a:endParaRPr lang="en-US" dirty="0"/>
+                    </a:p>
+                  </a:txBody>
+                  <a:tcPr>
+                    <a:lnL w="12700" cap="flat" cmpd="sng" algn="ctr">
+                      <a:noFill/>
+                      <a:prstDash val="solid"/>
+                      <a:round/>
+                      <a:headEnd type="none" w="med" len="med"/>
+                      <a:tailEnd type="none" w="med" len="med"/>
+                    </a:lnL>
+                    <a:lnR w="12700" cap="flat" cmpd="sng" algn="ctr">
+                      <a:noFill/>
+                      <a:prstDash val="solid"/>
+                      <a:round/>
+                      <a:headEnd type="none" w="med" len="med"/>
+                      <a:tailEnd type="none" w="med" len="med"/>
+                    </a:lnR>
+                    <a:lnT w="12700" cap="flat" cmpd="sng" algn="ctr">
+                      <a:solidFill>
+                        <a:schemeClr val="tx1"/>
+                      </a:solidFill>
+                      <a:prstDash val="solid"/>
+                      <a:round/>
+                      <a:headEnd type="none" w="med" len="med"/>
+                      <a:tailEnd type="none" w="med" len="med"/>
+                    </a:lnT>
+                    <a:lnB w="12700" cap="flat" cmpd="sng" algn="ctr">
+                      <a:noFill/>
+                      <a:prstDash val="solid"/>
+                      <a:round/>
+                      <a:headEnd type="none" w="med" len="med"/>
+                      <a:tailEnd type="none" w="med" len="med"/>
+                    </a:lnB>
+                    <a:lnTlToBr w="12700" cmpd="sng">
+                      <a:noFill/>
+                      <a:prstDash val="solid"/>
+                    </a:lnTlToBr>
+                    <a:lnBlToTr w="12700" cmpd="sng">
+                      <a:noFill/>
+                      <a:prstDash val="solid"/>
+                    </a:lnBlToTr>
+                    <a:noFill/>
+                  </a:tcPr>
+                </a:tc>
+                <a:tc>
+                  <a:txBody>
+                    <a:bodyPr/>
+                    <a:lstStyle/>
+                    <a:p>
+                      <a:pPr algn="ctr"/>
+                      <a:endParaRPr lang="en-US" dirty="0"/>
+                    </a:p>
+                  </a:txBody>
+                  <a:tcPr>
+                    <a:lnL w="12700" cap="flat" cmpd="sng" algn="ctr">
+                      <a:noFill/>
+                      <a:prstDash val="solid"/>
+                      <a:round/>
+                      <a:headEnd type="none" w="med" len="med"/>
+                      <a:tailEnd type="none" w="med" len="med"/>
+                    </a:lnL>
+                    <a:lnR w="12700" cap="flat" cmpd="sng" algn="ctr">
+                      <a:noFill/>
+                      <a:prstDash val="solid"/>
+                      <a:round/>
+                      <a:headEnd type="none" w="med" len="med"/>
+                      <a:tailEnd type="none" w="med" len="med"/>
+                    </a:lnR>
+                    <a:lnT w="12700" cap="flat" cmpd="sng" algn="ctr">
+                      <a:solidFill>
+                        <a:schemeClr val="tx1"/>
+                      </a:solidFill>
+                      <a:prstDash val="solid"/>
+                      <a:round/>
+                      <a:headEnd type="none" w="med" len="med"/>
+                      <a:tailEnd type="none" w="med" len="med"/>
+                    </a:lnT>
+                    <a:lnB w="12700" cap="flat" cmpd="sng" algn="ctr">
+                      <a:noFill/>
+                      <a:prstDash val="solid"/>
+                      <a:round/>
+                      <a:headEnd type="none" w="med" len="med"/>
+                      <a:tailEnd type="none" w="med" len="med"/>
+                    </a:lnB>
+                    <a:lnTlToBr w="12700" cmpd="sng">
+                      <a:noFill/>
+                      <a:prstDash val="solid"/>
+                    </a:lnTlToBr>
+                    <a:lnBlToTr w="12700" cmpd="sng">
+                      <a:noFill/>
+                      <a:prstDash val="solid"/>
+                    </a:lnBlToTr>
+                    <a:noFill/>
+                  </a:tcPr>
+                </a:tc>
+                <a:tc>
+                  <a:txBody>
+                    <a:bodyPr/>
+                    <a:lstStyle/>
+                    <a:p>
+                      <a:pPr algn="ctr"/>
+                      <a:endParaRPr lang="en-US" dirty="0"/>
+                    </a:p>
+                  </a:txBody>
+                  <a:tcPr>
+                    <a:lnL w="12700" cap="flat" cmpd="sng" algn="ctr">
+                      <a:noFill/>
+                      <a:prstDash val="solid"/>
+                      <a:round/>
+                      <a:headEnd type="none" w="med" len="med"/>
+                      <a:tailEnd type="none" w="med" len="med"/>
+                    </a:lnL>
+                    <a:lnR w="12700" cap="flat" cmpd="sng" algn="ctr">
+                      <a:solidFill>
+                        <a:schemeClr val="tx1"/>
+                      </a:solidFill>
+                      <a:prstDash val="solid"/>
+                      <a:round/>
+                      <a:headEnd type="none" w="med" len="med"/>
+                      <a:tailEnd type="none" w="med" len="med"/>
+                    </a:lnR>
+                    <a:lnT w="12700" cap="flat" cmpd="sng" algn="ctr">
+                      <a:noFill/>
+                      <a:prstDash val="solid"/>
+                      <a:round/>
+                      <a:headEnd type="none" w="med" len="med"/>
+                      <a:tailEnd type="none" w="med" len="med"/>
+                    </a:lnT>
+                    <a:lnB>
+                      <a:noFill/>
+                    </a:lnB>
+                    <a:lnTlToBr w="12700" cmpd="sng">
+                      <a:noFill/>
+                      <a:prstDash val="solid"/>
+                    </a:lnTlToBr>
+                    <a:lnBlToTr w="12700" cmpd="sng">
+                      <a:noFill/>
+                      <a:prstDash val="solid"/>
+                    </a:lnBlToTr>
+                    <a:noFill/>
+                  </a:tcPr>
+                </a:tc>
+                <a:tc>
+                  <a:txBody>
+                    <a:bodyPr/>
+                    <a:lstStyle/>
+                    <a:p>
+                      <a:pPr marL="0" marR="0" lvl="0" indent="0" algn="ctr" defTabSz="457200" rtl="0" eaLnBrk="1" fontAlgn="auto" latinLnBrk="0" hangingPunct="1">
+                        <a:lnSpc>
+                          <a:spcPct val="100000"/>
+                        </a:lnSpc>
+                        <a:spcBef>
+                          <a:spcPts val="0"/>
+                        </a:spcBef>
+                        <a:spcAft>
+                          <a:spcPts val="0"/>
+                        </a:spcAft>
+                        <a:buClrTx/>
+                        <a:buSzTx/>
+                        <a:buFontTx/>
+                        <a:buNone/>
+                        <a:tabLst/>
+                        <a:defRPr/>
+                      </a:pPr>
+                      <a:r>
+                        <a:rPr lang="en-US" dirty="0"/>
+                        <a:t>E</a:t>
+                      </a:r>
+                      <a:r>
+                        <a:rPr lang="en-US" baseline="-25000" dirty="0"/>
+                        <a:t>0</a:t>
+                      </a:r>
+                      <a:r>
+                        <a:rPr lang="en-US" baseline="0" dirty="0"/>
+                        <a:t>+ … +E</a:t>
+                      </a:r>
+                      <a:r>
+                        <a:rPr lang="en-US" baseline="-25000" dirty="0"/>
+                        <a:t>5</a:t>
+                      </a:r>
+                      <a:endParaRPr lang="en-US" baseline="0" dirty="0"/>
+                    </a:p>
+                    <a:p>
+                      <a:pPr marL="0" marR="0" lvl="0" indent="0" algn="ctr" defTabSz="457200" rtl="0" eaLnBrk="1" fontAlgn="auto" latinLnBrk="0" hangingPunct="1">
+                        <a:lnSpc>
+                          <a:spcPct val="100000"/>
+                        </a:lnSpc>
+                        <a:spcBef>
+                          <a:spcPts val="0"/>
+                        </a:spcBef>
+                        <a:spcAft>
+                          <a:spcPts val="0"/>
+                        </a:spcAft>
+                        <a:buClrTx/>
+                        <a:buSzTx/>
+                        <a:buFontTx/>
+                        <a:buNone/>
+                        <a:tabLst/>
+                        <a:defRPr/>
+                      </a:pPr>
+                      <a:r>
+                        <a:rPr lang="en-US" dirty="0">
+                          <a:solidFill>
+                            <a:schemeClr val="tx1"/>
+                          </a:solidFill>
+                        </a:rPr>
+                        <a:t>+E</a:t>
+                      </a:r>
+                      <a:r>
+                        <a:rPr lang="en-US" baseline="-25000" dirty="0">
+                          <a:solidFill>
+                            <a:schemeClr val="tx1"/>
+                          </a:solidFill>
+                        </a:rPr>
+                        <a:t>6</a:t>
+                      </a:r>
+                      <a:r>
+                        <a:rPr lang="en-US" dirty="0">
+                          <a:solidFill>
+                            <a:schemeClr val="tx1"/>
+                          </a:solidFill>
+                        </a:rPr>
+                        <a:t>+ … +E</a:t>
+                      </a:r>
+                      <a:r>
+                        <a:rPr lang="en-US" baseline="-25000" dirty="0">
+                          <a:solidFill>
+                            <a:schemeClr val="tx1"/>
+                          </a:solidFill>
+                        </a:rPr>
+                        <a:t>9</a:t>
+                      </a:r>
+                      <a:endParaRPr lang="en-US" dirty="0">
+                        <a:solidFill>
+                          <a:schemeClr val="tx1"/>
+                        </a:solidFill>
+                      </a:endParaRPr>
+                    </a:p>
+                    <a:p>
+                      <a:pPr marL="0" marR="0" lvl="0" indent="0" algn="ctr" defTabSz="457200" rtl="0" eaLnBrk="1" fontAlgn="auto" latinLnBrk="0" hangingPunct="1">
+                        <a:lnSpc>
+                          <a:spcPct val="100000"/>
+                        </a:lnSpc>
+                        <a:spcBef>
+                          <a:spcPts val="0"/>
+                        </a:spcBef>
+                        <a:spcAft>
+                          <a:spcPts val="0"/>
+                        </a:spcAft>
+                        <a:buClrTx/>
+                        <a:buSzTx/>
+                        <a:buFontTx/>
+                        <a:buNone/>
+                        <a:tabLst/>
+                        <a:defRPr/>
+                      </a:pPr>
+                      <a:r>
+                        <a:rPr lang="en-US" dirty="0">
+                          <a:solidFill>
+                            <a:schemeClr val="tx1"/>
+                          </a:solidFill>
+                        </a:rPr>
+                        <a:t>-(E</a:t>
+                      </a:r>
+                      <a:r>
+                        <a:rPr lang="en-US" baseline="-25000" dirty="0">
+                          <a:solidFill>
+                            <a:schemeClr val="tx1"/>
+                          </a:solidFill>
+                        </a:rPr>
+                        <a:t>6</a:t>
+                      </a:r>
+                      <a:r>
+                        <a:rPr lang="en-US" dirty="0">
+                          <a:solidFill>
+                            <a:schemeClr val="tx1"/>
+                          </a:solidFill>
+                        </a:rPr>
+                        <a:t>+ … +E</a:t>
+                      </a:r>
+                      <a:r>
+                        <a:rPr lang="en-US" baseline="-25000" dirty="0">
+                          <a:solidFill>
+                            <a:schemeClr val="tx1"/>
+                          </a:solidFill>
+                        </a:rPr>
+                        <a:t>9</a:t>
+                      </a:r>
+                      <a:r>
+                        <a:rPr lang="en-US" baseline="0" dirty="0">
+                          <a:solidFill>
+                            <a:schemeClr val="tx1"/>
+                          </a:solidFill>
+                        </a:rPr>
+                        <a:t>)</a:t>
+                      </a:r>
+                    </a:p>
+                    <a:p>
+                      <a:pPr marL="0" marR="0" lvl="0" indent="0" algn="ctr" defTabSz="457200" rtl="0" eaLnBrk="1" fontAlgn="auto" latinLnBrk="0" hangingPunct="1">
+                        <a:lnSpc>
+                          <a:spcPct val="100000"/>
+                        </a:lnSpc>
+                        <a:spcBef>
+                          <a:spcPts val="0"/>
+                        </a:spcBef>
+                        <a:spcAft>
+                          <a:spcPts val="0"/>
+                        </a:spcAft>
+                        <a:buClrTx/>
+                        <a:buSzTx/>
+                        <a:buFontTx/>
+                        <a:buNone/>
+                        <a:tabLst/>
+                        <a:defRPr/>
+                      </a:pPr>
+                      <a:r>
+                        <a:rPr lang="en-US" dirty="0">
+                          <a:solidFill>
+                            <a:srgbClr val="FF7B11"/>
+                          </a:solidFill>
+                        </a:rPr>
+                        <a:t>+E</a:t>
+                      </a:r>
+                      <a:r>
+                        <a:rPr lang="en-US" baseline="-25000" dirty="0">
+                          <a:solidFill>
+                            <a:srgbClr val="FF7B11"/>
+                          </a:solidFill>
+                        </a:rPr>
+                        <a:t>6</a:t>
+                      </a:r>
+                      <a:r>
+                        <a:rPr lang="en-US" dirty="0">
+                          <a:solidFill>
+                            <a:srgbClr val="FF7B11"/>
+                          </a:solidFill>
+                        </a:rPr>
+                        <a:t>+ … +E</a:t>
+                      </a:r>
+                      <a:r>
+                        <a:rPr lang="en-US" baseline="-25000" dirty="0">
+                          <a:solidFill>
+                            <a:srgbClr val="FF7B11"/>
+                          </a:solidFill>
+                        </a:rPr>
+                        <a:t>9</a:t>
+                      </a:r>
+                      <a:endParaRPr lang="en-US" dirty="0">
+                        <a:solidFill>
+                          <a:srgbClr val="FF7B11"/>
+                        </a:solidFill>
+                      </a:endParaRPr>
+                    </a:p>
+                    <a:p>
+                      <a:pPr marL="0" marR="0" lvl="0" indent="0" algn="ctr" defTabSz="457200" rtl="0" eaLnBrk="1" fontAlgn="auto" latinLnBrk="0" hangingPunct="1">
+                        <a:lnSpc>
+                          <a:spcPct val="100000"/>
+                        </a:lnSpc>
+                        <a:spcBef>
+                          <a:spcPts val="0"/>
+                        </a:spcBef>
+                        <a:spcAft>
+                          <a:spcPts val="0"/>
+                        </a:spcAft>
+                        <a:buClrTx/>
+                        <a:buSzTx/>
+                        <a:buFontTx/>
+                        <a:buNone/>
+                        <a:tabLst/>
+                        <a:defRPr/>
+                      </a:pPr>
+                      <a:r>
+                        <a:rPr lang="en-US" dirty="0"/>
+                        <a:t>+E</a:t>
+                      </a:r>
+                      <a:r>
+                        <a:rPr lang="en-US" baseline="-25000" dirty="0"/>
+                        <a:t>10</a:t>
+                      </a:r>
+                      <a:r>
+                        <a:rPr lang="en-US" dirty="0"/>
+                        <a:t>+…+E</a:t>
+                      </a:r>
+                      <a:r>
+                        <a:rPr lang="en-US" baseline="-25000" dirty="0"/>
+                        <a:t>14</a:t>
+                      </a:r>
+                      <a:r>
+                        <a:rPr lang="en-US" dirty="0"/>
+                        <a:t>-E</a:t>
+                      </a:r>
+                      <a:r>
+                        <a:rPr lang="en-US" baseline="-25000" dirty="0"/>
+                        <a:t>14</a:t>
+                      </a:r>
+                      <a:r>
+                        <a:rPr lang="en-US" dirty="0">
+                          <a:solidFill>
+                            <a:srgbClr val="FF7B11"/>
+                          </a:solidFill>
+                        </a:rPr>
+                        <a:t>-E</a:t>
+                      </a:r>
+                      <a:r>
+                        <a:rPr lang="en-US" baseline="-25000" dirty="0">
+                          <a:solidFill>
+                            <a:srgbClr val="FF7B11"/>
+                          </a:solidFill>
+                        </a:rPr>
+                        <a:t>14</a:t>
+                      </a:r>
+                    </a:p>
+                    <a:p>
+                      <a:pPr marL="0" marR="0" lvl="0" indent="0" algn="ctr" defTabSz="457200" rtl="0" eaLnBrk="1" fontAlgn="auto" latinLnBrk="0" hangingPunct="1">
+                        <a:lnSpc>
+                          <a:spcPct val="100000"/>
+                        </a:lnSpc>
+                        <a:spcBef>
+                          <a:spcPts val="0"/>
+                        </a:spcBef>
+                        <a:spcAft>
+                          <a:spcPts val="0"/>
+                        </a:spcAft>
+                        <a:buClrTx/>
+                        <a:buSzTx/>
+                        <a:buFontTx/>
+                        <a:buNone/>
+                        <a:tabLst/>
+                        <a:defRPr/>
+                      </a:pPr>
+                      <a:r>
+                        <a:rPr lang="en-US" dirty="0"/>
+                        <a:t>+E</a:t>
+                      </a:r>
+                      <a:r>
+                        <a:rPr lang="en-US" baseline="-25000" dirty="0"/>
+                        <a:t>15</a:t>
+                      </a:r>
+                      <a:r>
+                        <a:rPr lang="en-US" dirty="0"/>
+                        <a:t>+…+E</a:t>
+                      </a:r>
+                      <a:r>
+                        <a:rPr lang="en-US" baseline="-25000" dirty="0"/>
+                        <a:t>20</a:t>
+                      </a:r>
+                      <a:r>
+                        <a:rPr lang="en-US" dirty="0"/>
+                        <a:t>-</a:t>
+                      </a:r>
+                      <a:r>
+                        <a:rPr lang="en-US" dirty="0">
+                          <a:solidFill>
+                            <a:schemeClr val="tx1"/>
+                          </a:solidFill>
+                        </a:rPr>
+                        <a:t>E</a:t>
+                      </a:r>
+                      <a:r>
+                        <a:rPr lang="en-US" baseline="-25000" dirty="0">
+                          <a:solidFill>
+                            <a:schemeClr val="tx1"/>
+                          </a:solidFill>
+                        </a:rPr>
+                        <a:t>19</a:t>
+                      </a:r>
+                      <a:r>
+                        <a:rPr lang="en-US" dirty="0"/>
+                        <a:t>+</a:t>
+                      </a:r>
+                      <a:r>
+                        <a:rPr lang="en-US" dirty="0">
+                          <a:solidFill>
+                            <a:srgbClr val="FF7B11"/>
+                          </a:solidFill>
+                        </a:rPr>
+                        <a:t>E</a:t>
+                      </a:r>
+                      <a:r>
+                        <a:rPr lang="en-US" baseline="-25000" dirty="0">
+                          <a:solidFill>
+                            <a:srgbClr val="FF7B11"/>
+                          </a:solidFill>
+                        </a:rPr>
+                        <a:t>19</a:t>
+                      </a:r>
+                      <a:endParaRPr lang="en-US" baseline="-25000" dirty="0"/>
+                    </a:p>
+                    <a:p>
+                      <a:pPr marL="0" marR="0" lvl="0" indent="0" algn="ctr" defTabSz="457200" rtl="0" eaLnBrk="1" fontAlgn="auto" latinLnBrk="0" hangingPunct="1">
+                        <a:lnSpc>
+                          <a:spcPct val="100000"/>
+                        </a:lnSpc>
+                        <a:spcBef>
+                          <a:spcPts val="0"/>
+                        </a:spcBef>
+                        <a:spcAft>
+                          <a:spcPts val="0"/>
+                        </a:spcAft>
+                        <a:buClrTx/>
+                        <a:buSzTx/>
+                        <a:buFontTx/>
+                        <a:buNone/>
+                        <a:tabLst/>
+                        <a:defRPr/>
+                      </a:pPr>
+                      <a:endParaRPr lang="en-US" baseline="-25000" dirty="0"/>
+                    </a:p>
+                    <a:p>
+                      <a:pPr marL="0" marR="0" lvl="0" indent="0" algn="ctr" defTabSz="457200" rtl="0" eaLnBrk="1" fontAlgn="auto" latinLnBrk="0" hangingPunct="1">
+                        <a:lnSpc>
+                          <a:spcPct val="100000"/>
+                        </a:lnSpc>
+                        <a:spcBef>
+                          <a:spcPts val="0"/>
+                        </a:spcBef>
+                        <a:spcAft>
+                          <a:spcPts val="0"/>
+                        </a:spcAft>
+                        <a:buClrTx/>
+                        <a:buSzTx/>
+                        <a:buFontTx/>
+                        <a:buNone/>
+                        <a:tabLst/>
+                        <a:defRPr/>
+                      </a:pPr>
+                      <a:r>
+                        <a:rPr lang="en-US" baseline="0" dirty="0"/>
+                        <a:t>+ </a:t>
+                      </a:r>
+                      <a:r>
+                        <a:rPr lang="en-US" dirty="0"/>
+                        <a:t>E</a:t>
+                      </a:r>
+                      <a:r>
+                        <a:rPr lang="en-US" baseline="-25000" dirty="0"/>
+                        <a:t>20</a:t>
+                      </a:r>
+                      <a:endParaRPr lang="en-US" dirty="0"/>
+                    </a:p>
+                  </a:txBody>
+                  <a:tcPr>
+                    <a:lnL w="12700" cap="flat" cmpd="sng" algn="ctr">
+                      <a:solidFill>
+                        <a:schemeClr val="tx1"/>
+                      </a:solidFill>
+                      <a:prstDash val="solid"/>
+                      <a:round/>
+                      <a:headEnd type="none" w="med" len="med"/>
+                      <a:tailEnd type="none" w="med" len="med"/>
+                    </a:lnL>
+                    <a:lnR w="12700" cap="flat" cmpd="sng" algn="ctr">
+                      <a:solidFill>
+                        <a:schemeClr val="tx1"/>
+                      </a:solidFill>
+                      <a:prstDash val="solid"/>
+                      <a:round/>
+                      <a:headEnd type="none" w="med" len="med"/>
+                      <a:tailEnd type="none" w="med" len="med"/>
+                    </a:lnR>
+                    <a:lnT w="38100" cap="flat" cmpd="sng" algn="ctr">
+                      <a:solidFill>
+                        <a:schemeClr val="tx1"/>
+                      </a:solidFill>
+                      <a:prstDash val="solid"/>
+                      <a:round/>
+                      <a:headEnd type="none" w="med" len="med"/>
+                      <a:tailEnd type="none" w="med" len="med"/>
+                    </a:lnT>
+                    <a:lnB w="12700" cap="flat" cmpd="sng" algn="ctr">
+                      <a:solidFill>
+                        <a:schemeClr val="tx1"/>
+                      </a:solidFill>
+                      <a:prstDash val="solid"/>
+                      <a:round/>
+                      <a:headEnd type="none" w="med" len="med"/>
+                      <a:tailEnd type="none" w="med" len="med"/>
+                    </a:lnB>
+                    <a:solidFill>
+                      <a:srgbClr val="DDDDDD"/>
+                    </a:solidFill>
+                  </a:tcPr>
+                </a:tc>
+                <a:extLst>
+                  <a:ext uri="{0D108BD9-81ED-4DB2-BD59-A6C34878D82A}">
+                    <a16:rowId xmlns:a16="http://schemas.microsoft.com/office/drawing/2014/main" val="3929910534"/>
+                  </a:ext>
+                </a:extLst>
+              </a:tr>
+            </a:tbl>
+          </a:graphicData>
+        </a:graphic>
+      </p:graphicFrame>
+    </p:spTree>
+    <p:extLst>
+      <p:ext uri="{BB962C8B-B14F-4D97-AF65-F5344CB8AC3E}">
+        <p14:creationId xmlns:p14="http://schemas.microsoft.com/office/powerpoint/2010/main" val="3224573192"/>
+      </p:ext>
+    </p:extLst>
+  </p:cSld>
+  <p:clrMapOvr>
+    <a:masterClrMapping/>
+  </p:clrMapOvr>
+</p:sld>
+</file>
+
+<file path=ppt/slides/slide9.xml><?xml version="1.0" encoding="utf-8"?>
 <p:sld xmlns:a="http://schemas.openxmlformats.org/drawingml/2006/main" xmlns:r="http://schemas.openxmlformats.org/officeDocument/2006/relationships" xmlns:p="http://schemas.openxmlformats.org/presentationml/2006/main">
   <p:cSld>
     <p:spTree>
@@ -21753,2591 +28078,6 @@
     <p:extLst>
       <p:ext uri="{BB962C8B-B14F-4D97-AF65-F5344CB8AC3E}">
         <p14:creationId xmlns:p14="http://schemas.microsoft.com/office/powerpoint/2010/main" val="1577092333"/>
-      </p:ext>
-    </p:extLst>
-  </p:cSld>
-  <p:clrMapOvr>
-    <a:masterClrMapping/>
-  </p:clrMapOvr>
-</p:sld>
-</file>
-
-<file path=ppt/slides/slide9.xml><?xml version="1.0" encoding="utf-8"?>
-<p:sld xmlns:a="http://schemas.openxmlformats.org/drawingml/2006/main" xmlns:r="http://schemas.openxmlformats.org/officeDocument/2006/relationships" xmlns:p="http://schemas.openxmlformats.org/presentationml/2006/main">
-  <p:cSld>
-    <p:spTree>
-      <p:nvGrpSpPr>
-        <p:cNvPr id="1" name=""/>
-        <p:cNvGrpSpPr/>
-        <p:nvPr/>
-      </p:nvGrpSpPr>
-      <p:grpSpPr>
-        <a:xfrm>
-          <a:off x="0" y="0"/>
-          <a:ext cx="0" cy="0"/>
-          <a:chOff x="0" y="0"/>
-          <a:chExt cx="0" cy="0"/>
-        </a:xfrm>
-      </p:grpSpPr>
-      <p:graphicFrame>
-        <p:nvGraphicFramePr>
-          <p:cNvPr id="6" name="Content Placeholder 5"/>
-          <p:cNvGraphicFramePr>
-            <a:graphicFrameLocks noGrp="1"/>
-          </p:cNvGraphicFramePr>
-          <p:nvPr>
-            <p:ph idx="1"/>
-          </p:nvPr>
-        </p:nvGraphicFramePr>
-        <p:xfrm>
-          <a:off x="2639617" y="1340768"/>
-          <a:ext cx="7200795" cy="2952800"/>
-        </p:xfrm>
-        <a:graphic>
-          <a:graphicData uri="http://schemas.openxmlformats.org/drawingml/2006/table">
-            <a:tbl>
-              <a:tblPr firstRow="1" bandRow="1">
-                <a:tableStyleId>{46F890A9-2807-4EBB-B81D-B2AA78EC7F39}</a:tableStyleId>
-              </a:tblPr>
-              <a:tblGrid>
-                <a:gridCol w="522058">
-                  <a:extLst>
-                    <a:ext uri="{9D8B030D-6E8A-4147-A177-3AD203B41FA5}">
-                      <a16:colId xmlns:a16="http://schemas.microsoft.com/office/drawing/2014/main" val="20000"/>
-                    </a:ext>
-                  </a:extLst>
-                </a:gridCol>
-                <a:gridCol w="522058">
-                  <a:extLst>
-                    <a:ext uri="{9D8B030D-6E8A-4147-A177-3AD203B41FA5}">
-                      <a16:colId xmlns:a16="http://schemas.microsoft.com/office/drawing/2014/main" val="20001"/>
-                    </a:ext>
-                  </a:extLst>
-                </a:gridCol>
-                <a:gridCol w="522058">
-                  <a:extLst>
-                    <a:ext uri="{9D8B030D-6E8A-4147-A177-3AD203B41FA5}">
-                      <a16:colId xmlns:a16="http://schemas.microsoft.com/office/drawing/2014/main" val="20002"/>
-                    </a:ext>
-                  </a:extLst>
-                </a:gridCol>
-                <a:gridCol w="522058">
-                  <a:extLst>
-                    <a:ext uri="{9D8B030D-6E8A-4147-A177-3AD203B41FA5}">
-                      <a16:colId xmlns:a16="http://schemas.microsoft.com/office/drawing/2014/main" val="20003"/>
-                    </a:ext>
-                  </a:extLst>
-                </a:gridCol>
-                <a:gridCol w="522058">
-                  <a:extLst>
-                    <a:ext uri="{9D8B030D-6E8A-4147-A177-3AD203B41FA5}">
-                      <a16:colId xmlns:a16="http://schemas.microsoft.com/office/drawing/2014/main" val="20004"/>
-                    </a:ext>
-                  </a:extLst>
-                </a:gridCol>
-                <a:gridCol w="522058">
-                  <a:extLst>
-                    <a:ext uri="{9D8B030D-6E8A-4147-A177-3AD203B41FA5}">
-                      <a16:colId xmlns:a16="http://schemas.microsoft.com/office/drawing/2014/main" val="20005"/>
-                    </a:ext>
-                  </a:extLst>
-                </a:gridCol>
-                <a:gridCol w="522058">
-                  <a:extLst>
-                    <a:ext uri="{9D8B030D-6E8A-4147-A177-3AD203B41FA5}">
-                      <a16:colId xmlns:a16="http://schemas.microsoft.com/office/drawing/2014/main" val="20006"/>
-                    </a:ext>
-                  </a:extLst>
-                </a:gridCol>
-                <a:gridCol w="522058">
-                  <a:extLst>
-                    <a:ext uri="{9D8B030D-6E8A-4147-A177-3AD203B41FA5}">
-                      <a16:colId xmlns:a16="http://schemas.microsoft.com/office/drawing/2014/main" val="20007"/>
-                    </a:ext>
-                  </a:extLst>
-                </a:gridCol>
-                <a:gridCol w="3024331">
-                  <a:extLst>
-                    <a:ext uri="{9D8B030D-6E8A-4147-A177-3AD203B41FA5}">
-                      <a16:colId xmlns:a16="http://schemas.microsoft.com/office/drawing/2014/main" val="20008"/>
-                    </a:ext>
-                  </a:extLst>
-                </a:gridCol>
-              </a:tblGrid>
-              <a:tr h="369100">
-                <a:tc>
-                  <a:txBody>
-                    <a:bodyPr/>
-                    <a:lstStyle/>
-                    <a:p>
-                      <a:pPr algn="ctr"/>
-                      <a:r>
-                        <a:rPr lang="en-US" b="0" dirty="0" err="1">
-                          <a:solidFill>
-                            <a:srgbClr val="003D62"/>
-                          </a:solidFill>
-                        </a:rPr>
-                        <a:t>i</a:t>
-                      </a:r>
-                      <a:r>
-                        <a:rPr lang="en-US" b="0" dirty="0">
-                          <a:solidFill>
-                            <a:srgbClr val="003D62"/>
-                          </a:solidFill>
-                        </a:rPr>
-                        <a:t>\j</a:t>
-                      </a:r>
-                    </a:p>
-                  </a:txBody>
-                  <a:tcPr>
-                    <a:noFill/>
-                  </a:tcPr>
-                </a:tc>
-                <a:tc>
-                  <a:txBody>
-                    <a:bodyPr/>
-                    <a:lstStyle/>
-                    <a:p>
-                      <a:pPr algn="ctr"/>
-                      <a:r>
-                        <a:rPr lang="en-US" b="0" dirty="0">
-                          <a:solidFill>
-                            <a:srgbClr val="003D62"/>
-                          </a:solidFill>
-                        </a:rPr>
-                        <a:t>0</a:t>
-                      </a:r>
-                    </a:p>
-                  </a:txBody>
-                  <a:tcPr>
-                    <a:noFill/>
-                  </a:tcPr>
-                </a:tc>
-                <a:tc>
-                  <a:txBody>
-                    <a:bodyPr/>
-                    <a:lstStyle/>
-                    <a:p>
-                      <a:pPr algn="ctr"/>
-                      <a:r>
-                        <a:rPr lang="en-US" b="0" dirty="0">
-                          <a:solidFill>
-                            <a:srgbClr val="003D62"/>
-                          </a:solidFill>
-                        </a:rPr>
-                        <a:t>1</a:t>
-                      </a:r>
-                    </a:p>
-                  </a:txBody>
-                  <a:tcPr>
-                    <a:noFill/>
-                  </a:tcPr>
-                </a:tc>
-                <a:tc>
-                  <a:txBody>
-                    <a:bodyPr/>
-                    <a:lstStyle/>
-                    <a:p>
-                      <a:pPr algn="ctr"/>
-                      <a:r>
-                        <a:rPr lang="en-US" b="0" dirty="0">
-                          <a:solidFill>
-                            <a:srgbClr val="003D62"/>
-                          </a:solidFill>
-                        </a:rPr>
-                        <a:t>2</a:t>
-                      </a:r>
-                    </a:p>
-                  </a:txBody>
-                  <a:tcPr>
-                    <a:noFill/>
-                  </a:tcPr>
-                </a:tc>
-                <a:tc>
-                  <a:txBody>
-                    <a:bodyPr/>
-                    <a:lstStyle/>
-                    <a:p>
-                      <a:pPr algn="ctr"/>
-                      <a:r>
-                        <a:rPr lang="en-US" b="0" dirty="0">
-                          <a:solidFill>
-                            <a:srgbClr val="003D62"/>
-                          </a:solidFill>
-                        </a:rPr>
-                        <a:t>3</a:t>
-                      </a:r>
-                    </a:p>
-                  </a:txBody>
-                  <a:tcPr>
-                    <a:noFill/>
-                  </a:tcPr>
-                </a:tc>
-                <a:tc>
-                  <a:txBody>
-                    <a:bodyPr/>
-                    <a:lstStyle/>
-                    <a:p>
-                      <a:pPr algn="ctr"/>
-                      <a:r>
-                        <a:rPr lang="en-US" b="0" dirty="0">
-                          <a:solidFill>
-                            <a:srgbClr val="003D62"/>
-                          </a:solidFill>
-                        </a:rPr>
-                        <a:t>4</a:t>
-                      </a:r>
-                    </a:p>
-                  </a:txBody>
-                  <a:tcPr>
-                    <a:noFill/>
-                  </a:tcPr>
-                </a:tc>
-                <a:tc>
-                  <a:txBody>
-                    <a:bodyPr/>
-                    <a:lstStyle/>
-                    <a:p>
-                      <a:pPr algn="ctr"/>
-                      <a:r>
-                        <a:rPr lang="en-US" b="0" dirty="0">
-                          <a:solidFill>
-                            <a:srgbClr val="003D62"/>
-                          </a:solidFill>
-                        </a:rPr>
-                        <a:t>5</a:t>
-                      </a:r>
-                    </a:p>
-                  </a:txBody>
-                  <a:tcPr>
-                    <a:noFill/>
-                  </a:tcPr>
-                </a:tc>
-                <a:tc>
-                  <a:txBody>
-                    <a:bodyPr/>
-                    <a:lstStyle/>
-                    <a:p>
-                      <a:pPr algn="ctr"/>
-                      <a:r>
-                        <a:rPr lang="en-US" b="0" dirty="0">
-                          <a:solidFill>
-                            <a:srgbClr val="003D62"/>
-                          </a:solidFill>
-                        </a:rPr>
-                        <a:t>6</a:t>
-                      </a:r>
-                    </a:p>
-                  </a:txBody>
-                  <a:tcPr>
-                    <a:noFill/>
-                  </a:tcPr>
-                </a:tc>
-                <a:tc>
-                  <a:txBody>
-                    <a:bodyPr/>
-                    <a:lstStyle/>
-                    <a:p>
-                      <a:pPr algn="ctr"/>
-                      <a:r>
-                        <a:rPr lang="en-US" b="0" dirty="0" err="1">
-                          <a:solidFill>
-                            <a:srgbClr val="003D62"/>
-                          </a:solidFill>
-                        </a:rPr>
-                        <a:t>E</a:t>
-                      </a:r>
-                      <a:r>
-                        <a:rPr lang="en-US" b="0" baseline="-25000" dirty="0" err="1">
-                          <a:solidFill>
-                            <a:srgbClr val="003D62"/>
-                          </a:solidFill>
-                        </a:rPr>
-                        <a:t>row</a:t>
-                      </a:r>
-                      <a:endParaRPr lang="en-US" b="0" baseline="-25000" dirty="0">
-                        <a:solidFill>
-                          <a:srgbClr val="003D62"/>
-                        </a:solidFill>
-                      </a:endParaRPr>
-                    </a:p>
-                  </a:txBody>
-                  <a:tcPr>
-                    <a:noFill/>
-                  </a:tcPr>
-                </a:tc>
-                <a:extLst>
-                  <a:ext uri="{0D108BD9-81ED-4DB2-BD59-A6C34878D82A}">
-                    <a16:rowId xmlns:a16="http://schemas.microsoft.com/office/drawing/2014/main" val="10000"/>
-                  </a:ext>
-                </a:extLst>
-              </a:tr>
-              <a:tr h="369100">
-                <a:tc>
-                  <a:txBody>
-                    <a:bodyPr/>
-                    <a:lstStyle/>
-                    <a:p>
-                      <a:pPr algn="ctr"/>
-                      <a:r>
-                        <a:rPr lang="en-US" dirty="0">
-                          <a:solidFill>
-                            <a:srgbClr val="003D62"/>
-                          </a:solidFill>
-                        </a:rPr>
-                        <a:t>0</a:t>
-                      </a:r>
-                    </a:p>
-                  </a:txBody>
-                  <a:tcPr>
-                    <a:noFill/>
-                  </a:tcPr>
-                </a:tc>
-                <a:tc>
-                  <a:txBody>
-                    <a:bodyPr/>
-                    <a:lstStyle/>
-                    <a:p>
-                      <a:pPr algn="ctr"/>
-                      <a:endParaRPr lang="en-US" dirty="0"/>
-                    </a:p>
-                  </a:txBody>
-                  <a:tcPr>
-                    <a:lnB w="12700" cap="flat" cmpd="sng" algn="ctr">
-                      <a:solidFill>
-                        <a:scrgbClr r="0" g="0" b="0"/>
-                      </a:solidFill>
-                      <a:prstDash val="solid"/>
-                      <a:round/>
-                      <a:headEnd type="none" w="med" len="med"/>
-                      <a:tailEnd type="none" w="med" len="med"/>
-                    </a:lnB>
-                    <a:solidFill>
-                      <a:schemeClr val="bg2"/>
-                    </a:solidFill>
-                  </a:tcPr>
-                </a:tc>
-                <a:tc>
-                  <a:txBody>
-                    <a:bodyPr/>
-                    <a:lstStyle/>
-                    <a:p>
-                      <a:pPr algn="ctr"/>
-                      <a:endParaRPr lang="en-US" dirty="0"/>
-                    </a:p>
-                  </a:txBody>
-                  <a:tcPr>
-                    <a:solidFill>
-                      <a:schemeClr val="bg2"/>
-                    </a:solidFill>
-                  </a:tcPr>
-                </a:tc>
-                <a:tc>
-                  <a:txBody>
-                    <a:bodyPr/>
-                    <a:lstStyle/>
-                    <a:p>
-                      <a:pPr algn="ctr"/>
-                      <a:endParaRPr lang="en-US" dirty="0"/>
-                    </a:p>
-                  </a:txBody>
-                  <a:tcPr>
-                    <a:solidFill>
-                      <a:schemeClr val="bg2"/>
-                    </a:solidFill>
-                  </a:tcPr>
-                </a:tc>
-                <a:tc>
-                  <a:txBody>
-                    <a:bodyPr/>
-                    <a:lstStyle/>
-                    <a:p>
-                      <a:pPr algn="ctr"/>
-                      <a:endParaRPr lang="en-US" dirty="0"/>
-                    </a:p>
-                  </a:txBody>
-                  <a:tcPr>
-                    <a:solidFill>
-                      <a:schemeClr val="bg2"/>
-                    </a:solidFill>
-                  </a:tcPr>
-                </a:tc>
-                <a:tc>
-                  <a:txBody>
-                    <a:bodyPr/>
-                    <a:lstStyle/>
-                    <a:p>
-                      <a:pPr algn="ctr"/>
-                      <a:endParaRPr lang="en-US" dirty="0"/>
-                    </a:p>
-                  </a:txBody>
-                  <a:tcPr>
-                    <a:solidFill>
-                      <a:schemeClr val="bg2"/>
-                    </a:solidFill>
-                  </a:tcPr>
-                </a:tc>
-                <a:tc>
-                  <a:txBody>
-                    <a:bodyPr/>
-                    <a:lstStyle/>
-                    <a:p>
-                      <a:pPr algn="ctr"/>
-                      <a:endParaRPr lang="en-US" dirty="0"/>
-                    </a:p>
-                  </a:txBody>
-                  <a:tcPr>
-                    <a:solidFill>
-                      <a:schemeClr val="bg2"/>
-                    </a:solidFill>
-                  </a:tcPr>
-                </a:tc>
-                <a:tc>
-                  <a:txBody>
-                    <a:bodyPr/>
-                    <a:lstStyle/>
-                    <a:p>
-                      <a:pPr algn="ctr"/>
-                      <a:endParaRPr lang="en-US" dirty="0"/>
-                    </a:p>
-                  </a:txBody>
-                  <a:tcPr>
-                    <a:solidFill>
-                      <a:schemeClr val="bg2"/>
-                    </a:solidFill>
-                  </a:tcPr>
-                </a:tc>
-                <a:tc>
-                  <a:txBody>
-                    <a:bodyPr/>
-                    <a:lstStyle/>
-                    <a:p>
-                      <a:pPr algn="ctr"/>
-                      <a:endParaRPr lang="en-US" dirty="0"/>
-                    </a:p>
-                  </a:txBody>
-                  <a:tcPr>
-                    <a:solidFill>
-                      <a:schemeClr val="bg2"/>
-                    </a:solidFill>
-                  </a:tcPr>
-                </a:tc>
-                <a:extLst>
-                  <a:ext uri="{0D108BD9-81ED-4DB2-BD59-A6C34878D82A}">
-                    <a16:rowId xmlns:a16="http://schemas.microsoft.com/office/drawing/2014/main" val="10001"/>
-                  </a:ext>
-                </a:extLst>
-              </a:tr>
-              <a:tr h="369100">
-                <a:tc>
-                  <a:txBody>
-                    <a:bodyPr/>
-                    <a:lstStyle/>
-                    <a:p>
-                      <a:pPr algn="ctr"/>
-                      <a:r>
-                        <a:rPr lang="en-US" dirty="0">
-                          <a:solidFill>
-                            <a:srgbClr val="003D62"/>
-                          </a:solidFill>
-                        </a:rPr>
-                        <a:t>1</a:t>
-                      </a:r>
-                    </a:p>
-                  </a:txBody>
-                  <a:tcPr>
-                    <a:lnR w="12700" cap="flat" cmpd="sng" algn="ctr">
-                      <a:solidFill>
-                        <a:scrgbClr r="0" g="0" b="0"/>
-                      </a:solidFill>
-                      <a:prstDash val="solid"/>
-                      <a:round/>
-                      <a:headEnd type="none" w="med" len="med"/>
-                      <a:tailEnd type="none" w="med" len="med"/>
-                    </a:lnR>
-                    <a:noFill/>
-                  </a:tcPr>
-                </a:tc>
-                <a:tc>
-                  <a:txBody>
-                    <a:bodyPr/>
-                    <a:lstStyle/>
-                    <a:p>
-                      <a:pPr algn="ctr"/>
-                      <a:r>
-                        <a:rPr lang="en-US" dirty="0"/>
-                        <a:t>0</a:t>
-                      </a:r>
-                    </a:p>
-                  </a:txBody>
-                  <a:tcPr>
-                    <a:lnL w="12700" cap="flat" cmpd="sng" algn="ctr">
-                      <a:solidFill>
-                        <a:scrgbClr r="0" g="0" b="0"/>
-                      </a:solidFill>
-                      <a:prstDash val="solid"/>
-                      <a:round/>
-                      <a:headEnd type="none" w="med" len="med"/>
-                      <a:tailEnd type="none" w="med" len="med"/>
-                    </a:lnL>
-                    <a:lnR w="12700" cap="flat" cmpd="sng" algn="ctr">
-                      <a:solidFill>
-                        <a:scrgbClr r="0" g="0" b="0"/>
-                      </a:solidFill>
-                      <a:prstDash val="solid"/>
-                      <a:round/>
-                      <a:headEnd type="none" w="med" len="med"/>
-                      <a:tailEnd type="none" w="med" len="med"/>
-                    </a:lnR>
-                    <a:lnT w="12700" cap="flat" cmpd="sng" algn="ctr">
-                      <a:solidFill>
-                        <a:scrgbClr r="0" g="0" b="0"/>
-                      </a:solidFill>
-                      <a:prstDash val="solid"/>
-                      <a:round/>
-                      <a:headEnd type="none" w="med" len="med"/>
-                      <a:tailEnd type="none" w="med" len="med"/>
-                    </a:lnT>
-                    <a:lnB w="12700" cap="flat" cmpd="sng" algn="ctr">
-                      <a:solidFill>
-                        <a:scrgbClr r="0" g="0" b="0"/>
-                      </a:solidFill>
-                      <a:prstDash val="solid"/>
-                      <a:round/>
-                      <a:headEnd type="none" w="med" len="med"/>
-                      <a:tailEnd type="none" w="med" len="med"/>
-                    </a:lnB>
-                    <a:solidFill>
-                      <a:srgbClr val="A6A6A6"/>
-                    </a:solidFill>
-                  </a:tcPr>
-                </a:tc>
-                <a:tc>
-                  <a:txBody>
-                    <a:bodyPr/>
-                    <a:lstStyle/>
-                    <a:p>
-                      <a:pPr algn="ctr"/>
-                      <a:endParaRPr lang="en-US" dirty="0"/>
-                    </a:p>
-                  </a:txBody>
-                  <a:tcPr>
-                    <a:lnL w="12700" cap="flat" cmpd="sng" algn="ctr">
-                      <a:solidFill>
-                        <a:scrgbClr r="0" g="0" b="0"/>
-                      </a:solidFill>
-                      <a:prstDash val="solid"/>
-                      <a:round/>
-                      <a:headEnd type="none" w="med" len="med"/>
-                      <a:tailEnd type="none" w="med" len="med"/>
-                    </a:lnL>
-                    <a:lnB w="12700" cap="flat" cmpd="sng" algn="ctr">
-                      <a:solidFill>
-                        <a:scrgbClr r="0" g="0" b="0"/>
-                      </a:solidFill>
-                      <a:prstDash val="solid"/>
-                      <a:round/>
-                      <a:headEnd type="none" w="med" len="med"/>
-                      <a:tailEnd type="none" w="med" len="med"/>
-                    </a:lnB>
-                    <a:solidFill>
-                      <a:srgbClr val="DDDDDD"/>
-                    </a:solidFill>
-                  </a:tcPr>
-                </a:tc>
-                <a:tc>
-                  <a:txBody>
-                    <a:bodyPr/>
-                    <a:lstStyle/>
-                    <a:p>
-                      <a:pPr algn="ctr"/>
-                      <a:endParaRPr lang="en-US" dirty="0"/>
-                    </a:p>
-                  </a:txBody>
-                  <a:tcPr>
-                    <a:solidFill>
-                      <a:srgbClr val="DDDDDD"/>
-                    </a:solidFill>
-                  </a:tcPr>
-                </a:tc>
-                <a:tc>
-                  <a:txBody>
-                    <a:bodyPr/>
-                    <a:lstStyle/>
-                    <a:p>
-                      <a:pPr algn="ctr"/>
-                      <a:endParaRPr lang="en-US" dirty="0"/>
-                    </a:p>
-                  </a:txBody>
-                  <a:tcPr>
-                    <a:solidFill>
-                      <a:srgbClr val="DDDDDD"/>
-                    </a:solidFill>
-                  </a:tcPr>
-                </a:tc>
-                <a:tc>
-                  <a:txBody>
-                    <a:bodyPr/>
-                    <a:lstStyle/>
-                    <a:p>
-                      <a:pPr algn="ctr"/>
-                      <a:endParaRPr lang="en-US" dirty="0"/>
-                    </a:p>
-                  </a:txBody>
-                  <a:tcPr>
-                    <a:solidFill>
-                      <a:srgbClr val="DDDDDD"/>
-                    </a:solidFill>
-                  </a:tcPr>
-                </a:tc>
-                <a:tc>
-                  <a:txBody>
-                    <a:bodyPr/>
-                    <a:lstStyle/>
-                    <a:p>
-                      <a:pPr algn="ctr"/>
-                      <a:endParaRPr lang="en-US"/>
-                    </a:p>
-                  </a:txBody>
-                  <a:tcPr>
-                    <a:solidFill>
-                      <a:srgbClr val="DDDDDD"/>
-                    </a:solidFill>
-                  </a:tcPr>
-                </a:tc>
-                <a:tc>
-                  <a:txBody>
-                    <a:bodyPr/>
-                    <a:lstStyle/>
-                    <a:p>
-                      <a:pPr algn="ctr"/>
-                      <a:endParaRPr lang="en-US" dirty="0"/>
-                    </a:p>
-                  </a:txBody>
-                  <a:tcPr>
-                    <a:solidFill>
-                      <a:srgbClr val="DDDDDD"/>
-                    </a:solidFill>
-                  </a:tcPr>
-                </a:tc>
-                <a:tc>
-                  <a:txBody>
-                    <a:bodyPr/>
-                    <a:lstStyle/>
-                    <a:p>
-                      <a:pPr algn="ctr"/>
-                      <a:r>
-                        <a:rPr lang="en-US" dirty="0"/>
-                        <a:t>E</a:t>
-                      </a:r>
-                      <a:r>
-                        <a:rPr lang="en-US" baseline="-25000" dirty="0"/>
-                        <a:t>0</a:t>
-                      </a:r>
-                      <a:endParaRPr lang="en-US" dirty="0"/>
-                    </a:p>
-                  </a:txBody>
-                  <a:tcPr>
-                    <a:solidFill>
-                      <a:srgbClr val="DDDDDD"/>
-                    </a:solidFill>
-                  </a:tcPr>
-                </a:tc>
-                <a:extLst>
-                  <a:ext uri="{0D108BD9-81ED-4DB2-BD59-A6C34878D82A}">
-                    <a16:rowId xmlns:a16="http://schemas.microsoft.com/office/drawing/2014/main" val="10002"/>
-                  </a:ext>
-                </a:extLst>
-              </a:tr>
-              <a:tr h="369100">
-                <a:tc>
-                  <a:txBody>
-                    <a:bodyPr/>
-                    <a:lstStyle/>
-                    <a:p>
-                      <a:pPr algn="ctr"/>
-                      <a:r>
-                        <a:rPr lang="en-US" dirty="0">
-                          <a:solidFill>
-                            <a:srgbClr val="003D62"/>
-                          </a:solidFill>
-                        </a:rPr>
-                        <a:t>2</a:t>
-                      </a:r>
-                    </a:p>
-                  </a:txBody>
-                  <a:tcPr>
-                    <a:lnR w="12700" cap="flat" cmpd="sng" algn="ctr">
-                      <a:solidFill>
-                        <a:scrgbClr r="0" g="0" b="0"/>
-                      </a:solidFill>
-                      <a:prstDash val="solid"/>
-                      <a:round/>
-                      <a:headEnd type="none" w="med" len="med"/>
-                      <a:tailEnd type="none" w="med" len="med"/>
-                    </a:lnR>
-                    <a:noFill/>
-                  </a:tcPr>
-                </a:tc>
-                <a:tc>
-                  <a:txBody>
-                    <a:bodyPr/>
-                    <a:lstStyle/>
-                    <a:p>
-                      <a:pPr algn="ctr"/>
-                      <a:r>
-                        <a:rPr lang="en-US" dirty="0"/>
-                        <a:t>1</a:t>
-                      </a:r>
-                    </a:p>
-                  </a:txBody>
-                  <a:tcPr>
-                    <a:lnL w="12700" cap="flat" cmpd="sng" algn="ctr">
-                      <a:solidFill>
-                        <a:scrgbClr r="0" g="0" b="0"/>
-                      </a:solidFill>
-                      <a:prstDash val="solid"/>
-                      <a:round/>
-                      <a:headEnd type="none" w="med" len="med"/>
-                      <a:tailEnd type="none" w="med" len="med"/>
-                    </a:lnL>
-                    <a:lnR w="12700" cap="flat" cmpd="sng" algn="ctr">
-                      <a:solidFill>
-                        <a:scrgbClr r="0" g="0" b="0"/>
-                      </a:solidFill>
-                      <a:prstDash val="solid"/>
-                      <a:round/>
-                      <a:headEnd type="none" w="med" len="med"/>
-                      <a:tailEnd type="none" w="med" len="med"/>
-                    </a:lnR>
-                    <a:lnT w="12700" cap="flat" cmpd="sng" algn="ctr">
-                      <a:solidFill>
-                        <a:scrgbClr r="0" g="0" b="0"/>
-                      </a:solidFill>
-                      <a:prstDash val="solid"/>
-                      <a:round/>
-                      <a:headEnd type="none" w="med" len="med"/>
-                      <a:tailEnd type="none" w="med" len="med"/>
-                    </a:lnT>
-                    <a:lnB w="12700" cap="flat" cmpd="sng" algn="ctr">
-                      <a:solidFill>
-                        <a:scrgbClr r="0" g="0" b="0"/>
-                      </a:solidFill>
-                      <a:prstDash val="solid"/>
-                      <a:round/>
-                      <a:headEnd type="none" w="med" len="med"/>
-                      <a:tailEnd type="none" w="med" len="med"/>
-                    </a:lnB>
-                    <a:solidFill>
-                      <a:srgbClr val="A6A6A6"/>
-                    </a:solidFill>
-                  </a:tcPr>
-                </a:tc>
-                <a:tc>
-                  <a:txBody>
-                    <a:bodyPr/>
-                    <a:lstStyle/>
-                    <a:p>
-                      <a:pPr algn="ctr"/>
-                      <a:r>
-                        <a:rPr lang="en-US" dirty="0"/>
-                        <a:t>2</a:t>
-                      </a:r>
-                    </a:p>
-                  </a:txBody>
-                  <a:tcPr>
-                    <a:lnL w="12700" cap="flat" cmpd="sng" algn="ctr">
-                      <a:solidFill>
-                        <a:scrgbClr r="0" g="0" b="0"/>
-                      </a:solidFill>
-                      <a:prstDash val="solid"/>
-                      <a:round/>
-                      <a:headEnd type="none" w="med" len="med"/>
-                      <a:tailEnd type="none" w="med" len="med"/>
-                    </a:lnL>
-                    <a:lnR w="12700" cap="flat" cmpd="sng" algn="ctr">
-                      <a:solidFill>
-                        <a:scrgbClr r="0" g="0" b="0"/>
-                      </a:solidFill>
-                      <a:prstDash val="solid"/>
-                      <a:round/>
-                      <a:headEnd type="none" w="med" len="med"/>
-                      <a:tailEnd type="none" w="med" len="med"/>
-                    </a:lnR>
-                    <a:lnT w="12700" cap="flat" cmpd="sng" algn="ctr">
-                      <a:solidFill>
-                        <a:scrgbClr r="0" g="0" b="0"/>
-                      </a:solidFill>
-                      <a:prstDash val="solid"/>
-                      <a:round/>
-                      <a:headEnd type="none" w="med" len="med"/>
-                      <a:tailEnd type="none" w="med" len="med"/>
-                    </a:lnT>
-                    <a:lnB w="12700" cap="flat" cmpd="sng" algn="ctr">
-                      <a:solidFill>
-                        <a:scrgbClr r="0" g="0" b="0"/>
-                      </a:solidFill>
-                      <a:prstDash val="solid"/>
-                      <a:round/>
-                      <a:headEnd type="none" w="med" len="med"/>
-                      <a:tailEnd type="none" w="med" len="med"/>
-                    </a:lnB>
-                    <a:solidFill>
-                      <a:srgbClr val="A6A6A6"/>
-                    </a:solidFill>
-                  </a:tcPr>
-                </a:tc>
-                <a:tc>
-                  <a:txBody>
-                    <a:bodyPr/>
-                    <a:lstStyle/>
-                    <a:p>
-                      <a:pPr algn="ctr"/>
-                      <a:endParaRPr lang="en-US" dirty="0"/>
-                    </a:p>
-                  </a:txBody>
-                  <a:tcPr>
-                    <a:lnL w="12700" cap="flat" cmpd="sng" algn="ctr">
-                      <a:solidFill>
-                        <a:scrgbClr r="0" g="0" b="0"/>
-                      </a:solidFill>
-                      <a:prstDash val="solid"/>
-                      <a:round/>
-                      <a:headEnd type="none" w="med" len="med"/>
-                      <a:tailEnd type="none" w="med" len="med"/>
-                    </a:lnL>
-                    <a:lnB w="12700" cap="flat" cmpd="sng" algn="ctr">
-                      <a:solidFill>
-                        <a:scrgbClr r="0" g="0" b="0"/>
-                      </a:solidFill>
-                      <a:prstDash val="solid"/>
-                      <a:round/>
-                      <a:headEnd type="none" w="med" len="med"/>
-                      <a:tailEnd type="none" w="med" len="med"/>
-                    </a:lnB>
-                    <a:solidFill>
-                      <a:srgbClr val="DDDDDD"/>
-                    </a:solidFill>
-                  </a:tcPr>
-                </a:tc>
-                <a:tc>
-                  <a:txBody>
-                    <a:bodyPr/>
-                    <a:lstStyle/>
-                    <a:p>
-                      <a:pPr algn="ctr"/>
-                      <a:endParaRPr lang="en-US" dirty="0"/>
-                    </a:p>
-                  </a:txBody>
-                  <a:tcPr>
-                    <a:solidFill>
-                      <a:srgbClr val="DDDDDD"/>
-                    </a:solidFill>
-                  </a:tcPr>
-                </a:tc>
-                <a:tc>
-                  <a:txBody>
-                    <a:bodyPr/>
-                    <a:lstStyle/>
-                    <a:p>
-                      <a:pPr algn="ctr"/>
-                      <a:endParaRPr lang="en-US" dirty="0"/>
-                    </a:p>
-                  </a:txBody>
-                  <a:tcPr>
-                    <a:solidFill>
-                      <a:srgbClr val="DDDDDD"/>
-                    </a:solidFill>
-                  </a:tcPr>
-                </a:tc>
-                <a:tc>
-                  <a:txBody>
-                    <a:bodyPr/>
-                    <a:lstStyle/>
-                    <a:p>
-                      <a:pPr algn="ctr"/>
-                      <a:endParaRPr lang="en-US" dirty="0"/>
-                    </a:p>
-                  </a:txBody>
-                  <a:tcPr>
-                    <a:solidFill>
-                      <a:srgbClr val="DDDDDD"/>
-                    </a:solidFill>
-                  </a:tcPr>
-                </a:tc>
-                <a:tc>
-                  <a:txBody>
-                    <a:bodyPr/>
-                    <a:lstStyle/>
-                    <a:p>
-                      <a:pPr algn="ctr"/>
-                      <a:endParaRPr lang="en-US" dirty="0"/>
-                    </a:p>
-                  </a:txBody>
-                  <a:tcPr>
-                    <a:solidFill>
-                      <a:srgbClr val="DDDDDD"/>
-                    </a:solidFill>
-                  </a:tcPr>
-                </a:tc>
-                <a:tc>
-                  <a:txBody>
-                    <a:bodyPr/>
-                    <a:lstStyle/>
-                    <a:p>
-                      <a:pPr algn="ctr"/>
-                      <a:r>
-                        <a:rPr lang="en-US" dirty="0"/>
-                        <a:t>E</a:t>
-                      </a:r>
-                      <a:r>
-                        <a:rPr lang="en-US" baseline="-25000" dirty="0"/>
-                        <a:t>1</a:t>
-                      </a:r>
-                      <a:r>
-                        <a:rPr lang="en-US" dirty="0"/>
-                        <a:t>+E</a:t>
-                      </a:r>
-                      <a:r>
-                        <a:rPr lang="en-US" baseline="-25000" dirty="0"/>
-                        <a:t>2</a:t>
-                      </a:r>
-                      <a:endParaRPr lang="en-US" dirty="0"/>
-                    </a:p>
-                  </a:txBody>
-                  <a:tcPr>
-                    <a:solidFill>
-                      <a:srgbClr val="DDDDDD"/>
-                    </a:solidFill>
-                  </a:tcPr>
-                </a:tc>
-                <a:extLst>
-                  <a:ext uri="{0D108BD9-81ED-4DB2-BD59-A6C34878D82A}">
-                    <a16:rowId xmlns:a16="http://schemas.microsoft.com/office/drawing/2014/main" val="10003"/>
-                  </a:ext>
-                </a:extLst>
-              </a:tr>
-              <a:tr h="369100">
-                <a:tc>
-                  <a:txBody>
-                    <a:bodyPr/>
-                    <a:lstStyle/>
-                    <a:p>
-                      <a:pPr algn="ctr"/>
-                      <a:r>
-                        <a:rPr lang="en-US" dirty="0">
-                          <a:solidFill>
-                            <a:srgbClr val="003D62"/>
-                          </a:solidFill>
-                        </a:rPr>
-                        <a:t>3</a:t>
-                      </a:r>
-                    </a:p>
-                  </a:txBody>
-                  <a:tcPr>
-                    <a:lnR w="12700" cap="flat" cmpd="sng" algn="ctr">
-                      <a:solidFill>
-                        <a:scrgbClr r="0" g="0" b="0"/>
-                      </a:solidFill>
-                      <a:prstDash val="solid"/>
-                      <a:round/>
-                      <a:headEnd type="none" w="med" len="med"/>
-                      <a:tailEnd type="none" w="med" len="med"/>
-                    </a:lnR>
-                    <a:noFill/>
-                  </a:tcPr>
-                </a:tc>
-                <a:tc>
-                  <a:txBody>
-                    <a:bodyPr/>
-                    <a:lstStyle/>
-                    <a:p>
-                      <a:pPr algn="ctr"/>
-                      <a:r>
-                        <a:rPr lang="en-US" dirty="0"/>
-                        <a:t>3</a:t>
-                      </a:r>
-                    </a:p>
-                  </a:txBody>
-                  <a:tcPr>
-                    <a:lnL w="12700" cap="flat" cmpd="sng" algn="ctr">
-                      <a:solidFill>
-                        <a:scrgbClr r="0" g="0" b="0"/>
-                      </a:solidFill>
-                      <a:prstDash val="solid"/>
-                      <a:round/>
-                      <a:headEnd type="none" w="med" len="med"/>
-                      <a:tailEnd type="none" w="med" len="med"/>
-                    </a:lnL>
-                    <a:lnR w="12700" cap="flat" cmpd="sng" algn="ctr">
-                      <a:solidFill>
-                        <a:scrgbClr r="0" g="0" b="0"/>
-                      </a:solidFill>
-                      <a:prstDash val="solid"/>
-                      <a:round/>
-                      <a:headEnd type="none" w="med" len="med"/>
-                      <a:tailEnd type="none" w="med" len="med"/>
-                    </a:lnR>
-                    <a:lnT w="12700" cap="flat" cmpd="sng" algn="ctr">
-                      <a:solidFill>
-                        <a:scrgbClr r="0" g="0" b="0"/>
-                      </a:solidFill>
-                      <a:prstDash val="solid"/>
-                      <a:round/>
-                      <a:headEnd type="none" w="med" len="med"/>
-                      <a:tailEnd type="none" w="med" len="med"/>
-                    </a:lnT>
-                    <a:lnB w="12700" cap="flat" cmpd="sng" algn="ctr">
-                      <a:solidFill>
-                        <a:scrgbClr r="0" g="0" b="0"/>
-                      </a:solidFill>
-                      <a:prstDash val="solid"/>
-                      <a:round/>
-                      <a:headEnd type="none" w="med" len="med"/>
-                      <a:tailEnd type="none" w="med" len="med"/>
-                    </a:lnB>
-                    <a:solidFill>
-                      <a:srgbClr val="A6A6A6"/>
-                    </a:solidFill>
-                  </a:tcPr>
-                </a:tc>
-                <a:tc>
-                  <a:txBody>
-                    <a:bodyPr/>
-                    <a:lstStyle/>
-                    <a:p>
-                      <a:pPr algn="ctr"/>
-                      <a:r>
-                        <a:rPr lang="en-US" dirty="0"/>
-                        <a:t>4</a:t>
-                      </a:r>
-                    </a:p>
-                  </a:txBody>
-                  <a:tcPr>
-                    <a:lnL w="12700" cap="flat" cmpd="sng" algn="ctr">
-                      <a:solidFill>
-                        <a:scrgbClr r="0" g="0" b="0"/>
-                      </a:solidFill>
-                      <a:prstDash val="solid"/>
-                      <a:round/>
-                      <a:headEnd type="none" w="med" len="med"/>
-                      <a:tailEnd type="none" w="med" len="med"/>
-                    </a:lnL>
-                    <a:lnR w="12700" cap="flat" cmpd="sng" algn="ctr">
-                      <a:solidFill>
-                        <a:scrgbClr r="0" g="0" b="0"/>
-                      </a:solidFill>
-                      <a:prstDash val="solid"/>
-                      <a:round/>
-                      <a:headEnd type="none" w="med" len="med"/>
-                      <a:tailEnd type="none" w="med" len="med"/>
-                    </a:lnR>
-                    <a:lnT w="12700" cap="flat" cmpd="sng" algn="ctr">
-                      <a:solidFill>
-                        <a:scrgbClr r="0" g="0" b="0"/>
-                      </a:solidFill>
-                      <a:prstDash val="solid"/>
-                      <a:round/>
-                      <a:headEnd type="none" w="med" len="med"/>
-                      <a:tailEnd type="none" w="med" len="med"/>
-                    </a:lnT>
-                    <a:lnB w="12700" cap="flat" cmpd="sng" algn="ctr">
-                      <a:solidFill>
-                        <a:scrgbClr r="0" g="0" b="0"/>
-                      </a:solidFill>
-                      <a:prstDash val="solid"/>
-                      <a:round/>
-                      <a:headEnd type="none" w="med" len="med"/>
-                      <a:tailEnd type="none" w="med" len="med"/>
-                    </a:lnB>
-                    <a:solidFill>
-                      <a:srgbClr val="A6A6A6"/>
-                    </a:solidFill>
-                  </a:tcPr>
-                </a:tc>
-                <a:tc>
-                  <a:txBody>
-                    <a:bodyPr/>
-                    <a:lstStyle/>
-                    <a:p>
-                      <a:pPr algn="ctr"/>
-                      <a:r>
-                        <a:rPr lang="en-US" dirty="0"/>
-                        <a:t>5</a:t>
-                      </a:r>
-                    </a:p>
-                  </a:txBody>
-                  <a:tcPr>
-                    <a:lnL w="12700" cap="flat" cmpd="sng" algn="ctr">
-                      <a:solidFill>
-                        <a:scrgbClr r="0" g="0" b="0"/>
-                      </a:solidFill>
-                      <a:prstDash val="solid"/>
-                      <a:round/>
-                      <a:headEnd type="none" w="med" len="med"/>
-                      <a:tailEnd type="none" w="med" len="med"/>
-                    </a:lnL>
-                    <a:lnR w="12700" cap="flat" cmpd="sng" algn="ctr">
-                      <a:solidFill>
-                        <a:scrgbClr r="0" g="0" b="0"/>
-                      </a:solidFill>
-                      <a:prstDash val="solid"/>
-                      <a:round/>
-                      <a:headEnd type="none" w="med" len="med"/>
-                      <a:tailEnd type="none" w="med" len="med"/>
-                    </a:lnR>
-                    <a:lnT w="12700" cap="flat" cmpd="sng" algn="ctr">
-                      <a:solidFill>
-                        <a:scrgbClr r="0" g="0" b="0"/>
-                      </a:solidFill>
-                      <a:prstDash val="solid"/>
-                      <a:round/>
-                      <a:headEnd type="none" w="med" len="med"/>
-                      <a:tailEnd type="none" w="med" len="med"/>
-                    </a:lnT>
-                    <a:lnB w="12700" cap="flat" cmpd="sng" algn="ctr">
-                      <a:solidFill>
-                        <a:scrgbClr r="0" g="0" b="0"/>
-                      </a:solidFill>
-                      <a:prstDash val="solid"/>
-                      <a:round/>
-                      <a:headEnd type="none" w="med" len="med"/>
-                      <a:tailEnd type="none" w="med" len="med"/>
-                    </a:lnB>
-                    <a:solidFill>
-                      <a:srgbClr val="A6A6A6"/>
-                    </a:solidFill>
-                  </a:tcPr>
-                </a:tc>
-                <a:tc>
-                  <a:txBody>
-                    <a:bodyPr/>
-                    <a:lstStyle/>
-                    <a:p>
-                      <a:pPr algn="ctr"/>
-                      <a:endParaRPr lang="en-US" dirty="0"/>
-                    </a:p>
-                  </a:txBody>
-                  <a:tcPr>
-                    <a:lnL w="12700" cap="flat" cmpd="sng" algn="ctr">
-                      <a:solidFill>
-                        <a:scrgbClr r="0" g="0" b="0"/>
-                      </a:solidFill>
-                      <a:prstDash val="solid"/>
-                      <a:round/>
-                      <a:headEnd type="none" w="med" len="med"/>
-                      <a:tailEnd type="none" w="med" len="med"/>
-                    </a:lnL>
-                    <a:lnB w="12700" cap="flat" cmpd="sng" algn="ctr">
-                      <a:solidFill>
-                        <a:scrgbClr r="0" g="0" b="0"/>
-                      </a:solidFill>
-                      <a:prstDash val="solid"/>
-                      <a:round/>
-                      <a:headEnd type="none" w="med" len="med"/>
-                      <a:tailEnd type="none" w="med" len="med"/>
-                    </a:lnB>
-                    <a:solidFill>
-                      <a:srgbClr val="DDDDDD"/>
-                    </a:solidFill>
-                  </a:tcPr>
-                </a:tc>
-                <a:tc>
-                  <a:txBody>
-                    <a:bodyPr/>
-                    <a:lstStyle/>
-                    <a:p>
-                      <a:pPr algn="ctr"/>
-                      <a:endParaRPr lang="en-US" dirty="0"/>
-                    </a:p>
-                  </a:txBody>
-                  <a:tcPr>
-                    <a:solidFill>
-                      <a:srgbClr val="DDDDDD"/>
-                    </a:solidFill>
-                  </a:tcPr>
-                </a:tc>
-                <a:tc>
-                  <a:txBody>
-                    <a:bodyPr/>
-                    <a:lstStyle/>
-                    <a:p>
-                      <a:pPr algn="ctr"/>
-                      <a:endParaRPr lang="en-US" dirty="0"/>
-                    </a:p>
-                  </a:txBody>
-                  <a:tcPr>
-                    <a:solidFill>
-                      <a:srgbClr val="DDDDDD"/>
-                    </a:solidFill>
-                  </a:tcPr>
-                </a:tc>
-                <a:tc>
-                  <a:txBody>
-                    <a:bodyPr/>
-                    <a:lstStyle/>
-                    <a:p>
-                      <a:pPr algn="ctr"/>
-                      <a:endParaRPr lang="en-US" dirty="0"/>
-                    </a:p>
-                  </a:txBody>
-                  <a:tcPr>
-                    <a:solidFill>
-                      <a:srgbClr val="DDDDDD"/>
-                    </a:solidFill>
-                  </a:tcPr>
-                </a:tc>
-                <a:tc>
-                  <a:txBody>
-                    <a:bodyPr/>
-                    <a:lstStyle/>
-                    <a:p>
-                      <a:pPr marL="0" marR="0" indent="0" algn="ctr" defTabSz="457200" rtl="0" eaLnBrk="1" fontAlgn="auto" latinLnBrk="0" hangingPunct="1">
-                        <a:lnSpc>
-                          <a:spcPct val="100000"/>
-                        </a:lnSpc>
-                        <a:spcBef>
-                          <a:spcPts val="0"/>
-                        </a:spcBef>
-                        <a:spcAft>
-                          <a:spcPts val="0"/>
-                        </a:spcAft>
-                        <a:buClrTx/>
-                        <a:buSzTx/>
-                        <a:buFontTx/>
-                        <a:buNone/>
-                        <a:tabLst/>
-                        <a:defRPr/>
-                      </a:pPr>
-                      <a:r>
-                        <a:rPr lang="en-US" dirty="0"/>
-                        <a:t>E</a:t>
-                      </a:r>
-                      <a:r>
-                        <a:rPr lang="en-US" baseline="-25000" dirty="0"/>
-                        <a:t>3</a:t>
-                      </a:r>
-                      <a:r>
-                        <a:rPr lang="en-US" dirty="0"/>
-                        <a:t>+E</a:t>
-                      </a:r>
-                      <a:r>
-                        <a:rPr lang="en-US" baseline="-25000" dirty="0"/>
-                        <a:t>4</a:t>
-                      </a:r>
-                      <a:r>
-                        <a:rPr lang="en-US" dirty="0"/>
-                        <a:t>+E</a:t>
-                      </a:r>
-                      <a:r>
-                        <a:rPr lang="en-US" baseline="-25000" dirty="0"/>
-                        <a:t>5</a:t>
-                      </a:r>
-                      <a:endParaRPr lang="en-US" dirty="0"/>
-                    </a:p>
-                  </a:txBody>
-                  <a:tcPr>
-                    <a:solidFill>
-                      <a:srgbClr val="DDDDDD"/>
-                    </a:solidFill>
-                  </a:tcPr>
-                </a:tc>
-                <a:extLst>
-                  <a:ext uri="{0D108BD9-81ED-4DB2-BD59-A6C34878D82A}">
-                    <a16:rowId xmlns:a16="http://schemas.microsoft.com/office/drawing/2014/main" val="10004"/>
-                  </a:ext>
-                </a:extLst>
-              </a:tr>
-              <a:tr h="369100">
-                <a:tc>
-                  <a:txBody>
-                    <a:bodyPr/>
-                    <a:lstStyle/>
-                    <a:p>
-                      <a:pPr algn="ctr"/>
-                      <a:r>
-                        <a:rPr lang="en-US" dirty="0">
-                          <a:solidFill>
-                            <a:srgbClr val="003D62"/>
-                          </a:solidFill>
-                        </a:rPr>
-                        <a:t>4</a:t>
-                      </a:r>
-                    </a:p>
-                  </a:txBody>
-                  <a:tcPr>
-                    <a:lnR w="12700" cap="flat" cmpd="sng" algn="ctr">
-                      <a:solidFill>
-                        <a:scrgbClr r="0" g="0" b="0"/>
-                      </a:solidFill>
-                      <a:prstDash val="solid"/>
-                      <a:round/>
-                      <a:headEnd type="none" w="med" len="med"/>
-                      <a:tailEnd type="none" w="med" len="med"/>
-                    </a:lnR>
-                    <a:noFill/>
-                  </a:tcPr>
-                </a:tc>
-                <a:tc>
-                  <a:txBody>
-                    <a:bodyPr/>
-                    <a:lstStyle/>
-                    <a:p>
-                      <a:pPr algn="ctr"/>
-                      <a:r>
-                        <a:rPr lang="en-US" dirty="0"/>
-                        <a:t>6</a:t>
-                      </a:r>
-                    </a:p>
-                  </a:txBody>
-                  <a:tcPr>
-                    <a:lnL w="12700" cap="flat" cmpd="sng" algn="ctr">
-                      <a:solidFill>
-                        <a:scrgbClr r="0" g="0" b="0"/>
-                      </a:solidFill>
-                      <a:prstDash val="solid"/>
-                      <a:round/>
-                      <a:headEnd type="none" w="med" len="med"/>
-                      <a:tailEnd type="none" w="med" len="med"/>
-                    </a:lnL>
-                    <a:lnR w="12700" cap="flat" cmpd="sng" algn="ctr">
-                      <a:solidFill>
-                        <a:scrgbClr r="0" g="0" b="0"/>
-                      </a:solidFill>
-                      <a:prstDash val="solid"/>
-                      <a:round/>
-                      <a:headEnd type="none" w="med" len="med"/>
-                      <a:tailEnd type="none" w="med" len="med"/>
-                    </a:lnR>
-                    <a:lnT w="12700" cap="flat" cmpd="sng" algn="ctr">
-                      <a:solidFill>
-                        <a:scrgbClr r="0" g="0" b="0"/>
-                      </a:solidFill>
-                      <a:prstDash val="solid"/>
-                      <a:round/>
-                      <a:headEnd type="none" w="med" len="med"/>
-                      <a:tailEnd type="none" w="med" len="med"/>
-                    </a:lnT>
-                    <a:lnB w="12700" cap="flat" cmpd="sng" algn="ctr">
-                      <a:solidFill>
-                        <a:scrgbClr r="0" g="0" b="0"/>
-                      </a:solidFill>
-                      <a:prstDash val="solid"/>
-                      <a:round/>
-                      <a:headEnd type="none" w="med" len="med"/>
-                      <a:tailEnd type="none" w="med" len="med"/>
-                    </a:lnB>
-                    <a:solidFill>
-                      <a:srgbClr val="FF7C10"/>
-                    </a:solidFill>
-                  </a:tcPr>
-                </a:tc>
-                <a:tc>
-                  <a:txBody>
-                    <a:bodyPr/>
-                    <a:lstStyle/>
-                    <a:p>
-                      <a:pPr algn="ctr"/>
-                      <a:r>
-                        <a:rPr lang="en-US" dirty="0"/>
-                        <a:t>7</a:t>
-                      </a:r>
-                    </a:p>
-                  </a:txBody>
-                  <a:tcPr>
-                    <a:lnL w="12700" cap="flat" cmpd="sng" algn="ctr">
-                      <a:solidFill>
-                        <a:scrgbClr r="0" g="0" b="0"/>
-                      </a:solidFill>
-                      <a:prstDash val="solid"/>
-                      <a:round/>
-                      <a:headEnd type="none" w="med" len="med"/>
-                      <a:tailEnd type="none" w="med" len="med"/>
-                    </a:lnL>
-                    <a:lnR w="12700" cap="flat" cmpd="sng" algn="ctr">
-                      <a:solidFill>
-                        <a:scrgbClr r="0" g="0" b="0"/>
-                      </a:solidFill>
-                      <a:prstDash val="solid"/>
-                      <a:round/>
-                      <a:headEnd type="none" w="med" len="med"/>
-                      <a:tailEnd type="none" w="med" len="med"/>
-                    </a:lnR>
-                    <a:lnT w="12700" cap="flat" cmpd="sng" algn="ctr">
-                      <a:solidFill>
-                        <a:scrgbClr r="0" g="0" b="0"/>
-                      </a:solidFill>
-                      <a:prstDash val="solid"/>
-                      <a:round/>
-                      <a:headEnd type="none" w="med" len="med"/>
-                      <a:tailEnd type="none" w="med" len="med"/>
-                    </a:lnT>
-                    <a:lnB w="12700" cap="flat" cmpd="sng" algn="ctr">
-                      <a:solidFill>
-                        <a:scrgbClr r="0" g="0" b="0"/>
-                      </a:solidFill>
-                      <a:prstDash val="solid"/>
-                      <a:round/>
-                      <a:headEnd type="none" w="med" len="med"/>
-                      <a:tailEnd type="none" w="med" len="med"/>
-                    </a:lnB>
-                    <a:solidFill>
-                      <a:srgbClr val="FF7C10"/>
-                    </a:solidFill>
-                  </a:tcPr>
-                </a:tc>
-                <a:tc>
-                  <a:txBody>
-                    <a:bodyPr/>
-                    <a:lstStyle/>
-                    <a:p>
-                      <a:pPr algn="ctr"/>
-                      <a:r>
-                        <a:rPr lang="en-US" dirty="0"/>
-                        <a:t>8</a:t>
-                      </a:r>
-                    </a:p>
-                  </a:txBody>
-                  <a:tcPr>
-                    <a:lnL w="12700" cap="flat" cmpd="sng" algn="ctr">
-                      <a:solidFill>
-                        <a:scrgbClr r="0" g="0" b="0"/>
-                      </a:solidFill>
-                      <a:prstDash val="solid"/>
-                      <a:round/>
-                      <a:headEnd type="none" w="med" len="med"/>
-                      <a:tailEnd type="none" w="med" len="med"/>
-                    </a:lnL>
-                    <a:lnR w="12700" cap="flat" cmpd="sng" algn="ctr">
-                      <a:solidFill>
-                        <a:scrgbClr r="0" g="0" b="0"/>
-                      </a:solidFill>
-                      <a:prstDash val="solid"/>
-                      <a:round/>
-                      <a:headEnd type="none" w="med" len="med"/>
-                      <a:tailEnd type="none" w="med" len="med"/>
-                    </a:lnR>
-                    <a:lnT w="12700" cap="flat" cmpd="sng" algn="ctr">
-                      <a:solidFill>
-                        <a:scrgbClr r="0" g="0" b="0"/>
-                      </a:solidFill>
-                      <a:prstDash val="solid"/>
-                      <a:round/>
-                      <a:headEnd type="none" w="med" len="med"/>
-                      <a:tailEnd type="none" w="med" len="med"/>
-                    </a:lnT>
-                    <a:lnB w="12700" cap="flat" cmpd="sng" algn="ctr">
-                      <a:solidFill>
-                        <a:scrgbClr r="0" g="0" b="0"/>
-                      </a:solidFill>
-                      <a:prstDash val="solid"/>
-                      <a:round/>
-                      <a:headEnd type="none" w="med" len="med"/>
-                      <a:tailEnd type="none" w="med" len="med"/>
-                    </a:lnB>
-                    <a:solidFill>
-                      <a:srgbClr val="FF7C10"/>
-                    </a:solidFill>
-                  </a:tcPr>
-                </a:tc>
-                <a:tc>
-                  <a:txBody>
-                    <a:bodyPr/>
-                    <a:lstStyle/>
-                    <a:p>
-                      <a:pPr algn="ctr"/>
-                      <a:r>
-                        <a:rPr lang="en-US" dirty="0"/>
-                        <a:t>9</a:t>
-                      </a:r>
-                    </a:p>
-                  </a:txBody>
-                  <a:tcPr>
-                    <a:lnL w="12700" cap="flat" cmpd="sng" algn="ctr">
-                      <a:solidFill>
-                        <a:scrgbClr r="0" g="0" b="0"/>
-                      </a:solidFill>
-                      <a:prstDash val="solid"/>
-                      <a:round/>
-                      <a:headEnd type="none" w="med" len="med"/>
-                      <a:tailEnd type="none" w="med" len="med"/>
-                    </a:lnL>
-                    <a:lnR w="12700" cap="flat" cmpd="sng" algn="ctr">
-                      <a:solidFill>
-                        <a:scrgbClr r="0" g="0" b="0"/>
-                      </a:solidFill>
-                      <a:prstDash val="solid"/>
-                      <a:round/>
-                      <a:headEnd type="none" w="med" len="med"/>
-                      <a:tailEnd type="none" w="med" len="med"/>
-                    </a:lnR>
-                    <a:lnT w="12700" cap="flat" cmpd="sng" algn="ctr">
-                      <a:solidFill>
-                        <a:scrgbClr r="0" g="0" b="0"/>
-                      </a:solidFill>
-                      <a:prstDash val="solid"/>
-                      <a:round/>
-                      <a:headEnd type="none" w="med" len="med"/>
-                      <a:tailEnd type="none" w="med" len="med"/>
-                    </a:lnT>
-                    <a:lnB w="12700" cap="flat" cmpd="sng" algn="ctr">
-                      <a:solidFill>
-                        <a:scrgbClr r="0" g="0" b="0"/>
-                      </a:solidFill>
-                      <a:prstDash val="solid"/>
-                      <a:round/>
-                      <a:headEnd type="none" w="med" len="med"/>
-                      <a:tailEnd type="none" w="med" len="med"/>
-                    </a:lnB>
-                    <a:solidFill>
-                      <a:srgbClr val="FF7C10"/>
-                    </a:solidFill>
-                  </a:tcPr>
-                </a:tc>
-                <a:tc>
-                  <a:txBody>
-                    <a:bodyPr/>
-                    <a:lstStyle/>
-                    <a:p>
-                      <a:pPr algn="ctr"/>
-                      <a:endParaRPr lang="en-US" dirty="0"/>
-                    </a:p>
-                  </a:txBody>
-                  <a:tcPr>
-                    <a:lnL w="12700" cap="flat" cmpd="sng" algn="ctr">
-                      <a:solidFill>
-                        <a:scrgbClr r="0" g="0" b="0"/>
-                      </a:solidFill>
-                      <a:prstDash val="solid"/>
-                      <a:round/>
-                      <a:headEnd type="none" w="med" len="med"/>
-                      <a:tailEnd type="none" w="med" len="med"/>
-                    </a:lnL>
-                    <a:lnB w="12700" cap="flat" cmpd="sng" algn="ctr">
-                      <a:solidFill>
-                        <a:scrgbClr r="0" g="0" b="0"/>
-                      </a:solidFill>
-                      <a:prstDash val="solid"/>
-                      <a:round/>
-                      <a:headEnd type="none" w="med" len="med"/>
-                      <a:tailEnd type="none" w="med" len="med"/>
-                    </a:lnB>
-                    <a:solidFill>
-                      <a:srgbClr val="DDDDDD"/>
-                    </a:solidFill>
-                  </a:tcPr>
-                </a:tc>
-                <a:tc>
-                  <a:txBody>
-                    <a:bodyPr/>
-                    <a:lstStyle/>
-                    <a:p>
-                      <a:pPr algn="ctr"/>
-                      <a:endParaRPr lang="en-US" dirty="0"/>
-                    </a:p>
-                  </a:txBody>
-                  <a:tcPr>
-                    <a:solidFill>
-                      <a:srgbClr val="DDDDDD"/>
-                    </a:solidFill>
-                  </a:tcPr>
-                </a:tc>
-                <a:tc>
-                  <a:txBody>
-                    <a:bodyPr/>
-                    <a:lstStyle/>
-                    <a:p>
-                      <a:pPr algn="ctr"/>
-                      <a:endParaRPr lang="en-US" dirty="0"/>
-                    </a:p>
-                  </a:txBody>
-                  <a:tcPr>
-                    <a:solidFill>
-                      <a:srgbClr val="DDDDDD"/>
-                    </a:solidFill>
-                  </a:tcPr>
-                </a:tc>
-                <a:tc>
-                  <a:txBody>
-                    <a:bodyPr/>
-                    <a:lstStyle/>
-                    <a:p>
-                      <a:pPr marL="0" marR="0" indent="0" algn="ctr" defTabSz="457200" rtl="0" eaLnBrk="1" fontAlgn="auto" latinLnBrk="0" hangingPunct="1">
-                        <a:lnSpc>
-                          <a:spcPct val="100000"/>
-                        </a:lnSpc>
-                        <a:spcBef>
-                          <a:spcPts val="0"/>
-                        </a:spcBef>
-                        <a:spcAft>
-                          <a:spcPts val="0"/>
-                        </a:spcAft>
-                        <a:buClrTx/>
-                        <a:buSzTx/>
-                        <a:buFontTx/>
-                        <a:buNone/>
-                        <a:tabLst/>
-                        <a:defRPr/>
-                      </a:pPr>
-                      <a:r>
-                        <a:rPr lang="en-US" dirty="0"/>
-                        <a:t>E</a:t>
-                      </a:r>
-                      <a:r>
-                        <a:rPr lang="en-US" baseline="-25000" dirty="0"/>
-                        <a:t>6</a:t>
-                      </a:r>
-                      <a:r>
-                        <a:rPr lang="en-US" dirty="0"/>
-                        <a:t>+…+E</a:t>
-                      </a:r>
-                      <a:r>
-                        <a:rPr lang="en-US" baseline="-25000" dirty="0"/>
-                        <a:t>9</a:t>
-                      </a:r>
-                      <a:endParaRPr lang="en-US" dirty="0"/>
-                    </a:p>
-                  </a:txBody>
-                  <a:tcPr>
-                    <a:solidFill>
-                      <a:srgbClr val="FF7C10"/>
-                    </a:solidFill>
-                  </a:tcPr>
-                </a:tc>
-                <a:extLst>
-                  <a:ext uri="{0D108BD9-81ED-4DB2-BD59-A6C34878D82A}">
-                    <a16:rowId xmlns:a16="http://schemas.microsoft.com/office/drawing/2014/main" val="10005"/>
-                  </a:ext>
-                </a:extLst>
-              </a:tr>
-              <a:tr h="369100">
-                <a:tc>
-                  <a:txBody>
-                    <a:bodyPr/>
-                    <a:lstStyle/>
-                    <a:p>
-                      <a:pPr algn="ctr"/>
-                      <a:r>
-                        <a:rPr lang="en-US" dirty="0">
-                          <a:solidFill>
-                            <a:srgbClr val="003D62"/>
-                          </a:solidFill>
-                        </a:rPr>
-                        <a:t>5</a:t>
-                      </a:r>
-                    </a:p>
-                  </a:txBody>
-                  <a:tcPr>
-                    <a:lnR w="12700" cap="flat" cmpd="sng" algn="ctr">
-                      <a:solidFill>
-                        <a:scrgbClr r="0" g="0" b="0"/>
-                      </a:solidFill>
-                      <a:prstDash val="solid"/>
-                      <a:round/>
-                      <a:headEnd type="none" w="med" len="med"/>
-                      <a:tailEnd type="none" w="med" len="med"/>
-                    </a:lnR>
-                    <a:noFill/>
-                  </a:tcPr>
-                </a:tc>
-                <a:tc>
-                  <a:txBody>
-                    <a:bodyPr/>
-                    <a:lstStyle/>
-                    <a:p>
-                      <a:pPr algn="ctr"/>
-                      <a:r>
-                        <a:rPr lang="en-US" dirty="0"/>
-                        <a:t>10</a:t>
-                      </a:r>
-                    </a:p>
-                  </a:txBody>
-                  <a:tcPr>
-                    <a:lnL w="12700" cap="flat" cmpd="sng" algn="ctr">
-                      <a:solidFill>
-                        <a:scrgbClr r="0" g="0" b="0"/>
-                      </a:solidFill>
-                      <a:prstDash val="solid"/>
-                      <a:round/>
-                      <a:headEnd type="none" w="med" len="med"/>
-                      <a:tailEnd type="none" w="med" len="med"/>
-                    </a:lnL>
-                    <a:lnR w="12700" cap="flat" cmpd="sng" algn="ctr">
-                      <a:solidFill>
-                        <a:scrgbClr r="0" g="0" b="0"/>
-                      </a:solidFill>
-                      <a:prstDash val="solid"/>
-                      <a:round/>
-                      <a:headEnd type="none" w="med" len="med"/>
-                      <a:tailEnd type="none" w="med" len="med"/>
-                    </a:lnR>
-                    <a:lnT w="12700" cap="flat" cmpd="sng" algn="ctr">
-                      <a:solidFill>
-                        <a:scrgbClr r="0" g="0" b="0"/>
-                      </a:solidFill>
-                      <a:prstDash val="solid"/>
-                      <a:round/>
-                      <a:headEnd type="none" w="med" len="med"/>
-                      <a:tailEnd type="none" w="med" len="med"/>
-                    </a:lnT>
-                    <a:lnB w="12700" cap="flat" cmpd="sng" algn="ctr">
-                      <a:solidFill>
-                        <a:scrgbClr r="0" g="0" b="0"/>
-                      </a:solidFill>
-                      <a:prstDash val="solid"/>
-                      <a:round/>
-                      <a:headEnd type="none" w="med" len="med"/>
-                      <a:tailEnd type="none" w="med" len="med"/>
-                    </a:lnB>
-                    <a:solidFill>
-                      <a:srgbClr val="A6A6A6"/>
-                    </a:solidFill>
-                  </a:tcPr>
-                </a:tc>
-                <a:tc>
-                  <a:txBody>
-                    <a:bodyPr/>
-                    <a:lstStyle/>
-                    <a:p>
-                      <a:pPr algn="ctr"/>
-                      <a:r>
-                        <a:rPr lang="en-US" dirty="0"/>
-                        <a:t>11</a:t>
-                      </a:r>
-                    </a:p>
-                  </a:txBody>
-                  <a:tcPr>
-                    <a:lnL w="12700" cap="flat" cmpd="sng" algn="ctr">
-                      <a:solidFill>
-                        <a:scrgbClr r="0" g="0" b="0"/>
-                      </a:solidFill>
-                      <a:prstDash val="solid"/>
-                      <a:round/>
-                      <a:headEnd type="none" w="med" len="med"/>
-                      <a:tailEnd type="none" w="med" len="med"/>
-                    </a:lnL>
-                    <a:lnR w="12700" cap="flat" cmpd="sng" algn="ctr">
-                      <a:solidFill>
-                        <a:scrgbClr r="0" g="0" b="0"/>
-                      </a:solidFill>
-                      <a:prstDash val="solid"/>
-                      <a:round/>
-                      <a:headEnd type="none" w="med" len="med"/>
-                      <a:tailEnd type="none" w="med" len="med"/>
-                    </a:lnR>
-                    <a:lnT w="12700" cap="flat" cmpd="sng" algn="ctr">
-                      <a:solidFill>
-                        <a:scrgbClr r="0" g="0" b="0"/>
-                      </a:solidFill>
-                      <a:prstDash val="solid"/>
-                      <a:round/>
-                      <a:headEnd type="none" w="med" len="med"/>
-                      <a:tailEnd type="none" w="med" len="med"/>
-                    </a:lnT>
-                    <a:lnB w="12700" cap="flat" cmpd="sng" algn="ctr">
-                      <a:solidFill>
-                        <a:scrgbClr r="0" g="0" b="0"/>
-                      </a:solidFill>
-                      <a:prstDash val="solid"/>
-                      <a:round/>
-                      <a:headEnd type="none" w="med" len="med"/>
-                      <a:tailEnd type="none" w="med" len="med"/>
-                    </a:lnB>
-                    <a:solidFill>
-                      <a:srgbClr val="A6A6A6"/>
-                    </a:solidFill>
-                  </a:tcPr>
-                </a:tc>
-                <a:tc>
-                  <a:txBody>
-                    <a:bodyPr/>
-                    <a:lstStyle/>
-                    <a:p>
-                      <a:pPr algn="ctr"/>
-                      <a:r>
-                        <a:rPr lang="en-US" dirty="0"/>
-                        <a:t>12</a:t>
-                      </a:r>
-                    </a:p>
-                  </a:txBody>
-                  <a:tcPr>
-                    <a:lnL w="12700" cap="flat" cmpd="sng" algn="ctr">
-                      <a:solidFill>
-                        <a:scrgbClr r="0" g="0" b="0"/>
-                      </a:solidFill>
-                      <a:prstDash val="solid"/>
-                      <a:round/>
-                      <a:headEnd type="none" w="med" len="med"/>
-                      <a:tailEnd type="none" w="med" len="med"/>
-                    </a:lnL>
-                    <a:lnR w="12700" cap="flat" cmpd="sng" algn="ctr">
-                      <a:solidFill>
-                        <a:scrgbClr r="0" g="0" b="0"/>
-                      </a:solidFill>
-                      <a:prstDash val="solid"/>
-                      <a:round/>
-                      <a:headEnd type="none" w="med" len="med"/>
-                      <a:tailEnd type="none" w="med" len="med"/>
-                    </a:lnR>
-                    <a:lnT w="12700" cap="flat" cmpd="sng" algn="ctr">
-                      <a:solidFill>
-                        <a:scrgbClr r="0" g="0" b="0"/>
-                      </a:solidFill>
-                      <a:prstDash val="solid"/>
-                      <a:round/>
-                      <a:headEnd type="none" w="med" len="med"/>
-                      <a:tailEnd type="none" w="med" len="med"/>
-                    </a:lnT>
-                    <a:lnB w="12700" cap="flat" cmpd="sng" algn="ctr">
-                      <a:solidFill>
-                        <a:scrgbClr r="0" g="0" b="0"/>
-                      </a:solidFill>
-                      <a:prstDash val="solid"/>
-                      <a:round/>
-                      <a:headEnd type="none" w="med" len="med"/>
-                      <a:tailEnd type="none" w="med" len="med"/>
-                    </a:lnB>
-                    <a:solidFill>
-                      <a:srgbClr val="A6A6A6"/>
-                    </a:solidFill>
-                  </a:tcPr>
-                </a:tc>
-                <a:tc>
-                  <a:txBody>
-                    <a:bodyPr/>
-                    <a:lstStyle/>
-                    <a:p>
-                      <a:pPr algn="ctr"/>
-                      <a:r>
-                        <a:rPr lang="en-US" dirty="0"/>
-                        <a:t>13</a:t>
-                      </a:r>
-                    </a:p>
-                  </a:txBody>
-                  <a:tcPr>
-                    <a:lnL w="12700" cap="flat" cmpd="sng" algn="ctr">
-                      <a:solidFill>
-                        <a:scrgbClr r="0" g="0" b="0"/>
-                      </a:solidFill>
-                      <a:prstDash val="solid"/>
-                      <a:round/>
-                      <a:headEnd type="none" w="med" len="med"/>
-                      <a:tailEnd type="none" w="med" len="med"/>
-                    </a:lnL>
-                    <a:lnR w="12700" cap="flat" cmpd="sng" algn="ctr">
-                      <a:solidFill>
-                        <a:scrgbClr r="0" g="0" b="0"/>
-                      </a:solidFill>
-                      <a:prstDash val="solid"/>
-                      <a:round/>
-                      <a:headEnd type="none" w="med" len="med"/>
-                      <a:tailEnd type="none" w="med" len="med"/>
-                    </a:lnR>
-                    <a:lnT w="12700" cap="flat" cmpd="sng" algn="ctr">
-                      <a:solidFill>
-                        <a:scrgbClr r="0" g="0" b="0"/>
-                      </a:solidFill>
-                      <a:prstDash val="solid"/>
-                      <a:round/>
-                      <a:headEnd type="none" w="med" len="med"/>
-                      <a:tailEnd type="none" w="med" len="med"/>
-                    </a:lnT>
-                    <a:lnB w="12700" cap="flat" cmpd="sng" algn="ctr">
-                      <a:solidFill>
-                        <a:scrgbClr r="0" g="0" b="0"/>
-                      </a:solidFill>
-                      <a:prstDash val="solid"/>
-                      <a:round/>
-                      <a:headEnd type="none" w="med" len="med"/>
-                      <a:tailEnd type="none" w="med" len="med"/>
-                    </a:lnB>
-                    <a:solidFill>
-                      <a:srgbClr val="A6A6A6"/>
-                    </a:solidFill>
-                  </a:tcPr>
-                </a:tc>
-                <a:tc>
-                  <a:txBody>
-                    <a:bodyPr/>
-                    <a:lstStyle/>
-                    <a:p>
-                      <a:pPr algn="ctr"/>
-                      <a:r>
-                        <a:rPr lang="en-US" dirty="0"/>
-                        <a:t>14</a:t>
-                      </a:r>
-                    </a:p>
-                  </a:txBody>
-                  <a:tcPr>
-                    <a:lnL w="12700" cap="flat" cmpd="sng" algn="ctr">
-                      <a:solidFill>
-                        <a:scrgbClr r="0" g="0" b="0"/>
-                      </a:solidFill>
-                      <a:prstDash val="solid"/>
-                      <a:round/>
-                      <a:headEnd type="none" w="med" len="med"/>
-                      <a:tailEnd type="none" w="med" len="med"/>
-                    </a:lnL>
-                    <a:lnR w="12700" cap="flat" cmpd="sng" algn="ctr">
-                      <a:solidFill>
-                        <a:scrgbClr r="0" g="0" b="0"/>
-                      </a:solidFill>
-                      <a:prstDash val="solid"/>
-                      <a:round/>
-                      <a:headEnd type="none" w="med" len="med"/>
-                      <a:tailEnd type="none" w="med" len="med"/>
-                    </a:lnR>
-                    <a:lnT w="12700" cap="flat" cmpd="sng" algn="ctr">
-                      <a:solidFill>
-                        <a:scrgbClr r="0" g="0" b="0"/>
-                      </a:solidFill>
-                      <a:prstDash val="solid"/>
-                      <a:round/>
-                      <a:headEnd type="none" w="med" len="med"/>
-                      <a:tailEnd type="none" w="med" len="med"/>
-                    </a:lnT>
-                    <a:lnB w="12700" cap="flat" cmpd="sng" algn="ctr">
-                      <a:solidFill>
-                        <a:scrgbClr r="0" g="0" b="0"/>
-                      </a:solidFill>
-                      <a:prstDash val="solid"/>
-                      <a:round/>
-                      <a:headEnd type="none" w="med" len="med"/>
-                      <a:tailEnd type="none" w="med" len="med"/>
-                    </a:lnB>
-                    <a:solidFill>
-                      <a:srgbClr val="FF7C10"/>
-                    </a:solidFill>
-                  </a:tcPr>
-                </a:tc>
-                <a:tc>
-                  <a:txBody>
-                    <a:bodyPr/>
-                    <a:lstStyle/>
-                    <a:p>
-                      <a:pPr algn="ctr"/>
-                      <a:endParaRPr lang="en-US" dirty="0"/>
-                    </a:p>
-                  </a:txBody>
-                  <a:tcPr>
-                    <a:lnL w="12700" cap="flat" cmpd="sng" algn="ctr">
-                      <a:solidFill>
-                        <a:scrgbClr r="0" g="0" b="0"/>
-                      </a:solidFill>
-                      <a:prstDash val="solid"/>
-                      <a:round/>
-                      <a:headEnd type="none" w="med" len="med"/>
-                      <a:tailEnd type="none" w="med" len="med"/>
-                    </a:lnL>
-                    <a:lnB w="12700" cap="flat" cmpd="sng" algn="ctr">
-                      <a:solidFill>
-                        <a:scrgbClr r="0" g="0" b="0"/>
-                      </a:solidFill>
-                      <a:prstDash val="solid"/>
-                      <a:round/>
-                      <a:headEnd type="none" w="med" len="med"/>
-                      <a:tailEnd type="none" w="med" len="med"/>
-                    </a:lnB>
-                    <a:solidFill>
-                      <a:srgbClr val="DDDDDD"/>
-                    </a:solidFill>
-                  </a:tcPr>
-                </a:tc>
-                <a:tc>
-                  <a:txBody>
-                    <a:bodyPr/>
-                    <a:lstStyle/>
-                    <a:p>
-                      <a:pPr algn="ctr"/>
-                      <a:endParaRPr lang="en-US" dirty="0"/>
-                    </a:p>
-                  </a:txBody>
-                  <a:tcPr>
-                    <a:solidFill>
-                      <a:srgbClr val="DDDDDD"/>
-                    </a:solidFill>
-                  </a:tcPr>
-                </a:tc>
-                <a:tc>
-                  <a:txBody>
-                    <a:bodyPr/>
-                    <a:lstStyle/>
-                    <a:p>
-                      <a:pPr marL="0" marR="0" indent="0" algn="ctr" defTabSz="457200" rtl="0" eaLnBrk="1" fontAlgn="auto" latinLnBrk="0" hangingPunct="1">
-                        <a:lnSpc>
-                          <a:spcPct val="100000"/>
-                        </a:lnSpc>
-                        <a:spcBef>
-                          <a:spcPts val="0"/>
-                        </a:spcBef>
-                        <a:spcAft>
-                          <a:spcPts val="0"/>
-                        </a:spcAft>
-                        <a:buClrTx/>
-                        <a:buSzTx/>
-                        <a:buFontTx/>
-                        <a:buNone/>
-                        <a:tabLst/>
-                        <a:defRPr/>
-                      </a:pPr>
-                      <a:r>
-                        <a:rPr lang="en-US" dirty="0"/>
-                        <a:t>E</a:t>
-                      </a:r>
-                      <a:r>
-                        <a:rPr lang="en-US" baseline="-25000" dirty="0"/>
-                        <a:t>10</a:t>
-                      </a:r>
-                      <a:r>
-                        <a:rPr lang="en-US" dirty="0"/>
-                        <a:t>+…+E</a:t>
-                      </a:r>
-                      <a:r>
-                        <a:rPr lang="en-US" baseline="-25000" dirty="0"/>
-                        <a:t>14</a:t>
-                      </a:r>
-                      <a:r>
-                        <a:rPr lang="en-US" dirty="0">
-                          <a:solidFill>
-                            <a:srgbClr val="FF7C10"/>
-                          </a:solidFill>
-                        </a:rPr>
-                        <a:t>-E</a:t>
-                      </a:r>
-                      <a:r>
-                        <a:rPr lang="en-US" baseline="-25000" dirty="0">
-                          <a:solidFill>
-                            <a:srgbClr val="FF7C10"/>
-                          </a:solidFill>
-                        </a:rPr>
-                        <a:t>14</a:t>
-                      </a:r>
-                      <a:r>
-                        <a:rPr lang="en-US" dirty="0">
-                          <a:solidFill>
-                            <a:srgbClr val="FF7C10"/>
-                          </a:solidFill>
-                        </a:rPr>
-                        <a:t>+E’</a:t>
-                      </a:r>
-                      <a:r>
-                        <a:rPr lang="en-US" baseline="-25000" dirty="0">
-                          <a:solidFill>
-                            <a:srgbClr val="FF7C10"/>
-                          </a:solidFill>
-                        </a:rPr>
-                        <a:t>14</a:t>
-                      </a:r>
-                    </a:p>
-                  </a:txBody>
-                  <a:tcPr>
-                    <a:solidFill>
-                      <a:srgbClr val="DDDDDD"/>
-                    </a:solidFill>
-                  </a:tcPr>
-                </a:tc>
-                <a:extLst>
-                  <a:ext uri="{0D108BD9-81ED-4DB2-BD59-A6C34878D82A}">
-                    <a16:rowId xmlns:a16="http://schemas.microsoft.com/office/drawing/2014/main" val="10006"/>
-                  </a:ext>
-                </a:extLst>
-              </a:tr>
-              <a:tr h="369100">
-                <a:tc>
-                  <a:txBody>
-                    <a:bodyPr/>
-                    <a:lstStyle/>
-                    <a:p>
-                      <a:pPr algn="ctr"/>
-                      <a:r>
-                        <a:rPr lang="en-US" dirty="0">
-                          <a:solidFill>
-                            <a:srgbClr val="003D62"/>
-                          </a:solidFill>
-                        </a:rPr>
-                        <a:t>6</a:t>
-                      </a:r>
-                    </a:p>
-                  </a:txBody>
-                  <a:tcPr>
-                    <a:lnR w="12700" cap="flat" cmpd="sng" algn="ctr">
-                      <a:solidFill>
-                        <a:scrgbClr r="0" g="0" b="0"/>
-                      </a:solidFill>
-                      <a:prstDash val="solid"/>
-                      <a:round/>
-                      <a:headEnd type="none" w="med" len="med"/>
-                      <a:tailEnd type="none" w="med" len="med"/>
-                    </a:lnR>
-                    <a:noFill/>
-                  </a:tcPr>
-                </a:tc>
-                <a:tc>
-                  <a:txBody>
-                    <a:bodyPr/>
-                    <a:lstStyle/>
-                    <a:p>
-                      <a:pPr algn="ctr"/>
-                      <a:r>
-                        <a:rPr lang="en-US" dirty="0"/>
-                        <a:t>15</a:t>
-                      </a:r>
-                    </a:p>
-                  </a:txBody>
-                  <a:tcPr>
-                    <a:lnL w="12700" cap="flat" cmpd="sng" algn="ctr">
-                      <a:solidFill>
-                        <a:scrgbClr r="0" g="0" b="0"/>
-                      </a:solidFill>
-                      <a:prstDash val="solid"/>
-                      <a:round/>
-                      <a:headEnd type="none" w="med" len="med"/>
-                      <a:tailEnd type="none" w="med" len="med"/>
-                    </a:lnL>
-                    <a:lnR w="12700" cap="flat" cmpd="sng" algn="ctr">
-                      <a:solidFill>
-                        <a:scrgbClr r="0" g="0" b="0"/>
-                      </a:solidFill>
-                      <a:prstDash val="solid"/>
-                      <a:round/>
-                      <a:headEnd type="none" w="med" len="med"/>
-                      <a:tailEnd type="none" w="med" len="med"/>
-                    </a:lnR>
-                    <a:lnT w="12700" cap="flat" cmpd="sng" algn="ctr">
-                      <a:solidFill>
-                        <a:scrgbClr r="0" g="0" b="0"/>
-                      </a:solidFill>
-                      <a:prstDash val="solid"/>
-                      <a:round/>
-                      <a:headEnd type="none" w="med" len="med"/>
-                      <a:tailEnd type="none" w="med" len="med"/>
-                    </a:lnT>
-                    <a:lnB w="12700" cap="flat" cmpd="sng" algn="ctr">
-                      <a:solidFill>
-                        <a:scrgbClr r="0" g="0" b="0"/>
-                      </a:solidFill>
-                      <a:prstDash val="solid"/>
-                      <a:round/>
-                      <a:headEnd type="none" w="med" len="med"/>
-                      <a:tailEnd type="none" w="med" len="med"/>
-                    </a:lnB>
-                    <a:solidFill>
-                      <a:srgbClr val="A6A6A6"/>
-                    </a:solidFill>
-                  </a:tcPr>
-                </a:tc>
-                <a:tc>
-                  <a:txBody>
-                    <a:bodyPr/>
-                    <a:lstStyle/>
-                    <a:p>
-                      <a:pPr algn="ctr"/>
-                      <a:r>
-                        <a:rPr lang="en-US" dirty="0"/>
-                        <a:t>16</a:t>
-                      </a:r>
-                    </a:p>
-                  </a:txBody>
-                  <a:tcPr>
-                    <a:lnL w="12700" cap="flat" cmpd="sng" algn="ctr">
-                      <a:solidFill>
-                        <a:scrgbClr r="0" g="0" b="0"/>
-                      </a:solidFill>
-                      <a:prstDash val="solid"/>
-                      <a:round/>
-                      <a:headEnd type="none" w="med" len="med"/>
-                      <a:tailEnd type="none" w="med" len="med"/>
-                    </a:lnL>
-                    <a:lnR w="12700" cap="flat" cmpd="sng" algn="ctr">
-                      <a:solidFill>
-                        <a:scrgbClr r="0" g="0" b="0"/>
-                      </a:solidFill>
-                      <a:prstDash val="solid"/>
-                      <a:round/>
-                      <a:headEnd type="none" w="med" len="med"/>
-                      <a:tailEnd type="none" w="med" len="med"/>
-                    </a:lnR>
-                    <a:lnT w="12700" cap="flat" cmpd="sng" algn="ctr">
-                      <a:solidFill>
-                        <a:scrgbClr r="0" g="0" b="0"/>
-                      </a:solidFill>
-                      <a:prstDash val="solid"/>
-                      <a:round/>
-                      <a:headEnd type="none" w="med" len="med"/>
-                      <a:tailEnd type="none" w="med" len="med"/>
-                    </a:lnT>
-                    <a:lnB w="12700" cap="flat" cmpd="sng" algn="ctr">
-                      <a:solidFill>
-                        <a:scrgbClr r="0" g="0" b="0"/>
-                      </a:solidFill>
-                      <a:prstDash val="solid"/>
-                      <a:round/>
-                      <a:headEnd type="none" w="med" len="med"/>
-                      <a:tailEnd type="none" w="med" len="med"/>
-                    </a:lnB>
-                    <a:solidFill>
-                      <a:srgbClr val="A6A6A6"/>
-                    </a:solidFill>
-                  </a:tcPr>
-                </a:tc>
-                <a:tc>
-                  <a:txBody>
-                    <a:bodyPr/>
-                    <a:lstStyle/>
-                    <a:p>
-                      <a:pPr algn="ctr"/>
-                      <a:r>
-                        <a:rPr lang="en-US" dirty="0"/>
-                        <a:t>17</a:t>
-                      </a:r>
-                    </a:p>
-                  </a:txBody>
-                  <a:tcPr>
-                    <a:lnL w="12700" cap="flat" cmpd="sng" algn="ctr">
-                      <a:solidFill>
-                        <a:scrgbClr r="0" g="0" b="0"/>
-                      </a:solidFill>
-                      <a:prstDash val="solid"/>
-                      <a:round/>
-                      <a:headEnd type="none" w="med" len="med"/>
-                      <a:tailEnd type="none" w="med" len="med"/>
-                    </a:lnL>
-                    <a:lnR w="12700" cap="flat" cmpd="sng" algn="ctr">
-                      <a:solidFill>
-                        <a:scrgbClr r="0" g="0" b="0"/>
-                      </a:solidFill>
-                      <a:prstDash val="solid"/>
-                      <a:round/>
-                      <a:headEnd type="none" w="med" len="med"/>
-                      <a:tailEnd type="none" w="med" len="med"/>
-                    </a:lnR>
-                    <a:lnT w="12700" cap="flat" cmpd="sng" algn="ctr">
-                      <a:solidFill>
-                        <a:scrgbClr r="0" g="0" b="0"/>
-                      </a:solidFill>
-                      <a:prstDash val="solid"/>
-                      <a:round/>
-                      <a:headEnd type="none" w="med" len="med"/>
-                      <a:tailEnd type="none" w="med" len="med"/>
-                    </a:lnT>
-                    <a:lnB w="12700" cap="flat" cmpd="sng" algn="ctr">
-                      <a:solidFill>
-                        <a:scrgbClr r="0" g="0" b="0"/>
-                      </a:solidFill>
-                      <a:prstDash val="solid"/>
-                      <a:round/>
-                      <a:headEnd type="none" w="med" len="med"/>
-                      <a:tailEnd type="none" w="med" len="med"/>
-                    </a:lnB>
-                    <a:solidFill>
-                      <a:srgbClr val="A6A6A6"/>
-                    </a:solidFill>
-                  </a:tcPr>
-                </a:tc>
-                <a:tc>
-                  <a:txBody>
-                    <a:bodyPr/>
-                    <a:lstStyle/>
-                    <a:p>
-                      <a:pPr algn="ctr"/>
-                      <a:r>
-                        <a:rPr lang="en-US" dirty="0"/>
-                        <a:t>18</a:t>
-                      </a:r>
-                    </a:p>
-                  </a:txBody>
-                  <a:tcPr>
-                    <a:lnL w="12700" cap="flat" cmpd="sng" algn="ctr">
-                      <a:solidFill>
-                        <a:scrgbClr r="0" g="0" b="0"/>
-                      </a:solidFill>
-                      <a:prstDash val="solid"/>
-                      <a:round/>
-                      <a:headEnd type="none" w="med" len="med"/>
-                      <a:tailEnd type="none" w="med" len="med"/>
-                    </a:lnL>
-                    <a:lnR w="12700" cap="flat" cmpd="sng" algn="ctr">
-                      <a:solidFill>
-                        <a:scrgbClr r="0" g="0" b="0"/>
-                      </a:solidFill>
-                      <a:prstDash val="solid"/>
-                      <a:round/>
-                      <a:headEnd type="none" w="med" len="med"/>
-                      <a:tailEnd type="none" w="med" len="med"/>
-                    </a:lnR>
-                    <a:lnT w="12700" cap="flat" cmpd="sng" algn="ctr">
-                      <a:solidFill>
-                        <a:scrgbClr r="0" g="0" b="0"/>
-                      </a:solidFill>
-                      <a:prstDash val="solid"/>
-                      <a:round/>
-                      <a:headEnd type="none" w="med" len="med"/>
-                      <a:tailEnd type="none" w="med" len="med"/>
-                    </a:lnT>
-                    <a:lnB w="12700" cap="flat" cmpd="sng" algn="ctr">
-                      <a:solidFill>
-                        <a:scrgbClr r="0" g="0" b="0"/>
-                      </a:solidFill>
-                      <a:prstDash val="solid"/>
-                      <a:round/>
-                      <a:headEnd type="none" w="med" len="med"/>
-                      <a:tailEnd type="none" w="med" len="med"/>
-                    </a:lnB>
-                    <a:solidFill>
-                      <a:srgbClr val="A6A6A6"/>
-                    </a:solidFill>
-                  </a:tcPr>
-                </a:tc>
-                <a:tc>
-                  <a:txBody>
-                    <a:bodyPr/>
-                    <a:lstStyle/>
-                    <a:p>
-                      <a:pPr algn="ctr"/>
-                      <a:r>
-                        <a:rPr lang="en-US" dirty="0"/>
-                        <a:t>19</a:t>
-                      </a:r>
-                    </a:p>
-                  </a:txBody>
-                  <a:tcPr>
-                    <a:lnL w="12700" cap="flat" cmpd="sng" algn="ctr">
-                      <a:solidFill>
-                        <a:scrgbClr r="0" g="0" b="0"/>
-                      </a:solidFill>
-                      <a:prstDash val="solid"/>
-                      <a:round/>
-                      <a:headEnd type="none" w="med" len="med"/>
-                      <a:tailEnd type="none" w="med" len="med"/>
-                    </a:lnL>
-                    <a:lnR w="12700" cap="flat" cmpd="sng" algn="ctr">
-                      <a:solidFill>
-                        <a:scrgbClr r="0" g="0" b="0"/>
-                      </a:solidFill>
-                      <a:prstDash val="solid"/>
-                      <a:round/>
-                      <a:headEnd type="none" w="med" len="med"/>
-                      <a:tailEnd type="none" w="med" len="med"/>
-                    </a:lnR>
-                    <a:lnT w="12700" cap="flat" cmpd="sng" algn="ctr">
-                      <a:solidFill>
-                        <a:scrgbClr r="0" g="0" b="0"/>
-                      </a:solidFill>
-                      <a:prstDash val="solid"/>
-                      <a:round/>
-                      <a:headEnd type="none" w="med" len="med"/>
-                      <a:tailEnd type="none" w="med" len="med"/>
-                    </a:lnT>
-                    <a:lnB w="12700" cap="flat" cmpd="sng" algn="ctr">
-                      <a:solidFill>
-                        <a:scrgbClr r="0" g="0" b="0"/>
-                      </a:solidFill>
-                      <a:prstDash val="solid"/>
-                      <a:round/>
-                      <a:headEnd type="none" w="med" len="med"/>
-                      <a:tailEnd type="none" w="med" len="med"/>
-                    </a:lnB>
-                    <a:solidFill>
-                      <a:srgbClr val="FF7C10"/>
-                    </a:solidFill>
-                  </a:tcPr>
-                </a:tc>
-                <a:tc>
-                  <a:txBody>
-                    <a:bodyPr/>
-                    <a:lstStyle/>
-                    <a:p>
-                      <a:pPr algn="ctr"/>
-                      <a:r>
-                        <a:rPr lang="en-US" dirty="0"/>
-                        <a:t>20</a:t>
-                      </a:r>
-                    </a:p>
-                  </a:txBody>
-                  <a:tcPr>
-                    <a:lnL w="12700" cap="flat" cmpd="sng" algn="ctr">
-                      <a:solidFill>
-                        <a:scrgbClr r="0" g="0" b="0"/>
-                      </a:solidFill>
-                      <a:prstDash val="solid"/>
-                      <a:round/>
-                      <a:headEnd type="none" w="med" len="med"/>
-                      <a:tailEnd type="none" w="med" len="med"/>
-                    </a:lnL>
-                    <a:lnR w="12700" cap="flat" cmpd="sng" algn="ctr">
-                      <a:solidFill>
-                        <a:scrgbClr r="0" g="0" b="0"/>
-                      </a:solidFill>
-                      <a:prstDash val="solid"/>
-                      <a:round/>
-                      <a:headEnd type="none" w="med" len="med"/>
-                      <a:tailEnd type="none" w="med" len="med"/>
-                    </a:lnR>
-                    <a:lnT w="12700" cap="flat" cmpd="sng" algn="ctr">
-                      <a:solidFill>
-                        <a:scrgbClr r="0" g="0" b="0"/>
-                      </a:solidFill>
-                      <a:prstDash val="solid"/>
-                      <a:round/>
-                      <a:headEnd type="none" w="med" len="med"/>
-                      <a:tailEnd type="none" w="med" len="med"/>
-                    </a:lnT>
-                    <a:lnB w="12700" cap="flat" cmpd="sng" algn="ctr">
-                      <a:solidFill>
-                        <a:scrgbClr r="0" g="0" b="0"/>
-                      </a:solidFill>
-                      <a:prstDash val="solid"/>
-                      <a:round/>
-                      <a:headEnd type="none" w="med" len="med"/>
-                      <a:tailEnd type="none" w="med" len="med"/>
-                    </a:lnB>
-                    <a:solidFill>
-                      <a:srgbClr val="A6A6A6"/>
-                    </a:solidFill>
-                  </a:tcPr>
-                </a:tc>
-                <a:tc>
-                  <a:txBody>
-                    <a:bodyPr/>
-                    <a:lstStyle/>
-                    <a:p>
-                      <a:pPr algn="ctr"/>
-                      <a:endParaRPr lang="en-US" dirty="0"/>
-                    </a:p>
-                  </a:txBody>
-                  <a:tcPr>
-                    <a:lnL w="12700" cap="flat" cmpd="sng" algn="ctr">
-                      <a:solidFill>
-                        <a:scrgbClr r="0" g="0" b="0"/>
-                      </a:solidFill>
-                      <a:prstDash val="solid"/>
-                      <a:round/>
-                      <a:headEnd type="none" w="med" len="med"/>
-                      <a:tailEnd type="none" w="med" len="med"/>
-                    </a:lnL>
-                    <a:lnR w="12700" cap="flat" cmpd="sng" algn="ctr">
-                      <a:solidFill>
-                        <a:scrgbClr r="0" g="0" b="0"/>
-                      </a:solidFill>
-                      <a:prstDash val="solid"/>
-                      <a:round/>
-                      <a:headEnd type="none" w="med" len="med"/>
-                      <a:tailEnd type="none" w="med" len="med"/>
-                    </a:lnR>
-                    <a:solidFill>
-                      <a:srgbClr val="DDDDDD"/>
-                    </a:solidFill>
-                  </a:tcPr>
-                </a:tc>
-                <a:tc>
-                  <a:txBody>
-                    <a:bodyPr/>
-                    <a:lstStyle/>
-                    <a:p>
-                      <a:pPr marL="0" marR="0" indent="0" algn="ctr" defTabSz="457200" rtl="0" eaLnBrk="1" fontAlgn="auto" latinLnBrk="0" hangingPunct="1">
-                        <a:lnSpc>
-                          <a:spcPct val="100000"/>
-                        </a:lnSpc>
-                        <a:spcBef>
-                          <a:spcPts val="0"/>
-                        </a:spcBef>
-                        <a:spcAft>
-                          <a:spcPts val="0"/>
-                        </a:spcAft>
-                        <a:buClrTx/>
-                        <a:buSzTx/>
-                        <a:buFontTx/>
-                        <a:buNone/>
-                        <a:tabLst/>
-                        <a:defRPr/>
-                      </a:pPr>
-                      <a:r>
-                        <a:rPr lang="en-US" dirty="0"/>
-                        <a:t>E</a:t>
-                      </a:r>
-                      <a:r>
-                        <a:rPr lang="en-US" baseline="-25000" dirty="0"/>
-                        <a:t>15</a:t>
-                      </a:r>
-                      <a:r>
-                        <a:rPr lang="en-US" dirty="0"/>
-                        <a:t>+…+E</a:t>
-                      </a:r>
-                      <a:r>
-                        <a:rPr lang="en-US" baseline="-25000" dirty="0"/>
-                        <a:t>20</a:t>
-                      </a:r>
-                      <a:r>
-                        <a:rPr lang="en-US" baseline="0" dirty="0">
-                          <a:solidFill>
-                            <a:srgbClr val="FF7C10"/>
-                          </a:solidFill>
-                        </a:rPr>
-                        <a:t>-</a:t>
-                      </a:r>
-                      <a:r>
-                        <a:rPr lang="en-US" dirty="0">
-                          <a:solidFill>
-                            <a:srgbClr val="FF7C10"/>
-                          </a:solidFill>
-                        </a:rPr>
-                        <a:t>E</a:t>
-                      </a:r>
-                      <a:r>
-                        <a:rPr lang="en-US" baseline="-25000" dirty="0">
-                          <a:solidFill>
-                            <a:srgbClr val="FF7C10"/>
-                          </a:solidFill>
-                        </a:rPr>
-                        <a:t>19</a:t>
-                      </a:r>
-                      <a:r>
-                        <a:rPr lang="en-US" dirty="0">
-                          <a:solidFill>
-                            <a:srgbClr val="FF7C10"/>
-                          </a:solidFill>
-                        </a:rPr>
-                        <a:t>+E’</a:t>
-                      </a:r>
-                      <a:r>
-                        <a:rPr lang="en-US" baseline="-25000" dirty="0">
-                          <a:solidFill>
-                            <a:srgbClr val="FF7C10"/>
-                          </a:solidFill>
-                        </a:rPr>
-                        <a:t>19</a:t>
-                      </a:r>
-                    </a:p>
-                  </a:txBody>
-                  <a:tcPr>
-                    <a:lnL w="12700" cap="flat" cmpd="sng" algn="ctr">
-                      <a:solidFill>
-                        <a:scrgbClr r="0" g="0" b="0"/>
-                      </a:solidFill>
-                      <a:prstDash val="solid"/>
-                      <a:round/>
-                      <a:headEnd type="none" w="med" len="med"/>
-                      <a:tailEnd type="none" w="med" len="med"/>
-                    </a:lnL>
-                    <a:solidFill>
-                      <a:srgbClr val="DDDDDD"/>
-                    </a:solidFill>
-                  </a:tcPr>
-                </a:tc>
-                <a:extLst>
-                  <a:ext uri="{0D108BD9-81ED-4DB2-BD59-A6C34878D82A}">
-                    <a16:rowId xmlns:a16="http://schemas.microsoft.com/office/drawing/2014/main" val="10007"/>
-                  </a:ext>
-                </a:extLst>
-              </a:tr>
-            </a:tbl>
-          </a:graphicData>
-        </a:graphic>
-      </p:graphicFrame>
-    </p:spTree>
-    <p:extLst>
-      <p:ext uri="{BB962C8B-B14F-4D97-AF65-F5344CB8AC3E}">
-        <p14:creationId xmlns:p14="http://schemas.microsoft.com/office/powerpoint/2010/main" val="3383201513"/>
       </p:ext>
     </p:extLst>
   </p:cSld>

--- a/public/drawings.pptx
+++ b/public/drawings.pptx
@@ -5,7 +5,7 @@
     <p:sldMasterId id="2147483648" r:id="rId1"/>
   </p:sldMasterIdLst>
   <p:notesMasterIdLst>
-    <p:notesMasterId r:id="rId12"/>
+    <p:notesMasterId r:id="rId13"/>
   </p:notesMasterIdLst>
   <p:sldIdLst>
     <p:sldId id="257" r:id="rId2"/>
@@ -16,8 +16,9 @@
     <p:sldId id="318" r:id="rId7"/>
     <p:sldId id="340" r:id="rId8"/>
     <p:sldId id="341" r:id="rId9"/>
-    <p:sldId id="319" r:id="rId10"/>
-    <p:sldId id="320" r:id="rId11"/>
+    <p:sldId id="320" r:id="rId10"/>
+    <p:sldId id="342" r:id="rId11"/>
+    <p:sldId id="343" r:id="rId12"/>
   </p:sldIdLst>
   <p:sldSz cx="12192000" cy="6858000"/>
   <p:notesSz cx="6858000" cy="9144000"/>
@@ -4695,2565 +4696,2949 @@
           <a:chExt cx="0" cy="0"/>
         </a:xfrm>
       </p:grpSpPr>
-      <p:graphicFrame>
-        <p:nvGraphicFramePr>
-          <p:cNvPr id="6" name="Content Placeholder 5"/>
-          <p:cNvGraphicFramePr>
-            <a:graphicFrameLocks noGrp="1"/>
-          </p:cNvGraphicFramePr>
-          <p:nvPr>
-            <p:ph idx="1"/>
-          </p:nvPr>
-        </p:nvGraphicFramePr>
-        <p:xfrm>
-          <a:off x="2639617" y="1340768"/>
-          <a:ext cx="7200795" cy="2952800"/>
-        </p:xfrm>
-        <a:graphic>
-          <a:graphicData uri="http://schemas.openxmlformats.org/drawingml/2006/table">
-            <a:tbl>
-              <a:tblPr firstRow="1" bandRow="1">
-                <a:tableStyleId>{46F890A9-2807-4EBB-B81D-B2AA78EC7F39}</a:tableStyleId>
-              </a:tblPr>
-              <a:tblGrid>
-                <a:gridCol w="522058">
-                  <a:extLst>
-                    <a:ext uri="{9D8B030D-6E8A-4147-A177-3AD203B41FA5}">
-                      <a16:colId xmlns:a16="http://schemas.microsoft.com/office/drawing/2014/main" val="20000"/>
-                    </a:ext>
-                  </a:extLst>
-                </a:gridCol>
-                <a:gridCol w="522058">
-                  <a:extLst>
-                    <a:ext uri="{9D8B030D-6E8A-4147-A177-3AD203B41FA5}">
-                      <a16:colId xmlns:a16="http://schemas.microsoft.com/office/drawing/2014/main" val="20001"/>
-                    </a:ext>
-                  </a:extLst>
-                </a:gridCol>
-                <a:gridCol w="522058">
-                  <a:extLst>
-                    <a:ext uri="{9D8B030D-6E8A-4147-A177-3AD203B41FA5}">
-                      <a16:colId xmlns:a16="http://schemas.microsoft.com/office/drawing/2014/main" val="20002"/>
-                    </a:ext>
-                  </a:extLst>
-                </a:gridCol>
-                <a:gridCol w="522058">
-                  <a:extLst>
-                    <a:ext uri="{9D8B030D-6E8A-4147-A177-3AD203B41FA5}">
-                      <a16:colId xmlns:a16="http://schemas.microsoft.com/office/drawing/2014/main" val="20003"/>
-                    </a:ext>
-                  </a:extLst>
-                </a:gridCol>
-                <a:gridCol w="522058">
-                  <a:extLst>
-                    <a:ext uri="{9D8B030D-6E8A-4147-A177-3AD203B41FA5}">
-                      <a16:colId xmlns:a16="http://schemas.microsoft.com/office/drawing/2014/main" val="20004"/>
-                    </a:ext>
-                  </a:extLst>
-                </a:gridCol>
-                <a:gridCol w="522058">
-                  <a:extLst>
-                    <a:ext uri="{9D8B030D-6E8A-4147-A177-3AD203B41FA5}">
-                      <a16:colId xmlns:a16="http://schemas.microsoft.com/office/drawing/2014/main" val="20005"/>
-                    </a:ext>
-                  </a:extLst>
-                </a:gridCol>
-                <a:gridCol w="522058">
-                  <a:extLst>
-                    <a:ext uri="{9D8B030D-6E8A-4147-A177-3AD203B41FA5}">
-                      <a16:colId xmlns:a16="http://schemas.microsoft.com/office/drawing/2014/main" val="20006"/>
-                    </a:ext>
-                  </a:extLst>
-                </a:gridCol>
-                <a:gridCol w="522058">
-                  <a:extLst>
-                    <a:ext uri="{9D8B030D-6E8A-4147-A177-3AD203B41FA5}">
-                      <a16:colId xmlns:a16="http://schemas.microsoft.com/office/drawing/2014/main" val="20007"/>
-                    </a:ext>
-                  </a:extLst>
-                </a:gridCol>
-                <a:gridCol w="3024331">
-                  <a:extLst>
-                    <a:ext uri="{9D8B030D-6E8A-4147-A177-3AD203B41FA5}">
-                      <a16:colId xmlns:a16="http://schemas.microsoft.com/office/drawing/2014/main" val="20008"/>
-                    </a:ext>
-                  </a:extLst>
-                </a:gridCol>
-              </a:tblGrid>
-              <a:tr h="369100">
-                <a:tc>
-                  <a:txBody>
-                    <a:bodyPr/>
-                    <a:lstStyle/>
-                    <a:p>
-                      <a:pPr algn="ctr"/>
-                      <a:r>
-                        <a:rPr lang="en-US" b="0" dirty="0" err="1">
-                          <a:solidFill>
-                            <a:srgbClr val="003D62"/>
-                          </a:solidFill>
-                        </a:rPr>
-                        <a:t>i</a:t>
-                      </a:r>
-                      <a:r>
-                        <a:rPr lang="en-US" b="0" dirty="0">
-                          <a:solidFill>
-                            <a:srgbClr val="003D62"/>
-                          </a:solidFill>
-                        </a:rPr>
-                        <a:t>\j</a:t>
-                      </a:r>
-                    </a:p>
-                  </a:txBody>
-                  <a:tcPr>
+      <p:grpSp>
+        <p:nvGrpSpPr>
+          <p:cNvPr id="26" name="Group 25">
+            <a:extLst>
+              <a:ext uri="{FF2B5EF4-FFF2-40B4-BE49-F238E27FC236}">
+                <a16:creationId xmlns:a16="http://schemas.microsoft.com/office/drawing/2014/main" id="{BA7D5625-AAEB-A529-3DF6-33FF91C1CFC3}"/>
+              </a:ext>
+            </a:extLst>
+          </p:cNvPr>
+          <p:cNvGrpSpPr/>
+          <p:nvPr/>
+        </p:nvGrpSpPr>
+        <p:grpSpPr>
+          <a:xfrm>
+            <a:off x="1157467" y="1646498"/>
+            <a:ext cx="7629376" cy="4779201"/>
+            <a:chOff x="1157467" y="1646498"/>
+            <a:chExt cx="7629376" cy="4779201"/>
+          </a:xfrm>
+        </p:grpSpPr>
+        <p:sp>
+          <p:nvSpPr>
+            <p:cNvPr id="2" name="Rounded Rectangle 1">
+              <a:extLst>
+                <a:ext uri="{FF2B5EF4-FFF2-40B4-BE49-F238E27FC236}">
+                  <a16:creationId xmlns:a16="http://schemas.microsoft.com/office/drawing/2014/main" id="{8CAD055B-B275-FA5D-9994-4EEB97A3DA8C}"/>
+                </a:ext>
+              </a:extLst>
+            </p:cNvPr>
+            <p:cNvSpPr/>
+            <p:nvPr/>
+          </p:nvSpPr>
+          <p:spPr bwMode="auto">
+            <a:xfrm>
+              <a:off x="2900422" y="1646500"/>
+              <a:ext cx="544010" cy="567159"/>
+            </a:xfrm>
+            <a:prstGeom prst="roundRect">
+              <a:avLst/>
+            </a:prstGeom>
+            <a:noFill/>
+            <a:ln w="9525" cap="flat" cmpd="sng" algn="ctr">
+              <a:solidFill>
+                <a:schemeClr val="tx1"/>
+              </a:solidFill>
+              <a:prstDash val="solid"/>
+              <a:round/>
+              <a:headEnd type="none" w="med" len="med"/>
+              <a:tailEnd type="none" w="med" len="med"/>
+            </a:ln>
+            <a:effectLst/>
+          </p:spPr>
+          <p:txBody>
+            <a:bodyPr vert="horz" wrap="square" lIns="91440" tIns="45720" rIns="91440" bIns="45720" numCol="1" rtlCol="0" anchor="ctr" anchorCtr="0" compatLnSpc="1">
+              <a:prstTxWarp prst="textNoShape">
+                <a:avLst/>
+              </a:prstTxWarp>
+            </a:bodyPr>
+            <a:lstStyle/>
+            <a:p>
+              <a:pPr marL="0" marR="0" indent="0" algn="ctr" defTabSz="914400" rtl="0" eaLnBrk="0" fontAlgn="base" latinLnBrk="0" hangingPunct="0">
+                <a:lnSpc>
+                  <a:spcPct val="100000"/>
+                </a:lnSpc>
+                <a:spcBef>
+                  <a:spcPct val="0"/>
+                </a:spcBef>
+                <a:spcAft>
+                  <a:spcPct val="0"/>
+                </a:spcAft>
+                <a:buClrTx/>
+                <a:buSzTx/>
+                <a:buFontTx/>
+                <a:buNone/>
+                <a:tabLst/>
+              </a:pPr>
+              <a:r>
+                <a:rPr kumimoji="0" lang="en-US" sz="2400" b="0" i="0" u="none" strike="noStrike" cap="none" normalizeH="0" baseline="0" dirty="0">
+                  <a:ln>
                     <a:noFill/>
-                  </a:tcPr>
-                </a:tc>
-                <a:tc>
-                  <a:txBody>
-                    <a:bodyPr/>
-                    <a:lstStyle/>
-                    <a:p>
-                      <a:pPr algn="ctr"/>
-                      <a:r>
-                        <a:rPr lang="en-US" b="0" dirty="0">
-                          <a:solidFill>
-                            <a:srgbClr val="003D62"/>
-                          </a:solidFill>
-                        </a:rPr>
-                        <a:t>0</a:t>
-                      </a:r>
-                    </a:p>
-                  </a:txBody>
-                  <a:tcPr>
+                  </a:ln>
+                  <a:solidFill>
+                    <a:schemeClr val="tx1"/>
+                  </a:solidFill>
+                  <a:effectLst/>
+                  <a:latin typeface="Arial" charset="0"/>
+                  <a:ea typeface="ＭＳ Ｐゴシック" pitchFamily="20" charset="-128"/>
+                </a:rPr>
+                <a:t>A</a:t>
+              </a:r>
+              <a:r>
+                <a:rPr kumimoji="0" lang="en-US" sz="2400" b="0" i="1" u="none" strike="noStrike" cap="none" normalizeH="0" baseline="-25000" dirty="0">
+                  <a:ln>
                     <a:noFill/>
-                  </a:tcPr>
-                </a:tc>
-                <a:tc>
-                  <a:txBody>
-                    <a:bodyPr/>
-                    <a:lstStyle/>
-                    <a:p>
-                      <a:pPr algn="ctr"/>
-                      <a:r>
-                        <a:rPr lang="en-US" b="0" dirty="0">
-                          <a:solidFill>
-                            <a:srgbClr val="003D62"/>
-                          </a:solidFill>
-                        </a:rPr>
-                        <a:t>1</a:t>
-                      </a:r>
-                    </a:p>
-                  </a:txBody>
-                  <a:tcPr>
+                  </a:ln>
+                  <a:solidFill>
+                    <a:schemeClr val="tx1"/>
+                  </a:solidFill>
+                  <a:effectLst/>
+                  <a:latin typeface="Arial" charset="0"/>
+                  <a:ea typeface="ＭＳ Ｐゴシック" pitchFamily="20" charset="-128"/>
+                </a:rPr>
+                <a:t>i</a:t>
+              </a:r>
+            </a:p>
+          </p:txBody>
+        </p:sp>
+        <p:sp>
+          <p:nvSpPr>
+            <p:cNvPr id="3" name="Rounded Rectangle 2">
+              <a:extLst>
+                <a:ext uri="{FF2B5EF4-FFF2-40B4-BE49-F238E27FC236}">
+                  <a16:creationId xmlns:a16="http://schemas.microsoft.com/office/drawing/2014/main" id="{C2F286E4-B87F-7974-2373-3B69543D882A}"/>
+                </a:ext>
+              </a:extLst>
+            </p:cNvPr>
+            <p:cNvSpPr/>
+            <p:nvPr/>
+          </p:nvSpPr>
+          <p:spPr bwMode="auto">
+            <a:xfrm>
+              <a:off x="2900422" y="2234879"/>
+              <a:ext cx="544010" cy="567159"/>
+            </a:xfrm>
+            <a:prstGeom prst="roundRect">
+              <a:avLst/>
+            </a:prstGeom>
+            <a:noFill/>
+            <a:ln w="9525" cap="flat" cmpd="sng" algn="ctr">
+              <a:noFill/>
+              <a:prstDash val="solid"/>
+              <a:round/>
+              <a:headEnd type="none" w="med" len="med"/>
+              <a:tailEnd type="none" w="med" len="med"/>
+            </a:ln>
+            <a:effectLst/>
+          </p:spPr>
+          <p:txBody>
+            <a:bodyPr vert="horz" wrap="square" lIns="91440" tIns="45720" rIns="91440" bIns="45720" numCol="1" rtlCol="0" anchor="ctr" anchorCtr="0" compatLnSpc="1">
+              <a:prstTxWarp prst="textNoShape">
+                <a:avLst/>
+              </a:prstTxWarp>
+            </a:bodyPr>
+            <a:lstStyle/>
+            <a:p>
+              <a:pPr marL="0" marR="0" indent="0" algn="ctr" defTabSz="914400" rtl="0" eaLnBrk="0" fontAlgn="base" latinLnBrk="0" hangingPunct="0">
+                <a:lnSpc>
+                  <a:spcPct val="100000"/>
+                </a:lnSpc>
+                <a:spcBef>
+                  <a:spcPct val="0"/>
+                </a:spcBef>
+                <a:spcAft>
+                  <a:spcPct val="0"/>
+                </a:spcAft>
+                <a:buClrTx/>
+                <a:buSzTx/>
+                <a:buFontTx/>
+                <a:buNone/>
+                <a:tabLst/>
+              </a:pPr>
+              <a:r>
+                <a:rPr kumimoji="0" lang="en-US" sz="2400" b="0" i="0" u="none" strike="noStrike" cap="none" normalizeH="0" baseline="0" dirty="0">
+                  <a:ln>
                     <a:noFill/>
-                  </a:tcPr>
-                </a:tc>
-                <a:tc>
-                  <a:txBody>
-                    <a:bodyPr/>
-                    <a:lstStyle/>
-                    <a:p>
-                      <a:pPr algn="ctr"/>
-                      <a:r>
-                        <a:rPr lang="en-US" b="0" dirty="0">
-                          <a:solidFill>
-                            <a:srgbClr val="003D62"/>
-                          </a:solidFill>
-                        </a:rPr>
-                        <a:t>2</a:t>
-                      </a:r>
-                    </a:p>
-                  </a:txBody>
-                  <a:tcPr>
+                  </a:ln>
+                  <a:solidFill>
+                    <a:schemeClr val="tx1"/>
+                  </a:solidFill>
+                  <a:effectLst/>
+                  <a:latin typeface="Arial" charset="0"/>
+                  <a:ea typeface="ＭＳ Ｐゴシック" pitchFamily="20" charset="-128"/>
+                </a:rPr>
+                <a:t>+</a:t>
+              </a:r>
+              <a:endParaRPr kumimoji="0" lang="en-US" sz="2400" b="0" i="1" u="none" strike="noStrike" cap="none" normalizeH="0" baseline="-25000" dirty="0">
+                <a:ln>
+                  <a:noFill/>
+                </a:ln>
+                <a:solidFill>
+                  <a:schemeClr val="tx1"/>
+                </a:solidFill>
+                <a:effectLst/>
+                <a:latin typeface="Arial" charset="0"/>
+                <a:ea typeface="ＭＳ Ｐゴシック" pitchFamily="20" charset="-128"/>
+              </a:endParaRPr>
+            </a:p>
+          </p:txBody>
+        </p:sp>
+        <p:sp>
+          <p:nvSpPr>
+            <p:cNvPr id="4" name="Rounded Rectangle 3">
+              <a:extLst>
+                <a:ext uri="{FF2B5EF4-FFF2-40B4-BE49-F238E27FC236}">
+                  <a16:creationId xmlns:a16="http://schemas.microsoft.com/office/drawing/2014/main" id="{6F7AA3AE-A715-3166-B174-9C3929949FA7}"/>
+                </a:ext>
+              </a:extLst>
+            </p:cNvPr>
+            <p:cNvSpPr/>
+            <p:nvPr/>
+          </p:nvSpPr>
+          <p:spPr bwMode="auto">
+            <a:xfrm>
+              <a:off x="2900422" y="2827116"/>
+              <a:ext cx="544010" cy="567159"/>
+            </a:xfrm>
+            <a:prstGeom prst="roundRect">
+              <a:avLst/>
+            </a:prstGeom>
+            <a:noFill/>
+            <a:ln w="9525" cap="flat" cmpd="sng" algn="ctr">
+              <a:solidFill>
+                <a:schemeClr val="tx1"/>
+              </a:solidFill>
+              <a:prstDash val="solid"/>
+              <a:round/>
+              <a:headEnd type="none" w="med" len="med"/>
+              <a:tailEnd type="none" w="med" len="med"/>
+            </a:ln>
+            <a:effectLst/>
+          </p:spPr>
+          <p:txBody>
+            <a:bodyPr vert="horz" wrap="square" lIns="91440" tIns="45720" rIns="91440" bIns="45720" numCol="1" rtlCol="0" anchor="ctr" anchorCtr="0" compatLnSpc="1">
+              <a:prstTxWarp prst="textNoShape">
+                <a:avLst/>
+              </a:prstTxWarp>
+            </a:bodyPr>
+            <a:lstStyle/>
+            <a:p>
+              <a:pPr marL="0" marR="0" indent="0" algn="ctr" defTabSz="914400" rtl="0" eaLnBrk="0" fontAlgn="base" latinLnBrk="0" hangingPunct="0">
+                <a:lnSpc>
+                  <a:spcPct val="100000"/>
+                </a:lnSpc>
+                <a:spcBef>
+                  <a:spcPct val="0"/>
+                </a:spcBef>
+                <a:spcAft>
+                  <a:spcPct val="0"/>
+                </a:spcAft>
+                <a:buClrTx/>
+                <a:buSzTx/>
+                <a:buFontTx/>
+                <a:buNone/>
+                <a:tabLst/>
+              </a:pPr>
+              <a:r>
+                <a:rPr kumimoji="0" lang="en-US" sz="2400" b="0" i="0" u="none" strike="noStrike" cap="none" normalizeH="0" baseline="0" dirty="0">
+                  <a:ln>
                     <a:noFill/>
-                  </a:tcPr>
-                </a:tc>
-                <a:tc>
-                  <a:txBody>
-                    <a:bodyPr/>
-                    <a:lstStyle/>
-                    <a:p>
-                      <a:pPr algn="ctr"/>
-                      <a:r>
-                        <a:rPr lang="en-US" b="0" dirty="0">
-                          <a:solidFill>
-                            <a:srgbClr val="003D62"/>
-                          </a:solidFill>
-                        </a:rPr>
-                        <a:t>3</a:t>
-                      </a:r>
-                    </a:p>
-                  </a:txBody>
-                  <a:tcPr>
+                  </a:ln>
+                  <a:solidFill>
+                    <a:schemeClr val="tx1"/>
+                  </a:solidFill>
+                  <a:effectLst/>
+                  <a:latin typeface="Arial" charset="0"/>
+                  <a:ea typeface="ＭＳ Ｐゴシック" pitchFamily="20" charset="-128"/>
+                </a:rPr>
+                <a:t>B</a:t>
+              </a:r>
+              <a:r>
+                <a:rPr kumimoji="0" lang="en-US" sz="2400" b="0" i="1" u="none" strike="noStrike" cap="none" normalizeH="0" baseline="-25000" dirty="0">
+                  <a:ln>
                     <a:noFill/>
-                  </a:tcPr>
-                </a:tc>
-                <a:tc>
-                  <a:txBody>
-                    <a:bodyPr/>
-                    <a:lstStyle/>
-                    <a:p>
-                      <a:pPr algn="ctr"/>
-                      <a:r>
-                        <a:rPr lang="en-US" b="0" dirty="0">
-                          <a:solidFill>
-                            <a:srgbClr val="003D62"/>
-                          </a:solidFill>
-                        </a:rPr>
-                        <a:t>4</a:t>
-                      </a:r>
-                    </a:p>
-                  </a:txBody>
-                  <a:tcPr>
+                  </a:ln>
+                  <a:solidFill>
+                    <a:schemeClr val="tx1"/>
+                  </a:solidFill>
+                  <a:effectLst/>
+                  <a:latin typeface="Arial" charset="0"/>
+                  <a:ea typeface="ＭＳ Ｐゴシック" pitchFamily="20" charset="-128"/>
+                </a:rPr>
+                <a:t>i</a:t>
+              </a:r>
+            </a:p>
+          </p:txBody>
+        </p:sp>
+        <p:sp>
+          <p:nvSpPr>
+            <p:cNvPr id="5" name="Rounded Rectangle 4">
+              <a:extLst>
+                <a:ext uri="{FF2B5EF4-FFF2-40B4-BE49-F238E27FC236}">
+                  <a16:creationId xmlns:a16="http://schemas.microsoft.com/office/drawing/2014/main" id="{C5612CD5-5B44-ABA4-76E2-503BDDBFBCED}"/>
+                </a:ext>
+              </a:extLst>
+            </p:cNvPr>
+            <p:cNvSpPr/>
+            <p:nvPr/>
+          </p:nvSpPr>
+          <p:spPr bwMode="auto">
+            <a:xfrm>
+              <a:off x="2900422" y="3419353"/>
+              <a:ext cx="544010" cy="567159"/>
+            </a:xfrm>
+            <a:prstGeom prst="roundRect">
+              <a:avLst/>
+            </a:prstGeom>
+            <a:noFill/>
+            <a:ln w="9525" cap="flat" cmpd="sng" algn="ctr">
+              <a:noFill/>
+              <a:prstDash val="solid"/>
+              <a:round/>
+              <a:headEnd type="none" w="med" len="med"/>
+              <a:tailEnd type="none" w="med" len="med"/>
+            </a:ln>
+            <a:effectLst/>
+          </p:spPr>
+          <p:txBody>
+            <a:bodyPr vert="horz" wrap="square" lIns="91440" tIns="45720" rIns="91440" bIns="45720" numCol="1" rtlCol="0" anchor="ctr" anchorCtr="0" compatLnSpc="1">
+              <a:prstTxWarp prst="textNoShape">
+                <a:avLst/>
+              </a:prstTxWarp>
+            </a:bodyPr>
+            <a:lstStyle/>
+            <a:p>
+              <a:pPr marL="0" marR="0" indent="0" algn="ctr" defTabSz="914400" rtl="0" eaLnBrk="0" fontAlgn="base" latinLnBrk="0" hangingPunct="0">
+                <a:lnSpc>
+                  <a:spcPct val="100000"/>
+                </a:lnSpc>
+                <a:spcBef>
+                  <a:spcPct val="0"/>
+                </a:spcBef>
+                <a:spcAft>
+                  <a:spcPct val="0"/>
+                </a:spcAft>
+                <a:buClrTx/>
+                <a:buSzTx/>
+                <a:buFontTx/>
+                <a:buNone/>
+                <a:tabLst/>
+              </a:pPr>
+              <a:r>
+                <a:rPr kumimoji="0" lang="en-US" sz="2400" b="0" i="0" u="none" strike="noStrike" cap="none" normalizeH="0" baseline="0" dirty="0">
+                  <a:ln>
                     <a:noFill/>
-                  </a:tcPr>
-                </a:tc>
-                <a:tc>
-                  <a:txBody>
-                    <a:bodyPr/>
-                    <a:lstStyle/>
-                    <a:p>
-                      <a:pPr algn="ctr"/>
-                      <a:r>
-                        <a:rPr lang="en-US" b="0" dirty="0">
-                          <a:solidFill>
-                            <a:srgbClr val="003D62"/>
-                          </a:solidFill>
-                        </a:rPr>
-                        <a:t>5</a:t>
-                      </a:r>
-                    </a:p>
-                  </a:txBody>
-                  <a:tcPr>
+                  </a:ln>
+                  <a:solidFill>
+                    <a:schemeClr val="tx1"/>
+                  </a:solidFill>
+                  <a:effectLst/>
+                  <a:latin typeface="Arial" charset="0"/>
+                  <a:ea typeface="ＭＳ Ｐゴシック" pitchFamily="20" charset="-128"/>
+                </a:rPr>
+                <a:t>=</a:t>
+              </a:r>
+              <a:endParaRPr kumimoji="0" lang="en-US" sz="2400" b="0" i="1" u="none" strike="noStrike" cap="none" normalizeH="0" baseline="-25000" dirty="0">
+                <a:ln>
+                  <a:noFill/>
+                </a:ln>
+                <a:solidFill>
+                  <a:schemeClr val="tx1"/>
+                </a:solidFill>
+                <a:effectLst/>
+                <a:latin typeface="Arial" charset="0"/>
+                <a:ea typeface="ＭＳ Ｐゴシック" pitchFamily="20" charset="-128"/>
+              </a:endParaRPr>
+            </a:p>
+          </p:txBody>
+        </p:sp>
+        <p:sp>
+          <p:nvSpPr>
+            <p:cNvPr id="6" name="Rounded Rectangle 5">
+              <a:extLst>
+                <a:ext uri="{FF2B5EF4-FFF2-40B4-BE49-F238E27FC236}">
+                  <a16:creationId xmlns:a16="http://schemas.microsoft.com/office/drawing/2014/main" id="{FC51C582-8C05-DFD1-246C-7D3752F52FC3}"/>
+                </a:ext>
+              </a:extLst>
+            </p:cNvPr>
+            <p:cNvSpPr/>
+            <p:nvPr/>
+          </p:nvSpPr>
+          <p:spPr bwMode="auto">
+            <a:xfrm>
+              <a:off x="2900422" y="4011590"/>
+              <a:ext cx="544010" cy="567159"/>
+            </a:xfrm>
+            <a:prstGeom prst="roundRect">
+              <a:avLst/>
+            </a:prstGeom>
+            <a:noFill/>
+            <a:ln w="9525" cap="flat" cmpd="sng" algn="ctr">
+              <a:solidFill>
+                <a:schemeClr val="tx1"/>
+              </a:solidFill>
+              <a:prstDash val="solid"/>
+              <a:round/>
+              <a:headEnd type="none" w="med" len="med"/>
+              <a:tailEnd type="none" w="med" len="med"/>
+            </a:ln>
+            <a:effectLst/>
+          </p:spPr>
+          <p:txBody>
+            <a:bodyPr vert="horz" wrap="square" lIns="91440" tIns="45720" rIns="91440" bIns="45720" numCol="1" rtlCol="0" anchor="ctr" anchorCtr="0" compatLnSpc="1">
+              <a:prstTxWarp prst="textNoShape">
+                <a:avLst/>
+              </a:prstTxWarp>
+            </a:bodyPr>
+            <a:lstStyle/>
+            <a:p>
+              <a:pPr marL="0" marR="0" indent="0" algn="ctr" defTabSz="914400" rtl="0" eaLnBrk="0" fontAlgn="base" latinLnBrk="0" hangingPunct="0">
+                <a:lnSpc>
+                  <a:spcPct val="100000"/>
+                </a:lnSpc>
+                <a:spcBef>
+                  <a:spcPct val="0"/>
+                </a:spcBef>
+                <a:spcAft>
+                  <a:spcPct val="0"/>
+                </a:spcAft>
+                <a:buClrTx/>
+                <a:buSzTx/>
+                <a:buFontTx/>
+                <a:buNone/>
+                <a:tabLst/>
+              </a:pPr>
+              <a:r>
+                <a:rPr lang="en-US" sz="2400" dirty="0"/>
+                <a:t>C</a:t>
+              </a:r>
+              <a:r>
+                <a:rPr kumimoji="0" lang="en-US" sz="2400" b="0" i="1" u="none" strike="noStrike" cap="none" normalizeH="0" baseline="-25000" dirty="0">
+                  <a:ln>
                     <a:noFill/>
-                  </a:tcPr>
-                </a:tc>
-                <a:tc>
-                  <a:txBody>
-                    <a:bodyPr/>
-                    <a:lstStyle/>
-                    <a:p>
-                      <a:pPr algn="ctr"/>
-                      <a:r>
-                        <a:rPr lang="en-US" b="0" dirty="0">
-                          <a:solidFill>
-                            <a:srgbClr val="003D62"/>
-                          </a:solidFill>
-                        </a:rPr>
-                        <a:t>6</a:t>
-                      </a:r>
-                    </a:p>
-                  </a:txBody>
-                  <a:tcPr>
+                  </a:ln>
+                  <a:solidFill>
+                    <a:schemeClr val="tx1"/>
+                  </a:solidFill>
+                  <a:effectLst/>
+                  <a:latin typeface="Arial" charset="0"/>
+                  <a:ea typeface="ＭＳ Ｐゴシック" pitchFamily="20" charset="-128"/>
+                </a:rPr>
+                <a:t>i</a:t>
+              </a:r>
+            </a:p>
+          </p:txBody>
+        </p:sp>
+        <p:sp>
+          <p:nvSpPr>
+            <p:cNvPr id="17" name="Rounded Rectangle 16">
+              <a:extLst>
+                <a:ext uri="{FF2B5EF4-FFF2-40B4-BE49-F238E27FC236}">
+                  <a16:creationId xmlns:a16="http://schemas.microsoft.com/office/drawing/2014/main" id="{99B059C6-F212-FE14-7713-E3E29E9D36DB}"/>
+                </a:ext>
+              </a:extLst>
+            </p:cNvPr>
+            <p:cNvSpPr/>
+            <p:nvPr/>
+          </p:nvSpPr>
+          <p:spPr bwMode="auto">
+            <a:xfrm>
+              <a:off x="1157467" y="5116547"/>
+              <a:ext cx="4402994" cy="1269179"/>
+            </a:xfrm>
+            <a:prstGeom prst="roundRect">
+              <a:avLst/>
+            </a:prstGeom>
+            <a:noFill/>
+            <a:ln w="9525" cap="flat" cmpd="sng" algn="ctr">
+              <a:solidFill>
+                <a:schemeClr val="tx1"/>
+              </a:solidFill>
+              <a:prstDash val="solid"/>
+              <a:round/>
+              <a:headEnd type="none" w="med" len="med"/>
+              <a:tailEnd type="none" w="med" len="med"/>
+            </a:ln>
+            <a:effectLst/>
+          </p:spPr>
+          <p:txBody>
+            <a:bodyPr vert="horz" wrap="square" lIns="91440" tIns="45720" rIns="91440" bIns="45720" numCol="1" rtlCol="0" anchor="ctr" anchorCtr="0" compatLnSpc="1">
+              <a:prstTxWarp prst="textNoShape">
+                <a:avLst/>
+              </a:prstTxWarp>
+            </a:bodyPr>
+            <a:lstStyle/>
+            <a:p>
+              <a:pPr marL="0" marR="0" indent="0" defTabSz="914400" rtl="0" eaLnBrk="0" fontAlgn="base" latinLnBrk="0" hangingPunct="0">
+                <a:lnSpc>
+                  <a:spcPct val="100000"/>
+                </a:lnSpc>
+                <a:spcBef>
+                  <a:spcPct val="0"/>
+                </a:spcBef>
+                <a:spcAft>
+                  <a:spcPct val="0"/>
+                </a:spcAft>
+                <a:buClrTx/>
+                <a:buSzTx/>
+                <a:buFontTx/>
+                <a:buNone/>
+                <a:tabLst/>
+              </a:pPr>
+              <a:r>
+                <a:rPr kumimoji="0" lang="en-US" sz="2400" b="0" u="none" strike="noStrike" cap="none" normalizeH="0" dirty="0">
+                  <a:ln>
                     <a:noFill/>
-                  </a:tcPr>
-                </a:tc>
-                <a:tc>
-                  <a:txBody>
-                    <a:bodyPr/>
-                    <a:lstStyle/>
-                    <a:p>
-                      <a:pPr algn="ctr"/>
-                      <a:r>
-                        <a:rPr lang="en-US" b="0" dirty="0" err="1">
-                          <a:solidFill>
-                            <a:srgbClr val="003D62"/>
-                          </a:solidFill>
-                        </a:rPr>
-                        <a:t>E</a:t>
-                      </a:r>
-                      <a:r>
-                        <a:rPr lang="en-US" b="0" baseline="-25000" dirty="0" err="1">
-                          <a:solidFill>
-                            <a:srgbClr val="003D62"/>
-                          </a:solidFill>
-                        </a:rPr>
-                        <a:t>row</a:t>
-                      </a:r>
-                      <a:endParaRPr lang="en-US" b="0" baseline="-25000" dirty="0">
-                        <a:solidFill>
-                          <a:srgbClr val="003D62"/>
-                        </a:solidFill>
-                      </a:endParaRPr>
-                    </a:p>
-                  </a:txBody>
-                  <a:tcPr>
+                  </a:ln>
+                  <a:solidFill>
+                    <a:srgbClr val="004C5E"/>
+                  </a:solidFill>
+                  <a:effectLst/>
+                </a:rPr>
+                <a:t>Load 2 operands in register</a:t>
+              </a:r>
+            </a:p>
+            <a:p>
+              <a:pPr marL="0" marR="0" indent="0" defTabSz="914400" rtl="0" eaLnBrk="0" fontAlgn="base" latinLnBrk="0" hangingPunct="0">
+                <a:lnSpc>
+                  <a:spcPct val="100000"/>
+                </a:lnSpc>
+                <a:spcBef>
+                  <a:spcPct val="0"/>
+                </a:spcBef>
+                <a:spcAft>
+                  <a:spcPct val="0"/>
+                </a:spcAft>
+                <a:buClrTx/>
+                <a:buSzTx/>
+                <a:buFontTx/>
+                <a:buNone/>
+                <a:tabLst/>
+              </a:pPr>
+              <a:r>
+                <a:rPr lang="en-US" dirty="0">
+                  <a:solidFill>
+                    <a:srgbClr val="004C5E"/>
+                  </a:solidFill>
+                </a:rPr>
+                <a:t>Execute 1 add instruction</a:t>
+              </a:r>
+            </a:p>
+            <a:p>
+              <a:pPr marL="0" marR="0" indent="0" defTabSz="914400" rtl="0" eaLnBrk="0" fontAlgn="base" latinLnBrk="0" hangingPunct="0">
+                <a:lnSpc>
+                  <a:spcPct val="100000"/>
+                </a:lnSpc>
+                <a:spcBef>
+                  <a:spcPct val="0"/>
+                </a:spcBef>
+                <a:spcAft>
+                  <a:spcPct val="0"/>
+                </a:spcAft>
+                <a:buClrTx/>
+                <a:buSzTx/>
+                <a:buFontTx/>
+                <a:buNone/>
+                <a:tabLst/>
+              </a:pPr>
+              <a:r>
+                <a:rPr kumimoji="0" lang="en-US" sz="2400" b="0" u="none" strike="noStrike" cap="none" normalizeH="0" dirty="0">
+                  <a:ln>
                     <a:noFill/>
-                  </a:tcPr>
-                </a:tc>
-                <a:extLst>
-                  <a:ext uri="{0D108BD9-81ED-4DB2-BD59-A6C34878D82A}">
-                    <a16:rowId xmlns:a16="http://schemas.microsoft.com/office/drawing/2014/main" val="10000"/>
-                  </a:ext>
-                </a:extLst>
-              </a:tr>
-              <a:tr h="369100">
-                <a:tc>
-                  <a:txBody>
-                    <a:bodyPr/>
-                    <a:lstStyle/>
-                    <a:p>
-                      <a:pPr algn="ctr"/>
-                      <a:r>
-                        <a:rPr lang="en-US" dirty="0">
-                          <a:solidFill>
-                            <a:srgbClr val="003D62"/>
-                          </a:solidFill>
-                        </a:rPr>
-                        <a:t>0</a:t>
-                      </a:r>
-                    </a:p>
-                  </a:txBody>
-                  <a:tcPr>
+                  </a:ln>
+                  <a:solidFill>
+                    <a:srgbClr val="004C5E"/>
+                  </a:solidFill>
+                  <a:effectLst/>
+                </a:rPr>
+                <a:t>Store 1 result</a:t>
+              </a:r>
+            </a:p>
+          </p:txBody>
+        </p:sp>
+        <p:sp>
+          <p:nvSpPr>
+            <p:cNvPr id="19" name="Rounded Rectangle 18">
+              <a:extLst>
+                <a:ext uri="{FF2B5EF4-FFF2-40B4-BE49-F238E27FC236}">
+                  <a16:creationId xmlns:a16="http://schemas.microsoft.com/office/drawing/2014/main" id="{6EDC888C-ECD3-A741-11F4-CACE4ED41BF1}"/>
+                </a:ext>
+              </a:extLst>
+            </p:cNvPr>
+            <p:cNvSpPr/>
+            <p:nvPr/>
+          </p:nvSpPr>
+          <p:spPr bwMode="auto">
+            <a:xfrm>
+              <a:off x="1157468" y="1646498"/>
+              <a:ext cx="1645534" cy="567159"/>
+            </a:xfrm>
+            <a:prstGeom prst="roundRect">
+              <a:avLst/>
+            </a:prstGeom>
+            <a:noFill/>
+            <a:ln w="9525" cap="flat" cmpd="sng" algn="ctr">
+              <a:solidFill>
+                <a:schemeClr val="tx1">
+                  <a:lumMod val="65000"/>
+                  <a:lumOff val="35000"/>
+                </a:schemeClr>
+              </a:solidFill>
+              <a:prstDash val="sysDot"/>
+              <a:round/>
+              <a:headEnd type="none" w="med" len="med"/>
+              <a:tailEnd type="none" w="med" len="med"/>
+            </a:ln>
+            <a:effectLst/>
+          </p:spPr>
+          <p:txBody>
+            <a:bodyPr vert="horz" wrap="square" lIns="91440" tIns="45720" rIns="91440" bIns="45720" numCol="1" rtlCol="0" anchor="ctr" anchorCtr="0" compatLnSpc="1">
+              <a:prstTxWarp prst="textNoShape">
+                <a:avLst/>
+              </a:prstTxWarp>
+            </a:bodyPr>
+            <a:lstStyle/>
+            <a:p>
+              <a:pPr marL="0" marR="0" indent="0" algn="ctr" defTabSz="914400" rtl="0" eaLnBrk="0" fontAlgn="base" latinLnBrk="0" hangingPunct="0">
+                <a:lnSpc>
+                  <a:spcPct val="100000"/>
+                </a:lnSpc>
+                <a:spcBef>
+                  <a:spcPct val="0"/>
+                </a:spcBef>
+                <a:spcAft>
+                  <a:spcPct val="0"/>
+                </a:spcAft>
+                <a:buClrTx/>
+                <a:buSzTx/>
+                <a:buFontTx/>
+                <a:buNone/>
+                <a:tabLst/>
+              </a:pPr>
+              <a:r>
+                <a:rPr kumimoji="0" lang="en-US" sz="2400" b="0" i="0" u="none" strike="noStrike" cap="none" normalizeH="0" baseline="0" dirty="0">
+                  <a:ln>
                     <a:noFill/>
-                  </a:tcPr>
-                </a:tc>
-                <a:tc>
-                  <a:txBody>
-                    <a:bodyPr/>
-                    <a:lstStyle/>
-                    <a:p>
-                      <a:pPr algn="ctr"/>
-                      <a:endParaRPr lang="en-US" dirty="0"/>
-                    </a:p>
-                  </a:txBody>
-                  <a:tcPr>
-                    <a:lnB w="12700" cap="flat" cmpd="sng" algn="ctr">
-                      <a:solidFill>
-                        <a:scrgbClr r="0" g="0" b="0"/>
-                      </a:solidFill>
-                      <a:prstDash val="solid"/>
-                      <a:round/>
-                      <a:headEnd type="none" w="med" len="med"/>
-                      <a:tailEnd type="none" w="med" len="med"/>
-                    </a:lnB>
-                    <a:solidFill>
-                      <a:schemeClr val="bg2"/>
-                    </a:solidFill>
-                  </a:tcPr>
-                </a:tc>
-                <a:tc>
-                  <a:txBody>
-                    <a:bodyPr/>
-                    <a:lstStyle/>
-                    <a:p>
-                      <a:pPr algn="ctr"/>
-                      <a:endParaRPr lang="en-US" dirty="0"/>
-                    </a:p>
-                  </a:txBody>
-                  <a:tcPr>
-                    <a:solidFill>
-                      <a:schemeClr val="bg2"/>
-                    </a:solidFill>
-                  </a:tcPr>
-                </a:tc>
-                <a:tc>
-                  <a:txBody>
-                    <a:bodyPr/>
-                    <a:lstStyle/>
-                    <a:p>
-                      <a:pPr algn="ctr"/>
-                      <a:endParaRPr lang="en-US" dirty="0"/>
-                    </a:p>
-                  </a:txBody>
-                  <a:tcPr>
-                    <a:solidFill>
-                      <a:schemeClr val="bg2"/>
-                    </a:solidFill>
-                  </a:tcPr>
-                </a:tc>
-                <a:tc>
-                  <a:txBody>
-                    <a:bodyPr/>
-                    <a:lstStyle/>
-                    <a:p>
-                      <a:pPr algn="ctr"/>
-                      <a:endParaRPr lang="en-US" dirty="0"/>
-                    </a:p>
-                  </a:txBody>
-                  <a:tcPr>
-                    <a:solidFill>
-                      <a:schemeClr val="bg2"/>
-                    </a:solidFill>
-                  </a:tcPr>
-                </a:tc>
-                <a:tc>
-                  <a:txBody>
-                    <a:bodyPr/>
-                    <a:lstStyle/>
-                    <a:p>
-                      <a:pPr algn="ctr"/>
-                      <a:endParaRPr lang="en-US" dirty="0"/>
-                    </a:p>
-                  </a:txBody>
-                  <a:tcPr>
-                    <a:solidFill>
-                      <a:schemeClr val="bg2"/>
-                    </a:solidFill>
-                  </a:tcPr>
-                </a:tc>
-                <a:tc>
-                  <a:txBody>
-                    <a:bodyPr/>
-                    <a:lstStyle/>
-                    <a:p>
-                      <a:pPr algn="ctr"/>
-                      <a:endParaRPr lang="en-US" dirty="0"/>
-                    </a:p>
-                  </a:txBody>
-                  <a:tcPr>
-                    <a:solidFill>
-                      <a:schemeClr val="bg2"/>
-                    </a:solidFill>
-                  </a:tcPr>
-                </a:tc>
-                <a:tc>
-                  <a:txBody>
-                    <a:bodyPr/>
-                    <a:lstStyle/>
-                    <a:p>
-                      <a:pPr algn="ctr"/>
-                      <a:endParaRPr lang="en-US" dirty="0"/>
-                    </a:p>
-                  </a:txBody>
-                  <a:tcPr>
-                    <a:solidFill>
-                      <a:schemeClr val="bg2"/>
-                    </a:solidFill>
-                  </a:tcPr>
-                </a:tc>
-                <a:tc>
-                  <a:txBody>
-                    <a:bodyPr/>
-                    <a:lstStyle/>
-                    <a:p>
-                      <a:pPr algn="ctr"/>
-                      <a:endParaRPr lang="en-US" dirty="0"/>
-                    </a:p>
-                  </a:txBody>
-                  <a:tcPr>
-                    <a:solidFill>
-                      <a:schemeClr val="bg2"/>
-                    </a:solidFill>
-                  </a:tcPr>
-                </a:tc>
-                <a:extLst>
-                  <a:ext uri="{0D108BD9-81ED-4DB2-BD59-A6C34878D82A}">
-                    <a16:rowId xmlns:a16="http://schemas.microsoft.com/office/drawing/2014/main" val="10001"/>
-                  </a:ext>
-                </a:extLst>
-              </a:tr>
-              <a:tr h="369100">
-                <a:tc>
-                  <a:txBody>
-                    <a:bodyPr/>
-                    <a:lstStyle/>
-                    <a:p>
-                      <a:pPr algn="ctr"/>
-                      <a:r>
-                        <a:rPr lang="en-US" dirty="0">
-                          <a:solidFill>
-                            <a:srgbClr val="003D62"/>
-                          </a:solidFill>
-                        </a:rPr>
-                        <a:t>1</a:t>
-                      </a:r>
-                    </a:p>
-                  </a:txBody>
-                  <a:tcPr>
-                    <a:lnR w="12700" cap="flat" cmpd="sng" algn="ctr">
-                      <a:solidFill>
-                        <a:scrgbClr r="0" g="0" b="0"/>
-                      </a:solidFill>
-                      <a:prstDash val="solid"/>
-                      <a:round/>
-                      <a:headEnd type="none" w="med" len="med"/>
-                      <a:tailEnd type="none" w="med" len="med"/>
-                    </a:lnR>
+                  </a:ln>
+                  <a:solidFill>
+                    <a:schemeClr val="tx1">
+                      <a:lumMod val="65000"/>
+                      <a:lumOff val="35000"/>
+                    </a:schemeClr>
+                  </a:solidFill>
+                  <a:effectLst/>
+                  <a:latin typeface="Arial" charset="0"/>
+                  <a:ea typeface="ＭＳ Ｐゴシック" pitchFamily="20" charset="-128"/>
+                </a:rPr>
+                <a:t>Register 1</a:t>
+              </a:r>
+              <a:endParaRPr kumimoji="0" lang="en-US" sz="2400" b="0" i="1" u="none" strike="noStrike" cap="none" normalizeH="0" baseline="-25000" dirty="0">
+                <a:ln>
+                  <a:noFill/>
+                </a:ln>
+                <a:solidFill>
+                  <a:schemeClr val="tx1">
+                    <a:lumMod val="65000"/>
+                    <a:lumOff val="35000"/>
+                  </a:schemeClr>
+                </a:solidFill>
+                <a:effectLst/>
+                <a:latin typeface="Arial" charset="0"/>
+                <a:ea typeface="ＭＳ Ｐゴシック" pitchFamily="20" charset="-128"/>
+              </a:endParaRPr>
+            </a:p>
+          </p:txBody>
+        </p:sp>
+        <p:sp>
+          <p:nvSpPr>
+            <p:cNvPr id="20" name="Rounded Rectangle 19">
+              <a:extLst>
+                <a:ext uri="{FF2B5EF4-FFF2-40B4-BE49-F238E27FC236}">
+                  <a16:creationId xmlns:a16="http://schemas.microsoft.com/office/drawing/2014/main" id="{F216D38E-5D66-3A1E-FB7C-C5D19EF4D004}"/>
+                </a:ext>
+              </a:extLst>
+            </p:cNvPr>
+            <p:cNvSpPr/>
+            <p:nvPr/>
+          </p:nvSpPr>
+          <p:spPr bwMode="auto">
+            <a:xfrm>
+              <a:off x="1171936" y="2816505"/>
+              <a:ext cx="1645534" cy="567159"/>
+            </a:xfrm>
+            <a:prstGeom prst="roundRect">
+              <a:avLst/>
+            </a:prstGeom>
+            <a:noFill/>
+            <a:ln w="9525" cap="flat" cmpd="sng" algn="ctr">
+              <a:solidFill>
+                <a:schemeClr val="tx1">
+                  <a:lumMod val="65000"/>
+                  <a:lumOff val="35000"/>
+                </a:schemeClr>
+              </a:solidFill>
+              <a:prstDash val="sysDot"/>
+              <a:round/>
+              <a:headEnd type="none" w="med" len="med"/>
+              <a:tailEnd type="none" w="med" len="med"/>
+            </a:ln>
+            <a:effectLst/>
+          </p:spPr>
+          <p:txBody>
+            <a:bodyPr vert="horz" wrap="square" lIns="91440" tIns="45720" rIns="91440" bIns="45720" numCol="1" rtlCol="0" anchor="ctr" anchorCtr="0" compatLnSpc="1">
+              <a:prstTxWarp prst="textNoShape">
+                <a:avLst/>
+              </a:prstTxWarp>
+            </a:bodyPr>
+            <a:lstStyle/>
+            <a:p>
+              <a:pPr marL="0" marR="0" indent="0" algn="ctr" defTabSz="914400" rtl="0" eaLnBrk="0" fontAlgn="base" latinLnBrk="0" hangingPunct="0">
+                <a:lnSpc>
+                  <a:spcPct val="100000"/>
+                </a:lnSpc>
+                <a:spcBef>
+                  <a:spcPct val="0"/>
+                </a:spcBef>
+                <a:spcAft>
+                  <a:spcPct val="0"/>
+                </a:spcAft>
+                <a:buClrTx/>
+                <a:buSzTx/>
+                <a:buFontTx/>
+                <a:buNone/>
+                <a:tabLst/>
+              </a:pPr>
+              <a:r>
+                <a:rPr kumimoji="0" lang="en-US" sz="2400" b="0" i="0" u="none" strike="noStrike" cap="none" normalizeH="0" baseline="0" dirty="0">
+                  <a:ln>
                     <a:noFill/>
-                  </a:tcPr>
-                </a:tc>
-                <a:tc>
-                  <a:txBody>
-                    <a:bodyPr/>
-                    <a:lstStyle/>
-                    <a:p>
-                      <a:pPr algn="ctr"/>
-                      <a:r>
-                        <a:rPr lang="en-US" dirty="0"/>
-                        <a:t>0</a:t>
-                      </a:r>
-                    </a:p>
-                  </a:txBody>
-                  <a:tcPr>
-                    <a:lnL w="12700" cap="flat" cmpd="sng" algn="ctr">
-                      <a:solidFill>
-                        <a:scrgbClr r="0" g="0" b="0"/>
-                      </a:solidFill>
-                      <a:prstDash val="solid"/>
-                      <a:round/>
-                      <a:headEnd type="none" w="med" len="med"/>
-                      <a:tailEnd type="none" w="med" len="med"/>
-                    </a:lnL>
-                    <a:lnR w="12700" cap="flat" cmpd="sng" algn="ctr">
-                      <a:solidFill>
-                        <a:scrgbClr r="0" g="0" b="0"/>
-                      </a:solidFill>
-                      <a:prstDash val="solid"/>
-                      <a:round/>
-                      <a:headEnd type="none" w="med" len="med"/>
-                      <a:tailEnd type="none" w="med" len="med"/>
-                    </a:lnR>
-                    <a:lnT w="12700" cap="flat" cmpd="sng" algn="ctr">
-                      <a:solidFill>
-                        <a:scrgbClr r="0" g="0" b="0"/>
-                      </a:solidFill>
-                      <a:prstDash val="solid"/>
-                      <a:round/>
-                      <a:headEnd type="none" w="med" len="med"/>
-                      <a:tailEnd type="none" w="med" len="med"/>
-                    </a:lnT>
-                    <a:lnB w="12700" cap="flat" cmpd="sng" algn="ctr">
-                      <a:solidFill>
-                        <a:scrgbClr r="0" g="0" b="0"/>
-                      </a:solidFill>
-                      <a:prstDash val="solid"/>
-                      <a:round/>
-                      <a:headEnd type="none" w="med" len="med"/>
-                      <a:tailEnd type="none" w="med" len="med"/>
-                    </a:lnB>
-                    <a:solidFill>
-                      <a:srgbClr val="A6A6A6"/>
-                    </a:solidFill>
-                  </a:tcPr>
-                </a:tc>
-                <a:tc>
-                  <a:txBody>
-                    <a:bodyPr/>
-                    <a:lstStyle/>
-                    <a:p>
-                      <a:pPr algn="ctr"/>
-                      <a:endParaRPr lang="en-US" dirty="0"/>
-                    </a:p>
-                  </a:txBody>
-                  <a:tcPr>
-                    <a:lnL w="12700" cap="flat" cmpd="sng" algn="ctr">
-                      <a:solidFill>
-                        <a:scrgbClr r="0" g="0" b="0"/>
-                      </a:solidFill>
-                      <a:prstDash val="solid"/>
-                      <a:round/>
-                      <a:headEnd type="none" w="med" len="med"/>
-                      <a:tailEnd type="none" w="med" len="med"/>
-                    </a:lnL>
-                    <a:lnB w="12700" cap="flat" cmpd="sng" algn="ctr">
-                      <a:solidFill>
-                        <a:scrgbClr r="0" g="0" b="0"/>
-                      </a:solidFill>
-                      <a:prstDash val="solid"/>
-                      <a:round/>
-                      <a:headEnd type="none" w="med" len="med"/>
-                      <a:tailEnd type="none" w="med" len="med"/>
-                    </a:lnB>
-                    <a:solidFill>
-                      <a:srgbClr val="DDDDDD"/>
-                    </a:solidFill>
-                  </a:tcPr>
-                </a:tc>
-                <a:tc>
-                  <a:txBody>
-                    <a:bodyPr/>
-                    <a:lstStyle/>
-                    <a:p>
-                      <a:pPr algn="ctr"/>
-                      <a:endParaRPr lang="en-US" dirty="0"/>
-                    </a:p>
-                  </a:txBody>
-                  <a:tcPr>
-                    <a:solidFill>
-                      <a:srgbClr val="DDDDDD"/>
-                    </a:solidFill>
-                  </a:tcPr>
-                </a:tc>
-                <a:tc>
-                  <a:txBody>
-                    <a:bodyPr/>
-                    <a:lstStyle/>
-                    <a:p>
-                      <a:pPr algn="ctr"/>
-                      <a:endParaRPr lang="en-US" dirty="0"/>
-                    </a:p>
-                  </a:txBody>
-                  <a:tcPr>
-                    <a:solidFill>
-                      <a:srgbClr val="DDDDDD"/>
-                    </a:solidFill>
-                  </a:tcPr>
-                </a:tc>
-                <a:tc>
-                  <a:txBody>
-                    <a:bodyPr/>
-                    <a:lstStyle/>
-                    <a:p>
-                      <a:pPr algn="ctr"/>
-                      <a:endParaRPr lang="en-US" dirty="0"/>
-                    </a:p>
-                  </a:txBody>
-                  <a:tcPr>
-                    <a:solidFill>
-                      <a:srgbClr val="DDDDDD"/>
-                    </a:solidFill>
-                  </a:tcPr>
-                </a:tc>
-                <a:tc>
-                  <a:txBody>
-                    <a:bodyPr/>
-                    <a:lstStyle/>
-                    <a:p>
-                      <a:pPr algn="ctr"/>
-                      <a:endParaRPr lang="en-US"/>
-                    </a:p>
-                  </a:txBody>
-                  <a:tcPr>
-                    <a:solidFill>
-                      <a:srgbClr val="DDDDDD"/>
-                    </a:solidFill>
-                  </a:tcPr>
-                </a:tc>
-                <a:tc>
-                  <a:txBody>
-                    <a:bodyPr/>
-                    <a:lstStyle/>
-                    <a:p>
-                      <a:pPr algn="ctr"/>
-                      <a:endParaRPr lang="en-US" dirty="0"/>
-                    </a:p>
-                  </a:txBody>
-                  <a:tcPr>
-                    <a:solidFill>
-                      <a:srgbClr val="DDDDDD"/>
-                    </a:solidFill>
-                  </a:tcPr>
-                </a:tc>
-                <a:tc>
-                  <a:txBody>
-                    <a:bodyPr/>
-                    <a:lstStyle/>
-                    <a:p>
-                      <a:pPr algn="ctr"/>
-                      <a:r>
-                        <a:rPr lang="en-US" dirty="0"/>
-                        <a:t>E</a:t>
-                      </a:r>
-                      <a:r>
-                        <a:rPr lang="en-US" baseline="-25000" dirty="0"/>
-                        <a:t>0</a:t>
-                      </a:r>
-                      <a:endParaRPr lang="en-US" dirty="0"/>
-                    </a:p>
-                  </a:txBody>
-                  <a:tcPr>
-                    <a:solidFill>
-                      <a:srgbClr val="DDDDDD"/>
-                    </a:solidFill>
-                  </a:tcPr>
-                </a:tc>
-                <a:extLst>
-                  <a:ext uri="{0D108BD9-81ED-4DB2-BD59-A6C34878D82A}">
-                    <a16:rowId xmlns:a16="http://schemas.microsoft.com/office/drawing/2014/main" val="10002"/>
-                  </a:ext>
-                </a:extLst>
-              </a:tr>
-              <a:tr h="369100">
-                <a:tc>
-                  <a:txBody>
-                    <a:bodyPr/>
-                    <a:lstStyle/>
-                    <a:p>
-                      <a:pPr algn="ctr"/>
-                      <a:r>
-                        <a:rPr lang="en-US" dirty="0">
-                          <a:solidFill>
-                            <a:srgbClr val="003D62"/>
-                          </a:solidFill>
-                        </a:rPr>
-                        <a:t>2</a:t>
-                      </a:r>
-                    </a:p>
-                  </a:txBody>
-                  <a:tcPr>
-                    <a:lnR w="12700" cap="flat" cmpd="sng" algn="ctr">
-                      <a:solidFill>
-                        <a:scrgbClr r="0" g="0" b="0"/>
-                      </a:solidFill>
-                      <a:prstDash val="solid"/>
-                      <a:round/>
-                      <a:headEnd type="none" w="med" len="med"/>
-                      <a:tailEnd type="none" w="med" len="med"/>
-                    </a:lnR>
+                  </a:ln>
+                  <a:solidFill>
+                    <a:schemeClr val="tx1">
+                      <a:lumMod val="65000"/>
+                      <a:lumOff val="35000"/>
+                    </a:schemeClr>
+                  </a:solidFill>
+                  <a:effectLst/>
+                  <a:latin typeface="Arial" charset="0"/>
+                  <a:ea typeface="ＭＳ Ｐゴシック" pitchFamily="20" charset="-128"/>
+                </a:rPr>
+                <a:t>Register 2</a:t>
+              </a:r>
+              <a:endParaRPr kumimoji="0" lang="en-US" sz="2400" b="0" i="1" u="none" strike="noStrike" cap="none" normalizeH="0" baseline="-25000" dirty="0">
+                <a:ln>
+                  <a:noFill/>
+                </a:ln>
+                <a:solidFill>
+                  <a:schemeClr val="tx1">
+                    <a:lumMod val="65000"/>
+                    <a:lumOff val="35000"/>
+                  </a:schemeClr>
+                </a:solidFill>
+                <a:effectLst/>
+                <a:latin typeface="Arial" charset="0"/>
+                <a:ea typeface="ＭＳ Ｐゴシック" pitchFamily="20" charset="-128"/>
+              </a:endParaRPr>
+            </a:p>
+          </p:txBody>
+        </p:sp>
+        <p:sp>
+          <p:nvSpPr>
+            <p:cNvPr id="21" name="Rounded Rectangle 20">
+              <a:extLst>
+                <a:ext uri="{FF2B5EF4-FFF2-40B4-BE49-F238E27FC236}">
+                  <a16:creationId xmlns:a16="http://schemas.microsoft.com/office/drawing/2014/main" id="{246EAD9E-85CD-3E45-E4CB-E9791DC15F47}"/>
+                </a:ext>
+              </a:extLst>
+            </p:cNvPr>
+            <p:cNvSpPr/>
+            <p:nvPr/>
+          </p:nvSpPr>
+          <p:spPr bwMode="auto">
+            <a:xfrm>
+              <a:off x="1157468" y="4024127"/>
+              <a:ext cx="1645534" cy="567159"/>
+            </a:xfrm>
+            <a:prstGeom prst="roundRect">
+              <a:avLst/>
+            </a:prstGeom>
+            <a:noFill/>
+            <a:ln w="9525" cap="flat" cmpd="sng" algn="ctr">
+              <a:solidFill>
+                <a:schemeClr val="tx1">
+                  <a:lumMod val="65000"/>
+                  <a:lumOff val="35000"/>
+                </a:schemeClr>
+              </a:solidFill>
+              <a:prstDash val="sysDot"/>
+              <a:round/>
+              <a:headEnd type="none" w="med" len="med"/>
+              <a:tailEnd type="none" w="med" len="med"/>
+            </a:ln>
+            <a:effectLst/>
+          </p:spPr>
+          <p:txBody>
+            <a:bodyPr vert="horz" wrap="square" lIns="91440" tIns="45720" rIns="91440" bIns="45720" numCol="1" rtlCol="0" anchor="ctr" anchorCtr="0" compatLnSpc="1">
+              <a:prstTxWarp prst="textNoShape">
+                <a:avLst/>
+              </a:prstTxWarp>
+            </a:bodyPr>
+            <a:lstStyle/>
+            <a:p>
+              <a:pPr marL="0" marR="0" indent="0" algn="ctr" defTabSz="914400" rtl="0" eaLnBrk="0" fontAlgn="base" latinLnBrk="0" hangingPunct="0">
+                <a:lnSpc>
+                  <a:spcPct val="100000"/>
+                </a:lnSpc>
+                <a:spcBef>
+                  <a:spcPct val="0"/>
+                </a:spcBef>
+                <a:spcAft>
+                  <a:spcPct val="0"/>
+                </a:spcAft>
+                <a:buClrTx/>
+                <a:buSzTx/>
+                <a:buFontTx/>
+                <a:buNone/>
+                <a:tabLst/>
+              </a:pPr>
+              <a:r>
+                <a:rPr kumimoji="0" lang="en-US" sz="2400" b="0" i="0" u="none" strike="noStrike" cap="none" normalizeH="0" baseline="0" dirty="0">
+                  <a:ln>
                     <a:noFill/>
-                  </a:tcPr>
-                </a:tc>
-                <a:tc>
-                  <a:txBody>
-                    <a:bodyPr/>
-                    <a:lstStyle/>
-                    <a:p>
-                      <a:pPr algn="ctr"/>
-                      <a:r>
-                        <a:rPr lang="en-US" dirty="0"/>
-                        <a:t>1</a:t>
-                      </a:r>
-                    </a:p>
-                  </a:txBody>
-                  <a:tcPr>
-                    <a:lnL w="12700" cap="flat" cmpd="sng" algn="ctr">
-                      <a:solidFill>
-                        <a:scrgbClr r="0" g="0" b="0"/>
-                      </a:solidFill>
-                      <a:prstDash val="solid"/>
-                      <a:round/>
-                      <a:headEnd type="none" w="med" len="med"/>
-                      <a:tailEnd type="none" w="med" len="med"/>
-                    </a:lnL>
-                    <a:lnR w="12700" cap="flat" cmpd="sng" algn="ctr">
-                      <a:solidFill>
-                        <a:scrgbClr r="0" g="0" b="0"/>
-                      </a:solidFill>
-                      <a:prstDash val="solid"/>
-                      <a:round/>
-                      <a:headEnd type="none" w="med" len="med"/>
-                      <a:tailEnd type="none" w="med" len="med"/>
-                    </a:lnR>
-                    <a:lnT w="12700" cap="flat" cmpd="sng" algn="ctr">
-                      <a:solidFill>
-                        <a:scrgbClr r="0" g="0" b="0"/>
-                      </a:solidFill>
-                      <a:prstDash val="solid"/>
-                      <a:round/>
-                      <a:headEnd type="none" w="med" len="med"/>
-                      <a:tailEnd type="none" w="med" len="med"/>
-                    </a:lnT>
-                    <a:lnB w="12700" cap="flat" cmpd="sng" algn="ctr">
-                      <a:solidFill>
-                        <a:scrgbClr r="0" g="0" b="0"/>
-                      </a:solidFill>
-                      <a:prstDash val="solid"/>
-                      <a:round/>
-                      <a:headEnd type="none" w="med" len="med"/>
-                      <a:tailEnd type="none" w="med" len="med"/>
-                    </a:lnB>
-                    <a:solidFill>
-                      <a:srgbClr val="A6A6A6"/>
-                    </a:solidFill>
-                  </a:tcPr>
-                </a:tc>
-                <a:tc>
-                  <a:txBody>
-                    <a:bodyPr/>
-                    <a:lstStyle/>
-                    <a:p>
-                      <a:pPr algn="ctr"/>
-                      <a:r>
-                        <a:rPr lang="en-US" dirty="0"/>
-                        <a:t>2</a:t>
-                      </a:r>
-                    </a:p>
-                  </a:txBody>
-                  <a:tcPr>
-                    <a:lnL w="12700" cap="flat" cmpd="sng" algn="ctr">
-                      <a:solidFill>
-                        <a:scrgbClr r="0" g="0" b="0"/>
-                      </a:solidFill>
-                      <a:prstDash val="solid"/>
-                      <a:round/>
-                      <a:headEnd type="none" w="med" len="med"/>
-                      <a:tailEnd type="none" w="med" len="med"/>
-                    </a:lnL>
-                    <a:lnR w="12700" cap="flat" cmpd="sng" algn="ctr">
-                      <a:solidFill>
-                        <a:scrgbClr r="0" g="0" b="0"/>
-                      </a:solidFill>
-                      <a:prstDash val="solid"/>
-                      <a:round/>
-                      <a:headEnd type="none" w="med" len="med"/>
-                      <a:tailEnd type="none" w="med" len="med"/>
-                    </a:lnR>
-                    <a:lnT w="12700" cap="flat" cmpd="sng" algn="ctr">
-                      <a:solidFill>
-                        <a:scrgbClr r="0" g="0" b="0"/>
-                      </a:solidFill>
-                      <a:prstDash val="solid"/>
-                      <a:round/>
-                      <a:headEnd type="none" w="med" len="med"/>
-                      <a:tailEnd type="none" w="med" len="med"/>
-                    </a:lnT>
-                    <a:lnB w="12700" cap="flat" cmpd="sng" algn="ctr">
-                      <a:solidFill>
-                        <a:scrgbClr r="0" g="0" b="0"/>
-                      </a:solidFill>
-                      <a:prstDash val="solid"/>
-                      <a:round/>
-                      <a:headEnd type="none" w="med" len="med"/>
-                      <a:tailEnd type="none" w="med" len="med"/>
-                    </a:lnB>
-                    <a:solidFill>
-                      <a:srgbClr val="A6A6A6"/>
-                    </a:solidFill>
-                  </a:tcPr>
-                </a:tc>
-                <a:tc>
-                  <a:txBody>
-                    <a:bodyPr/>
-                    <a:lstStyle/>
-                    <a:p>
-                      <a:pPr algn="ctr"/>
-                      <a:endParaRPr lang="en-US" dirty="0"/>
-                    </a:p>
-                  </a:txBody>
-                  <a:tcPr>
-                    <a:lnL w="12700" cap="flat" cmpd="sng" algn="ctr">
-                      <a:solidFill>
-                        <a:scrgbClr r="0" g="0" b="0"/>
-                      </a:solidFill>
-                      <a:prstDash val="solid"/>
-                      <a:round/>
-                      <a:headEnd type="none" w="med" len="med"/>
-                      <a:tailEnd type="none" w="med" len="med"/>
-                    </a:lnL>
-                    <a:lnB w="12700" cap="flat" cmpd="sng" algn="ctr">
-                      <a:solidFill>
-                        <a:scrgbClr r="0" g="0" b="0"/>
-                      </a:solidFill>
-                      <a:prstDash val="solid"/>
-                      <a:round/>
-                      <a:headEnd type="none" w="med" len="med"/>
-                      <a:tailEnd type="none" w="med" len="med"/>
-                    </a:lnB>
-                    <a:solidFill>
-                      <a:srgbClr val="DDDDDD"/>
-                    </a:solidFill>
-                  </a:tcPr>
-                </a:tc>
-                <a:tc>
-                  <a:txBody>
-                    <a:bodyPr/>
-                    <a:lstStyle/>
-                    <a:p>
-                      <a:pPr algn="ctr"/>
-                      <a:endParaRPr lang="en-US" dirty="0"/>
-                    </a:p>
-                  </a:txBody>
-                  <a:tcPr>
-                    <a:solidFill>
-                      <a:srgbClr val="DDDDDD"/>
-                    </a:solidFill>
-                  </a:tcPr>
-                </a:tc>
-                <a:tc>
-                  <a:txBody>
-                    <a:bodyPr/>
-                    <a:lstStyle/>
-                    <a:p>
-                      <a:pPr algn="ctr"/>
-                      <a:endParaRPr lang="en-US" dirty="0"/>
-                    </a:p>
-                  </a:txBody>
-                  <a:tcPr>
-                    <a:solidFill>
-                      <a:srgbClr val="DDDDDD"/>
-                    </a:solidFill>
-                  </a:tcPr>
-                </a:tc>
-                <a:tc>
-                  <a:txBody>
-                    <a:bodyPr/>
-                    <a:lstStyle/>
-                    <a:p>
-                      <a:pPr algn="ctr"/>
-                      <a:endParaRPr lang="en-US" dirty="0"/>
-                    </a:p>
-                  </a:txBody>
-                  <a:tcPr>
-                    <a:solidFill>
-                      <a:srgbClr val="DDDDDD"/>
-                    </a:solidFill>
-                  </a:tcPr>
-                </a:tc>
-                <a:tc>
-                  <a:txBody>
-                    <a:bodyPr/>
-                    <a:lstStyle/>
-                    <a:p>
-                      <a:pPr algn="ctr"/>
-                      <a:endParaRPr lang="en-US" dirty="0"/>
-                    </a:p>
-                  </a:txBody>
-                  <a:tcPr>
-                    <a:solidFill>
-                      <a:srgbClr val="DDDDDD"/>
-                    </a:solidFill>
-                  </a:tcPr>
-                </a:tc>
-                <a:tc>
-                  <a:txBody>
-                    <a:bodyPr/>
-                    <a:lstStyle/>
-                    <a:p>
-                      <a:pPr algn="ctr"/>
-                      <a:r>
-                        <a:rPr lang="en-US" dirty="0"/>
-                        <a:t>E</a:t>
-                      </a:r>
-                      <a:r>
-                        <a:rPr lang="en-US" baseline="-25000" dirty="0"/>
-                        <a:t>1</a:t>
-                      </a:r>
-                      <a:r>
-                        <a:rPr lang="en-US" dirty="0"/>
-                        <a:t>+E</a:t>
-                      </a:r>
-                      <a:r>
-                        <a:rPr lang="en-US" baseline="-25000" dirty="0"/>
-                        <a:t>2</a:t>
-                      </a:r>
-                      <a:endParaRPr lang="en-US" dirty="0"/>
-                    </a:p>
-                  </a:txBody>
-                  <a:tcPr>
-                    <a:solidFill>
-                      <a:srgbClr val="DDDDDD"/>
-                    </a:solidFill>
-                  </a:tcPr>
-                </a:tc>
-                <a:extLst>
-                  <a:ext uri="{0D108BD9-81ED-4DB2-BD59-A6C34878D82A}">
-                    <a16:rowId xmlns:a16="http://schemas.microsoft.com/office/drawing/2014/main" val="10003"/>
-                  </a:ext>
-                </a:extLst>
-              </a:tr>
-              <a:tr h="369100">
-                <a:tc>
-                  <a:txBody>
-                    <a:bodyPr/>
-                    <a:lstStyle/>
-                    <a:p>
-                      <a:pPr algn="ctr"/>
-                      <a:r>
-                        <a:rPr lang="en-US" dirty="0">
-                          <a:solidFill>
-                            <a:srgbClr val="003D62"/>
-                          </a:solidFill>
-                        </a:rPr>
-                        <a:t>3</a:t>
-                      </a:r>
-                    </a:p>
-                  </a:txBody>
-                  <a:tcPr>
-                    <a:lnR w="12700" cap="flat" cmpd="sng" algn="ctr">
-                      <a:solidFill>
-                        <a:scrgbClr r="0" g="0" b="0"/>
-                      </a:solidFill>
-                      <a:prstDash val="solid"/>
-                      <a:round/>
-                      <a:headEnd type="none" w="med" len="med"/>
-                      <a:tailEnd type="none" w="med" len="med"/>
-                    </a:lnR>
+                  </a:ln>
+                  <a:solidFill>
+                    <a:schemeClr val="tx1">
+                      <a:lumMod val="65000"/>
+                      <a:lumOff val="35000"/>
+                    </a:schemeClr>
+                  </a:solidFill>
+                  <a:effectLst/>
+                  <a:latin typeface="Arial" charset="0"/>
+                  <a:ea typeface="ＭＳ Ｐゴシック" pitchFamily="20" charset="-128"/>
+                </a:rPr>
+                <a:t>Register 3</a:t>
+              </a:r>
+              <a:endParaRPr kumimoji="0" lang="en-US" sz="2400" b="0" i="1" u="none" strike="noStrike" cap="none" normalizeH="0" baseline="-25000" dirty="0">
+                <a:ln>
+                  <a:noFill/>
+                </a:ln>
+                <a:solidFill>
+                  <a:schemeClr val="tx1">
+                    <a:lumMod val="65000"/>
+                    <a:lumOff val="35000"/>
+                  </a:schemeClr>
+                </a:solidFill>
+                <a:effectLst/>
+                <a:latin typeface="Arial" charset="0"/>
+                <a:ea typeface="ＭＳ Ｐゴシック" pitchFamily="20" charset="-128"/>
+              </a:endParaRPr>
+            </a:p>
+          </p:txBody>
+        </p:sp>
+        <p:sp>
+          <p:nvSpPr>
+            <p:cNvPr id="22" name="Rounded Rectangle 21">
+              <a:extLst>
+                <a:ext uri="{FF2B5EF4-FFF2-40B4-BE49-F238E27FC236}">
+                  <a16:creationId xmlns:a16="http://schemas.microsoft.com/office/drawing/2014/main" id="{1BF0F529-FA1D-531D-62F8-963BC9D45D92}"/>
+                </a:ext>
+              </a:extLst>
+            </p:cNvPr>
+            <p:cNvSpPr/>
+            <p:nvPr/>
+          </p:nvSpPr>
+          <p:spPr bwMode="auto">
+            <a:xfrm>
+              <a:off x="5939743" y="5156520"/>
+              <a:ext cx="2847100" cy="1269179"/>
+            </a:xfrm>
+            <a:prstGeom prst="roundRect">
+              <a:avLst/>
+            </a:prstGeom>
+            <a:noFill/>
+            <a:ln w="9525" cap="flat" cmpd="sng" algn="ctr">
+              <a:noFill/>
+              <a:prstDash val="solid"/>
+              <a:round/>
+              <a:headEnd type="none" w="med" len="med"/>
+              <a:tailEnd type="none" w="med" len="med"/>
+            </a:ln>
+            <a:effectLst/>
+          </p:spPr>
+          <p:txBody>
+            <a:bodyPr vert="horz" wrap="square" lIns="91440" tIns="45720" rIns="91440" bIns="45720" numCol="1" rtlCol="0" anchor="ctr" anchorCtr="0" compatLnSpc="1">
+              <a:prstTxWarp prst="textNoShape">
+                <a:avLst/>
+              </a:prstTxWarp>
+            </a:bodyPr>
+            <a:lstStyle/>
+            <a:p>
+              <a:pPr marL="0" marR="0" indent="0" algn="ctr" defTabSz="914400" rtl="0" eaLnBrk="0" fontAlgn="base" latinLnBrk="0" hangingPunct="0">
+                <a:lnSpc>
+                  <a:spcPct val="100000"/>
+                </a:lnSpc>
+                <a:spcBef>
+                  <a:spcPct val="0"/>
+                </a:spcBef>
+                <a:spcAft>
+                  <a:spcPct val="0"/>
+                </a:spcAft>
+                <a:buClrTx/>
+                <a:buSzTx/>
+                <a:buFontTx/>
+                <a:buNone/>
+                <a:tabLst/>
+              </a:pPr>
+              <a:r>
+                <a:rPr kumimoji="0" lang="en-US" sz="2400" b="0" u="none" strike="noStrike" cap="none" normalizeH="0" dirty="0">
+                  <a:ln>
                     <a:noFill/>
-                  </a:tcPr>
-                </a:tc>
-                <a:tc>
-                  <a:txBody>
-                    <a:bodyPr/>
-                    <a:lstStyle/>
-                    <a:p>
-                      <a:pPr algn="ctr"/>
-                      <a:r>
-                        <a:rPr lang="en-US" dirty="0"/>
-                        <a:t>3</a:t>
-                      </a:r>
-                    </a:p>
-                  </a:txBody>
-                  <a:tcPr>
-                    <a:lnL w="12700" cap="flat" cmpd="sng" algn="ctr">
-                      <a:solidFill>
-                        <a:scrgbClr r="0" g="0" b="0"/>
-                      </a:solidFill>
-                      <a:prstDash val="solid"/>
-                      <a:round/>
-                      <a:headEnd type="none" w="med" len="med"/>
-                      <a:tailEnd type="none" w="med" len="med"/>
-                    </a:lnL>
-                    <a:lnR w="12700" cap="flat" cmpd="sng" algn="ctr">
-                      <a:solidFill>
-                        <a:scrgbClr r="0" g="0" b="0"/>
-                      </a:solidFill>
-                      <a:prstDash val="solid"/>
-                      <a:round/>
-                      <a:headEnd type="none" w="med" len="med"/>
-                      <a:tailEnd type="none" w="med" len="med"/>
-                    </a:lnR>
-                    <a:lnT w="12700" cap="flat" cmpd="sng" algn="ctr">
-                      <a:solidFill>
-                        <a:scrgbClr r="0" g="0" b="0"/>
-                      </a:solidFill>
-                      <a:prstDash val="solid"/>
-                      <a:round/>
-                      <a:headEnd type="none" w="med" len="med"/>
-                      <a:tailEnd type="none" w="med" len="med"/>
-                    </a:lnT>
-                    <a:lnB w="12700" cap="flat" cmpd="sng" algn="ctr">
-                      <a:solidFill>
-                        <a:scrgbClr r="0" g="0" b="0"/>
-                      </a:solidFill>
-                      <a:prstDash val="solid"/>
-                      <a:round/>
-                      <a:headEnd type="none" w="med" len="med"/>
-                      <a:tailEnd type="none" w="med" len="med"/>
-                    </a:lnB>
-                    <a:solidFill>
-                      <a:srgbClr val="A6A6A6"/>
-                    </a:solidFill>
-                  </a:tcPr>
-                </a:tc>
-                <a:tc>
-                  <a:txBody>
-                    <a:bodyPr/>
-                    <a:lstStyle/>
-                    <a:p>
-                      <a:pPr algn="ctr"/>
-                      <a:r>
-                        <a:rPr lang="en-US" dirty="0"/>
-                        <a:t>4</a:t>
-                      </a:r>
-                    </a:p>
-                  </a:txBody>
-                  <a:tcPr>
-                    <a:lnL w="12700" cap="flat" cmpd="sng" algn="ctr">
-                      <a:solidFill>
-                        <a:scrgbClr r="0" g="0" b="0"/>
-                      </a:solidFill>
-                      <a:prstDash val="solid"/>
-                      <a:round/>
-                      <a:headEnd type="none" w="med" len="med"/>
-                      <a:tailEnd type="none" w="med" len="med"/>
-                    </a:lnL>
-                    <a:lnR w="12700" cap="flat" cmpd="sng" algn="ctr">
-                      <a:solidFill>
-                        <a:scrgbClr r="0" g="0" b="0"/>
-                      </a:solidFill>
-                      <a:prstDash val="solid"/>
-                      <a:round/>
-                      <a:headEnd type="none" w="med" len="med"/>
-                      <a:tailEnd type="none" w="med" len="med"/>
-                    </a:lnR>
-                    <a:lnT w="12700" cap="flat" cmpd="sng" algn="ctr">
-                      <a:solidFill>
-                        <a:scrgbClr r="0" g="0" b="0"/>
-                      </a:solidFill>
-                      <a:prstDash val="solid"/>
-                      <a:round/>
-                      <a:headEnd type="none" w="med" len="med"/>
-                      <a:tailEnd type="none" w="med" len="med"/>
-                    </a:lnT>
-                    <a:lnB w="12700" cap="flat" cmpd="sng" algn="ctr">
-                      <a:solidFill>
-                        <a:scrgbClr r="0" g="0" b="0"/>
-                      </a:solidFill>
-                      <a:prstDash val="solid"/>
-                      <a:round/>
-                      <a:headEnd type="none" w="med" len="med"/>
-                      <a:tailEnd type="none" w="med" len="med"/>
-                    </a:lnB>
-                    <a:solidFill>
-                      <a:srgbClr val="A6A6A6"/>
-                    </a:solidFill>
-                  </a:tcPr>
-                </a:tc>
-                <a:tc>
-                  <a:txBody>
-                    <a:bodyPr/>
-                    <a:lstStyle/>
-                    <a:p>
-                      <a:pPr algn="ctr"/>
-                      <a:r>
-                        <a:rPr lang="en-US" dirty="0"/>
-                        <a:t>5</a:t>
-                      </a:r>
-                    </a:p>
-                  </a:txBody>
-                  <a:tcPr>
-                    <a:lnL w="12700" cap="flat" cmpd="sng" algn="ctr">
-                      <a:solidFill>
-                        <a:scrgbClr r="0" g="0" b="0"/>
-                      </a:solidFill>
-                      <a:prstDash val="solid"/>
-                      <a:round/>
-                      <a:headEnd type="none" w="med" len="med"/>
-                      <a:tailEnd type="none" w="med" len="med"/>
-                    </a:lnL>
-                    <a:lnR w="12700" cap="flat" cmpd="sng" algn="ctr">
-                      <a:solidFill>
-                        <a:scrgbClr r="0" g="0" b="0"/>
-                      </a:solidFill>
-                      <a:prstDash val="solid"/>
-                      <a:round/>
-                      <a:headEnd type="none" w="med" len="med"/>
-                      <a:tailEnd type="none" w="med" len="med"/>
-                    </a:lnR>
-                    <a:lnT w="12700" cap="flat" cmpd="sng" algn="ctr">
-                      <a:solidFill>
-                        <a:scrgbClr r="0" g="0" b="0"/>
-                      </a:solidFill>
-                      <a:prstDash val="solid"/>
-                      <a:round/>
-                      <a:headEnd type="none" w="med" len="med"/>
-                      <a:tailEnd type="none" w="med" len="med"/>
-                    </a:lnT>
-                    <a:lnB w="12700" cap="flat" cmpd="sng" algn="ctr">
-                      <a:solidFill>
-                        <a:scrgbClr r="0" g="0" b="0"/>
-                      </a:solidFill>
-                      <a:prstDash val="solid"/>
-                      <a:round/>
-                      <a:headEnd type="none" w="med" len="med"/>
-                      <a:tailEnd type="none" w="med" len="med"/>
-                    </a:lnB>
-                    <a:solidFill>
-                      <a:srgbClr val="A6A6A6"/>
-                    </a:solidFill>
-                  </a:tcPr>
-                </a:tc>
-                <a:tc>
-                  <a:txBody>
-                    <a:bodyPr/>
-                    <a:lstStyle/>
-                    <a:p>
-                      <a:pPr algn="ctr"/>
-                      <a:endParaRPr lang="en-US" dirty="0"/>
-                    </a:p>
-                  </a:txBody>
-                  <a:tcPr>
-                    <a:lnL w="12700" cap="flat" cmpd="sng" algn="ctr">
-                      <a:solidFill>
-                        <a:scrgbClr r="0" g="0" b="0"/>
-                      </a:solidFill>
-                      <a:prstDash val="solid"/>
-                      <a:round/>
-                      <a:headEnd type="none" w="med" len="med"/>
-                      <a:tailEnd type="none" w="med" len="med"/>
-                    </a:lnL>
-                    <a:lnB w="12700" cap="flat" cmpd="sng" algn="ctr">
-                      <a:solidFill>
-                        <a:scrgbClr r="0" g="0" b="0"/>
-                      </a:solidFill>
-                      <a:prstDash val="solid"/>
-                      <a:round/>
-                      <a:headEnd type="none" w="med" len="med"/>
-                      <a:tailEnd type="none" w="med" len="med"/>
-                    </a:lnB>
-                    <a:solidFill>
-                      <a:srgbClr val="DDDDDD"/>
-                    </a:solidFill>
-                  </a:tcPr>
-                </a:tc>
-                <a:tc>
-                  <a:txBody>
-                    <a:bodyPr/>
-                    <a:lstStyle/>
-                    <a:p>
-                      <a:pPr algn="ctr"/>
-                      <a:endParaRPr lang="en-US" dirty="0"/>
-                    </a:p>
-                  </a:txBody>
-                  <a:tcPr>
-                    <a:solidFill>
-                      <a:srgbClr val="DDDDDD"/>
-                    </a:solidFill>
-                  </a:tcPr>
-                </a:tc>
-                <a:tc>
-                  <a:txBody>
-                    <a:bodyPr/>
-                    <a:lstStyle/>
-                    <a:p>
-                      <a:pPr algn="ctr"/>
-                      <a:endParaRPr lang="en-US" dirty="0"/>
-                    </a:p>
-                  </a:txBody>
-                  <a:tcPr>
-                    <a:solidFill>
-                      <a:srgbClr val="DDDDDD"/>
-                    </a:solidFill>
-                  </a:tcPr>
-                </a:tc>
-                <a:tc>
-                  <a:txBody>
-                    <a:bodyPr/>
-                    <a:lstStyle/>
-                    <a:p>
-                      <a:pPr algn="ctr"/>
-                      <a:endParaRPr lang="en-US" dirty="0"/>
-                    </a:p>
-                  </a:txBody>
-                  <a:tcPr>
-                    <a:solidFill>
-                      <a:srgbClr val="DDDDDD"/>
-                    </a:solidFill>
-                  </a:tcPr>
-                </a:tc>
-                <a:tc>
-                  <a:txBody>
-                    <a:bodyPr/>
-                    <a:lstStyle/>
-                    <a:p>
-                      <a:pPr marL="0" marR="0" indent="0" algn="ctr" defTabSz="457200" rtl="0" eaLnBrk="1" fontAlgn="auto" latinLnBrk="0" hangingPunct="1">
-                        <a:lnSpc>
-                          <a:spcPct val="100000"/>
-                        </a:lnSpc>
-                        <a:spcBef>
-                          <a:spcPts val="0"/>
-                        </a:spcBef>
-                        <a:spcAft>
-                          <a:spcPts val="0"/>
-                        </a:spcAft>
-                        <a:buClrTx/>
-                        <a:buSzTx/>
-                        <a:buFontTx/>
-                        <a:buNone/>
-                        <a:tabLst/>
-                        <a:defRPr/>
-                      </a:pPr>
-                      <a:r>
-                        <a:rPr lang="en-US" dirty="0"/>
-                        <a:t>E</a:t>
-                      </a:r>
-                      <a:r>
-                        <a:rPr lang="en-US" baseline="-25000" dirty="0"/>
-                        <a:t>3</a:t>
-                      </a:r>
-                      <a:r>
-                        <a:rPr lang="en-US" dirty="0"/>
-                        <a:t>+E</a:t>
-                      </a:r>
-                      <a:r>
-                        <a:rPr lang="en-US" baseline="-25000" dirty="0"/>
-                        <a:t>4</a:t>
-                      </a:r>
-                      <a:r>
-                        <a:rPr lang="en-US" dirty="0"/>
-                        <a:t>+E</a:t>
-                      </a:r>
-                      <a:r>
-                        <a:rPr lang="en-US" baseline="-25000" dirty="0"/>
-                        <a:t>5</a:t>
-                      </a:r>
-                      <a:endParaRPr lang="en-US" dirty="0"/>
-                    </a:p>
-                  </a:txBody>
-                  <a:tcPr>
-                    <a:solidFill>
-                      <a:srgbClr val="DDDDDD"/>
-                    </a:solidFill>
-                  </a:tcPr>
-                </a:tc>
-                <a:extLst>
-                  <a:ext uri="{0D108BD9-81ED-4DB2-BD59-A6C34878D82A}">
-                    <a16:rowId xmlns:a16="http://schemas.microsoft.com/office/drawing/2014/main" val="10004"/>
-                  </a:ext>
-                </a:extLst>
-              </a:tr>
-              <a:tr h="369100">
-                <a:tc>
-                  <a:txBody>
-                    <a:bodyPr/>
-                    <a:lstStyle/>
-                    <a:p>
-                      <a:pPr algn="ctr"/>
-                      <a:r>
-                        <a:rPr lang="en-US" dirty="0">
-                          <a:solidFill>
-                            <a:srgbClr val="003D62"/>
-                          </a:solidFill>
-                        </a:rPr>
-                        <a:t>4</a:t>
-                      </a:r>
-                    </a:p>
-                  </a:txBody>
-                  <a:tcPr>
-                    <a:lnR w="12700" cap="flat" cmpd="sng" algn="ctr">
-                      <a:solidFill>
-                        <a:scrgbClr r="0" g="0" b="0"/>
-                      </a:solidFill>
-                      <a:prstDash val="solid"/>
-                      <a:round/>
-                      <a:headEnd type="none" w="med" len="med"/>
-                      <a:tailEnd type="none" w="med" len="med"/>
-                    </a:lnR>
-                    <a:noFill/>
-                  </a:tcPr>
-                </a:tc>
-                <a:tc>
-                  <a:txBody>
-                    <a:bodyPr/>
-                    <a:lstStyle/>
-                    <a:p>
-                      <a:pPr algn="ctr"/>
-                      <a:r>
-                        <a:rPr lang="en-US" dirty="0"/>
-                        <a:t>6</a:t>
-                      </a:r>
-                    </a:p>
-                  </a:txBody>
-                  <a:tcPr>
-                    <a:lnL w="12700" cap="flat" cmpd="sng" algn="ctr">
-                      <a:solidFill>
-                        <a:scrgbClr r="0" g="0" b="0"/>
-                      </a:solidFill>
-                      <a:prstDash val="solid"/>
-                      <a:round/>
-                      <a:headEnd type="none" w="med" len="med"/>
-                      <a:tailEnd type="none" w="med" len="med"/>
-                    </a:lnL>
-                    <a:lnR w="12700" cap="flat" cmpd="sng" algn="ctr">
-                      <a:solidFill>
-                        <a:scrgbClr r="0" g="0" b="0"/>
-                      </a:solidFill>
-                      <a:prstDash val="solid"/>
-                      <a:round/>
-                      <a:headEnd type="none" w="med" len="med"/>
-                      <a:tailEnd type="none" w="med" len="med"/>
-                    </a:lnR>
-                    <a:lnT w="12700" cap="flat" cmpd="sng" algn="ctr">
-                      <a:solidFill>
-                        <a:scrgbClr r="0" g="0" b="0"/>
-                      </a:solidFill>
-                      <a:prstDash val="solid"/>
-                      <a:round/>
-                      <a:headEnd type="none" w="med" len="med"/>
-                      <a:tailEnd type="none" w="med" len="med"/>
-                    </a:lnT>
-                    <a:lnB w="12700" cap="flat" cmpd="sng" algn="ctr">
-                      <a:solidFill>
-                        <a:scrgbClr r="0" g="0" b="0"/>
-                      </a:solidFill>
-                      <a:prstDash val="solid"/>
-                      <a:round/>
-                      <a:headEnd type="none" w="med" len="med"/>
-                      <a:tailEnd type="none" w="med" len="med"/>
-                    </a:lnB>
-                    <a:solidFill>
-                      <a:srgbClr val="FF7C10"/>
-                    </a:solidFill>
-                  </a:tcPr>
-                </a:tc>
-                <a:tc>
-                  <a:txBody>
-                    <a:bodyPr/>
-                    <a:lstStyle/>
-                    <a:p>
-                      <a:pPr algn="ctr"/>
-                      <a:r>
-                        <a:rPr lang="en-US" dirty="0"/>
-                        <a:t>7</a:t>
-                      </a:r>
-                    </a:p>
-                  </a:txBody>
-                  <a:tcPr>
-                    <a:lnL w="12700" cap="flat" cmpd="sng" algn="ctr">
-                      <a:solidFill>
-                        <a:scrgbClr r="0" g="0" b="0"/>
-                      </a:solidFill>
-                      <a:prstDash val="solid"/>
-                      <a:round/>
-                      <a:headEnd type="none" w="med" len="med"/>
-                      <a:tailEnd type="none" w="med" len="med"/>
-                    </a:lnL>
-                    <a:lnR w="12700" cap="flat" cmpd="sng" algn="ctr">
-                      <a:solidFill>
-                        <a:scrgbClr r="0" g="0" b="0"/>
-                      </a:solidFill>
-                      <a:prstDash val="solid"/>
-                      <a:round/>
-                      <a:headEnd type="none" w="med" len="med"/>
-                      <a:tailEnd type="none" w="med" len="med"/>
-                    </a:lnR>
-                    <a:lnT w="12700" cap="flat" cmpd="sng" algn="ctr">
-                      <a:solidFill>
-                        <a:scrgbClr r="0" g="0" b="0"/>
-                      </a:solidFill>
-                      <a:prstDash val="solid"/>
-                      <a:round/>
-                      <a:headEnd type="none" w="med" len="med"/>
-                      <a:tailEnd type="none" w="med" len="med"/>
-                    </a:lnT>
-                    <a:lnB w="12700" cap="flat" cmpd="sng" algn="ctr">
-                      <a:solidFill>
-                        <a:scrgbClr r="0" g="0" b="0"/>
-                      </a:solidFill>
-                      <a:prstDash val="solid"/>
-                      <a:round/>
-                      <a:headEnd type="none" w="med" len="med"/>
-                      <a:tailEnd type="none" w="med" len="med"/>
-                    </a:lnB>
-                    <a:solidFill>
-                      <a:srgbClr val="FF7C10"/>
-                    </a:solidFill>
-                  </a:tcPr>
-                </a:tc>
-                <a:tc>
-                  <a:txBody>
-                    <a:bodyPr/>
-                    <a:lstStyle/>
-                    <a:p>
-                      <a:pPr algn="ctr"/>
-                      <a:r>
-                        <a:rPr lang="en-US" dirty="0"/>
-                        <a:t>8</a:t>
-                      </a:r>
-                    </a:p>
-                  </a:txBody>
-                  <a:tcPr>
-                    <a:lnL w="12700" cap="flat" cmpd="sng" algn="ctr">
-                      <a:solidFill>
-                        <a:scrgbClr r="0" g="0" b="0"/>
-                      </a:solidFill>
-                      <a:prstDash val="solid"/>
-                      <a:round/>
-                      <a:headEnd type="none" w="med" len="med"/>
-                      <a:tailEnd type="none" w="med" len="med"/>
-                    </a:lnL>
-                    <a:lnR w="12700" cap="flat" cmpd="sng" algn="ctr">
-                      <a:solidFill>
-                        <a:scrgbClr r="0" g="0" b="0"/>
-                      </a:solidFill>
-                      <a:prstDash val="solid"/>
-                      <a:round/>
-                      <a:headEnd type="none" w="med" len="med"/>
-                      <a:tailEnd type="none" w="med" len="med"/>
-                    </a:lnR>
-                    <a:lnT w="12700" cap="flat" cmpd="sng" algn="ctr">
-                      <a:solidFill>
-                        <a:scrgbClr r="0" g="0" b="0"/>
-                      </a:solidFill>
-                      <a:prstDash val="solid"/>
-                      <a:round/>
-                      <a:headEnd type="none" w="med" len="med"/>
-                      <a:tailEnd type="none" w="med" len="med"/>
-                    </a:lnT>
-                    <a:lnB w="12700" cap="flat" cmpd="sng" algn="ctr">
-                      <a:solidFill>
-                        <a:scrgbClr r="0" g="0" b="0"/>
-                      </a:solidFill>
-                      <a:prstDash val="solid"/>
-                      <a:round/>
-                      <a:headEnd type="none" w="med" len="med"/>
-                      <a:tailEnd type="none" w="med" len="med"/>
-                    </a:lnB>
-                    <a:solidFill>
-                      <a:srgbClr val="FF7C10"/>
-                    </a:solidFill>
-                  </a:tcPr>
-                </a:tc>
-                <a:tc>
-                  <a:txBody>
-                    <a:bodyPr/>
-                    <a:lstStyle/>
-                    <a:p>
-                      <a:pPr algn="ctr"/>
-                      <a:r>
-                        <a:rPr lang="en-US" dirty="0"/>
-                        <a:t>9</a:t>
-                      </a:r>
-                    </a:p>
-                  </a:txBody>
-                  <a:tcPr>
-                    <a:lnL w="12700" cap="flat" cmpd="sng" algn="ctr">
-                      <a:solidFill>
-                        <a:scrgbClr r="0" g="0" b="0"/>
-                      </a:solidFill>
-                      <a:prstDash val="solid"/>
-                      <a:round/>
-                      <a:headEnd type="none" w="med" len="med"/>
-                      <a:tailEnd type="none" w="med" len="med"/>
-                    </a:lnL>
-                    <a:lnR w="12700" cap="flat" cmpd="sng" algn="ctr">
-                      <a:solidFill>
-                        <a:scrgbClr r="0" g="0" b="0"/>
-                      </a:solidFill>
-                      <a:prstDash val="solid"/>
-                      <a:round/>
-                      <a:headEnd type="none" w="med" len="med"/>
-                      <a:tailEnd type="none" w="med" len="med"/>
-                    </a:lnR>
-                    <a:lnT w="12700" cap="flat" cmpd="sng" algn="ctr">
-                      <a:solidFill>
-                        <a:scrgbClr r="0" g="0" b="0"/>
-                      </a:solidFill>
-                      <a:prstDash val="solid"/>
-                      <a:round/>
-                      <a:headEnd type="none" w="med" len="med"/>
-                      <a:tailEnd type="none" w="med" len="med"/>
-                    </a:lnT>
-                    <a:lnB w="12700" cap="flat" cmpd="sng" algn="ctr">
-                      <a:solidFill>
-                        <a:scrgbClr r="0" g="0" b="0"/>
-                      </a:solidFill>
-                      <a:prstDash val="solid"/>
-                      <a:round/>
-                      <a:headEnd type="none" w="med" len="med"/>
-                      <a:tailEnd type="none" w="med" len="med"/>
-                    </a:lnB>
-                    <a:solidFill>
-                      <a:srgbClr val="FF7C10"/>
-                    </a:solidFill>
-                  </a:tcPr>
-                </a:tc>
-                <a:tc>
-                  <a:txBody>
-                    <a:bodyPr/>
-                    <a:lstStyle/>
-                    <a:p>
-                      <a:pPr algn="ctr"/>
-                      <a:endParaRPr lang="en-US" dirty="0"/>
-                    </a:p>
-                  </a:txBody>
-                  <a:tcPr>
-                    <a:lnL w="12700" cap="flat" cmpd="sng" algn="ctr">
-                      <a:solidFill>
-                        <a:scrgbClr r="0" g="0" b="0"/>
-                      </a:solidFill>
-                      <a:prstDash val="solid"/>
-                      <a:round/>
-                      <a:headEnd type="none" w="med" len="med"/>
-                      <a:tailEnd type="none" w="med" len="med"/>
-                    </a:lnL>
-                    <a:lnB w="12700" cap="flat" cmpd="sng" algn="ctr">
-                      <a:solidFill>
-                        <a:scrgbClr r="0" g="0" b="0"/>
-                      </a:solidFill>
-                      <a:prstDash val="solid"/>
-                      <a:round/>
-                      <a:headEnd type="none" w="med" len="med"/>
-                      <a:tailEnd type="none" w="med" len="med"/>
-                    </a:lnB>
-                    <a:solidFill>
-                      <a:srgbClr val="DDDDDD"/>
-                    </a:solidFill>
-                  </a:tcPr>
-                </a:tc>
-                <a:tc>
-                  <a:txBody>
-                    <a:bodyPr/>
-                    <a:lstStyle/>
-                    <a:p>
-                      <a:pPr algn="ctr"/>
-                      <a:endParaRPr lang="en-US" dirty="0"/>
-                    </a:p>
-                  </a:txBody>
-                  <a:tcPr>
-                    <a:solidFill>
-                      <a:srgbClr val="DDDDDD"/>
-                    </a:solidFill>
-                  </a:tcPr>
-                </a:tc>
-                <a:tc>
-                  <a:txBody>
-                    <a:bodyPr/>
-                    <a:lstStyle/>
-                    <a:p>
-                      <a:pPr algn="ctr"/>
-                      <a:endParaRPr lang="en-US" dirty="0"/>
-                    </a:p>
-                  </a:txBody>
-                  <a:tcPr>
-                    <a:solidFill>
-                      <a:srgbClr val="DDDDDD"/>
-                    </a:solidFill>
-                  </a:tcPr>
-                </a:tc>
-                <a:tc>
-                  <a:txBody>
-                    <a:bodyPr/>
-                    <a:lstStyle/>
-                    <a:p>
-                      <a:pPr marL="0" marR="0" indent="0" algn="ctr" defTabSz="457200" rtl="0" eaLnBrk="1" fontAlgn="auto" latinLnBrk="0" hangingPunct="1">
-                        <a:lnSpc>
-                          <a:spcPct val="100000"/>
-                        </a:lnSpc>
-                        <a:spcBef>
-                          <a:spcPts val="0"/>
-                        </a:spcBef>
-                        <a:spcAft>
-                          <a:spcPts val="0"/>
-                        </a:spcAft>
-                        <a:buClrTx/>
-                        <a:buSzTx/>
-                        <a:buFontTx/>
-                        <a:buNone/>
-                        <a:tabLst/>
-                        <a:defRPr/>
-                      </a:pPr>
-                      <a:r>
-                        <a:rPr lang="en-US" dirty="0"/>
-                        <a:t>E</a:t>
-                      </a:r>
-                      <a:r>
-                        <a:rPr lang="en-US" baseline="-25000" dirty="0"/>
-                        <a:t>6</a:t>
-                      </a:r>
-                      <a:r>
-                        <a:rPr lang="en-US" dirty="0"/>
-                        <a:t>+…+E</a:t>
-                      </a:r>
-                      <a:r>
-                        <a:rPr lang="en-US" baseline="-25000" dirty="0"/>
-                        <a:t>9</a:t>
-                      </a:r>
-                      <a:endParaRPr lang="en-US" dirty="0"/>
-                    </a:p>
-                  </a:txBody>
-                  <a:tcPr>
-                    <a:solidFill>
-                      <a:srgbClr val="FF7C10"/>
-                    </a:solidFill>
-                  </a:tcPr>
-                </a:tc>
-                <a:extLst>
-                  <a:ext uri="{0D108BD9-81ED-4DB2-BD59-A6C34878D82A}">
-                    <a16:rowId xmlns:a16="http://schemas.microsoft.com/office/drawing/2014/main" val="10005"/>
-                  </a:ext>
-                </a:extLst>
-              </a:tr>
-              <a:tr h="369100">
-                <a:tc>
-                  <a:txBody>
-                    <a:bodyPr/>
-                    <a:lstStyle/>
-                    <a:p>
-                      <a:pPr algn="ctr"/>
-                      <a:r>
-                        <a:rPr lang="en-US" dirty="0">
-                          <a:solidFill>
-                            <a:srgbClr val="003D62"/>
-                          </a:solidFill>
-                        </a:rPr>
-                        <a:t>5</a:t>
-                      </a:r>
-                    </a:p>
-                  </a:txBody>
-                  <a:tcPr>
-                    <a:lnR w="12700" cap="flat" cmpd="sng" algn="ctr">
-                      <a:solidFill>
-                        <a:scrgbClr r="0" g="0" b="0"/>
-                      </a:solidFill>
-                      <a:prstDash val="solid"/>
-                      <a:round/>
-                      <a:headEnd type="none" w="med" len="med"/>
-                      <a:tailEnd type="none" w="med" len="med"/>
-                    </a:lnR>
-                    <a:noFill/>
-                  </a:tcPr>
-                </a:tc>
-                <a:tc>
-                  <a:txBody>
-                    <a:bodyPr/>
-                    <a:lstStyle/>
-                    <a:p>
-                      <a:pPr algn="ctr"/>
-                      <a:r>
-                        <a:rPr lang="en-US" dirty="0"/>
-                        <a:t>10</a:t>
-                      </a:r>
-                    </a:p>
-                  </a:txBody>
-                  <a:tcPr>
-                    <a:lnL w="12700" cap="flat" cmpd="sng" algn="ctr">
-                      <a:solidFill>
-                        <a:scrgbClr r="0" g="0" b="0"/>
-                      </a:solidFill>
-                      <a:prstDash val="solid"/>
-                      <a:round/>
-                      <a:headEnd type="none" w="med" len="med"/>
-                      <a:tailEnd type="none" w="med" len="med"/>
-                    </a:lnL>
-                    <a:lnR w="12700" cap="flat" cmpd="sng" algn="ctr">
-                      <a:solidFill>
-                        <a:scrgbClr r="0" g="0" b="0"/>
-                      </a:solidFill>
-                      <a:prstDash val="solid"/>
-                      <a:round/>
-                      <a:headEnd type="none" w="med" len="med"/>
-                      <a:tailEnd type="none" w="med" len="med"/>
-                    </a:lnR>
-                    <a:lnT w="12700" cap="flat" cmpd="sng" algn="ctr">
-                      <a:solidFill>
-                        <a:scrgbClr r="0" g="0" b="0"/>
-                      </a:solidFill>
-                      <a:prstDash val="solid"/>
-                      <a:round/>
-                      <a:headEnd type="none" w="med" len="med"/>
-                      <a:tailEnd type="none" w="med" len="med"/>
-                    </a:lnT>
-                    <a:lnB w="12700" cap="flat" cmpd="sng" algn="ctr">
-                      <a:solidFill>
-                        <a:scrgbClr r="0" g="0" b="0"/>
-                      </a:solidFill>
-                      <a:prstDash val="solid"/>
-                      <a:round/>
-                      <a:headEnd type="none" w="med" len="med"/>
-                      <a:tailEnd type="none" w="med" len="med"/>
-                    </a:lnB>
-                    <a:solidFill>
-                      <a:srgbClr val="A6A6A6"/>
-                    </a:solidFill>
-                  </a:tcPr>
-                </a:tc>
-                <a:tc>
-                  <a:txBody>
-                    <a:bodyPr/>
-                    <a:lstStyle/>
-                    <a:p>
-                      <a:pPr algn="ctr"/>
-                      <a:r>
-                        <a:rPr lang="en-US" dirty="0"/>
-                        <a:t>11</a:t>
-                      </a:r>
-                    </a:p>
-                  </a:txBody>
-                  <a:tcPr>
-                    <a:lnL w="12700" cap="flat" cmpd="sng" algn="ctr">
-                      <a:solidFill>
-                        <a:scrgbClr r="0" g="0" b="0"/>
-                      </a:solidFill>
-                      <a:prstDash val="solid"/>
-                      <a:round/>
-                      <a:headEnd type="none" w="med" len="med"/>
-                      <a:tailEnd type="none" w="med" len="med"/>
-                    </a:lnL>
-                    <a:lnR w="12700" cap="flat" cmpd="sng" algn="ctr">
-                      <a:solidFill>
-                        <a:scrgbClr r="0" g="0" b="0"/>
-                      </a:solidFill>
-                      <a:prstDash val="solid"/>
-                      <a:round/>
-                      <a:headEnd type="none" w="med" len="med"/>
-                      <a:tailEnd type="none" w="med" len="med"/>
-                    </a:lnR>
-                    <a:lnT w="12700" cap="flat" cmpd="sng" algn="ctr">
-                      <a:solidFill>
-                        <a:scrgbClr r="0" g="0" b="0"/>
-                      </a:solidFill>
-                      <a:prstDash val="solid"/>
-                      <a:round/>
-                      <a:headEnd type="none" w="med" len="med"/>
-                      <a:tailEnd type="none" w="med" len="med"/>
-                    </a:lnT>
-                    <a:lnB w="12700" cap="flat" cmpd="sng" algn="ctr">
-                      <a:solidFill>
-                        <a:scrgbClr r="0" g="0" b="0"/>
-                      </a:solidFill>
-                      <a:prstDash val="solid"/>
-                      <a:round/>
-                      <a:headEnd type="none" w="med" len="med"/>
-                      <a:tailEnd type="none" w="med" len="med"/>
-                    </a:lnB>
-                    <a:solidFill>
-                      <a:srgbClr val="A6A6A6"/>
-                    </a:solidFill>
-                  </a:tcPr>
-                </a:tc>
-                <a:tc>
-                  <a:txBody>
-                    <a:bodyPr/>
-                    <a:lstStyle/>
-                    <a:p>
-                      <a:pPr algn="ctr"/>
-                      <a:r>
-                        <a:rPr lang="en-US" dirty="0"/>
-                        <a:t>12</a:t>
-                      </a:r>
-                    </a:p>
-                  </a:txBody>
-                  <a:tcPr>
-                    <a:lnL w="12700" cap="flat" cmpd="sng" algn="ctr">
-                      <a:solidFill>
-                        <a:scrgbClr r="0" g="0" b="0"/>
-                      </a:solidFill>
-                      <a:prstDash val="solid"/>
-                      <a:round/>
-                      <a:headEnd type="none" w="med" len="med"/>
-                      <a:tailEnd type="none" w="med" len="med"/>
-                    </a:lnL>
-                    <a:lnR w="12700" cap="flat" cmpd="sng" algn="ctr">
-                      <a:solidFill>
-                        <a:scrgbClr r="0" g="0" b="0"/>
-                      </a:solidFill>
-                      <a:prstDash val="solid"/>
-                      <a:round/>
-                      <a:headEnd type="none" w="med" len="med"/>
-                      <a:tailEnd type="none" w="med" len="med"/>
-                    </a:lnR>
-                    <a:lnT w="12700" cap="flat" cmpd="sng" algn="ctr">
-                      <a:solidFill>
-                        <a:scrgbClr r="0" g="0" b="0"/>
-                      </a:solidFill>
-                      <a:prstDash val="solid"/>
-                      <a:round/>
-                      <a:headEnd type="none" w="med" len="med"/>
-                      <a:tailEnd type="none" w="med" len="med"/>
-                    </a:lnT>
-                    <a:lnB w="12700" cap="flat" cmpd="sng" algn="ctr">
-                      <a:solidFill>
-                        <a:scrgbClr r="0" g="0" b="0"/>
-                      </a:solidFill>
-                      <a:prstDash val="solid"/>
-                      <a:round/>
-                      <a:headEnd type="none" w="med" len="med"/>
-                      <a:tailEnd type="none" w="med" len="med"/>
-                    </a:lnB>
-                    <a:solidFill>
-                      <a:srgbClr val="A6A6A6"/>
-                    </a:solidFill>
-                  </a:tcPr>
-                </a:tc>
-                <a:tc>
-                  <a:txBody>
-                    <a:bodyPr/>
-                    <a:lstStyle/>
-                    <a:p>
-                      <a:pPr algn="ctr"/>
-                      <a:r>
-                        <a:rPr lang="en-US" dirty="0"/>
-                        <a:t>13</a:t>
-                      </a:r>
-                    </a:p>
-                  </a:txBody>
-                  <a:tcPr>
-                    <a:lnL w="12700" cap="flat" cmpd="sng" algn="ctr">
-                      <a:solidFill>
-                        <a:scrgbClr r="0" g="0" b="0"/>
-                      </a:solidFill>
-                      <a:prstDash val="solid"/>
-                      <a:round/>
-                      <a:headEnd type="none" w="med" len="med"/>
-                      <a:tailEnd type="none" w="med" len="med"/>
-                    </a:lnL>
-                    <a:lnR w="12700" cap="flat" cmpd="sng" algn="ctr">
-                      <a:solidFill>
-                        <a:scrgbClr r="0" g="0" b="0"/>
-                      </a:solidFill>
-                      <a:prstDash val="solid"/>
-                      <a:round/>
-                      <a:headEnd type="none" w="med" len="med"/>
-                      <a:tailEnd type="none" w="med" len="med"/>
-                    </a:lnR>
-                    <a:lnT w="12700" cap="flat" cmpd="sng" algn="ctr">
-                      <a:solidFill>
-                        <a:scrgbClr r="0" g="0" b="0"/>
-                      </a:solidFill>
-                      <a:prstDash val="solid"/>
-                      <a:round/>
-                      <a:headEnd type="none" w="med" len="med"/>
-                      <a:tailEnd type="none" w="med" len="med"/>
-                    </a:lnT>
-                    <a:lnB w="12700" cap="flat" cmpd="sng" algn="ctr">
-                      <a:solidFill>
-                        <a:scrgbClr r="0" g="0" b="0"/>
-                      </a:solidFill>
-                      <a:prstDash val="solid"/>
-                      <a:round/>
-                      <a:headEnd type="none" w="med" len="med"/>
-                      <a:tailEnd type="none" w="med" len="med"/>
-                    </a:lnB>
-                    <a:solidFill>
-                      <a:srgbClr val="A6A6A6"/>
-                    </a:solidFill>
-                  </a:tcPr>
-                </a:tc>
-                <a:tc>
-                  <a:txBody>
-                    <a:bodyPr/>
-                    <a:lstStyle/>
-                    <a:p>
-                      <a:pPr algn="ctr"/>
-                      <a:r>
-                        <a:rPr lang="en-US" dirty="0"/>
-                        <a:t>14</a:t>
-                      </a:r>
-                    </a:p>
-                  </a:txBody>
-                  <a:tcPr>
-                    <a:lnL w="12700" cap="flat" cmpd="sng" algn="ctr">
-                      <a:solidFill>
-                        <a:scrgbClr r="0" g="0" b="0"/>
-                      </a:solidFill>
-                      <a:prstDash val="solid"/>
-                      <a:round/>
-                      <a:headEnd type="none" w="med" len="med"/>
-                      <a:tailEnd type="none" w="med" len="med"/>
-                    </a:lnL>
-                    <a:lnR w="12700" cap="flat" cmpd="sng" algn="ctr">
-                      <a:solidFill>
-                        <a:scrgbClr r="0" g="0" b="0"/>
-                      </a:solidFill>
-                      <a:prstDash val="solid"/>
-                      <a:round/>
-                      <a:headEnd type="none" w="med" len="med"/>
-                      <a:tailEnd type="none" w="med" len="med"/>
-                    </a:lnR>
-                    <a:lnT w="12700" cap="flat" cmpd="sng" algn="ctr">
-                      <a:solidFill>
-                        <a:scrgbClr r="0" g="0" b="0"/>
-                      </a:solidFill>
-                      <a:prstDash val="solid"/>
-                      <a:round/>
-                      <a:headEnd type="none" w="med" len="med"/>
-                      <a:tailEnd type="none" w="med" len="med"/>
-                    </a:lnT>
-                    <a:lnB w="12700" cap="flat" cmpd="sng" algn="ctr">
-                      <a:solidFill>
-                        <a:scrgbClr r="0" g="0" b="0"/>
-                      </a:solidFill>
-                      <a:prstDash val="solid"/>
-                      <a:round/>
-                      <a:headEnd type="none" w="med" len="med"/>
-                      <a:tailEnd type="none" w="med" len="med"/>
-                    </a:lnB>
-                    <a:solidFill>
-                      <a:srgbClr val="FF7C10"/>
-                    </a:solidFill>
-                  </a:tcPr>
-                </a:tc>
-                <a:tc>
-                  <a:txBody>
-                    <a:bodyPr/>
-                    <a:lstStyle/>
-                    <a:p>
-                      <a:pPr algn="ctr"/>
-                      <a:endParaRPr lang="en-US" dirty="0"/>
-                    </a:p>
-                  </a:txBody>
-                  <a:tcPr>
-                    <a:lnL w="12700" cap="flat" cmpd="sng" algn="ctr">
-                      <a:solidFill>
-                        <a:scrgbClr r="0" g="0" b="0"/>
-                      </a:solidFill>
-                      <a:prstDash val="solid"/>
-                      <a:round/>
-                      <a:headEnd type="none" w="med" len="med"/>
-                      <a:tailEnd type="none" w="med" len="med"/>
-                    </a:lnL>
-                    <a:lnB w="12700" cap="flat" cmpd="sng" algn="ctr">
-                      <a:solidFill>
-                        <a:scrgbClr r="0" g="0" b="0"/>
-                      </a:solidFill>
-                      <a:prstDash val="solid"/>
-                      <a:round/>
-                      <a:headEnd type="none" w="med" len="med"/>
-                      <a:tailEnd type="none" w="med" len="med"/>
-                    </a:lnB>
-                    <a:solidFill>
-                      <a:srgbClr val="DDDDDD"/>
-                    </a:solidFill>
-                  </a:tcPr>
-                </a:tc>
-                <a:tc>
-                  <a:txBody>
-                    <a:bodyPr/>
-                    <a:lstStyle/>
-                    <a:p>
-                      <a:pPr algn="ctr"/>
-                      <a:endParaRPr lang="en-US" dirty="0"/>
-                    </a:p>
-                  </a:txBody>
-                  <a:tcPr>
-                    <a:solidFill>
-                      <a:srgbClr val="DDDDDD"/>
-                    </a:solidFill>
-                  </a:tcPr>
-                </a:tc>
-                <a:tc>
-                  <a:txBody>
-                    <a:bodyPr/>
-                    <a:lstStyle/>
-                    <a:p>
-                      <a:pPr marL="0" marR="0" indent="0" algn="ctr" defTabSz="457200" rtl="0" eaLnBrk="1" fontAlgn="auto" latinLnBrk="0" hangingPunct="1">
-                        <a:lnSpc>
-                          <a:spcPct val="100000"/>
-                        </a:lnSpc>
-                        <a:spcBef>
-                          <a:spcPts val="0"/>
-                        </a:spcBef>
-                        <a:spcAft>
-                          <a:spcPts val="0"/>
-                        </a:spcAft>
-                        <a:buClrTx/>
-                        <a:buSzTx/>
-                        <a:buFontTx/>
-                        <a:buNone/>
-                        <a:tabLst/>
-                        <a:defRPr/>
-                      </a:pPr>
-                      <a:r>
-                        <a:rPr lang="en-US" dirty="0"/>
-                        <a:t>E</a:t>
-                      </a:r>
-                      <a:r>
-                        <a:rPr lang="en-US" baseline="-25000" dirty="0"/>
-                        <a:t>10</a:t>
-                      </a:r>
-                      <a:r>
-                        <a:rPr lang="en-US" dirty="0"/>
-                        <a:t>+…+E</a:t>
-                      </a:r>
-                      <a:r>
-                        <a:rPr lang="en-US" baseline="-25000" dirty="0"/>
-                        <a:t>14</a:t>
-                      </a:r>
-                      <a:r>
-                        <a:rPr lang="en-US" dirty="0">
-                          <a:solidFill>
-                            <a:srgbClr val="FF7C10"/>
-                          </a:solidFill>
-                        </a:rPr>
-                        <a:t>-E</a:t>
-                      </a:r>
-                      <a:r>
-                        <a:rPr lang="en-US" baseline="-25000" dirty="0">
-                          <a:solidFill>
-                            <a:srgbClr val="FF7C10"/>
-                          </a:solidFill>
-                        </a:rPr>
-                        <a:t>14</a:t>
-                      </a:r>
-                      <a:r>
-                        <a:rPr lang="en-US" dirty="0">
-                          <a:solidFill>
-                            <a:srgbClr val="FF7C10"/>
-                          </a:solidFill>
-                        </a:rPr>
-                        <a:t>+E’</a:t>
-                      </a:r>
-                      <a:r>
-                        <a:rPr lang="en-US" baseline="-25000" dirty="0">
-                          <a:solidFill>
-                            <a:srgbClr val="FF7C10"/>
-                          </a:solidFill>
-                        </a:rPr>
-                        <a:t>14</a:t>
-                      </a:r>
-                    </a:p>
-                  </a:txBody>
-                  <a:tcPr>
-                    <a:solidFill>
-                      <a:srgbClr val="DDDDDD"/>
-                    </a:solidFill>
-                  </a:tcPr>
-                </a:tc>
-                <a:extLst>
-                  <a:ext uri="{0D108BD9-81ED-4DB2-BD59-A6C34878D82A}">
-                    <a16:rowId xmlns:a16="http://schemas.microsoft.com/office/drawing/2014/main" val="10006"/>
-                  </a:ext>
-                </a:extLst>
-              </a:tr>
-              <a:tr h="369100">
-                <a:tc>
-                  <a:txBody>
-                    <a:bodyPr/>
-                    <a:lstStyle/>
-                    <a:p>
-                      <a:pPr algn="ctr"/>
-                      <a:r>
-                        <a:rPr lang="en-US" dirty="0">
-                          <a:solidFill>
-                            <a:srgbClr val="003D62"/>
-                          </a:solidFill>
-                        </a:rPr>
-                        <a:t>6</a:t>
-                      </a:r>
-                    </a:p>
-                  </a:txBody>
-                  <a:tcPr>
-                    <a:lnR w="12700" cap="flat" cmpd="sng" algn="ctr">
-                      <a:solidFill>
-                        <a:scrgbClr r="0" g="0" b="0"/>
-                      </a:solidFill>
-                      <a:prstDash val="solid"/>
-                      <a:round/>
-                      <a:headEnd type="none" w="med" len="med"/>
-                      <a:tailEnd type="none" w="med" len="med"/>
-                    </a:lnR>
-                    <a:noFill/>
-                  </a:tcPr>
-                </a:tc>
-                <a:tc>
-                  <a:txBody>
-                    <a:bodyPr/>
-                    <a:lstStyle/>
-                    <a:p>
-                      <a:pPr algn="ctr"/>
-                      <a:r>
-                        <a:rPr lang="en-US" dirty="0"/>
-                        <a:t>15</a:t>
-                      </a:r>
-                    </a:p>
-                  </a:txBody>
-                  <a:tcPr>
-                    <a:lnL w="12700" cap="flat" cmpd="sng" algn="ctr">
-                      <a:solidFill>
-                        <a:scrgbClr r="0" g="0" b="0"/>
-                      </a:solidFill>
-                      <a:prstDash val="solid"/>
-                      <a:round/>
-                      <a:headEnd type="none" w="med" len="med"/>
-                      <a:tailEnd type="none" w="med" len="med"/>
-                    </a:lnL>
-                    <a:lnR w="12700" cap="flat" cmpd="sng" algn="ctr">
-                      <a:solidFill>
-                        <a:scrgbClr r="0" g="0" b="0"/>
-                      </a:solidFill>
-                      <a:prstDash val="solid"/>
-                      <a:round/>
-                      <a:headEnd type="none" w="med" len="med"/>
-                      <a:tailEnd type="none" w="med" len="med"/>
-                    </a:lnR>
-                    <a:lnT w="12700" cap="flat" cmpd="sng" algn="ctr">
-                      <a:solidFill>
-                        <a:scrgbClr r="0" g="0" b="0"/>
-                      </a:solidFill>
-                      <a:prstDash val="solid"/>
-                      <a:round/>
-                      <a:headEnd type="none" w="med" len="med"/>
-                      <a:tailEnd type="none" w="med" len="med"/>
-                    </a:lnT>
-                    <a:lnB w="12700" cap="flat" cmpd="sng" algn="ctr">
-                      <a:solidFill>
-                        <a:scrgbClr r="0" g="0" b="0"/>
-                      </a:solidFill>
-                      <a:prstDash val="solid"/>
-                      <a:round/>
-                      <a:headEnd type="none" w="med" len="med"/>
-                      <a:tailEnd type="none" w="med" len="med"/>
-                    </a:lnB>
-                    <a:solidFill>
-                      <a:srgbClr val="A6A6A6"/>
-                    </a:solidFill>
-                  </a:tcPr>
-                </a:tc>
-                <a:tc>
-                  <a:txBody>
-                    <a:bodyPr/>
-                    <a:lstStyle/>
-                    <a:p>
-                      <a:pPr algn="ctr"/>
-                      <a:r>
-                        <a:rPr lang="en-US" dirty="0"/>
-                        <a:t>16</a:t>
-                      </a:r>
-                    </a:p>
-                  </a:txBody>
-                  <a:tcPr>
-                    <a:lnL w="12700" cap="flat" cmpd="sng" algn="ctr">
-                      <a:solidFill>
-                        <a:scrgbClr r="0" g="0" b="0"/>
-                      </a:solidFill>
-                      <a:prstDash val="solid"/>
-                      <a:round/>
-                      <a:headEnd type="none" w="med" len="med"/>
-                      <a:tailEnd type="none" w="med" len="med"/>
-                    </a:lnL>
-                    <a:lnR w="12700" cap="flat" cmpd="sng" algn="ctr">
-                      <a:solidFill>
-                        <a:scrgbClr r="0" g="0" b="0"/>
-                      </a:solidFill>
-                      <a:prstDash val="solid"/>
-                      <a:round/>
-                      <a:headEnd type="none" w="med" len="med"/>
-                      <a:tailEnd type="none" w="med" len="med"/>
-                    </a:lnR>
-                    <a:lnT w="12700" cap="flat" cmpd="sng" algn="ctr">
-                      <a:solidFill>
-                        <a:scrgbClr r="0" g="0" b="0"/>
-                      </a:solidFill>
-                      <a:prstDash val="solid"/>
-                      <a:round/>
-                      <a:headEnd type="none" w="med" len="med"/>
-                      <a:tailEnd type="none" w="med" len="med"/>
-                    </a:lnT>
-                    <a:lnB w="12700" cap="flat" cmpd="sng" algn="ctr">
-                      <a:solidFill>
-                        <a:scrgbClr r="0" g="0" b="0"/>
-                      </a:solidFill>
-                      <a:prstDash val="solid"/>
-                      <a:round/>
-                      <a:headEnd type="none" w="med" len="med"/>
-                      <a:tailEnd type="none" w="med" len="med"/>
-                    </a:lnB>
-                    <a:solidFill>
-                      <a:srgbClr val="A6A6A6"/>
-                    </a:solidFill>
-                  </a:tcPr>
-                </a:tc>
-                <a:tc>
-                  <a:txBody>
-                    <a:bodyPr/>
-                    <a:lstStyle/>
-                    <a:p>
-                      <a:pPr algn="ctr"/>
-                      <a:r>
-                        <a:rPr lang="en-US" dirty="0"/>
-                        <a:t>17</a:t>
-                      </a:r>
-                    </a:p>
-                  </a:txBody>
-                  <a:tcPr>
-                    <a:lnL w="12700" cap="flat" cmpd="sng" algn="ctr">
-                      <a:solidFill>
-                        <a:scrgbClr r="0" g="0" b="0"/>
-                      </a:solidFill>
-                      <a:prstDash val="solid"/>
-                      <a:round/>
-                      <a:headEnd type="none" w="med" len="med"/>
-                      <a:tailEnd type="none" w="med" len="med"/>
-                    </a:lnL>
-                    <a:lnR w="12700" cap="flat" cmpd="sng" algn="ctr">
-                      <a:solidFill>
-                        <a:scrgbClr r="0" g="0" b="0"/>
-                      </a:solidFill>
-                      <a:prstDash val="solid"/>
-                      <a:round/>
-                      <a:headEnd type="none" w="med" len="med"/>
-                      <a:tailEnd type="none" w="med" len="med"/>
-                    </a:lnR>
-                    <a:lnT w="12700" cap="flat" cmpd="sng" algn="ctr">
-                      <a:solidFill>
-                        <a:scrgbClr r="0" g="0" b="0"/>
-                      </a:solidFill>
-                      <a:prstDash val="solid"/>
-                      <a:round/>
-                      <a:headEnd type="none" w="med" len="med"/>
-                      <a:tailEnd type="none" w="med" len="med"/>
-                    </a:lnT>
-                    <a:lnB w="12700" cap="flat" cmpd="sng" algn="ctr">
-                      <a:solidFill>
-                        <a:scrgbClr r="0" g="0" b="0"/>
-                      </a:solidFill>
-                      <a:prstDash val="solid"/>
-                      <a:round/>
-                      <a:headEnd type="none" w="med" len="med"/>
-                      <a:tailEnd type="none" w="med" len="med"/>
-                    </a:lnB>
-                    <a:solidFill>
-                      <a:srgbClr val="A6A6A6"/>
-                    </a:solidFill>
-                  </a:tcPr>
-                </a:tc>
-                <a:tc>
-                  <a:txBody>
-                    <a:bodyPr/>
-                    <a:lstStyle/>
-                    <a:p>
-                      <a:pPr algn="ctr"/>
-                      <a:r>
-                        <a:rPr lang="en-US" dirty="0"/>
-                        <a:t>18</a:t>
-                      </a:r>
-                    </a:p>
-                  </a:txBody>
-                  <a:tcPr>
-                    <a:lnL w="12700" cap="flat" cmpd="sng" algn="ctr">
-                      <a:solidFill>
-                        <a:scrgbClr r="0" g="0" b="0"/>
-                      </a:solidFill>
-                      <a:prstDash val="solid"/>
-                      <a:round/>
-                      <a:headEnd type="none" w="med" len="med"/>
-                      <a:tailEnd type="none" w="med" len="med"/>
-                    </a:lnL>
-                    <a:lnR w="12700" cap="flat" cmpd="sng" algn="ctr">
-                      <a:solidFill>
-                        <a:scrgbClr r="0" g="0" b="0"/>
-                      </a:solidFill>
-                      <a:prstDash val="solid"/>
-                      <a:round/>
-                      <a:headEnd type="none" w="med" len="med"/>
-                      <a:tailEnd type="none" w="med" len="med"/>
-                    </a:lnR>
-                    <a:lnT w="12700" cap="flat" cmpd="sng" algn="ctr">
-                      <a:solidFill>
-                        <a:scrgbClr r="0" g="0" b="0"/>
-                      </a:solidFill>
-                      <a:prstDash val="solid"/>
-                      <a:round/>
-                      <a:headEnd type="none" w="med" len="med"/>
-                      <a:tailEnd type="none" w="med" len="med"/>
-                    </a:lnT>
-                    <a:lnB w="12700" cap="flat" cmpd="sng" algn="ctr">
-                      <a:solidFill>
-                        <a:scrgbClr r="0" g="0" b="0"/>
-                      </a:solidFill>
-                      <a:prstDash val="solid"/>
-                      <a:round/>
-                      <a:headEnd type="none" w="med" len="med"/>
-                      <a:tailEnd type="none" w="med" len="med"/>
-                    </a:lnB>
-                    <a:solidFill>
-                      <a:srgbClr val="A6A6A6"/>
-                    </a:solidFill>
-                  </a:tcPr>
-                </a:tc>
-                <a:tc>
-                  <a:txBody>
-                    <a:bodyPr/>
-                    <a:lstStyle/>
-                    <a:p>
-                      <a:pPr algn="ctr"/>
-                      <a:r>
-                        <a:rPr lang="en-US" dirty="0"/>
-                        <a:t>19</a:t>
-                      </a:r>
-                    </a:p>
-                  </a:txBody>
-                  <a:tcPr>
-                    <a:lnL w="12700" cap="flat" cmpd="sng" algn="ctr">
-                      <a:solidFill>
-                        <a:scrgbClr r="0" g="0" b="0"/>
-                      </a:solidFill>
-                      <a:prstDash val="solid"/>
-                      <a:round/>
-                      <a:headEnd type="none" w="med" len="med"/>
-                      <a:tailEnd type="none" w="med" len="med"/>
-                    </a:lnL>
-                    <a:lnR w="12700" cap="flat" cmpd="sng" algn="ctr">
-                      <a:solidFill>
-                        <a:scrgbClr r="0" g="0" b="0"/>
-                      </a:solidFill>
-                      <a:prstDash val="solid"/>
-                      <a:round/>
-                      <a:headEnd type="none" w="med" len="med"/>
-                      <a:tailEnd type="none" w="med" len="med"/>
-                    </a:lnR>
-                    <a:lnT w="12700" cap="flat" cmpd="sng" algn="ctr">
-                      <a:solidFill>
-                        <a:scrgbClr r="0" g="0" b="0"/>
-                      </a:solidFill>
-                      <a:prstDash val="solid"/>
-                      <a:round/>
-                      <a:headEnd type="none" w="med" len="med"/>
-                      <a:tailEnd type="none" w="med" len="med"/>
-                    </a:lnT>
-                    <a:lnB w="12700" cap="flat" cmpd="sng" algn="ctr">
-                      <a:solidFill>
-                        <a:scrgbClr r="0" g="0" b="0"/>
-                      </a:solidFill>
-                      <a:prstDash val="solid"/>
-                      <a:round/>
-                      <a:headEnd type="none" w="med" len="med"/>
-                      <a:tailEnd type="none" w="med" len="med"/>
-                    </a:lnB>
-                    <a:solidFill>
-                      <a:srgbClr val="FF7C10"/>
-                    </a:solidFill>
-                  </a:tcPr>
-                </a:tc>
-                <a:tc>
-                  <a:txBody>
-                    <a:bodyPr/>
-                    <a:lstStyle/>
-                    <a:p>
-                      <a:pPr algn="ctr"/>
-                      <a:r>
-                        <a:rPr lang="en-US" dirty="0"/>
-                        <a:t>20</a:t>
-                      </a:r>
-                    </a:p>
-                  </a:txBody>
-                  <a:tcPr>
-                    <a:lnL w="12700" cap="flat" cmpd="sng" algn="ctr">
-                      <a:solidFill>
-                        <a:scrgbClr r="0" g="0" b="0"/>
-                      </a:solidFill>
-                      <a:prstDash val="solid"/>
-                      <a:round/>
-                      <a:headEnd type="none" w="med" len="med"/>
-                      <a:tailEnd type="none" w="med" len="med"/>
-                    </a:lnL>
-                    <a:lnR w="12700" cap="flat" cmpd="sng" algn="ctr">
-                      <a:solidFill>
-                        <a:scrgbClr r="0" g="0" b="0"/>
-                      </a:solidFill>
-                      <a:prstDash val="solid"/>
-                      <a:round/>
-                      <a:headEnd type="none" w="med" len="med"/>
-                      <a:tailEnd type="none" w="med" len="med"/>
-                    </a:lnR>
-                    <a:lnT w="12700" cap="flat" cmpd="sng" algn="ctr">
-                      <a:solidFill>
-                        <a:scrgbClr r="0" g="0" b="0"/>
-                      </a:solidFill>
-                      <a:prstDash val="solid"/>
-                      <a:round/>
-                      <a:headEnd type="none" w="med" len="med"/>
-                      <a:tailEnd type="none" w="med" len="med"/>
-                    </a:lnT>
-                    <a:lnB w="12700" cap="flat" cmpd="sng" algn="ctr">
-                      <a:solidFill>
-                        <a:scrgbClr r="0" g="0" b="0"/>
-                      </a:solidFill>
-                      <a:prstDash val="solid"/>
-                      <a:round/>
-                      <a:headEnd type="none" w="med" len="med"/>
-                      <a:tailEnd type="none" w="med" len="med"/>
-                    </a:lnB>
-                    <a:solidFill>
-                      <a:srgbClr val="A6A6A6"/>
-                    </a:solidFill>
-                  </a:tcPr>
-                </a:tc>
-                <a:tc>
-                  <a:txBody>
-                    <a:bodyPr/>
-                    <a:lstStyle/>
-                    <a:p>
-                      <a:pPr algn="ctr"/>
-                      <a:endParaRPr lang="en-US" dirty="0"/>
-                    </a:p>
-                  </a:txBody>
-                  <a:tcPr>
-                    <a:lnL w="12700" cap="flat" cmpd="sng" algn="ctr">
-                      <a:solidFill>
-                        <a:scrgbClr r="0" g="0" b="0"/>
-                      </a:solidFill>
-                      <a:prstDash val="solid"/>
-                      <a:round/>
-                      <a:headEnd type="none" w="med" len="med"/>
-                      <a:tailEnd type="none" w="med" len="med"/>
-                    </a:lnL>
-                    <a:lnR w="12700" cap="flat" cmpd="sng" algn="ctr">
-                      <a:solidFill>
-                        <a:scrgbClr r="0" g="0" b="0"/>
-                      </a:solidFill>
-                      <a:prstDash val="solid"/>
-                      <a:round/>
-                      <a:headEnd type="none" w="med" len="med"/>
-                      <a:tailEnd type="none" w="med" len="med"/>
-                    </a:lnR>
-                    <a:solidFill>
-                      <a:srgbClr val="DDDDDD"/>
-                    </a:solidFill>
-                  </a:tcPr>
-                </a:tc>
-                <a:tc>
-                  <a:txBody>
-                    <a:bodyPr/>
-                    <a:lstStyle/>
-                    <a:p>
-                      <a:pPr marL="0" marR="0" indent="0" algn="ctr" defTabSz="457200" rtl="0" eaLnBrk="1" fontAlgn="auto" latinLnBrk="0" hangingPunct="1">
-                        <a:lnSpc>
-                          <a:spcPct val="100000"/>
-                        </a:lnSpc>
-                        <a:spcBef>
-                          <a:spcPts val="0"/>
-                        </a:spcBef>
-                        <a:spcAft>
-                          <a:spcPts val="0"/>
-                        </a:spcAft>
-                        <a:buClrTx/>
-                        <a:buSzTx/>
-                        <a:buFontTx/>
-                        <a:buNone/>
-                        <a:tabLst/>
-                        <a:defRPr/>
-                      </a:pPr>
-                      <a:r>
-                        <a:rPr lang="en-US" dirty="0"/>
-                        <a:t>E</a:t>
-                      </a:r>
-                      <a:r>
-                        <a:rPr lang="en-US" baseline="-25000" dirty="0"/>
-                        <a:t>15</a:t>
-                      </a:r>
-                      <a:r>
-                        <a:rPr lang="en-US" dirty="0"/>
-                        <a:t>+…+E</a:t>
-                      </a:r>
-                      <a:r>
-                        <a:rPr lang="en-US" baseline="-25000" dirty="0"/>
-                        <a:t>20</a:t>
-                      </a:r>
-                      <a:r>
-                        <a:rPr lang="en-US" baseline="0" dirty="0">
-                          <a:solidFill>
-                            <a:srgbClr val="FF7C10"/>
-                          </a:solidFill>
-                        </a:rPr>
-                        <a:t>-</a:t>
-                      </a:r>
-                      <a:r>
-                        <a:rPr lang="en-US" dirty="0">
-                          <a:solidFill>
-                            <a:srgbClr val="FF7C10"/>
-                          </a:solidFill>
-                        </a:rPr>
-                        <a:t>E</a:t>
-                      </a:r>
-                      <a:r>
-                        <a:rPr lang="en-US" baseline="-25000" dirty="0">
-                          <a:solidFill>
-                            <a:srgbClr val="FF7C10"/>
-                          </a:solidFill>
-                        </a:rPr>
-                        <a:t>19</a:t>
-                      </a:r>
-                      <a:r>
-                        <a:rPr lang="en-US" dirty="0">
-                          <a:solidFill>
-                            <a:srgbClr val="FF7C10"/>
-                          </a:solidFill>
-                        </a:rPr>
-                        <a:t>+E’</a:t>
-                      </a:r>
-                      <a:r>
-                        <a:rPr lang="en-US" baseline="-25000" dirty="0">
-                          <a:solidFill>
-                            <a:srgbClr val="FF7C10"/>
-                          </a:solidFill>
-                        </a:rPr>
-                        <a:t>19</a:t>
-                      </a:r>
-                    </a:p>
-                  </a:txBody>
-                  <a:tcPr>
-                    <a:lnL w="12700" cap="flat" cmpd="sng" algn="ctr">
-                      <a:solidFill>
-                        <a:scrgbClr r="0" g="0" b="0"/>
-                      </a:solidFill>
-                      <a:prstDash val="solid"/>
-                      <a:round/>
-                      <a:headEnd type="none" w="med" len="med"/>
-                      <a:tailEnd type="none" w="med" len="med"/>
-                    </a:lnL>
-                    <a:solidFill>
-                      <a:srgbClr val="DDDDDD"/>
-                    </a:solidFill>
-                  </a:tcPr>
-                </a:tc>
-                <a:extLst>
-                  <a:ext uri="{0D108BD9-81ED-4DB2-BD59-A6C34878D82A}">
-                    <a16:rowId xmlns:a16="http://schemas.microsoft.com/office/drawing/2014/main" val="10007"/>
-                  </a:ext>
-                </a:extLst>
-              </a:tr>
-            </a:tbl>
-          </a:graphicData>
-        </a:graphic>
-      </p:graphicFrame>
+                  </a:ln>
+                  <a:solidFill>
+                    <a:schemeClr val="bg1"/>
+                  </a:solidFill>
+                  <a:effectLst/>
+                </a:rPr>
+                <a:t>Single Instruction Multiple Data</a:t>
+              </a:r>
+            </a:p>
+            <a:p>
+              <a:pPr marL="0" marR="0" indent="0" algn="ctr" defTabSz="914400" rtl="0" eaLnBrk="0" fontAlgn="base" latinLnBrk="0" hangingPunct="0">
+                <a:lnSpc>
+                  <a:spcPct val="100000"/>
+                </a:lnSpc>
+                <a:spcBef>
+                  <a:spcPct val="0"/>
+                </a:spcBef>
+                <a:spcAft>
+                  <a:spcPct val="0"/>
+                </a:spcAft>
+                <a:buClrTx/>
+                <a:buSzTx/>
+                <a:buFontTx/>
+                <a:buNone/>
+                <a:tabLst/>
+              </a:pPr>
+              <a:r>
+                <a:rPr lang="en-US" dirty="0">
+                  <a:solidFill>
+                    <a:schemeClr val="bg1"/>
+                  </a:solidFill>
+                </a:rPr>
+                <a:t>(SIMD)</a:t>
+              </a:r>
+              <a:endParaRPr kumimoji="0" lang="en-US" sz="2400" b="0" u="none" strike="noStrike" cap="none" normalizeH="0" dirty="0">
+                <a:ln>
+                  <a:noFill/>
+                </a:ln>
+                <a:solidFill>
+                  <a:schemeClr val="bg1"/>
+                </a:solidFill>
+                <a:effectLst/>
+              </a:endParaRPr>
+            </a:p>
+          </p:txBody>
+        </p:sp>
+      </p:grpSp>
     </p:spTree>
     <p:extLst>
       <p:ext uri="{BB962C8B-B14F-4D97-AF65-F5344CB8AC3E}">
-        <p14:creationId xmlns:p14="http://schemas.microsoft.com/office/powerpoint/2010/main" val="3383201513"/>
+        <p14:creationId xmlns:p14="http://schemas.microsoft.com/office/powerpoint/2010/main" val="4073241489"/>
+      </p:ext>
+    </p:extLst>
+  </p:cSld>
+  <p:clrMapOvr>
+    <a:masterClrMapping/>
+  </p:clrMapOvr>
+</p:sld>
+</file>
+
+<file path=ppt/slides/slide11.xml><?xml version="1.0" encoding="utf-8"?>
+<p:sld xmlns:a="http://schemas.openxmlformats.org/drawingml/2006/main" xmlns:r="http://schemas.openxmlformats.org/officeDocument/2006/relationships" xmlns:p="http://schemas.openxmlformats.org/presentationml/2006/main">
+  <p:cSld>
+    <p:spTree>
+      <p:nvGrpSpPr>
+        <p:cNvPr id="1" name=""/>
+        <p:cNvGrpSpPr/>
+        <p:nvPr/>
+      </p:nvGrpSpPr>
+      <p:grpSpPr>
+        <a:xfrm>
+          <a:off x="0" y="0"/>
+          <a:ext cx="0" cy="0"/>
+          <a:chOff x="0" y="0"/>
+          <a:chExt cx="0" cy="0"/>
+        </a:xfrm>
+      </p:grpSpPr>
+      <p:grpSp>
+        <p:nvGrpSpPr>
+          <p:cNvPr id="26" name="Group 25">
+            <a:extLst>
+              <a:ext uri="{FF2B5EF4-FFF2-40B4-BE49-F238E27FC236}">
+                <a16:creationId xmlns:a16="http://schemas.microsoft.com/office/drawing/2014/main" id="{133F13E7-0669-683D-F0F3-9D5445B3CFE8}"/>
+              </a:ext>
+            </a:extLst>
+          </p:cNvPr>
+          <p:cNvGrpSpPr/>
+          <p:nvPr/>
+        </p:nvGrpSpPr>
+        <p:grpSpPr>
+          <a:xfrm>
+            <a:off x="1157468" y="1579067"/>
+            <a:ext cx="7629375" cy="4846632"/>
+            <a:chOff x="1157468" y="1579067"/>
+            <a:chExt cx="7629375" cy="4846632"/>
+          </a:xfrm>
+        </p:grpSpPr>
+        <p:sp>
+          <p:nvSpPr>
+            <p:cNvPr id="2" name="Rounded Rectangle 1">
+              <a:extLst>
+                <a:ext uri="{FF2B5EF4-FFF2-40B4-BE49-F238E27FC236}">
+                  <a16:creationId xmlns:a16="http://schemas.microsoft.com/office/drawing/2014/main" id="{8CAD055B-B275-FA5D-9994-4EEB97A3DA8C}"/>
+                </a:ext>
+              </a:extLst>
+            </p:cNvPr>
+            <p:cNvSpPr/>
+            <p:nvPr/>
+          </p:nvSpPr>
+          <p:spPr bwMode="auto">
+            <a:xfrm>
+              <a:off x="2900422" y="1646500"/>
+              <a:ext cx="544010" cy="567159"/>
+            </a:xfrm>
+            <a:prstGeom prst="roundRect">
+              <a:avLst/>
+            </a:prstGeom>
+            <a:noFill/>
+            <a:ln w="9525" cap="flat" cmpd="sng" algn="ctr">
+              <a:solidFill>
+                <a:schemeClr val="tx1"/>
+              </a:solidFill>
+              <a:prstDash val="solid"/>
+              <a:round/>
+              <a:headEnd type="none" w="med" len="med"/>
+              <a:tailEnd type="none" w="med" len="med"/>
+            </a:ln>
+            <a:effectLst/>
+          </p:spPr>
+          <p:txBody>
+            <a:bodyPr vert="horz" wrap="square" lIns="91440" tIns="45720" rIns="91440" bIns="45720" numCol="1" rtlCol="0" anchor="ctr" anchorCtr="0" compatLnSpc="1">
+              <a:prstTxWarp prst="textNoShape">
+                <a:avLst/>
+              </a:prstTxWarp>
+            </a:bodyPr>
+            <a:lstStyle/>
+            <a:p>
+              <a:pPr marL="0" marR="0" indent="0" algn="ctr" defTabSz="914400" rtl="0" eaLnBrk="0" fontAlgn="base" latinLnBrk="0" hangingPunct="0">
+                <a:lnSpc>
+                  <a:spcPct val="100000"/>
+                </a:lnSpc>
+                <a:spcBef>
+                  <a:spcPct val="0"/>
+                </a:spcBef>
+                <a:spcAft>
+                  <a:spcPct val="0"/>
+                </a:spcAft>
+                <a:buClrTx/>
+                <a:buSzTx/>
+                <a:buFontTx/>
+                <a:buNone/>
+                <a:tabLst/>
+              </a:pPr>
+              <a:r>
+                <a:rPr kumimoji="0" lang="en-US" sz="2400" b="0" i="0" u="none" strike="noStrike" cap="none" normalizeH="0" baseline="0" dirty="0">
+                  <a:ln>
+                    <a:noFill/>
+                  </a:ln>
+                  <a:solidFill>
+                    <a:schemeClr val="tx1"/>
+                  </a:solidFill>
+                  <a:effectLst/>
+                  <a:latin typeface="Arial" charset="0"/>
+                  <a:ea typeface="ＭＳ Ｐゴシック" pitchFamily="20" charset="-128"/>
+                </a:rPr>
+                <a:t>A</a:t>
+              </a:r>
+              <a:r>
+                <a:rPr kumimoji="0" lang="en-US" sz="2400" b="0" i="1" u="none" strike="noStrike" cap="none" normalizeH="0" baseline="-25000" dirty="0">
+                  <a:ln>
+                    <a:noFill/>
+                  </a:ln>
+                  <a:solidFill>
+                    <a:schemeClr val="tx1"/>
+                  </a:solidFill>
+                  <a:effectLst/>
+                  <a:latin typeface="Arial" charset="0"/>
+                  <a:ea typeface="ＭＳ Ｐゴシック" pitchFamily="20" charset="-128"/>
+                </a:rPr>
+                <a:t>i</a:t>
+              </a:r>
+            </a:p>
+          </p:txBody>
+        </p:sp>
+        <p:sp>
+          <p:nvSpPr>
+            <p:cNvPr id="4" name="Rounded Rectangle 3">
+              <a:extLst>
+                <a:ext uri="{FF2B5EF4-FFF2-40B4-BE49-F238E27FC236}">
+                  <a16:creationId xmlns:a16="http://schemas.microsoft.com/office/drawing/2014/main" id="{6F7AA3AE-A715-3166-B174-9C3929949FA7}"/>
+                </a:ext>
+              </a:extLst>
+            </p:cNvPr>
+            <p:cNvSpPr/>
+            <p:nvPr/>
+          </p:nvSpPr>
+          <p:spPr bwMode="auto">
+            <a:xfrm>
+              <a:off x="2900422" y="2827116"/>
+              <a:ext cx="544010" cy="567159"/>
+            </a:xfrm>
+            <a:prstGeom prst="roundRect">
+              <a:avLst/>
+            </a:prstGeom>
+            <a:noFill/>
+            <a:ln w="9525" cap="flat" cmpd="sng" algn="ctr">
+              <a:solidFill>
+                <a:schemeClr val="tx1"/>
+              </a:solidFill>
+              <a:prstDash val="solid"/>
+              <a:round/>
+              <a:headEnd type="none" w="med" len="med"/>
+              <a:tailEnd type="none" w="med" len="med"/>
+            </a:ln>
+            <a:effectLst/>
+          </p:spPr>
+          <p:txBody>
+            <a:bodyPr vert="horz" wrap="square" lIns="91440" tIns="45720" rIns="91440" bIns="45720" numCol="1" rtlCol="0" anchor="ctr" anchorCtr="0" compatLnSpc="1">
+              <a:prstTxWarp prst="textNoShape">
+                <a:avLst/>
+              </a:prstTxWarp>
+            </a:bodyPr>
+            <a:lstStyle/>
+            <a:p>
+              <a:pPr marL="0" marR="0" indent="0" algn="ctr" defTabSz="914400" rtl="0" eaLnBrk="0" fontAlgn="base" latinLnBrk="0" hangingPunct="0">
+                <a:lnSpc>
+                  <a:spcPct val="100000"/>
+                </a:lnSpc>
+                <a:spcBef>
+                  <a:spcPct val="0"/>
+                </a:spcBef>
+                <a:spcAft>
+                  <a:spcPct val="0"/>
+                </a:spcAft>
+                <a:buClrTx/>
+                <a:buSzTx/>
+                <a:buFontTx/>
+                <a:buNone/>
+                <a:tabLst/>
+              </a:pPr>
+              <a:r>
+                <a:rPr kumimoji="0" lang="en-US" sz="2400" b="0" i="0" u="none" strike="noStrike" cap="none" normalizeH="0" baseline="0" dirty="0">
+                  <a:ln>
+                    <a:noFill/>
+                  </a:ln>
+                  <a:solidFill>
+                    <a:schemeClr val="tx1"/>
+                  </a:solidFill>
+                  <a:effectLst/>
+                  <a:latin typeface="Arial" charset="0"/>
+                  <a:ea typeface="ＭＳ Ｐゴシック" pitchFamily="20" charset="-128"/>
+                </a:rPr>
+                <a:t>B</a:t>
+              </a:r>
+              <a:r>
+                <a:rPr kumimoji="0" lang="en-US" sz="2400" b="0" i="1" u="none" strike="noStrike" cap="none" normalizeH="0" baseline="-25000" dirty="0">
+                  <a:ln>
+                    <a:noFill/>
+                  </a:ln>
+                  <a:solidFill>
+                    <a:schemeClr val="tx1"/>
+                  </a:solidFill>
+                  <a:effectLst/>
+                  <a:latin typeface="Arial" charset="0"/>
+                  <a:ea typeface="ＭＳ Ｐゴシック" pitchFamily="20" charset="-128"/>
+                </a:rPr>
+                <a:t>i</a:t>
+              </a:r>
+            </a:p>
+          </p:txBody>
+        </p:sp>
+        <p:sp>
+          <p:nvSpPr>
+            <p:cNvPr id="6" name="Rounded Rectangle 5">
+              <a:extLst>
+                <a:ext uri="{FF2B5EF4-FFF2-40B4-BE49-F238E27FC236}">
+                  <a16:creationId xmlns:a16="http://schemas.microsoft.com/office/drawing/2014/main" id="{FC51C582-8C05-DFD1-246C-7D3752F52FC3}"/>
+                </a:ext>
+              </a:extLst>
+            </p:cNvPr>
+            <p:cNvSpPr/>
+            <p:nvPr/>
+          </p:nvSpPr>
+          <p:spPr bwMode="auto">
+            <a:xfrm>
+              <a:off x="2900422" y="4011590"/>
+              <a:ext cx="544010" cy="567159"/>
+            </a:xfrm>
+            <a:prstGeom prst="roundRect">
+              <a:avLst/>
+            </a:prstGeom>
+            <a:noFill/>
+            <a:ln w="9525" cap="flat" cmpd="sng" algn="ctr">
+              <a:solidFill>
+                <a:schemeClr val="tx1"/>
+              </a:solidFill>
+              <a:prstDash val="solid"/>
+              <a:round/>
+              <a:headEnd type="none" w="med" len="med"/>
+              <a:tailEnd type="none" w="med" len="med"/>
+            </a:ln>
+            <a:effectLst/>
+          </p:spPr>
+          <p:txBody>
+            <a:bodyPr vert="horz" wrap="square" lIns="91440" tIns="45720" rIns="91440" bIns="45720" numCol="1" rtlCol="0" anchor="ctr" anchorCtr="0" compatLnSpc="1">
+              <a:prstTxWarp prst="textNoShape">
+                <a:avLst/>
+              </a:prstTxWarp>
+            </a:bodyPr>
+            <a:lstStyle/>
+            <a:p>
+              <a:pPr marL="0" marR="0" indent="0" algn="ctr" defTabSz="914400" rtl="0" eaLnBrk="0" fontAlgn="base" latinLnBrk="0" hangingPunct="0">
+                <a:lnSpc>
+                  <a:spcPct val="100000"/>
+                </a:lnSpc>
+                <a:spcBef>
+                  <a:spcPct val="0"/>
+                </a:spcBef>
+                <a:spcAft>
+                  <a:spcPct val="0"/>
+                </a:spcAft>
+                <a:buClrTx/>
+                <a:buSzTx/>
+                <a:buFontTx/>
+                <a:buNone/>
+                <a:tabLst/>
+              </a:pPr>
+              <a:r>
+                <a:rPr lang="en-US" sz="2400" dirty="0"/>
+                <a:t>C</a:t>
+              </a:r>
+              <a:r>
+                <a:rPr kumimoji="0" lang="en-US" sz="2400" b="0" i="1" u="none" strike="noStrike" cap="none" normalizeH="0" baseline="-25000" dirty="0">
+                  <a:ln>
+                    <a:noFill/>
+                  </a:ln>
+                  <a:solidFill>
+                    <a:schemeClr val="tx1"/>
+                  </a:solidFill>
+                  <a:effectLst/>
+                  <a:latin typeface="Arial" charset="0"/>
+                  <a:ea typeface="ＭＳ Ｐゴシック" pitchFamily="20" charset="-128"/>
+                </a:rPr>
+                <a:t>i</a:t>
+              </a:r>
+            </a:p>
+          </p:txBody>
+        </p:sp>
+        <p:grpSp>
+          <p:nvGrpSpPr>
+            <p:cNvPr id="7" name="Group 6">
+              <a:extLst>
+                <a:ext uri="{FF2B5EF4-FFF2-40B4-BE49-F238E27FC236}">
+                  <a16:creationId xmlns:a16="http://schemas.microsoft.com/office/drawing/2014/main" id="{FF321E98-04FE-2DEE-0689-D048AE602586}"/>
+                </a:ext>
+              </a:extLst>
+            </p:cNvPr>
+            <p:cNvGrpSpPr/>
+            <p:nvPr/>
+          </p:nvGrpSpPr>
+          <p:grpSpPr>
+            <a:xfrm>
+              <a:off x="3527384" y="1646499"/>
+              <a:ext cx="1812402" cy="2928394"/>
+              <a:chOff x="2254169" y="1959015"/>
+              <a:chExt cx="1812402" cy="2928394"/>
+            </a:xfrm>
+          </p:grpSpPr>
+          <p:sp>
+            <p:nvSpPr>
+              <p:cNvPr id="8" name="Rounded Rectangle 7">
+                <a:extLst>
+                  <a:ext uri="{FF2B5EF4-FFF2-40B4-BE49-F238E27FC236}">
+                    <a16:creationId xmlns:a16="http://schemas.microsoft.com/office/drawing/2014/main" id="{1F701F80-84E0-1773-1D0D-DB89BFF907BA}"/>
+                  </a:ext>
+                </a:extLst>
+              </p:cNvPr>
+              <p:cNvSpPr/>
+              <p:nvPr/>
+            </p:nvSpPr>
+            <p:spPr bwMode="auto">
+              <a:xfrm>
+                <a:off x="2254169" y="1959016"/>
+                <a:ext cx="544010" cy="567159"/>
+              </a:xfrm>
+              <a:prstGeom prst="roundRect">
+                <a:avLst/>
+              </a:prstGeom>
+              <a:noFill/>
+              <a:ln w="9525" cap="flat" cmpd="sng" algn="ctr">
+                <a:solidFill>
+                  <a:srgbClr val="FFA800"/>
+                </a:solidFill>
+                <a:prstDash val="solid"/>
+                <a:round/>
+                <a:headEnd type="none" w="med" len="med"/>
+                <a:tailEnd type="none" w="med" len="med"/>
+              </a:ln>
+              <a:effectLst/>
+            </p:spPr>
+            <p:txBody>
+              <a:bodyPr vert="horz" wrap="square" lIns="91440" tIns="45720" rIns="91440" bIns="45720" numCol="1" rtlCol="0" anchor="ctr" anchorCtr="0" compatLnSpc="1">
+                <a:prstTxWarp prst="textNoShape">
+                  <a:avLst/>
+                </a:prstTxWarp>
+              </a:bodyPr>
+              <a:lstStyle/>
+              <a:p>
+                <a:pPr marL="0" marR="0" indent="0" algn="ctr" defTabSz="914400" rtl="0" eaLnBrk="0" fontAlgn="base" latinLnBrk="0" hangingPunct="0">
+                  <a:lnSpc>
+                    <a:spcPct val="100000"/>
+                  </a:lnSpc>
+                  <a:spcBef>
+                    <a:spcPct val="0"/>
+                  </a:spcBef>
+                  <a:spcAft>
+                    <a:spcPct val="0"/>
+                  </a:spcAft>
+                  <a:buClrTx/>
+                  <a:buSzTx/>
+                  <a:buFontTx/>
+                  <a:buNone/>
+                  <a:tabLst/>
+                </a:pPr>
+                <a:r>
+                  <a:rPr kumimoji="0" lang="en-US" sz="2400" b="0" i="0" u="none" strike="noStrike" cap="none" normalizeH="0" baseline="0" dirty="0" err="1">
+                    <a:ln>
+                      <a:noFill/>
+                    </a:ln>
+                    <a:solidFill>
+                      <a:srgbClr val="004C5E"/>
+                    </a:solidFill>
+                    <a:effectLst/>
+                    <a:latin typeface="Arial" charset="0"/>
+                    <a:ea typeface="ＭＳ Ｐゴシック" pitchFamily="20" charset="-128"/>
+                  </a:rPr>
+                  <a:t>A</a:t>
+                </a:r>
+                <a:r>
+                  <a:rPr lang="en-US" i="1" baseline="-25000" dirty="0" err="1">
+                    <a:solidFill>
+                      <a:srgbClr val="004C5E"/>
+                    </a:solidFill>
+                  </a:rPr>
+                  <a:t>j</a:t>
+                </a:r>
+                <a:endParaRPr kumimoji="0" lang="en-US" sz="2400" b="0" i="1" u="none" strike="noStrike" cap="none" normalizeH="0" baseline="-25000" dirty="0">
+                  <a:ln>
+                    <a:noFill/>
+                  </a:ln>
+                  <a:solidFill>
+                    <a:srgbClr val="004C5E"/>
+                  </a:solidFill>
+                  <a:effectLst/>
+                  <a:latin typeface="Arial" charset="0"/>
+                  <a:ea typeface="ＭＳ Ｐゴシック" pitchFamily="20" charset="-128"/>
+                </a:endParaRPr>
+              </a:p>
+            </p:txBody>
+          </p:sp>
+          <p:sp>
+            <p:nvSpPr>
+              <p:cNvPr id="9" name="Rounded Rectangle 8">
+                <a:extLst>
+                  <a:ext uri="{FF2B5EF4-FFF2-40B4-BE49-F238E27FC236}">
+                    <a16:creationId xmlns:a16="http://schemas.microsoft.com/office/drawing/2014/main" id="{AF35D340-FF60-B293-3C15-CE7F41CCFC7D}"/>
+                  </a:ext>
+                </a:extLst>
+              </p:cNvPr>
+              <p:cNvSpPr/>
+              <p:nvPr/>
+            </p:nvSpPr>
+            <p:spPr bwMode="auto">
+              <a:xfrm>
+                <a:off x="3522561" y="1959015"/>
+                <a:ext cx="544010" cy="567159"/>
+              </a:xfrm>
+              <a:prstGeom prst="roundRect">
+                <a:avLst/>
+              </a:prstGeom>
+              <a:noFill/>
+              <a:ln w="9525" cap="flat" cmpd="sng" algn="ctr">
+                <a:solidFill>
+                  <a:srgbClr val="FFA800"/>
+                </a:solidFill>
+                <a:prstDash val="solid"/>
+                <a:round/>
+                <a:headEnd type="none" w="med" len="med"/>
+                <a:tailEnd type="none" w="med" len="med"/>
+              </a:ln>
+              <a:effectLst/>
+            </p:spPr>
+            <p:txBody>
+              <a:bodyPr vert="horz" wrap="square" lIns="91440" tIns="45720" rIns="91440" bIns="45720" numCol="1" rtlCol="0" anchor="ctr" anchorCtr="0" compatLnSpc="1">
+                <a:prstTxWarp prst="textNoShape">
+                  <a:avLst/>
+                </a:prstTxWarp>
+              </a:bodyPr>
+              <a:lstStyle/>
+              <a:p>
+                <a:pPr marL="0" marR="0" indent="0" algn="ctr" defTabSz="914400" rtl="0" eaLnBrk="0" fontAlgn="base" latinLnBrk="0" hangingPunct="0">
+                  <a:lnSpc>
+                    <a:spcPct val="100000"/>
+                  </a:lnSpc>
+                  <a:spcBef>
+                    <a:spcPct val="0"/>
+                  </a:spcBef>
+                  <a:spcAft>
+                    <a:spcPct val="0"/>
+                  </a:spcAft>
+                  <a:buClrTx/>
+                  <a:buSzTx/>
+                  <a:buFontTx/>
+                  <a:buNone/>
+                  <a:tabLst/>
+                </a:pPr>
+                <a:r>
+                  <a:rPr kumimoji="0" lang="en-US" sz="2400" b="0" i="0" u="none" strike="noStrike" cap="none" normalizeH="0" baseline="0" dirty="0">
+                    <a:ln>
+                      <a:noFill/>
+                    </a:ln>
+                    <a:solidFill>
+                      <a:srgbClr val="004C5E"/>
+                    </a:solidFill>
+                    <a:effectLst/>
+                    <a:latin typeface="Arial" charset="0"/>
+                    <a:ea typeface="ＭＳ Ｐゴシック" pitchFamily="20" charset="-128"/>
+                  </a:rPr>
+                  <a:t>A</a:t>
+                </a:r>
+                <a:r>
+                  <a:rPr lang="en-US" i="1" baseline="-25000" dirty="0">
+                    <a:solidFill>
+                      <a:srgbClr val="004C5E"/>
+                    </a:solidFill>
+                  </a:rPr>
+                  <a:t>l</a:t>
+                </a:r>
+                <a:endParaRPr kumimoji="0" lang="en-US" sz="2400" b="0" i="1" u="none" strike="noStrike" cap="none" normalizeH="0" baseline="-25000" dirty="0">
+                  <a:ln>
+                    <a:noFill/>
+                  </a:ln>
+                  <a:solidFill>
+                    <a:srgbClr val="004C5E"/>
+                  </a:solidFill>
+                  <a:effectLst/>
+                  <a:latin typeface="Arial" charset="0"/>
+                  <a:ea typeface="ＭＳ Ｐゴシック" pitchFamily="20" charset="-128"/>
+                </a:endParaRPr>
+              </a:p>
+            </p:txBody>
+          </p:sp>
+          <p:sp>
+            <p:nvSpPr>
+              <p:cNvPr id="10" name="Rounded Rectangle 9">
+                <a:extLst>
+                  <a:ext uri="{FF2B5EF4-FFF2-40B4-BE49-F238E27FC236}">
+                    <a16:creationId xmlns:a16="http://schemas.microsoft.com/office/drawing/2014/main" id="{93375971-75A3-EDDB-59C6-FC3C28385AF9}"/>
+                  </a:ext>
+                </a:extLst>
+              </p:cNvPr>
+              <p:cNvSpPr/>
+              <p:nvPr/>
+            </p:nvSpPr>
+            <p:spPr bwMode="auto">
+              <a:xfrm>
+                <a:off x="2881131" y="1959015"/>
+                <a:ext cx="544010" cy="567159"/>
+              </a:xfrm>
+              <a:prstGeom prst="roundRect">
+                <a:avLst/>
+              </a:prstGeom>
+              <a:noFill/>
+              <a:ln w="9525" cap="flat" cmpd="sng" algn="ctr">
+                <a:solidFill>
+                  <a:srgbClr val="FFA800"/>
+                </a:solidFill>
+                <a:prstDash val="solid"/>
+                <a:round/>
+                <a:headEnd type="none" w="med" len="med"/>
+                <a:tailEnd type="none" w="med" len="med"/>
+              </a:ln>
+              <a:effectLst/>
+            </p:spPr>
+            <p:txBody>
+              <a:bodyPr vert="horz" wrap="square" lIns="91440" tIns="45720" rIns="91440" bIns="45720" numCol="1" rtlCol="0" anchor="ctr" anchorCtr="0" compatLnSpc="1">
+                <a:prstTxWarp prst="textNoShape">
+                  <a:avLst/>
+                </a:prstTxWarp>
+              </a:bodyPr>
+              <a:lstStyle/>
+              <a:p>
+                <a:pPr marL="0" marR="0" indent="0" algn="ctr" defTabSz="914400" rtl="0" eaLnBrk="0" fontAlgn="base" latinLnBrk="0" hangingPunct="0">
+                  <a:lnSpc>
+                    <a:spcPct val="100000"/>
+                  </a:lnSpc>
+                  <a:spcBef>
+                    <a:spcPct val="0"/>
+                  </a:spcBef>
+                  <a:spcAft>
+                    <a:spcPct val="0"/>
+                  </a:spcAft>
+                  <a:buClrTx/>
+                  <a:buSzTx/>
+                  <a:buFontTx/>
+                  <a:buNone/>
+                  <a:tabLst/>
+                </a:pPr>
+                <a:r>
+                  <a:rPr kumimoji="0" lang="en-US" sz="2400" b="0" i="0" u="none" strike="noStrike" cap="none" normalizeH="0" baseline="0" dirty="0" err="1">
+                    <a:ln>
+                      <a:noFill/>
+                    </a:ln>
+                    <a:solidFill>
+                      <a:srgbClr val="004C5E"/>
+                    </a:solidFill>
+                    <a:effectLst/>
+                    <a:latin typeface="Arial" charset="0"/>
+                    <a:ea typeface="ＭＳ Ｐゴシック" pitchFamily="20" charset="-128"/>
+                  </a:rPr>
+                  <a:t>A</a:t>
+                </a:r>
+                <a:r>
+                  <a:rPr lang="en-US" i="1" baseline="-25000" dirty="0" err="1">
+                    <a:solidFill>
+                      <a:srgbClr val="004C5E"/>
+                    </a:solidFill>
+                  </a:rPr>
+                  <a:t>k</a:t>
+                </a:r>
+                <a:endParaRPr kumimoji="0" lang="en-US" sz="2400" b="0" i="1" u="none" strike="noStrike" cap="none" normalizeH="0" baseline="-25000" dirty="0">
+                  <a:ln>
+                    <a:noFill/>
+                  </a:ln>
+                  <a:solidFill>
+                    <a:srgbClr val="004C5E"/>
+                  </a:solidFill>
+                  <a:effectLst/>
+                  <a:latin typeface="Arial" charset="0"/>
+                  <a:ea typeface="ＭＳ Ｐゴシック" pitchFamily="20" charset="-128"/>
+                </a:endParaRPr>
+              </a:p>
+            </p:txBody>
+          </p:sp>
+          <p:sp>
+            <p:nvSpPr>
+              <p:cNvPr id="11" name="Rounded Rectangle 10">
+                <a:extLst>
+                  <a:ext uri="{FF2B5EF4-FFF2-40B4-BE49-F238E27FC236}">
+                    <a16:creationId xmlns:a16="http://schemas.microsoft.com/office/drawing/2014/main" id="{A51784EA-F325-B0B0-24ED-0222A7C81E6B}"/>
+                  </a:ext>
+                </a:extLst>
+              </p:cNvPr>
+              <p:cNvSpPr/>
+              <p:nvPr/>
+            </p:nvSpPr>
+            <p:spPr bwMode="auto">
+              <a:xfrm>
+                <a:off x="2254169" y="3139633"/>
+                <a:ext cx="544010" cy="567159"/>
+              </a:xfrm>
+              <a:prstGeom prst="roundRect">
+                <a:avLst/>
+              </a:prstGeom>
+              <a:noFill/>
+              <a:ln w="9525" cap="flat" cmpd="sng" algn="ctr">
+                <a:solidFill>
+                  <a:srgbClr val="FFA800"/>
+                </a:solidFill>
+                <a:prstDash val="solid"/>
+                <a:round/>
+                <a:headEnd type="none" w="med" len="med"/>
+                <a:tailEnd type="none" w="med" len="med"/>
+              </a:ln>
+              <a:effectLst/>
+            </p:spPr>
+            <p:txBody>
+              <a:bodyPr vert="horz" wrap="square" lIns="91440" tIns="45720" rIns="91440" bIns="45720" numCol="1" rtlCol="0" anchor="ctr" anchorCtr="0" compatLnSpc="1">
+                <a:prstTxWarp prst="textNoShape">
+                  <a:avLst/>
+                </a:prstTxWarp>
+              </a:bodyPr>
+              <a:lstStyle/>
+              <a:p>
+                <a:pPr marL="0" marR="0" indent="0" algn="ctr" defTabSz="914400" rtl="0" eaLnBrk="0" fontAlgn="base" latinLnBrk="0" hangingPunct="0">
+                  <a:lnSpc>
+                    <a:spcPct val="100000"/>
+                  </a:lnSpc>
+                  <a:spcBef>
+                    <a:spcPct val="0"/>
+                  </a:spcBef>
+                  <a:spcAft>
+                    <a:spcPct val="0"/>
+                  </a:spcAft>
+                  <a:buClrTx/>
+                  <a:buSzTx/>
+                  <a:buFontTx/>
+                  <a:buNone/>
+                  <a:tabLst/>
+                </a:pPr>
+                <a:r>
+                  <a:rPr kumimoji="0" lang="en-US" sz="2400" b="0" i="0" u="none" strike="noStrike" cap="none" normalizeH="0" baseline="0" dirty="0" err="1">
+                    <a:ln>
+                      <a:noFill/>
+                    </a:ln>
+                    <a:solidFill>
+                      <a:srgbClr val="004C5E"/>
+                    </a:solidFill>
+                    <a:effectLst/>
+                    <a:latin typeface="Arial" charset="0"/>
+                    <a:ea typeface="ＭＳ Ｐゴシック" pitchFamily="20" charset="-128"/>
+                  </a:rPr>
+                  <a:t>B</a:t>
+                </a:r>
+                <a:r>
+                  <a:rPr lang="en-US" i="1" baseline="-25000" dirty="0" err="1">
+                    <a:solidFill>
+                      <a:srgbClr val="004C5E"/>
+                    </a:solidFill>
+                  </a:rPr>
+                  <a:t>j</a:t>
+                </a:r>
+                <a:endParaRPr kumimoji="0" lang="en-US" sz="2400" b="0" i="1" u="none" strike="noStrike" cap="none" normalizeH="0" baseline="-25000" dirty="0">
+                  <a:ln>
+                    <a:noFill/>
+                  </a:ln>
+                  <a:solidFill>
+                    <a:srgbClr val="004C5E"/>
+                  </a:solidFill>
+                  <a:effectLst/>
+                  <a:latin typeface="Arial" charset="0"/>
+                  <a:ea typeface="ＭＳ Ｐゴシック" pitchFamily="20" charset="-128"/>
+                </a:endParaRPr>
+              </a:p>
+            </p:txBody>
+          </p:sp>
+          <p:sp>
+            <p:nvSpPr>
+              <p:cNvPr id="12" name="Rounded Rectangle 11">
+                <a:extLst>
+                  <a:ext uri="{FF2B5EF4-FFF2-40B4-BE49-F238E27FC236}">
+                    <a16:creationId xmlns:a16="http://schemas.microsoft.com/office/drawing/2014/main" id="{5DD7CF4B-B18A-ED45-C201-A336418EE86C}"/>
+                  </a:ext>
+                </a:extLst>
+              </p:cNvPr>
+              <p:cNvSpPr/>
+              <p:nvPr/>
+            </p:nvSpPr>
+            <p:spPr bwMode="auto">
+              <a:xfrm>
+                <a:off x="3522561" y="3139632"/>
+                <a:ext cx="544010" cy="567159"/>
+              </a:xfrm>
+              <a:prstGeom prst="roundRect">
+                <a:avLst/>
+              </a:prstGeom>
+              <a:noFill/>
+              <a:ln w="9525" cap="flat" cmpd="sng" algn="ctr">
+                <a:solidFill>
+                  <a:srgbClr val="FFA800"/>
+                </a:solidFill>
+                <a:prstDash val="solid"/>
+                <a:round/>
+                <a:headEnd type="none" w="med" len="med"/>
+                <a:tailEnd type="none" w="med" len="med"/>
+              </a:ln>
+              <a:effectLst/>
+            </p:spPr>
+            <p:txBody>
+              <a:bodyPr vert="horz" wrap="square" lIns="91440" tIns="45720" rIns="91440" bIns="45720" numCol="1" rtlCol="0" anchor="ctr" anchorCtr="0" compatLnSpc="1">
+                <a:prstTxWarp prst="textNoShape">
+                  <a:avLst/>
+                </a:prstTxWarp>
+              </a:bodyPr>
+              <a:lstStyle/>
+              <a:p>
+                <a:pPr marL="0" marR="0" indent="0" algn="ctr" defTabSz="914400" rtl="0" eaLnBrk="0" fontAlgn="base" latinLnBrk="0" hangingPunct="0">
+                  <a:lnSpc>
+                    <a:spcPct val="100000"/>
+                  </a:lnSpc>
+                  <a:spcBef>
+                    <a:spcPct val="0"/>
+                  </a:spcBef>
+                  <a:spcAft>
+                    <a:spcPct val="0"/>
+                  </a:spcAft>
+                  <a:buClrTx/>
+                  <a:buSzTx/>
+                  <a:buFontTx/>
+                  <a:buNone/>
+                  <a:tabLst/>
+                </a:pPr>
+                <a:r>
+                  <a:rPr kumimoji="0" lang="en-US" sz="2400" b="0" i="0" u="none" strike="noStrike" cap="none" normalizeH="0" baseline="0" dirty="0" err="1">
+                    <a:ln>
+                      <a:noFill/>
+                    </a:ln>
+                    <a:solidFill>
+                      <a:srgbClr val="004C5E"/>
+                    </a:solidFill>
+                    <a:effectLst/>
+                    <a:latin typeface="Arial" charset="0"/>
+                    <a:ea typeface="ＭＳ Ｐゴシック" pitchFamily="20" charset="-128"/>
+                  </a:rPr>
+                  <a:t>B</a:t>
+                </a:r>
+                <a:r>
+                  <a:rPr lang="en-US" i="1" baseline="-25000" dirty="0" err="1">
+                    <a:solidFill>
+                      <a:srgbClr val="004C5E"/>
+                    </a:solidFill>
+                  </a:rPr>
+                  <a:t>l</a:t>
+                </a:r>
+                <a:endParaRPr kumimoji="0" lang="en-US" sz="2400" b="0" i="1" u="none" strike="noStrike" cap="none" normalizeH="0" baseline="-25000" dirty="0">
+                  <a:ln>
+                    <a:noFill/>
+                  </a:ln>
+                  <a:solidFill>
+                    <a:srgbClr val="004C5E"/>
+                  </a:solidFill>
+                  <a:effectLst/>
+                  <a:latin typeface="Arial" charset="0"/>
+                  <a:ea typeface="ＭＳ Ｐゴシック" pitchFamily="20" charset="-128"/>
+                </a:endParaRPr>
+              </a:p>
+            </p:txBody>
+          </p:sp>
+          <p:sp>
+            <p:nvSpPr>
+              <p:cNvPr id="13" name="Rounded Rectangle 12">
+                <a:extLst>
+                  <a:ext uri="{FF2B5EF4-FFF2-40B4-BE49-F238E27FC236}">
+                    <a16:creationId xmlns:a16="http://schemas.microsoft.com/office/drawing/2014/main" id="{E5348351-764B-ED8E-71DC-3134767F8B23}"/>
+                  </a:ext>
+                </a:extLst>
+              </p:cNvPr>
+              <p:cNvSpPr/>
+              <p:nvPr/>
+            </p:nvSpPr>
+            <p:spPr bwMode="auto">
+              <a:xfrm>
+                <a:off x="2881131" y="3139632"/>
+                <a:ext cx="544010" cy="567159"/>
+              </a:xfrm>
+              <a:prstGeom prst="roundRect">
+                <a:avLst/>
+              </a:prstGeom>
+              <a:noFill/>
+              <a:ln w="9525" cap="flat" cmpd="sng" algn="ctr">
+                <a:solidFill>
+                  <a:srgbClr val="FFA800"/>
+                </a:solidFill>
+                <a:prstDash val="solid"/>
+                <a:round/>
+                <a:headEnd type="none" w="med" len="med"/>
+                <a:tailEnd type="none" w="med" len="med"/>
+              </a:ln>
+              <a:effectLst/>
+            </p:spPr>
+            <p:txBody>
+              <a:bodyPr vert="horz" wrap="square" lIns="91440" tIns="45720" rIns="91440" bIns="45720" numCol="1" rtlCol="0" anchor="ctr" anchorCtr="0" compatLnSpc="1">
+                <a:prstTxWarp prst="textNoShape">
+                  <a:avLst/>
+                </a:prstTxWarp>
+              </a:bodyPr>
+              <a:lstStyle/>
+              <a:p>
+                <a:pPr marL="0" marR="0" indent="0" algn="ctr" defTabSz="914400" rtl="0" eaLnBrk="0" fontAlgn="base" latinLnBrk="0" hangingPunct="0">
+                  <a:lnSpc>
+                    <a:spcPct val="100000"/>
+                  </a:lnSpc>
+                  <a:spcBef>
+                    <a:spcPct val="0"/>
+                  </a:spcBef>
+                  <a:spcAft>
+                    <a:spcPct val="0"/>
+                  </a:spcAft>
+                  <a:buClrTx/>
+                  <a:buSzTx/>
+                  <a:buFontTx/>
+                  <a:buNone/>
+                  <a:tabLst/>
+                </a:pPr>
+                <a:r>
+                  <a:rPr kumimoji="0" lang="en-US" sz="2400" b="0" i="0" u="none" strike="noStrike" cap="none" normalizeH="0" baseline="0" dirty="0">
+                    <a:ln>
+                      <a:noFill/>
+                    </a:ln>
+                    <a:solidFill>
+                      <a:srgbClr val="004C5E"/>
+                    </a:solidFill>
+                    <a:effectLst/>
+                    <a:latin typeface="Arial" charset="0"/>
+                    <a:ea typeface="ＭＳ Ｐゴシック" pitchFamily="20" charset="-128"/>
+                  </a:rPr>
+                  <a:t>B</a:t>
+                </a:r>
+                <a:r>
+                  <a:rPr lang="en-US" i="1" baseline="-25000" dirty="0">
+                    <a:solidFill>
+                      <a:srgbClr val="004C5E"/>
+                    </a:solidFill>
+                  </a:rPr>
+                  <a:t>k</a:t>
+                </a:r>
+                <a:endParaRPr kumimoji="0" lang="en-US" sz="2400" b="0" i="1" u="none" strike="noStrike" cap="none" normalizeH="0" baseline="-25000" dirty="0">
+                  <a:ln>
+                    <a:noFill/>
+                  </a:ln>
+                  <a:solidFill>
+                    <a:srgbClr val="004C5E"/>
+                  </a:solidFill>
+                  <a:effectLst/>
+                  <a:latin typeface="Arial" charset="0"/>
+                  <a:ea typeface="ＭＳ Ｐゴシック" pitchFamily="20" charset="-128"/>
+                </a:endParaRPr>
+              </a:p>
+            </p:txBody>
+          </p:sp>
+          <p:sp>
+            <p:nvSpPr>
+              <p:cNvPr id="14" name="Rounded Rectangle 13">
+                <a:extLst>
+                  <a:ext uri="{FF2B5EF4-FFF2-40B4-BE49-F238E27FC236}">
+                    <a16:creationId xmlns:a16="http://schemas.microsoft.com/office/drawing/2014/main" id="{B30DDBA0-2FF2-13BA-8A9A-1E93CE1D7C8D}"/>
+                  </a:ext>
+                </a:extLst>
+              </p:cNvPr>
+              <p:cNvSpPr/>
+              <p:nvPr/>
+            </p:nvSpPr>
+            <p:spPr bwMode="auto">
+              <a:xfrm>
+                <a:off x="2254169" y="4320250"/>
+                <a:ext cx="544010" cy="567159"/>
+              </a:xfrm>
+              <a:prstGeom prst="roundRect">
+                <a:avLst/>
+              </a:prstGeom>
+              <a:noFill/>
+              <a:ln w="9525" cap="flat" cmpd="sng" algn="ctr">
+                <a:solidFill>
+                  <a:srgbClr val="FFA800"/>
+                </a:solidFill>
+                <a:prstDash val="solid"/>
+                <a:round/>
+                <a:headEnd type="none" w="med" len="med"/>
+                <a:tailEnd type="none" w="med" len="med"/>
+              </a:ln>
+              <a:effectLst/>
+            </p:spPr>
+            <p:txBody>
+              <a:bodyPr vert="horz" wrap="square" lIns="91440" tIns="45720" rIns="91440" bIns="45720" numCol="1" rtlCol="0" anchor="ctr" anchorCtr="0" compatLnSpc="1">
+                <a:prstTxWarp prst="textNoShape">
+                  <a:avLst/>
+                </a:prstTxWarp>
+              </a:bodyPr>
+              <a:lstStyle/>
+              <a:p>
+                <a:pPr marL="0" marR="0" indent="0" algn="ctr" defTabSz="914400" rtl="0" eaLnBrk="0" fontAlgn="base" latinLnBrk="0" hangingPunct="0">
+                  <a:lnSpc>
+                    <a:spcPct val="100000"/>
+                  </a:lnSpc>
+                  <a:spcBef>
+                    <a:spcPct val="0"/>
+                  </a:spcBef>
+                  <a:spcAft>
+                    <a:spcPct val="0"/>
+                  </a:spcAft>
+                  <a:buClrTx/>
+                  <a:buSzTx/>
+                  <a:buFontTx/>
+                  <a:buNone/>
+                  <a:tabLst/>
+                </a:pPr>
+                <a:r>
+                  <a:rPr kumimoji="0" lang="en-US" sz="2400" b="0" i="0" u="none" strike="noStrike" cap="none" normalizeH="0" baseline="0" dirty="0" err="1">
+                    <a:ln>
+                      <a:noFill/>
+                    </a:ln>
+                    <a:solidFill>
+                      <a:srgbClr val="004C5E"/>
+                    </a:solidFill>
+                    <a:effectLst/>
+                    <a:latin typeface="Arial" charset="0"/>
+                    <a:ea typeface="ＭＳ Ｐゴシック" pitchFamily="20" charset="-128"/>
+                  </a:rPr>
+                  <a:t>C</a:t>
+                </a:r>
+                <a:r>
+                  <a:rPr lang="en-US" i="1" baseline="-25000" dirty="0" err="1">
+                    <a:solidFill>
+                      <a:srgbClr val="004C5E"/>
+                    </a:solidFill>
+                  </a:rPr>
+                  <a:t>j</a:t>
+                </a:r>
+                <a:endParaRPr kumimoji="0" lang="en-US" sz="2400" b="0" i="1" u="none" strike="noStrike" cap="none" normalizeH="0" baseline="-25000" dirty="0">
+                  <a:ln>
+                    <a:noFill/>
+                  </a:ln>
+                  <a:solidFill>
+                    <a:srgbClr val="004C5E"/>
+                  </a:solidFill>
+                  <a:effectLst/>
+                  <a:latin typeface="Arial" charset="0"/>
+                  <a:ea typeface="ＭＳ Ｐゴシック" pitchFamily="20" charset="-128"/>
+                </a:endParaRPr>
+              </a:p>
+            </p:txBody>
+          </p:sp>
+          <p:sp>
+            <p:nvSpPr>
+              <p:cNvPr id="15" name="Rounded Rectangle 14">
+                <a:extLst>
+                  <a:ext uri="{FF2B5EF4-FFF2-40B4-BE49-F238E27FC236}">
+                    <a16:creationId xmlns:a16="http://schemas.microsoft.com/office/drawing/2014/main" id="{9A70BF44-C5AC-85B5-01B3-0B3DB06EE556}"/>
+                  </a:ext>
+                </a:extLst>
+              </p:cNvPr>
+              <p:cNvSpPr/>
+              <p:nvPr/>
+            </p:nvSpPr>
+            <p:spPr bwMode="auto">
+              <a:xfrm>
+                <a:off x="3522561" y="4320249"/>
+                <a:ext cx="544010" cy="567159"/>
+              </a:xfrm>
+              <a:prstGeom prst="roundRect">
+                <a:avLst/>
+              </a:prstGeom>
+              <a:noFill/>
+              <a:ln w="9525" cap="flat" cmpd="sng" algn="ctr">
+                <a:solidFill>
+                  <a:srgbClr val="FFA800"/>
+                </a:solidFill>
+                <a:prstDash val="solid"/>
+                <a:round/>
+                <a:headEnd type="none" w="med" len="med"/>
+                <a:tailEnd type="none" w="med" len="med"/>
+              </a:ln>
+              <a:effectLst/>
+            </p:spPr>
+            <p:txBody>
+              <a:bodyPr vert="horz" wrap="square" lIns="91440" tIns="45720" rIns="91440" bIns="45720" numCol="1" rtlCol="0" anchor="ctr" anchorCtr="0" compatLnSpc="1">
+                <a:prstTxWarp prst="textNoShape">
+                  <a:avLst/>
+                </a:prstTxWarp>
+              </a:bodyPr>
+              <a:lstStyle/>
+              <a:p>
+                <a:pPr marL="0" marR="0" indent="0" algn="ctr" defTabSz="914400" rtl="0" eaLnBrk="0" fontAlgn="base" latinLnBrk="0" hangingPunct="0">
+                  <a:lnSpc>
+                    <a:spcPct val="100000"/>
+                  </a:lnSpc>
+                  <a:spcBef>
+                    <a:spcPct val="0"/>
+                  </a:spcBef>
+                  <a:spcAft>
+                    <a:spcPct val="0"/>
+                  </a:spcAft>
+                  <a:buClrTx/>
+                  <a:buSzTx/>
+                  <a:buFontTx/>
+                  <a:buNone/>
+                  <a:tabLst/>
+                </a:pPr>
+                <a:r>
+                  <a:rPr kumimoji="0" lang="en-US" sz="2400" b="0" i="0" u="none" strike="noStrike" cap="none" normalizeH="0" baseline="0" dirty="0">
+                    <a:ln>
+                      <a:noFill/>
+                    </a:ln>
+                    <a:solidFill>
+                      <a:srgbClr val="004C5E"/>
+                    </a:solidFill>
+                    <a:effectLst/>
+                    <a:latin typeface="Arial" charset="0"/>
+                    <a:ea typeface="ＭＳ Ｐゴシック" pitchFamily="20" charset="-128"/>
+                  </a:rPr>
+                  <a:t>C</a:t>
+                </a:r>
+                <a:r>
+                  <a:rPr lang="en-US" i="1" baseline="-25000" dirty="0">
+                    <a:solidFill>
+                      <a:srgbClr val="004C5E"/>
+                    </a:solidFill>
+                  </a:rPr>
+                  <a:t>l</a:t>
+                </a:r>
+                <a:endParaRPr kumimoji="0" lang="en-US" sz="2400" b="0" i="1" u="none" strike="noStrike" cap="none" normalizeH="0" baseline="-25000" dirty="0">
+                  <a:ln>
+                    <a:noFill/>
+                  </a:ln>
+                  <a:solidFill>
+                    <a:srgbClr val="004C5E"/>
+                  </a:solidFill>
+                  <a:effectLst/>
+                  <a:latin typeface="Arial" charset="0"/>
+                  <a:ea typeface="ＭＳ Ｐゴシック" pitchFamily="20" charset="-128"/>
+                </a:endParaRPr>
+              </a:p>
+            </p:txBody>
+          </p:sp>
+          <p:sp>
+            <p:nvSpPr>
+              <p:cNvPr id="16" name="Rounded Rectangle 15">
+                <a:extLst>
+                  <a:ext uri="{FF2B5EF4-FFF2-40B4-BE49-F238E27FC236}">
+                    <a16:creationId xmlns:a16="http://schemas.microsoft.com/office/drawing/2014/main" id="{AAB0FE95-19E5-BBB1-21F4-4A392319EC3F}"/>
+                  </a:ext>
+                </a:extLst>
+              </p:cNvPr>
+              <p:cNvSpPr/>
+              <p:nvPr/>
+            </p:nvSpPr>
+            <p:spPr bwMode="auto">
+              <a:xfrm>
+                <a:off x="2881131" y="4320249"/>
+                <a:ext cx="544010" cy="567159"/>
+              </a:xfrm>
+              <a:prstGeom prst="roundRect">
+                <a:avLst/>
+              </a:prstGeom>
+              <a:noFill/>
+              <a:ln w="9525" cap="flat" cmpd="sng" algn="ctr">
+                <a:solidFill>
+                  <a:srgbClr val="FFA800"/>
+                </a:solidFill>
+                <a:prstDash val="solid"/>
+                <a:round/>
+                <a:headEnd type="none" w="med" len="med"/>
+                <a:tailEnd type="none" w="med" len="med"/>
+              </a:ln>
+              <a:effectLst/>
+            </p:spPr>
+            <p:txBody>
+              <a:bodyPr vert="horz" wrap="square" lIns="72000" tIns="45720" rIns="72000" bIns="45720" numCol="1" rtlCol="0" anchor="ctr" anchorCtr="0" compatLnSpc="1">
+                <a:prstTxWarp prst="textNoShape">
+                  <a:avLst/>
+                </a:prstTxWarp>
+              </a:bodyPr>
+              <a:lstStyle/>
+              <a:p>
+                <a:pPr marL="0" marR="0" indent="0" algn="ctr" defTabSz="914400" rtl="0" eaLnBrk="0" fontAlgn="base" latinLnBrk="0" hangingPunct="0">
+                  <a:lnSpc>
+                    <a:spcPct val="100000"/>
+                  </a:lnSpc>
+                  <a:spcBef>
+                    <a:spcPct val="0"/>
+                  </a:spcBef>
+                  <a:spcAft>
+                    <a:spcPct val="0"/>
+                  </a:spcAft>
+                  <a:buClrTx/>
+                  <a:buSzTx/>
+                  <a:buFontTx/>
+                  <a:buNone/>
+                  <a:tabLst/>
+                </a:pPr>
+                <a:r>
+                  <a:rPr kumimoji="0" lang="en-US" sz="2400" b="0" i="0" u="none" strike="noStrike" cap="none" normalizeH="0" baseline="0" dirty="0" err="1">
+                    <a:ln>
+                      <a:noFill/>
+                    </a:ln>
+                    <a:solidFill>
+                      <a:srgbClr val="004C5E"/>
+                    </a:solidFill>
+                    <a:effectLst/>
+                    <a:latin typeface="Arial" charset="0"/>
+                    <a:ea typeface="ＭＳ Ｐゴシック" pitchFamily="20" charset="-128"/>
+                  </a:rPr>
+                  <a:t>C</a:t>
+                </a:r>
+                <a:r>
+                  <a:rPr lang="en-US" i="1" baseline="-25000" dirty="0" err="1">
+                    <a:solidFill>
+                      <a:srgbClr val="004C5E"/>
+                    </a:solidFill>
+                  </a:rPr>
+                  <a:t>k</a:t>
+                </a:r>
+                <a:endParaRPr kumimoji="0" lang="en-US" sz="2400" b="0" i="1" u="none" strike="noStrike" cap="none" normalizeH="0" baseline="-25000" dirty="0">
+                  <a:ln>
+                    <a:noFill/>
+                  </a:ln>
+                  <a:solidFill>
+                    <a:srgbClr val="004C5E"/>
+                  </a:solidFill>
+                  <a:effectLst/>
+                  <a:latin typeface="Arial" charset="0"/>
+                  <a:ea typeface="ＭＳ Ｐゴシック" pitchFamily="20" charset="-128"/>
+                </a:endParaRPr>
+              </a:p>
+            </p:txBody>
+          </p:sp>
+        </p:grpSp>
+        <p:sp>
+          <p:nvSpPr>
+            <p:cNvPr id="18" name="Rounded Rectangle 17">
+              <a:extLst>
+                <a:ext uri="{FF2B5EF4-FFF2-40B4-BE49-F238E27FC236}">
+                  <a16:creationId xmlns:a16="http://schemas.microsoft.com/office/drawing/2014/main" id="{A0DCE57E-419C-0B0B-7CEE-5F62865CC58A}"/>
+                </a:ext>
+              </a:extLst>
+            </p:cNvPr>
+            <p:cNvSpPr/>
+            <p:nvPr/>
+          </p:nvSpPr>
+          <p:spPr bwMode="auto">
+            <a:xfrm>
+              <a:off x="1157468" y="5156520"/>
+              <a:ext cx="4402993" cy="1269179"/>
+            </a:xfrm>
+            <a:prstGeom prst="roundRect">
+              <a:avLst/>
+            </a:prstGeom>
+            <a:noFill/>
+            <a:ln w="9525" cap="flat" cmpd="sng" algn="ctr">
+              <a:solidFill>
+                <a:srgbClr val="FFA800"/>
+              </a:solidFill>
+              <a:prstDash val="solid"/>
+              <a:round/>
+              <a:headEnd type="none" w="med" len="med"/>
+              <a:tailEnd type="none" w="med" len="med"/>
+            </a:ln>
+            <a:effectLst/>
+          </p:spPr>
+          <p:txBody>
+            <a:bodyPr vert="horz" wrap="square" lIns="91440" tIns="45720" rIns="91440" bIns="45720" numCol="1" rtlCol="0" anchor="ctr" anchorCtr="0" compatLnSpc="1">
+              <a:prstTxWarp prst="textNoShape">
+                <a:avLst/>
+              </a:prstTxWarp>
+            </a:bodyPr>
+            <a:lstStyle/>
+            <a:p>
+              <a:pPr marL="0" marR="0" indent="0" defTabSz="914400" rtl="0" eaLnBrk="0" fontAlgn="base" latinLnBrk="0" hangingPunct="0">
+                <a:lnSpc>
+                  <a:spcPct val="100000"/>
+                </a:lnSpc>
+                <a:spcBef>
+                  <a:spcPct val="0"/>
+                </a:spcBef>
+                <a:spcAft>
+                  <a:spcPct val="0"/>
+                </a:spcAft>
+                <a:buClrTx/>
+                <a:buSzTx/>
+                <a:buFontTx/>
+                <a:buNone/>
+                <a:tabLst/>
+              </a:pPr>
+              <a:r>
+                <a:rPr kumimoji="0" lang="en-US" sz="2400" b="0" u="none" strike="noStrike" cap="none" normalizeH="0" dirty="0">
+                  <a:ln>
+                    <a:noFill/>
+                  </a:ln>
+                  <a:solidFill>
+                    <a:srgbClr val="004C5E"/>
+                  </a:solidFill>
+                  <a:effectLst/>
+                </a:rPr>
+                <a:t>Load 2x4 operands in register</a:t>
+              </a:r>
+            </a:p>
+            <a:p>
+              <a:pPr marL="0" marR="0" indent="0" defTabSz="914400" rtl="0" eaLnBrk="0" fontAlgn="base" latinLnBrk="0" hangingPunct="0">
+                <a:lnSpc>
+                  <a:spcPct val="100000"/>
+                </a:lnSpc>
+                <a:spcBef>
+                  <a:spcPct val="0"/>
+                </a:spcBef>
+                <a:spcAft>
+                  <a:spcPct val="0"/>
+                </a:spcAft>
+                <a:buClrTx/>
+                <a:buSzTx/>
+                <a:buFontTx/>
+                <a:buNone/>
+                <a:tabLst/>
+              </a:pPr>
+              <a:r>
+                <a:rPr lang="en-US" dirty="0">
+                  <a:solidFill>
+                    <a:srgbClr val="004C5E"/>
+                  </a:solidFill>
+                </a:rPr>
+                <a:t>Execute 1 </a:t>
+              </a:r>
+              <a:r>
+                <a:rPr lang="en-US" dirty="0" err="1">
+                  <a:solidFill>
+                    <a:srgbClr val="004C5E"/>
+                  </a:solidFill>
+                </a:rPr>
+                <a:t>vadd</a:t>
+              </a:r>
+              <a:r>
+                <a:rPr lang="en-US" dirty="0">
+                  <a:solidFill>
+                    <a:srgbClr val="004C5E"/>
+                  </a:solidFill>
+                </a:rPr>
+                <a:t> instruction</a:t>
+              </a:r>
+            </a:p>
+            <a:p>
+              <a:pPr marL="0" marR="0" indent="0" defTabSz="914400" rtl="0" eaLnBrk="0" fontAlgn="base" latinLnBrk="0" hangingPunct="0">
+                <a:lnSpc>
+                  <a:spcPct val="100000"/>
+                </a:lnSpc>
+                <a:spcBef>
+                  <a:spcPct val="0"/>
+                </a:spcBef>
+                <a:spcAft>
+                  <a:spcPct val="0"/>
+                </a:spcAft>
+                <a:buClrTx/>
+                <a:buSzTx/>
+                <a:buFontTx/>
+                <a:buNone/>
+                <a:tabLst/>
+              </a:pPr>
+              <a:r>
+                <a:rPr kumimoji="0" lang="en-US" sz="2400" b="0" u="none" strike="noStrike" cap="none" normalizeH="0" dirty="0">
+                  <a:ln>
+                    <a:noFill/>
+                  </a:ln>
+                  <a:solidFill>
+                    <a:srgbClr val="004C5E"/>
+                  </a:solidFill>
+                  <a:effectLst/>
+                </a:rPr>
+                <a:t>Store 1x4 results</a:t>
+              </a:r>
+            </a:p>
+          </p:txBody>
+        </p:sp>
+        <p:sp>
+          <p:nvSpPr>
+            <p:cNvPr id="19" name="Rounded Rectangle 18">
+              <a:extLst>
+                <a:ext uri="{FF2B5EF4-FFF2-40B4-BE49-F238E27FC236}">
+                  <a16:creationId xmlns:a16="http://schemas.microsoft.com/office/drawing/2014/main" id="{6EDC888C-ECD3-A741-11F4-CACE4ED41BF1}"/>
+                </a:ext>
+              </a:extLst>
+            </p:cNvPr>
+            <p:cNvSpPr/>
+            <p:nvPr/>
+          </p:nvSpPr>
+          <p:spPr bwMode="auto">
+            <a:xfrm>
+              <a:off x="1157468" y="1646498"/>
+              <a:ext cx="1645534" cy="567159"/>
+            </a:xfrm>
+            <a:prstGeom prst="roundRect">
+              <a:avLst/>
+            </a:prstGeom>
+            <a:noFill/>
+            <a:ln w="9525" cap="flat" cmpd="sng" algn="ctr">
+              <a:solidFill>
+                <a:schemeClr val="tx1">
+                  <a:lumMod val="65000"/>
+                  <a:lumOff val="35000"/>
+                </a:schemeClr>
+              </a:solidFill>
+              <a:prstDash val="sysDot"/>
+              <a:round/>
+              <a:headEnd type="none" w="med" len="med"/>
+              <a:tailEnd type="none" w="med" len="med"/>
+            </a:ln>
+            <a:effectLst/>
+          </p:spPr>
+          <p:txBody>
+            <a:bodyPr vert="horz" wrap="square" lIns="91440" tIns="45720" rIns="91440" bIns="45720" numCol="1" rtlCol="0" anchor="ctr" anchorCtr="0" compatLnSpc="1">
+              <a:prstTxWarp prst="textNoShape">
+                <a:avLst/>
+              </a:prstTxWarp>
+            </a:bodyPr>
+            <a:lstStyle/>
+            <a:p>
+              <a:pPr marL="0" marR="0" indent="0" algn="ctr" defTabSz="914400" rtl="0" eaLnBrk="0" fontAlgn="base" latinLnBrk="0" hangingPunct="0">
+                <a:lnSpc>
+                  <a:spcPct val="100000"/>
+                </a:lnSpc>
+                <a:spcBef>
+                  <a:spcPct val="0"/>
+                </a:spcBef>
+                <a:spcAft>
+                  <a:spcPct val="0"/>
+                </a:spcAft>
+                <a:buClrTx/>
+                <a:buSzTx/>
+                <a:buFontTx/>
+                <a:buNone/>
+                <a:tabLst/>
+              </a:pPr>
+              <a:r>
+                <a:rPr kumimoji="0" lang="en-US" sz="2400" b="0" i="0" u="none" strike="noStrike" cap="none" normalizeH="0" baseline="0" dirty="0">
+                  <a:ln>
+                    <a:noFill/>
+                  </a:ln>
+                  <a:solidFill>
+                    <a:schemeClr val="tx1">
+                      <a:lumMod val="65000"/>
+                      <a:lumOff val="35000"/>
+                    </a:schemeClr>
+                  </a:solidFill>
+                  <a:effectLst/>
+                  <a:latin typeface="Arial" charset="0"/>
+                  <a:ea typeface="ＭＳ Ｐゴシック" pitchFamily="20" charset="-128"/>
+                </a:rPr>
+                <a:t>Register 1</a:t>
+              </a:r>
+              <a:endParaRPr kumimoji="0" lang="en-US" sz="2400" b="0" i="1" u="none" strike="noStrike" cap="none" normalizeH="0" baseline="-25000" dirty="0">
+                <a:ln>
+                  <a:noFill/>
+                </a:ln>
+                <a:solidFill>
+                  <a:schemeClr val="tx1">
+                    <a:lumMod val="65000"/>
+                    <a:lumOff val="35000"/>
+                  </a:schemeClr>
+                </a:solidFill>
+                <a:effectLst/>
+                <a:latin typeface="Arial" charset="0"/>
+                <a:ea typeface="ＭＳ Ｐゴシック" pitchFamily="20" charset="-128"/>
+              </a:endParaRPr>
+            </a:p>
+          </p:txBody>
+        </p:sp>
+        <p:sp>
+          <p:nvSpPr>
+            <p:cNvPr id="20" name="Rounded Rectangle 19">
+              <a:extLst>
+                <a:ext uri="{FF2B5EF4-FFF2-40B4-BE49-F238E27FC236}">
+                  <a16:creationId xmlns:a16="http://schemas.microsoft.com/office/drawing/2014/main" id="{F216D38E-5D66-3A1E-FB7C-C5D19EF4D004}"/>
+                </a:ext>
+              </a:extLst>
+            </p:cNvPr>
+            <p:cNvSpPr/>
+            <p:nvPr/>
+          </p:nvSpPr>
+          <p:spPr bwMode="auto">
+            <a:xfrm>
+              <a:off x="1171936" y="2816505"/>
+              <a:ext cx="1645534" cy="567159"/>
+            </a:xfrm>
+            <a:prstGeom prst="roundRect">
+              <a:avLst/>
+            </a:prstGeom>
+            <a:noFill/>
+            <a:ln w="9525" cap="flat" cmpd="sng" algn="ctr">
+              <a:solidFill>
+                <a:schemeClr val="tx1">
+                  <a:lumMod val="65000"/>
+                  <a:lumOff val="35000"/>
+                </a:schemeClr>
+              </a:solidFill>
+              <a:prstDash val="sysDot"/>
+              <a:round/>
+              <a:headEnd type="none" w="med" len="med"/>
+              <a:tailEnd type="none" w="med" len="med"/>
+            </a:ln>
+            <a:effectLst/>
+          </p:spPr>
+          <p:txBody>
+            <a:bodyPr vert="horz" wrap="square" lIns="91440" tIns="45720" rIns="91440" bIns="45720" numCol="1" rtlCol="0" anchor="ctr" anchorCtr="0" compatLnSpc="1">
+              <a:prstTxWarp prst="textNoShape">
+                <a:avLst/>
+              </a:prstTxWarp>
+            </a:bodyPr>
+            <a:lstStyle/>
+            <a:p>
+              <a:pPr marL="0" marR="0" indent="0" algn="ctr" defTabSz="914400" rtl="0" eaLnBrk="0" fontAlgn="base" latinLnBrk="0" hangingPunct="0">
+                <a:lnSpc>
+                  <a:spcPct val="100000"/>
+                </a:lnSpc>
+                <a:spcBef>
+                  <a:spcPct val="0"/>
+                </a:spcBef>
+                <a:spcAft>
+                  <a:spcPct val="0"/>
+                </a:spcAft>
+                <a:buClrTx/>
+                <a:buSzTx/>
+                <a:buFontTx/>
+                <a:buNone/>
+                <a:tabLst/>
+              </a:pPr>
+              <a:r>
+                <a:rPr kumimoji="0" lang="en-US" sz="2400" b="0" i="0" u="none" strike="noStrike" cap="none" normalizeH="0" baseline="0" dirty="0">
+                  <a:ln>
+                    <a:noFill/>
+                  </a:ln>
+                  <a:solidFill>
+                    <a:schemeClr val="tx1">
+                      <a:lumMod val="65000"/>
+                      <a:lumOff val="35000"/>
+                    </a:schemeClr>
+                  </a:solidFill>
+                  <a:effectLst/>
+                  <a:latin typeface="Arial" charset="0"/>
+                  <a:ea typeface="ＭＳ Ｐゴシック" pitchFamily="20" charset="-128"/>
+                </a:rPr>
+                <a:t>Register 2</a:t>
+              </a:r>
+              <a:endParaRPr kumimoji="0" lang="en-US" sz="2400" b="0" i="1" u="none" strike="noStrike" cap="none" normalizeH="0" baseline="-25000" dirty="0">
+                <a:ln>
+                  <a:noFill/>
+                </a:ln>
+                <a:solidFill>
+                  <a:schemeClr val="tx1">
+                    <a:lumMod val="65000"/>
+                    <a:lumOff val="35000"/>
+                  </a:schemeClr>
+                </a:solidFill>
+                <a:effectLst/>
+                <a:latin typeface="Arial" charset="0"/>
+                <a:ea typeface="ＭＳ Ｐゴシック" pitchFamily="20" charset="-128"/>
+              </a:endParaRPr>
+            </a:p>
+          </p:txBody>
+        </p:sp>
+        <p:sp>
+          <p:nvSpPr>
+            <p:cNvPr id="21" name="Rounded Rectangle 20">
+              <a:extLst>
+                <a:ext uri="{FF2B5EF4-FFF2-40B4-BE49-F238E27FC236}">
+                  <a16:creationId xmlns:a16="http://schemas.microsoft.com/office/drawing/2014/main" id="{246EAD9E-85CD-3E45-E4CB-E9791DC15F47}"/>
+                </a:ext>
+              </a:extLst>
+            </p:cNvPr>
+            <p:cNvSpPr/>
+            <p:nvPr/>
+          </p:nvSpPr>
+          <p:spPr bwMode="auto">
+            <a:xfrm>
+              <a:off x="1157468" y="4024127"/>
+              <a:ext cx="1645534" cy="567159"/>
+            </a:xfrm>
+            <a:prstGeom prst="roundRect">
+              <a:avLst/>
+            </a:prstGeom>
+            <a:noFill/>
+            <a:ln w="9525" cap="flat" cmpd="sng" algn="ctr">
+              <a:solidFill>
+                <a:schemeClr val="tx1">
+                  <a:lumMod val="65000"/>
+                  <a:lumOff val="35000"/>
+                </a:schemeClr>
+              </a:solidFill>
+              <a:prstDash val="sysDot"/>
+              <a:round/>
+              <a:headEnd type="none" w="med" len="med"/>
+              <a:tailEnd type="none" w="med" len="med"/>
+            </a:ln>
+            <a:effectLst/>
+          </p:spPr>
+          <p:txBody>
+            <a:bodyPr vert="horz" wrap="square" lIns="91440" tIns="45720" rIns="91440" bIns="45720" numCol="1" rtlCol="0" anchor="ctr" anchorCtr="0" compatLnSpc="1">
+              <a:prstTxWarp prst="textNoShape">
+                <a:avLst/>
+              </a:prstTxWarp>
+            </a:bodyPr>
+            <a:lstStyle/>
+            <a:p>
+              <a:pPr marL="0" marR="0" indent="0" algn="ctr" defTabSz="914400" rtl="0" eaLnBrk="0" fontAlgn="base" latinLnBrk="0" hangingPunct="0">
+                <a:lnSpc>
+                  <a:spcPct val="100000"/>
+                </a:lnSpc>
+                <a:spcBef>
+                  <a:spcPct val="0"/>
+                </a:spcBef>
+                <a:spcAft>
+                  <a:spcPct val="0"/>
+                </a:spcAft>
+                <a:buClrTx/>
+                <a:buSzTx/>
+                <a:buFontTx/>
+                <a:buNone/>
+                <a:tabLst/>
+              </a:pPr>
+              <a:r>
+                <a:rPr kumimoji="0" lang="en-US" sz="2400" b="0" i="0" u="none" strike="noStrike" cap="none" normalizeH="0" baseline="0" dirty="0">
+                  <a:ln>
+                    <a:noFill/>
+                  </a:ln>
+                  <a:solidFill>
+                    <a:schemeClr val="tx1">
+                      <a:lumMod val="65000"/>
+                      <a:lumOff val="35000"/>
+                    </a:schemeClr>
+                  </a:solidFill>
+                  <a:effectLst/>
+                  <a:latin typeface="Arial" charset="0"/>
+                  <a:ea typeface="ＭＳ Ｐゴシック" pitchFamily="20" charset="-128"/>
+                </a:rPr>
+                <a:t>Register 3</a:t>
+              </a:r>
+              <a:endParaRPr kumimoji="0" lang="en-US" sz="2400" b="0" i="1" u="none" strike="noStrike" cap="none" normalizeH="0" baseline="-25000" dirty="0">
+                <a:ln>
+                  <a:noFill/>
+                </a:ln>
+                <a:solidFill>
+                  <a:schemeClr val="tx1">
+                    <a:lumMod val="65000"/>
+                    <a:lumOff val="35000"/>
+                  </a:schemeClr>
+                </a:solidFill>
+                <a:effectLst/>
+                <a:latin typeface="Arial" charset="0"/>
+                <a:ea typeface="ＭＳ Ｐゴシック" pitchFamily="20" charset="-128"/>
+              </a:endParaRPr>
+            </a:p>
+          </p:txBody>
+        </p:sp>
+        <p:sp>
+          <p:nvSpPr>
+            <p:cNvPr id="22" name="Rounded Rectangle 21">
+              <a:extLst>
+                <a:ext uri="{FF2B5EF4-FFF2-40B4-BE49-F238E27FC236}">
+                  <a16:creationId xmlns:a16="http://schemas.microsoft.com/office/drawing/2014/main" id="{1BF0F529-FA1D-531D-62F8-963BC9D45D92}"/>
+                </a:ext>
+              </a:extLst>
+            </p:cNvPr>
+            <p:cNvSpPr/>
+            <p:nvPr/>
+          </p:nvSpPr>
+          <p:spPr bwMode="auto">
+            <a:xfrm>
+              <a:off x="5939743" y="5156520"/>
+              <a:ext cx="2847100" cy="1269179"/>
+            </a:xfrm>
+            <a:prstGeom prst="roundRect">
+              <a:avLst/>
+            </a:prstGeom>
+            <a:noFill/>
+            <a:ln w="9525" cap="flat" cmpd="sng" algn="ctr">
+              <a:solidFill>
+                <a:srgbClr val="FFA800"/>
+              </a:solidFill>
+              <a:prstDash val="solid"/>
+              <a:round/>
+              <a:headEnd type="none" w="med" len="med"/>
+              <a:tailEnd type="none" w="med" len="med"/>
+            </a:ln>
+            <a:effectLst/>
+          </p:spPr>
+          <p:txBody>
+            <a:bodyPr vert="horz" wrap="square" lIns="91440" tIns="45720" rIns="91440" bIns="45720" numCol="1" rtlCol="0" anchor="ctr" anchorCtr="0" compatLnSpc="1">
+              <a:prstTxWarp prst="textNoShape">
+                <a:avLst/>
+              </a:prstTxWarp>
+            </a:bodyPr>
+            <a:lstStyle/>
+            <a:p>
+              <a:pPr marL="0" marR="0" indent="0" algn="ctr" defTabSz="914400" rtl="0" eaLnBrk="0" fontAlgn="base" latinLnBrk="0" hangingPunct="0">
+                <a:lnSpc>
+                  <a:spcPct val="100000"/>
+                </a:lnSpc>
+                <a:spcBef>
+                  <a:spcPct val="0"/>
+                </a:spcBef>
+                <a:spcAft>
+                  <a:spcPct val="0"/>
+                </a:spcAft>
+                <a:buClrTx/>
+                <a:buSzTx/>
+                <a:buFontTx/>
+                <a:buNone/>
+                <a:tabLst/>
+              </a:pPr>
+              <a:r>
+                <a:rPr kumimoji="0" lang="en-US" sz="2400" b="0" u="none" strike="noStrike" cap="none" normalizeH="0" dirty="0">
+                  <a:ln>
+                    <a:noFill/>
+                  </a:ln>
+                  <a:solidFill>
+                    <a:srgbClr val="004C5E"/>
+                  </a:solidFill>
+                  <a:effectLst/>
+                </a:rPr>
+                <a:t>Single Instruction Multiple Data</a:t>
+              </a:r>
+            </a:p>
+            <a:p>
+              <a:pPr marL="0" marR="0" indent="0" algn="ctr" defTabSz="914400" rtl="0" eaLnBrk="0" fontAlgn="base" latinLnBrk="0" hangingPunct="0">
+                <a:lnSpc>
+                  <a:spcPct val="100000"/>
+                </a:lnSpc>
+                <a:spcBef>
+                  <a:spcPct val="0"/>
+                </a:spcBef>
+                <a:spcAft>
+                  <a:spcPct val="0"/>
+                </a:spcAft>
+                <a:buClrTx/>
+                <a:buSzTx/>
+                <a:buFontTx/>
+                <a:buNone/>
+                <a:tabLst/>
+              </a:pPr>
+              <a:r>
+                <a:rPr lang="en-US" dirty="0">
+                  <a:solidFill>
+                    <a:srgbClr val="004C5E"/>
+                  </a:solidFill>
+                </a:rPr>
+                <a:t>(SIMD)</a:t>
+              </a:r>
+              <a:endParaRPr kumimoji="0" lang="en-US" sz="2400" b="0" u="none" strike="noStrike" cap="none" normalizeH="0" dirty="0">
+                <a:ln>
+                  <a:noFill/>
+                </a:ln>
+                <a:solidFill>
+                  <a:srgbClr val="004C5E"/>
+                </a:solidFill>
+                <a:effectLst/>
+              </a:endParaRPr>
+            </a:p>
+          </p:txBody>
+        </p:sp>
+        <p:sp>
+          <p:nvSpPr>
+            <p:cNvPr id="23" name="Rounded Rectangle 22">
+              <a:extLst>
+                <a:ext uri="{FF2B5EF4-FFF2-40B4-BE49-F238E27FC236}">
+                  <a16:creationId xmlns:a16="http://schemas.microsoft.com/office/drawing/2014/main" id="{53FB110D-FC9E-848E-0E73-8B0129E428F0}"/>
+                </a:ext>
+              </a:extLst>
+            </p:cNvPr>
+            <p:cNvSpPr/>
+            <p:nvPr/>
+          </p:nvSpPr>
+          <p:spPr bwMode="auto">
+            <a:xfrm>
+              <a:off x="5939742" y="1579067"/>
+              <a:ext cx="2847100" cy="2445060"/>
+            </a:xfrm>
+            <a:prstGeom prst="roundRect">
+              <a:avLst/>
+            </a:prstGeom>
+            <a:noFill/>
+            <a:ln w="9525" cap="flat" cmpd="sng" algn="ctr">
+              <a:solidFill>
+                <a:srgbClr val="FFA800"/>
+              </a:solidFill>
+              <a:prstDash val="solid"/>
+              <a:round/>
+              <a:headEnd type="none" w="med" len="med"/>
+              <a:tailEnd type="none" w="med" len="med"/>
+            </a:ln>
+            <a:effectLst/>
+          </p:spPr>
+          <p:txBody>
+            <a:bodyPr vert="horz" wrap="square" lIns="91440" tIns="45720" rIns="91440" bIns="45720" numCol="1" rtlCol="0" anchor="ctr" anchorCtr="0" compatLnSpc="1">
+              <a:prstTxWarp prst="textNoShape">
+                <a:avLst/>
+              </a:prstTxWarp>
+            </a:bodyPr>
+            <a:lstStyle/>
+            <a:p>
+              <a:pPr marL="0" marR="0" indent="0" algn="ctr" defTabSz="914400" rtl="0" eaLnBrk="0" fontAlgn="base" latinLnBrk="0" hangingPunct="0">
+                <a:lnSpc>
+                  <a:spcPct val="100000"/>
+                </a:lnSpc>
+                <a:spcBef>
+                  <a:spcPct val="0"/>
+                </a:spcBef>
+                <a:spcAft>
+                  <a:spcPct val="0"/>
+                </a:spcAft>
+                <a:buClrTx/>
+                <a:buSzTx/>
+                <a:buFontTx/>
+                <a:buNone/>
+                <a:tabLst/>
+              </a:pPr>
+              <a:r>
+                <a:rPr kumimoji="0" lang="en-US" sz="2400" b="0" u="none" strike="noStrike" cap="none" normalizeH="0" dirty="0">
+                  <a:ln>
+                    <a:noFill/>
+                  </a:ln>
+                  <a:solidFill>
+                    <a:srgbClr val="004C5E"/>
+                  </a:solidFill>
+                  <a:effectLst/>
+                </a:rPr>
+                <a:t>Potentially 4x faster</a:t>
+              </a:r>
+            </a:p>
+            <a:p>
+              <a:pPr marL="0" marR="0" indent="0" algn="ctr" defTabSz="914400" rtl="0" eaLnBrk="0" fontAlgn="base" latinLnBrk="0" hangingPunct="0">
+                <a:lnSpc>
+                  <a:spcPct val="100000"/>
+                </a:lnSpc>
+                <a:spcBef>
+                  <a:spcPct val="0"/>
+                </a:spcBef>
+                <a:spcAft>
+                  <a:spcPct val="0"/>
+                </a:spcAft>
+                <a:buClrTx/>
+                <a:buSzTx/>
+                <a:buFontTx/>
+                <a:buNone/>
+                <a:tabLst/>
+              </a:pPr>
+              <a:r>
+                <a:rPr lang="en-US" dirty="0">
+                  <a:solidFill>
+                    <a:srgbClr val="004C5E"/>
+                  </a:solidFill>
+                </a:rPr>
+                <a:t>[</a:t>
+              </a:r>
+              <a:r>
+                <a:rPr lang="en-US" i="1" dirty="0">
+                  <a:solidFill>
+                    <a:srgbClr val="C00000"/>
+                  </a:solidFill>
+                </a:rPr>
+                <a:t>if the loads and stores can be executed fast enough</a:t>
+              </a:r>
+              <a:r>
+                <a:rPr lang="en-US" dirty="0">
+                  <a:solidFill>
+                    <a:srgbClr val="004C5E"/>
+                  </a:solidFill>
+                </a:rPr>
+                <a:t>]</a:t>
+              </a:r>
+              <a:endParaRPr kumimoji="0" lang="en-US" sz="2400" b="0" u="none" strike="noStrike" cap="none" normalizeH="0" dirty="0">
+                <a:ln>
+                  <a:noFill/>
+                </a:ln>
+                <a:solidFill>
+                  <a:srgbClr val="004C5E"/>
+                </a:solidFill>
+                <a:effectLst/>
+              </a:endParaRPr>
+            </a:p>
+          </p:txBody>
+        </p:sp>
+        <p:sp>
+          <p:nvSpPr>
+            <p:cNvPr id="24" name="Rounded Rectangle 23">
+              <a:extLst>
+                <a:ext uri="{FF2B5EF4-FFF2-40B4-BE49-F238E27FC236}">
+                  <a16:creationId xmlns:a16="http://schemas.microsoft.com/office/drawing/2014/main" id="{DC3500A2-6B1D-4D36-E488-6FA01463E530}"/>
+                </a:ext>
+              </a:extLst>
+            </p:cNvPr>
+            <p:cNvSpPr/>
+            <p:nvPr/>
+          </p:nvSpPr>
+          <p:spPr bwMode="auto">
+            <a:xfrm>
+              <a:off x="2872933" y="2249346"/>
+              <a:ext cx="1142998" cy="567159"/>
+            </a:xfrm>
+            <a:prstGeom prst="roundRect">
+              <a:avLst/>
+            </a:prstGeom>
+            <a:noFill/>
+            <a:ln w="9525" cap="flat" cmpd="sng" algn="ctr">
+              <a:noFill/>
+              <a:prstDash val="solid"/>
+              <a:round/>
+              <a:headEnd type="none" w="med" len="med"/>
+              <a:tailEnd type="none" w="med" len="med"/>
+            </a:ln>
+            <a:effectLst/>
+          </p:spPr>
+          <p:txBody>
+            <a:bodyPr vert="horz" wrap="square" lIns="91440" tIns="45720" rIns="91440" bIns="45720" numCol="1" rtlCol="0" anchor="ctr" anchorCtr="0" compatLnSpc="1">
+              <a:prstTxWarp prst="textNoShape">
+                <a:avLst/>
+              </a:prstTxWarp>
+            </a:bodyPr>
+            <a:lstStyle/>
+            <a:p>
+              <a:pPr marL="0" marR="0" indent="0" algn="ctr" defTabSz="914400" rtl="0" eaLnBrk="0" fontAlgn="base" latinLnBrk="0" hangingPunct="0">
+                <a:lnSpc>
+                  <a:spcPct val="100000"/>
+                </a:lnSpc>
+                <a:spcBef>
+                  <a:spcPct val="0"/>
+                </a:spcBef>
+                <a:spcAft>
+                  <a:spcPct val="0"/>
+                </a:spcAft>
+                <a:buClrTx/>
+                <a:buSzTx/>
+                <a:buFontTx/>
+                <a:buNone/>
+                <a:tabLst/>
+              </a:pPr>
+              <a:r>
+                <a:rPr kumimoji="0" lang="en-US" sz="2400" b="0" i="0" u="none" strike="noStrike" cap="none" normalizeH="0" baseline="0" dirty="0">
+                  <a:ln>
+                    <a:noFill/>
+                  </a:ln>
+                  <a:solidFill>
+                    <a:srgbClr val="C00000"/>
+                  </a:solidFill>
+                  <a:effectLst/>
+                  <a:latin typeface="Arial" charset="0"/>
+                  <a:ea typeface="ＭＳ Ｐゴシック" pitchFamily="20" charset="-128"/>
+                </a:rPr>
+                <a:t>+</a:t>
+              </a:r>
+              <a:r>
+                <a:rPr kumimoji="0" lang="en-US" sz="2400" b="0" i="0" u="none" strike="noStrike" cap="none" normalizeH="0" baseline="-25000" dirty="0">
+                  <a:ln>
+                    <a:noFill/>
+                  </a:ln>
+                  <a:solidFill>
+                    <a:srgbClr val="C00000"/>
+                  </a:solidFill>
+                  <a:effectLst/>
+                  <a:latin typeface="Arial" charset="0"/>
+                  <a:ea typeface="ＭＳ Ｐゴシック" pitchFamily="20" charset="-128"/>
+                </a:rPr>
+                <a:t>vector</a:t>
+              </a:r>
+              <a:endParaRPr kumimoji="0" lang="en-US" sz="2400" b="0" i="1" u="none" strike="noStrike" cap="none" normalizeH="0" baseline="-25000" dirty="0">
+                <a:ln>
+                  <a:noFill/>
+                </a:ln>
+                <a:solidFill>
+                  <a:srgbClr val="C00000"/>
+                </a:solidFill>
+                <a:effectLst/>
+                <a:latin typeface="Arial" charset="0"/>
+                <a:ea typeface="ＭＳ Ｐゴシック" pitchFamily="20" charset="-128"/>
+              </a:endParaRPr>
+            </a:p>
+          </p:txBody>
+        </p:sp>
+        <p:sp>
+          <p:nvSpPr>
+            <p:cNvPr id="25" name="Rounded Rectangle 24">
+              <a:extLst>
+                <a:ext uri="{FF2B5EF4-FFF2-40B4-BE49-F238E27FC236}">
+                  <a16:creationId xmlns:a16="http://schemas.microsoft.com/office/drawing/2014/main" id="{37408EBE-E598-1DC1-7CA3-F1C954A1CA01}"/>
+                </a:ext>
+              </a:extLst>
+            </p:cNvPr>
+            <p:cNvSpPr/>
+            <p:nvPr/>
+          </p:nvSpPr>
+          <p:spPr bwMode="auto">
+            <a:xfrm>
+              <a:off x="2900422" y="3415835"/>
+              <a:ext cx="1018572" cy="567159"/>
+            </a:xfrm>
+            <a:prstGeom prst="roundRect">
+              <a:avLst/>
+            </a:prstGeom>
+            <a:noFill/>
+            <a:ln w="9525" cap="flat" cmpd="sng" algn="ctr">
+              <a:noFill/>
+              <a:prstDash val="solid"/>
+              <a:round/>
+              <a:headEnd type="none" w="med" len="med"/>
+              <a:tailEnd type="none" w="med" len="med"/>
+            </a:ln>
+            <a:effectLst/>
+          </p:spPr>
+          <p:txBody>
+            <a:bodyPr vert="horz" wrap="square" lIns="91440" tIns="45720" rIns="91440" bIns="45720" numCol="1" rtlCol="0" anchor="ctr" anchorCtr="0" compatLnSpc="1">
+              <a:prstTxWarp prst="textNoShape">
+                <a:avLst/>
+              </a:prstTxWarp>
+            </a:bodyPr>
+            <a:lstStyle/>
+            <a:p>
+              <a:pPr marL="0" marR="0" indent="0" algn="ctr" defTabSz="914400" rtl="0" eaLnBrk="0" fontAlgn="base" latinLnBrk="0" hangingPunct="0">
+                <a:lnSpc>
+                  <a:spcPct val="100000"/>
+                </a:lnSpc>
+                <a:spcBef>
+                  <a:spcPct val="0"/>
+                </a:spcBef>
+                <a:spcAft>
+                  <a:spcPct val="0"/>
+                </a:spcAft>
+                <a:buClrTx/>
+                <a:buSzTx/>
+                <a:buFontTx/>
+                <a:buNone/>
+                <a:tabLst/>
+              </a:pPr>
+              <a:r>
+                <a:rPr kumimoji="0" lang="en-US" sz="2400" b="0" i="0" u="none" strike="noStrike" cap="none" normalizeH="0" baseline="0" dirty="0">
+                  <a:ln>
+                    <a:noFill/>
+                  </a:ln>
+                  <a:solidFill>
+                    <a:srgbClr val="C00000"/>
+                  </a:solidFill>
+                  <a:effectLst/>
+                  <a:latin typeface="Arial" charset="0"/>
+                  <a:ea typeface="ＭＳ Ｐゴシック" pitchFamily="20" charset="-128"/>
+                </a:rPr>
+                <a:t>=</a:t>
+              </a:r>
+              <a:r>
+                <a:rPr kumimoji="0" lang="en-US" sz="2400" b="0" i="0" u="none" strike="noStrike" cap="none" normalizeH="0" baseline="-25000" dirty="0">
+                  <a:ln>
+                    <a:noFill/>
+                  </a:ln>
+                  <a:solidFill>
+                    <a:srgbClr val="C00000"/>
+                  </a:solidFill>
+                  <a:effectLst/>
+                  <a:latin typeface="Arial" charset="0"/>
+                  <a:ea typeface="ＭＳ Ｐゴシック" pitchFamily="20" charset="-128"/>
+                </a:rPr>
+                <a:t>vector</a:t>
+              </a:r>
+              <a:endParaRPr kumimoji="0" lang="en-US" sz="2400" b="0" i="1" u="none" strike="noStrike" cap="none" normalizeH="0" baseline="-25000" dirty="0">
+                <a:ln>
+                  <a:noFill/>
+                </a:ln>
+                <a:solidFill>
+                  <a:srgbClr val="C00000"/>
+                </a:solidFill>
+                <a:effectLst/>
+                <a:latin typeface="Arial" charset="0"/>
+                <a:ea typeface="ＭＳ Ｐゴシック" pitchFamily="20" charset="-128"/>
+              </a:endParaRPr>
+            </a:p>
+          </p:txBody>
+        </p:sp>
+      </p:grpSp>
+    </p:spTree>
+    <p:extLst>
+      <p:ext uri="{BB962C8B-B14F-4D97-AF65-F5344CB8AC3E}">
+        <p14:creationId xmlns:p14="http://schemas.microsoft.com/office/powerpoint/2010/main" val="178412130"/>
       </p:ext>
     </p:extLst>
   </p:cSld>
@@ -24917,3173 +25302,151 @@
           <a:chExt cx="0" cy="0"/>
         </a:xfrm>
       </p:grpSpPr>
-      <p:graphicFrame>
-        <p:nvGraphicFramePr>
-          <p:cNvPr id="6" name="Content Placeholder 5"/>
-          <p:cNvGraphicFramePr>
-            <a:graphicFrameLocks noGrp="1"/>
-          </p:cNvGraphicFramePr>
-          <p:nvPr>
-            <p:ph idx="1"/>
-          </p:nvPr>
-        </p:nvGraphicFramePr>
-        <p:xfrm>
-          <a:off x="2639617" y="1556792"/>
-          <a:ext cx="7200795" cy="2952800"/>
-        </p:xfrm>
-        <a:graphic>
-          <a:graphicData uri="http://schemas.openxmlformats.org/drawingml/2006/table">
-            <a:tbl>
-              <a:tblPr firstRow="1" bandRow="1">
-                <a:tableStyleId>{46F890A9-2807-4EBB-B81D-B2AA78EC7F39}</a:tableStyleId>
-              </a:tblPr>
-              <a:tblGrid>
-                <a:gridCol w="522058">
-                  <a:extLst>
-                    <a:ext uri="{9D8B030D-6E8A-4147-A177-3AD203B41FA5}">
-                      <a16:colId xmlns:a16="http://schemas.microsoft.com/office/drawing/2014/main" val="20000"/>
-                    </a:ext>
-                  </a:extLst>
-                </a:gridCol>
-                <a:gridCol w="522058">
-                  <a:extLst>
-                    <a:ext uri="{9D8B030D-6E8A-4147-A177-3AD203B41FA5}">
-                      <a16:colId xmlns:a16="http://schemas.microsoft.com/office/drawing/2014/main" val="20001"/>
-                    </a:ext>
-                  </a:extLst>
-                </a:gridCol>
-                <a:gridCol w="522058">
-                  <a:extLst>
-                    <a:ext uri="{9D8B030D-6E8A-4147-A177-3AD203B41FA5}">
-                      <a16:colId xmlns:a16="http://schemas.microsoft.com/office/drawing/2014/main" val="20002"/>
-                    </a:ext>
-                  </a:extLst>
-                </a:gridCol>
-                <a:gridCol w="522058">
-                  <a:extLst>
-                    <a:ext uri="{9D8B030D-6E8A-4147-A177-3AD203B41FA5}">
-                      <a16:colId xmlns:a16="http://schemas.microsoft.com/office/drawing/2014/main" val="20003"/>
-                    </a:ext>
-                  </a:extLst>
-                </a:gridCol>
-                <a:gridCol w="522058">
-                  <a:extLst>
-                    <a:ext uri="{9D8B030D-6E8A-4147-A177-3AD203B41FA5}">
-                      <a16:colId xmlns:a16="http://schemas.microsoft.com/office/drawing/2014/main" val="20004"/>
-                    </a:ext>
-                  </a:extLst>
-                </a:gridCol>
-                <a:gridCol w="522058">
-                  <a:extLst>
-                    <a:ext uri="{9D8B030D-6E8A-4147-A177-3AD203B41FA5}">
-                      <a16:colId xmlns:a16="http://schemas.microsoft.com/office/drawing/2014/main" val="20005"/>
-                    </a:ext>
-                  </a:extLst>
-                </a:gridCol>
-                <a:gridCol w="522058">
-                  <a:extLst>
-                    <a:ext uri="{9D8B030D-6E8A-4147-A177-3AD203B41FA5}">
-                      <a16:colId xmlns:a16="http://schemas.microsoft.com/office/drawing/2014/main" val="20006"/>
-                    </a:ext>
-                  </a:extLst>
-                </a:gridCol>
-                <a:gridCol w="522058">
-                  <a:extLst>
-                    <a:ext uri="{9D8B030D-6E8A-4147-A177-3AD203B41FA5}">
-                      <a16:colId xmlns:a16="http://schemas.microsoft.com/office/drawing/2014/main" val="20007"/>
-                    </a:ext>
-                  </a:extLst>
-                </a:gridCol>
-                <a:gridCol w="3024331">
-                  <a:extLst>
-                    <a:ext uri="{9D8B030D-6E8A-4147-A177-3AD203B41FA5}">
-                      <a16:colId xmlns:a16="http://schemas.microsoft.com/office/drawing/2014/main" val="20008"/>
-                    </a:ext>
-                  </a:extLst>
-                </a:gridCol>
-              </a:tblGrid>
-              <a:tr h="369100">
-                <a:tc>
-                  <a:txBody>
-                    <a:bodyPr/>
-                    <a:lstStyle/>
-                    <a:p>
-                      <a:pPr algn="ctr"/>
-                      <a:r>
-                        <a:rPr lang="en-US" b="0" i="1" dirty="0" err="1">
-                          <a:solidFill>
-                            <a:srgbClr val="003D62"/>
-                          </a:solidFill>
-                        </a:rPr>
-                        <a:t>E</a:t>
-                      </a:r>
-                      <a:r>
-                        <a:rPr lang="en-US" b="0" i="1" baseline="-25000" dirty="0" err="1">
-                          <a:solidFill>
-                            <a:srgbClr val="003D62"/>
-                          </a:solidFill>
-                        </a:rPr>
-                        <a:t>ij</a:t>
-                      </a:r>
-                      <a:endParaRPr lang="en-US" b="0" dirty="0">
-                        <a:solidFill>
-                          <a:srgbClr val="003D62"/>
-                        </a:solidFill>
-                      </a:endParaRPr>
-                    </a:p>
-                  </a:txBody>
-                  <a:tcPr>
-                    <a:noFill/>
-                  </a:tcPr>
-                </a:tc>
-                <a:tc>
-                  <a:txBody>
-                    <a:bodyPr/>
-                    <a:lstStyle/>
-                    <a:p>
-                      <a:pPr algn="ctr"/>
-                      <a:r>
-                        <a:rPr lang="en-US" b="0" dirty="0">
-                          <a:solidFill>
-                            <a:srgbClr val="003D62"/>
-                          </a:solidFill>
-                        </a:rPr>
-                        <a:t>0</a:t>
-                      </a:r>
-                    </a:p>
-                  </a:txBody>
-                  <a:tcPr>
-                    <a:noFill/>
-                  </a:tcPr>
-                </a:tc>
-                <a:tc>
-                  <a:txBody>
-                    <a:bodyPr/>
-                    <a:lstStyle/>
-                    <a:p>
-                      <a:pPr algn="ctr"/>
-                      <a:r>
-                        <a:rPr lang="en-US" b="0" dirty="0">
-                          <a:solidFill>
-                            <a:srgbClr val="003D62"/>
-                          </a:solidFill>
-                        </a:rPr>
-                        <a:t>1</a:t>
-                      </a:r>
-                    </a:p>
-                  </a:txBody>
-                  <a:tcPr>
-                    <a:noFill/>
-                  </a:tcPr>
-                </a:tc>
-                <a:tc>
-                  <a:txBody>
-                    <a:bodyPr/>
-                    <a:lstStyle/>
-                    <a:p>
-                      <a:pPr algn="ctr"/>
-                      <a:r>
-                        <a:rPr lang="en-US" b="0" dirty="0">
-                          <a:solidFill>
-                            <a:srgbClr val="003D62"/>
-                          </a:solidFill>
-                        </a:rPr>
-                        <a:t>2</a:t>
-                      </a:r>
-                    </a:p>
-                  </a:txBody>
-                  <a:tcPr>
-                    <a:noFill/>
-                  </a:tcPr>
-                </a:tc>
-                <a:tc>
-                  <a:txBody>
-                    <a:bodyPr/>
-                    <a:lstStyle/>
-                    <a:p>
-                      <a:pPr algn="ctr"/>
-                      <a:r>
-                        <a:rPr lang="en-US" b="0" dirty="0">
-                          <a:solidFill>
-                            <a:srgbClr val="003D62"/>
-                          </a:solidFill>
-                        </a:rPr>
-                        <a:t>3</a:t>
-                      </a:r>
-                    </a:p>
-                  </a:txBody>
-                  <a:tcPr>
-                    <a:noFill/>
-                  </a:tcPr>
-                </a:tc>
-                <a:tc>
-                  <a:txBody>
-                    <a:bodyPr/>
-                    <a:lstStyle/>
-                    <a:p>
-                      <a:pPr algn="ctr"/>
-                      <a:r>
-                        <a:rPr lang="en-US" b="0" dirty="0">
-                          <a:solidFill>
-                            <a:srgbClr val="003D62"/>
-                          </a:solidFill>
-                        </a:rPr>
-                        <a:t>4</a:t>
-                      </a:r>
-                    </a:p>
-                  </a:txBody>
-                  <a:tcPr>
-                    <a:noFill/>
-                  </a:tcPr>
-                </a:tc>
-                <a:tc>
-                  <a:txBody>
-                    <a:bodyPr/>
-                    <a:lstStyle/>
-                    <a:p>
-                      <a:pPr algn="ctr"/>
-                      <a:r>
-                        <a:rPr lang="en-US" b="0" dirty="0">
-                          <a:solidFill>
-                            <a:srgbClr val="003D62"/>
-                          </a:solidFill>
-                        </a:rPr>
-                        <a:t>5</a:t>
-                      </a:r>
-                    </a:p>
-                  </a:txBody>
-                  <a:tcPr>
-                    <a:noFill/>
-                  </a:tcPr>
-                </a:tc>
-                <a:tc>
-                  <a:txBody>
-                    <a:bodyPr/>
-                    <a:lstStyle/>
-                    <a:p>
-                      <a:pPr algn="ctr"/>
-                      <a:r>
-                        <a:rPr lang="en-US" b="0" dirty="0">
-                          <a:solidFill>
-                            <a:srgbClr val="003D62"/>
-                          </a:solidFill>
-                        </a:rPr>
-                        <a:t>6</a:t>
-                      </a:r>
-                    </a:p>
-                  </a:txBody>
-                  <a:tcPr>
-                    <a:noFill/>
-                  </a:tcPr>
-                </a:tc>
-                <a:tc>
-                  <a:txBody>
-                    <a:bodyPr/>
-                    <a:lstStyle/>
-                    <a:p>
-                      <a:pPr algn="ctr"/>
-                      <a:r>
-                        <a:rPr lang="en-US" b="0" i="1" dirty="0" err="1">
-                          <a:solidFill>
-                            <a:srgbClr val="003D62"/>
-                          </a:solidFill>
-                        </a:rPr>
-                        <a:t>E</a:t>
-                      </a:r>
-                      <a:r>
-                        <a:rPr lang="en-US" b="0" i="1" baseline="-25000" dirty="0" err="1">
-                          <a:solidFill>
-                            <a:srgbClr val="003D62"/>
-                          </a:solidFill>
-                        </a:rPr>
-                        <a:t>row</a:t>
-                      </a:r>
-                      <a:endParaRPr lang="en-US" b="0" dirty="0">
-                        <a:solidFill>
-                          <a:srgbClr val="003D62"/>
-                        </a:solidFill>
-                      </a:endParaRPr>
-                    </a:p>
-                  </a:txBody>
-                  <a:tcPr>
-                    <a:lnB w="12700" cap="flat" cmpd="sng" algn="ctr">
-                      <a:solidFill>
-                        <a:scrgbClr r="0" g="0" b="0"/>
-                      </a:solidFill>
-                      <a:prstDash val="solid"/>
-                      <a:round/>
-                      <a:headEnd type="none" w="med" len="med"/>
-                      <a:tailEnd type="none" w="med" len="med"/>
-                    </a:lnB>
-                    <a:noFill/>
-                  </a:tcPr>
-                </a:tc>
-                <a:extLst>
-                  <a:ext uri="{0D108BD9-81ED-4DB2-BD59-A6C34878D82A}">
-                    <a16:rowId xmlns:a16="http://schemas.microsoft.com/office/drawing/2014/main" val="10000"/>
-                  </a:ext>
-                </a:extLst>
-              </a:tr>
-              <a:tr h="369100">
-                <a:tc>
-                  <a:txBody>
-                    <a:bodyPr/>
-                    <a:lstStyle/>
-                    <a:p>
-                      <a:pPr algn="ctr"/>
-                      <a:r>
-                        <a:rPr lang="en-US" dirty="0">
-                          <a:solidFill>
-                            <a:srgbClr val="003D62"/>
-                          </a:solidFill>
-                        </a:rPr>
-                        <a:t>0</a:t>
-                      </a:r>
-                    </a:p>
-                  </a:txBody>
-                  <a:tcPr>
-                    <a:noFill/>
-                  </a:tcPr>
-                </a:tc>
-                <a:tc>
-                  <a:txBody>
-                    <a:bodyPr/>
-                    <a:lstStyle/>
-                    <a:p>
-                      <a:pPr algn="ctr"/>
-                      <a:endParaRPr lang="en-US" dirty="0"/>
-                    </a:p>
-                  </a:txBody>
-                  <a:tcPr>
-                    <a:lnB w="12700" cap="flat" cmpd="sng" algn="ctr">
-                      <a:solidFill>
-                        <a:scrgbClr r="0" g="0" b="0"/>
-                      </a:solidFill>
-                      <a:prstDash val="solid"/>
-                      <a:round/>
-                      <a:headEnd type="none" w="med" len="med"/>
-                      <a:tailEnd type="none" w="med" len="med"/>
-                    </a:lnB>
-                    <a:solidFill>
-                      <a:schemeClr val="bg2"/>
-                    </a:solidFill>
-                  </a:tcPr>
-                </a:tc>
-                <a:tc>
-                  <a:txBody>
-                    <a:bodyPr/>
-                    <a:lstStyle/>
-                    <a:p>
-                      <a:pPr algn="ctr"/>
-                      <a:endParaRPr lang="en-US" dirty="0"/>
-                    </a:p>
-                  </a:txBody>
-                  <a:tcPr>
-                    <a:solidFill>
-                      <a:schemeClr val="bg2"/>
-                    </a:solidFill>
-                  </a:tcPr>
-                </a:tc>
-                <a:tc>
-                  <a:txBody>
-                    <a:bodyPr/>
-                    <a:lstStyle/>
-                    <a:p>
-                      <a:pPr algn="ctr"/>
-                      <a:endParaRPr lang="en-US" dirty="0"/>
-                    </a:p>
-                  </a:txBody>
-                  <a:tcPr>
-                    <a:solidFill>
-                      <a:schemeClr val="bg2"/>
-                    </a:solidFill>
-                  </a:tcPr>
-                </a:tc>
-                <a:tc>
-                  <a:txBody>
-                    <a:bodyPr/>
-                    <a:lstStyle/>
-                    <a:p>
-                      <a:pPr algn="ctr"/>
-                      <a:endParaRPr lang="en-US" dirty="0"/>
-                    </a:p>
-                  </a:txBody>
-                  <a:tcPr>
-                    <a:solidFill>
-                      <a:schemeClr val="bg2"/>
-                    </a:solidFill>
-                  </a:tcPr>
-                </a:tc>
-                <a:tc>
-                  <a:txBody>
-                    <a:bodyPr/>
-                    <a:lstStyle/>
-                    <a:p>
-                      <a:pPr algn="ctr"/>
-                      <a:endParaRPr lang="en-US" dirty="0"/>
-                    </a:p>
-                  </a:txBody>
-                  <a:tcPr>
-                    <a:solidFill>
-                      <a:schemeClr val="bg2"/>
-                    </a:solidFill>
-                  </a:tcPr>
-                </a:tc>
-                <a:tc>
-                  <a:txBody>
-                    <a:bodyPr/>
-                    <a:lstStyle/>
-                    <a:p>
-                      <a:pPr algn="ctr"/>
-                      <a:endParaRPr lang="en-US" dirty="0"/>
-                    </a:p>
-                  </a:txBody>
-                  <a:tcPr>
-                    <a:solidFill>
-                      <a:schemeClr val="bg2"/>
-                    </a:solidFill>
-                  </a:tcPr>
-                </a:tc>
-                <a:tc>
-                  <a:txBody>
-                    <a:bodyPr/>
-                    <a:lstStyle/>
-                    <a:p>
-                      <a:pPr algn="ctr"/>
-                      <a:endParaRPr lang="en-US" dirty="0"/>
-                    </a:p>
-                  </a:txBody>
-                  <a:tcPr>
-                    <a:lnR w="12700" cap="flat" cmpd="sng" algn="ctr">
-                      <a:solidFill>
-                        <a:scrgbClr r="0" g="0" b="0"/>
-                      </a:solidFill>
-                      <a:prstDash val="solid"/>
-                      <a:round/>
-                      <a:headEnd type="none" w="med" len="med"/>
-                      <a:tailEnd type="none" w="med" len="med"/>
-                    </a:lnR>
-                    <a:solidFill>
-                      <a:schemeClr val="bg2"/>
-                    </a:solidFill>
-                  </a:tcPr>
-                </a:tc>
-                <a:tc>
-                  <a:txBody>
-                    <a:bodyPr/>
-                    <a:lstStyle/>
-                    <a:p>
-                      <a:pPr algn="ctr"/>
-                      <a:endParaRPr lang="en-US" dirty="0"/>
-                    </a:p>
-                  </a:txBody>
-                  <a:tcPr>
-                    <a:lnL w="12700" cap="flat" cmpd="sng" algn="ctr">
-                      <a:solidFill>
-                        <a:scrgbClr r="0" g="0" b="0"/>
-                      </a:solidFill>
-                      <a:prstDash val="solid"/>
-                      <a:round/>
-                      <a:headEnd type="none" w="med" len="med"/>
-                      <a:tailEnd type="none" w="med" len="med"/>
-                    </a:lnL>
-                    <a:lnR w="12700" cap="flat" cmpd="sng" algn="ctr">
-                      <a:solidFill>
-                        <a:scrgbClr r="0" g="0" b="0"/>
-                      </a:solidFill>
-                      <a:prstDash val="solid"/>
-                      <a:round/>
-                      <a:headEnd type="none" w="med" len="med"/>
-                      <a:tailEnd type="none" w="med" len="med"/>
-                    </a:lnR>
-                    <a:lnT w="12700" cap="flat" cmpd="sng" algn="ctr">
-                      <a:solidFill>
-                        <a:scrgbClr r="0" g="0" b="0"/>
-                      </a:solidFill>
-                      <a:prstDash val="solid"/>
-                      <a:round/>
-                      <a:headEnd type="none" w="med" len="med"/>
-                      <a:tailEnd type="none" w="med" len="med"/>
-                    </a:lnT>
-                    <a:lnB w="12700" cap="flat" cmpd="sng" algn="ctr">
-                      <a:solidFill>
-                        <a:scrgbClr r="0" g="0" b="0"/>
-                      </a:solidFill>
-                      <a:prstDash val="solid"/>
-                      <a:round/>
-                      <a:headEnd type="none" w="med" len="med"/>
-                      <a:tailEnd type="none" w="med" len="med"/>
-                    </a:lnB>
-                    <a:solidFill>
-                      <a:schemeClr val="bg2"/>
-                    </a:solidFill>
-                  </a:tcPr>
-                </a:tc>
-                <a:extLst>
-                  <a:ext uri="{0D108BD9-81ED-4DB2-BD59-A6C34878D82A}">
-                    <a16:rowId xmlns:a16="http://schemas.microsoft.com/office/drawing/2014/main" val="10001"/>
-                  </a:ext>
-                </a:extLst>
-              </a:tr>
-              <a:tr h="369100">
-                <a:tc>
-                  <a:txBody>
-                    <a:bodyPr/>
-                    <a:lstStyle/>
-                    <a:p>
-                      <a:pPr algn="ctr"/>
-                      <a:r>
-                        <a:rPr lang="en-US" dirty="0">
-                          <a:solidFill>
-                            <a:srgbClr val="003D62"/>
-                          </a:solidFill>
-                        </a:rPr>
-                        <a:t>1</a:t>
-                      </a:r>
-                    </a:p>
-                  </a:txBody>
-                  <a:tcPr>
-                    <a:lnR w="12700" cap="flat" cmpd="sng" algn="ctr">
-                      <a:solidFill>
-                        <a:scrgbClr r="0" g="0" b="0"/>
-                      </a:solidFill>
-                      <a:prstDash val="solid"/>
-                      <a:round/>
-                      <a:headEnd type="none" w="med" len="med"/>
-                      <a:tailEnd type="none" w="med" len="med"/>
-                    </a:lnR>
-                    <a:noFill/>
-                  </a:tcPr>
-                </a:tc>
-                <a:tc>
-                  <a:txBody>
-                    <a:bodyPr/>
-                    <a:lstStyle/>
-                    <a:p>
-                      <a:pPr algn="ctr"/>
-                      <a:r>
-                        <a:rPr lang="en-US" dirty="0"/>
-                        <a:t>0</a:t>
-                      </a:r>
-                    </a:p>
-                  </a:txBody>
-                  <a:tcPr>
-                    <a:lnL w="12700" cap="flat" cmpd="sng" algn="ctr">
-                      <a:solidFill>
-                        <a:scrgbClr r="0" g="0" b="0"/>
-                      </a:solidFill>
-                      <a:prstDash val="solid"/>
-                      <a:round/>
-                      <a:headEnd type="none" w="med" len="med"/>
-                      <a:tailEnd type="none" w="med" len="med"/>
-                    </a:lnL>
-                    <a:lnR w="12700" cap="flat" cmpd="sng" algn="ctr">
-                      <a:solidFill>
-                        <a:scrgbClr r="0" g="0" b="0"/>
-                      </a:solidFill>
-                      <a:prstDash val="solid"/>
-                      <a:round/>
-                      <a:headEnd type="none" w="med" len="med"/>
-                      <a:tailEnd type="none" w="med" len="med"/>
-                    </a:lnR>
-                    <a:lnT w="12700" cap="flat" cmpd="sng" algn="ctr">
-                      <a:solidFill>
-                        <a:scrgbClr r="0" g="0" b="0"/>
-                      </a:solidFill>
-                      <a:prstDash val="solid"/>
-                      <a:round/>
-                      <a:headEnd type="none" w="med" len="med"/>
-                      <a:tailEnd type="none" w="med" len="med"/>
-                    </a:lnT>
-                    <a:lnB w="12700" cap="flat" cmpd="sng" algn="ctr">
-                      <a:solidFill>
-                        <a:scrgbClr r="0" g="0" b="0"/>
-                      </a:solidFill>
-                      <a:prstDash val="solid"/>
-                      <a:round/>
-                      <a:headEnd type="none" w="med" len="med"/>
-                      <a:tailEnd type="none" w="med" len="med"/>
-                    </a:lnB>
-                    <a:solidFill>
-                      <a:srgbClr val="A6A6A6"/>
-                    </a:solidFill>
-                  </a:tcPr>
-                </a:tc>
-                <a:tc>
-                  <a:txBody>
-                    <a:bodyPr/>
-                    <a:lstStyle/>
-                    <a:p>
-                      <a:pPr algn="ctr"/>
-                      <a:endParaRPr lang="en-US" dirty="0"/>
-                    </a:p>
-                  </a:txBody>
-                  <a:tcPr>
-                    <a:lnL w="12700" cap="flat" cmpd="sng" algn="ctr">
-                      <a:solidFill>
-                        <a:scrgbClr r="0" g="0" b="0"/>
-                      </a:solidFill>
-                      <a:prstDash val="solid"/>
-                      <a:round/>
-                      <a:headEnd type="none" w="med" len="med"/>
-                      <a:tailEnd type="none" w="med" len="med"/>
-                    </a:lnL>
-                    <a:lnB w="12700" cap="flat" cmpd="sng" algn="ctr">
-                      <a:solidFill>
-                        <a:scrgbClr r="0" g="0" b="0"/>
-                      </a:solidFill>
-                      <a:prstDash val="solid"/>
-                      <a:round/>
-                      <a:headEnd type="none" w="med" len="med"/>
-                      <a:tailEnd type="none" w="med" len="med"/>
-                    </a:lnB>
-                    <a:solidFill>
-                      <a:srgbClr val="DDDDDD"/>
-                    </a:solidFill>
-                  </a:tcPr>
-                </a:tc>
-                <a:tc>
-                  <a:txBody>
-                    <a:bodyPr/>
-                    <a:lstStyle/>
-                    <a:p>
-                      <a:pPr algn="ctr"/>
-                      <a:endParaRPr lang="en-US" dirty="0"/>
-                    </a:p>
-                  </a:txBody>
-                  <a:tcPr>
-                    <a:solidFill>
-                      <a:srgbClr val="DDDDDD"/>
-                    </a:solidFill>
-                  </a:tcPr>
-                </a:tc>
-                <a:tc>
-                  <a:txBody>
-                    <a:bodyPr/>
-                    <a:lstStyle/>
-                    <a:p>
-                      <a:pPr algn="ctr"/>
-                      <a:endParaRPr lang="en-US" dirty="0"/>
-                    </a:p>
-                  </a:txBody>
-                  <a:tcPr>
-                    <a:solidFill>
-                      <a:srgbClr val="DDDDDD"/>
-                    </a:solidFill>
-                  </a:tcPr>
-                </a:tc>
-                <a:tc>
-                  <a:txBody>
-                    <a:bodyPr/>
-                    <a:lstStyle/>
-                    <a:p>
-                      <a:pPr algn="ctr"/>
-                      <a:endParaRPr lang="en-US" dirty="0"/>
-                    </a:p>
-                  </a:txBody>
-                  <a:tcPr>
-                    <a:solidFill>
-                      <a:srgbClr val="DDDDDD"/>
-                    </a:solidFill>
-                  </a:tcPr>
-                </a:tc>
-                <a:tc>
-                  <a:txBody>
-                    <a:bodyPr/>
-                    <a:lstStyle/>
-                    <a:p>
-                      <a:pPr algn="ctr"/>
-                      <a:endParaRPr lang="en-US"/>
-                    </a:p>
-                  </a:txBody>
-                  <a:tcPr>
-                    <a:solidFill>
-                      <a:srgbClr val="DDDDDD"/>
-                    </a:solidFill>
-                  </a:tcPr>
-                </a:tc>
-                <a:tc>
-                  <a:txBody>
-                    <a:bodyPr/>
-                    <a:lstStyle/>
-                    <a:p>
-                      <a:pPr algn="ctr"/>
-                      <a:endParaRPr lang="en-US" dirty="0"/>
-                    </a:p>
-                  </a:txBody>
-                  <a:tcPr>
-                    <a:lnR w="12700" cap="flat" cmpd="sng" algn="ctr">
-                      <a:solidFill>
-                        <a:scrgbClr r="0" g="0" b="0"/>
-                      </a:solidFill>
-                      <a:prstDash val="solid"/>
-                      <a:round/>
-                      <a:headEnd type="none" w="med" len="med"/>
-                      <a:tailEnd type="none" w="med" len="med"/>
-                    </a:lnR>
-                    <a:solidFill>
-                      <a:srgbClr val="DDDDDD"/>
-                    </a:solidFill>
-                  </a:tcPr>
-                </a:tc>
-                <a:tc>
-                  <a:txBody>
-                    <a:bodyPr/>
-                    <a:lstStyle/>
-                    <a:p>
-                      <a:pPr algn="ctr"/>
-                      <a:r>
-                        <a:rPr lang="en-US" dirty="0"/>
-                        <a:t>E</a:t>
-                      </a:r>
-                      <a:r>
-                        <a:rPr lang="en-US" baseline="-25000" dirty="0"/>
-                        <a:t>0</a:t>
-                      </a:r>
-                      <a:endParaRPr lang="en-US" dirty="0"/>
-                    </a:p>
-                  </a:txBody>
-                  <a:tcPr>
-                    <a:lnL w="12700" cap="flat" cmpd="sng" algn="ctr">
-                      <a:solidFill>
-                        <a:scrgbClr r="0" g="0" b="0"/>
-                      </a:solidFill>
-                      <a:prstDash val="solid"/>
-                      <a:round/>
-                      <a:headEnd type="none" w="med" len="med"/>
-                      <a:tailEnd type="none" w="med" len="med"/>
-                    </a:lnL>
-                    <a:lnR w="12700" cap="flat" cmpd="sng" algn="ctr">
-                      <a:solidFill>
-                        <a:scrgbClr r="0" g="0" b="0"/>
-                      </a:solidFill>
-                      <a:prstDash val="solid"/>
-                      <a:round/>
-                      <a:headEnd type="none" w="med" len="med"/>
-                      <a:tailEnd type="none" w="med" len="med"/>
-                    </a:lnR>
-                    <a:lnT w="12700" cap="flat" cmpd="sng" algn="ctr">
-                      <a:solidFill>
-                        <a:scrgbClr r="0" g="0" b="0"/>
-                      </a:solidFill>
-                      <a:prstDash val="solid"/>
-                      <a:round/>
-                      <a:headEnd type="none" w="med" len="med"/>
-                      <a:tailEnd type="none" w="med" len="med"/>
-                    </a:lnT>
-                    <a:lnB w="12700" cap="flat" cmpd="sng" algn="ctr">
-                      <a:solidFill>
-                        <a:scrgbClr r="0" g="0" b="0"/>
-                      </a:solidFill>
-                      <a:prstDash val="solid"/>
-                      <a:round/>
-                      <a:headEnd type="none" w="med" len="med"/>
-                      <a:tailEnd type="none" w="med" len="med"/>
-                    </a:lnB>
-                    <a:solidFill>
-                      <a:srgbClr val="DDDDDD"/>
-                    </a:solidFill>
-                  </a:tcPr>
-                </a:tc>
-                <a:extLst>
-                  <a:ext uri="{0D108BD9-81ED-4DB2-BD59-A6C34878D82A}">
-                    <a16:rowId xmlns:a16="http://schemas.microsoft.com/office/drawing/2014/main" val="10002"/>
-                  </a:ext>
-                </a:extLst>
-              </a:tr>
-              <a:tr h="369100">
-                <a:tc>
-                  <a:txBody>
-                    <a:bodyPr/>
-                    <a:lstStyle/>
-                    <a:p>
-                      <a:pPr algn="ctr"/>
-                      <a:r>
-                        <a:rPr lang="en-US" dirty="0">
-                          <a:solidFill>
-                            <a:srgbClr val="003D62"/>
-                          </a:solidFill>
-                        </a:rPr>
-                        <a:t>2</a:t>
-                      </a:r>
-                    </a:p>
-                  </a:txBody>
-                  <a:tcPr>
-                    <a:lnR w="12700" cap="flat" cmpd="sng" algn="ctr">
-                      <a:solidFill>
-                        <a:scrgbClr r="0" g="0" b="0"/>
-                      </a:solidFill>
-                      <a:prstDash val="solid"/>
-                      <a:round/>
-                      <a:headEnd type="none" w="med" len="med"/>
-                      <a:tailEnd type="none" w="med" len="med"/>
-                    </a:lnR>
-                    <a:noFill/>
-                  </a:tcPr>
-                </a:tc>
-                <a:tc>
-                  <a:txBody>
-                    <a:bodyPr/>
-                    <a:lstStyle/>
-                    <a:p>
-                      <a:pPr algn="ctr"/>
-                      <a:r>
-                        <a:rPr lang="en-US" dirty="0"/>
-                        <a:t>1</a:t>
-                      </a:r>
-                    </a:p>
-                  </a:txBody>
-                  <a:tcPr>
-                    <a:lnL w="12700" cap="flat" cmpd="sng" algn="ctr">
-                      <a:solidFill>
-                        <a:scrgbClr r="0" g="0" b="0"/>
-                      </a:solidFill>
-                      <a:prstDash val="solid"/>
-                      <a:round/>
-                      <a:headEnd type="none" w="med" len="med"/>
-                      <a:tailEnd type="none" w="med" len="med"/>
-                    </a:lnL>
-                    <a:lnR w="12700" cap="flat" cmpd="sng" algn="ctr">
-                      <a:solidFill>
-                        <a:scrgbClr r="0" g="0" b="0"/>
-                      </a:solidFill>
-                      <a:prstDash val="solid"/>
-                      <a:round/>
-                      <a:headEnd type="none" w="med" len="med"/>
-                      <a:tailEnd type="none" w="med" len="med"/>
-                    </a:lnR>
-                    <a:lnT w="12700" cap="flat" cmpd="sng" algn="ctr">
-                      <a:solidFill>
-                        <a:scrgbClr r="0" g="0" b="0"/>
-                      </a:solidFill>
-                      <a:prstDash val="solid"/>
-                      <a:round/>
-                      <a:headEnd type="none" w="med" len="med"/>
-                      <a:tailEnd type="none" w="med" len="med"/>
-                    </a:lnT>
-                    <a:lnB w="12700" cap="flat" cmpd="sng" algn="ctr">
-                      <a:solidFill>
-                        <a:scrgbClr r="0" g="0" b="0"/>
-                      </a:solidFill>
-                      <a:prstDash val="solid"/>
-                      <a:round/>
-                      <a:headEnd type="none" w="med" len="med"/>
-                      <a:tailEnd type="none" w="med" len="med"/>
-                    </a:lnB>
-                    <a:solidFill>
-                      <a:srgbClr val="A6A6A6"/>
-                    </a:solidFill>
-                  </a:tcPr>
-                </a:tc>
-                <a:tc>
-                  <a:txBody>
-                    <a:bodyPr/>
-                    <a:lstStyle/>
-                    <a:p>
-                      <a:pPr algn="ctr"/>
-                      <a:r>
-                        <a:rPr lang="en-US" dirty="0"/>
-                        <a:t>2</a:t>
-                      </a:r>
-                    </a:p>
-                  </a:txBody>
-                  <a:tcPr>
-                    <a:lnL w="12700" cap="flat" cmpd="sng" algn="ctr">
-                      <a:solidFill>
-                        <a:scrgbClr r="0" g="0" b="0"/>
-                      </a:solidFill>
-                      <a:prstDash val="solid"/>
-                      <a:round/>
-                      <a:headEnd type="none" w="med" len="med"/>
-                      <a:tailEnd type="none" w="med" len="med"/>
-                    </a:lnL>
-                    <a:lnR w="12700" cap="flat" cmpd="sng" algn="ctr">
-                      <a:solidFill>
-                        <a:scrgbClr r="0" g="0" b="0"/>
-                      </a:solidFill>
-                      <a:prstDash val="solid"/>
-                      <a:round/>
-                      <a:headEnd type="none" w="med" len="med"/>
-                      <a:tailEnd type="none" w="med" len="med"/>
-                    </a:lnR>
-                    <a:lnT w="12700" cap="flat" cmpd="sng" algn="ctr">
-                      <a:solidFill>
-                        <a:scrgbClr r="0" g="0" b="0"/>
-                      </a:solidFill>
-                      <a:prstDash val="solid"/>
-                      <a:round/>
-                      <a:headEnd type="none" w="med" len="med"/>
-                      <a:tailEnd type="none" w="med" len="med"/>
-                    </a:lnT>
-                    <a:lnB w="12700" cap="flat" cmpd="sng" algn="ctr">
-                      <a:solidFill>
-                        <a:scrgbClr r="0" g="0" b="0"/>
-                      </a:solidFill>
-                      <a:prstDash val="solid"/>
-                      <a:round/>
-                      <a:headEnd type="none" w="med" len="med"/>
-                      <a:tailEnd type="none" w="med" len="med"/>
-                    </a:lnB>
-                    <a:solidFill>
-                      <a:srgbClr val="A6A6A6"/>
-                    </a:solidFill>
-                  </a:tcPr>
-                </a:tc>
-                <a:tc>
-                  <a:txBody>
-                    <a:bodyPr/>
-                    <a:lstStyle/>
-                    <a:p>
-                      <a:pPr algn="ctr"/>
-                      <a:endParaRPr lang="en-US" dirty="0"/>
-                    </a:p>
-                  </a:txBody>
-                  <a:tcPr>
-                    <a:lnL w="12700" cap="flat" cmpd="sng" algn="ctr">
-                      <a:solidFill>
-                        <a:scrgbClr r="0" g="0" b="0"/>
-                      </a:solidFill>
-                      <a:prstDash val="solid"/>
-                      <a:round/>
-                      <a:headEnd type="none" w="med" len="med"/>
-                      <a:tailEnd type="none" w="med" len="med"/>
-                    </a:lnL>
-                    <a:lnB w="12700" cap="flat" cmpd="sng" algn="ctr">
-                      <a:solidFill>
-                        <a:scrgbClr r="0" g="0" b="0"/>
-                      </a:solidFill>
-                      <a:prstDash val="solid"/>
-                      <a:round/>
-                      <a:headEnd type="none" w="med" len="med"/>
-                      <a:tailEnd type="none" w="med" len="med"/>
-                    </a:lnB>
-                    <a:solidFill>
-                      <a:srgbClr val="DDDDDD"/>
-                    </a:solidFill>
-                  </a:tcPr>
-                </a:tc>
-                <a:tc>
-                  <a:txBody>
-                    <a:bodyPr/>
-                    <a:lstStyle/>
-                    <a:p>
-                      <a:pPr algn="ctr"/>
-                      <a:endParaRPr lang="en-US" dirty="0"/>
-                    </a:p>
-                  </a:txBody>
-                  <a:tcPr>
-                    <a:solidFill>
-                      <a:srgbClr val="DDDDDD"/>
-                    </a:solidFill>
-                  </a:tcPr>
-                </a:tc>
-                <a:tc>
-                  <a:txBody>
-                    <a:bodyPr/>
-                    <a:lstStyle/>
-                    <a:p>
-                      <a:pPr algn="ctr"/>
-                      <a:endParaRPr lang="en-US" dirty="0"/>
-                    </a:p>
-                  </a:txBody>
-                  <a:tcPr>
-                    <a:solidFill>
-                      <a:srgbClr val="DDDDDD"/>
-                    </a:solidFill>
-                  </a:tcPr>
-                </a:tc>
-                <a:tc>
-                  <a:txBody>
-                    <a:bodyPr/>
-                    <a:lstStyle/>
-                    <a:p>
-                      <a:pPr algn="ctr"/>
-                      <a:endParaRPr lang="en-US" dirty="0"/>
-                    </a:p>
-                  </a:txBody>
-                  <a:tcPr>
-                    <a:solidFill>
-                      <a:srgbClr val="DDDDDD"/>
-                    </a:solidFill>
-                  </a:tcPr>
-                </a:tc>
-                <a:tc>
-                  <a:txBody>
-                    <a:bodyPr/>
-                    <a:lstStyle/>
-                    <a:p>
-                      <a:pPr algn="ctr"/>
-                      <a:endParaRPr lang="en-US" dirty="0"/>
-                    </a:p>
-                  </a:txBody>
-                  <a:tcPr>
-                    <a:lnR w="12700" cap="flat" cmpd="sng" algn="ctr">
-                      <a:solidFill>
-                        <a:scrgbClr r="0" g="0" b="0"/>
-                      </a:solidFill>
-                      <a:prstDash val="solid"/>
-                      <a:round/>
-                      <a:headEnd type="none" w="med" len="med"/>
-                      <a:tailEnd type="none" w="med" len="med"/>
-                    </a:lnR>
-                    <a:solidFill>
-                      <a:srgbClr val="DDDDDD"/>
-                    </a:solidFill>
-                  </a:tcPr>
-                </a:tc>
-                <a:tc>
-                  <a:txBody>
-                    <a:bodyPr/>
-                    <a:lstStyle/>
-                    <a:p>
-                      <a:pPr algn="ctr"/>
-                      <a:r>
-                        <a:rPr lang="en-US" dirty="0"/>
-                        <a:t>E</a:t>
-                      </a:r>
-                      <a:r>
-                        <a:rPr lang="en-US" baseline="-25000" dirty="0"/>
-                        <a:t>1</a:t>
-                      </a:r>
-                      <a:r>
-                        <a:rPr lang="en-US" dirty="0"/>
-                        <a:t>+E</a:t>
-                      </a:r>
-                      <a:r>
-                        <a:rPr lang="en-US" baseline="-25000" dirty="0"/>
-                        <a:t>2</a:t>
-                      </a:r>
-                      <a:endParaRPr lang="en-US" dirty="0"/>
-                    </a:p>
-                  </a:txBody>
-                  <a:tcPr>
-                    <a:lnL w="12700" cap="flat" cmpd="sng" algn="ctr">
-                      <a:solidFill>
-                        <a:scrgbClr r="0" g="0" b="0"/>
-                      </a:solidFill>
-                      <a:prstDash val="solid"/>
-                      <a:round/>
-                      <a:headEnd type="none" w="med" len="med"/>
-                      <a:tailEnd type="none" w="med" len="med"/>
-                    </a:lnL>
-                    <a:lnR w="12700" cap="flat" cmpd="sng" algn="ctr">
-                      <a:solidFill>
-                        <a:scrgbClr r="0" g="0" b="0"/>
-                      </a:solidFill>
-                      <a:prstDash val="solid"/>
-                      <a:round/>
-                      <a:headEnd type="none" w="med" len="med"/>
-                      <a:tailEnd type="none" w="med" len="med"/>
-                    </a:lnR>
-                    <a:lnT w="12700" cap="flat" cmpd="sng" algn="ctr">
-                      <a:solidFill>
-                        <a:scrgbClr r="0" g="0" b="0"/>
-                      </a:solidFill>
-                      <a:prstDash val="solid"/>
-                      <a:round/>
-                      <a:headEnd type="none" w="med" len="med"/>
-                      <a:tailEnd type="none" w="med" len="med"/>
-                    </a:lnT>
-                    <a:lnB w="12700" cap="flat" cmpd="sng" algn="ctr">
-                      <a:solidFill>
-                        <a:scrgbClr r="0" g="0" b="0"/>
-                      </a:solidFill>
-                      <a:prstDash val="solid"/>
-                      <a:round/>
-                      <a:headEnd type="none" w="med" len="med"/>
-                      <a:tailEnd type="none" w="med" len="med"/>
-                    </a:lnB>
-                    <a:solidFill>
-                      <a:srgbClr val="DDDDDD"/>
-                    </a:solidFill>
-                  </a:tcPr>
-                </a:tc>
-                <a:extLst>
-                  <a:ext uri="{0D108BD9-81ED-4DB2-BD59-A6C34878D82A}">
-                    <a16:rowId xmlns:a16="http://schemas.microsoft.com/office/drawing/2014/main" val="10003"/>
-                  </a:ext>
-                </a:extLst>
-              </a:tr>
-              <a:tr h="369100">
-                <a:tc>
-                  <a:txBody>
-                    <a:bodyPr/>
-                    <a:lstStyle/>
-                    <a:p>
-                      <a:pPr algn="ctr"/>
-                      <a:r>
-                        <a:rPr lang="en-US" dirty="0">
-                          <a:solidFill>
-                            <a:srgbClr val="003D62"/>
-                          </a:solidFill>
-                        </a:rPr>
-                        <a:t>3</a:t>
-                      </a:r>
-                    </a:p>
-                  </a:txBody>
-                  <a:tcPr>
-                    <a:lnR w="12700" cap="flat" cmpd="sng" algn="ctr">
-                      <a:solidFill>
-                        <a:scrgbClr r="0" g="0" b="0"/>
-                      </a:solidFill>
-                      <a:prstDash val="solid"/>
-                      <a:round/>
-                      <a:headEnd type="none" w="med" len="med"/>
-                      <a:tailEnd type="none" w="med" len="med"/>
-                    </a:lnR>
-                    <a:noFill/>
-                  </a:tcPr>
-                </a:tc>
-                <a:tc>
-                  <a:txBody>
-                    <a:bodyPr/>
-                    <a:lstStyle/>
-                    <a:p>
-                      <a:pPr algn="ctr"/>
-                      <a:r>
-                        <a:rPr lang="en-US" dirty="0"/>
-                        <a:t>3</a:t>
-                      </a:r>
-                    </a:p>
-                  </a:txBody>
-                  <a:tcPr>
-                    <a:lnL w="12700" cap="flat" cmpd="sng" algn="ctr">
-                      <a:solidFill>
-                        <a:scrgbClr r="0" g="0" b="0"/>
-                      </a:solidFill>
-                      <a:prstDash val="solid"/>
-                      <a:round/>
-                      <a:headEnd type="none" w="med" len="med"/>
-                      <a:tailEnd type="none" w="med" len="med"/>
-                    </a:lnL>
-                    <a:lnR w="12700" cap="flat" cmpd="sng" algn="ctr">
-                      <a:solidFill>
-                        <a:scrgbClr r="0" g="0" b="0"/>
-                      </a:solidFill>
-                      <a:prstDash val="solid"/>
-                      <a:round/>
-                      <a:headEnd type="none" w="med" len="med"/>
-                      <a:tailEnd type="none" w="med" len="med"/>
-                    </a:lnR>
-                    <a:lnT w="12700" cap="flat" cmpd="sng" algn="ctr">
-                      <a:solidFill>
-                        <a:scrgbClr r="0" g="0" b="0"/>
-                      </a:solidFill>
-                      <a:prstDash val="solid"/>
-                      <a:round/>
-                      <a:headEnd type="none" w="med" len="med"/>
-                      <a:tailEnd type="none" w="med" len="med"/>
-                    </a:lnT>
-                    <a:lnB w="12700" cap="flat" cmpd="sng" algn="ctr">
-                      <a:solidFill>
-                        <a:scrgbClr r="0" g="0" b="0"/>
-                      </a:solidFill>
-                      <a:prstDash val="solid"/>
-                      <a:round/>
-                      <a:headEnd type="none" w="med" len="med"/>
-                      <a:tailEnd type="none" w="med" len="med"/>
-                    </a:lnB>
-                    <a:solidFill>
-                      <a:srgbClr val="A6A6A6"/>
-                    </a:solidFill>
-                  </a:tcPr>
-                </a:tc>
-                <a:tc>
-                  <a:txBody>
-                    <a:bodyPr/>
-                    <a:lstStyle/>
-                    <a:p>
-                      <a:pPr algn="ctr"/>
-                      <a:r>
-                        <a:rPr lang="en-US" dirty="0"/>
-                        <a:t>4</a:t>
-                      </a:r>
-                    </a:p>
-                  </a:txBody>
-                  <a:tcPr>
-                    <a:lnL w="12700" cap="flat" cmpd="sng" algn="ctr">
-                      <a:solidFill>
-                        <a:scrgbClr r="0" g="0" b="0"/>
-                      </a:solidFill>
-                      <a:prstDash val="solid"/>
-                      <a:round/>
-                      <a:headEnd type="none" w="med" len="med"/>
-                      <a:tailEnd type="none" w="med" len="med"/>
-                    </a:lnL>
-                    <a:lnR w="12700" cap="flat" cmpd="sng" algn="ctr">
-                      <a:solidFill>
-                        <a:scrgbClr r="0" g="0" b="0"/>
-                      </a:solidFill>
-                      <a:prstDash val="solid"/>
-                      <a:round/>
-                      <a:headEnd type="none" w="med" len="med"/>
-                      <a:tailEnd type="none" w="med" len="med"/>
-                    </a:lnR>
-                    <a:lnT w="12700" cap="flat" cmpd="sng" algn="ctr">
-                      <a:solidFill>
-                        <a:scrgbClr r="0" g="0" b="0"/>
-                      </a:solidFill>
-                      <a:prstDash val="solid"/>
-                      <a:round/>
-                      <a:headEnd type="none" w="med" len="med"/>
-                      <a:tailEnd type="none" w="med" len="med"/>
-                    </a:lnT>
-                    <a:lnB w="12700" cap="flat" cmpd="sng" algn="ctr">
-                      <a:solidFill>
-                        <a:scrgbClr r="0" g="0" b="0"/>
-                      </a:solidFill>
-                      <a:prstDash val="solid"/>
-                      <a:round/>
-                      <a:headEnd type="none" w="med" len="med"/>
-                      <a:tailEnd type="none" w="med" len="med"/>
-                    </a:lnB>
-                    <a:solidFill>
-                      <a:srgbClr val="A6A6A6"/>
-                    </a:solidFill>
-                  </a:tcPr>
-                </a:tc>
-                <a:tc>
-                  <a:txBody>
-                    <a:bodyPr/>
-                    <a:lstStyle/>
-                    <a:p>
-                      <a:pPr algn="ctr"/>
-                      <a:r>
-                        <a:rPr lang="en-US" dirty="0"/>
-                        <a:t>5</a:t>
-                      </a:r>
-                    </a:p>
-                  </a:txBody>
-                  <a:tcPr>
-                    <a:lnL w="12700" cap="flat" cmpd="sng" algn="ctr">
-                      <a:solidFill>
-                        <a:scrgbClr r="0" g="0" b="0"/>
-                      </a:solidFill>
-                      <a:prstDash val="solid"/>
-                      <a:round/>
-                      <a:headEnd type="none" w="med" len="med"/>
-                      <a:tailEnd type="none" w="med" len="med"/>
-                    </a:lnL>
-                    <a:lnR w="12700" cap="flat" cmpd="sng" algn="ctr">
-                      <a:solidFill>
-                        <a:scrgbClr r="0" g="0" b="0"/>
-                      </a:solidFill>
-                      <a:prstDash val="solid"/>
-                      <a:round/>
-                      <a:headEnd type="none" w="med" len="med"/>
-                      <a:tailEnd type="none" w="med" len="med"/>
-                    </a:lnR>
-                    <a:lnT w="12700" cap="flat" cmpd="sng" algn="ctr">
-                      <a:solidFill>
-                        <a:scrgbClr r="0" g="0" b="0"/>
-                      </a:solidFill>
-                      <a:prstDash val="solid"/>
-                      <a:round/>
-                      <a:headEnd type="none" w="med" len="med"/>
-                      <a:tailEnd type="none" w="med" len="med"/>
-                    </a:lnT>
-                    <a:lnB w="12700" cap="flat" cmpd="sng" algn="ctr">
-                      <a:solidFill>
-                        <a:scrgbClr r="0" g="0" b="0"/>
-                      </a:solidFill>
-                      <a:prstDash val="solid"/>
-                      <a:round/>
-                      <a:headEnd type="none" w="med" len="med"/>
-                      <a:tailEnd type="none" w="med" len="med"/>
-                    </a:lnB>
-                    <a:solidFill>
-                      <a:srgbClr val="A6A6A6"/>
-                    </a:solidFill>
-                  </a:tcPr>
-                </a:tc>
-                <a:tc>
-                  <a:txBody>
-                    <a:bodyPr/>
-                    <a:lstStyle/>
-                    <a:p>
-                      <a:pPr algn="ctr"/>
-                      <a:endParaRPr lang="en-US" dirty="0"/>
-                    </a:p>
-                  </a:txBody>
-                  <a:tcPr>
-                    <a:lnL w="12700" cap="flat" cmpd="sng" algn="ctr">
-                      <a:solidFill>
-                        <a:scrgbClr r="0" g="0" b="0"/>
-                      </a:solidFill>
-                      <a:prstDash val="solid"/>
-                      <a:round/>
-                      <a:headEnd type="none" w="med" len="med"/>
-                      <a:tailEnd type="none" w="med" len="med"/>
-                    </a:lnL>
-                    <a:lnB w="12700" cap="flat" cmpd="sng" algn="ctr">
-                      <a:solidFill>
-                        <a:scrgbClr r="0" g="0" b="0"/>
-                      </a:solidFill>
-                      <a:prstDash val="solid"/>
-                      <a:round/>
-                      <a:headEnd type="none" w="med" len="med"/>
-                      <a:tailEnd type="none" w="med" len="med"/>
-                    </a:lnB>
-                    <a:solidFill>
-                      <a:srgbClr val="DDDDDD"/>
-                    </a:solidFill>
-                  </a:tcPr>
-                </a:tc>
-                <a:tc>
-                  <a:txBody>
-                    <a:bodyPr/>
-                    <a:lstStyle/>
-                    <a:p>
-                      <a:pPr algn="ctr"/>
-                      <a:endParaRPr lang="en-US" dirty="0"/>
-                    </a:p>
-                  </a:txBody>
-                  <a:tcPr>
-                    <a:solidFill>
-                      <a:srgbClr val="DDDDDD"/>
-                    </a:solidFill>
-                  </a:tcPr>
-                </a:tc>
-                <a:tc>
-                  <a:txBody>
-                    <a:bodyPr/>
-                    <a:lstStyle/>
-                    <a:p>
-                      <a:pPr algn="ctr"/>
-                      <a:endParaRPr lang="en-US" dirty="0"/>
-                    </a:p>
-                  </a:txBody>
-                  <a:tcPr>
-                    <a:solidFill>
-                      <a:srgbClr val="DDDDDD"/>
-                    </a:solidFill>
-                  </a:tcPr>
-                </a:tc>
-                <a:tc>
-                  <a:txBody>
-                    <a:bodyPr/>
-                    <a:lstStyle/>
-                    <a:p>
-                      <a:pPr algn="ctr"/>
-                      <a:endParaRPr lang="en-US" dirty="0"/>
-                    </a:p>
-                  </a:txBody>
-                  <a:tcPr>
-                    <a:lnR w="12700" cap="flat" cmpd="sng" algn="ctr">
-                      <a:solidFill>
-                        <a:scrgbClr r="0" g="0" b="0"/>
-                      </a:solidFill>
-                      <a:prstDash val="solid"/>
-                      <a:round/>
-                      <a:headEnd type="none" w="med" len="med"/>
-                      <a:tailEnd type="none" w="med" len="med"/>
-                    </a:lnR>
-                    <a:solidFill>
-                      <a:srgbClr val="DDDDDD"/>
-                    </a:solidFill>
-                  </a:tcPr>
-                </a:tc>
-                <a:tc>
-                  <a:txBody>
-                    <a:bodyPr/>
-                    <a:lstStyle/>
-                    <a:p>
-                      <a:pPr marL="0" marR="0" indent="0" algn="ctr" defTabSz="457200" rtl="0" eaLnBrk="1" fontAlgn="auto" latinLnBrk="0" hangingPunct="1">
-                        <a:lnSpc>
-                          <a:spcPct val="100000"/>
-                        </a:lnSpc>
-                        <a:spcBef>
-                          <a:spcPts val="0"/>
-                        </a:spcBef>
-                        <a:spcAft>
-                          <a:spcPts val="0"/>
-                        </a:spcAft>
-                        <a:buClrTx/>
-                        <a:buSzTx/>
-                        <a:buFontTx/>
-                        <a:buNone/>
-                        <a:tabLst/>
-                        <a:defRPr/>
-                      </a:pPr>
-                      <a:r>
-                        <a:rPr lang="en-US" dirty="0"/>
-                        <a:t>E</a:t>
-                      </a:r>
-                      <a:r>
-                        <a:rPr lang="en-US" baseline="-25000" dirty="0"/>
-                        <a:t>3</a:t>
-                      </a:r>
-                      <a:r>
-                        <a:rPr lang="en-US" dirty="0"/>
-                        <a:t>+E</a:t>
-                      </a:r>
-                      <a:r>
-                        <a:rPr lang="en-US" baseline="-25000" dirty="0"/>
-                        <a:t>4</a:t>
-                      </a:r>
-                      <a:r>
-                        <a:rPr lang="en-US" dirty="0"/>
-                        <a:t>+E</a:t>
-                      </a:r>
-                      <a:r>
-                        <a:rPr lang="en-US" baseline="-25000" dirty="0"/>
-                        <a:t>5</a:t>
-                      </a:r>
-                      <a:endParaRPr lang="en-US" dirty="0"/>
-                    </a:p>
-                  </a:txBody>
-                  <a:tcPr>
-                    <a:lnL w="12700" cap="flat" cmpd="sng" algn="ctr">
-                      <a:solidFill>
-                        <a:scrgbClr r="0" g="0" b="0"/>
-                      </a:solidFill>
-                      <a:prstDash val="solid"/>
-                      <a:round/>
-                      <a:headEnd type="none" w="med" len="med"/>
-                      <a:tailEnd type="none" w="med" len="med"/>
-                    </a:lnL>
-                    <a:lnR w="12700" cap="flat" cmpd="sng" algn="ctr">
-                      <a:solidFill>
-                        <a:scrgbClr r="0" g="0" b="0"/>
-                      </a:solidFill>
-                      <a:prstDash val="solid"/>
-                      <a:round/>
-                      <a:headEnd type="none" w="med" len="med"/>
-                      <a:tailEnd type="none" w="med" len="med"/>
-                    </a:lnR>
-                    <a:lnT w="12700" cap="flat" cmpd="sng" algn="ctr">
-                      <a:solidFill>
-                        <a:scrgbClr r="0" g="0" b="0"/>
-                      </a:solidFill>
-                      <a:prstDash val="solid"/>
-                      <a:round/>
-                      <a:headEnd type="none" w="med" len="med"/>
-                      <a:tailEnd type="none" w="med" len="med"/>
-                    </a:lnT>
-                    <a:lnB w="12700" cap="flat" cmpd="sng" algn="ctr">
-                      <a:solidFill>
-                        <a:scrgbClr r="0" g="0" b="0"/>
-                      </a:solidFill>
-                      <a:prstDash val="solid"/>
-                      <a:round/>
-                      <a:headEnd type="none" w="med" len="med"/>
-                      <a:tailEnd type="none" w="med" len="med"/>
-                    </a:lnB>
-                    <a:solidFill>
-                      <a:srgbClr val="DDDDDD"/>
-                    </a:solidFill>
-                  </a:tcPr>
-                </a:tc>
-                <a:extLst>
-                  <a:ext uri="{0D108BD9-81ED-4DB2-BD59-A6C34878D82A}">
-                    <a16:rowId xmlns:a16="http://schemas.microsoft.com/office/drawing/2014/main" val="10004"/>
-                  </a:ext>
-                </a:extLst>
-              </a:tr>
-              <a:tr h="369100">
-                <a:tc>
-                  <a:txBody>
-                    <a:bodyPr/>
-                    <a:lstStyle/>
-                    <a:p>
-                      <a:pPr algn="ctr"/>
-                      <a:r>
-                        <a:rPr lang="en-US" dirty="0">
-                          <a:solidFill>
-                            <a:srgbClr val="003D62"/>
-                          </a:solidFill>
-                        </a:rPr>
-                        <a:t>4</a:t>
-                      </a:r>
-                    </a:p>
-                  </a:txBody>
-                  <a:tcPr>
-                    <a:lnR w="12700" cap="flat" cmpd="sng" algn="ctr">
-                      <a:solidFill>
-                        <a:scrgbClr r="0" g="0" b="0"/>
-                      </a:solidFill>
-                      <a:prstDash val="solid"/>
-                      <a:round/>
-                      <a:headEnd type="none" w="med" len="med"/>
-                      <a:tailEnd type="none" w="med" len="med"/>
-                    </a:lnR>
-                    <a:noFill/>
-                  </a:tcPr>
-                </a:tc>
-                <a:tc>
-                  <a:txBody>
-                    <a:bodyPr/>
-                    <a:lstStyle/>
-                    <a:p>
-                      <a:pPr algn="ctr"/>
-                      <a:r>
-                        <a:rPr lang="en-US" dirty="0"/>
-                        <a:t>6</a:t>
-                      </a:r>
-                    </a:p>
-                  </a:txBody>
-                  <a:tcPr>
-                    <a:lnL w="12700" cap="flat" cmpd="sng" algn="ctr">
-                      <a:solidFill>
-                        <a:scrgbClr r="0" g="0" b="0"/>
-                      </a:solidFill>
-                      <a:prstDash val="solid"/>
-                      <a:round/>
-                      <a:headEnd type="none" w="med" len="med"/>
-                      <a:tailEnd type="none" w="med" len="med"/>
-                    </a:lnL>
-                    <a:lnR w="12700" cap="flat" cmpd="sng" algn="ctr">
-                      <a:solidFill>
-                        <a:scrgbClr r="0" g="0" b="0"/>
-                      </a:solidFill>
-                      <a:prstDash val="solid"/>
-                      <a:round/>
-                      <a:headEnd type="none" w="med" len="med"/>
-                      <a:tailEnd type="none" w="med" len="med"/>
-                    </a:lnR>
-                    <a:lnT w="12700" cap="flat" cmpd="sng" algn="ctr">
-                      <a:solidFill>
-                        <a:scrgbClr r="0" g="0" b="0"/>
-                      </a:solidFill>
-                      <a:prstDash val="solid"/>
-                      <a:round/>
-                      <a:headEnd type="none" w="med" len="med"/>
-                      <a:tailEnd type="none" w="med" len="med"/>
-                    </a:lnT>
-                    <a:lnB w="12700" cap="flat" cmpd="sng" algn="ctr">
-                      <a:solidFill>
-                        <a:scrgbClr r="0" g="0" b="0"/>
-                      </a:solidFill>
-                      <a:prstDash val="solid"/>
-                      <a:round/>
-                      <a:headEnd type="none" w="med" len="med"/>
-                      <a:tailEnd type="none" w="med" len="med"/>
-                    </a:lnB>
-                    <a:solidFill>
-                      <a:srgbClr val="FF7C10"/>
-                    </a:solidFill>
-                  </a:tcPr>
-                </a:tc>
-                <a:tc>
-                  <a:txBody>
-                    <a:bodyPr/>
-                    <a:lstStyle/>
-                    <a:p>
-                      <a:pPr algn="ctr"/>
-                      <a:r>
-                        <a:rPr lang="en-US" dirty="0"/>
-                        <a:t>7</a:t>
-                      </a:r>
-                    </a:p>
-                  </a:txBody>
-                  <a:tcPr>
-                    <a:lnL w="12700" cap="flat" cmpd="sng" algn="ctr">
-                      <a:solidFill>
-                        <a:scrgbClr r="0" g="0" b="0"/>
-                      </a:solidFill>
-                      <a:prstDash val="solid"/>
-                      <a:round/>
-                      <a:headEnd type="none" w="med" len="med"/>
-                      <a:tailEnd type="none" w="med" len="med"/>
-                    </a:lnL>
-                    <a:lnR w="12700" cap="flat" cmpd="sng" algn="ctr">
-                      <a:solidFill>
-                        <a:scrgbClr r="0" g="0" b="0"/>
-                      </a:solidFill>
-                      <a:prstDash val="solid"/>
-                      <a:round/>
-                      <a:headEnd type="none" w="med" len="med"/>
-                      <a:tailEnd type="none" w="med" len="med"/>
-                    </a:lnR>
-                    <a:lnT w="12700" cap="flat" cmpd="sng" algn="ctr">
-                      <a:solidFill>
-                        <a:scrgbClr r="0" g="0" b="0"/>
-                      </a:solidFill>
-                      <a:prstDash val="solid"/>
-                      <a:round/>
-                      <a:headEnd type="none" w="med" len="med"/>
-                      <a:tailEnd type="none" w="med" len="med"/>
-                    </a:lnT>
-                    <a:lnB w="12700" cap="flat" cmpd="sng" algn="ctr">
-                      <a:solidFill>
-                        <a:scrgbClr r="0" g="0" b="0"/>
-                      </a:solidFill>
-                      <a:prstDash val="solid"/>
-                      <a:round/>
-                      <a:headEnd type="none" w="med" len="med"/>
-                      <a:tailEnd type="none" w="med" len="med"/>
-                    </a:lnB>
-                    <a:solidFill>
-                      <a:srgbClr val="FF7C10"/>
-                    </a:solidFill>
-                  </a:tcPr>
-                </a:tc>
-                <a:tc>
-                  <a:txBody>
-                    <a:bodyPr/>
-                    <a:lstStyle/>
-                    <a:p>
-                      <a:pPr algn="ctr"/>
-                      <a:r>
-                        <a:rPr lang="en-US" dirty="0"/>
-                        <a:t>8</a:t>
-                      </a:r>
-                    </a:p>
-                  </a:txBody>
-                  <a:tcPr>
-                    <a:lnL w="12700" cap="flat" cmpd="sng" algn="ctr">
-                      <a:solidFill>
-                        <a:scrgbClr r="0" g="0" b="0"/>
-                      </a:solidFill>
-                      <a:prstDash val="solid"/>
-                      <a:round/>
-                      <a:headEnd type="none" w="med" len="med"/>
-                      <a:tailEnd type="none" w="med" len="med"/>
-                    </a:lnL>
-                    <a:lnR w="12700" cap="flat" cmpd="sng" algn="ctr">
-                      <a:solidFill>
-                        <a:scrgbClr r="0" g="0" b="0"/>
-                      </a:solidFill>
-                      <a:prstDash val="solid"/>
-                      <a:round/>
-                      <a:headEnd type="none" w="med" len="med"/>
-                      <a:tailEnd type="none" w="med" len="med"/>
-                    </a:lnR>
-                    <a:lnT w="12700" cap="flat" cmpd="sng" algn="ctr">
-                      <a:solidFill>
-                        <a:scrgbClr r="0" g="0" b="0"/>
-                      </a:solidFill>
-                      <a:prstDash val="solid"/>
-                      <a:round/>
-                      <a:headEnd type="none" w="med" len="med"/>
-                      <a:tailEnd type="none" w="med" len="med"/>
-                    </a:lnT>
-                    <a:lnB w="12700" cap="flat" cmpd="sng" algn="ctr">
-                      <a:solidFill>
-                        <a:scrgbClr r="0" g="0" b="0"/>
-                      </a:solidFill>
-                      <a:prstDash val="solid"/>
-                      <a:round/>
-                      <a:headEnd type="none" w="med" len="med"/>
-                      <a:tailEnd type="none" w="med" len="med"/>
-                    </a:lnB>
-                    <a:solidFill>
-                      <a:srgbClr val="FF7C10"/>
-                    </a:solidFill>
-                  </a:tcPr>
-                </a:tc>
-                <a:tc>
-                  <a:txBody>
-                    <a:bodyPr/>
-                    <a:lstStyle/>
-                    <a:p>
-                      <a:pPr algn="ctr"/>
-                      <a:r>
-                        <a:rPr lang="en-US" dirty="0"/>
-                        <a:t>9</a:t>
-                      </a:r>
-                    </a:p>
-                  </a:txBody>
-                  <a:tcPr>
-                    <a:lnL w="12700" cap="flat" cmpd="sng" algn="ctr">
-                      <a:solidFill>
-                        <a:scrgbClr r="0" g="0" b="0"/>
-                      </a:solidFill>
-                      <a:prstDash val="solid"/>
-                      <a:round/>
-                      <a:headEnd type="none" w="med" len="med"/>
-                      <a:tailEnd type="none" w="med" len="med"/>
-                    </a:lnL>
-                    <a:lnR w="12700" cap="flat" cmpd="sng" algn="ctr">
-                      <a:solidFill>
-                        <a:scrgbClr r="0" g="0" b="0"/>
-                      </a:solidFill>
-                      <a:prstDash val="solid"/>
-                      <a:round/>
-                      <a:headEnd type="none" w="med" len="med"/>
-                      <a:tailEnd type="none" w="med" len="med"/>
-                    </a:lnR>
-                    <a:lnT w="12700" cap="flat" cmpd="sng" algn="ctr">
-                      <a:solidFill>
-                        <a:scrgbClr r="0" g="0" b="0"/>
-                      </a:solidFill>
-                      <a:prstDash val="solid"/>
-                      <a:round/>
-                      <a:headEnd type="none" w="med" len="med"/>
-                      <a:tailEnd type="none" w="med" len="med"/>
-                    </a:lnT>
-                    <a:lnB w="12700" cap="flat" cmpd="sng" algn="ctr">
-                      <a:solidFill>
-                        <a:scrgbClr r="0" g="0" b="0"/>
-                      </a:solidFill>
-                      <a:prstDash val="solid"/>
-                      <a:round/>
-                      <a:headEnd type="none" w="med" len="med"/>
-                      <a:tailEnd type="none" w="med" len="med"/>
-                    </a:lnB>
-                    <a:solidFill>
-                      <a:srgbClr val="FF7C10"/>
-                    </a:solidFill>
-                  </a:tcPr>
-                </a:tc>
-                <a:tc>
-                  <a:txBody>
-                    <a:bodyPr/>
-                    <a:lstStyle/>
-                    <a:p>
-                      <a:pPr algn="ctr"/>
-                      <a:endParaRPr lang="en-US" dirty="0"/>
-                    </a:p>
-                  </a:txBody>
-                  <a:tcPr>
-                    <a:lnL w="12700" cap="flat" cmpd="sng" algn="ctr">
-                      <a:solidFill>
-                        <a:scrgbClr r="0" g="0" b="0"/>
-                      </a:solidFill>
-                      <a:prstDash val="solid"/>
-                      <a:round/>
-                      <a:headEnd type="none" w="med" len="med"/>
-                      <a:tailEnd type="none" w="med" len="med"/>
-                    </a:lnL>
-                    <a:lnB w="12700" cap="flat" cmpd="sng" algn="ctr">
-                      <a:solidFill>
-                        <a:scrgbClr r="0" g="0" b="0"/>
-                      </a:solidFill>
-                      <a:prstDash val="solid"/>
-                      <a:round/>
-                      <a:headEnd type="none" w="med" len="med"/>
-                      <a:tailEnd type="none" w="med" len="med"/>
-                    </a:lnB>
-                    <a:solidFill>
-                      <a:srgbClr val="DDDDDD"/>
-                    </a:solidFill>
-                  </a:tcPr>
-                </a:tc>
-                <a:tc>
-                  <a:txBody>
-                    <a:bodyPr/>
-                    <a:lstStyle/>
-                    <a:p>
-                      <a:pPr algn="ctr"/>
-                      <a:endParaRPr lang="en-US" dirty="0"/>
-                    </a:p>
-                  </a:txBody>
-                  <a:tcPr>
-                    <a:solidFill>
-                      <a:srgbClr val="DDDDDD"/>
-                    </a:solidFill>
-                  </a:tcPr>
-                </a:tc>
-                <a:tc>
-                  <a:txBody>
-                    <a:bodyPr/>
-                    <a:lstStyle/>
-                    <a:p>
-                      <a:pPr algn="ctr"/>
-                      <a:endParaRPr lang="en-US" dirty="0"/>
-                    </a:p>
-                  </a:txBody>
-                  <a:tcPr>
-                    <a:lnR w="12700" cap="flat" cmpd="sng" algn="ctr">
-                      <a:solidFill>
-                        <a:scrgbClr r="0" g="0" b="0"/>
-                      </a:solidFill>
-                      <a:prstDash val="solid"/>
-                      <a:round/>
-                      <a:headEnd type="none" w="med" len="med"/>
-                      <a:tailEnd type="none" w="med" len="med"/>
-                    </a:lnR>
-                    <a:solidFill>
-                      <a:srgbClr val="DDDDDD"/>
-                    </a:solidFill>
-                  </a:tcPr>
-                </a:tc>
-                <a:tc>
-                  <a:txBody>
-                    <a:bodyPr/>
-                    <a:lstStyle/>
-                    <a:p>
-                      <a:pPr marL="0" marR="0" indent="0" algn="ctr" defTabSz="457200" rtl="0" eaLnBrk="1" fontAlgn="auto" latinLnBrk="0" hangingPunct="1">
-                        <a:lnSpc>
-                          <a:spcPct val="100000"/>
-                        </a:lnSpc>
-                        <a:spcBef>
-                          <a:spcPts val="0"/>
-                        </a:spcBef>
-                        <a:spcAft>
-                          <a:spcPts val="0"/>
-                        </a:spcAft>
-                        <a:buClrTx/>
-                        <a:buSzTx/>
-                        <a:buFontTx/>
-                        <a:buNone/>
-                        <a:tabLst/>
-                        <a:defRPr/>
-                      </a:pPr>
-                      <a:r>
-                        <a:rPr lang="en-US" dirty="0"/>
-                        <a:t>E</a:t>
-                      </a:r>
-                      <a:r>
-                        <a:rPr lang="en-US" baseline="-25000" dirty="0"/>
-                        <a:t>6</a:t>
-                      </a:r>
-                      <a:r>
-                        <a:rPr lang="en-US" dirty="0"/>
-                        <a:t>+…+E</a:t>
-                      </a:r>
-                      <a:r>
-                        <a:rPr lang="en-US" baseline="-25000" dirty="0"/>
-                        <a:t>9</a:t>
-                      </a:r>
-                      <a:endParaRPr lang="en-US" dirty="0"/>
-                    </a:p>
-                  </a:txBody>
-                  <a:tcPr>
-                    <a:lnL w="12700" cap="flat" cmpd="sng" algn="ctr">
-                      <a:solidFill>
-                        <a:scrgbClr r="0" g="0" b="0"/>
-                      </a:solidFill>
-                      <a:prstDash val="solid"/>
-                      <a:round/>
-                      <a:headEnd type="none" w="med" len="med"/>
-                      <a:tailEnd type="none" w="med" len="med"/>
-                    </a:lnL>
-                    <a:lnR w="12700" cap="flat" cmpd="sng" algn="ctr">
-                      <a:solidFill>
-                        <a:scrgbClr r="0" g="0" b="0"/>
-                      </a:solidFill>
-                      <a:prstDash val="solid"/>
-                      <a:round/>
-                      <a:headEnd type="none" w="med" len="med"/>
-                      <a:tailEnd type="none" w="med" len="med"/>
-                    </a:lnR>
-                    <a:lnT w="12700" cap="flat" cmpd="sng" algn="ctr">
-                      <a:solidFill>
-                        <a:scrgbClr r="0" g="0" b="0"/>
-                      </a:solidFill>
-                      <a:prstDash val="solid"/>
-                      <a:round/>
-                      <a:headEnd type="none" w="med" len="med"/>
-                      <a:tailEnd type="none" w="med" len="med"/>
-                    </a:lnT>
-                    <a:lnB w="12700" cap="flat" cmpd="sng" algn="ctr">
-                      <a:solidFill>
-                        <a:scrgbClr r="0" g="0" b="0"/>
-                      </a:solidFill>
-                      <a:prstDash val="solid"/>
-                      <a:round/>
-                      <a:headEnd type="none" w="med" len="med"/>
-                      <a:tailEnd type="none" w="med" len="med"/>
-                    </a:lnB>
-                    <a:solidFill>
-                      <a:srgbClr val="FF7C10"/>
-                    </a:solidFill>
-                  </a:tcPr>
-                </a:tc>
-                <a:extLst>
-                  <a:ext uri="{0D108BD9-81ED-4DB2-BD59-A6C34878D82A}">
-                    <a16:rowId xmlns:a16="http://schemas.microsoft.com/office/drawing/2014/main" val="10005"/>
-                  </a:ext>
-                </a:extLst>
-              </a:tr>
-              <a:tr h="369100">
-                <a:tc>
-                  <a:txBody>
-                    <a:bodyPr/>
-                    <a:lstStyle/>
-                    <a:p>
-                      <a:pPr algn="ctr"/>
-                      <a:r>
-                        <a:rPr lang="en-US" dirty="0">
-                          <a:solidFill>
-                            <a:srgbClr val="003D62"/>
-                          </a:solidFill>
-                        </a:rPr>
-                        <a:t>5</a:t>
-                      </a:r>
-                    </a:p>
-                  </a:txBody>
-                  <a:tcPr>
-                    <a:lnR w="12700" cap="flat" cmpd="sng" algn="ctr">
-                      <a:solidFill>
-                        <a:scrgbClr r="0" g="0" b="0"/>
-                      </a:solidFill>
-                      <a:prstDash val="solid"/>
-                      <a:round/>
-                      <a:headEnd type="none" w="med" len="med"/>
-                      <a:tailEnd type="none" w="med" len="med"/>
-                    </a:lnR>
-                    <a:noFill/>
-                  </a:tcPr>
-                </a:tc>
-                <a:tc>
-                  <a:txBody>
-                    <a:bodyPr/>
-                    <a:lstStyle/>
-                    <a:p>
-                      <a:pPr algn="ctr"/>
-                      <a:r>
-                        <a:rPr lang="en-US" dirty="0"/>
-                        <a:t>10</a:t>
-                      </a:r>
-                    </a:p>
-                  </a:txBody>
-                  <a:tcPr>
-                    <a:lnL w="12700" cap="flat" cmpd="sng" algn="ctr">
-                      <a:solidFill>
-                        <a:scrgbClr r="0" g="0" b="0"/>
-                      </a:solidFill>
-                      <a:prstDash val="solid"/>
-                      <a:round/>
-                      <a:headEnd type="none" w="med" len="med"/>
-                      <a:tailEnd type="none" w="med" len="med"/>
-                    </a:lnL>
-                    <a:lnR w="12700" cap="flat" cmpd="sng" algn="ctr">
-                      <a:solidFill>
-                        <a:scrgbClr r="0" g="0" b="0"/>
-                      </a:solidFill>
-                      <a:prstDash val="solid"/>
-                      <a:round/>
-                      <a:headEnd type="none" w="med" len="med"/>
-                      <a:tailEnd type="none" w="med" len="med"/>
-                    </a:lnR>
-                    <a:lnT w="12700" cap="flat" cmpd="sng" algn="ctr">
-                      <a:solidFill>
-                        <a:scrgbClr r="0" g="0" b="0"/>
-                      </a:solidFill>
-                      <a:prstDash val="solid"/>
-                      <a:round/>
-                      <a:headEnd type="none" w="med" len="med"/>
-                      <a:tailEnd type="none" w="med" len="med"/>
-                    </a:lnT>
-                    <a:lnB w="12700" cap="flat" cmpd="sng" algn="ctr">
-                      <a:solidFill>
-                        <a:scrgbClr r="0" g="0" b="0"/>
-                      </a:solidFill>
-                      <a:prstDash val="solid"/>
-                      <a:round/>
-                      <a:headEnd type="none" w="med" len="med"/>
-                      <a:tailEnd type="none" w="med" len="med"/>
-                    </a:lnB>
-                    <a:solidFill>
-                      <a:srgbClr val="A6A6A6"/>
-                    </a:solidFill>
-                  </a:tcPr>
-                </a:tc>
-                <a:tc>
-                  <a:txBody>
-                    <a:bodyPr/>
-                    <a:lstStyle/>
-                    <a:p>
-                      <a:pPr algn="ctr"/>
-                      <a:r>
-                        <a:rPr lang="en-US" dirty="0"/>
-                        <a:t>11</a:t>
-                      </a:r>
-                    </a:p>
-                  </a:txBody>
-                  <a:tcPr>
-                    <a:lnL w="12700" cap="flat" cmpd="sng" algn="ctr">
-                      <a:solidFill>
-                        <a:scrgbClr r="0" g="0" b="0"/>
-                      </a:solidFill>
-                      <a:prstDash val="solid"/>
-                      <a:round/>
-                      <a:headEnd type="none" w="med" len="med"/>
-                      <a:tailEnd type="none" w="med" len="med"/>
-                    </a:lnL>
-                    <a:lnR w="12700" cap="flat" cmpd="sng" algn="ctr">
-                      <a:solidFill>
-                        <a:scrgbClr r="0" g="0" b="0"/>
-                      </a:solidFill>
-                      <a:prstDash val="solid"/>
-                      <a:round/>
-                      <a:headEnd type="none" w="med" len="med"/>
-                      <a:tailEnd type="none" w="med" len="med"/>
-                    </a:lnR>
-                    <a:lnT w="12700" cap="flat" cmpd="sng" algn="ctr">
-                      <a:solidFill>
-                        <a:scrgbClr r="0" g="0" b="0"/>
-                      </a:solidFill>
-                      <a:prstDash val="solid"/>
-                      <a:round/>
-                      <a:headEnd type="none" w="med" len="med"/>
-                      <a:tailEnd type="none" w="med" len="med"/>
-                    </a:lnT>
-                    <a:lnB w="12700" cap="flat" cmpd="sng" algn="ctr">
-                      <a:solidFill>
-                        <a:scrgbClr r="0" g="0" b="0"/>
-                      </a:solidFill>
-                      <a:prstDash val="solid"/>
-                      <a:round/>
-                      <a:headEnd type="none" w="med" len="med"/>
-                      <a:tailEnd type="none" w="med" len="med"/>
-                    </a:lnB>
-                    <a:solidFill>
-                      <a:srgbClr val="A6A6A6"/>
-                    </a:solidFill>
-                  </a:tcPr>
-                </a:tc>
-                <a:tc>
-                  <a:txBody>
-                    <a:bodyPr/>
-                    <a:lstStyle/>
-                    <a:p>
-                      <a:pPr algn="ctr"/>
-                      <a:r>
-                        <a:rPr lang="en-US" dirty="0"/>
-                        <a:t>12</a:t>
-                      </a:r>
-                    </a:p>
-                  </a:txBody>
-                  <a:tcPr>
-                    <a:lnL w="12700" cap="flat" cmpd="sng" algn="ctr">
-                      <a:solidFill>
-                        <a:scrgbClr r="0" g="0" b="0"/>
-                      </a:solidFill>
-                      <a:prstDash val="solid"/>
-                      <a:round/>
-                      <a:headEnd type="none" w="med" len="med"/>
-                      <a:tailEnd type="none" w="med" len="med"/>
-                    </a:lnL>
-                    <a:lnR w="12700" cap="flat" cmpd="sng" algn="ctr">
-                      <a:solidFill>
-                        <a:scrgbClr r="0" g="0" b="0"/>
-                      </a:solidFill>
-                      <a:prstDash val="solid"/>
-                      <a:round/>
-                      <a:headEnd type="none" w="med" len="med"/>
-                      <a:tailEnd type="none" w="med" len="med"/>
-                    </a:lnR>
-                    <a:lnT w="12700" cap="flat" cmpd="sng" algn="ctr">
-                      <a:solidFill>
-                        <a:scrgbClr r="0" g="0" b="0"/>
-                      </a:solidFill>
-                      <a:prstDash val="solid"/>
-                      <a:round/>
-                      <a:headEnd type="none" w="med" len="med"/>
-                      <a:tailEnd type="none" w="med" len="med"/>
-                    </a:lnT>
-                    <a:lnB w="12700" cap="flat" cmpd="sng" algn="ctr">
-                      <a:solidFill>
-                        <a:scrgbClr r="0" g="0" b="0"/>
-                      </a:solidFill>
-                      <a:prstDash val="solid"/>
-                      <a:round/>
-                      <a:headEnd type="none" w="med" len="med"/>
-                      <a:tailEnd type="none" w="med" len="med"/>
-                    </a:lnB>
-                    <a:solidFill>
-                      <a:srgbClr val="A6A6A6"/>
-                    </a:solidFill>
-                  </a:tcPr>
-                </a:tc>
-                <a:tc>
-                  <a:txBody>
-                    <a:bodyPr/>
-                    <a:lstStyle/>
-                    <a:p>
-                      <a:pPr algn="ctr"/>
-                      <a:r>
-                        <a:rPr lang="en-US" dirty="0"/>
-                        <a:t>13</a:t>
-                      </a:r>
-                    </a:p>
-                  </a:txBody>
-                  <a:tcPr>
-                    <a:lnL w="12700" cap="flat" cmpd="sng" algn="ctr">
-                      <a:solidFill>
-                        <a:scrgbClr r="0" g="0" b="0"/>
-                      </a:solidFill>
-                      <a:prstDash val="solid"/>
-                      <a:round/>
-                      <a:headEnd type="none" w="med" len="med"/>
-                      <a:tailEnd type="none" w="med" len="med"/>
-                    </a:lnL>
-                    <a:lnR w="12700" cap="flat" cmpd="sng" algn="ctr">
-                      <a:solidFill>
-                        <a:scrgbClr r="0" g="0" b="0"/>
-                      </a:solidFill>
-                      <a:prstDash val="solid"/>
-                      <a:round/>
-                      <a:headEnd type="none" w="med" len="med"/>
-                      <a:tailEnd type="none" w="med" len="med"/>
-                    </a:lnR>
-                    <a:lnT w="12700" cap="flat" cmpd="sng" algn="ctr">
-                      <a:solidFill>
-                        <a:scrgbClr r="0" g="0" b="0"/>
-                      </a:solidFill>
-                      <a:prstDash val="solid"/>
-                      <a:round/>
-                      <a:headEnd type="none" w="med" len="med"/>
-                      <a:tailEnd type="none" w="med" len="med"/>
-                    </a:lnT>
-                    <a:lnB w="12700" cap="flat" cmpd="sng" algn="ctr">
-                      <a:solidFill>
-                        <a:scrgbClr r="0" g="0" b="0"/>
-                      </a:solidFill>
-                      <a:prstDash val="solid"/>
-                      <a:round/>
-                      <a:headEnd type="none" w="med" len="med"/>
-                      <a:tailEnd type="none" w="med" len="med"/>
-                    </a:lnB>
-                    <a:solidFill>
-                      <a:srgbClr val="A6A6A6"/>
-                    </a:solidFill>
-                  </a:tcPr>
-                </a:tc>
-                <a:tc>
-                  <a:txBody>
-                    <a:bodyPr/>
-                    <a:lstStyle/>
-                    <a:p>
-                      <a:pPr algn="ctr"/>
-                      <a:r>
-                        <a:rPr lang="en-US" dirty="0"/>
-                        <a:t>14</a:t>
-                      </a:r>
-                    </a:p>
-                  </a:txBody>
-                  <a:tcPr>
-                    <a:lnL w="12700" cap="flat" cmpd="sng" algn="ctr">
-                      <a:solidFill>
-                        <a:scrgbClr r="0" g="0" b="0"/>
-                      </a:solidFill>
-                      <a:prstDash val="solid"/>
-                      <a:round/>
-                      <a:headEnd type="none" w="med" len="med"/>
-                      <a:tailEnd type="none" w="med" len="med"/>
-                    </a:lnL>
-                    <a:lnR w="12700" cap="flat" cmpd="sng" algn="ctr">
-                      <a:solidFill>
-                        <a:scrgbClr r="0" g="0" b="0"/>
-                      </a:solidFill>
-                      <a:prstDash val="solid"/>
-                      <a:round/>
-                      <a:headEnd type="none" w="med" len="med"/>
-                      <a:tailEnd type="none" w="med" len="med"/>
-                    </a:lnR>
-                    <a:lnT w="12700" cap="flat" cmpd="sng" algn="ctr">
-                      <a:solidFill>
-                        <a:scrgbClr r="0" g="0" b="0"/>
-                      </a:solidFill>
-                      <a:prstDash val="solid"/>
-                      <a:round/>
-                      <a:headEnd type="none" w="med" len="med"/>
-                      <a:tailEnd type="none" w="med" len="med"/>
-                    </a:lnT>
-                    <a:lnB w="12700" cap="flat" cmpd="sng" algn="ctr">
-                      <a:solidFill>
-                        <a:scrgbClr r="0" g="0" b="0"/>
-                      </a:solidFill>
-                      <a:prstDash val="solid"/>
-                      <a:round/>
-                      <a:headEnd type="none" w="med" len="med"/>
-                      <a:tailEnd type="none" w="med" len="med"/>
-                    </a:lnB>
-                    <a:solidFill>
-                      <a:srgbClr val="FF7C10"/>
-                    </a:solidFill>
-                  </a:tcPr>
-                </a:tc>
-                <a:tc>
-                  <a:txBody>
-                    <a:bodyPr/>
-                    <a:lstStyle/>
-                    <a:p>
-                      <a:pPr algn="ctr"/>
-                      <a:endParaRPr lang="en-US" dirty="0"/>
-                    </a:p>
-                  </a:txBody>
-                  <a:tcPr>
-                    <a:lnL w="12700" cap="flat" cmpd="sng" algn="ctr">
-                      <a:solidFill>
-                        <a:scrgbClr r="0" g="0" b="0"/>
-                      </a:solidFill>
-                      <a:prstDash val="solid"/>
-                      <a:round/>
-                      <a:headEnd type="none" w="med" len="med"/>
-                      <a:tailEnd type="none" w="med" len="med"/>
-                    </a:lnL>
-                    <a:lnB w="12700" cap="flat" cmpd="sng" algn="ctr">
-                      <a:solidFill>
-                        <a:scrgbClr r="0" g="0" b="0"/>
-                      </a:solidFill>
-                      <a:prstDash val="solid"/>
-                      <a:round/>
-                      <a:headEnd type="none" w="med" len="med"/>
-                      <a:tailEnd type="none" w="med" len="med"/>
-                    </a:lnB>
-                    <a:solidFill>
-                      <a:srgbClr val="DDDDDD"/>
-                    </a:solidFill>
-                  </a:tcPr>
-                </a:tc>
-                <a:tc>
-                  <a:txBody>
-                    <a:bodyPr/>
-                    <a:lstStyle/>
-                    <a:p>
-                      <a:pPr algn="ctr"/>
-                      <a:endParaRPr lang="en-US" dirty="0"/>
-                    </a:p>
-                  </a:txBody>
-                  <a:tcPr>
-                    <a:lnR w="12700" cap="flat" cmpd="sng" algn="ctr">
-                      <a:solidFill>
-                        <a:scrgbClr r="0" g="0" b="0"/>
-                      </a:solidFill>
-                      <a:prstDash val="solid"/>
-                      <a:round/>
-                      <a:headEnd type="none" w="med" len="med"/>
-                      <a:tailEnd type="none" w="med" len="med"/>
-                    </a:lnR>
-                    <a:solidFill>
-                      <a:srgbClr val="DDDDDD"/>
-                    </a:solidFill>
-                  </a:tcPr>
-                </a:tc>
-                <a:tc>
-                  <a:txBody>
-                    <a:bodyPr/>
-                    <a:lstStyle/>
-                    <a:p>
-                      <a:pPr marL="0" marR="0" indent="0" algn="ctr" defTabSz="457200" rtl="0" eaLnBrk="1" fontAlgn="auto" latinLnBrk="0" hangingPunct="1">
-                        <a:lnSpc>
-                          <a:spcPct val="100000"/>
-                        </a:lnSpc>
-                        <a:spcBef>
-                          <a:spcPts val="0"/>
-                        </a:spcBef>
-                        <a:spcAft>
-                          <a:spcPts val="0"/>
-                        </a:spcAft>
-                        <a:buClrTx/>
-                        <a:buSzTx/>
-                        <a:buFontTx/>
-                        <a:buNone/>
-                        <a:tabLst/>
-                        <a:defRPr/>
-                      </a:pPr>
-                      <a:r>
-                        <a:rPr lang="en-US" dirty="0"/>
-                        <a:t>E</a:t>
-                      </a:r>
-                      <a:r>
-                        <a:rPr lang="en-US" baseline="-25000" dirty="0"/>
-                        <a:t>10</a:t>
-                      </a:r>
-                      <a:r>
-                        <a:rPr lang="en-US" dirty="0"/>
-                        <a:t>+…+E</a:t>
-                      </a:r>
-                      <a:r>
-                        <a:rPr lang="en-US" baseline="-25000" dirty="0"/>
-                        <a:t>14</a:t>
-                      </a:r>
-                    </a:p>
-                  </a:txBody>
-                  <a:tcPr>
-                    <a:lnL w="12700" cap="flat" cmpd="sng" algn="ctr">
-                      <a:solidFill>
-                        <a:scrgbClr r="0" g="0" b="0"/>
-                      </a:solidFill>
-                      <a:prstDash val="solid"/>
-                      <a:round/>
-                      <a:headEnd type="none" w="med" len="med"/>
-                      <a:tailEnd type="none" w="med" len="med"/>
-                    </a:lnL>
-                    <a:lnR w="12700" cap="flat" cmpd="sng" algn="ctr">
-                      <a:solidFill>
-                        <a:scrgbClr r="0" g="0" b="0"/>
-                      </a:solidFill>
-                      <a:prstDash val="solid"/>
-                      <a:round/>
-                      <a:headEnd type="none" w="med" len="med"/>
-                      <a:tailEnd type="none" w="med" len="med"/>
-                    </a:lnR>
-                    <a:lnT w="12700" cap="flat" cmpd="sng" algn="ctr">
-                      <a:solidFill>
-                        <a:scrgbClr r="0" g="0" b="0"/>
-                      </a:solidFill>
-                      <a:prstDash val="solid"/>
-                      <a:round/>
-                      <a:headEnd type="none" w="med" len="med"/>
-                      <a:tailEnd type="none" w="med" len="med"/>
-                    </a:lnT>
-                    <a:lnB w="12700" cap="flat" cmpd="sng" algn="ctr">
-                      <a:solidFill>
-                        <a:scrgbClr r="0" g="0" b="0"/>
-                      </a:solidFill>
-                      <a:prstDash val="solid"/>
-                      <a:round/>
-                      <a:headEnd type="none" w="med" len="med"/>
-                      <a:tailEnd type="none" w="med" len="med"/>
-                    </a:lnB>
-                    <a:solidFill>
-                      <a:srgbClr val="FF7C10"/>
-                    </a:solidFill>
-                  </a:tcPr>
-                </a:tc>
-                <a:extLst>
-                  <a:ext uri="{0D108BD9-81ED-4DB2-BD59-A6C34878D82A}">
-                    <a16:rowId xmlns:a16="http://schemas.microsoft.com/office/drawing/2014/main" val="10006"/>
-                  </a:ext>
-                </a:extLst>
-              </a:tr>
-              <a:tr h="369100">
-                <a:tc>
-                  <a:txBody>
-                    <a:bodyPr/>
-                    <a:lstStyle/>
-                    <a:p>
-                      <a:pPr algn="ctr"/>
-                      <a:r>
-                        <a:rPr lang="en-US" dirty="0">
-                          <a:solidFill>
-                            <a:srgbClr val="003D62"/>
-                          </a:solidFill>
-                        </a:rPr>
-                        <a:t>6</a:t>
-                      </a:r>
-                    </a:p>
-                  </a:txBody>
-                  <a:tcPr>
-                    <a:lnR w="12700" cap="flat" cmpd="sng" algn="ctr">
-                      <a:solidFill>
-                        <a:scrgbClr r="0" g="0" b="0"/>
-                      </a:solidFill>
-                      <a:prstDash val="solid"/>
-                      <a:round/>
-                      <a:headEnd type="none" w="med" len="med"/>
-                      <a:tailEnd type="none" w="med" len="med"/>
-                    </a:lnR>
-                    <a:noFill/>
-                  </a:tcPr>
-                </a:tc>
-                <a:tc>
-                  <a:txBody>
-                    <a:bodyPr/>
-                    <a:lstStyle/>
-                    <a:p>
-                      <a:pPr algn="ctr"/>
-                      <a:r>
-                        <a:rPr lang="en-US" dirty="0"/>
-                        <a:t>15</a:t>
-                      </a:r>
-                    </a:p>
-                  </a:txBody>
-                  <a:tcPr>
-                    <a:lnL w="12700" cap="flat" cmpd="sng" algn="ctr">
-                      <a:solidFill>
-                        <a:scrgbClr r="0" g="0" b="0"/>
-                      </a:solidFill>
-                      <a:prstDash val="solid"/>
-                      <a:round/>
-                      <a:headEnd type="none" w="med" len="med"/>
-                      <a:tailEnd type="none" w="med" len="med"/>
-                    </a:lnL>
-                    <a:lnR w="12700" cap="flat" cmpd="sng" algn="ctr">
-                      <a:solidFill>
-                        <a:scrgbClr r="0" g="0" b="0"/>
-                      </a:solidFill>
-                      <a:prstDash val="solid"/>
-                      <a:round/>
-                      <a:headEnd type="none" w="med" len="med"/>
-                      <a:tailEnd type="none" w="med" len="med"/>
-                    </a:lnR>
-                    <a:lnT w="12700" cap="flat" cmpd="sng" algn="ctr">
-                      <a:solidFill>
-                        <a:scrgbClr r="0" g="0" b="0"/>
-                      </a:solidFill>
-                      <a:prstDash val="solid"/>
-                      <a:round/>
-                      <a:headEnd type="none" w="med" len="med"/>
-                      <a:tailEnd type="none" w="med" len="med"/>
-                    </a:lnT>
-                    <a:lnB w="12700" cap="flat" cmpd="sng" algn="ctr">
-                      <a:solidFill>
-                        <a:scrgbClr r="0" g="0" b="0"/>
-                      </a:solidFill>
-                      <a:prstDash val="solid"/>
-                      <a:round/>
-                      <a:headEnd type="none" w="med" len="med"/>
-                      <a:tailEnd type="none" w="med" len="med"/>
-                    </a:lnB>
-                    <a:solidFill>
-                      <a:srgbClr val="A6A6A6"/>
-                    </a:solidFill>
-                  </a:tcPr>
-                </a:tc>
-                <a:tc>
-                  <a:txBody>
-                    <a:bodyPr/>
-                    <a:lstStyle/>
-                    <a:p>
-                      <a:pPr algn="ctr"/>
-                      <a:r>
-                        <a:rPr lang="en-US" dirty="0"/>
-                        <a:t>16</a:t>
-                      </a:r>
-                    </a:p>
-                  </a:txBody>
-                  <a:tcPr>
-                    <a:lnL w="12700" cap="flat" cmpd="sng" algn="ctr">
-                      <a:solidFill>
-                        <a:scrgbClr r="0" g="0" b="0"/>
-                      </a:solidFill>
-                      <a:prstDash val="solid"/>
-                      <a:round/>
-                      <a:headEnd type="none" w="med" len="med"/>
-                      <a:tailEnd type="none" w="med" len="med"/>
-                    </a:lnL>
-                    <a:lnR w="12700" cap="flat" cmpd="sng" algn="ctr">
-                      <a:solidFill>
-                        <a:scrgbClr r="0" g="0" b="0"/>
-                      </a:solidFill>
-                      <a:prstDash val="solid"/>
-                      <a:round/>
-                      <a:headEnd type="none" w="med" len="med"/>
-                      <a:tailEnd type="none" w="med" len="med"/>
-                    </a:lnR>
-                    <a:lnT w="12700" cap="flat" cmpd="sng" algn="ctr">
-                      <a:solidFill>
-                        <a:scrgbClr r="0" g="0" b="0"/>
-                      </a:solidFill>
-                      <a:prstDash val="solid"/>
-                      <a:round/>
-                      <a:headEnd type="none" w="med" len="med"/>
-                      <a:tailEnd type="none" w="med" len="med"/>
-                    </a:lnT>
-                    <a:lnB w="12700" cap="flat" cmpd="sng" algn="ctr">
-                      <a:solidFill>
-                        <a:scrgbClr r="0" g="0" b="0"/>
-                      </a:solidFill>
-                      <a:prstDash val="solid"/>
-                      <a:round/>
-                      <a:headEnd type="none" w="med" len="med"/>
-                      <a:tailEnd type="none" w="med" len="med"/>
-                    </a:lnB>
-                    <a:solidFill>
-                      <a:srgbClr val="A6A6A6"/>
-                    </a:solidFill>
-                  </a:tcPr>
-                </a:tc>
-                <a:tc>
-                  <a:txBody>
-                    <a:bodyPr/>
-                    <a:lstStyle/>
-                    <a:p>
-                      <a:pPr algn="ctr"/>
-                      <a:r>
-                        <a:rPr lang="en-US" dirty="0"/>
-                        <a:t>17</a:t>
-                      </a:r>
-                    </a:p>
-                  </a:txBody>
-                  <a:tcPr>
-                    <a:lnL w="12700" cap="flat" cmpd="sng" algn="ctr">
-                      <a:solidFill>
-                        <a:scrgbClr r="0" g="0" b="0"/>
-                      </a:solidFill>
-                      <a:prstDash val="solid"/>
-                      <a:round/>
-                      <a:headEnd type="none" w="med" len="med"/>
-                      <a:tailEnd type="none" w="med" len="med"/>
-                    </a:lnL>
-                    <a:lnR w="12700" cap="flat" cmpd="sng" algn="ctr">
-                      <a:solidFill>
-                        <a:scrgbClr r="0" g="0" b="0"/>
-                      </a:solidFill>
-                      <a:prstDash val="solid"/>
-                      <a:round/>
-                      <a:headEnd type="none" w="med" len="med"/>
-                      <a:tailEnd type="none" w="med" len="med"/>
-                    </a:lnR>
-                    <a:lnT w="12700" cap="flat" cmpd="sng" algn="ctr">
-                      <a:solidFill>
-                        <a:scrgbClr r="0" g="0" b="0"/>
-                      </a:solidFill>
-                      <a:prstDash val="solid"/>
-                      <a:round/>
-                      <a:headEnd type="none" w="med" len="med"/>
-                      <a:tailEnd type="none" w="med" len="med"/>
-                    </a:lnT>
-                    <a:lnB w="12700" cap="flat" cmpd="sng" algn="ctr">
-                      <a:solidFill>
-                        <a:scrgbClr r="0" g="0" b="0"/>
-                      </a:solidFill>
-                      <a:prstDash val="solid"/>
-                      <a:round/>
-                      <a:headEnd type="none" w="med" len="med"/>
-                      <a:tailEnd type="none" w="med" len="med"/>
-                    </a:lnB>
-                    <a:solidFill>
-                      <a:srgbClr val="A6A6A6"/>
-                    </a:solidFill>
-                  </a:tcPr>
-                </a:tc>
-                <a:tc>
-                  <a:txBody>
-                    <a:bodyPr/>
-                    <a:lstStyle/>
-                    <a:p>
-                      <a:pPr algn="ctr"/>
-                      <a:r>
-                        <a:rPr lang="en-US" dirty="0"/>
-                        <a:t>18</a:t>
-                      </a:r>
-                    </a:p>
-                  </a:txBody>
-                  <a:tcPr>
-                    <a:lnL w="12700" cap="flat" cmpd="sng" algn="ctr">
-                      <a:solidFill>
-                        <a:scrgbClr r="0" g="0" b="0"/>
-                      </a:solidFill>
-                      <a:prstDash val="solid"/>
-                      <a:round/>
-                      <a:headEnd type="none" w="med" len="med"/>
-                      <a:tailEnd type="none" w="med" len="med"/>
-                    </a:lnL>
-                    <a:lnR w="12700" cap="flat" cmpd="sng" algn="ctr">
-                      <a:solidFill>
-                        <a:scrgbClr r="0" g="0" b="0"/>
-                      </a:solidFill>
-                      <a:prstDash val="solid"/>
-                      <a:round/>
-                      <a:headEnd type="none" w="med" len="med"/>
-                      <a:tailEnd type="none" w="med" len="med"/>
-                    </a:lnR>
-                    <a:lnT w="12700" cap="flat" cmpd="sng" algn="ctr">
-                      <a:solidFill>
-                        <a:scrgbClr r="0" g="0" b="0"/>
-                      </a:solidFill>
-                      <a:prstDash val="solid"/>
-                      <a:round/>
-                      <a:headEnd type="none" w="med" len="med"/>
-                      <a:tailEnd type="none" w="med" len="med"/>
-                    </a:lnT>
-                    <a:lnB w="12700" cap="flat" cmpd="sng" algn="ctr">
-                      <a:solidFill>
-                        <a:scrgbClr r="0" g="0" b="0"/>
-                      </a:solidFill>
-                      <a:prstDash val="solid"/>
-                      <a:round/>
-                      <a:headEnd type="none" w="med" len="med"/>
-                      <a:tailEnd type="none" w="med" len="med"/>
-                    </a:lnB>
-                    <a:solidFill>
-                      <a:srgbClr val="A6A6A6"/>
-                    </a:solidFill>
-                  </a:tcPr>
-                </a:tc>
-                <a:tc>
-                  <a:txBody>
-                    <a:bodyPr/>
-                    <a:lstStyle/>
-                    <a:p>
-                      <a:pPr algn="ctr"/>
-                      <a:r>
-                        <a:rPr lang="en-US" dirty="0"/>
-                        <a:t>19</a:t>
-                      </a:r>
-                    </a:p>
-                  </a:txBody>
-                  <a:tcPr>
-                    <a:lnL w="12700" cap="flat" cmpd="sng" algn="ctr">
-                      <a:solidFill>
-                        <a:scrgbClr r="0" g="0" b="0"/>
-                      </a:solidFill>
-                      <a:prstDash val="solid"/>
-                      <a:round/>
-                      <a:headEnd type="none" w="med" len="med"/>
-                      <a:tailEnd type="none" w="med" len="med"/>
-                    </a:lnL>
-                    <a:lnR w="12700" cap="flat" cmpd="sng" algn="ctr">
-                      <a:solidFill>
-                        <a:scrgbClr r="0" g="0" b="0"/>
-                      </a:solidFill>
-                      <a:prstDash val="solid"/>
-                      <a:round/>
-                      <a:headEnd type="none" w="med" len="med"/>
-                      <a:tailEnd type="none" w="med" len="med"/>
-                    </a:lnR>
-                    <a:lnT w="12700" cap="flat" cmpd="sng" algn="ctr">
-                      <a:solidFill>
-                        <a:scrgbClr r="0" g="0" b="0"/>
-                      </a:solidFill>
-                      <a:prstDash val="solid"/>
-                      <a:round/>
-                      <a:headEnd type="none" w="med" len="med"/>
-                      <a:tailEnd type="none" w="med" len="med"/>
-                    </a:lnT>
-                    <a:lnB w="12700" cap="flat" cmpd="sng" algn="ctr">
-                      <a:solidFill>
-                        <a:scrgbClr r="0" g="0" b="0"/>
-                      </a:solidFill>
-                      <a:prstDash val="solid"/>
-                      <a:round/>
-                      <a:headEnd type="none" w="med" len="med"/>
-                      <a:tailEnd type="none" w="med" len="med"/>
-                    </a:lnB>
-                    <a:solidFill>
-                      <a:srgbClr val="FF7C10"/>
-                    </a:solidFill>
-                  </a:tcPr>
-                </a:tc>
-                <a:tc>
-                  <a:txBody>
-                    <a:bodyPr/>
-                    <a:lstStyle/>
-                    <a:p>
-                      <a:pPr algn="ctr"/>
-                      <a:r>
-                        <a:rPr lang="en-US" dirty="0"/>
-                        <a:t>20</a:t>
-                      </a:r>
-                    </a:p>
-                  </a:txBody>
-                  <a:tcPr>
-                    <a:lnL w="12700" cap="flat" cmpd="sng" algn="ctr">
-                      <a:solidFill>
-                        <a:scrgbClr r="0" g="0" b="0"/>
-                      </a:solidFill>
-                      <a:prstDash val="solid"/>
-                      <a:round/>
-                      <a:headEnd type="none" w="med" len="med"/>
-                      <a:tailEnd type="none" w="med" len="med"/>
-                    </a:lnL>
-                    <a:lnR w="12700" cap="flat" cmpd="sng" algn="ctr">
-                      <a:solidFill>
-                        <a:scrgbClr r="0" g="0" b="0"/>
-                      </a:solidFill>
-                      <a:prstDash val="solid"/>
-                      <a:round/>
-                      <a:headEnd type="none" w="med" len="med"/>
-                      <a:tailEnd type="none" w="med" len="med"/>
-                    </a:lnR>
-                    <a:lnT w="12700" cap="flat" cmpd="sng" algn="ctr">
-                      <a:solidFill>
-                        <a:scrgbClr r="0" g="0" b="0"/>
-                      </a:solidFill>
-                      <a:prstDash val="solid"/>
-                      <a:round/>
-                      <a:headEnd type="none" w="med" len="med"/>
-                      <a:tailEnd type="none" w="med" len="med"/>
-                    </a:lnT>
-                    <a:lnB w="12700" cap="flat" cmpd="sng" algn="ctr">
-                      <a:solidFill>
-                        <a:scrgbClr r="0" g="0" b="0"/>
-                      </a:solidFill>
-                      <a:prstDash val="solid"/>
-                      <a:round/>
-                      <a:headEnd type="none" w="med" len="med"/>
-                      <a:tailEnd type="none" w="med" len="med"/>
-                    </a:lnB>
-                    <a:solidFill>
-                      <a:srgbClr val="A6A6A6"/>
-                    </a:solidFill>
-                  </a:tcPr>
-                </a:tc>
-                <a:tc>
-                  <a:txBody>
-                    <a:bodyPr/>
-                    <a:lstStyle/>
-                    <a:p>
-                      <a:pPr algn="ctr"/>
-                      <a:endParaRPr lang="en-US" dirty="0"/>
-                    </a:p>
-                  </a:txBody>
-                  <a:tcPr>
-                    <a:lnL w="12700" cap="flat" cmpd="sng" algn="ctr">
-                      <a:solidFill>
-                        <a:scrgbClr r="0" g="0" b="0"/>
-                      </a:solidFill>
-                      <a:prstDash val="solid"/>
-                      <a:round/>
-                      <a:headEnd type="none" w="med" len="med"/>
-                      <a:tailEnd type="none" w="med" len="med"/>
-                    </a:lnL>
-                    <a:lnR w="12700" cap="flat" cmpd="sng" algn="ctr">
-                      <a:solidFill>
-                        <a:scrgbClr r="0" g="0" b="0"/>
-                      </a:solidFill>
-                      <a:prstDash val="solid"/>
-                      <a:round/>
-                      <a:headEnd type="none" w="med" len="med"/>
-                      <a:tailEnd type="none" w="med" len="med"/>
-                    </a:lnR>
-                    <a:solidFill>
-                      <a:srgbClr val="DDDDDD"/>
-                    </a:solidFill>
-                  </a:tcPr>
-                </a:tc>
-                <a:tc>
-                  <a:txBody>
-                    <a:bodyPr/>
-                    <a:lstStyle/>
-                    <a:p>
-                      <a:pPr marL="0" marR="0" indent="0" algn="ctr" defTabSz="457200" rtl="0" eaLnBrk="1" fontAlgn="auto" latinLnBrk="0" hangingPunct="1">
-                        <a:lnSpc>
-                          <a:spcPct val="100000"/>
-                        </a:lnSpc>
-                        <a:spcBef>
-                          <a:spcPts val="0"/>
-                        </a:spcBef>
-                        <a:spcAft>
-                          <a:spcPts val="0"/>
-                        </a:spcAft>
-                        <a:buClrTx/>
-                        <a:buSzTx/>
-                        <a:buFontTx/>
-                        <a:buNone/>
-                        <a:tabLst/>
-                        <a:defRPr/>
-                      </a:pPr>
-                      <a:r>
-                        <a:rPr lang="en-US" dirty="0"/>
-                        <a:t>E</a:t>
-                      </a:r>
-                      <a:r>
-                        <a:rPr lang="en-US" baseline="-25000" dirty="0"/>
-                        <a:t>15</a:t>
-                      </a:r>
-                      <a:r>
-                        <a:rPr lang="en-US" dirty="0"/>
-                        <a:t>+…+E</a:t>
-                      </a:r>
-                      <a:r>
-                        <a:rPr lang="en-US" baseline="-25000" dirty="0"/>
-                        <a:t>20</a:t>
-                      </a:r>
-                    </a:p>
-                  </a:txBody>
-                  <a:tcPr>
-                    <a:lnL w="12700" cap="flat" cmpd="sng" algn="ctr">
-                      <a:solidFill>
-                        <a:scrgbClr r="0" g="0" b="0"/>
-                      </a:solidFill>
-                      <a:prstDash val="solid"/>
-                      <a:round/>
-                      <a:headEnd type="none" w="med" len="med"/>
-                      <a:tailEnd type="none" w="med" len="med"/>
-                    </a:lnL>
-                    <a:lnR w="12700" cap="flat" cmpd="sng" algn="ctr">
-                      <a:solidFill>
-                        <a:scrgbClr r="0" g="0" b="0"/>
-                      </a:solidFill>
-                      <a:prstDash val="solid"/>
-                      <a:round/>
-                      <a:headEnd type="none" w="med" len="med"/>
-                      <a:tailEnd type="none" w="med" len="med"/>
-                    </a:lnR>
-                    <a:lnT w="12700" cap="flat" cmpd="sng" algn="ctr">
-                      <a:solidFill>
-                        <a:scrgbClr r="0" g="0" b="0"/>
-                      </a:solidFill>
-                      <a:prstDash val="solid"/>
-                      <a:round/>
-                      <a:headEnd type="none" w="med" len="med"/>
-                      <a:tailEnd type="none" w="med" len="med"/>
-                    </a:lnT>
-                    <a:lnB w="12700" cap="flat" cmpd="sng" algn="ctr">
-                      <a:solidFill>
-                        <a:scrgbClr r="0" g="0" b="0"/>
-                      </a:solidFill>
-                      <a:prstDash val="solid"/>
-                      <a:round/>
-                      <a:headEnd type="none" w="med" len="med"/>
-                      <a:tailEnd type="none" w="med" len="med"/>
-                    </a:lnB>
-                    <a:solidFill>
-                      <a:srgbClr val="FF7C10"/>
-                    </a:solidFill>
-                  </a:tcPr>
-                </a:tc>
-                <a:extLst>
-                  <a:ext uri="{0D108BD9-81ED-4DB2-BD59-A6C34878D82A}">
-                    <a16:rowId xmlns:a16="http://schemas.microsoft.com/office/drawing/2014/main" val="10007"/>
-                  </a:ext>
-                </a:extLst>
-              </a:tr>
-            </a:tbl>
-          </a:graphicData>
-        </a:graphic>
-      </p:graphicFrame>
-      <p:sp>
-        <p:nvSpPr>
-          <p:cNvPr id="4" name="Content Placeholder 2"/>
-          <p:cNvSpPr txBox="1">
-            <a:spLocks/>
-          </p:cNvSpPr>
+      <p:pic>
+        <p:nvPicPr>
+          <p:cNvPr id="9" name="Content Placeholder 4">
+            <a:extLst>
+              <a:ext uri="{FF2B5EF4-FFF2-40B4-BE49-F238E27FC236}">
+                <a16:creationId xmlns:a16="http://schemas.microsoft.com/office/drawing/2014/main" id="{425FDEC1-07CA-BF8A-A271-DC071567B813}"/>
+              </a:ext>
+            </a:extLst>
+          </p:cNvPr>
+          <p:cNvPicPr>
+            <a:picLocks noChangeAspect="1"/>
+          </p:cNvPicPr>
           <p:nvPr/>
-        </p:nvSpPr>
-        <p:spPr bwMode="auto">
+        </p:nvPicPr>
+        <p:blipFill>
+          <a:blip r:embed="rId2"/>
+          <a:stretch>
+            <a:fillRect/>
+          </a:stretch>
+        </p:blipFill>
+        <p:spPr>
           <a:xfrm>
-            <a:off x="1919537" y="4581129"/>
-            <a:ext cx="2880320" cy="1312689"/>
+            <a:off x="354475" y="2003337"/>
+            <a:ext cx="8443913" cy="1513349"/>
           </a:xfrm>
           <a:prstGeom prst="rect">
             <a:avLst/>
           </a:prstGeom>
-          <a:noFill/>
-          <a:ln>
-            <a:noFill/>
-          </a:ln>
-          <a:effectLst/>
-          <a:extLst>
-            <a:ext uri="{909E8E84-426E-40dd-AFC4-6F175D3DCCD1}">
-              <a14:hiddenFill xmlns:a14="http://schemas.microsoft.com/office/drawing/2010/main" xmlns="">
-                <a:solidFill>
-                  <a:schemeClr val="accent1"/>
-                </a:solidFill>
-              </a14:hiddenFill>
-            </a:ext>
-            <a:ext uri="{91240B29-F687-4f45-9708-019B960494DF}">
-              <a14:hiddenLine xmlns:a14="http://schemas.microsoft.com/office/drawing/2010/main" xmlns="" w="9525">
-                <a:solidFill>
-                  <a:schemeClr val="tx1"/>
-                </a:solidFill>
-                <a:miter lim="800000"/>
-                <a:headEnd/>
-                <a:tailEnd/>
-              </a14:hiddenLine>
-            </a:ext>
-            <a:ext uri="{AF507438-7753-43e0-B8FC-AC1667EBCBE1}">
-              <a14:hiddenEffects xmlns:a14="http://schemas.microsoft.com/office/drawing/2010/main" xmlns="">
-                <a:effectLst>
-                  <a:outerShdw blurRad="63500" dist="38099" dir="2700000" algn="ctr" rotWithShape="0">
-                    <a:schemeClr val="bg2">
-                      <a:alpha val="74998"/>
-                    </a:schemeClr>
-                  </a:outerShdw>
-                </a:effectLst>
-              </a14:hiddenEffects>
-            </a:ext>
-            <a:ext uri="{FAA26D3D-D897-4be2-8F04-BA451C77F1D7}">
-              <ma14:placeholderFlag xmlns:ma14="http://schemas.microsoft.com/office/mac/drawingml/2011/main" xmlns="" val="1"/>
-            </a:ext>
-          </a:extLst>
         </p:spPr>
-        <p:txBody>
-          <a:bodyPr vert="horz" wrap="square" lIns="0" tIns="0" rIns="0" bIns="0" numCol="1" anchor="ctr" anchorCtr="0" compatLnSpc="1">
-            <a:prstTxWarp prst="textNoShape">
-              <a:avLst/>
-            </a:prstTxWarp>
-          </a:bodyPr>
-          <a:lstStyle>
-            <a:lvl1pPr marL="342900" indent="-342900" algn="l" rtl="0" eaLnBrk="1" fontAlgn="base" hangingPunct="1">
-              <a:spcBef>
-                <a:spcPct val="20000"/>
-              </a:spcBef>
-              <a:spcAft>
-                <a:spcPct val="0"/>
-              </a:spcAft>
-              <a:buChar char="•"/>
-              <a:defRPr sz="2200">
-                <a:solidFill>
-                  <a:srgbClr val="003D62"/>
-                </a:solidFill>
-                <a:latin typeface="+mn-lt"/>
-                <a:ea typeface="+mn-ea"/>
-                <a:cs typeface="ＭＳ Ｐゴシック" charset="0"/>
-              </a:defRPr>
-            </a:lvl1pPr>
-            <a:lvl2pPr marL="742950" indent="-285750" algn="l" rtl="0" eaLnBrk="1" fontAlgn="base" hangingPunct="1">
-              <a:spcBef>
-                <a:spcPct val="20000"/>
-              </a:spcBef>
-              <a:spcAft>
-                <a:spcPct val="0"/>
-              </a:spcAft>
-              <a:buFont typeface="Arial"/>
-              <a:buChar char="•"/>
-              <a:defRPr sz="1900">
-                <a:solidFill>
-                  <a:srgbClr val="003D62"/>
-                </a:solidFill>
-                <a:latin typeface="+mn-lt"/>
-                <a:ea typeface="+mn-ea"/>
-              </a:defRPr>
-            </a:lvl2pPr>
-            <a:lvl3pPr marL="1200150" indent="-285750" algn="l" rtl="0" eaLnBrk="1" fontAlgn="base" hangingPunct="1">
-              <a:spcBef>
-                <a:spcPct val="20000"/>
-              </a:spcBef>
-              <a:spcAft>
-                <a:spcPct val="0"/>
-              </a:spcAft>
-              <a:buFont typeface="Arial"/>
-              <a:buChar char="•"/>
-              <a:defRPr sz="1500">
-                <a:solidFill>
-                  <a:srgbClr val="003D62"/>
-                </a:solidFill>
-                <a:latin typeface="+mn-lt"/>
-                <a:ea typeface="+mn-ea"/>
-              </a:defRPr>
-            </a:lvl3pPr>
-            <a:lvl4pPr marL="1543050" indent="-171450" algn="l" rtl="0" eaLnBrk="1" fontAlgn="base" hangingPunct="1">
-              <a:spcBef>
-                <a:spcPct val="20000"/>
-              </a:spcBef>
-              <a:spcAft>
-                <a:spcPct val="0"/>
-              </a:spcAft>
-              <a:buFont typeface="Arial"/>
-              <a:buChar char="•"/>
-              <a:defRPr sz="1200">
-                <a:solidFill>
-                  <a:srgbClr val="003D62"/>
-                </a:solidFill>
-                <a:latin typeface="+mn-lt"/>
-                <a:ea typeface="+mn-ea"/>
-              </a:defRPr>
-            </a:lvl4pPr>
-            <a:lvl5pPr marL="2000250" indent="-171450" algn="l" rtl="0" eaLnBrk="1" fontAlgn="base" hangingPunct="1">
-              <a:spcBef>
-                <a:spcPct val="20000"/>
-              </a:spcBef>
-              <a:spcAft>
-                <a:spcPct val="0"/>
-              </a:spcAft>
-              <a:buFont typeface="Arial"/>
-              <a:buChar char="•"/>
-              <a:defRPr sz="1200">
-                <a:solidFill>
-                  <a:srgbClr val="003D62"/>
-                </a:solidFill>
-                <a:latin typeface="+mn-lt"/>
-                <a:ea typeface="+mn-ea"/>
-              </a:defRPr>
-            </a:lvl5pPr>
-            <a:lvl6pPr marL="2514600" indent="-228600" algn="l" rtl="0" eaLnBrk="1" fontAlgn="base" hangingPunct="1">
-              <a:spcBef>
-                <a:spcPct val="20000"/>
-              </a:spcBef>
-              <a:spcAft>
-                <a:spcPct val="0"/>
-              </a:spcAft>
-              <a:buChar char="»"/>
-              <a:defRPr sz="1600">
-                <a:solidFill>
-                  <a:srgbClr val="003D62"/>
-                </a:solidFill>
-                <a:latin typeface="+mn-lt"/>
-                <a:ea typeface="+mn-ea"/>
-              </a:defRPr>
-            </a:lvl6pPr>
-            <a:lvl7pPr marL="2971800" indent="-228600" algn="l" rtl="0" eaLnBrk="1" fontAlgn="base" hangingPunct="1">
-              <a:spcBef>
-                <a:spcPct val="20000"/>
-              </a:spcBef>
-              <a:spcAft>
-                <a:spcPct val="0"/>
-              </a:spcAft>
-              <a:buChar char="»"/>
-              <a:defRPr sz="1600">
-                <a:solidFill>
-                  <a:srgbClr val="003D62"/>
-                </a:solidFill>
-                <a:latin typeface="+mn-lt"/>
-                <a:ea typeface="+mn-ea"/>
-              </a:defRPr>
-            </a:lvl7pPr>
-            <a:lvl8pPr marL="3429000" indent="-228600" algn="l" rtl="0" eaLnBrk="1" fontAlgn="base" hangingPunct="1">
-              <a:spcBef>
-                <a:spcPct val="20000"/>
-              </a:spcBef>
-              <a:spcAft>
-                <a:spcPct val="0"/>
-              </a:spcAft>
-              <a:buChar char="»"/>
-              <a:defRPr sz="1600">
-                <a:solidFill>
-                  <a:srgbClr val="003D62"/>
-                </a:solidFill>
-                <a:latin typeface="+mn-lt"/>
-                <a:ea typeface="+mn-ea"/>
-              </a:defRPr>
-            </a:lvl8pPr>
-            <a:lvl9pPr marL="3886200" indent="-228600" algn="l" rtl="0" eaLnBrk="1" fontAlgn="base" hangingPunct="1">
-              <a:spcBef>
-                <a:spcPct val="20000"/>
-              </a:spcBef>
-              <a:spcAft>
-                <a:spcPct val="0"/>
-              </a:spcAft>
-              <a:buChar char="»"/>
-              <a:defRPr sz="1600">
-                <a:solidFill>
-                  <a:srgbClr val="003D62"/>
-                </a:solidFill>
-                <a:latin typeface="+mn-lt"/>
-                <a:ea typeface="+mn-ea"/>
-              </a:defRPr>
-            </a:lvl9pPr>
-          </a:lstStyle>
-          <a:p>
-            <a:pPr marL="0" indent="0">
-              <a:buNone/>
-            </a:pPr>
-            <a:r>
-              <a:rPr lang="en-US" dirty="0"/>
-              <a:t>Atom 4 is moved, row 4 and column 4 change</a:t>
-            </a:r>
-          </a:p>
-        </p:txBody>
-      </p:sp>
-      <p:sp>
-        <p:nvSpPr>
-          <p:cNvPr id="3" name="Bent Arrow 2"/>
-          <p:cNvSpPr/>
+      </p:pic>
+      <p:pic>
+        <p:nvPicPr>
+          <p:cNvPr id="10" name="Picture 9">
+            <a:extLst>
+              <a:ext uri="{FF2B5EF4-FFF2-40B4-BE49-F238E27FC236}">
+                <a16:creationId xmlns:a16="http://schemas.microsoft.com/office/drawing/2014/main" id="{1E5E64E8-776A-ECE5-6A99-7A0C8670546E}"/>
+              </a:ext>
+            </a:extLst>
+          </p:cNvPr>
+          <p:cNvPicPr>
+            <a:picLocks noChangeAspect="1"/>
+          </p:cNvPicPr>
           <p:nvPr/>
-        </p:nvSpPr>
-        <p:spPr bwMode="auto">
+        </p:nvPicPr>
+        <p:blipFill>
+          <a:blip r:embed="rId3"/>
+          <a:stretch>
+            <a:fillRect/>
+          </a:stretch>
+        </p:blipFill>
+        <p:spPr>
           <a:xfrm>
-            <a:off x="2135560" y="3496424"/>
-            <a:ext cx="525784" cy="1084704"/>
+            <a:off x="354475" y="3817441"/>
+            <a:ext cx="5224522" cy="1515756"/>
           </a:xfrm>
-          <a:prstGeom prst="bentArrow">
+          <a:prstGeom prst="rect">
             <a:avLst/>
           </a:prstGeom>
-          <a:solidFill>
-            <a:srgbClr val="FF7C10"/>
-          </a:solidFill>
-          <a:ln w="9525" cap="flat" cmpd="sng" algn="ctr">
-            <a:solidFill>
-              <a:srgbClr val="FF7C10"/>
-            </a:solidFill>
-            <a:prstDash val="solid"/>
-            <a:round/>
-            <a:headEnd type="none" w="med" len="med"/>
-            <a:tailEnd type="none" w="med" len="med"/>
-          </a:ln>
-          <a:effectLst/>
         </p:spPr>
-        <p:txBody>
-          <a:bodyPr vert="horz" wrap="square" lIns="91440" tIns="45720" rIns="91440" bIns="45720" numCol="1" rtlCol="0" anchor="t" anchorCtr="0" compatLnSpc="1">
-            <a:prstTxWarp prst="textNoShape">
-              <a:avLst/>
-            </a:prstTxWarp>
-          </a:bodyPr>
-          <a:lstStyle/>
-          <a:p>
-            <a:pPr algn="ctr"/>
-            <a:endParaRPr lang="en-US" dirty="0">
-              <a:solidFill>
-                <a:srgbClr val="003D62"/>
-              </a:solidFill>
-            </a:endParaRPr>
-          </a:p>
-        </p:txBody>
-      </p:sp>
-      <p:sp>
-        <p:nvSpPr>
-          <p:cNvPr id="8" name="Bent Arrow 7"/>
-          <p:cNvSpPr/>
-          <p:nvPr/>
-        </p:nvSpPr>
-        <p:spPr bwMode="auto">
-          <a:xfrm rot="5400000" flipH="1">
-            <a:off x="5007308" y="4445684"/>
-            <a:ext cx="525784" cy="796672"/>
-          </a:xfrm>
-          <a:prstGeom prst="bentArrow">
-            <a:avLst/>
-          </a:prstGeom>
-          <a:solidFill>
-            <a:srgbClr val="FF7C10"/>
-          </a:solidFill>
-          <a:ln w="9525" cap="flat" cmpd="sng" algn="ctr">
-            <a:solidFill>
-              <a:srgbClr val="FF7C10"/>
-            </a:solidFill>
-            <a:prstDash val="solid"/>
-            <a:round/>
-            <a:headEnd type="none" w="med" len="med"/>
-            <a:tailEnd type="none" w="med" len="med"/>
-          </a:ln>
-          <a:effectLst/>
-        </p:spPr>
-        <p:txBody>
-          <a:bodyPr vert="horz" wrap="square" lIns="91440" tIns="45720" rIns="91440" bIns="45720" numCol="1" rtlCol="0" anchor="t" anchorCtr="0" compatLnSpc="1">
-            <a:prstTxWarp prst="textNoShape">
-              <a:avLst/>
-            </a:prstTxWarp>
-          </a:bodyPr>
-          <a:lstStyle/>
-          <a:p>
-            <a:pPr algn="ctr"/>
-            <a:endParaRPr lang="en-US" dirty="0">
-              <a:solidFill>
-                <a:srgbClr val="003D62"/>
-              </a:solidFill>
-            </a:endParaRPr>
-          </a:p>
-        </p:txBody>
-      </p:sp>
-      <p:sp>
-        <p:nvSpPr>
-          <p:cNvPr id="9" name="Bent Arrow 8"/>
-          <p:cNvSpPr/>
-          <p:nvPr/>
-        </p:nvSpPr>
-        <p:spPr bwMode="auto">
-          <a:xfrm rot="5400000" flipH="1">
-            <a:off x="6777784" y="3750744"/>
-            <a:ext cx="936104" cy="2596872"/>
-          </a:xfrm>
-          <a:prstGeom prst="bentArrow">
-            <a:avLst>
-              <a:gd name="adj1" fmla="val 17897"/>
-              <a:gd name="adj2" fmla="val 21472"/>
-              <a:gd name="adj3" fmla="val 32103"/>
-              <a:gd name="adj4" fmla="val 43750"/>
-            </a:avLst>
-          </a:prstGeom>
-          <a:solidFill>
-            <a:srgbClr val="FF7C10"/>
-          </a:solidFill>
-          <a:ln w="9525" cap="flat" cmpd="sng" algn="ctr">
-            <a:solidFill>
-              <a:srgbClr val="FF7C10"/>
-            </a:solidFill>
-            <a:prstDash val="solid"/>
-            <a:round/>
-            <a:headEnd type="none" w="med" len="med"/>
-            <a:tailEnd type="none" w="med" len="med"/>
-          </a:ln>
-          <a:effectLst/>
-        </p:spPr>
-        <p:txBody>
-          <a:bodyPr vert="horz" wrap="square" lIns="91440" tIns="45720" rIns="91440" bIns="45720" numCol="1" rtlCol="0" anchor="t" anchorCtr="0" compatLnSpc="1">
-            <a:prstTxWarp prst="textNoShape">
-              <a:avLst/>
-            </a:prstTxWarp>
-          </a:bodyPr>
-          <a:lstStyle/>
-          <a:p>
-            <a:pPr algn="ctr"/>
-            <a:endParaRPr lang="en-US" dirty="0">
-              <a:solidFill>
-                <a:srgbClr val="003D62"/>
-              </a:solidFill>
-            </a:endParaRPr>
-          </a:p>
-        </p:txBody>
-      </p:sp>
+      </p:pic>
     </p:spTree>
     <p:extLst>
       <p:ext uri="{BB962C8B-B14F-4D97-AF65-F5344CB8AC3E}">
-        <p14:creationId xmlns:p14="http://schemas.microsoft.com/office/powerpoint/2010/main" val="1577092333"/>
+        <p14:creationId xmlns:p14="http://schemas.microsoft.com/office/powerpoint/2010/main" val="3383201513"/>
       </p:ext>
     </p:extLst>
   </p:cSld>
   <p:clrMapOvr>
     <a:masterClrMapping/>
   </p:clrMapOvr>
+  <p:timing>
+    <p:tnLst>
+      <p:par>
+        <p:cTn id="1" dur="indefinite" restart="never" nodeType="tmRoot">
+          <p:childTnLst>
+            <p:seq concurrent="1" nextAc="seek">
+              <p:cTn id="2" dur="indefinite" nodeType="mainSeq">
+                <p:childTnLst>
+                  <p:par>
+                    <p:cTn id="3" fill="hold">
+                      <p:stCondLst>
+                        <p:cond delay="indefinite"/>
+                      </p:stCondLst>
+                      <p:childTnLst>
+                        <p:par>
+                          <p:cTn id="4" fill="hold">
+                            <p:stCondLst>
+                              <p:cond delay="0"/>
+                            </p:stCondLst>
+                            <p:childTnLst>
+                              <p:par>
+                                <p:cTn id="5" presetID="1" presetClass="entr" presetSubtype="0" fill="hold" nodeType="clickEffect">
+                                  <p:stCondLst>
+                                    <p:cond delay="0"/>
+                                  </p:stCondLst>
+                                  <p:childTnLst>
+                                    <p:set>
+                                      <p:cBhvr>
+                                        <p:cTn id="6" dur="1" fill="hold">
+                                          <p:stCondLst>
+                                            <p:cond delay="0"/>
+                                          </p:stCondLst>
+                                        </p:cTn>
+                                        <p:tgtEl>
+                                          <p:spTgt spid="10"/>
+                                        </p:tgtEl>
+                                        <p:attrNameLst>
+                                          <p:attrName>style.visibility</p:attrName>
+                                        </p:attrNameLst>
+                                      </p:cBhvr>
+                                      <p:to>
+                                        <p:strVal val="visible"/>
+                                      </p:to>
+                                    </p:set>
+                                  </p:childTnLst>
+                                </p:cTn>
+                              </p:par>
+                            </p:childTnLst>
+                          </p:cTn>
+                        </p:par>
+                      </p:childTnLst>
+                    </p:cTn>
+                  </p:par>
+                </p:childTnLst>
+              </p:cTn>
+              <p:prevCondLst>
+                <p:cond evt="onPrev" delay="0">
+                  <p:tgtEl>
+                    <p:sldTgt/>
+                  </p:tgtEl>
+                </p:cond>
+              </p:prevCondLst>
+              <p:nextCondLst>
+                <p:cond evt="onNext" delay="0">
+                  <p:tgtEl>
+                    <p:sldTgt/>
+                  </p:tgtEl>
+                </p:cond>
+              </p:nextCondLst>
+            </p:seq>
+          </p:childTnLst>
+        </p:cTn>
+      </p:par>
+    </p:tnLst>
+  </p:timing>
 </p:sld>
 </file>
 

--- a/public/drawings.pptx
+++ b/public/drawings.pptx
@@ -5,7 +5,7 @@
     <p:sldMasterId id="2147483648" r:id="rId1"/>
   </p:sldMasterIdLst>
   <p:notesMasterIdLst>
-    <p:notesMasterId r:id="rId13"/>
+    <p:notesMasterId r:id="rId15"/>
   </p:notesMasterIdLst>
   <p:sldIdLst>
     <p:sldId id="257" r:id="rId2"/>
@@ -19,6 +19,8 @@
     <p:sldId id="320" r:id="rId10"/>
     <p:sldId id="342" r:id="rId11"/>
     <p:sldId id="343" r:id="rId12"/>
+    <p:sldId id="344" r:id="rId13"/>
+    <p:sldId id="345" r:id="rId14"/>
   </p:sldIdLst>
   <p:sldSz cx="12192000" cy="6858000"/>
   <p:notesSz cx="6858000" cy="9144000"/>
@@ -4710,7 +4712,7 @@
         </p:nvGrpSpPr>
         <p:grpSpPr>
           <a:xfrm>
-            <a:off x="1157467" y="1646498"/>
+            <a:off x="1157467" y="1679951"/>
             <a:ext cx="7629376" cy="4779201"/>
             <a:chOff x="1157467" y="1646498"/>
             <a:chExt cx="7629376" cy="4779201"/>
@@ -7648,6 +7650,8427 @@
 </p:sld>
 </file>
 
+<file path=ppt/slides/slide12.xml><?xml version="1.0" encoding="utf-8"?>
+<p:sld xmlns:a="http://schemas.openxmlformats.org/drawingml/2006/main" xmlns:r="http://schemas.openxmlformats.org/officeDocument/2006/relationships" xmlns:p="http://schemas.openxmlformats.org/presentationml/2006/main">
+  <p:cSld>
+    <p:spTree>
+      <p:nvGrpSpPr>
+        <p:cNvPr id="1" name=""/>
+        <p:cNvGrpSpPr/>
+        <p:nvPr/>
+      </p:nvGrpSpPr>
+      <p:grpSpPr>
+        <a:xfrm>
+          <a:off x="0" y="0"/>
+          <a:ext cx="0" cy="0"/>
+          <a:chOff x="0" y="0"/>
+          <a:chExt cx="0" cy="0"/>
+        </a:xfrm>
+      </p:grpSpPr>
+      <p:pic>
+        <p:nvPicPr>
+          <p:cNvPr id="3" name="Picture 2">
+            <a:extLst>
+              <a:ext uri="{FF2B5EF4-FFF2-40B4-BE49-F238E27FC236}">
+                <a16:creationId xmlns:a16="http://schemas.microsoft.com/office/drawing/2014/main" id="{A67DDFC9-2F15-F014-D47F-0547B5EEE887}"/>
+              </a:ext>
+            </a:extLst>
+          </p:cNvPr>
+          <p:cNvPicPr>
+            <a:picLocks noChangeAspect="1"/>
+          </p:cNvPicPr>
+          <p:nvPr/>
+        </p:nvPicPr>
+        <p:blipFill rotWithShape="1">
+          <a:blip r:embed="rId2"/>
+          <a:srcRect l="8695" t="51113"/>
+          <a:stretch/>
+        </p:blipFill>
+        <p:spPr>
+          <a:xfrm>
+            <a:off x="1148274" y="2707425"/>
+            <a:ext cx="2976008" cy="3001771"/>
+          </a:xfrm>
+          <a:prstGeom prst="rect">
+            <a:avLst/>
+          </a:prstGeom>
+        </p:spPr>
+      </p:pic>
+      <p:sp>
+        <p:nvSpPr>
+          <p:cNvPr id="4" name="Oval 3">
+            <a:extLst>
+              <a:ext uri="{FF2B5EF4-FFF2-40B4-BE49-F238E27FC236}">
+                <a16:creationId xmlns:a16="http://schemas.microsoft.com/office/drawing/2014/main" id="{841250A0-68A5-11F6-C5AD-BA81FC637947}"/>
+              </a:ext>
+            </a:extLst>
+          </p:cNvPr>
+          <p:cNvSpPr>
+            <a:spLocks noChangeAspect="1"/>
+          </p:cNvSpPr>
+          <p:nvPr/>
+        </p:nvSpPr>
+        <p:spPr bwMode="auto">
+          <a:xfrm>
+            <a:off x="2119901" y="3352259"/>
+            <a:ext cx="1359674" cy="1359674"/>
+          </a:xfrm>
+          <a:prstGeom prst="ellipse">
+            <a:avLst/>
+          </a:prstGeom>
+          <a:solidFill>
+            <a:schemeClr val="accent1">
+              <a:alpha val="50000"/>
+            </a:schemeClr>
+          </a:solidFill>
+          <a:ln w="9525" cap="flat" cmpd="sng" algn="ctr">
+            <a:noFill/>
+            <a:prstDash val="solid"/>
+            <a:round/>
+            <a:headEnd type="none" w="med" len="med"/>
+            <a:tailEnd type="none" w="med" len="med"/>
+          </a:ln>
+          <a:effectLst/>
+        </p:spPr>
+        <p:txBody>
+          <a:bodyPr vert="horz" wrap="square" lIns="91440" tIns="45720" rIns="91440" bIns="45720" numCol="1" rtlCol="0" anchor="t" anchorCtr="0" compatLnSpc="1">
+            <a:prstTxWarp prst="textNoShape">
+              <a:avLst/>
+            </a:prstTxWarp>
+          </a:bodyPr>
+          <a:lstStyle/>
+          <a:p>
+            <a:pPr marL="0" marR="0" indent="0" algn="l" defTabSz="914400" rtl="0" eaLnBrk="0" fontAlgn="base" latinLnBrk="0" hangingPunct="0">
+              <a:lnSpc>
+                <a:spcPct val="100000"/>
+              </a:lnSpc>
+              <a:spcBef>
+                <a:spcPct val="0"/>
+              </a:spcBef>
+              <a:spcAft>
+                <a:spcPct val="0"/>
+              </a:spcAft>
+              <a:buClrTx/>
+              <a:buSzTx/>
+              <a:buFontTx/>
+              <a:buNone/>
+              <a:tabLst/>
+            </a:pPr>
+            <a:endParaRPr kumimoji="0" lang="en-US" sz="2400" b="0" i="0" u="none" strike="noStrike" cap="none" normalizeH="0" baseline="0">
+              <a:ln>
+                <a:noFill/>
+              </a:ln>
+              <a:solidFill>
+                <a:schemeClr val="tx1"/>
+              </a:solidFill>
+              <a:effectLst/>
+              <a:latin typeface="Arial" charset="0"/>
+              <a:ea typeface="ＭＳ Ｐゴシック" pitchFamily="20" charset="-128"/>
+            </a:endParaRPr>
+          </a:p>
+        </p:txBody>
+      </p:sp>
+      <p:sp>
+        <p:nvSpPr>
+          <p:cNvPr id="5" name="Oval 4">
+            <a:extLst>
+              <a:ext uri="{FF2B5EF4-FFF2-40B4-BE49-F238E27FC236}">
+                <a16:creationId xmlns:a16="http://schemas.microsoft.com/office/drawing/2014/main" id="{DACAD0B4-AEE8-9800-BECF-D8467CC88C67}"/>
+              </a:ext>
+            </a:extLst>
+          </p:cNvPr>
+          <p:cNvSpPr>
+            <a:spLocks noChangeAspect="1"/>
+          </p:cNvSpPr>
+          <p:nvPr/>
+        </p:nvSpPr>
+        <p:spPr bwMode="auto">
+          <a:xfrm>
+            <a:off x="3178749" y="3463578"/>
+            <a:ext cx="180000" cy="180000"/>
+          </a:xfrm>
+          <a:prstGeom prst="ellipse">
+            <a:avLst/>
+          </a:prstGeom>
+          <a:solidFill>
+            <a:schemeClr val="accent1">
+              <a:alpha val="50000"/>
+            </a:schemeClr>
+          </a:solidFill>
+          <a:ln w="9525" cap="flat" cmpd="sng" algn="ctr">
+            <a:noFill/>
+            <a:prstDash val="solid"/>
+            <a:round/>
+            <a:headEnd type="none" w="med" len="med"/>
+            <a:tailEnd type="none" w="med" len="med"/>
+          </a:ln>
+          <a:effectLst/>
+        </p:spPr>
+        <p:txBody>
+          <a:bodyPr vert="horz" wrap="square" lIns="91440" tIns="45720" rIns="91440" bIns="45720" numCol="1" rtlCol="0" anchor="t" anchorCtr="0" compatLnSpc="1">
+            <a:prstTxWarp prst="textNoShape">
+              <a:avLst/>
+            </a:prstTxWarp>
+          </a:bodyPr>
+          <a:lstStyle/>
+          <a:p>
+            <a:pPr marL="0" marR="0" indent="0" algn="l" defTabSz="914400" rtl="0" eaLnBrk="0" fontAlgn="base" latinLnBrk="0" hangingPunct="0">
+              <a:lnSpc>
+                <a:spcPct val="100000"/>
+              </a:lnSpc>
+              <a:spcBef>
+                <a:spcPct val="0"/>
+              </a:spcBef>
+              <a:spcAft>
+                <a:spcPct val="0"/>
+              </a:spcAft>
+              <a:buClrTx/>
+              <a:buSzTx/>
+              <a:buFontTx/>
+              <a:buNone/>
+              <a:tabLst/>
+            </a:pPr>
+            <a:endParaRPr kumimoji="0" lang="en-US" sz="2400" b="0" i="0" u="none" strike="noStrike" cap="none" normalizeH="0" baseline="0">
+              <a:ln>
+                <a:noFill/>
+              </a:ln>
+              <a:solidFill>
+                <a:schemeClr val="tx1"/>
+              </a:solidFill>
+              <a:effectLst/>
+              <a:latin typeface="Arial" charset="0"/>
+              <a:ea typeface="ＭＳ Ｐゴシック" pitchFamily="20" charset="-128"/>
+            </a:endParaRPr>
+          </a:p>
+        </p:txBody>
+      </p:sp>
+      <p:grpSp>
+        <p:nvGrpSpPr>
+          <p:cNvPr id="11" name="Group 10">
+            <a:extLst>
+              <a:ext uri="{FF2B5EF4-FFF2-40B4-BE49-F238E27FC236}">
+                <a16:creationId xmlns:a16="http://schemas.microsoft.com/office/drawing/2014/main" id="{CB4BFE14-6B78-1A54-7FC9-34787CED6798}"/>
+              </a:ext>
+            </a:extLst>
+          </p:cNvPr>
+          <p:cNvGrpSpPr/>
+          <p:nvPr/>
+        </p:nvGrpSpPr>
+        <p:grpSpPr>
+          <a:xfrm>
+            <a:off x="5675662" y="2718576"/>
+            <a:ext cx="2976008" cy="3001771"/>
+            <a:chOff x="5810834" y="1939340"/>
+            <a:chExt cx="2976008" cy="3001771"/>
+          </a:xfrm>
+        </p:grpSpPr>
+        <p:pic>
+          <p:nvPicPr>
+            <p:cNvPr id="12" name="Picture 11">
+              <a:extLst>
+                <a:ext uri="{FF2B5EF4-FFF2-40B4-BE49-F238E27FC236}">
+                  <a16:creationId xmlns:a16="http://schemas.microsoft.com/office/drawing/2014/main" id="{9AD41116-4D73-5EB1-60E0-50CEAA00CB8D}"/>
+                </a:ext>
+              </a:extLst>
+            </p:cNvPr>
+            <p:cNvPicPr>
+              <a:picLocks noChangeAspect="1"/>
+            </p:cNvPicPr>
+            <p:nvPr/>
+          </p:nvPicPr>
+          <p:blipFill rotWithShape="1">
+            <a:blip r:embed="rId2"/>
+            <a:srcRect l="8695" t="51113"/>
+            <a:stretch/>
+          </p:blipFill>
+          <p:spPr>
+            <a:xfrm>
+              <a:off x="5810834" y="1939340"/>
+              <a:ext cx="2976008" cy="3001771"/>
+            </a:xfrm>
+            <a:prstGeom prst="rect">
+              <a:avLst/>
+            </a:prstGeom>
+          </p:spPr>
+        </p:pic>
+        <p:sp>
+          <p:nvSpPr>
+            <p:cNvPr id="13" name="Oval 12">
+              <a:extLst>
+                <a:ext uri="{FF2B5EF4-FFF2-40B4-BE49-F238E27FC236}">
+                  <a16:creationId xmlns:a16="http://schemas.microsoft.com/office/drawing/2014/main" id="{C0DDE076-BC64-E774-FC3D-104C96FEBA53}"/>
+                </a:ext>
+              </a:extLst>
+            </p:cNvPr>
+            <p:cNvSpPr>
+              <a:spLocks noChangeAspect="1"/>
+            </p:cNvSpPr>
+            <p:nvPr/>
+          </p:nvSpPr>
+          <p:spPr bwMode="auto">
+            <a:xfrm>
+              <a:off x="6782461" y="2584174"/>
+              <a:ext cx="1359674" cy="1359674"/>
+            </a:xfrm>
+            <a:prstGeom prst="ellipse">
+              <a:avLst/>
+            </a:prstGeom>
+            <a:solidFill>
+              <a:schemeClr val="accent1">
+                <a:alpha val="50000"/>
+              </a:schemeClr>
+            </a:solidFill>
+            <a:ln w="9525" cap="flat" cmpd="sng" algn="ctr">
+              <a:noFill/>
+              <a:prstDash val="solid"/>
+              <a:round/>
+              <a:headEnd type="none" w="med" len="med"/>
+              <a:tailEnd type="none" w="med" len="med"/>
+            </a:ln>
+            <a:effectLst/>
+          </p:spPr>
+          <p:txBody>
+            <a:bodyPr vert="horz" wrap="square" lIns="91440" tIns="45720" rIns="91440" bIns="45720" numCol="1" rtlCol="0" anchor="t" anchorCtr="0" compatLnSpc="1">
+              <a:prstTxWarp prst="textNoShape">
+                <a:avLst/>
+              </a:prstTxWarp>
+            </a:bodyPr>
+            <a:lstStyle/>
+            <a:p>
+              <a:pPr marL="0" marR="0" indent="0" algn="l" defTabSz="914400" rtl="0" eaLnBrk="0" fontAlgn="base" latinLnBrk="0" hangingPunct="0">
+                <a:lnSpc>
+                  <a:spcPct val="100000"/>
+                </a:lnSpc>
+                <a:spcBef>
+                  <a:spcPct val="0"/>
+                </a:spcBef>
+                <a:spcAft>
+                  <a:spcPct val="0"/>
+                </a:spcAft>
+                <a:buClrTx/>
+                <a:buSzTx/>
+                <a:buFontTx/>
+                <a:buNone/>
+                <a:tabLst/>
+              </a:pPr>
+              <a:endParaRPr kumimoji="0" lang="en-US" sz="2400" b="0" i="0" u="none" strike="noStrike" cap="none" normalizeH="0" baseline="0">
+                <a:ln>
+                  <a:noFill/>
+                </a:ln>
+                <a:solidFill>
+                  <a:schemeClr val="tx1"/>
+                </a:solidFill>
+                <a:effectLst/>
+                <a:latin typeface="Arial" charset="0"/>
+                <a:ea typeface="ＭＳ Ｐゴシック" pitchFamily="20" charset="-128"/>
+              </a:endParaRPr>
+            </a:p>
+          </p:txBody>
+        </p:sp>
+        <p:sp>
+          <p:nvSpPr>
+            <p:cNvPr id="14" name="Oval 13">
+              <a:extLst>
+                <a:ext uri="{FF2B5EF4-FFF2-40B4-BE49-F238E27FC236}">
+                  <a16:creationId xmlns:a16="http://schemas.microsoft.com/office/drawing/2014/main" id="{A03E1817-BA44-B367-119A-1AEA4AA30CB2}"/>
+                </a:ext>
+              </a:extLst>
+            </p:cNvPr>
+            <p:cNvSpPr>
+              <a:spLocks noChangeAspect="1"/>
+            </p:cNvSpPr>
+            <p:nvPr/>
+          </p:nvSpPr>
+          <p:spPr bwMode="auto">
+            <a:xfrm>
+              <a:off x="7841309" y="2695493"/>
+              <a:ext cx="180000" cy="180000"/>
+            </a:xfrm>
+            <a:prstGeom prst="ellipse">
+              <a:avLst/>
+            </a:prstGeom>
+            <a:solidFill>
+              <a:schemeClr val="accent1">
+                <a:alpha val="50000"/>
+              </a:schemeClr>
+            </a:solidFill>
+            <a:ln w="9525" cap="flat" cmpd="sng" algn="ctr">
+              <a:noFill/>
+              <a:prstDash val="solid"/>
+              <a:round/>
+              <a:headEnd type="none" w="med" len="med"/>
+              <a:tailEnd type="none" w="med" len="med"/>
+            </a:ln>
+            <a:effectLst/>
+          </p:spPr>
+          <p:txBody>
+            <a:bodyPr vert="horz" wrap="square" lIns="91440" tIns="45720" rIns="91440" bIns="45720" numCol="1" rtlCol="0" anchor="t" anchorCtr="0" compatLnSpc="1">
+              <a:prstTxWarp prst="textNoShape">
+                <a:avLst/>
+              </a:prstTxWarp>
+            </a:bodyPr>
+            <a:lstStyle/>
+            <a:p>
+              <a:pPr marL="0" marR="0" indent="0" algn="l" defTabSz="914400" rtl="0" eaLnBrk="0" fontAlgn="base" latinLnBrk="0" hangingPunct="0">
+                <a:lnSpc>
+                  <a:spcPct val="100000"/>
+                </a:lnSpc>
+                <a:spcBef>
+                  <a:spcPct val="0"/>
+                </a:spcBef>
+                <a:spcAft>
+                  <a:spcPct val="0"/>
+                </a:spcAft>
+                <a:buClrTx/>
+                <a:buSzTx/>
+                <a:buFontTx/>
+                <a:buNone/>
+                <a:tabLst/>
+              </a:pPr>
+              <a:endParaRPr kumimoji="0" lang="en-US" sz="2400" b="0" i="0" u="none" strike="noStrike" cap="none" normalizeH="0" baseline="0">
+                <a:ln>
+                  <a:noFill/>
+                </a:ln>
+                <a:solidFill>
+                  <a:schemeClr val="tx1"/>
+                </a:solidFill>
+                <a:effectLst/>
+                <a:latin typeface="Arial" charset="0"/>
+                <a:ea typeface="ＭＳ Ｐゴシック" pitchFamily="20" charset="-128"/>
+              </a:endParaRPr>
+            </a:p>
+          </p:txBody>
+        </p:sp>
+      </p:grpSp>
+      <p:sp>
+        <p:nvSpPr>
+          <p:cNvPr id="15" name="Rectangle 14">
+            <a:extLst>
+              <a:ext uri="{FF2B5EF4-FFF2-40B4-BE49-F238E27FC236}">
+                <a16:creationId xmlns:a16="http://schemas.microsoft.com/office/drawing/2014/main" id="{FD340A7E-39E8-2636-2FE1-D5B1058D2D52}"/>
+              </a:ext>
+            </a:extLst>
+          </p:cNvPr>
+          <p:cNvSpPr>
+            <a:spLocks noChangeAspect="1"/>
+          </p:cNvSpPr>
+          <p:nvPr/>
+        </p:nvSpPr>
+        <p:spPr bwMode="auto">
+          <a:xfrm>
+            <a:off x="6559048" y="2938014"/>
+            <a:ext cx="2052000" cy="2052000"/>
+          </a:xfrm>
+          <a:prstGeom prst="rect">
+            <a:avLst/>
+          </a:prstGeom>
+          <a:solidFill>
+            <a:schemeClr val="accent1">
+              <a:alpha val="25000"/>
+            </a:schemeClr>
+          </a:solidFill>
+          <a:ln w="9525" cap="flat" cmpd="sng" algn="ctr">
+            <a:noFill/>
+            <a:prstDash val="solid"/>
+            <a:round/>
+            <a:headEnd type="none" w="med" len="med"/>
+            <a:tailEnd type="none" w="med" len="med"/>
+          </a:ln>
+          <a:effectLst/>
+        </p:spPr>
+        <p:txBody>
+          <a:bodyPr vert="horz" wrap="square" lIns="91440" tIns="45720" rIns="91440" bIns="45720" numCol="1" rtlCol="0" anchor="t" anchorCtr="0" compatLnSpc="1">
+            <a:prstTxWarp prst="textNoShape">
+              <a:avLst/>
+            </a:prstTxWarp>
+          </a:bodyPr>
+          <a:lstStyle/>
+          <a:p>
+            <a:pPr marL="0" marR="0" indent="0" algn="l" defTabSz="914400" rtl="0" eaLnBrk="0" fontAlgn="base" latinLnBrk="0" hangingPunct="0">
+              <a:lnSpc>
+                <a:spcPct val="100000"/>
+              </a:lnSpc>
+              <a:spcBef>
+                <a:spcPct val="0"/>
+              </a:spcBef>
+              <a:spcAft>
+                <a:spcPct val="0"/>
+              </a:spcAft>
+              <a:buClrTx/>
+              <a:buSzTx/>
+              <a:buFontTx/>
+              <a:buNone/>
+              <a:tabLst/>
+            </a:pPr>
+            <a:endParaRPr kumimoji="0" lang="en-US" sz="2400" b="0" i="0" u="none" strike="noStrike" cap="none" normalizeH="0" baseline="0">
+              <a:ln>
+                <a:noFill/>
+              </a:ln>
+              <a:solidFill>
+                <a:schemeClr val="tx1"/>
+              </a:solidFill>
+              <a:effectLst/>
+              <a:latin typeface="Arial" charset="0"/>
+              <a:ea typeface="ＭＳ Ｐゴシック" pitchFamily="20" charset="-128"/>
+            </a:endParaRPr>
+          </a:p>
+        </p:txBody>
+      </p:sp>
+    </p:spTree>
+    <p:extLst>
+      <p:ext uri="{BB962C8B-B14F-4D97-AF65-F5344CB8AC3E}">
+        <p14:creationId xmlns:p14="http://schemas.microsoft.com/office/powerpoint/2010/main" val="837247248"/>
+      </p:ext>
+    </p:extLst>
+  </p:cSld>
+  <p:clrMapOvr>
+    <a:masterClrMapping/>
+  </p:clrMapOvr>
+  <p:timing>
+    <p:tnLst>
+      <p:par>
+        <p:cTn id="1" dur="indefinite" restart="never" nodeType="tmRoot">
+          <p:childTnLst>
+            <p:seq concurrent="1" nextAc="seek">
+              <p:cTn id="2" dur="indefinite" nodeType="mainSeq">
+                <p:childTnLst>
+                  <p:par>
+                    <p:cTn id="3" fill="hold">
+                      <p:stCondLst>
+                        <p:cond delay="indefinite"/>
+                        <p:cond evt="onBegin" delay="0">
+                          <p:tn val="2"/>
+                        </p:cond>
+                      </p:stCondLst>
+                      <p:childTnLst>
+                        <p:par>
+                          <p:cTn id="4" fill="hold">
+                            <p:stCondLst>
+                              <p:cond delay="0"/>
+                            </p:stCondLst>
+                            <p:childTnLst>
+                              <p:par>
+                                <p:cTn id="5" presetID="1" presetClass="entr" presetSubtype="0" fill="hold" grpId="1" nodeType="withEffect">
+                                  <p:stCondLst>
+                                    <p:cond delay="0"/>
+                                  </p:stCondLst>
+                                  <p:childTnLst>
+                                    <p:set>
+                                      <p:cBhvr>
+                                        <p:cTn id="6" dur="1" fill="hold">
+                                          <p:stCondLst>
+                                            <p:cond delay="0"/>
+                                          </p:stCondLst>
+                                        </p:cTn>
+                                        <p:tgtEl>
+                                          <p:spTgt spid="15"/>
+                                        </p:tgtEl>
+                                        <p:attrNameLst>
+                                          <p:attrName>style.visibility</p:attrName>
+                                        </p:attrNameLst>
+                                      </p:cBhvr>
+                                      <p:to>
+                                        <p:strVal val="visible"/>
+                                      </p:to>
+                                    </p:set>
+                                  </p:childTnLst>
+                                </p:cTn>
+                              </p:par>
+                            </p:childTnLst>
+                          </p:cTn>
+                        </p:par>
+                      </p:childTnLst>
+                    </p:cTn>
+                  </p:par>
+                  <p:par>
+                    <p:cTn id="7" fill="hold">
+                      <p:stCondLst>
+                        <p:cond delay="indefinite"/>
+                      </p:stCondLst>
+                      <p:childTnLst>
+                        <p:par>
+                          <p:cTn id="8" fill="hold">
+                            <p:stCondLst>
+                              <p:cond delay="0"/>
+                            </p:stCondLst>
+                            <p:childTnLst>
+                              <p:par>
+                                <p:cTn id="9" presetID="1" presetClass="exit" presetSubtype="0" fill="hold" grpId="0" nodeType="clickEffect">
+                                  <p:stCondLst>
+                                    <p:cond delay="0"/>
+                                  </p:stCondLst>
+                                  <p:childTnLst>
+                                    <p:set>
+                                      <p:cBhvr>
+                                        <p:cTn id="10" dur="1" fill="hold">
+                                          <p:stCondLst>
+                                            <p:cond delay="0"/>
+                                          </p:stCondLst>
+                                        </p:cTn>
+                                        <p:tgtEl>
+                                          <p:spTgt spid="15"/>
+                                        </p:tgtEl>
+                                        <p:attrNameLst>
+                                          <p:attrName>style.visibility</p:attrName>
+                                        </p:attrNameLst>
+                                      </p:cBhvr>
+                                      <p:to>
+                                        <p:strVal val="hidden"/>
+                                      </p:to>
+                                    </p:set>
+                                  </p:childTnLst>
+                                </p:cTn>
+                              </p:par>
+                            </p:childTnLst>
+                          </p:cTn>
+                        </p:par>
+                      </p:childTnLst>
+                    </p:cTn>
+                  </p:par>
+                </p:childTnLst>
+              </p:cTn>
+              <p:prevCondLst>
+                <p:cond evt="onPrev" delay="0">
+                  <p:tgtEl>
+                    <p:sldTgt/>
+                  </p:tgtEl>
+                </p:cond>
+              </p:prevCondLst>
+              <p:nextCondLst>
+                <p:cond evt="onNext" delay="0">
+                  <p:tgtEl>
+                    <p:sldTgt/>
+                  </p:tgtEl>
+                </p:cond>
+              </p:nextCondLst>
+            </p:seq>
+          </p:childTnLst>
+        </p:cTn>
+      </p:par>
+    </p:tnLst>
+    <p:bldLst>
+      <p:bldP spid="15" grpId="0" animBg="1"/>
+      <p:bldP spid="15" grpId="1" animBg="1"/>
+    </p:bldLst>
+  </p:timing>
+</p:sld>
+</file>
+
+<file path=ppt/slides/slide13.xml><?xml version="1.0" encoding="utf-8"?>
+<p:sld xmlns:a="http://schemas.openxmlformats.org/drawingml/2006/main" xmlns:r="http://schemas.openxmlformats.org/officeDocument/2006/relationships" xmlns:p="http://schemas.openxmlformats.org/presentationml/2006/main">
+  <p:cSld>
+    <p:spTree>
+      <p:nvGrpSpPr>
+        <p:cNvPr id="1" name=""/>
+        <p:cNvGrpSpPr/>
+        <p:nvPr/>
+      </p:nvGrpSpPr>
+      <p:grpSpPr>
+        <a:xfrm>
+          <a:off x="0" y="0"/>
+          <a:ext cx="0" cy="0"/>
+          <a:chOff x="0" y="0"/>
+          <a:chExt cx="0" cy="0"/>
+        </a:xfrm>
+      </p:grpSpPr>
+      <p:grpSp>
+        <p:nvGrpSpPr>
+          <p:cNvPr id="205" name="Group 204">
+            <a:extLst>
+              <a:ext uri="{FF2B5EF4-FFF2-40B4-BE49-F238E27FC236}">
+                <a16:creationId xmlns:a16="http://schemas.microsoft.com/office/drawing/2014/main" id="{E30D9FC7-FF27-C6FA-3096-E650257712DE}"/>
+              </a:ext>
+            </a:extLst>
+          </p:cNvPr>
+          <p:cNvGrpSpPr/>
+          <p:nvPr/>
+        </p:nvGrpSpPr>
+        <p:grpSpPr>
+          <a:xfrm>
+            <a:off x="303531" y="1925087"/>
+            <a:ext cx="10736895" cy="3611087"/>
+            <a:chOff x="303531" y="1925087"/>
+            <a:chExt cx="10736895" cy="3611087"/>
+          </a:xfrm>
+        </p:grpSpPr>
+        <p:grpSp>
+          <p:nvGrpSpPr>
+            <p:cNvPr id="135" name="Group 134">
+              <a:extLst>
+                <a:ext uri="{FF2B5EF4-FFF2-40B4-BE49-F238E27FC236}">
+                  <a16:creationId xmlns:a16="http://schemas.microsoft.com/office/drawing/2014/main" id="{668CB488-5AA0-0FE6-E06A-FFB6B19283DB}"/>
+                </a:ext>
+              </a:extLst>
+            </p:cNvPr>
+            <p:cNvGrpSpPr/>
+            <p:nvPr/>
+          </p:nvGrpSpPr>
+          <p:grpSpPr>
+            <a:xfrm>
+              <a:off x="3510587" y="1936174"/>
+              <a:ext cx="3600000" cy="3600000"/>
+              <a:chOff x="5015972" y="1936174"/>
+              <a:chExt cx="3600000" cy="3600000"/>
+            </a:xfrm>
+          </p:grpSpPr>
+          <p:grpSp>
+            <p:nvGrpSpPr>
+              <p:cNvPr id="63" name="Group 62">
+                <a:extLst>
+                  <a:ext uri="{FF2B5EF4-FFF2-40B4-BE49-F238E27FC236}">
+                    <a16:creationId xmlns:a16="http://schemas.microsoft.com/office/drawing/2014/main" id="{21DF7769-BFE9-07ED-DA39-B4B334A6A768}"/>
+                  </a:ext>
+                </a:extLst>
+              </p:cNvPr>
+              <p:cNvGrpSpPr/>
+              <p:nvPr/>
+            </p:nvGrpSpPr>
+            <p:grpSpPr>
+              <a:xfrm>
+                <a:off x="5015972" y="1936174"/>
+                <a:ext cx="3600000" cy="3600000"/>
+                <a:chOff x="5136809" y="1735218"/>
+                <a:chExt cx="3600000" cy="3600000"/>
+              </a:xfrm>
+            </p:grpSpPr>
+            <p:grpSp>
+              <p:nvGrpSpPr>
+                <p:cNvPr id="38" name="Group 37">
+                  <a:extLst>
+                    <a:ext uri="{FF2B5EF4-FFF2-40B4-BE49-F238E27FC236}">
+                      <a16:creationId xmlns:a16="http://schemas.microsoft.com/office/drawing/2014/main" id="{6DB3C783-AB01-44F2-BF1E-19AE882A586F}"/>
+                    </a:ext>
+                  </a:extLst>
+                </p:cNvPr>
+                <p:cNvGrpSpPr/>
+                <p:nvPr/>
+              </p:nvGrpSpPr>
+              <p:grpSpPr>
+                <a:xfrm>
+                  <a:off x="5136809" y="1735218"/>
+                  <a:ext cx="3600000" cy="720000"/>
+                  <a:chOff x="4627756" y="1260088"/>
+                  <a:chExt cx="3600000" cy="720000"/>
+                </a:xfrm>
+              </p:grpSpPr>
+              <p:sp>
+                <p:nvSpPr>
+                  <p:cNvPr id="32" name="Rectangle 31">
+                    <a:extLst>
+                      <a:ext uri="{FF2B5EF4-FFF2-40B4-BE49-F238E27FC236}">
+                        <a16:creationId xmlns:a16="http://schemas.microsoft.com/office/drawing/2014/main" id="{E3523147-1E49-135D-98CA-56B16D815157}"/>
+                      </a:ext>
+                    </a:extLst>
+                  </p:cNvPr>
+                  <p:cNvSpPr>
+                    <a:spLocks noChangeAspect="1"/>
+                  </p:cNvSpPr>
+                  <p:nvPr/>
+                </p:nvSpPr>
+                <p:spPr>
+                  <a:xfrm>
+                    <a:off x="4627756" y="1260088"/>
+                    <a:ext cx="720000" cy="720000"/>
+                  </a:xfrm>
+                  <a:prstGeom prst="rect">
+                    <a:avLst/>
+                  </a:prstGeom>
+                  <a:noFill/>
+                </p:spPr>
+                <p:style>
+                  <a:lnRef idx="2">
+                    <a:schemeClr val="accent1">
+                      <a:shade val="50000"/>
+                    </a:schemeClr>
+                  </a:lnRef>
+                  <a:fillRef idx="1">
+                    <a:schemeClr val="accent1"/>
+                  </a:fillRef>
+                  <a:effectRef idx="0">
+                    <a:schemeClr val="accent1"/>
+                  </a:effectRef>
+                  <a:fontRef idx="minor">
+                    <a:schemeClr val="lt1"/>
+                  </a:fontRef>
+                </p:style>
+                <p:txBody>
+                  <a:bodyPr rtlCol="0" anchor="ctr"/>
+                  <a:lstStyle/>
+                  <a:p>
+                    <a:pPr algn="ctr"/>
+                    <a:endParaRPr lang="en-GB"/>
+                  </a:p>
+                </p:txBody>
+              </p:sp>
+              <p:sp>
+                <p:nvSpPr>
+                  <p:cNvPr id="33" name="Rectangle 32">
+                    <a:extLst>
+                      <a:ext uri="{FF2B5EF4-FFF2-40B4-BE49-F238E27FC236}">
+                        <a16:creationId xmlns:a16="http://schemas.microsoft.com/office/drawing/2014/main" id="{7D0055FB-4746-2E4D-AF6C-D0E4AD9A77E9}"/>
+                      </a:ext>
+                    </a:extLst>
+                  </p:cNvPr>
+                  <p:cNvSpPr>
+                    <a:spLocks noChangeAspect="1"/>
+                  </p:cNvSpPr>
+                  <p:nvPr/>
+                </p:nvSpPr>
+                <p:spPr>
+                  <a:xfrm>
+                    <a:off x="6067756" y="1260088"/>
+                    <a:ext cx="720000" cy="720000"/>
+                  </a:xfrm>
+                  <a:prstGeom prst="rect">
+                    <a:avLst/>
+                  </a:prstGeom>
+                  <a:noFill/>
+                </p:spPr>
+                <p:style>
+                  <a:lnRef idx="2">
+                    <a:schemeClr val="accent1">
+                      <a:shade val="50000"/>
+                    </a:schemeClr>
+                  </a:lnRef>
+                  <a:fillRef idx="1">
+                    <a:schemeClr val="accent1"/>
+                  </a:fillRef>
+                  <a:effectRef idx="0">
+                    <a:schemeClr val="accent1"/>
+                  </a:effectRef>
+                  <a:fontRef idx="minor">
+                    <a:schemeClr val="lt1"/>
+                  </a:fontRef>
+                </p:style>
+                <p:txBody>
+                  <a:bodyPr rtlCol="0" anchor="ctr"/>
+                  <a:lstStyle/>
+                  <a:p>
+                    <a:pPr algn="ctr"/>
+                    <a:endParaRPr lang="en-GB"/>
+                  </a:p>
+                </p:txBody>
+              </p:sp>
+              <p:sp>
+                <p:nvSpPr>
+                  <p:cNvPr id="34" name="Rectangle 33">
+                    <a:extLst>
+                      <a:ext uri="{FF2B5EF4-FFF2-40B4-BE49-F238E27FC236}">
+                        <a16:creationId xmlns:a16="http://schemas.microsoft.com/office/drawing/2014/main" id="{E68538A7-BF4C-AB23-7066-75861A91DB60}"/>
+                      </a:ext>
+                    </a:extLst>
+                  </p:cNvPr>
+                  <p:cNvSpPr>
+                    <a:spLocks noChangeAspect="1"/>
+                  </p:cNvSpPr>
+                  <p:nvPr/>
+                </p:nvSpPr>
+                <p:spPr>
+                  <a:xfrm>
+                    <a:off x="5347756" y="1260088"/>
+                    <a:ext cx="720000" cy="720000"/>
+                  </a:xfrm>
+                  <a:prstGeom prst="rect">
+                    <a:avLst/>
+                  </a:prstGeom>
+                  <a:noFill/>
+                </p:spPr>
+                <p:style>
+                  <a:lnRef idx="2">
+                    <a:schemeClr val="accent1">
+                      <a:shade val="50000"/>
+                    </a:schemeClr>
+                  </a:lnRef>
+                  <a:fillRef idx="1">
+                    <a:schemeClr val="accent1"/>
+                  </a:fillRef>
+                  <a:effectRef idx="0">
+                    <a:schemeClr val="accent1"/>
+                  </a:effectRef>
+                  <a:fontRef idx="minor">
+                    <a:schemeClr val="lt1"/>
+                  </a:fontRef>
+                </p:style>
+                <p:txBody>
+                  <a:bodyPr rtlCol="0" anchor="ctr"/>
+                  <a:lstStyle/>
+                  <a:p>
+                    <a:pPr algn="ctr"/>
+                    <a:endParaRPr lang="en-GB"/>
+                  </a:p>
+                </p:txBody>
+              </p:sp>
+              <p:sp>
+                <p:nvSpPr>
+                  <p:cNvPr id="35" name="Rectangle 34">
+                    <a:extLst>
+                      <a:ext uri="{FF2B5EF4-FFF2-40B4-BE49-F238E27FC236}">
+                        <a16:creationId xmlns:a16="http://schemas.microsoft.com/office/drawing/2014/main" id="{750926AD-745B-24B7-849A-3E32FA8D841D}"/>
+                      </a:ext>
+                    </a:extLst>
+                  </p:cNvPr>
+                  <p:cNvSpPr>
+                    <a:spLocks noChangeAspect="1"/>
+                  </p:cNvSpPr>
+                  <p:nvPr/>
+                </p:nvSpPr>
+                <p:spPr>
+                  <a:xfrm>
+                    <a:off x="6787756" y="1260088"/>
+                    <a:ext cx="720000" cy="720000"/>
+                  </a:xfrm>
+                  <a:prstGeom prst="rect">
+                    <a:avLst/>
+                  </a:prstGeom>
+                  <a:noFill/>
+                </p:spPr>
+                <p:style>
+                  <a:lnRef idx="2">
+                    <a:schemeClr val="accent1">
+                      <a:shade val="50000"/>
+                    </a:schemeClr>
+                  </a:lnRef>
+                  <a:fillRef idx="1">
+                    <a:schemeClr val="accent1"/>
+                  </a:fillRef>
+                  <a:effectRef idx="0">
+                    <a:schemeClr val="accent1"/>
+                  </a:effectRef>
+                  <a:fontRef idx="minor">
+                    <a:schemeClr val="lt1"/>
+                  </a:fontRef>
+                </p:style>
+                <p:txBody>
+                  <a:bodyPr rtlCol="0" anchor="ctr"/>
+                  <a:lstStyle/>
+                  <a:p>
+                    <a:pPr algn="ctr"/>
+                    <a:endParaRPr lang="en-GB"/>
+                  </a:p>
+                </p:txBody>
+              </p:sp>
+              <p:sp>
+                <p:nvSpPr>
+                  <p:cNvPr id="37" name="Rectangle 36">
+                    <a:extLst>
+                      <a:ext uri="{FF2B5EF4-FFF2-40B4-BE49-F238E27FC236}">
+                        <a16:creationId xmlns:a16="http://schemas.microsoft.com/office/drawing/2014/main" id="{E52B6133-9975-5F72-3196-B57995070F91}"/>
+                      </a:ext>
+                    </a:extLst>
+                  </p:cNvPr>
+                  <p:cNvSpPr>
+                    <a:spLocks noChangeAspect="1"/>
+                  </p:cNvSpPr>
+                  <p:nvPr/>
+                </p:nvSpPr>
+                <p:spPr>
+                  <a:xfrm>
+                    <a:off x="7507756" y="1260088"/>
+                    <a:ext cx="720000" cy="720000"/>
+                  </a:xfrm>
+                  <a:prstGeom prst="rect">
+                    <a:avLst/>
+                  </a:prstGeom>
+                  <a:noFill/>
+                </p:spPr>
+                <p:style>
+                  <a:lnRef idx="2">
+                    <a:schemeClr val="accent1">
+                      <a:shade val="50000"/>
+                    </a:schemeClr>
+                  </a:lnRef>
+                  <a:fillRef idx="1">
+                    <a:schemeClr val="accent1"/>
+                  </a:fillRef>
+                  <a:effectRef idx="0">
+                    <a:schemeClr val="accent1"/>
+                  </a:effectRef>
+                  <a:fontRef idx="minor">
+                    <a:schemeClr val="lt1"/>
+                  </a:fontRef>
+                </p:style>
+                <p:txBody>
+                  <a:bodyPr rtlCol="0" anchor="ctr"/>
+                  <a:lstStyle/>
+                  <a:p>
+                    <a:pPr algn="ctr"/>
+                    <a:endParaRPr lang="en-GB"/>
+                  </a:p>
+                </p:txBody>
+              </p:sp>
+            </p:grpSp>
+            <p:grpSp>
+              <p:nvGrpSpPr>
+                <p:cNvPr id="39" name="Group 38">
+                  <a:extLst>
+                    <a:ext uri="{FF2B5EF4-FFF2-40B4-BE49-F238E27FC236}">
+                      <a16:creationId xmlns:a16="http://schemas.microsoft.com/office/drawing/2014/main" id="{8A1B8FA0-4D50-79DC-5CAC-83E2C97FD6E1}"/>
+                    </a:ext>
+                  </a:extLst>
+                </p:cNvPr>
+                <p:cNvGrpSpPr/>
+                <p:nvPr/>
+              </p:nvGrpSpPr>
+              <p:grpSpPr>
+                <a:xfrm>
+                  <a:off x="5136809" y="4615218"/>
+                  <a:ext cx="3600000" cy="720000"/>
+                  <a:chOff x="4627756" y="1260088"/>
+                  <a:chExt cx="3600000" cy="720000"/>
+                </a:xfrm>
+              </p:grpSpPr>
+              <p:sp>
+                <p:nvSpPr>
+                  <p:cNvPr id="40" name="Rectangle 39">
+                    <a:extLst>
+                      <a:ext uri="{FF2B5EF4-FFF2-40B4-BE49-F238E27FC236}">
+                        <a16:creationId xmlns:a16="http://schemas.microsoft.com/office/drawing/2014/main" id="{1D94E06A-7058-4F86-EED7-24E5EA5AE58C}"/>
+                      </a:ext>
+                    </a:extLst>
+                  </p:cNvPr>
+                  <p:cNvSpPr>
+                    <a:spLocks noChangeAspect="1"/>
+                  </p:cNvSpPr>
+                  <p:nvPr/>
+                </p:nvSpPr>
+                <p:spPr>
+                  <a:xfrm>
+                    <a:off x="4627756" y="1260088"/>
+                    <a:ext cx="720000" cy="720000"/>
+                  </a:xfrm>
+                  <a:prstGeom prst="rect">
+                    <a:avLst/>
+                  </a:prstGeom>
+                  <a:noFill/>
+                </p:spPr>
+                <p:style>
+                  <a:lnRef idx="2">
+                    <a:schemeClr val="accent1">
+                      <a:shade val="50000"/>
+                    </a:schemeClr>
+                  </a:lnRef>
+                  <a:fillRef idx="1">
+                    <a:schemeClr val="accent1"/>
+                  </a:fillRef>
+                  <a:effectRef idx="0">
+                    <a:schemeClr val="accent1"/>
+                  </a:effectRef>
+                  <a:fontRef idx="minor">
+                    <a:schemeClr val="lt1"/>
+                  </a:fontRef>
+                </p:style>
+                <p:txBody>
+                  <a:bodyPr rtlCol="0" anchor="ctr"/>
+                  <a:lstStyle/>
+                  <a:p>
+                    <a:pPr algn="ctr"/>
+                    <a:endParaRPr lang="en-GB"/>
+                  </a:p>
+                </p:txBody>
+              </p:sp>
+              <p:sp>
+                <p:nvSpPr>
+                  <p:cNvPr id="41" name="Rectangle 40">
+                    <a:extLst>
+                      <a:ext uri="{FF2B5EF4-FFF2-40B4-BE49-F238E27FC236}">
+                        <a16:creationId xmlns:a16="http://schemas.microsoft.com/office/drawing/2014/main" id="{7C452AE4-6033-B388-F537-821597826D38}"/>
+                      </a:ext>
+                    </a:extLst>
+                  </p:cNvPr>
+                  <p:cNvSpPr>
+                    <a:spLocks noChangeAspect="1"/>
+                  </p:cNvSpPr>
+                  <p:nvPr/>
+                </p:nvSpPr>
+                <p:spPr>
+                  <a:xfrm>
+                    <a:off x="6067756" y="1260088"/>
+                    <a:ext cx="720000" cy="720000"/>
+                  </a:xfrm>
+                  <a:prstGeom prst="rect">
+                    <a:avLst/>
+                  </a:prstGeom>
+                  <a:noFill/>
+                </p:spPr>
+                <p:style>
+                  <a:lnRef idx="2">
+                    <a:schemeClr val="accent1">
+                      <a:shade val="50000"/>
+                    </a:schemeClr>
+                  </a:lnRef>
+                  <a:fillRef idx="1">
+                    <a:schemeClr val="accent1"/>
+                  </a:fillRef>
+                  <a:effectRef idx="0">
+                    <a:schemeClr val="accent1"/>
+                  </a:effectRef>
+                  <a:fontRef idx="minor">
+                    <a:schemeClr val="lt1"/>
+                  </a:fontRef>
+                </p:style>
+                <p:txBody>
+                  <a:bodyPr rtlCol="0" anchor="ctr"/>
+                  <a:lstStyle/>
+                  <a:p>
+                    <a:pPr algn="ctr"/>
+                    <a:endParaRPr lang="en-GB"/>
+                  </a:p>
+                </p:txBody>
+              </p:sp>
+              <p:sp>
+                <p:nvSpPr>
+                  <p:cNvPr id="42" name="Rectangle 41">
+                    <a:extLst>
+                      <a:ext uri="{FF2B5EF4-FFF2-40B4-BE49-F238E27FC236}">
+                        <a16:creationId xmlns:a16="http://schemas.microsoft.com/office/drawing/2014/main" id="{CF307E64-D396-82F5-2594-0B25892662D4}"/>
+                      </a:ext>
+                    </a:extLst>
+                  </p:cNvPr>
+                  <p:cNvSpPr>
+                    <a:spLocks noChangeAspect="1"/>
+                  </p:cNvSpPr>
+                  <p:nvPr/>
+                </p:nvSpPr>
+                <p:spPr>
+                  <a:xfrm>
+                    <a:off x="5347756" y="1260088"/>
+                    <a:ext cx="720000" cy="720000"/>
+                  </a:xfrm>
+                  <a:prstGeom prst="rect">
+                    <a:avLst/>
+                  </a:prstGeom>
+                  <a:noFill/>
+                </p:spPr>
+                <p:style>
+                  <a:lnRef idx="2">
+                    <a:schemeClr val="accent1">
+                      <a:shade val="50000"/>
+                    </a:schemeClr>
+                  </a:lnRef>
+                  <a:fillRef idx="1">
+                    <a:schemeClr val="accent1"/>
+                  </a:fillRef>
+                  <a:effectRef idx="0">
+                    <a:schemeClr val="accent1"/>
+                  </a:effectRef>
+                  <a:fontRef idx="minor">
+                    <a:schemeClr val="lt1"/>
+                  </a:fontRef>
+                </p:style>
+                <p:txBody>
+                  <a:bodyPr rtlCol="0" anchor="ctr"/>
+                  <a:lstStyle/>
+                  <a:p>
+                    <a:pPr algn="ctr"/>
+                    <a:endParaRPr lang="en-GB"/>
+                  </a:p>
+                </p:txBody>
+              </p:sp>
+              <p:sp>
+                <p:nvSpPr>
+                  <p:cNvPr id="43" name="Rectangle 42">
+                    <a:extLst>
+                      <a:ext uri="{FF2B5EF4-FFF2-40B4-BE49-F238E27FC236}">
+                        <a16:creationId xmlns:a16="http://schemas.microsoft.com/office/drawing/2014/main" id="{4EA55EA2-80B0-0B36-6426-7275D4161576}"/>
+                      </a:ext>
+                    </a:extLst>
+                  </p:cNvPr>
+                  <p:cNvSpPr>
+                    <a:spLocks noChangeAspect="1"/>
+                  </p:cNvSpPr>
+                  <p:nvPr/>
+                </p:nvSpPr>
+                <p:spPr>
+                  <a:xfrm>
+                    <a:off x="6787756" y="1260088"/>
+                    <a:ext cx="720000" cy="720000"/>
+                  </a:xfrm>
+                  <a:prstGeom prst="rect">
+                    <a:avLst/>
+                  </a:prstGeom>
+                  <a:noFill/>
+                </p:spPr>
+                <p:style>
+                  <a:lnRef idx="2">
+                    <a:schemeClr val="accent1">
+                      <a:shade val="50000"/>
+                    </a:schemeClr>
+                  </a:lnRef>
+                  <a:fillRef idx="1">
+                    <a:schemeClr val="accent1"/>
+                  </a:fillRef>
+                  <a:effectRef idx="0">
+                    <a:schemeClr val="accent1"/>
+                  </a:effectRef>
+                  <a:fontRef idx="minor">
+                    <a:schemeClr val="lt1"/>
+                  </a:fontRef>
+                </p:style>
+                <p:txBody>
+                  <a:bodyPr rtlCol="0" anchor="ctr"/>
+                  <a:lstStyle/>
+                  <a:p>
+                    <a:pPr algn="ctr"/>
+                    <a:endParaRPr lang="en-GB"/>
+                  </a:p>
+                </p:txBody>
+              </p:sp>
+              <p:sp>
+                <p:nvSpPr>
+                  <p:cNvPr id="44" name="Rectangle 43">
+                    <a:extLst>
+                      <a:ext uri="{FF2B5EF4-FFF2-40B4-BE49-F238E27FC236}">
+                        <a16:creationId xmlns:a16="http://schemas.microsoft.com/office/drawing/2014/main" id="{AB9AAF15-ECC1-BD5C-F55B-1C8F934C8E5C}"/>
+                      </a:ext>
+                    </a:extLst>
+                  </p:cNvPr>
+                  <p:cNvSpPr>
+                    <a:spLocks noChangeAspect="1"/>
+                  </p:cNvSpPr>
+                  <p:nvPr/>
+                </p:nvSpPr>
+                <p:spPr>
+                  <a:xfrm>
+                    <a:off x="7507756" y="1260088"/>
+                    <a:ext cx="720000" cy="720000"/>
+                  </a:xfrm>
+                  <a:prstGeom prst="rect">
+                    <a:avLst/>
+                  </a:prstGeom>
+                  <a:noFill/>
+                </p:spPr>
+                <p:style>
+                  <a:lnRef idx="2">
+                    <a:schemeClr val="accent1">
+                      <a:shade val="50000"/>
+                    </a:schemeClr>
+                  </a:lnRef>
+                  <a:fillRef idx="1">
+                    <a:schemeClr val="accent1"/>
+                  </a:fillRef>
+                  <a:effectRef idx="0">
+                    <a:schemeClr val="accent1"/>
+                  </a:effectRef>
+                  <a:fontRef idx="minor">
+                    <a:schemeClr val="lt1"/>
+                  </a:fontRef>
+                </p:style>
+                <p:txBody>
+                  <a:bodyPr rtlCol="0" anchor="ctr"/>
+                  <a:lstStyle/>
+                  <a:p>
+                    <a:pPr algn="ctr"/>
+                    <a:endParaRPr lang="en-GB"/>
+                  </a:p>
+                </p:txBody>
+              </p:sp>
+            </p:grpSp>
+            <p:grpSp>
+              <p:nvGrpSpPr>
+                <p:cNvPr id="45" name="Group 44">
+                  <a:extLst>
+                    <a:ext uri="{FF2B5EF4-FFF2-40B4-BE49-F238E27FC236}">
+                      <a16:creationId xmlns:a16="http://schemas.microsoft.com/office/drawing/2014/main" id="{6FC4D54E-C5E5-138E-F6CA-2271E3B56D01}"/>
+                    </a:ext>
+                  </a:extLst>
+                </p:cNvPr>
+                <p:cNvGrpSpPr/>
+                <p:nvPr/>
+              </p:nvGrpSpPr>
+              <p:grpSpPr>
+                <a:xfrm>
+                  <a:off x="5136809" y="3895218"/>
+                  <a:ext cx="3600000" cy="720000"/>
+                  <a:chOff x="4627756" y="1260088"/>
+                  <a:chExt cx="3600000" cy="720000"/>
+                </a:xfrm>
+              </p:grpSpPr>
+              <p:sp>
+                <p:nvSpPr>
+                  <p:cNvPr id="46" name="Rectangle 45">
+                    <a:extLst>
+                      <a:ext uri="{FF2B5EF4-FFF2-40B4-BE49-F238E27FC236}">
+                        <a16:creationId xmlns:a16="http://schemas.microsoft.com/office/drawing/2014/main" id="{8855B7F4-A183-78F8-915E-EE3D89391EA2}"/>
+                      </a:ext>
+                    </a:extLst>
+                  </p:cNvPr>
+                  <p:cNvSpPr>
+                    <a:spLocks noChangeAspect="1"/>
+                  </p:cNvSpPr>
+                  <p:nvPr/>
+                </p:nvSpPr>
+                <p:spPr>
+                  <a:xfrm>
+                    <a:off x="4627756" y="1260088"/>
+                    <a:ext cx="720000" cy="720000"/>
+                  </a:xfrm>
+                  <a:prstGeom prst="rect">
+                    <a:avLst/>
+                  </a:prstGeom>
+                  <a:noFill/>
+                </p:spPr>
+                <p:style>
+                  <a:lnRef idx="2">
+                    <a:schemeClr val="accent1">
+                      <a:shade val="50000"/>
+                    </a:schemeClr>
+                  </a:lnRef>
+                  <a:fillRef idx="1">
+                    <a:schemeClr val="accent1"/>
+                  </a:fillRef>
+                  <a:effectRef idx="0">
+                    <a:schemeClr val="accent1"/>
+                  </a:effectRef>
+                  <a:fontRef idx="minor">
+                    <a:schemeClr val="lt1"/>
+                  </a:fontRef>
+                </p:style>
+                <p:txBody>
+                  <a:bodyPr rtlCol="0" anchor="ctr"/>
+                  <a:lstStyle/>
+                  <a:p>
+                    <a:pPr algn="ctr"/>
+                    <a:endParaRPr lang="en-GB"/>
+                  </a:p>
+                </p:txBody>
+              </p:sp>
+              <p:sp>
+                <p:nvSpPr>
+                  <p:cNvPr id="47" name="Rectangle 46">
+                    <a:extLst>
+                      <a:ext uri="{FF2B5EF4-FFF2-40B4-BE49-F238E27FC236}">
+                        <a16:creationId xmlns:a16="http://schemas.microsoft.com/office/drawing/2014/main" id="{46A78BDC-4130-264C-0547-0CFB8C78C9D4}"/>
+                      </a:ext>
+                    </a:extLst>
+                  </p:cNvPr>
+                  <p:cNvSpPr>
+                    <a:spLocks noChangeAspect="1"/>
+                  </p:cNvSpPr>
+                  <p:nvPr/>
+                </p:nvSpPr>
+                <p:spPr>
+                  <a:xfrm>
+                    <a:off x="6067756" y="1260088"/>
+                    <a:ext cx="720000" cy="720000"/>
+                  </a:xfrm>
+                  <a:prstGeom prst="rect">
+                    <a:avLst/>
+                  </a:prstGeom>
+                  <a:solidFill>
+                    <a:schemeClr val="accent1">
+                      <a:lumMod val="40000"/>
+                      <a:lumOff val="60000"/>
+                    </a:schemeClr>
+                  </a:solidFill>
+                </p:spPr>
+                <p:style>
+                  <a:lnRef idx="2">
+                    <a:schemeClr val="accent1">
+                      <a:shade val="50000"/>
+                    </a:schemeClr>
+                  </a:lnRef>
+                  <a:fillRef idx="1">
+                    <a:schemeClr val="accent1"/>
+                  </a:fillRef>
+                  <a:effectRef idx="0">
+                    <a:schemeClr val="accent1"/>
+                  </a:effectRef>
+                  <a:fontRef idx="minor">
+                    <a:schemeClr val="lt1"/>
+                  </a:fontRef>
+                </p:style>
+                <p:txBody>
+                  <a:bodyPr rtlCol="0" anchor="ctr"/>
+                  <a:lstStyle/>
+                  <a:p>
+                    <a:pPr algn="ctr"/>
+                    <a:endParaRPr lang="en-GB"/>
+                  </a:p>
+                </p:txBody>
+              </p:sp>
+              <p:sp>
+                <p:nvSpPr>
+                  <p:cNvPr id="48" name="Rectangle 47">
+                    <a:extLst>
+                      <a:ext uri="{FF2B5EF4-FFF2-40B4-BE49-F238E27FC236}">
+                        <a16:creationId xmlns:a16="http://schemas.microsoft.com/office/drawing/2014/main" id="{CBF7EB55-D9F9-4015-72C8-66387BBE2BEF}"/>
+                      </a:ext>
+                    </a:extLst>
+                  </p:cNvPr>
+                  <p:cNvSpPr>
+                    <a:spLocks noChangeAspect="1"/>
+                  </p:cNvSpPr>
+                  <p:nvPr/>
+                </p:nvSpPr>
+                <p:spPr>
+                  <a:xfrm>
+                    <a:off x="5347756" y="1260088"/>
+                    <a:ext cx="720000" cy="720000"/>
+                  </a:xfrm>
+                  <a:prstGeom prst="rect">
+                    <a:avLst/>
+                  </a:prstGeom>
+                  <a:solidFill>
+                    <a:schemeClr val="accent1">
+                      <a:lumMod val="40000"/>
+                      <a:lumOff val="60000"/>
+                    </a:schemeClr>
+                  </a:solidFill>
+                </p:spPr>
+                <p:style>
+                  <a:lnRef idx="2">
+                    <a:schemeClr val="accent1">
+                      <a:shade val="50000"/>
+                    </a:schemeClr>
+                  </a:lnRef>
+                  <a:fillRef idx="1">
+                    <a:schemeClr val="accent1"/>
+                  </a:fillRef>
+                  <a:effectRef idx="0">
+                    <a:schemeClr val="accent1"/>
+                  </a:effectRef>
+                  <a:fontRef idx="minor">
+                    <a:schemeClr val="lt1"/>
+                  </a:fontRef>
+                </p:style>
+                <p:txBody>
+                  <a:bodyPr rtlCol="0" anchor="ctr"/>
+                  <a:lstStyle/>
+                  <a:p>
+                    <a:pPr algn="ctr"/>
+                    <a:endParaRPr lang="en-GB"/>
+                  </a:p>
+                </p:txBody>
+              </p:sp>
+              <p:sp>
+                <p:nvSpPr>
+                  <p:cNvPr id="49" name="Rectangle 48">
+                    <a:extLst>
+                      <a:ext uri="{FF2B5EF4-FFF2-40B4-BE49-F238E27FC236}">
+                        <a16:creationId xmlns:a16="http://schemas.microsoft.com/office/drawing/2014/main" id="{45543500-6E68-97AE-0CAD-B5D0FD92DA71}"/>
+                      </a:ext>
+                    </a:extLst>
+                  </p:cNvPr>
+                  <p:cNvSpPr>
+                    <a:spLocks noChangeAspect="1"/>
+                  </p:cNvSpPr>
+                  <p:nvPr/>
+                </p:nvSpPr>
+                <p:spPr>
+                  <a:xfrm>
+                    <a:off x="6787756" y="1260088"/>
+                    <a:ext cx="720000" cy="720000"/>
+                  </a:xfrm>
+                  <a:prstGeom prst="rect">
+                    <a:avLst/>
+                  </a:prstGeom>
+                  <a:solidFill>
+                    <a:schemeClr val="accent1">
+                      <a:lumMod val="40000"/>
+                      <a:lumOff val="60000"/>
+                    </a:schemeClr>
+                  </a:solidFill>
+                </p:spPr>
+                <p:style>
+                  <a:lnRef idx="2">
+                    <a:schemeClr val="accent1">
+                      <a:shade val="50000"/>
+                    </a:schemeClr>
+                  </a:lnRef>
+                  <a:fillRef idx="1">
+                    <a:schemeClr val="accent1"/>
+                  </a:fillRef>
+                  <a:effectRef idx="0">
+                    <a:schemeClr val="accent1"/>
+                  </a:effectRef>
+                  <a:fontRef idx="minor">
+                    <a:schemeClr val="lt1"/>
+                  </a:fontRef>
+                </p:style>
+                <p:txBody>
+                  <a:bodyPr rtlCol="0" anchor="ctr"/>
+                  <a:lstStyle/>
+                  <a:p>
+                    <a:pPr algn="ctr"/>
+                    <a:endParaRPr lang="en-GB"/>
+                  </a:p>
+                </p:txBody>
+              </p:sp>
+              <p:sp>
+                <p:nvSpPr>
+                  <p:cNvPr id="50" name="Rectangle 49">
+                    <a:extLst>
+                      <a:ext uri="{FF2B5EF4-FFF2-40B4-BE49-F238E27FC236}">
+                        <a16:creationId xmlns:a16="http://schemas.microsoft.com/office/drawing/2014/main" id="{1815BDDB-BC7D-4730-332D-2921B086224A}"/>
+                      </a:ext>
+                    </a:extLst>
+                  </p:cNvPr>
+                  <p:cNvSpPr>
+                    <a:spLocks noChangeAspect="1"/>
+                  </p:cNvSpPr>
+                  <p:nvPr/>
+                </p:nvSpPr>
+                <p:spPr>
+                  <a:xfrm>
+                    <a:off x="7507756" y="1260088"/>
+                    <a:ext cx="720000" cy="720000"/>
+                  </a:xfrm>
+                  <a:prstGeom prst="rect">
+                    <a:avLst/>
+                  </a:prstGeom>
+                  <a:noFill/>
+                </p:spPr>
+                <p:style>
+                  <a:lnRef idx="2">
+                    <a:schemeClr val="accent1">
+                      <a:shade val="50000"/>
+                    </a:schemeClr>
+                  </a:lnRef>
+                  <a:fillRef idx="1">
+                    <a:schemeClr val="accent1"/>
+                  </a:fillRef>
+                  <a:effectRef idx="0">
+                    <a:schemeClr val="accent1"/>
+                  </a:effectRef>
+                  <a:fontRef idx="minor">
+                    <a:schemeClr val="lt1"/>
+                  </a:fontRef>
+                </p:style>
+                <p:txBody>
+                  <a:bodyPr rtlCol="0" anchor="ctr"/>
+                  <a:lstStyle/>
+                  <a:p>
+                    <a:pPr algn="ctr"/>
+                    <a:endParaRPr lang="en-GB"/>
+                  </a:p>
+                </p:txBody>
+              </p:sp>
+            </p:grpSp>
+            <p:grpSp>
+              <p:nvGrpSpPr>
+                <p:cNvPr id="51" name="Group 50">
+                  <a:extLst>
+                    <a:ext uri="{FF2B5EF4-FFF2-40B4-BE49-F238E27FC236}">
+                      <a16:creationId xmlns:a16="http://schemas.microsoft.com/office/drawing/2014/main" id="{1065A127-0A19-716D-4B53-74F50FDA8E95}"/>
+                    </a:ext>
+                  </a:extLst>
+                </p:cNvPr>
+                <p:cNvGrpSpPr/>
+                <p:nvPr/>
+              </p:nvGrpSpPr>
+              <p:grpSpPr>
+                <a:xfrm>
+                  <a:off x="5136809" y="2455218"/>
+                  <a:ext cx="3600000" cy="720000"/>
+                  <a:chOff x="4627756" y="1260088"/>
+                  <a:chExt cx="3600000" cy="720000"/>
+                </a:xfrm>
+              </p:grpSpPr>
+              <p:sp>
+                <p:nvSpPr>
+                  <p:cNvPr id="52" name="Rectangle 51">
+                    <a:extLst>
+                      <a:ext uri="{FF2B5EF4-FFF2-40B4-BE49-F238E27FC236}">
+                        <a16:creationId xmlns:a16="http://schemas.microsoft.com/office/drawing/2014/main" id="{DE8283D9-1CF8-B051-A019-2A19F0480074}"/>
+                      </a:ext>
+                    </a:extLst>
+                  </p:cNvPr>
+                  <p:cNvSpPr>
+                    <a:spLocks noChangeAspect="1"/>
+                  </p:cNvSpPr>
+                  <p:nvPr/>
+                </p:nvSpPr>
+                <p:spPr>
+                  <a:xfrm>
+                    <a:off x="4627756" y="1260088"/>
+                    <a:ext cx="720000" cy="720000"/>
+                  </a:xfrm>
+                  <a:prstGeom prst="rect">
+                    <a:avLst/>
+                  </a:prstGeom>
+                  <a:noFill/>
+                </p:spPr>
+                <p:style>
+                  <a:lnRef idx="2">
+                    <a:schemeClr val="accent1">
+                      <a:shade val="50000"/>
+                    </a:schemeClr>
+                  </a:lnRef>
+                  <a:fillRef idx="1">
+                    <a:schemeClr val="accent1"/>
+                  </a:fillRef>
+                  <a:effectRef idx="0">
+                    <a:schemeClr val="accent1"/>
+                  </a:effectRef>
+                  <a:fontRef idx="minor">
+                    <a:schemeClr val="lt1"/>
+                  </a:fontRef>
+                </p:style>
+                <p:txBody>
+                  <a:bodyPr rtlCol="0" anchor="ctr"/>
+                  <a:lstStyle/>
+                  <a:p>
+                    <a:pPr algn="ctr"/>
+                    <a:endParaRPr lang="en-GB"/>
+                  </a:p>
+                </p:txBody>
+              </p:sp>
+              <p:sp>
+                <p:nvSpPr>
+                  <p:cNvPr id="53" name="Rectangle 52">
+                    <a:extLst>
+                      <a:ext uri="{FF2B5EF4-FFF2-40B4-BE49-F238E27FC236}">
+                        <a16:creationId xmlns:a16="http://schemas.microsoft.com/office/drawing/2014/main" id="{3C3898AA-2461-426D-AC9E-FFAA547DC385}"/>
+                      </a:ext>
+                    </a:extLst>
+                  </p:cNvPr>
+                  <p:cNvSpPr>
+                    <a:spLocks noChangeAspect="1"/>
+                  </p:cNvSpPr>
+                  <p:nvPr/>
+                </p:nvSpPr>
+                <p:spPr>
+                  <a:xfrm>
+                    <a:off x="6067756" y="1260088"/>
+                    <a:ext cx="720000" cy="720000"/>
+                  </a:xfrm>
+                  <a:prstGeom prst="rect">
+                    <a:avLst/>
+                  </a:prstGeom>
+                  <a:solidFill>
+                    <a:schemeClr val="accent1">
+                      <a:lumMod val="40000"/>
+                      <a:lumOff val="60000"/>
+                    </a:schemeClr>
+                  </a:solidFill>
+                </p:spPr>
+                <p:style>
+                  <a:lnRef idx="2">
+                    <a:schemeClr val="accent1">
+                      <a:shade val="50000"/>
+                    </a:schemeClr>
+                  </a:lnRef>
+                  <a:fillRef idx="1">
+                    <a:schemeClr val="accent1"/>
+                  </a:fillRef>
+                  <a:effectRef idx="0">
+                    <a:schemeClr val="accent1"/>
+                  </a:effectRef>
+                  <a:fontRef idx="minor">
+                    <a:schemeClr val="lt1"/>
+                  </a:fontRef>
+                </p:style>
+                <p:txBody>
+                  <a:bodyPr rtlCol="0" anchor="ctr"/>
+                  <a:lstStyle/>
+                  <a:p>
+                    <a:pPr algn="ctr"/>
+                    <a:endParaRPr lang="en-GB"/>
+                  </a:p>
+                </p:txBody>
+              </p:sp>
+              <p:sp>
+                <p:nvSpPr>
+                  <p:cNvPr id="54" name="Rectangle 53">
+                    <a:extLst>
+                      <a:ext uri="{FF2B5EF4-FFF2-40B4-BE49-F238E27FC236}">
+                        <a16:creationId xmlns:a16="http://schemas.microsoft.com/office/drawing/2014/main" id="{47890E7F-3D23-95BA-45D5-83D6A3A0DC3A}"/>
+                      </a:ext>
+                    </a:extLst>
+                  </p:cNvPr>
+                  <p:cNvSpPr>
+                    <a:spLocks noChangeAspect="1"/>
+                  </p:cNvSpPr>
+                  <p:nvPr/>
+                </p:nvSpPr>
+                <p:spPr>
+                  <a:xfrm>
+                    <a:off x="5347756" y="1260088"/>
+                    <a:ext cx="720000" cy="720000"/>
+                  </a:xfrm>
+                  <a:prstGeom prst="rect">
+                    <a:avLst/>
+                  </a:prstGeom>
+                  <a:solidFill>
+                    <a:schemeClr val="accent1">
+                      <a:lumMod val="40000"/>
+                      <a:lumOff val="60000"/>
+                    </a:schemeClr>
+                  </a:solidFill>
+                </p:spPr>
+                <p:style>
+                  <a:lnRef idx="2">
+                    <a:schemeClr val="accent1">
+                      <a:shade val="50000"/>
+                    </a:schemeClr>
+                  </a:lnRef>
+                  <a:fillRef idx="1">
+                    <a:schemeClr val="accent1"/>
+                  </a:fillRef>
+                  <a:effectRef idx="0">
+                    <a:schemeClr val="accent1"/>
+                  </a:effectRef>
+                  <a:fontRef idx="minor">
+                    <a:schemeClr val="lt1"/>
+                  </a:fontRef>
+                </p:style>
+                <p:txBody>
+                  <a:bodyPr rtlCol="0" anchor="ctr"/>
+                  <a:lstStyle/>
+                  <a:p>
+                    <a:pPr algn="ctr"/>
+                    <a:endParaRPr lang="en-GB"/>
+                  </a:p>
+                </p:txBody>
+              </p:sp>
+              <p:sp>
+                <p:nvSpPr>
+                  <p:cNvPr id="55" name="Rectangle 54">
+                    <a:extLst>
+                      <a:ext uri="{FF2B5EF4-FFF2-40B4-BE49-F238E27FC236}">
+                        <a16:creationId xmlns:a16="http://schemas.microsoft.com/office/drawing/2014/main" id="{E4E9C0AE-A9BB-A312-CD1F-8030DE9A76A3}"/>
+                      </a:ext>
+                    </a:extLst>
+                  </p:cNvPr>
+                  <p:cNvSpPr>
+                    <a:spLocks noChangeAspect="1"/>
+                  </p:cNvSpPr>
+                  <p:nvPr/>
+                </p:nvSpPr>
+                <p:spPr>
+                  <a:xfrm>
+                    <a:off x="6787756" y="1260088"/>
+                    <a:ext cx="720000" cy="720000"/>
+                  </a:xfrm>
+                  <a:prstGeom prst="rect">
+                    <a:avLst/>
+                  </a:prstGeom>
+                  <a:solidFill>
+                    <a:schemeClr val="accent1">
+                      <a:lumMod val="40000"/>
+                      <a:lumOff val="60000"/>
+                    </a:schemeClr>
+                  </a:solidFill>
+                </p:spPr>
+                <p:style>
+                  <a:lnRef idx="2">
+                    <a:schemeClr val="accent1">
+                      <a:shade val="50000"/>
+                    </a:schemeClr>
+                  </a:lnRef>
+                  <a:fillRef idx="1">
+                    <a:schemeClr val="accent1"/>
+                  </a:fillRef>
+                  <a:effectRef idx="0">
+                    <a:schemeClr val="accent1"/>
+                  </a:effectRef>
+                  <a:fontRef idx="minor">
+                    <a:schemeClr val="lt1"/>
+                  </a:fontRef>
+                </p:style>
+                <p:txBody>
+                  <a:bodyPr rtlCol="0" anchor="ctr"/>
+                  <a:lstStyle/>
+                  <a:p>
+                    <a:pPr algn="ctr"/>
+                    <a:endParaRPr lang="en-GB"/>
+                  </a:p>
+                </p:txBody>
+              </p:sp>
+              <p:sp>
+                <p:nvSpPr>
+                  <p:cNvPr id="56" name="Rectangle 55">
+                    <a:extLst>
+                      <a:ext uri="{FF2B5EF4-FFF2-40B4-BE49-F238E27FC236}">
+                        <a16:creationId xmlns:a16="http://schemas.microsoft.com/office/drawing/2014/main" id="{5FA47A83-454A-5585-E90B-88C7B5A5F7C0}"/>
+                      </a:ext>
+                    </a:extLst>
+                  </p:cNvPr>
+                  <p:cNvSpPr>
+                    <a:spLocks noChangeAspect="1"/>
+                  </p:cNvSpPr>
+                  <p:nvPr/>
+                </p:nvSpPr>
+                <p:spPr>
+                  <a:xfrm>
+                    <a:off x="7507756" y="1260088"/>
+                    <a:ext cx="720000" cy="720000"/>
+                  </a:xfrm>
+                  <a:prstGeom prst="rect">
+                    <a:avLst/>
+                  </a:prstGeom>
+                  <a:noFill/>
+                </p:spPr>
+                <p:style>
+                  <a:lnRef idx="2">
+                    <a:schemeClr val="accent1">
+                      <a:shade val="50000"/>
+                    </a:schemeClr>
+                  </a:lnRef>
+                  <a:fillRef idx="1">
+                    <a:schemeClr val="accent1"/>
+                  </a:fillRef>
+                  <a:effectRef idx="0">
+                    <a:schemeClr val="accent1"/>
+                  </a:effectRef>
+                  <a:fontRef idx="minor">
+                    <a:schemeClr val="lt1"/>
+                  </a:fontRef>
+                </p:style>
+                <p:txBody>
+                  <a:bodyPr rtlCol="0" anchor="ctr"/>
+                  <a:lstStyle/>
+                  <a:p>
+                    <a:pPr algn="ctr"/>
+                    <a:endParaRPr lang="en-GB"/>
+                  </a:p>
+                </p:txBody>
+              </p:sp>
+            </p:grpSp>
+            <p:grpSp>
+              <p:nvGrpSpPr>
+                <p:cNvPr id="57" name="Group 56">
+                  <a:extLst>
+                    <a:ext uri="{FF2B5EF4-FFF2-40B4-BE49-F238E27FC236}">
+                      <a16:creationId xmlns:a16="http://schemas.microsoft.com/office/drawing/2014/main" id="{F8D04BD4-B91E-81AB-45C3-9B53E0918DFF}"/>
+                    </a:ext>
+                  </a:extLst>
+                </p:cNvPr>
+                <p:cNvGrpSpPr/>
+                <p:nvPr/>
+              </p:nvGrpSpPr>
+              <p:grpSpPr>
+                <a:xfrm>
+                  <a:off x="5136809" y="3175218"/>
+                  <a:ext cx="3600000" cy="720000"/>
+                  <a:chOff x="4627756" y="1260088"/>
+                  <a:chExt cx="3600000" cy="720000"/>
+                </a:xfrm>
+              </p:grpSpPr>
+              <p:sp>
+                <p:nvSpPr>
+                  <p:cNvPr id="58" name="Rectangle 57">
+                    <a:extLst>
+                      <a:ext uri="{FF2B5EF4-FFF2-40B4-BE49-F238E27FC236}">
+                        <a16:creationId xmlns:a16="http://schemas.microsoft.com/office/drawing/2014/main" id="{90051A5A-D289-0D8B-D973-C8BCDB6962DF}"/>
+                      </a:ext>
+                    </a:extLst>
+                  </p:cNvPr>
+                  <p:cNvSpPr>
+                    <a:spLocks noChangeAspect="1"/>
+                  </p:cNvSpPr>
+                  <p:nvPr/>
+                </p:nvSpPr>
+                <p:spPr>
+                  <a:xfrm>
+                    <a:off x="4627756" y="1260088"/>
+                    <a:ext cx="720000" cy="720000"/>
+                  </a:xfrm>
+                  <a:prstGeom prst="rect">
+                    <a:avLst/>
+                  </a:prstGeom>
+                  <a:noFill/>
+                </p:spPr>
+                <p:style>
+                  <a:lnRef idx="2">
+                    <a:schemeClr val="accent1">
+                      <a:shade val="50000"/>
+                    </a:schemeClr>
+                  </a:lnRef>
+                  <a:fillRef idx="1">
+                    <a:schemeClr val="accent1"/>
+                  </a:fillRef>
+                  <a:effectRef idx="0">
+                    <a:schemeClr val="accent1"/>
+                  </a:effectRef>
+                  <a:fontRef idx="minor">
+                    <a:schemeClr val="lt1"/>
+                  </a:fontRef>
+                </p:style>
+                <p:txBody>
+                  <a:bodyPr rtlCol="0" anchor="ctr"/>
+                  <a:lstStyle/>
+                  <a:p>
+                    <a:pPr algn="ctr"/>
+                    <a:endParaRPr lang="en-GB"/>
+                  </a:p>
+                </p:txBody>
+              </p:sp>
+              <p:sp>
+                <p:nvSpPr>
+                  <p:cNvPr id="59" name="Rectangle 58">
+                    <a:extLst>
+                      <a:ext uri="{FF2B5EF4-FFF2-40B4-BE49-F238E27FC236}">
+                        <a16:creationId xmlns:a16="http://schemas.microsoft.com/office/drawing/2014/main" id="{8281555E-EF6F-89CB-768B-03EE2CA82E39}"/>
+                      </a:ext>
+                    </a:extLst>
+                  </p:cNvPr>
+                  <p:cNvSpPr>
+                    <a:spLocks noChangeAspect="1"/>
+                  </p:cNvSpPr>
+                  <p:nvPr/>
+                </p:nvSpPr>
+                <p:spPr>
+                  <a:xfrm>
+                    <a:off x="6067756" y="1260088"/>
+                    <a:ext cx="720000" cy="720000"/>
+                  </a:xfrm>
+                  <a:prstGeom prst="rect">
+                    <a:avLst/>
+                  </a:prstGeom>
+                  <a:solidFill>
+                    <a:schemeClr val="accent1">
+                      <a:lumMod val="40000"/>
+                      <a:lumOff val="60000"/>
+                    </a:schemeClr>
+                  </a:solidFill>
+                </p:spPr>
+                <p:style>
+                  <a:lnRef idx="2">
+                    <a:schemeClr val="accent1">
+                      <a:shade val="50000"/>
+                    </a:schemeClr>
+                  </a:lnRef>
+                  <a:fillRef idx="1">
+                    <a:schemeClr val="accent1"/>
+                  </a:fillRef>
+                  <a:effectRef idx="0">
+                    <a:schemeClr val="accent1"/>
+                  </a:effectRef>
+                  <a:fontRef idx="minor">
+                    <a:schemeClr val="lt1"/>
+                  </a:fontRef>
+                </p:style>
+                <p:txBody>
+                  <a:bodyPr rtlCol="0" anchor="ctr"/>
+                  <a:lstStyle/>
+                  <a:p>
+                    <a:pPr algn="ctr"/>
+                    <a:endParaRPr lang="en-GB"/>
+                  </a:p>
+                </p:txBody>
+              </p:sp>
+              <p:sp>
+                <p:nvSpPr>
+                  <p:cNvPr id="60" name="Rectangle 59">
+                    <a:extLst>
+                      <a:ext uri="{FF2B5EF4-FFF2-40B4-BE49-F238E27FC236}">
+                        <a16:creationId xmlns:a16="http://schemas.microsoft.com/office/drawing/2014/main" id="{F8435AAE-79E0-CF23-753C-1CD302FE58E6}"/>
+                      </a:ext>
+                    </a:extLst>
+                  </p:cNvPr>
+                  <p:cNvSpPr>
+                    <a:spLocks noChangeAspect="1"/>
+                  </p:cNvSpPr>
+                  <p:nvPr/>
+                </p:nvSpPr>
+                <p:spPr>
+                  <a:xfrm>
+                    <a:off x="5347756" y="1260088"/>
+                    <a:ext cx="720000" cy="720000"/>
+                  </a:xfrm>
+                  <a:prstGeom prst="rect">
+                    <a:avLst/>
+                  </a:prstGeom>
+                  <a:solidFill>
+                    <a:schemeClr val="accent1">
+                      <a:lumMod val="40000"/>
+                      <a:lumOff val="60000"/>
+                    </a:schemeClr>
+                  </a:solidFill>
+                </p:spPr>
+                <p:style>
+                  <a:lnRef idx="2">
+                    <a:schemeClr val="accent1">
+                      <a:shade val="50000"/>
+                    </a:schemeClr>
+                  </a:lnRef>
+                  <a:fillRef idx="1">
+                    <a:schemeClr val="accent1"/>
+                  </a:fillRef>
+                  <a:effectRef idx="0">
+                    <a:schemeClr val="accent1"/>
+                  </a:effectRef>
+                  <a:fontRef idx="minor">
+                    <a:schemeClr val="lt1"/>
+                  </a:fontRef>
+                </p:style>
+                <p:txBody>
+                  <a:bodyPr rtlCol="0" anchor="ctr"/>
+                  <a:lstStyle/>
+                  <a:p>
+                    <a:pPr algn="ctr"/>
+                    <a:endParaRPr lang="en-GB"/>
+                  </a:p>
+                </p:txBody>
+              </p:sp>
+              <p:sp>
+                <p:nvSpPr>
+                  <p:cNvPr id="61" name="Rectangle 60">
+                    <a:extLst>
+                      <a:ext uri="{FF2B5EF4-FFF2-40B4-BE49-F238E27FC236}">
+                        <a16:creationId xmlns:a16="http://schemas.microsoft.com/office/drawing/2014/main" id="{ED46041B-3594-DC53-F453-9F1E7CD60A27}"/>
+                      </a:ext>
+                    </a:extLst>
+                  </p:cNvPr>
+                  <p:cNvSpPr>
+                    <a:spLocks noChangeAspect="1"/>
+                  </p:cNvSpPr>
+                  <p:nvPr/>
+                </p:nvSpPr>
+                <p:spPr>
+                  <a:xfrm>
+                    <a:off x="6787756" y="1260088"/>
+                    <a:ext cx="720000" cy="720000"/>
+                  </a:xfrm>
+                  <a:prstGeom prst="rect">
+                    <a:avLst/>
+                  </a:prstGeom>
+                  <a:solidFill>
+                    <a:schemeClr val="accent1">
+                      <a:lumMod val="40000"/>
+                      <a:lumOff val="60000"/>
+                    </a:schemeClr>
+                  </a:solidFill>
+                </p:spPr>
+                <p:style>
+                  <a:lnRef idx="2">
+                    <a:schemeClr val="accent1">
+                      <a:shade val="50000"/>
+                    </a:schemeClr>
+                  </a:lnRef>
+                  <a:fillRef idx="1">
+                    <a:schemeClr val="accent1"/>
+                  </a:fillRef>
+                  <a:effectRef idx="0">
+                    <a:schemeClr val="accent1"/>
+                  </a:effectRef>
+                  <a:fontRef idx="minor">
+                    <a:schemeClr val="lt1"/>
+                  </a:fontRef>
+                </p:style>
+                <p:txBody>
+                  <a:bodyPr rtlCol="0" anchor="ctr"/>
+                  <a:lstStyle/>
+                  <a:p>
+                    <a:pPr algn="ctr"/>
+                    <a:endParaRPr lang="en-GB"/>
+                  </a:p>
+                </p:txBody>
+              </p:sp>
+              <p:sp>
+                <p:nvSpPr>
+                  <p:cNvPr id="62" name="Rectangle 61">
+                    <a:extLst>
+                      <a:ext uri="{FF2B5EF4-FFF2-40B4-BE49-F238E27FC236}">
+                        <a16:creationId xmlns:a16="http://schemas.microsoft.com/office/drawing/2014/main" id="{774F22FB-246D-5381-1FF7-187A2C8818A5}"/>
+                      </a:ext>
+                    </a:extLst>
+                  </p:cNvPr>
+                  <p:cNvSpPr>
+                    <a:spLocks noChangeAspect="1"/>
+                  </p:cNvSpPr>
+                  <p:nvPr/>
+                </p:nvSpPr>
+                <p:spPr>
+                  <a:xfrm>
+                    <a:off x="7507756" y="1260088"/>
+                    <a:ext cx="720000" cy="720000"/>
+                  </a:xfrm>
+                  <a:prstGeom prst="rect">
+                    <a:avLst/>
+                  </a:prstGeom>
+                  <a:noFill/>
+                </p:spPr>
+                <p:style>
+                  <a:lnRef idx="2">
+                    <a:schemeClr val="accent1">
+                      <a:shade val="50000"/>
+                    </a:schemeClr>
+                  </a:lnRef>
+                  <a:fillRef idx="1">
+                    <a:schemeClr val="accent1"/>
+                  </a:fillRef>
+                  <a:effectRef idx="0">
+                    <a:schemeClr val="accent1"/>
+                  </a:effectRef>
+                  <a:fontRef idx="minor">
+                    <a:schemeClr val="lt1"/>
+                  </a:fontRef>
+                </p:style>
+                <p:txBody>
+                  <a:bodyPr rtlCol="0" anchor="ctr"/>
+                  <a:lstStyle/>
+                  <a:p>
+                    <a:pPr algn="ctr"/>
+                    <a:endParaRPr lang="en-GB"/>
+                  </a:p>
+                </p:txBody>
+              </p:sp>
+            </p:grpSp>
+          </p:grpSp>
+          <p:grpSp>
+            <p:nvGrpSpPr>
+              <p:cNvPr id="67" name="Group 66">
+                <a:extLst>
+                  <a:ext uri="{FF2B5EF4-FFF2-40B4-BE49-F238E27FC236}">
+                    <a16:creationId xmlns:a16="http://schemas.microsoft.com/office/drawing/2014/main" id="{0CBD5CAE-F16D-3CBC-B8EB-BAED64F424F9}"/>
+                  </a:ext>
+                </a:extLst>
+              </p:cNvPr>
+              <p:cNvGrpSpPr/>
+              <p:nvPr/>
+            </p:nvGrpSpPr>
+            <p:grpSpPr>
+              <a:xfrm>
+                <a:off x="5933489" y="3258660"/>
+                <a:ext cx="1440000" cy="1440000"/>
+                <a:chOff x="2125532" y="3415954"/>
+                <a:chExt cx="1440000" cy="1440000"/>
+              </a:xfrm>
+            </p:grpSpPr>
+            <p:sp>
+              <p:nvSpPr>
+                <p:cNvPr id="89" name="Oval 88">
+                  <a:extLst>
+                    <a:ext uri="{FF2B5EF4-FFF2-40B4-BE49-F238E27FC236}">
+                      <a16:creationId xmlns:a16="http://schemas.microsoft.com/office/drawing/2014/main" id="{10B5223E-8A04-2D69-9AEF-06D8036DFF2B}"/>
+                    </a:ext>
+                  </a:extLst>
+                </p:cNvPr>
+                <p:cNvSpPr>
+                  <a:spLocks noChangeAspect="1"/>
+                </p:cNvSpPr>
+                <p:nvPr/>
+              </p:nvSpPr>
+              <p:spPr bwMode="auto">
+                <a:xfrm>
+                  <a:off x="2125532" y="3415954"/>
+                  <a:ext cx="1440000" cy="1440000"/>
+                </a:xfrm>
+                <a:prstGeom prst="ellipse">
+                  <a:avLst/>
+                </a:prstGeom>
+                <a:solidFill>
+                  <a:schemeClr val="accent1">
+                    <a:alpha val="50000"/>
+                  </a:schemeClr>
+                </a:solidFill>
+                <a:ln w="9525" cap="flat" cmpd="sng" algn="ctr">
+                  <a:noFill/>
+                  <a:prstDash val="solid"/>
+                  <a:round/>
+                  <a:headEnd type="none" w="med" len="med"/>
+                  <a:tailEnd type="none" w="med" len="med"/>
+                </a:ln>
+                <a:effectLst/>
+              </p:spPr>
+              <p:txBody>
+                <a:bodyPr vert="horz" wrap="square" lIns="91440" tIns="45720" rIns="91440" bIns="45720" numCol="1" rtlCol="0" anchor="t" anchorCtr="0" compatLnSpc="1">
+                  <a:prstTxWarp prst="textNoShape">
+                    <a:avLst/>
+                  </a:prstTxWarp>
+                </a:bodyPr>
+                <a:lstStyle/>
+                <a:p>
+                  <a:pPr marL="0" marR="0" indent="0" algn="l" defTabSz="914400" rtl="0" eaLnBrk="0" fontAlgn="base" latinLnBrk="0" hangingPunct="0">
+                    <a:lnSpc>
+                      <a:spcPct val="100000"/>
+                    </a:lnSpc>
+                    <a:spcBef>
+                      <a:spcPct val="0"/>
+                    </a:spcBef>
+                    <a:spcAft>
+                      <a:spcPct val="0"/>
+                    </a:spcAft>
+                    <a:buClrTx/>
+                    <a:buSzTx/>
+                    <a:buFontTx/>
+                    <a:buNone/>
+                    <a:tabLst/>
+                  </a:pPr>
+                  <a:endParaRPr kumimoji="0" lang="en-US" sz="2400" b="0" i="0" u="none" strike="noStrike" cap="none" normalizeH="0" baseline="0">
+                    <a:ln>
+                      <a:noFill/>
+                    </a:ln>
+                    <a:solidFill>
+                      <a:schemeClr val="tx1"/>
+                    </a:solidFill>
+                    <a:effectLst/>
+                    <a:latin typeface="Arial" charset="0"/>
+                    <a:ea typeface="ＭＳ Ｐゴシック" pitchFamily="20" charset="-128"/>
+                  </a:endParaRPr>
+                </a:p>
+              </p:txBody>
+            </p:sp>
+            <p:sp>
+              <p:nvSpPr>
+                <p:cNvPr id="90" name="Oval 89">
+                  <a:extLst>
+                    <a:ext uri="{FF2B5EF4-FFF2-40B4-BE49-F238E27FC236}">
+                      <a16:creationId xmlns:a16="http://schemas.microsoft.com/office/drawing/2014/main" id="{EE44F606-88EC-BA9D-FDF6-623F97C14456}"/>
+                    </a:ext>
+                  </a:extLst>
+                </p:cNvPr>
+                <p:cNvSpPr>
+                  <a:spLocks noChangeAspect="1"/>
+                </p:cNvSpPr>
+                <p:nvPr/>
+              </p:nvSpPr>
+              <p:spPr>
+                <a:xfrm>
+                  <a:off x="2773532" y="4063954"/>
+                  <a:ext cx="144000" cy="144000"/>
+                </a:xfrm>
+                <a:prstGeom prst="ellipse">
+                  <a:avLst/>
+                </a:prstGeom>
+                <a:solidFill>
+                  <a:srgbClr val="FF7B11"/>
+                </a:solidFill>
+              </p:spPr>
+              <p:style>
+                <a:lnRef idx="2">
+                  <a:schemeClr val="accent1">
+                    <a:shade val="50000"/>
+                  </a:schemeClr>
+                </a:lnRef>
+                <a:fillRef idx="1">
+                  <a:schemeClr val="accent1"/>
+                </a:fillRef>
+                <a:effectRef idx="0">
+                  <a:schemeClr val="accent1"/>
+                </a:effectRef>
+                <a:fontRef idx="minor">
+                  <a:schemeClr val="lt1"/>
+                </a:fontRef>
+              </p:style>
+              <p:txBody>
+                <a:bodyPr rtlCol="0" anchor="ctr"/>
+                <a:lstStyle/>
+                <a:p>
+                  <a:pPr algn="ctr"/>
+                  <a:endParaRPr lang="en-GB"/>
+                </a:p>
+              </p:txBody>
+            </p:sp>
+          </p:grpSp>
+          <p:sp>
+            <p:nvSpPr>
+              <p:cNvPr id="68" name="Oval 67">
+                <a:extLst>
+                  <a:ext uri="{FF2B5EF4-FFF2-40B4-BE49-F238E27FC236}">
+                    <a16:creationId xmlns:a16="http://schemas.microsoft.com/office/drawing/2014/main" id="{45E06A94-62F7-28C4-CC91-89D67E0B4231}"/>
+                  </a:ext>
+                </a:extLst>
+              </p:cNvPr>
+              <p:cNvSpPr>
+                <a:spLocks noChangeAspect="1"/>
+              </p:cNvSpPr>
+              <p:nvPr/>
+            </p:nvSpPr>
+            <p:spPr>
+              <a:xfrm>
+                <a:off x="6690851" y="4409033"/>
+                <a:ext cx="144000" cy="144000"/>
+              </a:xfrm>
+              <a:prstGeom prst="ellipse">
+                <a:avLst/>
+              </a:prstGeom>
+              <a:noFill/>
+              <a:ln>
+                <a:solidFill>
+                  <a:schemeClr val="tx1"/>
+                </a:solidFill>
+              </a:ln>
+            </p:spPr>
+            <p:style>
+              <a:lnRef idx="2">
+                <a:schemeClr val="accent1">
+                  <a:shade val="50000"/>
+                </a:schemeClr>
+              </a:lnRef>
+              <a:fillRef idx="1">
+                <a:schemeClr val="accent1"/>
+              </a:fillRef>
+              <a:effectRef idx="0">
+                <a:schemeClr val="accent1"/>
+              </a:effectRef>
+              <a:fontRef idx="minor">
+                <a:schemeClr val="lt1"/>
+              </a:fontRef>
+            </p:style>
+            <p:txBody>
+              <a:bodyPr rtlCol="0" anchor="ctr"/>
+              <a:lstStyle/>
+              <a:p>
+                <a:pPr algn="ctr"/>
+                <a:endParaRPr lang="en-GB"/>
+              </a:p>
+            </p:txBody>
+          </p:sp>
+          <p:sp>
+            <p:nvSpPr>
+              <p:cNvPr id="69" name="Oval 68">
+                <a:extLst>
+                  <a:ext uri="{FF2B5EF4-FFF2-40B4-BE49-F238E27FC236}">
+                    <a16:creationId xmlns:a16="http://schemas.microsoft.com/office/drawing/2014/main" id="{A4C131F7-7EFC-0B37-DDB0-A56BE221BA78}"/>
+                  </a:ext>
+                </a:extLst>
+              </p:cNvPr>
+              <p:cNvSpPr>
+                <a:spLocks noChangeAspect="1"/>
+              </p:cNvSpPr>
+              <p:nvPr/>
+            </p:nvSpPr>
+            <p:spPr>
+              <a:xfrm rot="1434040">
+                <a:off x="6988404" y="3764567"/>
+                <a:ext cx="144000" cy="144000"/>
+              </a:xfrm>
+              <a:prstGeom prst="ellipse">
+                <a:avLst/>
+              </a:prstGeom>
+              <a:noFill/>
+              <a:ln>
+                <a:solidFill>
+                  <a:schemeClr val="tx1"/>
+                </a:solidFill>
+              </a:ln>
+            </p:spPr>
+            <p:style>
+              <a:lnRef idx="2">
+                <a:schemeClr val="accent1">
+                  <a:shade val="50000"/>
+                </a:schemeClr>
+              </a:lnRef>
+              <a:fillRef idx="1">
+                <a:schemeClr val="accent1"/>
+              </a:fillRef>
+              <a:effectRef idx="0">
+                <a:schemeClr val="accent1"/>
+              </a:effectRef>
+              <a:fontRef idx="minor">
+                <a:schemeClr val="lt1"/>
+              </a:fontRef>
+            </p:style>
+            <p:txBody>
+              <a:bodyPr rtlCol="0" anchor="ctr"/>
+              <a:lstStyle/>
+              <a:p>
+                <a:pPr algn="ctr"/>
+                <a:endParaRPr lang="en-GB"/>
+              </a:p>
+            </p:txBody>
+          </p:sp>
+          <p:sp>
+            <p:nvSpPr>
+              <p:cNvPr id="70" name="Oval 69">
+                <a:extLst>
+                  <a:ext uri="{FF2B5EF4-FFF2-40B4-BE49-F238E27FC236}">
+                    <a16:creationId xmlns:a16="http://schemas.microsoft.com/office/drawing/2014/main" id="{60E5CA1A-A993-BE50-8C0A-B0711AB646A5}"/>
+                  </a:ext>
+                </a:extLst>
+              </p:cNvPr>
+              <p:cNvSpPr>
+                <a:spLocks noChangeAspect="1"/>
+              </p:cNvSpPr>
+              <p:nvPr/>
+            </p:nvSpPr>
+            <p:spPr>
+              <a:xfrm>
+                <a:off x="6536017" y="3326021"/>
+                <a:ext cx="144000" cy="144000"/>
+              </a:xfrm>
+              <a:prstGeom prst="ellipse">
+                <a:avLst/>
+              </a:prstGeom>
+              <a:noFill/>
+              <a:ln>
+                <a:solidFill>
+                  <a:schemeClr val="tx1"/>
+                </a:solidFill>
+              </a:ln>
+            </p:spPr>
+            <p:style>
+              <a:lnRef idx="2">
+                <a:schemeClr val="accent1">
+                  <a:shade val="50000"/>
+                </a:schemeClr>
+              </a:lnRef>
+              <a:fillRef idx="1">
+                <a:schemeClr val="accent1"/>
+              </a:fillRef>
+              <a:effectRef idx="0">
+                <a:schemeClr val="accent1"/>
+              </a:effectRef>
+              <a:fontRef idx="minor">
+                <a:schemeClr val="lt1"/>
+              </a:fontRef>
+            </p:style>
+            <p:txBody>
+              <a:bodyPr rtlCol="0" anchor="ctr"/>
+              <a:lstStyle/>
+              <a:p>
+                <a:pPr algn="ctr"/>
+                <a:endParaRPr lang="en-GB"/>
+              </a:p>
+            </p:txBody>
+          </p:sp>
+          <p:sp>
+            <p:nvSpPr>
+              <p:cNvPr id="71" name="Oval 70">
+                <a:extLst>
+                  <a:ext uri="{FF2B5EF4-FFF2-40B4-BE49-F238E27FC236}">
+                    <a16:creationId xmlns:a16="http://schemas.microsoft.com/office/drawing/2014/main" id="{37B7D4C3-FD27-E89B-AE27-EBEE889F86CF}"/>
+                  </a:ext>
+                </a:extLst>
+              </p:cNvPr>
+              <p:cNvSpPr>
+                <a:spLocks noChangeAspect="1"/>
+              </p:cNvSpPr>
+              <p:nvPr/>
+            </p:nvSpPr>
+            <p:spPr>
+              <a:xfrm>
+                <a:off x="6988404" y="4103750"/>
+                <a:ext cx="144000" cy="144000"/>
+              </a:xfrm>
+              <a:prstGeom prst="ellipse">
+                <a:avLst/>
+              </a:prstGeom>
+              <a:noFill/>
+              <a:ln>
+                <a:solidFill>
+                  <a:schemeClr val="tx1"/>
+                </a:solidFill>
+              </a:ln>
+            </p:spPr>
+            <p:style>
+              <a:lnRef idx="2">
+                <a:schemeClr val="accent1">
+                  <a:shade val="50000"/>
+                </a:schemeClr>
+              </a:lnRef>
+              <a:fillRef idx="1">
+                <a:schemeClr val="accent1"/>
+              </a:fillRef>
+              <a:effectRef idx="0">
+                <a:schemeClr val="accent1"/>
+              </a:effectRef>
+              <a:fontRef idx="minor">
+                <a:schemeClr val="lt1"/>
+              </a:fontRef>
+            </p:style>
+            <p:txBody>
+              <a:bodyPr rtlCol="0" anchor="ctr"/>
+              <a:lstStyle/>
+              <a:p>
+                <a:pPr algn="ctr"/>
+                <a:endParaRPr lang="en-GB"/>
+              </a:p>
+            </p:txBody>
+          </p:sp>
+          <p:sp>
+            <p:nvSpPr>
+              <p:cNvPr id="72" name="Oval 71">
+                <a:extLst>
+                  <a:ext uri="{FF2B5EF4-FFF2-40B4-BE49-F238E27FC236}">
+                    <a16:creationId xmlns:a16="http://schemas.microsoft.com/office/drawing/2014/main" id="{54D46FE6-B27B-23F6-9FC7-A07D04AEE665}"/>
+                  </a:ext>
+                </a:extLst>
+              </p:cNvPr>
+              <p:cNvSpPr>
+                <a:spLocks noChangeAspect="1"/>
+              </p:cNvSpPr>
+              <p:nvPr/>
+            </p:nvSpPr>
+            <p:spPr>
+              <a:xfrm>
+                <a:off x="6242131" y="3668338"/>
+                <a:ext cx="144000" cy="144000"/>
+              </a:xfrm>
+              <a:prstGeom prst="ellipse">
+                <a:avLst/>
+              </a:prstGeom>
+              <a:noFill/>
+              <a:ln>
+                <a:solidFill>
+                  <a:schemeClr val="tx1"/>
+                </a:solidFill>
+              </a:ln>
+            </p:spPr>
+            <p:style>
+              <a:lnRef idx="2">
+                <a:schemeClr val="accent1">
+                  <a:shade val="50000"/>
+                </a:schemeClr>
+              </a:lnRef>
+              <a:fillRef idx="1">
+                <a:schemeClr val="accent1"/>
+              </a:fillRef>
+              <a:effectRef idx="0">
+                <a:schemeClr val="accent1"/>
+              </a:effectRef>
+              <a:fontRef idx="minor">
+                <a:schemeClr val="lt1"/>
+              </a:fontRef>
+            </p:style>
+            <p:txBody>
+              <a:bodyPr rtlCol="0" anchor="ctr"/>
+              <a:lstStyle/>
+              <a:p>
+                <a:pPr algn="ctr"/>
+                <a:endParaRPr lang="en-GB"/>
+              </a:p>
+            </p:txBody>
+          </p:sp>
+          <p:sp>
+            <p:nvSpPr>
+              <p:cNvPr id="73" name="Oval 72">
+                <a:extLst>
+                  <a:ext uri="{FF2B5EF4-FFF2-40B4-BE49-F238E27FC236}">
+                    <a16:creationId xmlns:a16="http://schemas.microsoft.com/office/drawing/2014/main" id="{9F702686-732E-92BA-43D8-224FD0EB96AB}"/>
+                  </a:ext>
+                </a:extLst>
+              </p:cNvPr>
+              <p:cNvSpPr>
+                <a:spLocks noChangeAspect="1"/>
+              </p:cNvSpPr>
+              <p:nvPr/>
+            </p:nvSpPr>
+            <p:spPr>
+              <a:xfrm>
+                <a:off x="6222950" y="4148592"/>
+                <a:ext cx="144000" cy="144000"/>
+              </a:xfrm>
+              <a:prstGeom prst="ellipse">
+                <a:avLst/>
+              </a:prstGeom>
+              <a:noFill/>
+              <a:ln>
+                <a:solidFill>
+                  <a:schemeClr val="tx1"/>
+                </a:solidFill>
+              </a:ln>
+            </p:spPr>
+            <p:style>
+              <a:lnRef idx="2">
+                <a:schemeClr val="accent1">
+                  <a:shade val="50000"/>
+                </a:schemeClr>
+              </a:lnRef>
+              <a:fillRef idx="1">
+                <a:schemeClr val="accent1"/>
+              </a:fillRef>
+              <a:effectRef idx="0">
+                <a:schemeClr val="accent1"/>
+              </a:effectRef>
+              <a:fontRef idx="minor">
+                <a:schemeClr val="lt1"/>
+              </a:fontRef>
+            </p:style>
+            <p:txBody>
+              <a:bodyPr rtlCol="0" anchor="ctr"/>
+              <a:lstStyle/>
+              <a:p>
+                <a:pPr algn="ctr"/>
+                <a:endParaRPr lang="en-GB"/>
+              </a:p>
+            </p:txBody>
+          </p:sp>
+          <p:sp>
+            <p:nvSpPr>
+              <p:cNvPr id="74" name="Oval 73">
+                <a:extLst>
+                  <a:ext uri="{FF2B5EF4-FFF2-40B4-BE49-F238E27FC236}">
+                    <a16:creationId xmlns:a16="http://schemas.microsoft.com/office/drawing/2014/main" id="{6DF651A0-14A5-E063-2FAC-408941F608A8}"/>
+                  </a:ext>
+                </a:extLst>
+              </p:cNvPr>
+              <p:cNvSpPr>
+                <a:spLocks noChangeAspect="1"/>
+              </p:cNvSpPr>
+              <p:nvPr/>
+            </p:nvSpPr>
+            <p:spPr>
+              <a:xfrm>
+                <a:off x="6152213" y="4530731"/>
+                <a:ext cx="144000" cy="144000"/>
+              </a:xfrm>
+              <a:prstGeom prst="ellipse">
+                <a:avLst/>
+              </a:prstGeom>
+              <a:noFill/>
+              <a:ln>
+                <a:solidFill>
+                  <a:schemeClr val="tx1"/>
+                </a:solidFill>
+              </a:ln>
+            </p:spPr>
+            <p:style>
+              <a:lnRef idx="2">
+                <a:schemeClr val="accent1">
+                  <a:shade val="50000"/>
+                </a:schemeClr>
+              </a:lnRef>
+              <a:fillRef idx="1">
+                <a:schemeClr val="accent1"/>
+              </a:fillRef>
+              <a:effectRef idx="0">
+                <a:schemeClr val="accent1"/>
+              </a:effectRef>
+              <a:fontRef idx="minor">
+                <a:schemeClr val="lt1"/>
+              </a:fontRef>
+            </p:style>
+            <p:txBody>
+              <a:bodyPr rtlCol="0" anchor="ctr"/>
+              <a:lstStyle/>
+              <a:p>
+                <a:pPr algn="ctr"/>
+                <a:endParaRPr lang="en-GB"/>
+              </a:p>
+            </p:txBody>
+          </p:sp>
+          <p:sp>
+            <p:nvSpPr>
+              <p:cNvPr id="75" name="Oval 74">
+                <a:extLst>
+                  <a:ext uri="{FF2B5EF4-FFF2-40B4-BE49-F238E27FC236}">
+                    <a16:creationId xmlns:a16="http://schemas.microsoft.com/office/drawing/2014/main" id="{802E2AC5-79D1-2DB8-3DFA-FC0EBA6E6A5B}"/>
+                  </a:ext>
+                </a:extLst>
+              </p:cNvPr>
+              <p:cNvSpPr>
+                <a:spLocks noChangeAspect="1"/>
+              </p:cNvSpPr>
+              <p:nvPr/>
+            </p:nvSpPr>
+            <p:spPr>
+              <a:xfrm>
+                <a:off x="7530625" y="3520174"/>
+                <a:ext cx="144000" cy="144000"/>
+              </a:xfrm>
+              <a:prstGeom prst="ellipse">
+                <a:avLst/>
+              </a:prstGeom>
+              <a:noFill/>
+              <a:ln>
+                <a:solidFill>
+                  <a:schemeClr val="tx1"/>
+                </a:solidFill>
+              </a:ln>
+            </p:spPr>
+            <p:style>
+              <a:lnRef idx="2">
+                <a:schemeClr val="accent1">
+                  <a:shade val="50000"/>
+                </a:schemeClr>
+              </a:lnRef>
+              <a:fillRef idx="1">
+                <a:schemeClr val="accent1"/>
+              </a:fillRef>
+              <a:effectRef idx="0">
+                <a:schemeClr val="accent1"/>
+              </a:effectRef>
+              <a:fontRef idx="minor">
+                <a:schemeClr val="lt1"/>
+              </a:fontRef>
+            </p:style>
+            <p:txBody>
+              <a:bodyPr rtlCol="0" anchor="ctr"/>
+              <a:lstStyle/>
+              <a:p>
+                <a:pPr algn="ctr"/>
+                <a:endParaRPr lang="en-GB"/>
+              </a:p>
+            </p:txBody>
+          </p:sp>
+          <p:sp>
+            <p:nvSpPr>
+              <p:cNvPr id="76" name="Oval 75">
+                <a:extLst>
+                  <a:ext uri="{FF2B5EF4-FFF2-40B4-BE49-F238E27FC236}">
+                    <a16:creationId xmlns:a16="http://schemas.microsoft.com/office/drawing/2014/main" id="{A3717302-0FAD-C272-8E8B-A2F9BE462253}"/>
+                  </a:ext>
+                </a:extLst>
+              </p:cNvPr>
+              <p:cNvSpPr>
+                <a:spLocks noChangeAspect="1"/>
+              </p:cNvSpPr>
+              <p:nvPr/>
+            </p:nvSpPr>
+            <p:spPr>
+              <a:xfrm>
+                <a:off x="7458625" y="4908014"/>
+                <a:ext cx="144000" cy="144000"/>
+              </a:xfrm>
+              <a:prstGeom prst="ellipse">
+                <a:avLst/>
+              </a:prstGeom>
+              <a:noFill/>
+              <a:ln>
+                <a:solidFill>
+                  <a:schemeClr val="tx1"/>
+                </a:solidFill>
+              </a:ln>
+            </p:spPr>
+            <p:style>
+              <a:lnRef idx="2">
+                <a:schemeClr val="accent1">
+                  <a:shade val="50000"/>
+                </a:schemeClr>
+              </a:lnRef>
+              <a:fillRef idx="1">
+                <a:schemeClr val="accent1"/>
+              </a:fillRef>
+              <a:effectRef idx="0">
+                <a:schemeClr val="accent1"/>
+              </a:effectRef>
+              <a:fontRef idx="minor">
+                <a:schemeClr val="lt1"/>
+              </a:fontRef>
+            </p:style>
+            <p:txBody>
+              <a:bodyPr rtlCol="0" anchor="ctr"/>
+              <a:lstStyle/>
+              <a:p>
+                <a:pPr algn="ctr"/>
+                <a:endParaRPr lang="en-GB"/>
+              </a:p>
+            </p:txBody>
+          </p:sp>
+          <p:sp>
+            <p:nvSpPr>
+              <p:cNvPr id="77" name="Oval 76">
+                <a:extLst>
+                  <a:ext uri="{FF2B5EF4-FFF2-40B4-BE49-F238E27FC236}">
+                    <a16:creationId xmlns:a16="http://schemas.microsoft.com/office/drawing/2014/main" id="{B751E686-6A0A-AFF7-5DD3-9BA42E2579FD}"/>
+                  </a:ext>
+                </a:extLst>
+              </p:cNvPr>
+              <p:cNvSpPr>
+                <a:spLocks noChangeAspect="1"/>
+              </p:cNvSpPr>
+              <p:nvPr/>
+            </p:nvSpPr>
+            <p:spPr>
+              <a:xfrm>
+                <a:off x="7997098" y="4212229"/>
+                <a:ext cx="144000" cy="144000"/>
+              </a:xfrm>
+              <a:prstGeom prst="ellipse">
+                <a:avLst/>
+              </a:prstGeom>
+              <a:noFill/>
+              <a:ln>
+                <a:solidFill>
+                  <a:schemeClr val="tx1"/>
+                </a:solidFill>
+              </a:ln>
+            </p:spPr>
+            <p:style>
+              <a:lnRef idx="2">
+                <a:schemeClr val="accent1">
+                  <a:shade val="50000"/>
+                </a:schemeClr>
+              </a:lnRef>
+              <a:fillRef idx="1">
+                <a:schemeClr val="accent1"/>
+              </a:fillRef>
+              <a:effectRef idx="0">
+                <a:schemeClr val="accent1"/>
+              </a:effectRef>
+              <a:fontRef idx="minor">
+                <a:schemeClr val="lt1"/>
+              </a:fontRef>
+            </p:style>
+            <p:txBody>
+              <a:bodyPr rtlCol="0" anchor="ctr"/>
+              <a:lstStyle/>
+              <a:p>
+                <a:pPr algn="ctr"/>
+                <a:endParaRPr lang="en-GB"/>
+              </a:p>
+            </p:txBody>
+          </p:sp>
+          <p:sp>
+            <p:nvSpPr>
+              <p:cNvPr id="78" name="Oval 77">
+                <a:extLst>
+                  <a:ext uri="{FF2B5EF4-FFF2-40B4-BE49-F238E27FC236}">
+                    <a16:creationId xmlns:a16="http://schemas.microsoft.com/office/drawing/2014/main" id="{FD9C2CD4-064C-67A5-445F-184B99F82F26}"/>
+                  </a:ext>
+                </a:extLst>
+              </p:cNvPr>
+              <p:cNvSpPr>
+                <a:spLocks noChangeAspect="1"/>
+              </p:cNvSpPr>
+              <p:nvPr/>
+            </p:nvSpPr>
+            <p:spPr>
+              <a:xfrm>
+                <a:off x="5309880" y="4424348"/>
+                <a:ext cx="144000" cy="144000"/>
+              </a:xfrm>
+              <a:prstGeom prst="ellipse">
+                <a:avLst/>
+              </a:prstGeom>
+              <a:noFill/>
+              <a:ln>
+                <a:solidFill>
+                  <a:schemeClr val="tx1"/>
+                </a:solidFill>
+              </a:ln>
+            </p:spPr>
+            <p:style>
+              <a:lnRef idx="2">
+                <a:schemeClr val="accent1">
+                  <a:shade val="50000"/>
+                </a:schemeClr>
+              </a:lnRef>
+              <a:fillRef idx="1">
+                <a:schemeClr val="accent1"/>
+              </a:fillRef>
+              <a:effectRef idx="0">
+                <a:schemeClr val="accent1"/>
+              </a:effectRef>
+              <a:fontRef idx="minor">
+                <a:schemeClr val="lt1"/>
+              </a:fontRef>
+            </p:style>
+            <p:txBody>
+              <a:bodyPr rtlCol="0" anchor="ctr"/>
+              <a:lstStyle/>
+              <a:p>
+                <a:pPr algn="ctr"/>
+                <a:endParaRPr lang="en-GB"/>
+              </a:p>
+            </p:txBody>
+          </p:sp>
+          <p:sp>
+            <p:nvSpPr>
+              <p:cNvPr id="79" name="Oval 78">
+                <a:extLst>
+                  <a:ext uri="{FF2B5EF4-FFF2-40B4-BE49-F238E27FC236}">
+                    <a16:creationId xmlns:a16="http://schemas.microsoft.com/office/drawing/2014/main" id="{2466D581-C2D6-C229-3DB9-118BD7812A64}"/>
+                  </a:ext>
+                </a:extLst>
+              </p:cNvPr>
+              <p:cNvSpPr>
+                <a:spLocks noChangeAspect="1"/>
+              </p:cNvSpPr>
+              <p:nvPr/>
+            </p:nvSpPr>
+            <p:spPr>
+              <a:xfrm>
+                <a:off x="6098131" y="5002763"/>
+                <a:ext cx="144000" cy="144000"/>
+              </a:xfrm>
+              <a:prstGeom prst="ellipse">
+                <a:avLst/>
+              </a:prstGeom>
+              <a:noFill/>
+              <a:ln>
+                <a:solidFill>
+                  <a:schemeClr val="tx1"/>
+                </a:solidFill>
+              </a:ln>
+            </p:spPr>
+            <p:style>
+              <a:lnRef idx="2">
+                <a:schemeClr val="accent1">
+                  <a:shade val="50000"/>
+                </a:schemeClr>
+              </a:lnRef>
+              <a:fillRef idx="1">
+                <a:schemeClr val="accent1"/>
+              </a:fillRef>
+              <a:effectRef idx="0">
+                <a:schemeClr val="accent1"/>
+              </a:effectRef>
+              <a:fontRef idx="minor">
+                <a:schemeClr val="lt1"/>
+              </a:fontRef>
+            </p:style>
+            <p:txBody>
+              <a:bodyPr rtlCol="0" anchor="ctr"/>
+              <a:lstStyle/>
+              <a:p>
+                <a:pPr algn="ctr"/>
+                <a:endParaRPr lang="en-GB"/>
+              </a:p>
+            </p:txBody>
+          </p:sp>
+          <p:sp>
+            <p:nvSpPr>
+              <p:cNvPr id="80" name="Oval 79">
+                <a:extLst>
+                  <a:ext uri="{FF2B5EF4-FFF2-40B4-BE49-F238E27FC236}">
+                    <a16:creationId xmlns:a16="http://schemas.microsoft.com/office/drawing/2014/main" id="{8F94ABAB-0D01-996A-4294-081034BA2534}"/>
+                  </a:ext>
+                </a:extLst>
+              </p:cNvPr>
+              <p:cNvSpPr>
+                <a:spLocks noChangeAspect="1"/>
+              </p:cNvSpPr>
+              <p:nvPr/>
+            </p:nvSpPr>
+            <p:spPr>
+              <a:xfrm>
+                <a:off x="6653489" y="4897908"/>
+                <a:ext cx="144000" cy="144000"/>
+              </a:xfrm>
+              <a:prstGeom prst="ellipse">
+                <a:avLst/>
+              </a:prstGeom>
+              <a:noFill/>
+              <a:ln>
+                <a:solidFill>
+                  <a:schemeClr val="tx1"/>
+                </a:solidFill>
+              </a:ln>
+            </p:spPr>
+            <p:style>
+              <a:lnRef idx="2">
+                <a:schemeClr val="accent1">
+                  <a:shade val="50000"/>
+                </a:schemeClr>
+              </a:lnRef>
+              <a:fillRef idx="1">
+                <a:schemeClr val="accent1"/>
+              </a:fillRef>
+              <a:effectRef idx="0">
+                <a:schemeClr val="accent1"/>
+              </a:effectRef>
+              <a:fontRef idx="minor">
+                <a:schemeClr val="lt1"/>
+              </a:fontRef>
+            </p:style>
+            <p:txBody>
+              <a:bodyPr rtlCol="0" anchor="ctr"/>
+              <a:lstStyle/>
+              <a:p>
+                <a:pPr algn="ctr"/>
+                <a:endParaRPr lang="en-GB"/>
+              </a:p>
+            </p:txBody>
+          </p:sp>
+          <p:sp>
+            <p:nvSpPr>
+              <p:cNvPr id="81" name="Oval 80">
+                <a:extLst>
+                  <a:ext uri="{FF2B5EF4-FFF2-40B4-BE49-F238E27FC236}">
+                    <a16:creationId xmlns:a16="http://schemas.microsoft.com/office/drawing/2014/main" id="{8ACAE20C-784C-02F7-E0C7-BBDDA14E10E3}"/>
+                  </a:ext>
+                </a:extLst>
+              </p:cNvPr>
+              <p:cNvSpPr>
+                <a:spLocks noChangeAspect="1"/>
+              </p:cNvSpPr>
+              <p:nvPr/>
+            </p:nvSpPr>
+            <p:spPr>
+              <a:xfrm>
+                <a:off x="5933489" y="2759545"/>
+                <a:ext cx="144000" cy="144000"/>
+              </a:xfrm>
+              <a:prstGeom prst="ellipse">
+                <a:avLst/>
+              </a:prstGeom>
+              <a:noFill/>
+              <a:ln>
+                <a:solidFill>
+                  <a:schemeClr val="tx1"/>
+                </a:solidFill>
+              </a:ln>
+            </p:spPr>
+            <p:style>
+              <a:lnRef idx="2">
+                <a:schemeClr val="accent1">
+                  <a:shade val="50000"/>
+                </a:schemeClr>
+              </a:lnRef>
+              <a:fillRef idx="1">
+                <a:schemeClr val="accent1"/>
+              </a:fillRef>
+              <a:effectRef idx="0">
+                <a:schemeClr val="accent1"/>
+              </a:effectRef>
+              <a:fontRef idx="minor">
+                <a:schemeClr val="lt1"/>
+              </a:fontRef>
+            </p:style>
+            <p:txBody>
+              <a:bodyPr rtlCol="0" anchor="ctr"/>
+              <a:lstStyle/>
+              <a:p>
+                <a:pPr algn="ctr"/>
+                <a:endParaRPr lang="en-GB"/>
+              </a:p>
+            </p:txBody>
+          </p:sp>
+          <p:sp>
+            <p:nvSpPr>
+              <p:cNvPr id="82" name="Oval 81">
+                <a:extLst>
+                  <a:ext uri="{FF2B5EF4-FFF2-40B4-BE49-F238E27FC236}">
+                    <a16:creationId xmlns:a16="http://schemas.microsoft.com/office/drawing/2014/main" id="{137C4EBF-1F22-7230-4ADF-967BB640C740}"/>
+                  </a:ext>
+                </a:extLst>
+              </p:cNvPr>
+              <p:cNvSpPr>
+                <a:spLocks noChangeAspect="1"/>
+              </p:cNvSpPr>
+              <p:nvPr/>
+            </p:nvSpPr>
+            <p:spPr>
+              <a:xfrm>
+                <a:off x="5549685" y="3592174"/>
+                <a:ext cx="144000" cy="144000"/>
+              </a:xfrm>
+              <a:prstGeom prst="ellipse">
+                <a:avLst/>
+              </a:prstGeom>
+              <a:noFill/>
+              <a:ln>
+                <a:solidFill>
+                  <a:schemeClr val="tx1"/>
+                </a:solidFill>
+              </a:ln>
+            </p:spPr>
+            <p:style>
+              <a:lnRef idx="2">
+                <a:schemeClr val="accent1">
+                  <a:shade val="50000"/>
+                </a:schemeClr>
+              </a:lnRef>
+              <a:fillRef idx="1">
+                <a:schemeClr val="accent1"/>
+              </a:fillRef>
+              <a:effectRef idx="0">
+                <a:schemeClr val="accent1"/>
+              </a:effectRef>
+              <a:fontRef idx="minor">
+                <a:schemeClr val="lt1"/>
+              </a:fontRef>
+            </p:style>
+            <p:txBody>
+              <a:bodyPr rtlCol="0" anchor="ctr"/>
+              <a:lstStyle/>
+              <a:p>
+                <a:pPr algn="ctr"/>
+                <a:endParaRPr lang="en-GB"/>
+              </a:p>
+            </p:txBody>
+          </p:sp>
+          <p:sp>
+            <p:nvSpPr>
+              <p:cNvPr id="83" name="Oval 82">
+                <a:extLst>
+                  <a:ext uri="{FF2B5EF4-FFF2-40B4-BE49-F238E27FC236}">
+                    <a16:creationId xmlns:a16="http://schemas.microsoft.com/office/drawing/2014/main" id="{55CCF7A6-C1CF-66EA-4DA5-926C6E02DC11}"/>
+                  </a:ext>
+                </a:extLst>
+              </p:cNvPr>
+              <p:cNvSpPr>
+                <a:spLocks noChangeAspect="1"/>
+              </p:cNvSpPr>
+              <p:nvPr/>
+            </p:nvSpPr>
+            <p:spPr>
+              <a:xfrm>
+                <a:off x="6788493" y="2650821"/>
+                <a:ext cx="144000" cy="144000"/>
+              </a:xfrm>
+              <a:prstGeom prst="ellipse">
+                <a:avLst/>
+              </a:prstGeom>
+              <a:noFill/>
+              <a:ln>
+                <a:solidFill>
+                  <a:schemeClr val="tx1"/>
+                </a:solidFill>
+              </a:ln>
+            </p:spPr>
+            <p:style>
+              <a:lnRef idx="2">
+                <a:schemeClr val="accent1">
+                  <a:shade val="50000"/>
+                </a:schemeClr>
+              </a:lnRef>
+              <a:fillRef idx="1">
+                <a:schemeClr val="accent1"/>
+              </a:fillRef>
+              <a:effectRef idx="0">
+                <a:schemeClr val="accent1"/>
+              </a:effectRef>
+              <a:fontRef idx="minor">
+                <a:schemeClr val="lt1"/>
+              </a:fontRef>
+            </p:style>
+            <p:txBody>
+              <a:bodyPr rtlCol="0" anchor="ctr"/>
+              <a:lstStyle/>
+              <a:p>
+                <a:pPr algn="ctr"/>
+                <a:endParaRPr lang="en-GB"/>
+              </a:p>
+            </p:txBody>
+          </p:sp>
+          <p:sp>
+            <p:nvSpPr>
+              <p:cNvPr id="84" name="Oval 83">
+                <a:extLst>
+                  <a:ext uri="{FF2B5EF4-FFF2-40B4-BE49-F238E27FC236}">
+                    <a16:creationId xmlns:a16="http://schemas.microsoft.com/office/drawing/2014/main" id="{AA1EB248-4BA9-6F16-10B9-3E0E74016D83}"/>
+                  </a:ext>
+                </a:extLst>
+              </p:cNvPr>
+              <p:cNvSpPr>
+                <a:spLocks noChangeAspect="1"/>
+              </p:cNvSpPr>
+              <p:nvPr/>
+            </p:nvSpPr>
+            <p:spPr>
+              <a:xfrm>
+                <a:off x="6581489" y="2347759"/>
+                <a:ext cx="144000" cy="144000"/>
+              </a:xfrm>
+              <a:prstGeom prst="ellipse">
+                <a:avLst/>
+              </a:prstGeom>
+              <a:noFill/>
+              <a:ln>
+                <a:solidFill>
+                  <a:schemeClr val="tx1"/>
+                </a:solidFill>
+              </a:ln>
+            </p:spPr>
+            <p:style>
+              <a:lnRef idx="2">
+                <a:schemeClr val="accent1">
+                  <a:shade val="50000"/>
+                </a:schemeClr>
+              </a:lnRef>
+              <a:fillRef idx="1">
+                <a:schemeClr val="accent1"/>
+              </a:fillRef>
+              <a:effectRef idx="0">
+                <a:schemeClr val="accent1"/>
+              </a:effectRef>
+              <a:fontRef idx="minor">
+                <a:schemeClr val="lt1"/>
+              </a:fontRef>
+            </p:style>
+            <p:txBody>
+              <a:bodyPr rtlCol="0" anchor="ctr"/>
+              <a:lstStyle/>
+              <a:p>
+                <a:pPr algn="ctr"/>
+                <a:endParaRPr lang="en-GB"/>
+              </a:p>
+            </p:txBody>
+          </p:sp>
+          <p:sp>
+            <p:nvSpPr>
+              <p:cNvPr id="85" name="Oval 84">
+                <a:extLst>
+                  <a:ext uri="{FF2B5EF4-FFF2-40B4-BE49-F238E27FC236}">
+                    <a16:creationId xmlns:a16="http://schemas.microsoft.com/office/drawing/2014/main" id="{F6048A1D-6869-F8AB-6CF1-1DB28EDBD087}"/>
+                  </a:ext>
+                </a:extLst>
+              </p:cNvPr>
+              <p:cNvSpPr>
+                <a:spLocks noChangeAspect="1"/>
+              </p:cNvSpPr>
+              <p:nvPr/>
+            </p:nvSpPr>
+            <p:spPr>
+              <a:xfrm>
+                <a:off x="7986851" y="2458311"/>
+                <a:ext cx="144000" cy="144000"/>
+              </a:xfrm>
+              <a:prstGeom prst="ellipse">
+                <a:avLst/>
+              </a:prstGeom>
+              <a:noFill/>
+              <a:ln>
+                <a:solidFill>
+                  <a:schemeClr val="tx1"/>
+                </a:solidFill>
+              </a:ln>
+            </p:spPr>
+            <p:style>
+              <a:lnRef idx="2">
+                <a:schemeClr val="accent1">
+                  <a:shade val="50000"/>
+                </a:schemeClr>
+              </a:lnRef>
+              <a:fillRef idx="1">
+                <a:schemeClr val="accent1"/>
+              </a:fillRef>
+              <a:effectRef idx="0">
+                <a:schemeClr val="accent1"/>
+              </a:effectRef>
+              <a:fontRef idx="minor">
+                <a:schemeClr val="lt1"/>
+              </a:fontRef>
+            </p:style>
+            <p:txBody>
+              <a:bodyPr rtlCol="0" anchor="ctr"/>
+              <a:lstStyle/>
+              <a:p>
+                <a:pPr algn="ctr"/>
+                <a:endParaRPr lang="en-GB"/>
+              </a:p>
+            </p:txBody>
+          </p:sp>
+          <p:sp>
+            <p:nvSpPr>
+              <p:cNvPr id="86" name="Oval 85">
+                <a:extLst>
+                  <a:ext uri="{FF2B5EF4-FFF2-40B4-BE49-F238E27FC236}">
+                    <a16:creationId xmlns:a16="http://schemas.microsoft.com/office/drawing/2014/main" id="{0E6A7FF9-381B-C3E1-DBD6-9C2EDB29329E}"/>
+                  </a:ext>
+                </a:extLst>
+              </p:cNvPr>
+              <p:cNvSpPr>
+                <a:spLocks noChangeAspect="1"/>
+              </p:cNvSpPr>
+              <p:nvPr/>
+            </p:nvSpPr>
+            <p:spPr>
+              <a:xfrm>
+                <a:off x="7373489" y="2866441"/>
+                <a:ext cx="144000" cy="144000"/>
+              </a:xfrm>
+              <a:prstGeom prst="ellipse">
+                <a:avLst/>
+              </a:prstGeom>
+              <a:noFill/>
+              <a:ln>
+                <a:solidFill>
+                  <a:schemeClr val="tx1"/>
+                </a:solidFill>
+              </a:ln>
+            </p:spPr>
+            <p:style>
+              <a:lnRef idx="2">
+                <a:schemeClr val="accent1">
+                  <a:shade val="50000"/>
+                </a:schemeClr>
+              </a:lnRef>
+              <a:fillRef idx="1">
+                <a:schemeClr val="accent1"/>
+              </a:fillRef>
+              <a:effectRef idx="0">
+                <a:schemeClr val="accent1"/>
+              </a:effectRef>
+              <a:fontRef idx="minor">
+                <a:schemeClr val="lt1"/>
+              </a:fontRef>
+            </p:style>
+            <p:txBody>
+              <a:bodyPr rtlCol="0" anchor="ctr"/>
+              <a:lstStyle/>
+              <a:p>
+                <a:pPr algn="ctr"/>
+                <a:endParaRPr lang="en-GB"/>
+              </a:p>
+            </p:txBody>
+          </p:sp>
+          <p:sp>
+            <p:nvSpPr>
+              <p:cNvPr id="87" name="Oval 86">
+                <a:extLst>
+                  <a:ext uri="{FF2B5EF4-FFF2-40B4-BE49-F238E27FC236}">
+                    <a16:creationId xmlns:a16="http://schemas.microsoft.com/office/drawing/2014/main" id="{31215C40-6D0E-36BB-0057-A869AC541981}"/>
+                  </a:ext>
+                </a:extLst>
+              </p:cNvPr>
+              <p:cNvSpPr>
+                <a:spLocks noChangeAspect="1"/>
+              </p:cNvSpPr>
+              <p:nvPr/>
+            </p:nvSpPr>
+            <p:spPr>
+              <a:xfrm>
+                <a:off x="5304170" y="2938441"/>
+                <a:ext cx="144000" cy="144000"/>
+              </a:xfrm>
+              <a:prstGeom prst="ellipse">
+                <a:avLst/>
+              </a:prstGeom>
+              <a:noFill/>
+              <a:ln>
+                <a:solidFill>
+                  <a:schemeClr val="tx1"/>
+                </a:solidFill>
+              </a:ln>
+            </p:spPr>
+            <p:style>
+              <a:lnRef idx="2">
+                <a:schemeClr val="accent1">
+                  <a:shade val="50000"/>
+                </a:schemeClr>
+              </a:lnRef>
+              <a:fillRef idx="1">
+                <a:schemeClr val="accent1"/>
+              </a:fillRef>
+              <a:effectRef idx="0">
+                <a:schemeClr val="accent1"/>
+              </a:effectRef>
+              <a:fontRef idx="minor">
+                <a:schemeClr val="lt1"/>
+              </a:fontRef>
+            </p:style>
+            <p:txBody>
+              <a:bodyPr rtlCol="0" anchor="ctr"/>
+              <a:lstStyle/>
+              <a:p>
+                <a:pPr algn="ctr"/>
+                <a:endParaRPr lang="en-GB"/>
+              </a:p>
+            </p:txBody>
+          </p:sp>
+          <p:sp>
+            <p:nvSpPr>
+              <p:cNvPr id="88" name="Oval 87">
+                <a:extLst>
+                  <a:ext uri="{FF2B5EF4-FFF2-40B4-BE49-F238E27FC236}">
+                    <a16:creationId xmlns:a16="http://schemas.microsoft.com/office/drawing/2014/main" id="{53561188-C9FC-1F89-39EB-F596A56DE6D1}"/>
+                  </a:ext>
+                </a:extLst>
+              </p:cNvPr>
+              <p:cNvSpPr>
+                <a:spLocks noChangeAspect="1"/>
+              </p:cNvSpPr>
+              <p:nvPr/>
+            </p:nvSpPr>
+            <p:spPr>
+              <a:xfrm>
+                <a:off x="6730177" y="3067759"/>
+                <a:ext cx="144000" cy="144000"/>
+              </a:xfrm>
+              <a:prstGeom prst="ellipse">
+                <a:avLst/>
+              </a:prstGeom>
+              <a:noFill/>
+              <a:ln>
+                <a:solidFill>
+                  <a:schemeClr val="tx1"/>
+                </a:solidFill>
+              </a:ln>
+            </p:spPr>
+            <p:style>
+              <a:lnRef idx="2">
+                <a:schemeClr val="accent1">
+                  <a:shade val="50000"/>
+                </a:schemeClr>
+              </a:lnRef>
+              <a:fillRef idx="1">
+                <a:schemeClr val="accent1"/>
+              </a:fillRef>
+              <a:effectRef idx="0">
+                <a:schemeClr val="accent1"/>
+              </a:effectRef>
+              <a:fontRef idx="minor">
+                <a:schemeClr val="lt1"/>
+              </a:fontRef>
+            </p:style>
+            <p:txBody>
+              <a:bodyPr rtlCol="0" anchor="ctr"/>
+              <a:lstStyle/>
+              <a:p>
+                <a:pPr algn="ctr"/>
+                <a:endParaRPr lang="en-GB"/>
+              </a:p>
+            </p:txBody>
+          </p:sp>
+          <p:cxnSp>
+            <p:nvCxnSpPr>
+              <p:cNvPr id="92" name="Straight Arrow Connector 91">
+                <a:extLst>
+                  <a:ext uri="{FF2B5EF4-FFF2-40B4-BE49-F238E27FC236}">
+                    <a16:creationId xmlns:a16="http://schemas.microsoft.com/office/drawing/2014/main" id="{236948E5-A6FF-5CA7-94B9-5DDA477CB4C6}"/>
+                  </a:ext>
+                </a:extLst>
+              </p:cNvPr>
+              <p:cNvCxnSpPr>
+                <a:cxnSpLocks/>
+                <a:stCxn id="90" idx="0"/>
+                <a:endCxn id="70" idx="4"/>
+              </p:cNvCxnSpPr>
+              <p:nvPr/>
+            </p:nvCxnSpPr>
+            <p:spPr>
+              <a:xfrm flipH="1" flipV="1">
+                <a:off x="6608017" y="3470021"/>
+                <a:ext cx="45472" cy="436639"/>
+              </a:xfrm>
+              <a:prstGeom prst="straightConnector1">
+                <a:avLst/>
+              </a:prstGeom>
+              <a:ln>
+                <a:tailEnd type="triangle"/>
+              </a:ln>
+            </p:spPr>
+            <p:style>
+              <a:lnRef idx="1">
+                <a:schemeClr val="accent1"/>
+              </a:lnRef>
+              <a:fillRef idx="0">
+                <a:schemeClr val="accent1"/>
+              </a:fillRef>
+              <a:effectRef idx="0">
+                <a:schemeClr val="accent1"/>
+              </a:effectRef>
+              <a:fontRef idx="minor">
+                <a:schemeClr val="tx1"/>
+              </a:fontRef>
+            </p:style>
+          </p:cxnSp>
+          <p:cxnSp>
+            <p:nvCxnSpPr>
+              <p:cNvPr id="96" name="Straight Arrow Connector 95">
+                <a:extLst>
+                  <a:ext uri="{FF2B5EF4-FFF2-40B4-BE49-F238E27FC236}">
+                    <a16:creationId xmlns:a16="http://schemas.microsoft.com/office/drawing/2014/main" id="{3671FEC3-E2F9-4FCB-C321-406C8FC5616B}"/>
+                  </a:ext>
+                </a:extLst>
+              </p:cNvPr>
+              <p:cNvCxnSpPr>
+                <a:cxnSpLocks/>
+                <a:stCxn id="90" idx="6"/>
+                <a:endCxn id="69" idx="3"/>
+              </p:cNvCxnSpPr>
+              <p:nvPr/>
+            </p:nvCxnSpPr>
+            <p:spPr>
+              <a:xfrm flipV="1">
+                <a:off x="6725489" y="3862486"/>
+                <a:ext cx="267742" cy="116174"/>
+              </a:xfrm>
+              <a:prstGeom prst="straightConnector1">
+                <a:avLst/>
+              </a:prstGeom>
+              <a:ln>
+                <a:tailEnd type="triangle"/>
+              </a:ln>
+            </p:spPr>
+            <p:style>
+              <a:lnRef idx="1">
+                <a:schemeClr val="accent1"/>
+              </a:lnRef>
+              <a:fillRef idx="0">
+                <a:schemeClr val="accent1"/>
+              </a:fillRef>
+              <a:effectRef idx="0">
+                <a:schemeClr val="accent1"/>
+              </a:effectRef>
+              <a:fontRef idx="minor">
+                <a:schemeClr val="tx1"/>
+              </a:fontRef>
+            </p:style>
+          </p:cxnSp>
+          <p:cxnSp>
+            <p:nvCxnSpPr>
+              <p:cNvPr id="100" name="Straight Arrow Connector 99">
+                <a:extLst>
+                  <a:ext uri="{FF2B5EF4-FFF2-40B4-BE49-F238E27FC236}">
+                    <a16:creationId xmlns:a16="http://schemas.microsoft.com/office/drawing/2014/main" id="{87B2E7DE-E7C6-6356-297D-B3A499C5C17E}"/>
+                  </a:ext>
+                </a:extLst>
+              </p:cNvPr>
+              <p:cNvCxnSpPr>
+                <a:cxnSpLocks/>
+                <a:stCxn id="90" idx="6"/>
+                <a:endCxn id="75" idx="3"/>
+              </p:cNvCxnSpPr>
+              <p:nvPr/>
+            </p:nvCxnSpPr>
+            <p:spPr>
+              <a:xfrm flipV="1">
+                <a:off x="6725489" y="3643086"/>
+                <a:ext cx="826224" cy="335574"/>
+              </a:xfrm>
+              <a:prstGeom prst="straightConnector1">
+                <a:avLst/>
+              </a:prstGeom>
+              <a:ln>
+                <a:tailEnd type="triangle"/>
+              </a:ln>
+            </p:spPr>
+            <p:style>
+              <a:lnRef idx="1">
+                <a:schemeClr val="accent1"/>
+              </a:lnRef>
+              <a:fillRef idx="0">
+                <a:schemeClr val="accent1"/>
+              </a:fillRef>
+              <a:effectRef idx="0">
+                <a:schemeClr val="accent1"/>
+              </a:effectRef>
+              <a:fontRef idx="minor">
+                <a:schemeClr val="tx1"/>
+              </a:fontRef>
+            </p:style>
+          </p:cxnSp>
+          <p:cxnSp>
+            <p:nvCxnSpPr>
+              <p:cNvPr id="101" name="Straight Arrow Connector 100">
+                <a:extLst>
+                  <a:ext uri="{FF2B5EF4-FFF2-40B4-BE49-F238E27FC236}">
+                    <a16:creationId xmlns:a16="http://schemas.microsoft.com/office/drawing/2014/main" id="{CD771A12-09E5-BB9F-C32C-3CDFFCB13F60}"/>
+                  </a:ext>
+                </a:extLst>
+              </p:cNvPr>
+              <p:cNvCxnSpPr>
+                <a:cxnSpLocks/>
+                <a:stCxn id="90" idx="2"/>
+                <a:endCxn id="72" idx="5"/>
+              </p:cNvCxnSpPr>
+              <p:nvPr/>
+            </p:nvCxnSpPr>
+            <p:spPr>
+              <a:xfrm flipH="1" flipV="1">
+                <a:off x="6365043" y="3791250"/>
+                <a:ext cx="216446" cy="187410"/>
+              </a:xfrm>
+              <a:prstGeom prst="straightConnector1">
+                <a:avLst/>
+              </a:prstGeom>
+              <a:ln>
+                <a:tailEnd type="triangle"/>
+              </a:ln>
+            </p:spPr>
+            <p:style>
+              <a:lnRef idx="1">
+                <a:schemeClr val="accent1"/>
+              </a:lnRef>
+              <a:fillRef idx="0">
+                <a:schemeClr val="accent1"/>
+              </a:fillRef>
+              <a:effectRef idx="0">
+                <a:schemeClr val="accent1"/>
+              </a:effectRef>
+              <a:fontRef idx="minor">
+                <a:schemeClr val="tx1"/>
+              </a:fontRef>
+            </p:style>
+          </p:cxnSp>
+          <p:cxnSp>
+            <p:nvCxnSpPr>
+              <p:cNvPr id="103" name="Straight Arrow Connector 102">
+                <a:extLst>
+                  <a:ext uri="{FF2B5EF4-FFF2-40B4-BE49-F238E27FC236}">
+                    <a16:creationId xmlns:a16="http://schemas.microsoft.com/office/drawing/2014/main" id="{B7A59057-333B-5067-2D6B-A22D4FE53133}"/>
+                  </a:ext>
+                </a:extLst>
+              </p:cNvPr>
+              <p:cNvCxnSpPr>
+                <a:cxnSpLocks/>
+                <a:endCxn id="90" idx="5"/>
+              </p:cNvCxnSpPr>
+              <p:nvPr/>
+            </p:nvCxnSpPr>
+            <p:spPr>
+              <a:xfrm flipH="1" flipV="1">
+                <a:off x="6704401" y="4029572"/>
+                <a:ext cx="253888" cy="181888"/>
+              </a:xfrm>
+              <a:prstGeom prst="straightConnector1">
+                <a:avLst/>
+              </a:prstGeom>
+              <a:ln>
+                <a:tailEnd type="triangle"/>
+              </a:ln>
+            </p:spPr>
+            <p:style>
+              <a:lnRef idx="1">
+                <a:schemeClr val="accent1"/>
+              </a:lnRef>
+              <a:fillRef idx="0">
+                <a:schemeClr val="accent1"/>
+              </a:fillRef>
+              <a:effectRef idx="0">
+                <a:schemeClr val="accent1"/>
+              </a:effectRef>
+              <a:fontRef idx="minor">
+                <a:schemeClr val="tx1"/>
+              </a:fontRef>
+            </p:style>
+          </p:cxnSp>
+          <p:cxnSp>
+            <p:nvCxnSpPr>
+              <p:cNvPr id="106" name="Straight Arrow Connector 105">
+                <a:extLst>
+                  <a:ext uri="{FF2B5EF4-FFF2-40B4-BE49-F238E27FC236}">
+                    <a16:creationId xmlns:a16="http://schemas.microsoft.com/office/drawing/2014/main" id="{AE4801FA-8651-73EE-295E-05FF91059C91}"/>
+                  </a:ext>
+                </a:extLst>
+              </p:cNvPr>
+              <p:cNvCxnSpPr>
+                <a:cxnSpLocks/>
+                <a:stCxn id="90" idx="4"/>
+                <a:endCxn id="68" idx="1"/>
+              </p:cNvCxnSpPr>
+              <p:nvPr/>
+            </p:nvCxnSpPr>
+            <p:spPr>
+              <a:xfrm>
+                <a:off x="6653489" y="4050660"/>
+                <a:ext cx="58450" cy="379461"/>
+              </a:xfrm>
+              <a:prstGeom prst="straightConnector1">
+                <a:avLst/>
+              </a:prstGeom>
+              <a:ln>
+                <a:tailEnd type="triangle"/>
+              </a:ln>
+            </p:spPr>
+            <p:style>
+              <a:lnRef idx="1">
+                <a:schemeClr val="accent1"/>
+              </a:lnRef>
+              <a:fillRef idx="0">
+                <a:schemeClr val="accent1"/>
+              </a:fillRef>
+              <a:effectRef idx="0">
+                <a:schemeClr val="accent1"/>
+              </a:effectRef>
+              <a:fontRef idx="minor">
+                <a:schemeClr val="tx1"/>
+              </a:fontRef>
+            </p:style>
+          </p:cxnSp>
+          <p:cxnSp>
+            <p:nvCxnSpPr>
+              <p:cNvPr id="107" name="Straight Arrow Connector 106">
+                <a:extLst>
+                  <a:ext uri="{FF2B5EF4-FFF2-40B4-BE49-F238E27FC236}">
+                    <a16:creationId xmlns:a16="http://schemas.microsoft.com/office/drawing/2014/main" id="{3E874F2B-F5F2-E49E-118C-CE7C560E6EDE}"/>
+                  </a:ext>
+                </a:extLst>
+              </p:cNvPr>
+              <p:cNvCxnSpPr>
+                <a:cxnSpLocks/>
+                <a:stCxn id="90" idx="2"/>
+                <a:endCxn id="73" idx="7"/>
+              </p:cNvCxnSpPr>
+              <p:nvPr/>
+            </p:nvCxnSpPr>
+            <p:spPr>
+              <a:xfrm flipH="1">
+                <a:off x="6345862" y="3978660"/>
+                <a:ext cx="235627" cy="191020"/>
+              </a:xfrm>
+              <a:prstGeom prst="straightConnector1">
+                <a:avLst/>
+              </a:prstGeom>
+              <a:ln>
+                <a:tailEnd type="triangle"/>
+              </a:ln>
+            </p:spPr>
+            <p:style>
+              <a:lnRef idx="1">
+                <a:schemeClr val="accent1"/>
+              </a:lnRef>
+              <a:fillRef idx="0">
+                <a:schemeClr val="accent1"/>
+              </a:fillRef>
+              <a:effectRef idx="0">
+                <a:schemeClr val="accent1"/>
+              </a:effectRef>
+              <a:fontRef idx="minor">
+                <a:schemeClr val="tx1"/>
+              </a:fontRef>
+            </p:style>
+          </p:cxnSp>
+          <p:cxnSp>
+            <p:nvCxnSpPr>
+              <p:cNvPr id="110" name="Straight Arrow Connector 109">
+                <a:extLst>
+                  <a:ext uri="{FF2B5EF4-FFF2-40B4-BE49-F238E27FC236}">
+                    <a16:creationId xmlns:a16="http://schemas.microsoft.com/office/drawing/2014/main" id="{18E55000-AC35-EF31-DB30-21FE5E163876}"/>
+                  </a:ext>
+                </a:extLst>
+              </p:cNvPr>
+              <p:cNvCxnSpPr>
+                <a:cxnSpLocks/>
+                <a:stCxn id="90" idx="4"/>
+              </p:cNvCxnSpPr>
+              <p:nvPr/>
+            </p:nvCxnSpPr>
+            <p:spPr>
+              <a:xfrm>
+                <a:off x="6653489" y="4050660"/>
+                <a:ext cx="358271" cy="97932"/>
+              </a:xfrm>
+              <a:prstGeom prst="straightConnector1">
+                <a:avLst/>
+              </a:prstGeom>
+              <a:ln>
+                <a:tailEnd type="triangle"/>
+              </a:ln>
+            </p:spPr>
+            <p:style>
+              <a:lnRef idx="1">
+                <a:schemeClr val="accent1"/>
+              </a:lnRef>
+              <a:fillRef idx="0">
+                <a:schemeClr val="accent1"/>
+              </a:fillRef>
+              <a:effectRef idx="0">
+                <a:schemeClr val="accent1"/>
+              </a:effectRef>
+              <a:fontRef idx="minor">
+                <a:schemeClr val="tx1"/>
+              </a:fontRef>
+            </p:style>
+          </p:cxnSp>
+          <p:cxnSp>
+            <p:nvCxnSpPr>
+              <p:cNvPr id="119" name="Straight Arrow Connector 118">
+                <a:extLst>
+                  <a:ext uri="{FF2B5EF4-FFF2-40B4-BE49-F238E27FC236}">
+                    <a16:creationId xmlns:a16="http://schemas.microsoft.com/office/drawing/2014/main" id="{60DB60E5-268C-18F1-027C-A67D45F287EB}"/>
+                  </a:ext>
+                </a:extLst>
+              </p:cNvPr>
+              <p:cNvCxnSpPr>
+                <a:cxnSpLocks/>
+                <a:stCxn id="90" idx="3"/>
+              </p:cNvCxnSpPr>
+              <p:nvPr/>
+            </p:nvCxnSpPr>
+            <p:spPr>
+              <a:xfrm flipH="1">
+                <a:off x="6291760" y="4029572"/>
+                <a:ext cx="310817" cy="501159"/>
+              </a:xfrm>
+              <a:prstGeom prst="straightConnector1">
+                <a:avLst/>
+              </a:prstGeom>
+              <a:ln>
+                <a:tailEnd type="triangle"/>
+              </a:ln>
+            </p:spPr>
+            <p:style>
+              <a:lnRef idx="1">
+                <a:schemeClr val="accent1"/>
+              </a:lnRef>
+              <a:fillRef idx="0">
+                <a:schemeClr val="accent1"/>
+              </a:fillRef>
+              <a:effectRef idx="0">
+                <a:schemeClr val="accent1"/>
+              </a:effectRef>
+              <a:fontRef idx="minor">
+                <a:schemeClr val="tx1"/>
+              </a:fontRef>
+            </p:style>
+          </p:cxnSp>
+          <p:cxnSp>
+            <p:nvCxnSpPr>
+              <p:cNvPr id="122" name="Straight Arrow Connector 121">
+                <a:extLst>
+                  <a:ext uri="{FF2B5EF4-FFF2-40B4-BE49-F238E27FC236}">
+                    <a16:creationId xmlns:a16="http://schemas.microsoft.com/office/drawing/2014/main" id="{7700D09F-F17B-0D13-B0B5-724659296EF7}"/>
+                  </a:ext>
+                </a:extLst>
+              </p:cNvPr>
+              <p:cNvCxnSpPr>
+                <a:cxnSpLocks/>
+                <a:stCxn id="90" idx="7"/>
+                <a:endCxn id="88" idx="4"/>
+              </p:cNvCxnSpPr>
+              <p:nvPr/>
+            </p:nvCxnSpPr>
+            <p:spPr>
+              <a:xfrm flipV="1">
+                <a:off x="6704401" y="3211759"/>
+                <a:ext cx="97776" cy="715989"/>
+              </a:xfrm>
+              <a:prstGeom prst="straightConnector1">
+                <a:avLst/>
+              </a:prstGeom>
+              <a:ln>
+                <a:tailEnd type="triangle"/>
+              </a:ln>
+            </p:spPr>
+            <p:style>
+              <a:lnRef idx="1">
+                <a:schemeClr val="accent1"/>
+              </a:lnRef>
+              <a:fillRef idx="0">
+                <a:schemeClr val="accent1"/>
+              </a:fillRef>
+              <a:effectRef idx="0">
+                <a:schemeClr val="accent1"/>
+              </a:effectRef>
+              <a:fontRef idx="minor">
+                <a:schemeClr val="tx1"/>
+              </a:fontRef>
+            </p:style>
+          </p:cxnSp>
+          <p:cxnSp>
+            <p:nvCxnSpPr>
+              <p:cNvPr id="125" name="Straight Arrow Connector 124">
+                <a:extLst>
+                  <a:ext uri="{FF2B5EF4-FFF2-40B4-BE49-F238E27FC236}">
+                    <a16:creationId xmlns:a16="http://schemas.microsoft.com/office/drawing/2014/main" id="{8A133BC5-6438-8DA9-6DA1-65986FEFB0FF}"/>
+                  </a:ext>
+                </a:extLst>
+              </p:cNvPr>
+              <p:cNvCxnSpPr>
+                <a:cxnSpLocks/>
+                <a:stCxn id="90" idx="7"/>
+                <a:endCxn id="86" idx="3"/>
+              </p:cNvCxnSpPr>
+              <p:nvPr/>
+            </p:nvCxnSpPr>
+            <p:spPr>
+              <a:xfrm flipV="1">
+                <a:off x="6704401" y="2989353"/>
+                <a:ext cx="690176" cy="938395"/>
+              </a:xfrm>
+              <a:prstGeom prst="straightConnector1">
+                <a:avLst/>
+              </a:prstGeom>
+              <a:ln>
+                <a:tailEnd type="triangle"/>
+              </a:ln>
+            </p:spPr>
+            <p:style>
+              <a:lnRef idx="1">
+                <a:schemeClr val="accent1"/>
+              </a:lnRef>
+              <a:fillRef idx="0">
+                <a:schemeClr val="accent1"/>
+              </a:fillRef>
+              <a:effectRef idx="0">
+                <a:schemeClr val="accent1"/>
+              </a:effectRef>
+              <a:fontRef idx="minor">
+                <a:schemeClr val="tx1"/>
+              </a:fontRef>
+            </p:style>
+          </p:cxnSp>
+          <p:cxnSp>
+            <p:nvCxnSpPr>
+              <p:cNvPr id="129" name="Straight Arrow Connector 128">
+                <a:extLst>
+                  <a:ext uri="{FF2B5EF4-FFF2-40B4-BE49-F238E27FC236}">
+                    <a16:creationId xmlns:a16="http://schemas.microsoft.com/office/drawing/2014/main" id="{8F26594E-3852-41C9-3F8D-DC90FC63FE5C}"/>
+                  </a:ext>
+                </a:extLst>
+              </p:cNvPr>
+              <p:cNvCxnSpPr>
+                <a:cxnSpLocks/>
+                <a:stCxn id="90" idx="0"/>
+                <a:endCxn id="83" idx="4"/>
+              </p:cNvCxnSpPr>
+              <p:nvPr/>
+            </p:nvCxnSpPr>
+            <p:spPr>
+              <a:xfrm flipV="1">
+                <a:off x="6653489" y="2794821"/>
+                <a:ext cx="207004" cy="1111839"/>
+              </a:xfrm>
+              <a:prstGeom prst="straightConnector1">
+                <a:avLst/>
+              </a:prstGeom>
+              <a:ln>
+                <a:tailEnd type="triangle"/>
+              </a:ln>
+            </p:spPr>
+            <p:style>
+              <a:lnRef idx="1">
+                <a:schemeClr val="accent1"/>
+              </a:lnRef>
+              <a:fillRef idx="0">
+                <a:schemeClr val="accent1"/>
+              </a:fillRef>
+              <a:effectRef idx="0">
+                <a:schemeClr val="accent1"/>
+              </a:effectRef>
+              <a:fontRef idx="minor">
+                <a:schemeClr val="tx1"/>
+              </a:fontRef>
+            </p:style>
+          </p:cxnSp>
+          <p:cxnSp>
+            <p:nvCxnSpPr>
+              <p:cNvPr id="132" name="Straight Arrow Connector 131">
+                <a:extLst>
+                  <a:ext uri="{FF2B5EF4-FFF2-40B4-BE49-F238E27FC236}">
+                    <a16:creationId xmlns:a16="http://schemas.microsoft.com/office/drawing/2014/main" id="{112AD0BB-1485-239D-CE49-2B80788F1344}"/>
+                  </a:ext>
+                </a:extLst>
+              </p:cNvPr>
+              <p:cNvCxnSpPr>
+                <a:cxnSpLocks/>
+                <a:stCxn id="90" idx="1"/>
+              </p:cNvCxnSpPr>
+              <p:nvPr/>
+            </p:nvCxnSpPr>
+            <p:spPr>
+              <a:xfrm flipH="1" flipV="1">
+                <a:off x="6033890" y="2922132"/>
+                <a:ext cx="568687" cy="1005616"/>
+              </a:xfrm>
+              <a:prstGeom prst="straightConnector1">
+                <a:avLst/>
+              </a:prstGeom>
+              <a:ln>
+                <a:tailEnd type="triangle"/>
+              </a:ln>
+            </p:spPr>
+            <p:style>
+              <a:lnRef idx="1">
+                <a:schemeClr val="accent1"/>
+              </a:lnRef>
+              <a:fillRef idx="0">
+                <a:schemeClr val="accent1"/>
+              </a:fillRef>
+              <a:effectRef idx="0">
+                <a:schemeClr val="accent1"/>
+              </a:effectRef>
+              <a:fontRef idx="minor">
+                <a:schemeClr val="tx1"/>
+              </a:fontRef>
+            </p:style>
+          </p:cxnSp>
+        </p:grpSp>
+        <p:grpSp>
+          <p:nvGrpSpPr>
+            <p:cNvPr id="65" name="Group 64">
+              <a:extLst>
+                <a:ext uri="{FF2B5EF4-FFF2-40B4-BE49-F238E27FC236}">
+                  <a16:creationId xmlns:a16="http://schemas.microsoft.com/office/drawing/2014/main" id="{403CA9D0-A456-A06D-A572-CA2228D179C9}"/>
+                </a:ext>
+              </a:extLst>
+            </p:cNvPr>
+            <p:cNvGrpSpPr/>
+            <p:nvPr/>
+          </p:nvGrpSpPr>
+          <p:grpSpPr>
+            <a:xfrm>
+              <a:off x="303531" y="2336672"/>
+              <a:ext cx="2836928" cy="2799004"/>
+              <a:chOff x="1496213" y="2430846"/>
+              <a:chExt cx="2836928" cy="2799004"/>
+            </a:xfrm>
+          </p:grpSpPr>
+          <p:grpSp>
+            <p:nvGrpSpPr>
+              <p:cNvPr id="64" name="Group 63">
+                <a:extLst>
+                  <a:ext uri="{FF2B5EF4-FFF2-40B4-BE49-F238E27FC236}">
+                    <a16:creationId xmlns:a16="http://schemas.microsoft.com/office/drawing/2014/main" id="{B6BCC16F-8F86-2AD4-82EB-3CFC59B711DD}"/>
+                  </a:ext>
+                </a:extLst>
+              </p:cNvPr>
+              <p:cNvGrpSpPr/>
+              <p:nvPr/>
+            </p:nvGrpSpPr>
+            <p:grpSpPr>
+              <a:xfrm>
+                <a:off x="2125532" y="3341747"/>
+                <a:ext cx="1440000" cy="1440000"/>
+                <a:chOff x="2125532" y="3415954"/>
+                <a:chExt cx="1440000" cy="1440000"/>
+              </a:xfrm>
+            </p:grpSpPr>
+            <p:sp>
+              <p:nvSpPr>
+                <p:cNvPr id="2" name="Oval 1">
+                  <a:extLst>
+                    <a:ext uri="{FF2B5EF4-FFF2-40B4-BE49-F238E27FC236}">
+                      <a16:creationId xmlns:a16="http://schemas.microsoft.com/office/drawing/2014/main" id="{B8007CBF-D165-ED46-EDFD-98441D072C26}"/>
+                    </a:ext>
+                  </a:extLst>
+                </p:cNvPr>
+                <p:cNvSpPr>
+                  <a:spLocks noChangeAspect="1"/>
+                </p:cNvSpPr>
+                <p:nvPr/>
+              </p:nvSpPr>
+              <p:spPr bwMode="auto">
+                <a:xfrm>
+                  <a:off x="2125532" y="3415954"/>
+                  <a:ext cx="1440000" cy="1440000"/>
+                </a:xfrm>
+                <a:prstGeom prst="ellipse">
+                  <a:avLst/>
+                </a:prstGeom>
+                <a:solidFill>
+                  <a:schemeClr val="accent1">
+                    <a:alpha val="50000"/>
+                  </a:schemeClr>
+                </a:solidFill>
+                <a:ln w="9525" cap="flat" cmpd="sng" algn="ctr">
+                  <a:noFill/>
+                  <a:prstDash val="solid"/>
+                  <a:round/>
+                  <a:headEnd type="none" w="med" len="med"/>
+                  <a:tailEnd type="none" w="med" len="med"/>
+                </a:ln>
+                <a:effectLst/>
+              </p:spPr>
+              <p:txBody>
+                <a:bodyPr vert="horz" wrap="square" lIns="91440" tIns="45720" rIns="91440" bIns="45720" numCol="1" rtlCol="0" anchor="t" anchorCtr="0" compatLnSpc="1">
+                  <a:prstTxWarp prst="textNoShape">
+                    <a:avLst/>
+                  </a:prstTxWarp>
+                </a:bodyPr>
+                <a:lstStyle/>
+                <a:p>
+                  <a:pPr marL="0" marR="0" indent="0" algn="l" defTabSz="914400" rtl="0" eaLnBrk="0" fontAlgn="base" latinLnBrk="0" hangingPunct="0">
+                    <a:lnSpc>
+                      <a:spcPct val="100000"/>
+                    </a:lnSpc>
+                    <a:spcBef>
+                      <a:spcPct val="0"/>
+                    </a:spcBef>
+                    <a:spcAft>
+                      <a:spcPct val="0"/>
+                    </a:spcAft>
+                    <a:buClrTx/>
+                    <a:buSzTx/>
+                    <a:buFontTx/>
+                    <a:buNone/>
+                    <a:tabLst/>
+                  </a:pPr>
+                  <a:endParaRPr kumimoji="0" lang="en-US" sz="2400" b="0" i="0" u="none" strike="noStrike" cap="none" normalizeH="0" baseline="0">
+                    <a:ln>
+                      <a:noFill/>
+                    </a:ln>
+                    <a:solidFill>
+                      <a:schemeClr val="tx1"/>
+                    </a:solidFill>
+                    <a:effectLst/>
+                    <a:latin typeface="Arial" charset="0"/>
+                    <a:ea typeface="ＭＳ Ｐゴシック" pitchFamily="20" charset="-128"/>
+                  </a:endParaRPr>
+                </a:p>
+              </p:txBody>
+            </p:sp>
+            <p:sp>
+              <p:nvSpPr>
+                <p:cNvPr id="7" name="Oval 6">
+                  <a:extLst>
+                    <a:ext uri="{FF2B5EF4-FFF2-40B4-BE49-F238E27FC236}">
+                      <a16:creationId xmlns:a16="http://schemas.microsoft.com/office/drawing/2014/main" id="{2E3234D1-C9A1-9D28-BA70-F1E3B59141A1}"/>
+                    </a:ext>
+                  </a:extLst>
+                </p:cNvPr>
+                <p:cNvSpPr>
+                  <a:spLocks noChangeAspect="1"/>
+                </p:cNvSpPr>
+                <p:nvPr/>
+              </p:nvSpPr>
+              <p:spPr>
+                <a:xfrm>
+                  <a:off x="2773532" y="4063954"/>
+                  <a:ext cx="144000" cy="144000"/>
+                </a:xfrm>
+                <a:prstGeom prst="ellipse">
+                  <a:avLst/>
+                </a:prstGeom>
+                <a:solidFill>
+                  <a:srgbClr val="FF7B11"/>
+                </a:solidFill>
+              </p:spPr>
+              <p:style>
+                <a:lnRef idx="2">
+                  <a:schemeClr val="accent1">
+                    <a:shade val="50000"/>
+                  </a:schemeClr>
+                </a:lnRef>
+                <a:fillRef idx="1">
+                  <a:schemeClr val="accent1"/>
+                </a:fillRef>
+                <a:effectRef idx="0">
+                  <a:schemeClr val="accent1"/>
+                </a:effectRef>
+                <a:fontRef idx="minor">
+                  <a:schemeClr val="lt1"/>
+                </a:fontRef>
+              </p:style>
+              <p:txBody>
+                <a:bodyPr rtlCol="0" anchor="ctr"/>
+                <a:lstStyle/>
+                <a:p>
+                  <a:pPr algn="ctr"/>
+                  <a:endParaRPr lang="en-GB"/>
+                </a:p>
+              </p:txBody>
+            </p:sp>
+          </p:grpSp>
+          <p:sp>
+            <p:nvSpPr>
+              <p:cNvPr id="11" name="Oval 10">
+                <a:extLst>
+                  <a:ext uri="{FF2B5EF4-FFF2-40B4-BE49-F238E27FC236}">
+                    <a16:creationId xmlns:a16="http://schemas.microsoft.com/office/drawing/2014/main" id="{C654F434-74BA-BD5C-8081-A5C28509C43B}"/>
+                  </a:ext>
+                </a:extLst>
+              </p:cNvPr>
+              <p:cNvSpPr>
+                <a:spLocks noChangeAspect="1"/>
+              </p:cNvSpPr>
+              <p:nvPr/>
+            </p:nvSpPr>
+            <p:spPr>
+              <a:xfrm>
+                <a:off x="2882894" y="4492120"/>
+                <a:ext cx="144000" cy="144000"/>
+              </a:xfrm>
+              <a:prstGeom prst="ellipse">
+                <a:avLst/>
+              </a:prstGeom>
+              <a:noFill/>
+              <a:ln>
+                <a:solidFill>
+                  <a:schemeClr val="tx1"/>
+                </a:solidFill>
+              </a:ln>
+            </p:spPr>
+            <p:style>
+              <a:lnRef idx="2">
+                <a:schemeClr val="accent1">
+                  <a:shade val="50000"/>
+                </a:schemeClr>
+              </a:lnRef>
+              <a:fillRef idx="1">
+                <a:schemeClr val="accent1"/>
+              </a:fillRef>
+              <a:effectRef idx="0">
+                <a:schemeClr val="accent1"/>
+              </a:effectRef>
+              <a:fontRef idx="minor">
+                <a:schemeClr val="lt1"/>
+              </a:fontRef>
+            </p:style>
+            <p:txBody>
+              <a:bodyPr rtlCol="0" anchor="ctr"/>
+              <a:lstStyle/>
+              <a:p>
+                <a:pPr algn="ctr"/>
+                <a:endParaRPr lang="en-GB"/>
+              </a:p>
+            </p:txBody>
+          </p:sp>
+          <p:sp>
+            <p:nvSpPr>
+              <p:cNvPr id="12" name="Oval 11">
+                <a:extLst>
+                  <a:ext uri="{FF2B5EF4-FFF2-40B4-BE49-F238E27FC236}">
+                    <a16:creationId xmlns:a16="http://schemas.microsoft.com/office/drawing/2014/main" id="{B6FBCF1A-47DC-6D0A-6DB7-6B45487B77F2}"/>
+                  </a:ext>
+                </a:extLst>
+              </p:cNvPr>
+              <p:cNvSpPr>
+                <a:spLocks noChangeAspect="1"/>
+              </p:cNvSpPr>
+              <p:nvPr/>
+            </p:nvSpPr>
+            <p:spPr>
+              <a:xfrm>
+                <a:off x="3180447" y="3847654"/>
+                <a:ext cx="144000" cy="144000"/>
+              </a:xfrm>
+              <a:prstGeom prst="ellipse">
+                <a:avLst/>
+              </a:prstGeom>
+              <a:noFill/>
+              <a:ln>
+                <a:solidFill>
+                  <a:schemeClr val="tx1"/>
+                </a:solidFill>
+              </a:ln>
+            </p:spPr>
+            <p:style>
+              <a:lnRef idx="2">
+                <a:schemeClr val="accent1">
+                  <a:shade val="50000"/>
+                </a:schemeClr>
+              </a:lnRef>
+              <a:fillRef idx="1">
+                <a:schemeClr val="accent1"/>
+              </a:fillRef>
+              <a:effectRef idx="0">
+                <a:schemeClr val="accent1"/>
+              </a:effectRef>
+              <a:fontRef idx="minor">
+                <a:schemeClr val="lt1"/>
+              </a:fontRef>
+            </p:style>
+            <p:txBody>
+              <a:bodyPr rtlCol="0" anchor="ctr"/>
+              <a:lstStyle/>
+              <a:p>
+                <a:pPr algn="ctr"/>
+                <a:endParaRPr lang="en-GB"/>
+              </a:p>
+            </p:txBody>
+          </p:sp>
+          <p:sp>
+            <p:nvSpPr>
+              <p:cNvPr id="13" name="Oval 12">
+                <a:extLst>
+                  <a:ext uri="{FF2B5EF4-FFF2-40B4-BE49-F238E27FC236}">
+                    <a16:creationId xmlns:a16="http://schemas.microsoft.com/office/drawing/2014/main" id="{D5DDEDB9-FD93-3595-2C2C-614F4C5F209C}"/>
+                  </a:ext>
+                </a:extLst>
+              </p:cNvPr>
+              <p:cNvSpPr>
+                <a:spLocks noChangeAspect="1"/>
+              </p:cNvSpPr>
+              <p:nvPr/>
+            </p:nvSpPr>
+            <p:spPr>
+              <a:xfrm>
+                <a:off x="2728060" y="3409108"/>
+                <a:ext cx="144000" cy="144000"/>
+              </a:xfrm>
+              <a:prstGeom prst="ellipse">
+                <a:avLst/>
+              </a:prstGeom>
+              <a:noFill/>
+              <a:ln>
+                <a:solidFill>
+                  <a:schemeClr val="tx1"/>
+                </a:solidFill>
+              </a:ln>
+            </p:spPr>
+            <p:style>
+              <a:lnRef idx="2">
+                <a:schemeClr val="accent1">
+                  <a:shade val="50000"/>
+                </a:schemeClr>
+              </a:lnRef>
+              <a:fillRef idx="1">
+                <a:schemeClr val="accent1"/>
+              </a:fillRef>
+              <a:effectRef idx="0">
+                <a:schemeClr val="accent1"/>
+              </a:effectRef>
+              <a:fontRef idx="minor">
+                <a:schemeClr val="lt1"/>
+              </a:fontRef>
+            </p:style>
+            <p:txBody>
+              <a:bodyPr rtlCol="0" anchor="ctr"/>
+              <a:lstStyle/>
+              <a:p>
+                <a:pPr algn="ctr"/>
+                <a:endParaRPr lang="en-GB"/>
+              </a:p>
+            </p:txBody>
+          </p:sp>
+          <p:sp>
+            <p:nvSpPr>
+              <p:cNvPr id="14" name="Oval 13">
+                <a:extLst>
+                  <a:ext uri="{FF2B5EF4-FFF2-40B4-BE49-F238E27FC236}">
+                    <a16:creationId xmlns:a16="http://schemas.microsoft.com/office/drawing/2014/main" id="{B1461BAA-1315-0538-9039-6EBC7EF96232}"/>
+                  </a:ext>
+                </a:extLst>
+              </p:cNvPr>
+              <p:cNvSpPr>
+                <a:spLocks noChangeAspect="1"/>
+              </p:cNvSpPr>
+              <p:nvPr/>
+            </p:nvSpPr>
+            <p:spPr>
+              <a:xfrm>
+                <a:off x="3180447" y="4186837"/>
+                <a:ext cx="144000" cy="144000"/>
+              </a:xfrm>
+              <a:prstGeom prst="ellipse">
+                <a:avLst/>
+              </a:prstGeom>
+              <a:noFill/>
+              <a:ln>
+                <a:solidFill>
+                  <a:schemeClr val="tx1"/>
+                </a:solidFill>
+              </a:ln>
+            </p:spPr>
+            <p:style>
+              <a:lnRef idx="2">
+                <a:schemeClr val="accent1">
+                  <a:shade val="50000"/>
+                </a:schemeClr>
+              </a:lnRef>
+              <a:fillRef idx="1">
+                <a:schemeClr val="accent1"/>
+              </a:fillRef>
+              <a:effectRef idx="0">
+                <a:schemeClr val="accent1"/>
+              </a:effectRef>
+              <a:fontRef idx="minor">
+                <a:schemeClr val="lt1"/>
+              </a:fontRef>
+            </p:style>
+            <p:txBody>
+              <a:bodyPr rtlCol="0" anchor="ctr"/>
+              <a:lstStyle/>
+              <a:p>
+                <a:pPr algn="ctr"/>
+                <a:endParaRPr lang="en-GB"/>
+              </a:p>
+            </p:txBody>
+          </p:sp>
+          <p:sp>
+            <p:nvSpPr>
+              <p:cNvPr id="15" name="Oval 14">
+                <a:extLst>
+                  <a:ext uri="{FF2B5EF4-FFF2-40B4-BE49-F238E27FC236}">
+                    <a16:creationId xmlns:a16="http://schemas.microsoft.com/office/drawing/2014/main" id="{B8C5B9EF-EB3B-BF37-2011-59D83A879567}"/>
+                  </a:ext>
+                </a:extLst>
+              </p:cNvPr>
+              <p:cNvSpPr>
+                <a:spLocks noChangeAspect="1"/>
+              </p:cNvSpPr>
+              <p:nvPr/>
+            </p:nvSpPr>
+            <p:spPr>
+              <a:xfrm>
+                <a:off x="2434174" y="3751425"/>
+                <a:ext cx="144000" cy="144000"/>
+              </a:xfrm>
+              <a:prstGeom prst="ellipse">
+                <a:avLst/>
+              </a:prstGeom>
+              <a:noFill/>
+              <a:ln>
+                <a:solidFill>
+                  <a:schemeClr val="tx1"/>
+                </a:solidFill>
+              </a:ln>
+            </p:spPr>
+            <p:style>
+              <a:lnRef idx="2">
+                <a:schemeClr val="accent1">
+                  <a:shade val="50000"/>
+                </a:schemeClr>
+              </a:lnRef>
+              <a:fillRef idx="1">
+                <a:schemeClr val="accent1"/>
+              </a:fillRef>
+              <a:effectRef idx="0">
+                <a:schemeClr val="accent1"/>
+              </a:effectRef>
+              <a:fontRef idx="minor">
+                <a:schemeClr val="lt1"/>
+              </a:fontRef>
+            </p:style>
+            <p:txBody>
+              <a:bodyPr rtlCol="0" anchor="ctr"/>
+              <a:lstStyle/>
+              <a:p>
+                <a:pPr algn="ctr"/>
+                <a:endParaRPr lang="en-GB"/>
+              </a:p>
+            </p:txBody>
+          </p:sp>
+          <p:sp>
+            <p:nvSpPr>
+              <p:cNvPr id="16" name="Oval 15">
+                <a:extLst>
+                  <a:ext uri="{FF2B5EF4-FFF2-40B4-BE49-F238E27FC236}">
+                    <a16:creationId xmlns:a16="http://schemas.microsoft.com/office/drawing/2014/main" id="{46D7ECBA-B5FA-7565-313C-45AA2F8E51F9}"/>
+                  </a:ext>
+                </a:extLst>
+              </p:cNvPr>
+              <p:cNvSpPr>
+                <a:spLocks noChangeAspect="1"/>
+              </p:cNvSpPr>
+              <p:nvPr/>
+            </p:nvSpPr>
+            <p:spPr>
+              <a:xfrm>
+                <a:off x="2414993" y="4231679"/>
+                <a:ext cx="144000" cy="144000"/>
+              </a:xfrm>
+              <a:prstGeom prst="ellipse">
+                <a:avLst/>
+              </a:prstGeom>
+              <a:noFill/>
+              <a:ln>
+                <a:solidFill>
+                  <a:schemeClr val="tx1"/>
+                </a:solidFill>
+              </a:ln>
+            </p:spPr>
+            <p:style>
+              <a:lnRef idx="2">
+                <a:schemeClr val="accent1">
+                  <a:shade val="50000"/>
+                </a:schemeClr>
+              </a:lnRef>
+              <a:fillRef idx="1">
+                <a:schemeClr val="accent1"/>
+              </a:fillRef>
+              <a:effectRef idx="0">
+                <a:schemeClr val="accent1"/>
+              </a:effectRef>
+              <a:fontRef idx="minor">
+                <a:schemeClr val="lt1"/>
+              </a:fontRef>
+            </p:style>
+            <p:txBody>
+              <a:bodyPr rtlCol="0" anchor="ctr"/>
+              <a:lstStyle/>
+              <a:p>
+                <a:pPr algn="ctr"/>
+                <a:endParaRPr lang="en-GB"/>
+              </a:p>
+            </p:txBody>
+          </p:sp>
+          <p:sp>
+            <p:nvSpPr>
+              <p:cNvPr id="17" name="Oval 16">
+                <a:extLst>
+                  <a:ext uri="{FF2B5EF4-FFF2-40B4-BE49-F238E27FC236}">
+                    <a16:creationId xmlns:a16="http://schemas.microsoft.com/office/drawing/2014/main" id="{9D8163AF-08AF-B9E2-03D8-21A670551C03}"/>
+                  </a:ext>
+                </a:extLst>
+              </p:cNvPr>
+              <p:cNvSpPr>
+                <a:spLocks noChangeAspect="1"/>
+              </p:cNvSpPr>
+              <p:nvPr/>
+            </p:nvSpPr>
+            <p:spPr>
+              <a:xfrm>
+                <a:off x="2344256" y="4613818"/>
+                <a:ext cx="144000" cy="144000"/>
+              </a:xfrm>
+              <a:prstGeom prst="ellipse">
+                <a:avLst/>
+              </a:prstGeom>
+              <a:noFill/>
+              <a:ln>
+                <a:solidFill>
+                  <a:schemeClr val="tx1"/>
+                </a:solidFill>
+              </a:ln>
+            </p:spPr>
+            <p:style>
+              <a:lnRef idx="2">
+                <a:schemeClr val="accent1">
+                  <a:shade val="50000"/>
+                </a:schemeClr>
+              </a:lnRef>
+              <a:fillRef idx="1">
+                <a:schemeClr val="accent1"/>
+              </a:fillRef>
+              <a:effectRef idx="0">
+                <a:schemeClr val="accent1"/>
+              </a:effectRef>
+              <a:fontRef idx="minor">
+                <a:schemeClr val="lt1"/>
+              </a:fontRef>
+            </p:style>
+            <p:txBody>
+              <a:bodyPr rtlCol="0" anchor="ctr"/>
+              <a:lstStyle/>
+              <a:p>
+                <a:pPr algn="ctr"/>
+                <a:endParaRPr lang="en-GB"/>
+              </a:p>
+            </p:txBody>
+          </p:sp>
+          <p:sp>
+            <p:nvSpPr>
+              <p:cNvPr id="18" name="Oval 17">
+                <a:extLst>
+                  <a:ext uri="{FF2B5EF4-FFF2-40B4-BE49-F238E27FC236}">
+                    <a16:creationId xmlns:a16="http://schemas.microsoft.com/office/drawing/2014/main" id="{BF8ED6FB-1FA4-AE9C-D4AA-DAFA75839006}"/>
+                  </a:ext>
+                </a:extLst>
+              </p:cNvPr>
+              <p:cNvSpPr>
+                <a:spLocks noChangeAspect="1"/>
+              </p:cNvSpPr>
+              <p:nvPr/>
+            </p:nvSpPr>
+            <p:spPr>
+              <a:xfrm>
+                <a:off x="3722668" y="3603261"/>
+                <a:ext cx="144000" cy="144000"/>
+              </a:xfrm>
+              <a:prstGeom prst="ellipse">
+                <a:avLst/>
+              </a:prstGeom>
+              <a:noFill/>
+              <a:ln>
+                <a:solidFill>
+                  <a:schemeClr val="tx1"/>
+                </a:solidFill>
+              </a:ln>
+            </p:spPr>
+            <p:style>
+              <a:lnRef idx="2">
+                <a:schemeClr val="accent1">
+                  <a:shade val="50000"/>
+                </a:schemeClr>
+              </a:lnRef>
+              <a:fillRef idx="1">
+                <a:schemeClr val="accent1"/>
+              </a:fillRef>
+              <a:effectRef idx="0">
+                <a:schemeClr val="accent1"/>
+              </a:effectRef>
+              <a:fontRef idx="minor">
+                <a:schemeClr val="lt1"/>
+              </a:fontRef>
+            </p:style>
+            <p:txBody>
+              <a:bodyPr rtlCol="0" anchor="ctr"/>
+              <a:lstStyle/>
+              <a:p>
+                <a:pPr algn="ctr"/>
+                <a:endParaRPr lang="en-GB"/>
+              </a:p>
+            </p:txBody>
+          </p:sp>
+          <p:sp>
+            <p:nvSpPr>
+              <p:cNvPr id="19" name="Oval 18">
+                <a:extLst>
+                  <a:ext uri="{FF2B5EF4-FFF2-40B4-BE49-F238E27FC236}">
+                    <a16:creationId xmlns:a16="http://schemas.microsoft.com/office/drawing/2014/main" id="{A4944F92-BFB8-015C-D2F2-BF14F5047678}"/>
+                  </a:ext>
+                </a:extLst>
+              </p:cNvPr>
+              <p:cNvSpPr>
+                <a:spLocks noChangeAspect="1"/>
+              </p:cNvSpPr>
+              <p:nvPr/>
+            </p:nvSpPr>
+            <p:spPr>
+              <a:xfrm>
+                <a:off x="3650668" y="4991101"/>
+                <a:ext cx="144000" cy="144000"/>
+              </a:xfrm>
+              <a:prstGeom prst="ellipse">
+                <a:avLst/>
+              </a:prstGeom>
+              <a:noFill/>
+              <a:ln>
+                <a:solidFill>
+                  <a:schemeClr val="tx1"/>
+                </a:solidFill>
+              </a:ln>
+            </p:spPr>
+            <p:style>
+              <a:lnRef idx="2">
+                <a:schemeClr val="accent1">
+                  <a:shade val="50000"/>
+                </a:schemeClr>
+              </a:lnRef>
+              <a:fillRef idx="1">
+                <a:schemeClr val="accent1"/>
+              </a:fillRef>
+              <a:effectRef idx="0">
+                <a:schemeClr val="accent1"/>
+              </a:effectRef>
+              <a:fontRef idx="minor">
+                <a:schemeClr val="lt1"/>
+              </a:fontRef>
+            </p:style>
+            <p:txBody>
+              <a:bodyPr rtlCol="0" anchor="ctr"/>
+              <a:lstStyle/>
+              <a:p>
+                <a:pPr algn="ctr"/>
+                <a:endParaRPr lang="en-GB"/>
+              </a:p>
+            </p:txBody>
+          </p:sp>
+          <p:sp>
+            <p:nvSpPr>
+              <p:cNvPr id="20" name="Oval 19">
+                <a:extLst>
+                  <a:ext uri="{FF2B5EF4-FFF2-40B4-BE49-F238E27FC236}">
+                    <a16:creationId xmlns:a16="http://schemas.microsoft.com/office/drawing/2014/main" id="{241829C8-1EF4-5C0A-D5EB-1BD25E782A3B}"/>
+                  </a:ext>
+                </a:extLst>
+              </p:cNvPr>
+              <p:cNvSpPr>
+                <a:spLocks noChangeAspect="1"/>
+              </p:cNvSpPr>
+              <p:nvPr/>
+            </p:nvSpPr>
+            <p:spPr>
+              <a:xfrm>
+                <a:off x="4189141" y="4295316"/>
+                <a:ext cx="144000" cy="144000"/>
+              </a:xfrm>
+              <a:prstGeom prst="ellipse">
+                <a:avLst/>
+              </a:prstGeom>
+              <a:noFill/>
+              <a:ln>
+                <a:solidFill>
+                  <a:schemeClr val="tx1"/>
+                </a:solidFill>
+              </a:ln>
+            </p:spPr>
+            <p:style>
+              <a:lnRef idx="2">
+                <a:schemeClr val="accent1">
+                  <a:shade val="50000"/>
+                </a:schemeClr>
+              </a:lnRef>
+              <a:fillRef idx="1">
+                <a:schemeClr val="accent1"/>
+              </a:fillRef>
+              <a:effectRef idx="0">
+                <a:schemeClr val="accent1"/>
+              </a:effectRef>
+              <a:fontRef idx="minor">
+                <a:schemeClr val="lt1"/>
+              </a:fontRef>
+            </p:style>
+            <p:txBody>
+              <a:bodyPr rtlCol="0" anchor="ctr"/>
+              <a:lstStyle/>
+              <a:p>
+                <a:pPr algn="ctr"/>
+                <a:endParaRPr lang="en-GB"/>
+              </a:p>
+            </p:txBody>
+          </p:sp>
+          <p:sp>
+            <p:nvSpPr>
+              <p:cNvPr id="21" name="Oval 20">
+                <a:extLst>
+                  <a:ext uri="{FF2B5EF4-FFF2-40B4-BE49-F238E27FC236}">
+                    <a16:creationId xmlns:a16="http://schemas.microsoft.com/office/drawing/2014/main" id="{470BFB9A-2864-6FDD-42F9-37B76DB1E5EF}"/>
+                  </a:ext>
+                </a:extLst>
+              </p:cNvPr>
+              <p:cNvSpPr>
+                <a:spLocks noChangeAspect="1"/>
+              </p:cNvSpPr>
+              <p:nvPr/>
+            </p:nvSpPr>
+            <p:spPr>
+              <a:xfrm>
+                <a:off x="1501923" y="4507435"/>
+                <a:ext cx="144000" cy="144000"/>
+              </a:xfrm>
+              <a:prstGeom prst="ellipse">
+                <a:avLst/>
+              </a:prstGeom>
+              <a:noFill/>
+              <a:ln>
+                <a:solidFill>
+                  <a:schemeClr val="tx1"/>
+                </a:solidFill>
+              </a:ln>
+            </p:spPr>
+            <p:style>
+              <a:lnRef idx="2">
+                <a:schemeClr val="accent1">
+                  <a:shade val="50000"/>
+                </a:schemeClr>
+              </a:lnRef>
+              <a:fillRef idx="1">
+                <a:schemeClr val="accent1"/>
+              </a:fillRef>
+              <a:effectRef idx="0">
+                <a:schemeClr val="accent1"/>
+              </a:effectRef>
+              <a:fontRef idx="minor">
+                <a:schemeClr val="lt1"/>
+              </a:fontRef>
+            </p:style>
+            <p:txBody>
+              <a:bodyPr rtlCol="0" anchor="ctr"/>
+              <a:lstStyle/>
+              <a:p>
+                <a:pPr algn="ctr"/>
+                <a:endParaRPr lang="en-GB"/>
+              </a:p>
+            </p:txBody>
+          </p:sp>
+          <p:sp>
+            <p:nvSpPr>
+              <p:cNvPr id="22" name="Oval 21">
+                <a:extLst>
+                  <a:ext uri="{FF2B5EF4-FFF2-40B4-BE49-F238E27FC236}">
+                    <a16:creationId xmlns:a16="http://schemas.microsoft.com/office/drawing/2014/main" id="{2E6B530F-88D4-54D4-63F2-E3A59FA704FC}"/>
+                  </a:ext>
+                </a:extLst>
+              </p:cNvPr>
+              <p:cNvSpPr>
+                <a:spLocks noChangeAspect="1"/>
+              </p:cNvSpPr>
+              <p:nvPr/>
+            </p:nvSpPr>
+            <p:spPr>
+              <a:xfrm>
+                <a:off x="2290174" y="5085850"/>
+                <a:ext cx="144000" cy="144000"/>
+              </a:xfrm>
+              <a:prstGeom prst="ellipse">
+                <a:avLst/>
+              </a:prstGeom>
+              <a:noFill/>
+              <a:ln>
+                <a:solidFill>
+                  <a:schemeClr val="tx1"/>
+                </a:solidFill>
+              </a:ln>
+            </p:spPr>
+            <p:style>
+              <a:lnRef idx="2">
+                <a:schemeClr val="accent1">
+                  <a:shade val="50000"/>
+                </a:schemeClr>
+              </a:lnRef>
+              <a:fillRef idx="1">
+                <a:schemeClr val="accent1"/>
+              </a:fillRef>
+              <a:effectRef idx="0">
+                <a:schemeClr val="accent1"/>
+              </a:effectRef>
+              <a:fontRef idx="minor">
+                <a:schemeClr val="lt1"/>
+              </a:fontRef>
+            </p:style>
+            <p:txBody>
+              <a:bodyPr rtlCol="0" anchor="ctr"/>
+              <a:lstStyle/>
+              <a:p>
+                <a:pPr algn="ctr"/>
+                <a:endParaRPr lang="en-GB"/>
+              </a:p>
+            </p:txBody>
+          </p:sp>
+          <p:sp>
+            <p:nvSpPr>
+              <p:cNvPr id="23" name="Oval 22">
+                <a:extLst>
+                  <a:ext uri="{FF2B5EF4-FFF2-40B4-BE49-F238E27FC236}">
+                    <a16:creationId xmlns:a16="http://schemas.microsoft.com/office/drawing/2014/main" id="{D459C30B-B633-442D-EC62-4599E51BDF1C}"/>
+                  </a:ext>
+                </a:extLst>
+              </p:cNvPr>
+              <p:cNvSpPr>
+                <a:spLocks noChangeAspect="1"/>
+              </p:cNvSpPr>
+              <p:nvPr/>
+            </p:nvSpPr>
+            <p:spPr>
+              <a:xfrm>
+                <a:off x="2845532" y="4980995"/>
+                <a:ext cx="144000" cy="144000"/>
+              </a:xfrm>
+              <a:prstGeom prst="ellipse">
+                <a:avLst/>
+              </a:prstGeom>
+              <a:noFill/>
+              <a:ln>
+                <a:solidFill>
+                  <a:schemeClr val="tx1"/>
+                </a:solidFill>
+              </a:ln>
+            </p:spPr>
+            <p:style>
+              <a:lnRef idx="2">
+                <a:schemeClr val="accent1">
+                  <a:shade val="50000"/>
+                </a:schemeClr>
+              </a:lnRef>
+              <a:fillRef idx="1">
+                <a:schemeClr val="accent1"/>
+              </a:fillRef>
+              <a:effectRef idx="0">
+                <a:schemeClr val="accent1"/>
+              </a:effectRef>
+              <a:fontRef idx="minor">
+                <a:schemeClr val="lt1"/>
+              </a:fontRef>
+            </p:style>
+            <p:txBody>
+              <a:bodyPr rtlCol="0" anchor="ctr"/>
+              <a:lstStyle/>
+              <a:p>
+                <a:pPr algn="ctr"/>
+                <a:endParaRPr lang="en-GB"/>
+              </a:p>
+            </p:txBody>
+          </p:sp>
+          <p:sp>
+            <p:nvSpPr>
+              <p:cNvPr id="24" name="Oval 23">
+                <a:extLst>
+                  <a:ext uri="{FF2B5EF4-FFF2-40B4-BE49-F238E27FC236}">
+                    <a16:creationId xmlns:a16="http://schemas.microsoft.com/office/drawing/2014/main" id="{B628CBDA-4FAD-D85E-BE31-5AF6888FDFFA}"/>
+                  </a:ext>
+                </a:extLst>
+              </p:cNvPr>
+              <p:cNvSpPr>
+                <a:spLocks noChangeAspect="1"/>
+              </p:cNvSpPr>
+              <p:nvPr/>
+            </p:nvSpPr>
+            <p:spPr>
+              <a:xfrm>
+                <a:off x="2125532" y="2842632"/>
+                <a:ext cx="144000" cy="144000"/>
+              </a:xfrm>
+              <a:prstGeom prst="ellipse">
+                <a:avLst/>
+              </a:prstGeom>
+              <a:noFill/>
+              <a:ln>
+                <a:solidFill>
+                  <a:schemeClr val="tx1"/>
+                </a:solidFill>
+              </a:ln>
+            </p:spPr>
+            <p:style>
+              <a:lnRef idx="2">
+                <a:schemeClr val="accent1">
+                  <a:shade val="50000"/>
+                </a:schemeClr>
+              </a:lnRef>
+              <a:fillRef idx="1">
+                <a:schemeClr val="accent1"/>
+              </a:fillRef>
+              <a:effectRef idx="0">
+                <a:schemeClr val="accent1"/>
+              </a:effectRef>
+              <a:fontRef idx="minor">
+                <a:schemeClr val="lt1"/>
+              </a:fontRef>
+            </p:style>
+            <p:txBody>
+              <a:bodyPr rtlCol="0" anchor="ctr"/>
+              <a:lstStyle/>
+              <a:p>
+                <a:pPr algn="ctr"/>
+                <a:endParaRPr lang="en-GB"/>
+              </a:p>
+            </p:txBody>
+          </p:sp>
+          <p:sp>
+            <p:nvSpPr>
+              <p:cNvPr id="25" name="Oval 24">
+                <a:extLst>
+                  <a:ext uri="{FF2B5EF4-FFF2-40B4-BE49-F238E27FC236}">
+                    <a16:creationId xmlns:a16="http://schemas.microsoft.com/office/drawing/2014/main" id="{D68CEB99-CEA3-B59E-8E00-D4E96C2CDCE7}"/>
+                  </a:ext>
+                </a:extLst>
+              </p:cNvPr>
+              <p:cNvSpPr>
+                <a:spLocks noChangeAspect="1"/>
+              </p:cNvSpPr>
+              <p:nvPr/>
+            </p:nvSpPr>
+            <p:spPr>
+              <a:xfrm>
+                <a:off x="1741728" y="3675261"/>
+                <a:ext cx="144000" cy="144000"/>
+              </a:xfrm>
+              <a:prstGeom prst="ellipse">
+                <a:avLst/>
+              </a:prstGeom>
+              <a:noFill/>
+              <a:ln>
+                <a:solidFill>
+                  <a:schemeClr val="tx1"/>
+                </a:solidFill>
+              </a:ln>
+            </p:spPr>
+            <p:style>
+              <a:lnRef idx="2">
+                <a:schemeClr val="accent1">
+                  <a:shade val="50000"/>
+                </a:schemeClr>
+              </a:lnRef>
+              <a:fillRef idx="1">
+                <a:schemeClr val="accent1"/>
+              </a:fillRef>
+              <a:effectRef idx="0">
+                <a:schemeClr val="accent1"/>
+              </a:effectRef>
+              <a:fontRef idx="minor">
+                <a:schemeClr val="lt1"/>
+              </a:fontRef>
+            </p:style>
+            <p:txBody>
+              <a:bodyPr rtlCol="0" anchor="ctr"/>
+              <a:lstStyle/>
+              <a:p>
+                <a:pPr algn="ctr"/>
+                <a:endParaRPr lang="en-GB"/>
+              </a:p>
+            </p:txBody>
+          </p:sp>
+          <p:sp>
+            <p:nvSpPr>
+              <p:cNvPr id="26" name="Oval 25">
+                <a:extLst>
+                  <a:ext uri="{FF2B5EF4-FFF2-40B4-BE49-F238E27FC236}">
+                    <a16:creationId xmlns:a16="http://schemas.microsoft.com/office/drawing/2014/main" id="{58C0AAA9-DEEA-A5EA-C754-83072EE2B9F5}"/>
+                  </a:ext>
+                </a:extLst>
+              </p:cNvPr>
+              <p:cNvSpPr>
+                <a:spLocks noChangeAspect="1"/>
+              </p:cNvSpPr>
+              <p:nvPr/>
+            </p:nvSpPr>
+            <p:spPr>
+              <a:xfrm>
+                <a:off x="2980536" y="2733908"/>
+                <a:ext cx="144000" cy="144000"/>
+              </a:xfrm>
+              <a:prstGeom prst="ellipse">
+                <a:avLst/>
+              </a:prstGeom>
+              <a:noFill/>
+              <a:ln>
+                <a:solidFill>
+                  <a:schemeClr val="tx1"/>
+                </a:solidFill>
+              </a:ln>
+            </p:spPr>
+            <p:style>
+              <a:lnRef idx="2">
+                <a:schemeClr val="accent1">
+                  <a:shade val="50000"/>
+                </a:schemeClr>
+              </a:lnRef>
+              <a:fillRef idx="1">
+                <a:schemeClr val="accent1"/>
+              </a:fillRef>
+              <a:effectRef idx="0">
+                <a:schemeClr val="accent1"/>
+              </a:effectRef>
+              <a:fontRef idx="minor">
+                <a:schemeClr val="lt1"/>
+              </a:fontRef>
+            </p:style>
+            <p:txBody>
+              <a:bodyPr rtlCol="0" anchor="ctr"/>
+              <a:lstStyle/>
+              <a:p>
+                <a:pPr algn="ctr"/>
+                <a:endParaRPr lang="en-GB"/>
+              </a:p>
+            </p:txBody>
+          </p:sp>
+          <p:sp>
+            <p:nvSpPr>
+              <p:cNvPr id="27" name="Oval 26">
+                <a:extLst>
+                  <a:ext uri="{FF2B5EF4-FFF2-40B4-BE49-F238E27FC236}">
+                    <a16:creationId xmlns:a16="http://schemas.microsoft.com/office/drawing/2014/main" id="{58675596-8E0F-5427-348A-CB8B3A05FC03}"/>
+                  </a:ext>
+                </a:extLst>
+              </p:cNvPr>
+              <p:cNvSpPr>
+                <a:spLocks noChangeAspect="1"/>
+              </p:cNvSpPr>
+              <p:nvPr/>
+            </p:nvSpPr>
+            <p:spPr>
+              <a:xfrm>
+                <a:off x="2773532" y="2430846"/>
+                <a:ext cx="144000" cy="144000"/>
+              </a:xfrm>
+              <a:prstGeom prst="ellipse">
+                <a:avLst/>
+              </a:prstGeom>
+              <a:noFill/>
+              <a:ln>
+                <a:solidFill>
+                  <a:schemeClr val="tx1"/>
+                </a:solidFill>
+              </a:ln>
+            </p:spPr>
+            <p:style>
+              <a:lnRef idx="2">
+                <a:schemeClr val="accent1">
+                  <a:shade val="50000"/>
+                </a:schemeClr>
+              </a:lnRef>
+              <a:fillRef idx="1">
+                <a:schemeClr val="accent1"/>
+              </a:fillRef>
+              <a:effectRef idx="0">
+                <a:schemeClr val="accent1"/>
+              </a:effectRef>
+              <a:fontRef idx="minor">
+                <a:schemeClr val="lt1"/>
+              </a:fontRef>
+            </p:style>
+            <p:txBody>
+              <a:bodyPr rtlCol="0" anchor="ctr"/>
+              <a:lstStyle/>
+              <a:p>
+                <a:pPr algn="ctr"/>
+                <a:endParaRPr lang="en-GB"/>
+              </a:p>
+            </p:txBody>
+          </p:sp>
+          <p:sp>
+            <p:nvSpPr>
+              <p:cNvPr id="28" name="Oval 27">
+                <a:extLst>
+                  <a:ext uri="{FF2B5EF4-FFF2-40B4-BE49-F238E27FC236}">
+                    <a16:creationId xmlns:a16="http://schemas.microsoft.com/office/drawing/2014/main" id="{BD662AF2-92E0-AED9-03BC-845A1FD228EA}"/>
+                  </a:ext>
+                </a:extLst>
+              </p:cNvPr>
+              <p:cNvSpPr>
+                <a:spLocks noChangeAspect="1"/>
+              </p:cNvSpPr>
+              <p:nvPr/>
+            </p:nvSpPr>
+            <p:spPr>
+              <a:xfrm>
+                <a:off x="4178894" y="2541398"/>
+                <a:ext cx="144000" cy="144000"/>
+              </a:xfrm>
+              <a:prstGeom prst="ellipse">
+                <a:avLst/>
+              </a:prstGeom>
+              <a:noFill/>
+              <a:ln>
+                <a:solidFill>
+                  <a:schemeClr val="tx1"/>
+                </a:solidFill>
+              </a:ln>
+            </p:spPr>
+            <p:style>
+              <a:lnRef idx="2">
+                <a:schemeClr val="accent1">
+                  <a:shade val="50000"/>
+                </a:schemeClr>
+              </a:lnRef>
+              <a:fillRef idx="1">
+                <a:schemeClr val="accent1"/>
+              </a:fillRef>
+              <a:effectRef idx="0">
+                <a:schemeClr val="accent1"/>
+              </a:effectRef>
+              <a:fontRef idx="minor">
+                <a:schemeClr val="lt1"/>
+              </a:fontRef>
+            </p:style>
+            <p:txBody>
+              <a:bodyPr rtlCol="0" anchor="ctr"/>
+              <a:lstStyle/>
+              <a:p>
+                <a:pPr algn="ctr"/>
+                <a:endParaRPr lang="en-GB"/>
+              </a:p>
+            </p:txBody>
+          </p:sp>
+          <p:sp>
+            <p:nvSpPr>
+              <p:cNvPr id="29" name="Oval 28">
+                <a:extLst>
+                  <a:ext uri="{FF2B5EF4-FFF2-40B4-BE49-F238E27FC236}">
+                    <a16:creationId xmlns:a16="http://schemas.microsoft.com/office/drawing/2014/main" id="{B080C646-83F3-69F4-C736-2801FCBBEA51}"/>
+                  </a:ext>
+                </a:extLst>
+              </p:cNvPr>
+              <p:cNvSpPr>
+                <a:spLocks noChangeAspect="1"/>
+              </p:cNvSpPr>
+              <p:nvPr/>
+            </p:nvSpPr>
+            <p:spPr>
+              <a:xfrm>
+                <a:off x="3565532" y="2949528"/>
+                <a:ext cx="144000" cy="144000"/>
+              </a:xfrm>
+              <a:prstGeom prst="ellipse">
+                <a:avLst/>
+              </a:prstGeom>
+              <a:noFill/>
+              <a:ln>
+                <a:solidFill>
+                  <a:schemeClr val="tx1"/>
+                </a:solidFill>
+              </a:ln>
+            </p:spPr>
+            <p:style>
+              <a:lnRef idx="2">
+                <a:schemeClr val="accent1">
+                  <a:shade val="50000"/>
+                </a:schemeClr>
+              </a:lnRef>
+              <a:fillRef idx="1">
+                <a:schemeClr val="accent1"/>
+              </a:fillRef>
+              <a:effectRef idx="0">
+                <a:schemeClr val="accent1"/>
+              </a:effectRef>
+              <a:fontRef idx="minor">
+                <a:schemeClr val="lt1"/>
+              </a:fontRef>
+            </p:style>
+            <p:txBody>
+              <a:bodyPr rtlCol="0" anchor="ctr"/>
+              <a:lstStyle/>
+              <a:p>
+                <a:pPr algn="ctr"/>
+                <a:endParaRPr lang="en-GB"/>
+              </a:p>
+            </p:txBody>
+          </p:sp>
+          <p:sp>
+            <p:nvSpPr>
+              <p:cNvPr id="30" name="Oval 29">
+                <a:extLst>
+                  <a:ext uri="{FF2B5EF4-FFF2-40B4-BE49-F238E27FC236}">
+                    <a16:creationId xmlns:a16="http://schemas.microsoft.com/office/drawing/2014/main" id="{C565E4E8-19AC-0FF4-72CA-DAFA15EC42FE}"/>
+                  </a:ext>
+                </a:extLst>
+              </p:cNvPr>
+              <p:cNvSpPr>
+                <a:spLocks noChangeAspect="1"/>
+              </p:cNvSpPr>
+              <p:nvPr/>
+            </p:nvSpPr>
+            <p:spPr>
+              <a:xfrm>
+                <a:off x="1496213" y="3021528"/>
+                <a:ext cx="144000" cy="144000"/>
+              </a:xfrm>
+              <a:prstGeom prst="ellipse">
+                <a:avLst/>
+              </a:prstGeom>
+              <a:noFill/>
+              <a:ln>
+                <a:solidFill>
+                  <a:schemeClr val="tx1"/>
+                </a:solidFill>
+              </a:ln>
+            </p:spPr>
+            <p:style>
+              <a:lnRef idx="2">
+                <a:schemeClr val="accent1">
+                  <a:shade val="50000"/>
+                </a:schemeClr>
+              </a:lnRef>
+              <a:fillRef idx="1">
+                <a:schemeClr val="accent1"/>
+              </a:fillRef>
+              <a:effectRef idx="0">
+                <a:schemeClr val="accent1"/>
+              </a:effectRef>
+              <a:fontRef idx="minor">
+                <a:schemeClr val="lt1"/>
+              </a:fontRef>
+            </p:style>
+            <p:txBody>
+              <a:bodyPr rtlCol="0" anchor="ctr"/>
+              <a:lstStyle/>
+              <a:p>
+                <a:pPr algn="ctr"/>
+                <a:endParaRPr lang="en-GB"/>
+              </a:p>
+            </p:txBody>
+          </p:sp>
+          <p:sp>
+            <p:nvSpPr>
+              <p:cNvPr id="31" name="Oval 30">
+                <a:extLst>
+                  <a:ext uri="{FF2B5EF4-FFF2-40B4-BE49-F238E27FC236}">
+                    <a16:creationId xmlns:a16="http://schemas.microsoft.com/office/drawing/2014/main" id="{EF98887B-17FB-4905-1913-C78BE4F8905C}"/>
+                  </a:ext>
+                </a:extLst>
+              </p:cNvPr>
+              <p:cNvSpPr>
+                <a:spLocks noChangeAspect="1"/>
+              </p:cNvSpPr>
+              <p:nvPr/>
+            </p:nvSpPr>
+            <p:spPr>
+              <a:xfrm>
+                <a:off x="2922220" y="3150846"/>
+                <a:ext cx="144000" cy="144000"/>
+              </a:xfrm>
+              <a:prstGeom prst="ellipse">
+                <a:avLst/>
+              </a:prstGeom>
+              <a:noFill/>
+              <a:ln>
+                <a:solidFill>
+                  <a:schemeClr val="tx1"/>
+                </a:solidFill>
+              </a:ln>
+            </p:spPr>
+            <p:style>
+              <a:lnRef idx="2">
+                <a:schemeClr val="accent1">
+                  <a:shade val="50000"/>
+                </a:schemeClr>
+              </a:lnRef>
+              <a:fillRef idx="1">
+                <a:schemeClr val="accent1"/>
+              </a:fillRef>
+              <a:effectRef idx="0">
+                <a:schemeClr val="accent1"/>
+              </a:effectRef>
+              <a:fontRef idx="minor">
+                <a:schemeClr val="lt1"/>
+              </a:fontRef>
+            </p:style>
+            <p:txBody>
+              <a:bodyPr rtlCol="0" anchor="ctr"/>
+              <a:lstStyle/>
+              <a:p>
+                <a:pPr algn="ctr"/>
+                <a:endParaRPr lang="en-GB"/>
+              </a:p>
+            </p:txBody>
+          </p:sp>
+        </p:grpSp>
+        <p:grpSp>
+          <p:nvGrpSpPr>
+            <p:cNvPr id="137" name="Group 136">
+              <a:extLst>
+                <a:ext uri="{FF2B5EF4-FFF2-40B4-BE49-F238E27FC236}">
+                  <a16:creationId xmlns:a16="http://schemas.microsoft.com/office/drawing/2014/main" id="{84898990-B7EA-F745-8B16-398140808DF6}"/>
+                </a:ext>
+              </a:extLst>
+            </p:cNvPr>
+            <p:cNvGrpSpPr/>
+            <p:nvPr/>
+          </p:nvGrpSpPr>
+          <p:grpSpPr>
+            <a:xfrm>
+              <a:off x="7440426" y="1925087"/>
+              <a:ext cx="3600000" cy="3600000"/>
+              <a:chOff x="5136809" y="1735218"/>
+              <a:chExt cx="3600000" cy="3600000"/>
+            </a:xfrm>
+          </p:grpSpPr>
+          <p:grpSp>
+            <p:nvGrpSpPr>
+              <p:cNvPr id="175" name="Group 174">
+                <a:extLst>
+                  <a:ext uri="{FF2B5EF4-FFF2-40B4-BE49-F238E27FC236}">
+                    <a16:creationId xmlns:a16="http://schemas.microsoft.com/office/drawing/2014/main" id="{CBDCA24B-27F9-161A-989A-E5B67FBFDD53}"/>
+                  </a:ext>
+                </a:extLst>
+              </p:cNvPr>
+              <p:cNvGrpSpPr/>
+              <p:nvPr/>
+            </p:nvGrpSpPr>
+            <p:grpSpPr>
+              <a:xfrm>
+                <a:off x="5136809" y="1735218"/>
+                <a:ext cx="3600000" cy="720000"/>
+                <a:chOff x="4627756" y="1260088"/>
+                <a:chExt cx="3600000" cy="720000"/>
+              </a:xfrm>
+            </p:grpSpPr>
+            <p:sp>
+              <p:nvSpPr>
+                <p:cNvPr id="200" name="Rectangle 199">
+                  <a:extLst>
+                    <a:ext uri="{FF2B5EF4-FFF2-40B4-BE49-F238E27FC236}">
+                      <a16:creationId xmlns:a16="http://schemas.microsoft.com/office/drawing/2014/main" id="{AC998F06-6883-4D44-A243-185A2ABD4B37}"/>
+                    </a:ext>
+                  </a:extLst>
+                </p:cNvPr>
+                <p:cNvSpPr>
+                  <a:spLocks noChangeAspect="1"/>
+                </p:cNvSpPr>
+                <p:nvPr/>
+              </p:nvSpPr>
+              <p:spPr>
+                <a:xfrm>
+                  <a:off x="4627756" y="1260088"/>
+                  <a:ext cx="720000" cy="720000"/>
+                </a:xfrm>
+                <a:prstGeom prst="rect">
+                  <a:avLst/>
+                </a:prstGeom>
+                <a:noFill/>
+              </p:spPr>
+              <p:style>
+                <a:lnRef idx="2">
+                  <a:schemeClr val="accent1">
+                    <a:shade val="50000"/>
+                  </a:schemeClr>
+                </a:lnRef>
+                <a:fillRef idx="1">
+                  <a:schemeClr val="accent1"/>
+                </a:fillRef>
+                <a:effectRef idx="0">
+                  <a:schemeClr val="accent1"/>
+                </a:effectRef>
+                <a:fontRef idx="minor">
+                  <a:schemeClr val="lt1"/>
+                </a:fontRef>
+              </p:style>
+              <p:txBody>
+                <a:bodyPr rtlCol="0" anchor="ctr"/>
+                <a:lstStyle/>
+                <a:p>
+                  <a:pPr algn="ctr"/>
+                  <a:endParaRPr lang="en-GB"/>
+                </a:p>
+              </p:txBody>
+            </p:sp>
+            <p:sp>
+              <p:nvSpPr>
+                <p:cNvPr id="201" name="Rectangle 200">
+                  <a:extLst>
+                    <a:ext uri="{FF2B5EF4-FFF2-40B4-BE49-F238E27FC236}">
+                      <a16:creationId xmlns:a16="http://schemas.microsoft.com/office/drawing/2014/main" id="{9D287DAD-7341-CBBB-D83F-3509158A49D9}"/>
+                    </a:ext>
+                  </a:extLst>
+                </p:cNvPr>
+                <p:cNvSpPr>
+                  <a:spLocks noChangeAspect="1"/>
+                </p:cNvSpPr>
+                <p:nvPr/>
+              </p:nvSpPr>
+              <p:spPr>
+                <a:xfrm>
+                  <a:off x="6067756" y="1260088"/>
+                  <a:ext cx="720000" cy="720000"/>
+                </a:xfrm>
+                <a:prstGeom prst="rect">
+                  <a:avLst/>
+                </a:prstGeom>
+                <a:noFill/>
+              </p:spPr>
+              <p:style>
+                <a:lnRef idx="2">
+                  <a:schemeClr val="accent1">
+                    <a:shade val="50000"/>
+                  </a:schemeClr>
+                </a:lnRef>
+                <a:fillRef idx="1">
+                  <a:schemeClr val="accent1"/>
+                </a:fillRef>
+                <a:effectRef idx="0">
+                  <a:schemeClr val="accent1"/>
+                </a:effectRef>
+                <a:fontRef idx="minor">
+                  <a:schemeClr val="lt1"/>
+                </a:fontRef>
+              </p:style>
+              <p:txBody>
+                <a:bodyPr rtlCol="0" anchor="ctr"/>
+                <a:lstStyle/>
+                <a:p>
+                  <a:pPr algn="ctr"/>
+                  <a:endParaRPr lang="en-GB"/>
+                </a:p>
+              </p:txBody>
+            </p:sp>
+            <p:sp>
+              <p:nvSpPr>
+                <p:cNvPr id="202" name="Rectangle 201">
+                  <a:extLst>
+                    <a:ext uri="{FF2B5EF4-FFF2-40B4-BE49-F238E27FC236}">
+                      <a16:creationId xmlns:a16="http://schemas.microsoft.com/office/drawing/2014/main" id="{F41D6B38-FC15-8499-C672-904AE906DCA9}"/>
+                    </a:ext>
+                  </a:extLst>
+                </p:cNvPr>
+                <p:cNvSpPr>
+                  <a:spLocks noChangeAspect="1"/>
+                </p:cNvSpPr>
+                <p:nvPr/>
+              </p:nvSpPr>
+              <p:spPr>
+                <a:xfrm>
+                  <a:off x="5347756" y="1260088"/>
+                  <a:ext cx="720000" cy="720000"/>
+                </a:xfrm>
+                <a:prstGeom prst="rect">
+                  <a:avLst/>
+                </a:prstGeom>
+                <a:noFill/>
+              </p:spPr>
+              <p:style>
+                <a:lnRef idx="2">
+                  <a:schemeClr val="accent1">
+                    <a:shade val="50000"/>
+                  </a:schemeClr>
+                </a:lnRef>
+                <a:fillRef idx="1">
+                  <a:schemeClr val="accent1"/>
+                </a:fillRef>
+                <a:effectRef idx="0">
+                  <a:schemeClr val="accent1"/>
+                </a:effectRef>
+                <a:fontRef idx="minor">
+                  <a:schemeClr val="lt1"/>
+                </a:fontRef>
+              </p:style>
+              <p:txBody>
+                <a:bodyPr rtlCol="0" anchor="ctr"/>
+                <a:lstStyle/>
+                <a:p>
+                  <a:pPr algn="ctr"/>
+                  <a:endParaRPr lang="en-GB"/>
+                </a:p>
+              </p:txBody>
+            </p:sp>
+            <p:sp>
+              <p:nvSpPr>
+                <p:cNvPr id="203" name="Rectangle 202">
+                  <a:extLst>
+                    <a:ext uri="{FF2B5EF4-FFF2-40B4-BE49-F238E27FC236}">
+                      <a16:creationId xmlns:a16="http://schemas.microsoft.com/office/drawing/2014/main" id="{969CB4A9-B86E-5229-94A3-F9A5CC784835}"/>
+                    </a:ext>
+                  </a:extLst>
+                </p:cNvPr>
+                <p:cNvSpPr>
+                  <a:spLocks noChangeAspect="1"/>
+                </p:cNvSpPr>
+                <p:nvPr/>
+              </p:nvSpPr>
+              <p:spPr>
+                <a:xfrm>
+                  <a:off x="6787756" y="1260088"/>
+                  <a:ext cx="720000" cy="720000"/>
+                </a:xfrm>
+                <a:prstGeom prst="rect">
+                  <a:avLst/>
+                </a:prstGeom>
+                <a:noFill/>
+              </p:spPr>
+              <p:style>
+                <a:lnRef idx="2">
+                  <a:schemeClr val="accent1">
+                    <a:shade val="50000"/>
+                  </a:schemeClr>
+                </a:lnRef>
+                <a:fillRef idx="1">
+                  <a:schemeClr val="accent1"/>
+                </a:fillRef>
+                <a:effectRef idx="0">
+                  <a:schemeClr val="accent1"/>
+                </a:effectRef>
+                <a:fontRef idx="minor">
+                  <a:schemeClr val="lt1"/>
+                </a:fontRef>
+              </p:style>
+              <p:txBody>
+                <a:bodyPr rtlCol="0" anchor="ctr"/>
+                <a:lstStyle/>
+                <a:p>
+                  <a:pPr algn="ctr"/>
+                  <a:endParaRPr lang="en-GB"/>
+                </a:p>
+              </p:txBody>
+            </p:sp>
+            <p:sp>
+              <p:nvSpPr>
+                <p:cNvPr id="204" name="Rectangle 203">
+                  <a:extLst>
+                    <a:ext uri="{FF2B5EF4-FFF2-40B4-BE49-F238E27FC236}">
+                      <a16:creationId xmlns:a16="http://schemas.microsoft.com/office/drawing/2014/main" id="{CA0026D8-BCA3-BF0D-DD17-7871D08F11EC}"/>
+                    </a:ext>
+                  </a:extLst>
+                </p:cNvPr>
+                <p:cNvSpPr>
+                  <a:spLocks noChangeAspect="1"/>
+                </p:cNvSpPr>
+                <p:nvPr/>
+              </p:nvSpPr>
+              <p:spPr>
+                <a:xfrm>
+                  <a:off x="7507756" y="1260088"/>
+                  <a:ext cx="720000" cy="720000"/>
+                </a:xfrm>
+                <a:prstGeom prst="rect">
+                  <a:avLst/>
+                </a:prstGeom>
+                <a:noFill/>
+              </p:spPr>
+              <p:style>
+                <a:lnRef idx="2">
+                  <a:schemeClr val="accent1">
+                    <a:shade val="50000"/>
+                  </a:schemeClr>
+                </a:lnRef>
+                <a:fillRef idx="1">
+                  <a:schemeClr val="accent1"/>
+                </a:fillRef>
+                <a:effectRef idx="0">
+                  <a:schemeClr val="accent1"/>
+                </a:effectRef>
+                <a:fontRef idx="minor">
+                  <a:schemeClr val="lt1"/>
+                </a:fontRef>
+              </p:style>
+              <p:txBody>
+                <a:bodyPr rtlCol="0" anchor="ctr"/>
+                <a:lstStyle/>
+                <a:p>
+                  <a:pPr algn="ctr"/>
+                  <a:endParaRPr lang="en-GB"/>
+                </a:p>
+              </p:txBody>
+            </p:sp>
+          </p:grpSp>
+          <p:grpSp>
+            <p:nvGrpSpPr>
+              <p:cNvPr id="176" name="Group 175">
+                <a:extLst>
+                  <a:ext uri="{FF2B5EF4-FFF2-40B4-BE49-F238E27FC236}">
+                    <a16:creationId xmlns:a16="http://schemas.microsoft.com/office/drawing/2014/main" id="{445CD8E3-2EA6-0CF3-D26D-E06B7CB0CC80}"/>
+                  </a:ext>
+                </a:extLst>
+              </p:cNvPr>
+              <p:cNvGrpSpPr/>
+              <p:nvPr/>
+            </p:nvGrpSpPr>
+            <p:grpSpPr>
+              <a:xfrm>
+                <a:off x="5136809" y="4615218"/>
+                <a:ext cx="3600000" cy="720000"/>
+                <a:chOff x="4627756" y="1260088"/>
+                <a:chExt cx="3600000" cy="720000"/>
+              </a:xfrm>
+            </p:grpSpPr>
+            <p:sp>
+              <p:nvSpPr>
+                <p:cNvPr id="195" name="Rectangle 194">
+                  <a:extLst>
+                    <a:ext uri="{FF2B5EF4-FFF2-40B4-BE49-F238E27FC236}">
+                      <a16:creationId xmlns:a16="http://schemas.microsoft.com/office/drawing/2014/main" id="{ECEBCFA2-635B-94A4-8343-0B73CE1961F5}"/>
+                    </a:ext>
+                  </a:extLst>
+                </p:cNvPr>
+                <p:cNvSpPr>
+                  <a:spLocks noChangeAspect="1"/>
+                </p:cNvSpPr>
+                <p:nvPr/>
+              </p:nvSpPr>
+              <p:spPr>
+                <a:xfrm>
+                  <a:off x="4627756" y="1260088"/>
+                  <a:ext cx="720000" cy="720000"/>
+                </a:xfrm>
+                <a:prstGeom prst="rect">
+                  <a:avLst/>
+                </a:prstGeom>
+                <a:noFill/>
+              </p:spPr>
+              <p:style>
+                <a:lnRef idx="2">
+                  <a:schemeClr val="accent1">
+                    <a:shade val="50000"/>
+                  </a:schemeClr>
+                </a:lnRef>
+                <a:fillRef idx="1">
+                  <a:schemeClr val="accent1"/>
+                </a:fillRef>
+                <a:effectRef idx="0">
+                  <a:schemeClr val="accent1"/>
+                </a:effectRef>
+                <a:fontRef idx="minor">
+                  <a:schemeClr val="lt1"/>
+                </a:fontRef>
+              </p:style>
+              <p:txBody>
+                <a:bodyPr rtlCol="0" anchor="ctr"/>
+                <a:lstStyle/>
+                <a:p>
+                  <a:pPr algn="ctr"/>
+                  <a:endParaRPr lang="en-GB"/>
+                </a:p>
+              </p:txBody>
+            </p:sp>
+            <p:sp>
+              <p:nvSpPr>
+                <p:cNvPr id="196" name="Rectangle 195">
+                  <a:extLst>
+                    <a:ext uri="{FF2B5EF4-FFF2-40B4-BE49-F238E27FC236}">
+                      <a16:creationId xmlns:a16="http://schemas.microsoft.com/office/drawing/2014/main" id="{FCF30FE6-34D7-6C92-0C4A-9BAE7394DDE2}"/>
+                    </a:ext>
+                  </a:extLst>
+                </p:cNvPr>
+                <p:cNvSpPr>
+                  <a:spLocks noChangeAspect="1"/>
+                </p:cNvSpPr>
+                <p:nvPr/>
+              </p:nvSpPr>
+              <p:spPr>
+                <a:xfrm>
+                  <a:off x="6067756" y="1260088"/>
+                  <a:ext cx="720000" cy="720000"/>
+                </a:xfrm>
+                <a:prstGeom prst="rect">
+                  <a:avLst/>
+                </a:prstGeom>
+                <a:noFill/>
+              </p:spPr>
+              <p:style>
+                <a:lnRef idx="2">
+                  <a:schemeClr val="accent1">
+                    <a:shade val="50000"/>
+                  </a:schemeClr>
+                </a:lnRef>
+                <a:fillRef idx="1">
+                  <a:schemeClr val="accent1"/>
+                </a:fillRef>
+                <a:effectRef idx="0">
+                  <a:schemeClr val="accent1"/>
+                </a:effectRef>
+                <a:fontRef idx="minor">
+                  <a:schemeClr val="lt1"/>
+                </a:fontRef>
+              </p:style>
+              <p:txBody>
+                <a:bodyPr rtlCol="0" anchor="ctr"/>
+                <a:lstStyle/>
+                <a:p>
+                  <a:pPr algn="ctr"/>
+                  <a:endParaRPr lang="en-GB"/>
+                </a:p>
+              </p:txBody>
+            </p:sp>
+            <p:sp>
+              <p:nvSpPr>
+                <p:cNvPr id="197" name="Rectangle 196">
+                  <a:extLst>
+                    <a:ext uri="{FF2B5EF4-FFF2-40B4-BE49-F238E27FC236}">
+                      <a16:creationId xmlns:a16="http://schemas.microsoft.com/office/drawing/2014/main" id="{E9B568F3-3F36-9E84-8155-E11CB962C0B1}"/>
+                    </a:ext>
+                  </a:extLst>
+                </p:cNvPr>
+                <p:cNvSpPr>
+                  <a:spLocks noChangeAspect="1"/>
+                </p:cNvSpPr>
+                <p:nvPr/>
+              </p:nvSpPr>
+              <p:spPr>
+                <a:xfrm>
+                  <a:off x="5347756" y="1260088"/>
+                  <a:ext cx="720000" cy="720000"/>
+                </a:xfrm>
+                <a:prstGeom prst="rect">
+                  <a:avLst/>
+                </a:prstGeom>
+                <a:noFill/>
+              </p:spPr>
+              <p:style>
+                <a:lnRef idx="2">
+                  <a:schemeClr val="accent1">
+                    <a:shade val="50000"/>
+                  </a:schemeClr>
+                </a:lnRef>
+                <a:fillRef idx="1">
+                  <a:schemeClr val="accent1"/>
+                </a:fillRef>
+                <a:effectRef idx="0">
+                  <a:schemeClr val="accent1"/>
+                </a:effectRef>
+                <a:fontRef idx="minor">
+                  <a:schemeClr val="lt1"/>
+                </a:fontRef>
+              </p:style>
+              <p:txBody>
+                <a:bodyPr rtlCol="0" anchor="ctr"/>
+                <a:lstStyle/>
+                <a:p>
+                  <a:pPr algn="ctr"/>
+                  <a:endParaRPr lang="en-GB"/>
+                </a:p>
+              </p:txBody>
+            </p:sp>
+            <p:sp>
+              <p:nvSpPr>
+                <p:cNvPr id="198" name="Rectangle 197">
+                  <a:extLst>
+                    <a:ext uri="{FF2B5EF4-FFF2-40B4-BE49-F238E27FC236}">
+                      <a16:creationId xmlns:a16="http://schemas.microsoft.com/office/drawing/2014/main" id="{CF1AF532-45B9-EA04-E448-3CA8E466932A}"/>
+                    </a:ext>
+                  </a:extLst>
+                </p:cNvPr>
+                <p:cNvSpPr>
+                  <a:spLocks noChangeAspect="1"/>
+                </p:cNvSpPr>
+                <p:nvPr/>
+              </p:nvSpPr>
+              <p:spPr>
+                <a:xfrm>
+                  <a:off x="6787756" y="1260088"/>
+                  <a:ext cx="720000" cy="720000"/>
+                </a:xfrm>
+                <a:prstGeom prst="rect">
+                  <a:avLst/>
+                </a:prstGeom>
+                <a:noFill/>
+              </p:spPr>
+              <p:style>
+                <a:lnRef idx="2">
+                  <a:schemeClr val="accent1">
+                    <a:shade val="50000"/>
+                  </a:schemeClr>
+                </a:lnRef>
+                <a:fillRef idx="1">
+                  <a:schemeClr val="accent1"/>
+                </a:fillRef>
+                <a:effectRef idx="0">
+                  <a:schemeClr val="accent1"/>
+                </a:effectRef>
+                <a:fontRef idx="minor">
+                  <a:schemeClr val="lt1"/>
+                </a:fontRef>
+              </p:style>
+              <p:txBody>
+                <a:bodyPr rtlCol="0" anchor="ctr"/>
+                <a:lstStyle/>
+                <a:p>
+                  <a:pPr algn="ctr"/>
+                  <a:endParaRPr lang="en-GB"/>
+                </a:p>
+              </p:txBody>
+            </p:sp>
+            <p:sp>
+              <p:nvSpPr>
+                <p:cNvPr id="199" name="Rectangle 198">
+                  <a:extLst>
+                    <a:ext uri="{FF2B5EF4-FFF2-40B4-BE49-F238E27FC236}">
+                      <a16:creationId xmlns:a16="http://schemas.microsoft.com/office/drawing/2014/main" id="{2344C1B6-C9A1-97A9-BC95-646F20615DE1}"/>
+                    </a:ext>
+                  </a:extLst>
+                </p:cNvPr>
+                <p:cNvSpPr>
+                  <a:spLocks noChangeAspect="1"/>
+                </p:cNvSpPr>
+                <p:nvPr/>
+              </p:nvSpPr>
+              <p:spPr>
+                <a:xfrm>
+                  <a:off x="7507756" y="1260088"/>
+                  <a:ext cx="720000" cy="720000"/>
+                </a:xfrm>
+                <a:prstGeom prst="rect">
+                  <a:avLst/>
+                </a:prstGeom>
+                <a:noFill/>
+              </p:spPr>
+              <p:style>
+                <a:lnRef idx="2">
+                  <a:schemeClr val="accent1">
+                    <a:shade val="50000"/>
+                  </a:schemeClr>
+                </a:lnRef>
+                <a:fillRef idx="1">
+                  <a:schemeClr val="accent1"/>
+                </a:fillRef>
+                <a:effectRef idx="0">
+                  <a:schemeClr val="accent1"/>
+                </a:effectRef>
+                <a:fontRef idx="minor">
+                  <a:schemeClr val="lt1"/>
+                </a:fontRef>
+              </p:style>
+              <p:txBody>
+                <a:bodyPr rtlCol="0" anchor="ctr"/>
+                <a:lstStyle/>
+                <a:p>
+                  <a:pPr algn="ctr"/>
+                  <a:endParaRPr lang="en-GB"/>
+                </a:p>
+              </p:txBody>
+            </p:sp>
+          </p:grpSp>
+          <p:grpSp>
+            <p:nvGrpSpPr>
+              <p:cNvPr id="177" name="Group 176">
+                <a:extLst>
+                  <a:ext uri="{FF2B5EF4-FFF2-40B4-BE49-F238E27FC236}">
+                    <a16:creationId xmlns:a16="http://schemas.microsoft.com/office/drawing/2014/main" id="{93D6E7F3-55A6-8E92-D40C-20C8A3724793}"/>
+                  </a:ext>
+                </a:extLst>
+              </p:cNvPr>
+              <p:cNvGrpSpPr/>
+              <p:nvPr/>
+            </p:nvGrpSpPr>
+            <p:grpSpPr>
+              <a:xfrm>
+                <a:off x="5136809" y="3895218"/>
+                <a:ext cx="3600000" cy="720000"/>
+                <a:chOff x="4627756" y="1260088"/>
+                <a:chExt cx="3600000" cy="720000"/>
+              </a:xfrm>
+            </p:grpSpPr>
+            <p:sp>
+              <p:nvSpPr>
+                <p:cNvPr id="190" name="Rectangle 189">
+                  <a:extLst>
+                    <a:ext uri="{FF2B5EF4-FFF2-40B4-BE49-F238E27FC236}">
+                      <a16:creationId xmlns:a16="http://schemas.microsoft.com/office/drawing/2014/main" id="{9E54BB3D-2854-0CF7-4ED3-52DFA78434F9}"/>
+                    </a:ext>
+                  </a:extLst>
+                </p:cNvPr>
+                <p:cNvSpPr>
+                  <a:spLocks noChangeAspect="1"/>
+                </p:cNvSpPr>
+                <p:nvPr/>
+              </p:nvSpPr>
+              <p:spPr>
+                <a:xfrm>
+                  <a:off x="4627756" y="1260088"/>
+                  <a:ext cx="720000" cy="720000"/>
+                </a:xfrm>
+                <a:prstGeom prst="rect">
+                  <a:avLst/>
+                </a:prstGeom>
+                <a:noFill/>
+              </p:spPr>
+              <p:style>
+                <a:lnRef idx="2">
+                  <a:schemeClr val="accent1">
+                    <a:shade val="50000"/>
+                  </a:schemeClr>
+                </a:lnRef>
+                <a:fillRef idx="1">
+                  <a:schemeClr val="accent1"/>
+                </a:fillRef>
+                <a:effectRef idx="0">
+                  <a:schemeClr val="accent1"/>
+                </a:effectRef>
+                <a:fontRef idx="minor">
+                  <a:schemeClr val="lt1"/>
+                </a:fontRef>
+              </p:style>
+              <p:txBody>
+                <a:bodyPr rtlCol="0" anchor="ctr"/>
+                <a:lstStyle/>
+                <a:p>
+                  <a:pPr algn="ctr"/>
+                  <a:endParaRPr lang="en-GB"/>
+                </a:p>
+              </p:txBody>
+            </p:sp>
+            <p:sp>
+              <p:nvSpPr>
+                <p:cNvPr id="191" name="Rectangle 190">
+                  <a:extLst>
+                    <a:ext uri="{FF2B5EF4-FFF2-40B4-BE49-F238E27FC236}">
+                      <a16:creationId xmlns:a16="http://schemas.microsoft.com/office/drawing/2014/main" id="{02A42E79-A08F-0C43-377E-C52C3A1018E9}"/>
+                    </a:ext>
+                  </a:extLst>
+                </p:cNvPr>
+                <p:cNvSpPr>
+                  <a:spLocks noChangeAspect="1"/>
+                </p:cNvSpPr>
+                <p:nvPr/>
+              </p:nvSpPr>
+              <p:spPr>
+                <a:xfrm>
+                  <a:off x="6067756" y="1260088"/>
+                  <a:ext cx="720000" cy="720000"/>
+                </a:xfrm>
+                <a:prstGeom prst="rect">
+                  <a:avLst/>
+                </a:prstGeom>
+                <a:noFill/>
+              </p:spPr>
+              <p:style>
+                <a:lnRef idx="2">
+                  <a:schemeClr val="accent1">
+                    <a:shade val="50000"/>
+                  </a:schemeClr>
+                </a:lnRef>
+                <a:fillRef idx="1">
+                  <a:schemeClr val="accent1"/>
+                </a:fillRef>
+                <a:effectRef idx="0">
+                  <a:schemeClr val="accent1"/>
+                </a:effectRef>
+                <a:fontRef idx="minor">
+                  <a:schemeClr val="lt1"/>
+                </a:fontRef>
+              </p:style>
+              <p:txBody>
+                <a:bodyPr rtlCol="0" anchor="ctr"/>
+                <a:lstStyle/>
+                <a:p>
+                  <a:pPr algn="ctr"/>
+                  <a:endParaRPr lang="en-GB"/>
+                </a:p>
+              </p:txBody>
+            </p:sp>
+            <p:sp>
+              <p:nvSpPr>
+                <p:cNvPr id="192" name="Rectangle 191">
+                  <a:extLst>
+                    <a:ext uri="{FF2B5EF4-FFF2-40B4-BE49-F238E27FC236}">
+                      <a16:creationId xmlns:a16="http://schemas.microsoft.com/office/drawing/2014/main" id="{3C69DE2B-FDD4-564A-DBF4-0BFF6708B95F}"/>
+                    </a:ext>
+                  </a:extLst>
+                </p:cNvPr>
+                <p:cNvSpPr>
+                  <a:spLocks noChangeAspect="1"/>
+                </p:cNvSpPr>
+                <p:nvPr/>
+              </p:nvSpPr>
+              <p:spPr>
+                <a:xfrm>
+                  <a:off x="5347756" y="1260088"/>
+                  <a:ext cx="720000" cy="720000"/>
+                </a:xfrm>
+                <a:prstGeom prst="rect">
+                  <a:avLst/>
+                </a:prstGeom>
+                <a:noFill/>
+              </p:spPr>
+              <p:style>
+                <a:lnRef idx="2">
+                  <a:schemeClr val="accent1">
+                    <a:shade val="50000"/>
+                  </a:schemeClr>
+                </a:lnRef>
+                <a:fillRef idx="1">
+                  <a:schemeClr val="accent1"/>
+                </a:fillRef>
+                <a:effectRef idx="0">
+                  <a:schemeClr val="accent1"/>
+                </a:effectRef>
+                <a:fontRef idx="minor">
+                  <a:schemeClr val="lt1"/>
+                </a:fontRef>
+              </p:style>
+              <p:txBody>
+                <a:bodyPr rtlCol="0" anchor="ctr"/>
+                <a:lstStyle/>
+                <a:p>
+                  <a:pPr algn="ctr"/>
+                  <a:endParaRPr lang="en-GB"/>
+                </a:p>
+              </p:txBody>
+            </p:sp>
+            <p:sp>
+              <p:nvSpPr>
+                <p:cNvPr id="193" name="Rectangle 192">
+                  <a:extLst>
+                    <a:ext uri="{FF2B5EF4-FFF2-40B4-BE49-F238E27FC236}">
+                      <a16:creationId xmlns:a16="http://schemas.microsoft.com/office/drawing/2014/main" id="{7073CF7B-0167-A5D7-44BE-F88A96B03CB7}"/>
+                    </a:ext>
+                  </a:extLst>
+                </p:cNvPr>
+                <p:cNvSpPr>
+                  <a:spLocks noChangeAspect="1"/>
+                </p:cNvSpPr>
+                <p:nvPr/>
+              </p:nvSpPr>
+              <p:spPr>
+                <a:xfrm>
+                  <a:off x="6787756" y="1260088"/>
+                  <a:ext cx="720000" cy="720000"/>
+                </a:xfrm>
+                <a:prstGeom prst="rect">
+                  <a:avLst/>
+                </a:prstGeom>
+                <a:noFill/>
+              </p:spPr>
+              <p:style>
+                <a:lnRef idx="2">
+                  <a:schemeClr val="accent1">
+                    <a:shade val="50000"/>
+                  </a:schemeClr>
+                </a:lnRef>
+                <a:fillRef idx="1">
+                  <a:schemeClr val="accent1"/>
+                </a:fillRef>
+                <a:effectRef idx="0">
+                  <a:schemeClr val="accent1"/>
+                </a:effectRef>
+                <a:fontRef idx="minor">
+                  <a:schemeClr val="lt1"/>
+                </a:fontRef>
+              </p:style>
+              <p:txBody>
+                <a:bodyPr rtlCol="0" anchor="ctr"/>
+                <a:lstStyle/>
+                <a:p>
+                  <a:pPr algn="ctr"/>
+                  <a:endParaRPr lang="en-GB"/>
+                </a:p>
+              </p:txBody>
+            </p:sp>
+            <p:sp>
+              <p:nvSpPr>
+                <p:cNvPr id="194" name="Rectangle 193">
+                  <a:extLst>
+                    <a:ext uri="{FF2B5EF4-FFF2-40B4-BE49-F238E27FC236}">
+                      <a16:creationId xmlns:a16="http://schemas.microsoft.com/office/drawing/2014/main" id="{A62928F5-9C0F-36CA-A915-DBD679B421BB}"/>
+                    </a:ext>
+                  </a:extLst>
+                </p:cNvPr>
+                <p:cNvSpPr>
+                  <a:spLocks noChangeAspect="1"/>
+                </p:cNvSpPr>
+                <p:nvPr/>
+              </p:nvSpPr>
+              <p:spPr>
+                <a:xfrm>
+                  <a:off x="7507756" y="1260088"/>
+                  <a:ext cx="720000" cy="720000"/>
+                </a:xfrm>
+                <a:prstGeom prst="rect">
+                  <a:avLst/>
+                </a:prstGeom>
+                <a:noFill/>
+              </p:spPr>
+              <p:style>
+                <a:lnRef idx="2">
+                  <a:schemeClr val="accent1">
+                    <a:shade val="50000"/>
+                  </a:schemeClr>
+                </a:lnRef>
+                <a:fillRef idx="1">
+                  <a:schemeClr val="accent1"/>
+                </a:fillRef>
+                <a:effectRef idx="0">
+                  <a:schemeClr val="accent1"/>
+                </a:effectRef>
+                <a:fontRef idx="minor">
+                  <a:schemeClr val="lt1"/>
+                </a:fontRef>
+              </p:style>
+              <p:txBody>
+                <a:bodyPr rtlCol="0" anchor="ctr"/>
+                <a:lstStyle/>
+                <a:p>
+                  <a:pPr algn="ctr"/>
+                  <a:endParaRPr lang="en-GB"/>
+                </a:p>
+              </p:txBody>
+            </p:sp>
+          </p:grpSp>
+          <p:grpSp>
+            <p:nvGrpSpPr>
+              <p:cNvPr id="178" name="Group 177">
+                <a:extLst>
+                  <a:ext uri="{FF2B5EF4-FFF2-40B4-BE49-F238E27FC236}">
+                    <a16:creationId xmlns:a16="http://schemas.microsoft.com/office/drawing/2014/main" id="{ED614DC9-88DE-31D6-9653-496CDE4A8382}"/>
+                  </a:ext>
+                </a:extLst>
+              </p:cNvPr>
+              <p:cNvGrpSpPr/>
+              <p:nvPr/>
+            </p:nvGrpSpPr>
+            <p:grpSpPr>
+              <a:xfrm>
+                <a:off x="5136809" y="2455218"/>
+                <a:ext cx="3600000" cy="720000"/>
+                <a:chOff x="4627756" y="1260088"/>
+                <a:chExt cx="3600000" cy="720000"/>
+              </a:xfrm>
+            </p:grpSpPr>
+            <p:sp>
+              <p:nvSpPr>
+                <p:cNvPr id="185" name="Rectangle 184">
+                  <a:extLst>
+                    <a:ext uri="{FF2B5EF4-FFF2-40B4-BE49-F238E27FC236}">
+                      <a16:creationId xmlns:a16="http://schemas.microsoft.com/office/drawing/2014/main" id="{A52C1AC4-961F-37B3-FE18-81D763DAD36A}"/>
+                    </a:ext>
+                  </a:extLst>
+                </p:cNvPr>
+                <p:cNvSpPr>
+                  <a:spLocks noChangeAspect="1"/>
+                </p:cNvSpPr>
+                <p:nvPr/>
+              </p:nvSpPr>
+              <p:spPr>
+                <a:xfrm>
+                  <a:off x="4627756" y="1260088"/>
+                  <a:ext cx="720000" cy="720000"/>
+                </a:xfrm>
+                <a:prstGeom prst="rect">
+                  <a:avLst/>
+                </a:prstGeom>
+                <a:noFill/>
+              </p:spPr>
+              <p:style>
+                <a:lnRef idx="2">
+                  <a:schemeClr val="accent1">
+                    <a:shade val="50000"/>
+                  </a:schemeClr>
+                </a:lnRef>
+                <a:fillRef idx="1">
+                  <a:schemeClr val="accent1"/>
+                </a:fillRef>
+                <a:effectRef idx="0">
+                  <a:schemeClr val="accent1"/>
+                </a:effectRef>
+                <a:fontRef idx="minor">
+                  <a:schemeClr val="lt1"/>
+                </a:fontRef>
+              </p:style>
+              <p:txBody>
+                <a:bodyPr rtlCol="0" anchor="ctr"/>
+                <a:lstStyle/>
+                <a:p>
+                  <a:pPr algn="ctr"/>
+                  <a:endParaRPr lang="en-GB"/>
+                </a:p>
+              </p:txBody>
+            </p:sp>
+            <p:sp>
+              <p:nvSpPr>
+                <p:cNvPr id="186" name="Rectangle 185">
+                  <a:extLst>
+                    <a:ext uri="{FF2B5EF4-FFF2-40B4-BE49-F238E27FC236}">
+                      <a16:creationId xmlns:a16="http://schemas.microsoft.com/office/drawing/2014/main" id="{82BDAE14-E043-8855-96C5-821B40A2D11F}"/>
+                    </a:ext>
+                  </a:extLst>
+                </p:cNvPr>
+                <p:cNvSpPr>
+                  <a:spLocks noChangeAspect="1"/>
+                </p:cNvSpPr>
+                <p:nvPr/>
+              </p:nvSpPr>
+              <p:spPr>
+                <a:xfrm>
+                  <a:off x="6067756" y="1260088"/>
+                  <a:ext cx="720000" cy="720000"/>
+                </a:xfrm>
+                <a:prstGeom prst="rect">
+                  <a:avLst/>
+                </a:prstGeom>
+                <a:solidFill>
+                  <a:schemeClr val="accent1">
+                    <a:lumMod val="40000"/>
+                    <a:lumOff val="60000"/>
+                  </a:schemeClr>
+                </a:solidFill>
+              </p:spPr>
+              <p:style>
+                <a:lnRef idx="2">
+                  <a:schemeClr val="accent1">
+                    <a:shade val="50000"/>
+                  </a:schemeClr>
+                </a:lnRef>
+                <a:fillRef idx="1">
+                  <a:schemeClr val="accent1"/>
+                </a:fillRef>
+                <a:effectRef idx="0">
+                  <a:schemeClr val="accent1"/>
+                </a:effectRef>
+                <a:fontRef idx="minor">
+                  <a:schemeClr val="lt1"/>
+                </a:fontRef>
+              </p:style>
+              <p:txBody>
+                <a:bodyPr rtlCol="0" anchor="ctr"/>
+                <a:lstStyle/>
+                <a:p>
+                  <a:pPr algn="ctr"/>
+                  <a:endParaRPr lang="en-GB"/>
+                </a:p>
+              </p:txBody>
+            </p:sp>
+            <p:sp>
+              <p:nvSpPr>
+                <p:cNvPr id="187" name="Rectangle 186">
+                  <a:extLst>
+                    <a:ext uri="{FF2B5EF4-FFF2-40B4-BE49-F238E27FC236}">
+                      <a16:creationId xmlns:a16="http://schemas.microsoft.com/office/drawing/2014/main" id="{8FA0B159-F264-D60A-CF70-30DE3A53209E}"/>
+                    </a:ext>
+                  </a:extLst>
+                </p:cNvPr>
+                <p:cNvSpPr>
+                  <a:spLocks noChangeAspect="1"/>
+                </p:cNvSpPr>
+                <p:nvPr/>
+              </p:nvSpPr>
+              <p:spPr>
+                <a:xfrm>
+                  <a:off x="5347756" y="1260088"/>
+                  <a:ext cx="720000" cy="720000"/>
+                </a:xfrm>
+                <a:prstGeom prst="rect">
+                  <a:avLst/>
+                </a:prstGeom>
+                <a:solidFill>
+                  <a:schemeClr val="accent1">
+                    <a:lumMod val="40000"/>
+                    <a:lumOff val="60000"/>
+                  </a:schemeClr>
+                </a:solidFill>
+              </p:spPr>
+              <p:style>
+                <a:lnRef idx="2">
+                  <a:schemeClr val="accent1">
+                    <a:shade val="50000"/>
+                  </a:schemeClr>
+                </a:lnRef>
+                <a:fillRef idx="1">
+                  <a:schemeClr val="accent1"/>
+                </a:fillRef>
+                <a:effectRef idx="0">
+                  <a:schemeClr val="accent1"/>
+                </a:effectRef>
+                <a:fontRef idx="minor">
+                  <a:schemeClr val="lt1"/>
+                </a:fontRef>
+              </p:style>
+              <p:txBody>
+                <a:bodyPr rtlCol="0" anchor="ctr"/>
+                <a:lstStyle/>
+                <a:p>
+                  <a:pPr algn="ctr"/>
+                  <a:endParaRPr lang="en-GB"/>
+                </a:p>
+              </p:txBody>
+            </p:sp>
+            <p:sp>
+              <p:nvSpPr>
+                <p:cNvPr id="188" name="Rectangle 187">
+                  <a:extLst>
+                    <a:ext uri="{FF2B5EF4-FFF2-40B4-BE49-F238E27FC236}">
+                      <a16:creationId xmlns:a16="http://schemas.microsoft.com/office/drawing/2014/main" id="{4E4CB2B4-D2FE-B459-73C1-6B9008F6F3F2}"/>
+                    </a:ext>
+                  </a:extLst>
+                </p:cNvPr>
+                <p:cNvSpPr>
+                  <a:spLocks noChangeAspect="1"/>
+                </p:cNvSpPr>
+                <p:nvPr/>
+              </p:nvSpPr>
+              <p:spPr>
+                <a:xfrm>
+                  <a:off x="6787756" y="1260088"/>
+                  <a:ext cx="720000" cy="720000"/>
+                </a:xfrm>
+                <a:prstGeom prst="rect">
+                  <a:avLst/>
+                </a:prstGeom>
+                <a:solidFill>
+                  <a:schemeClr val="accent1">
+                    <a:lumMod val="40000"/>
+                    <a:lumOff val="60000"/>
+                  </a:schemeClr>
+                </a:solidFill>
+              </p:spPr>
+              <p:style>
+                <a:lnRef idx="2">
+                  <a:schemeClr val="accent1">
+                    <a:shade val="50000"/>
+                  </a:schemeClr>
+                </a:lnRef>
+                <a:fillRef idx="1">
+                  <a:schemeClr val="accent1"/>
+                </a:fillRef>
+                <a:effectRef idx="0">
+                  <a:schemeClr val="accent1"/>
+                </a:effectRef>
+                <a:fontRef idx="minor">
+                  <a:schemeClr val="lt1"/>
+                </a:fontRef>
+              </p:style>
+              <p:txBody>
+                <a:bodyPr rtlCol="0" anchor="ctr"/>
+                <a:lstStyle/>
+                <a:p>
+                  <a:pPr algn="ctr"/>
+                  <a:endParaRPr lang="en-GB"/>
+                </a:p>
+              </p:txBody>
+            </p:sp>
+            <p:sp>
+              <p:nvSpPr>
+                <p:cNvPr id="189" name="Rectangle 188">
+                  <a:extLst>
+                    <a:ext uri="{FF2B5EF4-FFF2-40B4-BE49-F238E27FC236}">
+                      <a16:creationId xmlns:a16="http://schemas.microsoft.com/office/drawing/2014/main" id="{D1A9F0C4-0940-CC73-BACE-236F10AB1D09}"/>
+                    </a:ext>
+                  </a:extLst>
+                </p:cNvPr>
+                <p:cNvSpPr>
+                  <a:spLocks noChangeAspect="1"/>
+                </p:cNvSpPr>
+                <p:nvPr/>
+              </p:nvSpPr>
+              <p:spPr>
+                <a:xfrm>
+                  <a:off x="7507756" y="1260088"/>
+                  <a:ext cx="720000" cy="720000"/>
+                </a:xfrm>
+                <a:prstGeom prst="rect">
+                  <a:avLst/>
+                </a:prstGeom>
+                <a:noFill/>
+              </p:spPr>
+              <p:style>
+                <a:lnRef idx="2">
+                  <a:schemeClr val="accent1">
+                    <a:shade val="50000"/>
+                  </a:schemeClr>
+                </a:lnRef>
+                <a:fillRef idx="1">
+                  <a:schemeClr val="accent1"/>
+                </a:fillRef>
+                <a:effectRef idx="0">
+                  <a:schemeClr val="accent1"/>
+                </a:effectRef>
+                <a:fontRef idx="minor">
+                  <a:schemeClr val="lt1"/>
+                </a:fontRef>
+              </p:style>
+              <p:txBody>
+                <a:bodyPr rtlCol="0" anchor="ctr"/>
+                <a:lstStyle/>
+                <a:p>
+                  <a:pPr algn="ctr"/>
+                  <a:endParaRPr lang="en-GB"/>
+                </a:p>
+              </p:txBody>
+            </p:sp>
+          </p:grpSp>
+          <p:grpSp>
+            <p:nvGrpSpPr>
+              <p:cNvPr id="179" name="Group 178">
+                <a:extLst>
+                  <a:ext uri="{FF2B5EF4-FFF2-40B4-BE49-F238E27FC236}">
+                    <a16:creationId xmlns:a16="http://schemas.microsoft.com/office/drawing/2014/main" id="{B36F0DBD-0546-2FB2-1FF5-434196BA9612}"/>
+                  </a:ext>
+                </a:extLst>
+              </p:cNvPr>
+              <p:cNvGrpSpPr/>
+              <p:nvPr/>
+            </p:nvGrpSpPr>
+            <p:grpSpPr>
+              <a:xfrm>
+                <a:off x="5136809" y="3175218"/>
+                <a:ext cx="3600000" cy="720000"/>
+                <a:chOff x="4627756" y="1260088"/>
+                <a:chExt cx="3600000" cy="720000"/>
+              </a:xfrm>
+            </p:grpSpPr>
+            <p:sp>
+              <p:nvSpPr>
+                <p:cNvPr id="180" name="Rectangle 179">
+                  <a:extLst>
+                    <a:ext uri="{FF2B5EF4-FFF2-40B4-BE49-F238E27FC236}">
+                      <a16:creationId xmlns:a16="http://schemas.microsoft.com/office/drawing/2014/main" id="{35B8C7EF-207F-1DD0-5261-36E5C317CD49}"/>
+                    </a:ext>
+                  </a:extLst>
+                </p:cNvPr>
+                <p:cNvSpPr>
+                  <a:spLocks noChangeAspect="1"/>
+                </p:cNvSpPr>
+                <p:nvPr/>
+              </p:nvSpPr>
+              <p:spPr>
+                <a:xfrm>
+                  <a:off x="4627756" y="1260088"/>
+                  <a:ext cx="720000" cy="720000"/>
+                </a:xfrm>
+                <a:prstGeom prst="rect">
+                  <a:avLst/>
+                </a:prstGeom>
+                <a:noFill/>
+              </p:spPr>
+              <p:style>
+                <a:lnRef idx="2">
+                  <a:schemeClr val="accent1">
+                    <a:shade val="50000"/>
+                  </a:schemeClr>
+                </a:lnRef>
+                <a:fillRef idx="1">
+                  <a:schemeClr val="accent1"/>
+                </a:fillRef>
+                <a:effectRef idx="0">
+                  <a:schemeClr val="accent1"/>
+                </a:effectRef>
+                <a:fontRef idx="minor">
+                  <a:schemeClr val="lt1"/>
+                </a:fontRef>
+              </p:style>
+              <p:txBody>
+                <a:bodyPr rtlCol="0" anchor="ctr"/>
+                <a:lstStyle/>
+                <a:p>
+                  <a:pPr algn="ctr"/>
+                  <a:endParaRPr lang="en-GB"/>
+                </a:p>
+              </p:txBody>
+            </p:sp>
+            <p:sp>
+              <p:nvSpPr>
+                <p:cNvPr id="181" name="Rectangle 180">
+                  <a:extLst>
+                    <a:ext uri="{FF2B5EF4-FFF2-40B4-BE49-F238E27FC236}">
+                      <a16:creationId xmlns:a16="http://schemas.microsoft.com/office/drawing/2014/main" id="{D43F3743-01CB-161E-A143-6D93AA931D58}"/>
+                    </a:ext>
+                  </a:extLst>
+                </p:cNvPr>
+                <p:cNvSpPr>
+                  <a:spLocks noChangeAspect="1"/>
+                </p:cNvSpPr>
+                <p:nvPr/>
+              </p:nvSpPr>
+              <p:spPr>
+                <a:xfrm>
+                  <a:off x="6067756" y="1260088"/>
+                  <a:ext cx="720000" cy="720000"/>
+                </a:xfrm>
+                <a:prstGeom prst="rect">
+                  <a:avLst/>
+                </a:prstGeom>
+                <a:solidFill>
+                  <a:schemeClr val="accent1">
+                    <a:lumMod val="40000"/>
+                    <a:lumOff val="60000"/>
+                  </a:schemeClr>
+                </a:solidFill>
+              </p:spPr>
+              <p:style>
+                <a:lnRef idx="2">
+                  <a:schemeClr val="accent1">
+                    <a:shade val="50000"/>
+                  </a:schemeClr>
+                </a:lnRef>
+                <a:fillRef idx="1">
+                  <a:schemeClr val="accent1"/>
+                </a:fillRef>
+                <a:effectRef idx="0">
+                  <a:schemeClr val="accent1"/>
+                </a:effectRef>
+                <a:fontRef idx="minor">
+                  <a:schemeClr val="lt1"/>
+                </a:fontRef>
+              </p:style>
+              <p:txBody>
+                <a:bodyPr rtlCol="0" anchor="ctr"/>
+                <a:lstStyle/>
+                <a:p>
+                  <a:pPr algn="ctr"/>
+                  <a:endParaRPr lang="en-GB"/>
+                </a:p>
+              </p:txBody>
+            </p:sp>
+            <p:sp>
+              <p:nvSpPr>
+                <p:cNvPr id="182" name="Rectangle 181">
+                  <a:extLst>
+                    <a:ext uri="{FF2B5EF4-FFF2-40B4-BE49-F238E27FC236}">
+                      <a16:creationId xmlns:a16="http://schemas.microsoft.com/office/drawing/2014/main" id="{112DCE82-9673-4F07-9792-08025D56ECB1}"/>
+                    </a:ext>
+                  </a:extLst>
+                </p:cNvPr>
+                <p:cNvSpPr>
+                  <a:spLocks noChangeAspect="1"/>
+                </p:cNvSpPr>
+                <p:nvPr/>
+              </p:nvSpPr>
+              <p:spPr>
+                <a:xfrm>
+                  <a:off x="5347756" y="1260088"/>
+                  <a:ext cx="720000" cy="720000"/>
+                </a:xfrm>
+                <a:prstGeom prst="rect">
+                  <a:avLst/>
+                </a:prstGeom>
+                <a:noFill/>
+              </p:spPr>
+              <p:style>
+                <a:lnRef idx="2">
+                  <a:schemeClr val="accent1">
+                    <a:shade val="50000"/>
+                  </a:schemeClr>
+                </a:lnRef>
+                <a:fillRef idx="1">
+                  <a:schemeClr val="accent1"/>
+                </a:fillRef>
+                <a:effectRef idx="0">
+                  <a:schemeClr val="accent1"/>
+                </a:effectRef>
+                <a:fontRef idx="minor">
+                  <a:schemeClr val="lt1"/>
+                </a:fontRef>
+              </p:style>
+              <p:txBody>
+                <a:bodyPr rtlCol="0" anchor="ctr"/>
+                <a:lstStyle/>
+                <a:p>
+                  <a:pPr algn="ctr"/>
+                  <a:endParaRPr lang="en-GB"/>
+                </a:p>
+              </p:txBody>
+            </p:sp>
+            <p:sp>
+              <p:nvSpPr>
+                <p:cNvPr id="183" name="Rectangle 182">
+                  <a:extLst>
+                    <a:ext uri="{FF2B5EF4-FFF2-40B4-BE49-F238E27FC236}">
+                      <a16:creationId xmlns:a16="http://schemas.microsoft.com/office/drawing/2014/main" id="{4DC8BA90-7B02-D7C2-1365-8DF7DC018353}"/>
+                    </a:ext>
+                  </a:extLst>
+                </p:cNvPr>
+                <p:cNvSpPr>
+                  <a:spLocks noChangeAspect="1"/>
+                </p:cNvSpPr>
+                <p:nvPr/>
+              </p:nvSpPr>
+              <p:spPr>
+                <a:xfrm>
+                  <a:off x="6787756" y="1260088"/>
+                  <a:ext cx="720000" cy="720000"/>
+                </a:xfrm>
+                <a:prstGeom prst="rect">
+                  <a:avLst/>
+                </a:prstGeom>
+                <a:solidFill>
+                  <a:schemeClr val="accent1">
+                    <a:lumMod val="40000"/>
+                    <a:lumOff val="60000"/>
+                  </a:schemeClr>
+                </a:solidFill>
+              </p:spPr>
+              <p:style>
+                <a:lnRef idx="2">
+                  <a:schemeClr val="accent1">
+                    <a:shade val="50000"/>
+                  </a:schemeClr>
+                </a:lnRef>
+                <a:fillRef idx="1">
+                  <a:schemeClr val="accent1"/>
+                </a:fillRef>
+                <a:effectRef idx="0">
+                  <a:schemeClr val="accent1"/>
+                </a:effectRef>
+                <a:fontRef idx="minor">
+                  <a:schemeClr val="lt1"/>
+                </a:fontRef>
+              </p:style>
+              <p:txBody>
+                <a:bodyPr rtlCol="0" anchor="ctr"/>
+                <a:lstStyle/>
+                <a:p>
+                  <a:pPr algn="ctr"/>
+                  <a:endParaRPr lang="en-GB"/>
+                </a:p>
+              </p:txBody>
+            </p:sp>
+            <p:sp>
+              <p:nvSpPr>
+                <p:cNvPr id="184" name="Rectangle 183">
+                  <a:extLst>
+                    <a:ext uri="{FF2B5EF4-FFF2-40B4-BE49-F238E27FC236}">
+                      <a16:creationId xmlns:a16="http://schemas.microsoft.com/office/drawing/2014/main" id="{F252E48C-99C4-3E23-AF10-F69268068DA9}"/>
+                    </a:ext>
+                  </a:extLst>
+                </p:cNvPr>
+                <p:cNvSpPr>
+                  <a:spLocks noChangeAspect="1"/>
+                </p:cNvSpPr>
+                <p:nvPr/>
+              </p:nvSpPr>
+              <p:spPr>
+                <a:xfrm>
+                  <a:off x="7507756" y="1260088"/>
+                  <a:ext cx="720000" cy="720000"/>
+                </a:xfrm>
+                <a:prstGeom prst="rect">
+                  <a:avLst/>
+                </a:prstGeom>
+                <a:noFill/>
+              </p:spPr>
+              <p:style>
+                <a:lnRef idx="2">
+                  <a:schemeClr val="accent1">
+                    <a:shade val="50000"/>
+                  </a:schemeClr>
+                </a:lnRef>
+                <a:fillRef idx="1">
+                  <a:schemeClr val="accent1"/>
+                </a:fillRef>
+                <a:effectRef idx="0">
+                  <a:schemeClr val="accent1"/>
+                </a:effectRef>
+                <a:fontRef idx="minor">
+                  <a:schemeClr val="lt1"/>
+                </a:fontRef>
+              </p:style>
+              <p:txBody>
+                <a:bodyPr rtlCol="0" anchor="ctr"/>
+                <a:lstStyle/>
+                <a:p>
+                  <a:pPr algn="ctr"/>
+                  <a:endParaRPr lang="en-GB"/>
+                </a:p>
+              </p:txBody>
+            </p:sp>
+          </p:grpSp>
+        </p:grpSp>
+        <p:grpSp>
+          <p:nvGrpSpPr>
+            <p:cNvPr id="138" name="Group 137">
+              <a:extLst>
+                <a:ext uri="{FF2B5EF4-FFF2-40B4-BE49-F238E27FC236}">
+                  <a16:creationId xmlns:a16="http://schemas.microsoft.com/office/drawing/2014/main" id="{9DD1A633-B141-B562-050F-A080FDAD13ED}"/>
+                </a:ext>
+              </a:extLst>
+            </p:cNvPr>
+            <p:cNvGrpSpPr/>
+            <p:nvPr/>
+          </p:nvGrpSpPr>
+          <p:grpSpPr>
+            <a:xfrm>
+              <a:off x="8357943" y="3247573"/>
+              <a:ext cx="1440000" cy="1440000"/>
+              <a:chOff x="2125532" y="3415954"/>
+              <a:chExt cx="1440000" cy="1440000"/>
+            </a:xfrm>
+          </p:grpSpPr>
+          <p:sp>
+            <p:nvSpPr>
+              <p:cNvPr id="173" name="Oval 172">
+                <a:extLst>
+                  <a:ext uri="{FF2B5EF4-FFF2-40B4-BE49-F238E27FC236}">
+                    <a16:creationId xmlns:a16="http://schemas.microsoft.com/office/drawing/2014/main" id="{6AFCB4D8-35A2-9D65-7D4F-BC0EA6CAB5F6}"/>
+                  </a:ext>
+                </a:extLst>
+              </p:cNvPr>
+              <p:cNvSpPr>
+                <a:spLocks noChangeAspect="1"/>
+              </p:cNvSpPr>
+              <p:nvPr/>
+            </p:nvSpPr>
+            <p:spPr bwMode="auto">
+              <a:xfrm>
+                <a:off x="2125532" y="3415954"/>
+                <a:ext cx="1440000" cy="1440000"/>
+              </a:xfrm>
+              <a:prstGeom prst="ellipse">
+                <a:avLst/>
+              </a:prstGeom>
+              <a:solidFill>
+                <a:schemeClr val="accent1">
+                  <a:alpha val="50000"/>
+                </a:schemeClr>
+              </a:solidFill>
+              <a:ln w="9525" cap="flat" cmpd="sng" algn="ctr">
+                <a:noFill/>
+                <a:prstDash val="solid"/>
+                <a:round/>
+                <a:headEnd type="none" w="med" len="med"/>
+                <a:tailEnd type="none" w="med" len="med"/>
+              </a:ln>
+              <a:effectLst/>
+            </p:spPr>
+            <p:txBody>
+              <a:bodyPr vert="horz" wrap="square" lIns="91440" tIns="45720" rIns="91440" bIns="45720" numCol="1" rtlCol="0" anchor="t" anchorCtr="0" compatLnSpc="1">
+                <a:prstTxWarp prst="textNoShape">
+                  <a:avLst/>
+                </a:prstTxWarp>
+              </a:bodyPr>
+              <a:lstStyle/>
+              <a:p>
+                <a:pPr marL="0" marR="0" indent="0" algn="l" defTabSz="914400" rtl="0" eaLnBrk="0" fontAlgn="base" latinLnBrk="0" hangingPunct="0">
+                  <a:lnSpc>
+                    <a:spcPct val="100000"/>
+                  </a:lnSpc>
+                  <a:spcBef>
+                    <a:spcPct val="0"/>
+                  </a:spcBef>
+                  <a:spcAft>
+                    <a:spcPct val="0"/>
+                  </a:spcAft>
+                  <a:buClrTx/>
+                  <a:buSzTx/>
+                  <a:buFontTx/>
+                  <a:buNone/>
+                  <a:tabLst/>
+                </a:pPr>
+                <a:endParaRPr kumimoji="0" lang="en-US" sz="2400" b="0" i="0" u="none" strike="noStrike" cap="none" normalizeH="0" baseline="0">
+                  <a:ln>
+                    <a:noFill/>
+                  </a:ln>
+                  <a:solidFill>
+                    <a:schemeClr val="tx1"/>
+                  </a:solidFill>
+                  <a:effectLst/>
+                  <a:latin typeface="Arial" charset="0"/>
+                  <a:ea typeface="ＭＳ Ｐゴシック" pitchFamily="20" charset="-128"/>
+                </a:endParaRPr>
+              </a:p>
+            </p:txBody>
+          </p:sp>
+          <p:sp>
+            <p:nvSpPr>
+              <p:cNvPr id="174" name="Oval 173">
+                <a:extLst>
+                  <a:ext uri="{FF2B5EF4-FFF2-40B4-BE49-F238E27FC236}">
+                    <a16:creationId xmlns:a16="http://schemas.microsoft.com/office/drawing/2014/main" id="{D7E6F774-8EF8-C3E4-CE58-D6973AC4EAB6}"/>
+                  </a:ext>
+                </a:extLst>
+              </p:cNvPr>
+              <p:cNvSpPr>
+                <a:spLocks noChangeAspect="1"/>
+              </p:cNvSpPr>
+              <p:nvPr/>
+            </p:nvSpPr>
+            <p:spPr>
+              <a:xfrm>
+                <a:off x="2773532" y="4063954"/>
+                <a:ext cx="144000" cy="144000"/>
+              </a:xfrm>
+              <a:prstGeom prst="ellipse">
+                <a:avLst/>
+              </a:prstGeom>
+              <a:solidFill>
+                <a:srgbClr val="FF7B11"/>
+              </a:solidFill>
+            </p:spPr>
+            <p:style>
+              <a:lnRef idx="2">
+                <a:schemeClr val="accent1">
+                  <a:shade val="50000"/>
+                </a:schemeClr>
+              </a:lnRef>
+              <a:fillRef idx="1">
+                <a:schemeClr val="accent1"/>
+              </a:fillRef>
+              <a:effectRef idx="0">
+                <a:schemeClr val="accent1"/>
+              </a:effectRef>
+              <a:fontRef idx="minor">
+                <a:schemeClr val="lt1"/>
+              </a:fontRef>
+            </p:style>
+            <p:txBody>
+              <a:bodyPr rtlCol="0" anchor="ctr"/>
+              <a:lstStyle/>
+              <a:p>
+                <a:pPr algn="ctr"/>
+                <a:endParaRPr lang="en-GB"/>
+              </a:p>
+            </p:txBody>
+          </p:sp>
+        </p:grpSp>
+        <p:sp>
+          <p:nvSpPr>
+            <p:cNvPr id="139" name="Oval 138">
+              <a:extLst>
+                <a:ext uri="{FF2B5EF4-FFF2-40B4-BE49-F238E27FC236}">
+                  <a16:creationId xmlns:a16="http://schemas.microsoft.com/office/drawing/2014/main" id="{9F2A778F-7A49-1642-DD4E-70F8E0539F40}"/>
+                </a:ext>
+              </a:extLst>
+            </p:cNvPr>
+            <p:cNvSpPr>
+              <a:spLocks noChangeAspect="1"/>
+            </p:cNvSpPr>
+            <p:nvPr/>
+          </p:nvSpPr>
+          <p:spPr>
+            <a:xfrm>
+              <a:off x="9115305" y="4397946"/>
+              <a:ext cx="144000" cy="144000"/>
+            </a:xfrm>
+            <a:prstGeom prst="ellipse">
+              <a:avLst/>
+            </a:prstGeom>
+            <a:noFill/>
+            <a:ln>
+              <a:solidFill>
+                <a:schemeClr val="tx1"/>
+              </a:solidFill>
+            </a:ln>
+          </p:spPr>
+          <p:style>
+            <a:lnRef idx="2">
+              <a:schemeClr val="accent1">
+                <a:shade val="50000"/>
+              </a:schemeClr>
+            </a:lnRef>
+            <a:fillRef idx="1">
+              <a:schemeClr val="accent1"/>
+            </a:fillRef>
+            <a:effectRef idx="0">
+              <a:schemeClr val="accent1"/>
+            </a:effectRef>
+            <a:fontRef idx="minor">
+              <a:schemeClr val="lt1"/>
+            </a:fontRef>
+          </p:style>
+          <p:txBody>
+            <a:bodyPr rtlCol="0" anchor="ctr"/>
+            <a:lstStyle/>
+            <a:p>
+              <a:pPr algn="ctr"/>
+              <a:endParaRPr lang="en-GB"/>
+            </a:p>
+          </p:txBody>
+        </p:sp>
+        <p:sp>
+          <p:nvSpPr>
+            <p:cNvPr id="140" name="Oval 139">
+              <a:extLst>
+                <a:ext uri="{FF2B5EF4-FFF2-40B4-BE49-F238E27FC236}">
+                  <a16:creationId xmlns:a16="http://schemas.microsoft.com/office/drawing/2014/main" id="{EE61C046-0AC0-CADA-C518-B45FEBC3EB11}"/>
+                </a:ext>
+              </a:extLst>
+            </p:cNvPr>
+            <p:cNvSpPr>
+              <a:spLocks noChangeAspect="1"/>
+            </p:cNvSpPr>
+            <p:nvPr/>
+          </p:nvSpPr>
+          <p:spPr>
+            <a:xfrm rot="1434040">
+              <a:off x="9412858" y="3753480"/>
+              <a:ext cx="144000" cy="144000"/>
+            </a:xfrm>
+            <a:prstGeom prst="ellipse">
+              <a:avLst/>
+            </a:prstGeom>
+            <a:noFill/>
+            <a:ln>
+              <a:solidFill>
+                <a:schemeClr val="tx1"/>
+              </a:solidFill>
+            </a:ln>
+          </p:spPr>
+          <p:style>
+            <a:lnRef idx="2">
+              <a:schemeClr val="accent1">
+                <a:shade val="50000"/>
+              </a:schemeClr>
+            </a:lnRef>
+            <a:fillRef idx="1">
+              <a:schemeClr val="accent1"/>
+            </a:fillRef>
+            <a:effectRef idx="0">
+              <a:schemeClr val="accent1"/>
+            </a:effectRef>
+            <a:fontRef idx="minor">
+              <a:schemeClr val="lt1"/>
+            </a:fontRef>
+          </p:style>
+          <p:txBody>
+            <a:bodyPr rtlCol="0" anchor="ctr"/>
+            <a:lstStyle/>
+            <a:p>
+              <a:pPr algn="ctr"/>
+              <a:endParaRPr lang="en-GB"/>
+            </a:p>
+          </p:txBody>
+        </p:sp>
+        <p:sp>
+          <p:nvSpPr>
+            <p:cNvPr id="141" name="Oval 140">
+              <a:extLst>
+                <a:ext uri="{FF2B5EF4-FFF2-40B4-BE49-F238E27FC236}">
+                  <a16:creationId xmlns:a16="http://schemas.microsoft.com/office/drawing/2014/main" id="{A0BD0F58-41B7-C81E-F072-49CDB4D1AF92}"/>
+                </a:ext>
+              </a:extLst>
+            </p:cNvPr>
+            <p:cNvSpPr>
+              <a:spLocks noChangeAspect="1"/>
+            </p:cNvSpPr>
+            <p:nvPr/>
+          </p:nvSpPr>
+          <p:spPr>
+            <a:xfrm>
+              <a:off x="8960471" y="3314934"/>
+              <a:ext cx="144000" cy="144000"/>
+            </a:xfrm>
+            <a:prstGeom prst="ellipse">
+              <a:avLst/>
+            </a:prstGeom>
+            <a:noFill/>
+            <a:ln>
+              <a:solidFill>
+                <a:schemeClr val="tx1"/>
+              </a:solidFill>
+            </a:ln>
+          </p:spPr>
+          <p:style>
+            <a:lnRef idx="2">
+              <a:schemeClr val="accent1">
+                <a:shade val="50000"/>
+              </a:schemeClr>
+            </a:lnRef>
+            <a:fillRef idx="1">
+              <a:schemeClr val="accent1"/>
+            </a:fillRef>
+            <a:effectRef idx="0">
+              <a:schemeClr val="accent1"/>
+            </a:effectRef>
+            <a:fontRef idx="minor">
+              <a:schemeClr val="lt1"/>
+            </a:fontRef>
+          </p:style>
+          <p:txBody>
+            <a:bodyPr rtlCol="0" anchor="ctr"/>
+            <a:lstStyle/>
+            <a:p>
+              <a:pPr algn="ctr"/>
+              <a:endParaRPr lang="en-GB"/>
+            </a:p>
+          </p:txBody>
+        </p:sp>
+        <p:sp>
+          <p:nvSpPr>
+            <p:cNvPr id="142" name="Oval 141">
+              <a:extLst>
+                <a:ext uri="{FF2B5EF4-FFF2-40B4-BE49-F238E27FC236}">
+                  <a16:creationId xmlns:a16="http://schemas.microsoft.com/office/drawing/2014/main" id="{B011F658-4ED8-AF54-D11A-E4C2CD05F389}"/>
+                </a:ext>
+              </a:extLst>
+            </p:cNvPr>
+            <p:cNvSpPr>
+              <a:spLocks noChangeAspect="1"/>
+            </p:cNvSpPr>
+            <p:nvPr/>
+          </p:nvSpPr>
+          <p:spPr>
+            <a:xfrm>
+              <a:off x="9412858" y="4092663"/>
+              <a:ext cx="144000" cy="144000"/>
+            </a:xfrm>
+            <a:prstGeom prst="ellipse">
+              <a:avLst/>
+            </a:prstGeom>
+            <a:noFill/>
+            <a:ln>
+              <a:solidFill>
+                <a:schemeClr val="tx1"/>
+              </a:solidFill>
+            </a:ln>
+          </p:spPr>
+          <p:style>
+            <a:lnRef idx="2">
+              <a:schemeClr val="accent1">
+                <a:shade val="50000"/>
+              </a:schemeClr>
+            </a:lnRef>
+            <a:fillRef idx="1">
+              <a:schemeClr val="accent1"/>
+            </a:fillRef>
+            <a:effectRef idx="0">
+              <a:schemeClr val="accent1"/>
+            </a:effectRef>
+            <a:fontRef idx="minor">
+              <a:schemeClr val="lt1"/>
+            </a:fontRef>
+          </p:style>
+          <p:txBody>
+            <a:bodyPr rtlCol="0" anchor="ctr"/>
+            <a:lstStyle/>
+            <a:p>
+              <a:pPr algn="ctr"/>
+              <a:endParaRPr lang="en-GB"/>
+            </a:p>
+          </p:txBody>
+        </p:sp>
+        <p:sp>
+          <p:nvSpPr>
+            <p:cNvPr id="143" name="Oval 142">
+              <a:extLst>
+                <a:ext uri="{FF2B5EF4-FFF2-40B4-BE49-F238E27FC236}">
+                  <a16:creationId xmlns:a16="http://schemas.microsoft.com/office/drawing/2014/main" id="{2D6F941C-C3BB-AEA9-CBB5-7C77A1623EDF}"/>
+                </a:ext>
+              </a:extLst>
+            </p:cNvPr>
+            <p:cNvSpPr>
+              <a:spLocks noChangeAspect="1"/>
+            </p:cNvSpPr>
+            <p:nvPr/>
+          </p:nvSpPr>
+          <p:spPr>
+            <a:xfrm>
+              <a:off x="8666585" y="3657251"/>
+              <a:ext cx="144000" cy="144000"/>
+            </a:xfrm>
+            <a:prstGeom prst="ellipse">
+              <a:avLst/>
+            </a:prstGeom>
+            <a:noFill/>
+            <a:ln>
+              <a:solidFill>
+                <a:schemeClr val="tx1"/>
+              </a:solidFill>
+            </a:ln>
+          </p:spPr>
+          <p:style>
+            <a:lnRef idx="2">
+              <a:schemeClr val="accent1">
+                <a:shade val="50000"/>
+              </a:schemeClr>
+            </a:lnRef>
+            <a:fillRef idx="1">
+              <a:schemeClr val="accent1"/>
+            </a:fillRef>
+            <a:effectRef idx="0">
+              <a:schemeClr val="accent1"/>
+            </a:effectRef>
+            <a:fontRef idx="minor">
+              <a:schemeClr val="lt1"/>
+            </a:fontRef>
+          </p:style>
+          <p:txBody>
+            <a:bodyPr rtlCol="0" anchor="ctr"/>
+            <a:lstStyle/>
+            <a:p>
+              <a:pPr algn="ctr"/>
+              <a:endParaRPr lang="en-GB"/>
+            </a:p>
+          </p:txBody>
+        </p:sp>
+        <p:sp>
+          <p:nvSpPr>
+            <p:cNvPr id="144" name="Oval 143">
+              <a:extLst>
+                <a:ext uri="{FF2B5EF4-FFF2-40B4-BE49-F238E27FC236}">
+                  <a16:creationId xmlns:a16="http://schemas.microsoft.com/office/drawing/2014/main" id="{0037AD78-E942-555B-065B-CC98C6E2B8DF}"/>
+                </a:ext>
+              </a:extLst>
+            </p:cNvPr>
+            <p:cNvSpPr>
+              <a:spLocks noChangeAspect="1"/>
+            </p:cNvSpPr>
+            <p:nvPr/>
+          </p:nvSpPr>
+          <p:spPr>
+            <a:xfrm>
+              <a:off x="8647404" y="4137505"/>
+              <a:ext cx="144000" cy="144000"/>
+            </a:xfrm>
+            <a:prstGeom prst="ellipse">
+              <a:avLst/>
+            </a:prstGeom>
+            <a:noFill/>
+            <a:ln>
+              <a:solidFill>
+                <a:schemeClr val="tx1"/>
+              </a:solidFill>
+            </a:ln>
+          </p:spPr>
+          <p:style>
+            <a:lnRef idx="2">
+              <a:schemeClr val="accent1">
+                <a:shade val="50000"/>
+              </a:schemeClr>
+            </a:lnRef>
+            <a:fillRef idx="1">
+              <a:schemeClr val="accent1"/>
+            </a:fillRef>
+            <a:effectRef idx="0">
+              <a:schemeClr val="accent1"/>
+            </a:effectRef>
+            <a:fontRef idx="minor">
+              <a:schemeClr val="lt1"/>
+            </a:fontRef>
+          </p:style>
+          <p:txBody>
+            <a:bodyPr rtlCol="0" anchor="ctr"/>
+            <a:lstStyle/>
+            <a:p>
+              <a:pPr algn="ctr"/>
+              <a:endParaRPr lang="en-GB"/>
+            </a:p>
+          </p:txBody>
+        </p:sp>
+        <p:sp>
+          <p:nvSpPr>
+            <p:cNvPr id="145" name="Oval 144">
+              <a:extLst>
+                <a:ext uri="{FF2B5EF4-FFF2-40B4-BE49-F238E27FC236}">
+                  <a16:creationId xmlns:a16="http://schemas.microsoft.com/office/drawing/2014/main" id="{36D6024C-F050-4794-25D9-D835856CB3FD}"/>
+                </a:ext>
+              </a:extLst>
+            </p:cNvPr>
+            <p:cNvSpPr>
+              <a:spLocks noChangeAspect="1"/>
+            </p:cNvSpPr>
+            <p:nvPr/>
+          </p:nvSpPr>
+          <p:spPr>
+            <a:xfrm>
+              <a:off x="8576667" y="4519644"/>
+              <a:ext cx="144000" cy="144000"/>
+            </a:xfrm>
+            <a:prstGeom prst="ellipse">
+              <a:avLst/>
+            </a:prstGeom>
+            <a:noFill/>
+            <a:ln>
+              <a:solidFill>
+                <a:schemeClr val="tx1"/>
+              </a:solidFill>
+            </a:ln>
+          </p:spPr>
+          <p:style>
+            <a:lnRef idx="2">
+              <a:schemeClr val="accent1">
+                <a:shade val="50000"/>
+              </a:schemeClr>
+            </a:lnRef>
+            <a:fillRef idx="1">
+              <a:schemeClr val="accent1"/>
+            </a:fillRef>
+            <a:effectRef idx="0">
+              <a:schemeClr val="accent1"/>
+            </a:effectRef>
+            <a:fontRef idx="minor">
+              <a:schemeClr val="lt1"/>
+            </a:fontRef>
+          </p:style>
+          <p:txBody>
+            <a:bodyPr rtlCol="0" anchor="ctr"/>
+            <a:lstStyle/>
+            <a:p>
+              <a:pPr algn="ctr"/>
+              <a:endParaRPr lang="en-GB"/>
+            </a:p>
+          </p:txBody>
+        </p:sp>
+        <p:sp>
+          <p:nvSpPr>
+            <p:cNvPr id="146" name="Oval 145">
+              <a:extLst>
+                <a:ext uri="{FF2B5EF4-FFF2-40B4-BE49-F238E27FC236}">
+                  <a16:creationId xmlns:a16="http://schemas.microsoft.com/office/drawing/2014/main" id="{E4E81D05-FF84-AD07-1D96-B71CD912F883}"/>
+                </a:ext>
+              </a:extLst>
+            </p:cNvPr>
+            <p:cNvSpPr>
+              <a:spLocks noChangeAspect="1"/>
+            </p:cNvSpPr>
+            <p:nvPr/>
+          </p:nvSpPr>
+          <p:spPr>
+            <a:xfrm>
+              <a:off x="9955079" y="3509087"/>
+              <a:ext cx="144000" cy="144000"/>
+            </a:xfrm>
+            <a:prstGeom prst="ellipse">
+              <a:avLst/>
+            </a:prstGeom>
+            <a:noFill/>
+            <a:ln>
+              <a:solidFill>
+                <a:schemeClr val="tx1"/>
+              </a:solidFill>
+            </a:ln>
+          </p:spPr>
+          <p:style>
+            <a:lnRef idx="2">
+              <a:schemeClr val="accent1">
+                <a:shade val="50000"/>
+              </a:schemeClr>
+            </a:lnRef>
+            <a:fillRef idx="1">
+              <a:schemeClr val="accent1"/>
+            </a:fillRef>
+            <a:effectRef idx="0">
+              <a:schemeClr val="accent1"/>
+            </a:effectRef>
+            <a:fontRef idx="minor">
+              <a:schemeClr val="lt1"/>
+            </a:fontRef>
+          </p:style>
+          <p:txBody>
+            <a:bodyPr rtlCol="0" anchor="ctr"/>
+            <a:lstStyle/>
+            <a:p>
+              <a:pPr algn="ctr"/>
+              <a:endParaRPr lang="en-GB"/>
+            </a:p>
+          </p:txBody>
+        </p:sp>
+        <p:sp>
+          <p:nvSpPr>
+            <p:cNvPr id="147" name="Oval 146">
+              <a:extLst>
+                <a:ext uri="{FF2B5EF4-FFF2-40B4-BE49-F238E27FC236}">
+                  <a16:creationId xmlns:a16="http://schemas.microsoft.com/office/drawing/2014/main" id="{DD61D993-200E-5EAE-5FCB-1D83AD3338F8}"/>
+                </a:ext>
+              </a:extLst>
+            </p:cNvPr>
+            <p:cNvSpPr>
+              <a:spLocks noChangeAspect="1"/>
+            </p:cNvSpPr>
+            <p:nvPr/>
+          </p:nvSpPr>
+          <p:spPr>
+            <a:xfrm>
+              <a:off x="9883079" y="4896927"/>
+              <a:ext cx="144000" cy="144000"/>
+            </a:xfrm>
+            <a:prstGeom prst="ellipse">
+              <a:avLst/>
+            </a:prstGeom>
+            <a:noFill/>
+            <a:ln>
+              <a:solidFill>
+                <a:schemeClr val="tx1"/>
+              </a:solidFill>
+            </a:ln>
+          </p:spPr>
+          <p:style>
+            <a:lnRef idx="2">
+              <a:schemeClr val="accent1">
+                <a:shade val="50000"/>
+              </a:schemeClr>
+            </a:lnRef>
+            <a:fillRef idx="1">
+              <a:schemeClr val="accent1"/>
+            </a:fillRef>
+            <a:effectRef idx="0">
+              <a:schemeClr val="accent1"/>
+            </a:effectRef>
+            <a:fontRef idx="minor">
+              <a:schemeClr val="lt1"/>
+            </a:fontRef>
+          </p:style>
+          <p:txBody>
+            <a:bodyPr rtlCol="0" anchor="ctr"/>
+            <a:lstStyle/>
+            <a:p>
+              <a:pPr algn="ctr"/>
+              <a:endParaRPr lang="en-GB"/>
+            </a:p>
+          </p:txBody>
+        </p:sp>
+        <p:sp>
+          <p:nvSpPr>
+            <p:cNvPr id="148" name="Oval 147">
+              <a:extLst>
+                <a:ext uri="{FF2B5EF4-FFF2-40B4-BE49-F238E27FC236}">
+                  <a16:creationId xmlns:a16="http://schemas.microsoft.com/office/drawing/2014/main" id="{77DA9F19-50C5-50AE-B06B-89D98C5426C8}"/>
+                </a:ext>
+              </a:extLst>
+            </p:cNvPr>
+            <p:cNvSpPr>
+              <a:spLocks noChangeAspect="1"/>
+            </p:cNvSpPr>
+            <p:nvPr/>
+          </p:nvSpPr>
+          <p:spPr>
+            <a:xfrm>
+              <a:off x="10421552" y="4201142"/>
+              <a:ext cx="144000" cy="144000"/>
+            </a:xfrm>
+            <a:prstGeom prst="ellipse">
+              <a:avLst/>
+            </a:prstGeom>
+            <a:noFill/>
+            <a:ln>
+              <a:solidFill>
+                <a:schemeClr val="tx1"/>
+              </a:solidFill>
+            </a:ln>
+          </p:spPr>
+          <p:style>
+            <a:lnRef idx="2">
+              <a:schemeClr val="accent1">
+                <a:shade val="50000"/>
+              </a:schemeClr>
+            </a:lnRef>
+            <a:fillRef idx="1">
+              <a:schemeClr val="accent1"/>
+            </a:fillRef>
+            <a:effectRef idx="0">
+              <a:schemeClr val="accent1"/>
+            </a:effectRef>
+            <a:fontRef idx="minor">
+              <a:schemeClr val="lt1"/>
+            </a:fontRef>
+          </p:style>
+          <p:txBody>
+            <a:bodyPr rtlCol="0" anchor="ctr"/>
+            <a:lstStyle/>
+            <a:p>
+              <a:pPr algn="ctr"/>
+              <a:endParaRPr lang="en-GB"/>
+            </a:p>
+          </p:txBody>
+        </p:sp>
+        <p:sp>
+          <p:nvSpPr>
+            <p:cNvPr id="149" name="Oval 148">
+              <a:extLst>
+                <a:ext uri="{FF2B5EF4-FFF2-40B4-BE49-F238E27FC236}">
+                  <a16:creationId xmlns:a16="http://schemas.microsoft.com/office/drawing/2014/main" id="{97C71994-94A7-A933-9262-F6E92474ECCA}"/>
+                </a:ext>
+              </a:extLst>
+            </p:cNvPr>
+            <p:cNvSpPr>
+              <a:spLocks noChangeAspect="1"/>
+            </p:cNvSpPr>
+            <p:nvPr/>
+          </p:nvSpPr>
+          <p:spPr>
+            <a:xfrm>
+              <a:off x="7734334" y="4413261"/>
+              <a:ext cx="144000" cy="144000"/>
+            </a:xfrm>
+            <a:prstGeom prst="ellipse">
+              <a:avLst/>
+            </a:prstGeom>
+            <a:noFill/>
+            <a:ln>
+              <a:solidFill>
+                <a:schemeClr val="tx1"/>
+              </a:solidFill>
+            </a:ln>
+          </p:spPr>
+          <p:style>
+            <a:lnRef idx="2">
+              <a:schemeClr val="accent1">
+                <a:shade val="50000"/>
+              </a:schemeClr>
+            </a:lnRef>
+            <a:fillRef idx="1">
+              <a:schemeClr val="accent1"/>
+            </a:fillRef>
+            <a:effectRef idx="0">
+              <a:schemeClr val="accent1"/>
+            </a:effectRef>
+            <a:fontRef idx="minor">
+              <a:schemeClr val="lt1"/>
+            </a:fontRef>
+          </p:style>
+          <p:txBody>
+            <a:bodyPr rtlCol="0" anchor="ctr"/>
+            <a:lstStyle/>
+            <a:p>
+              <a:pPr algn="ctr"/>
+              <a:endParaRPr lang="en-GB"/>
+            </a:p>
+          </p:txBody>
+        </p:sp>
+        <p:sp>
+          <p:nvSpPr>
+            <p:cNvPr id="150" name="Oval 149">
+              <a:extLst>
+                <a:ext uri="{FF2B5EF4-FFF2-40B4-BE49-F238E27FC236}">
+                  <a16:creationId xmlns:a16="http://schemas.microsoft.com/office/drawing/2014/main" id="{00F648EF-F723-2502-97A8-784F64AA21A6}"/>
+                </a:ext>
+              </a:extLst>
+            </p:cNvPr>
+            <p:cNvSpPr>
+              <a:spLocks noChangeAspect="1"/>
+            </p:cNvSpPr>
+            <p:nvPr/>
+          </p:nvSpPr>
+          <p:spPr>
+            <a:xfrm>
+              <a:off x="8522585" y="4991676"/>
+              <a:ext cx="144000" cy="144000"/>
+            </a:xfrm>
+            <a:prstGeom prst="ellipse">
+              <a:avLst/>
+            </a:prstGeom>
+            <a:noFill/>
+            <a:ln>
+              <a:solidFill>
+                <a:schemeClr val="tx1"/>
+              </a:solidFill>
+            </a:ln>
+          </p:spPr>
+          <p:style>
+            <a:lnRef idx="2">
+              <a:schemeClr val="accent1">
+                <a:shade val="50000"/>
+              </a:schemeClr>
+            </a:lnRef>
+            <a:fillRef idx="1">
+              <a:schemeClr val="accent1"/>
+            </a:fillRef>
+            <a:effectRef idx="0">
+              <a:schemeClr val="accent1"/>
+            </a:effectRef>
+            <a:fontRef idx="minor">
+              <a:schemeClr val="lt1"/>
+            </a:fontRef>
+          </p:style>
+          <p:txBody>
+            <a:bodyPr rtlCol="0" anchor="ctr"/>
+            <a:lstStyle/>
+            <a:p>
+              <a:pPr algn="ctr"/>
+              <a:endParaRPr lang="en-GB"/>
+            </a:p>
+          </p:txBody>
+        </p:sp>
+        <p:sp>
+          <p:nvSpPr>
+            <p:cNvPr id="151" name="Oval 150">
+              <a:extLst>
+                <a:ext uri="{FF2B5EF4-FFF2-40B4-BE49-F238E27FC236}">
+                  <a16:creationId xmlns:a16="http://schemas.microsoft.com/office/drawing/2014/main" id="{B9ACAFB5-B5BB-2D59-727C-BD926934429E}"/>
+                </a:ext>
+              </a:extLst>
+            </p:cNvPr>
+            <p:cNvSpPr>
+              <a:spLocks noChangeAspect="1"/>
+            </p:cNvSpPr>
+            <p:nvPr/>
+          </p:nvSpPr>
+          <p:spPr>
+            <a:xfrm>
+              <a:off x="9077943" y="4886821"/>
+              <a:ext cx="144000" cy="144000"/>
+            </a:xfrm>
+            <a:prstGeom prst="ellipse">
+              <a:avLst/>
+            </a:prstGeom>
+            <a:noFill/>
+            <a:ln>
+              <a:solidFill>
+                <a:schemeClr val="tx1"/>
+              </a:solidFill>
+            </a:ln>
+          </p:spPr>
+          <p:style>
+            <a:lnRef idx="2">
+              <a:schemeClr val="accent1">
+                <a:shade val="50000"/>
+              </a:schemeClr>
+            </a:lnRef>
+            <a:fillRef idx="1">
+              <a:schemeClr val="accent1"/>
+            </a:fillRef>
+            <a:effectRef idx="0">
+              <a:schemeClr val="accent1"/>
+            </a:effectRef>
+            <a:fontRef idx="minor">
+              <a:schemeClr val="lt1"/>
+            </a:fontRef>
+          </p:style>
+          <p:txBody>
+            <a:bodyPr rtlCol="0" anchor="ctr"/>
+            <a:lstStyle/>
+            <a:p>
+              <a:pPr algn="ctr"/>
+              <a:endParaRPr lang="en-GB"/>
+            </a:p>
+          </p:txBody>
+        </p:sp>
+        <p:sp>
+          <p:nvSpPr>
+            <p:cNvPr id="152" name="Oval 151">
+              <a:extLst>
+                <a:ext uri="{FF2B5EF4-FFF2-40B4-BE49-F238E27FC236}">
+                  <a16:creationId xmlns:a16="http://schemas.microsoft.com/office/drawing/2014/main" id="{B8ADFAE6-69CB-C841-4758-F66A8BEDAF1C}"/>
+                </a:ext>
+              </a:extLst>
+            </p:cNvPr>
+            <p:cNvSpPr>
+              <a:spLocks noChangeAspect="1"/>
+            </p:cNvSpPr>
+            <p:nvPr/>
+          </p:nvSpPr>
+          <p:spPr>
+            <a:xfrm>
+              <a:off x="8357943" y="2748458"/>
+              <a:ext cx="144000" cy="144000"/>
+            </a:xfrm>
+            <a:prstGeom prst="ellipse">
+              <a:avLst/>
+            </a:prstGeom>
+            <a:noFill/>
+            <a:ln>
+              <a:solidFill>
+                <a:schemeClr val="tx1"/>
+              </a:solidFill>
+            </a:ln>
+          </p:spPr>
+          <p:style>
+            <a:lnRef idx="2">
+              <a:schemeClr val="accent1">
+                <a:shade val="50000"/>
+              </a:schemeClr>
+            </a:lnRef>
+            <a:fillRef idx="1">
+              <a:schemeClr val="accent1"/>
+            </a:fillRef>
+            <a:effectRef idx="0">
+              <a:schemeClr val="accent1"/>
+            </a:effectRef>
+            <a:fontRef idx="minor">
+              <a:schemeClr val="lt1"/>
+            </a:fontRef>
+          </p:style>
+          <p:txBody>
+            <a:bodyPr rtlCol="0" anchor="ctr"/>
+            <a:lstStyle/>
+            <a:p>
+              <a:pPr algn="ctr"/>
+              <a:endParaRPr lang="en-GB"/>
+            </a:p>
+          </p:txBody>
+        </p:sp>
+        <p:sp>
+          <p:nvSpPr>
+            <p:cNvPr id="153" name="Oval 152">
+              <a:extLst>
+                <a:ext uri="{FF2B5EF4-FFF2-40B4-BE49-F238E27FC236}">
+                  <a16:creationId xmlns:a16="http://schemas.microsoft.com/office/drawing/2014/main" id="{92E477FF-2E92-0E1A-16E6-D278D225E98A}"/>
+                </a:ext>
+              </a:extLst>
+            </p:cNvPr>
+            <p:cNvSpPr>
+              <a:spLocks noChangeAspect="1"/>
+            </p:cNvSpPr>
+            <p:nvPr/>
+          </p:nvSpPr>
+          <p:spPr>
+            <a:xfrm>
+              <a:off x="7974139" y="3581087"/>
+              <a:ext cx="144000" cy="144000"/>
+            </a:xfrm>
+            <a:prstGeom prst="ellipse">
+              <a:avLst/>
+            </a:prstGeom>
+            <a:noFill/>
+            <a:ln>
+              <a:solidFill>
+                <a:schemeClr val="tx1"/>
+              </a:solidFill>
+            </a:ln>
+          </p:spPr>
+          <p:style>
+            <a:lnRef idx="2">
+              <a:schemeClr val="accent1">
+                <a:shade val="50000"/>
+              </a:schemeClr>
+            </a:lnRef>
+            <a:fillRef idx="1">
+              <a:schemeClr val="accent1"/>
+            </a:fillRef>
+            <a:effectRef idx="0">
+              <a:schemeClr val="accent1"/>
+            </a:effectRef>
+            <a:fontRef idx="minor">
+              <a:schemeClr val="lt1"/>
+            </a:fontRef>
+          </p:style>
+          <p:txBody>
+            <a:bodyPr rtlCol="0" anchor="ctr"/>
+            <a:lstStyle/>
+            <a:p>
+              <a:pPr algn="ctr"/>
+              <a:endParaRPr lang="en-GB"/>
+            </a:p>
+          </p:txBody>
+        </p:sp>
+        <p:sp>
+          <p:nvSpPr>
+            <p:cNvPr id="154" name="Oval 153">
+              <a:extLst>
+                <a:ext uri="{FF2B5EF4-FFF2-40B4-BE49-F238E27FC236}">
+                  <a16:creationId xmlns:a16="http://schemas.microsoft.com/office/drawing/2014/main" id="{2EA1D735-C5EF-4972-621E-76DB5F6F7BEC}"/>
+                </a:ext>
+              </a:extLst>
+            </p:cNvPr>
+            <p:cNvSpPr>
+              <a:spLocks noChangeAspect="1"/>
+            </p:cNvSpPr>
+            <p:nvPr/>
+          </p:nvSpPr>
+          <p:spPr>
+            <a:xfrm>
+              <a:off x="9212947" y="2639734"/>
+              <a:ext cx="144000" cy="144000"/>
+            </a:xfrm>
+            <a:prstGeom prst="ellipse">
+              <a:avLst/>
+            </a:prstGeom>
+            <a:noFill/>
+            <a:ln>
+              <a:solidFill>
+                <a:schemeClr val="tx1"/>
+              </a:solidFill>
+            </a:ln>
+          </p:spPr>
+          <p:style>
+            <a:lnRef idx="2">
+              <a:schemeClr val="accent1">
+                <a:shade val="50000"/>
+              </a:schemeClr>
+            </a:lnRef>
+            <a:fillRef idx="1">
+              <a:schemeClr val="accent1"/>
+            </a:fillRef>
+            <a:effectRef idx="0">
+              <a:schemeClr val="accent1"/>
+            </a:effectRef>
+            <a:fontRef idx="minor">
+              <a:schemeClr val="lt1"/>
+            </a:fontRef>
+          </p:style>
+          <p:txBody>
+            <a:bodyPr rtlCol="0" anchor="ctr"/>
+            <a:lstStyle/>
+            <a:p>
+              <a:pPr algn="ctr"/>
+              <a:endParaRPr lang="en-GB"/>
+            </a:p>
+          </p:txBody>
+        </p:sp>
+        <p:sp>
+          <p:nvSpPr>
+            <p:cNvPr id="155" name="Oval 154">
+              <a:extLst>
+                <a:ext uri="{FF2B5EF4-FFF2-40B4-BE49-F238E27FC236}">
+                  <a16:creationId xmlns:a16="http://schemas.microsoft.com/office/drawing/2014/main" id="{F7BEB9B7-33A8-2A5B-9947-084D51793416}"/>
+                </a:ext>
+              </a:extLst>
+            </p:cNvPr>
+            <p:cNvSpPr>
+              <a:spLocks noChangeAspect="1"/>
+            </p:cNvSpPr>
+            <p:nvPr/>
+          </p:nvSpPr>
+          <p:spPr>
+            <a:xfrm>
+              <a:off x="9005943" y="2336672"/>
+              <a:ext cx="144000" cy="144000"/>
+            </a:xfrm>
+            <a:prstGeom prst="ellipse">
+              <a:avLst/>
+            </a:prstGeom>
+            <a:noFill/>
+            <a:ln>
+              <a:solidFill>
+                <a:schemeClr val="tx1"/>
+              </a:solidFill>
+            </a:ln>
+          </p:spPr>
+          <p:style>
+            <a:lnRef idx="2">
+              <a:schemeClr val="accent1">
+                <a:shade val="50000"/>
+              </a:schemeClr>
+            </a:lnRef>
+            <a:fillRef idx="1">
+              <a:schemeClr val="accent1"/>
+            </a:fillRef>
+            <a:effectRef idx="0">
+              <a:schemeClr val="accent1"/>
+            </a:effectRef>
+            <a:fontRef idx="minor">
+              <a:schemeClr val="lt1"/>
+            </a:fontRef>
+          </p:style>
+          <p:txBody>
+            <a:bodyPr rtlCol="0" anchor="ctr"/>
+            <a:lstStyle/>
+            <a:p>
+              <a:pPr algn="ctr"/>
+              <a:endParaRPr lang="en-GB"/>
+            </a:p>
+          </p:txBody>
+        </p:sp>
+        <p:sp>
+          <p:nvSpPr>
+            <p:cNvPr id="156" name="Oval 155">
+              <a:extLst>
+                <a:ext uri="{FF2B5EF4-FFF2-40B4-BE49-F238E27FC236}">
+                  <a16:creationId xmlns:a16="http://schemas.microsoft.com/office/drawing/2014/main" id="{8E66B1ED-E558-E313-9EA8-7ACF1E44085F}"/>
+                </a:ext>
+              </a:extLst>
+            </p:cNvPr>
+            <p:cNvSpPr>
+              <a:spLocks noChangeAspect="1"/>
+            </p:cNvSpPr>
+            <p:nvPr/>
+          </p:nvSpPr>
+          <p:spPr>
+            <a:xfrm>
+              <a:off x="10411305" y="2447224"/>
+              <a:ext cx="144000" cy="144000"/>
+            </a:xfrm>
+            <a:prstGeom prst="ellipse">
+              <a:avLst/>
+            </a:prstGeom>
+            <a:noFill/>
+            <a:ln>
+              <a:solidFill>
+                <a:schemeClr val="tx1"/>
+              </a:solidFill>
+            </a:ln>
+          </p:spPr>
+          <p:style>
+            <a:lnRef idx="2">
+              <a:schemeClr val="accent1">
+                <a:shade val="50000"/>
+              </a:schemeClr>
+            </a:lnRef>
+            <a:fillRef idx="1">
+              <a:schemeClr val="accent1"/>
+            </a:fillRef>
+            <a:effectRef idx="0">
+              <a:schemeClr val="accent1"/>
+            </a:effectRef>
+            <a:fontRef idx="minor">
+              <a:schemeClr val="lt1"/>
+            </a:fontRef>
+          </p:style>
+          <p:txBody>
+            <a:bodyPr rtlCol="0" anchor="ctr"/>
+            <a:lstStyle/>
+            <a:p>
+              <a:pPr algn="ctr"/>
+              <a:endParaRPr lang="en-GB"/>
+            </a:p>
+          </p:txBody>
+        </p:sp>
+        <p:sp>
+          <p:nvSpPr>
+            <p:cNvPr id="157" name="Oval 156">
+              <a:extLst>
+                <a:ext uri="{FF2B5EF4-FFF2-40B4-BE49-F238E27FC236}">
+                  <a16:creationId xmlns:a16="http://schemas.microsoft.com/office/drawing/2014/main" id="{2712A79C-40B3-C0CB-6BDB-D94B8222DBD5}"/>
+                </a:ext>
+              </a:extLst>
+            </p:cNvPr>
+            <p:cNvSpPr>
+              <a:spLocks noChangeAspect="1"/>
+            </p:cNvSpPr>
+            <p:nvPr/>
+          </p:nvSpPr>
+          <p:spPr>
+            <a:xfrm>
+              <a:off x="9797943" y="2855354"/>
+              <a:ext cx="144000" cy="144000"/>
+            </a:xfrm>
+            <a:prstGeom prst="ellipse">
+              <a:avLst/>
+            </a:prstGeom>
+            <a:noFill/>
+            <a:ln>
+              <a:solidFill>
+                <a:schemeClr val="tx1"/>
+              </a:solidFill>
+            </a:ln>
+          </p:spPr>
+          <p:style>
+            <a:lnRef idx="2">
+              <a:schemeClr val="accent1">
+                <a:shade val="50000"/>
+              </a:schemeClr>
+            </a:lnRef>
+            <a:fillRef idx="1">
+              <a:schemeClr val="accent1"/>
+            </a:fillRef>
+            <a:effectRef idx="0">
+              <a:schemeClr val="accent1"/>
+            </a:effectRef>
+            <a:fontRef idx="minor">
+              <a:schemeClr val="lt1"/>
+            </a:fontRef>
+          </p:style>
+          <p:txBody>
+            <a:bodyPr rtlCol="0" anchor="ctr"/>
+            <a:lstStyle/>
+            <a:p>
+              <a:pPr algn="ctr"/>
+              <a:endParaRPr lang="en-GB"/>
+            </a:p>
+          </p:txBody>
+        </p:sp>
+        <p:sp>
+          <p:nvSpPr>
+            <p:cNvPr id="158" name="Oval 157">
+              <a:extLst>
+                <a:ext uri="{FF2B5EF4-FFF2-40B4-BE49-F238E27FC236}">
+                  <a16:creationId xmlns:a16="http://schemas.microsoft.com/office/drawing/2014/main" id="{C9C65584-D9FB-27A9-4219-0F3B006289A9}"/>
+                </a:ext>
+              </a:extLst>
+            </p:cNvPr>
+            <p:cNvSpPr>
+              <a:spLocks noChangeAspect="1"/>
+            </p:cNvSpPr>
+            <p:nvPr/>
+          </p:nvSpPr>
+          <p:spPr>
+            <a:xfrm>
+              <a:off x="7728624" y="2927354"/>
+              <a:ext cx="144000" cy="144000"/>
+            </a:xfrm>
+            <a:prstGeom prst="ellipse">
+              <a:avLst/>
+            </a:prstGeom>
+            <a:noFill/>
+            <a:ln>
+              <a:solidFill>
+                <a:schemeClr val="tx1"/>
+              </a:solidFill>
+            </a:ln>
+          </p:spPr>
+          <p:style>
+            <a:lnRef idx="2">
+              <a:schemeClr val="accent1">
+                <a:shade val="50000"/>
+              </a:schemeClr>
+            </a:lnRef>
+            <a:fillRef idx="1">
+              <a:schemeClr val="accent1"/>
+            </a:fillRef>
+            <a:effectRef idx="0">
+              <a:schemeClr val="accent1"/>
+            </a:effectRef>
+            <a:fontRef idx="minor">
+              <a:schemeClr val="lt1"/>
+            </a:fontRef>
+          </p:style>
+          <p:txBody>
+            <a:bodyPr rtlCol="0" anchor="ctr"/>
+            <a:lstStyle/>
+            <a:p>
+              <a:pPr algn="ctr"/>
+              <a:endParaRPr lang="en-GB"/>
+            </a:p>
+          </p:txBody>
+        </p:sp>
+        <p:sp>
+          <p:nvSpPr>
+            <p:cNvPr id="159" name="Oval 158">
+              <a:extLst>
+                <a:ext uri="{FF2B5EF4-FFF2-40B4-BE49-F238E27FC236}">
+                  <a16:creationId xmlns:a16="http://schemas.microsoft.com/office/drawing/2014/main" id="{A942921B-A8EB-F053-0370-17D5E26E7AE8}"/>
+                </a:ext>
+              </a:extLst>
+            </p:cNvPr>
+            <p:cNvSpPr>
+              <a:spLocks noChangeAspect="1"/>
+            </p:cNvSpPr>
+            <p:nvPr/>
+          </p:nvSpPr>
+          <p:spPr>
+            <a:xfrm>
+              <a:off x="9154631" y="3056672"/>
+              <a:ext cx="144000" cy="144000"/>
+            </a:xfrm>
+            <a:prstGeom prst="ellipse">
+              <a:avLst/>
+            </a:prstGeom>
+            <a:noFill/>
+            <a:ln>
+              <a:solidFill>
+                <a:schemeClr val="tx1"/>
+              </a:solidFill>
+            </a:ln>
+          </p:spPr>
+          <p:style>
+            <a:lnRef idx="2">
+              <a:schemeClr val="accent1">
+                <a:shade val="50000"/>
+              </a:schemeClr>
+            </a:lnRef>
+            <a:fillRef idx="1">
+              <a:schemeClr val="accent1"/>
+            </a:fillRef>
+            <a:effectRef idx="0">
+              <a:schemeClr val="accent1"/>
+            </a:effectRef>
+            <a:fontRef idx="minor">
+              <a:schemeClr val="lt1"/>
+            </a:fontRef>
+          </p:style>
+          <p:txBody>
+            <a:bodyPr rtlCol="0" anchor="ctr"/>
+            <a:lstStyle/>
+            <a:p>
+              <a:pPr algn="ctr"/>
+              <a:endParaRPr lang="en-GB"/>
+            </a:p>
+          </p:txBody>
+        </p:sp>
+        <p:cxnSp>
+          <p:nvCxnSpPr>
+            <p:cNvPr id="160" name="Straight Arrow Connector 159">
+              <a:extLst>
+                <a:ext uri="{FF2B5EF4-FFF2-40B4-BE49-F238E27FC236}">
+                  <a16:creationId xmlns:a16="http://schemas.microsoft.com/office/drawing/2014/main" id="{69EF0EA0-4707-A314-BC73-B3AA4E21F137}"/>
+                </a:ext>
+              </a:extLst>
+            </p:cNvPr>
+            <p:cNvCxnSpPr>
+              <a:cxnSpLocks/>
+              <a:stCxn id="174" idx="0"/>
+              <a:endCxn id="141" idx="4"/>
+            </p:cNvCxnSpPr>
+            <p:nvPr/>
+          </p:nvCxnSpPr>
+          <p:spPr>
+            <a:xfrm flipH="1" flipV="1">
+              <a:off x="9032471" y="3458934"/>
+              <a:ext cx="45472" cy="436639"/>
+            </a:xfrm>
+            <a:prstGeom prst="straightConnector1">
+              <a:avLst/>
+            </a:prstGeom>
+            <a:ln>
+              <a:tailEnd type="triangle"/>
+            </a:ln>
+          </p:spPr>
+          <p:style>
+            <a:lnRef idx="1">
+              <a:schemeClr val="accent1"/>
+            </a:lnRef>
+            <a:fillRef idx="0">
+              <a:schemeClr val="accent1"/>
+            </a:fillRef>
+            <a:effectRef idx="0">
+              <a:schemeClr val="accent1"/>
+            </a:effectRef>
+            <a:fontRef idx="minor">
+              <a:schemeClr val="tx1"/>
+            </a:fontRef>
+          </p:style>
+        </p:cxnSp>
+        <p:cxnSp>
+          <p:nvCxnSpPr>
+            <p:cNvPr id="161" name="Straight Arrow Connector 160">
+              <a:extLst>
+                <a:ext uri="{FF2B5EF4-FFF2-40B4-BE49-F238E27FC236}">
+                  <a16:creationId xmlns:a16="http://schemas.microsoft.com/office/drawing/2014/main" id="{0FC70AA5-DE03-7876-E69F-F2BCDB93235D}"/>
+                </a:ext>
+              </a:extLst>
+            </p:cNvPr>
+            <p:cNvCxnSpPr>
+              <a:cxnSpLocks/>
+              <a:stCxn id="174" idx="6"/>
+              <a:endCxn id="140" idx="3"/>
+            </p:cNvCxnSpPr>
+            <p:nvPr/>
+          </p:nvCxnSpPr>
+          <p:spPr>
+            <a:xfrm flipV="1">
+              <a:off x="9149943" y="3851399"/>
+              <a:ext cx="267742" cy="116174"/>
+            </a:xfrm>
+            <a:prstGeom prst="straightConnector1">
+              <a:avLst/>
+            </a:prstGeom>
+            <a:ln>
+              <a:tailEnd type="triangle"/>
+            </a:ln>
+          </p:spPr>
+          <p:style>
+            <a:lnRef idx="1">
+              <a:schemeClr val="accent1"/>
+            </a:lnRef>
+            <a:fillRef idx="0">
+              <a:schemeClr val="accent1"/>
+            </a:fillRef>
+            <a:effectRef idx="0">
+              <a:schemeClr val="accent1"/>
+            </a:effectRef>
+            <a:fontRef idx="minor">
+              <a:schemeClr val="tx1"/>
+            </a:fontRef>
+          </p:style>
+        </p:cxnSp>
+        <p:cxnSp>
+          <p:nvCxnSpPr>
+            <p:cNvPr id="162" name="Straight Arrow Connector 161">
+              <a:extLst>
+                <a:ext uri="{FF2B5EF4-FFF2-40B4-BE49-F238E27FC236}">
+                  <a16:creationId xmlns:a16="http://schemas.microsoft.com/office/drawing/2014/main" id="{C2270A04-E11D-920C-A1DE-FD093636990F}"/>
+                </a:ext>
+              </a:extLst>
+            </p:cNvPr>
+            <p:cNvCxnSpPr>
+              <a:cxnSpLocks/>
+              <a:stCxn id="174" idx="6"/>
+              <a:endCxn id="146" idx="3"/>
+            </p:cNvCxnSpPr>
+            <p:nvPr/>
+          </p:nvCxnSpPr>
+          <p:spPr>
+            <a:xfrm flipV="1">
+              <a:off x="9149943" y="3631999"/>
+              <a:ext cx="826224" cy="335574"/>
+            </a:xfrm>
+            <a:prstGeom prst="straightConnector1">
+              <a:avLst/>
+            </a:prstGeom>
+            <a:ln>
+              <a:tailEnd type="triangle"/>
+            </a:ln>
+          </p:spPr>
+          <p:style>
+            <a:lnRef idx="1">
+              <a:schemeClr val="accent1"/>
+            </a:lnRef>
+            <a:fillRef idx="0">
+              <a:schemeClr val="accent1"/>
+            </a:fillRef>
+            <a:effectRef idx="0">
+              <a:schemeClr val="accent1"/>
+            </a:effectRef>
+            <a:fontRef idx="minor">
+              <a:schemeClr val="tx1"/>
+            </a:fontRef>
+          </p:style>
+        </p:cxnSp>
+        <p:cxnSp>
+          <p:nvCxnSpPr>
+            <p:cNvPr id="163" name="Straight Arrow Connector 162">
+              <a:extLst>
+                <a:ext uri="{FF2B5EF4-FFF2-40B4-BE49-F238E27FC236}">
+                  <a16:creationId xmlns:a16="http://schemas.microsoft.com/office/drawing/2014/main" id="{E8C01E3B-84B8-1F66-0A0C-DF3100F82F7B}"/>
+                </a:ext>
+              </a:extLst>
+            </p:cNvPr>
+            <p:cNvCxnSpPr>
+              <a:cxnSpLocks/>
+              <a:stCxn id="174" idx="2"/>
+              <a:endCxn id="143" idx="5"/>
+            </p:cNvCxnSpPr>
+            <p:nvPr/>
+          </p:nvCxnSpPr>
+          <p:spPr>
+            <a:xfrm flipH="1" flipV="1">
+              <a:off x="8789497" y="3780163"/>
+              <a:ext cx="216446" cy="187410"/>
+            </a:xfrm>
+            <a:prstGeom prst="straightConnector1">
+              <a:avLst/>
+            </a:prstGeom>
+            <a:ln>
+              <a:tailEnd type="triangle"/>
+            </a:ln>
+          </p:spPr>
+          <p:style>
+            <a:lnRef idx="1">
+              <a:schemeClr val="accent1"/>
+            </a:lnRef>
+            <a:fillRef idx="0">
+              <a:schemeClr val="accent1"/>
+            </a:fillRef>
+            <a:effectRef idx="0">
+              <a:schemeClr val="accent1"/>
+            </a:effectRef>
+            <a:fontRef idx="minor">
+              <a:schemeClr val="tx1"/>
+            </a:fontRef>
+          </p:style>
+        </p:cxnSp>
+        <p:cxnSp>
+          <p:nvCxnSpPr>
+            <p:cNvPr id="164" name="Straight Arrow Connector 163">
+              <a:extLst>
+                <a:ext uri="{FF2B5EF4-FFF2-40B4-BE49-F238E27FC236}">
+                  <a16:creationId xmlns:a16="http://schemas.microsoft.com/office/drawing/2014/main" id="{07BF93CA-3E94-D097-2F3F-5B20E197CE5D}"/>
+                </a:ext>
+              </a:extLst>
+            </p:cNvPr>
+            <p:cNvCxnSpPr>
+              <a:cxnSpLocks/>
+              <a:endCxn id="174" idx="5"/>
+            </p:cNvCxnSpPr>
+            <p:nvPr/>
+          </p:nvCxnSpPr>
+          <p:spPr>
+            <a:xfrm flipH="1" flipV="1">
+              <a:off x="9128855" y="4018485"/>
+              <a:ext cx="253888" cy="181888"/>
+            </a:xfrm>
+            <a:prstGeom prst="straightConnector1">
+              <a:avLst/>
+            </a:prstGeom>
+            <a:ln>
+              <a:tailEnd type="triangle"/>
+            </a:ln>
+          </p:spPr>
+          <p:style>
+            <a:lnRef idx="1">
+              <a:schemeClr val="accent1"/>
+            </a:lnRef>
+            <a:fillRef idx="0">
+              <a:schemeClr val="accent1"/>
+            </a:fillRef>
+            <a:effectRef idx="0">
+              <a:schemeClr val="accent1"/>
+            </a:effectRef>
+            <a:fontRef idx="minor">
+              <a:schemeClr val="tx1"/>
+            </a:fontRef>
+          </p:style>
+        </p:cxnSp>
+        <p:cxnSp>
+          <p:nvCxnSpPr>
+            <p:cNvPr id="165" name="Straight Arrow Connector 164">
+              <a:extLst>
+                <a:ext uri="{FF2B5EF4-FFF2-40B4-BE49-F238E27FC236}">
+                  <a16:creationId xmlns:a16="http://schemas.microsoft.com/office/drawing/2014/main" id="{8BE897B1-8CA7-E359-83CE-64DF236859C2}"/>
+                </a:ext>
+              </a:extLst>
+            </p:cNvPr>
+            <p:cNvCxnSpPr>
+              <a:cxnSpLocks/>
+              <a:stCxn id="174" idx="4"/>
+              <a:endCxn id="139" idx="1"/>
+            </p:cNvCxnSpPr>
+            <p:nvPr/>
+          </p:nvCxnSpPr>
+          <p:spPr>
+            <a:xfrm>
+              <a:off x="9077943" y="4039573"/>
+              <a:ext cx="58450" cy="379461"/>
+            </a:xfrm>
+            <a:prstGeom prst="straightConnector1">
+              <a:avLst/>
+            </a:prstGeom>
+            <a:ln>
+              <a:tailEnd type="triangle"/>
+            </a:ln>
+          </p:spPr>
+          <p:style>
+            <a:lnRef idx="1">
+              <a:schemeClr val="accent1"/>
+            </a:lnRef>
+            <a:fillRef idx="0">
+              <a:schemeClr val="accent1"/>
+            </a:fillRef>
+            <a:effectRef idx="0">
+              <a:schemeClr val="accent1"/>
+            </a:effectRef>
+            <a:fontRef idx="minor">
+              <a:schemeClr val="tx1"/>
+            </a:fontRef>
+          </p:style>
+        </p:cxnSp>
+        <p:cxnSp>
+          <p:nvCxnSpPr>
+            <p:cNvPr id="166" name="Straight Arrow Connector 165">
+              <a:extLst>
+                <a:ext uri="{FF2B5EF4-FFF2-40B4-BE49-F238E27FC236}">
+                  <a16:creationId xmlns:a16="http://schemas.microsoft.com/office/drawing/2014/main" id="{7C5D8190-787C-42D0-F07F-28313781FE90}"/>
+                </a:ext>
+              </a:extLst>
+            </p:cNvPr>
+            <p:cNvCxnSpPr>
+              <a:cxnSpLocks/>
+              <a:stCxn id="174" idx="2"/>
+              <a:endCxn id="144" idx="7"/>
+            </p:cNvCxnSpPr>
+            <p:nvPr/>
+          </p:nvCxnSpPr>
+          <p:spPr>
+            <a:xfrm flipH="1">
+              <a:off x="8770316" y="3967573"/>
+              <a:ext cx="235627" cy="191020"/>
+            </a:xfrm>
+            <a:prstGeom prst="straightConnector1">
+              <a:avLst/>
+            </a:prstGeom>
+            <a:ln>
+              <a:tailEnd type="triangle"/>
+            </a:ln>
+          </p:spPr>
+          <p:style>
+            <a:lnRef idx="1">
+              <a:schemeClr val="accent1"/>
+            </a:lnRef>
+            <a:fillRef idx="0">
+              <a:schemeClr val="accent1"/>
+            </a:fillRef>
+            <a:effectRef idx="0">
+              <a:schemeClr val="accent1"/>
+            </a:effectRef>
+            <a:fontRef idx="minor">
+              <a:schemeClr val="tx1"/>
+            </a:fontRef>
+          </p:style>
+        </p:cxnSp>
+        <p:cxnSp>
+          <p:nvCxnSpPr>
+            <p:cNvPr id="167" name="Straight Arrow Connector 166">
+              <a:extLst>
+                <a:ext uri="{FF2B5EF4-FFF2-40B4-BE49-F238E27FC236}">
+                  <a16:creationId xmlns:a16="http://schemas.microsoft.com/office/drawing/2014/main" id="{7A932E26-0AA6-914A-3758-6AB078E3C34B}"/>
+                </a:ext>
+              </a:extLst>
+            </p:cNvPr>
+            <p:cNvCxnSpPr>
+              <a:cxnSpLocks/>
+              <a:stCxn id="174" idx="4"/>
+            </p:cNvCxnSpPr>
+            <p:nvPr/>
+          </p:nvCxnSpPr>
+          <p:spPr>
+            <a:xfrm>
+              <a:off x="9077943" y="4039573"/>
+              <a:ext cx="358271" cy="97932"/>
+            </a:xfrm>
+            <a:prstGeom prst="straightConnector1">
+              <a:avLst/>
+            </a:prstGeom>
+            <a:ln>
+              <a:tailEnd type="triangle"/>
+            </a:ln>
+          </p:spPr>
+          <p:style>
+            <a:lnRef idx="1">
+              <a:schemeClr val="accent1"/>
+            </a:lnRef>
+            <a:fillRef idx="0">
+              <a:schemeClr val="accent1"/>
+            </a:fillRef>
+            <a:effectRef idx="0">
+              <a:schemeClr val="accent1"/>
+            </a:effectRef>
+            <a:fontRef idx="minor">
+              <a:schemeClr val="tx1"/>
+            </a:fontRef>
+          </p:style>
+        </p:cxnSp>
+        <p:cxnSp>
+          <p:nvCxnSpPr>
+            <p:cNvPr id="168" name="Straight Arrow Connector 167">
+              <a:extLst>
+                <a:ext uri="{FF2B5EF4-FFF2-40B4-BE49-F238E27FC236}">
+                  <a16:creationId xmlns:a16="http://schemas.microsoft.com/office/drawing/2014/main" id="{0185C256-BB6C-4D50-EAFF-AB6A56C70496}"/>
+                </a:ext>
+              </a:extLst>
+            </p:cNvPr>
+            <p:cNvCxnSpPr>
+              <a:cxnSpLocks/>
+              <a:stCxn id="174" idx="3"/>
+            </p:cNvCxnSpPr>
+            <p:nvPr/>
+          </p:nvCxnSpPr>
+          <p:spPr>
+            <a:xfrm flipH="1">
+              <a:off x="8716214" y="4018485"/>
+              <a:ext cx="310817" cy="501159"/>
+            </a:xfrm>
+            <a:prstGeom prst="straightConnector1">
+              <a:avLst/>
+            </a:prstGeom>
+            <a:ln>
+              <a:tailEnd type="triangle"/>
+            </a:ln>
+          </p:spPr>
+          <p:style>
+            <a:lnRef idx="1">
+              <a:schemeClr val="accent1"/>
+            </a:lnRef>
+            <a:fillRef idx="0">
+              <a:schemeClr val="accent1"/>
+            </a:fillRef>
+            <a:effectRef idx="0">
+              <a:schemeClr val="accent1"/>
+            </a:effectRef>
+            <a:fontRef idx="minor">
+              <a:schemeClr val="tx1"/>
+            </a:fontRef>
+          </p:style>
+        </p:cxnSp>
+        <p:cxnSp>
+          <p:nvCxnSpPr>
+            <p:cNvPr id="169" name="Straight Arrow Connector 168">
+              <a:extLst>
+                <a:ext uri="{FF2B5EF4-FFF2-40B4-BE49-F238E27FC236}">
+                  <a16:creationId xmlns:a16="http://schemas.microsoft.com/office/drawing/2014/main" id="{A10ACEF4-C5D9-674E-C555-37EED103FEA5}"/>
+                </a:ext>
+              </a:extLst>
+            </p:cNvPr>
+            <p:cNvCxnSpPr>
+              <a:cxnSpLocks/>
+              <a:stCxn id="174" idx="7"/>
+              <a:endCxn id="159" idx="4"/>
+            </p:cNvCxnSpPr>
+            <p:nvPr/>
+          </p:nvCxnSpPr>
+          <p:spPr>
+            <a:xfrm flipV="1">
+              <a:off x="9128855" y="3200672"/>
+              <a:ext cx="97776" cy="715989"/>
+            </a:xfrm>
+            <a:prstGeom prst="straightConnector1">
+              <a:avLst/>
+            </a:prstGeom>
+            <a:ln>
+              <a:tailEnd type="triangle"/>
+            </a:ln>
+          </p:spPr>
+          <p:style>
+            <a:lnRef idx="1">
+              <a:schemeClr val="accent1"/>
+            </a:lnRef>
+            <a:fillRef idx="0">
+              <a:schemeClr val="accent1"/>
+            </a:fillRef>
+            <a:effectRef idx="0">
+              <a:schemeClr val="accent1"/>
+            </a:effectRef>
+            <a:fontRef idx="minor">
+              <a:schemeClr val="tx1"/>
+            </a:fontRef>
+          </p:style>
+        </p:cxnSp>
+        <p:cxnSp>
+          <p:nvCxnSpPr>
+            <p:cNvPr id="170" name="Straight Arrow Connector 169">
+              <a:extLst>
+                <a:ext uri="{FF2B5EF4-FFF2-40B4-BE49-F238E27FC236}">
+                  <a16:creationId xmlns:a16="http://schemas.microsoft.com/office/drawing/2014/main" id="{2B73AF9A-11D6-4882-2800-B9F29FC66D42}"/>
+                </a:ext>
+              </a:extLst>
+            </p:cNvPr>
+            <p:cNvCxnSpPr>
+              <a:cxnSpLocks/>
+              <a:stCxn id="174" idx="7"/>
+              <a:endCxn id="157" idx="3"/>
+            </p:cNvCxnSpPr>
+            <p:nvPr/>
+          </p:nvCxnSpPr>
+          <p:spPr>
+            <a:xfrm flipV="1">
+              <a:off x="9128855" y="2978266"/>
+              <a:ext cx="690176" cy="938395"/>
+            </a:xfrm>
+            <a:prstGeom prst="straightConnector1">
+              <a:avLst/>
+            </a:prstGeom>
+            <a:ln>
+              <a:tailEnd type="triangle"/>
+            </a:ln>
+          </p:spPr>
+          <p:style>
+            <a:lnRef idx="1">
+              <a:schemeClr val="accent1"/>
+            </a:lnRef>
+            <a:fillRef idx="0">
+              <a:schemeClr val="accent1"/>
+            </a:fillRef>
+            <a:effectRef idx="0">
+              <a:schemeClr val="accent1"/>
+            </a:effectRef>
+            <a:fontRef idx="minor">
+              <a:schemeClr val="tx1"/>
+            </a:fontRef>
+          </p:style>
+        </p:cxnSp>
+        <p:cxnSp>
+          <p:nvCxnSpPr>
+            <p:cNvPr id="171" name="Straight Arrow Connector 170">
+              <a:extLst>
+                <a:ext uri="{FF2B5EF4-FFF2-40B4-BE49-F238E27FC236}">
+                  <a16:creationId xmlns:a16="http://schemas.microsoft.com/office/drawing/2014/main" id="{C12AFB42-0B9D-A341-6CFF-F052EBFDCC83}"/>
+                </a:ext>
+              </a:extLst>
+            </p:cNvPr>
+            <p:cNvCxnSpPr>
+              <a:cxnSpLocks/>
+              <a:stCxn id="174" idx="0"/>
+              <a:endCxn id="154" idx="4"/>
+            </p:cNvCxnSpPr>
+            <p:nvPr/>
+          </p:nvCxnSpPr>
+          <p:spPr>
+            <a:xfrm flipV="1">
+              <a:off x="9077943" y="2783734"/>
+              <a:ext cx="207004" cy="1111839"/>
+            </a:xfrm>
+            <a:prstGeom prst="straightConnector1">
+              <a:avLst/>
+            </a:prstGeom>
+            <a:ln>
+              <a:tailEnd type="triangle"/>
+            </a:ln>
+          </p:spPr>
+          <p:style>
+            <a:lnRef idx="1">
+              <a:schemeClr val="accent1"/>
+            </a:lnRef>
+            <a:fillRef idx="0">
+              <a:schemeClr val="accent1"/>
+            </a:fillRef>
+            <a:effectRef idx="0">
+              <a:schemeClr val="accent1"/>
+            </a:effectRef>
+            <a:fontRef idx="minor">
+              <a:schemeClr val="tx1"/>
+            </a:fontRef>
+          </p:style>
+        </p:cxnSp>
+        <p:cxnSp>
+          <p:nvCxnSpPr>
+            <p:cNvPr id="172" name="Straight Arrow Connector 171">
+              <a:extLst>
+                <a:ext uri="{FF2B5EF4-FFF2-40B4-BE49-F238E27FC236}">
+                  <a16:creationId xmlns:a16="http://schemas.microsoft.com/office/drawing/2014/main" id="{3D1281DB-11BD-8CD5-D6C2-913EE95AE50D}"/>
+                </a:ext>
+              </a:extLst>
+            </p:cNvPr>
+            <p:cNvCxnSpPr>
+              <a:cxnSpLocks/>
+              <a:stCxn id="174" idx="1"/>
+            </p:cNvCxnSpPr>
+            <p:nvPr/>
+          </p:nvCxnSpPr>
+          <p:spPr>
+            <a:xfrm flipH="1" flipV="1">
+              <a:off x="8458344" y="2911045"/>
+              <a:ext cx="568687" cy="1005616"/>
+            </a:xfrm>
+            <a:prstGeom prst="straightConnector1">
+              <a:avLst/>
+            </a:prstGeom>
+            <a:ln>
+              <a:tailEnd type="triangle"/>
+            </a:ln>
+          </p:spPr>
+          <p:style>
+            <a:lnRef idx="1">
+              <a:schemeClr val="accent1"/>
+            </a:lnRef>
+            <a:fillRef idx="0">
+              <a:schemeClr val="accent1"/>
+            </a:fillRef>
+            <a:effectRef idx="0">
+              <a:schemeClr val="accent1"/>
+            </a:effectRef>
+            <a:fontRef idx="minor">
+              <a:schemeClr val="tx1"/>
+            </a:fontRef>
+          </p:style>
+        </p:cxnSp>
+      </p:grpSp>
+    </p:spTree>
+    <p:extLst>
+      <p:ext uri="{BB962C8B-B14F-4D97-AF65-F5344CB8AC3E}">
+        <p14:creationId xmlns:p14="http://schemas.microsoft.com/office/powerpoint/2010/main" val="2700136608"/>
+      </p:ext>
+    </p:extLst>
+  </p:cSld>
+  <p:clrMapOvr>
+    <a:masterClrMapping/>
+  </p:clrMapOvr>
+</p:sld>
+</file>
+
 <file path=ppt/slides/slide2.xml><?xml version="1.0" encoding="utf-8"?>
 <p:sld xmlns:a="http://schemas.openxmlformats.org/drawingml/2006/main" xmlns:r="http://schemas.openxmlformats.org/officeDocument/2006/relationships" xmlns:p="http://schemas.openxmlformats.org/presentationml/2006/main">
   <p:cSld>

--- a/public/drawings.pptx
+++ b/public/drawings.pptx
@@ -5,22 +5,23 @@
     <p:sldMasterId id="2147483648" r:id="rId1"/>
   </p:sldMasterIdLst>
   <p:notesMasterIdLst>
-    <p:notesMasterId r:id="rId15"/>
+    <p:notesMasterId r:id="rId16"/>
   </p:notesMasterIdLst>
   <p:sldIdLst>
     <p:sldId id="257" r:id="rId2"/>
-    <p:sldId id="258" r:id="rId3"/>
-    <p:sldId id="338" r:id="rId4"/>
-    <p:sldId id="339" r:id="rId5"/>
-    <p:sldId id="323" r:id="rId6"/>
-    <p:sldId id="318" r:id="rId7"/>
-    <p:sldId id="340" r:id="rId8"/>
-    <p:sldId id="341" r:id="rId9"/>
-    <p:sldId id="320" r:id="rId10"/>
-    <p:sldId id="342" r:id="rId11"/>
-    <p:sldId id="343" r:id="rId12"/>
-    <p:sldId id="344" r:id="rId13"/>
-    <p:sldId id="345" r:id="rId14"/>
+    <p:sldId id="346" r:id="rId3"/>
+    <p:sldId id="258" r:id="rId4"/>
+    <p:sldId id="338" r:id="rId5"/>
+    <p:sldId id="339" r:id="rId6"/>
+    <p:sldId id="323" r:id="rId7"/>
+    <p:sldId id="318" r:id="rId8"/>
+    <p:sldId id="340" r:id="rId9"/>
+    <p:sldId id="341" r:id="rId10"/>
+    <p:sldId id="320" r:id="rId11"/>
+    <p:sldId id="342" r:id="rId12"/>
+    <p:sldId id="343" r:id="rId13"/>
+    <p:sldId id="344" r:id="rId14"/>
+    <p:sldId id="345" r:id="rId15"/>
   </p:sldIdLst>
   <p:sldSz cx="12192000" cy="6858000"/>
   <p:notesSz cx="6858000" cy="9144000"/>
@@ -119,6 +120,11 @@
       </a:defRPr>
     </a:lvl9pPr>
   </p:defaultTextStyle>
+  <p:extLst>
+    <p:ext uri="{EFAFB233-063F-42B5-8137-9DF3F51BA10A}">
+      <p15:sldGuideLst xmlns:p15="http://schemas.microsoft.com/office/powerpoint/2012/main"/>
+    </p:ext>
+  </p:extLst>
 </p:presentation>
 </file>
 
@@ -204,7 +210,7 @@
           <a:p>
             <a:fld id="{1487A955-B0B6-BE46-BA79-863ECB8B9B7B}" type="datetimeFigureOut">
               <a:rPr lang="en-GB" smtClean="0"/>
-              <a:t>16/02/2023</a:t>
+              <a:t>06/03/2023</a:t>
             </a:fld>
             <a:endParaRPr lang="en-GB"/>
           </a:p>
@@ -536,7 +542,7 @@
           <a:p>
             <a:fld id="{D106152E-64A5-8445-9CF5-1963979597C7}" type="slidenum">
               <a:rPr lang="en-GB" smtClean="0"/>
-              <a:t>2</a:t>
+              <a:t>3</a:t>
             </a:fld>
             <a:endParaRPr lang="en-GB"/>
           </a:p>
@@ -702,7 +708,7 @@
           <a:p>
             <a:fld id="{0492CA4C-7333-E747-B517-6468D8AE026A}" type="datetimeFigureOut">
               <a:rPr lang="en-GB" smtClean="0"/>
-              <a:t>16/02/2023</a:t>
+              <a:t>06/03/2023</a:t>
             </a:fld>
             <a:endParaRPr lang="en-GB"/>
           </a:p>
@@ -900,7 +906,7 @@
           <a:p>
             <a:fld id="{0492CA4C-7333-E747-B517-6468D8AE026A}" type="datetimeFigureOut">
               <a:rPr lang="en-GB" smtClean="0"/>
-              <a:t>16/02/2023</a:t>
+              <a:t>06/03/2023</a:t>
             </a:fld>
             <a:endParaRPr lang="en-GB"/>
           </a:p>
@@ -1108,7 +1114,7 @@
           <a:p>
             <a:fld id="{0492CA4C-7333-E747-B517-6468D8AE026A}" type="datetimeFigureOut">
               <a:rPr lang="en-GB" smtClean="0"/>
-              <a:t>16/02/2023</a:t>
+              <a:t>06/03/2023</a:t>
             </a:fld>
             <a:endParaRPr lang="en-GB"/>
           </a:p>
@@ -1306,7 +1312,7 @@
           <a:p>
             <a:fld id="{0492CA4C-7333-E747-B517-6468D8AE026A}" type="datetimeFigureOut">
               <a:rPr lang="en-GB" smtClean="0"/>
-              <a:t>16/02/2023</a:t>
+              <a:t>06/03/2023</a:t>
             </a:fld>
             <a:endParaRPr lang="en-GB"/>
           </a:p>
@@ -1581,7 +1587,7 @@
           <a:p>
             <a:fld id="{0492CA4C-7333-E747-B517-6468D8AE026A}" type="datetimeFigureOut">
               <a:rPr lang="en-GB" smtClean="0"/>
-              <a:t>16/02/2023</a:t>
+              <a:t>06/03/2023</a:t>
             </a:fld>
             <a:endParaRPr lang="en-GB"/>
           </a:p>
@@ -1846,7 +1852,7 @@
           <a:p>
             <a:fld id="{0492CA4C-7333-E747-B517-6468D8AE026A}" type="datetimeFigureOut">
               <a:rPr lang="en-GB" smtClean="0"/>
-              <a:t>16/02/2023</a:t>
+              <a:t>06/03/2023</a:t>
             </a:fld>
             <a:endParaRPr lang="en-GB"/>
           </a:p>
@@ -2258,7 +2264,7 @@
           <a:p>
             <a:fld id="{0492CA4C-7333-E747-B517-6468D8AE026A}" type="datetimeFigureOut">
               <a:rPr lang="en-GB" smtClean="0"/>
-              <a:t>16/02/2023</a:t>
+              <a:t>06/03/2023</a:t>
             </a:fld>
             <a:endParaRPr lang="en-GB"/>
           </a:p>
@@ -2399,7 +2405,7 @@
           <a:p>
             <a:fld id="{0492CA4C-7333-E747-B517-6468D8AE026A}" type="datetimeFigureOut">
               <a:rPr lang="en-GB" smtClean="0"/>
-              <a:t>16/02/2023</a:t>
+              <a:t>06/03/2023</a:t>
             </a:fld>
             <a:endParaRPr lang="en-GB"/>
           </a:p>
@@ -2512,7 +2518,7 @@
           <a:p>
             <a:fld id="{0492CA4C-7333-E747-B517-6468D8AE026A}" type="datetimeFigureOut">
               <a:rPr lang="en-GB" smtClean="0"/>
-              <a:t>16/02/2023</a:t>
+              <a:t>06/03/2023</a:t>
             </a:fld>
             <a:endParaRPr lang="en-GB"/>
           </a:p>
@@ -2823,7 +2829,7 @@
           <a:p>
             <a:fld id="{0492CA4C-7333-E747-B517-6468D8AE026A}" type="datetimeFigureOut">
               <a:rPr lang="en-GB" smtClean="0"/>
-              <a:t>16/02/2023</a:t>
+              <a:t>06/03/2023</a:t>
             </a:fld>
             <a:endParaRPr lang="en-GB"/>
           </a:p>
@@ -3111,7 +3117,7 @@
           <a:p>
             <a:fld id="{0492CA4C-7333-E747-B517-6468D8AE026A}" type="datetimeFigureOut">
               <a:rPr lang="en-GB" smtClean="0"/>
-              <a:t>16/02/2023</a:t>
+              <a:t>06/03/2023</a:t>
             </a:fld>
             <a:endParaRPr lang="en-GB"/>
           </a:p>
@@ -3352,7 +3358,7 @@
           <a:p>
             <a:fld id="{0492CA4C-7333-E747-B517-6468D8AE026A}" type="datetimeFigureOut">
               <a:rPr lang="en-GB" smtClean="0"/>
-              <a:t>16/02/2023</a:t>
+              <a:t>06/03/2023</a:t>
             </a:fld>
             <a:endParaRPr lang="en-GB"/>
           </a:p>
@@ -4682,6 +4688,171 @@
 </file>
 
 <file path=ppt/slides/slide10.xml><?xml version="1.0" encoding="utf-8"?>
+<p:sld xmlns:a="http://schemas.openxmlformats.org/drawingml/2006/main" xmlns:r="http://schemas.openxmlformats.org/officeDocument/2006/relationships" xmlns:p="http://schemas.openxmlformats.org/presentationml/2006/main">
+  <p:cSld>
+    <p:spTree>
+      <p:nvGrpSpPr>
+        <p:cNvPr id="1" name=""/>
+        <p:cNvGrpSpPr/>
+        <p:nvPr/>
+      </p:nvGrpSpPr>
+      <p:grpSpPr>
+        <a:xfrm>
+          <a:off x="0" y="0"/>
+          <a:ext cx="0" cy="0"/>
+          <a:chOff x="0" y="0"/>
+          <a:chExt cx="0" cy="0"/>
+        </a:xfrm>
+      </p:grpSpPr>
+      <p:pic>
+        <p:nvPicPr>
+          <p:cNvPr id="9" name="Content Placeholder 4">
+            <a:extLst>
+              <a:ext uri="{FF2B5EF4-FFF2-40B4-BE49-F238E27FC236}">
+                <a16:creationId xmlns:a16="http://schemas.microsoft.com/office/drawing/2014/main" id="{425FDEC1-07CA-BF8A-A271-DC071567B813}"/>
+              </a:ext>
+            </a:extLst>
+          </p:cNvPr>
+          <p:cNvPicPr>
+            <a:picLocks noChangeAspect="1"/>
+          </p:cNvPicPr>
+          <p:nvPr/>
+        </p:nvPicPr>
+        <p:blipFill>
+          <a:blip r:embed="rId2"/>
+          <a:stretch>
+            <a:fillRect/>
+          </a:stretch>
+        </p:blipFill>
+        <p:spPr>
+          <a:xfrm>
+            <a:off x="354475" y="2003337"/>
+            <a:ext cx="8443913" cy="1513349"/>
+          </a:xfrm>
+          <a:prstGeom prst="rect">
+            <a:avLst/>
+          </a:prstGeom>
+        </p:spPr>
+      </p:pic>
+      <p:pic>
+        <p:nvPicPr>
+          <p:cNvPr id="10" name="Picture 9">
+            <a:extLst>
+              <a:ext uri="{FF2B5EF4-FFF2-40B4-BE49-F238E27FC236}">
+                <a16:creationId xmlns:a16="http://schemas.microsoft.com/office/drawing/2014/main" id="{1E5E64E8-776A-ECE5-6A99-7A0C8670546E}"/>
+              </a:ext>
+            </a:extLst>
+          </p:cNvPr>
+          <p:cNvPicPr>
+            <a:picLocks noChangeAspect="1"/>
+          </p:cNvPicPr>
+          <p:nvPr/>
+        </p:nvPicPr>
+        <p:blipFill>
+          <a:blip r:embed="rId3"/>
+          <a:stretch>
+            <a:fillRect/>
+          </a:stretch>
+        </p:blipFill>
+        <p:spPr>
+          <a:xfrm>
+            <a:off x="354475" y="3817441"/>
+            <a:ext cx="5224522" cy="1515756"/>
+          </a:xfrm>
+          <a:prstGeom prst="rect">
+            <a:avLst/>
+          </a:prstGeom>
+        </p:spPr>
+      </p:pic>
+    </p:spTree>
+    <p:extLst>
+      <p:ext uri="{BB962C8B-B14F-4D97-AF65-F5344CB8AC3E}">
+        <p14:creationId xmlns:p14="http://schemas.microsoft.com/office/powerpoint/2010/main" val="3383201513"/>
+      </p:ext>
+    </p:extLst>
+  </p:cSld>
+  <p:clrMapOvr>
+    <a:masterClrMapping/>
+  </p:clrMapOvr>
+  <p:timing>
+    <p:tnLst>
+      <p:par>
+        <p:cTn id="1" dur="indefinite" restart="never" nodeType="tmRoot">
+          <p:childTnLst>
+            <p:seq concurrent="1" nextAc="seek">
+              <p:cTn id="2" dur="indefinite" nodeType="mainSeq">
+                <p:childTnLst>
+                  <p:par>
+                    <p:cTn id="3" fill="hold">
+                      <p:stCondLst>
+                        <p:cond delay="indefinite"/>
+                      </p:stCondLst>
+                      <p:childTnLst>
+                        <p:par>
+                          <p:cTn id="4" fill="hold">
+                            <p:stCondLst>
+                              <p:cond delay="0"/>
+                            </p:stCondLst>
+                            <p:childTnLst>
+                              <p:par>
+                                <p:cTn id="5" presetID="1" presetClass="entr" presetSubtype="0" fill="hold" nodeType="clickEffect">
+                                  <p:stCondLst>
+                                    <p:cond delay="0"/>
+                                  </p:stCondLst>
+                                  <p:childTnLst>
+                                    <p:set>
+                                      <p:cBhvr>
+                                        <p:cTn id="6" dur="1" fill="hold">
+                                          <p:stCondLst>
+                                            <p:cond delay="0"/>
+                                          </p:stCondLst>
+                                        </p:cTn>
+                                        <p:tgtEl>
+                                          <p:spTgt spid="10"/>
+                                        </p:tgtEl>
+                                        <p:attrNameLst>
+                                          <p:attrName>style.visibility</p:attrName>
+                                        </p:attrNameLst>
+                                      </p:cBhvr>
+                                      <p:to>
+                                        <p:strVal val="visible"/>
+                                      </p:to>
+                                    </p:set>
+                                  </p:childTnLst>
+                                </p:cTn>
+                              </p:par>
+                            </p:childTnLst>
+                          </p:cTn>
+                        </p:par>
+                      </p:childTnLst>
+                    </p:cTn>
+                  </p:par>
+                </p:childTnLst>
+              </p:cTn>
+              <p:prevCondLst>
+                <p:cond evt="onPrev" delay="0">
+                  <p:tgtEl>
+                    <p:sldTgt/>
+                  </p:tgtEl>
+                </p:cond>
+              </p:prevCondLst>
+              <p:nextCondLst>
+                <p:cond evt="onNext" delay="0">
+                  <p:tgtEl>
+                    <p:sldTgt/>
+                  </p:tgtEl>
+                </p:cond>
+              </p:nextCondLst>
+            </p:seq>
+          </p:childTnLst>
+        </p:cTn>
+      </p:par>
+    </p:tnLst>
+  </p:timing>
+</p:sld>
+</file>
+
+<file path=ppt/slides/slide11.xml><?xml version="1.0" encoding="utf-8"?>
 <p:sld xmlns:a="http://schemas.openxmlformats.org/drawingml/2006/main" xmlns:r="http://schemas.openxmlformats.org/officeDocument/2006/relationships" xmlns:p="http://schemas.openxmlformats.org/presentationml/2006/main">
   <p:cSld>
     <p:spTree>
@@ -5657,7 +5828,7 @@
 </p:sld>
 </file>
 
-<file path=ppt/slides/slide11.xml><?xml version="1.0" encoding="utf-8"?>
+<file path=ppt/slides/slide12.xml><?xml version="1.0" encoding="utf-8"?>
 <p:sld xmlns:a="http://schemas.openxmlformats.org/drawingml/2006/main" xmlns:r="http://schemas.openxmlformats.org/officeDocument/2006/relationships" xmlns:p="http://schemas.openxmlformats.org/presentationml/2006/main">
   <p:cSld>
     <p:spTree>
@@ -7650,7 +7821,7 @@
 </p:sld>
 </file>
 
-<file path=ppt/slides/slide12.xml><?xml version="1.0" encoding="utf-8"?>
+<file path=ppt/slides/slide13.xml><?xml version="1.0" encoding="utf-8"?>
 <p:sld xmlns:a="http://schemas.openxmlformats.org/drawingml/2006/main" xmlns:r="http://schemas.openxmlformats.org/officeDocument/2006/relationships" xmlns:p="http://schemas.openxmlformats.org/presentationml/2006/main">
   <p:cSld>
     <p:spTree>
@@ -8256,7 +8427,7 @@
 </p:sld>
 </file>
 
-<file path=ppt/slides/slide13.xml><?xml version="1.0" encoding="utf-8"?>
+<file path=ppt/slides/slide14.xml><?xml version="1.0" encoding="utf-8"?>
 <p:sld xmlns:a="http://schemas.openxmlformats.org/drawingml/2006/main" xmlns:r="http://schemas.openxmlformats.org/officeDocument/2006/relationships" xmlns:p="http://schemas.openxmlformats.org/presentationml/2006/main">
   <p:cSld>
     <p:spTree>
@@ -16088,6 +16259,66 @@
           <a:chExt cx="0" cy="0"/>
         </a:xfrm>
       </p:grpSpPr>
+      <p:pic>
+        <p:nvPicPr>
+          <p:cNvPr id="2" name="Picture 1">
+            <a:extLst>
+              <a:ext uri="{FF2B5EF4-FFF2-40B4-BE49-F238E27FC236}">
+                <a16:creationId xmlns:a16="http://schemas.microsoft.com/office/drawing/2014/main" id="{B10E5B94-CCB7-ABA5-EAA5-BC22387EEFFD}"/>
+              </a:ext>
+            </a:extLst>
+          </p:cNvPr>
+          <p:cNvPicPr>
+            <a:picLocks noChangeAspect="1"/>
+          </p:cNvPicPr>
+          <p:nvPr/>
+        </p:nvPicPr>
+        <p:blipFill>
+          <a:blip r:embed="rId2"/>
+          <a:stretch>
+            <a:fillRect/>
+          </a:stretch>
+        </p:blipFill>
+        <p:spPr>
+          <a:xfrm>
+            <a:off x="2209800" y="1316115"/>
+            <a:ext cx="7772400" cy="4225770"/>
+          </a:xfrm>
+          <a:prstGeom prst="rect">
+            <a:avLst/>
+          </a:prstGeom>
+        </p:spPr>
+      </p:pic>
+    </p:spTree>
+    <p:extLst>
+      <p:ext uri="{BB962C8B-B14F-4D97-AF65-F5344CB8AC3E}">
+        <p14:creationId xmlns:p14="http://schemas.microsoft.com/office/powerpoint/2010/main" val="1143809052"/>
+      </p:ext>
+    </p:extLst>
+  </p:cSld>
+  <p:clrMapOvr>
+    <a:masterClrMapping/>
+  </p:clrMapOvr>
+</p:sld>
+</file>
+
+<file path=ppt/slides/slide3.xml><?xml version="1.0" encoding="utf-8"?>
+<p:sld xmlns:a="http://schemas.openxmlformats.org/drawingml/2006/main" xmlns:r="http://schemas.openxmlformats.org/officeDocument/2006/relationships" xmlns:p="http://schemas.openxmlformats.org/presentationml/2006/main">
+  <p:cSld>
+    <p:spTree>
+      <p:nvGrpSpPr>
+        <p:cNvPr id="1" name=""/>
+        <p:cNvGrpSpPr/>
+        <p:nvPr/>
+      </p:nvGrpSpPr>
+      <p:grpSpPr>
+        <a:xfrm>
+          <a:off x="0" y="0"/>
+          <a:ext cx="0" cy="0"/>
+          <a:chOff x="0" y="0"/>
+          <a:chExt cx="0" cy="0"/>
+        </a:xfrm>
+      </p:grpSpPr>
       <p:grpSp>
         <p:nvGrpSpPr>
           <p:cNvPr id="40" name="Group 39">
@@ -18020,7 +18251,7 @@
 </p:sld>
 </file>
 
-<file path=ppt/slides/slide3.xml><?xml version="1.0" encoding="utf-8"?>
+<file path=ppt/slides/slide4.xml><?xml version="1.0" encoding="utf-8"?>
 <p:sld xmlns:a="http://schemas.openxmlformats.org/drawingml/2006/main" xmlns:r="http://schemas.openxmlformats.org/officeDocument/2006/relationships" xmlns:p="http://schemas.openxmlformats.org/presentationml/2006/main">
   <p:cSld>
     <p:spTree>
@@ -18106,7 +18337,7 @@
               <a:effectLst/>
               <a:extLst>
                 <a:ext uri="{AF507438-7753-43e0-B8FC-AC1667EBCBE1}">
-                  <a14:hiddenEffects xmlns:a14="http://schemas.microsoft.com/office/drawing/2010/main" xmlns="">
+                  <a14:hiddenEffects xmlns="" xmlns:a14="http://schemas.microsoft.com/office/drawing/2010/main">
                     <a:effectLst>
                       <a:outerShdw blurRad="63500" dist="38099" dir="2700000" algn="ctr" rotWithShape="0">
                         <a:schemeClr val="bg2">
@@ -18148,7 +18379,7 @@
               <a:effectLst/>
               <a:extLst>
                 <a:ext uri="{AF507438-7753-43e0-B8FC-AC1667EBCBE1}">
-                  <a14:hiddenEffects xmlns:a14="http://schemas.microsoft.com/office/drawing/2010/main" xmlns="">
+                  <a14:hiddenEffects xmlns="" xmlns:a14="http://schemas.microsoft.com/office/drawing/2010/main">
                     <a:effectLst>
                       <a:outerShdw blurRad="63500" dist="38099" dir="2700000" algn="ctr" rotWithShape="0">
                         <a:schemeClr val="bg2">
@@ -18190,7 +18421,7 @@
               <a:effectLst/>
               <a:extLst>
                 <a:ext uri="{AF507438-7753-43e0-B8FC-AC1667EBCBE1}">
-                  <a14:hiddenEffects xmlns:a14="http://schemas.microsoft.com/office/drawing/2010/main" xmlns="">
+                  <a14:hiddenEffects xmlns="" xmlns:a14="http://schemas.microsoft.com/office/drawing/2010/main">
                     <a:effectLst>
                       <a:outerShdw blurRad="63500" dist="38099" dir="2700000" algn="ctr" rotWithShape="0">
                         <a:schemeClr val="bg2">
@@ -18232,7 +18463,7 @@
               <a:effectLst/>
               <a:extLst>
                 <a:ext uri="{AF507438-7753-43e0-B8FC-AC1667EBCBE1}">
-                  <a14:hiddenEffects xmlns:a14="http://schemas.microsoft.com/office/drawing/2010/main" xmlns="">
+                  <a14:hiddenEffects xmlns="" xmlns:a14="http://schemas.microsoft.com/office/drawing/2010/main">
                     <a:effectLst>
                       <a:outerShdw blurRad="63500" dist="38099" dir="2700000" algn="ctr" rotWithShape="0">
                         <a:schemeClr val="bg2">
@@ -18245,8 +18476,8 @@
               </a:extLst>
             </p:spPr>
           </p:cxnSp>
-          <mc:AlternateContent xmlns:mc="http://schemas.openxmlformats.org/markup-compatibility/2006">
-            <mc:Choice xmlns:a14="http://schemas.microsoft.com/office/drawing/2010/main" Requires="a14">
+          <mc:AlternateContent xmlns:mc="http://schemas.openxmlformats.org/markup-compatibility/2006" xmlns:a14="http://schemas.microsoft.com/office/drawing/2010/main">
+            <mc:Choice Requires="a14">
               <p:sp>
                 <p:nvSpPr>
                   <p:cNvPr id="16" name="TextBox 15"/>
@@ -18329,7 +18560,7 @@
                 </p:txBody>
               </p:sp>
             </mc:Choice>
-            <mc:Fallback>
+            <mc:Fallback xmlns="">
               <p:sp>
                 <p:nvSpPr>
                   <p:cNvPr id="16" name="TextBox 15"/>
@@ -18402,8 +18633,8 @@
               </a:p>
             </p:txBody>
           </p:sp>
-          <mc:AlternateContent xmlns:mc="http://schemas.openxmlformats.org/markup-compatibility/2006">
-            <mc:Choice xmlns:a14="http://schemas.microsoft.com/office/drawing/2010/main" Requires="a14">
+          <mc:AlternateContent xmlns:mc="http://schemas.openxmlformats.org/markup-compatibility/2006" xmlns:a14="http://schemas.microsoft.com/office/drawing/2010/main">
+            <mc:Choice Requires="a14">
               <p:sp>
                 <p:nvSpPr>
                   <p:cNvPr id="20" name="TextBox 19"/>
@@ -18426,6 +18657,7 @@
                   </a:bodyPr>
                   <a:lstStyle/>
                   <a:p>
+                    <a:pPr/>
                     <a14:m>
                       <m:oMathPara xmlns:m="http://schemas.openxmlformats.org/officeDocument/2006/math">
                         <m:oMathParaPr>
@@ -18496,7 +18728,7 @@
                 </p:txBody>
               </p:sp>
             </mc:Choice>
-            <mc:Fallback>
+            <mc:Fallback xmlns="">
               <p:sp>
                 <p:nvSpPr>
                   <p:cNvPr id="20" name="TextBox 19"/>
@@ -18598,7 +18830,7 @@
               <a:effectLst/>
               <a:extLst>
                 <a:ext uri="{AF507438-7753-43e0-B8FC-AC1667EBCBE1}">
-                  <a14:hiddenEffects xmlns:a14="http://schemas.microsoft.com/office/drawing/2010/main" xmlns="">
+                  <a14:hiddenEffects xmlns="" xmlns:a14="http://schemas.microsoft.com/office/drawing/2010/main">
                     <a:effectLst>
                       <a:outerShdw blurRad="63500" dist="38099" dir="2700000" algn="ctr" rotWithShape="0">
                         <a:schemeClr val="bg2">
@@ -18611,8 +18843,8 @@
               </a:extLst>
             </p:spPr>
           </p:cxnSp>
-          <mc:AlternateContent xmlns:mc="http://schemas.openxmlformats.org/markup-compatibility/2006">
-            <mc:Choice xmlns:a14="http://schemas.microsoft.com/office/drawing/2010/main" Requires="a14">
+          <mc:AlternateContent xmlns:mc="http://schemas.openxmlformats.org/markup-compatibility/2006" xmlns:a14="http://schemas.microsoft.com/office/drawing/2010/main">
+            <mc:Choice Requires="a14">
               <p:sp>
                 <p:nvSpPr>
                   <p:cNvPr id="8" name="TextBox 7">
@@ -18641,6 +18873,7 @@
                   </a:bodyPr>
                   <a:lstStyle/>
                   <a:p>
+                    <a:pPr/>
                     <a14:m>
                       <m:oMathPara xmlns:m="http://schemas.openxmlformats.org/officeDocument/2006/math">
                         <m:oMathParaPr>
@@ -18693,7 +18926,7 @@
                 </p:txBody>
               </p:sp>
             </mc:Choice>
-            <mc:Fallback>
+            <mc:Fallback xmlns="">
               <p:sp>
                 <p:nvSpPr>
                   <p:cNvPr id="8" name="TextBox 7">
@@ -18985,7 +19218,7 @@
 </p:sld>
 </file>
 
-<file path=ppt/slides/slide4.xml><?xml version="1.0" encoding="utf-8"?>
+<file path=ppt/slides/slide5.xml><?xml version="1.0" encoding="utf-8"?>
 <p:sld xmlns:a="http://schemas.openxmlformats.org/drawingml/2006/main" xmlns:r="http://schemas.openxmlformats.org/officeDocument/2006/relationships" xmlns:p="http://schemas.openxmlformats.org/presentationml/2006/main">
   <p:cSld>
     <p:spTree>
@@ -19116,7 +19349,7 @@
 </p:sld>
 </file>
 
-<file path=ppt/slides/slide5.xml><?xml version="1.0" encoding="utf-8"?>
+<file path=ppt/slides/slide6.xml><?xml version="1.0" encoding="utf-8"?>
 <p:sld xmlns:a="http://schemas.openxmlformats.org/drawingml/2006/main" xmlns:r="http://schemas.openxmlformats.org/officeDocument/2006/relationships" xmlns:p="http://schemas.openxmlformats.org/presentationml/2006/main">
   <p:cSld>
     <p:spTree>
@@ -21381,14 +21614,14 @@
           <a:effectLst/>
           <a:extLst>
             <a:ext uri="{909E8E84-426E-40dd-AFC4-6F175D3DCCD1}">
-              <a14:hiddenFill xmlns:a14="http://schemas.microsoft.com/office/drawing/2010/main" xmlns="">
+              <a14:hiddenFill xmlns="" xmlns:a14="http://schemas.microsoft.com/office/drawing/2010/main">
                 <a:solidFill>
                   <a:schemeClr val="accent1"/>
                 </a:solidFill>
               </a14:hiddenFill>
             </a:ext>
             <a:ext uri="{91240B29-F687-4f45-9708-019B960494DF}">
-              <a14:hiddenLine xmlns:a14="http://schemas.microsoft.com/office/drawing/2010/main" xmlns="" w="9525">
+              <a14:hiddenLine xmlns="" xmlns:a14="http://schemas.microsoft.com/office/drawing/2010/main" w="9525">
                 <a:solidFill>
                   <a:schemeClr val="tx1"/>
                 </a:solidFill>
@@ -21398,7 +21631,7 @@
               </a14:hiddenLine>
             </a:ext>
             <a:ext uri="{AF507438-7753-43e0-B8FC-AC1667EBCBE1}">
-              <a14:hiddenEffects xmlns:a14="http://schemas.microsoft.com/office/drawing/2010/main" xmlns="">
+              <a14:hiddenEffects xmlns="" xmlns:a14="http://schemas.microsoft.com/office/drawing/2010/main">
                 <a:effectLst>
                   <a:outerShdw blurRad="63500" dist="38099" dir="2700000" algn="ctr" rotWithShape="0">
                     <a:schemeClr val="bg2">
@@ -21409,7 +21642,7 @@
               </a14:hiddenEffects>
             </a:ext>
             <a:ext uri="{FAA26D3D-D897-4be2-8F04-BA451C77F1D7}">
-              <ma14:placeholderFlag xmlns:ma14="http://schemas.microsoft.com/office/mac/drawingml/2011/main" xmlns="" val="1"/>
+              <ma14:placeholderFlag xmlns="" xmlns:ma14="http://schemas.microsoft.com/office/mac/drawingml/2011/main" val="1"/>
             </a:ext>
           </a:extLst>
         </p:spPr>
@@ -23126,7 +23359,7 @@
 </p:sld>
 </file>
 
-<file path=ppt/slides/slide6.xml><?xml version="1.0" encoding="utf-8"?>
+<file path=ppt/slides/slide7.xml><?xml version="1.0" encoding="utf-8"?>
 <p:sld xmlns:a="http://schemas.openxmlformats.org/drawingml/2006/main" xmlns:r="http://schemas.openxmlformats.org/officeDocument/2006/relationships" xmlns:p="http://schemas.openxmlformats.org/presentationml/2006/main">
   <p:cSld>
     <p:spTree>
@@ -26429,7 +26662,7 @@
 </p:sld>
 </file>
 
-<file path=ppt/slides/slide7.xml><?xml version="1.0" encoding="utf-8"?>
+<file path=ppt/slides/slide8.xml><?xml version="1.0" encoding="utf-8"?>
 <p:sld xmlns:a="http://schemas.openxmlformats.org/drawingml/2006/main" xmlns:r="http://schemas.openxmlformats.org/officeDocument/2006/relationships" xmlns:p="http://schemas.openxmlformats.org/presentationml/2006/main">
   <p:cSld>
     <p:spTree>
@@ -29962,7 +30195,7 @@
 </p:sld>
 </file>
 
-<file path=ppt/slides/slide8.xml><?xml version="1.0" encoding="utf-8"?>
+<file path=ppt/slides/slide9.xml><?xml version="1.0" encoding="utf-8"?>
 <p:sld xmlns:a="http://schemas.openxmlformats.org/drawingml/2006/main" xmlns:r="http://schemas.openxmlformats.org/officeDocument/2006/relationships" xmlns:p="http://schemas.openxmlformats.org/presentationml/2006/main">
   <p:cSld>
     <p:spTree>
@@ -33705,171 +33938,6 @@
   <p:clrMapOvr>
     <a:masterClrMapping/>
   </p:clrMapOvr>
-</p:sld>
-</file>
-
-<file path=ppt/slides/slide9.xml><?xml version="1.0" encoding="utf-8"?>
-<p:sld xmlns:a="http://schemas.openxmlformats.org/drawingml/2006/main" xmlns:r="http://schemas.openxmlformats.org/officeDocument/2006/relationships" xmlns:p="http://schemas.openxmlformats.org/presentationml/2006/main">
-  <p:cSld>
-    <p:spTree>
-      <p:nvGrpSpPr>
-        <p:cNvPr id="1" name=""/>
-        <p:cNvGrpSpPr/>
-        <p:nvPr/>
-      </p:nvGrpSpPr>
-      <p:grpSpPr>
-        <a:xfrm>
-          <a:off x="0" y="0"/>
-          <a:ext cx="0" cy="0"/>
-          <a:chOff x="0" y="0"/>
-          <a:chExt cx="0" cy="0"/>
-        </a:xfrm>
-      </p:grpSpPr>
-      <p:pic>
-        <p:nvPicPr>
-          <p:cNvPr id="9" name="Content Placeholder 4">
-            <a:extLst>
-              <a:ext uri="{FF2B5EF4-FFF2-40B4-BE49-F238E27FC236}">
-                <a16:creationId xmlns:a16="http://schemas.microsoft.com/office/drawing/2014/main" id="{425FDEC1-07CA-BF8A-A271-DC071567B813}"/>
-              </a:ext>
-            </a:extLst>
-          </p:cNvPr>
-          <p:cNvPicPr>
-            <a:picLocks noChangeAspect="1"/>
-          </p:cNvPicPr>
-          <p:nvPr/>
-        </p:nvPicPr>
-        <p:blipFill>
-          <a:blip r:embed="rId2"/>
-          <a:stretch>
-            <a:fillRect/>
-          </a:stretch>
-        </p:blipFill>
-        <p:spPr>
-          <a:xfrm>
-            <a:off x="354475" y="2003337"/>
-            <a:ext cx="8443913" cy="1513349"/>
-          </a:xfrm>
-          <a:prstGeom prst="rect">
-            <a:avLst/>
-          </a:prstGeom>
-        </p:spPr>
-      </p:pic>
-      <p:pic>
-        <p:nvPicPr>
-          <p:cNvPr id="10" name="Picture 9">
-            <a:extLst>
-              <a:ext uri="{FF2B5EF4-FFF2-40B4-BE49-F238E27FC236}">
-                <a16:creationId xmlns:a16="http://schemas.microsoft.com/office/drawing/2014/main" id="{1E5E64E8-776A-ECE5-6A99-7A0C8670546E}"/>
-              </a:ext>
-            </a:extLst>
-          </p:cNvPr>
-          <p:cNvPicPr>
-            <a:picLocks noChangeAspect="1"/>
-          </p:cNvPicPr>
-          <p:nvPr/>
-        </p:nvPicPr>
-        <p:blipFill>
-          <a:blip r:embed="rId3"/>
-          <a:stretch>
-            <a:fillRect/>
-          </a:stretch>
-        </p:blipFill>
-        <p:spPr>
-          <a:xfrm>
-            <a:off x="354475" y="3817441"/>
-            <a:ext cx="5224522" cy="1515756"/>
-          </a:xfrm>
-          <a:prstGeom prst="rect">
-            <a:avLst/>
-          </a:prstGeom>
-        </p:spPr>
-      </p:pic>
-    </p:spTree>
-    <p:extLst>
-      <p:ext uri="{BB962C8B-B14F-4D97-AF65-F5344CB8AC3E}">
-        <p14:creationId xmlns:p14="http://schemas.microsoft.com/office/powerpoint/2010/main" val="3383201513"/>
-      </p:ext>
-    </p:extLst>
-  </p:cSld>
-  <p:clrMapOvr>
-    <a:masterClrMapping/>
-  </p:clrMapOvr>
-  <p:timing>
-    <p:tnLst>
-      <p:par>
-        <p:cTn id="1" dur="indefinite" restart="never" nodeType="tmRoot">
-          <p:childTnLst>
-            <p:seq concurrent="1" nextAc="seek">
-              <p:cTn id="2" dur="indefinite" nodeType="mainSeq">
-                <p:childTnLst>
-                  <p:par>
-                    <p:cTn id="3" fill="hold">
-                      <p:stCondLst>
-                        <p:cond delay="indefinite"/>
-                      </p:stCondLst>
-                      <p:childTnLst>
-                        <p:par>
-                          <p:cTn id="4" fill="hold">
-                            <p:stCondLst>
-                              <p:cond delay="0"/>
-                            </p:stCondLst>
-                            <p:childTnLst>
-                              <p:par>
-                                <p:cTn id="5" presetID="1" presetClass="entr" presetSubtype="0" fill="hold" nodeType="clickEffect">
-                                  <p:stCondLst>
-                                    <p:cond delay="0"/>
-                                  </p:stCondLst>
-                                  <p:childTnLst>
-                                    <p:set>
-                                      <p:cBhvr>
-                                        <p:cTn id="6" dur="1" fill="hold">
-                                          <p:stCondLst>
-                                            <p:cond delay="0"/>
-                                          </p:stCondLst>
-                                        </p:cTn>
-                                        <p:tgtEl>
-                                          <p:spTgt spid="10"/>
-                                        </p:tgtEl>
-                                        <p:attrNameLst>
-                                          <p:attrName>style.visibility</p:attrName>
-                                        </p:attrNameLst>
-                                      </p:cBhvr>
-                                      <p:to>
-                                        <p:strVal val="visible"/>
-                                      </p:to>
-                                    </p:set>
-                                  </p:childTnLst>
-                                </p:cTn>
-                              </p:par>
-                            </p:childTnLst>
-                          </p:cTn>
-                        </p:par>
-                      </p:childTnLst>
-                    </p:cTn>
-                  </p:par>
-                </p:childTnLst>
-              </p:cTn>
-              <p:prevCondLst>
-                <p:cond evt="onPrev" delay="0">
-                  <p:tgtEl>
-                    <p:sldTgt/>
-                  </p:tgtEl>
-                </p:cond>
-              </p:prevCondLst>
-              <p:nextCondLst>
-                <p:cond evt="onNext" delay="0">
-                  <p:tgtEl>
-                    <p:sldTgt/>
-                  </p:tgtEl>
-                </p:cond>
-              </p:nextCondLst>
-            </p:seq>
-          </p:childTnLst>
-        </p:cTn>
-      </p:par>
-    </p:tnLst>
-  </p:timing>
 </p:sld>
 </file>
 

--- a/public/drawings.pptx
+++ b/public/drawings.pptx
@@ -5,23 +5,24 @@
     <p:sldMasterId id="2147483648" r:id="rId1"/>
   </p:sldMasterIdLst>
   <p:notesMasterIdLst>
-    <p:notesMasterId r:id="rId16"/>
+    <p:notesMasterId r:id="rId17"/>
   </p:notesMasterIdLst>
   <p:sldIdLst>
     <p:sldId id="257" r:id="rId2"/>
-    <p:sldId id="346" r:id="rId3"/>
-    <p:sldId id="258" r:id="rId4"/>
-    <p:sldId id="338" r:id="rId5"/>
-    <p:sldId id="339" r:id="rId6"/>
-    <p:sldId id="323" r:id="rId7"/>
-    <p:sldId id="318" r:id="rId8"/>
-    <p:sldId id="340" r:id="rId9"/>
-    <p:sldId id="341" r:id="rId10"/>
-    <p:sldId id="320" r:id="rId11"/>
-    <p:sldId id="342" r:id="rId12"/>
-    <p:sldId id="343" r:id="rId13"/>
-    <p:sldId id="344" r:id="rId14"/>
-    <p:sldId id="345" r:id="rId15"/>
+    <p:sldId id="347" r:id="rId3"/>
+    <p:sldId id="346" r:id="rId4"/>
+    <p:sldId id="258" r:id="rId5"/>
+    <p:sldId id="338" r:id="rId6"/>
+    <p:sldId id="339" r:id="rId7"/>
+    <p:sldId id="323" r:id="rId8"/>
+    <p:sldId id="318" r:id="rId9"/>
+    <p:sldId id="340" r:id="rId10"/>
+    <p:sldId id="341" r:id="rId11"/>
+    <p:sldId id="320" r:id="rId12"/>
+    <p:sldId id="342" r:id="rId13"/>
+    <p:sldId id="343" r:id="rId14"/>
+    <p:sldId id="344" r:id="rId15"/>
+    <p:sldId id="345" r:id="rId16"/>
   </p:sldIdLst>
   <p:sldSz cx="12192000" cy="6858000"/>
   <p:notesSz cx="6858000" cy="9144000"/>
@@ -210,7 +211,7 @@
           <a:p>
             <a:fld id="{1487A955-B0B6-BE46-BA79-863ECB8B9B7B}" type="datetimeFigureOut">
               <a:rPr lang="en-GB" smtClean="0"/>
-              <a:t>06/03/2023</a:t>
+              <a:t>23/10/2023</a:t>
             </a:fld>
             <a:endParaRPr lang="en-GB"/>
           </a:p>
@@ -542,7 +543,7 @@
           <a:p>
             <a:fld id="{D106152E-64A5-8445-9CF5-1963979597C7}" type="slidenum">
               <a:rPr lang="en-GB" smtClean="0"/>
-              <a:t>3</a:t>
+              <a:t>4</a:t>
             </a:fld>
             <a:endParaRPr lang="en-GB"/>
           </a:p>
@@ -708,7 +709,7 @@
           <a:p>
             <a:fld id="{0492CA4C-7333-E747-B517-6468D8AE026A}" type="datetimeFigureOut">
               <a:rPr lang="en-GB" smtClean="0"/>
-              <a:t>06/03/2023</a:t>
+              <a:t>23/10/2023</a:t>
             </a:fld>
             <a:endParaRPr lang="en-GB"/>
           </a:p>
@@ -906,7 +907,7 @@
           <a:p>
             <a:fld id="{0492CA4C-7333-E747-B517-6468D8AE026A}" type="datetimeFigureOut">
               <a:rPr lang="en-GB" smtClean="0"/>
-              <a:t>06/03/2023</a:t>
+              <a:t>23/10/2023</a:t>
             </a:fld>
             <a:endParaRPr lang="en-GB"/>
           </a:p>
@@ -1114,7 +1115,7 @@
           <a:p>
             <a:fld id="{0492CA4C-7333-E747-B517-6468D8AE026A}" type="datetimeFigureOut">
               <a:rPr lang="en-GB" smtClean="0"/>
-              <a:t>06/03/2023</a:t>
+              <a:t>23/10/2023</a:t>
             </a:fld>
             <a:endParaRPr lang="en-GB"/>
           </a:p>
@@ -1312,7 +1313,7 @@
           <a:p>
             <a:fld id="{0492CA4C-7333-E747-B517-6468D8AE026A}" type="datetimeFigureOut">
               <a:rPr lang="en-GB" smtClean="0"/>
-              <a:t>06/03/2023</a:t>
+              <a:t>23/10/2023</a:t>
             </a:fld>
             <a:endParaRPr lang="en-GB"/>
           </a:p>
@@ -1587,7 +1588,7 @@
           <a:p>
             <a:fld id="{0492CA4C-7333-E747-B517-6468D8AE026A}" type="datetimeFigureOut">
               <a:rPr lang="en-GB" smtClean="0"/>
-              <a:t>06/03/2023</a:t>
+              <a:t>23/10/2023</a:t>
             </a:fld>
             <a:endParaRPr lang="en-GB"/>
           </a:p>
@@ -1852,7 +1853,7 @@
           <a:p>
             <a:fld id="{0492CA4C-7333-E747-B517-6468D8AE026A}" type="datetimeFigureOut">
               <a:rPr lang="en-GB" smtClean="0"/>
-              <a:t>06/03/2023</a:t>
+              <a:t>23/10/2023</a:t>
             </a:fld>
             <a:endParaRPr lang="en-GB"/>
           </a:p>
@@ -2264,7 +2265,7 @@
           <a:p>
             <a:fld id="{0492CA4C-7333-E747-B517-6468D8AE026A}" type="datetimeFigureOut">
               <a:rPr lang="en-GB" smtClean="0"/>
-              <a:t>06/03/2023</a:t>
+              <a:t>23/10/2023</a:t>
             </a:fld>
             <a:endParaRPr lang="en-GB"/>
           </a:p>
@@ -2405,7 +2406,7 @@
           <a:p>
             <a:fld id="{0492CA4C-7333-E747-B517-6468D8AE026A}" type="datetimeFigureOut">
               <a:rPr lang="en-GB" smtClean="0"/>
-              <a:t>06/03/2023</a:t>
+              <a:t>23/10/2023</a:t>
             </a:fld>
             <a:endParaRPr lang="en-GB"/>
           </a:p>
@@ -2518,7 +2519,7 @@
           <a:p>
             <a:fld id="{0492CA4C-7333-E747-B517-6468D8AE026A}" type="datetimeFigureOut">
               <a:rPr lang="en-GB" smtClean="0"/>
-              <a:t>06/03/2023</a:t>
+              <a:t>23/10/2023</a:t>
             </a:fld>
             <a:endParaRPr lang="en-GB"/>
           </a:p>
@@ -2829,7 +2830,7 @@
           <a:p>
             <a:fld id="{0492CA4C-7333-E747-B517-6468D8AE026A}" type="datetimeFigureOut">
               <a:rPr lang="en-GB" smtClean="0"/>
-              <a:t>06/03/2023</a:t>
+              <a:t>23/10/2023</a:t>
             </a:fld>
             <a:endParaRPr lang="en-GB"/>
           </a:p>
@@ -3117,7 +3118,7 @@
           <a:p>
             <a:fld id="{0492CA4C-7333-E747-B517-6468D8AE026A}" type="datetimeFigureOut">
               <a:rPr lang="en-GB" smtClean="0"/>
-              <a:t>06/03/2023</a:t>
+              <a:t>23/10/2023</a:t>
             </a:fld>
             <a:endParaRPr lang="en-GB"/>
           </a:p>
@@ -3358,7 +3359,7 @@
           <a:p>
             <a:fld id="{0492CA4C-7333-E747-B517-6468D8AE026A}" type="datetimeFigureOut">
               <a:rPr lang="en-GB" smtClean="0"/>
-              <a:t>06/03/2023</a:t>
+              <a:t>23/10/2023</a:t>
             </a:fld>
             <a:endParaRPr lang="en-GB"/>
           </a:p>
@@ -4704,6 +4705,3752 @@
           <a:chExt cx="0" cy="0"/>
         </a:xfrm>
       </p:grpSpPr>
+      <p:graphicFrame>
+        <p:nvGraphicFramePr>
+          <p:cNvPr id="6" name="Content Placeholder 5"/>
+          <p:cNvGraphicFramePr>
+            <a:graphicFrameLocks noGrp="1"/>
+          </p:cNvGraphicFramePr>
+          <p:nvPr>
+            <p:ph idx="1"/>
+            <p:extLst>
+              <p:ext uri="{D42A27DB-BD31-4B8C-83A1-F6EECF244321}">
+                <p14:modId xmlns:p14="http://schemas.microsoft.com/office/powerpoint/2010/main" val="3802349619"/>
+              </p:ext>
+            </p:extLst>
+          </p:nvPr>
+        </p:nvGraphicFramePr>
+        <p:xfrm>
+          <a:off x="2639617" y="1556792"/>
+          <a:ext cx="7200795" cy="5147360"/>
+        </p:xfrm>
+        <a:graphic>
+          <a:graphicData uri="http://schemas.openxmlformats.org/drawingml/2006/table">
+            <a:tbl>
+              <a:tblPr firstRow="1" bandRow="1">
+                <a:tableStyleId>{46F890A9-2807-4EBB-B81D-B2AA78EC7F39}</a:tableStyleId>
+              </a:tblPr>
+              <a:tblGrid>
+                <a:gridCol w="621069">
+                  <a:extLst>
+                    <a:ext uri="{9D8B030D-6E8A-4147-A177-3AD203B41FA5}">
+                      <a16:colId xmlns:a16="http://schemas.microsoft.com/office/drawing/2014/main" val="20000"/>
+                    </a:ext>
+                  </a:extLst>
+                </a:gridCol>
+                <a:gridCol w="621069">
+                  <a:extLst>
+                    <a:ext uri="{9D8B030D-6E8A-4147-A177-3AD203B41FA5}">
+                      <a16:colId xmlns:a16="http://schemas.microsoft.com/office/drawing/2014/main" val="20001"/>
+                    </a:ext>
+                  </a:extLst>
+                </a:gridCol>
+                <a:gridCol w="621069">
+                  <a:extLst>
+                    <a:ext uri="{9D8B030D-6E8A-4147-A177-3AD203B41FA5}">
+                      <a16:colId xmlns:a16="http://schemas.microsoft.com/office/drawing/2014/main" val="20002"/>
+                    </a:ext>
+                  </a:extLst>
+                </a:gridCol>
+                <a:gridCol w="621069">
+                  <a:extLst>
+                    <a:ext uri="{9D8B030D-6E8A-4147-A177-3AD203B41FA5}">
+                      <a16:colId xmlns:a16="http://schemas.microsoft.com/office/drawing/2014/main" val="20003"/>
+                    </a:ext>
+                  </a:extLst>
+                </a:gridCol>
+                <a:gridCol w="621069">
+                  <a:extLst>
+                    <a:ext uri="{9D8B030D-6E8A-4147-A177-3AD203B41FA5}">
+                      <a16:colId xmlns:a16="http://schemas.microsoft.com/office/drawing/2014/main" val="20004"/>
+                    </a:ext>
+                  </a:extLst>
+                </a:gridCol>
+                <a:gridCol w="621069">
+                  <a:extLst>
+                    <a:ext uri="{9D8B030D-6E8A-4147-A177-3AD203B41FA5}">
+                      <a16:colId xmlns:a16="http://schemas.microsoft.com/office/drawing/2014/main" val="20005"/>
+                    </a:ext>
+                  </a:extLst>
+                </a:gridCol>
+                <a:gridCol w="621069">
+                  <a:extLst>
+                    <a:ext uri="{9D8B030D-6E8A-4147-A177-3AD203B41FA5}">
+                      <a16:colId xmlns:a16="http://schemas.microsoft.com/office/drawing/2014/main" val="20006"/>
+                    </a:ext>
+                  </a:extLst>
+                </a:gridCol>
+                <a:gridCol w="621069">
+                  <a:extLst>
+                    <a:ext uri="{9D8B030D-6E8A-4147-A177-3AD203B41FA5}">
+                      <a16:colId xmlns:a16="http://schemas.microsoft.com/office/drawing/2014/main" val="20007"/>
+                    </a:ext>
+                  </a:extLst>
+                </a:gridCol>
+                <a:gridCol w="2232243">
+                  <a:extLst>
+                    <a:ext uri="{9D8B030D-6E8A-4147-A177-3AD203B41FA5}">
+                      <a16:colId xmlns:a16="http://schemas.microsoft.com/office/drawing/2014/main" val="20008"/>
+                    </a:ext>
+                  </a:extLst>
+                </a:gridCol>
+              </a:tblGrid>
+              <a:tr h="369100">
+                <a:tc>
+                  <a:txBody>
+                    <a:bodyPr/>
+                    <a:lstStyle/>
+                    <a:p>
+                      <a:pPr algn="ctr"/>
+                      <a:r>
+                        <a:rPr lang="en-US" b="0" i="1" dirty="0" err="1">
+                          <a:solidFill>
+                            <a:srgbClr val="003D62"/>
+                          </a:solidFill>
+                        </a:rPr>
+                        <a:t>E</a:t>
+                      </a:r>
+                      <a:r>
+                        <a:rPr lang="en-US" b="0" i="1" baseline="-25000" dirty="0" err="1">
+                          <a:solidFill>
+                            <a:srgbClr val="003D62"/>
+                          </a:solidFill>
+                        </a:rPr>
+                        <a:t>ij</a:t>
+                      </a:r>
+                      <a:endParaRPr lang="en-US" b="0" i="1" baseline="-25000" dirty="0">
+                        <a:solidFill>
+                          <a:srgbClr val="003D62"/>
+                        </a:solidFill>
+                      </a:endParaRPr>
+                    </a:p>
+                  </a:txBody>
+                  <a:tcPr>
+                    <a:noFill/>
+                  </a:tcPr>
+                </a:tc>
+                <a:tc>
+                  <a:txBody>
+                    <a:bodyPr/>
+                    <a:lstStyle/>
+                    <a:p>
+                      <a:pPr algn="ctr"/>
+                      <a:r>
+                        <a:rPr lang="en-US" b="0" dirty="0">
+                          <a:solidFill>
+                            <a:srgbClr val="003D62"/>
+                          </a:solidFill>
+                        </a:rPr>
+                        <a:t>0</a:t>
+                      </a:r>
+                    </a:p>
+                  </a:txBody>
+                  <a:tcPr>
+                    <a:noFill/>
+                  </a:tcPr>
+                </a:tc>
+                <a:tc>
+                  <a:txBody>
+                    <a:bodyPr/>
+                    <a:lstStyle/>
+                    <a:p>
+                      <a:pPr algn="ctr"/>
+                      <a:r>
+                        <a:rPr lang="en-US" b="0" dirty="0">
+                          <a:solidFill>
+                            <a:srgbClr val="003D62"/>
+                          </a:solidFill>
+                        </a:rPr>
+                        <a:t>1</a:t>
+                      </a:r>
+                    </a:p>
+                  </a:txBody>
+                  <a:tcPr>
+                    <a:noFill/>
+                  </a:tcPr>
+                </a:tc>
+                <a:tc>
+                  <a:txBody>
+                    <a:bodyPr/>
+                    <a:lstStyle/>
+                    <a:p>
+                      <a:pPr algn="ctr"/>
+                      <a:r>
+                        <a:rPr lang="en-US" b="0" dirty="0">
+                          <a:solidFill>
+                            <a:srgbClr val="003D62"/>
+                          </a:solidFill>
+                        </a:rPr>
+                        <a:t>2</a:t>
+                      </a:r>
+                    </a:p>
+                  </a:txBody>
+                  <a:tcPr>
+                    <a:noFill/>
+                  </a:tcPr>
+                </a:tc>
+                <a:tc>
+                  <a:txBody>
+                    <a:bodyPr/>
+                    <a:lstStyle/>
+                    <a:p>
+                      <a:pPr algn="ctr"/>
+                      <a:r>
+                        <a:rPr lang="en-US" b="0" dirty="0">
+                          <a:solidFill>
+                            <a:srgbClr val="003D62"/>
+                          </a:solidFill>
+                        </a:rPr>
+                        <a:t>3</a:t>
+                      </a:r>
+                    </a:p>
+                  </a:txBody>
+                  <a:tcPr>
+                    <a:noFill/>
+                  </a:tcPr>
+                </a:tc>
+                <a:tc>
+                  <a:txBody>
+                    <a:bodyPr/>
+                    <a:lstStyle/>
+                    <a:p>
+                      <a:pPr algn="ctr"/>
+                      <a:r>
+                        <a:rPr lang="en-US" b="0" dirty="0">
+                          <a:solidFill>
+                            <a:srgbClr val="003D62"/>
+                          </a:solidFill>
+                        </a:rPr>
+                        <a:t>4</a:t>
+                      </a:r>
+                    </a:p>
+                  </a:txBody>
+                  <a:tcPr>
+                    <a:noFill/>
+                  </a:tcPr>
+                </a:tc>
+                <a:tc>
+                  <a:txBody>
+                    <a:bodyPr/>
+                    <a:lstStyle/>
+                    <a:p>
+                      <a:pPr algn="ctr"/>
+                      <a:r>
+                        <a:rPr lang="en-US" b="0" dirty="0">
+                          <a:solidFill>
+                            <a:srgbClr val="003D62"/>
+                          </a:solidFill>
+                        </a:rPr>
+                        <a:t>5</a:t>
+                      </a:r>
+                    </a:p>
+                  </a:txBody>
+                  <a:tcPr>
+                    <a:noFill/>
+                  </a:tcPr>
+                </a:tc>
+                <a:tc>
+                  <a:txBody>
+                    <a:bodyPr/>
+                    <a:lstStyle/>
+                    <a:p>
+                      <a:pPr algn="ctr"/>
+                      <a:r>
+                        <a:rPr lang="en-US" b="0" dirty="0">
+                          <a:solidFill>
+                            <a:srgbClr val="003D62"/>
+                          </a:solidFill>
+                        </a:rPr>
+                        <a:t>6</a:t>
+                      </a:r>
+                    </a:p>
+                  </a:txBody>
+                  <a:tcPr>
+                    <a:noFill/>
+                  </a:tcPr>
+                </a:tc>
+                <a:tc>
+                  <a:txBody>
+                    <a:bodyPr/>
+                    <a:lstStyle/>
+                    <a:p>
+                      <a:pPr algn="ctr"/>
+                      <a:r>
+                        <a:rPr lang="en-US" b="0" i="1" dirty="0" err="1">
+                          <a:solidFill>
+                            <a:srgbClr val="003D62"/>
+                          </a:solidFill>
+                        </a:rPr>
+                        <a:t>E</a:t>
+                      </a:r>
+                      <a:r>
+                        <a:rPr lang="en-US" b="0" i="1" baseline="-25000" dirty="0" err="1">
+                          <a:solidFill>
+                            <a:srgbClr val="003D62"/>
+                          </a:solidFill>
+                        </a:rPr>
+                        <a:t>row</a:t>
+                      </a:r>
+                      <a:endParaRPr lang="en-US" b="0" i="1" baseline="-25000" dirty="0">
+                        <a:solidFill>
+                          <a:srgbClr val="003D62"/>
+                        </a:solidFill>
+                      </a:endParaRPr>
+                    </a:p>
+                  </a:txBody>
+                  <a:tcPr>
+                    <a:lnB w="12700" cap="flat" cmpd="sng" algn="ctr">
+                      <a:solidFill>
+                        <a:scrgbClr r="0" g="0" b="0"/>
+                      </a:solidFill>
+                      <a:prstDash val="solid"/>
+                      <a:round/>
+                      <a:headEnd type="none" w="med" len="med"/>
+                      <a:tailEnd type="none" w="med" len="med"/>
+                    </a:lnB>
+                    <a:noFill/>
+                  </a:tcPr>
+                </a:tc>
+                <a:extLst>
+                  <a:ext uri="{0D108BD9-81ED-4DB2-BD59-A6C34878D82A}">
+                    <a16:rowId xmlns:a16="http://schemas.microsoft.com/office/drawing/2014/main" val="10000"/>
+                  </a:ext>
+                </a:extLst>
+              </a:tr>
+              <a:tr h="369100">
+                <a:tc>
+                  <a:txBody>
+                    <a:bodyPr/>
+                    <a:lstStyle/>
+                    <a:p>
+                      <a:pPr algn="ctr"/>
+                      <a:r>
+                        <a:rPr lang="en-US" dirty="0">
+                          <a:solidFill>
+                            <a:srgbClr val="003D62"/>
+                          </a:solidFill>
+                        </a:rPr>
+                        <a:t>0</a:t>
+                      </a:r>
+                    </a:p>
+                  </a:txBody>
+                  <a:tcPr>
+                    <a:noFill/>
+                  </a:tcPr>
+                </a:tc>
+                <a:tc>
+                  <a:txBody>
+                    <a:bodyPr/>
+                    <a:lstStyle/>
+                    <a:p>
+                      <a:pPr algn="ctr"/>
+                      <a:endParaRPr lang="en-US" dirty="0"/>
+                    </a:p>
+                  </a:txBody>
+                  <a:tcPr>
+                    <a:lnB w="12700" cap="flat" cmpd="sng" algn="ctr">
+                      <a:solidFill>
+                        <a:scrgbClr r="0" g="0" b="0"/>
+                      </a:solidFill>
+                      <a:prstDash val="solid"/>
+                      <a:round/>
+                      <a:headEnd type="none" w="med" len="med"/>
+                      <a:tailEnd type="none" w="med" len="med"/>
+                    </a:lnB>
+                    <a:solidFill>
+                      <a:schemeClr val="bg2"/>
+                    </a:solidFill>
+                  </a:tcPr>
+                </a:tc>
+                <a:tc>
+                  <a:txBody>
+                    <a:bodyPr/>
+                    <a:lstStyle/>
+                    <a:p>
+                      <a:pPr algn="ctr"/>
+                      <a:endParaRPr lang="en-US" dirty="0"/>
+                    </a:p>
+                  </a:txBody>
+                  <a:tcPr>
+                    <a:solidFill>
+                      <a:schemeClr val="bg2"/>
+                    </a:solidFill>
+                  </a:tcPr>
+                </a:tc>
+                <a:tc>
+                  <a:txBody>
+                    <a:bodyPr/>
+                    <a:lstStyle/>
+                    <a:p>
+                      <a:pPr algn="ctr"/>
+                      <a:endParaRPr lang="en-US" dirty="0"/>
+                    </a:p>
+                  </a:txBody>
+                  <a:tcPr>
+                    <a:solidFill>
+                      <a:schemeClr val="bg2"/>
+                    </a:solidFill>
+                  </a:tcPr>
+                </a:tc>
+                <a:tc>
+                  <a:txBody>
+                    <a:bodyPr/>
+                    <a:lstStyle/>
+                    <a:p>
+                      <a:pPr algn="ctr"/>
+                      <a:endParaRPr lang="en-US" dirty="0"/>
+                    </a:p>
+                  </a:txBody>
+                  <a:tcPr>
+                    <a:solidFill>
+                      <a:schemeClr val="bg2"/>
+                    </a:solidFill>
+                  </a:tcPr>
+                </a:tc>
+                <a:tc>
+                  <a:txBody>
+                    <a:bodyPr/>
+                    <a:lstStyle/>
+                    <a:p>
+                      <a:pPr algn="ctr"/>
+                      <a:endParaRPr lang="en-US" dirty="0"/>
+                    </a:p>
+                  </a:txBody>
+                  <a:tcPr>
+                    <a:solidFill>
+                      <a:schemeClr val="bg2"/>
+                    </a:solidFill>
+                  </a:tcPr>
+                </a:tc>
+                <a:tc>
+                  <a:txBody>
+                    <a:bodyPr/>
+                    <a:lstStyle/>
+                    <a:p>
+                      <a:pPr algn="ctr"/>
+                      <a:endParaRPr lang="en-US" dirty="0"/>
+                    </a:p>
+                  </a:txBody>
+                  <a:tcPr>
+                    <a:solidFill>
+                      <a:schemeClr val="bg2"/>
+                    </a:solidFill>
+                  </a:tcPr>
+                </a:tc>
+                <a:tc>
+                  <a:txBody>
+                    <a:bodyPr/>
+                    <a:lstStyle/>
+                    <a:p>
+                      <a:pPr algn="ctr"/>
+                      <a:endParaRPr lang="en-US" dirty="0"/>
+                    </a:p>
+                  </a:txBody>
+                  <a:tcPr>
+                    <a:lnR w="12700" cap="flat" cmpd="sng" algn="ctr">
+                      <a:solidFill>
+                        <a:scrgbClr r="0" g="0" b="0"/>
+                      </a:solidFill>
+                      <a:prstDash val="solid"/>
+                      <a:round/>
+                      <a:headEnd type="none" w="med" len="med"/>
+                      <a:tailEnd type="none" w="med" len="med"/>
+                    </a:lnR>
+                    <a:solidFill>
+                      <a:schemeClr val="bg2"/>
+                    </a:solidFill>
+                  </a:tcPr>
+                </a:tc>
+                <a:tc>
+                  <a:txBody>
+                    <a:bodyPr/>
+                    <a:lstStyle/>
+                    <a:p>
+                      <a:pPr algn="ctr"/>
+                      <a:endParaRPr lang="en-US" dirty="0"/>
+                    </a:p>
+                  </a:txBody>
+                  <a:tcPr>
+                    <a:lnL w="12700" cap="flat" cmpd="sng" algn="ctr">
+                      <a:solidFill>
+                        <a:scrgbClr r="0" g="0" b="0"/>
+                      </a:solidFill>
+                      <a:prstDash val="solid"/>
+                      <a:round/>
+                      <a:headEnd type="none" w="med" len="med"/>
+                      <a:tailEnd type="none" w="med" len="med"/>
+                    </a:lnL>
+                    <a:lnR w="12700" cap="flat" cmpd="sng" algn="ctr">
+                      <a:solidFill>
+                        <a:scrgbClr r="0" g="0" b="0"/>
+                      </a:solidFill>
+                      <a:prstDash val="solid"/>
+                      <a:round/>
+                      <a:headEnd type="none" w="med" len="med"/>
+                      <a:tailEnd type="none" w="med" len="med"/>
+                    </a:lnR>
+                    <a:lnT w="12700" cap="flat" cmpd="sng" algn="ctr">
+                      <a:solidFill>
+                        <a:scrgbClr r="0" g="0" b="0"/>
+                      </a:solidFill>
+                      <a:prstDash val="solid"/>
+                      <a:round/>
+                      <a:headEnd type="none" w="med" len="med"/>
+                      <a:tailEnd type="none" w="med" len="med"/>
+                    </a:lnT>
+                    <a:lnB w="12700" cap="flat" cmpd="sng" algn="ctr">
+                      <a:solidFill>
+                        <a:scrgbClr r="0" g="0" b="0"/>
+                      </a:solidFill>
+                      <a:prstDash val="solid"/>
+                      <a:round/>
+                      <a:headEnd type="none" w="med" len="med"/>
+                      <a:tailEnd type="none" w="med" len="med"/>
+                    </a:lnB>
+                    <a:solidFill>
+                      <a:schemeClr val="bg2"/>
+                    </a:solidFill>
+                  </a:tcPr>
+                </a:tc>
+                <a:extLst>
+                  <a:ext uri="{0D108BD9-81ED-4DB2-BD59-A6C34878D82A}">
+                    <a16:rowId xmlns:a16="http://schemas.microsoft.com/office/drawing/2014/main" val="10001"/>
+                  </a:ext>
+                </a:extLst>
+              </a:tr>
+              <a:tr h="369100">
+                <a:tc>
+                  <a:txBody>
+                    <a:bodyPr/>
+                    <a:lstStyle/>
+                    <a:p>
+                      <a:pPr algn="ctr"/>
+                      <a:r>
+                        <a:rPr lang="en-US" dirty="0">
+                          <a:solidFill>
+                            <a:srgbClr val="003D62"/>
+                          </a:solidFill>
+                        </a:rPr>
+                        <a:t>1</a:t>
+                      </a:r>
+                    </a:p>
+                  </a:txBody>
+                  <a:tcPr>
+                    <a:lnR w="12700" cap="flat" cmpd="sng" algn="ctr">
+                      <a:solidFill>
+                        <a:scrgbClr r="0" g="0" b="0"/>
+                      </a:solidFill>
+                      <a:prstDash val="solid"/>
+                      <a:round/>
+                      <a:headEnd type="none" w="med" len="med"/>
+                      <a:tailEnd type="none" w="med" len="med"/>
+                    </a:lnR>
+                    <a:noFill/>
+                  </a:tcPr>
+                </a:tc>
+                <a:tc>
+                  <a:txBody>
+                    <a:bodyPr/>
+                    <a:lstStyle/>
+                    <a:p>
+                      <a:pPr algn="ctr"/>
+                      <a:r>
+                        <a:rPr lang="en-US" dirty="0"/>
+                        <a:t>0</a:t>
+                      </a:r>
+                    </a:p>
+                  </a:txBody>
+                  <a:tcPr>
+                    <a:lnL w="12700" cap="flat" cmpd="sng" algn="ctr">
+                      <a:solidFill>
+                        <a:scrgbClr r="0" g="0" b="0"/>
+                      </a:solidFill>
+                      <a:prstDash val="solid"/>
+                      <a:round/>
+                      <a:headEnd type="none" w="med" len="med"/>
+                      <a:tailEnd type="none" w="med" len="med"/>
+                    </a:lnL>
+                    <a:lnR w="12700" cap="flat" cmpd="sng" algn="ctr">
+                      <a:solidFill>
+                        <a:scrgbClr r="0" g="0" b="0"/>
+                      </a:solidFill>
+                      <a:prstDash val="solid"/>
+                      <a:round/>
+                      <a:headEnd type="none" w="med" len="med"/>
+                      <a:tailEnd type="none" w="med" len="med"/>
+                    </a:lnR>
+                    <a:lnT w="12700" cap="flat" cmpd="sng" algn="ctr">
+                      <a:solidFill>
+                        <a:scrgbClr r="0" g="0" b="0"/>
+                      </a:solidFill>
+                      <a:prstDash val="solid"/>
+                      <a:round/>
+                      <a:headEnd type="none" w="med" len="med"/>
+                      <a:tailEnd type="none" w="med" len="med"/>
+                    </a:lnT>
+                    <a:lnB w="12700" cap="flat" cmpd="sng" algn="ctr">
+                      <a:solidFill>
+                        <a:scrgbClr r="0" g="0" b="0"/>
+                      </a:solidFill>
+                      <a:prstDash val="solid"/>
+                      <a:round/>
+                      <a:headEnd type="none" w="med" len="med"/>
+                      <a:tailEnd type="none" w="med" len="med"/>
+                    </a:lnB>
+                    <a:solidFill>
+                      <a:srgbClr val="A6A6A6"/>
+                    </a:solidFill>
+                  </a:tcPr>
+                </a:tc>
+                <a:tc>
+                  <a:txBody>
+                    <a:bodyPr/>
+                    <a:lstStyle/>
+                    <a:p>
+                      <a:pPr algn="ctr"/>
+                      <a:endParaRPr lang="en-US" dirty="0"/>
+                    </a:p>
+                  </a:txBody>
+                  <a:tcPr>
+                    <a:lnL w="12700" cap="flat" cmpd="sng" algn="ctr">
+                      <a:solidFill>
+                        <a:scrgbClr r="0" g="0" b="0"/>
+                      </a:solidFill>
+                      <a:prstDash val="solid"/>
+                      <a:round/>
+                      <a:headEnd type="none" w="med" len="med"/>
+                      <a:tailEnd type="none" w="med" len="med"/>
+                    </a:lnL>
+                    <a:lnB w="12700" cap="flat" cmpd="sng" algn="ctr">
+                      <a:solidFill>
+                        <a:scrgbClr r="0" g="0" b="0"/>
+                      </a:solidFill>
+                      <a:prstDash val="solid"/>
+                      <a:round/>
+                      <a:headEnd type="none" w="med" len="med"/>
+                      <a:tailEnd type="none" w="med" len="med"/>
+                    </a:lnB>
+                    <a:solidFill>
+                      <a:srgbClr val="DDDDDD"/>
+                    </a:solidFill>
+                  </a:tcPr>
+                </a:tc>
+                <a:tc>
+                  <a:txBody>
+                    <a:bodyPr/>
+                    <a:lstStyle/>
+                    <a:p>
+                      <a:pPr algn="ctr"/>
+                      <a:endParaRPr lang="en-US" dirty="0"/>
+                    </a:p>
+                  </a:txBody>
+                  <a:tcPr>
+                    <a:solidFill>
+                      <a:srgbClr val="DDDDDD"/>
+                    </a:solidFill>
+                  </a:tcPr>
+                </a:tc>
+                <a:tc>
+                  <a:txBody>
+                    <a:bodyPr/>
+                    <a:lstStyle/>
+                    <a:p>
+                      <a:pPr algn="ctr"/>
+                      <a:endParaRPr lang="en-US" dirty="0"/>
+                    </a:p>
+                  </a:txBody>
+                  <a:tcPr>
+                    <a:solidFill>
+                      <a:srgbClr val="DDDDDD"/>
+                    </a:solidFill>
+                  </a:tcPr>
+                </a:tc>
+                <a:tc>
+                  <a:txBody>
+                    <a:bodyPr/>
+                    <a:lstStyle/>
+                    <a:p>
+                      <a:pPr algn="ctr"/>
+                      <a:endParaRPr lang="en-US" dirty="0"/>
+                    </a:p>
+                  </a:txBody>
+                  <a:tcPr>
+                    <a:solidFill>
+                      <a:srgbClr val="DDDDDD"/>
+                    </a:solidFill>
+                  </a:tcPr>
+                </a:tc>
+                <a:tc>
+                  <a:txBody>
+                    <a:bodyPr/>
+                    <a:lstStyle/>
+                    <a:p>
+                      <a:pPr algn="ctr"/>
+                      <a:endParaRPr lang="en-US"/>
+                    </a:p>
+                  </a:txBody>
+                  <a:tcPr>
+                    <a:solidFill>
+                      <a:srgbClr val="DDDDDD"/>
+                    </a:solidFill>
+                  </a:tcPr>
+                </a:tc>
+                <a:tc>
+                  <a:txBody>
+                    <a:bodyPr/>
+                    <a:lstStyle/>
+                    <a:p>
+                      <a:pPr algn="ctr"/>
+                      <a:endParaRPr lang="en-US" dirty="0"/>
+                    </a:p>
+                  </a:txBody>
+                  <a:tcPr>
+                    <a:lnR w="12700" cap="flat" cmpd="sng" algn="ctr">
+                      <a:solidFill>
+                        <a:scrgbClr r="0" g="0" b="0"/>
+                      </a:solidFill>
+                      <a:prstDash val="solid"/>
+                      <a:round/>
+                      <a:headEnd type="none" w="med" len="med"/>
+                      <a:tailEnd type="none" w="med" len="med"/>
+                    </a:lnR>
+                    <a:solidFill>
+                      <a:srgbClr val="DDDDDD"/>
+                    </a:solidFill>
+                  </a:tcPr>
+                </a:tc>
+                <a:tc>
+                  <a:txBody>
+                    <a:bodyPr/>
+                    <a:lstStyle/>
+                    <a:p>
+                      <a:pPr algn="ctr"/>
+                      <a:r>
+                        <a:rPr lang="en-US" dirty="0"/>
+                        <a:t>E</a:t>
+                      </a:r>
+                      <a:r>
+                        <a:rPr lang="en-US" baseline="-25000" dirty="0"/>
+                        <a:t>0</a:t>
+                      </a:r>
+                      <a:endParaRPr lang="en-US" dirty="0"/>
+                    </a:p>
+                  </a:txBody>
+                  <a:tcPr>
+                    <a:lnL w="12700" cap="flat" cmpd="sng" algn="ctr">
+                      <a:solidFill>
+                        <a:scrgbClr r="0" g="0" b="0"/>
+                      </a:solidFill>
+                      <a:prstDash val="solid"/>
+                      <a:round/>
+                      <a:headEnd type="none" w="med" len="med"/>
+                      <a:tailEnd type="none" w="med" len="med"/>
+                    </a:lnL>
+                    <a:lnR w="12700" cap="flat" cmpd="sng" algn="ctr">
+                      <a:solidFill>
+                        <a:scrgbClr r="0" g="0" b="0"/>
+                      </a:solidFill>
+                      <a:prstDash val="solid"/>
+                      <a:round/>
+                      <a:headEnd type="none" w="med" len="med"/>
+                      <a:tailEnd type="none" w="med" len="med"/>
+                    </a:lnR>
+                    <a:lnT w="12700" cap="flat" cmpd="sng" algn="ctr">
+                      <a:solidFill>
+                        <a:scrgbClr r="0" g="0" b="0"/>
+                      </a:solidFill>
+                      <a:prstDash val="solid"/>
+                      <a:round/>
+                      <a:headEnd type="none" w="med" len="med"/>
+                      <a:tailEnd type="none" w="med" len="med"/>
+                    </a:lnT>
+                    <a:lnB w="12700" cap="flat" cmpd="sng" algn="ctr">
+                      <a:solidFill>
+                        <a:scrgbClr r="0" g="0" b="0"/>
+                      </a:solidFill>
+                      <a:prstDash val="solid"/>
+                      <a:round/>
+                      <a:headEnd type="none" w="med" len="med"/>
+                      <a:tailEnd type="none" w="med" len="med"/>
+                    </a:lnB>
+                    <a:solidFill>
+                      <a:srgbClr val="DDDDDD"/>
+                    </a:solidFill>
+                  </a:tcPr>
+                </a:tc>
+                <a:extLst>
+                  <a:ext uri="{0D108BD9-81ED-4DB2-BD59-A6C34878D82A}">
+                    <a16:rowId xmlns:a16="http://schemas.microsoft.com/office/drawing/2014/main" val="10002"/>
+                  </a:ext>
+                </a:extLst>
+              </a:tr>
+              <a:tr h="369100">
+                <a:tc>
+                  <a:txBody>
+                    <a:bodyPr/>
+                    <a:lstStyle/>
+                    <a:p>
+                      <a:pPr algn="ctr"/>
+                      <a:r>
+                        <a:rPr lang="en-US" dirty="0">
+                          <a:solidFill>
+                            <a:srgbClr val="003D62"/>
+                          </a:solidFill>
+                        </a:rPr>
+                        <a:t>2</a:t>
+                      </a:r>
+                    </a:p>
+                  </a:txBody>
+                  <a:tcPr>
+                    <a:lnR w="12700" cap="flat" cmpd="sng" algn="ctr">
+                      <a:solidFill>
+                        <a:scrgbClr r="0" g="0" b="0"/>
+                      </a:solidFill>
+                      <a:prstDash val="solid"/>
+                      <a:round/>
+                      <a:headEnd type="none" w="med" len="med"/>
+                      <a:tailEnd type="none" w="med" len="med"/>
+                    </a:lnR>
+                    <a:noFill/>
+                  </a:tcPr>
+                </a:tc>
+                <a:tc>
+                  <a:txBody>
+                    <a:bodyPr/>
+                    <a:lstStyle/>
+                    <a:p>
+                      <a:pPr algn="ctr"/>
+                      <a:r>
+                        <a:rPr lang="en-US" dirty="0"/>
+                        <a:t>1</a:t>
+                      </a:r>
+                    </a:p>
+                  </a:txBody>
+                  <a:tcPr>
+                    <a:lnL w="12700" cap="flat" cmpd="sng" algn="ctr">
+                      <a:solidFill>
+                        <a:scrgbClr r="0" g="0" b="0"/>
+                      </a:solidFill>
+                      <a:prstDash val="solid"/>
+                      <a:round/>
+                      <a:headEnd type="none" w="med" len="med"/>
+                      <a:tailEnd type="none" w="med" len="med"/>
+                    </a:lnL>
+                    <a:lnR w="12700" cap="flat" cmpd="sng" algn="ctr">
+                      <a:solidFill>
+                        <a:scrgbClr r="0" g="0" b="0"/>
+                      </a:solidFill>
+                      <a:prstDash val="solid"/>
+                      <a:round/>
+                      <a:headEnd type="none" w="med" len="med"/>
+                      <a:tailEnd type="none" w="med" len="med"/>
+                    </a:lnR>
+                    <a:lnT w="12700" cap="flat" cmpd="sng" algn="ctr">
+                      <a:solidFill>
+                        <a:scrgbClr r="0" g="0" b="0"/>
+                      </a:solidFill>
+                      <a:prstDash val="solid"/>
+                      <a:round/>
+                      <a:headEnd type="none" w="med" len="med"/>
+                      <a:tailEnd type="none" w="med" len="med"/>
+                    </a:lnT>
+                    <a:lnB w="12700" cap="flat" cmpd="sng" algn="ctr">
+                      <a:solidFill>
+                        <a:scrgbClr r="0" g="0" b="0"/>
+                      </a:solidFill>
+                      <a:prstDash val="solid"/>
+                      <a:round/>
+                      <a:headEnd type="none" w="med" len="med"/>
+                      <a:tailEnd type="none" w="med" len="med"/>
+                    </a:lnB>
+                    <a:solidFill>
+                      <a:srgbClr val="A6A6A6"/>
+                    </a:solidFill>
+                  </a:tcPr>
+                </a:tc>
+                <a:tc>
+                  <a:txBody>
+                    <a:bodyPr/>
+                    <a:lstStyle/>
+                    <a:p>
+                      <a:pPr algn="ctr"/>
+                      <a:r>
+                        <a:rPr lang="en-US" dirty="0"/>
+                        <a:t>2</a:t>
+                      </a:r>
+                    </a:p>
+                  </a:txBody>
+                  <a:tcPr>
+                    <a:lnL w="12700" cap="flat" cmpd="sng" algn="ctr">
+                      <a:solidFill>
+                        <a:scrgbClr r="0" g="0" b="0"/>
+                      </a:solidFill>
+                      <a:prstDash val="solid"/>
+                      <a:round/>
+                      <a:headEnd type="none" w="med" len="med"/>
+                      <a:tailEnd type="none" w="med" len="med"/>
+                    </a:lnL>
+                    <a:lnR w="12700" cap="flat" cmpd="sng" algn="ctr">
+                      <a:solidFill>
+                        <a:scrgbClr r="0" g="0" b="0"/>
+                      </a:solidFill>
+                      <a:prstDash val="solid"/>
+                      <a:round/>
+                      <a:headEnd type="none" w="med" len="med"/>
+                      <a:tailEnd type="none" w="med" len="med"/>
+                    </a:lnR>
+                    <a:lnT w="12700" cap="flat" cmpd="sng" algn="ctr">
+                      <a:solidFill>
+                        <a:scrgbClr r="0" g="0" b="0"/>
+                      </a:solidFill>
+                      <a:prstDash val="solid"/>
+                      <a:round/>
+                      <a:headEnd type="none" w="med" len="med"/>
+                      <a:tailEnd type="none" w="med" len="med"/>
+                    </a:lnT>
+                    <a:lnB w="12700" cap="flat" cmpd="sng" algn="ctr">
+                      <a:solidFill>
+                        <a:scrgbClr r="0" g="0" b="0"/>
+                      </a:solidFill>
+                      <a:prstDash val="solid"/>
+                      <a:round/>
+                      <a:headEnd type="none" w="med" len="med"/>
+                      <a:tailEnd type="none" w="med" len="med"/>
+                    </a:lnB>
+                    <a:solidFill>
+                      <a:srgbClr val="A6A6A6"/>
+                    </a:solidFill>
+                  </a:tcPr>
+                </a:tc>
+                <a:tc>
+                  <a:txBody>
+                    <a:bodyPr/>
+                    <a:lstStyle/>
+                    <a:p>
+                      <a:pPr algn="ctr"/>
+                      <a:endParaRPr lang="en-US" dirty="0"/>
+                    </a:p>
+                  </a:txBody>
+                  <a:tcPr>
+                    <a:lnL w="12700" cap="flat" cmpd="sng" algn="ctr">
+                      <a:solidFill>
+                        <a:scrgbClr r="0" g="0" b="0"/>
+                      </a:solidFill>
+                      <a:prstDash val="solid"/>
+                      <a:round/>
+                      <a:headEnd type="none" w="med" len="med"/>
+                      <a:tailEnd type="none" w="med" len="med"/>
+                    </a:lnL>
+                    <a:lnB w="12700" cap="flat" cmpd="sng" algn="ctr">
+                      <a:solidFill>
+                        <a:scrgbClr r="0" g="0" b="0"/>
+                      </a:solidFill>
+                      <a:prstDash val="solid"/>
+                      <a:round/>
+                      <a:headEnd type="none" w="med" len="med"/>
+                      <a:tailEnd type="none" w="med" len="med"/>
+                    </a:lnB>
+                    <a:solidFill>
+                      <a:srgbClr val="DDDDDD"/>
+                    </a:solidFill>
+                  </a:tcPr>
+                </a:tc>
+                <a:tc>
+                  <a:txBody>
+                    <a:bodyPr/>
+                    <a:lstStyle/>
+                    <a:p>
+                      <a:pPr algn="ctr"/>
+                      <a:endParaRPr lang="en-US" dirty="0"/>
+                    </a:p>
+                  </a:txBody>
+                  <a:tcPr>
+                    <a:solidFill>
+                      <a:srgbClr val="DDDDDD"/>
+                    </a:solidFill>
+                  </a:tcPr>
+                </a:tc>
+                <a:tc>
+                  <a:txBody>
+                    <a:bodyPr/>
+                    <a:lstStyle/>
+                    <a:p>
+                      <a:pPr algn="ctr"/>
+                      <a:endParaRPr lang="en-US" dirty="0"/>
+                    </a:p>
+                  </a:txBody>
+                  <a:tcPr>
+                    <a:solidFill>
+                      <a:srgbClr val="DDDDDD"/>
+                    </a:solidFill>
+                  </a:tcPr>
+                </a:tc>
+                <a:tc>
+                  <a:txBody>
+                    <a:bodyPr/>
+                    <a:lstStyle/>
+                    <a:p>
+                      <a:pPr algn="ctr"/>
+                      <a:endParaRPr lang="en-US" dirty="0"/>
+                    </a:p>
+                  </a:txBody>
+                  <a:tcPr>
+                    <a:solidFill>
+                      <a:srgbClr val="DDDDDD"/>
+                    </a:solidFill>
+                  </a:tcPr>
+                </a:tc>
+                <a:tc>
+                  <a:txBody>
+                    <a:bodyPr/>
+                    <a:lstStyle/>
+                    <a:p>
+                      <a:pPr algn="ctr"/>
+                      <a:endParaRPr lang="en-US" dirty="0"/>
+                    </a:p>
+                  </a:txBody>
+                  <a:tcPr>
+                    <a:lnR w="12700" cap="flat" cmpd="sng" algn="ctr">
+                      <a:solidFill>
+                        <a:scrgbClr r="0" g="0" b="0"/>
+                      </a:solidFill>
+                      <a:prstDash val="solid"/>
+                      <a:round/>
+                      <a:headEnd type="none" w="med" len="med"/>
+                      <a:tailEnd type="none" w="med" len="med"/>
+                    </a:lnR>
+                    <a:solidFill>
+                      <a:srgbClr val="DDDDDD"/>
+                    </a:solidFill>
+                  </a:tcPr>
+                </a:tc>
+                <a:tc>
+                  <a:txBody>
+                    <a:bodyPr/>
+                    <a:lstStyle/>
+                    <a:p>
+                      <a:pPr algn="ctr"/>
+                      <a:r>
+                        <a:rPr lang="en-US" dirty="0"/>
+                        <a:t>E</a:t>
+                      </a:r>
+                      <a:r>
+                        <a:rPr lang="en-US" baseline="-25000" dirty="0"/>
+                        <a:t>1</a:t>
+                      </a:r>
+                      <a:r>
+                        <a:rPr lang="en-US" dirty="0"/>
+                        <a:t>+E</a:t>
+                      </a:r>
+                      <a:r>
+                        <a:rPr lang="en-US" baseline="-25000" dirty="0"/>
+                        <a:t>2</a:t>
+                      </a:r>
+                      <a:endParaRPr lang="en-US" dirty="0"/>
+                    </a:p>
+                  </a:txBody>
+                  <a:tcPr>
+                    <a:lnL w="12700" cap="flat" cmpd="sng" algn="ctr">
+                      <a:solidFill>
+                        <a:scrgbClr r="0" g="0" b="0"/>
+                      </a:solidFill>
+                      <a:prstDash val="solid"/>
+                      <a:round/>
+                      <a:headEnd type="none" w="med" len="med"/>
+                      <a:tailEnd type="none" w="med" len="med"/>
+                    </a:lnL>
+                    <a:lnR w="12700" cap="flat" cmpd="sng" algn="ctr">
+                      <a:solidFill>
+                        <a:scrgbClr r="0" g="0" b="0"/>
+                      </a:solidFill>
+                      <a:prstDash val="solid"/>
+                      <a:round/>
+                      <a:headEnd type="none" w="med" len="med"/>
+                      <a:tailEnd type="none" w="med" len="med"/>
+                    </a:lnR>
+                    <a:lnT w="12700" cap="flat" cmpd="sng" algn="ctr">
+                      <a:solidFill>
+                        <a:scrgbClr r="0" g="0" b="0"/>
+                      </a:solidFill>
+                      <a:prstDash val="solid"/>
+                      <a:round/>
+                      <a:headEnd type="none" w="med" len="med"/>
+                      <a:tailEnd type="none" w="med" len="med"/>
+                    </a:lnT>
+                    <a:lnB w="12700" cap="flat" cmpd="sng" algn="ctr">
+                      <a:solidFill>
+                        <a:scrgbClr r="0" g="0" b="0"/>
+                      </a:solidFill>
+                      <a:prstDash val="solid"/>
+                      <a:round/>
+                      <a:headEnd type="none" w="med" len="med"/>
+                      <a:tailEnd type="none" w="med" len="med"/>
+                    </a:lnB>
+                    <a:solidFill>
+                      <a:srgbClr val="DDDDDD"/>
+                    </a:solidFill>
+                  </a:tcPr>
+                </a:tc>
+                <a:extLst>
+                  <a:ext uri="{0D108BD9-81ED-4DB2-BD59-A6C34878D82A}">
+                    <a16:rowId xmlns:a16="http://schemas.microsoft.com/office/drawing/2014/main" val="10003"/>
+                  </a:ext>
+                </a:extLst>
+              </a:tr>
+              <a:tr h="369100">
+                <a:tc>
+                  <a:txBody>
+                    <a:bodyPr/>
+                    <a:lstStyle/>
+                    <a:p>
+                      <a:pPr algn="ctr"/>
+                      <a:r>
+                        <a:rPr lang="en-US" dirty="0">
+                          <a:solidFill>
+                            <a:srgbClr val="003D62"/>
+                          </a:solidFill>
+                        </a:rPr>
+                        <a:t>3</a:t>
+                      </a:r>
+                    </a:p>
+                  </a:txBody>
+                  <a:tcPr>
+                    <a:lnR w="12700" cap="flat" cmpd="sng" algn="ctr">
+                      <a:solidFill>
+                        <a:scrgbClr r="0" g="0" b="0"/>
+                      </a:solidFill>
+                      <a:prstDash val="solid"/>
+                      <a:round/>
+                      <a:headEnd type="none" w="med" len="med"/>
+                      <a:tailEnd type="none" w="med" len="med"/>
+                    </a:lnR>
+                    <a:noFill/>
+                  </a:tcPr>
+                </a:tc>
+                <a:tc>
+                  <a:txBody>
+                    <a:bodyPr/>
+                    <a:lstStyle/>
+                    <a:p>
+                      <a:pPr algn="ctr"/>
+                      <a:r>
+                        <a:rPr lang="en-US" dirty="0"/>
+                        <a:t>3</a:t>
+                      </a:r>
+                    </a:p>
+                  </a:txBody>
+                  <a:tcPr>
+                    <a:lnL w="12700" cap="flat" cmpd="sng" algn="ctr">
+                      <a:solidFill>
+                        <a:scrgbClr r="0" g="0" b="0"/>
+                      </a:solidFill>
+                      <a:prstDash val="solid"/>
+                      <a:round/>
+                      <a:headEnd type="none" w="med" len="med"/>
+                      <a:tailEnd type="none" w="med" len="med"/>
+                    </a:lnL>
+                    <a:lnR w="12700" cap="flat" cmpd="sng" algn="ctr">
+                      <a:solidFill>
+                        <a:scrgbClr r="0" g="0" b="0"/>
+                      </a:solidFill>
+                      <a:prstDash val="solid"/>
+                      <a:round/>
+                      <a:headEnd type="none" w="med" len="med"/>
+                      <a:tailEnd type="none" w="med" len="med"/>
+                    </a:lnR>
+                    <a:lnT w="12700" cap="flat" cmpd="sng" algn="ctr">
+                      <a:solidFill>
+                        <a:scrgbClr r="0" g="0" b="0"/>
+                      </a:solidFill>
+                      <a:prstDash val="solid"/>
+                      <a:round/>
+                      <a:headEnd type="none" w="med" len="med"/>
+                      <a:tailEnd type="none" w="med" len="med"/>
+                    </a:lnT>
+                    <a:lnB w="12700" cap="flat" cmpd="sng" algn="ctr">
+                      <a:solidFill>
+                        <a:scrgbClr r="0" g="0" b="0"/>
+                      </a:solidFill>
+                      <a:prstDash val="solid"/>
+                      <a:round/>
+                      <a:headEnd type="none" w="med" len="med"/>
+                      <a:tailEnd type="none" w="med" len="med"/>
+                    </a:lnB>
+                    <a:solidFill>
+                      <a:srgbClr val="A6A6A6"/>
+                    </a:solidFill>
+                  </a:tcPr>
+                </a:tc>
+                <a:tc>
+                  <a:txBody>
+                    <a:bodyPr/>
+                    <a:lstStyle/>
+                    <a:p>
+                      <a:pPr algn="ctr"/>
+                      <a:r>
+                        <a:rPr lang="en-US" dirty="0"/>
+                        <a:t>4</a:t>
+                      </a:r>
+                    </a:p>
+                  </a:txBody>
+                  <a:tcPr>
+                    <a:lnL w="12700" cap="flat" cmpd="sng" algn="ctr">
+                      <a:solidFill>
+                        <a:scrgbClr r="0" g="0" b="0"/>
+                      </a:solidFill>
+                      <a:prstDash val="solid"/>
+                      <a:round/>
+                      <a:headEnd type="none" w="med" len="med"/>
+                      <a:tailEnd type="none" w="med" len="med"/>
+                    </a:lnL>
+                    <a:lnR w="12700" cap="flat" cmpd="sng" algn="ctr">
+                      <a:solidFill>
+                        <a:scrgbClr r="0" g="0" b="0"/>
+                      </a:solidFill>
+                      <a:prstDash val="solid"/>
+                      <a:round/>
+                      <a:headEnd type="none" w="med" len="med"/>
+                      <a:tailEnd type="none" w="med" len="med"/>
+                    </a:lnR>
+                    <a:lnT w="12700" cap="flat" cmpd="sng" algn="ctr">
+                      <a:solidFill>
+                        <a:scrgbClr r="0" g="0" b="0"/>
+                      </a:solidFill>
+                      <a:prstDash val="solid"/>
+                      <a:round/>
+                      <a:headEnd type="none" w="med" len="med"/>
+                      <a:tailEnd type="none" w="med" len="med"/>
+                    </a:lnT>
+                    <a:lnB w="12700" cap="flat" cmpd="sng" algn="ctr">
+                      <a:solidFill>
+                        <a:scrgbClr r="0" g="0" b="0"/>
+                      </a:solidFill>
+                      <a:prstDash val="solid"/>
+                      <a:round/>
+                      <a:headEnd type="none" w="med" len="med"/>
+                      <a:tailEnd type="none" w="med" len="med"/>
+                    </a:lnB>
+                    <a:solidFill>
+                      <a:srgbClr val="A6A6A6"/>
+                    </a:solidFill>
+                  </a:tcPr>
+                </a:tc>
+                <a:tc>
+                  <a:txBody>
+                    <a:bodyPr/>
+                    <a:lstStyle/>
+                    <a:p>
+                      <a:pPr algn="ctr"/>
+                      <a:r>
+                        <a:rPr lang="en-US" dirty="0"/>
+                        <a:t>5</a:t>
+                      </a:r>
+                    </a:p>
+                  </a:txBody>
+                  <a:tcPr>
+                    <a:lnL w="12700" cap="flat" cmpd="sng" algn="ctr">
+                      <a:solidFill>
+                        <a:scrgbClr r="0" g="0" b="0"/>
+                      </a:solidFill>
+                      <a:prstDash val="solid"/>
+                      <a:round/>
+                      <a:headEnd type="none" w="med" len="med"/>
+                      <a:tailEnd type="none" w="med" len="med"/>
+                    </a:lnL>
+                    <a:lnR w="12700" cap="flat" cmpd="sng" algn="ctr">
+                      <a:solidFill>
+                        <a:scrgbClr r="0" g="0" b="0"/>
+                      </a:solidFill>
+                      <a:prstDash val="solid"/>
+                      <a:round/>
+                      <a:headEnd type="none" w="med" len="med"/>
+                      <a:tailEnd type="none" w="med" len="med"/>
+                    </a:lnR>
+                    <a:lnT w="12700" cap="flat" cmpd="sng" algn="ctr">
+                      <a:solidFill>
+                        <a:scrgbClr r="0" g="0" b="0"/>
+                      </a:solidFill>
+                      <a:prstDash val="solid"/>
+                      <a:round/>
+                      <a:headEnd type="none" w="med" len="med"/>
+                      <a:tailEnd type="none" w="med" len="med"/>
+                    </a:lnT>
+                    <a:lnB w="12700" cap="flat" cmpd="sng" algn="ctr">
+                      <a:solidFill>
+                        <a:scrgbClr r="0" g="0" b="0"/>
+                      </a:solidFill>
+                      <a:prstDash val="solid"/>
+                      <a:round/>
+                      <a:headEnd type="none" w="med" len="med"/>
+                      <a:tailEnd type="none" w="med" len="med"/>
+                    </a:lnB>
+                    <a:solidFill>
+                      <a:srgbClr val="A6A6A6"/>
+                    </a:solidFill>
+                  </a:tcPr>
+                </a:tc>
+                <a:tc>
+                  <a:txBody>
+                    <a:bodyPr/>
+                    <a:lstStyle/>
+                    <a:p>
+                      <a:pPr algn="ctr"/>
+                      <a:endParaRPr lang="en-US" dirty="0"/>
+                    </a:p>
+                  </a:txBody>
+                  <a:tcPr>
+                    <a:lnL w="12700" cap="flat" cmpd="sng" algn="ctr">
+                      <a:solidFill>
+                        <a:scrgbClr r="0" g="0" b="0"/>
+                      </a:solidFill>
+                      <a:prstDash val="solid"/>
+                      <a:round/>
+                      <a:headEnd type="none" w="med" len="med"/>
+                      <a:tailEnd type="none" w="med" len="med"/>
+                    </a:lnL>
+                    <a:lnB w="12700" cap="flat" cmpd="sng" algn="ctr">
+                      <a:solidFill>
+                        <a:scrgbClr r="0" g="0" b="0"/>
+                      </a:solidFill>
+                      <a:prstDash val="solid"/>
+                      <a:round/>
+                      <a:headEnd type="none" w="med" len="med"/>
+                      <a:tailEnd type="none" w="med" len="med"/>
+                    </a:lnB>
+                    <a:solidFill>
+                      <a:srgbClr val="DDDDDD"/>
+                    </a:solidFill>
+                  </a:tcPr>
+                </a:tc>
+                <a:tc>
+                  <a:txBody>
+                    <a:bodyPr/>
+                    <a:lstStyle/>
+                    <a:p>
+                      <a:pPr algn="ctr"/>
+                      <a:endParaRPr lang="en-US" dirty="0"/>
+                    </a:p>
+                  </a:txBody>
+                  <a:tcPr>
+                    <a:solidFill>
+                      <a:srgbClr val="DDDDDD"/>
+                    </a:solidFill>
+                  </a:tcPr>
+                </a:tc>
+                <a:tc>
+                  <a:txBody>
+                    <a:bodyPr/>
+                    <a:lstStyle/>
+                    <a:p>
+                      <a:pPr algn="ctr"/>
+                      <a:endParaRPr lang="en-US" dirty="0"/>
+                    </a:p>
+                  </a:txBody>
+                  <a:tcPr>
+                    <a:solidFill>
+                      <a:srgbClr val="DDDDDD"/>
+                    </a:solidFill>
+                  </a:tcPr>
+                </a:tc>
+                <a:tc>
+                  <a:txBody>
+                    <a:bodyPr/>
+                    <a:lstStyle/>
+                    <a:p>
+                      <a:pPr algn="ctr"/>
+                      <a:endParaRPr lang="en-US" dirty="0"/>
+                    </a:p>
+                  </a:txBody>
+                  <a:tcPr>
+                    <a:lnR w="12700" cap="flat" cmpd="sng" algn="ctr">
+                      <a:solidFill>
+                        <a:scrgbClr r="0" g="0" b="0"/>
+                      </a:solidFill>
+                      <a:prstDash val="solid"/>
+                      <a:round/>
+                      <a:headEnd type="none" w="med" len="med"/>
+                      <a:tailEnd type="none" w="med" len="med"/>
+                    </a:lnR>
+                    <a:solidFill>
+                      <a:srgbClr val="DDDDDD"/>
+                    </a:solidFill>
+                  </a:tcPr>
+                </a:tc>
+                <a:tc>
+                  <a:txBody>
+                    <a:bodyPr/>
+                    <a:lstStyle/>
+                    <a:p>
+                      <a:pPr marL="0" marR="0" indent="0" algn="ctr" defTabSz="457200" rtl="0" eaLnBrk="1" fontAlgn="auto" latinLnBrk="0" hangingPunct="1">
+                        <a:lnSpc>
+                          <a:spcPct val="100000"/>
+                        </a:lnSpc>
+                        <a:spcBef>
+                          <a:spcPts val="0"/>
+                        </a:spcBef>
+                        <a:spcAft>
+                          <a:spcPts val="0"/>
+                        </a:spcAft>
+                        <a:buClrTx/>
+                        <a:buSzTx/>
+                        <a:buFontTx/>
+                        <a:buNone/>
+                        <a:tabLst/>
+                        <a:defRPr/>
+                      </a:pPr>
+                      <a:r>
+                        <a:rPr lang="en-US" dirty="0"/>
+                        <a:t>E</a:t>
+                      </a:r>
+                      <a:r>
+                        <a:rPr lang="en-US" baseline="-25000" dirty="0"/>
+                        <a:t>3</a:t>
+                      </a:r>
+                      <a:r>
+                        <a:rPr lang="en-US" dirty="0"/>
+                        <a:t>+E</a:t>
+                      </a:r>
+                      <a:r>
+                        <a:rPr lang="en-US" baseline="-25000" dirty="0"/>
+                        <a:t>4</a:t>
+                      </a:r>
+                      <a:r>
+                        <a:rPr lang="en-US" dirty="0"/>
+                        <a:t>+E</a:t>
+                      </a:r>
+                      <a:r>
+                        <a:rPr lang="en-US" baseline="-25000" dirty="0"/>
+                        <a:t>5</a:t>
+                      </a:r>
+                      <a:endParaRPr lang="en-US" dirty="0"/>
+                    </a:p>
+                  </a:txBody>
+                  <a:tcPr>
+                    <a:lnL w="12700" cap="flat" cmpd="sng" algn="ctr">
+                      <a:solidFill>
+                        <a:scrgbClr r="0" g="0" b="0"/>
+                      </a:solidFill>
+                      <a:prstDash val="solid"/>
+                      <a:round/>
+                      <a:headEnd type="none" w="med" len="med"/>
+                      <a:tailEnd type="none" w="med" len="med"/>
+                    </a:lnL>
+                    <a:lnR w="12700" cap="flat" cmpd="sng" algn="ctr">
+                      <a:solidFill>
+                        <a:scrgbClr r="0" g="0" b="0"/>
+                      </a:solidFill>
+                      <a:prstDash val="solid"/>
+                      <a:round/>
+                      <a:headEnd type="none" w="med" len="med"/>
+                      <a:tailEnd type="none" w="med" len="med"/>
+                    </a:lnR>
+                    <a:lnT w="12700" cap="flat" cmpd="sng" algn="ctr">
+                      <a:solidFill>
+                        <a:scrgbClr r="0" g="0" b="0"/>
+                      </a:solidFill>
+                      <a:prstDash val="solid"/>
+                      <a:round/>
+                      <a:headEnd type="none" w="med" len="med"/>
+                      <a:tailEnd type="none" w="med" len="med"/>
+                    </a:lnT>
+                    <a:lnB w="12700" cap="flat" cmpd="sng" algn="ctr">
+                      <a:solidFill>
+                        <a:scrgbClr r="0" g="0" b="0"/>
+                      </a:solidFill>
+                      <a:prstDash val="solid"/>
+                      <a:round/>
+                      <a:headEnd type="none" w="med" len="med"/>
+                      <a:tailEnd type="none" w="med" len="med"/>
+                    </a:lnB>
+                    <a:solidFill>
+                      <a:srgbClr val="DDDDDD"/>
+                    </a:solidFill>
+                  </a:tcPr>
+                </a:tc>
+                <a:extLst>
+                  <a:ext uri="{0D108BD9-81ED-4DB2-BD59-A6C34878D82A}">
+                    <a16:rowId xmlns:a16="http://schemas.microsoft.com/office/drawing/2014/main" val="10004"/>
+                  </a:ext>
+                </a:extLst>
+              </a:tr>
+              <a:tr h="369100">
+                <a:tc>
+                  <a:txBody>
+                    <a:bodyPr/>
+                    <a:lstStyle/>
+                    <a:p>
+                      <a:pPr algn="ctr"/>
+                      <a:r>
+                        <a:rPr lang="en-US" dirty="0">
+                          <a:solidFill>
+                            <a:srgbClr val="003D62"/>
+                          </a:solidFill>
+                        </a:rPr>
+                        <a:t>4</a:t>
+                      </a:r>
+                    </a:p>
+                  </a:txBody>
+                  <a:tcPr>
+                    <a:lnR w="12700" cap="flat" cmpd="sng" algn="ctr">
+                      <a:solidFill>
+                        <a:scrgbClr r="0" g="0" b="0"/>
+                      </a:solidFill>
+                      <a:prstDash val="solid"/>
+                      <a:round/>
+                      <a:headEnd type="none" w="med" len="med"/>
+                      <a:tailEnd type="none" w="med" len="med"/>
+                    </a:lnR>
+                    <a:noFill/>
+                  </a:tcPr>
+                </a:tc>
+                <a:tc>
+                  <a:txBody>
+                    <a:bodyPr/>
+                    <a:lstStyle/>
+                    <a:p>
+                      <a:pPr algn="ctr"/>
+                      <a:r>
+                        <a:rPr lang="en-US" dirty="0"/>
+                        <a:t>6</a:t>
+                      </a:r>
+                    </a:p>
+                  </a:txBody>
+                  <a:tcPr>
+                    <a:lnL w="12700" cap="flat" cmpd="sng" algn="ctr">
+                      <a:solidFill>
+                        <a:scrgbClr r="0" g="0" b="0"/>
+                      </a:solidFill>
+                      <a:prstDash val="solid"/>
+                      <a:round/>
+                      <a:headEnd type="none" w="med" len="med"/>
+                      <a:tailEnd type="none" w="med" len="med"/>
+                    </a:lnL>
+                    <a:lnR w="12700" cap="flat" cmpd="sng" algn="ctr">
+                      <a:solidFill>
+                        <a:scrgbClr r="0" g="0" b="0"/>
+                      </a:solidFill>
+                      <a:prstDash val="solid"/>
+                      <a:round/>
+                      <a:headEnd type="none" w="med" len="med"/>
+                      <a:tailEnd type="none" w="med" len="med"/>
+                    </a:lnR>
+                    <a:lnT w="12700" cap="flat" cmpd="sng" algn="ctr">
+                      <a:solidFill>
+                        <a:scrgbClr r="0" g="0" b="0"/>
+                      </a:solidFill>
+                      <a:prstDash val="solid"/>
+                      <a:round/>
+                      <a:headEnd type="none" w="med" len="med"/>
+                      <a:tailEnd type="none" w="med" len="med"/>
+                    </a:lnT>
+                    <a:lnB w="12700" cap="flat" cmpd="sng" algn="ctr">
+                      <a:solidFill>
+                        <a:scrgbClr r="0" g="0" b="0"/>
+                      </a:solidFill>
+                      <a:prstDash val="solid"/>
+                      <a:round/>
+                      <a:headEnd type="none" w="med" len="med"/>
+                      <a:tailEnd type="none" w="med" len="med"/>
+                    </a:lnB>
+                    <a:solidFill>
+                      <a:srgbClr val="FF7B11"/>
+                    </a:solidFill>
+                  </a:tcPr>
+                </a:tc>
+                <a:tc>
+                  <a:txBody>
+                    <a:bodyPr/>
+                    <a:lstStyle/>
+                    <a:p>
+                      <a:pPr algn="ctr"/>
+                      <a:r>
+                        <a:rPr lang="en-US" dirty="0"/>
+                        <a:t>7</a:t>
+                      </a:r>
+                    </a:p>
+                  </a:txBody>
+                  <a:tcPr>
+                    <a:lnL w="12700" cap="flat" cmpd="sng" algn="ctr">
+                      <a:solidFill>
+                        <a:scrgbClr r="0" g="0" b="0"/>
+                      </a:solidFill>
+                      <a:prstDash val="solid"/>
+                      <a:round/>
+                      <a:headEnd type="none" w="med" len="med"/>
+                      <a:tailEnd type="none" w="med" len="med"/>
+                    </a:lnL>
+                    <a:lnR w="12700" cap="flat" cmpd="sng" algn="ctr">
+                      <a:solidFill>
+                        <a:scrgbClr r="0" g="0" b="0"/>
+                      </a:solidFill>
+                      <a:prstDash val="solid"/>
+                      <a:round/>
+                      <a:headEnd type="none" w="med" len="med"/>
+                      <a:tailEnd type="none" w="med" len="med"/>
+                    </a:lnR>
+                    <a:lnT w="12700" cap="flat" cmpd="sng" algn="ctr">
+                      <a:solidFill>
+                        <a:scrgbClr r="0" g="0" b="0"/>
+                      </a:solidFill>
+                      <a:prstDash val="solid"/>
+                      <a:round/>
+                      <a:headEnd type="none" w="med" len="med"/>
+                      <a:tailEnd type="none" w="med" len="med"/>
+                    </a:lnT>
+                    <a:lnB w="12700" cap="flat" cmpd="sng" algn="ctr">
+                      <a:solidFill>
+                        <a:scrgbClr r="0" g="0" b="0"/>
+                      </a:solidFill>
+                      <a:prstDash val="solid"/>
+                      <a:round/>
+                      <a:headEnd type="none" w="med" len="med"/>
+                      <a:tailEnd type="none" w="med" len="med"/>
+                    </a:lnB>
+                    <a:solidFill>
+                      <a:srgbClr val="FF7B11"/>
+                    </a:solidFill>
+                  </a:tcPr>
+                </a:tc>
+                <a:tc>
+                  <a:txBody>
+                    <a:bodyPr/>
+                    <a:lstStyle/>
+                    <a:p>
+                      <a:pPr algn="ctr"/>
+                      <a:r>
+                        <a:rPr lang="en-US" dirty="0"/>
+                        <a:t>8</a:t>
+                      </a:r>
+                    </a:p>
+                  </a:txBody>
+                  <a:tcPr>
+                    <a:lnL w="12700" cap="flat" cmpd="sng" algn="ctr">
+                      <a:solidFill>
+                        <a:scrgbClr r="0" g="0" b="0"/>
+                      </a:solidFill>
+                      <a:prstDash val="solid"/>
+                      <a:round/>
+                      <a:headEnd type="none" w="med" len="med"/>
+                      <a:tailEnd type="none" w="med" len="med"/>
+                    </a:lnL>
+                    <a:lnR w="12700" cap="flat" cmpd="sng" algn="ctr">
+                      <a:solidFill>
+                        <a:scrgbClr r="0" g="0" b="0"/>
+                      </a:solidFill>
+                      <a:prstDash val="solid"/>
+                      <a:round/>
+                      <a:headEnd type="none" w="med" len="med"/>
+                      <a:tailEnd type="none" w="med" len="med"/>
+                    </a:lnR>
+                    <a:lnT w="12700" cap="flat" cmpd="sng" algn="ctr">
+                      <a:solidFill>
+                        <a:scrgbClr r="0" g="0" b="0"/>
+                      </a:solidFill>
+                      <a:prstDash val="solid"/>
+                      <a:round/>
+                      <a:headEnd type="none" w="med" len="med"/>
+                      <a:tailEnd type="none" w="med" len="med"/>
+                    </a:lnT>
+                    <a:lnB w="12700" cap="flat" cmpd="sng" algn="ctr">
+                      <a:solidFill>
+                        <a:scrgbClr r="0" g="0" b="0"/>
+                      </a:solidFill>
+                      <a:prstDash val="solid"/>
+                      <a:round/>
+                      <a:headEnd type="none" w="med" len="med"/>
+                      <a:tailEnd type="none" w="med" len="med"/>
+                    </a:lnB>
+                    <a:solidFill>
+                      <a:srgbClr val="FF7B11"/>
+                    </a:solidFill>
+                  </a:tcPr>
+                </a:tc>
+                <a:tc>
+                  <a:txBody>
+                    <a:bodyPr/>
+                    <a:lstStyle/>
+                    <a:p>
+                      <a:pPr algn="ctr"/>
+                      <a:r>
+                        <a:rPr lang="en-US" dirty="0"/>
+                        <a:t>9</a:t>
+                      </a:r>
+                    </a:p>
+                  </a:txBody>
+                  <a:tcPr>
+                    <a:lnL w="12700" cap="flat" cmpd="sng" algn="ctr">
+                      <a:solidFill>
+                        <a:scrgbClr r="0" g="0" b="0"/>
+                      </a:solidFill>
+                      <a:prstDash val="solid"/>
+                      <a:round/>
+                      <a:headEnd type="none" w="med" len="med"/>
+                      <a:tailEnd type="none" w="med" len="med"/>
+                    </a:lnL>
+                    <a:lnR w="12700" cap="flat" cmpd="sng" algn="ctr">
+                      <a:solidFill>
+                        <a:scrgbClr r="0" g="0" b="0"/>
+                      </a:solidFill>
+                      <a:prstDash val="solid"/>
+                      <a:round/>
+                      <a:headEnd type="none" w="med" len="med"/>
+                      <a:tailEnd type="none" w="med" len="med"/>
+                    </a:lnR>
+                    <a:lnT w="12700" cap="flat" cmpd="sng" algn="ctr">
+                      <a:solidFill>
+                        <a:scrgbClr r="0" g="0" b="0"/>
+                      </a:solidFill>
+                      <a:prstDash val="solid"/>
+                      <a:round/>
+                      <a:headEnd type="none" w="med" len="med"/>
+                      <a:tailEnd type="none" w="med" len="med"/>
+                    </a:lnT>
+                    <a:lnB w="12700" cap="flat" cmpd="sng" algn="ctr">
+                      <a:solidFill>
+                        <a:scrgbClr r="0" g="0" b="0"/>
+                      </a:solidFill>
+                      <a:prstDash val="solid"/>
+                      <a:round/>
+                      <a:headEnd type="none" w="med" len="med"/>
+                      <a:tailEnd type="none" w="med" len="med"/>
+                    </a:lnB>
+                    <a:solidFill>
+                      <a:srgbClr val="FF7B11"/>
+                    </a:solidFill>
+                  </a:tcPr>
+                </a:tc>
+                <a:tc>
+                  <a:txBody>
+                    <a:bodyPr/>
+                    <a:lstStyle/>
+                    <a:p>
+                      <a:pPr algn="ctr"/>
+                      <a:endParaRPr lang="en-US" dirty="0"/>
+                    </a:p>
+                  </a:txBody>
+                  <a:tcPr>
+                    <a:lnL w="12700" cap="flat" cmpd="sng" algn="ctr">
+                      <a:solidFill>
+                        <a:scrgbClr r="0" g="0" b="0"/>
+                      </a:solidFill>
+                      <a:prstDash val="solid"/>
+                      <a:round/>
+                      <a:headEnd type="none" w="med" len="med"/>
+                      <a:tailEnd type="none" w="med" len="med"/>
+                    </a:lnL>
+                    <a:lnB w="12700" cap="flat" cmpd="sng" algn="ctr">
+                      <a:solidFill>
+                        <a:scrgbClr r="0" g="0" b="0"/>
+                      </a:solidFill>
+                      <a:prstDash val="solid"/>
+                      <a:round/>
+                      <a:headEnd type="none" w="med" len="med"/>
+                      <a:tailEnd type="none" w="med" len="med"/>
+                    </a:lnB>
+                    <a:solidFill>
+                      <a:srgbClr val="DDDDDD"/>
+                    </a:solidFill>
+                  </a:tcPr>
+                </a:tc>
+                <a:tc>
+                  <a:txBody>
+                    <a:bodyPr/>
+                    <a:lstStyle/>
+                    <a:p>
+                      <a:pPr algn="ctr"/>
+                      <a:endParaRPr lang="en-US" dirty="0"/>
+                    </a:p>
+                  </a:txBody>
+                  <a:tcPr>
+                    <a:solidFill>
+                      <a:srgbClr val="DDDDDD"/>
+                    </a:solidFill>
+                  </a:tcPr>
+                </a:tc>
+                <a:tc>
+                  <a:txBody>
+                    <a:bodyPr/>
+                    <a:lstStyle/>
+                    <a:p>
+                      <a:pPr algn="ctr"/>
+                      <a:endParaRPr lang="en-US" dirty="0"/>
+                    </a:p>
+                  </a:txBody>
+                  <a:tcPr>
+                    <a:lnR w="12700" cap="flat" cmpd="sng" algn="ctr">
+                      <a:solidFill>
+                        <a:scrgbClr r="0" g="0" b="0"/>
+                      </a:solidFill>
+                      <a:prstDash val="solid"/>
+                      <a:round/>
+                      <a:headEnd type="none" w="med" len="med"/>
+                      <a:tailEnd type="none" w="med" len="med"/>
+                    </a:lnR>
+                    <a:solidFill>
+                      <a:srgbClr val="DDDDDD"/>
+                    </a:solidFill>
+                  </a:tcPr>
+                </a:tc>
+                <a:tc>
+                  <a:txBody>
+                    <a:bodyPr/>
+                    <a:lstStyle/>
+                    <a:p>
+                      <a:pPr marL="0" marR="0" indent="0" algn="ctr" defTabSz="457200" rtl="0" eaLnBrk="1" fontAlgn="auto" latinLnBrk="0" hangingPunct="1">
+                        <a:lnSpc>
+                          <a:spcPct val="100000"/>
+                        </a:lnSpc>
+                        <a:spcBef>
+                          <a:spcPts val="0"/>
+                        </a:spcBef>
+                        <a:spcAft>
+                          <a:spcPts val="0"/>
+                        </a:spcAft>
+                        <a:buClrTx/>
+                        <a:buSzTx/>
+                        <a:buFontTx/>
+                        <a:buNone/>
+                        <a:tabLst/>
+                        <a:defRPr/>
+                      </a:pPr>
+                      <a:r>
+                        <a:rPr lang="en-US" dirty="0">
+                          <a:solidFill>
+                            <a:srgbClr val="FF7B11"/>
+                          </a:solidFill>
+                        </a:rPr>
+                        <a:t>E</a:t>
+                      </a:r>
+                      <a:r>
+                        <a:rPr lang="en-US" baseline="-25000" dirty="0">
+                          <a:solidFill>
+                            <a:srgbClr val="FF7B11"/>
+                          </a:solidFill>
+                        </a:rPr>
+                        <a:t>6</a:t>
+                      </a:r>
+                      <a:r>
+                        <a:rPr lang="en-US" dirty="0">
+                          <a:solidFill>
+                            <a:srgbClr val="FF7B11"/>
+                          </a:solidFill>
+                        </a:rPr>
+                        <a:t>+…+E</a:t>
+                      </a:r>
+                      <a:r>
+                        <a:rPr lang="en-US" baseline="-25000" dirty="0">
+                          <a:solidFill>
+                            <a:srgbClr val="FF7B11"/>
+                          </a:solidFill>
+                        </a:rPr>
+                        <a:t>9</a:t>
+                      </a:r>
+                      <a:endParaRPr lang="en-US" dirty="0">
+                        <a:solidFill>
+                          <a:srgbClr val="FF7B11"/>
+                        </a:solidFill>
+                      </a:endParaRPr>
+                    </a:p>
+                  </a:txBody>
+                  <a:tcPr>
+                    <a:lnL w="12700" cap="flat" cmpd="sng" algn="ctr">
+                      <a:solidFill>
+                        <a:scrgbClr r="0" g="0" b="0"/>
+                      </a:solidFill>
+                      <a:prstDash val="solid"/>
+                      <a:round/>
+                      <a:headEnd type="none" w="med" len="med"/>
+                      <a:tailEnd type="none" w="med" len="med"/>
+                    </a:lnL>
+                    <a:lnR w="12700" cap="flat" cmpd="sng" algn="ctr">
+                      <a:solidFill>
+                        <a:scrgbClr r="0" g="0" b="0"/>
+                      </a:solidFill>
+                      <a:prstDash val="solid"/>
+                      <a:round/>
+                      <a:headEnd type="none" w="med" len="med"/>
+                      <a:tailEnd type="none" w="med" len="med"/>
+                    </a:lnR>
+                    <a:lnT w="12700" cap="flat" cmpd="sng" algn="ctr">
+                      <a:solidFill>
+                        <a:scrgbClr r="0" g="0" b="0"/>
+                      </a:solidFill>
+                      <a:prstDash val="solid"/>
+                      <a:round/>
+                      <a:headEnd type="none" w="med" len="med"/>
+                      <a:tailEnd type="none" w="med" len="med"/>
+                    </a:lnT>
+                    <a:lnB w="12700" cap="flat" cmpd="sng" algn="ctr">
+                      <a:solidFill>
+                        <a:scrgbClr r="0" g="0" b="0"/>
+                      </a:solidFill>
+                      <a:prstDash val="solid"/>
+                      <a:round/>
+                      <a:headEnd type="none" w="med" len="med"/>
+                      <a:tailEnd type="none" w="med" len="med"/>
+                    </a:lnB>
+                    <a:solidFill>
+                      <a:srgbClr val="DDDDDD"/>
+                    </a:solidFill>
+                  </a:tcPr>
+                </a:tc>
+                <a:extLst>
+                  <a:ext uri="{0D108BD9-81ED-4DB2-BD59-A6C34878D82A}">
+                    <a16:rowId xmlns:a16="http://schemas.microsoft.com/office/drawing/2014/main" val="10005"/>
+                  </a:ext>
+                </a:extLst>
+              </a:tr>
+              <a:tr h="369100">
+                <a:tc>
+                  <a:txBody>
+                    <a:bodyPr/>
+                    <a:lstStyle/>
+                    <a:p>
+                      <a:pPr algn="ctr"/>
+                      <a:r>
+                        <a:rPr lang="en-US" dirty="0">
+                          <a:solidFill>
+                            <a:srgbClr val="003D62"/>
+                          </a:solidFill>
+                        </a:rPr>
+                        <a:t>5</a:t>
+                      </a:r>
+                    </a:p>
+                  </a:txBody>
+                  <a:tcPr>
+                    <a:lnR w="12700" cap="flat" cmpd="sng" algn="ctr">
+                      <a:solidFill>
+                        <a:scrgbClr r="0" g="0" b="0"/>
+                      </a:solidFill>
+                      <a:prstDash val="solid"/>
+                      <a:round/>
+                      <a:headEnd type="none" w="med" len="med"/>
+                      <a:tailEnd type="none" w="med" len="med"/>
+                    </a:lnR>
+                    <a:noFill/>
+                  </a:tcPr>
+                </a:tc>
+                <a:tc>
+                  <a:txBody>
+                    <a:bodyPr/>
+                    <a:lstStyle/>
+                    <a:p>
+                      <a:pPr algn="ctr"/>
+                      <a:r>
+                        <a:rPr lang="en-US" dirty="0"/>
+                        <a:t>10</a:t>
+                      </a:r>
+                    </a:p>
+                  </a:txBody>
+                  <a:tcPr>
+                    <a:lnL w="12700" cap="flat" cmpd="sng" algn="ctr">
+                      <a:solidFill>
+                        <a:scrgbClr r="0" g="0" b="0"/>
+                      </a:solidFill>
+                      <a:prstDash val="solid"/>
+                      <a:round/>
+                      <a:headEnd type="none" w="med" len="med"/>
+                      <a:tailEnd type="none" w="med" len="med"/>
+                    </a:lnL>
+                    <a:lnR w="12700" cap="flat" cmpd="sng" algn="ctr">
+                      <a:solidFill>
+                        <a:scrgbClr r="0" g="0" b="0"/>
+                      </a:solidFill>
+                      <a:prstDash val="solid"/>
+                      <a:round/>
+                      <a:headEnd type="none" w="med" len="med"/>
+                      <a:tailEnd type="none" w="med" len="med"/>
+                    </a:lnR>
+                    <a:lnT w="12700" cap="flat" cmpd="sng" algn="ctr">
+                      <a:solidFill>
+                        <a:scrgbClr r="0" g="0" b="0"/>
+                      </a:solidFill>
+                      <a:prstDash val="solid"/>
+                      <a:round/>
+                      <a:headEnd type="none" w="med" len="med"/>
+                      <a:tailEnd type="none" w="med" len="med"/>
+                    </a:lnT>
+                    <a:lnB w="12700" cap="flat" cmpd="sng" algn="ctr">
+                      <a:solidFill>
+                        <a:schemeClr val="tx1"/>
+                      </a:solidFill>
+                      <a:prstDash val="solid"/>
+                      <a:round/>
+                      <a:headEnd type="none" w="med" len="med"/>
+                      <a:tailEnd type="none" w="med" len="med"/>
+                    </a:lnB>
+                    <a:solidFill>
+                      <a:srgbClr val="A6A6A6"/>
+                    </a:solidFill>
+                  </a:tcPr>
+                </a:tc>
+                <a:tc>
+                  <a:txBody>
+                    <a:bodyPr/>
+                    <a:lstStyle/>
+                    <a:p>
+                      <a:pPr algn="ctr"/>
+                      <a:r>
+                        <a:rPr lang="en-US" dirty="0"/>
+                        <a:t>11</a:t>
+                      </a:r>
+                    </a:p>
+                  </a:txBody>
+                  <a:tcPr>
+                    <a:lnL w="12700" cap="flat" cmpd="sng" algn="ctr">
+                      <a:solidFill>
+                        <a:scrgbClr r="0" g="0" b="0"/>
+                      </a:solidFill>
+                      <a:prstDash val="solid"/>
+                      <a:round/>
+                      <a:headEnd type="none" w="med" len="med"/>
+                      <a:tailEnd type="none" w="med" len="med"/>
+                    </a:lnL>
+                    <a:lnR w="12700" cap="flat" cmpd="sng" algn="ctr">
+                      <a:solidFill>
+                        <a:scrgbClr r="0" g="0" b="0"/>
+                      </a:solidFill>
+                      <a:prstDash val="solid"/>
+                      <a:round/>
+                      <a:headEnd type="none" w="med" len="med"/>
+                      <a:tailEnd type="none" w="med" len="med"/>
+                    </a:lnR>
+                    <a:lnT w="12700" cap="flat" cmpd="sng" algn="ctr">
+                      <a:solidFill>
+                        <a:scrgbClr r="0" g="0" b="0"/>
+                      </a:solidFill>
+                      <a:prstDash val="solid"/>
+                      <a:round/>
+                      <a:headEnd type="none" w="med" len="med"/>
+                      <a:tailEnd type="none" w="med" len="med"/>
+                    </a:lnT>
+                    <a:lnB w="12700" cap="flat" cmpd="sng" algn="ctr">
+                      <a:solidFill>
+                        <a:schemeClr val="tx1"/>
+                      </a:solidFill>
+                      <a:prstDash val="solid"/>
+                      <a:round/>
+                      <a:headEnd type="none" w="med" len="med"/>
+                      <a:tailEnd type="none" w="med" len="med"/>
+                    </a:lnB>
+                    <a:solidFill>
+                      <a:srgbClr val="A6A6A6"/>
+                    </a:solidFill>
+                  </a:tcPr>
+                </a:tc>
+                <a:tc>
+                  <a:txBody>
+                    <a:bodyPr/>
+                    <a:lstStyle/>
+                    <a:p>
+                      <a:pPr algn="ctr"/>
+                      <a:r>
+                        <a:rPr lang="en-US" dirty="0"/>
+                        <a:t>12</a:t>
+                      </a:r>
+                    </a:p>
+                  </a:txBody>
+                  <a:tcPr>
+                    <a:lnL w="12700" cap="flat" cmpd="sng" algn="ctr">
+                      <a:solidFill>
+                        <a:scrgbClr r="0" g="0" b="0"/>
+                      </a:solidFill>
+                      <a:prstDash val="solid"/>
+                      <a:round/>
+                      <a:headEnd type="none" w="med" len="med"/>
+                      <a:tailEnd type="none" w="med" len="med"/>
+                    </a:lnL>
+                    <a:lnR w="12700" cap="flat" cmpd="sng" algn="ctr">
+                      <a:solidFill>
+                        <a:scrgbClr r="0" g="0" b="0"/>
+                      </a:solidFill>
+                      <a:prstDash val="solid"/>
+                      <a:round/>
+                      <a:headEnd type="none" w="med" len="med"/>
+                      <a:tailEnd type="none" w="med" len="med"/>
+                    </a:lnR>
+                    <a:lnT w="12700" cap="flat" cmpd="sng" algn="ctr">
+                      <a:solidFill>
+                        <a:scrgbClr r="0" g="0" b="0"/>
+                      </a:solidFill>
+                      <a:prstDash val="solid"/>
+                      <a:round/>
+                      <a:headEnd type="none" w="med" len="med"/>
+                      <a:tailEnd type="none" w="med" len="med"/>
+                    </a:lnT>
+                    <a:lnB w="12700" cap="flat" cmpd="sng" algn="ctr">
+                      <a:solidFill>
+                        <a:schemeClr val="tx1"/>
+                      </a:solidFill>
+                      <a:prstDash val="solid"/>
+                      <a:round/>
+                      <a:headEnd type="none" w="med" len="med"/>
+                      <a:tailEnd type="none" w="med" len="med"/>
+                    </a:lnB>
+                    <a:solidFill>
+                      <a:srgbClr val="A6A6A6"/>
+                    </a:solidFill>
+                  </a:tcPr>
+                </a:tc>
+                <a:tc>
+                  <a:txBody>
+                    <a:bodyPr/>
+                    <a:lstStyle/>
+                    <a:p>
+                      <a:pPr algn="ctr"/>
+                      <a:r>
+                        <a:rPr lang="en-US" dirty="0"/>
+                        <a:t>13</a:t>
+                      </a:r>
+                    </a:p>
+                  </a:txBody>
+                  <a:tcPr>
+                    <a:lnL w="12700" cap="flat" cmpd="sng" algn="ctr">
+                      <a:solidFill>
+                        <a:scrgbClr r="0" g="0" b="0"/>
+                      </a:solidFill>
+                      <a:prstDash val="solid"/>
+                      <a:round/>
+                      <a:headEnd type="none" w="med" len="med"/>
+                      <a:tailEnd type="none" w="med" len="med"/>
+                    </a:lnL>
+                    <a:lnR w="12700" cap="flat" cmpd="sng" algn="ctr">
+                      <a:solidFill>
+                        <a:scrgbClr r="0" g="0" b="0"/>
+                      </a:solidFill>
+                      <a:prstDash val="solid"/>
+                      <a:round/>
+                      <a:headEnd type="none" w="med" len="med"/>
+                      <a:tailEnd type="none" w="med" len="med"/>
+                    </a:lnR>
+                    <a:lnT w="12700" cap="flat" cmpd="sng" algn="ctr">
+                      <a:solidFill>
+                        <a:scrgbClr r="0" g="0" b="0"/>
+                      </a:solidFill>
+                      <a:prstDash val="solid"/>
+                      <a:round/>
+                      <a:headEnd type="none" w="med" len="med"/>
+                      <a:tailEnd type="none" w="med" len="med"/>
+                    </a:lnT>
+                    <a:lnB w="12700" cap="flat" cmpd="sng" algn="ctr">
+                      <a:solidFill>
+                        <a:schemeClr val="tx1"/>
+                      </a:solidFill>
+                      <a:prstDash val="solid"/>
+                      <a:round/>
+                      <a:headEnd type="none" w="med" len="med"/>
+                      <a:tailEnd type="none" w="med" len="med"/>
+                    </a:lnB>
+                    <a:solidFill>
+                      <a:srgbClr val="A6A6A6"/>
+                    </a:solidFill>
+                  </a:tcPr>
+                </a:tc>
+                <a:tc>
+                  <a:txBody>
+                    <a:bodyPr/>
+                    <a:lstStyle/>
+                    <a:p>
+                      <a:pPr algn="ctr"/>
+                      <a:r>
+                        <a:rPr lang="en-US" dirty="0"/>
+                        <a:t>14</a:t>
+                      </a:r>
+                    </a:p>
+                  </a:txBody>
+                  <a:tcPr>
+                    <a:lnL w="12700" cap="flat" cmpd="sng" algn="ctr">
+                      <a:solidFill>
+                        <a:scrgbClr r="0" g="0" b="0"/>
+                      </a:solidFill>
+                      <a:prstDash val="solid"/>
+                      <a:round/>
+                      <a:headEnd type="none" w="med" len="med"/>
+                      <a:tailEnd type="none" w="med" len="med"/>
+                    </a:lnL>
+                    <a:lnR w="12700" cap="flat" cmpd="sng" algn="ctr">
+                      <a:solidFill>
+                        <a:scrgbClr r="0" g="0" b="0"/>
+                      </a:solidFill>
+                      <a:prstDash val="solid"/>
+                      <a:round/>
+                      <a:headEnd type="none" w="med" len="med"/>
+                      <a:tailEnd type="none" w="med" len="med"/>
+                    </a:lnR>
+                    <a:lnT w="12700" cap="flat" cmpd="sng" algn="ctr">
+                      <a:solidFill>
+                        <a:scrgbClr r="0" g="0" b="0"/>
+                      </a:solidFill>
+                      <a:prstDash val="solid"/>
+                      <a:round/>
+                      <a:headEnd type="none" w="med" len="med"/>
+                      <a:tailEnd type="none" w="med" len="med"/>
+                    </a:lnT>
+                    <a:lnB w="12700" cap="flat" cmpd="sng" algn="ctr">
+                      <a:solidFill>
+                        <a:schemeClr val="tx1"/>
+                      </a:solidFill>
+                      <a:prstDash val="solid"/>
+                      <a:round/>
+                      <a:headEnd type="none" w="med" len="med"/>
+                      <a:tailEnd type="none" w="med" len="med"/>
+                    </a:lnB>
+                    <a:solidFill>
+                      <a:srgbClr val="FF7B11"/>
+                    </a:solidFill>
+                  </a:tcPr>
+                </a:tc>
+                <a:tc>
+                  <a:txBody>
+                    <a:bodyPr/>
+                    <a:lstStyle/>
+                    <a:p>
+                      <a:pPr algn="ctr"/>
+                      <a:endParaRPr lang="en-US" dirty="0"/>
+                    </a:p>
+                  </a:txBody>
+                  <a:tcPr>
+                    <a:lnL w="12700" cap="flat" cmpd="sng" algn="ctr">
+                      <a:solidFill>
+                        <a:scrgbClr r="0" g="0" b="0"/>
+                      </a:solidFill>
+                      <a:prstDash val="solid"/>
+                      <a:round/>
+                      <a:headEnd type="none" w="med" len="med"/>
+                      <a:tailEnd type="none" w="med" len="med"/>
+                    </a:lnL>
+                    <a:lnB w="12700" cap="flat" cmpd="sng" algn="ctr">
+                      <a:solidFill>
+                        <a:schemeClr val="tx1"/>
+                      </a:solidFill>
+                      <a:prstDash val="solid"/>
+                      <a:round/>
+                      <a:headEnd type="none" w="med" len="med"/>
+                      <a:tailEnd type="none" w="med" len="med"/>
+                    </a:lnB>
+                    <a:solidFill>
+                      <a:srgbClr val="DDDDDD"/>
+                    </a:solidFill>
+                  </a:tcPr>
+                </a:tc>
+                <a:tc>
+                  <a:txBody>
+                    <a:bodyPr/>
+                    <a:lstStyle/>
+                    <a:p>
+                      <a:pPr algn="ctr"/>
+                      <a:endParaRPr lang="en-US" dirty="0"/>
+                    </a:p>
+                  </a:txBody>
+                  <a:tcPr>
+                    <a:lnR w="12700" cap="flat" cmpd="sng" algn="ctr">
+                      <a:solidFill>
+                        <a:scrgbClr r="0" g="0" b="0"/>
+                      </a:solidFill>
+                      <a:prstDash val="solid"/>
+                      <a:round/>
+                      <a:headEnd type="none" w="med" len="med"/>
+                      <a:tailEnd type="none" w="med" len="med"/>
+                    </a:lnR>
+                    <a:solidFill>
+                      <a:srgbClr val="DDDDDD"/>
+                    </a:solidFill>
+                  </a:tcPr>
+                </a:tc>
+                <a:tc>
+                  <a:txBody>
+                    <a:bodyPr/>
+                    <a:lstStyle/>
+                    <a:p>
+                      <a:pPr marL="0" marR="0" indent="0" algn="ctr" defTabSz="457200" rtl="0" eaLnBrk="1" fontAlgn="auto" latinLnBrk="0" hangingPunct="1">
+                        <a:lnSpc>
+                          <a:spcPct val="100000"/>
+                        </a:lnSpc>
+                        <a:spcBef>
+                          <a:spcPts val="0"/>
+                        </a:spcBef>
+                        <a:spcAft>
+                          <a:spcPts val="0"/>
+                        </a:spcAft>
+                        <a:buClrTx/>
+                        <a:buSzTx/>
+                        <a:buFontTx/>
+                        <a:buNone/>
+                        <a:tabLst/>
+                        <a:defRPr/>
+                      </a:pPr>
+                      <a:r>
+                        <a:rPr lang="en-US" dirty="0"/>
+                        <a:t>E</a:t>
+                      </a:r>
+                      <a:r>
+                        <a:rPr lang="en-US" baseline="-25000" dirty="0"/>
+                        <a:t>10</a:t>
+                      </a:r>
+                      <a:r>
+                        <a:rPr lang="en-US" dirty="0"/>
+                        <a:t>+…+E</a:t>
+                      </a:r>
+                      <a:r>
+                        <a:rPr lang="en-US" baseline="-25000" dirty="0"/>
+                        <a:t>14</a:t>
+                      </a:r>
+                      <a:r>
+                        <a:rPr lang="en-US" dirty="0"/>
+                        <a:t>-E</a:t>
+                      </a:r>
+                      <a:r>
+                        <a:rPr lang="en-US" baseline="-25000" dirty="0"/>
+                        <a:t>14</a:t>
+                      </a:r>
+                      <a:r>
+                        <a:rPr lang="en-US" dirty="0">
+                          <a:solidFill>
+                            <a:srgbClr val="FF7B11"/>
+                          </a:solidFill>
+                        </a:rPr>
+                        <a:t>-E</a:t>
+                      </a:r>
+                      <a:r>
+                        <a:rPr lang="en-US" baseline="-25000" dirty="0">
+                          <a:solidFill>
+                            <a:srgbClr val="FF7B11"/>
+                          </a:solidFill>
+                        </a:rPr>
+                        <a:t>14</a:t>
+                      </a:r>
+                    </a:p>
+                  </a:txBody>
+                  <a:tcPr>
+                    <a:lnL w="12700" cap="flat" cmpd="sng" algn="ctr">
+                      <a:solidFill>
+                        <a:scrgbClr r="0" g="0" b="0"/>
+                      </a:solidFill>
+                      <a:prstDash val="solid"/>
+                      <a:round/>
+                      <a:headEnd type="none" w="med" len="med"/>
+                      <a:tailEnd type="none" w="med" len="med"/>
+                    </a:lnL>
+                    <a:lnR w="12700" cap="flat" cmpd="sng" algn="ctr">
+                      <a:solidFill>
+                        <a:scrgbClr r="0" g="0" b="0"/>
+                      </a:solidFill>
+                      <a:prstDash val="solid"/>
+                      <a:round/>
+                      <a:headEnd type="none" w="med" len="med"/>
+                      <a:tailEnd type="none" w="med" len="med"/>
+                    </a:lnR>
+                    <a:lnT w="12700" cap="flat" cmpd="sng" algn="ctr">
+                      <a:solidFill>
+                        <a:scrgbClr r="0" g="0" b="0"/>
+                      </a:solidFill>
+                      <a:prstDash val="solid"/>
+                      <a:round/>
+                      <a:headEnd type="none" w="med" len="med"/>
+                      <a:tailEnd type="none" w="med" len="med"/>
+                    </a:lnT>
+                    <a:lnB w="12700" cap="flat" cmpd="sng" algn="ctr">
+                      <a:solidFill>
+                        <a:scrgbClr r="0" g="0" b="0"/>
+                      </a:solidFill>
+                      <a:prstDash val="solid"/>
+                      <a:round/>
+                      <a:headEnd type="none" w="med" len="med"/>
+                      <a:tailEnd type="none" w="med" len="med"/>
+                    </a:lnB>
+                    <a:solidFill>
+                      <a:srgbClr val="DDDDDD"/>
+                    </a:solidFill>
+                  </a:tcPr>
+                </a:tc>
+                <a:extLst>
+                  <a:ext uri="{0D108BD9-81ED-4DB2-BD59-A6C34878D82A}">
+                    <a16:rowId xmlns:a16="http://schemas.microsoft.com/office/drawing/2014/main" val="10006"/>
+                  </a:ext>
+                </a:extLst>
+              </a:tr>
+              <a:tr h="369100">
+                <a:tc>
+                  <a:txBody>
+                    <a:bodyPr/>
+                    <a:lstStyle/>
+                    <a:p>
+                      <a:pPr algn="ctr"/>
+                      <a:r>
+                        <a:rPr lang="en-US" dirty="0">
+                          <a:solidFill>
+                            <a:srgbClr val="003D62"/>
+                          </a:solidFill>
+                        </a:rPr>
+                        <a:t>6</a:t>
+                      </a:r>
+                    </a:p>
+                  </a:txBody>
+                  <a:tcPr>
+                    <a:lnR w="12700" cap="flat" cmpd="sng" algn="ctr">
+                      <a:solidFill>
+                        <a:schemeClr val="tx1"/>
+                      </a:solidFill>
+                      <a:prstDash val="solid"/>
+                      <a:round/>
+                      <a:headEnd type="none" w="med" len="med"/>
+                      <a:tailEnd type="none" w="med" len="med"/>
+                    </a:lnR>
+                    <a:noFill/>
+                  </a:tcPr>
+                </a:tc>
+                <a:tc>
+                  <a:txBody>
+                    <a:bodyPr/>
+                    <a:lstStyle/>
+                    <a:p>
+                      <a:pPr algn="ctr"/>
+                      <a:r>
+                        <a:rPr lang="en-US" dirty="0"/>
+                        <a:t>15</a:t>
+                      </a:r>
+                    </a:p>
+                  </a:txBody>
+                  <a:tcPr>
+                    <a:lnL w="12700" cap="flat" cmpd="sng" algn="ctr">
+                      <a:solidFill>
+                        <a:schemeClr val="tx1"/>
+                      </a:solidFill>
+                      <a:prstDash val="solid"/>
+                      <a:round/>
+                      <a:headEnd type="none" w="med" len="med"/>
+                      <a:tailEnd type="none" w="med" len="med"/>
+                    </a:lnL>
+                    <a:lnR w="12700" cap="flat" cmpd="sng" algn="ctr">
+                      <a:solidFill>
+                        <a:schemeClr val="tx1"/>
+                      </a:solidFill>
+                      <a:prstDash val="solid"/>
+                      <a:round/>
+                      <a:headEnd type="none" w="med" len="med"/>
+                      <a:tailEnd type="none" w="med" len="med"/>
+                    </a:lnR>
+                    <a:lnT w="12700" cap="flat" cmpd="sng" algn="ctr">
+                      <a:solidFill>
+                        <a:schemeClr val="tx1"/>
+                      </a:solidFill>
+                      <a:prstDash val="solid"/>
+                      <a:round/>
+                      <a:headEnd type="none" w="med" len="med"/>
+                      <a:tailEnd type="none" w="med" len="med"/>
+                    </a:lnT>
+                    <a:lnB w="12700" cap="flat" cmpd="sng" algn="ctr">
+                      <a:solidFill>
+                        <a:schemeClr val="tx1"/>
+                      </a:solidFill>
+                      <a:prstDash val="solid"/>
+                      <a:round/>
+                      <a:headEnd type="none" w="med" len="med"/>
+                      <a:tailEnd type="none" w="med" len="med"/>
+                    </a:lnB>
+                    <a:solidFill>
+                      <a:srgbClr val="A6A6A6"/>
+                    </a:solidFill>
+                  </a:tcPr>
+                </a:tc>
+                <a:tc>
+                  <a:txBody>
+                    <a:bodyPr/>
+                    <a:lstStyle/>
+                    <a:p>
+                      <a:pPr algn="ctr"/>
+                      <a:r>
+                        <a:rPr lang="en-US" dirty="0"/>
+                        <a:t>16</a:t>
+                      </a:r>
+                    </a:p>
+                  </a:txBody>
+                  <a:tcPr>
+                    <a:lnL w="12700" cap="flat" cmpd="sng" algn="ctr">
+                      <a:solidFill>
+                        <a:schemeClr val="tx1"/>
+                      </a:solidFill>
+                      <a:prstDash val="solid"/>
+                      <a:round/>
+                      <a:headEnd type="none" w="med" len="med"/>
+                      <a:tailEnd type="none" w="med" len="med"/>
+                    </a:lnL>
+                    <a:lnR w="12700" cap="flat" cmpd="sng" algn="ctr">
+                      <a:solidFill>
+                        <a:schemeClr val="tx1"/>
+                      </a:solidFill>
+                      <a:prstDash val="solid"/>
+                      <a:round/>
+                      <a:headEnd type="none" w="med" len="med"/>
+                      <a:tailEnd type="none" w="med" len="med"/>
+                    </a:lnR>
+                    <a:lnT w="12700" cap="flat" cmpd="sng" algn="ctr">
+                      <a:solidFill>
+                        <a:schemeClr val="tx1"/>
+                      </a:solidFill>
+                      <a:prstDash val="solid"/>
+                      <a:round/>
+                      <a:headEnd type="none" w="med" len="med"/>
+                      <a:tailEnd type="none" w="med" len="med"/>
+                    </a:lnT>
+                    <a:lnB w="12700" cap="flat" cmpd="sng" algn="ctr">
+                      <a:solidFill>
+                        <a:schemeClr val="tx1"/>
+                      </a:solidFill>
+                      <a:prstDash val="solid"/>
+                      <a:round/>
+                      <a:headEnd type="none" w="med" len="med"/>
+                      <a:tailEnd type="none" w="med" len="med"/>
+                    </a:lnB>
+                    <a:solidFill>
+                      <a:srgbClr val="A6A6A6"/>
+                    </a:solidFill>
+                  </a:tcPr>
+                </a:tc>
+                <a:tc>
+                  <a:txBody>
+                    <a:bodyPr/>
+                    <a:lstStyle/>
+                    <a:p>
+                      <a:pPr algn="ctr"/>
+                      <a:r>
+                        <a:rPr lang="en-US" dirty="0"/>
+                        <a:t>17</a:t>
+                      </a:r>
+                    </a:p>
+                  </a:txBody>
+                  <a:tcPr>
+                    <a:lnL w="12700" cap="flat" cmpd="sng" algn="ctr">
+                      <a:solidFill>
+                        <a:schemeClr val="tx1"/>
+                      </a:solidFill>
+                      <a:prstDash val="solid"/>
+                      <a:round/>
+                      <a:headEnd type="none" w="med" len="med"/>
+                      <a:tailEnd type="none" w="med" len="med"/>
+                    </a:lnL>
+                    <a:lnR w="12700" cap="flat" cmpd="sng" algn="ctr">
+                      <a:solidFill>
+                        <a:schemeClr val="tx1"/>
+                      </a:solidFill>
+                      <a:prstDash val="solid"/>
+                      <a:round/>
+                      <a:headEnd type="none" w="med" len="med"/>
+                      <a:tailEnd type="none" w="med" len="med"/>
+                    </a:lnR>
+                    <a:lnT w="12700" cap="flat" cmpd="sng" algn="ctr">
+                      <a:solidFill>
+                        <a:schemeClr val="tx1"/>
+                      </a:solidFill>
+                      <a:prstDash val="solid"/>
+                      <a:round/>
+                      <a:headEnd type="none" w="med" len="med"/>
+                      <a:tailEnd type="none" w="med" len="med"/>
+                    </a:lnT>
+                    <a:lnB w="12700" cap="flat" cmpd="sng" algn="ctr">
+                      <a:solidFill>
+                        <a:schemeClr val="tx1"/>
+                      </a:solidFill>
+                      <a:prstDash val="solid"/>
+                      <a:round/>
+                      <a:headEnd type="none" w="med" len="med"/>
+                      <a:tailEnd type="none" w="med" len="med"/>
+                    </a:lnB>
+                    <a:solidFill>
+                      <a:srgbClr val="A6A6A6"/>
+                    </a:solidFill>
+                  </a:tcPr>
+                </a:tc>
+                <a:tc>
+                  <a:txBody>
+                    <a:bodyPr/>
+                    <a:lstStyle/>
+                    <a:p>
+                      <a:pPr algn="ctr"/>
+                      <a:r>
+                        <a:rPr lang="en-US" dirty="0"/>
+                        <a:t>18</a:t>
+                      </a:r>
+                    </a:p>
+                  </a:txBody>
+                  <a:tcPr>
+                    <a:lnL w="12700" cap="flat" cmpd="sng" algn="ctr">
+                      <a:solidFill>
+                        <a:schemeClr val="tx1"/>
+                      </a:solidFill>
+                      <a:prstDash val="solid"/>
+                      <a:round/>
+                      <a:headEnd type="none" w="med" len="med"/>
+                      <a:tailEnd type="none" w="med" len="med"/>
+                    </a:lnL>
+                    <a:lnR w="12700" cap="flat" cmpd="sng" algn="ctr">
+                      <a:solidFill>
+                        <a:schemeClr val="tx1"/>
+                      </a:solidFill>
+                      <a:prstDash val="solid"/>
+                      <a:round/>
+                      <a:headEnd type="none" w="med" len="med"/>
+                      <a:tailEnd type="none" w="med" len="med"/>
+                    </a:lnR>
+                    <a:lnT w="12700" cap="flat" cmpd="sng" algn="ctr">
+                      <a:solidFill>
+                        <a:schemeClr val="tx1"/>
+                      </a:solidFill>
+                      <a:prstDash val="solid"/>
+                      <a:round/>
+                      <a:headEnd type="none" w="med" len="med"/>
+                      <a:tailEnd type="none" w="med" len="med"/>
+                    </a:lnT>
+                    <a:lnB w="12700" cap="flat" cmpd="sng" algn="ctr">
+                      <a:solidFill>
+                        <a:schemeClr val="tx1"/>
+                      </a:solidFill>
+                      <a:prstDash val="solid"/>
+                      <a:round/>
+                      <a:headEnd type="none" w="med" len="med"/>
+                      <a:tailEnd type="none" w="med" len="med"/>
+                    </a:lnB>
+                    <a:solidFill>
+                      <a:srgbClr val="A6A6A6"/>
+                    </a:solidFill>
+                  </a:tcPr>
+                </a:tc>
+                <a:tc>
+                  <a:txBody>
+                    <a:bodyPr/>
+                    <a:lstStyle/>
+                    <a:p>
+                      <a:pPr algn="ctr"/>
+                      <a:r>
+                        <a:rPr lang="en-US" dirty="0"/>
+                        <a:t>19</a:t>
+                      </a:r>
+                    </a:p>
+                  </a:txBody>
+                  <a:tcPr>
+                    <a:lnL w="12700" cap="flat" cmpd="sng" algn="ctr">
+                      <a:solidFill>
+                        <a:schemeClr val="tx1"/>
+                      </a:solidFill>
+                      <a:prstDash val="solid"/>
+                      <a:round/>
+                      <a:headEnd type="none" w="med" len="med"/>
+                      <a:tailEnd type="none" w="med" len="med"/>
+                    </a:lnL>
+                    <a:lnR w="12700" cap="flat" cmpd="sng" algn="ctr">
+                      <a:solidFill>
+                        <a:schemeClr val="tx1"/>
+                      </a:solidFill>
+                      <a:prstDash val="solid"/>
+                      <a:round/>
+                      <a:headEnd type="none" w="med" len="med"/>
+                      <a:tailEnd type="none" w="med" len="med"/>
+                    </a:lnR>
+                    <a:lnT w="12700" cap="flat" cmpd="sng" algn="ctr">
+                      <a:solidFill>
+                        <a:schemeClr val="tx1"/>
+                      </a:solidFill>
+                      <a:prstDash val="solid"/>
+                      <a:round/>
+                      <a:headEnd type="none" w="med" len="med"/>
+                      <a:tailEnd type="none" w="med" len="med"/>
+                    </a:lnT>
+                    <a:lnB w="12700" cap="flat" cmpd="sng" algn="ctr">
+                      <a:solidFill>
+                        <a:schemeClr val="tx1"/>
+                      </a:solidFill>
+                      <a:prstDash val="solid"/>
+                      <a:round/>
+                      <a:headEnd type="none" w="med" len="med"/>
+                      <a:tailEnd type="none" w="med" len="med"/>
+                    </a:lnB>
+                    <a:solidFill>
+                      <a:srgbClr val="FF7B11"/>
+                    </a:solidFill>
+                  </a:tcPr>
+                </a:tc>
+                <a:tc>
+                  <a:txBody>
+                    <a:bodyPr/>
+                    <a:lstStyle/>
+                    <a:p>
+                      <a:pPr algn="ctr"/>
+                      <a:r>
+                        <a:rPr lang="en-US" dirty="0"/>
+                        <a:t>20</a:t>
+                      </a:r>
+                    </a:p>
+                  </a:txBody>
+                  <a:tcPr>
+                    <a:lnL w="12700" cap="flat" cmpd="sng" algn="ctr">
+                      <a:solidFill>
+                        <a:schemeClr val="tx1"/>
+                      </a:solidFill>
+                      <a:prstDash val="solid"/>
+                      <a:round/>
+                      <a:headEnd type="none" w="med" len="med"/>
+                      <a:tailEnd type="none" w="med" len="med"/>
+                    </a:lnL>
+                    <a:lnR w="12700" cap="flat" cmpd="sng" algn="ctr">
+                      <a:solidFill>
+                        <a:schemeClr val="tx1"/>
+                      </a:solidFill>
+                      <a:prstDash val="solid"/>
+                      <a:round/>
+                      <a:headEnd type="none" w="med" len="med"/>
+                      <a:tailEnd type="none" w="med" len="med"/>
+                    </a:lnR>
+                    <a:lnT w="12700" cap="flat" cmpd="sng" algn="ctr">
+                      <a:solidFill>
+                        <a:schemeClr val="tx1"/>
+                      </a:solidFill>
+                      <a:prstDash val="solid"/>
+                      <a:round/>
+                      <a:headEnd type="none" w="med" len="med"/>
+                      <a:tailEnd type="none" w="med" len="med"/>
+                    </a:lnT>
+                    <a:lnB w="12700" cap="flat" cmpd="sng" algn="ctr">
+                      <a:solidFill>
+                        <a:schemeClr val="tx1"/>
+                      </a:solidFill>
+                      <a:prstDash val="solid"/>
+                      <a:round/>
+                      <a:headEnd type="none" w="med" len="med"/>
+                      <a:tailEnd type="none" w="med" len="med"/>
+                    </a:lnB>
+                    <a:solidFill>
+                      <a:srgbClr val="A6A6A6"/>
+                    </a:solidFill>
+                  </a:tcPr>
+                </a:tc>
+                <a:tc>
+                  <a:txBody>
+                    <a:bodyPr/>
+                    <a:lstStyle/>
+                    <a:p>
+                      <a:pPr algn="ctr"/>
+                      <a:endParaRPr lang="en-US" dirty="0"/>
+                    </a:p>
+                  </a:txBody>
+                  <a:tcPr>
+                    <a:lnL w="12700" cap="flat" cmpd="sng" algn="ctr">
+                      <a:solidFill>
+                        <a:schemeClr val="tx1"/>
+                      </a:solidFill>
+                      <a:prstDash val="solid"/>
+                      <a:round/>
+                      <a:headEnd type="none" w="med" len="med"/>
+                      <a:tailEnd type="none" w="med" len="med"/>
+                    </a:lnL>
+                    <a:lnR w="12700" cap="flat" cmpd="sng" algn="ctr">
+                      <a:solidFill>
+                        <a:scrgbClr r="0" g="0" b="0"/>
+                      </a:solidFill>
+                      <a:prstDash val="solid"/>
+                      <a:round/>
+                      <a:headEnd type="none" w="med" len="med"/>
+                      <a:tailEnd type="none" w="med" len="med"/>
+                    </a:lnR>
+                    <a:lnB w="12700" cap="flat" cmpd="sng" algn="ctr">
+                      <a:noFill/>
+                      <a:prstDash val="solid"/>
+                      <a:round/>
+                      <a:headEnd type="none" w="med" len="med"/>
+                      <a:tailEnd type="none" w="med" len="med"/>
+                    </a:lnB>
+                    <a:solidFill>
+                      <a:srgbClr val="DDDDDD"/>
+                    </a:solidFill>
+                  </a:tcPr>
+                </a:tc>
+                <a:tc>
+                  <a:txBody>
+                    <a:bodyPr/>
+                    <a:lstStyle/>
+                    <a:p>
+                      <a:pPr marL="0" marR="0" indent="0" algn="ctr" defTabSz="457200" rtl="0" eaLnBrk="1" fontAlgn="auto" latinLnBrk="0" hangingPunct="1">
+                        <a:lnSpc>
+                          <a:spcPct val="100000"/>
+                        </a:lnSpc>
+                        <a:spcBef>
+                          <a:spcPts val="0"/>
+                        </a:spcBef>
+                        <a:spcAft>
+                          <a:spcPts val="0"/>
+                        </a:spcAft>
+                        <a:buClrTx/>
+                        <a:buSzTx/>
+                        <a:buFontTx/>
+                        <a:buNone/>
+                        <a:tabLst/>
+                        <a:defRPr/>
+                      </a:pPr>
+                      <a:r>
+                        <a:rPr lang="en-US" dirty="0"/>
+                        <a:t>E</a:t>
+                      </a:r>
+                      <a:r>
+                        <a:rPr lang="en-US" baseline="-25000" dirty="0"/>
+                        <a:t>15</a:t>
+                      </a:r>
+                      <a:r>
+                        <a:rPr lang="en-US" dirty="0"/>
+                        <a:t>+…+E</a:t>
+                      </a:r>
+                      <a:r>
+                        <a:rPr lang="en-US" baseline="-25000" dirty="0"/>
+                        <a:t>20</a:t>
+                      </a:r>
+                      <a:r>
+                        <a:rPr lang="en-US" dirty="0"/>
+                        <a:t>-</a:t>
+                      </a:r>
+                      <a:r>
+                        <a:rPr lang="en-US" dirty="0">
+                          <a:solidFill>
+                            <a:schemeClr val="tx1"/>
+                          </a:solidFill>
+                        </a:rPr>
+                        <a:t>E</a:t>
+                      </a:r>
+                      <a:r>
+                        <a:rPr lang="en-US" baseline="-25000" dirty="0">
+                          <a:solidFill>
+                            <a:schemeClr val="tx1"/>
+                          </a:solidFill>
+                        </a:rPr>
+                        <a:t>19</a:t>
+                      </a:r>
+                      <a:r>
+                        <a:rPr lang="en-US" dirty="0"/>
+                        <a:t>+</a:t>
+                      </a:r>
+                      <a:r>
+                        <a:rPr lang="en-US" dirty="0">
+                          <a:solidFill>
+                            <a:srgbClr val="FF7B11"/>
+                          </a:solidFill>
+                        </a:rPr>
+                        <a:t>E</a:t>
+                      </a:r>
+                      <a:r>
+                        <a:rPr lang="en-US" baseline="-25000" dirty="0">
+                          <a:solidFill>
+                            <a:srgbClr val="FF7B11"/>
+                          </a:solidFill>
+                        </a:rPr>
+                        <a:t>19</a:t>
+                      </a:r>
+                      <a:endParaRPr lang="en-US" baseline="-25000" dirty="0"/>
+                    </a:p>
+                  </a:txBody>
+                  <a:tcPr>
+                    <a:lnL w="12700" cap="flat" cmpd="sng" algn="ctr">
+                      <a:solidFill>
+                        <a:scrgbClr r="0" g="0" b="0"/>
+                      </a:solidFill>
+                      <a:prstDash val="solid"/>
+                      <a:round/>
+                      <a:headEnd type="none" w="med" len="med"/>
+                      <a:tailEnd type="none" w="med" len="med"/>
+                    </a:lnL>
+                    <a:lnR w="12700" cap="flat" cmpd="sng" algn="ctr">
+                      <a:solidFill>
+                        <a:scrgbClr r="0" g="0" b="0"/>
+                      </a:solidFill>
+                      <a:prstDash val="solid"/>
+                      <a:round/>
+                      <a:headEnd type="none" w="med" len="med"/>
+                      <a:tailEnd type="none" w="med" len="med"/>
+                    </a:lnR>
+                    <a:lnT w="12700" cap="flat" cmpd="sng" algn="ctr">
+                      <a:solidFill>
+                        <a:scrgbClr r="0" g="0" b="0"/>
+                      </a:solidFill>
+                      <a:prstDash val="solid"/>
+                      <a:round/>
+                      <a:headEnd type="none" w="med" len="med"/>
+                      <a:tailEnd type="none" w="med" len="med"/>
+                    </a:lnT>
+                    <a:lnB w="38100" cap="flat" cmpd="sng" algn="ctr">
+                      <a:solidFill>
+                        <a:schemeClr val="tx1"/>
+                      </a:solidFill>
+                      <a:prstDash val="solid"/>
+                      <a:round/>
+                      <a:headEnd type="none" w="med" len="med"/>
+                      <a:tailEnd type="none" w="med" len="med"/>
+                    </a:lnB>
+                    <a:solidFill>
+                      <a:srgbClr val="DDDDDD"/>
+                    </a:solidFill>
+                  </a:tcPr>
+                </a:tc>
+                <a:extLst>
+                  <a:ext uri="{0D108BD9-81ED-4DB2-BD59-A6C34878D82A}">
+                    <a16:rowId xmlns:a16="http://schemas.microsoft.com/office/drawing/2014/main" val="10007"/>
+                  </a:ext>
+                </a:extLst>
+              </a:tr>
+              <a:tr h="369100">
+                <a:tc>
+                  <a:txBody>
+                    <a:bodyPr/>
+                    <a:lstStyle/>
+                    <a:p>
+                      <a:pPr algn="ctr"/>
+                      <a:endParaRPr lang="en-US" dirty="0">
+                        <a:solidFill>
+                          <a:srgbClr val="003D62"/>
+                        </a:solidFill>
+                      </a:endParaRPr>
+                    </a:p>
+                  </a:txBody>
+                  <a:tcPr>
+                    <a:lnR w="12700" cap="flat" cmpd="sng" algn="ctr">
+                      <a:noFill/>
+                      <a:prstDash val="solid"/>
+                      <a:round/>
+                      <a:headEnd type="none" w="med" len="med"/>
+                      <a:tailEnd type="none" w="med" len="med"/>
+                    </a:lnR>
+                    <a:noFill/>
+                  </a:tcPr>
+                </a:tc>
+                <a:tc>
+                  <a:txBody>
+                    <a:bodyPr/>
+                    <a:lstStyle/>
+                    <a:p>
+                      <a:pPr algn="ctr"/>
+                      <a:endParaRPr lang="en-US" dirty="0"/>
+                    </a:p>
+                  </a:txBody>
+                  <a:tcPr>
+                    <a:lnL w="12700" cap="flat" cmpd="sng" algn="ctr">
+                      <a:noFill/>
+                      <a:prstDash val="solid"/>
+                      <a:round/>
+                      <a:headEnd type="none" w="med" len="med"/>
+                      <a:tailEnd type="none" w="med" len="med"/>
+                    </a:lnL>
+                    <a:lnR w="12700" cap="flat" cmpd="sng" algn="ctr">
+                      <a:noFill/>
+                      <a:prstDash val="solid"/>
+                      <a:round/>
+                      <a:headEnd type="none" w="med" len="med"/>
+                      <a:tailEnd type="none" w="med" len="med"/>
+                    </a:lnR>
+                    <a:lnT w="12700" cap="flat" cmpd="sng" algn="ctr">
+                      <a:solidFill>
+                        <a:schemeClr val="tx1"/>
+                      </a:solidFill>
+                      <a:prstDash val="solid"/>
+                      <a:round/>
+                      <a:headEnd type="none" w="med" len="med"/>
+                      <a:tailEnd type="none" w="med" len="med"/>
+                    </a:lnT>
+                    <a:lnB w="12700" cap="flat" cmpd="sng" algn="ctr">
+                      <a:noFill/>
+                      <a:prstDash val="solid"/>
+                      <a:round/>
+                      <a:headEnd type="none" w="med" len="med"/>
+                      <a:tailEnd type="none" w="med" len="med"/>
+                    </a:lnB>
+                    <a:lnTlToBr w="12700" cmpd="sng">
+                      <a:noFill/>
+                      <a:prstDash val="solid"/>
+                    </a:lnTlToBr>
+                    <a:lnBlToTr w="12700" cmpd="sng">
+                      <a:noFill/>
+                      <a:prstDash val="solid"/>
+                    </a:lnBlToTr>
+                    <a:noFill/>
+                  </a:tcPr>
+                </a:tc>
+                <a:tc>
+                  <a:txBody>
+                    <a:bodyPr/>
+                    <a:lstStyle/>
+                    <a:p>
+                      <a:pPr algn="ctr"/>
+                      <a:endParaRPr lang="en-US" dirty="0"/>
+                    </a:p>
+                  </a:txBody>
+                  <a:tcPr>
+                    <a:lnL w="12700" cap="flat" cmpd="sng" algn="ctr">
+                      <a:noFill/>
+                      <a:prstDash val="solid"/>
+                      <a:round/>
+                      <a:headEnd type="none" w="med" len="med"/>
+                      <a:tailEnd type="none" w="med" len="med"/>
+                    </a:lnL>
+                    <a:lnR w="12700" cap="flat" cmpd="sng" algn="ctr">
+                      <a:noFill/>
+                      <a:prstDash val="solid"/>
+                      <a:round/>
+                      <a:headEnd type="none" w="med" len="med"/>
+                      <a:tailEnd type="none" w="med" len="med"/>
+                    </a:lnR>
+                    <a:lnT w="12700" cap="flat" cmpd="sng" algn="ctr">
+                      <a:solidFill>
+                        <a:schemeClr val="tx1"/>
+                      </a:solidFill>
+                      <a:prstDash val="solid"/>
+                      <a:round/>
+                      <a:headEnd type="none" w="med" len="med"/>
+                      <a:tailEnd type="none" w="med" len="med"/>
+                    </a:lnT>
+                    <a:lnB w="12700" cap="flat" cmpd="sng" algn="ctr">
+                      <a:noFill/>
+                      <a:prstDash val="solid"/>
+                      <a:round/>
+                      <a:headEnd type="none" w="med" len="med"/>
+                      <a:tailEnd type="none" w="med" len="med"/>
+                    </a:lnB>
+                    <a:lnTlToBr w="12700" cmpd="sng">
+                      <a:noFill/>
+                      <a:prstDash val="solid"/>
+                    </a:lnTlToBr>
+                    <a:lnBlToTr w="12700" cmpd="sng">
+                      <a:noFill/>
+                      <a:prstDash val="solid"/>
+                    </a:lnBlToTr>
+                    <a:noFill/>
+                  </a:tcPr>
+                </a:tc>
+                <a:tc>
+                  <a:txBody>
+                    <a:bodyPr/>
+                    <a:lstStyle/>
+                    <a:p>
+                      <a:pPr algn="ctr"/>
+                      <a:endParaRPr lang="en-US" dirty="0"/>
+                    </a:p>
+                  </a:txBody>
+                  <a:tcPr>
+                    <a:lnL w="12700" cap="flat" cmpd="sng" algn="ctr">
+                      <a:noFill/>
+                      <a:prstDash val="solid"/>
+                      <a:round/>
+                      <a:headEnd type="none" w="med" len="med"/>
+                      <a:tailEnd type="none" w="med" len="med"/>
+                    </a:lnL>
+                    <a:lnR w="12700" cap="flat" cmpd="sng" algn="ctr">
+                      <a:noFill/>
+                      <a:prstDash val="solid"/>
+                      <a:round/>
+                      <a:headEnd type="none" w="med" len="med"/>
+                      <a:tailEnd type="none" w="med" len="med"/>
+                    </a:lnR>
+                    <a:lnT w="12700" cap="flat" cmpd="sng" algn="ctr">
+                      <a:solidFill>
+                        <a:schemeClr val="tx1"/>
+                      </a:solidFill>
+                      <a:prstDash val="solid"/>
+                      <a:round/>
+                      <a:headEnd type="none" w="med" len="med"/>
+                      <a:tailEnd type="none" w="med" len="med"/>
+                    </a:lnT>
+                    <a:lnB w="12700" cap="flat" cmpd="sng" algn="ctr">
+                      <a:noFill/>
+                      <a:prstDash val="solid"/>
+                      <a:round/>
+                      <a:headEnd type="none" w="med" len="med"/>
+                      <a:tailEnd type="none" w="med" len="med"/>
+                    </a:lnB>
+                    <a:lnTlToBr w="12700" cmpd="sng">
+                      <a:noFill/>
+                      <a:prstDash val="solid"/>
+                    </a:lnTlToBr>
+                    <a:lnBlToTr w="12700" cmpd="sng">
+                      <a:noFill/>
+                      <a:prstDash val="solid"/>
+                    </a:lnBlToTr>
+                    <a:noFill/>
+                  </a:tcPr>
+                </a:tc>
+                <a:tc>
+                  <a:txBody>
+                    <a:bodyPr/>
+                    <a:lstStyle/>
+                    <a:p>
+                      <a:pPr algn="ctr"/>
+                      <a:endParaRPr lang="en-US" dirty="0"/>
+                    </a:p>
+                  </a:txBody>
+                  <a:tcPr>
+                    <a:lnL w="12700" cap="flat" cmpd="sng" algn="ctr">
+                      <a:noFill/>
+                      <a:prstDash val="solid"/>
+                      <a:round/>
+                      <a:headEnd type="none" w="med" len="med"/>
+                      <a:tailEnd type="none" w="med" len="med"/>
+                    </a:lnL>
+                    <a:lnR w="12700" cap="flat" cmpd="sng" algn="ctr">
+                      <a:noFill/>
+                      <a:prstDash val="solid"/>
+                      <a:round/>
+                      <a:headEnd type="none" w="med" len="med"/>
+                      <a:tailEnd type="none" w="med" len="med"/>
+                    </a:lnR>
+                    <a:lnT w="12700" cap="flat" cmpd="sng" algn="ctr">
+                      <a:solidFill>
+                        <a:schemeClr val="tx1"/>
+                      </a:solidFill>
+                      <a:prstDash val="solid"/>
+                      <a:round/>
+                      <a:headEnd type="none" w="med" len="med"/>
+                      <a:tailEnd type="none" w="med" len="med"/>
+                    </a:lnT>
+                    <a:lnB w="12700" cap="flat" cmpd="sng" algn="ctr">
+                      <a:noFill/>
+                      <a:prstDash val="solid"/>
+                      <a:round/>
+                      <a:headEnd type="none" w="med" len="med"/>
+                      <a:tailEnd type="none" w="med" len="med"/>
+                    </a:lnB>
+                    <a:lnTlToBr w="12700" cmpd="sng">
+                      <a:noFill/>
+                      <a:prstDash val="solid"/>
+                    </a:lnTlToBr>
+                    <a:lnBlToTr w="12700" cmpd="sng">
+                      <a:noFill/>
+                      <a:prstDash val="solid"/>
+                    </a:lnBlToTr>
+                    <a:noFill/>
+                  </a:tcPr>
+                </a:tc>
+                <a:tc>
+                  <a:txBody>
+                    <a:bodyPr/>
+                    <a:lstStyle/>
+                    <a:p>
+                      <a:pPr algn="ctr"/>
+                      <a:endParaRPr lang="en-US" dirty="0"/>
+                    </a:p>
+                  </a:txBody>
+                  <a:tcPr>
+                    <a:lnL w="12700" cap="flat" cmpd="sng" algn="ctr">
+                      <a:noFill/>
+                      <a:prstDash val="solid"/>
+                      <a:round/>
+                      <a:headEnd type="none" w="med" len="med"/>
+                      <a:tailEnd type="none" w="med" len="med"/>
+                    </a:lnL>
+                    <a:lnR w="12700" cap="flat" cmpd="sng" algn="ctr">
+                      <a:noFill/>
+                      <a:prstDash val="solid"/>
+                      <a:round/>
+                      <a:headEnd type="none" w="med" len="med"/>
+                      <a:tailEnd type="none" w="med" len="med"/>
+                    </a:lnR>
+                    <a:lnT w="12700" cap="flat" cmpd="sng" algn="ctr">
+                      <a:solidFill>
+                        <a:schemeClr val="tx1"/>
+                      </a:solidFill>
+                      <a:prstDash val="solid"/>
+                      <a:round/>
+                      <a:headEnd type="none" w="med" len="med"/>
+                      <a:tailEnd type="none" w="med" len="med"/>
+                    </a:lnT>
+                    <a:lnB w="12700" cap="flat" cmpd="sng" algn="ctr">
+                      <a:noFill/>
+                      <a:prstDash val="solid"/>
+                      <a:round/>
+                      <a:headEnd type="none" w="med" len="med"/>
+                      <a:tailEnd type="none" w="med" len="med"/>
+                    </a:lnB>
+                    <a:lnTlToBr w="12700" cmpd="sng">
+                      <a:noFill/>
+                      <a:prstDash val="solid"/>
+                    </a:lnTlToBr>
+                    <a:lnBlToTr w="12700" cmpd="sng">
+                      <a:noFill/>
+                      <a:prstDash val="solid"/>
+                    </a:lnBlToTr>
+                    <a:noFill/>
+                  </a:tcPr>
+                </a:tc>
+                <a:tc>
+                  <a:txBody>
+                    <a:bodyPr/>
+                    <a:lstStyle/>
+                    <a:p>
+                      <a:pPr algn="ctr"/>
+                      <a:endParaRPr lang="en-US" dirty="0"/>
+                    </a:p>
+                  </a:txBody>
+                  <a:tcPr>
+                    <a:lnL w="12700" cap="flat" cmpd="sng" algn="ctr">
+                      <a:noFill/>
+                      <a:prstDash val="solid"/>
+                      <a:round/>
+                      <a:headEnd type="none" w="med" len="med"/>
+                      <a:tailEnd type="none" w="med" len="med"/>
+                    </a:lnL>
+                    <a:lnR w="12700" cap="flat" cmpd="sng" algn="ctr">
+                      <a:noFill/>
+                      <a:prstDash val="solid"/>
+                      <a:round/>
+                      <a:headEnd type="none" w="med" len="med"/>
+                      <a:tailEnd type="none" w="med" len="med"/>
+                    </a:lnR>
+                    <a:lnT w="12700" cap="flat" cmpd="sng" algn="ctr">
+                      <a:solidFill>
+                        <a:schemeClr val="tx1"/>
+                      </a:solidFill>
+                      <a:prstDash val="solid"/>
+                      <a:round/>
+                      <a:headEnd type="none" w="med" len="med"/>
+                      <a:tailEnd type="none" w="med" len="med"/>
+                    </a:lnT>
+                    <a:lnB w="12700" cap="flat" cmpd="sng" algn="ctr">
+                      <a:noFill/>
+                      <a:prstDash val="solid"/>
+                      <a:round/>
+                      <a:headEnd type="none" w="med" len="med"/>
+                      <a:tailEnd type="none" w="med" len="med"/>
+                    </a:lnB>
+                    <a:lnTlToBr w="12700" cmpd="sng">
+                      <a:noFill/>
+                      <a:prstDash val="solid"/>
+                    </a:lnTlToBr>
+                    <a:lnBlToTr w="12700" cmpd="sng">
+                      <a:noFill/>
+                      <a:prstDash val="solid"/>
+                    </a:lnBlToTr>
+                    <a:noFill/>
+                  </a:tcPr>
+                </a:tc>
+                <a:tc>
+                  <a:txBody>
+                    <a:bodyPr/>
+                    <a:lstStyle/>
+                    <a:p>
+                      <a:pPr algn="ctr"/>
+                      <a:endParaRPr lang="en-US" dirty="0"/>
+                    </a:p>
+                  </a:txBody>
+                  <a:tcPr>
+                    <a:lnL w="12700" cap="flat" cmpd="sng" algn="ctr">
+                      <a:noFill/>
+                      <a:prstDash val="solid"/>
+                      <a:round/>
+                      <a:headEnd type="none" w="med" len="med"/>
+                      <a:tailEnd type="none" w="med" len="med"/>
+                    </a:lnL>
+                    <a:lnR w="12700" cap="flat" cmpd="sng" algn="ctr">
+                      <a:solidFill>
+                        <a:schemeClr val="tx1"/>
+                      </a:solidFill>
+                      <a:prstDash val="solid"/>
+                      <a:round/>
+                      <a:headEnd type="none" w="med" len="med"/>
+                      <a:tailEnd type="none" w="med" len="med"/>
+                    </a:lnR>
+                    <a:lnT w="12700" cap="flat" cmpd="sng" algn="ctr">
+                      <a:noFill/>
+                      <a:prstDash val="solid"/>
+                      <a:round/>
+                      <a:headEnd type="none" w="med" len="med"/>
+                      <a:tailEnd type="none" w="med" len="med"/>
+                    </a:lnT>
+                    <a:lnB>
+                      <a:noFill/>
+                    </a:lnB>
+                    <a:lnTlToBr w="12700" cmpd="sng">
+                      <a:noFill/>
+                      <a:prstDash val="solid"/>
+                    </a:lnTlToBr>
+                    <a:lnBlToTr w="12700" cmpd="sng">
+                      <a:noFill/>
+                      <a:prstDash val="solid"/>
+                    </a:lnBlToTr>
+                    <a:noFill/>
+                  </a:tcPr>
+                </a:tc>
+                <a:tc>
+                  <a:txBody>
+                    <a:bodyPr/>
+                    <a:lstStyle/>
+                    <a:p>
+                      <a:pPr marL="0" marR="0" lvl="0" indent="0" algn="ctr" defTabSz="457200" rtl="0" eaLnBrk="1" fontAlgn="auto" latinLnBrk="0" hangingPunct="1">
+                        <a:lnSpc>
+                          <a:spcPct val="100000"/>
+                        </a:lnSpc>
+                        <a:spcBef>
+                          <a:spcPts val="0"/>
+                        </a:spcBef>
+                        <a:spcAft>
+                          <a:spcPts val="0"/>
+                        </a:spcAft>
+                        <a:buClrTx/>
+                        <a:buSzTx/>
+                        <a:buFontTx/>
+                        <a:buNone/>
+                        <a:tabLst/>
+                        <a:defRPr/>
+                      </a:pPr>
+                      <a:r>
+                        <a:rPr lang="en-US" dirty="0"/>
+                        <a:t>E</a:t>
+                      </a:r>
+                      <a:r>
+                        <a:rPr lang="en-US" baseline="-25000" dirty="0"/>
+                        <a:t>0</a:t>
+                      </a:r>
+                      <a:r>
+                        <a:rPr lang="en-US" baseline="0" dirty="0"/>
+                        <a:t>+ … +E</a:t>
+                      </a:r>
+                      <a:r>
+                        <a:rPr lang="en-US" baseline="-25000" dirty="0"/>
+                        <a:t>5</a:t>
+                      </a:r>
+                      <a:endParaRPr lang="en-US" baseline="0" dirty="0"/>
+                    </a:p>
+                    <a:p>
+                      <a:pPr marL="0" marR="0" lvl="0" indent="0" algn="ctr" defTabSz="457200" rtl="0" eaLnBrk="1" fontAlgn="auto" latinLnBrk="0" hangingPunct="1">
+                        <a:lnSpc>
+                          <a:spcPct val="100000"/>
+                        </a:lnSpc>
+                        <a:spcBef>
+                          <a:spcPts val="0"/>
+                        </a:spcBef>
+                        <a:spcAft>
+                          <a:spcPts val="0"/>
+                        </a:spcAft>
+                        <a:buClrTx/>
+                        <a:buSzTx/>
+                        <a:buFontTx/>
+                        <a:buNone/>
+                        <a:tabLst/>
+                        <a:defRPr/>
+                      </a:pPr>
+                      <a:r>
+                        <a:rPr lang="en-US" dirty="0">
+                          <a:solidFill>
+                            <a:schemeClr val="tx1"/>
+                          </a:solidFill>
+                        </a:rPr>
+                        <a:t>+E</a:t>
+                      </a:r>
+                      <a:r>
+                        <a:rPr lang="en-US" baseline="-25000" dirty="0">
+                          <a:solidFill>
+                            <a:schemeClr val="tx1"/>
+                          </a:solidFill>
+                        </a:rPr>
+                        <a:t>6</a:t>
+                      </a:r>
+                      <a:r>
+                        <a:rPr lang="en-US" dirty="0">
+                          <a:solidFill>
+                            <a:schemeClr val="tx1"/>
+                          </a:solidFill>
+                        </a:rPr>
+                        <a:t>+ … +E</a:t>
+                      </a:r>
+                      <a:r>
+                        <a:rPr lang="en-US" baseline="-25000" dirty="0">
+                          <a:solidFill>
+                            <a:schemeClr val="tx1"/>
+                          </a:solidFill>
+                        </a:rPr>
+                        <a:t>9</a:t>
+                      </a:r>
+                      <a:endParaRPr lang="en-US" dirty="0">
+                        <a:solidFill>
+                          <a:schemeClr val="tx1"/>
+                        </a:solidFill>
+                      </a:endParaRPr>
+                    </a:p>
+                    <a:p>
+                      <a:pPr marL="0" marR="0" lvl="0" indent="0" algn="ctr" defTabSz="457200" rtl="0" eaLnBrk="1" fontAlgn="auto" latinLnBrk="0" hangingPunct="1">
+                        <a:lnSpc>
+                          <a:spcPct val="100000"/>
+                        </a:lnSpc>
+                        <a:spcBef>
+                          <a:spcPts val="0"/>
+                        </a:spcBef>
+                        <a:spcAft>
+                          <a:spcPts val="0"/>
+                        </a:spcAft>
+                        <a:buClrTx/>
+                        <a:buSzTx/>
+                        <a:buFontTx/>
+                        <a:buNone/>
+                        <a:tabLst/>
+                        <a:defRPr/>
+                      </a:pPr>
+                      <a:r>
+                        <a:rPr lang="en-US" dirty="0">
+                          <a:solidFill>
+                            <a:schemeClr val="tx1"/>
+                          </a:solidFill>
+                        </a:rPr>
+                        <a:t>-(E</a:t>
+                      </a:r>
+                      <a:r>
+                        <a:rPr lang="en-US" baseline="-25000" dirty="0">
+                          <a:solidFill>
+                            <a:schemeClr val="tx1"/>
+                          </a:solidFill>
+                        </a:rPr>
+                        <a:t>6</a:t>
+                      </a:r>
+                      <a:r>
+                        <a:rPr lang="en-US" dirty="0">
+                          <a:solidFill>
+                            <a:schemeClr val="tx1"/>
+                          </a:solidFill>
+                        </a:rPr>
+                        <a:t>+ … +E</a:t>
+                      </a:r>
+                      <a:r>
+                        <a:rPr lang="en-US" baseline="-25000" dirty="0">
+                          <a:solidFill>
+                            <a:schemeClr val="tx1"/>
+                          </a:solidFill>
+                        </a:rPr>
+                        <a:t>9</a:t>
+                      </a:r>
+                      <a:r>
+                        <a:rPr lang="en-US" baseline="0" dirty="0">
+                          <a:solidFill>
+                            <a:schemeClr val="tx1"/>
+                          </a:solidFill>
+                        </a:rPr>
+                        <a:t>)</a:t>
+                      </a:r>
+                    </a:p>
+                    <a:p>
+                      <a:pPr marL="0" marR="0" lvl="0" indent="0" algn="ctr" defTabSz="457200" rtl="0" eaLnBrk="1" fontAlgn="auto" latinLnBrk="0" hangingPunct="1">
+                        <a:lnSpc>
+                          <a:spcPct val="100000"/>
+                        </a:lnSpc>
+                        <a:spcBef>
+                          <a:spcPts val="0"/>
+                        </a:spcBef>
+                        <a:spcAft>
+                          <a:spcPts val="0"/>
+                        </a:spcAft>
+                        <a:buClrTx/>
+                        <a:buSzTx/>
+                        <a:buFontTx/>
+                        <a:buNone/>
+                        <a:tabLst/>
+                        <a:defRPr/>
+                      </a:pPr>
+                      <a:r>
+                        <a:rPr lang="en-US" dirty="0">
+                          <a:solidFill>
+                            <a:srgbClr val="FF7B11"/>
+                          </a:solidFill>
+                        </a:rPr>
+                        <a:t>+E</a:t>
+                      </a:r>
+                      <a:r>
+                        <a:rPr lang="en-US" baseline="-25000" dirty="0">
+                          <a:solidFill>
+                            <a:srgbClr val="FF7B11"/>
+                          </a:solidFill>
+                        </a:rPr>
+                        <a:t>6</a:t>
+                      </a:r>
+                      <a:r>
+                        <a:rPr lang="en-US" dirty="0">
+                          <a:solidFill>
+                            <a:srgbClr val="FF7B11"/>
+                          </a:solidFill>
+                        </a:rPr>
+                        <a:t>+ … +E</a:t>
+                      </a:r>
+                      <a:r>
+                        <a:rPr lang="en-US" baseline="-25000" dirty="0">
+                          <a:solidFill>
+                            <a:srgbClr val="FF7B11"/>
+                          </a:solidFill>
+                        </a:rPr>
+                        <a:t>9</a:t>
+                      </a:r>
+                      <a:endParaRPr lang="en-US" dirty="0">
+                        <a:solidFill>
+                          <a:srgbClr val="FF7B11"/>
+                        </a:solidFill>
+                      </a:endParaRPr>
+                    </a:p>
+                    <a:p>
+                      <a:pPr marL="0" marR="0" lvl="0" indent="0" algn="ctr" defTabSz="457200" rtl="0" eaLnBrk="1" fontAlgn="auto" latinLnBrk="0" hangingPunct="1">
+                        <a:lnSpc>
+                          <a:spcPct val="100000"/>
+                        </a:lnSpc>
+                        <a:spcBef>
+                          <a:spcPts val="0"/>
+                        </a:spcBef>
+                        <a:spcAft>
+                          <a:spcPts val="0"/>
+                        </a:spcAft>
+                        <a:buClrTx/>
+                        <a:buSzTx/>
+                        <a:buFontTx/>
+                        <a:buNone/>
+                        <a:tabLst/>
+                        <a:defRPr/>
+                      </a:pPr>
+                      <a:r>
+                        <a:rPr lang="en-US" dirty="0"/>
+                        <a:t>+E</a:t>
+                      </a:r>
+                      <a:r>
+                        <a:rPr lang="en-US" baseline="-25000" dirty="0"/>
+                        <a:t>10</a:t>
+                      </a:r>
+                      <a:r>
+                        <a:rPr lang="en-US" dirty="0"/>
+                        <a:t>+…+E</a:t>
+                      </a:r>
+                      <a:r>
+                        <a:rPr lang="en-US" baseline="-25000" dirty="0"/>
+                        <a:t>14</a:t>
+                      </a:r>
+                      <a:r>
+                        <a:rPr lang="en-US" dirty="0"/>
+                        <a:t>-E</a:t>
+                      </a:r>
+                      <a:r>
+                        <a:rPr lang="en-US" baseline="-25000" dirty="0"/>
+                        <a:t>14</a:t>
+                      </a:r>
+                      <a:r>
+                        <a:rPr lang="en-US" dirty="0">
+                          <a:solidFill>
+                            <a:srgbClr val="FF7B11"/>
+                          </a:solidFill>
+                        </a:rPr>
+                        <a:t>-E</a:t>
+                      </a:r>
+                      <a:r>
+                        <a:rPr lang="en-US" baseline="-25000" dirty="0">
+                          <a:solidFill>
+                            <a:srgbClr val="FF7B11"/>
+                          </a:solidFill>
+                        </a:rPr>
+                        <a:t>14</a:t>
+                      </a:r>
+                    </a:p>
+                    <a:p>
+                      <a:pPr marL="0" marR="0" lvl="0" indent="0" algn="ctr" defTabSz="457200" rtl="0" eaLnBrk="1" fontAlgn="auto" latinLnBrk="0" hangingPunct="1">
+                        <a:lnSpc>
+                          <a:spcPct val="100000"/>
+                        </a:lnSpc>
+                        <a:spcBef>
+                          <a:spcPts val="0"/>
+                        </a:spcBef>
+                        <a:spcAft>
+                          <a:spcPts val="0"/>
+                        </a:spcAft>
+                        <a:buClrTx/>
+                        <a:buSzTx/>
+                        <a:buFontTx/>
+                        <a:buNone/>
+                        <a:tabLst/>
+                        <a:defRPr/>
+                      </a:pPr>
+                      <a:r>
+                        <a:rPr lang="en-US" dirty="0"/>
+                        <a:t>+E</a:t>
+                      </a:r>
+                      <a:r>
+                        <a:rPr lang="en-US" baseline="-25000" dirty="0"/>
+                        <a:t>15</a:t>
+                      </a:r>
+                      <a:r>
+                        <a:rPr lang="en-US" dirty="0"/>
+                        <a:t>+…+E</a:t>
+                      </a:r>
+                      <a:r>
+                        <a:rPr lang="en-US" baseline="-25000" dirty="0"/>
+                        <a:t>20</a:t>
+                      </a:r>
+                      <a:r>
+                        <a:rPr lang="en-US" dirty="0"/>
+                        <a:t>-</a:t>
+                      </a:r>
+                      <a:r>
+                        <a:rPr lang="en-US" dirty="0">
+                          <a:solidFill>
+                            <a:schemeClr val="tx1"/>
+                          </a:solidFill>
+                        </a:rPr>
+                        <a:t>E</a:t>
+                      </a:r>
+                      <a:r>
+                        <a:rPr lang="en-US" baseline="-25000" dirty="0">
+                          <a:solidFill>
+                            <a:schemeClr val="tx1"/>
+                          </a:solidFill>
+                        </a:rPr>
+                        <a:t>19</a:t>
+                      </a:r>
+                      <a:r>
+                        <a:rPr lang="en-US" dirty="0"/>
+                        <a:t>+</a:t>
+                      </a:r>
+                      <a:r>
+                        <a:rPr lang="en-US" dirty="0">
+                          <a:solidFill>
+                            <a:srgbClr val="FF7B11"/>
+                          </a:solidFill>
+                        </a:rPr>
+                        <a:t>E</a:t>
+                      </a:r>
+                      <a:r>
+                        <a:rPr lang="en-US" baseline="-25000" dirty="0">
+                          <a:solidFill>
+                            <a:srgbClr val="FF7B11"/>
+                          </a:solidFill>
+                        </a:rPr>
+                        <a:t>19</a:t>
+                      </a:r>
+                      <a:endParaRPr lang="en-US" baseline="-25000" dirty="0"/>
+                    </a:p>
+                    <a:p>
+                      <a:pPr marL="0" marR="0" lvl="0" indent="0" algn="ctr" defTabSz="457200" rtl="0" eaLnBrk="1" fontAlgn="auto" latinLnBrk="0" hangingPunct="1">
+                        <a:lnSpc>
+                          <a:spcPct val="100000"/>
+                        </a:lnSpc>
+                        <a:spcBef>
+                          <a:spcPts val="0"/>
+                        </a:spcBef>
+                        <a:spcAft>
+                          <a:spcPts val="0"/>
+                        </a:spcAft>
+                        <a:buClrTx/>
+                        <a:buSzTx/>
+                        <a:buFontTx/>
+                        <a:buNone/>
+                        <a:tabLst/>
+                        <a:defRPr/>
+                      </a:pPr>
+                      <a:endParaRPr lang="en-US" baseline="-25000" dirty="0"/>
+                    </a:p>
+                    <a:p>
+                      <a:pPr marL="0" marR="0" lvl="0" indent="0" algn="ctr" defTabSz="457200" rtl="0" eaLnBrk="1" fontAlgn="auto" latinLnBrk="0" hangingPunct="1">
+                        <a:lnSpc>
+                          <a:spcPct val="100000"/>
+                        </a:lnSpc>
+                        <a:spcBef>
+                          <a:spcPts val="0"/>
+                        </a:spcBef>
+                        <a:spcAft>
+                          <a:spcPts val="0"/>
+                        </a:spcAft>
+                        <a:buClrTx/>
+                        <a:buSzTx/>
+                        <a:buFontTx/>
+                        <a:buNone/>
+                        <a:tabLst/>
+                        <a:defRPr/>
+                      </a:pPr>
+                      <a:r>
+                        <a:rPr lang="en-US" baseline="0" dirty="0"/>
+                        <a:t>+ </a:t>
+                      </a:r>
+                      <a:r>
+                        <a:rPr lang="en-US" dirty="0"/>
+                        <a:t>E</a:t>
+                      </a:r>
+                      <a:r>
+                        <a:rPr lang="en-US" baseline="-25000" dirty="0"/>
+                        <a:t>20</a:t>
+                      </a:r>
+                      <a:endParaRPr lang="en-US" dirty="0"/>
+                    </a:p>
+                  </a:txBody>
+                  <a:tcPr>
+                    <a:lnL w="12700" cap="flat" cmpd="sng" algn="ctr">
+                      <a:solidFill>
+                        <a:schemeClr val="tx1"/>
+                      </a:solidFill>
+                      <a:prstDash val="solid"/>
+                      <a:round/>
+                      <a:headEnd type="none" w="med" len="med"/>
+                      <a:tailEnd type="none" w="med" len="med"/>
+                    </a:lnL>
+                    <a:lnR w="12700" cap="flat" cmpd="sng" algn="ctr">
+                      <a:solidFill>
+                        <a:schemeClr val="tx1"/>
+                      </a:solidFill>
+                      <a:prstDash val="solid"/>
+                      <a:round/>
+                      <a:headEnd type="none" w="med" len="med"/>
+                      <a:tailEnd type="none" w="med" len="med"/>
+                    </a:lnR>
+                    <a:lnT w="38100" cap="flat" cmpd="sng" algn="ctr">
+                      <a:solidFill>
+                        <a:schemeClr val="tx1"/>
+                      </a:solidFill>
+                      <a:prstDash val="solid"/>
+                      <a:round/>
+                      <a:headEnd type="none" w="med" len="med"/>
+                      <a:tailEnd type="none" w="med" len="med"/>
+                    </a:lnT>
+                    <a:lnB w="12700" cap="flat" cmpd="sng" algn="ctr">
+                      <a:solidFill>
+                        <a:schemeClr val="tx1"/>
+                      </a:solidFill>
+                      <a:prstDash val="solid"/>
+                      <a:round/>
+                      <a:headEnd type="none" w="med" len="med"/>
+                      <a:tailEnd type="none" w="med" len="med"/>
+                    </a:lnB>
+                    <a:solidFill>
+                      <a:srgbClr val="DDDDDD"/>
+                    </a:solidFill>
+                  </a:tcPr>
+                </a:tc>
+                <a:extLst>
+                  <a:ext uri="{0D108BD9-81ED-4DB2-BD59-A6C34878D82A}">
+                    <a16:rowId xmlns:a16="http://schemas.microsoft.com/office/drawing/2014/main" val="3929910534"/>
+                  </a:ext>
+                </a:extLst>
+              </a:tr>
+            </a:tbl>
+          </a:graphicData>
+        </a:graphic>
+      </p:graphicFrame>
+    </p:spTree>
+    <p:extLst>
+      <p:ext uri="{BB962C8B-B14F-4D97-AF65-F5344CB8AC3E}">
+        <p14:creationId xmlns:p14="http://schemas.microsoft.com/office/powerpoint/2010/main" val="3224573192"/>
+      </p:ext>
+    </p:extLst>
+  </p:cSld>
+  <p:clrMapOvr>
+    <a:masterClrMapping/>
+  </p:clrMapOvr>
+</p:sld>
+</file>
+
+<file path=ppt/slides/slide11.xml><?xml version="1.0" encoding="utf-8"?>
+<p:sld xmlns:a="http://schemas.openxmlformats.org/drawingml/2006/main" xmlns:r="http://schemas.openxmlformats.org/officeDocument/2006/relationships" xmlns:p="http://schemas.openxmlformats.org/presentationml/2006/main">
+  <p:cSld>
+    <p:spTree>
+      <p:nvGrpSpPr>
+        <p:cNvPr id="1" name=""/>
+        <p:cNvGrpSpPr/>
+        <p:nvPr/>
+      </p:nvGrpSpPr>
+      <p:grpSpPr>
+        <a:xfrm>
+          <a:off x="0" y="0"/>
+          <a:ext cx="0" cy="0"/>
+          <a:chOff x="0" y="0"/>
+          <a:chExt cx="0" cy="0"/>
+        </a:xfrm>
+      </p:grpSpPr>
       <p:pic>
         <p:nvPicPr>
           <p:cNvPr id="9" name="Content Placeholder 4">
@@ -4852,7 +8599,7 @@
 </p:sld>
 </file>
 
-<file path=ppt/slides/slide11.xml><?xml version="1.0" encoding="utf-8"?>
+<file path=ppt/slides/slide12.xml><?xml version="1.0" encoding="utf-8"?>
 <p:sld xmlns:a="http://schemas.openxmlformats.org/drawingml/2006/main" xmlns:r="http://schemas.openxmlformats.org/officeDocument/2006/relationships" xmlns:p="http://schemas.openxmlformats.org/presentationml/2006/main">
   <p:cSld>
     <p:spTree>
@@ -5828,7 +9575,7 @@
 </p:sld>
 </file>
 
-<file path=ppt/slides/slide12.xml><?xml version="1.0" encoding="utf-8"?>
+<file path=ppt/slides/slide13.xml><?xml version="1.0" encoding="utf-8"?>
 <p:sld xmlns:a="http://schemas.openxmlformats.org/drawingml/2006/main" xmlns:r="http://schemas.openxmlformats.org/officeDocument/2006/relationships" xmlns:p="http://schemas.openxmlformats.org/presentationml/2006/main">
   <p:cSld>
     <p:spTree>
@@ -7821,7 +11568,7 @@
 </p:sld>
 </file>
 
-<file path=ppt/slides/slide13.xml><?xml version="1.0" encoding="utf-8"?>
+<file path=ppt/slides/slide14.xml><?xml version="1.0" encoding="utf-8"?>
 <p:sld xmlns:a="http://schemas.openxmlformats.org/drawingml/2006/main" xmlns:r="http://schemas.openxmlformats.org/officeDocument/2006/relationships" xmlns:p="http://schemas.openxmlformats.org/presentationml/2006/main">
   <p:cSld>
     <p:spTree>
@@ -8427,7 +12174,7 @@
 </p:sld>
 </file>
 
-<file path=ppt/slides/slide14.xml><?xml version="1.0" encoding="utf-8"?>
+<file path=ppt/slides/slide15.xml><?xml version="1.0" encoding="utf-8"?>
 <p:sld xmlns:a="http://schemas.openxmlformats.org/drawingml/2006/main" xmlns:r="http://schemas.openxmlformats.org/officeDocument/2006/relationships" xmlns:p="http://schemas.openxmlformats.org/presentationml/2006/main">
   <p:cSld>
     <p:spTree>
@@ -16259,6 +20006,1285 @@
           <a:chExt cx="0" cy="0"/>
         </a:xfrm>
       </p:grpSpPr>
+      <p:grpSp>
+        <p:nvGrpSpPr>
+          <p:cNvPr id="2" name="Group 1">
+            <a:extLst>
+              <a:ext uri="{FF2B5EF4-FFF2-40B4-BE49-F238E27FC236}">
+                <a16:creationId xmlns:a16="http://schemas.microsoft.com/office/drawing/2014/main" id="{87B4E522-7C85-962C-8FB0-10E9B9BD53C9}"/>
+              </a:ext>
+            </a:extLst>
+          </p:cNvPr>
+          <p:cNvGrpSpPr/>
+          <p:nvPr/>
+        </p:nvGrpSpPr>
+        <p:grpSpPr>
+          <a:xfrm>
+            <a:off x="662367" y="146184"/>
+            <a:ext cx="10623583" cy="6070898"/>
+            <a:chOff x="662367" y="279748"/>
+            <a:chExt cx="10623583" cy="6070898"/>
+          </a:xfrm>
+        </p:grpSpPr>
+        <p:pic>
+          <p:nvPicPr>
+            <p:cNvPr id="3" name="Picture 2" descr="A computer and tablet icons&#10;&#10;Description automatically generated">
+              <a:extLst>
+                <a:ext uri="{FF2B5EF4-FFF2-40B4-BE49-F238E27FC236}">
+                  <a16:creationId xmlns:a16="http://schemas.microsoft.com/office/drawing/2014/main" id="{9C173F58-67A0-AFB6-97A4-61920E7F38FA}"/>
+                </a:ext>
+              </a:extLst>
+            </p:cNvPr>
+            <p:cNvPicPr>
+              <a:picLocks noChangeAspect="1"/>
+            </p:cNvPicPr>
+            <p:nvPr/>
+          </p:nvPicPr>
+          <p:blipFill rotWithShape="1">
+            <a:blip r:embed="rId2"/>
+            <a:srcRect t="19373" b="18391"/>
+            <a:stretch/>
+          </p:blipFill>
+          <p:spPr>
+            <a:xfrm>
+              <a:off x="663878" y="789140"/>
+              <a:ext cx="7776000" cy="1779520"/>
+            </a:xfrm>
+            <a:prstGeom prst="rect">
+              <a:avLst/>
+            </a:prstGeom>
+          </p:spPr>
+        </p:pic>
+        <p:sp>
+          <p:nvSpPr>
+            <p:cNvPr id="4" name="Rounded Rectangle 3">
+              <a:extLst>
+                <a:ext uri="{FF2B5EF4-FFF2-40B4-BE49-F238E27FC236}">
+                  <a16:creationId xmlns:a16="http://schemas.microsoft.com/office/drawing/2014/main" id="{CFC7FE95-FB84-7E61-A6C9-CACD12BBDE51}"/>
+                </a:ext>
+              </a:extLst>
+            </p:cNvPr>
+            <p:cNvSpPr/>
+            <p:nvPr/>
+          </p:nvSpPr>
+          <p:spPr>
+            <a:xfrm>
+              <a:off x="662367" y="279748"/>
+              <a:ext cx="7776000" cy="2317315"/>
+            </a:xfrm>
+            <a:prstGeom prst="roundRect">
+              <a:avLst/>
+            </a:prstGeom>
+            <a:noFill/>
+          </p:spPr>
+          <p:style>
+            <a:lnRef idx="2">
+              <a:schemeClr val="accent1">
+                <a:shade val="15000"/>
+              </a:schemeClr>
+            </a:lnRef>
+            <a:fillRef idx="1">
+              <a:schemeClr val="accent1"/>
+            </a:fillRef>
+            <a:effectRef idx="0">
+              <a:schemeClr val="accent1"/>
+            </a:effectRef>
+            <a:fontRef idx="minor">
+              <a:schemeClr val="lt1"/>
+            </a:fontRef>
+          </p:style>
+          <p:txBody>
+            <a:bodyPr rtlCol="0" anchor="t"/>
+            <a:lstStyle/>
+            <a:p>
+              <a:r>
+                <a:rPr lang="en-GB" sz="2400" dirty="0">
+                  <a:solidFill>
+                    <a:schemeClr val="tx1"/>
+                  </a:solidFill>
+                </a:rPr>
+                <a:t>your </a:t>
+              </a:r>
+              <a:r>
+                <a:rPr lang="en-GB" sz="2400" b="1" dirty="0">
+                  <a:solidFill>
+                    <a:schemeClr val="tx1"/>
+                  </a:solidFill>
+                </a:rPr>
+                <a:t>local</a:t>
+              </a:r>
+              <a:r>
+                <a:rPr lang="en-GB" sz="2400" dirty="0">
+                  <a:solidFill>
+                    <a:schemeClr val="tx1"/>
+                  </a:solidFill>
+                </a:rPr>
+                <a:t> machine</a:t>
+              </a:r>
+            </a:p>
+          </p:txBody>
+        </p:sp>
+        <p:grpSp>
+          <p:nvGrpSpPr>
+            <p:cNvPr id="5" name="Group 4">
+              <a:extLst>
+                <a:ext uri="{FF2B5EF4-FFF2-40B4-BE49-F238E27FC236}">
+                  <a16:creationId xmlns:a16="http://schemas.microsoft.com/office/drawing/2014/main" id="{A67D2079-D48D-A056-D69B-0DF2462C2E75}"/>
+                </a:ext>
+              </a:extLst>
+            </p:cNvPr>
+            <p:cNvGrpSpPr/>
+            <p:nvPr/>
+          </p:nvGrpSpPr>
+          <p:grpSpPr>
+            <a:xfrm>
+              <a:off x="2042212" y="3492670"/>
+              <a:ext cx="9243738" cy="2857976"/>
+              <a:chOff x="1641380" y="3104364"/>
+              <a:chExt cx="9243738" cy="2857976"/>
+            </a:xfrm>
+          </p:grpSpPr>
+          <p:sp>
+            <p:nvSpPr>
+              <p:cNvPr id="8" name="Rounded Rectangle 7">
+                <a:extLst>
+                  <a:ext uri="{FF2B5EF4-FFF2-40B4-BE49-F238E27FC236}">
+                    <a16:creationId xmlns:a16="http://schemas.microsoft.com/office/drawing/2014/main" id="{786C1CB8-9CD1-9C1E-2FF0-4575584C1386}"/>
+                  </a:ext>
+                </a:extLst>
+              </p:cNvPr>
+              <p:cNvSpPr/>
+              <p:nvPr/>
+            </p:nvSpPr>
+            <p:spPr>
+              <a:xfrm>
+                <a:off x="1641380" y="3104364"/>
+                <a:ext cx="9243738" cy="2857976"/>
+              </a:xfrm>
+              <a:prstGeom prst="roundRect">
+                <a:avLst/>
+              </a:prstGeom>
+              <a:noFill/>
+            </p:spPr>
+            <p:style>
+              <a:lnRef idx="2">
+                <a:schemeClr val="accent1">
+                  <a:shade val="15000"/>
+                </a:schemeClr>
+              </a:lnRef>
+              <a:fillRef idx="1">
+                <a:schemeClr val="accent1"/>
+              </a:fillRef>
+              <a:effectRef idx="0">
+                <a:schemeClr val="accent1"/>
+              </a:effectRef>
+              <a:fontRef idx="minor">
+                <a:schemeClr val="lt1"/>
+              </a:fontRef>
+            </p:style>
+            <p:txBody>
+              <a:bodyPr rtlCol="0" anchor="b"/>
+              <a:lstStyle/>
+              <a:p>
+                <a:r>
+                  <a:rPr lang="en-GB" sz="2400" dirty="0">
+                    <a:solidFill>
+                      <a:schemeClr val="tx1"/>
+                    </a:solidFill>
+                  </a:rPr>
+                  <a:t>the </a:t>
+                </a:r>
+                <a:r>
+                  <a:rPr lang="en-GB" sz="2400" b="1" dirty="0">
+                    <a:solidFill>
+                      <a:schemeClr val="tx1"/>
+                    </a:solidFill>
+                  </a:rPr>
+                  <a:t>remote</a:t>
+                </a:r>
+                <a:r>
+                  <a:rPr lang="en-GB" sz="2400" dirty="0">
+                    <a:solidFill>
+                      <a:schemeClr val="tx1"/>
+                    </a:solidFill>
+                  </a:rPr>
+                  <a:t> machine (supercomputer)</a:t>
+                </a:r>
+              </a:p>
+            </p:txBody>
+          </p:sp>
+          <p:grpSp>
+            <p:nvGrpSpPr>
+              <p:cNvPr id="9" name="Group 8">
+                <a:extLst>
+                  <a:ext uri="{FF2B5EF4-FFF2-40B4-BE49-F238E27FC236}">
+                    <a16:creationId xmlns:a16="http://schemas.microsoft.com/office/drawing/2014/main" id="{E39A7D3E-D24F-090D-9022-5BB34BB1AF31}"/>
+                  </a:ext>
+                </a:extLst>
+              </p:cNvPr>
+              <p:cNvGrpSpPr/>
+              <p:nvPr/>
+            </p:nvGrpSpPr>
+            <p:grpSpPr>
+              <a:xfrm>
+                <a:off x="1962865" y="3204843"/>
+                <a:ext cx="8569436" cy="2351493"/>
+                <a:chOff x="1962865" y="3204843"/>
+                <a:chExt cx="8569436" cy="2351493"/>
+              </a:xfrm>
+            </p:grpSpPr>
+            <p:sp>
+              <p:nvSpPr>
+                <p:cNvPr id="10" name="Rectangle 9">
+                  <a:extLst>
+                    <a:ext uri="{FF2B5EF4-FFF2-40B4-BE49-F238E27FC236}">
+                      <a16:creationId xmlns:a16="http://schemas.microsoft.com/office/drawing/2014/main" id="{3EBC4470-554B-F75D-2D65-7F5AE8268FD2}"/>
+                    </a:ext>
+                  </a:extLst>
+                </p:cNvPr>
+                <p:cNvSpPr/>
+                <p:nvPr/>
+              </p:nvSpPr>
+              <p:spPr>
+                <a:xfrm>
+                  <a:off x="1962865" y="4193087"/>
+                  <a:ext cx="1941534" cy="400832"/>
+                </a:xfrm>
+                <a:prstGeom prst="rect">
+                  <a:avLst/>
+                </a:prstGeom>
+                <a:solidFill>
+                  <a:schemeClr val="bg2"/>
+                </a:solidFill>
+              </p:spPr>
+              <p:style>
+                <a:lnRef idx="2">
+                  <a:schemeClr val="accent1">
+                    <a:shade val="15000"/>
+                  </a:schemeClr>
+                </a:lnRef>
+                <a:fillRef idx="1">
+                  <a:schemeClr val="accent1"/>
+                </a:fillRef>
+                <a:effectRef idx="0">
+                  <a:schemeClr val="accent1"/>
+                </a:effectRef>
+                <a:fontRef idx="minor">
+                  <a:schemeClr val="lt1"/>
+                </a:fontRef>
+              </p:style>
+              <p:txBody>
+                <a:bodyPr rtlCol="0" anchor="ctr"/>
+                <a:lstStyle/>
+                <a:p>
+                  <a:pPr algn="ctr"/>
+                  <a:r>
+                    <a:rPr lang="en-GB" dirty="0">
+                      <a:solidFill>
+                        <a:schemeClr val="tx1"/>
+                      </a:solidFill>
+                    </a:rPr>
+                    <a:t>login node</a:t>
+                  </a:r>
+                </a:p>
+              </p:txBody>
+            </p:sp>
+            <p:sp>
+              <p:nvSpPr>
+                <p:cNvPr id="11" name="Rectangle 10">
+                  <a:extLst>
+                    <a:ext uri="{FF2B5EF4-FFF2-40B4-BE49-F238E27FC236}">
+                      <a16:creationId xmlns:a16="http://schemas.microsoft.com/office/drawing/2014/main" id="{BA637643-1698-AA5A-6FF2-C92F013E8261}"/>
+                    </a:ext>
+                  </a:extLst>
+                </p:cNvPr>
+                <p:cNvSpPr/>
+                <p:nvPr/>
+              </p:nvSpPr>
+              <p:spPr>
+                <a:xfrm>
+                  <a:off x="4688110" y="4193086"/>
+                  <a:ext cx="1941534" cy="400832"/>
+                </a:xfrm>
+                <a:prstGeom prst="rect">
+                  <a:avLst/>
+                </a:prstGeom>
+                <a:solidFill>
+                  <a:schemeClr val="bg2"/>
+                </a:solidFill>
+              </p:spPr>
+              <p:style>
+                <a:lnRef idx="2">
+                  <a:schemeClr val="accent1">
+                    <a:shade val="15000"/>
+                  </a:schemeClr>
+                </a:lnRef>
+                <a:fillRef idx="1">
+                  <a:schemeClr val="accent1"/>
+                </a:fillRef>
+                <a:effectRef idx="0">
+                  <a:schemeClr val="accent1"/>
+                </a:effectRef>
+                <a:fontRef idx="minor">
+                  <a:schemeClr val="lt1"/>
+                </a:fontRef>
+              </p:style>
+              <p:txBody>
+                <a:bodyPr rtlCol="0" anchor="ctr"/>
+                <a:lstStyle/>
+                <a:p>
+                  <a:pPr algn="ctr"/>
+                  <a:r>
+                    <a:rPr lang="en-GB" dirty="0">
+                      <a:solidFill>
+                        <a:schemeClr val="tx1"/>
+                      </a:solidFill>
+                    </a:rPr>
+                    <a:t>master node</a:t>
+                  </a:r>
+                </a:p>
+              </p:txBody>
+            </p:sp>
+            <p:grpSp>
+              <p:nvGrpSpPr>
+                <p:cNvPr id="12" name="Group 11">
+                  <a:extLst>
+                    <a:ext uri="{FF2B5EF4-FFF2-40B4-BE49-F238E27FC236}">
+                      <a16:creationId xmlns:a16="http://schemas.microsoft.com/office/drawing/2014/main" id="{EEA2CCE0-257F-577D-1BD8-9552B6AB70F1}"/>
+                    </a:ext>
+                  </a:extLst>
+                </p:cNvPr>
+                <p:cNvGrpSpPr/>
+                <p:nvPr/>
+              </p:nvGrpSpPr>
+              <p:grpSpPr>
+                <a:xfrm>
+                  <a:off x="6914367" y="3204843"/>
+                  <a:ext cx="3617934" cy="2351493"/>
+                  <a:chOff x="6914367" y="3204843"/>
+                  <a:chExt cx="3617934" cy="2351493"/>
+                </a:xfrm>
+              </p:grpSpPr>
+              <p:sp>
+                <p:nvSpPr>
+                  <p:cNvPr id="15" name="Rectangle 14">
+                    <a:extLst>
+                      <a:ext uri="{FF2B5EF4-FFF2-40B4-BE49-F238E27FC236}">
+                        <a16:creationId xmlns:a16="http://schemas.microsoft.com/office/drawing/2014/main" id="{5A03C81C-E92F-A97F-4753-BFAF66396186}"/>
+                      </a:ext>
+                    </a:extLst>
+                  </p:cNvPr>
+                  <p:cNvSpPr/>
+                  <p:nvPr/>
+                </p:nvSpPr>
+                <p:spPr>
+                  <a:xfrm>
+                    <a:off x="6914367" y="3479104"/>
+                    <a:ext cx="1941534" cy="400832"/>
+                  </a:xfrm>
+                  <a:prstGeom prst="rect">
+                    <a:avLst/>
+                  </a:prstGeom>
+                  <a:solidFill>
+                    <a:schemeClr val="bg2"/>
+                  </a:solidFill>
+                </p:spPr>
+                <p:style>
+                  <a:lnRef idx="2">
+                    <a:schemeClr val="accent1">
+                      <a:shade val="15000"/>
+                    </a:schemeClr>
+                  </a:lnRef>
+                  <a:fillRef idx="1">
+                    <a:schemeClr val="accent1"/>
+                  </a:fillRef>
+                  <a:effectRef idx="0">
+                    <a:schemeClr val="accent1"/>
+                  </a:effectRef>
+                  <a:fontRef idx="minor">
+                    <a:schemeClr val="lt1"/>
+                  </a:fontRef>
+                </p:style>
+                <p:txBody>
+                  <a:bodyPr rtlCol="0" anchor="ctr"/>
+                  <a:lstStyle/>
+                  <a:p>
+                    <a:pPr algn="ctr"/>
+                    <a:endParaRPr lang="en-GB" dirty="0">
+                      <a:solidFill>
+                        <a:schemeClr val="tx1"/>
+                      </a:solidFill>
+                    </a:endParaRPr>
+                  </a:p>
+                </p:txBody>
+              </p:sp>
+              <p:sp>
+                <p:nvSpPr>
+                  <p:cNvPr id="16" name="Rectangle 15">
+                    <a:extLst>
+                      <a:ext uri="{FF2B5EF4-FFF2-40B4-BE49-F238E27FC236}">
+                        <a16:creationId xmlns:a16="http://schemas.microsoft.com/office/drawing/2014/main" id="{7E79A4E9-1BBD-D9D8-EFAD-8F4EC0D7B9A5}"/>
+                      </a:ext>
+                    </a:extLst>
+                  </p:cNvPr>
+                  <p:cNvSpPr/>
+                  <p:nvPr/>
+                </p:nvSpPr>
+                <p:spPr>
+                  <a:xfrm>
+                    <a:off x="7066767" y="3631504"/>
+                    <a:ext cx="1941534" cy="400832"/>
+                  </a:xfrm>
+                  <a:prstGeom prst="rect">
+                    <a:avLst/>
+                  </a:prstGeom>
+                  <a:solidFill>
+                    <a:schemeClr val="bg2"/>
+                  </a:solidFill>
+                </p:spPr>
+                <p:style>
+                  <a:lnRef idx="2">
+                    <a:schemeClr val="accent1">
+                      <a:shade val="15000"/>
+                    </a:schemeClr>
+                  </a:lnRef>
+                  <a:fillRef idx="1">
+                    <a:schemeClr val="accent1"/>
+                  </a:fillRef>
+                  <a:effectRef idx="0">
+                    <a:schemeClr val="accent1"/>
+                  </a:effectRef>
+                  <a:fontRef idx="minor">
+                    <a:schemeClr val="lt1"/>
+                  </a:fontRef>
+                </p:style>
+                <p:txBody>
+                  <a:bodyPr rtlCol="0" anchor="ctr"/>
+                  <a:lstStyle/>
+                  <a:p>
+                    <a:pPr algn="ctr"/>
+                    <a:endParaRPr lang="en-GB" dirty="0">
+                      <a:solidFill>
+                        <a:schemeClr val="tx1"/>
+                      </a:solidFill>
+                    </a:endParaRPr>
+                  </a:p>
+                </p:txBody>
+              </p:sp>
+              <p:sp>
+                <p:nvSpPr>
+                  <p:cNvPr id="17" name="Rectangle 16">
+                    <a:extLst>
+                      <a:ext uri="{FF2B5EF4-FFF2-40B4-BE49-F238E27FC236}">
+                        <a16:creationId xmlns:a16="http://schemas.microsoft.com/office/drawing/2014/main" id="{B5C39566-D568-A93C-E654-4074EAF915FF}"/>
+                      </a:ext>
+                    </a:extLst>
+                  </p:cNvPr>
+                  <p:cNvSpPr/>
+                  <p:nvPr/>
+                </p:nvSpPr>
+                <p:spPr>
+                  <a:xfrm>
+                    <a:off x="7219167" y="3783904"/>
+                    <a:ext cx="1941534" cy="400832"/>
+                  </a:xfrm>
+                  <a:prstGeom prst="rect">
+                    <a:avLst/>
+                  </a:prstGeom>
+                  <a:solidFill>
+                    <a:schemeClr val="bg2"/>
+                  </a:solidFill>
+                </p:spPr>
+                <p:style>
+                  <a:lnRef idx="2">
+                    <a:schemeClr val="accent1">
+                      <a:shade val="15000"/>
+                    </a:schemeClr>
+                  </a:lnRef>
+                  <a:fillRef idx="1">
+                    <a:schemeClr val="accent1"/>
+                  </a:fillRef>
+                  <a:effectRef idx="0">
+                    <a:schemeClr val="accent1"/>
+                  </a:effectRef>
+                  <a:fontRef idx="minor">
+                    <a:schemeClr val="lt1"/>
+                  </a:fontRef>
+                </p:style>
+                <p:txBody>
+                  <a:bodyPr rtlCol="0" anchor="ctr"/>
+                  <a:lstStyle/>
+                  <a:p>
+                    <a:pPr algn="ctr"/>
+                    <a:endParaRPr lang="en-GB" dirty="0">
+                      <a:solidFill>
+                        <a:schemeClr val="tx1"/>
+                      </a:solidFill>
+                    </a:endParaRPr>
+                  </a:p>
+                </p:txBody>
+              </p:sp>
+              <p:sp>
+                <p:nvSpPr>
+                  <p:cNvPr id="18" name="Rectangle 17">
+                    <a:extLst>
+                      <a:ext uri="{FF2B5EF4-FFF2-40B4-BE49-F238E27FC236}">
+                        <a16:creationId xmlns:a16="http://schemas.microsoft.com/office/drawing/2014/main" id="{81EFC4BC-B47E-EDDB-981A-7C291883A21A}"/>
+                      </a:ext>
+                    </a:extLst>
+                  </p:cNvPr>
+                  <p:cNvSpPr/>
+                  <p:nvPr/>
+                </p:nvSpPr>
+                <p:spPr>
+                  <a:xfrm>
+                    <a:off x="7371567" y="3936304"/>
+                    <a:ext cx="1941534" cy="400832"/>
+                  </a:xfrm>
+                  <a:prstGeom prst="rect">
+                    <a:avLst/>
+                  </a:prstGeom>
+                  <a:solidFill>
+                    <a:schemeClr val="bg2"/>
+                  </a:solidFill>
+                </p:spPr>
+                <p:style>
+                  <a:lnRef idx="2">
+                    <a:schemeClr val="accent1">
+                      <a:shade val="15000"/>
+                    </a:schemeClr>
+                  </a:lnRef>
+                  <a:fillRef idx="1">
+                    <a:schemeClr val="accent1"/>
+                  </a:fillRef>
+                  <a:effectRef idx="0">
+                    <a:schemeClr val="accent1"/>
+                  </a:effectRef>
+                  <a:fontRef idx="minor">
+                    <a:schemeClr val="lt1"/>
+                  </a:fontRef>
+                </p:style>
+                <p:txBody>
+                  <a:bodyPr rtlCol="0" anchor="ctr"/>
+                  <a:lstStyle/>
+                  <a:p>
+                    <a:pPr algn="ctr"/>
+                    <a:endParaRPr lang="en-GB" dirty="0">
+                      <a:solidFill>
+                        <a:schemeClr val="tx1"/>
+                      </a:solidFill>
+                    </a:endParaRPr>
+                  </a:p>
+                </p:txBody>
+              </p:sp>
+              <p:sp>
+                <p:nvSpPr>
+                  <p:cNvPr id="19" name="Rectangle 18">
+                    <a:extLst>
+                      <a:ext uri="{FF2B5EF4-FFF2-40B4-BE49-F238E27FC236}">
+                        <a16:creationId xmlns:a16="http://schemas.microsoft.com/office/drawing/2014/main" id="{94347BF7-C38B-34D4-5F4C-33BBF76F7976}"/>
+                      </a:ext>
+                    </a:extLst>
+                  </p:cNvPr>
+                  <p:cNvSpPr/>
+                  <p:nvPr/>
+                </p:nvSpPr>
+                <p:spPr>
+                  <a:xfrm>
+                    <a:off x="7523967" y="4088704"/>
+                    <a:ext cx="1941534" cy="400832"/>
+                  </a:xfrm>
+                  <a:prstGeom prst="rect">
+                    <a:avLst/>
+                  </a:prstGeom>
+                  <a:solidFill>
+                    <a:schemeClr val="bg2"/>
+                  </a:solidFill>
+                </p:spPr>
+                <p:style>
+                  <a:lnRef idx="2">
+                    <a:schemeClr val="accent1">
+                      <a:shade val="15000"/>
+                    </a:schemeClr>
+                  </a:lnRef>
+                  <a:fillRef idx="1">
+                    <a:schemeClr val="accent1"/>
+                  </a:fillRef>
+                  <a:effectRef idx="0">
+                    <a:schemeClr val="accent1"/>
+                  </a:effectRef>
+                  <a:fontRef idx="minor">
+                    <a:schemeClr val="lt1"/>
+                  </a:fontRef>
+                </p:style>
+                <p:txBody>
+                  <a:bodyPr rtlCol="0" anchor="ctr"/>
+                  <a:lstStyle/>
+                  <a:p>
+                    <a:pPr algn="ctr"/>
+                    <a:endParaRPr lang="en-GB" dirty="0">
+                      <a:solidFill>
+                        <a:schemeClr val="tx1"/>
+                      </a:solidFill>
+                    </a:endParaRPr>
+                  </a:p>
+                </p:txBody>
+              </p:sp>
+              <p:sp>
+                <p:nvSpPr>
+                  <p:cNvPr id="20" name="Rectangle 19">
+                    <a:extLst>
+                      <a:ext uri="{FF2B5EF4-FFF2-40B4-BE49-F238E27FC236}">
+                        <a16:creationId xmlns:a16="http://schemas.microsoft.com/office/drawing/2014/main" id="{5052C975-0F5E-1959-48DB-275CA92E1EED}"/>
+                      </a:ext>
+                    </a:extLst>
+                  </p:cNvPr>
+                  <p:cNvSpPr/>
+                  <p:nvPr/>
+                </p:nvSpPr>
+                <p:spPr>
+                  <a:xfrm>
+                    <a:off x="7676367" y="4241104"/>
+                    <a:ext cx="1941534" cy="400832"/>
+                  </a:xfrm>
+                  <a:prstGeom prst="rect">
+                    <a:avLst/>
+                  </a:prstGeom>
+                  <a:solidFill>
+                    <a:schemeClr val="bg2"/>
+                  </a:solidFill>
+                </p:spPr>
+                <p:style>
+                  <a:lnRef idx="2">
+                    <a:schemeClr val="accent1">
+                      <a:shade val="15000"/>
+                    </a:schemeClr>
+                  </a:lnRef>
+                  <a:fillRef idx="1">
+                    <a:schemeClr val="accent1"/>
+                  </a:fillRef>
+                  <a:effectRef idx="0">
+                    <a:schemeClr val="accent1"/>
+                  </a:effectRef>
+                  <a:fontRef idx="minor">
+                    <a:schemeClr val="lt1"/>
+                  </a:fontRef>
+                </p:style>
+                <p:txBody>
+                  <a:bodyPr rtlCol="0" anchor="ctr"/>
+                  <a:lstStyle/>
+                  <a:p>
+                    <a:pPr algn="ctr"/>
+                    <a:endParaRPr lang="en-GB" dirty="0">
+                      <a:solidFill>
+                        <a:schemeClr val="tx1"/>
+                      </a:solidFill>
+                    </a:endParaRPr>
+                  </a:p>
+                </p:txBody>
+              </p:sp>
+              <p:sp>
+                <p:nvSpPr>
+                  <p:cNvPr id="21" name="Rectangle 20">
+                    <a:extLst>
+                      <a:ext uri="{FF2B5EF4-FFF2-40B4-BE49-F238E27FC236}">
+                        <a16:creationId xmlns:a16="http://schemas.microsoft.com/office/drawing/2014/main" id="{BC182B55-C820-5B9F-CC31-87B09FD67708}"/>
+                      </a:ext>
+                    </a:extLst>
+                  </p:cNvPr>
+                  <p:cNvSpPr/>
+                  <p:nvPr/>
+                </p:nvSpPr>
+                <p:spPr>
+                  <a:xfrm>
+                    <a:off x="7828767" y="4393504"/>
+                    <a:ext cx="1941534" cy="400832"/>
+                  </a:xfrm>
+                  <a:prstGeom prst="rect">
+                    <a:avLst/>
+                  </a:prstGeom>
+                  <a:solidFill>
+                    <a:schemeClr val="bg2"/>
+                  </a:solidFill>
+                </p:spPr>
+                <p:style>
+                  <a:lnRef idx="2">
+                    <a:schemeClr val="accent1">
+                      <a:shade val="15000"/>
+                    </a:schemeClr>
+                  </a:lnRef>
+                  <a:fillRef idx="1">
+                    <a:schemeClr val="accent1"/>
+                  </a:fillRef>
+                  <a:effectRef idx="0">
+                    <a:schemeClr val="accent1"/>
+                  </a:effectRef>
+                  <a:fontRef idx="minor">
+                    <a:schemeClr val="lt1"/>
+                  </a:fontRef>
+                </p:style>
+                <p:txBody>
+                  <a:bodyPr rtlCol="0" anchor="ctr"/>
+                  <a:lstStyle/>
+                  <a:p>
+                    <a:pPr algn="ctr"/>
+                    <a:endParaRPr lang="en-GB" dirty="0">
+                      <a:solidFill>
+                        <a:schemeClr val="tx1"/>
+                      </a:solidFill>
+                    </a:endParaRPr>
+                  </a:p>
+                </p:txBody>
+              </p:sp>
+              <p:sp>
+                <p:nvSpPr>
+                  <p:cNvPr id="22" name="Rectangle 21">
+                    <a:extLst>
+                      <a:ext uri="{FF2B5EF4-FFF2-40B4-BE49-F238E27FC236}">
+                        <a16:creationId xmlns:a16="http://schemas.microsoft.com/office/drawing/2014/main" id="{19BAFD97-AD2B-EFC1-9BF6-C0ACEDE5122F}"/>
+                      </a:ext>
+                    </a:extLst>
+                  </p:cNvPr>
+                  <p:cNvSpPr/>
+                  <p:nvPr/>
+                </p:nvSpPr>
+                <p:spPr>
+                  <a:xfrm>
+                    <a:off x="7981167" y="4545904"/>
+                    <a:ext cx="1941534" cy="400832"/>
+                  </a:xfrm>
+                  <a:prstGeom prst="rect">
+                    <a:avLst/>
+                  </a:prstGeom>
+                  <a:solidFill>
+                    <a:schemeClr val="bg2"/>
+                  </a:solidFill>
+                </p:spPr>
+                <p:style>
+                  <a:lnRef idx="2">
+                    <a:schemeClr val="accent1">
+                      <a:shade val="15000"/>
+                    </a:schemeClr>
+                  </a:lnRef>
+                  <a:fillRef idx="1">
+                    <a:schemeClr val="accent1"/>
+                  </a:fillRef>
+                  <a:effectRef idx="0">
+                    <a:schemeClr val="accent1"/>
+                  </a:effectRef>
+                  <a:fontRef idx="minor">
+                    <a:schemeClr val="lt1"/>
+                  </a:fontRef>
+                </p:style>
+                <p:txBody>
+                  <a:bodyPr rtlCol="0" anchor="ctr"/>
+                  <a:lstStyle/>
+                  <a:p>
+                    <a:pPr algn="ctr"/>
+                    <a:endParaRPr lang="en-GB" dirty="0">
+                      <a:solidFill>
+                        <a:schemeClr val="tx1"/>
+                      </a:solidFill>
+                    </a:endParaRPr>
+                  </a:p>
+                </p:txBody>
+              </p:sp>
+              <p:sp>
+                <p:nvSpPr>
+                  <p:cNvPr id="23" name="Rectangle 22">
+                    <a:extLst>
+                      <a:ext uri="{FF2B5EF4-FFF2-40B4-BE49-F238E27FC236}">
+                        <a16:creationId xmlns:a16="http://schemas.microsoft.com/office/drawing/2014/main" id="{FA76F9C0-03DF-B287-8495-F21096D6DAAC}"/>
+                      </a:ext>
+                    </a:extLst>
+                  </p:cNvPr>
+                  <p:cNvSpPr/>
+                  <p:nvPr/>
+                </p:nvSpPr>
+                <p:spPr>
+                  <a:xfrm>
+                    <a:off x="8133567" y="4698304"/>
+                    <a:ext cx="1941534" cy="400832"/>
+                  </a:xfrm>
+                  <a:prstGeom prst="rect">
+                    <a:avLst/>
+                  </a:prstGeom>
+                  <a:solidFill>
+                    <a:schemeClr val="bg2"/>
+                  </a:solidFill>
+                </p:spPr>
+                <p:style>
+                  <a:lnRef idx="2">
+                    <a:schemeClr val="accent1">
+                      <a:shade val="15000"/>
+                    </a:schemeClr>
+                  </a:lnRef>
+                  <a:fillRef idx="1">
+                    <a:schemeClr val="accent1"/>
+                  </a:fillRef>
+                  <a:effectRef idx="0">
+                    <a:schemeClr val="accent1"/>
+                  </a:effectRef>
+                  <a:fontRef idx="minor">
+                    <a:schemeClr val="lt1"/>
+                  </a:fontRef>
+                </p:style>
+                <p:txBody>
+                  <a:bodyPr rtlCol="0" anchor="ctr"/>
+                  <a:lstStyle/>
+                  <a:p>
+                    <a:pPr algn="ctr"/>
+                    <a:endParaRPr lang="en-GB" dirty="0">
+                      <a:solidFill>
+                        <a:schemeClr val="tx1"/>
+                      </a:solidFill>
+                    </a:endParaRPr>
+                  </a:p>
+                </p:txBody>
+              </p:sp>
+              <p:sp>
+                <p:nvSpPr>
+                  <p:cNvPr id="24" name="Rectangle 23">
+                    <a:extLst>
+                      <a:ext uri="{FF2B5EF4-FFF2-40B4-BE49-F238E27FC236}">
+                        <a16:creationId xmlns:a16="http://schemas.microsoft.com/office/drawing/2014/main" id="{19752262-ABF1-D8C9-A151-EF7183F01EE4}"/>
+                      </a:ext>
+                    </a:extLst>
+                  </p:cNvPr>
+                  <p:cNvSpPr/>
+                  <p:nvPr/>
+                </p:nvSpPr>
+                <p:spPr>
+                  <a:xfrm>
+                    <a:off x="8285967" y="4850704"/>
+                    <a:ext cx="1941534" cy="400832"/>
+                  </a:xfrm>
+                  <a:prstGeom prst="rect">
+                    <a:avLst/>
+                  </a:prstGeom>
+                  <a:solidFill>
+                    <a:schemeClr val="bg2"/>
+                  </a:solidFill>
+                </p:spPr>
+                <p:style>
+                  <a:lnRef idx="2">
+                    <a:schemeClr val="accent1">
+                      <a:shade val="15000"/>
+                    </a:schemeClr>
+                  </a:lnRef>
+                  <a:fillRef idx="1">
+                    <a:schemeClr val="accent1"/>
+                  </a:fillRef>
+                  <a:effectRef idx="0">
+                    <a:schemeClr val="accent1"/>
+                  </a:effectRef>
+                  <a:fontRef idx="minor">
+                    <a:schemeClr val="lt1"/>
+                  </a:fontRef>
+                </p:style>
+                <p:txBody>
+                  <a:bodyPr rtlCol="0" anchor="ctr"/>
+                  <a:lstStyle/>
+                  <a:p>
+                    <a:pPr algn="ctr"/>
+                    <a:endParaRPr lang="en-GB" dirty="0">
+                      <a:solidFill>
+                        <a:schemeClr val="tx1"/>
+                      </a:solidFill>
+                    </a:endParaRPr>
+                  </a:p>
+                </p:txBody>
+              </p:sp>
+              <p:sp>
+                <p:nvSpPr>
+                  <p:cNvPr id="25" name="Rectangle 24">
+                    <a:extLst>
+                      <a:ext uri="{FF2B5EF4-FFF2-40B4-BE49-F238E27FC236}">
+                        <a16:creationId xmlns:a16="http://schemas.microsoft.com/office/drawing/2014/main" id="{4EA03197-9601-716E-2D66-358EA2114864}"/>
+                      </a:ext>
+                    </a:extLst>
+                  </p:cNvPr>
+                  <p:cNvSpPr/>
+                  <p:nvPr/>
+                </p:nvSpPr>
+                <p:spPr>
+                  <a:xfrm>
+                    <a:off x="8438367" y="5003104"/>
+                    <a:ext cx="1941534" cy="400832"/>
+                  </a:xfrm>
+                  <a:prstGeom prst="rect">
+                    <a:avLst/>
+                  </a:prstGeom>
+                  <a:solidFill>
+                    <a:schemeClr val="bg2"/>
+                  </a:solidFill>
+                </p:spPr>
+                <p:style>
+                  <a:lnRef idx="2">
+                    <a:schemeClr val="accent1">
+                      <a:shade val="15000"/>
+                    </a:schemeClr>
+                  </a:lnRef>
+                  <a:fillRef idx="1">
+                    <a:schemeClr val="accent1"/>
+                  </a:fillRef>
+                  <a:effectRef idx="0">
+                    <a:schemeClr val="accent1"/>
+                  </a:effectRef>
+                  <a:fontRef idx="minor">
+                    <a:schemeClr val="lt1"/>
+                  </a:fontRef>
+                </p:style>
+                <p:txBody>
+                  <a:bodyPr rtlCol="0" anchor="ctr"/>
+                  <a:lstStyle/>
+                  <a:p>
+                    <a:pPr algn="ctr"/>
+                    <a:endParaRPr lang="en-GB" dirty="0">
+                      <a:solidFill>
+                        <a:schemeClr val="tx1"/>
+                      </a:solidFill>
+                    </a:endParaRPr>
+                  </a:p>
+                </p:txBody>
+              </p:sp>
+              <p:sp>
+                <p:nvSpPr>
+                  <p:cNvPr id="26" name="Rectangle 25">
+                    <a:extLst>
+                      <a:ext uri="{FF2B5EF4-FFF2-40B4-BE49-F238E27FC236}">
+                        <a16:creationId xmlns:a16="http://schemas.microsoft.com/office/drawing/2014/main" id="{94C20EC6-B45A-C0C9-A9FF-BFECB6035282}"/>
+                      </a:ext>
+                    </a:extLst>
+                  </p:cNvPr>
+                  <p:cNvSpPr/>
+                  <p:nvPr/>
+                </p:nvSpPr>
+                <p:spPr>
+                  <a:xfrm>
+                    <a:off x="8590767" y="5155504"/>
+                    <a:ext cx="1941534" cy="400832"/>
+                  </a:xfrm>
+                  <a:prstGeom prst="rect">
+                    <a:avLst/>
+                  </a:prstGeom>
+                  <a:solidFill>
+                    <a:schemeClr val="bg2"/>
+                  </a:solidFill>
+                </p:spPr>
+                <p:style>
+                  <a:lnRef idx="2">
+                    <a:schemeClr val="accent1">
+                      <a:shade val="15000"/>
+                    </a:schemeClr>
+                  </a:lnRef>
+                  <a:fillRef idx="1">
+                    <a:schemeClr val="accent1"/>
+                  </a:fillRef>
+                  <a:effectRef idx="0">
+                    <a:schemeClr val="accent1"/>
+                  </a:effectRef>
+                  <a:fontRef idx="minor">
+                    <a:schemeClr val="lt1"/>
+                  </a:fontRef>
+                </p:style>
+                <p:txBody>
+                  <a:bodyPr rtlCol="0" anchor="ctr"/>
+                  <a:lstStyle/>
+                  <a:p>
+                    <a:pPr algn="ctr"/>
+                    <a:r>
+                      <a:rPr lang="en-GB" dirty="0">
+                        <a:solidFill>
+                          <a:schemeClr val="tx1"/>
+                        </a:solidFill>
+                      </a:rPr>
+                      <a:t>compute nodes</a:t>
+                    </a:r>
+                  </a:p>
+                </p:txBody>
+              </p:sp>
+              <p:sp>
+                <p:nvSpPr>
+                  <p:cNvPr id="27" name="Left-right Arrow 26">
+                    <a:extLst>
+                      <a:ext uri="{FF2B5EF4-FFF2-40B4-BE49-F238E27FC236}">
+                        <a16:creationId xmlns:a16="http://schemas.microsoft.com/office/drawing/2014/main" id="{C11C42DC-4036-DC63-83A7-199C6F5D685F}"/>
+                      </a:ext>
+                    </a:extLst>
+                  </p:cNvPr>
+                  <p:cNvSpPr/>
+                  <p:nvPr/>
+                </p:nvSpPr>
+                <p:spPr>
+                  <a:xfrm rot="2700000">
+                    <a:off x="7609440" y="3960366"/>
+                    <a:ext cx="2232000" cy="720953"/>
+                  </a:xfrm>
+                  <a:prstGeom prst="leftRightArrow">
+                    <a:avLst/>
+                  </a:prstGeom>
+                  <a:ln>
+                    <a:noFill/>
+                  </a:ln>
+                </p:spPr>
+                <p:style>
+                  <a:lnRef idx="2">
+                    <a:schemeClr val="accent1">
+                      <a:shade val="15000"/>
+                    </a:schemeClr>
+                  </a:lnRef>
+                  <a:fillRef idx="1">
+                    <a:schemeClr val="accent1"/>
+                  </a:fillRef>
+                  <a:effectRef idx="0">
+                    <a:schemeClr val="accent1"/>
+                  </a:effectRef>
+                  <a:fontRef idx="minor">
+                    <a:schemeClr val="lt1"/>
+                  </a:fontRef>
+                </p:style>
+                <p:txBody>
+                  <a:bodyPr rtlCol="0" anchor="ctr"/>
+                  <a:lstStyle/>
+                  <a:p>
+                    <a:pPr algn="ctr"/>
+                    <a:r>
+                      <a:rPr lang="en-GB" dirty="0"/>
+                      <a:t>interconnect</a:t>
+                    </a:r>
+                  </a:p>
+                </p:txBody>
+              </p:sp>
+            </p:grpSp>
+            <p:cxnSp>
+              <p:nvCxnSpPr>
+                <p:cNvPr id="13" name="Elbow Connector 12">
+                  <a:extLst>
+                    <a:ext uri="{FF2B5EF4-FFF2-40B4-BE49-F238E27FC236}">
+                      <a16:creationId xmlns:a16="http://schemas.microsoft.com/office/drawing/2014/main" id="{2188ABE5-AA6C-804A-A038-09045741CB76}"/>
+                    </a:ext>
+                  </a:extLst>
+                </p:cNvPr>
+                <p:cNvCxnSpPr>
+                  <a:cxnSpLocks/>
+                  <a:stCxn id="10" idx="2"/>
+                </p:cNvCxnSpPr>
+                <p:nvPr/>
+              </p:nvCxnSpPr>
+              <p:spPr>
+                <a:xfrm rot="5400000" flipH="1" flipV="1">
+                  <a:off x="5582552" y="1585706"/>
+                  <a:ext cx="359292" cy="5657133"/>
+                </a:xfrm>
+                <a:prstGeom prst="bentConnector4">
+                  <a:avLst>
+                    <a:gd name="adj1" fmla="val -112434"/>
+                    <a:gd name="adj2" fmla="val 72751"/>
+                  </a:avLst>
+                </a:prstGeom>
+                <a:ln w="50800">
+                  <a:headEnd type="triangle" w="lg" len="lg"/>
+                  <a:tailEnd type="none" w="lg" len="lg"/>
+                </a:ln>
+              </p:spPr>
+              <p:style>
+                <a:lnRef idx="1">
+                  <a:schemeClr val="accent1"/>
+                </a:lnRef>
+                <a:fillRef idx="0">
+                  <a:schemeClr val="accent1"/>
+                </a:fillRef>
+                <a:effectRef idx="0">
+                  <a:schemeClr val="accent1"/>
+                </a:effectRef>
+                <a:fontRef idx="minor">
+                  <a:schemeClr val="tx1"/>
+                </a:fontRef>
+              </p:style>
+            </p:cxnSp>
+            <p:cxnSp>
+              <p:nvCxnSpPr>
+                <p:cNvPr id="14" name="Elbow Connector 13">
+                  <a:extLst>
+                    <a:ext uri="{FF2B5EF4-FFF2-40B4-BE49-F238E27FC236}">
+                      <a16:creationId xmlns:a16="http://schemas.microsoft.com/office/drawing/2014/main" id="{AB6D5349-0A19-CB2C-8D89-3621C25A49CD}"/>
+                    </a:ext>
+                  </a:extLst>
+                </p:cNvPr>
+                <p:cNvCxnSpPr>
+                  <a:cxnSpLocks/>
+                  <a:endCxn id="11" idx="2"/>
+                </p:cNvCxnSpPr>
+                <p:nvPr/>
+              </p:nvCxnSpPr>
+              <p:spPr>
+                <a:xfrm rot="5400000" flipH="1" flipV="1">
+                  <a:off x="5467227" y="4798268"/>
+                  <a:ext cx="396000" cy="0"/>
+                </a:xfrm>
+                <a:prstGeom prst="bentConnector3">
+                  <a:avLst>
+                    <a:gd name="adj1" fmla="val 50000"/>
+                  </a:avLst>
+                </a:prstGeom>
+                <a:ln w="50800">
+                  <a:headEnd type="none" w="lg" len="lg"/>
+                  <a:tailEnd type="triangle" w="lg" len="lg"/>
+                </a:ln>
+              </p:spPr>
+              <p:style>
+                <a:lnRef idx="1">
+                  <a:schemeClr val="accent1"/>
+                </a:lnRef>
+                <a:fillRef idx="0">
+                  <a:schemeClr val="accent1"/>
+                </a:fillRef>
+                <a:effectRef idx="0">
+                  <a:schemeClr val="accent1"/>
+                </a:effectRef>
+                <a:fontRef idx="minor">
+                  <a:schemeClr val="tx1"/>
+                </a:fontRef>
+              </p:style>
+            </p:cxnSp>
+          </p:grpSp>
+        </p:grpSp>
+        <p:cxnSp>
+          <p:nvCxnSpPr>
+            <p:cNvPr id="6" name="Elbow Connector 5">
+              <a:extLst>
+                <a:ext uri="{FF2B5EF4-FFF2-40B4-BE49-F238E27FC236}">
+                  <a16:creationId xmlns:a16="http://schemas.microsoft.com/office/drawing/2014/main" id="{63342EA5-2396-4D71-C850-C82CC7536BFE}"/>
+                </a:ext>
+              </a:extLst>
+            </p:cNvPr>
+            <p:cNvCxnSpPr>
+              <a:cxnSpLocks/>
+              <a:stCxn id="4" idx="2"/>
+              <a:endCxn id="10" idx="0"/>
+            </p:cNvCxnSpPr>
+            <p:nvPr/>
+          </p:nvCxnSpPr>
+          <p:spPr>
+            <a:xfrm rot="5400000">
+              <a:off x="2950251" y="2981277"/>
+              <a:ext cx="1984330" cy="1215903"/>
+            </a:xfrm>
+            <a:prstGeom prst="bentConnector3">
+              <a:avLst>
+                <a:gd name="adj1" fmla="val 24119"/>
+              </a:avLst>
+            </a:prstGeom>
+            <a:ln w="50800">
+              <a:solidFill>
+                <a:schemeClr val="accent6"/>
+              </a:solidFill>
+              <a:headEnd type="triangle" w="lg" len="lg"/>
+              <a:tailEnd type="triangle" w="lg" len="lg"/>
+            </a:ln>
+          </p:spPr>
+          <p:style>
+            <a:lnRef idx="1">
+              <a:schemeClr val="accent1"/>
+            </a:lnRef>
+            <a:fillRef idx="0">
+              <a:schemeClr val="accent1"/>
+            </a:fillRef>
+            <a:effectRef idx="0">
+              <a:schemeClr val="accent1"/>
+            </a:effectRef>
+            <a:fontRef idx="minor">
+              <a:schemeClr val="tx1"/>
+            </a:fontRef>
+          </p:style>
+        </p:cxnSp>
+        <p:sp>
+          <p:nvSpPr>
+            <p:cNvPr id="7" name="Rectangle 6">
+              <a:extLst>
+                <a:ext uri="{FF2B5EF4-FFF2-40B4-BE49-F238E27FC236}">
+                  <a16:creationId xmlns:a16="http://schemas.microsoft.com/office/drawing/2014/main" id="{3A70CDCA-B15E-BC9F-B9F5-AEDAFC2F8768}"/>
+                </a:ext>
+              </a:extLst>
+            </p:cNvPr>
+            <p:cNvSpPr/>
+            <p:nvPr/>
+          </p:nvSpPr>
+          <p:spPr>
+            <a:xfrm>
+              <a:off x="3309409" y="3020880"/>
+              <a:ext cx="1260000" cy="252000"/>
+            </a:xfrm>
+            <a:prstGeom prst="rect">
+              <a:avLst/>
+            </a:prstGeom>
+            <a:solidFill>
+              <a:schemeClr val="accent6"/>
+            </a:solidFill>
+            <a:ln>
+              <a:noFill/>
+            </a:ln>
+          </p:spPr>
+          <p:style>
+            <a:lnRef idx="2">
+              <a:schemeClr val="accent1">
+                <a:shade val="15000"/>
+              </a:schemeClr>
+            </a:lnRef>
+            <a:fillRef idx="1">
+              <a:schemeClr val="accent1"/>
+            </a:fillRef>
+            <a:effectRef idx="0">
+              <a:schemeClr val="accent1"/>
+            </a:effectRef>
+            <a:fontRef idx="minor">
+              <a:schemeClr val="lt1"/>
+            </a:fontRef>
+          </p:style>
+          <p:txBody>
+            <a:bodyPr rtlCol="0" anchor="ctr"/>
+            <a:lstStyle/>
+            <a:p>
+              <a:pPr algn="ctr"/>
+              <a:r>
+                <a:rPr lang="en-GB" dirty="0"/>
+                <a:t>internet</a:t>
+              </a:r>
+            </a:p>
+          </p:txBody>
+        </p:sp>
+      </p:grpSp>
+    </p:spTree>
+    <p:extLst>
+      <p:ext uri="{BB962C8B-B14F-4D97-AF65-F5344CB8AC3E}">
+        <p14:creationId xmlns:p14="http://schemas.microsoft.com/office/powerpoint/2010/main" val="532717925"/>
+      </p:ext>
+    </p:extLst>
+  </p:cSld>
+  <p:clrMapOvr>
+    <a:masterClrMapping/>
+  </p:clrMapOvr>
+</p:sld>
+</file>
+
+<file path=ppt/slides/slide3.xml><?xml version="1.0" encoding="utf-8"?>
+<p:sld xmlns:a="http://schemas.openxmlformats.org/drawingml/2006/main" xmlns:r="http://schemas.openxmlformats.org/officeDocument/2006/relationships" xmlns:p="http://schemas.openxmlformats.org/presentationml/2006/main">
+  <p:cSld>
+    <p:spTree>
+      <p:nvGrpSpPr>
+        <p:cNvPr id="1" name=""/>
+        <p:cNvGrpSpPr/>
+        <p:nvPr/>
+      </p:nvGrpSpPr>
+      <p:grpSpPr>
+        <a:xfrm>
+          <a:off x="0" y="0"/>
+          <a:ext cx="0" cy="0"/>
+          <a:chOff x="0" y="0"/>
+          <a:chExt cx="0" cy="0"/>
+        </a:xfrm>
+      </p:grpSpPr>
       <p:pic>
         <p:nvPicPr>
           <p:cNvPr id="2" name="Picture 1">
@@ -16302,7 +21328,7 @@
 </p:sld>
 </file>
 
-<file path=ppt/slides/slide3.xml><?xml version="1.0" encoding="utf-8"?>
+<file path=ppt/slides/slide4.xml><?xml version="1.0" encoding="utf-8"?>
 <p:sld xmlns:a="http://schemas.openxmlformats.org/drawingml/2006/main" xmlns:r="http://schemas.openxmlformats.org/officeDocument/2006/relationships" xmlns:p="http://schemas.openxmlformats.org/presentationml/2006/main">
   <p:cSld>
     <p:spTree>
@@ -18251,7 +23277,7 @@
 </p:sld>
 </file>
 
-<file path=ppt/slides/slide4.xml><?xml version="1.0" encoding="utf-8"?>
+<file path=ppt/slides/slide5.xml><?xml version="1.0" encoding="utf-8"?>
 <p:sld xmlns:a="http://schemas.openxmlformats.org/drawingml/2006/main" xmlns:r="http://schemas.openxmlformats.org/officeDocument/2006/relationships" xmlns:p="http://schemas.openxmlformats.org/presentationml/2006/main">
   <p:cSld>
     <p:spTree>
@@ -18337,7 +23363,7 @@
               <a:effectLst/>
               <a:extLst>
                 <a:ext uri="{AF507438-7753-43e0-B8FC-AC1667EBCBE1}">
-                  <a14:hiddenEffects xmlns="" xmlns:a14="http://schemas.microsoft.com/office/drawing/2010/main">
+                  <a14:hiddenEffects xmlns:a14="http://schemas.microsoft.com/office/drawing/2010/main" xmlns="">
                     <a:effectLst>
                       <a:outerShdw blurRad="63500" dist="38099" dir="2700000" algn="ctr" rotWithShape="0">
                         <a:schemeClr val="bg2">
@@ -18379,7 +23405,7 @@
               <a:effectLst/>
               <a:extLst>
                 <a:ext uri="{AF507438-7753-43e0-B8FC-AC1667EBCBE1}">
-                  <a14:hiddenEffects xmlns="" xmlns:a14="http://schemas.microsoft.com/office/drawing/2010/main">
+                  <a14:hiddenEffects xmlns:a14="http://schemas.microsoft.com/office/drawing/2010/main" xmlns="">
                     <a:effectLst>
                       <a:outerShdw blurRad="63500" dist="38099" dir="2700000" algn="ctr" rotWithShape="0">
                         <a:schemeClr val="bg2">
@@ -18421,7 +23447,7 @@
               <a:effectLst/>
               <a:extLst>
                 <a:ext uri="{AF507438-7753-43e0-B8FC-AC1667EBCBE1}">
-                  <a14:hiddenEffects xmlns="" xmlns:a14="http://schemas.microsoft.com/office/drawing/2010/main">
+                  <a14:hiddenEffects xmlns:a14="http://schemas.microsoft.com/office/drawing/2010/main" xmlns="">
                     <a:effectLst>
                       <a:outerShdw blurRad="63500" dist="38099" dir="2700000" algn="ctr" rotWithShape="0">
                         <a:schemeClr val="bg2">
@@ -18463,7 +23489,7 @@
               <a:effectLst/>
               <a:extLst>
                 <a:ext uri="{AF507438-7753-43e0-B8FC-AC1667EBCBE1}">
-                  <a14:hiddenEffects xmlns="" xmlns:a14="http://schemas.microsoft.com/office/drawing/2010/main">
+                  <a14:hiddenEffects xmlns:a14="http://schemas.microsoft.com/office/drawing/2010/main" xmlns="">
                     <a:effectLst>
                       <a:outerShdw blurRad="63500" dist="38099" dir="2700000" algn="ctr" rotWithShape="0">
                         <a:schemeClr val="bg2">
@@ -18830,7 +23856,7 @@
               <a:effectLst/>
               <a:extLst>
                 <a:ext uri="{AF507438-7753-43e0-B8FC-AC1667EBCBE1}">
-                  <a14:hiddenEffects xmlns="" xmlns:a14="http://schemas.microsoft.com/office/drawing/2010/main">
+                  <a14:hiddenEffects xmlns:a14="http://schemas.microsoft.com/office/drawing/2010/main" xmlns="">
                     <a:effectLst>
                       <a:outerShdw blurRad="63500" dist="38099" dir="2700000" algn="ctr" rotWithShape="0">
                         <a:schemeClr val="bg2">
@@ -19218,7 +24244,7 @@
 </p:sld>
 </file>
 
-<file path=ppt/slides/slide5.xml><?xml version="1.0" encoding="utf-8"?>
+<file path=ppt/slides/slide6.xml><?xml version="1.0" encoding="utf-8"?>
 <p:sld xmlns:a="http://schemas.openxmlformats.org/drawingml/2006/main" xmlns:r="http://schemas.openxmlformats.org/officeDocument/2006/relationships" xmlns:p="http://schemas.openxmlformats.org/presentationml/2006/main">
   <p:cSld>
     <p:spTree>
@@ -19349,7 +24375,7 @@
 </p:sld>
 </file>
 
-<file path=ppt/slides/slide6.xml><?xml version="1.0" encoding="utf-8"?>
+<file path=ppt/slides/slide7.xml><?xml version="1.0" encoding="utf-8"?>
 <p:sld xmlns:a="http://schemas.openxmlformats.org/drawingml/2006/main" xmlns:r="http://schemas.openxmlformats.org/officeDocument/2006/relationships" xmlns:p="http://schemas.openxmlformats.org/presentationml/2006/main">
   <p:cSld>
     <p:spTree>
@@ -21614,14 +26640,14 @@
           <a:effectLst/>
           <a:extLst>
             <a:ext uri="{909E8E84-426E-40dd-AFC4-6F175D3DCCD1}">
-              <a14:hiddenFill xmlns="" xmlns:a14="http://schemas.microsoft.com/office/drawing/2010/main">
+              <a14:hiddenFill xmlns:a14="http://schemas.microsoft.com/office/drawing/2010/main" xmlns="">
                 <a:solidFill>
                   <a:schemeClr val="accent1"/>
                 </a:solidFill>
               </a14:hiddenFill>
             </a:ext>
             <a:ext uri="{91240B29-F687-4f45-9708-019B960494DF}">
-              <a14:hiddenLine xmlns="" xmlns:a14="http://schemas.microsoft.com/office/drawing/2010/main" w="9525">
+              <a14:hiddenLine xmlns:a14="http://schemas.microsoft.com/office/drawing/2010/main" xmlns="" w="9525">
                 <a:solidFill>
                   <a:schemeClr val="tx1"/>
                 </a:solidFill>
@@ -21631,7 +26657,7 @@
               </a14:hiddenLine>
             </a:ext>
             <a:ext uri="{AF507438-7753-43e0-B8FC-AC1667EBCBE1}">
-              <a14:hiddenEffects xmlns="" xmlns:a14="http://schemas.microsoft.com/office/drawing/2010/main">
+              <a14:hiddenEffects xmlns:a14="http://schemas.microsoft.com/office/drawing/2010/main" xmlns="">
                 <a:effectLst>
                   <a:outerShdw blurRad="63500" dist="38099" dir="2700000" algn="ctr" rotWithShape="0">
                     <a:schemeClr val="bg2">
@@ -21642,7 +26668,7 @@
               </a14:hiddenEffects>
             </a:ext>
             <a:ext uri="{FAA26D3D-D897-4be2-8F04-BA451C77F1D7}">
-              <ma14:placeholderFlag xmlns="" xmlns:ma14="http://schemas.microsoft.com/office/mac/drawingml/2011/main" val="1"/>
+              <ma14:placeholderFlag xmlns:ma14="http://schemas.microsoft.com/office/mac/drawingml/2011/main" xmlns="" val="1"/>
             </a:ext>
           </a:extLst>
         </p:spPr>
@@ -23359,7 +28385,7 @@
 </p:sld>
 </file>
 
-<file path=ppt/slides/slide7.xml><?xml version="1.0" encoding="utf-8"?>
+<file path=ppt/slides/slide8.xml><?xml version="1.0" encoding="utf-8"?>
 <p:sld xmlns:a="http://schemas.openxmlformats.org/drawingml/2006/main" xmlns:r="http://schemas.openxmlformats.org/officeDocument/2006/relationships" xmlns:p="http://schemas.openxmlformats.org/presentationml/2006/main">
   <p:cSld>
     <p:spTree>
@@ -26662,7 +31688,7 @@
 </p:sld>
 </file>
 
-<file path=ppt/slides/slide8.xml><?xml version="1.0" encoding="utf-8"?>
+<file path=ppt/slides/slide9.xml><?xml version="1.0" encoding="utf-8"?>
 <p:sld xmlns:a="http://schemas.openxmlformats.org/drawingml/2006/main" xmlns:r="http://schemas.openxmlformats.org/officeDocument/2006/relationships" xmlns:p="http://schemas.openxmlformats.org/presentationml/2006/main">
   <p:cSld>
     <p:spTree>
@@ -30186,3752 +35212,6 @@
     <p:extLst>
       <p:ext uri="{BB962C8B-B14F-4D97-AF65-F5344CB8AC3E}">
         <p14:creationId xmlns:p14="http://schemas.microsoft.com/office/powerpoint/2010/main" val="322384735"/>
-      </p:ext>
-    </p:extLst>
-  </p:cSld>
-  <p:clrMapOvr>
-    <a:masterClrMapping/>
-  </p:clrMapOvr>
-</p:sld>
-</file>
-
-<file path=ppt/slides/slide9.xml><?xml version="1.0" encoding="utf-8"?>
-<p:sld xmlns:a="http://schemas.openxmlformats.org/drawingml/2006/main" xmlns:r="http://schemas.openxmlformats.org/officeDocument/2006/relationships" xmlns:p="http://schemas.openxmlformats.org/presentationml/2006/main">
-  <p:cSld>
-    <p:spTree>
-      <p:nvGrpSpPr>
-        <p:cNvPr id="1" name=""/>
-        <p:cNvGrpSpPr/>
-        <p:nvPr/>
-      </p:nvGrpSpPr>
-      <p:grpSpPr>
-        <a:xfrm>
-          <a:off x="0" y="0"/>
-          <a:ext cx="0" cy="0"/>
-          <a:chOff x="0" y="0"/>
-          <a:chExt cx="0" cy="0"/>
-        </a:xfrm>
-      </p:grpSpPr>
-      <p:graphicFrame>
-        <p:nvGraphicFramePr>
-          <p:cNvPr id="6" name="Content Placeholder 5"/>
-          <p:cNvGraphicFramePr>
-            <a:graphicFrameLocks noGrp="1"/>
-          </p:cNvGraphicFramePr>
-          <p:nvPr>
-            <p:ph idx="1"/>
-            <p:extLst>
-              <p:ext uri="{D42A27DB-BD31-4B8C-83A1-F6EECF244321}">
-                <p14:modId xmlns:p14="http://schemas.microsoft.com/office/powerpoint/2010/main" val="3802349619"/>
-              </p:ext>
-            </p:extLst>
-          </p:nvPr>
-        </p:nvGraphicFramePr>
-        <p:xfrm>
-          <a:off x="2639617" y="1556792"/>
-          <a:ext cx="7200795" cy="5147360"/>
-        </p:xfrm>
-        <a:graphic>
-          <a:graphicData uri="http://schemas.openxmlformats.org/drawingml/2006/table">
-            <a:tbl>
-              <a:tblPr firstRow="1" bandRow="1">
-                <a:tableStyleId>{46F890A9-2807-4EBB-B81D-B2AA78EC7F39}</a:tableStyleId>
-              </a:tblPr>
-              <a:tblGrid>
-                <a:gridCol w="621069">
-                  <a:extLst>
-                    <a:ext uri="{9D8B030D-6E8A-4147-A177-3AD203B41FA5}">
-                      <a16:colId xmlns:a16="http://schemas.microsoft.com/office/drawing/2014/main" val="20000"/>
-                    </a:ext>
-                  </a:extLst>
-                </a:gridCol>
-                <a:gridCol w="621069">
-                  <a:extLst>
-                    <a:ext uri="{9D8B030D-6E8A-4147-A177-3AD203B41FA5}">
-                      <a16:colId xmlns:a16="http://schemas.microsoft.com/office/drawing/2014/main" val="20001"/>
-                    </a:ext>
-                  </a:extLst>
-                </a:gridCol>
-                <a:gridCol w="621069">
-                  <a:extLst>
-                    <a:ext uri="{9D8B030D-6E8A-4147-A177-3AD203B41FA5}">
-                      <a16:colId xmlns:a16="http://schemas.microsoft.com/office/drawing/2014/main" val="20002"/>
-                    </a:ext>
-                  </a:extLst>
-                </a:gridCol>
-                <a:gridCol w="621069">
-                  <a:extLst>
-                    <a:ext uri="{9D8B030D-6E8A-4147-A177-3AD203B41FA5}">
-                      <a16:colId xmlns:a16="http://schemas.microsoft.com/office/drawing/2014/main" val="20003"/>
-                    </a:ext>
-                  </a:extLst>
-                </a:gridCol>
-                <a:gridCol w="621069">
-                  <a:extLst>
-                    <a:ext uri="{9D8B030D-6E8A-4147-A177-3AD203B41FA5}">
-                      <a16:colId xmlns:a16="http://schemas.microsoft.com/office/drawing/2014/main" val="20004"/>
-                    </a:ext>
-                  </a:extLst>
-                </a:gridCol>
-                <a:gridCol w="621069">
-                  <a:extLst>
-                    <a:ext uri="{9D8B030D-6E8A-4147-A177-3AD203B41FA5}">
-                      <a16:colId xmlns:a16="http://schemas.microsoft.com/office/drawing/2014/main" val="20005"/>
-                    </a:ext>
-                  </a:extLst>
-                </a:gridCol>
-                <a:gridCol w="621069">
-                  <a:extLst>
-                    <a:ext uri="{9D8B030D-6E8A-4147-A177-3AD203B41FA5}">
-                      <a16:colId xmlns:a16="http://schemas.microsoft.com/office/drawing/2014/main" val="20006"/>
-                    </a:ext>
-                  </a:extLst>
-                </a:gridCol>
-                <a:gridCol w="621069">
-                  <a:extLst>
-                    <a:ext uri="{9D8B030D-6E8A-4147-A177-3AD203B41FA5}">
-                      <a16:colId xmlns:a16="http://schemas.microsoft.com/office/drawing/2014/main" val="20007"/>
-                    </a:ext>
-                  </a:extLst>
-                </a:gridCol>
-                <a:gridCol w="2232243">
-                  <a:extLst>
-                    <a:ext uri="{9D8B030D-6E8A-4147-A177-3AD203B41FA5}">
-                      <a16:colId xmlns:a16="http://schemas.microsoft.com/office/drawing/2014/main" val="20008"/>
-                    </a:ext>
-                  </a:extLst>
-                </a:gridCol>
-              </a:tblGrid>
-              <a:tr h="369100">
-                <a:tc>
-                  <a:txBody>
-                    <a:bodyPr/>
-                    <a:lstStyle/>
-                    <a:p>
-                      <a:pPr algn="ctr"/>
-                      <a:r>
-                        <a:rPr lang="en-US" b="0" i="1" dirty="0" err="1">
-                          <a:solidFill>
-                            <a:srgbClr val="003D62"/>
-                          </a:solidFill>
-                        </a:rPr>
-                        <a:t>E</a:t>
-                      </a:r>
-                      <a:r>
-                        <a:rPr lang="en-US" b="0" i="1" baseline="-25000" dirty="0" err="1">
-                          <a:solidFill>
-                            <a:srgbClr val="003D62"/>
-                          </a:solidFill>
-                        </a:rPr>
-                        <a:t>ij</a:t>
-                      </a:r>
-                      <a:endParaRPr lang="en-US" b="0" i="1" baseline="-25000" dirty="0">
-                        <a:solidFill>
-                          <a:srgbClr val="003D62"/>
-                        </a:solidFill>
-                      </a:endParaRPr>
-                    </a:p>
-                  </a:txBody>
-                  <a:tcPr>
-                    <a:noFill/>
-                  </a:tcPr>
-                </a:tc>
-                <a:tc>
-                  <a:txBody>
-                    <a:bodyPr/>
-                    <a:lstStyle/>
-                    <a:p>
-                      <a:pPr algn="ctr"/>
-                      <a:r>
-                        <a:rPr lang="en-US" b="0" dirty="0">
-                          <a:solidFill>
-                            <a:srgbClr val="003D62"/>
-                          </a:solidFill>
-                        </a:rPr>
-                        <a:t>0</a:t>
-                      </a:r>
-                    </a:p>
-                  </a:txBody>
-                  <a:tcPr>
-                    <a:noFill/>
-                  </a:tcPr>
-                </a:tc>
-                <a:tc>
-                  <a:txBody>
-                    <a:bodyPr/>
-                    <a:lstStyle/>
-                    <a:p>
-                      <a:pPr algn="ctr"/>
-                      <a:r>
-                        <a:rPr lang="en-US" b="0" dirty="0">
-                          <a:solidFill>
-                            <a:srgbClr val="003D62"/>
-                          </a:solidFill>
-                        </a:rPr>
-                        <a:t>1</a:t>
-                      </a:r>
-                    </a:p>
-                  </a:txBody>
-                  <a:tcPr>
-                    <a:noFill/>
-                  </a:tcPr>
-                </a:tc>
-                <a:tc>
-                  <a:txBody>
-                    <a:bodyPr/>
-                    <a:lstStyle/>
-                    <a:p>
-                      <a:pPr algn="ctr"/>
-                      <a:r>
-                        <a:rPr lang="en-US" b="0" dirty="0">
-                          <a:solidFill>
-                            <a:srgbClr val="003D62"/>
-                          </a:solidFill>
-                        </a:rPr>
-                        <a:t>2</a:t>
-                      </a:r>
-                    </a:p>
-                  </a:txBody>
-                  <a:tcPr>
-                    <a:noFill/>
-                  </a:tcPr>
-                </a:tc>
-                <a:tc>
-                  <a:txBody>
-                    <a:bodyPr/>
-                    <a:lstStyle/>
-                    <a:p>
-                      <a:pPr algn="ctr"/>
-                      <a:r>
-                        <a:rPr lang="en-US" b="0" dirty="0">
-                          <a:solidFill>
-                            <a:srgbClr val="003D62"/>
-                          </a:solidFill>
-                        </a:rPr>
-                        <a:t>3</a:t>
-                      </a:r>
-                    </a:p>
-                  </a:txBody>
-                  <a:tcPr>
-                    <a:noFill/>
-                  </a:tcPr>
-                </a:tc>
-                <a:tc>
-                  <a:txBody>
-                    <a:bodyPr/>
-                    <a:lstStyle/>
-                    <a:p>
-                      <a:pPr algn="ctr"/>
-                      <a:r>
-                        <a:rPr lang="en-US" b="0" dirty="0">
-                          <a:solidFill>
-                            <a:srgbClr val="003D62"/>
-                          </a:solidFill>
-                        </a:rPr>
-                        <a:t>4</a:t>
-                      </a:r>
-                    </a:p>
-                  </a:txBody>
-                  <a:tcPr>
-                    <a:noFill/>
-                  </a:tcPr>
-                </a:tc>
-                <a:tc>
-                  <a:txBody>
-                    <a:bodyPr/>
-                    <a:lstStyle/>
-                    <a:p>
-                      <a:pPr algn="ctr"/>
-                      <a:r>
-                        <a:rPr lang="en-US" b="0" dirty="0">
-                          <a:solidFill>
-                            <a:srgbClr val="003D62"/>
-                          </a:solidFill>
-                        </a:rPr>
-                        <a:t>5</a:t>
-                      </a:r>
-                    </a:p>
-                  </a:txBody>
-                  <a:tcPr>
-                    <a:noFill/>
-                  </a:tcPr>
-                </a:tc>
-                <a:tc>
-                  <a:txBody>
-                    <a:bodyPr/>
-                    <a:lstStyle/>
-                    <a:p>
-                      <a:pPr algn="ctr"/>
-                      <a:r>
-                        <a:rPr lang="en-US" b="0" dirty="0">
-                          <a:solidFill>
-                            <a:srgbClr val="003D62"/>
-                          </a:solidFill>
-                        </a:rPr>
-                        <a:t>6</a:t>
-                      </a:r>
-                    </a:p>
-                  </a:txBody>
-                  <a:tcPr>
-                    <a:noFill/>
-                  </a:tcPr>
-                </a:tc>
-                <a:tc>
-                  <a:txBody>
-                    <a:bodyPr/>
-                    <a:lstStyle/>
-                    <a:p>
-                      <a:pPr algn="ctr"/>
-                      <a:r>
-                        <a:rPr lang="en-US" b="0" i="1" dirty="0" err="1">
-                          <a:solidFill>
-                            <a:srgbClr val="003D62"/>
-                          </a:solidFill>
-                        </a:rPr>
-                        <a:t>E</a:t>
-                      </a:r>
-                      <a:r>
-                        <a:rPr lang="en-US" b="0" i="1" baseline="-25000" dirty="0" err="1">
-                          <a:solidFill>
-                            <a:srgbClr val="003D62"/>
-                          </a:solidFill>
-                        </a:rPr>
-                        <a:t>row</a:t>
-                      </a:r>
-                      <a:endParaRPr lang="en-US" b="0" i="1" baseline="-25000" dirty="0">
-                        <a:solidFill>
-                          <a:srgbClr val="003D62"/>
-                        </a:solidFill>
-                      </a:endParaRPr>
-                    </a:p>
-                  </a:txBody>
-                  <a:tcPr>
-                    <a:lnB w="12700" cap="flat" cmpd="sng" algn="ctr">
-                      <a:solidFill>
-                        <a:scrgbClr r="0" g="0" b="0"/>
-                      </a:solidFill>
-                      <a:prstDash val="solid"/>
-                      <a:round/>
-                      <a:headEnd type="none" w="med" len="med"/>
-                      <a:tailEnd type="none" w="med" len="med"/>
-                    </a:lnB>
-                    <a:noFill/>
-                  </a:tcPr>
-                </a:tc>
-                <a:extLst>
-                  <a:ext uri="{0D108BD9-81ED-4DB2-BD59-A6C34878D82A}">
-                    <a16:rowId xmlns:a16="http://schemas.microsoft.com/office/drawing/2014/main" val="10000"/>
-                  </a:ext>
-                </a:extLst>
-              </a:tr>
-              <a:tr h="369100">
-                <a:tc>
-                  <a:txBody>
-                    <a:bodyPr/>
-                    <a:lstStyle/>
-                    <a:p>
-                      <a:pPr algn="ctr"/>
-                      <a:r>
-                        <a:rPr lang="en-US" dirty="0">
-                          <a:solidFill>
-                            <a:srgbClr val="003D62"/>
-                          </a:solidFill>
-                        </a:rPr>
-                        <a:t>0</a:t>
-                      </a:r>
-                    </a:p>
-                  </a:txBody>
-                  <a:tcPr>
-                    <a:noFill/>
-                  </a:tcPr>
-                </a:tc>
-                <a:tc>
-                  <a:txBody>
-                    <a:bodyPr/>
-                    <a:lstStyle/>
-                    <a:p>
-                      <a:pPr algn="ctr"/>
-                      <a:endParaRPr lang="en-US" dirty="0"/>
-                    </a:p>
-                  </a:txBody>
-                  <a:tcPr>
-                    <a:lnB w="12700" cap="flat" cmpd="sng" algn="ctr">
-                      <a:solidFill>
-                        <a:scrgbClr r="0" g="0" b="0"/>
-                      </a:solidFill>
-                      <a:prstDash val="solid"/>
-                      <a:round/>
-                      <a:headEnd type="none" w="med" len="med"/>
-                      <a:tailEnd type="none" w="med" len="med"/>
-                    </a:lnB>
-                    <a:solidFill>
-                      <a:schemeClr val="bg2"/>
-                    </a:solidFill>
-                  </a:tcPr>
-                </a:tc>
-                <a:tc>
-                  <a:txBody>
-                    <a:bodyPr/>
-                    <a:lstStyle/>
-                    <a:p>
-                      <a:pPr algn="ctr"/>
-                      <a:endParaRPr lang="en-US" dirty="0"/>
-                    </a:p>
-                  </a:txBody>
-                  <a:tcPr>
-                    <a:solidFill>
-                      <a:schemeClr val="bg2"/>
-                    </a:solidFill>
-                  </a:tcPr>
-                </a:tc>
-                <a:tc>
-                  <a:txBody>
-                    <a:bodyPr/>
-                    <a:lstStyle/>
-                    <a:p>
-                      <a:pPr algn="ctr"/>
-                      <a:endParaRPr lang="en-US" dirty="0"/>
-                    </a:p>
-                  </a:txBody>
-                  <a:tcPr>
-                    <a:solidFill>
-                      <a:schemeClr val="bg2"/>
-                    </a:solidFill>
-                  </a:tcPr>
-                </a:tc>
-                <a:tc>
-                  <a:txBody>
-                    <a:bodyPr/>
-                    <a:lstStyle/>
-                    <a:p>
-                      <a:pPr algn="ctr"/>
-                      <a:endParaRPr lang="en-US" dirty="0"/>
-                    </a:p>
-                  </a:txBody>
-                  <a:tcPr>
-                    <a:solidFill>
-                      <a:schemeClr val="bg2"/>
-                    </a:solidFill>
-                  </a:tcPr>
-                </a:tc>
-                <a:tc>
-                  <a:txBody>
-                    <a:bodyPr/>
-                    <a:lstStyle/>
-                    <a:p>
-                      <a:pPr algn="ctr"/>
-                      <a:endParaRPr lang="en-US" dirty="0"/>
-                    </a:p>
-                  </a:txBody>
-                  <a:tcPr>
-                    <a:solidFill>
-                      <a:schemeClr val="bg2"/>
-                    </a:solidFill>
-                  </a:tcPr>
-                </a:tc>
-                <a:tc>
-                  <a:txBody>
-                    <a:bodyPr/>
-                    <a:lstStyle/>
-                    <a:p>
-                      <a:pPr algn="ctr"/>
-                      <a:endParaRPr lang="en-US" dirty="0"/>
-                    </a:p>
-                  </a:txBody>
-                  <a:tcPr>
-                    <a:solidFill>
-                      <a:schemeClr val="bg2"/>
-                    </a:solidFill>
-                  </a:tcPr>
-                </a:tc>
-                <a:tc>
-                  <a:txBody>
-                    <a:bodyPr/>
-                    <a:lstStyle/>
-                    <a:p>
-                      <a:pPr algn="ctr"/>
-                      <a:endParaRPr lang="en-US" dirty="0"/>
-                    </a:p>
-                  </a:txBody>
-                  <a:tcPr>
-                    <a:lnR w="12700" cap="flat" cmpd="sng" algn="ctr">
-                      <a:solidFill>
-                        <a:scrgbClr r="0" g="0" b="0"/>
-                      </a:solidFill>
-                      <a:prstDash val="solid"/>
-                      <a:round/>
-                      <a:headEnd type="none" w="med" len="med"/>
-                      <a:tailEnd type="none" w="med" len="med"/>
-                    </a:lnR>
-                    <a:solidFill>
-                      <a:schemeClr val="bg2"/>
-                    </a:solidFill>
-                  </a:tcPr>
-                </a:tc>
-                <a:tc>
-                  <a:txBody>
-                    <a:bodyPr/>
-                    <a:lstStyle/>
-                    <a:p>
-                      <a:pPr algn="ctr"/>
-                      <a:endParaRPr lang="en-US" dirty="0"/>
-                    </a:p>
-                  </a:txBody>
-                  <a:tcPr>
-                    <a:lnL w="12700" cap="flat" cmpd="sng" algn="ctr">
-                      <a:solidFill>
-                        <a:scrgbClr r="0" g="0" b="0"/>
-                      </a:solidFill>
-                      <a:prstDash val="solid"/>
-                      <a:round/>
-                      <a:headEnd type="none" w="med" len="med"/>
-                      <a:tailEnd type="none" w="med" len="med"/>
-                    </a:lnL>
-                    <a:lnR w="12700" cap="flat" cmpd="sng" algn="ctr">
-                      <a:solidFill>
-                        <a:scrgbClr r="0" g="0" b="0"/>
-                      </a:solidFill>
-                      <a:prstDash val="solid"/>
-                      <a:round/>
-                      <a:headEnd type="none" w="med" len="med"/>
-                      <a:tailEnd type="none" w="med" len="med"/>
-                    </a:lnR>
-                    <a:lnT w="12700" cap="flat" cmpd="sng" algn="ctr">
-                      <a:solidFill>
-                        <a:scrgbClr r="0" g="0" b="0"/>
-                      </a:solidFill>
-                      <a:prstDash val="solid"/>
-                      <a:round/>
-                      <a:headEnd type="none" w="med" len="med"/>
-                      <a:tailEnd type="none" w="med" len="med"/>
-                    </a:lnT>
-                    <a:lnB w="12700" cap="flat" cmpd="sng" algn="ctr">
-                      <a:solidFill>
-                        <a:scrgbClr r="0" g="0" b="0"/>
-                      </a:solidFill>
-                      <a:prstDash val="solid"/>
-                      <a:round/>
-                      <a:headEnd type="none" w="med" len="med"/>
-                      <a:tailEnd type="none" w="med" len="med"/>
-                    </a:lnB>
-                    <a:solidFill>
-                      <a:schemeClr val="bg2"/>
-                    </a:solidFill>
-                  </a:tcPr>
-                </a:tc>
-                <a:extLst>
-                  <a:ext uri="{0D108BD9-81ED-4DB2-BD59-A6C34878D82A}">
-                    <a16:rowId xmlns:a16="http://schemas.microsoft.com/office/drawing/2014/main" val="10001"/>
-                  </a:ext>
-                </a:extLst>
-              </a:tr>
-              <a:tr h="369100">
-                <a:tc>
-                  <a:txBody>
-                    <a:bodyPr/>
-                    <a:lstStyle/>
-                    <a:p>
-                      <a:pPr algn="ctr"/>
-                      <a:r>
-                        <a:rPr lang="en-US" dirty="0">
-                          <a:solidFill>
-                            <a:srgbClr val="003D62"/>
-                          </a:solidFill>
-                        </a:rPr>
-                        <a:t>1</a:t>
-                      </a:r>
-                    </a:p>
-                  </a:txBody>
-                  <a:tcPr>
-                    <a:lnR w="12700" cap="flat" cmpd="sng" algn="ctr">
-                      <a:solidFill>
-                        <a:scrgbClr r="0" g="0" b="0"/>
-                      </a:solidFill>
-                      <a:prstDash val="solid"/>
-                      <a:round/>
-                      <a:headEnd type="none" w="med" len="med"/>
-                      <a:tailEnd type="none" w="med" len="med"/>
-                    </a:lnR>
-                    <a:noFill/>
-                  </a:tcPr>
-                </a:tc>
-                <a:tc>
-                  <a:txBody>
-                    <a:bodyPr/>
-                    <a:lstStyle/>
-                    <a:p>
-                      <a:pPr algn="ctr"/>
-                      <a:r>
-                        <a:rPr lang="en-US" dirty="0"/>
-                        <a:t>0</a:t>
-                      </a:r>
-                    </a:p>
-                  </a:txBody>
-                  <a:tcPr>
-                    <a:lnL w="12700" cap="flat" cmpd="sng" algn="ctr">
-                      <a:solidFill>
-                        <a:scrgbClr r="0" g="0" b="0"/>
-                      </a:solidFill>
-                      <a:prstDash val="solid"/>
-                      <a:round/>
-                      <a:headEnd type="none" w="med" len="med"/>
-                      <a:tailEnd type="none" w="med" len="med"/>
-                    </a:lnL>
-                    <a:lnR w="12700" cap="flat" cmpd="sng" algn="ctr">
-                      <a:solidFill>
-                        <a:scrgbClr r="0" g="0" b="0"/>
-                      </a:solidFill>
-                      <a:prstDash val="solid"/>
-                      <a:round/>
-                      <a:headEnd type="none" w="med" len="med"/>
-                      <a:tailEnd type="none" w="med" len="med"/>
-                    </a:lnR>
-                    <a:lnT w="12700" cap="flat" cmpd="sng" algn="ctr">
-                      <a:solidFill>
-                        <a:scrgbClr r="0" g="0" b="0"/>
-                      </a:solidFill>
-                      <a:prstDash val="solid"/>
-                      <a:round/>
-                      <a:headEnd type="none" w="med" len="med"/>
-                      <a:tailEnd type="none" w="med" len="med"/>
-                    </a:lnT>
-                    <a:lnB w="12700" cap="flat" cmpd="sng" algn="ctr">
-                      <a:solidFill>
-                        <a:scrgbClr r="0" g="0" b="0"/>
-                      </a:solidFill>
-                      <a:prstDash val="solid"/>
-                      <a:round/>
-                      <a:headEnd type="none" w="med" len="med"/>
-                      <a:tailEnd type="none" w="med" len="med"/>
-                    </a:lnB>
-                    <a:solidFill>
-                      <a:srgbClr val="A6A6A6"/>
-                    </a:solidFill>
-                  </a:tcPr>
-                </a:tc>
-                <a:tc>
-                  <a:txBody>
-                    <a:bodyPr/>
-                    <a:lstStyle/>
-                    <a:p>
-                      <a:pPr algn="ctr"/>
-                      <a:endParaRPr lang="en-US" dirty="0"/>
-                    </a:p>
-                  </a:txBody>
-                  <a:tcPr>
-                    <a:lnL w="12700" cap="flat" cmpd="sng" algn="ctr">
-                      <a:solidFill>
-                        <a:scrgbClr r="0" g="0" b="0"/>
-                      </a:solidFill>
-                      <a:prstDash val="solid"/>
-                      <a:round/>
-                      <a:headEnd type="none" w="med" len="med"/>
-                      <a:tailEnd type="none" w="med" len="med"/>
-                    </a:lnL>
-                    <a:lnB w="12700" cap="flat" cmpd="sng" algn="ctr">
-                      <a:solidFill>
-                        <a:scrgbClr r="0" g="0" b="0"/>
-                      </a:solidFill>
-                      <a:prstDash val="solid"/>
-                      <a:round/>
-                      <a:headEnd type="none" w="med" len="med"/>
-                      <a:tailEnd type="none" w="med" len="med"/>
-                    </a:lnB>
-                    <a:solidFill>
-                      <a:srgbClr val="DDDDDD"/>
-                    </a:solidFill>
-                  </a:tcPr>
-                </a:tc>
-                <a:tc>
-                  <a:txBody>
-                    <a:bodyPr/>
-                    <a:lstStyle/>
-                    <a:p>
-                      <a:pPr algn="ctr"/>
-                      <a:endParaRPr lang="en-US" dirty="0"/>
-                    </a:p>
-                  </a:txBody>
-                  <a:tcPr>
-                    <a:solidFill>
-                      <a:srgbClr val="DDDDDD"/>
-                    </a:solidFill>
-                  </a:tcPr>
-                </a:tc>
-                <a:tc>
-                  <a:txBody>
-                    <a:bodyPr/>
-                    <a:lstStyle/>
-                    <a:p>
-                      <a:pPr algn="ctr"/>
-                      <a:endParaRPr lang="en-US" dirty="0"/>
-                    </a:p>
-                  </a:txBody>
-                  <a:tcPr>
-                    <a:solidFill>
-                      <a:srgbClr val="DDDDDD"/>
-                    </a:solidFill>
-                  </a:tcPr>
-                </a:tc>
-                <a:tc>
-                  <a:txBody>
-                    <a:bodyPr/>
-                    <a:lstStyle/>
-                    <a:p>
-                      <a:pPr algn="ctr"/>
-                      <a:endParaRPr lang="en-US" dirty="0"/>
-                    </a:p>
-                  </a:txBody>
-                  <a:tcPr>
-                    <a:solidFill>
-                      <a:srgbClr val="DDDDDD"/>
-                    </a:solidFill>
-                  </a:tcPr>
-                </a:tc>
-                <a:tc>
-                  <a:txBody>
-                    <a:bodyPr/>
-                    <a:lstStyle/>
-                    <a:p>
-                      <a:pPr algn="ctr"/>
-                      <a:endParaRPr lang="en-US"/>
-                    </a:p>
-                  </a:txBody>
-                  <a:tcPr>
-                    <a:solidFill>
-                      <a:srgbClr val="DDDDDD"/>
-                    </a:solidFill>
-                  </a:tcPr>
-                </a:tc>
-                <a:tc>
-                  <a:txBody>
-                    <a:bodyPr/>
-                    <a:lstStyle/>
-                    <a:p>
-                      <a:pPr algn="ctr"/>
-                      <a:endParaRPr lang="en-US" dirty="0"/>
-                    </a:p>
-                  </a:txBody>
-                  <a:tcPr>
-                    <a:lnR w="12700" cap="flat" cmpd="sng" algn="ctr">
-                      <a:solidFill>
-                        <a:scrgbClr r="0" g="0" b="0"/>
-                      </a:solidFill>
-                      <a:prstDash val="solid"/>
-                      <a:round/>
-                      <a:headEnd type="none" w="med" len="med"/>
-                      <a:tailEnd type="none" w="med" len="med"/>
-                    </a:lnR>
-                    <a:solidFill>
-                      <a:srgbClr val="DDDDDD"/>
-                    </a:solidFill>
-                  </a:tcPr>
-                </a:tc>
-                <a:tc>
-                  <a:txBody>
-                    <a:bodyPr/>
-                    <a:lstStyle/>
-                    <a:p>
-                      <a:pPr algn="ctr"/>
-                      <a:r>
-                        <a:rPr lang="en-US" dirty="0"/>
-                        <a:t>E</a:t>
-                      </a:r>
-                      <a:r>
-                        <a:rPr lang="en-US" baseline="-25000" dirty="0"/>
-                        <a:t>0</a:t>
-                      </a:r>
-                      <a:endParaRPr lang="en-US" dirty="0"/>
-                    </a:p>
-                  </a:txBody>
-                  <a:tcPr>
-                    <a:lnL w="12700" cap="flat" cmpd="sng" algn="ctr">
-                      <a:solidFill>
-                        <a:scrgbClr r="0" g="0" b="0"/>
-                      </a:solidFill>
-                      <a:prstDash val="solid"/>
-                      <a:round/>
-                      <a:headEnd type="none" w="med" len="med"/>
-                      <a:tailEnd type="none" w="med" len="med"/>
-                    </a:lnL>
-                    <a:lnR w="12700" cap="flat" cmpd="sng" algn="ctr">
-                      <a:solidFill>
-                        <a:scrgbClr r="0" g="0" b="0"/>
-                      </a:solidFill>
-                      <a:prstDash val="solid"/>
-                      <a:round/>
-                      <a:headEnd type="none" w="med" len="med"/>
-                      <a:tailEnd type="none" w="med" len="med"/>
-                    </a:lnR>
-                    <a:lnT w="12700" cap="flat" cmpd="sng" algn="ctr">
-                      <a:solidFill>
-                        <a:scrgbClr r="0" g="0" b="0"/>
-                      </a:solidFill>
-                      <a:prstDash val="solid"/>
-                      <a:round/>
-                      <a:headEnd type="none" w="med" len="med"/>
-                      <a:tailEnd type="none" w="med" len="med"/>
-                    </a:lnT>
-                    <a:lnB w="12700" cap="flat" cmpd="sng" algn="ctr">
-                      <a:solidFill>
-                        <a:scrgbClr r="0" g="0" b="0"/>
-                      </a:solidFill>
-                      <a:prstDash val="solid"/>
-                      <a:round/>
-                      <a:headEnd type="none" w="med" len="med"/>
-                      <a:tailEnd type="none" w="med" len="med"/>
-                    </a:lnB>
-                    <a:solidFill>
-                      <a:srgbClr val="DDDDDD"/>
-                    </a:solidFill>
-                  </a:tcPr>
-                </a:tc>
-                <a:extLst>
-                  <a:ext uri="{0D108BD9-81ED-4DB2-BD59-A6C34878D82A}">
-                    <a16:rowId xmlns:a16="http://schemas.microsoft.com/office/drawing/2014/main" val="10002"/>
-                  </a:ext>
-                </a:extLst>
-              </a:tr>
-              <a:tr h="369100">
-                <a:tc>
-                  <a:txBody>
-                    <a:bodyPr/>
-                    <a:lstStyle/>
-                    <a:p>
-                      <a:pPr algn="ctr"/>
-                      <a:r>
-                        <a:rPr lang="en-US" dirty="0">
-                          <a:solidFill>
-                            <a:srgbClr val="003D62"/>
-                          </a:solidFill>
-                        </a:rPr>
-                        <a:t>2</a:t>
-                      </a:r>
-                    </a:p>
-                  </a:txBody>
-                  <a:tcPr>
-                    <a:lnR w="12700" cap="flat" cmpd="sng" algn="ctr">
-                      <a:solidFill>
-                        <a:scrgbClr r="0" g="0" b="0"/>
-                      </a:solidFill>
-                      <a:prstDash val="solid"/>
-                      <a:round/>
-                      <a:headEnd type="none" w="med" len="med"/>
-                      <a:tailEnd type="none" w="med" len="med"/>
-                    </a:lnR>
-                    <a:noFill/>
-                  </a:tcPr>
-                </a:tc>
-                <a:tc>
-                  <a:txBody>
-                    <a:bodyPr/>
-                    <a:lstStyle/>
-                    <a:p>
-                      <a:pPr algn="ctr"/>
-                      <a:r>
-                        <a:rPr lang="en-US" dirty="0"/>
-                        <a:t>1</a:t>
-                      </a:r>
-                    </a:p>
-                  </a:txBody>
-                  <a:tcPr>
-                    <a:lnL w="12700" cap="flat" cmpd="sng" algn="ctr">
-                      <a:solidFill>
-                        <a:scrgbClr r="0" g="0" b="0"/>
-                      </a:solidFill>
-                      <a:prstDash val="solid"/>
-                      <a:round/>
-                      <a:headEnd type="none" w="med" len="med"/>
-                      <a:tailEnd type="none" w="med" len="med"/>
-                    </a:lnL>
-                    <a:lnR w="12700" cap="flat" cmpd="sng" algn="ctr">
-                      <a:solidFill>
-                        <a:scrgbClr r="0" g="0" b="0"/>
-                      </a:solidFill>
-                      <a:prstDash val="solid"/>
-                      <a:round/>
-                      <a:headEnd type="none" w="med" len="med"/>
-                      <a:tailEnd type="none" w="med" len="med"/>
-                    </a:lnR>
-                    <a:lnT w="12700" cap="flat" cmpd="sng" algn="ctr">
-                      <a:solidFill>
-                        <a:scrgbClr r="0" g="0" b="0"/>
-                      </a:solidFill>
-                      <a:prstDash val="solid"/>
-                      <a:round/>
-                      <a:headEnd type="none" w="med" len="med"/>
-                      <a:tailEnd type="none" w="med" len="med"/>
-                    </a:lnT>
-                    <a:lnB w="12700" cap="flat" cmpd="sng" algn="ctr">
-                      <a:solidFill>
-                        <a:scrgbClr r="0" g="0" b="0"/>
-                      </a:solidFill>
-                      <a:prstDash val="solid"/>
-                      <a:round/>
-                      <a:headEnd type="none" w="med" len="med"/>
-                      <a:tailEnd type="none" w="med" len="med"/>
-                    </a:lnB>
-                    <a:solidFill>
-                      <a:srgbClr val="A6A6A6"/>
-                    </a:solidFill>
-                  </a:tcPr>
-                </a:tc>
-                <a:tc>
-                  <a:txBody>
-                    <a:bodyPr/>
-                    <a:lstStyle/>
-                    <a:p>
-                      <a:pPr algn="ctr"/>
-                      <a:r>
-                        <a:rPr lang="en-US" dirty="0"/>
-                        <a:t>2</a:t>
-                      </a:r>
-                    </a:p>
-                  </a:txBody>
-                  <a:tcPr>
-                    <a:lnL w="12700" cap="flat" cmpd="sng" algn="ctr">
-                      <a:solidFill>
-                        <a:scrgbClr r="0" g="0" b="0"/>
-                      </a:solidFill>
-                      <a:prstDash val="solid"/>
-                      <a:round/>
-                      <a:headEnd type="none" w="med" len="med"/>
-                      <a:tailEnd type="none" w="med" len="med"/>
-                    </a:lnL>
-                    <a:lnR w="12700" cap="flat" cmpd="sng" algn="ctr">
-                      <a:solidFill>
-                        <a:scrgbClr r="0" g="0" b="0"/>
-                      </a:solidFill>
-                      <a:prstDash val="solid"/>
-                      <a:round/>
-                      <a:headEnd type="none" w="med" len="med"/>
-                      <a:tailEnd type="none" w="med" len="med"/>
-                    </a:lnR>
-                    <a:lnT w="12700" cap="flat" cmpd="sng" algn="ctr">
-                      <a:solidFill>
-                        <a:scrgbClr r="0" g="0" b="0"/>
-                      </a:solidFill>
-                      <a:prstDash val="solid"/>
-                      <a:round/>
-                      <a:headEnd type="none" w="med" len="med"/>
-                      <a:tailEnd type="none" w="med" len="med"/>
-                    </a:lnT>
-                    <a:lnB w="12700" cap="flat" cmpd="sng" algn="ctr">
-                      <a:solidFill>
-                        <a:scrgbClr r="0" g="0" b="0"/>
-                      </a:solidFill>
-                      <a:prstDash val="solid"/>
-                      <a:round/>
-                      <a:headEnd type="none" w="med" len="med"/>
-                      <a:tailEnd type="none" w="med" len="med"/>
-                    </a:lnB>
-                    <a:solidFill>
-                      <a:srgbClr val="A6A6A6"/>
-                    </a:solidFill>
-                  </a:tcPr>
-                </a:tc>
-                <a:tc>
-                  <a:txBody>
-                    <a:bodyPr/>
-                    <a:lstStyle/>
-                    <a:p>
-                      <a:pPr algn="ctr"/>
-                      <a:endParaRPr lang="en-US" dirty="0"/>
-                    </a:p>
-                  </a:txBody>
-                  <a:tcPr>
-                    <a:lnL w="12700" cap="flat" cmpd="sng" algn="ctr">
-                      <a:solidFill>
-                        <a:scrgbClr r="0" g="0" b="0"/>
-                      </a:solidFill>
-                      <a:prstDash val="solid"/>
-                      <a:round/>
-                      <a:headEnd type="none" w="med" len="med"/>
-                      <a:tailEnd type="none" w="med" len="med"/>
-                    </a:lnL>
-                    <a:lnB w="12700" cap="flat" cmpd="sng" algn="ctr">
-                      <a:solidFill>
-                        <a:scrgbClr r="0" g="0" b="0"/>
-                      </a:solidFill>
-                      <a:prstDash val="solid"/>
-                      <a:round/>
-                      <a:headEnd type="none" w="med" len="med"/>
-                      <a:tailEnd type="none" w="med" len="med"/>
-                    </a:lnB>
-                    <a:solidFill>
-                      <a:srgbClr val="DDDDDD"/>
-                    </a:solidFill>
-                  </a:tcPr>
-                </a:tc>
-                <a:tc>
-                  <a:txBody>
-                    <a:bodyPr/>
-                    <a:lstStyle/>
-                    <a:p>
-                      <a:pPr algn="ctr"/>
-                      <a:endParaRPr lang="en-US" dirty="0"/>
-                    </a:p>
-                  </a:txBody>
-                  <a:tcPr>
-                    <a:solidFill>
-                      <a:srgbClr val="DDDDDD"/>
-                    </a:solidFill>
-                  </a:tcPr>
-                </a:tc>
-                <a:tc>
-                  <a:txBody>
-                    <a:bodyPr/>
-                    <a:lstStyle/>
-                    <a:p>
-                      <a:pPr algn="ctr"/>
-                      <a:endParaRPr lang="en-US" dirty="0"/>
-                    </a:p>
-                  </a:txBody>
-                  <a:tcPr>
-                    <a:solidFill>
-                      <a:srgbClr val="DDDDDD"/>
-                    </a:solidFill>
-                  </a:tcPr>
-                </a:tc>
-                <a:tc>
-                  <a:txBody>
-                    <a:bodyPr/>
-                    <a:lstStyle/>
-                    <a:p>
-                      <a:pPr algn="ctr"/>
-                      <a:endParaRPr lang="en-US" dirty="0"/>
-                    </a:p>
-                  </a:txBody>
-                  <a:tcPr>
-                    <a:solidFill>
-                      <a:srgbClr val="DDDDDD"/>
-                    </a:solidFill>
-                  </a:tcPr>
-                </a:tc>
-                <a:tc>
-                  <a:txBody>
-                    <a:bodyPr/>
-                    <a:lstStyle/>
-                    <a:p>
-                      <a:pPr algn="ctr"/>
-                      <a:endParaRPr lang="en-US" dirty="0"/>
-                    </a:p>
-                  </a:txBody>
-                  <a:tcPr>
-                    <a:lnR w="12700" cap="flat" cmpd="sng" algn="ctr">
-                      <a:solidFill>
-                        <a:scrgbClr r="0" g="0" b="0"/>
-                      </a:solidFill>
-                      <a:prstDash val="solid"/>
-                      <a:round/>
-                      <a:headEnd type="none" w="med" len="med"/>
-                      <a:tailEnd type="none" w="med" len="med"/>
-                    </a:lnR>
-                    <a:solidFill>
-                      <a:srgbClr val="DDDDDD"/>
-                    </a:solidFill>
-                  </a:tcPr>
-                </a:tc>
-                <a:tc>
-                  <a:txBody>
-                    <a:bodyPr/>
-                    <a:lstStyle/>
-                    <a:p>
-                      <a:pPr algn="ctr"/>
-                      <a:r>
-                        <a:rPr lang="en-US" dirty="0"/>
-                        <a:t>E</a:t>
-                      </a:r>
-                      <a:r>
-                        <a:rPr lang="en-US" baseline="-25000" dirty="0"/>
-                        <a:t>1</a:t>
-                      </a:r>
-                      <a:r>
-                        <a:rPr lang="en-US" dirty="0"/>
-                        <a:t>+E</a:t>
-                      </a:r>
-                      <a:r>
-                        <a:rPr lang="en-US" baseline="-25000" dirty="0"/>
-                        <a:t>2</a:t>
-                      </a:r>
-                      <a:endParaRPr lang="en-US" dirty="0"/>
-                    </a:p>
-                  </a:txBody>
-                  <a:tcPr>
-                    <a:lnL w="12700" cap="flat" cmpd="sng" algn="ctr">
-                      <a:solidFill>
-                        <a:scrgbClr r="0" g="0" b="0"/>
-                      </a:solidFill>
-                      <a:prstDash val="solid"/>
-                      <a:round/>
-                      <a:headEnd type="none" w="med" len="med"/>
-                      <a:tailEnd type="none" w="med" len="med"/>
-                    </a:lnL>
-                    <a:lnR w="12700" cap="flat" cmpd="sng" algn="ctr">
-                      <a:solidFill>
-                        <a:scrgbClr r="0" g="0" b="0"/>
-                      </a:solidFill>
-                      <a:prstDash val="solid"/>
-                      <a:round/>
-                      <a:headEnd type="none" w="med" len="med"/>
-                      <a:tailEnd type="none" w="med" len="med"/>
-                    </a:lnR>
-                    <a:lnT w="12700" cap="flat" cmpd="sng" algn="ctr">
-                      <a:solidFill>
-                        <a:scrgbClr r="0" g="0" b="0"/>
-                      </a:solidFill>
-                      <a:prstDash val="solid"/>
-                      <a:round/>
-                      <a:headEnd type="none" w="med" len="med"/>
-                      <a:tailEnd type="none" w="med" len="med"/>
-                    </a:lnT>
-                    <a:lnB w="12700" cap="flat" cmpd="sng" algn="ctr">
-                      <a:solidFill>
-                        <a:scrgbClr r="0" g="0" b="0"/>
-                      </a:solidFill>
-                      <a:prstDash val="solid"/>
-                      <a:round/>
-                      <a:headEnd type="none" w="med" len="med"/>
-                      <a:tailEnd type="none" w="med" len="med"/>
-                    </a:lnB>
-                    <a:solidFill>
-                      <a:srgbClr val="DDDDDD"/>
-                    </a:solidFill>
-                  </a:tcPr>
-                </a:tc>
-                <a:extLst>
-                  <a:ext uri="{0D108BD9-81ED-4DB2-BD59-A6C34878D82A}">
-                    <a16:rowId xmlns:a16="http://schemas.microsoft.com/office/drawing/2014/main" val="10003"/>
-                  </a:ext>
-                </a:extLst>
-              </a:tr>
-              <a:tr h="369100">
-                <a:tc>
-                  <a:txBody>
-                    <a:bodyPr/>
-                    <a:lstStyle/>
-                    <a:p>
-                      <a:pPr algn="ctr"/>
-                      <a:r>
-                        <a:rPr lang="en-US" dirty="0">
-                          <a:solidFill>
-                            <a:srgbClr val="003D62"/>
-                          </a:solidFill>
-                        </a:rPr>
-                        <a:t>3</a:t>
-                      </a:r>
-                    </a:p>
-                  </a:txBody>
-                  <a:tcPr>
-                    <a:lnR w="12700" cap="flat" cmpd="sng" algn="ctr">
-                      <a:solidFill>
-                        <a:scrgbClr r="0" g="0" b="0"/>
-                      </a:solidFill>
-                      <a:prstDash val="solid"/>
-                      <a:round/>
-                      <a:headEnd type="none" w="med" len="med"/>
-                      <a:tailEnd type="none" w="med" len="med"/>
-                    </a:lnR>
-                    <a:noFill/>
-                  </a:tcPr>
-                </a:tc>
-                <a:tc>
-                  <a:txBody>
-                    <a:bodyPr/>
-                    <a:lstStyle/>
-                    <a:p>
-                      <a:pPr algn="ctr"/>
-                      <a:r>
-                        <a:rPr lang="en-US" dirty="0"/>
-                        <a:t>3</a:t>
-                      </a:r>
-                    </a:p>
-                  </a:txBody>
-                  <a:tcPr>
-                    <a:lnL w="12700" cap="flat" cmpd="sng" algn="ctr">
-                      <a:solidFill>
-                        <a:scrgbClr r="0" g="0" b="0"/>
-                      </a:solidFill>
-                      <a:prstDash val="solid"/>
-                      <a:round/>
-                      <a:headEnd type="none" w="med" len="med"/>
-                      <a:tailEnd type="none" w="med" len="med"/>
-                    </a:lnL>
-                    <a:lnR w="12700" cap="flat" cmpd="sng" algn="ctr">
-                      <a:solidFill>
-                        <a:scrgbClr r="0" g="0" b="0"/>
-                      </a:solidFill>
-                      <a:prstDash val="solid"/>
-                      <a:round/>
-                      <a:headEnd type="none" w="med" len="med"/>
-                      <a:tailEnd type="none" w="med" len="med"/>
-                    </a:lnR>
-                    <a:lnT w="12700" cap="flat" cmpd="sng" algn="ctr">
-                      <a:solidFill>
-                        <a:scrgbClr r="0" g="0" b="0"/>
-                      </a:solidFill>
-                      <a:prstDash val="solid"/>
-                      <a:round/>
-                      <a:headEnd type="none" w="med" len="med"/>
-                      <a:tailEnd type="none" w="med" len="med"/>
-                    </a:lnT>
-                    <a:lnB w="12700" cap="flat" cmpd="sng" algn="ctr">
-                      <a:solidFill>
-                        <a:scrgbClr r="0" g="0" b="0"/>
-                      </a:solidFill>
-                      <a:prstDash val="solid"/>
-                      <a:round/>
-                      <a:headEnd type="none" w="med" len="med"/>
-                      <a:tailEnd type="none" w="med" len="med"/>
-                    </a:lnB>
-                    <a:solidFill>
-                      <a:srgbClr val="A6A6A6"/>
-                    </a:solidFill>
-                  </a:tcPr>
-                </a:tc>
-                <a:tc>
-                  <a:txBody>
-                    <a:bodyPr/>
-                    <a:lstStyle/>
-                    <a:p>
-                      <a:pPr algn="ctr"/>
-                      <a:r>
-                        <a:rPr lang="en-US" dirty="0"/>
-                        <a:t>4</a:t>
-                      </a:r>
-                    </a:p>
-                  </a:txBody>
-                  <a:tcPr>
-                    <a:lnL w="12700" cap="flat" cmpd="sng" algn="ctr">
-                      <a:solidFill>
-                        <a:scrgbClr r="0" g="0" b="0"/>
-                      </a:solidFill>
-                      <a:prstDash val="solid"/>
-                      <a:round/>
-                      <a:headEnd type="none" w="med" len="med"/>
-                      <a:tailEnd type="none" w="med" len="med"/>
-                    </a:lnL>
-                    <a:lnR w="12700" cap="flat" cmpd="sng" algn="ctr">
-                      <a:solidFill>
-                        <a:scrgbClr r="0" g="0" b="0"/>
-                      </a:solidFill>
-                      <a:prstDash val="solid"/>
-                      <a:round/>
-                      <a:headEnd type="none" w="med" len="med"/>
-                      <a:tailEnd type="none" w="med" len="med"/>
-                    </a:lnR>
-                    <a:lnT w="12700" cap="flat" cmpd="sng" algn="ctr">
-                      <a:solidFill>
-                        <a:scrgbClr r="0" g="0" b="0"/>
-                      </a:solidFill>
-                      <a:prstDash val="solid"/>
-                      <a:round/>
-                      <a:headEnd type="none" w="med" len="med"/>
-                      <a:tailEnd type="none" w="med" len="med"/>
-                    </a:lnT>
-                    <a:lnB w="12700" cap="flat" cmpd="sng" algn="ctr">
-                      <a:solidFill>
-                        <a:scrgbClr r="0" g="0" b="0"/>
-                      </a:solidFill>
-                      <a:prstDash val="solid"/>
-                      <a:round/>
-                      <a:headEnd type="none" w="med" len="med"/>
-                      <a:tailEnd type="none" w="med" len="med"/>
-                    </a:lnB>
-                    <a:solidFill>
-                      <a:srgbClr val="A6A6A6"/>
-                    </a:solidFill>
-                  </a:tcPr>
-                </a:tc>
-                <a:tc>
-                  <a:txBody>
-                    <a:bodyPr/>
-                    <a:lstStyle/>
-                    <a:p>
-                      <a:pPr algn="ctr"/>
-                      <a:r>
-                        <a:rPr lang="en-US" dirty="0"/>
-                        <a:t>5</a:t>
-                      </a:r>
-                    </a:p>
-                  </a:txBody>
-                  <a:tcPr>
-                    <a:lnL w="12700" cap="flat" cmpd="sng" algn="ctr">
-                      <a:solidFill>
-                        <a:scrgbClr r="0" g="0" b="0"/>
-                      </a:solidFill>
-                      <a:prstDash val="solid"/>
-                      <a:round/>
-                      <a:headEnd type="none" w="med" len="med"/>
-                      <a:tailEnd type="none" w="med" len="med"/>
-                    </a:lnL>
-                    <a:lnR w="12700" cap="flat" cmpd="sng" algn="ctr">
-                      <a:solidFill>
-                        <a:scrgbClr r="0" g="0" b="0"/>
-                      </a:solidFill>
-                      <a:prstDash val="solid"/>
-                      <a:round/>
-                      <a:headEnd type="none" w="med" len="med"/>
-                      <a:tailEnd type="none" w="med" len="med"/>
-                    </a:lnR>
-                    <a:lnT w="12700" cap="flat" cmpd="sng" algn="ctr">
-                      <a:solidFill>
-                        <a:scrgbClr r="0" g="0" b="0"/>
-                      </a:solidFill>
-                      <a:prstDash val="solid"/>
-                      <a:round/>
-                      <a:headEnd type="none" w="med" len="med"/>
-                      <a:tailEnd type="none" w="med" len="med"/>
-                    </a:lnT>
-                    <a:lnB w="12700" cap="flat" cmpd="sng" algn="ctr">
-                      <a:solidFill>
-                        <a:scrgbClr r="0" g="0" b="0"/>
-                      </a:solidFill>
-                      <a:prstDash val="solid"/>
-                      <a:round/>
-                      <a:headEnd type="none" w="med" len="med"/>
-                      <a:tailEnd type="none" w="med" len="med"/>
-                    </a:lnB>
-                    <a:solidFill>
-                      <a:srgbClr val="A6A6A6"/>
-                    </a:solidFill>
-                  </a:tcPr>
-                </a:tc>
-                <a:tc>
-                  <a:txBody>
-                    <a:bodyPr/>
-                    <a:lstStyle/>
-                    <a:p>
-                      <a:pPr algn="ctr"/>
-                      <a:endParaRPr lang="en-US" dirty="0"/>
-                    </a:p>
-                  </a:txBody>
-                  <a:tcPr>
-                    <a:lnL w="12700" cap="flat" cmpd="sng" algn="ctr">
-                      <a:solidFill>
-                        <a:scrgbClr r="0" g="0" b="0"/>
-                      </a:solidFill>
-                      <a:prstDash val="solid"/>
-                      <a:round/>
-                      <a:headEnd type="none" w="med" len="med"/>
-                      <a:tailEnd type="none" w="med" len="med"/>
-                    </a:lnL>
-                    <a:lnB w="12700" cap="flat" cmpd="sng" algn="ctr">
-                      <a:solidFill>
-                        <a:scrgbClr r="0" g="0" b="0"/>
-                      </a:solidFill>
-                      <a:prstDash val="solid"/>
-                      <a:round/>
-                      <a:headEnd type="none" w="med" len="med"/>
-                      <a:tailEnd type="none" w="med" len="med"/>
-                    </a:lnB>
-                    <a:solidFill>
-                      <a:srgbClr val="DDDDDD"/>
-                    </a:solidFill>
-                  </a:tcPr>
-                </a:tc>
-                <a:tc>
-                  <a:txBody>
-                    <a:bodyPr/>
-                    <a:lstStyle/>
-                    <a:p>
-                      <a:pPr algn="ctr"/>
-                      <a:endParaRPr lang="en-US" dirty="0"/>
-                    </a:p>
-                  </a:txBody>
-                  <a:tcPr>
-                    <a:solidFill>
-                      <a:srgbClr val="DDDDDD"/>
-                    </a:solidFill>
-                  </a:tcPr>
-                </a:tc>
-                <a:tc>
-                  <a:txBody>
-                    <a:bodyPr/>
-                    <a:lstStyle/>
-                    <a:p>
-                      <a:pPr algn="ctr"/>
-                      <a:endParaRPr lang="en-US" dirty="0"/>
-                    </a:p>
-                  </a:txBody>
-                  <a:tcPr>
-                    <a:solidFill>
-                      <a:srgbClr val="DDDDDD"/>
-                    </a:solidFill>
-                  </a:tcPr>
-                </a:tc>
-                <a:tc>
-                  <a:txBody>
-                    <a:bodyPr/>
-                    <a:lstStyle/>
-                    <a:p>
-                      <a:pPr algn="ctr"/>
-                      <a:endParaRPr lang="en-US" dirty="0"/>
-                    </a:p>
-                  </a:txBody>
-                  <a:tcPr>
-                    <a:lnR w="12700" cap="flat" cmpd="sng" algn="ctr">
-                      <a:solidFill>
-                        <a:scrgbClr r="0" g="0" b="0"/>
-                      </a:solidFill>
-                      <a:prstDash val="solid"/>
-                      <a:round/>
-                      <a:headEnd type="none" w="med" len="med"/>
-                      <a:tailEnd type="none" w="med" len="med"/>
-                    </a:lnR>
-                    <a:solidFill>
-                      <a:srgbClr val="DDDDDD"/>
-                    </a:solidFill>
-                  </a:tcPr>
-                </a:tc>
-                <a:tc>
-                  <a:txBody>
-                    <a:bodyPr/>
-                    <a:lstStyle/>
-                    <a:p>
-                      <a:pPr marL="0" marR="0" indent="0" algn="ctr" defTabSz="457200" rtl="0" eaLnBrk="1" fontAlgn="auto" latinLnBrk="0" hangingPunct="1">
-                        <a:lnSpc>
-                          <a:spcPct val="100000"/>
-                        </a:lnSpc>
-                        <a:spcBef>
-                          <a:spcPts val="0"/>
-                        </a:spcBef>
-                        <a:spcAft>
-                          <a:spcPts val="0"/>
-                        </a:spcAft>
-                        <a:buClrTx/>
-                        <a:buSzTx/>
-                        <a:buFontTx/>
-                        <a:buNone/>
-                        <a:tabLst/>
-                        <a:defRPr/>
-                      </a:pPr>
-                      <a:r>
-                        <a:rPr lang="en-US" dirty="0"/>
-                        <a:t>E</a:t>
-                      </a:r>
-                      <a:r>
-                        <a:rPr lang="en-US" baseline="-25000" dirty="0"/>
-                        <a:t>3</a:t>
-                      </a:r>
-                      <a:r>
-                        <a:rPr lang="en-US" dirty="0"/>
-                        <a:t>+E</a:t>
-                      </a:r>
-                      <a:r>
-                        <a:rPr lang="en-US" baseline="-25000" dirty="0"/>
-                        <a:t>4</a:t>
-                      </a:r>
-                      <a:r>
-                        <a:rPr lang="en-US" dirty="0"/>
-                        <a:t>+E</a:t>
-                      </a:r>
-                      <a:r>
-                        <a:rPr lang="en-US" baseline="-25000" dirty="0"/>
-                        <a:t>5</a:t>
-                      </a:r>
-                      <a:endParaRPr lang="en-US" dirty="0"/>
-                    </a:p>
-                  </a:txBody>
-                  <a:tcPr>
-                    <a:lnL w="12700" cap="flat" cmpd="sng" algn="ctr">
-                      <a:solidFill>
-                        <a:scrgbClr r="0" g="0" b="0"/>
-                      </a:solidFill>
-                      <a:prstDash val="solid"/>
-                      <a:round/>
-                      <a:headEnd type="none" w="med" len="med"/>
-                      <a:tailEnd type="none" w="med" len="med"/>
-                    </a:lnL>
-                    <a:lnR w="12700" cap="flat" cmpd="sng" algn="ctr">
-                      <a:solidFill>
-                        <a:scrgbClr r="0" g="0" b="0"/>
-                      </a:solidFill>
-                      <a:prstDash val="solid"/>
-                      <a:round/>
-                      <a:headEnd type="none" w="med" len="med"/>
-                      <a:tailEnd type="none" w="med" len="med"/>
-                    </a:lnR>
-                    <a:lnT w="12700" cap="flat" cmpd="sng" algn="ctr">
-                      <a:solidFill>
-                        <a:scrgbClr r="0" g="0" b="0"/>
-                      </a:solidFill>
-                      <a:prstDash val="solid"/>
-                      <a:round/>
-                      <a:headEnd type="none" w="med" len="med"/>
-                      <a:tailEnd type="none" w="med" len="med"/>
-                    </a:lnT>
-                    <a:lnB w="12700" cap="flat" cmpd="sng" algn="ctr">
-                      <a:solidFill>
-                        <a:scrgbClr r="0" g="0" b="0"/>
-                      </a:solidFill>
-                      <a:prstDash val="solid"/>
-                      <a:round/>
-                      <a:headEnd type="none" w="med" len="med"/>
-                      <a:tailEnd type="none" w="med" len="med"/>
-                    </a:lnB>
-                    <a:solidFill>
-                      <a:srgbClr val="DDDDDD"/>
-                    </a:solidFill>
-                  </a:tcPr>
-                </a:tc>
-                <a:extLst>
-                  <a:ext uri="{0D108BD9-81ED-4DB2-BD59-A6C34878D82A}">
-                    <a16:rowId xmlns:a16="http://schemas.microsoft.com/office/drawing/2014/main" val="10004"/>
-                  </a:ext>
-                </a:extLst>
-              </a:tr>
-              <a:tr h="369100">
-                <a:tc>
-                  <a:txBody>
-                    <a:bodyPr/>
-                    <a:lstStyle/>
-                    <a:p>
-                      <a:pPr algn="ctr"/>
-                      <a:r>
-                        <a:rPr lang="en-US" dirty="0">
-                          <a:solidFill>
-                            <a:srgbClr val="003D62"/>
-                          </a:solidFill>
-                        </a:rPr>
-                        <a:t>4</a:t>
-                      </a:r>
-                    </a:p>
-                  </a:txBody>
-                  <a:tcPr>
-                    <a:lnR w="12700" cap="flat" cmpd="sng" algn="ctr">
-                      <a:solidFill>
-                        <a:scrgbClr r="0" g="0" b="0"/>
-                      </a:solidFill>
-                      <a:prstDash val="solid"/>
-                      <a:round/>
-                      <a:headEnd type="none" w="med" len="med"/>
-                      <a:tailEnd type="none" w="med" len="med"/>
-                    </a:lnR>
-                    <a:noFill/>
-                  </a:tcPr>
-                </a:tc>
-                <a:tc>
-                  <a:txBody>
-                    <a:bodyPr/>
-                    <a:lstStyle/>
-                    <a:p>
-                      <a:pPr algn="ctr"/>
-                      <a:r>
-                        <a:rPr lang="en-US" dirty="0"/>
-                        <a:t>6</a:t>
-                      </a:r>
-                    </a:p>
-                  </a:txBody>
-                  <a:tcPr>
-                    <a:lnL w="12700" cap="flat" cmpd="sng" algn="ctr">
-                      <a:solidFill>
-                        <a:scrgbClr r="0" g="0" b="0"/>
-                      </a:solidFill>
-                      <a:prstDash val="solid"/>
-                      <a:round/>
-                      <a:headEnd type="none" w="med" len="med"/>
-                      <a:tailEnd type="none" w="med" len="med"/>
-                    </a:lnL>
-                    <a:lnR w="12700" cap="flat" cmpd="sng" algn="ctr">
-                      <a:solidFill>
-                        <a:scrgbClr r="0" g="0" b="0"/>
-                      </a:solidFill>
-                      <a:prstDash val="solid"/>
-                      <a:round/>
-                      <a:headEnd type="none" w="med" len="med"/>
-                      <a:tailEnd type="none" w="med" len="med"/>
-                    </a:lnR>
-                    <a:lnT w="12700" cap="flat" cmpd="sng" algn="ctr">
-                      <a:solidFill>
-                        <a:scrgbClr r="0" g="0" b="0"/>
-                      </a:solidFill>
-                      <a:prstDash val="solid"/>
-                      <a:round/>
-                      <a:headEnd type="none" w="med" len="med"/>
-                      <a:tailEnd type="none" w="med" len="med"/>
-                    </a:lnT>
-                    <a:lnB w="12700" cap="flat" cmpd="sng" algn="ctr">
-                      <a:solidFill>
-                        <a:scrgbClr r="0" g="0" b="0"/>
-                      </a:solidFill>
-                      <a:prstDash val="solid"/>
-                      <a:round/>
-                      <a:headEnd type="none" w="med" len="med"/>
-                      <a:tailEnd type="none" w="med" len="med"/>
-                    </a:lnB>
-                    <a:solidFill>
-                      <a:srgbClr val="FF7B11"/>
-                    </a:solidFill>
-                  </a:tcPr>
-                </a:tc>
-                <a:tc>
-                  <a:txBody>
-                    <a:bodyPr/>
-                    <a:lstStyle/>
-                    <a:p>
-                      <a:pPr algn="ctr"/>
-                      <a:r>
-                        <a:rPr lang="en-US" dirty="0"/>
-                        <a:t>7</a:t>
-                      </a:r>
-                    </a:p>
-                  </a:txBody>
-                  <a:tcPr>
-                    <a:lnL w="12700" cap="flat" cmpd="sng" algn="ctr">
-                      <a:solidFill>
-                        <a:scrgbClr r="0" g="0" b="0"/>
-                      </a:solidFill>
-                      <a:prstDash val="solid"/>
-                      <a:round/>
-                      <a:headEnd type="none" w="med" len="med"/>
-                      <a:tailEnd type="none" w="med" len="med"/>
-                    </a:lnL>
-                    <a:lnR w="12700" cap="flat" cmpd="sng" algn="ctr">
-                      <a:solidFill>
-                        <a:scrgbClr r="0" g="0" b="0"/>
-                      </a:solidFill>
-                      <a:prstDash val="solid"/>
-                      <a:round/>
-                      <a:headEnd type="none" w="med" len="med"/>
-                      <a:tailEnd type="none" w="med" len="med"/>
-                    </a:lnR>
-                    <a:lnT w="12700" cap="flat" cmpd="sng" algn="ctr">
-                      <a:solidFill>
-                        <a:scrgbClr r="0" g="0" b="0"/>
-                      </a:solidFill>
-                      <a:prstDash val="solid"/>
-                      <a:round/>
-                      <a:headEnd type="none" w="med" len="med"/>
-                      <a:tailEnd type="none" w="med" len="med"/>
-                    </a:lnT>
-                    <a:lnB w="12700" cap="flat" cmpd="sng" algn="ctr">
-                      <a:solidFill>
-                        <a:scrgbClr r="0" g="0" b="0"/>
-                      </a:solidFill>
-                      <a:prstDash val="solid"/>
-                      <a:round/>
-                      <a:headEnd type="none" w="med" len="med"/>
-                      <a:tailEnd type="none" w="med" len="med"/>
-                    </a:lnB>
-                    <a:solidFill>
-                      <a:srgbClr val="FF7B11"/>
-                    </a:solidFill>
-                  </a:tcPr>
-                </a:tc>
-                <a:tc>
-                  <a:txBody>
-                    <a:bodyPr/>
-                    <a:lstStyle/>
-                    <a:p>
-                      <a:pPr algn="ctr"/>
-                      <a:r>
-                        <a:rPr lang="en-US" dirty="0"/>
-                        <a:t>8</a:t>
-                      </a:r>
-                    </a:p>
-                  </a:txBody>
-                  <a:tcPr>
-                    <a:lnL w="12700" cap="flat" cmpd="sng" algn="ctr">
-                      <a:solidFill>
-                        <a:scrgbClr r="0" g="0" b="0"/>
-                      </a:solidFill>
-                      <a:prstDash val="solid"/>
-                      <a:round/>
-                      <a:headEnd type="none" w="med" len="med"/>
-                      <a:tailEnd type="none" w="med" len="med"/>
-                    </a:lnL>
-                    <a:lnR w="12700" cap="flat" cmpd="sng" algn="ctr">
-                      <a:solidFill>
-                        <a:scrgbClr r="0" g="0" b="0"/>
-                      </a:solidFill>
-                      <a:prstDash val="solid"/>
-                      <a:round/>
-                      <a:headEnd type="none" w="med" len="med"/>
-                      <a:tailEnd type="none" w="med" len="med"/>
-                    </a:lnR>
-                    <a:lnT w="12700" cap="flat" cmpd="sng" algn="ctr">
-                      <a:solidFill>
-                        <a:scrgbClr r="0" g="0" b="0"/>
-                      </a:solidFill>
-                      <a:prstDash val="solid"/>
-                      <a:round/>
-                      <a:headEnd type="none" w="med" len="med"/>
-                      <a:tailEnd type="none" w="med" len="med"/>
-                    </a:lnT>
-                    <a:lnB w="12700" cap="flat" cmpd="sng" algn="ctr">
-                      <a:solidFill>
-                        <a:scrgbClr r="0" g="0" b="0"/>
-                      </a:solidFill>
-                      <a:prstDash val="solid"/>
-                      <a:round/>
-                      <a:headEnd type="none" w="med" len="med"/>
-                      <a:tailEnd type="none" w="med" len="med"/>
-                    </a:lnB>
-                    <a:solidFill>
-                      <a:srgbClr val="FF7B11"/>
-                    </a:solidFill>
-                  </a:tcPr>
-                </a:tc>
-                <a:tc>
-                  <a:txBody>
-                    <a:bodyPr/>
-                    <a:lstStyle/>
-                    <a:p>
-                      <a:pPr algn="ctr"/>
-                      <a:r>
-                        <a:rPr lang="en-US" dirty="0"/>
-                        <a:t>9</a:t>
-                      </a:r>
-                    </a:p>
-                  </a:txBody>
-                  <a:tcPr>
-                    <a:lnL w="12700" cap="flat" cmpd="sng" algn="ctr">
-                      <a:solidFill>
-                        <a:scrgbClr r="0" g="0" b="0"/>
-                      </a:solidFill>
-                      <a:prstDash val="solid"/>
-                      <a:round/>
-                      <a:headEnd type="none" w="med" len="med"/>
-                      <a:tailEnd type="none" w="med" len="med"/>
-                    </a:lnL>
-                    <a:lnR w="12700" cap="flat" cmpd="sng" algn="ctr">
-                      <a:solidFill>
-                        <a:scrgbClr r="0" g="0" b="0"/>
-                      </a:solidFill>
-                      <a:prstDash val="solid"/>
-                      <a:round/>
-                      <a:headEnd type="none" w="med" len="med"/>
-                      <a:tailEnd type="none" w="med" len="med"/>
-                    </a:lnR>
-                    <a:lnT w="12700" cap="flat" cmpd="sng" algn="ctr">
-                      <a:solidFill>
-                        <a:scrgbClr r="0" g="0" b="0"/>
-                      </a:solidFill>
-                      <a:prstDash val="solid"/>
-                      <a:round/>
-                      <a:headEnd type="none" w="med" len="med"/>
-                      <a:tailEnd type="none" w="med" len="med"/>
-                    </a:lnT>
-                    <a:lnB w="12700" cap="flat" cmpd="sng" algn="ctr">
-                      <a:solidFill>
-                        <a:scrgbClr r="0" g="0" b="0"/>
-                      </a:solidFill>
-                      <a:prstDash val="solid"/>
-                      <a:round/>
-                      <a:headEnd type="none" w="med" len="med"/>
-                      <a:tailEnd type="none" w="med" len="med"/>
-                    </a:lnB>
-                    <a:solidFill>
-                      <a:srgbClr val="FF7B11"/>
-                    </a:solidFill>
-                  </a:tcPr>
-                </a:tc>
-                <a:tc>
-                  <a:txBody>
-                    <a:bodyPr/>
-                    <a:lstStyle/>
-                    <a:p>
-                      <a:pPr algn="ctr"/>
-                      <a:endParaRPr lang="en-US" dirty="0"/>
-                    </a:p>
-                  </a:txBody>
-                  <a:tcPr>
-                    <a:lnL w="12700" cap="flat" cmpd="sng" algn="ctr">
-                      <a:solidFill>
-                        <a:scrgbClr r="0" g="0" b="0"/>
-                      </a:solidFill>
-                      <a:prstDash val="solid"/>
-                      <a:round/>
-                      <a:headEnd type="none" w="med" len="med"/>
-                      <a:tailEnd type="none" w="med" len="med"/>
-                    </a:lnL>
-                    <a:lnB w="12700" cap="flat" cmpd="sng" algn="ctr">
-                      <a:solidFill>
-                        <a:scrgbClr r="0" g="0" b="0"/>
-                      </a:solidFill>
-                      <a:prstDash val="solid"/>
-                      <a:round/>
-                      <a:headEnd type="none" w="med" len="med"/>
-                      <a:tailEnd type="none" w="med" len="med"/>
-                    </a:lnB>
-                    <a:solidFill>
-                      <a:srgbClr val="DDDDDD"/>
-                    </a:solidFill>
-                  </a:tcPr>
-                </a:tc>
-                <a:tc>
-                  <a:txBody>
-                    <a:bodyPr/>
-                    <a:lstStyle/>
-                    <a:p>
-                      <a:pPr algn="ctr"/>
-                      <a:endParaRPr lang="en-US" dirty="0"/>
-                    </a:p>
-                  </a:txBody>
-                  <a:tcPr>
-                    <a:solidFill>
-                      <a:srgbClr val="DDDDDD"/>
-                    </a:solidFill>
-                  </a:tcPr>
-                </a:tc>
-                <a:tc>
-                  <a:txBody>
-                    <a:bodyPr/>
-                    <a:lstStyle/>
-                    <a:p>
-                      <a:pPr algn="ctr"/>
-                      <a:endParaRPr lang="en-US" dirty="0"/>
-                    </a:p>
-                  </a:txBody>
-                  <a:tcPr>
-                    <a:lnR w="12700" cap="flat" cmpd="sng" algn="ctr">
-                      <a:solidFill>
-                        <a:scrgbClr r="0" g="0" b="0"/>
-                      </a:solidFill>
-                      <a:prstDash val="solid"/>
-                      <a:round/>
-                      <a:headEnd type="none" w="med" len="med"/>
-                      <a:tailEnd type="none" w="med" len="med"/>
-                    </a:lnR>
-                    <a:solidFill>
-                      <a:srgbClr val="DDDDDD"/>
-                    </a:solidFill>
-                  </a:tcPr>
-                </a:tc>
-                <a:tc>
-                  <a:txBody>
-                    <a:bodyPr/>
-                    <a:lstStyle/>
-                    <a:p>
-                      <a:pPr marL="0" marR="0" indent="0" algn="ctr" defTabSz="457200" rtl="0" eaLnBrk="1" fontAlgn="auto" latinLnBrk="0" hangingPunct="1">
-                        <a:lnSpc>
-                          <a:spcPct val="100000"/>
-                        </a:lnSpc>
-                        <a:spcBef>
-                          <a:spcPts val="0"/>
-                        </a:spcBef>
-                        <a:spcAft>
-                          <a:spcPts val="0"/>
-                        </a:spcAft>
-                        <a:buClrTx/>
-                        <a:buSzTx/>
-                        <a:buFontTx/>
-                        <a:buNone/>
-                        <a:tabLst/>
-                        <a:defRPr/>
-                      </a:pPr>
-                      <a:r>
-                        <a:rPr lang="en-US" dirty="0">
-                          <a:solidFill>
-                            <a:srgbClr val="FF7B11"/>
-                          </a:solidFill>
-                        </a:rPr>
-                        <a:t>E</a:t>
-                      </a:r>
-                      <a:r>
-                        <a:rPr lang="en-US" baseline="-25000" dirty="0">
-                          <a:solidFill>
-                            <a:srgbClr val="FF7B11"/>
-                          </a:solidFill>
-                        </a:rPr>
-                        <a:t>6</a:t>
-                      </a:r>
-                      <a:r>
-                        <a:rPr lang="en-US" dirty="0">
-                          <a:solidFill>
-                            <a:srgbClr val="FF7B11"/>
-                          </a:solidFill>
-                        </a:rPr>
-                        <a:t>+…+E</a:t>
-                      </a:r>
-                      <a:r>
-                        <a:rPr lang="en-US" baseline="-25000" dirty="0">
-                          <a:solidFill>
-                            <a:srgbClr val="FF7B11"/>
-                          </a:solidFill>
-                        </a:rPr>
-                        <a:t>9</a:t>
-                      </a:r>
-                      <a:endParaRPr lang="en-US" dirty="0">
-                        <a:solidFill>
-                          <a:srgbClr val="FF7B11"/>
-                        </a:solidFill>
-                      </a:endParaRPr>
-                    </a:p>
-                  </a:txBody>
-                  <a:tcPr>
-                    <a:lnL w="12700" cap="flat" cmpd="sng" algn="ctr">
-                      <a:solidFill>
-                        <a:scrgbClr r="0" g="0" b="0"/>
-                      </a:solidFill>
-                      <a:prstDash val="solid"/>
-                      <a:round/>
-                      <a:headEnd type="none" w="med" len="med"/>
-                      <a:tailEnd type="none" w="med" len="med"/>
-                    </a:lnL>
-                    <a:lnR w="12700" cap="flat" cmpd="sng" algn="ctr">
-                      <a:solidFill>
-                        <a:scrgbClr r="0" g="0" b="0"/>
-                      </a:solidFill>
-                      <a:prstDash val="solid"/>
-                      <a:round/>
-                      <a:headEnd type="none" w="med" len="med"/>
-                      <a:tailEnd type="none" w="med" len="med"/>
-                    </a:lnR>
-                    <a:lnT w="12700" cap="flat" cmpd="sng" algn="ctr">
-                      <a:solidFill>
-                        <a:scrgbClr r="0" g="0" b="0"/>
-                      </a:solidFill>
-                      <a:prstDash val="solid"/>
-                      <a:round/>
-                      <a:headEnd type="none" w="med" len="med"/>
-                      <a:tailEnd type="none" w="med" len="med"/>
-                    </a:lnT>
-                    <a:lnB w="12700" cap="flat" cmpd="sng" algn="ctr">
-                      <a:solidFill>
-                        <a:scrgbClr r="0" g="0" b="0"/>
-                      </a:solidFill>
-                      <a:prstDash val="solid"/>
-                      <a:round/>
-                      <a:headEnd type="none" w="med" len="med"/>
-                      <a:tailEnd type="none" w="med" len="med"/>
-                    </a:lnB>
-                    <a:solidFill>
-                      <a:srgbClr val="DDDDDD"/>
-                    </a:solidFill>
-                  </a:tcPr>
-                </a:tc>
-                <a:extLst>
-                  <a:ext uri="{0D108BD9-81ED-4DB2-BD59-A6C34878D82A}">
-                    <a16:rowId xmlns:a16="http://schemas.microsoft.com/office/drawing/2014/main" val="10005"/>
-                  </a:ext>
-                </a:extLst>
-              </a:tr>
-              <a:tr h="369100">
-                <a:tc>
-                  <a:txBody>
-                    <a:bodyPr/>
-                    <a:lstStyle/>
-                    <a:p>
-                      <a:pPr algn="ctr"/>
-                      <a:r>
-                        <a:rPr lang="en-US" dirty="0">
-                          <a:solidFill>
-                            <a:srgbClr val="003D62"/>
-                          </a:solidFill>
-                        </a:rPr>
-                        <a:t>5</a:t>
-                      </a:r>
-                    </a:p>
-                  </a:txBody>
-                  <a:tcPr>
-                    <a:lnR w="12700" cap="flat" cmpd="sng" algn="ctr">
-                      <a:solidFill>
-                        <a:scrgbClr r="0" g="0" b="0"/>
-                      </a:solidFill>
-                      <a:prstDash val="solid"/>
-                      <a:round/>
-                      <a:headEnd type="none" w="med" len="med"/>
-                      <a:tailEnd type="none" w="med" len="med"/>
-                    </a:lnR>
-                    <a:noFill/>
-                  </a:tcPr>
-                </a:tc>
-                <a:tc>
-                  <a:txBody>
-                    <a:bodyPr/>
-                    <a:lstStyle/>
-                    <a:p>
-                      <a:pPr algn="ctr"/>
-                      <a:r>
-                        <a:rPr lang="en-US" dirty="0"/>
-                        <a:t>10</a:t>
-                      </a:r>
-                    </a:p>
-                  </a:txBody>
-                  <a:tcPr>
-                    <a:lnL w="12700" cap="flat" cmpd="sng" algn="ctr">
-                      <a:solidFill>
-                        <a:scrgbClr r="0" g="0" b="0"/>
-                      </a:solidFill>
-                      <a:prstDash val="solid"/>
-                      <a:round/>
-                      <a:headEnd type="none" w="med" len="med"/>
-                      <a:tailEnd type="none" w="med" len="med"/>
-                    </a:lnL>
-                    <a:lnR w="12700" cap="flat" cmpd="sng" algn="ctr">
-                      <a:solidFill>
-                        <a:scrgbClr r="0" g="0" b="0"/>
-                      </a:solidFill>
-                      <a:prstDash val="solid"/>
-                      <a:round/>
-                      <a:headEnd type="none" w="med" len="med"/>
-                      <a:tailEnd type="none" w="med" len="med"/>
-                    </a:lnR>
-                    <a:lnT w="12700" cap="flat" cmpd="sng" algn="ctr">
-                      <a:solidFill>
-                        <a:scrgbClr r="0" g="0" b="0"/>
-                      </a:solidFill>
-                      <a:prstDash val="solid"/>
-                      <a:round/>
-                      <a:headEnd type="none" w="med" len="med"/>
-                      <a:tailEnd type="none" w="med" len="med"/>
-                    </a:lnT>
-                    <a:lnB w="12700" cap="flat" cmpd="sng" algn="ctr">
-                      <a:solidFill>
-                        <a:schemeClr val="tx1"/>
-                      </a:solidFill>
-                      <a:prstDash val="solid"/>
-                      <a:round/>
-                      <a:headEnd type="none" w="med" len="med"/>
-                      <a:tailEnd type="none" w="med" len="med"/>
-                    </a:lnB>
-                    <a:solidFill>
-                      <a:srgbClr val="A6A6A6"/>
-                    </a:solidFill>
-                  </a:tcPr>
-                </a:tc>
-                <a:tc>
-                  <a:txBody>
-                    <a:bodyPr/>
-                    <a:lstStyle/>
-                    <a:p>
-                      <a:pPr algn="ctr"/>
-                      <a:r>
-                        <a:rPr lang="en-US" dirty="0"/>
-                        <a:t>11</a:t>
-                      </a:r>
-                    </a:p>
-                  </a:txBody>
-                  <a:tcPr>
-                    <a:lnL w="12700" cap="flat" cmpd="sng" algn="ctr">
-                      <a:solidFill>
-                        <a:scrgbClr r="0" g="0" b="0"/>
-                      </a:solidFill>
-                      <a:prstDash val="solid"/>
-                      <a:round/>
-                      <a:headEnd type="none" w="med" len="med"/>
-                      <a:tailEnd type="none" w="med" len="med"/>
-                    </a:lnL>
-                    <a:lnR w="12700" cap="flat" cmpd="sng" algn="ctr">
-                      <a:solidFill>
-                        <a:scrgbClr r="0" g="0" b="0"/>
-                      </a:solidFill>
-                      <a:prstDash val="solid"/>
-                      <a:round/>
-                      <a:headEnd type="none" w="med" len="med"/>
-                      <a:tailEnd type="none" w="med" len="med"/>
-                    </a:lnR>
-                    <a:lnT w="12700" cap="flat" cmpd="sng" algn="ctr">
-                      <a:solidFill>
-                        <a:scrgbClr r="0" g="0" b="0"/>
-                      </a:solidFill>
-                      <a:prstDash val="solid"/>
-                      <a:round/>
-                      <a:headEnd type="none" w="med" len="med"/>
-                      <a:tailEnd type="none" w="med" len="med"/>
-                    </a:lnT>
-                    <a:lnB w="12700" cap="flat" cmpd="sng" algn="ctr">
-                      <a:solidFill>
-                        <a:schemeClr val="tx1"/>
-                      </a:solidFill>
-                      <a:prstDash val="solid"/>
-                      <a:round/>
-                      <a:headEnd type="none" w="med" len="med"/>
-                      <a:tailEnd type="none" w="med" len="med"/>
-                    </a:lnB>
-                    <a:solidFill>
-                      <a:srgbClr val="A6A6A6"/>
-                    </a:solidFill>
-                  </a:tcPr>
-                </a:tc>
-                <a:tc>
-                  <a:txBody>
-                    <a:bodyPr/>
-                    <a:lstStyle/>
-                    <a:p>
-                      <a:pPr algn="ctr"/>
-                      <a:r>
-                        <a:rPr lang="en-US" dirty="0"/>
-                        <a:t>12</a:t>
-                      </a:r>
-                    </a:p>
-                  </a:txBody>
-                  <a:tcPr>
-                    <a:lnL w="12700" cap="flat" cmpd="sng" algn="ctr">
-                      <a:solidFill>
-                        <a:scrgbClr r="0" g="0" b="0"/>
-                      </a:solidFill>
-                      <a:prstDash val="solid"/>
-                      <a:round/>
-                      <a:headEnd type="none" w="med" len="med"/>
-                      <a:tailEnd type="none" w="med" len="med"/>
-                    </a:lnL>
-                    <a:lnR w="12700" cap="flat" cmpd="sng" algn="ctr">
-                      <a:solidFill>
-                        <a:scrgbClr r="0" g="0" b="0"/>
-                      </a:solidFill>
-                      <a:prstDash val="solid"/>
-                      <a:round/>
-                      <a:headEnd type="none" w="med" len="med"/>
-                      <a:tailEnd type="none" w="med" len="med"/>
-                    </a:lnR>
-                    <a:lnT w="12700" cap="flat" cmpd="sng" algn="ctr">
-                      <a:solidFill>
-                        <a:scrgbClr r="0" g="0" b="0"/>
-                      </a:solidFill>
-                      <a:prstDash val="solid"/>
-                      <a:round/>
-                      <a:headEnd type="none" w="med" len="med"/>
-                      <a:tailEnd type="none" w="med" len="med"/>
-                    </a:lnT>
-                    <a:lnB w="12700" cap="flat" cmpd="sng" algn="ctr">
-                      <a:solidFill>
-                        <a:schemeClr val="tx1"/>
-                      </a:solidFill>
-                      <a:prstDash val="solid"/>
-                      <a:round/>
-                      <a:headEnd type="none" w="med" len="med"/>
-                      <a:tailEnd type="none" w="med" len="med"/>
-                    </a:lnB>
-                    <a:solidFill>
-                      <a:srgbClr val="A6A6A6"/>
-                    </a:solidFill>
-                  </a:tcPr>
-                </a:tc>
-                <a:tc>
-                  <a:txBody>
-                    <a:bodyPr/>
-                    <a:lstStyle/>
-                    <a:p>
-                      <a:pPr algn="ctr"/>
-                      <a:r>
-                        <a:rPr lang="en-US" dirty="0"/>
-                        <a:t>13</a:t>
-                      </a:r>
-                    </a:p>
-                  </a:txBody>
-                  <a:tcPr>
-                    <a:lnL w="12700" cap="flat" cmpd="sng" algn="ctr">
-                      <a:solidFill>
-                        <a:scrgbClr r="0" g="0" b="0"/>
-                      </a:solidFill>
-                      <a:prstDash val="solid"/>
-                      <a:round/>
-                      <a:headEnd type="none" w="med" len="med"/>
-                      <a:tailEnd type="none" w="med" len="med"/>
-                    </a:lnL>
-                    <a:lnR w="12700" cap="flat" cmpd="sng" algn="ctr">
-                      <a:solidFill>
-                        <a:scrgbClr r="0" g="0" b="0"/>
-                      </a:solidFill>
-                      <a:prstDash val="solid"/>
-                      <a:round/>
-                      <a:headEnd type="none" w="med" len="med"/>
-                      <a:tailEnd type="none" w="med" len="med"/>
-                    </a:lnR>
-                    <a:lnT w="12700" cap="flat" cmpd="sng" algn="ctr">
-                      <a:solidFill>
-                        <a:scrgbClr r="0" g="0" b="0"/>
-                      </a:solidFill>
-                      <a:prstDash val="solid"/>
-                      <a:round/>
-                      <a:headEnd type="none" w="med" len="med"/>
-                      <a:tailEnd type="none" w="med" len="med"/>
-                    </a:lnT>
-                    <a:lnB w="12700" cap="flat" cmpd="sng" algn="ctr">
-                      <a:solidFill>
-                        <a:schemeClr val="tx1"/>
-                      </a:solidFill>
-                      <a:prstDash val="solid"/>
-                      <a:round/>
-                      <a:headEnd type="none" w="med" len="med"/>
-                      <a:tailEnd type="none" w="med" len="med"/>
-                    </a:lnB>
-                    <a:solidFill>
-                      <a:srgbClr val="A6A6A6"/>
-                    </a:solidFill>
-                  </a:tcPr>
-                </a:tc>
-                <a:tc>
-                  <a:txBody>
-                    <a:bodyPr/>
-                    <a:lstStyle/>
-                    <a:p>
-                      <a:pPr algn="ctr"/>
-                      <a:r>
-                        <a:rPr lang="en-US" dirty="0"/>
-                        <a:t>14</a:t>
-                      </a:r>
-                    </a:p>
-                  </a:txBody>
-                  <a:tcPr>
-                    <a:lnL w="12700" cap="flat" cmpd="sng" algn="ctr">
-                      <a:solidFill>
-                        <a:scrgbClr r="0" g="0" b="0"/>
-                      </a:solidFill>
-                      <a:prstDash val="solid"/>
-                      <a:round/>
-                      <a:headEnd type="none" w="med" len="med"/>
-                      <a:tailEnd type="none" w="med" len="med"/>
-                    </a:lnL>
-                    <a:lnR w="12700" cap="flat" cmpd="sng" algn="ctr">
-                      <a:solidFill>
-                        <a:scrgbClr r="0" g="0" b="0"/>
-                      </a:solidFill>
-                      <a:prstDash val="solid"/>
-                      <a:round/>
-                      <a:headEnd type="none" w="med" len="med"/>
-                      <a:tailEnd type="none" w="med" len="med"/>
-                    </a:lnR>
-                    <a:lnT w="12700" cap="flat" cmpd="sng" algn="ctr">
-                      <a:solidFill>
-                        <a:scrgbClr r="0" g="0" b="0"/>
-                      </a:solidFill>
-                      <a:prstDash val="solid"/>
-                      <a:round/>
-                      <a:headEnd type="none" w="med" len="med"/>
-                      <a:tailEnd type="none" w="med" len="med"/>
-                    </a:lnT>
-                    <a:lnB w="12700" cap="flat" cmpd="sng" algn="ctr">
-                      <a:solidFill>
-                        <a:schemeClr val="tx1"/>
-                      </a:solidFill>
-                      <a:prstDash val="solid"/>
-                      <a:round/>
-                      <a:headEnd type="none" w="med" len="med"/>
-                      <a:tailEnd type="none" w="med" len="med"/>
-                    </a:lnB>
-                    <a:solidFill>
-                      <a:srgbClr val="FF7B11"/>
-                    </a:solidFill>
-                  </a:tcPr>
-                </a:tc>
-                <a:tc>
-                  <a:txBody>
-                    <a:bodyPr/>
-                    <a:lstStyle/>
-                    <a:p>
-                      <a:pPr algn="ctr"/>
-                      <a:endParaRPr lang="en-US" dirty="0"/>
-                    </a:p>
-                  </a:txBody>
-                  <a:tcPr>
-                    <a:lnL w="12700" cap="flat" cmpd="sng" algn="ctr">
-                      <a:solidFill>
-                        <a:scrgbClr r="0" g="0" b="0"/>
-                      </a:solidFill>
-                      <a:prstDash val="solid"/>
-                      <a:round/>
-                      <a:headEnd type="none" w="med" len="med"/>
-                      <a:tailEnd type="none" w="med" len="med"/>
-                    </a:lnL>
-                    <a:lnB w="12700" cap="flat" cmpd="sng" algn="ctr">
-                      <a:solidFill>
-                        <a:schemeClr val="tx1"/>
-                      </a:solidFill>
-                      <a:prstDash val="solid"/>
-                      <a:round/>
-                      <a:headEnd type="none" w="med" len="med"/>
-                      <a:tailEnd type="none" w="med" len="med"/>
-                    </a:lnB>
-                    <a:solidFill>
-                      <a:srgbClr val="DDDDDD"/>
-                    </a:solidFill>
-                  </a:tcPr>
-                </a:tc>
-                <a:tc>
-                  <a:txBody>
-                    <a:bodyPr/>
-                    <a:lstStyle/>
-                    <a:p>
-                      <a:pPr algn="ctr"/>
-                      <a:endParaRPr lang="en-US" dirty="0"/>
-                    </a:p>
-                  </a:txBody>
-                  <a:tcPr>
-                    <a:lnR w="12700" cap="flat" cmpd="sng" algn="ctr">
-                      <a:solidFill>
-                        <a:scrgbClr r="0" g="0" b="0"/>
-                      </a:solidFill>
-                      <a:prstDash val="solid"/>
-                      <a:round/>
-                      <a:headEnd type="none" w="med" len="med"/>
-                      <a:tailEnd type="none" w="med" len="med"/>
-                    </a:lnR>
-                    <a:solidFill>
-                      <a:srgbClr val="DDDDDD"/>
-                    </a:solidFill>
-                  </a:tcPr>
-                </a:tc>
-                <a:tc>
-                  <a:txBody>
-                    <a:bodyPr/>
-                    <a:lstStyle/>
-                    <a:p>
-                      <a:pPr marL="0" marR="0" indent="0" algn="ctr" defTabSz="457200" rtl="0" eaLnBrk="1" fontAlgn="auto" latinLnBrk="0" hangingPunct="1">
-                        <a:lnSpc>
-                          <a:spcPct val="100000"/>
-                        </a:lnSpc>
-                        <a:spcBef>
-                          <a:spcPts val="0"/>
-                        </a:spcBef>
-                        <a:spcAft>
-                          <a:spcPts val="0"/>
-                        </a:spcAft>
-                        <a:buClrTx/>
-                        <a:buSzTx/>
-                        <a:buFontTx/>
-                        <a:buNone/>
-                        <a:tabLst/>
-                        <a:defRPr/>
-                      </a:pPr>
-                      <a:r>
-                        <a:rPr lang="en-US" dirty="0"/>
-                        <a:t>E</a:t>
-                      </a:r>
-                      <a:r>
-                        <a:rPr lang="en-US" baseline="-25000" dirty="0"/>
-                        <a:t>10</a:t>
-                      </a:r>
-                      <a:r>
-                        <a:rPr lang="en-US" dirty="0"/>
-                        <a:t>+…+E</a:t>
-                      </a:r>
-                      <a:r>
-                        <a:rPr lang="en-US" baseline="-25000" dirty="0"/>
-                        <a:t>14</a:t>
-                      </a:r>
-                      <a:r>
-                        <a:rPr lang="en-US" dirty="0"/>
-                        <a:t>-E</a:t>
-                      </a:r>
-                      <a:r>
-                        <a:rPr lang="en-US" baseline="-25000" dirty="0"/>
-                        <a:t>14</a:t>
-                      </a:r>
-                      <a:r>
-                        <a:rPr lang="en-US" dirty="0">
-                          <a:solidFill>
-                            <a:srgbClr val="FF7B11"/>
-                          </a:solidFill>
-                        </a:rPr>
-                        <a:t>-E</a:t>
-                      </a:r>
-                      <a:r>
-                        <a:rPr lang="en-US" baseline="-25000" dirty="0">
-                          <a:solidFill>
-                            <a:srgbClr val="FF7B11"/>
-                          </a:solidFill>
-                        </a:rPr>
-                        <a:t>14</a:t>
-                      </a:r>
-                    </a:p>
-                  </a:txBody>
-                  <a:tcPr>
-                    <a:lnL w="12700" cap="flat" cmpd="sng" algn="ctr">
-                      <a:solidFill>
-                        <a:scrgbClr r="0" g="0" b="0"/>
-                      </a:solidFill>
-                      <a:prstDash val="solid"/>
-                      <a:round/>
-                      <a:headEnd type="none" w="med" len="med"/>
-                      <a:tailEnd type="none" w="med" len="med"/>
-                    </a:lnL>
-                    <a:lnR w="12700" cap="flat" cmpd="sng" algn="ctr">
-                      <a:solidFill>
-                        <a:scrgbClr r="0" g="0" b="0"/>
-                      </a:solidFill>
-                      <a:prstDash val="solid"/>
-                      <a:round/>
-                      <a:headEnd type="none" w="med" len="med"/>
-                      <a:tailEnd type="none" w="med" len="med"/>
-                    </a:lnR>
-                    <a:lnT w="12700" cap="flat" cmpd="sng" algn="ctr">
-                      <a:solidFill>
-                        <a:scrgbClr r="0" g="0" b="0"/>
-                      </a:solidFill>
-                      <a:prstDash val="solid"/>
-                      <a:round/>
-                      <a:headEnd type="none" w="med" len="med"/>
-                      <a:tailEnd type="none" w="med" len="med"/>
-                    </a:lnT>
-                    <a:lnB w="12700" cap="flat" cmpd="sng" algn="ctr">
-                      <a:solidFill>
-                        <a:scrgbClr r="0" g="0" b="0"/>
-                      </a:solidFill>
-                      <a:prstDash val="solid"/>
-                      <a:round/>
-                      <a:headEnd type="none" w="med" len="med"/>
-                      <a:tailEnd type="none" w="med" len="med"/>
-                    </a:lnB>
-                    <a:solidFill>
-                      <a:srgbClr val="DDDDDD"/>
-                    </a:solidFill>
-                  </a:tcPr>
-                </a:tc>
-                <a:extLst>
-                  <a:ext uri="{0D108BD9-81ED-4DB2-BD59-A6C34878D82A}">
-                    <a16:rowId xmlns:a16="http://schemas.microsoft.com/office/drawing/2014/main" val="10006"/>
-                  </a:ext>
-                </a:extLst>
-              </a:tr>
-              <a:tr h="369100">
-                <a:tc>
-                  <a:txBody>
-                    <a:bodyPr/>
-                    <a:lstStyle/>
-                    <a:p>
-                      <a:pPr algn="ctr"/>
-                      <a:r>
-                        <a:rPr lang="en-US" dirty="0">
-                          <a:solidFill>
-                            <a:srgbClr val="003D62"/>
-                          </a:solidFill>
-                        </a:rPr>
-                        <a:t>6</a:t>
-                      </a:r>
-                    </a:p>
-                  </a:txBody>
-                  <a:tcPr>
-                    <a:lnR w="12700" cap="flat" cmpd="sng" algn="ctr">
-                      <a:solidFill>
-                        <a:schemeClr val="tx1"/>
-                      </a:solidFill>
-                      <a:prstDash val="solid"/>
-                      <a:round/>
-                      <a:headEnd type="none" w="med" len="med"/>
-                      <a:tailEnd type="none" w="med" len="med"/>
-                    </a:lnR>
-                    <a:noFill/>
-                  </a:tcPr>
-                </a:tc>
-                <a:tc>
-                  <a:txBody>
-                    <a:bodyPr/>
-                    <a:lstStyle/>
-                    <a:p>
-                      <a:pPr algn="ctr"/>
-                      <a:r>
-                        <a:rPr lang="en-US" dirty="0"/>
-                        <a:t>15</a:t>
-                      </a:r>
-                    </a:p>
-                  </a:txBody>
-                  <a:tcPr>
-                    <a:lnL w="12700" cap="flat" cmpd="sng" algn="ctr">
-                      <a:solidFill>
-                        <a:schemeClr val="tx1"/>
-                      </a:solidFill>
-                      <a:prstDash val="solid"/>
-                      <a:round/>
-                      <a:headEnd type="none" w="med" len="med"/>
-                      <a:tailEnd type="none" w="med" len="med"/>
-                    </a:lnL>
-                    <a:lnR w="12700" cap="flat" cmpd="sng" algn="ctr">
-                      <a:solidFill>
-                        <a:schemeClr val="tx1"/>
-                      </a:solidFill>
-                      <a:prstDash val="solid"/>
-                      <a:round/>
-                      <a:headEnd type="none" w="med" len="med"/>
-                      <a:tailEnd type="none" w="med" len="med"/>
-                    </a:lnR>
-                    <a:lnT w="12700" cap="flat" cmpd="sng" algn="ctr">
-                      <a:solidFill>
-                        <a:schemeClr val="tx1"/>
-                      </a:solidFill>
-                      <a:prstDash val="solid"/>
-                      <a:round/>
-                      <a:headEnd type="none" w="med" len="med"/>
-                      <a:tailEnd type="none" w="med" len="med"/>
-                    </a:lnT>
-                    <a:lnB w="12700" cap="flat" cmpd="sng" algn="ctr">
-                      <a:solidFill>
-                        <a:schemeClr val="tx1"/>
-                      </a:solidFill>
-                      <a:prstDash val="solid"/>
-                      <a:round/>
-                      <a:headEnd type="none" w="med" len="med"/>
-                      <a:tailEnd type="none" w="med" len="med"/>
-                    </a:lnB>
-                    <a:solidFill>
-                      <a:srgbClr val="A6A6A6"/>
-                    </a:solidFill>
-                  </a:tcPr>
-                </a:tc>
-                <a:tc>
-                  <a:txBody>
-                    <a:bodyPr/>
-                    <a:lstStyle/>
-                    <a:p>
-                      <a:pPr algn="ctr"/>
-                      <a:r>
-                        <a:rPr lang="en-US" dirty="0"/>
-                        <a:t>16</a:t>
-                      </a:r>
-                    </a:p>
-                  </a:txBody>
-                  <a:tcPr>
-                    <a:lnL w="12700" cap="flat" cmpd="sng" algn="ctr">
-                      <a:solidFill>
-                        <a:schemeClr val="tx1"/>
-                      </a:solidFill>
-                      <a:prstDash val="solid"/>
-                      <a:round/>
-                      <a:headEnd type="none" w="med" len="med"/>
-                      <a:tailEnd type="none" w="med" len="med"/>
-                    </a:lnL>
-                    <a:lnR w="12700" cap="flat" cmpd="sng" algn="ctr">
-                      <a:solidFill>
-                        <a:schemeClr val="tx1"/>
-                      </a:solidFill>
-                      <a:prstDash val="solid"/>
-                      <a:round/>
-                      <a:headEnd type="none" w="med" len="med"/>
-                      <a:tailEnd type="none" w="med" len="med"/>
-                    </a:lnR>
-                    <a:lnT w="12700" cap="flat" cmpd="sng" algn="ctr">
-                      <a:solidFill>
-                        <a:schemeClr val="tx1"/>
-                      </a:solidFill>
-                      <a:prstDash val="solid"/>
-                      <a:round/>
-                      <a:headEnd type="none" w="med" len="med"/>
-                      <a:tailEnd type="none" w="med" len="med"/>
-                    </a:lnT>
-                    <a:lnB w="12700" cap="flat" cmpd="sng" algn="ctr">
-                      <a:solidFill>
-                        <a:schemeClr val="tx1"/>
-                      </a:solidFill>
-                      <a:prstDash val="solid"/>
-                      <a:round/>
-                      <a:headEnd type="none" w="med" len="med"/>
-                      <a:tailEnd type="none" w="med" len="med"/>
-                    </a:lnB>
-                    <a:solidFill>
-                      <a:srgbClr val="A6A6A6"/>
-                    </a:solidFill>
-                  </a:tcPr>
-                </a:tc>
-                <a:tc>
-                  <a:txBody>
-                    <a:bodyPr/>
-                    <a:lstStyle/>
-                    <a:p>
-                      <a:pPr algn="ctr"/>
-                      <a:r>
-                        <a:rPr lang="en-US" dirty="0"/>
-                        <a:t>17</a:t>
-                      </a:r>
-                    </a:p>
-                  </a:txBody>
-                  <a:tcPr>
-                    <a:lnL w="12700" cap="flat" cmpd="sng" algn="ctr">
-                      <a:solidFill>
-                        <a:schemeClr val="tx1"/>
-                      </a:solidFill>
-                      <a:prstDash val="solid"/>
-                      <a:round/>
-                      <a:headEnd type="none" w="med" len="med"/>
-                      <a:tailEnd type="none" w="med" len="med"/>
-                    </a:lnL>
-                    <a:lnR w="12700" cap="flat" cmpd="sng" algn="ctr">
-                      <a:solidFill>
-                        <a:schemeClr val="tx1"/>
-                      </a:solidFill>
-                      <a:prstDash val="solid"/>
-                      <a:round/>
-                      <a:headEnd type="none" w="med" len="med"/>
-                      <a:tailEnd type="none" w="med" len="med"/>
-                    </a:lnR>
-                    <a:lnT w="12700" cap="flat" cmpd="sng" algn="ctr">
-                      <a:solidFill>
-                        <a:schemeClr val="tx1"/>
-                      </a:solidFill>
-                      <a:prstDash val="solid"/>
-                      <a:round/>
-                      <a:headEnd type="none" w="med" len="med"/>
-                      <a:tailEnd type="none" w="med" len="med"/>
-                    </a:lnT>
-                    <a:lnB w="12700" cap="flat" cmpd="sng" algn="ctr">
-                      <a:solidFill>
-                        <a:schemeClr val="tx1"/>
-                      </a:solidFill>
-                      <a:prstDash val="solid"/>
-                      <a:round/>
-                      <a:headEnd type="none" w="med" len="med"/>
-                      <a:tailEnd type="none" w="med" len="med"/>
-                    </a:lnB>
-                    <a:solidFill>
-                      <a:srgbClr val="A6A6A6"/>
-                    </a:solidFill>
-                  </a:tcPr>
-                </a:tc>
-                <a:tc>
-                  <a:txBody>
-                    <a:bodyPr/>
-                    <a:lstStyle/>
-                    <a:p>
-                      <a:pPr algn="ctr"/>
-                      <a:r>
-                        <a:rPr lang="en-US" dirty="0"/>
-                        <a:t>18</a:t>
-                      </a:r>
-                    </a:p>
-                  </a:txBody>
-                  <a:tcPr>
-                    <a:lnL w="12700" cap="flat" cmpd="sng" algn="ctr">
-                      <a:solidFill>
-                        <a:schemeClr val="tx1"/>
-                      </a:solidFill>
-                      <a:prstDash val="solid"/>
-                      <a:round/>
-                      <a:headEnd type="none" w="med" len="med"/>
-                      <a:tailEnd type="none" w="med" len="med"/>
-                    </a:lnL>
-                    <a:lnR w="12700" cap="flat" cmpd="sng" algn="ctr">
-                      <a:solidFill>
-                        <a:schemeClr val="tx1"/>
-                      </a:solidFill>
-                      <a:prstDash val="solid"/>
-                      <a:round/>
-                      <a:headEnd type="none" w="med" len="med"/>
-                      <a:tailEnd type="none" w="med" len="med"/>
-                    </a:lnR>
-                    <a:lnT w="12700" cap="flat" cmpd="sng" algn="ctr">
-                      <a:solidFill>
-                        <a:schemeClr val="tx1"/>
-                      </a:solidFill>
-                      <a:prstDash val="solid"/>
-                      <a:round/>
-                      <a:headEnd type="none" w="med" len="med"/>
-                      <a:tailEnd type="none" w="med" len="med"/>
-                    </a:lnT>
-                    <a:lnB w="12700" cap="flat" cmpd="sng" algn="ctr">
-                      <a:solidFill>
-                        <a:schemeClr val="tx1"/>
-                      </a:solidFill>
-                      <a:prstDash val="solid"/>
-                      <a:round/>
-                      <a:headEnd type="none" w="med" len="med"/>
-                      <a:tailEnd type="none" w="med" len="med"/>
-                    </a:lnB>
-                    <a:solidFill>
-                      <a:srgbClr val="A6A6A6"/>
-                    </a:solidFill>
-                  </a:tcPr>
-                </a:tc>
-                <a:tc>
-                  <a:txBody>
-                    <a:bodyPr/>
-                    <a:lstStyle/>
-                    <a:p>
-                      <a:pPr algn="ctr"/>
-                      <a:r>
-                        <a:rPr lang="en-US" dirty="0"/>
-                        <a:t>19</a:t>
-                      </a:r>
-                    </a:p>
-                  </a:txBody>
-                  <a:tcPr>
-                    <a:lnL w="12700" cap="flat" cmpd="sng" algn="ctr">
-                      <a:solidFill>
-                        <a:schemeClr val="tx1"/>
-                      </a:solidFill>
-                      <a:prstDash val="solid"/>
-                      <a:round/>
-                      <a:headEnd type="none" w="med" len="med"/>
-                      <a:tailEnd type="none" w="med" len="med"/>
-                    </a:lnL>
-                    <a:lnR w="12700" cap="flat" cmpd="sng" algn="ctr">
-                      <a:solidFill>
-                        <a:schemeClr val="tx1"/>
-                      </a:solidFill>
-                      <a:prstDash val="solid"/>
-                      <a:round/>
-                      <a:headEnd type="none" w="med" len="med"/>
-                      <a:tailEnd type="none" w="med" len="med"/>
-                    </a:lnR>
-                    <a:lnT w="12700" cap="flat" cmpd="sng" algn="ctr">
-                      <a:solidFill>
-                        <a:schemeClr val="tx1"/>
-                      </a:solidFill>
-                      <a:prstDash val="solid"/>
-                      <a:round/>
-                      <a:headEnd type="none" w="med" len="med"/>
-                      <a:tailEnd type="none" w="med" len="med"/>
-                    </a:lnT>
-                    <a:lnB w="12700" cap="flat" cmpd="sng" algn="ctr">
-                      <a:solidFill>
-                        <a:schemeClr val="tx1"/>
-                      </a:solidFill>
-                      <a:prstDash val="solid"/>
-                      <a:round/>
-                      <a:headEnd type="none" w="med" len="med"/>
-                      <a:tailEnd type="none" w="med" len="med"/>
-                    </a:lnB>
-                    <a:solidFill>
-                      <a:srgbClr val="FF7B11"/>
-                    </a:solidFill>
-                  </a:tcPr>
-                </a:tc>
-                <a:tc>
-                  <a:txBody>
-                    <a:bodyPr/>
-                    <a:lstStyle/>
-                    <a:p>
-                      <a:pPr algn="ctr"/>
-                      <a:r>
-                        <a:rPr lang="en-US" dirty="0"/>
-                        <a:t>20</a:t>
-                      </a:r>
-                    </a:p>
-                  </a:txBody>
-                  <a:tcPr>
-                    <a:lnL w="12700" cap="flat" cmpd="sng" algn="ctr">
-                      <a:solidFill>
-                        <a:schemeClr val="tx1"/>
-                      </a:solidFill>
-                      <a:prstDash val="solid"/>
-                      <a:round/>
-                      <a:headEnd type="none" w="med" len="med"/>
-                      <a:tailEnd type="none" w="med" len="med"/>
-                    </a:lnL>
-                    <a:lnR w="12700" cap="flat" cmpd="sng" algn="ctr">
-                      <a:solidFill>
-                        <a:schemeClr val="tx1"/>
-                      </a:solidFill>
-                      <a:prstDash val="solid"/>
-                      <a:round/>
-                      <a:headEnd type="none" w="med" len="med"/>
-                      <a:tailEnd type="none" w="med" len="med"/>
-                    </a:lnR>
-                    <a:lnT w="12700" cap="flat" cmpd="sng" algn="ctr">
-                      <a:solidFill>
-                        <a:schemeClr val="tx1"/>
-                      </a:solidFill>
-                      <a:prstDash val="solid"/>
-                      <a:round/>
-                      <a:headEnd type="none" w="med" len="med"/>
-                      <a:tailEnd type="none" w="med" len="med"/>
-                    </a:lnT>
-                    <a:lnB w="12700" cap="flat" cmpd="sng" algn="ctr">
-                      <a:solidFill>
-                        <a:schemeClr val="tx1"/>
-                      </a:solidFill>
-                      <a:prstDash val="solid"/>
-                      <a:round/>
-                      <a:headEnd type="none" w="med" len="med"/>
-                      <a:tailEnd type="none" w="med" len="med"/>
-                    </a:lnB>
-                    <a:solidFill>
-                      <a:srgbClr val="A6A6A6"/>
-                    </a:solidFill>
-                  </a:tcPr>
-                </a:tc>
-                <a:tc>
-                  <a:txBody>
-                    <a:bodyPr/>
-                    <a:lstStyle/>
-                    <a:p>
-                      <a:pPr algn="ctr"/>
-                      <a:endParaRPr lang="en-US" dirty="0"/>
-                    </a:p>
-                  </a:txBody>
-                  <a:tcPr>
-                    <a:lnL w="12700" cap="flat" cmpd="sng" algn="ctr">
-                      <a:solidFill>
-                        <a:schemeClr val="tx1"/>
-                      </a:solidFill>
-                      <a:prstDash val="solid"/>
-                      <a:round/>
-                      <a:headEnd type="none" w="med" len="med"/>
-                      <a:tailEnd type="none" w="med" len="med"/>
-                    </a:lnL>
-                    <a:lnR w="12700" cap="flat" cmpd="sng" algn="ctr">
-                      <a:solidFill>
-                        <a:scrgbClr r="0" g="0" b="0"/>
-                      </a:solidFill>
-                      <a:prstDash val="solid"/>
-                      <a:round/>
-                      <a:headEnd type="none" w="med" len="med"/>
-                      <a:tailEnd type="none" w="med" len="med"/>
-                    </a:lnR>
-                    <a:lnB w="12700" cap="flat" cmpd="sng" algn="ctr">
-                      <a:noFill/>
-                      <a:prstDash val="solid"/>
-                      <a:round/>
-                      <a:headEnd type="none" w="med" len="med"/>
-                      <a:tailEnd type="none" w="med" len="med"/>
-                    </a:lnB>
-                    <a:solidFill>
-                      <a:srgbClr val="DDDDDD"/>
-                    </a:solidFill>
-                  </a:tcPr>
-                </a:tc>
-                <a:tc>
-                  <a:txBody>
-                    <a:bodyPr/>
-                    <a:lstStyle/>
-                    <a:p>
-                      <a:pPr marL="0" marR="0" indent="0" algn="ctr" defTabSz="457200" rtl="0" eaLnBrk="1" fontAlgn="auto" latinLnBrk="0" hangingPunct="1">
-                        <a:lnSpc>
-                          <a:spcPct val="100000"/>
-                        </a:lnSpc>
-                        <a:spcBef>
-                          <a:spcPts val="0"/>
-                        </a:spcBef>
-                        <a:spcAft>
-                          <a:spcPts val="0"/>
-                        </a:spcAft>
-                        <a:buClrTx/>
-                        <a:buSzTx/>
-                        <a:buFontTx/>
-                        <a:buNone/>
-                        <a:tabLst/>
-                        <a:defRPr/>
-                      </a:pPr>
-                      <a:r>
-                        <a:rPr lang="en-US" dirty="0"/>
-                        <a:t>E</a:t>
-                      </a:r>
-                      <a:r>
-                        <a:rPr lang="en-US" baseline="-25000" dirty="0"/>
-                        <a:t>15</a:t>
-                      </a:r>
-                      <a:r>
-                        <a:rPr lang="en-US" dirty="0"/>
-                        <a:t>+…+E</a:t>
-                      </a:r>
-                      <a:r>
-                        <a:rPr lang="en-US" baseline="-25000" dirty="0"/>
-                        <a:t>20</a:t>
-                      </a:r>
-                      <a:r>
-                        <a:rPr lang="en-US" dirty="0"/>
-                        <a:t>-</a:t>
-                      </a:r>
-                      <a:r>
-                        <a:rPr lang="en-US" dirty="0">
-                          <a:solidFill>
-                            <a:schemeClr val="tx1"/>
-                          </a:solidFill>
-                        </a:rPr>
-                        <a:t>E</a:t>
-                      </a:r>
-                      <a:r>
-                        <a:rPr lang="en-US" baseline="-25000" dirty="0">
-                          <a:solidFill>
-                            <a:schemeClr val="tx1"/>
-                          </a:solidFill>
-                        </a:rPr>
-                        <a:t>19</a:t>
-                      </a:r>
-                      <a:r>
-                        <a:rPr lang="en-US" dirty="0"/>
-                        <a:t>+</a:t>
-                      </a:r>
-                      <a:r>
-                        <a:rPr lang="en-US" dirty="0">
-                          <a:solidFill>
-                            <a:srgbClr val="FF7B11"/>
-                          </a:solidFill>
-                        </a:rPr>
-                        <a:t>E</a:t>
-                      </a:r>
-                      <a:r>
-                        <a:rPr lang="en-US" baseline="-25000" dirty="0">
-                          <a:solidFill>
-                            <a:srgbClr val="FF7B11"/>
-                          </a:solidFill>
-                        </a:rPr>
-                        <a:t>19</a:t>
-                      </a:r>
-                      <a:endParaRPr lang="en-US" baseline="-25000" dirty="0"/>
-                    </a:p>
-                  </a:txBody>
-                  <a:tcPr>
-                    <a:lnL w="12700" cap="flat" cmpd="sng" algn="ctr">
-                      <a:solidFill>
-                        <a:scrgbClr r="0" g="0" b="0"/>
-                      </a:solidFill>
-                      <a:prstDash val="solid"/>
-                      <a:round/>
-                      <a:headEnd type="none" w="med" len="med"/>
-                      <a:tailEnd type="none" w="med" len="med"/>
-                    </a:lnL>
-                    <a:lnR w="12700" cap="flat" cmpd="sng" algn="ctr">
-                      <a:solidFill>
-                        <a:scrgbClr r="0" g="0" b="0"/>
-                      </a:solidFill>
-                      <a:prstDash val="solid"/>
-                      <a:round/>
-                      <a:headEnd type="none" w="med" len="med"/>
-                      <a:tailEnd type="none" w="med" len="med"/>
-                    </a:lnR>
-                    <a:lnT w="12700" cap="flat" cmpd="sng" algn="ctr">
-                      <a:solidFill>
-                        <a:scrgbClr r="0" g="0" b="0"/>
-                      </a:solidFill>
-                      <a:prstDash val="solid"/>
-                      <a:round/>
-                      <a:headEnd type="none" w="med" len="med"/>
-                      <a:tailEnd type="none" w="med" len="med"/>
-                    </a:lnT>
-                    <a:lnB w="38100" cap="flat" cmpd="sng" algn="ctr">
-                      <a:solidFill>
-                        <a:schemeClr val="tx1"/>
-                      </a:solidFill>
-                      <a:prstDash val="solid"/>
-                      <a:round/>
-                      <a:headEnd type="none" w="med" len="med"/>
-                      <a:tailEnd type="none" w="med" len="med"/>
-                    </a:lnB>
-                    <a:solidFill>
-                      <a:srgbClr val="DDDDDD"/>
-                    </a:solidFill>
-                  </a:tcPr>
-                </a:tc>
-                <a:extLst>
-                  <a:ext uri="{0D108BD9-81ED-4DB2-BD59-A6C34878D82A}">
-                    <a16:rowId xmlns:a16="http://schemas.microsoft.com/office/drawing/2014/main" val="10007"/>
-                  </a:ext>
-                </a:extLst>
-              </a:tr>
-              <a:tr h="369100">
-                <a:tc>
-                  <a:txBody>
-                    <a:bodyPr/>
-                    <a:lstStyle/>
-                    <a:p>
-                      <a:pPr algn="ctr"/>
-                      <a:endParaRPr lang="en-US" dirty="0">
-                        <a:solidFill>
-                          <a:srgbClr val="003D62"/>
-                        </a:solidFill>
-                      </a:endParaRPr>
-                    </a:p>
-                  </a:txBody>
-                  <a:tcPr>
-                    <a:lnR w="12700" cap="flat" cmpd="sng" algn="ctr">
-                      <a:noFill/>
-                      <a:prstDash val="solid"/>
-                      <a:round/>
-                      <a:headEnd type="none" w="med" len="med"/>
-                      <a:tailEnd type="none" w="med" len="med"/>
-                    </a:lnR>
-                    <a:noFill/>
-                  </a:tcPr>
-                </a:tc>
-                <a:tc>
-                  <a:txBody>
-                    <a:bodyPr/>
-                    <a:lstStyle/>
-                    <a:p>
-                      <a:pPr algn="ctr"/>
-                      <a:endParaRPr lang="en-US" dirty="0"/>
-                    </a:p>
-                  </a:txBody>
-                  <a:tcPr>
-                    <a:lnL w="12700" cap="flat" cmpd="sng" algn="ctr">
-                      <a:noFill/>
-                      <a:prstDash val="solid"/>
-                      <a:round/>
-                      <a:headEnd type="none" w="med" len="med"/>
-                      <a:tailEnd type="none" w="med" len="med"/>
-                    </a:lnL>
-                    <a:lnR w="12700" cap="flat" cmpd="sng" algn="ctr">
-                      <a:noFill/>
-                      <a:prstDash val="solid"/>
-                      <a:round/>
-                      <a:headEnd type="none" w="med" len="med"/>
-                      <a:tailEnd type="none" w="med" len="med"/>
-                    </a:lnR>
-                    <a:lnT w="12700" cap="flat" cmpd="sng" algn="ctr">
-                      <a:solidFill>
-                        <a:schemeClr val="tx1"/>
-                      </a:solidFill>
-                      <a:prstDash val="solid"/>
-                      <a:round/>
-                      <a:headEnd type="none" w="med" len="med"/>
-                      <a:tailEnd type="none" w="med" len="med"/>
-                    </a:lnT>
-                    <a:lnB w="12700" cap="flat" cmpd="sng" algn="ctr">
-                      <a:noFill/>
-                      <a:prstDash val="solid"/>
-                      <a:round/>
-                      <a:headEnd type="none" w="med" len="med"/>
-                      <a:tailEnd type="none" w="med" len="med"/>
-                    </a:lnB>
-                    <a:lnTlToBr w="12700" cmpd="sng">
-                      <a:noFill/>
-                      <a:prstDash val="solid"/>
-                    </a:lnTlToBr>
-                    <a:lnBlToTr w="12700" cmpd="sng">
-                      <a:noFill/>
-                      <a:prstDash val="solid"/>
-                    </a:lnBlToTr>
-                    <a:noFill/>
-                  </a:tcPr>
-                </a:tc>
-                <a:tc>
-                  <a:txBody>
-                    <a:bodyPr/>
-                    <a:lstStyle/>
-                    <a:p>
-                      <a:pPr algn="ctr"/>
-                      <a:endParaRPr lang="en-US" dirty="0"/>
-                    </a:p>
-                  </a:txBody>
-                  <a:tcPr>
-                    <a:lnL w="12700" cap="flat" cmpd="sng" algn="ctr">
-                      <a:noFill/>
-                      <a:prstDash val="solid"/>
-                      <a:round/>
-                      <a:headEnd type="none" w="med" len="med"/>
-                      <a:tailEnd type="none" w="med" len="med"/>
-                    </a:lnL>
-                    <a:lnR w="12700" cap="flat" cmpd="sng" algn="ctr">
-                      <a:noFill/>
-                      <a:prstDash val="solid"/>
-                      <a:round/>
-                      <a:headEnd type="none" w="med" len="med"/>
-                      <a:tailEnd type="none" w="med" len="med"/>
-                    </a:lnR>
-                    <a:lnT w="12700" cap="flat" cmpd="sng" algn="ctr">
-                      <a:solidFill>
-                        <a:schemeClr val="tx1"/>
-                      </a:solidFill>
-                      <a:prstDash val="solid"/>
-                      <a:round/>
-                      <a:headEnd type="none" w="med" len="med"/>
-                      <a:tailEnd type="none" w="med" len="med"/>
-                    </a:lnT>
-                    <a:lnB w="12700" cap="flat" cmpd="sng" algn="ctr">
-                      <a:noFill/>
-                      <a:prstDash val="solid"/>
-                      <a:round/>
-                      <a:headEnd type="none" w="med" len="med"/>
-                      <a:tailEnd type="none" w="med" len="med"/>
-                    </a:lnB>
-                    <a:lnTlToBr w="12700" cmpd="sng">
-                      <a:noFill/>
-                      <a:prstDash val="solid"/>
-                    </a:lnTlToBr>
-                    <a:lnBlToTr w="12700" cmpd="sng">
-                      <a:noFill/>
-                      <a:prstDash val="solid"/>
-                    </a:lnBlToTr>
-                    <a:noFill/>
-                  </a:tcPr>
-                </a:tc>
-                <a:tc>
-                  <a:txBody>
-                    <a:bodyPr/>
-                    <a:lstStyle/>
-                    <a:p>
-                      <a:pPr algn="ctr"/>
-                      <a:endParaRPr lang="en-US" dirty="0"/>
-                    </a:p>
-                  </a:txBody>
-                  <a:tcPr>
-                    <a:lnL w="12700" cap="flat" cmpd="sng" algn="ctr">
-                      <a:noFill/>
-                      <a:prstDash val="solid"/>
-                      <a:round/>
-                      <a:headEnd type="none" w="med" len="med"/>
-                      <a:tailEnd type="none" w="med" len="med"/>
-                    </a:lnL>
-                    <a:lnR w="12700" cap="flat" cmpd="sng" algn="ctr">
-                      <a:noFill/>
-                      <a:prstDash val="solid"/>
-                      <a:round/>
-                      <a:headEnd type="none" w="med" len="med"/>
-                      <a:tailEnd type="none" w="med" len="med"/>
-                    </a:lnR>
-                    <a:lnT w="12700" cap="flat" cmpd="sng" algn="ctr">
-                      <a:solidFill>
-                        <a:schemeClr val="tx1"/>
-                      </a:solidFill>
-                      <a:prstDash val="solid"/>
-                      <a:round/>
-                      <a:headEnd type="none" w="med" len="med"/>
-                      <a:tailEnd type="none" w="med" len="med"/>
-                    </a:lnT>
-                    <a:lnB w="12700" cap="flat" cmpd="sng" algn="ctr">
-                      <a:noFill/>
-                      <a:prstDash val="solid"/>
-                      <a:round/>
-                      <a:headEnd type="none" w="med" len="med"/>
-                      <a:tailEnd type="none" w="med" len="med"/>
-                    </a:lnB>
-                    <a:lnTlToBr w="12700" cmpd="sng">
-                      <a:noFill/>
-                      <a:prstDash val="solid"/>
-                    </a:lnTlToBr>
-                    <a:lnBlToTr w="12700" cmpd="sng">
-                      <a:noFill/>
-                      <a:prstDash val="solid"/>
-                    </a:lnBlToTr>
-                    <a:noFill/>
-                  </a:tcPr>
-                </a:tc>
-                <a:tc>
-                  <a:txBody>
-                    <a:bodyPr/>
-                    <a:lstStyle/>
-                    <a:p>
-                      <a:pPr algn="ctr"/>
-                      <a:endParaRPr lang="en-US" dirty="0"/>
-                    </a:p>
-                  </a:txBody>
-                  <a:tcPr>
-                    <a:lnL w="12700" cap="flat" cmpd="sng" algn="ctr">
-                      <a:noFill/>
-                      <a:prstDash val="solid"/>
-                      <a:round/>
-                      <a:headEnd type="none" w="med" len="med"/>
-                      <a:tailEnd type="none" w="med" len="med"/>
-                    </a:lnL>
-                    <a:lnR w="12700" cap="flat" cmpd="sng" algn="ctr">
-                      <a:noFill/>
-                      <a:prstDash val="solid"/>
-                      <a:round/>
-                      <a:headEnd type="none" w="med" len="med"/>
-                      <a:tailEnd type="none" w="med" len="med"/>
-                    </a:lnR>
-                    <a:lnT w="12700" cap="flat" cmpd="sng" algn="ctr">
-                      <a:solidFill>
-                        <a:schemeClr val="tx1"/>
-                      </a:solidFill>
-                      <a:prstDash val="solid"/>
-                      <a:round/>
-                      <a:headEnd type="none" w="med" len="med"/>
-                      <a:tailEnd type="none" w="med" len="med"/>
-                    </a:lnT>
-                    <a:lnB w="12700" cap="flat" cmpd="sng" algn="ctr">
-                      <a:noFill/>
-                      <a:prstDash val="solid"/>
-                      <a:round/>
-                      <a:headEnd type="none" w="med" len="med"/>
-                      <a:tailEnd type="none" w="med" len="med"/>
-                    </a:lnB>
-                    <a:lnTlToBr w="12700" cmpd="sng">
-                      <a:noFill/>
-                      <a:prstDash val="solid"/>
-                    </a:lnTlToBr>
-                    <a:lnBlToTr w="12700" cmpd="sng">
-                      <a:noFill/>
-                      <a:prstDash val="solid"/>
-                    </a:lnBlToTr>
-                    <a:noFill/>
-                  </a:tcPr>
-                </a:tc>
-                <a:tc>
-                  <a:txBody>
-                    <a:bodyPr/>
-                    <a:lstStyle/>
-                    <a:p>
-                      <a:pPr algn="ctr"/>
-                      <a:endParaRPr lang="en-US" dirty="0"/>
-                    </a:p>
-                  </a:txBody>
-                  <a:tcPr>
-                    <a:lnL w="12700" cap="flat" cmpd="sng" algn="ctr">
-                      <a:noFill/>
-                      <a:prstDash val="solid"/>
-                      <a:round/>
-                      <a:headEnd type="none" w="med" len="med"/>
-                      <a:tailEnd type="none" w="med" len="med"/>
-                    </a:lnL>
-                    <a:lnR w="12700" cap="flat" cmpd="sng" algn="ctr">
-                      <a:noFill/>
-                      <a:prstDash val="solid"/>
-                      <a:round/>
-                      <a:headEnd type="none" w="med" len="med"/>
-                      <a:tailEnd type="none" w="med" len="med"/>
-                    </a:lnR>
-                    <a:lnT w="12700" cap="flat" cmpd="sng" algn="ctr">
-                      <a:solidFill>
-                        <a:schemeClr val="tx1"/>
-                      </a:solidFill>
-                      <a:prstDash val="solid"/>
-                      <a:round/>
-                      <a:headEnd type="none" w="med" len="med"/>
-                      <a:tailEnd type="none" w="med" len="med"/>
-                    </a:lnT>
-                    <a:lnB w="12700" cap="flat" cmpd="sng" algn="ctr">
-                      <a:noFill/>
-                      <a:prstDash val="solid"/>
-                      <a:round/>
-                      <a:headEnd type="none" w="med" len="med"/>
-                      <a:tailEnd type="none" w="med" len="med"/>
-                    </a:lnB>
-                    <a:lnTlToBr w="12700" cmpd="sng">
-                      <a:noFill/>
-                      <a:prstDash val="solid"/>
-                    </a:lnTlToBr>
-                    <a:lnBlToTr w="12700" cmpd="sng">
-                      <a:noFill/>
-                      <a:prstDash val="solid"/>
-                    </a:lnBlToTr>
-                    <a:noFill/>
-                  </a:tcPr>
-                </a:tc>
-                <a:tc>
-                  <a:txBody>
-                    <a:bodyPr/>
-                    <a:lstStyle/>
-                    <a:p>
-                      <a:pPr algn="ctr"/>
-                      <a:endParaRPr lang="en-US" dirty="0"/>
-                    </a:p>
-                  </a:txBody>
-                  <a:tcPr>
-                    <a:lnL w="12700" cap="flat" cmpd="sng" algn="ctr">
-                      <a:noFill/>
-                      <a:prstDash val="solid"/>
-                      <a:round/>
-                      <a:headEnd type="none" w="med" len="med"/>
-                      <a:tailEnd type="none" w="med" len="med"/>
-                    </a:lnL>
-                    <a:lnR w="12700" cap="flat" cmpd="sng" algn="ctr">
-                      <a:noFill/>
-                      <a:prstDash val="solid"/>
-                      <a:round/>
-                      <a:headEnd type="none" w="med" len="med"/>
-                      <a:tailEnd type="none" w="med" len="med"/>
-                    </a:lnR>
-                    <a:lnT w="12700" cap="flat" cmpd="sng" algn="ctr">
-                      <a:solidFill>
-                        <a:schemeClr val="tx1"/>
-                      </a:solidFill>
-                      <a:prstDash val="solid"/>
-                      <a:round/>
-                      <a:headEnd type="none" w="med" len="med"/>
-                      <a:tailEnd type="none" w="med" len="med"/>
-                    </a:lnT>
-                    <a:lnB w="12700" cap="flat" cmpd="sng" algn="ctr">
-                      <a:noFill/>
-                      <a:prstDash val="solid"/>
-                      <a:round/>
-                      <a:headEnd type="none" w="med" len="med"/>
-                      <a:tailEnd type="none" w="med" len="med"/>
-                    </a:lnB>
-                    <a:lnTlToBr w="12700" cmpd="sng">
-                      <a:noFill/>
-                      <a:prstDash val="solid"/>
-                    </a:lnTlToBr>
-                    <a:lnBlToTr w="12700" cmpd="sng">
-                      <a:noFill/>
-                      <a:prstDash val="solid"/>
-                    </a:lnBlToTr>
-                    <a:noFill/>
-                  </a:tcPr>
-                </a:tc>
-                <a:tc>
-                  <a:txBody>
-                    <a:bodyPr/>
-                    <a:lstStyle/>
-                    <a:p>
-                      <a:pPr algn="ctr"/>
-                      <a:endParaRPr lang="en-US" dirty="0"/>
-                    </a:p>
-                  </a:txBody>
-                  <a:tcPr>
-                    <a:lnL w="12700" cap="flat" cmpd="sng" algn="ctr">
-                      <a:noFill/>
-                      <a:prstDash val="solid"/>
-                      <a:round/>
-                      <a:headEnd type="none" w="med" len="med"/>
-                      <a:tailEnd type="none" w="med" len="med"/>
-                    </a:lnL>
-                    <a:lnR w="12700" cap="flat" cmpd="sng" algn="ctr">
-                      <a:solidFill>
-                        <a:schemeClr val="tx1"/>
-                      </a:solidFill>
-                      <a:prstDash val="solid"/>
-                      <a:round/>
-                      <a:headEnd type="none" w="med" len="med"/>
-                      <a:tailEnd type="none" w="med" len="med"/>
-                    </a:lnR>
-                    <a:lnT w="12700" cap="flat" cmpd="sng" algn="ctr">
-                      <a:noFill/>
-                      <a:prstDash val="solid"/>
-                      <a:round/>
-                      <a:headEnd type="none" w="med" len="med"/>
-                      <a:tailEnd type="none" w="med" len="med"/>
-                    </a:lnT>
-                    <a:lnB>
-                      <a:noFill/>
-                    </a:lnB>
-                    <a:lnTlToBr w="12700" cmpd="sng">
-                      <a:noFill/>
-                      <a:prstDash val="solid"/>
-                    </a:lnTlToBr>
-                    <a:lnBlToTr w="12700" cmpd="sng">
-                      <a:noFill/>
-                      <a:prstDash val="solid"/>
-                    </a:lnBlToTr>
-                    <a:noFill/>
-                  </a:tcPr>
-                </a:tc>
-                <a:tc>
-                  <a:txBody>
-                    <a:bodyPr/>
-                    <a:lstStyle/>
-                    <a:p>
-                      <a:pPr marL="0" marR="0" lvl="0" indent="0" algn="ctr" defTabSz="457200" rtl="0" eaLnBrk="1" fontAlgn="auto" latinLnBrk="0" hangingPunct="1">
-                        <a:lnSpc>
-                          <a:spcPct val="100000"/>
-                        </a:lnSpc>
-                        <a:spcBef>
-                          <a:spcPts val="0"/>
-                        </a:spcBef>
-                        <a:spcAft>
-                          <a:spcPts val="0"/>
-                        </a:spcAft>
-                        <a:buClrTx/>
-                        <a:buSzTx/>
-                        <a:buFontTx/>
-                        <a:buNone/>
-                        <a:tabLst/>
-                        <a:defRPr/>
-                      </a:pPr>
-                      <a:r>
-                        <a:rPr lang="en-US" dirty="0"/>
-                        <a:t>E</a:t>
-                      </a:r>
-                      <a:r>
-                        <a:rPr lang="en-US" baseline="-25000" dirty="0"/>
-                        <a:t>0</a:t>
-                      </a:r>
-                      <a:r>
-                        <a:rPr lang="en-US" baseline="0" dirty="0"/>
-                        <a:t>+ … +E</a:t>
-                      </a:r>
-                      <a:r>
-                        <a:rPr lang="en-US" baseline="-25000" dirty="0"/>
-                        <a:t>5</a:t>
-                      </a:r>
-                      <a:endParaRPr lang="en-US" baseline="0" dirty="0"/>
-                    </a:p>
-                    <a:p>
-                      <a:pPr marL="0" marR="0" lvl="0" indent="0" algn="ctr" defTabSz="457200" rtl="0" eaLnBrk="1" fontAlgn="auto" latinLnBrk="0" hangingPunct="1">
-                        <a:lnSpc>
-                          <a:spcPct val="100000"/>
-                        </a:lnSpc>
-                        <a:spcBef>
-                          <a:spcPts val="0"/>
-                        </a:spcBef>
-                        <a:spcAft>
-                          <a:spcPts val="0"/>
-                        </a:spcAft>
-                        <a:buClrTx/>
-                        <a:buSzTx/>
-                        <a:buFontTx/>
-                        <a:buNone/>
-                        <a:tabLst/>
-                        <a:defRPr/>
-                      </a:pPr>
-                      <a:r>
-                        <a:rPr lang="en-US" dirty="0">
-                          <a:solidFill>
-                            <a:schemeClr val="tx1"/>
-                          </a:solidFill>
-                        </a:rPr>
-                        <a:t>+E</a:t>
-                      </a:r>
-                      <a:r>
-                        <a:rPr lang="en-US" baseline="-25000" dirty="0">
-                          <a:solidFill>
-                            <a:schemeClr val="tx1"/>
-                          </a:solidFill>
-                        </a:rPr>
-                        <a:t>6</a:t>
-                      </a:r>
-                      <a:r>
-                        <a:rPr lang="en-US" dirty="0">
-                          <a:solidFill>
-                            <a:schemeClr val="tx1"/>
-                          </a:solidFill>
-                        </a:rPr>
-                        <a:t>+ … +E</a:t>
-                      </a:r>
-                      <a:r>
-                        <a:rPr lang="en-US" baseline="-25000" dirty="0">
-                          <a:solidFill>
-                            <a:schemeClr val="tx1"/>
-                          </a:solidFill>
-                        </a:rPr>
-                        <a:t>9</a:t>
-                      </a:r>
-                      <a:endParaRPr lang="en-US" dirty="0">
-                        <a:solidFill>
-                          <a:schemeClr val="tx1"/>
-                        </a:solidFill>
-                      </a:endParaRPr>
-                    </a:p>
-                    <a:p>
-                      <a:pPr marL="0" marR="0" lvl="0" indent="0" algn="ctr" defTabSz="457200" rtl="0" eaLnBrk="1" fontAlgn="auto" latinLnBrk="0" hangingPunct="1">
-                        <a:lnSpc>
-                          <a:spcPct val="100000"/>
-                        </a:lnSpc>
-                        <a:spcBef>
-                          <a:spcPts val="0"/>
-                        </a:spcBef>
-                        <a:spcAft>
-                          <a:spcPts val="0"/>
-                        </a:spcAft>
-                        <a:buClrTx/>
-                        <a:buSzTx/>
-                        <a:buFontTx/>
-                        <a:buNone/>
-                        <a:tabLst/>
-                        <a:defRPr/>
-                      </a:pPr>
-                      <a:r>
-                        <a:rPr lang="en-US" dirty="0">
-                          <a:solidFill>
-                            <a:schemeClr val="tx1"/>
-                          </a:solidFill>
-                        </a:rPr>
-                        <a:t>-(E</a:t>
-                      </a:r>
-                      <a:r>
-                        <a:rPr lang="en-US" baseline="-25000" dirty="0">
-                          <a:solidFill>
-                            <a:schemeClr val="tx1"/>
-                          </a:solidFill>
-                        </a:rPr>
-                        <a:t>6</a:t>
-                      </a:r>
-                      <a:r>
-                        <a:rPr lang="en-US" dirty="0">
-                          <a:solidFill>
-                            <a:schemeClr val="tx1"/>
-                          </a:solidFill>
-                        </a:rPr>
-                        <a:t>+ … +E</a:t>
-                      </a:r>
-                      <a:r>
-                        <a:rPr lang="en-US" baseline="-25000" dirty="0">
-                          <a:solidFill>
-                            <a:schemeClr val="tx1"/>
-                          </a:solidFill>
-                        </a:rPr>
-                        <a:t>9</a:t>
-                      </a:r>
-                      <a:r>
-                        <a:rPr lang="en-US" baseline="0" dirty="0">
-                          <a:solidFill>
-                            <a:schemeClr val="tx1"/>
-                          </a:solidFill>
-                        </a:rPr>
-                        <a:t>)</a:t>
-                      </a:r>
-                    </a:p>
-                    <a:p>
-                      <a:pPr marL="0" marR="0" lvl="0" indent="0" algn="ctr" defTabSz="457200" rtl="0" eaLnBrk="1" fontAlgn="auto" latinLnBrk="0" hangingPunct="1">
-                        <a:lnSpc>
-                          <a:spcPct val="100000"/>
-                        </a:lnSpc>
-                        <a:spcBef>
-                          <a:spcPts val="0"/>
-                        </a:spcBef>
-                        <a:spcAft>
-                          <a:spcPts val="0"/>
-                        </a:spcAft>
-                        <a:buClrTx/>
-                        <a:buSzTx/>
-                        <a:buFontTx/>
-                        <a:buNone/>
-                        <a:tabLst/>
-                        <a:defRPr/>
-                      </a:pPr>
-                      <a:r>
-                        <a:rPr lang="en-US" dirty="0">
-                          <a:solidFill>
-                            <a:srgbClr val="FF7B11"/>
-                          </a:solidFill>
-                        </a:rPr>
-                        <a:t>+E</a:t>
-                      </a:r>
-                      <a:r>
-                        <a:rPr lang="en-US" baseline="-25000" dirty="0">
-                          <a:solidFill>
-                            <a:srgbClr val="FF7B11"/>
-                          </a:solidFill>
-                        </a:rPr>
-                        <a:t>6</a:t>
-                      </a:r>
-                      <a:r>
-                        <a:rPr lang="en-US" dirty="0">
-                          <a:solidFill>
-                            <a:srgbClr val="FF7B11"/>
-                          </a:solidFill>
-                        </a:rPr>
-                        <a:t>+ … +E</a:t>
-                      </a:r>
-                      <a:r>
-                        <a:rPr lang="en-US" baseline="-25000" dirty="0">
-                          <a:solidFill>
-                            <a:srgbClr val="FF7B11"/>
-                          </a:solidFill>
-                        </a:rPr>
-                        <a:t>9</a:t>
-                      </a:r>
-                      <a:endParaRPr lang="en-US" dirty="0">
-                        <a:solidFill>
-                          <a:srgbClr val="FF7B11"/>
-                        </a:solidFill>
-                      </a:endParaRPr>
-                    </a:p>
-                    <a:p>
-                      <a:pPr marL="0" marR="0" lvl="0" indent="0" algn="ctr" defTabSz="457200" rtl="0" eaLnBrk="1" fontAlgn="auto" latinLnBrk="0" hangingPunct="1">
-                        <a:lnSpc>
-                          <a:spcPct val="100000"/>
-                        </a:lnSpc>
-                        <a:spcBef>
-                          <a:spcPts val="0"/>
-                        </a:spcBef>
-                        <a:spcAft>
-                          <a:spcPts val="0"/>
-                        </a:spcAft>
-                        <a:buClrTx/>
-                        <a:buSzTx/>
-                        <a:buFontTx/>
-                        <a:buNone/>
-                        <a:tabLst/>
-                        <a:defRPr/>
-                      </a:pPr>
-                      <a:r>
-                        <a:rPr lang="en-US" dirty="0"/>
-                        <a:t>+E</a:t>
-                      </a:r>
-                      <a:r>
-                        <a:rPr lang="en-US" baseline="-25000" dirty="0"/>
-                        <a:t>10</a:t>
-                      </a:r>
-                      <a:r>
-                        <a:rPr lang="en-US" dirty="0"/>
-                        <a:t>+…+E</a:t>
-                      </a:r>
-                      <a:r>
-                        <a:rPr lang="en-US" baseline="-25000" dirty="0"/>
-                        <a:t>14</a:t>
-                      </a:r>
-                      <a:r>
-                        <a:rPr lang="en-US" dirty="0"/>
-                        <a:t>-E</a:t>
-                      </a:r>
-                      <a:r>
-                        <a:rPr lang="en-US" baseline="-25000" dirty="0"/>
-                        <a:t>14</a:t>
-                      </a:r>
-                      <a:r>
-                        <a:rPr lang="en-US" dirty="0">
-                          <a:solidFill>
-                            <a:srgbClr val="FF7B11"/>
-                          </a:solidFill>
-                        </a:rPr>
-                        <a:t>-E</a:t>
-                      </a:r>
-                      <a:r>
-                        <a:rPr lang="en-US" baseline="-25000" dirty="0">
-                          <a:solidFill>
-                            <a:srgbClr val="FF7B11"/>
-                          </a:solidFill>
-                        </a:rPr>
-                        <a:t>14</a:t>
-                      </a:r>
-                    </a:p>
-                    <a:p>
-                      <a:pPr marL="0" marR="0" lvl="0" indent="0" algn="ctr" defTabSz="457200" rtl="0" eaLnBrk="1" fontAlgn="auto" latinLnBrk="0" hangingPunct="1">
-                        <a:lnSpc>
-                          <a:spcPct val="100000"/>
-                        </a:lnSpc>
-                        <a:spcBef>
-                          <a:spcPts val="0"/>
-                        </a:spcBef>
-                        <a:spcAft>
-                          <a:spcPts val="0"/>
-                        </a:spcAft>
-                        <a:buClrTx/>
-                        <a:buSzTx/>
-                        <a:buFontTx/>
-                        <a:buNone/>
-                        <a:tabLst/>
-                        <a:defRPr/>
-                      </a:pPr>
-                      <a:r>
-                        <a:rPr lang="en-US" dirty="0"/>
-                        <a:t>+E</a:t>
-                      </a:r>
-                      <a:r>
-                        <a:rPr lang="en-US" baseline="-25000" dirty="0"/>
-                        <a:t>15</a:t>
-                      </a:r>
-                      <a:r>
-                        <a:rPr lang="en-US" dirty="0"/>
-                        <a:t>+…+E</a:t>
-                      </a:r>
-                      <a:r>
-                        <a:rPr lang="en-US" baseline="-25000" dirty="0"/>
-                        <a:t>20</a:t>
-                      </a:r>
-                      <a:r>
-                        <a:rPr lang="en-US" dirty="0"/>
-                        <a:t>-</a:t>
-                      </a:r>
-                      <a:r>
-                        <a:rPr lang="en-US" dirty="0">
-                          <a:solidFill>
-                            <a:schemeClr val="tx1"/>
-                          </a:solidFill>
-                        </a:rPr>
-                        <a:t>E</a:t>
-                      </a:r>
-                      <a:r>
-                        <a:rPr lang="en-US" baseline="-25000" dirty="0">
-                          <a:solidFill>
-                            <a:schemeClr val="tx1"/>
-                          </a:solidFill>
-                        </a:rPr>
-                        <a:t>19</a:t>
-                      </a:r>
-                      <a:r>
-                        <a:rPr lang="en-US" dirty="0"/>
-                        <a:t>+</a:t>
-                      </a:r>
-                      <a:r>
-                        <a:rPr lang="en-US" dirty="0">
-                          <a:solidFill>
-                            <a:srgbClr val="FF7B11"/>
-                          </a:solidFill>
-                        </a:rPr>
-                        <a:t>E</a:t>
-                      </a:r>
-                      <a:r>
-                        <a:rPr lang="en-US" baseline="-25000" dirty="0">
-                          <a:solidFill>
-                            <a:srgbClr val="FF7B11"/>
-                          </a:solidFill>
-                        </a:rPr>
-                        <a:t>19</a:t>
-                      </a:r>
-                      <a:endParaRPr lang="en-US" baseline="-25000" dirty="0"/>
-                    </a:p>
-                    <a:p>
-                      <a:pPr marL="0" marR="0" lvl="0" indent="0" algn="ctr" defTabSz="457200" rtl="0" eaLnBrk="1" fontAlgn="auto" latinLnBrk="0" hangingPunct="1">
-                        <a:lnSpc>
-                          <a:spcPct val="100000"/>
-                        </a:lnSpc>
-                        <a:spcBef>
-                          <a:spcPts val="0"/>
-                        </a:spcBef>
-                        <a:spcAft>
-                          <a:spcPts val="0"/>
-                        </a:spcAft>
-                        <a:buClrTx/>
-                        <a:buSzTx/>
-                        <a:buFontTx/>
-                        <a:buNone/>
-                        <a:tabLst/>
-                        <a:defRPr/>
-                      </a:pPr>
-                      <a:endParaRPr lang="en-US" baseline="-25000" dirty="0"/>
-                    </a:p>
-                    <a:p>
-                      <a:pPr marL="0" marR="0" lvl="0" indent="0" algn="ctr" defTabSz="457200" rtl="0" eaLnBrk="1" fontAlgn="auto" latinLnBrk="0" hangingPunct="1">
-                        <a:lnSpc>
-                          <a:spcPct val="100000"/>
-                        </a:lnSpc>
-                        <a:spcBef>
-                          <a:spcPts val="0"/>
-                        </a:spcBef>
-                        <a:spcAft>
-                          <a:spcPts val="0"/>
-                        </a:spcAft>
-                        <a:buClrTx/>
-                        <a:buSzTx/>
-                        <a:buFontTx/>
-                        <a:buNone/>
-                        <a:tabLst/>
-                        <a:defRPr/>
-                      </a:pPr>
-                      <a:r>
-                        <a:rPr lang="en-US" baseline="0" dirty="0"/>
-                        <a:t>+ </a:t>
-                      </a:r>
-                      <a:r>
-                        <a:rPr lang="en-US" dirty="0"/>
-                        <a:t>E</a:t>
-                      </a:r>
-                      <a:r>
-                        <a:rPr lang="en-US" baseline="-25000" dirty="0"/>
-                        <a:t>20</a:t>
-                      </a:r>
-                      <a:endParaRPr lang="en-US" dirty="0"/>
-                    </a:p>
-                  </a:txBody>
-                  <a:tcPr>
-                    <a:lnL w="12700" cap="flat" cmpd="sng" algn="ctr">
-                      <a:solidFill>
-                        <a:schemeClr val="tx1"/>
-                      </a:solidFill>
-                      <a:prstDash val="solid"/>
-                      <a:round/>
-                      <a:headEnd type="none" w="med" len="med"/>
-                      <a:tailEnd type="none" w="med" len="med"/>
-                    </a:lnL>
-                    <a:lnR w="12700" cap="flat" cmpd="sng" algn="ctr">
-                      <a:solidFill>
-                        <a:schemeClr val="tx1"/>
-                      </a:solidFill>
-                      <a:prstDash val="solid"/>
-                      <a:round/>
-                      <a:headEnd type="none" w="med" len="med"/>
-                      <a:tailEnd type="none" w="med" len="med"/>
-                    </a:lnR>
-                    <a:lnT w="38100" cap="flat" cmpd="sng" algn="ctr">
-                      <a:solidFill>
-                        <a:schemeClr val="tx1"/>
-                      </a:solidFill>
-                      <a:prstDash val="solid"/>
-                      <a:round/>
-                      <a:headEnd type="none" w="med" len="med"/>
-                      <a:tailEnd type="none" w="med" len="med"/>
-                    </a:lnT>
-                    <a:lnB w="12700" cap="flat" cmpd="sng" algn="ctr">
-                      <a:solidFill>
-                        <a:schemeClr val="tx1"/>
-                      </a:solidFill>
-                      <a:prstDash val="solid"/>
-                      <a:round/>
-                      <a:headEnd type="none" w="med" len="med"/>
-                      <a:tailEnd type="none" w="med" len="med"/>
-                    </a:lnB>
-                    <a:solidFill>
-                      <a:srgbClr val="DDDDDD"/>
-                    </a:solidFill>
-                  </a:tcPr>
-                </a:tc>
-                <a:extLst>
-                  <a:ext uri="{0D108BD9-81ED-4DB2-BD59-A6C34878D82A}">
-                    <a16:rowId xmlns:a16="http://schemas.microsoft.com/office/drawing/2014/main" val="3929910534"/>
-                  </a:ext>
-                </a:extLst>
-              </a:tr>
-            </a:tbl>
-          </a:graphicData>
-        </a:graphic>
-      </p:graphicFrame>
-    </p:spTree>
-    <p:extLst>
-      <p:ext uri="{BB962C8B-B14F-4D97-AF65-F5344CB8AC3E}">
-        <p14:creationId xmlns:p14="http://schemas.microsoft.com/office/powerpoint/2010/main" val="3224573192"/>
       </p:ext>
     </p:extLst>
   </p:cSld>

--- a/public/drawings.pptx
+++ b/public/drawings.pptx
@@ -5,24 +5,23 @@
     <p:sldMasterId id="2147483648" r:id="rId1"/>
   </p:sldMasterIdLst>
   <p:notesMasterIdLst>
-    <p:notesMasterId r:id="rId17"/>
+    <p:notesMasterId r:id="rId16"/>
   </p:notesMasterIdLst>
   <p:sldIdLst>
     <p:sldId id="257" r:id="rId2"/>
-    <p:sldId id="347" r:id="rId3"/>
-    <p:sldId id="346" r:id="rId4"/>
-    <p:sldId id="258" r:id="rId5"/>
-    <p:sldId id="338" r:id="rId6"/>
-    <p:sldId id="339" r:id="rId7"/>
-    <p:sldId id="323" r:id="rId8"/>
-    <p:sldId id="318" r:id="rId9"/>
-    <p:sldId id="340" r:id="rId10"/>
-    <p:sldId id="341" r:id="rId11"/>
-    <p:sldId id="320" r:id="rId12"/>
-    <p:sldId id="342" r:id="rId13"/>
-    <p:sldId id="343" r:id="rId14"/>
-    <p:sldId id="344" r:id="rId15"/>
-    <p:sldId id="345" r:id="rId16"/>
+    <p:sldId id="346" r:id="rId3"/>
+    <p:sldId id="258" r:id="rId4"/>
+    <p:sldId id="338" r:id="rId5"/>
+    <p:sldId id="339" r:id="rId6"/>
+    <p:sldId id="323" r:id="rId7"/>
+    <p:sldId id="318" r:id="rId8"/>
+    <p:sldId id="340" r:id="rId9"/>
+    <p:sldId id="341" r:id="rId10"/>
+    <p:sldId id="320" r:id="rId11"/>
+    <p:sldId id="342" r:id="rId12"/>
+    <p:sldId id="343" r:id="rId13"/>
+    <p:sldId id="344" r:id="rId14"/>
+    <p:sldId id="345" r:id="rId15"/>
   </p:sldIdLst>
   <p:sldSz cx="12192000" cy="6858000"/>
   <p:notesSz cx="6858000" cy="9144000"/>
@@ -211,7 +210,7 @@
           <a:p>
             <a:fld id="{1487A955-B0B6-BE46-BA79-863ECB8B9B7B}" type="datetimeFigureOut">
               <a:rPr lang="en-GB" smtClean="0"/>
-              <a:t>23/10/2023</a:t>
+              <a:t>06/03/2023</a:t>
             </a:fld>
             <a:endParaRPr lang="en-GB"/>
           </a:p>
@@ -543,7 +542,7 @@
           <a:p>
             <a:fld id="{D106152E-64A5-8445-9CF5-1963979597C7}" type="slidenum">
               <a:rPr lang="en-GB" smtClean="0"/>
-              <a:t>4</a:t>
+              <a:t>3</a:t>
             </a:fld>
             <a:endParaRPr lang="en-GB"/>
           </a:p>
@@ -709,7 +708,7 @@
           <a:p>
             <a:fld id="{0492CA4C-7333-E747-B517-6468D8AE026A}" type="datetimeFigureOut">
               <a:rPr lang="en-GB" smtClean="0"/>
-              <a:t>23/10/2023</a:t>
+              <a:t>06/03/2023</a:t>
             </a:fld>
             <a:endParaRPr lang="en-GB"/>
           </a:p>
@@ -907,7 +906,7 @@
           <a:p>
             <a:fld id="{0492CA4C-7333-E747-B517-6468D8AE026A}" type="datetimeFigureOut">
               <a:rPr lang="en-GB" smtClean="0"/>
-              <a:t>23/10/2023</a:t>
+              <a:t>06/03/2023</a:t>
             </a:fld>
             <a:endParaRPr lang="en-GB"/>
           </a:p>
@@ -1115,7 +1114,7 @@
           <a:p>
             <a:fld id="{0492CA4C-7333-E747-B517-6468D8AE026A}" type="datetimeFigureOut">
               <a:rPr lang="en-GB" smtClean="0"/>
-              <a:t>23/10/2023</a:t>
+              <a:t>06/03/2023</a:t>
             </a:fld>
             <a:endParaRPr lang="en-GB"/>
           </a:p>
@@ -1313,7 +1312,7 @@
           <a:p>
             <a:fld id="{0492CA4C-7333-E747-B517-6468D8AE026A}" type="datetimeFigureOut">
               <a:rPr lang="en-GB" smtClean="0"/>
-              <a:t>23/10/2023</a:t>
+              <a:t>06/03/2023</a:t>
             </a:fld>
             <a:endParaRPr lang="en-GB"/>
           </a:p>
@@ -1588,7 +1587,7 @@
           <a:p>
             <a:fld id="{0492CA4C-7333-E747-B517-6468D8AE026A}" type="datetimeFigureOut">
               <a:rPr lang="en-GB" smtClean="0"/>
-              <a:t>23/10/2023</a:t>
+              <a:t>06/03/2023</a:t>
             </a:fld>
             <a:endParaRPr lang="en-GB"/>
           </a:p>
@@ -1853,7 +1852,7 @@
           <a:p>
             <a:fld id="{0492CA4C-7333-E747-B517-6468D8AE026A}" type="datetimeFigureOut">
               <a:rPr lang="en-GB" smtClean="0"/>
-              <a:t>23/10/2023</a:t>
+              <a:t>06/03/2023</a:t>
             </a:fld>
             <a:endParaRPr lang="en-GB"/>
           </a:p>
@@ -2265,7 +2264,7 @@
           <a:p>
             <a:fld id="{0492CA4C-7333-E747-B517-6468D8AE026A}" type="datetimeFigureOut">
               <a:rPr lang="en-GB" smtClean="0"/>
-              <a:t>23/10/2023</a:t>
+              <a:t>06/03/2023</a:t>
             </a:fld>
             <a:endParaRPr lang="en-GB"/>
           </a:p>
@@ -2406,7 +2405,7 @@
           <a:p>
             <a:fld id="{0492CA4C-7333-E747-B517-6468D8AE026A}" type="datetimeFigureOut">
               <a:rPr lang="en-GB" smtClean="0"/>
-              <a:t>23/10/2023</a:t>
+              <a:t>06/03/2023</a:t>
             </a:fld>
             <a:endParaRPr lang="en-GB"/>
           </a:p>
@@ -2519,7 +2518,7 @@
           <a:p>
             <a:fld id="{0492CA4C-7333-E747-B517-6468D8AE026A}" type="datetimeFigureOut">
               <a:rPr lang="en-GB" smtClean="0"/>
-              <a:t>23/10/2023</a:t>
+              <a:t>06/03/2023</a:t>
             </a:fld>
             <a:endParaRPr lang="en-GB"/>
           </a:p>
@@ -2830,7 +2829,7 @@
           <a:p>
             <a:fld id="{0492CA4C-7333-E747-B517-6468D8AE026A}" type="datetimeFigureOut">
               <a:rPr lang="en-GB" smtClean="0"/>
-              <a:t>23/10/2023</a:t>
+              <a:t>06/03/2023</a:t>
             </a:fld>
             <a:endParaRPr lang="en-GB"/>
           </a:p>
@@ -3118,7 +3117,7 @@
           <a:p>
             <a:fld id="{0492CA4C-7333-E747-B517-6468D8AE026A}" type="datetimeFigureOut">
               <a:rPr lang="en-GB" smtClean="0"/>
-              <a:t>23/10/2023</a:t>
+              <a:t>06/03/2023</a:t>
             </a:fld>
             <a:endParaRPr lang="en-GB"/>
           </a:p>
@@ -3359,7 +3358,7 @@
           <a:p>
             <a:fld id="{0492CA4C-7333-E747-B517-6468D8AE026A}" type="datetimeFigureOut">
               <a:rPr lang="en-GB" smtClean="0"/>
-              <a:t>23/10/2023</a:t>
+              <a:t>06/03/2023</a:t>
             </a:fld>
             <a:endParaRPr lang="en-GB"/>
           </a:p>
@@ -4705,3752 +4704,6 @@
           <a:chExt cx="0" cy="0"/>
         </a:xfrm>
       </p:grpSpPr>
-      <p:graphicFrame>
-        <p:nvGraphicFramePr>
-          <p:cNvPr id="6" name="Content Placeholder 5"/>
-          <p:cNvGraphicFramePr>
-            <a:graphicFrameLocks noGrp="1"/>
-          </p:cNvGraphicFramePr>
-          <p:nvPr>
-            <p:ph idx="1"/>
-            <p:extLst>
-              <p:ext uri="{D42A27DB-BD31-4B8C-83A1-F6EECF244321}">
-                <p14:modId xmlns:p14="http://schemas.microsoft.com/office/powerpoint/2010/main" val="3802349619"/>
-              </p:ext>
-            </p:extLst>
-          </p:nvPr>
-        </p:nvGraphicFramePr>
-        <p:xfrm>
-          <a:off x="2639617" y="1556792"/>
-          <a:ext cx="7200795" cy="5147360"/>
-        </p:xfrm>
-        <a:graphic>
-          <a:graphicData uri="http://schemas.openxmlformats.org/drawingml/2006/table">
-            <a:tbl>
-              <a:tblPr firstRow="1" bandRow="1">
-                <a:tableStyleId>{46F890A9-2807-4EBB-B81D-B2AA78EC7F39}</a:tableStyleId>
-              </a:tblPr>
-              <a:tblGrid>
-                <a:gridCol w="621069">
-                  <a:extLst>
-                    <a:ext uri="{9D8B030D-6E8A-4147-A177-3AD203B41FA5}">
-                      <a16:colId xmlns:a16="http://schemas.microsoft.com/office/drawing/2014/main" val="20000"/>
-                    </a:ext>
-                  </a:extLst>
-                </a:gridCol>
-                <a:gridCol w="621069">
-                  <a:extLst>
-                    <a:ext uri="{9D8B030D-6E8A-4147-A177-3AD203B41FA5}">
-                      <a16:colId xmlns:a16="http://schemas.microsoft.com/office/drawing/2014/main" val="20001"/>
-                    </a:ext>
-                  </a:extLst>
-                </a:gridCol>
-                <a:gridCol w="621069">
-                  <a:extLst>
-                    <a:ext uri="{9D8B030D-6E8A-4147-A177-3AD203B41FA5}">
-                      <a16:colId xmlns:a16="http://schemas.microsoft.com/office/drawing/2014/main" val="20002"/>
-                    </a:ext>
-                  </a:extLst>
-                </a:gridCol>
-                <a:gridCol w="621069">
-                  <a:extLst>
-                    <a:ext uri="{9D8B030D-6E8A-4147-A177-3AD203B41FA5}">
-                      <a16:colId xmlns:a16="http://schemas.microsoft.com/office/drawing/2014/main" val="20003"/>
-                    </a:ext>
-                  </a:extLst>
-                </a:gridCol>
-                <a:gridCol w="621069">
-                  <a:extLst>
-                    <a:ext uri="{9D8B030D-6E8A-4147-A177-3AD203B41FA5}">
-                      <a16:colId xmlns:a16="http://schemas.microsoft.com/office/drawing/2014/main" val="20004"/>
-                    </a:ext>
-                  </a:extLst>
-                </a:gridCol>
-                <a:gridCol w="621069">
-                  <a:extLst>
-                    <a:ext uri="{9D8B030D-6E8A-4147-A177-3AD203B41FA5}">
-                      <a16:colId xmlns:a16="http://schemas.microsoft.com/office/drawing/2014/main" val="20005"/>
-                    </a:ext>
-                  </a:extLst>
-                </a:gridCol>
-                <a:gridCol w="621069">
-                  <a:extLst>
-                    <a:ext uri="{9D8B030D-6E8A-4147-A177-3AD203B41FA5}">
-                      <a16:colId xmlns:a16="http://schemas.microsoft.com/office/drawing/2014/main" val="20006"/>
-                    </a:ext>
-                  </a:extLst>
-                </a:gridCol>
-                <a:gridCol w="621069">
-                  <a:extLst>
-                    <a:ext uri="{9D8B030D-6E8A-4147-A177-3AD203B41FA5}">
-                      <a16:colId xmlns:a16="http://schemas.microsoft.com/office/drawing/2014/main" val="20007"/>
-                    </a:ext>
-                  </a:extLst>
-                </a:gridCol>
-                <a:gridCol w="2232243">
-                  <a:extLst>
-                    <a:ext uri="{9D8B030D-6E8A-4147-A177-3AD203B41FA5}">
-                      <a16:colId xmlns:a16="http://schemas.microsoft.com/office/drawing/2014/main" val="20008"/>
-                    </a:ext>
-                  </a:extLst>
-                </a:gridCol>
-              </a:tblGrid>
-              <a:tr h="369100">
-                <a:tc>
-                  <a:txBody>
-                    <a:bodyPr/>
-                    <a:lstStyle/>
-                    <a:p>
-                      <a:pPr algn="ctr"/>
-                      <a:r>
-                        <a:rPr lang="en-US" b="0" i="1" dirty="0" err="1">
-                          <a:solidFill>
-                            <a:srgbClr val="003D62"/>
-                          </a:solidFill>
-                        </a:rPr>
-                        <a:t>E</a:t>
-                      </a:r>
-                      <a:r>
-                        <a:rPr lang="en-US" b="0" i="1" baseline="-25000" dirty="0" err="1">
-                          <a:solidFill>
-                            <a:srgbClr val="003D62"/>
-                          </a:solidFill>
-                        </a:rPr>
-                        <a:t>ij</a:t>
-                      </a:r>
-                      <a:endParaRPr lang="en-US" b="0" i="1" baseline="-25000" dirty="0">
-                        <a:solidFill>
-                          <a:srgbClr val="003D62"/>
-                        </a:solidFill>
-                      </a:endParaRPr>
-                    </a:p>
-                  </a:txBody>
-                  <a:tcPr>
-                    <a:noFill/>
-                  </a:tcPr>
-                </a:tc>
-                <a:tc>
-                  <a:txBody>
-                    <a:bodyPr/>
-                    <a:lstStyle/>
-                    <a:p>
-                      <a:pPr algn="ctr"/>
-                      <a:r>
-                        <a:rPr lang="en-US" b="0" dirty="0">
-                          <a:solidFill>
-                            <a:srgbClr val="003D62"/>
-                          </a:solidFill>
-                        </a:rPr>
-                        <a:t>0</a:t>
-                      </a:r>
-                    </a:p>
-                  </a:txBody>
-                  <a:tcPr>
-                    <a:noFill/>
-                  </a:tcPr>
-                </a:tc>
-                <a:tc>
-                  <a:txBody>
-                    <a:bodyPr/>
-                    <a:lstStyle/>
-                    <a:p>
-                      <a:pPr algn="ctr"/>
-                      <a:r>
-                        <a:rPr lang="en-US" b="0" dirty="0">
-                          <a:solidFill>
-                            <a:srgbClr val="003D62"/>
-                          </a:solidFill>
-                        </a:rPr>
-                        <a:t>1</a:t>
-                      </a:r>
-                    </a:p>
-                  </a:txBody>
-                  <a:tcPr>
-                    <a:noFill/>
-                  </a:tcPr>
-                </a:tc>
-                <a:tc>
-                  <a:txBody>
-                    <a:bodyPr/>
-                    <a:lstStyle/>
-                    <a:p>
-                      <a:pPr algn="ctr"/>
-                      <a:r>
-                        <a:rPr lang="en-US" b="0" dirty="0">
-                          <a:solidFill>
-                            <a:srgbClr val="003D62"/>
-                          </a:solidFill>
-                        </a:rPr>
-                        <a:t>2</a:t>
-                      </a:r>
-                    </a:p>
-                  </a:txBody>
-                  <a:tcPr>
-                    <a:noFill/>
-                  </a:tcPr>
-                </a:tc>
-                <a:tc>
-                  <a:txBody>
-                    <a:bodyPr/>
-                    <a:lstStyle/>
-                    <a:p>
-                      <a:pPr algn="ctr"/>
-                      <a:r>
-                        <a:rPr lang="en-US" b="0" dirty="0">
-                          <a:solidFill>
-                            <a:srgbClr val="003D62"/>
-                          </a:solidFill>
-                        </a:rPr>
-                        <a:t>3</a:t>
-                      </a:r>
-                    </a:p>
-                  </a:txBody>
-                  <a:tcPr>
-                    <a:noFill/>
-                  </a:tcPr>
-                </a:tc>
-                <a:tc>
-                  <a:txBody>
-                    <a:bodyPr/>
-                    <a:lstStyle/>
-                    <a:p>
-                      <a:pPr algn="ctr"/>
-                      <a:r>
-                        <a:rPr lang="en-US" b="0" dirty="0">
-                          <a:solidFill>
-                            <a:srgbClr val="003D62"/>
-                          </a:solidFill>
-                        </a:rPr>
-                        <a:t>4</a:t>
-                      </a:r>
-                    </a:p>
-                  </a:txBody>
-                  <a:tcPr>
-                    <a:noFill/>
-                  </a:tcPr>
-                </a:tc>
-                <a:tc>
-                  <a:txBody>
-                    <a:bodyPr/>
-                    <a:lstStyle/>
-                    <a:p>
-                      <a:pPr algn="ctr"/>
-                      <a:r>
-                        <a:rPr lang="en-US" b="0" dirty="0">
-                          <a:solidFill>
-                            <a:srgbClr val="003D62"/>
-                          </a:solidFill>
-                        </a:rPr>
-                        <a:t>5</a:t>
-                      </a:r>
-                    </a:p>
-                  </a:txBody>
-                  <a:tcPr>
-                    <a:noFill/>
-                  </a:tcPr>
-                </a:tc>
-                <a:tc>
-                  <a:txBody>
-                    <a:bodyPr/>
-                    <a:lstStyle/>
-                    <a:p>
-                      <a:pPr algn="ctr"/>
-                      <a:r>
-                        <a:rPr lang="en-US" b="0" dirty="0">
-                          <a:solidFill>
-                            <a:srgbClr val="003D62"/>
-                          </a:solidFill>
-                        </a:rPr>
-                        <a:t>6</a:t>
-                      </a:r>
-                    </a:p>
-                  </a:txBody>
-                  <a:tcPr>
-                    <a:noFill/>
-                  </a:tcPr>
-                </a:tc>
-                <a:tc>
-                  <a:txBody>
-                    <a:bodyPr/>
-                    <a:lstStyle/>
-                    <a:p>
-                      <a:pPr algn="ctr"/>
-                      <a:r>
-                        <a:rPr lang="en-US" b="0" i="1" dirty="0" err="1">
-                          <a:solidFill>
-                            <a:srgbClr val="003D62"/>
-                          </a:solidFill>
-                        </a:rPr>
-                        <a:t>E</a:t>
-                      </a:r>
-                      <a:r>
-                        <a:rPr lang="en-US" b="0" i="1" baseline="-25000" dirty="0" err="1">
-                          <a:solidFill>
-                            <a:srgbClr val="003D62"/>
-                          </a:solidFill>
-                        </a:rPr>
-                        <a:t>row</a:t>
-                      </a:r>
-                      <a:endParaRPr lang="en-US" b="0" i="1" baseline="-25000" dirty="0">
-                        <a:solidFill>
-                          <a:srgbClr val="003D62"/>
-                        </a:solidFill>
-                      </a:endParaRPr>
-                    </a:p>
-                  </a:txBody>
-                  <a:tcPr>
-                    <a:lnB w="12700" cap="flat" cmpd="sng" algn="ctr">
-                      <a:solidFill>
-                        <a:scrgbClr r="0" g="0" b="0"/>
-                      </a:solidFill>
-                      <a:prstDash val="solid"/>
-                      <a:round/>
-                      <a:headEnd type="none" w="med" len="med"/>
-                      <a:tailEnd type="none" w="med" len="med"/>
-                    </a:lnB>
-                    <a:noFill/>
-                  </a:tcPr>
-                </a:tc>
-                <a:extLst>
-                  <a:ext uri="{0D108BD9-81ED-4DB2-BD59-A6C34878D82A}">
-                    <a16:rowId xmlns:a16="http://schemas.microsoft.com/office/drawing/2014/main" val="10000"/>
-                  </a:ext>
-                </a:extLst>
-              </a:tr>
-              <a:tr h="369100">
-                <a:tc>
-                  <a:txBody>
-                    <a:bodyPr/>
-                    <a:lstStyle/>
-                    <a:p>
-                      <a:pPr algn="ctr"/>
-                      <a:r>
-                        <a:rPr lang="en-US" dirty="0">
-                          <a:solidFill>
-                            <a:srgbClr val="003D62"/>
-                          </a:solidFill>
-                        </a:rPr>
-                        <a:t>0</a:t>
-                      </a:r>
-                    </a:p>
-                  </a:txBody>
-                  <a:tcPr>
-                    <a:noFill/>
-                  </a:tcPr>
-                </a:tc>
-                <a:tc>
-                  <a:txBody>
-                    <a:bodyPr/>
-                    <a:lstStyle/>
-                    <a:p>
-                      <a:pPr algn="ctr"/>
-                      <a:endParaRPr lang="en-US" dirty="0"/>
-                    </a:p>
-                  </a:txBody>
-                  <a:tcPr>
-                    <a:lnB w="12700" cap="flat" cmpd="sng" algn="ctr">
-                      <a:solidFill>
-                        <a:scrgbClr r="0" g="0" b="0"/>
-                      </a:solidFill>
-                      <a:prstDash val="solid"/>
-                      <a:round/>
-                      <a:headEnd type="none" w="med" len="med"/>
-                      <a:tailEnd type="none" w="med" len="med"/>
-                    </a:lnB>
-                    <a:solidFill>
-                      <a:schemeClr val="bg2"/>
-                    </a:solidFill>
-                  </a:tcPr>
-                </a:tc>
-                <a:tc>
-                  <a:txBody>
-                    <a:bodyPr/>
-                    <a:lstStyle/>
-                    <a:p>
-                      <a:pPr algn="ctr"/>
-                      <a:endParaRPr lang="en-US" dirty="0"/>
-                    </a:p>
-                  </a:txBody>
-                  <a:tcPr>
-                    <a:solidFill>
-                      <a:schemeClr val="bg2"/>
-                    </a:solidFill>
-                  </a:tcPr>
-                </a:tc>
-                <a:tc>
-                  <a:txBody>
-                    <a:bodyPr/>
-                    <a:lstStyle/>
-                    <a:p>
-                      <a:pPr algn="ctr"/>
-                      <a:endParaRPr lang="en-US" dirty="0"/>
-                    </a:p>
-                  </a:txBody>
-                  <a:tcPr>
-                    <a:solidFill>
-                      <a:schemeClr val="bg2"/>
-                    </a:solidFill>
-                  </a:tcPr>
-                </a:tc>
-                <a:tc>
-                  <a:txBody>
-                    <a:bodyPr/>
-                    <a:lstStyle/>
-                    <a:p>
-                      <a:pPr algn="ctr"/>
-                      <a:endParaRPr lang="en-US" dirty="0"/>
-                    </a:p>
-                  </a:txBody>
-                  <a:tcPr>
-                    <a:solidFill>
-                      <a:schemeClr val="bg2"/>
-                    </a:solidFill>
-                  </a:tcPr>
-                </a:tc>
-                <a:tc>
-                  <a:txBody>
-                    <a:bodyPr/>
-                    <a:lstStyle/>
-                    <a:p>
-                      <a:pPr algn="ctr"/>
-                      <a:endParaRPr lang="en-US" dirty="0"/>
-                    </a:p>
-                  </a:txBody>
-                  <a:tcPr>
-                    <a:solidFill>
-                      <a:schemeClr val="bg2"/>
-                    </a:solidFill>
-                  </a:tcPr>
-                </a:tc>
-                <a:tc>
-                  <a:txBody>
-                    <a:bodyPr/>
-                    <a:lstStyle/>
-                    <a:p>
-                      <a:pPr algn="ctr"/>
-                      <a:endParaRPr lang="en-US" dirty="0"/>
-                    </a:p>
-                  </a:txBody>
-                  <a:tcPr>
-                    <a:solidFill>
-                      <a:schemeClr val="bg2"/>
-                    </a:solidFill>
-                  </a:tcPr>
-                </a:tc>
-                <a:tc>
-                  <a:txBody>
-                    <a:bodyPr/>
-                    <a:lstStyle/>
-                    <a:p>
-                      <a:pPr algn="ctr"/>
-                      <a:endParaRPr lang="en-US" dirty="0"/>
-                    </a:p>
-                  </a:txBody>
-                  <a:tcPr>
-                    <a:lnR w="12700" cap="flat" cmpd="sng" algn="ctr">
-                      <a:solidFill>
-                        <a:scrgbClr r="0" g="0" b="0"/>
-                      </a:solidFill>
-                      <a:prstDash val="solid"/>
-                      <a:round/>
-                      <a:headEnd type="none" w="med" len="med"/>
-                      <a:tailEnd type="none" w="med" len="med"/>
-                    </a:lnR>
-                    <a:solidFill>
-                      <a:schemeClr val="bg2"/>
-                    </a:solidFill>
-                  </a:tcPr>
-                </a:tc>
-                <a:tc>
-                  <a:txBody>
-                    <a:bodyPr/>
-                    <a:lstStyle/>
-                    <a:p>
-                      <a:pPr algn="ctr"/>
-                      <a:endParaRPr lang="en-US" dirty="0"/>
-                    </a:p>
-                  </a:txBody>
-                  <a:tcPr>
-                    <a:lnL w="12700" cap="flat" cmpd="sng" algn="ctr">
-                      <a:solidFill>
-                        <a:scrgbClr r="0" g="0" b="0"/>
-                      </a:solidFill>
-                      <a:prstDash val="solid"/>
-                      <a:round/>
-                      <a:headEnd type="none" w="med" len="med"/>
-                      <a:tailEnd type="none" w="med" len="med"/>
-                    </a:lnL>
-                    <a:lnR w="12700" cap="flat" cmpd="sng" algn="ctr">
-                      <a:solidFill>
-                        <a:scrgbClr r="0" g="0" b="0"/>
-                      </a:solidFill>
-                      <a:prstDash val="solid"/>
-                      <a:round/>
-                      <a:headEnd type="none" w="med" len="med"/>
-                      <a:tailEnd type="none" w="med" len="med"/>
-                    </a:lnR>
-                    <a:lnT w="12700" cap="flat" cmpd="sng" algn="ctr">
-                      <a:solidFill>
-                        <a:scrgbClr r="0" g="0" b="0"/>
-                      </a:solidFill>
-                      <a:prstDash val="solid"/>
-                      <a:round/>
-                      <a:headEnd type="none" w="med" len="med"/>
-                      <a:tailEnd type="none" w="med" len="med"/>
-                    </a:lnT>
-                    <a:lnB w="12700" cap="flat" cmpd="sng" algn="ctr">
-                      <a:solidFill>
-                        <a:scrgbClr r="0" g="0" b="0"/>
-                      </a:solidFill>
-                      <a:prstDash val="solid"/>
-                      <a:round/>
-                      <a:headEnd type="none" w="med" len="med"/>
-                      <a:tailEnd type="none" w="med" len="med"/>
-                    </a:lnB>
-                    <a:solidFill>
-                      <a:schemeClr val="bg2"/>
-                    </a:solidFill>
-                  </a:tcPr>
-                </a:tc>
-                <a:extLst>
-                  <a:ext uri="{0D108BD9-81ED-4DB2-BD59-A6C34878D82A}">
-                    <a16:rowId xmlns:a16="http://schemas.microsoft.com/office/drawing/2014/main" val="10001"/>
-                  </a:ext>
-                </a:extLst>
-              </a:tr>
-              <a:tr h="369100">
-                <a:tc>
-                  <a:txBody>
-                    <a:bodyPr/>
-                    <a:lstStyle/>
-                    <a:p>
-                      <a:pPr algn="ctr"/>
-                      <a:r>
-                        <a:rPr lang="en-US" dirty="0">
-                          <a:solidFill>
-                            <a:srgbClr val="003D62"/>
-                          </a:solidFill>
-                        </a:rPr>
-                        <a:t>1</a:t>
-                      </a:r>
-                    </a:p>
-                  </a:txBody>
-                  <a:tcPr>
-                    <a:lnR w="12700" cap="flat" cmpd="sng" algn="ctr">
-                      <a:solidFill>
-                        <a:scrgbClr r="0" g="0" b="0"/>
-                      </a:solidFill>
-                      <a:prstDash val="solid"/>
-                      <a:round/>
-                      <a:headEnd type="none" w="med" len="med"/>
-                      <a:tailEnd type="none" w="med" len="med"/>
-                    </a:lnR>
-                    <a:noFill/>
-                  </a:tcPr>
-                </a:tc>
-                <a:tc>
-                  <a:txBody>
-                    <a:bodyPr/>
-                    <a:lstStyle/>
-                    <a:p>
-                      <a:pPr algn="ctr"/>
-                      <a:r>
-                        <a:rPr lang="en-US" dirty="0"/>
-                        <a:t>0</a:t>
-                      </a:r>
-                    </a:p>
-                  </a:txBody>
-                  <a:tcPr>
-                    <a:lnL w="12700" cap="flat" cmpd="sng" algn="ctr">
-                      <a:solidFill>
-                        <a:scrgbClr r="0" g="0" b="0"/>
-                      </a:solidFill>
-                      <a:prstDash val="solid"/>
-                      <a:round/>
-                      <a:headEnd type="none" w="med" len="med"/>
-                      <a:tailEnd type="none" w="med" len="med"/>
-                    </a:lnL>
-                    <a:lnR w="12700" cap="flat" cmpd="sng" algn="ctr">
-                      <a:solidFill>
-                        <a:scrgbClr r="0" g="0" b="0"/>
-                      </a:solidFill>
-                      <a:prstDash val="solid"/>
-                      <a:round/>
-                      <a:headEnd type="none" w="med" len="med"/>
-                      <a:tailEnd type="none" w="med" len="med"/>
-                    </a:lnR>
-                    <a:lnT w="12700" cap="flat" cmpd="sng" algn="ctr">
-                      <a:solidFill>
-                        <a:scrgbClr r="0" g="0" b="0"/>
-                      </a:solidFill>
-                      <a:prstDash val="solid"/>
-                      <a:round/>
-                      <a:headEnd type="none" w="med" len="med"/>
-                      <a:tailEnd type="none" w="med" len="med"/>
-                    </a:lnT>
-                    <a:lnB w="12700" cap="flat" cmpd="sng" algn="ctr">
-                      <a:solidFill>
-                        <a:scrgbClr r="0" g="0" b="0"/>
-                      </a:solidFill>
-                      <a:prstDash val="solid"/>
-                      <a:round/>
-                      <a:headEnd type="none" w="med" len="med"/>
-                      <a:tailEnd type="none" w="med" len="med"/>
-                    </a:lnB>
-                    <a:solidFill>
-                      <a:srgbClr val="A6A6A6"/>
-                    </a:solidFill>
-                  </a:tcPr>
-                </a:tc>
-                <a:tc>
-                  <a:txBody>
-                    <a:bodyPr/>
-                    <a:lstStyle/>
-                    <a:p>
-                      <a:pPr algn="ctr"/>
-                      <a:endParaRPr lang="en-US" dirty="0"/>
-                    </a:p>
-                  </a:txBody>
-                  <a:tcPr>
-                    <a:lnL w="12700" cap="flat" cmpd="sng" algn="ctr">
-                      <a:solidFill>
-                        <a:scrgbClr r="0" g="0" b="0"/>
-                      </a:solidFill>
-                      <a:prstDash val="solid"/>
-                      <a:round/>
-                      <a:headEnd type="none" w="med" len="med"/>
-                      <a:tailEnd type="none" w="med" len="med"/>
-                    </a:lnL>
-                    <a:lnB w="12700" cap="flat" cmpd="sng" algn="ctr">
-                      <a:solidFill>
-                        <a:scrgbClr r="0" g="0" b="0"/>
-                      </a:solidFill>
-                      <a:prstDash val="solid"/>
-                      <a:round/>
-                      <a:headEnd type="none" w="med" len="med"/>
-                      <a:tailEnd type="none" w="med" len="med"/>
-                    </a:lnB>
-                    <a:solidFill>
-                      <a:srgbClr val="DDDDDD"/>
-                    </a:solidFill>
-                  </a:tcPr>
-                </a:tc>
-                <a:tc>
-                  <a:txBody>
-                    <a:bodyPr/>
-                    <a:lstStyle/>
-                    <a:p>
-                      <a:pPr algn="ctr"/>
-                      <a:endParaRPr lang="en-US" dirty="0"/>
-                    </a:p>
-                  </a:txBody>
-                  <a:tcPr>
-                    <a:solidFill>
-                      <a:srgbClr val="DDDDDD"/>
-                    </a:solidFill>
-                  </a:tcPr>
-                </a:tc>
-                <a:tc>
-                  <a:txBody>
-                    <a:bodyPr/>
-                    <a:lstStyle/>
-                    <a:p>
-                      <a:pPr algn="ctr"/>
-                      <a:endParaRPr lang="en-US" dirty="0"/>
-                    </a:p>
-                  </a:txBody>
-                  <a:tcPr>
-                    <a:solidFill>
-                      <a:srgbClr val="DDDDDD"/>
-                    </a:solidFill>
-                  </a:tcPr>
-                </a:tc>
-                <a:tc>
-                  <a:txBody>
-                    <a:bodyPr/>
-                    <a:lstStyle/>
-                    <a:p>
-                      <a:pPr algn="ctr"/>
-                      <a:endParaRPr lang="en-US" dirty="0"/>
-                    </a:p>
-                  </a:txBody>
-                  <a:tcPr>
-                    <a:solidFill>
-                      <a:srgbClr val="DDDDDD"/>
-                    </a:solidFill>
-                  </a:tcPr>
-                </a:tc>
-                <a:tc>
-                  <a:txBody>
-                    <a:bodyPr/>
-                    <a:lstStyle/>
-                    <a:p>
-                      <a:pPr algn="ctr"/>
-                      <a:endParaRPr lang="en-US"/>
-                    </a:p>
-                  </a:txBody>
-                  <a:tcPr>
-                    <a:solidFill>
-                      <a:srgbClr val="DDDDDD"/>
-                    </a:solidFill>
-                  </a:tcPr>
-                </a:tc>
-                <a:tc>
-                  <a:txBody>
-                    <a:bodyPr/>
-                    <a:lstStyle/>
-                    <a:p>
-                      <a:pPr algn="ctr"/>
-                      <a:endParaRPr lang="en-US" dirty="0"/>
-                    </a:p>
-                  </a:txBody>
-                  <a:tcPr>
-                    <a:lnR w="12700" cap="flat" cmpd="sng" algn="ctr">
-                      <a:solidFill>
-                        <a:scrgbClr r="0" g="0" b="0"/>
-                      </a:solidFill>
-                      <a:prstDash val="solid"/>
-                      <a:round/>
-                      <a:headEnd type="none" w="med" len="med"/>
-                      <a:tailEnd type="none" w="med" len="med"/>
-                    </a:lnR>
-                    <a:solidFill>
-                      <a:srgbClr val="DDDDDD"/>
-                    </a:solidFill>
-                  </a:tcPr>
-                </a:tc>
-                <a:tc>
-                  <a:txBody>
-                    <a:bodyPr/>
-                    <a:lstStyle/>
-                    <a:p>
-                      <a:pPr algn="ctr"/>
-                      <a:r>
-                        <a:rPr lang="en-US" dirty="0"/>
-                        <a:t>E</a:t>
-                      </a:r>
-                      <a:r>
-                        <a:rPr lang="en-US" baseline="-25000" dirty="0"/>
-                        <a:t>0</a:t>
-                      </a:r>
-                      <a:endParaRPr lang="en-US" dirty="0"/>
-                    </a:p>
-                  </a:txBody>
-                  <a:tcPr>
-                    <a:lnL w="12700" cap="flat" cmpd="sng" algn="ctr">
-                      <a:solidFill>
-                        <a:scrgbClr r="0" g="0" b="0"/>
-                      </a:solidFill>
-                      <a:prstDash val="solid"/>
-                      <a:round/>
-                      <a:headEnd type="none" w="med" len="med"/>
-                      <a:tailEnd type="none" w="med" len="med"/>
-                    </a:lnL>
-                    <a:lnR w="12700" cap="flat" cmpd="sng" algn="ctr">
-                      <a:solidFill>
-                        <a:scrgbClr r="0" g="0" b="0"/>
-                      </a:solidFill>
-                      <a:prstDash val="solid"/>
-                      <a:round/>
-                      <a:headEnd type="none" w="med" len="med"/>
-                      <a:tailEnd type="none" w="med" len="med"/>
-                    </a:lnR>
-                    <a:lnT w="12700" cap="flat" cmpd="sng" algn="ctr">
-                      <a:solidFill>
-                        <a:scrgbClr r="0" g="0" b="0"/>
-                      </a:solidFill>
-                      <a:prstDash val="solid"/>
-                      <a:round/>
-                      <a:headEnd type="none" w="med" len="med"/>
-                      <a:tailEnd type="none" w="med" len="med"/>
-                    </a:lnT>
-                    <a:lnB w="12700" cap="flat" cmpd="sng" algn="ctr">
-                      <a:solidFill>
-                        <a:scrgbClr r="0" g="0" b="0"/>
-                      </a:solidFill>
-                      <a:prstDash val="solid"/>
-                      <a:round/>
-                      <a:headEnd type="none" w="med" len="med"/>
-                      <a:tailEnd type="none" w="med" len="med"/>
-                    </a:lnB>
-                    <a:solidFill>
-                      <a:srgbClr val="DDDDDD"/>
-                    </a:solidFill>
-                  </a:tcPr>
-                </a:tc>
-                <a:extLst>
-                  <a:ext uri="{0D108BD9-81ED-4DB2-BD59-A6C34878D82A}">
-                    <a16:rowId xmlns:a16="http://schemas.microsoft.com/office/drawing/2014/main" val="10002"/>
-                  </a:ext>
-                </a:extLst>
-              </a:tr>
-              <a:tr h="369100">
-                <a:tc>
-                  <a:txBody>
-                    <a:bodyPr/>
-                    <a:lstStyle/>
-                    <a:p>
-                      <a:pPr algn="ctr"/>
-                      <a:r>
-                        <a:rPr lang="en-US" dirty="0">
-                          <a:solidFill>
-                            <a:srgbClr val="003D62"/>
-                          </a:solidFill>
-                        </a:rPr>
-                        <a:t>2</a:t>
-                      </a:r>
-                    </a:p>
-                  </a:txBody>
-                  <a:tcPr>
-                    <a:lnR w="12700" cap="flat" cmpd="sng" algn="ctr">
-                      <a:solidFill>
-                        <a:scrgbClr r="0" g="0" b="0"/>
-                      </a:solidFill>
-                      <a:prstDash val="solid"/>
-                      <a:round/>
-                      <a:headEnd type="none" w="med" len="med"/>
-                      <a:tailEnd type="none" w="med" len="med"/>
-                    </a:lnR>
-                    <a:noFill/>
-                  </a:tcPr>
-                </a:tc>
-                <a:tc>
-                  <a:txBody>
-                    <a:bodyPr/>
-                    <a:lstStyle/>
-                    <a:p>
-                      <a:pPr algn="ctr"/>
-                      <a:r>
-                        <a:rPr lang="en-US" dirty="0"/>
-                        <a:t>1</a:t>
-                      </a:r>
-                    </a:p>
-                  </a:txBody>
-                  <a:tcPr>
-                    <a:lnL w="12700" cap="flat" cmpd="sng" algn="ctr">
-                      <a:solidFill>
-                        <a:scrgbClr r="0" g="0" b="0"/>
-                      </a:solidFill>
-                      <a:prstDash val="solid"/>
-                      <a:round/>
-                      <a:headEnd type="none" w="med" len="med"/>
-                      <a:tailEnd type="none" w="med" len="med"/>
-                    </a:lnL>
-                    <a:lnR w="12700" cap="flat" cmpd="sng" algn="ctr">
-                      <a:solidFill>
-                        <a:scrgbClr r="0" g="0" b="0"/>
-                      </a:solidFill>
-                      <a:prstDash val="solid"/>
-                      <a:round/>
-                      <a:headEnd type="none" w="med" len="med"/>
-                      <a:tailEnd type="none" w="med" len="med"/>
-                    </a:lnR>
-                    <a:lnT w="12700" cap="flat" cmpd="sng" algn="ctr">
-                      <a:solidFill>
-                        <a:scrgbClr r="0" g="0" b="0"/>
-                      </a:solidFill>
-                      <a:prstDash val="solid"/>
-                      <a:round/>
-                      <a:headEnd type="none" w="med" len="med"/>
-                      <a:tailEnd type="none" w="med" len="med"/>
-                    </a:lnT>
-                    <a:lnB w="12700" cap="flat" cmpd="sng" algn="ctr">
-                      <a:solidFill>
-                        <a:scrgbClr r="0" g="0" b="0"/>
-                      </a:solidFill>
-                      <a:prstDash val="solid"/>
-                      <a:round/>
-                      <a:headEnd type="none" w="med" len="med"/>
-                      <a:tailEnd type="none" w="med" len="med"/>
-                    </a:lnB>
-                    <a:solidFill>
-                      <a:srgbClr val="A6A6A6"/>
-                    </a:solidFill>
-                  </a:tcPr>
-                </a:tc>
-                <a:tc>
-                  <a:txBody>
-                    <a:bodyPr/>
-                    <a:lstStyle/>
-                    <a:p>
-                      <a:pPr algn="ctr"/>
-                      <a:r>
-                        <a:rPr lang="en-US" dirty="0"/>
-                        <a:t>2</a:t>
-                      </a:r>
-                    </a:p>
-                  </a:txBody>
-                  <a:tcPr>
-                    <a:lnL w="12700" cap="flat" cmpd="sng" algn="ctr">
-                      <a:solidFill>
-                        <a:scrgbClr r="0" g="0" b="0"/>
-                      </a:solidFill>
-                      <a:prstDash val="solid"/>
-                      <a:round/>
-                      <a:headEnd type="none" w="med" len="med"/>
-                      <a:tailEnd type="none" w="med" len="med"/>
-                    </a:lnL>
-                    <a:lnR w="12700" cap="flat" cmpd="sng" algn="ctr">
-                      <a:solidFill>
-                        <a:scrgbClr r="0" g="0" b="0"/>
-                      </a:solidFill>
-                      <a:prstDash val="solid"/>
-                      <a:round/>
-                      <a:headEnd type="none" w="med" len="med"/>
-                      <a:tailEnd type="none" w="med" len="med"/>
-                    </a:lnR>
-                    <a:lnT w="12700" cap="flat" cmpd="sng" algn="ctr">
-                      <a:solidFill>
-                        <a:scrgbClr r="0" g="0" b="0"/>
-                      </a:solidFill>
-                      <a:prstDash val="solid"/>
-                      <a:round/>
-                      <a:headEnd type="none" w="med" len="med"/>
-                      <a:tailEnd type="none" w="med" len="med"/>
-                    </a:lnT>
-                    <a:lnB w="12700" cap="flat" cmpd="sng" algn="ctr">
-                      <a:solidFill>
-                        <a:scrgbClr r="0" g="0" b="0"/>
-                      </a:solidFill>
-                      <a:prstDash val="solid"/>
-                      <a:round/>
-                      <a:headEnd type="none" w="med" len="med"/>
-                      <a:tailEnd type="none" w="med" len="med"/>
-                    </a:lnB>
-                    <a:solidFill>
-                      <a:srgbClr val="A6A6A6"/>
-                    </a:solidFill>
-                  </a:tcPr>
-                </a:tc>
-                <a:tc>
-                  <a:txBody>
-                    <a:bodyPr/>
-                    <a:lstStyle/>
-                    <a:p>
-                      <a:pPr algn="ctr"/>
-                      <a:endParaRPr lang="en-US" dirty="0"/>
-                    </a:p>
-                  </a:txBody>
-                  <a:tcPr>
-                    <a:lnL w="12700" cap="flat" cmpd="sng" algn="ctr">
-                      <a:solidFill>
-                        <a:scrgbClr r="0" g="0" b="0"/>
-                      </a:solidFill>
-                      <a:prstDash val="solid"/>
-                      <a:round/>
-                      <a:headEnd type="none" w="med" len="med"/>
-                      <a:tailEnd type="none" w="med" len="med"/>
-                    </a:lnL>
-                    <a:lnB w="12700" cap="flat" cmpd="sng" algn="ctr">
-                      <a:solidFill>
-                        <a:scrgbClr r="0" g="0" b="0"/>
-                      </a:solidFill>
-                      <a:prstDash val="solid"/>
-                      <a:round/>
-                      <a:headEnd type="none" w="med" len="med"/>
-                      <a:tailEnd type="none" w="med" len="med"/>
-                    </a:lnB>
-                    <a:solidFill>
-                      <a:srgbClr val="DDDDDD"/>
-                    </a:solidFill>
-                  </a:tcPr>
-                </a:tc>
-                <a:tc>
-                  <a:txBody>
-                    <a:bodyPr/>
-                    <a:lstStyle/>
-                    <a:p>
-                      <a:pPr algn="ctr"/>
-                      <a:endParaRPr lang="en-US" dirty="0"/>
-                    </a:p>
-                  </a:txBody>
-                  <a:tcPr>
-                    <a:solidFill>
-                      <a:srgbClr val="DDDDDD"/>
-                    </a:solidFill>
-                  </a:tcPr>
-                </a:tc>
-                <a:tc>
-                  <a:txBody>
-                    <a:bodyPr/>
-                    <a:lstStyle/>
-                    <a:p>
-                      <a:pPr algn="ctr"/>
-                      <a:endParaRPr lang="en-US" dirty="0"/>
-                    </a:p>
-                  </a:txBody>
-                  <a:tcPr>
-                    <a:solidFill>
-                      <a:srgbClr val="DDDDDD"/>
-                    </a:solidFill>
-                  </a:tcPr>
-                </a:tc>
-                <a:tc>
-                  <a:txBody>
-                    <a:bodyPr/>
-                    <a:lstStyle/>
-                    <a:p>
-                      <a:pPr algn="ctr"/>
-                      <a:endParaRPr lang="en-US" dirty="0"/>
-                    </a:p>
-                  </a:txBody>
-                  <a:tcPr>
-                    <a:solidFill>
-                      <a:srgbClr val="DDDDDD"/>
-                    </a:solidFill>
-                  </a:tcPr>
-                </a:tc>
-                <a:tc>
-                  <a:txBody>
-                    <a:bodyPr/>
-                    <a:lstStyle/>
-                    <a:p>
-                      <a:pPr algn="ctr"/>
-                      <a:endParaRPr lang="en-US" dirty="0"/>
-                    </a:p>
-                  </a:txBody>
-                  <a:tcPr>
-                    <a:lnR w="12700" cap="flat" cmpd="sng" algn="ctr">
-                      <a:solidFill>
-                        <a:scrgbClr r="0" g="0" b="0"/>
-                      </a:solidFill>
-                      <a:prstDash val="solid"/>
-                      <a:round/>
-                      <a:headEnd type="none" w="med" len="med"/>
-                      <a:tailEnd type="none" w="med" len="med"/>
-                    </a:lnR>
-                    <a:solidFill>
-                      <a:srgbClr val="DDDDDD"/>
-                    </a:solidFill>
-                  </a:tcPr>
-                </a:tc>
-                <a:tc>
-                  <a:txBody>
-                    <a:bodyPr/>
-                    <a:lstStyle/>
-                    <a:p>
-                      <a:pPr algn="ctr"/>
-                      <a:r>
-                        <a:rPr lang="en-US" dirty="0"/>
-                        <a:t>E</a:t>
-                      </a:r>
-                      <a:r>
-                        <a:rPr lang="en-US" baseline="-25000" dirty="0"/>
-                        <a:t>1</a:t>
-                      </a:r>
-                      <a:r>
-                        <a:rPr lang="en-US" dirty="0"/>
-                        <a:t>+E</a:t>
-                      </a:r>
-                      <a:r>
-                        <a:rPr lang="en-US" baseline="-25000" dirty="0"/>
-                        <a:t>2</a:t>
-                      </a:r>
-                      <a:endParaRPr lang="en-US" dirty="0"/>
-                    </a:p>
-                  </a:txBody>
-                  <a:tcPr>
-                    <a:lnL w="12700" cap="flat" cmpd="sng" algn="ctr">
-                      <a:solidFill>
-                        <a:scrgbClr r="0" g="0" b="0"/>
-                      </a:solidFill>
-                      <a:prstDash val="solid"/>
-                      <a:round/>
-                      <a:headEnd type="none" w="med" len="med"/>
-                      <a:tailEnd type="none" w="med" len="med"/>
-                    </a:lnL>
-                    <a:lnR w="12700" cap="flat" cmpd="sng" algn="ctr">
-                      <a:solidFill>
-                        <a:scrgbClr r="0" g="0" b="0"/>
-                      </a:solidFill>
-                      <a:prstDash val="solid"/>
-                      <a:round/>
-                      <a:headEnd type="none" w="med" len="med"/>
-                      <a:tailEnd type="none" w="med" len="med"/>
-                    </a:lnR>
-                    <a:lnT w="12700" cap="flat" cmpd="sng" algn="ctr">
-                      <a:solidFill>
-                        <a:scrgbClr r="0" g="0" b="0"/>
-                      </a:solidFill>
-                      <a:prstDash val="solid"/>
-                      <a:round/>
-                      <a:headEnd type="none" w="med" len="med"/>
-                      <a:tailEnd type="none" w="med" len="med"/>
-                    </a:lnT>
-                    <a:lnB w="12700" cap="flat" cmpd="sng" algn="ctr">
-                      <a:solidFill>
-                        <a:scrgbClr r="0" g="0" b="0"/>
-                      </a:solidFill>
-                      <a:prstDash val="solid"/>
-                      <a:round/>
-                      <a:headEnd type="none" w="med" len="med"/>
-                      <a:tailEnd type="none" w="med" len="med"/>
-                    </a:lnB>
-                    <a:solidFill>
-                      <a:srgbClr val="DDDDDD"/>
-                    </a:solidFill>
-                  </a:tcPr>
-                </a:tc>
-                <a:extLst>
-                  <a:ext uri="{0D108BD9-81ED-4DB2-BD59-A6C34878D82A}">
-                    <a16:rowId xmlns:a16="http://schemas.microsoft.com/office/drawing/2014/main" val="10003"/>
-                  </a:ext>
-                </a:extLst>
-              </a:tr>
-              <a:tr h="369100">
-                <a:tc>
-                  <a:txBody>
-                    <a:bodyPr/>
-                    <a:lstStyle/>
-                    <a:p>
-                      <a:pPr algn="ctr"/>
-                      <a:r>
-                        <a:rPr lang="en-US" dirty="0">
-                          <a:solidFill>
-                            <a:srgbClr val="003D62"/>
-                          </a:solidFill>
-                        </a:rPr>
-                        <a:t>3</a:t>
-                      </a:r>
-                    </a:p>
-                  </a:txBody>
-                  <a:tcPr>
-                    <a:lnR w="12700" cap="flat" cmpd="sng" algn="ctr">
-                      <a:solidFill>
-                        <a:scrgbClr r="0" g="0" b="0"/>
-                      </a:solidFill>
-                      <a:prstDash val="solid"/>
-                      <a:round/>
-                      <a:headEnd type="none" w="med" len="med"/>
-                      <a:tailEnd type="none" w="med" len="med"/>
-                    </a:lnR>
-                    <a:noFill/>
-                  </a:tcPr>
-                </a:tc>
-                <a:tc>
-                  <a:txBody>
-                    <a:bodyPr/>
-                    <a:lstStyle/>
-                    <a:p>
-                      <a:pPr algn="ctr"/>
-                      <a:r>
-                        <a:rPr lang="en-US" dirty="0"/>
-                        <a:t>3</a:t>
-                      </a:r>
-                    </a:p>
-                  </a:txBody>
-                  <a:tcPr>
-                    <a:lnL w="12700" cap="flat" cmpd="sng" algn="ctr">
-                      <a:solidFill>
-                        <a:scrgbClr r="0" g="0" b="0"/>
-                      </a:solidFill>
-                      <a:prstDash val="solid"/>
-                      <a:round/>
-                      <a:headEnd type="none" w="med" len="med"/>
-                      <a:tailEnd type="none" w="med" len="med"/>
-                    </a:lnL>
-                    <a:lnR w="12700" cap="flat" cmpd="sng" algn="ctr">
-                      <a:solidFill>
-                        <a:scrgbClr r="0" g="0" b="0"/>
-                      </a:solidFill>
-                      <a:prstDash val="solid"/>
-                      <a:round/>
-                      <a:headEnd type="none" w="med" len="med"/>
-                      <a:tailEnd type="none" w="med" len="med"/>
-                    </a:lnR>
-                    <a:lnT w="12700" cap="flat" cmpd="sng" algn="ctr">
-                      <a:solidFill>
-                        <a:scrgbClr r="0" g="0" b="0"/>
-                      </a:solidFill>
-                      <a:prstDash val="solid"/>
-                      <a:round/>
-                      <a:headEnd type="none" w="med" len="med"/>
-                      <a:tailEnd type="none" w="med" len="med"/>
-                    </a:lnT>
-                    <a:lnB w="12700" cap="flat" cmpd="sng" algn="ctr">
-                      <a:solidFill>
-                        <a:scrgbClr r="0" g="0" b="0"/>
-                      </a:solidFill>
-                      <a:prstDash val="solid"/>
-                      <a:round/>
-                      <a:headEnd type="none" w="med" len="med"/>
-                      <a:tailEnd type="none" w="med" len="med"/>
-                    </a:lnB>
-                    <a:solidFill>
-                      <a:srgbClr val="A6A6A6"/>
-                    </a:solidFill>
-                  </a:tcPr>
-                </a:tc>
-                <a:tc>
-                  <a:txBody>
-                    <a:bodyPr/>
-                    <a:lstStyle/>
-                    <a:p>
-                      <a:pPr algn="ctr"/>
-                      <a:r>
-                        <a:rPr lang="en-US" dirty="0"/>
-                        <a:t>4</a:t>
-                      </a:r>
-                    </a:p>
-                  </a:txBody>
-                  <a:tcPr>
-                    <a:lnL w="12700" cap="flat" cmpd="sng" algn="ctr">
-                      <a:solidFill>
-                        <a:scrgbClr r="0" g="0" b="0"/>
-                      </a:solidFill>
-                      <a:prstDash val="solid"/>
-                      <a:round/>
-                      <a:headEnd type="none" w="med" len="med"/>
-                      <a:tailEnd type="none" w="med" len="med"/>
-                    </a:lnL>
-                    <a:lnR w="12700" cap="flat" cmpd="sng" algn="ctr">
-                      <a:solidFill>
-                        <a:scrgbClr r="0" g="0" b="0"/>
-                      </a:solidFill>
-                      <a:prstDash val="solid"/>
-                      <a:round/>
-                      <a:headEnd type="none" w="med" len="med"/>
-                      <a:tailEnd type="none" w="med" len="med"/>
-                    </a:lnR>
-                    <a:lnT w="12700" cap="flat" cmpd="sng" algn="ctr">
-                      <a:solidFill>
-                        <a:scrgbClr r="0" g="0" b="0"/>
-                      </a:solidFill>
-                      <a:prstDash val="solid"/>
-                      <a:round/>
-                      <a:headEnd type="none" w="med" len="med"/>
-                      <a:tailEnd type="none" w="med" len="med"/>
-                    </a:lnT>
-                    <a:lnB w="12700" cap="flat" cmpd="sng" algn="ctr">
-                      <a:solidFill>
-                        <a:scrgbClr r="0" g="0" b="0"/>
-                      </a:solidFill>
-                      <a:prstDash val="solid"/>
-                      <a:round/>
-                      <a:headEnd type="none" w="med" len="med"/>
-                      <a:tailEnd type="none" w="med" len="med"/>
-                    </a:lnB>
-                    <a:solidFill>
-                      <a:srgbClr val="A6A6A6"/>
-                    </a:solidFill>
-                  </a:tcPr>
-                </a:tc>
-                <a:tc>
-                  <a:txBody>
-                    <a:bodyPr/>
-                    <a:lstStyle/>
-                    <a:p>
-                      <a:pPr algn="ctr"/>
-                      <a:r>
-                        <a:rPr lang="en-US" dirty="0"/>
-                        <a:t>5</a:t>
-                      </a:r>
-                    </a:p>
-                  </a:txBody>
-                  <a:tcPr>
-                    <a:lnL w="12700" cap="flat" cmpd="sng" algn="ctr">
-                      <a:solidFill>
-                        <a:scrgbClr r="0" g="0" b="0"/>
-                      </a:solidFill>
-                      <a:prstDash val="solid"/>
-                      <a:round/>
-                      <a:headEnd type="none" w="med" len="med"/>
-                      <a:tailEnd type="none" w="med" len="med"/>
-                    </a:lnL>
-                    <a:lnR w="12700" cap="flat" cmpd="sng" algn="ctr">
-                      <a:solidFill>
-                        <a:scrgbClr r="0" g="0" b="0"/>
-                      </a:solidFill>
-                      <a:prstDash val="solid"/>
-                      <a:round/>
-                      <a:headEnd type="none" w="med" len="med"/>
-                      <a:tailEnd type="none" w="med" len="med"/>
-                    </a:lnR>
-                    <a:lnT w="12700" cap="flat" cmpd="sng" algn="ctr">
-                      <a:solidFill>
-                        <a:scrgbClr r="0" g="0" b="0"/>
-                      </a:solidFill>
-                      <a:prstDash val="solid"/>
-                      <a:round/>
-                      <a:headEnd type="none" w="med" len="med"/>
-                      <a:tailEnd type="none" w="med" len="med"/>
-                    </a:lnT>
-                    <a:lnB w="12700" cap="flat" cmpd="sng" algn="ctr">
-                      <a:solidFill>
-                        <a:scrgbClr r="0" g="0" b="0"/>
-                      </a:solidFill>
-                      <a:prstDash val="solid"/>
-                      <a:round/>
-                      <a:headEnd type="none" w="med" len="med"/>
-                      <a:tailEnd type="none" w="med" len="med"/>
-                    </a:lnB>
-                    <a:solidFill>
-                      <a:srgbClr val="A6A6A6"/>
-                    </a:solidFill>
-                  </a:tcPr>
-                </a:tc>
-                <a:tc>
-                  <a:txBody>
-                    <a:bodyPr/>
-                    <a:lstStyle/>
-                    <a:p>
-                      <a:pPr algn="ctr"/>
-                      <a:endParaRPr lang="en-US" dirty="0"/>
-                    </a:p>
-                  </a:txBody>
-                  <a:tcPr>
-                    <a:lnL w="12700" cap="flat" cmpd="sng" algn="ctr">
-                      <a:solidFill>
-                        <a:scrgbClr r="0" g="0" b="0"/>
-                      </a:solidFill>
-                      <a:prstDash val="solid"/>
-                      <a:round/>
-                      <a:headEnd type="none" w="med" len="med"/>
-                      <a:tailEnd type="none" w="med" len="med"/>
-                    </a:lnL>
-                    <a:lnB w="12700" cap="flat" cmpd="sng" algn="ctr">
-                      <a:solidFill>
-                        <a:scrgbClr r="0" g="0" b="0"/>
-                      </a:solidFill>
-                      <a:prstDash val="solid"/>
-                      <a:round/>
-                      <a:headEnd type="none" w="med" len="med"/>
-                      <a:tailEnd type="none" w="med" len="med"/>
-                    </a:lnB>
-                    <a:solidFill>
-                      <a:srgbClr val="DDDDDD"/>
-                    </a:solidFill>
-                  </a:tcPr>
-                </a:tc>
-                <a:tc>
-                  <a:txBody>
-                    <a:bodyPr/>
-                    <a:lstStyle/>
-                    <a:p>
-                      <a:pPr algn="ctr"/>
-                      <a:endParaRPr lang="en-US" dirty="0"/>
-                    </a:p>
-                  </a:txBody>
-                  <a:tcPr>
-                    <a:solidFill>
-                      <a:srgbClr val="DDDDDD"/>
-                    </a:solidFill>
-                  </a:tcPr>
-                </a:tc>
-                <a:tc>
-                  <a:txBody>
-                    <a:bodyPr/>
-                    <a:lstStyle/>
-                    <a:p>
-                      <a:pPr algn="ctr"/>
-                      <a:endParaRPr lang="en-US" dirty="0"/>
-                    </a:p>
-                  </a:txBody>
-                  <a:tcPr>
-                    <a:solidFill>
-                      <a:srgbClr val="DDDDDD"/>
-                    </a:solidFill>
-                  </a:tcPr>
-                </a:tc>
-                <a:tc>
-                  <a:txBody>
-                    <a:bodyPr/>
-                    <a:lstStyle/>
-                    <a:p>
-                      <a:pPr algn="ctr"/>
-                      <a:endParaRPr lang="en-US" dirty="0"/>
-                    </a:p>
-                  </a:txBody>
-                  <a:tcPr>
-                    <a:lnR w="12700" cap="flat" cmpd="sng" algn="ctr">
-                      <a:solidFill>
-                        <a:scrgbClr r="0" g="0" b="0"/>
-                      </a:solidFill>
-                      <a:prstDash val="solid"/>
-                      <a:round/>
-                      <a:headEnd type="none" w="med" len="med"/>
-                      <a:tailEnd type="none" w="med" len="med"/>
-                    </a:lnR>
-                    <a:solidFill>
-                      <a:srgbClr val="DDDDDD"/>
-                    </a:solidFill>
-                  </a:tcPr>
-                </a:tc>
-                <a:tc>
-                  <a:txBody>
-                    <a:bodyPr/>
-                    <a:lstStyle/>
-                    <a:p>
-                      <a:pPr marL="0" marR="0" indent="0" algn="ctr" defTabSz="457200" rtl="0" eaLnBrk="1" fontAlgn="auto" latinLnBrk="0" hangingPunct="1">
-                        <a:lnSpc>
-                          <a:spcPct val="100000"/>
-                        </a:lnSpc>
-                        <a:spcBef>
-                          <a:spcPts val="0"/>
-                        </a:spcBef>
-                        <a:spcAft>
-                          <a:spcPts val="0"/>
-                        </a:spcAft>
-                        <a:buClrTx/>
-                        <a:buSzTx/>
-                        <a:buFontTx/>
-                        <a:buNone/>
-                        <a:tabLst/>
-                        <a:defRPr/>
-                      </a:pPr>
-                      <a:r>
-                        <a:rPr lang="en-US" dirty="0"/>
-                        <a:t>E</a:t>
-                      </a:r>
-                      <a:r>
-                        <a:rPr lang="en-US" baseline="-25000" dirty="0"/>
-                        <a:t>3</a:t>
-                      </a:r>
-                      <a:r>
-                        <a:rPr lang="en-US" dirty="0"/>
-                        <a:t>+E</a:t>
-                      </a:r>
-                      <a:r>
-                        <a:rPr lang="en-US" baseline="-25000" dirty="0"/>
-                        <a:t>4</a:t>
-                      </a:r>
-                      <a:r>
-                        <a:rPr lang="en-US" dirty="0"/>
-                        <a:t>+E</a:t>
-                      </a:r>
-                      <a:r>
-                        <a:rPr lang="en-US" baseline="-25000" dirty="0"/>
-                        <a:t>5</a:t>
-                      </a:r>
-                      <a:endParaRPr lang="en-US" dirty="0"/>
-                    </a:p>
-                  </a:txBody>
-                  <a:tcPr>
-                    <a:lnL w="12700" cap="flat" cmpd="sng" algn="ctr">
-                      <a:solidFill>
-                        <a:scrgbClr r="0" g="0" b="0"/>
-                      </a:solidFill>
-                      <a:prstDash val="solid"/>
-                      <a:round/>
-                      <a:headEnd type="none" w="med" len="med"/>
-                      <a:tailEnd type="none" w="med" len="med"/>
-                    </a:lnL>
-                    <a:lnR w="12700" cap="flat" cmpd="sng" algn="ctr">
-                      <a:solidFill>
-                        <a:scrgbClr r="0" g="0" b="0"/>
-                      </a:solidFill>
-                      <a:prstDash val="solid"/>
-                      <a:round/>
-                      <a:headEnd type="none" w="med" len="med"/>
-                      <a:tailEnd type="none" w="med" len="med"/>
-                    </a:lnR>
-                    <a:lnT w="12700" cap="flat" cmpd="sng" algn="ctr">
-                      <a:solidFill>
-                        <a:scrgbClr r="0" g="0" b="0"/>
-                      </a:solidFill>
-                      <a:prstDash val="solid"/>
-                      <a:round/>
-                      <a:headEnd type="none" w="med" len="med"/>
-                      <a:tailEnd type="none" w="med" len="med"/>
-                    </a:lnT>
-                    <a:lnB w="12700" cap="flat" cmpd="sng" algn="ctr">
-                      <a:solidFill>
-                        <a:scrgbClr r="0" g="0" b="0"/>
-                      </a:solidFill>
-                      <a:prstDash val="solid"/>
-                      <a:round/>
-                      <a:headEnd type="none" w="med" len="med"/>
-                      <a:tailEnd type="none" w="med" len="med"/>
-                    </a:lnB>
-                    <a:solidFill>
-                      <a:srgbClr val="DDDDDD"/>
-                    </a:solidFill>
-                  </a:tcPr>
-                </a:tc>
-                <a:extLst>
-                  <a:ext uri="{0D108BD9-81ED-4DB2-BD59-A6C34878D82A}">
-                    <a16:rowId xmlns:a16="http://schemas.microsoft.com/office/drawing/2014/main" val="10004"/>
-                  </a:ext>
-                </a:extLst>
-              </a:tr>
-              <a:tr h="369100">
-                <a:tc>
-                  <a:txBody>
-                    <a:bodyPr/>
-                    <a:lstStyle/>
-                    <a:p>
-                      <a:pPr algn="ctr"/>
-                      <a:r>
-                        <a:rPr lang="en-US" dirty="0">
-                          <a:solidFill>
-                            <a:srgbClr val="003D62"/>
-                          </a:solidFill>
-                        </a:rPr>
-                        <a:t>4</a:t>
-                      </a:r>
-                    </a:p>
-                  </a:txBody>
-                  <a:tcPr>
-                    <a:lnR w="12700" cap="flat" cmpd="sng" algn="ctr">
-                      <a:solidFill>
-                        <a:scrgbClr r="0" g="0" b="0"/>
-                      </a:solidFill>
-                      <a:prstDash val="solid"/>
-                      <a:round/>
-                      <a:headEnd type="none" w="med" len="med"/>
-                      <a:tailEnd type="none" w="med" len="med"/>
-                    </a:lnR>
-                    <a:noFill/>
-                  </a:tcPr>
-                </a:tc>
-                <a:tc>
-                  <a:txBody>
-                    <a:bodyPr/>
-                    <a:lstStyle/>
-                    <a:p>
-                      <a:pPr algn="ctr"/>
-                      <a:r>
-                        <a:rPr lang="en-US" dirty="0"/>
-                        <a:t>6</a:t>
-                      </a:r>
-                    </a:p>
-                  </a:txBody>
-                  <a:tcPr>
-                    <a:lnL w="12700" cap="flat" cmpd="sng" algn="ctr">
-                      <a:solidFill>
-                        <a:scrgbClr r="0" g="0" b="0"/>
-                      </a:solidFill>
-                      <a:prstDash val="solid"/>
-                      <a:round/>
-                      <a:headEnd type="none" w="med" len="med"/>
-                      <a:tailEnd type="none" w="med" len="med"/>
-                    </a:lnL>
-                    <a:lnR w="12700" cap="flat" cmpd="sng" algn="ctr">
-                      <a:solidFill>
-                        <a:scrgbClr r="0" g="0" b="0"/>
-                      </a:solidFill>
-                      <a:prstDash val="solid"/>
-                      <a:round/>
-                      <a:headEnd type="none" w="med" len="med"/>
-                      <a:tailEnd type="none" w="med" len="med"/>
-                    </a:lnR>
-                    <a:lnT w="12700" cap="flat" cmpd="sng" algn="ctr">
-                      <a:solidFill>
-                        <a:scrgbClr r="0" g="0" b="0"/>
-                      </a:solidFill>
-                      <a:prstDash val="solid"/>
-                      <a:round/>
-                      <a:headEnd type="none" w="med" len="med"/>
-                      <a:tailEnd type="none" w="med" len="med"/>
-                    </a:lnT>
-                    <a:lnB w="12700" cap="flat" cmpd="sng" algn="ctr">
-                      <a:solidFill>
-                        <a:scrgbClr r="0" g="0" b="0"/>
-                      </a:solidFill>
-                      <a:prstDash val="solid"/>
-                      <a:round/>
-                      <a:headEnd type="none" w="med" len="med"/>
-                      <a:tailEnd type="none" w="med" len="med"/>
-                    </a:lnB>
-                    <a:solidFill>
-                      <a:srgbClr val="FF7B11"/>
-                    </a:solidFill>
-                  </a:tcPr>
-                </a:tc>
-                <a:tc>
-                  <a:txBody>
-                    <a:bodyPr/>
-                    <a:lstStyle/>
-                    <a:p>
-                      <a:pPr algn="ctr"/>
-                      <a:r>
-                        <a:rPr lang="en-US" dirty="0"/>
-                        <a:t>7</a:t>
-                      </a:r>
-                    </a:p>
-                  </a:txBody>
-                  <a:tcPr>
-                    <a:lnL w="12700" cap="flat" cmpd="sng" algn="ctr">
-                      <a:solidFill>
-                        <a:scrgbClr r="0" g="0" b="0"/>
-                      </a:solidFill>
-                      <a:prstDash val="solid"/>
-                      <a:round/>
-                      <a:headEnd type="none" w="med" len="med"/>
-                      <a:tailEnd type="none" w="med" len="med"/>
-                    </a:lnL>
-                    <a:lnR w="12700" cap="flat" cmpd="sng" algn="ctr">
-                      <a:solidFill>
-                        <a:scrgbClr r="0" g="0" b="0"/>
-                      </a:solidFill>
-                      <a:prstDash val="solid"/>
-                      <a:round/>
-                      <a:headEnd type="none" w="med" len="med"/>
-                      <a:tailEnd type="none" w="med" len="med"/>
-                    </a:lnR>
-                    <a:lnT w="12700" cap="flat" cmpd="sng" algn="ctr">
-                      <a:solidFill>
-                        <a:scrgbClr r="0" g="0" b="0"/>
-                      </a:solidFill>
-                      <a:prstDash val="solid"/>
-                      <a:round/>
-                      <a:headEnd type="none" w="med" len="med"/>
-                      <a:tailEnd type="none" w="med" len="med"/>
-                    </a:lnT>
-                    <a:lnB w="12700" cap="flat" cmpd="sng" algn="ctr">
-                      <a:solidFill>
-                        <a:scrgbClr r="0" g="0" b="0"/>
-                      </a:solidFill>
-                      <a:prstDash val="solid"/>
-                      <a:round/>
-                      <a:headEnd type="none" w="med" len="med"/>
-                      <a:tailEnd type="none" w="med" len="med"/>
-                    </a:lnB>
-                    <a:solidFill>
-                      <a:srgbClr val="FF7B11"/>
-                    </a:solidFill>
-                  </a:tcPr>
-                </a:tc>
-                <a:tc>
-                  <a:txBody>
-                    <a:bodyPr/>
-                    <a:lstStyle/>
-                    <a:p>
-                      <a:pPr algn="ctr"/>
-                      <a:r>
-                        <a:rPr lang="en-US" dirty="0"/>
-                        <a:t>8</a:t>
-                      </a:r>
-                    </a:p>
-                  </a:txBody>
-                  <a:tcPr>
-                    <a:lnL w="12700" cap="flat" cmpd="sng" algn="ctr">
-                      <a:solidFill>
-                        <a:scrgbClr r="0" g="0" b="0"/>
-                      </a:solidFill>
-                      <a:prstDash val="solid"/>
-                      <a:round/>
-                      <a:headEnd type="none" w="med" len="med"/>
-                      <a:tailEnd type="none" w="med" len="med"/>
-                    </a:lnL>
-                    <a:lnR w="12700" cap="flat" cmpd="sng" algn="ctr">
-                      <a:solidFill>
-                        <a:scrgbClr r="0" g="0" b="0"/>
-                      </a:solidFill>
-                      <a:prstDash val="solid"/>
-                      <a:round/>
-                      <a:headEnd type="none" w="med" len="med"/>
-                      <a:tailEnd type="none" w="med" len="med"/>
-                    </a:lnR>
-                    <a:lnT w="12700" cap="flat" cmpd="sng" algn="ctr">
-                      <a:solidFill>
-                        <a:scrgbClr r="0" g="0" b="0"/>
-                      </a:solidFill>
-                      <a:prstDash val="solid"/>
-                      <a:round/>
-                      <a:headEnd type="none" w="med" len="med"/>
-                      <a:tailEnd type="none" w="med" len="med"/>
-                    </a:lnT>
-                    <a:lnB w="12700" cap="flat" cmpd="sng" algn="ctr">
-                      <a:solidFill>
-                        <a:scrgbClr r="0" g="0" b="0"/>
-                      </a:solidFill>
-                      <a:prstDash val="solid"/>
-                      <a:round/>
-                      <a:headEnd type="none" w="med" len="med"/>
-                      <a:tailEnd type="none" w="med" len="med"/>
-                    </a:lnB>
-                    <a:solidFill>
-                      <a:srgbClr val="FF7B11"/>
-                    </a:solidFill>
-                  </a:tcPr>
-                </a:tc>
-                <a:tc>
-                  <a:txBody>
-                    <a:bodyPr/>
-                    <a:lstStyle/>
-                    <a:p>
-                      <a:pPr algn="ctr"/>
-                      <a:r>
-                        <a:rPr lang="en-US" dirty="0"/>
-                        <a:t>9</a:t>
-                      </a:r>
-                    </a:p>
-                  </a:txBody>
-                  <a:tcPr>
-                    <a:lnL w="12700" cap="flat" cmpd="sng" algn="ctr">
-                      <a:solidFill>
-                        <a:scrgbClr r="0" g="0" b="0"/>
-                      </a:solidFill>
-                      <a:prstDash val="solid"/>
-                      <a:round/>
-                      <a:headEnd type="none" w="med" len="med"/>
-                      <a:tailEnd type="none" w="med" len="med"/>
-                    </a:lnL>
-                    <a:lnR w="12700" cap="flat" cmpd="sng" algn="ctr">
-                      <a:solidFill>
-                        <a:scrgbClr r="0" g="0" b="0"/>
-                      </a:solidFill>
-                      <a:prstDash val="solid"/>
-                      <a:round/>
-                      <a:headEnd type="none" w="med" len="med"/>
-                      <a:tailEnd type="none" w="med" len="med"/>
-                    </a:lnR>
-                    <a:lnT w="12700" cap="flat" cmpd="sng" algn="ctr">
-                      <a:solidFill>
-                        <a:scrgbClr r="0" g="0" b="0"/>
-                      </a:solidFill>
-                      <a:prstDash val="solid"/>
-                      <a:round/>
-                      <a:headEnd type="none" w="med" len="med"/>
-                      <a:tailEnd type="none" w="med" len="med"/>
-                    </a:lnT>
-                    <a:lnB w="12700" cap="flat" cmpd="sng" algn="ctr">
-                      <a:solidFill>
-                        <a:scrgbClr r="0" g="0" b="0"/>
-                      </a:solidFill>
-                      <a:prstDash val="solid"/>
-                      <a:round/>
-                      <a:headEnd type="none" w="med" len="med"/>
-                      <a:tailEnd type="none" w="med" len="med"/>
-                    </a:lnB>
-                    <a:solidFill>
-                      <a:srgbClr val="FF7B11"/>
-                    </a:solidFill>
-                  </a:tcPr>
-                </a:tc>
-                <a:tc>
-                  <a:txBody>
-                    <a:bodyPr/>
-                    <a:lstStyle/>
-                    <a:p>
-                      <a:pPr algn="ctr"/>
-                      <a:endParaRPr lang="en-US" dirty="0"/>
-                    </a:p>
-                  </a:txBody>
-                  <a:tcPr>
-                    <a:lnL w="12700" cap="flat" cmpd="sng" algn="ctr">
-                      <a:solidFill>
-                        <a:scrgbClr r="0" g="0" b="0"/>
-                      </a:solidFill>
-                      <a:prstDash val="solid"/>
-                      <a:round/>
-                      <a:headEnd type="none" w="med" len="med"/>
-                      <a:tailEnd type="none" w="med" len="med"/>
-                    </a:lnL>
-                    <a:lnB w="12700" cap="flat" cmpd="sng" algn="ctr">
-                      <a:solidFill>
-                        <a:scrgbClr r="0" g="0" b="0"/>
-                      </a:solidFill>
-                      <a:prstDash val="solid"/>
-                      <a:round/>
-                      <a:headEnd type="none" w="med" len="med"/>
-                      <a:tailEnd type="none" w="med" len="med"/>
-                    </a:lnB>
-                    <a:solidFill>
-                      <a:srgbClr val="DDDDDD"/>
-                    </a:solidFill>
-                  </a:tcPr>
-                </a:tc>
-                <a:tc>
-                  <a:txBody>
-                    <a:bodyPr/>
-                    <a:lstStyle/>
-                    <a:p>
-                      <a:pPr algn="ctr"/>
-                      <a:endParaRPr lang="en-US" dirty="0"/>
-                    </a:p>
-                  </a:txBody>
-                  <a:tcPr>
-                    <a:solidFill>
-                      <a:srgbClr val="DDDDDD"/>
-                    </a:solidFill>
-                  </a:tcPr>
-                </a:tc>
-                <a:tc>
-                  <a:txBody>
-                    <a:bodyPr/>
-                    <a:lstStyle/>
-                    <a:p>
-                      <a:pPr algn="ctr"/>
-                      <a:endParaRPr lang="en-US" dirty="0"/>
-                    </a:p>
-                  </a:txBody>
-                  <a:tcPr>
-                    <a:lnR w="12700" cap="flat" cmpd="sng" algn="ctr">
-                      <a:solidFill>
-                        <a:scrgbClr r="0" g="0" b="0"/>
-                      </a:solidFill>
-                      <a:prstDash val="solid"/>
-                      <a:round/>
-                      <a:headEnd type="none" w="med" len="med"/>
-                      <a:tailEnd type="none" w="med" len="med"/>
-                    </a:lnR>
-                    <a:solidFill>
-                      <a:srgbClr val="DDDDDD"/>
-                    </a:solidFill>
-                  </a:tcPr>
-                </a:tc>
-                <a:tc>
-                  <a:txBody>
-                    <a:bodyPr/>
-                    <a:lstStyle/>
-                    <a:p>
-                      <a:pPr marL="0" marR="0" indent="0" algn="ctr" defTabSz="457200" rtl="0" eaLnBrk="1" fontAlgn="auto" latinLnBrk="0" hangingPunct="1">
-                        <a:lnSpc>
-                          <a:spcPct val="100000"/>
-                        </a:lnSpc>
-                        <a:spcBef>
-                          <a:spcPts val="0"/>
-                        </a:spcBef>
-                        <a:spcAft>
-                          <a:spcPts val="0"/>
-                        </a:spcAft>
-                        <a:buClrTx/>
-                        <a:buSzTx/>
-                        <a:buFontTx/>
-                        <a:buNone/>
-                        <a:tabLst/>
-                        <a:defRPr/>
-                      </a:pPr>
-                      <a:r>
-                        <a:rPr lang="en-US" dirty="0">
-                          <a:solidFill>
-                            <a:srgbClr val="FF7B11"/>
-                          </a:solidFill>
-                        </a:rPr>
-                        <a:t>E</a:t>
-                      </a:r>
-                      <a:r>
-                        <a:rPr lang="en-US" baseline="-25000" dirty="0">
-                          <a:solidFill>
-                            <a:srgbClr val="FF7B11"/>
-                          </a:solidFill>
-                        </a:rPr>
-                        <a:t>6</a:t>
-                      </a:r>
-                      <a:r>
-                        <a:rPr lang="en-US" dirty="0">
-                          <a:solidFill>
-                            <a:srgbClr val="FF7B11"/>
-                          </a:solidFill>
-                        </a:rPr>
-                        <a:t>+…+E</a:t>
-                      </a:r>
-                      <a:r>
-                        <a:rPr lang="en-US" baseline="-25000" dirty="0">
-                          <a:solidFill>
-                            <a:srgbClr val="FF7B11"/>
-                          </a:solidFill>
-                        </a:rPr>
-                        <a:t>9</a:t>
-                      </a:r>
-                      <a:endParaRPr lang="en-US" dirty="0">
-                        <a:solidFill>
-                          <a:srgbClr val="FF7B11"/>
-                        </a:solidFill>
-                      </a:endParaRPr>
-                    </a:p>
-                  </a:txBody>
-                  <a:tcPr>
-                    <a:lnL w="12700" cap="flat" cmpd="sng" algn="ctr">
-                      <a:solidFill>
-                        <a:scrgbClr r="0" g="0" b="0"/>
-                      </a:solidFill>
-                      <a:prstDash val="solid"/>
-                      <a:round/>
-                      <a:headEnd type="none" w="med" len="med"/>
-                      <a:tailEnd type="none" w="med" len="med"/>
-                    </a:lnL>
-                    <a:lnR w="12700" cap="flat" cmpd="sng" algn="ctr">
-                      <a:solidFill>
-                        <a:scrgbClr r="0" g="0" b="0"/>
-                      </a:solidFill>
-                      <a:prstDash val="solid"/>
-                      <a:round/>
-                      <a:headEnd type="none" w="med" len="med"/>
-                      <a:tailEnd type="none" w="med" len="med"/>
-                    </a:lnR>
-                    <a:lnT w="12700" cap="flat" cmpd="sng" algn="ctr">
-                      <a:solidFill>
-                        <a:scrgbClr r="0" g="0" b="0"/>
-                      </a:solidFill>
-                      <a:prstDash val="solid"/>
-                      <a:round/>
-                      <a:headEnd type="none" w="med" len="med"/>
-                      <a:tailEnd type="none" w="med" len="med"/>
-                    </a:lnT>
-                    <a:lnB w="12700" cap="flat" cmpd="sng" algn="ctr">
-                      <a:solidFill>
-                        <a:scrgbClr r="0" g="0" b="0"/>
-                      </a:solidFill>
-                      <a:prstDash val="solid"/>
-                      <a:round/>
-                      <a:headEnd type="none" w="med" len="med"/>
-                      <a:tailEnd type="none" w="med" len="med"/>
-                    </a:lnB>
-                    <a:solidFill>
-                      <a:srgbClr val="DDDDDD"/>
-                    </a:solidFill>
-                  </a:tcPr>
-                </a:tc>
-                <a:extLst>
-                  <a:ext uri="{0D108BD9-81ED-4DB2-BD59-A6C34878D82A}">
-                    <a16:rowId xmlns:a16="http://schemas.microsoft.com/office/drawing/2014/main" val="10005"/>
-                  </a:ext>
-                </a:extLst>
-              </a:tr>
-              <a:tr h="369100">
-                <a:tc>
-                  <a:txBody>
-                    <a:bodyPr/>
-                    <a:lstStyle/>
-                    <a:p>
-                      <a:pPr algn="ctr"/>
-                      <a:r>
-                        <a:rPr lang="en-US" dirty="0">
-                          <a:solidFill>
-                            <a:srgbClr val="003D62"/>
-                          </a:solidFill>
-                        </a:rPr>
-                        <a:t>5</a:t>
-                      </a:r>
-                    </a:p>
-                  </a:txBody>
-                  <a:tcPr>
-                    <a:lnR w="12700" cap="flat" cmpd="sng" algn="ctr">
-                      <a:solidFill>
-                        <a:scrgbClr r="0" g="0" b="0"/>
-                      </a:solidFill>
-                      <a:prstDash val="solid"/>
-                      <a:round/>
-                      <a:headEnd type="none" w="med" len="med"/>
-                      <a:tailEnd type="none" w="med" len="med"/>
-                    </a:lnR>
-                    <a:noFill/>
-                  </a:tcPr>
-                </a:tc>
-                <a:tc>
-                  <a:txBody>
-                    <a:bodyPr/>
-                    <a:lstStyle/>
-                    <a:p>
-                      <a:pPr algn="ctr"/>
-                      <a:r>
-                        <a:rPr lang="en-US" dirty="0"/>
-                        <a:t>10</a:t>
-                      </a:r>
-                    </a:p>
-                  </a:txBody>
-                  <a:tcPr>
-                    <a:lnL w="12700" cap="flat" cmpd="sng" algn="ctr">
-                      <a:solidFill>
-                        <a:scrgbClr r="0" g="0" b="0"/>
-                      </a:solidFill>
-                      <a:prstDash val="solid"/>
-                      <a:round/>
-                      <a:headEnd type="none" w="med" len="med"/>
-                      <a:tailEnd type="none" w="med" len="med"/>
-                    </a:lnL>
-                    <a:lnR w="12700" cap="flat" cmpd="sng" algn="ctr">
-                      <a:solidFill>
-                        <a:scrgbClr r="0" g="0" b="0"/>
-                      </a:solidFill>
-                      <a:prstDash val="solid"/>
-                      <a:round/>
-                      <a:headEnd type="none" w="med" len="med"/>
-                      <a:tailEnd type="none" w="med" len="med"/>
-                    </a:lnR>
-                    <a:lnT w="12700" cap="flat" cmpd="sng" algn="ctr">
-                      <a:solidFill>
-                        <a:scrgbClr r="0" g="0" b="0"/>
-                      </a:solidFill>
-                      <a:prstDash val="solid"/>
-                      <a:round/>
-                      <a:headEnd type="none" w="med" len="med"/>
-                      <a:tailEnd type="none" w="med" len="med"/>
-                    </a:lnT>
-                    <a:lnB w="12700" cap="flat" cmpd="sng" algn="ctr">
-                      <a:solidFill>
-                        <a:schemeClr val="tx1"/>
-                      </a:solidFill>
-                      <a:prstDash val="solid"/>
-                      <a:round/>
-                      <a:headEnd type="none" w="med" len="med"/>
-                      <a:tailEnd type="none" w="med" len="med"/>
-                    </a:lnB>
-                    <a:solidFill>
-                      <a:srgbClr val="A6A6A6"/>
-                    </a:solidFill>
-                  </a:tcPr>
-                </a:tc>
-                <a:tc>
-                  <a:txBody>
-                    <a:bodyPr/>
-                    <a:lstStyle/>
-                    <a:p>
-                      <a:pPr algn="ctr"/>
-                      <a:r>
-                        <a:rPr lang="en-US" dirty="0"/>
-                        <a:t>11</a:t>
-                      </a:r>
-                    </a:p>
-                  </a:txBody>
-                  <a:tcPr>
-                    <a:lnL w="12700" cap="flat" cmpd="sng" algn="ctr">
-                      <a:solidFill>
-                        <a:scrgbClr r="0" g="0" b="0"/>
-                      </a:solidFill>
-                      <a:prstDash val="solid"/>
-                      <a:round/>
-                      <a:headEnd type="none" w="med" len="med"/>
-                      <a:tailEnd type="none" w="med" len="med"/>
-                    </a:lnL>
-                    <a:lnR w="12700" cap="flat" cmpd="sng" algn="ctr">
-                      <a:solidFill>
-                        <a:scrgbClr r="0" g="0" b="0"/>
-                      </a:solidFill>
-                      <a:prstDash val="solid"/>
-                      <a:round/>
-                      <a:headEnd type="none" w="med" len="med"/>
-                      <a:tailEnd type="none" w="med" len="med"/>
-                    </a:lnR>
-                    <a:lnT w="12700" cap="flat" cmpd="sng" algn="ctr">
-                      <a:solidFill>
-                        <a:scrgbClr r="0" g="0" b="0"/>
-                      </a:solidFill>
-                      <a:prstDash val="solid"/>
-                      <a:round/>
-                      <a:headEnd type="none" w="med" len="med"/>
-                      <a:tailEnd type="none" w="med" len="med"/>
-                    </a:lnT>
-                    <a:lnB w="12700" cap="flat" cmpd="sng" algn="ctr">
-                      <a:solidFill>
-                        <a:schemeClr val="tx1"/>
-                      </a:solidFill>
-                      <a:prstDash val="solid"/>
-                      <a:round/>
-                      <a:headEnd type="none" w="med" len="med"/>
-                      <a:tailEnd type="none" w="med" len="med"/>
-                    </a:lnB>
-                    <a:solidFill>
-                      <a:srgbClr val="A6A6A6"/>
-                    </a:solidFill>
-                  </a:tcPr>
-                </a:tc>
-                <a:tc>
-                  <a:txBody>
-                    <a:bodyPr/>
-                    <a:lstStyle/>
-                    <a:p>
-                      <a:pPr algn="ctr"/>
-                      <a:r>
-                        <a:rPr lang="en-US" dirty="0"/>
-                        <a:t>12</a:t>
-                      </a:r>
-                    </a:p>
-                  </a:txBody>
-                  <a:tcPr>
-                    <a:lnL w="12700" cap="flat" cmpd="sng" algn="ctr">
-                      <a:solidFill>
-                        <a:scrgbClr r="0" g="0" b="0"/>
-                      </a:solidFill>
-                      <a:prstDash val="solid"/>
-                      <a:round/>
-                      <a:headEnd type="none" w="med" len="med"/>
-                      <a:tailEnd type="none" w="med" len="med"/>
-                    </a:lnL>
-                    <a:lnR w="12700" cap="flat" cmpd="sng" algn="ctr">
-                      <a:solidFill>
-                        <a:scrgbClr r="0" g="0" b="0"/>
-                      </a:solidFill>
-                      <a:prstDash val="solid"/>
-                      <a:round/>
-                      <a:headEnd type="none" w="med" len="med"/>
-                      <a:tailEnd type="none" w="med" len="med"/>
-                    </a:lnR>
-                    <a:lnT w="12700" cap="flat" cmpd="sng" algn="ctr">
-                      <a:solidFill>
-                        <a:scrgbClr r="0" g="0" b="0"/>
-                      </a:solidFill>
-                      <a:prstDash val="solid"/>
-                      <a:round/>
-                      <a:headEnd type="none" w="med" len="med"/>
-                      <a:tailEnd type="none" w="med" len="med"/>
-                    </a:lnT>
-                    <a:lnB w="12700" cap="flat" cmpd="sng" algn="ctr">
-                      <a:solidFill>
-                        <a:schemeClr val="tx1"/>
-                      </a:solidFill>
-                      <a:prstDash val="solid"/>
-                      <a:round/>
-                      <a:headEnd type="none" w="med" len="med"/>
-                      <a:tailEnd type="none" w="med" len="med"/>
-                    </a:lnB>
-                    <a:solidFill>
-                      <a:srgbClr val="A6A6A6"/>
-                    </a:solidFill>
-                  </a:tcPr>
-                </a:tc>
-                <a:tc>
-                  <a:txBody>
-                    <a:bodyPr/>
-                    <a:lstStyle/>
-                    <a:p>
-                      <a:pPr algn="ctr"/>
-                      <a:r>
-                        <a:rPr lang="en-US" dirty="0"/>
-                        <a:t>13</a:t>
-                      </a:r>
-                    </a:p>
-                  </a:txBody>
-                  <a:tcPr>
-                    <a:lnL w="12700" cap="flat" cmpd="sng" algn="ctr">
-                      <a:solidFill>
-                        <a:scrgbClr r="0" g="0" b="0"/>
-                      </a:solidFill>
-                      <a:prstDash val="solid"/>
-                      <a:round/>
-                      <a:headEnd type="none" w="med" len="med"/>
-                      <a:tailEnd type="none" w="med" len="med"/>
-                    </a:lnL>
-                    <a:lnR w="12700" cap="flat" cmpd="sng" algn="ctr">
-                      <a:solidFill>
-                        <a:scrgbClr r="0" g="0" b="0"/>
-                      </a:solidFill>
-                      <a:prstDash val="solid"/>
-                      <a:round/>
-                      <a:headEnd type="none" w="med" len="med"/>
-                      <a:tailEnd type="none" w="med" len="med"/>
-                    </a:lnR>
-                    <a:lnT w="12700" cap="flat" cmpd="sng" algn="ctr">
-                      <a:solidFill>
-                        <a:scrgbClr r="0" g="0" b="0"/>
-                      </a:solidFill>
-                      <a:prstDash val="solid"/>
-                      <a:round/>
-                      <a:headEnd type="none" w="med" len="med"/>
-                      <a:tailEnd type="none" w="med" len="med"/>
-                    </a:lnT>
-                    <a:lnB w="12700" cap="flat" cmpd="sng" algn="ctr">
-                      <a:solidFill>
-                        <a:schemeClr val="tx1"/>
-                      </a:solidFill>
-                      <a:prstDash val="solid"/>
-                      <a:round/>
-                      <a:headEnd type="none" w="med" len="med"/>
-                      <a:tailEnd type="none" w="med" len="med"/>
-                    </a:lnB>
-                    <a:solidFill>
-                      <a:srgbClr val="A6A6A6"/>
-                    </a:solidFill>
-                  </a:tcPr>
-                </a:tc>
-                <a:tc>
-                  <a:txBody>
-                    <a:bodyPr/>
-                    <a:lstStyle/>
-                    <a:p>
-                      <a:pPr algn="ctr"/>
-                      <a:r>
-                        <a:rPr lang="en-US" dirty="0"/>
-                        <a:t>14</a:t>
-                      </a:r>
-                    </a:p>
-                  </a:txBody>
-                  <a:tcPr>
-                    <a:lnL w="12700" cap="flat" cmpd="sng" algn="ctr">
-                      <a:solidFill>
-                        <a:scrgbClr r="0" g="0" b="0"/>
-                      </a:solidFill>
-                      <a:prstDash val="solid"/>
-                      <a:round/>
-                      <a:headEnd type="none" w="med" len="med"/>
-                      <a:tailEnd type="none" w="med" len="med"/>
-                    </a:lnL>
-                    <a:lnR w="12700" cap="flat" cmpd="sng" algn="ctr">
-                      <a:solidFill>
-                        <a:scrgbClr r="0" g="0" b="0"/>
-                      </a:solidFill>
-                      <a:prstDash val="solid"/>
-                      <a:round/>
-                      <a:headEnd type="none" w="med" len="med"/>
-                      <a:tailEnd type="none" w="med" len="med"/>
-                    </a:lnR>
-                    <a:lnT w="12700" cap="flat" cmpd="sng" algn="ctr">
-                      <a:solidFill>
-                        <a:scrgbClr r="0" g="0" b="0"/>
-                      </a:solidFill>
-                      <a:prstDash val="solid"/>
-                      <a:round/>
-                      <a:headEnd type="none" w="med" len="med"/>
-                      <a:tailEnd type="none" w="med" len="med"/>
-                    </a:lnT>
-                    <a:lnB w="12700" cap="flat" cmpd="sng" algn="ctr">
-                      <a:solidFill>
-                        <a:schemeClr val="tx1"/>
-                      </a:solidFill>
-                      <a:prstDash val="solid"/>
-                      <a:round/>
-                      <a:headEnd type="none" w="med" len="med"/>
-                      <a:tailEnd type="none" w="med" len="med"/>
-                    </a:lnB>
-                    <a:solidFill>
-                      <a:srgbClr val="FF7B11"/>
-                    </a:solidFill>
-                  </a:tcPr>
-                </a:tc>
-                <a:tc>
-                  <a:txBody>
-                    <a:bodyPr/>
-                    <a:lstStyle/>
-                    <a:p>
-                      <a:pPr algn="ctr"/>
-                      <a:endParaRPr lang="en-US" dirty="0"/>
-                    </a:p>
-                  </a:txBody>
-                  <a:tcPr>
-                    <a:lnL w="12700" cap="flat" cmpd="sng" algn="ctr">
-                      <a:solidFill>
-                        <a:scrgbClr r="0" g="0" b="0"/>
-                      </a:solidFill>
-                      <a:prstDash val="solid"/>
-                      <a:round/>
-                      <a:headEnd type="none" w="med" len="med"/>
-                      <a:tailEnd type="none" w="med" len="med"/>
-                    </a:lnL>
-                    <a:lnB w="12700" cap="flat" cmpd="sng" algn="ctr">
-                      <a:solidFill>
-                        <a:schemeClr val="tx1"/>
-                      </a:solidFill>
-                      <a:prstDash val="solid"/>
-                      <a:round/>
-                      <a:headEnd type="none" w="med" len="med"/>
-                      <a:tailEnd type="none" w="med" len="med"/>
-                    </a:lnB>
-                    <a:solidFill>
-                      <a:srgbClr val="DDDDDD"/>
-                    </a:solidFill>
-                  </a:tcPr>
-                </a:tc>
-                <a:tc>
-                  <a:txBody>
-                    <a:bodyPr/>
-                    <a:lstStyle/>
-                    <a:p>
-                      <a:pPr algn="ctr"/>
-                      <a:endParaRPr lang="en-US" dirty="0"/>
-                    </a:p>
-                  </a:txBody>
-                  <a:tcPr>
-                    <a:lnR w="12700" cap="flat" cmpd="sng" algn="ctr">
-                      <a:solidFill>
-                        <a:scrgbClr r="0" g="0" b="0"/>
-                      </a:solidFill>
-                      <a:prstDash val="solid"/>
-                      <a:round/>
-                      <a:headEnd type="none" w="med" len="med"/>
-                      <a:tailEnd type="none" w="med" len="med"/>
-                    </a:lnR>
-                    <a:solidFill>
-                      <a:srgbClr val="DDDDDD"/>
-                    </a:solidFill>
-                  </a:tcPr>
-                </a:tc>
-                <a:tc>
-                  <a:txBody>
-                    <a:bodyPr/>
-                    <a:lstStyle/>
-                    <a:p>
-                      <a:pPr marL="0" marR="0" indent="0" algn="ctr" defTabSz="457200" rtl="0" eaLnBrk="1" fontAlgn="auto" latinLnBrk="0" hangingPunct="1">
-                        <a:lnSpc>
-                          <a:spcPct val="100000"/>
-                        </a:lnSpc>
-                        <a:spcBef>
-                          <a:spcPts val="0"/>
-                        </a:spcBef>
-                        <a:spcAft>
-                          <a:spcPts val="0"/>
-                        </a:spcAft>
-                        <a:buClrTx/>
-                        <a:buSzTx/>
-                        <a:buFontTx/>
-                        <a:buNone/>
-                        <a:tabLst/>
-                        <a:defRPr/>
-                      </a:pPr>
-                      <a:r>
-                        <a:rPr lang="en-US" dirty="0"/>
-                        <a:t>E</a:t>
-                      </a:r>
-                      <a:r>
-                        <a:rPr lang="en-US" baseline="-25000" dirty="0"/>
-                        <a:t>10</a:t>
-                      </a:r>
-                      <a:r>
-                        <a:rPr lang="en-US" dirty="0"/>
-                        <a:t>+…+E</a:t>
-                      </a:r>
-                      <a:r>
-                        <a:rPr lang="en-US" baseline="-25000" dirty="0"/>
-                        <a:t>14</a:t>
-                      </a:r>
-                      <a:r>
-                        <a:rPr lang="en-US" dirty="0"/>
-                        <a:t>-E</a:t>
-                      </a:r>
-                      <a:r>
-                        <a:rPr lang="en-US" baseline="-25000" dirty="0"/>
-                        <a:t>14</a:t>
-                      </a:r>
-                      <a:r>
-                        <a:rPr lang="en-US" dirty="0">
-                          <a:solidFill>
-                            <a:srgbClr val="FF7B11"/>
-                          </a:solidFill>
-                        </a:rPr>
-                        <a:t>-E</a:t>
-                      </a:r>
-                      <a:r>
-                        <a:rPr lang="en-US" baseline="-25000" dirty="0">
-                          <a:solidFill>
-                            <a:srgbClr val="FF7B11"/>
-                          </a:solidFill>
-                        </a:rPr>
-                        <a:t>14</a:t>
-                      </a:r>
-                    </a:p>
-                  </a:txBody>
-                  <a:tcPr>
-                    <a:lnL w="12700" cap="flat" cmpd="sng" algn="ctr">
-                      <a:solidFill>
-                        <a:scrgbClr r="0" g="0" b="0"/>
-                      </a:solidFill>
-                      <a:prstDash val="solid"/>
-                      <a:round/>
-                      <a:headEnd type="none" w="med" len="med"/>
-                      <a:tailEnd type="none" w="med" len="med"/>
-                    </a:lnL>
-                    <a:lnR w="12700" cap="flat" cmpd="sng" algn="ctr">
-                      <a:solidFill>
-                        <a:scrgbClr r="0" g="0" b="0"/>
-                      </a:solidFill>
-                      <a:prstDash val="solid"/>
-                      <a:round/>
-                      <a:headEnd type="none" w="med" len="med"/>
-                      <a:tailEnd type="none" w="med" len="med"/>
-                    </a:lnR>
-                    <a:lnT w="12700" cap="flat" cmpd="sng" algn="ctr">
-                      <a:solidFill>
-                        <a:scrgbClr r="0" g="0" b="0"/>
-                      </a:solidFill>
-                      <a:prstDash val="solid"/>
-                      <a:round/>
-                      <a:headEnd type="none" w="med" len="med"/>
-                      <a:tailEnd type="none" w="med" len="med"/>
-                    </a:lnT>
-                    <a:lnB w="12700" cap="flat" cmpd="sng" algn="ctr">
-                      <a:solidFill>
-                        <a:scrgbClr r="0" g="0" b="0"/>
-                      </a:solidFill>
-                      <a:prstDash val="solid"/>
-                      <a:round/>
-                      <a:headEnd type="none" w="med" len="med"/>
-                      <a:tailEnd type="none" w="med" len="med"/>
-                    </a:lnB>
-                    <a:solidFill>
-                      <a:srgbClr val="DDDDDD"/>
-                    </a:solidFill>
-                  </a:tcPr>
-                </a:tc>
-                <a:extLst>
-                  <a:ext uri="{0D108BD9-81ED-4DB2-BD59-A6C34878D82A}">
-                    <a16:rowId xmlns:a16="http://schemas.microsoft.com/office/drawing/2014/main" val="10006"/>
-                  </a:ext>
-                </a:extLst>
-              </a:tr>
-              <a:tr h="369100">
-                <a:tc>
-                  <a:txBody>
-                    <a:bodyPr/>
-                    <a:lstStyle/>
-                    <a:p>
-                      <a:pPr algn="ctr"/>
-                      <a:r>
-                        <a:rPr lang="en-US" dirty="0">
-                          <a:solidFill>
-                            <a:srgbClr val="003D62"/>
-                          </a:solidFill>
-                        </a:rPr>
-                        <a:t>6</a:t>
-                      </a:r>
-                    </a:p>
-                  </a:txBody>
-                  <a:tcPr>
-                    <a:lnR w="12700" cap="flat" cmpd="sng" algn="ctr">
-                      <a:solidFill>
-                        <a:schemeClr val="tx1"/>
-                      </a:solidFill>
-                      <a:prstDash val="solid"/>
-                      <a:round/>
-                      <a:headEnd type="none" w="med" len="med"/>
-                      <a:tailEnd type="none" w="med" len="med"/>
-                    </a:lnR>
-                    <a:noFill/>
-                  </a:tcPr>
-                </a:tc>
-                <a:tc>
-                  <a:txBody>
-                    <a:bodyPr/>
-                    <a:lstStyle/>
-                    <a:p>
-                      <a:pPr algn="ctr"/>
-                      <a:r>
-                        <a:rPr lang="en-US" dirty="0"/>
-                        <a:t>15</a:t>
-                      </a:r>
-                    </a:p>
-                  </a:txBody>
-                  <a:tcPr>
-                    <a:lnL w="12700" cap="flat" cmpd="sng" algn="ctr">
-                      <a:solidFill>
-                        <a:schemeClr val="tx1"/>
-                      </a:solidFill>
-                      <a:prstDash val="solid"/>
-                      <a:round/>
-                      <a:headEnd type="none" w="med" len="med"/>
-                      <a:tailEnd type="none" w="med" len="med"/>
-                    </a:lnL>
-                    <a:lnR w="12700" cap="flat" cmpd="sng" algn="ctr">
-                      <a:solidFill>
-                        <a:schemeClr val="tx1"/>
-                      </a:solidFill>
-                      <a:prstDash val="solid"/>
-                      <a:round/>
-                      <a:headEnd type="none" w="med" len="med"/>
-                      <a:tailEnd type="none" w="med" len="med"/>
-                    </a:lnR>
-                    <a:lnT w="12700" cap="flat" cmpd="sng" algn="ctr">
-                      <a:solidFill>
-                        <a:schemeClr val="tx1"/>
-                      </a:solidFill>
-                      <a:prstDash val="solid"/>
-                      <a:round/>
-                      <a:headEnd type="none" w="med" len="med"/>
-                      <a:tailEnd type="none" w="med" len="med"/>
-                    </a:lnT>
-                    <a:lnB w="12700" cap="flat" cmpd="sng" algn="ctr">
-                      <a:solidFill>
-                        <a:schemeClr val="tx1"/>
-                      </a:solidFill>
-                      <a:prstDash val="solid"/>
-                      <a:round/>
-                      <a:headEnd type="none" w="med" len="med"/>
-                      <a:tailEnd type="none" w="med" len="med"/>
-                    </a:lnB>
-                    <a:solidFill>
-                      <a:srgbClr val="A6A6A6"/>
-                    </a:solidFill>
-                  </a:tcPr>
-                </a:tc>
-                <a:tc>
-                  <a:txBody>
-                    <a:bodyPr/>
-                    <a:lstStyle/>
-                    <a:p>
-                      <a:pPr algn="ctr"/>
-                      <a:r>
-                        <a:rPr lang="en-US" dirty="0"/>
-                        <a:t>16</a:t>
-                      </a:r>
-                    </a:p>
-                  </a:txBody>
-                  <a:tcPr>
-                    <a:lnL w="12700" cap="flat" cmpd="sng" algn="ctr">
-                      <a:solidFill>
-                        <a:schemeClr val="tx1"/>
-                      </a:solidFill>
-                      <a:prstDash val="solid"/>
-                      <a:round/>
-                      <a:headEnd type="none" w="med" len="med"/>
-                      <a:tailEnd type="none" w="med" len="med"/>
-                    </a:lnL>
-                    <a:lnR w="12700" cap="flat" cmpd="sng" algn="ctr">
-                      <a:solidFill>
-                        <a:schemeClr val="tx1"/>
-                      </a:solidFill>
-                      <a:prstDash val="solid"/>
-                      <a:round/>
-                      <a:headEnd type="none" w="med" len="med"/>
-                      <a:tailEnd type="none" w="med" len="med"/>
-                    </a:lnR>
-                    <a:lnT w="12700" cap="flat" cmpd="sng" algn="ctr">
-                      <a:solidFill>
-                        <a:schemeClr val="tx1"/>
-                      </a:solidFill>
-                      <a:prstDash val="solid"/>
-                      <a:round/>
-                      <a:headEnd type="none" w="med" len="med"/>
-                      <a:tailEnd type="none" w="med" len="med"/>
-                    </a:lnT>
-                    <a:lnB w="12700" cap="flat" cmpd="sng" algn="ctr">
-                      <a:solidFill>
-                        <a:schemeClr val="tx1"/>
-                      </a:solidFill>
-                      <a:prstDash val="solid"/>
-                      <a:round/>
-                      <a:headEnd type="none" w="med" len="med"/>
-                      <a:tailEnd type="none" w="med" len="med"/>
-                    </a:lnB>
-                    <a:solidFill>
-                      <a:srgbClr val="A6A6A6"/>
-                    </a:solidFill>
-                  </a:tcPr>
-                </a:tc>
-                <a:tc>
-                  <a:txBody>
-                    <a:bodyPr/>
-                    <a:lstStyle/>
-                    <a:p>
-                      <a:pPr algn="ctr"/>
-                      <a:r>
-                        <a:rPr lang="en-US" dirty="0"/>
-                        <a:t>17</a:t>
-                      </a:r>
-                    </a:p>
-                  </a:txBody>
-                  <a:tcPr>
-                    <a:lnL w="12700" cap="flat" cmpd="sng" algn="ctr">
-                      <a:solidFill>
-                        <a:schemeClr val="tx1"/>
-                      </a:solidFill>
-                      <a:prstDash val="solid"/>
-                      <a:round/>
-                      <a:headEnd type="none" w="med" len="med"/>
-                      <a:tailEnd type="none" w="med" len="med"/>
-                    </a:lnL>
-                    <a:lnR w="12700" cap="flat" cmpd="sng" algn="ctr">
-                      <a:solidFill>
-                        <a:schemeClr val="tx1"/>
-                      </a:solidFill>
-                      <a:prstDash val="solid"/>
-                      <a:round/>
-                      <a:headEnd type="none" w="med" len="med"/>
-                      <a:tailEnd type="none" w="med" len="med"/>
-                    </a:lnR>
-                    <a:lnT w="12700" cap="flat" cmpd="sng" algn="ctr">
-                      <a:solidFill>
-                        <a:schemeClr val="tx1"/>
-                      </a:solidFill>
-                      <a:prstDash val="solid"/>
-                      <a:round/>
-                      <a:headEnd type="none" w="med" len="med"/>
-                      <a:tailEnd type="none" w="med" len="med"/>
-                    </a:lnT>
-                    <a:lnB w="12700" cap="flat" cmpd="sng" algn="ctr">
-                      <a:solidFill>
-                        <a:schemeClr val="tx1"/>
-                      </a:solidFill>
-                      <a:prstDash val="solid"/>
-                      <a:round/>
-                      <a:headEnd type="none" w="med" len="med"/>
-                      <a:tailEnd type="none" w="med" len="med"/>
-                    </a:lnB>
-                    <a:solidFill>
-                      <a:srgbClr val="A6A6A6"/>
-                    </a:solidFill>
-                  </a:tcPr>
-                </a:tc>
-                <a:tc>
-                  <a:txBody>
-                    <a:bodyPr/>
-                    <a:lstStyle/>
-                    <a:p>
-                      <a:pPr algn="ctr"/>
-                      <a:r>
-                        <a:rPr lang="en-US" dirty="0"/>
-                        <a:t>18</a:t>
-                      </a:r>
-                    </a:p>
-                  </a:txBody>
-                  <a:tcPr>
-                    <a:lnL w="12700" cap="flat" cmpd="sng" algn="ctr">
-                      <a:solidFill>
-                        <a:schemeClr val="tx1"/>
-                      </a:solidFill>
-                      <a:prstDash val="solid"/>
-                      <a:round/>
-                      <a:headEnd type="none" w="med" len="med"/>
-                      <a:tailEnd type="none" w="med" len="med"/>
-                    </a:lnL>
-                    <a:lnR w="12700" cap="flat" cmpd="sng" algn="ctr">
-                      <a:solidFill>
-                        <a:schemeClr val="tx1"/>
-                      </a:solidFill>
-                      <a:prstDash val="solid"/>
-                      <a:round/>
-                      <a:headEnd type="none" w="med" len="med"/>
-                      <a:tailEnd type="none" w="med" len="med"/>
-                    </a:lnR>
-                    <a:lnT w="12700" cap="flat" cmpd="sng" algn="ctr">
-                      <a:solidFill>
-                        <a:schemeClr val="tx1"/>
-                      </a:solidFill>
-                      <a:prstDash val="solid"/>
-                      <a:round/>
-                      <a:headEnd type="none" w="med" len="med"/>
-                      <a:tailEnd type="none" w="med" len="med"/>
-                    </a:lnT>
-                    <a:lnB w="12700" cap="flat" cmpd="sng" algn="ctr">
-                      <a:solidFill>
-                        <a:schemeClr val="tx1"/>
-                      </a:solidFill>
-                      <a:prstDash val="solid"/>
-                      <a:round/>
-                      <a:headEnd type="none" w="med" len="med"/>
-                      <a:tailEnd type="none" w="med" len="med"/>
-                    </a:lnB>
-                    <a:solidFill>
-                      <a:srgbClr val="A6A6A6"/>
-                    </a:solidFill>
-                  </a:tcPr>
-                </a:tc>
-                <a:tc>
-                  <a:txBody>
-                    <a:bodyPr/>
-                    <a:lstStyle/>
-                    <a:p>
-                      <a:pPr algn="ctr"/>
-                      <a:r>
-                        <a:rPr lang="en-US" dirty="0"/>
-                        <a:t>19</a:t>
-                      </a:r>
-                    </a:p>
-                  </a:txBody>
-                  <a:tcPr>
-                    <a:lnL w="12700" cap="flat" cmpd="sng" algn="ctr">
-                      <a:solidFill>
-                        <a:schemeClr val="tx1"/>
-                      </a:solidFill>
-                      <a:prstDash val="solid"/>
-                      <a:round/>
-                      <a:headEnd type="none" w="med" len="med"/>
-                      <a:tailEnd type="none" w="med" len="med"/>
-                    </a:lnL>
-                    <a:lnR w="12700" cap="flat" cmpd="sng" algn="ctr">
-                      <a:solidFill>
-                        <a:schemeClr val="tx1"/>
-                      </a:solidFill>
-                      <a:prstDash val="solid"/>
-                      <a:round/>
-                      <a:headEnd type="none" w="med" len="med"/>
-                      <a:tailEnd type="none" w="med" len="med"/>
-                    </a:lnR>
-                    <a:lnT w="12700" cap="flat" cmpd="sng" algn="ctr">
-                      <a:solidFill>
-                        <a:schemeClr val="tx1"/>
-                      </a:solidFill>
-                      <a:prstDash val="solid"/>
-                      <a:round/>
-                      <a:headEnd type="none" w="med" len="med"/>
-                      <a:tailEnd type="none" w="med" len="med"/>
-                    </a:lnT>
-                    <a:lnB w="12700" cap="flat" cmpd="sng" algn="ctr">
-                      <a:solidFill>
-                        <a:schemeClr val="tx1"/>
-                      </a:solidFill>
-                      <a:prstDash val="solid"/>
-                      <a:round/>
-                      <a:headEnd type="none" w="med" len="med"/>
-                      <a:tailEnd type="none" w="med" len="med"/>
-                    </a:lnB>
-                    <a:solidFill>
-                      <a:srgbClr val="FF7B11"/>
-                    </a:solidFill>
-                  </a:tcPr>
-                </a:tc>
-                <a:tc>
-                  <a:txBody>
-                    <a:bodyPr/>
-                    <a:lstStyle/>
-                    <a:p>
-                      <a:pPr algn="ctr"/>
-                      <a:r>
-                        <a:rPr lang="en-US" dirty="0"/>
-                        <a:t>20</a:t>
-                      </a:r>
-                    </a:p>
-                  </a:txBody>
-                  <a:tcPr>
-                    <a:lnL w="12700" cap="flat" cmpd="sng" algn="ctr">
-                      <a:solidFill>
-                        <a:schemeClr val="tx1"/>
-                      </a:solidFill>
-                      <a:prstDash val="solid"/>
-                      <a:round/>
-                      <a:headEnd type="none" w="med" len="med"/>
-                      <a:tailEnd type="none" w="med" len="med"/>
-                    </a:lnL>
-                    <a:lnR w="12700" cap="flat" cmpd="sng" algn="ctr">
-                      <a:solidFill>
-                        <a:schemeClr val="tx1"/>
-                      </a:solidFill>
-                      <a:prstDash val="solid"/>
-                      <a:round/>
-                      <a:headEnd type="none" w="med" len="med"/>
-                      <a:tailEnd type="none" w="med" len="med"/>
-                    </a:lnR>
-                    <a:lnT w="12700" cap="flat" cmpd="sng" algn="ctr">
-                      <a:solidFill>
-                        <a:schemeClr val="tx1"/>
-                      </a:solidFill>
-                      <a:prstDash val="solid"/>
-                      <a:round/>
-                      <a:headEnd type="none" w="med" len="med"/>
-                      <a:tailEnd type="none" w="med" len="med"/>
-                    </a:lnT>
-                    <a:lnB w="12700" cap="flat" cmpd="sng" algn="ctr">
-                      <a:solidFill>
-                        <a:schemeClr val="tx1"/>
-                      </a:solidFill>
-                      <a:prstDash val="solid"/>
-                      <a:round/>
-                      <a:headEnd type="none" w="med" len="med"/>
-                      <a:tailEnd type="none" w="med" len="med"/>
-                    </a:lnB>
-                    <a:solidFill>
-                      <a:srgbClr val="A6A6A6"/>
-                    </a:solidFill>
-                  </a:tcPr>
-                </a:tc>
-                <a:tc>
-                  <a:txBody>
-                    <a:bodyPr/>
-                    <a:lstStyle/>
-                    <a:p>
-                      <a:pPr algn="ctr"/>
-                      <a:endParaRPr lang="en-US" dirty="0"/>
-                    </a:p>
-                  </a:txBody>
-                  <a:tcPr>
-                    <a:lnL w="12700" cap="flat" cmpd="sng" algn="ctr">
-                      <a:solidFill>
-                        <a:schemeClr val="tx1"/>
-                      </a:solidFill>
-                      <a:prstDash val="solid"/>
-                      <a:round/>
-                      <a:headEnd type="none" w="med" len="med"/>
-                      <a:tailEnd type="none" w="med" len="med"/>
-                    </a:lnL>
-                    <a:lnR w="12700" cap="flat" cmpd="sng" algn="ctr">
-                      <a:solidFill>
-                        <a:scrgbClr r="0" g="0" b="0"/>
-                      </a:solidFill>
-                      <a:prstDash val="solid"/>
-                      <a:round/>
-                      <a:headEnd type="none" w="med" len="med"/>
-                      <a:tailEnd type="none" w="med" len="med"/>
-                    </a:lnR>
-                    <a:lnB w="12700" cap="flat" cmpd="sng" algn="ctr">
-                      <a:noFill/>
-                      <a:prstDash val="solid"/>
-                      <a:round/>
-                      <a:headEnd type="none" w="med" len="med"/>
-                      <a:tailEnd type="none" w="med" len="med"/>
-                    </a:lnB>
-                    <a:solidFill>
-                      <a:srgbClr val="DDDDDD"/>
-                    </a:solidFill>
-                  </a:tcPr>
-                </a:tc>
-                <a:tc>
-                  <a:txBody>
-                    <a:bodyPr/>
-                    <a:lstStyle/>
-                    <a:p>
-                      <a:pPr marL="0" marR="0" indent="0" algn="ctr" defTabSz="457200" rtl="0" eaLnBrk="1" fontAlgn="auto" latinLnBrk="0" hangingPunct="1">
-                        <a:lnSpc>
-                          <a:spcPct val="100000"/>
-                        </a:lnSpc>
-                        <a:spcBef>
-                          <a:spcPts val="0"/>
-                        </a:spcBef>
-                        <a:spcAft>
-                          <a:spcPts val="0"/>
-                        </a:spcAft>
-                        <a:buClrTx/>
-                        <a:buSzTx/>
-                        <a:buFontTx/>
-                        <a:buNone/>
-                        <a:tabLst/>
-                        <a:defRPr/>
-                      </a:pPr>
-                      <a:r>
-                        <a:rPr lang="en-US" dirty="0"/>
-                        <a:t>E</a:t>
-                      </a:r>
-                      <a:r>
-                        <a:rPr lang="en-US" baseline="-25000" dirty="0"/>
-                        <a:t>15</a:t>
-                      </a:r>
-                      <a:r>
-                        <a:rPr lang="en-US" dirty="0"/>
-                        <a:t>+…+E</a:t>
-                      </a:r>
-                      <a:r>
-                        <a:rPr lang="en-US" baseline="-25000" dirty="0"/>
-                        <a:t>20</a:t>
-                      </a:r>
-                      <a:r>
-                        <a:rPr lang="en-US" dirty="0"/>
-                        <a:t>-</a:t>
-                      </a:r>
-                      <a:r>
-                        <a:rPr lang="en-US" dirty="0">
-                          <a:solidFill>
-                            <a:schemeClr val="tx1"/>
-                          </a:solidFill>
-                        </a:rPr>
-                        <a:t>E</a:t>
-                      </a:r>
-                      <a:r>
-                        <a:rPr lang="en-US" baseline="-25000" dirty="0">
-                          <a:solidFill>
-                            <a:schemeClr val="tx1"/>
-                          </a:solidFill>
-                        </a:rPr>
-                        <a:t>19</a:t>
-                      </a:r>
-                      <a:r>
-                        <a:rPr lang="en-US" dirty="0"/>
-                        <a:t>+</a:t>
-                      </a:r>
-                      <a:r>
-                        <a:rPr lang="en-US" dirty="0">
-                          <a:solidFill>
-                            <a:srgbClr val="FF7B11"/>
-                          </a:solidFill>
-                        </a:rPr>
-                        <a:t>E</a:t>
-                      </a:r>
-                      <a:r>
-                        <a:rPr lang="en-US" baseline="-25000" dirty="0">
-                          <a:solidFill>
-                            <a:srgbClr val="FF7B11"/>
-                          </a:solidFill>
-                        </a:rPr>
-                        <a:t>19</a:t>
-                      </a:r>
-                      <a:endParaRPr lang="en-US" baseline="-25000" dirty="0"/>
-                    </a:p>
-                  </a:txBody>
-                  <a:tcPr>
-                    <a:lnL w="12700" cap="flat" cmpd="sng" algn="ctr">
-                      <a:solidFill>
-                        <a:scrgbClr r="0" g="0" b="0"/>
-                      </a:solidFill>
-                      <a:prstDash val="solid"/>
-                      <a:round/>
-                      <a:headEnd type="none" w="med" len="med"/>
-                      <a:tailEnd type="none" w="med" len="med"/>
-                    </a:lnL>
-                    <a:lnR w="12700" cap="flat" cmpd="sng" algn="ctr">
-                      <a:solidFill>
-                        <a:scrgbClr r="0" g="0" b="0"/>
-                      </a:solidFill>
-                      <a:prstDash val="solid"/>
-                      <a:round/>
-                      <a:headEnd type="none" w="med" len="med"/>
-                      <a:tailEnd type="none" w="med" len="med"/>
-                    </a:lnR>
-                    <a:lnT w="12700" cap="flat" cmpd="sng" algn="ctr">
-                      <a:solidFill>
-                        <a:scrgbClr r="0" g="0" b="0"/>
-                      </a:solidFill>
-                      <a:prstDash val="solid"/>
-                      <a:round/>
-                      <a:headEnd type="none" w="med" len="med"/>
-                      <a:tailEnd type="none" w="med" len="med"/>
-                    </a:lnT>
-                    <a:lnB w="38100" cap="flat" cmpd="sng" algn="ctr">
-                      <a:solidFill>
-                        <a:schemeClr val="tx1"/>
-                      </a:solidFill>
-                      <a:prstDash val="solid"/>
-                      <a:round/>
-                      <a:headEnd type="none" w="med" len="med"/>
-                      <a:tailEnd type="none" w="med" len="med"/>
-                    </a:lnB>
-                    <a:solidFill>
-                      <a:srgbClr val="DDDDDD"/>
-                    </a:solidFill>
-                  </a:tcPr>
-                </a:tc>
-                <a:extLst>
-                  <a:ext uri="{0D108BD9-81ED-4DB2-BD59-A6C34878D82A}">
-                    <a16:rowId xmlns:a16="http://schemas.microsoft.com/office/drawing/2014/main" val="10007"/>
-                  </a:ext>
-                </a:extLst>
-              </a:tr>
-              <a:tr h="369100">
-                <a:tc>
-                  <a:txBody>
-                    <a:bodyPr/>
-                    <a:lstStyle/>
-                    <a:p>
-                      <a:pPr algn="ctr"/>
-                      <a:endParaRPr lang="en-US" dirty="0">
-                        <a:solidFill>
-                          <a:srgbClr val="003D62"/>
-                        </a:solidFill>
-                      </a:endParaRPr>
-                    </a:p>
-                  </a:txBody>
-                  <a:tcPr>
-                    <a:lnR w="12700" cap="flat" cmpd="sng" algn="ctr">
-                      <a:noFill/>
-                      <a:prstDash val="solid"/>
-                      <a:round/>
-                      <a:headEnd type="none" w="med" len="med"/>
-                      <a:tailEnd type="none" w="med" len="med"/>
-                    </a:lnR>
-                    <a:noFill/>
-                  </a:tcPr>
-                </a:tc>
-                <a:tc>
-                  <a:txBody>
-                    <a:bodyPr/>
-                    <a:lstStyle/>
-                    <a:p>
-                      <a:pPr algn="ctr"/>
-                      <a:endParaRPr lang="en-US" dirty="0"/>
-                    </a:p>
-                  </a:txBody>
-                  <a:tcPr>
-                    <a:lnL w="12700" cap="flat" cmpd="sng" algn="ctr">
-                      <a:noFill/>
-                      <a:prstDash val="solid"/>
-                      <a:round/>
-                      <a:headEnd type="none" w="med" len="med"/>
-                      <a:tailEnd type="none" w="med" len="med"/>
-                    </a:lnL>
-                    <a:lnR w="12700" cap="flat" cmpd="sng" algn="ctr">
-                      <a:noFill/>
-                      <a:prstDash val="solid"/>
-                      <a:round/>
-                      <a:headEnd type="none" w="med" len="med"/>
-                      <a:tailEnd type="none" w="med" len="med"/>
-                    </a:lnR>
-                    <a:lnT w="12700" cap="flat" cmpd="sng" algn="ctr">
-                      <a:solidFill>
-                        <a:schemeClr val="tx1"/>
-                      </a:solidFill>
-                      <a:prstDash val="solid"/>
-                      <a:round/>
-                      <a:headEnd type="none" w="med" len="med"/>
-                      <a:tailEnd type="none" w="med" len="med"/>
-                    </a:lnT>
-                    <a:lnB w="12700" cap="flat" cmpd="sng" algn="ctr">
-                      <a:noFill/>
-                      <a:prstDash val="solid"/>
-                      <a:round/>
-                      <a:headEnd type="none" w="med" len="med"/>
-                      <a:tailEnd type="none" w="med" len="med"/>
-                    </a:lnB>
-                    <a:lnTlToBr w="12700" cmpd="sng">
-                      <a:noFill/>
-                      <a:prstDash val="solid"/>
-                    </a:lnTlToBr>
-                    <a:lnBlToTr w="12700" cmpd="sng">
-                      <a:noFill/>
-                      <a:prstDash val="solid"/>
-                    </a:lnBlToTr>
-                    <a:noFill/>
-                  </a:tcPr>
-                </a:tc>
-                <a:tc>
-                  <a:txBody>
-                    <a:bodyPr/>
-                    <a:lstStyle/>
-                    <a:p>
-                      <a:pPr algn="ctr"/>
-                      <a:endParaRPr lang="en-US" dirty="0"/>
-                    </a:p>
-                  </a:txBody>
-                  <a:tcPr>
-                    <a:lnL w="12700" cap="flat" cmpd="sng" algn="ctr">
-                      <a:noFill/>
-                      <a:prstDash val="solid"/>
-                      <a:round/>
-                      <a:headEnd type="none" w="med" len="med"/>
-                      <a:tailEnd type="none" w="med" len="med"/>
-                    </a:lnL>
-                    <a:lnR w="12700" cap="flat" cmpd="sng" algn="ctr">
-                      <a:noFill/>
-                      <a:prstDash val="solid"/>
-                      <a:round/>
-                      <a:headEnd type="none" w="med" len="med"/>
-                      <a:tailEnd type="none" w="med" len="med"/>
-                    </a:lnR>
-                    <a:lnT w="12700" cap="flat" cmpd="sng" algn="ctr">
-                      <a:solidFill>
-                        <a:schemeClr val="tx1"/>
-                      </a:solidFill>
-                      <a:prstDash val="solid"/>
-                      <a:round/>
-                      <a:headEnd type="none" w="med" len="med"/>
-                      <a:tailEnd type="none" w="med" len="med"/>
-                    </a:lnT>
-                    <a:lnB w="12700" cap="flat" cmpd="sng" algn="ctr">
-                      <a:noFill/>
-                      <a:prstDash val="solid"/>
-                      <a:round/>
-                      <a:headEnd type="none" w="med" len="med"/>
-                      <a:tailEnd type="none" w="med" len="med"/>
-                    </a:lnB>
-                    <a:lnTlToBr w="12700" cmpd="sng">
-                      <a:noFill/>
-                      <a:prstDash val="solid"/>
-                    </a:lnTlToBr>
-                    <a:lnBlToTr w="12700" cmpd="sng">
-                      <a:noFill/>
-                      <a:prstDash val="solid"/>
-                    </a:lnBlToTr>
-                    <a:noFill/>
-                  </a:tcPr>
-                </a:tc>
-                <a:tc>
-                  <a:txBody>
-                    <a:bodyPr/>
-                    <a:lstStyle/>
-                    <a:p>
-                      <a:pPr algn="ctr"/>
-                      <a:endParaRPr lang="en-US" dirty="0"/>
-                    </a:p>
-                  </a:txBody>
-                  <a:tcPr>
-                    <a:lnL w="12700" cap="flat" cmpd="sng" algn="ctr">
-                      <a:noFill/>
-                      <a:prstDash val="solid"/>
-                      <a:round/>
-                      <a:headEnd type="none" w="med" len="med"/>
-                      <a:tailEnd type="none" w="med" len="med"/>
-                    </a:lnL>
-                    <a:lnR w="12700" cap="flat" cmpd="sng" algn="ctr">
-                      <a:noFill/>
-                      <a:prstDash val="solid"/>
-                      <a:round/>
-                      <a:headEnd type="none" w="med" len="med"/>
-                      <a:tailEnd type="none" w="med" len="med"/>
-                    </a:lnR>
-                    <a:lnT w="12700" cap="flat" cmpd="sng" algn="ctr">
-                      <a:solidFill>
-                        <a:schemeClr val="tx1"/>
-                      </a:solidFill>
-                      <a:prstDash val="solid"/>
-                      <a:round/>
-                      <a:headEnd type="none" w="med" len="med"/>
-                      <a:tailEnd type="none" w="med" len="med"/>
-                    </a:lnT>
-                    <a:lnB w="12700" cap="flat" cmpd="sng" algn="ctr">
-                      <a:noFill/>
-                      <a:prstDash val="solid"/>
-                      <a:round/>
-                      <a:headEnd type="none" w="med" len="med"/>
-                      <a:tailEnd type="none" w="med" len="med"/>
-                    </a:lnB>
-                    <a:lnTlToBr w="12700" cmpd="sng">
-                      <a:noFill/>
-                      <a:prstDash val="solid"/>
-                    </a:lnTlToBr>
-                    <a:lnBlToTr w="12700" cmpd="sng">
-                      <a:noFill/>
-                      <a:prstDash val="solid"/>
-                    </a:lnBlToTr>
-                    <a:noFill/>
-                  </a:tcPr>
-                </a:tc>
-                <a:tc>
-                  <a:txBody>
-                    <a:bodyPr/>
-                    <a:lstStyle/>
-                    <a:p>
-                      <a:pPr algn="ctr"/>
-                      <a:endParaRPr lang="en-US" dirty="0"/>
-                    </a:p>
-                  </a:txBody>
-                  <a:tcPr>
-                    <a:lnL w="12700" cap="flat" cmpd="sng" algn="ctr">
-                      <a:noFill/>
-                      <a:prstDash val="solid"/>
-                      <a:round/>
-                      <a:headEnd type="none" w="med" len="med"/>
-                      <a:tailEnd type="none" w="med" len="med"/>
-                    </a:lnL>
-                    <a:lnR w="12700" cap="flat" cmpd="sng" algn="ctr">
-                      <a:noFill/>
-                      <a:prstDash val="solid"/>
-                      <a:round/>
-                      <a:headEnd type="none" w="med" len="med"/>
-                      <a:tailEnd type="none" w="med" len="med"/>
-                    </a:lnR>
-                    <a:lnT w="12700" cap="flat" cmpd="sng" algn="ctr">
-                      <a:solidFill>
-                        <a:schemeClr val="tx1"/>
-                      </a:solidFill>
-                      <a:prstDash val="solid"/>
-                      <a:round/>
-                      <a:headEnd type="none" w="med" len="med"/>
-                      <a:tailEnd type="none" w="med" len="med"/>
-                    </a:lnT>
-                    <a:lnB w="12700" cap="flat" cmpd="sng" algn="ctr">
-                      <a:noFill/>
-                      <a:prstDash val="solid"/>
-                      <a:round/>
-                      <a:headEnd type="none" w="med" len="med"/>
-                      <a:tailEnd type="none" w="med" len="med"/>
-                    </a:lnB>
-                    <a:lnTlToBr w="12700" cmpd="sng">
-                      <a:noFill/>
-                      <a:prstDash val="solid"/>
-                    </a:lnTlToBr>
-                    <a:lnBlToTr w="12700" cmpd="sng">
-                      <a:noFill/>
-                      <a:prstDash val="solid"/>
-                    </a:lnBlToTr>
-                    <a:noFill/>
-                  </a:tcPr>
-                </a:tc>
-                <a:tc>
-                  <a:txBody>
-                    <a:bodyPr/>
-                    <a:lstStyle/>
-                    <a:p>
-                      <a:pPr algn="ctr"/>
-                      <a:endParaRPr lang="en-US" dirty="0"/>
-                    </a:p>
-                  </a:txBody>
-                  <a:tcPr>
-                    <a:lnL w="12700" cap="flat" cmpd="sng" algn="ctr">
-                      <a:noFill/>
-                      <a:prstDash val="solid"/>
-                      <a:round/>
-                      <a:headEnd type="none" w="med" len="med"/>
-                      <a:tailEnd type="none" w="med" len="med"/>
-                    </a:lnL>
-                    <a:lnR w="12700" cap="flat" cmpd="sng" algn="ctr">
-                      <a:noFill/>
-                      <a:prstDash val="solid"/>
-                      <a:round/>
-                      <a:headEnd type="none" w="med" len="med"/>
-                      <a:tailEnd type="none" w="med" len="med"/>
-                    </a:lnR>
-                    <a:lnT w="12700" cap="flat" cmpd="sng" algn="ctr">
-                      <a:solidFill>
-                        <a:schemeClr val="tx1"/>
-                      </a:solidFill>
-                      <a:prstDash val="solid"/>
-                      <a:round/>
-                      <a:headEnd type="none" w="med" len="med"/>
-                      <a:tailEnd type="none" w="med" len="med"/>
-                    </a:lnT>
-                    <a:lnB w="12700" cap="flat" cmpd="sng" algn="ctr">
-                      <a:noFill/>
-                      <a:prstDash val="solid"/>
-                      <a:round/>
-                      <a:headEnd type="none" w="med" len="med"/>
-                      <a:tailEnd type="none" w="med" len="med"/>
-                    </a:lnB>
-                    <a:lnTlToBr w="12700" cmpd="sng">
-                      <a:noFill/>
-                      <a:prstDash val="solid"/>
-                    </a:lnTlToBr>
-                    <a:lnBlToTr w="12700" cmpd="sng">
-                      <a:noFill/>
-                      <a:prstDash val="solid"/>
-                    </a:lnBlToTr>
-                    <a:noFill/>
-                  </a:tcPr>
-                </a:tc>
-                <a:tc>
-                  <a:txBody>
-                    <a:bodyPr/>
-                    <a:lstStyle/>
-                    <a:p>
-                      <a:pPr algn="ctr"/>
-                      <a:endParaRPr lang="en-US" dirty="0"/>
-                    </a:p>
-                  </a:txBody>
-                  <a:tcPr>
-                    <a:lnL w="12700" cap="flat" cmpd="sng" algn="ctr">
-                      <a:noFill/>
-                      <a:prstDash val="solid"/>
-                      <a:round/>
-                      <a:headEnd type="none" w="med" len="med"/>
-                      <a:tailEnd type="none" w="med" len="med"/>
-                    </a:lnL>
-                    <a:lnR w="12700" cap="flat" cmpd="sng" algn="ctr">
-                      <a:noFill/>
-                      <a:prstDash val="solid"/>
-                      <a:round/>
-                      <a:headEnd type="none" w="med" len="med"/>
-                      <a:tailEnd type="none" w="med" len="med"/>
-                    </a:lnR>
-                    <a:lnT w="12700" cap="flat" cmpd="sng" algn="ctr">
-                      <a:solidFill>
-                        <a:schemeClr val="tx1"/>
-                      </a:solidFill>
-                      <a:prstDash val="solid"/>
-                      <a:round/>
-                      <a:headEnd type="none" w="med" len="med"/>
-                      <a:tailEnd type="none" w="med" len="med"/>
-                    </a:lnT>
-                    <a:lnB w="12700" cap="flat" cmpd="sng" algn="ctr">
-                      <a:noFill/>
-                      <a:prstDash val="solid"/>
-                      <a:round/>
-                      <a:headEnd type="none" w="med" len="med"/>
-                      <a:tailEnd type="none" w="med" len="med"/>
-                    </a:lnB>
-                    <a:lnTlToBr w="12700" cmpd="sng">
-                      <a:noFill/>
-                      <a:prstDash val="solid"/>
-                    </a:lnTlToBr>
-                    <a:lnBlToTr w="12700" cmpd="sng">
-                      <a:noFill/>
-                      <a:prstDash val="solid"/>
-                    </a:lnBlToTr>
-                    <a:noFill/>
-                  </a:tcPr>
-                </a:tc>
-                <a:tc>
-                  <a:txBody>
-                    <a:bodyPr/>
-                    <a:lstStyle/>
-                    <a:p>
-                      <a:pPr algn="ctr"/>
-                      <a:endParaRPr lang="en-US" dirty="0"/>
-                    </a:p>
-                  </a:txBody>
-                  <a:tcPr>
-                    <a:lnL w="12700" cap="flat" cmpd="sng" algn="ctr">
-                      <a:noFill/>
-                      <a:prstDash val="solid"/>
-                      <a:round/>
-                      <a:headEnd type="none" w="med" len="med"/>
-                      <a:tailEnd type="none" w="med" len="med"/>
-                    </a:lnL>
-                    <a:lnR w="12700" cap="flat" cmpd="sng" algn="ctr">
-                      <a:solidFill>
-                        <a:schemeClr val="tx1"/>
-                      </a:solidFill>
-                      <a:prstDash val="solid"/>
-                      <a:round/>
-                      <a:headEnd type="none" w="med" len="med"/>
-                      <a:tailEnd type="none" w="med" len="med"/>
-                    </a:lnR>
-                    <a:lnT w="12700" cap="flat" cmpd="sng" algn="ctr">
-                      <a:noFill/>
-                      <a:prstDash val="solid"/>
-                      <a:round/>
-                      <a:headEnd type="none" w="med" len="med"/>
-                      <a:tailEnd type="none" w="med" len="med"/>
-                    </a:lnT>
-                    <a:lnB>
-                      <a:noFill/>
-                    </a:lnB>
-                    <a:lnTlToBr w="12700" cmpd="sng">
-                      <a:noFill/>
-                      <a:prstDash val="solid"/>
-                    </a:lnTlToBr>
-                    <a:lnBlToTr w="12700" cmpd="sng">
-                      <a:noFill/>
-                      <a:prstDash val="solid"/>
-                    </a:lnBlToTr>
-                    <a:noFill/>
-                  </a:tcPr>
-                </a:tc>
-                <a:tc>
-                  <a:txBody>
-                    <a:bodyPr/>
-                    <a:lstStyle/>
-                    <a:p>
-                      <a:pPr marL="0" marR="0" lvl="0" indent="0" algn="ctr" defTabSz="457200" rtl="0" eaLnBrk="1" fontAlgn="auto" latinLnBrk="0" hangingPunct="1">
-                        <a:lnSpc>
-                          <a:spcPct val="100000"/>
-                        </a:lnSpc>
-                        <a:spcBef>
-                          <a:spcPts val="0"/>
-                        </a:spcBef>
-                        <a:spcAft>
-                          <a:spcPts val="0"/>
-                        </a:spcAft>
-                        <a:buClrTx/>
-                        <a:buSzTx/>
-                        <a:buFontTx/>
-                        <a:buNone/>
-                        <a:tabLst/>
-                        <a:defRPr/>
-                      </a:pPr>
-                      <a:r>
-                        <a:rPr lang="en-US" dirty="0"/>
-                        <a:t>E</a:t>
-                      </a:r>
-                      <a:r>
-                        <a:rPr lang="en-US" baseline="-25000" dirty="0"/>
-                        <a:t>0</a:t>
-                      </a:r>
-                      <a:r>
-                        <a:rPr lang="en-US" baseline="0" dirty="0"/>
-                        <a:t>+ … +E</a:t>
-                      </a:r>
-                      <a:r>
-                        <a:rPr lang="en-US" baseline="-25000" dirty="0"/>
-                        <a:t>5</a:t>
-                      </a:r>
-                      <a:endParaRPr lang="en-US" baseline="0" dirty="0"/>
-                    </a:p>
-                    <a:p>
-                      <a:pPr marL="0" marR="0" lvl="0" indent="0" algn="ctr" defTabSz="457200" rtl="0" eaLnBrk="1" fontAlgn="auto" latinLnBrk="0" hangingPunct="1">
-                        <a:lnSpc>
-                          <a:spcPct val="100000"/>
-                        </a:lnSpc>
-                        <a:spcBef>
-                          <a:spcPts val="0"/>
-                        </a:spcBef>
-                        <a:spcAft>
-                          <a:spcPts val="0"/>
-                        </a:spcAft>
-                        <a:buClrTx/>
-                        <a:buSzTx/>
-                        <a:buFontTx/>
-                        <a:buNone/>
-                        <a:tabLst/>
-                        <a:defRPr/>
-                      </a:pPr>
-                      <a:r>
-                        <a:rPr lang="en-US" dirty="0">
-                          <a:solidFill>
-                            <a:schemeClr val="tx1"/>
-                          </a:solidFill>
-                        </a:rPr>
-                        <a:t>+E</a:t>
-                      </a:r>
-                      <a:r>
-                        <a:rPr lang="en-US" baseline="-25000" dirty="0">
-                          <a:solidFill>
-                            <a:schemeClr val="tx1"/>
-                          </a:solidFill>
-                        </a:rPr>
-                        <a:t>6</a:t>
-                      </a:r>
-                      <a:r>
-                        <a:rPr lang="en-US" dirty="0">
-                          <a:solidFill>
-                            <a:schemeClr val="tx1"/>
-                          </a:solidFill>
-                        </a:rPr>
-                        <a:t>+ … +E</a:t>
-                      </a:r>
-                      <a:r>
-                        <a:rPr lang="en-US" baseline="-25000" dirty="0">
-                          <a:solidFill>
-                            <a:schemeClr val="tx1"/>
-                          </a:solidFill>
-                        </a:rPr>
-                        <a:t>9</a:t>
-                      </a:r>
-                      <a:endParaRPr lang="en-US" dirty="0">
-                        <a:solidFill>
-                          <a:schemeClr val="tx1"/>
-                        </a:solidFill>
-                      </a:endParaRPr>
-                    </a:p>
-                    <a:p>
-                      <a:pPr marL="0" marR="0" lvl="0" indent="0" algn="ctr" defTabSz="457200" rtl="0" eaLnBrk="1" fontAlgn="auto" latinLnBrk="0" hangingPunct="1">
-                        <a:lnSpc>
-                          <a:spcPct val="100000"/>
-                        </a:lnSpc>
-                        <a:spcBef>
-                          <a:spcPts val="0"/>
-                        </a:spcBef>
-                        <a:spcAft>
-                          <a:spcPts val="0"/>
-                        </a:spcAft>
-                        <a:buClrTx/>
-                        <a:buSzTx/>
-                        <a:buFontTx/>
-                        <a:buNone/>
-                        <a:tabLst/>
-                        <a:defRPr/>
-                      </a:pPr>
-                      <a:r>
-                        <a:rPr lang="en-US" dirty="0">
-                          <a:solidFill>
-                            <a:schemeClr val="tx1"/>
-                          </a:solidFill>
-                        </a:rPr>
-                        <a:t>-(E</a:t>
-                      </a:r>
-                      <a:r>
-                        <a:rPr lang="en-US" baseline="-25000" dirty="0">
-                          <a:solidFill>
-                            <a:schemeClr val="tx1"/>
-                          </a:solidFill>
-                        </a:rPr>
-                        <a:t>6</a:t>
-                      </a:r>
-                      <a:r>
-                        <a:rPr lang="en-US" dirty="0">
-                          <a:solidFill>
-                            <a:schemeClr val="tx1"/>
-                          </a:solidFill>
-                        </a:rPr>
-                        <a:t>+ … +E</a:t>
-                      </a:r>
-                      <a:r>
-                        <a:rPr lang="en-US" baseline="-25000" dirty="0">
-                          <a:solidFill>
-                            <a:schemeClr val="tx1"/>
-                          </a:solidFill>
-                        </a:rPr>
-                        <a:t>9</a:t>
-                      </a:r>
-                      <a:r>
-                        <a:rPr lang="en-US" baseline="0" dirty="0">
-                          <a:solidFill>
-                            <a:schemeClr val="tx1"/>
-                          </a:solidFill>
-                        </a:rPr>
-                        <a:t>)</a:t>
-                      </a:r>
-                    </a:p>
-                    <a:p>
-                      <a:pPr marL="0" marR="0" lvl="0" indent="0" algn="ctr" defTabSz="457200" rtl="0" eaLnBrk="1" fontAlgn="auto" latinLnBrk="0" hangingPunct="1">
-                        <a:lnSpc>
-                          <a:spcPct val="100000"/>
-                        </a:lnSpc>
-                        <a:spcBef>
-                          <a:spcPts val="0"/>
-                        </a:spcBef>
-                        <a:spcAft>
-                          <a:spcPts val="0"/>
-                        </a:spcAft>
-                        <a:buClrTx/>
-                        <a:buSzTx/>
-                        <a:buFontTx/>
-                        <a:buNone/>
-                        <a:tabLst/>
-                        <a:defRPr/>
-                      </a:pPr>
-                      <a:r>
-                        <a:rPr lang="en-US" dirty="0">
-                          <a:solidFill>
-                            <a:srgbClr val="FF7B11"/>
-                          </a:solidFill>
-                        </a:rPr>
-                        <a:t>+E</a:t>
-                      </a:r>
-                      <a:r>
-                        <a:rPr lang="en-US" baseline="-25000" dirty="0">
-                          <a:solidFill>
-                            <a:srgbClr val="FF7B11"/>
-                          </a:solidFill>
-                        </a:rPr>
-                        <a:t>6</a:t>
-                      </a:r>
-                      <a:r>
-                        <a:rPr lang="en-US" dirty="0">
-                          <a:solidFill>
-                            <a:srgbClr val="FF7B11"/>
-                          </a:solidFill>
-                        </a:rPr>
-                        <a:t>+ … +E</a:t>
-                      </a:r>
-                      <a:r>
-                        <a:rPr lang="en-US" baseline="-25000" dirty="0">
-                          <a:solidFill>
-                            <a:srgbClr val="FF7B11"/>
-                          </a:solidFill>
-                        </a:rPr>
-                        <a:t>9</a:t>
-                      </a:r>
-                      <a:endParaRPr lang="en-US" dirty="0">
-                        <a:solidFill>
-                          <a:srgbClr val="FF7B11"/>
-                        </a:solidFill>
-                      </a:endParaRPr>
-                    </a:p>
-                    <a:p>
-                      <a:pPr marL="0" marR="0" lvl="0" indent="0" algn="ctr" defTabSz="457200" rtl="0" eaLnBrk="1" fontAlgn="auto" latinLnBrk="0" hangingPunct="1">
-                        <a:lnSpc>
-                          <a:spcPct val="100000"/>
-                        </a:lnSpc>
-                        <a:spcBef>
-                          <a:spcPts val="0"/>
-                        </a:spcBef>
-                        <a:spcAft>
-                          <a:spcPts val="0"/>
-                        </a:spcAft>
-                        <a:buClrTx/>
-                        <a:buSzTx/>
-                        <a:buFontTx/>
-                        <a:buNone/>
-                        <a:tabLst/>
-                        <a:defRPr/>
-                      </a:pPr>
-                      <a:r>
-                        <a:rPr lang="en-US" dirty="0"/>
-                        <a:t>+E</a:t>
-                      </a:r>
-                      <a:r>
-                        <a:rPr lang="en-US" baseline="-25000" dirty="0"/>
-                        <a:t>10</a:t>
-                      </a:r>
-                      <a:r>
-                        <a:rPr lang="en-US" dirty="0"/>
-                        <a:t>+…+E</a:t>
-                      </a:r>
-                      <a:r>
-                        <a:rPr lang="en-US" baseline="-25000" dirty="0"/>
-                        <a:t>14</a:t>
-                      </a:r>
-                      <a:r>
-                        <a:rPr lang="en-US" dirty="0"/>
-                        <a:t>-E</a:t>
-                      </a:r>
-                      <a:r>
-                        <a:rPr lang="en-US" baseline="-25000" dirty="0"/>
-                        <a:t>14</a:t>
-                      </a:r>
-                      <a:r>
-                        <a:rPr lang="en-US" dirty="0">
-                          <a:solidFill>
-                            <a:srgbClr val="FF7B11"/>
-                          </a:solidFill>
-                        </a:rPr>
-                        <a:t>-E</a:t>
-                      </a:r>
-                      <a:r>
-                        <a:rPr lang="en-US" baseline="-25000" dirty="0">
-                          <a:solidFill>
-                            <a:srgbClr val="FF7B11"/>
-                          </a:solidFill>
-                        </a:rPr>
-                        <a:t>14</a:t>
-                      </a:r>
-                    </a:p>
-                    <a:p>
-                      <a:pPr marL="0" marR="0" lvl="0" indent="0" algn="ctr" defTabSz="457200" rtl="0" eaLnBrk="1" fontAlgn="auto" latinLnBrk="0" hangingPunct="1">
-                        <a:lnSpc>
-                          <a:spcPct val="100000"/>
-                        </a:lnSpc>
-                        <a:spcBef>
-                          <a:spcPts val="0"/>
-                        </a:spcBef>
-                        <a:spcAft>
-                          <a:spcPts val="0"/>
-                        </a:spcAft>
-                        <a:buClrTx/>
-                        <a:buSzTx/>
-                        <a:buFontTx/>
-                        <a:buNone/>
-                        <a:tabLst/>
-                        <a:defRPr/>
-                      </a:pPr>
-                      <a:r>
-                        <a:rPr lang="en-US" dirty="0"/>
-                        <a:t>+E</a:t>
-                      </a:r>
-                      <a:r>
-                        <a:rPr lang="en-US" baseline="-25000" dirty="0"/>
-                        <a:t>15</a:t>
-                      </a:r>
-                      <a:r>
-                        <a:rPr lang="en-US" dirty="0"/>
-                        <a:t>+…+E</a:t>
-                      </a:r>
-                      <a:r>
-                        <a:rPr lang="en-US" baseline="-25000" dirty="0"/>
-                        <a:t>20</a:t>
-                      </a:r>
-                      <a:r>
-                        <a:rPr lang="en-US" dirty="0"/>
-                        <a:t>-</a:t>
-                      </a:r>
-                      <a:r>
-                        <a:rPr lang="en-US" dirty="0">
-                          <a:solidFill>
-                            <a:schemeClr val="tx1"/>
-                          </a:solidFill>
-                        </a:rPr>
-                        <a:t>E</a:t>
-                      </a:r>
-                      <a:r>
-                        <a:rPr lang="en-US" baseline="-25000" dirty="0">
-                          <a:solidFill>
-                            <a:schemeClr val="tx1"/>
-                          </a:solidFill>
-                        </a:rPr>
-                        <a:t>19</a:t>
-                      </a:r>
-                      <a:r>
-                        <a:rPr lang="en-US" dirty="0"/>
-                        <a:t>+</a:t>
-                      </a:r>
-                      <a:r>
-                        <a:rPr lang="en-US" dirty="0">
-                          <a:solidFill>
-                            <a:srgbClr val="FF7B11"/>
-                          </a:solidFill>
-                        </a:rPr>
-                        <a:t>E</a:t>
-                      </a:r>
-                      <a:r>
-                        <a:rPr lang="en-US" baseline="-25000" dirty="0">
-                          <a:solidFill>
-                            <a:srgbClr val="FF7B11"/>
-                          </a:solidFill>
-                        </a:rPr>
-                        <a:t>19</a:t>
-                      </a:r>
-                      <a:endParaRPr lang="en-US" baseline="-25000" dirty="0"/>
-                    </a:p>
-                    <a:p>
-                      <a:pPr marL="0" marR="0" lvl="0" indent="0" algn="ctr" defTabSz="457200" rtl="0" eaLnBrk="1" fontAlgn="auto" latinLnBrk="0" hangingPunct="1">
-                        <a:lnSpc>
-                          <a:spcPct val="100000"/>
-                        </a:lnSpc>
-                        <a:spcBef>
-                          <a:spcPts val="0"/>
-                        </a:spcBef>
-                        <a:spcAft>
-                          <a:spcPts val="0"/>
-                        </a:spcAft>
-                        <a:buClrTx/>
-                        <a:buSzTx/>
-                        <a:buFontTx/>
-                        <a:buNone/>
-                        <a:tabLst/>
-                        <a:defRPr/>
-                      </a:pPr>
-                      <a:endParaRPr lang="en-US" baseline="-25000" dirty="0"/>
-                    </a:p>
-                    <a:p>
-                      <a:pPr marL="0" marR="0" lvl="0" indent="0" algn="ctr" defTabSz="457200" rtl="0" eaLnBrk="1" fontAlgn="auto" latinLnBrk="0" hangingPunct="1">
-                        <a:lnSpc>
-                          <a:spcPct val="100000"/>
-                        </a:lnSpc>
-                        <a:spcBef>
-                          <a:spcPts val="0"/>
-                        </a:spcBef>
-                        <a:spcAft>
-                          <a:spcPts val="0"/>
-                        </a:spcAft>
-                        <a:buClrTx/>
-                        <a:buSzTx/>
-                        <a:buFontTx/>
-                        <a:buNone/>
-                        <a:tabLst/>
-                        <a:defRPr/>
-                      </a:pPr>
-                      <a:r>
-                        <a:rPr lang="en-US" baseline="0" dirty="0"/>
-                        <a:t>+ </a:t>
-                      </a:r>
-                      <a:r>
-                        <a:rPr lang="en-US" dirty="0"/>
-                        <a:t>E</a:t>
-                      </a:r>
-                      <a:r>
-                        <a:rPr lang="en-US" baseline="-25000" dirty="0"/>
-                        <a:t>20</a:t>
-                      </a:r>
-                      <a:endParaRPr lang="en-US" dirty="0"/>
-                    </a:p>
-                  </a:txBody>
-                  <a:tcPr>
-                    <a:lnL w="12700" cap="flat" cmpd="sng" algn="ctr">
-                      <a:solidFill>
-                        <a:schemeClr val="tx1"/>
-                      </a:solidFill>
-                      <a:prstDash val="solid"/>
-                      <a:round/>
-                      <a:headEnd type="none" w="med" len="med"/>
-                      <a:tailEnd type="none" w="med" len="med"/>
-                    </a:lnL>
-                    <a:lnR w="12700" cap="flat" cmpd="sng" algn="ctr">
-                      <a:solidFill>
-                        <a:schemeClr val="tx1"/>
-                      </a:solidFill>
-                      <a:prstDash val="solid"/>
-                      <a:round/>
-                      <a:headEnd type="none" w="med" len="med"/>
-                      <a:tailEnd type="none" w="med" len="med"/>
-                    </a:lnR>
-                    <a:lnT w="38100" cap="flat" cmpd="sng" algn="ctr">
-                      <a:solidFill>
-                        <a:schemeClr val="tx1"/>
-                      </a:solidFill>
-                      <a:prstDash val="solid"/>
-                      <a:round/>
-                      <a:headEnd type="none" w="med" len="med"/>
-                      <a:tailEnd type="none" w="med" len="med"/>
-                    </a:lnT>
-                    <a:lnB w="12700" cap="flat" cmpd="sng" algn="ctr">
-                      <a:solidFill>
-                        <a:schemeClr val="tx1"/>
-                      </a:solidFill>
-                      <a:prstDash val="solid"/>
-                      <a:round/>
-                      <a:headEnd type="none" w="med" len="med"/>
-                      <a:tailEnd type="none" w="med" len="med"/>
-                    </a:lnB>
-                    <a:solidFill>
-                      <a:srgbClr val="DDDDDD"/>
-                    </a:solidFill>
-                  </a:tcPr>
-                </a:tc>
-                <a:extLst>
-                  <a:ext uri="{0D108BD9-81ED-4DB2-BD59-A6C34878D82A}">
-                    <a16:rowId xmlns:a16="http://schemas.microsoft.com/office/drawing/2014/main" val="3929910534"/>
-                  </a:ext>
-                </a:extLst>
-              </a:tr>
-            </a:tbl>
-          </a:graphicData>
-        </a:graphic>
-      </p:graphicFrame>
-    </p:spTree>
-    <p:extLst>
-      <p:ext uri="{BB962C8B-B14F-4D97-AF65-F5344CB8AC3E}">
-        <p14:creationId xmlns:p14="http://schemas.microsoft.com/office/powerpoint/2010/main" val="3224573192"/>
-      </p:ext>
-    </p:extLst>
-  </p:cSld>
-  <p:clrMapOvr>
-    <a:masterClrMapping/>
-  </p:clrMapOvr>
-</p:sld>
-</file>
-
-<file path=ppt/slides/slide11.xml><?xml version="1.0" encoding="utf-8"?>
-<p:sld xmlns:a="http://schemas.openxmlformats.org/drawingml/2006/main" xmlns:r="http://schemas.openxmlformats.org/officeDocument/2006/relationships" xmlns:p="http://schemas.openxmlformats.org/presentationml/2006/main">
-  <p:cSld>
-    <p:spTree>
-      <p:nvGrpSpPr>
-        <p:cNvPr id="1" name=""/>
-        <p:cNvGrpSpPr/>
-        <p:nvPr/>
-      </p:nvGrpSpPr>
-      <p:grpSpPr>
-        <a:xfrm>
-          <a:off x="0" y="0"/>
-          <a:ext cx="0" cy="0"/>
-          <a:chOff x="0" y="0"/>
-          <a:chExt cx="0" cy="0"/>
-        </a:xfrm>
-      </p:grpSpPr>
       <p:pic>
         <p:nvPicPr>
           <p:cNvPr id="9" name="Content Placeholder 4">
@@ -8599,7 +4852,7 @@
 </p:sld>
 </file>
 
-<file path=ppt/slides/slide12.xml><?xml version="1.0" encoding="utf-8"?>
+<file path=ppt/slides/slide11.xml><?xml version="1.0" encoding="utf-8"?>
 <p:sld xmlns:a="http://schemas.openxmlformats.org/drawingml/2006/main" xmlns:r="http://schemas.openxmlformats.org/officeDocument/2006/relationships" xmlns:p="http://schemas.openxmlformats.org/presentationml/2006/main">
   <p:cSld>
     <p:spTree>
@@ -9575,7 +5828,7 @@
 </p:sld>
 </file>
 
-<file path=ppt/slides/slide13.xml><?xml version="1.0" encoding="utf-8"?>
+<file path=ppt/slides/slide12.xml><?xml version="1.0" encoding="utf-8"?>
 <p:sld xmlns:a="http://schemas.openxmlformats.org/drawingml/2006/main" xmlns:r="http://schemas.openxmlformats.org/officeDocument/2006/relationships" xmlns:p="http://schemas.openxmlformats.org/presentationml/2006/main">
   <p:cSld>
     <p:spTree>
@@ -11568,7 +7821,7 @@
 </p:sld>
 </file>
 
-<file path=ppt/slides/slide14.xml><?xml version="1.0" encoding="utf-8"?>
+<file path=ppt/slides/slide13.xml><?xml version="1.0" encoding="utf-8"?>
 <p:sld xmlns:a="http://schemas.openxmlformats.org/drawingml/2006/main" xmlns:r="http://schemas.openxmlformats.org/officeDocument/2006/relationships" xmlns:p="http://schemas.openxmlformats.org/presentationml/2006/main">
   <p:cSld>
     <p:spTree>
@@ -12174,7 +8427,7 @@
 </p:sld>
 </file>
 
-<file path=ppt/slides/slide15.xml><?xml version="1.0" encoding="utf-8"?>
+<file path=ppt/slides/slide14.xml><?xml version="1.0" encoding="utf-8"?>
 <p:sld xmlns:a="http://schemas.openxmlformats.org/drawingml/2006/main" xmlns:r="http://schemas.openxmlformats.org/officeDocument/2006/relationships" xmlns:p="http://schemas.openxmlformats.org/presentationml/2006/main">
   <p:cSld>
     <p:spTree>
@@ -20006,1285 +16259,6 @@
           <a:chExt cx="0" cy="0"/>
         </a:xfrm>
       </p:grpSpPr>
-      <p:grpSp>
-        <p:nvGrpSpPr>
-          <p:cNvPr id="2" name="Group 1">
-            <a:extLst>
-              <a:ext uri="{FF2B5EF4-FFF2-40B4-BE49-F238E27FC236}">
-                <a16:creationId xmlns:a16="http://schemas.microsoft.com/office/drawing/2014/main" id="{87B4E522-7C85-962C-8FB0-10E9B9BD53C9}"/>
-              </a:ext>
-            </a:extLst>
-          </p:cNvPr>
-          <p:cNvGrpSpPr/>
-          <p:nvPr/>
-        </p:nvGrpSpPr>
-        <p:grpSpPr>
-          <a:xfrm>
-            <a:off x="662367" y="146184"/>
-            <a:ext cx="10623583" cy="6070898"/>
-            <a:chOff x="662367" y="279748"/>
-            <a:chExt cx="10623583" cy="6070898"/>
-          </a:xfrm>
-        </p:grpSpPr>
-        <p:pic>
-          <p:nvPicPr>
-            <p:cNvPr id="3" name="Picture 2" descr="A computer and tablet icons&#10;&#10;Description automatically generated">
-              <a:extLst>
-                <a:ext uri="{FF2B5EF4-FFF2-40B4-BE49-F238E27FC236}">
-                  <a16:creationId xmlns:a16="http://schemas.microsoft.com/office/drawing/2014/main" id="{9C173F58-67A0-AFB6-97A4-61920E7F38FA}"/>
-                </a:ext>
-              </a:extLst>
-            </p:cNvPr>
-            <p:cNvPicPr>
-              <a:picLocks noChangeAspect="1"/>
-            </p:cNvPicPr>
-            <p:nvPr/>
-          </p:nvPicPr>
-          <p:blipFill rotWithShape="1">
-            <a:blip r:embed="rId2"/>
-            <a:srcRect t="19373" b="18391"/>
-            <a:stretch/>
-          </p:blipFill>
-          <p:spPr>
-            <a:xfrm>
-              <a:off x="663878" y="789140"/>
-              <a:ext cx="7776000" cy="1779520"/>
-            </a:xfrm>
-            <a:prstGeom prst="rect">
-              <a:avLst/>
-            </a:prstGeom>
-          </p:spPr>
-        </p:pic>
-        <p:sp>
-          <p:nvSpPr>
-            <p:cNvPr id="4" name="Rounded Rectangle 3">
-              <a:extLst>
-                <a:ext uri="{FF2B5EF4-FFF2-40B4-BE49-F238E27FC236}">
-                  <a16:creationId xmlns:a16="http://schemas.microsoft.com/office/drawing/2014/main" id="{CFC7FE95-FB84-7E61-A6C9-CACD12BBDE51}"/>
-                </a:ext>
-              </a:extLst>
-            </p:cNvPr>
-            <p:cNvSpPr/>
-            <p:nvPr/>
-          </p:nvSpPr>
-          <p:spPr>
-            <a:xfrm>
-              <a:off x="662367" y="279748"/>
-              <a:ext cx="7776000" cy="2317315"/>
-            </a:xfrm>
-            <a:prstGeom prst="roundRect">
-              <a:avLst/>
-            </a:prstGeom>
-            <a:noFill/>
-          </p:spPr>
-          <p:style>
-            <a:lnRef idx="2">
-              <a:schemeClr val="accent1">
-                <a:shade val="15000"/>
-              </a:schemeClr>
-            </a:lnRef>
-            <a:fillRef idx="1">
-              <a:schemeClr val="accent1"/>
-            </a:fillRef>
-            <a:effectRef idx="0">
-              <a:schemeClr val="accent1"/>
-            </a:effectRef>
-            <a:fontRef idx="minor">
-              <a:schemeClr val="lt1"/>
-            </a:fontRef>
-          </p:style>
-          <p:txBody>
-            <a:bodyPr rtlCol="0" anchor="t"/>
-            <a:lstStyle/>
-            <a:p>
-              <a:r>
-                <a:rPr lang="en-GB" sz="2400" dirty="0">
-                  <a:solidFill>
-                    <a:schemeClr val="tx1"/>
-                  </a:solidFill>
-                </a:rPr>
-                <a:t>your </a:t>
-              </a:r>
-              <a:r>
-                <a:rPr lang="en-GB" sz="2400" b="1" dirty="0">
-                  <a:solidFill>
-                    <a:schemeClr val="tx1"/>
-                  </a:solidFill>
-                </a:rPr>
-                <a:t>local</a:t>
-              </a:r>
-              <a:r>
-                <a:rPr lang="en-GB" sz="2400" dirty="0">
-                  <a:solidFill>
-                    <a:schemeClr val="tx1"/>
-                  </a:solidFill>
-                </a:rPr>
-                <a:t> machine</a:t>
-              </a:r>
-            </a:p>
-          </p:txBody>
-        </p:sp>
-        <p:grpSp>
-          <p:nvGrpSpPr>
-            <p:cNvPr id="5" name="Group 4">
-              <a:extLst>
-                <a:ext uri="{FF2B5EF4-FFF2-40B4-BE49-F238E27FC236}">
-                  <a16:creationId xmlns:a16="http://schemas.microsoft.com/office/drawing/2014/main" id="{A67D2079-D48D-A056-D69B-0DF2462C2E75}"/>
-                </a:ext>
-              </a:extLst>
-            </p:cNvPr>
-            <p:cNvGrpSpPr/>
-            <p:nvPr/>
-          </p:nvGrpSpPr>
-          <p:grpSpPr>
-            <a:xfrm>
-              <a:off x="2042212" y="3492670"/>
-              <a:ext cx="9243738" cy="2857976"/>
-              <a:chOff x="1641380" y="3104364"/>
-              <a:chExt cx="9243738" cy="2857976"/>
-            </a:xfrm>
-          </p:grpSpPr>
-          <p:sp>
-            <p:nvSpPr>
-              <p:cNvPr id="8" name="Rounded Rectangle 7">
-                <a:extLst>
-                  <a:ext uri="{FF2B5EF4-FFF2-40B4-BE49-F238E27FC236}">
-                    <a16:creationId xmlns:a16="http://schemas.microsoft.com/office/drawing/2014/main" id="{786C1CB8-9CD1-9C1E-2FF0-4575584C1386}"/>
-                  </a:ext>
-                </a:extLst>
-              </p:cNvPr>
-              <p:cNvSpPr/>
-              <p:nvPr/>
-            </p:nvSpPr>
-            <p:spPr>
-              <a:xfrm>
-                <a:off x="1641380" y="3104364"/>
-                <a:ext cx="9243738" cy="2857976"/>
-              </a:xfrm>
-              <a:prstGeom prst="roundRect">
-                <a:avLst/>
-              </a:prstGeom>
-              <a:noFill/>
-            </p:spPr>
-            <p:style>
-              <a:lnRef idx="2">
-                <a:schemeClr val="accent1">
-                  <a:shade val="15000"/>
-                </a:schemeClr>
-              </a:lnRef>
-              <a:fillRef idx="1">
-                <a:schemeClr val="accent1"/>
-              </a:fillRef>
-              <a:effectRef idx="0">
-                <a:schemeClr val="accent1"/>
-              </a:effectRef>
-              <a:fontRef idx="minor">
-                <a:schemeClr val="lt1"/>
-              </a:fontRef>
-            </p:style>
-            <p:txBody>
-              <a:bodyPr rtlCol="0" anchor="b"/>
-              <a:lstStyle/>
-              <a:p>
-                <a:r>
-                  <a:rPr lang="en-GB" sz="2400" dirty="0">
-                    <a:solidFill>
-                      <a:schemeClr val="tx1"/>
-                    </a:solidFill>
-                  </a:rPr>
-                  <a:t>the </a:t>
-                </a:r>
-                <a:r>
-                  <a:rPr lang="en-GB" sz="2400" b="1" dirty="0">
-                    <a:solidFill>
-                      <a:schemeClr val="tx1"/>
-                    </a:solidFill>
-                  </a:rPr>
-                  <a:t>remote</a:t>
-                </a:r>
-                <a:r>
-                  <a:rPr lang="en-GB" sz="2400" dirty="0">
-                    <a:solidFill>
-                      <a:schemeClr val="tx1"/>
-                    </a:solidFill>
-                  </a:rPr>
-                  <a:t> machine (supercomputer)</a:t>
-                </a:r>
-              </a:p>
-            </p:txBody>
-          </p:sp>
-          <p:grpSp>
-            <p:nvGrpSpPr>
-              <p:cNvPr id="9" name="Group 8">
-                <a:extLst>
-                  <a:ext uri="{FF2B5EF4-FFF2-40B4-BE49-F238E27FC236}">
-                    <a16:creationId xmlns:a16="http://schemas.microsoft.com/office/drawing/2014/main" id="{E39A7D3E-D24F-090D-9022-5BB34BB1AF31}"/>
-                  </a:ext>
-                </a:extLst>
-              </p:cNvPr>
-              <p:cNvGrpSpPr/>
-              <p:nvPr/>
-            </p:nvGrpSpPr>
-            <p:grpSpPr>
-              <a:xfrm>
-                <a:off x="1962865" y="3204843"/>
-                <a:ext cx="8569436" cy="2351493"/>
-                <a:chOff x="1962865" y="3204843"/>
-                <a:chExt cx="8569436" cy="2351493"/>
-              </a:xfrm>
-            </p:grpSpPr>
-            <p:sp>
-              <p:nvSpPr>
-                <p:cNvPr id="10" name="Rectangle 9">
-                  <a:extLst>
-                    <a:ext uri="{FF2B5EF4-FFF2-40B4-BE49-F238E27FC236}">
-                      <a16:creationId xmlns:a16="http://schemas.microsoft.com/office/drawing/2014/main" id="{3EBC4470-554B-F75D-2D65-7F5AE8268FD2}"/>
-                    </a:ext>
-                  </a:extLst>
-                </p:cNvPr>
-                <p:cNvSpPr/>
-                <p:nvPr/>
-              </p:nvSpPr>
-              <p:spPr>
-                <a:xfrm>
-                  <a:off x="1962865" y="4193087"/>
-                  <a:ext cx="1941534" cy="400832"/>
-                </a:xfrm>
-                <a:prstGeom prst="rect">
-                  <a:avLst/>
-                </a:prstGeom>
-                <a:solidFill>
-                  <a:schemeClr val="bg2"/>
-                </a:solidFill>
-              </p:spPr>
-              <p:style>
-                <a:lnRef idx="2">
-                  <a:schemeClr val="accent1">
-                    <a:shade val="15000"/>
-                  </a:schemeClr>
-                </a:lnRef>
-                <a:fillRef idx="1">
-                  <a:schemeClr val="accent1"/>
-                </a:fillRef>
-                <a:effectRef idx="0">
-                  <a:schemeClr val="accent1"/>
-                </a:effectRef>
-                <a:fontRef idx="minor">
-                  <a:schemeClr val="lt1"/>
-                </a:fontRef>
-              </p:style>
-              <p:txBody>
-                <a:bodyPr rtlCol="0" anchor="ctr"/>
-                <a:lstStyle/>
-                <a:p>
-                  <a:pPr algn="ctr"/>
-                  <a:r>
-                    <a:rPr lang="en-GB" dirty="0">
-                      <a:solidFill>
-                        <a:schemeClr val="tx1"/>
-                      </a:solidFill>
-                    </a:rPr>
-                    <a:t>login node</a:t>
-                  </a:r>
-                </a:p>
-              </p:txBody>
-            </p:sp>
-            <p:sp>
-              <p:nvSpPr>
-                <p:cNvPr id="11" name="Rectangle 10">
-                  <a:extLst>
-                    <a:ext uri="{FF2B5EF4-FFF2-40B4-BE49-F238E27FC236}">
-                      <a16:creationId xmlns:a16="http://schemas.microsoft.com/office/drawing/2014/main" id="{BA637643-1698-AA5A-6FF2-C92F013E8261}"/>
-                    </a:ext>
-                  </a:extLst>
-                </p:cNvPr>
-                <p:cNvSpPr/>
-                <p:nvPr/>
-              </p:nvSpPr>
-              <p:spPr>
-                <a:xfrm>
-                  <a:off x="4688110" y="4193086"/>
-                  <a:ext cx="1941534" cy="400832"/>
-                </a:xfrm>
-                <a:prstGeom prst="rect">
-                  <a:avLst/>
-                </a:prstGeom>
-                <a:solidFill>
-                  <a:schemeClr val="bg2"/>
-                </a:solidFill>
-              </p:spPr>
-              <p:style>
-                <a:lnRef idx="2">
-                  <a:schemeClr val="accent1">
-                    <a:shade val="15000"/>
-                  </a:schemeClr>
-                </a:lnRef>
-                <a:fillRef idx="1">
-                  <a:schemeClr val="accent1"/>
-                </a:fillRef>
-                <a:effectRef idx="0">
-                  <a:schemeClr val="accent1"/>
-                </a:effectRef>
-                <a:fontRef idx="minor">
-                  <a:schemeClr val="lt1"/>
-                </a:fontRef>
-              </p:style>
-              <p:txBody>
-                <a:bodyPr rtlCol="0" anchor="ctr"/>
-                <a:lstStyle/>
-                <a:p>
-                  <a:pPr algn="ctr"/>
-                  <a:r>
-                    <a:rPr lang="en-GB" dirty="0">
-                      <a:solidFill>
-                        <a:schemeClr val="tx1"/>
-                      </a:solidFill>
-                    </a:rPr>
-                    <a:t>master node</a:t>
-                  </a:r>
-                </a:p>
-              </p:txBody>
-            </p:sp>
-            <p:grpSp>
-              <p:nvGrpSpPr>
-                <p:cNvPr id="12" name="Group 11">
-                  <a:extLst>
-                    <a:ext uri="{FF2B5EF4-FFF2-40B4-BE49-F238E27FC236}">
-                      <a16:creationId xmlns:a16="http://schemas.microsoft.com/office/drawing/2014/main" id="{EEA2CCE0-257F-577D-1BD8-9552B6AB70F1}"/>
-                    </a:ext>
-                  </a:extLst>
-                </p:cNvPr>
-                <p:cNvGrpSpPr/>
-                <p:nvPr/>
-              </p:nvGrpSpPr>
-              <p:grpSpPr>
-                <a:xfrm>
-                  <a:off x="6914367" y="3204843"/>
-                  <a:ext cx="3617934" cy="2351493"/>
-                  <a:chOff x="6914367" y="3204843"/>
-                  <a:chExt cx="3617934" cy="2351493"/>
-                </a:xfrm>
-              </p:grpSpPr>
-              <p:sp>
-                <p:nvSpPr>
-                  <p:cNvPr id="15" name="Rectangle 14">
-                    <a:extLst>
-                      <a:ext uri="{FF2B5EF4-FFF2-40B4-BE49-F238E27FC236}">
-                        <a16:creationId xmlns:a16="http://schemas.microsoft.com/office/drawing/2014/main" id="{5A03C81C-E92F-A97F-4753-BFAF66396186}"/>
-                      </a:ext>
-                    </a:extLst>
-                  </p:cNvPr>
-                  <p:cNvSpPr/>
-                  <p:nvPr/>
-                </p:nvSpPr>
-                <p:spPr>
-                  <a:xfrm>
-                    <a:off x="6914367" y="3479104"/>
-                    <a:ext cx="1941534" cy="400832"/>
-                  </a:xfrm>
-                  <a:prstGeom prst="rect">
-                    <a:avLst/>
-                  </a:prstGeom>
-                  <a:solidFill>
-                    <a:schemeClr val="bg2"/>
-                  </a:solidFill>
-                </p:spPr>
-                <p:style>
-                  <a:lnRef idx="2">
-                    <a:schemeClr val="accent1">
-                      <a:shade val="15000"/>
-                    </a:schemeClr>
-                  </a:lnRef>
-                  <a:fillRef idx="1">
-                    <a:schemeClr val="accent1"/>
-                  </a:fillRef>
-                  <a:effectRef idx="0">
-                    <a:schemeClr val="accent1"/>
-                  </a:effectRef>
-                  <a:fontRef idx="minor">
-                    <a:schemeClr val="lt1"/>
-                  </a:fontRef>
-                </p:style>
-                <p:txBody>
-                  <a:bodyPr rtlCol="0" anchor="ctr"/>
-                  <a:lstStyle/>
-                  <a:p>
-                    <a:pPr algn="ctr"/>
-                    <a:endParaRPr lang="en-GB" dirty="0">
-                      <a:solidFill>
-                        <a:schemeClr val="tx1"/>
-                      </a:solidFill>
-                    </a:endParaRPr>
-                  </a:p>
-                </p:txBody>
-              </p:sp>
-              <p:sp>
-                <p:nvSpPr>
-                  <p:cNvPr id="16" name="Rectangle 15">
-                    <a:extLst>
-                      <a:ext uri="{FF2B5EF4-FFF2-40B4-BE49-F238E27FC236}">
-                        <a16:creationId xmlns:a16="http://schemas.microsoft.com/office/drawing/2014/main" id="{7E79A4E9-1BBD-D9D8-EFAD-8F4EC0D7B9A5}"/>
-                      </a:ext>
-                    </a:extLst>
-                  </p:cNvPr>
-                  <p:cNvSpPr/>
-                  <p:nvPr/>
-                </p:nvSpPr>
-                <p:spPr>
-                  <a:xfrm>
-                    <a:off x="7066767" y="3631504"/>
-                    <a:ext cx="1941534" cy="400832"/>
-                  </a:xfrm>
-                  <a:prstGeom prst="rect">
-                    <a:avLst/>
-                  </a:prstGeom>
-                  <a:solidFill>
-                    <a:schemeClr val="bg2"/>
-                  </a:solidFill>
-                </p:spPr>
-                <p:style>
-                  <a:lnRef idx="2">
-                    <a:schemeClr val="accent1">
-                      <a:shade val="15000"/>
-                    </a:schemeClr>
-                  </a:lnRef>
-                  <a:fillRef idx="1">
-                    <a:schemeClr val="accent1"/>
-                  </a:fillRef>
-                  <a:effectRef idx="0">
-                    <a:schemeClr val="accent1"/>
-                  </a:effectRef>
-                  <a:fontRef idx="minor">
-                    <a:schemeClr val="lt1"/>
-                  </a:fontRef>
-                </p:style>
-                <p:txBody>
-                  <a:bodyPr rtlCol="0" anchor="ctr"/>
-                  <a:lstStyle/>
-                  <a:p>
-                    <a:pPr algn="ctr"/>
-                    <a:endParaRPr lang="en-GB" dirty="0">
-                      <a:solidFill>
-                        <a:schemeClr val="tx1"/>
-                      </a:solidFill>
-                    </a:endParaRPr>
-                  </a:p>
-                </p:txBody>
-              </p:sp>
-              <p:sp>
-                <p:nvSpPr>
-                  <p:cNvPr id="17" name="Rectangle 16">
-                    <a:extLst>
-                      <a:ext uri="{FF2B5EF4-FFF2-40B4-BE49-F238E27FC236}">
-                        <a16:creationId xmlns:a16="http://schemas.microsoft.com/office/drawing/2014/main" id="{B5C39566-D568-A93C-E654-4074EAF915FF}"/>
-                      </a:ext>
-                    </a:extLst>
-                  </p:cNvPr>
-                  <p:cNvSpPr/>
-                  <p:nvPr/>
-                </p:nvSpPr>
-                <p:spPr>
-                  <a:xfrm>
-                    <a:off x="7219167" y="3783904"/>
-                    <a:ext cx="1941534" cy="400832"/>
-                  </a:xfrm>
-                  <a:prstGeom prst="rect">
-                    <a:avLst/>
-                  </a:prstGeom>
-                  <a:solidFill>
-                    <a:schemeClr val="bg2"/>
-                  </a:solidFill>
-                </p:spPr>
-                <p:style>
-                  <a:lnRef idx="2">
-                    <a:schemeClr val="accent1">
-                      <a:shade val="15000"/>
-                    </a:schemeClr>
-                  </a:lnRef>
-                  <a:fillRef idx="1">
-                    <a:schemeClr val="accent1"/>
-                  </a:fillRef>
-                  <a:effectRef idx="0">
-                    <a:schemeClr val="accent1"/>
-                  </a:effectRef>
-                  <a:fontRef idx="minor">
-                    <a:schemeClr val="lt1"/>
-                  </a:fontRef>
-                </p:style>
-                <p:txBody>
-                  <a:bodyPr rtlCol="0" anchor="ctr"/>
-                  <a:lstStyle/>
-                  <a:p>
-                    <a:pPr algn="ctr"/>
-                    <a:endParaRPr lang="en-GB" dirty="0">
-                      <a:solidFill>
-                        <a:schemeClr val="tx1"/>
-                      </a:solidFill>
-                    </a:endParaRPr>
-                  </a:p>
-                </p:txBody>
-              </p:sp>
-              <p:sp>
-                <p:nvSpPr>
-                  <p:cNvPr id="18" name="Rectangle 17">
-                    <a:extLst>
-                      <a:ext uri="{FF2B5EF4-FFF2-40B4-BE49-F238E27FC236}">
-                        <a16:creationId xmlns:a16="http://schemas.microsoft.com/office/drawing/2014/main" id="{81EFC4BC-B47E-EDDB-981A-7C291883A21A}"/>
-                      </a:ext>
-                    </a:extLst>
-                  </p:cNvPr>
-                  <p:cNvSpPr/>
-                  <p:nvPr/>
-                </p:nvSpPr>
-                <p:spPr>
-                  <a:xfrm>
-                    <a:off x="7371567" y="3936304"/>
-                    <a:ext cx="1941534" cy="400832"/>
-                  </a:xfrm>
-                  <a:prstGeom prst="rect">
-                    <a:avLst/>
-                  </a:prstGeom>
-                  <a:solidFill>
-                    <a:schemeClr val="bg2"/>
-                  </a:solidFill>
-                </p:spPr>
-                <p:style>
-                  <a:lnRef idx="2">
-                    <a:schemeClr val="accent1">
-                      <a:shade val="15000"/>
-                    </a:schemeClr>
-                  </a:lnRef>
-                  <a:fillRef idx="1">
-                    <a:schemeClr val="accent1"/>
-                  </a:fillRef>
-                  <a:effectRef idx="0">
-                    <a:schemeClr val="accent1"/>
-                  </a:effectRef>
-                  <a:fontRef idx="minor">
-                    <a:schemeClr val="lt1"/>
-                  </a:fontRef>
-                </p:style>
-                <p:txBody>
-                  <a:bodyPr rtlCol="0" anchor="ctr"/>
-                  <a:lstStyle/>
-                  <a:p>
-                    <a:pPr algn="ctr"/>
-                    <a:endParaRPr lang="en-GB" dirty="0">
-                      <a:solidFill>
-                        <a:schemeClr val="tx1"/>
-                      </a:solidFill>
-                    </a:endParaRPr>
-                  </a:p>
-                </p:txBody>
-              </p:sp>
-              <p:sp>
-                <p:nvSpPr>
-                  <p:cNvPr id="19" name="Rectangle 18">
-                    <a:extLst>
-                      <a:ext uri="{FF2B5EF4-FFF2-40B4-BE49-F238E27FC236}">
-                        <a16:creationId xmlns:a16="http://schemas.microsoft.com/office/drawing/2014/main" id="{94347BF7-C38B-34D4-5F4C-33BBF76F7976}"/>
-                      </a:ext>
-                    </a:extLst>
-                  </p:cNvPr>
-                  <p:cNvSpPr/>
-                  <p:nvPr/>
-                </p:nvSpPr>
-                <p:spPr>
-                  <a:xfrm>
-                    <a:off x="7523967" y="4088704"/>
-                    <a:ext cx="1941534" cy="400832"/>
-                  </a:xfrm>
-                  <a:prstGeom prst="rect">
-                    <a:avLst/>
-                  </a:prstGeom>
-                  <a:solidFill>
-                    <a:schemeClr val="bg2"/>
-                  </a:solidFill>
-                </p:spPr>
-                <p:style>
-                  <a:lnRef idx="2">
-                    <a:schemeClr val="accent1">
-                      <a:shade val="15000"/>
-                    </a:schemeClr>
-                  </a:lnRef>
-                  <a:fillRef idx="1">
-                    <a:schemeClr val="accent1"/>
-                  </a:fillRef>
-                  <a:effectRef idx="0">
-                    <a:schemeClr val="accent1"/>
-                  </a:effectRef>
-                  <a:fontRef idx="minor">
-                    <a:schemeClr val="lt1"/>
-                  </a:fontRef>
-                </p:style>
-                <p:txBody>
-                  <a:bodyPr rtlCol="0" anchor="ctr"/>
-                  <a:lstStyle/>
-                  <a:p>
-                    <a:pPr algn="ctr"/>
-                    <a:endParaRPr lang="en-GB" dirty="0">
-                      <a:solidFill>
-                        <a:schemeClr val="tx1"/>
-                      </a:solidFill>
-                    </a:endParaRPr>
-                  </a:p>
-                </p:txBody>
-              </p:sp>
-              <p:sp>
-                <p:nvSpPr>
-                  <p:cNvPr id="20" name="Rectangle 19">
-                    <a:extLst>
-                      <a:ext uri="{FF2B5EF4-FFF2-40B4-BE49-F238E27FC236}">
-                        <a16:creationId xmlns:a16="http://schemas.microsoft.com/office/drawing/2014/main" id="{5052C975-0F5E-1959-48DB-275CA92E1EED}"/>
-                      </a:ext>
-                    </a:extLst>
-                  </p:cNvPr>
-                  <p:cNvSpPr/>
-                  <p:nvPr/>
-                </p:nvSpPr>
-                <p:spPr>
-                  <a:xfrm>
-                    <a:off x="7676367" y="4241104"/>
-                    <a:ext cx="1941534" cy="400832"/>
-                  </a:xfrm>
-                  <a:prstGeom prst="rect">
-                    <a:avLst/>
-                  </a:prstGeom>
-                  <a:solidFill>
-                    <a:schemeClr val="bg2"/>
-                  </a:solidFill>
-                </p:spPr>
-                <p:style>
-                  <a:lnRef idx="2">
-                    <a:schemeClr val="accent1">
-                      <a:shade val="15000"/>
-                    </a:schemeClr>
-                  </a:lnRef>
-                  <a:fillRef idx="1">
-                    <a:schemeClr val="accent1"/>
-                  </a:fillRef>
-                  <a:effectRef idx="0">
-                    <a:schemeClr val="accent1"/>
-                  </a:effectRef>
-                  <a:fontRef idx="minor">
-                    <a:schemeClr val="lt1"/>
-                  </a:fontRef>
-                </p:style>
-                <p:txBody>
-                  <a:bodyPr rtlCol="0" anchor="ctr"/>
-                  <a:lstStyle/>
-                  <a:p>
-                    <a:pPr algn="ctr"/>
-                    <a:endParaRPr lang="en-GB" dirty="0">
-                      <a:solidFill>
-                        <a:schemeClr val="tx1"/>
-                      </a:solidFill>
-                    </a:endParaRPr>
-                  </a:p>
-                </p:txBody>
-              </p:sp>
-              <p:sp>
-                <p:nvSpPr>
-                  <p:cNvPr id="21" name="Rectangle 20">
-                    <a:extLst>
-                      <a:ext uri="{FF2B5EF4-FFF2-40B4-BE49-F238E27FC236}">
-                        <a16:creationId xmlns:a16="http://schemas.microsoft.com/office/drawing/2014/main" id="{BC182B55-C820-5B9F-CC31-87B09FD67708}"/>
-                      </a:ext>
-                    </a:extLst>
-                  </p:cNvPr>
-                  <p:cNvSpPr/>
-                  <p:nvPr/>
-                </p:nvSpPr>
-                <p:spPr>
-                  <a:xfrm>
-                    <a:off x="7828767" y="4393504"/>
-                    <a:ext cx="1941534" cy="400832"/>
-                  </a:xfrm>
-                  <a:prstGeom prst="rect">
-                    <a:avLst/>
-                  </a:prstGeom>
-                  <a:solidFill>
-                    <a:schemeClr val="bg2"/>
-                  </a:solidFill>
-                </p:spPr>
-                <p:style>
-                  <a:lnRef idx="2">
-                    <a:schemeClr val="accent1">
-                      <a:shade val="15000"/>
-                    </a:schemeClr>
-                  </a:lnRef>
-                  <a:fillRef idx="1">
-                    <a:schemeClr val="accent1"/>
-                  </a:fillRef>
-                  <a:effectRef idx="0">
-                    <a:schemeClr val="accent1"/>
-                  </a:effectRef>
-                  <a:fontRef idx="minor">
-                    <a:schemeClr val="lt1"/>
-                  </a:fontRef>
-                </p:style>
-                <p:txBody>
-                  <a:bodyPr rtlCol="0" anchor="ctr"/>
-                  <a:lstStyle/>
-                  <a:p>
-                    <a:pPr algn="ctr"/>
-                    <a:endParaRPr lang="en-GB" dirty="0">
-                      <a:solidFill>
-                        <a:schemeClr val="tx1"/>
-                      </a:solidFill>
-                    </a:endParaRPr>
-                  </a:p>
-                </p:txBody>
-              </p:sp>
-              <p:sp>
-                <p:nvSpPr>
-                  <p:cNvPr id="22" name="Rectangle 21">
-                    <a:extLst>
-                      <a:ext uri="{FF2B5EF4-FFF2-40B4-BE49-F238E27FC236}">
-                        <a16:creationId xmlns:a16="http://schemas.microsoft.com/office/drawing/2014/main" id="{19BAFD97-AD2B-EFC1-9BF6-C0ACEDE5122F}"/>
-                      </a:ext>
-                    </a:extLst>
-                  </p:cNvPr>
-                  <p:cNvSpPr/>
-                  <p:nvPr/>
-                </p:nvSpPr>
-                <p:spPr>
-                  <a:xfrm>
-                    <a:off x="7981167" y="4545904"/>
-                    <a:ext cx="1941534" cy="400832"/>
-                  </a:xfrm>
-                  <a:prstGeom prst="rect">
-                    <a:avLst/>
-                  </a:prstGeom>
-                  <a:solidFill>
-                    <a:schemeClr val="bg2"/>
-                  </a:solidFill>
-                </p:spPr>
-                <p:style>
-                  <a:lnRef idx="2">
-                    <a:schemeClr val="accent1">
-                      <a:shade val="15000"/>
-                    </a:schemeClr>
-                  </a:lnRef>
-                  <a:fillRef idx="1">
-                    <a:schemeClr val="accent1"/>
-                  </a:fillRef>
-                  <a:effectRef idx="0">
-                    <a:schemeClr val="accent1"/>
-                  </a:effectRef>
-                  <a:fontRef idx="minor">
-                    <a:schemeClr val="lt1"/>
-                  </a:fontRef>
-                </p:style>
-                <p:txBody>
-                  <a:bodyPr rtlCol="0" anchor="ctr"/>
-                  <a:lstStyle/>
-                  <a:p>
-                    <a:pPr algn="ctr"/>
-                    <a:endParaRPr lang="en-GB" dirty="0">
-                      <a:solidFill>
-                        <a:schemeClr val="tx1"/>
-                      </a:solidFill>
-                    </a:endParaRPr>
-                  </a:p>
-                </p:txBody>
-              </p:sp>
-              <p:sp>
-                <p:nvSpPr>
-                  <p:cNvPr id="23" name="Rectangle 22">
-                    <a:extLst>
-                      <a:ext uri="{FF2B5EF4-FFF2-40B4-BE49-F238E27FC236}">
-                        <a16:creationId xmlns:a16="http://schemas.microsoft.com/office/drawing/2014/main" id="{FA76F9C0-03DF-B287-8495-F21096D6DAAC}"/>
-                      </a:ext>
-                    </a:extLst>
-                  </p:cNvPr>
-                  <p:cNvSpPr/>
-                  <p:nvPr/>
-                </p:nvSpPr>
-                <p:spPr>
-                  <a:xfrm>
-                    <a:off x="8133567" y="4698304"/>
-                    <a:ext cx="1941534" cy="400832"/>
-                  </a:xfrm>
-                  <a:prstGeom prst="rect">
-                    <a:avLst/>
-                  </a:prstGeom>
-                  <a:solidFill>
-                    <a:schemeClr val="bg2"/>
-                  </a:solidFill>
-                </p:spPr>
-                <p:style>
-                  <a:lnRef idx="2">
-                    <a:schemeClr val="accent1">
-                      <a:shade val="15000"/>
-                    </a:schemeClr>
-                  </a:lnRef>
-                  <a:fillRef idx="1">
-                    <a:schemeClr val="accent1"/>
-                  </a:fillRef>
-                  <a:effectRef idx="0">
-                    <a:schemeClr val="accent1"/>
-                  </a:effectRef>
-                  <a:fontRef idx="minor">
-                    <a:schemeClr val="lt1"/>
-                  </a:fontRef>
-                </p:style>
-                <p:txBody>
-                  <a:bodyPr rtlCol="0" anchor="ctr"/>
-                  <a:lstStyle/>
-                  <a:p>
-                    <a:pPr algn="ctr"/>
-                    <a:endParaRPr lang="en-GB" dirty="0">
-                      <a:solidFill>
-                        <a:schemeClr val="tx1"/>
-                      </a:solidFill>
-                    </a:endParaRPr>
-                  </a:p>
-                </p:txBody>
-              </p:sp>
-              <p:sp>
-                <p:nvSpPr>
-                  <p:cNvPr id="24" name="Rectangle 23">
-                    <a:extLst>
-                      <a:ext uri="{FF2B5EF4-FFF2-40B4-BE49-F238E27FC236}">
-                        <a16:creationId xmlns:a16="http://schemas.microsoft.com/office/drawing/2014/main" id="{19752262-ABF1-D8C9-A151-EF7183F01EE4}"/>
-                      </a:ext>
-                    </a:extLst>
-                  </p:cNvPr>
-                  <p:cNvSpPr/>
-                  <p:nvPr/>
-                </p:nvSpPr>
-                <p:spPr>
-                  <a:xfrm>
-                    <a:off x="8285967" y="4850704"/>
-                    <a:ext cx="1941534" cy="400832"/>
-                  </a:xfrm>
-                  <a:prstGeom prst="rect">
-                    <a:avLst/>
-                  </a:prstGeom>
-                  <a:solidFill>
-                    <a:schemeClr val="bg2"/>
-                  </a:solidFill>
-                </p:spPr>
-                <p:style>
-                  <a:lnRef idx="2">
-                    <a:schemeClr val="accent1">
-                      <a:shade val="15000"/>
-                    </a:schemeClr>
-                  </a:lnRef>
-                  <a:fillRef idx="1">
-                    <a:schemeClr val="accent1"/>
-                  </a:fillRef>
-                  <a:effectRef idx="0">
-                    <a:schemeClr val="accent1"/>
-                  </a:effectRef>
-                  <a:fontRef idx="minor">
-                    <a:schemeClr val="lt1"/>
-                  </a:fontRef>
-                </p:style>
-                <p:txBody>
-                  <a:bodyPr rtlCol="0" anchor="ctr"/>
-                  <a:lstStyle/>
-                  <a:p>
-                    <a:pPr algn="ctr"/>
-                    <a:endParaRPr lang="en-GB" dirty="0">
-                      <a:solidFill>
-                        <a:schemeClr val="tx1"/>
-                      </a:solidFill>
-                    </a:endParaRPr>
-                  </a:p>
-                </p:txBody>
-              </p:sp>
-              <p:sp>
-                <p:nvSpPr>
-                  <p:cNvPr id="25" name="Rectangle 24">
-                    <a:extLst>
-                      <a:ext uri="{FF2B5EF4-FFF2-40B4-BE49-F238E27FC236}">
-                        <a16:creationId xmlns:a16="http://schemas.microsoft.com/office/drawing/2014/main" id="{4EA03197-9601-716E-2D66-358EA2114864}"/>
-                      </a:ext>
-                    </a:extLst>
-                  </p:cNvPr>
-                  <p:cNvSpPr/>
-                  <p:nvPr/>
-                </p:nvSpPr>
-                <p:spPr>
-                  <a:xfrm>
-                    <a:off x="8438367" y="5003104"/>
-                    <a:ext cx="1941534" cy="400832"/>
-                  </a:xfrm>
-                  <a:prstGeom prst="rect">
-                    <a:avLst/>
-                  </a:prstGeom>
-                  <a:solidFill>
-                    <a:schemeClr val="bg2"/>
-                  </a:solidFill>
-                </p:spPr>
-                <p:style>
-                  <a:lnRef idx="2">
-                    <a:schemeClr val="accent1">
-                      <a:shade val="15000"/>
-                    </a:schemeClr>
-                  </a:lnRef>
-                  <a:fillRef idx="1">
-                    <a:schemeClr val="accent1"/>
-                  </a:fillRef>
-                  <a:effectRef idx="0">
-                    <a:schemeClr val="accent1"/>
-                  </a:effectRef>
-                  <a:fontRef idx="minor">
-                    <a:schemeClr val="lt1"/>
-                  </a:fontRef>
-                </p:style>
-                <p:txBody>
-                  <a:bodyPr rtlCol="0" anchor="ctr"/>
-                  <a:lstStyle/>
-                  <a:p>
-                    <a:pPr algn="ctr"/>
-                    <a:endParaRPr lang="en-GB" dirty="0">
-                      <a:solidFill>
-                        <a:schemeClr val="tx1"/>
-                      </a:solidFill>
-                    </a:endParaRPr>
-                  </a:p>
-                </p:txBody>
-              </p:sp>
-              <p:sp>
-                <p:nvSpPr>
-                  <p:cNvPr id="26" name="Rectangle 25">
-                    <a:extLst>
-                      <a:ext uri="{FF2B5EF4-FFF2-40B4-BE49-F238E27FC236}">
-                        <a16:creationId xmlns:a16="http://schemas.microsoft.com/office/drawing/2014/main" id="{94C20EC6-B45A-C0C9-A9FF-BFECB6035282}"/>
-                      </a:ext>
-                    </a:extLst>
-                  </p:cNvPr>
-                  <p:cNvSpPr/>
-                  <p:nvPr/>
-                </p:nvSpPr>
-                <p:spPr>
-                  <a:xfrm>
-                    <a:off x="8590767" y="5155504"/>
-                    <a:ext cx="1941534" cy="400832"/>
-                  </a:xfrm>
-                  <a:prstGeom prst="rect">
-                    <a:avLst/>
-                  </a:prstGeom>
-                  <a:solidFill>
-                    <a:schemeClr val="bg2"/>
-                  </a:solidFill>
-                </p:spPr>
-                <p:style>
-                  <a:lnRef idx="2">
-                    <a:schemeClr val="accent1">
-                      <a:shade val="15000"/>
-                    </a:schemeClr>
-                  </a:lnRef>
-                  <a:fillRef idx="1">
-                    <a:schemeClr val="accent1"/>
-                  </a:fillRef>
-                  <a:effectRef idx="0">
-                    <a:schemeClr val="accent1"/>
-                  </a:effectRef>
-                  <a:fontRef idx="minor">
-                    <a:schemeClr val="lt1"/>
-                  </a:fontRef>
-                </p:style>
-                <p:txBody>
-                  <a:bodyPr rtlCol="0" anchor="ctr"/>
-                  <a:lstStyle/>
-                  <a:p>
-                    <a:pPr algn="ctr"/>
-                    <a:r>
-                      <a:rPr lang="en-GB" dirty="0">
-                        <a:solidFill>
-                          <a:schemeClr val="tx1"/>
-                        </a:solidFill>
-                      </a:rPr>
-                      <a:t>compute nodes</a:t>
-                    </a:r>
-                  </a:p>
-                </p:txBody>
-              </p:sp>
-              <p:sp>
-                <p:nvSpPr>
-                  <p:cNvPr id="27" name="Left-right Arrow 26">
-                    <a:extLst>
-                      <a:ext uri="{FF2B5EF4-FFF2-40B4-BE49-F238E27FC236}">
-                        <a16:creationId xmlns:a16="http://schemas.microsoft.com/office/drawing/2014/main" id="{C11C42DC-4036-DC63-83A7-199C6F5D685F}"/>
-                      </a:ext>
-                    </a:extLst>
-                  </p:cNvPr>
-                  <p:cNvSpPr/>
-                  <p:nvPr/>
-                </p:nvSpPr>
-                <p:spPr>
-                  <a:xfrm rot="2700000">
-                    <a:off x="7609440" y="3960366"/>
-                    <a:ext cx="2232000" cy="720953"/>
-                  </a:xfrm>
-                  <a:prstGeom prst="leftRightArrow">
-                    <a:avLst/>
-                  </a:prstGeom>
-                  <a:ln>
-                    <a:noFill/>
-                  </a:ln>
-                </p:spPr>
-                <p:style>
-                  <a:lnRef idx="2">
-                    <a:schemeClr val="accent1">
-                      <a:shade val="15000"/>
-                    </a:schemeClr>
-                  </a:lnRef>
-                  <a:fillRef idx="1">
-                    <a:schemeClr val="accent1"/>
-                  </a:fillRef>
-                  <a:effectRef idx="0">
-                    <a:schemeClr val="accent1"/>
-                  </a:effectRef>
-                  <a:fontRef idx="minor">
-                    <a:schemeClr val="lt1"/>
-                  </a:fontRef>
-                </p:style>
-                <p:txBody>
-                  <a:bodyPr rtlCol="0" anchor="ctr"/>
-                  <a:lstStyle/>
-                  <a:p>
-                    <a:pPr algn="ctr"/>
-                    <a:r>
-                      <a:rPr lang="en-GB" dirty="0"/>
-                      <a:t>interconnect</a:t>
-                    </a:r>
-                  </a:p>
-                </p:txBody>
-              </p:sp>
-            </p:grpSp>
-            <p:cxnSp>
-              <p:nvCxnSpPr>
-                <p:cNvPr id="13" name="Elbow Connector 12">
-                  <a:extLst>
-                    <a:ext uri="{FF2B5EF4-FFF2-40B4-BE49-F238E27FC236}">
-                      <a16:creationId xmlns:a16="http://schemas.microsoft.com/office/drawing/2014/main" id="{2188ABE5-AA6C-804A-A038-09045741CB76}"/>
-                    </a:ext>
-                  </a:extLst>
-                </p:cNvPr>
-                <p:cNvCxnSpPr>
-                  <a:cxnSpLocks/>
-                  <a:stCxn id="10" idx="2"/>
-                </p:cNvCxnSpPr>
-                <p:nvPr/>
-              </p:nvCxnSpPr>
-              <p:spPr>
-                <a:xfrm rot="5400000" flipH="1" flipV="1">
-                  <a:off x="5582552" y="1585706"/>
-                  <a:ext cx="359292" cy="5657133"/>
-                </a:xfrm>
-                <a:prstGeom prst="bentConnector4">
-                  <a:avLst>
-                    <a:gd name="adj1" fmla="val -112434"/>
-                    <a:gd name="adj2" fmla="val 72751"/>
-                  </a:avLst>
-                </a:prstGeom>
-                <a:ln w="50800">
-                  <a:headEnd type="triangle" w="lg" len="lg"/>
-                  <a:tailEnd type="none" w="lg" len="lg"/>
-                </a:ln>
-              </p:spPr>
-              <p:style>
-                <a:lnRef idx="1">
-                  <a:schemeClr val="accent1"/>
-                </a:lnRef>
-                <a:fillRef idx="0">
-                  <a:schemeClr val="accent1"/>
-                </a:fillRef>
-                <a:effectRef idx="0">
-                  <a:schemeClr val="accent1"/>
-                </a:effectRef>
-                <a:fontRef idx="minor">
-                  <a:schemeClr val="tx1"/>
-                </a:fontRef>
-              </p:style>
-            </p:cxnSp>
-            <p:cxnSp>
-              <p:nvCxnSpPr>
-                <p:cNvPr id="14" name="Elbow Connector 13">
-                  <a:extLst>
-                    <a:ext uri="{FF2B5EF4-FFF2-40B4-BE49-F238E27FC236}">
-                      <a16:creationId xmlns:a16="http://schemas.microsoft.com/office/drawing/2014/main" id="{AB6D5349-0A19-CB2C-8D89-3621C25A49CD}"/>
-                    </a:ext>
-                  </a:extLst>
-                </p:cNvPr>
-                <p:cNvCxnSpPr>
-                  <a:cxnSpLocks/>
-                  <a:endCxn id="11" idx="2"/>
-                </p:cNvCxnSpPr>
-                <p:nvPr/>
-              </p:nvCxnSpPr>
-              <p:spPr>
-                <a:xfrm rot="5400000" flipH="1" flipV="1">
-                  <a:off x="5467227" y="4798268"/>
-                  <a:ext cx="396000" cy="0"/>
-                </a:xfrm>
-                <a:prstGeom prst="bentConnector3">
-                  <a:avLst>
-                    <a:gd name="adj1" fmla="val 50000"/>
-                  </a:avLst>
-                </a:prstGeom>
-                <a:ln w="50800">
-                  <a:headEnd type="none" w="lg" len="lg"/>
-                  <a:tailEnd type="triangle" w="lg" len="lg"/>
-                </a:ln>
-              </p:spPr>
-              <p:style>
-                <a:lnRef idx="1">
-                  <a:schemeClr val="accent1"/>
-                </a:lnRef>
-                <a:fillRef idx="0">
-                  <a:schemeClr val="accent1"/>
-                </a:fillRef>
-                <a:effectRef idx="0">
-                  <a:schemeClr val="accent1"/>
-                </a:effectRef>
-                <a:fontRef idx="minor">
-                  <a:schemeClr val="tx1"/>
-                </a:fontRef>
-              </p:style>
-            </p:cxnSp>
-          </p:grpSp>
-        </p:grpSp>
-        <p:cxnSp>
-          <p:nvCxnSpPr>
-            <p:cNvPr id="6" name="Elbow Connector 5">
-              <a:extLst>
-                <a:ext uri="{FF2B5EF4-FFF2-40B4-BE49-F238E27FC236}">
-                  <a16:creationId xmlns:a16="http://schemas.microsoft.com/office/drawing/2014/main" id="{63342EA5-2396-4D71-C850-C82CC7536BFE}"/>
-                </a:ext>
-              </a:extLst>
-            </p:cNvPr>
-            <p:cNvCxnSpPr>
-              <a:cxnSpLocks/>
-              <a:stCxn id="4" idx="2"/>
-              <a:endCxn id="10" idx="0"/>
-            </p:cNvCxnSpPr>
-            <p:nvPr/>
-          </p:nvCxnSpPr>
-          <p:spPr>
-            <a:xfrm rot="5400000">
-              <a:off x="2950251" y="2981277"/>
-              <a:ext cx="1984330" cy="1215903"/>
-            </a:xfrm>
-            <a:prstGeom prst="bentConnector3">
-              <a:avLst>
-                <a:gd name="adj1" fmla="val 24119"/>
-              </a:avLst>
-            </a:prstGeom>
-            <a:ln w="50800">
-              <a:solidFill>
-                <a:schemeClr val="accent6"/>
-              </a:solidFill>
-              <a:headEnd type="triangle" w="lg" len="lg"/>
-              <a:tailEnd type="triangle" w="lg" len="lg"/>
-            </a:ln>
-          </p:spPr>
-          <p:style>
-            <a:lnRef idx="1">
-              <a:schemeClr val="accent1"/>
-            </a:lnRef>
-            <a:fillRef idx="0">
-              <a:schemeClr val="accent1"/>
-            </a:fillRef>
-            <a:effectRef idx="0">
-              <a:schemeClr val="accent1"/>
-            </a:effectRef>
-            <a:fontRef idx="minor">
-              <a:schemeClr val="tx1"/>
-            </a:fontRef>
-          </p:style>
-        </p:cxnSp>
-        <p:sp>
-          <p:nvSpPr>
-            <p:cNvPr id="7" name="Rectangle 6">
-              <a:extLst>
-                <a:ext uri="{FF2B5EF4-FFF2-40B4-BE49-F238E27FC236}">
-                  <a16:creationId xmlns:a16="http://schemas.microsoft.com/office/drawing/2014/main" id="{3A70CDCA-B15E-BC9F-B9F5-AEDAFC2F8768}"/>
-                </a:ext>
-              </a:extLst>
-            </p:cNvPr>
-            <p:cNvSpPr/>
-            <p:nvPr/>
-          </p:nvSpPr>
-          <p:spPr>
-            <a:xfrm>
-              <a:off x="3309409" y="3020880"/>
-              <a:ext cx="1260000" cy="252000"/>
-            </a:xfrm>
-            <a:prstGeom prst="rect">
-              <a:avLst/>
-            </a:prstGeom>
-            <a:solidFill>
-              <a:schemeClr val="accent6"/>
-            </a:solidFill>
-            <a:ln>
-              <a:noFill/>
-            </a:ln>
-          </p:spPr>
-          <p:style>
-            <a:lnRef idx="2">
-              <a:schemeClr val="accent1">
-                <a:shade val="15000"/>
-              </a:schemeClr>
-            </a:lnRef>
-            <a:fillRef idx="1">
-              <a:schemeClr val="accent1"/>
-            </a:fillRef>
-            <a:effectRef idx="0">
-              <a:schemeClr val="accent1"/>
-            </a:effectRef>
-            <a:fontRef idx="minor">
-              <a:schemeClr val="lt1"/>
-            </a:fontRef>
-          </p:style>
-          <p:txBody>
-            <a:bodyPr rtlCol="0" anchor="ctr"/>
-            <a:lstStyle/>
-            <a:p>
-              <a:pPr algn="ctr"/>
-              <a:r>
-                <a:rPr lang="en-GB" dirty="0"/>
-                <a:t>internet</a:t>
-              </a:r>
-            </a:p>
-          </p:txBody>
-        </p:sp>
-      </p:grpSp>
-    </p:spTree>
-    <p:extLst>
-      <p:ext uri="{BB962C8B-B14F-4D97-AF65-F5344CB8AC3E}">
-        <p14:creationId xmlns:p14="http://schemas.microsoft.com/office/powerpoint/2010/main" val="532717925"/>
-      </p:ext>
-    </p:extLst>
-  </p:cSld>
-  <p:clrMapOvr>
-    <a:masterClrMapping/>
-  </p:clrMapOvr>
-</p:sld>
-</file>
-
-<file path=ppt/slides/slide3.xml><?xml version="1.0" encoding="utf-8"?>
-<p:sld xmlns:a="http://schemas.openxmlformats.org/drawingml/2006/main" xmlns:r="http://schemas.openxmlformats.org/officeDocument/2006/relationships" xmlns:p="http://schemas.openxmlformats.org/presentationml/2006/main">
-  <p:cSld>
-    <p:spTree>
-      <p:nvGrpSpPr>
-        <p:cNvPr id="1" name=""/>
-        <p:cNvGrpSpPr/>
-        <p:nvPr/>
-      </p:nvGrpSpPr>
-      <p:grpSpPr>
-        <a:xfrm>
-          <a:off x="0" y="0"/>
-          <a:ext cx="0" cy="0"/>
-          <a:chOff x="0" y="0"/>
-          <a:chExt cx="0" cy="0"/>
-        </a:xfrm>
-      </p:grpSpPr>
       <p:pic>
         <p:nvPicPr>
           <p:cNvPr id="2" name="Picture 1">
@@ -21328,7 +16302,7 @@
 </p:sld>
 </file>
 
-<file path=ppt/slides/slide4.xml><?xml version="1.0" encoding="utf-8"?>
+<file path=ppt/slides/slide3.xml><?xml version="1.0" encoding="utf-8"?>
 <p:sld xmlns:a="http://schemas.openxmlformats.org/drawingml/2006/main" xmlns:r="http://schemas.openxmlformats.org/officeDocument/2006/relationships" xmlns:p="http://schemas.openxmlformats.org/presentationml/2006/main">
   <p:cSld>
     <p:spTree>
@@ -23277,7 +18251,7 @@
 </p:sld>
 </file>
 
-<file path=ppt/slides/slide5.xml><?xml version="1.0" encoding="utf-8"?>
+<file path=ppt/slides/slide4.xml><?xml version="1.0" encoding="utf-8"?>
 <p:sld xmlns:a="http://schemas.openxmlformats.org/drawingml/2006/main" xmlns:r="http://schemas.openxmlformats.org/officeDocument/2006/relationships" xmlns:p="http://schemas.openxmlformats.org/presentationml/2006/main">
   <p:cSld>
     <p:spTree>
@@ -23363,7 +18337,7 @@
               <a:effectLst/>
               <a:extLst>
                 <a:ext uri="{AF507438-7753-43e0-B8FC-AC1667EBCBE1}">
-                  <a14:hiddenEffects xmlns:a14="http://schemas.microsoft.com/office/drawing/2010/main" xmlns="">
+                  <a14:hiddenEffects xmlns="" xmlns:a14="http://schemas.microsoft.com/office/drawing/2010/main">
                     <a:effectLst>
                       <a:outerShdw blurRad="63500" dist="38099" dir="2700000" algn="ctr" rotWithShape="0">
                         <a:schemeClr val="bg2">
@@ -23405,7 +18379,7 @@
               <a:effectLst/>
               <a:extLst>
                 <a:ext uri="{AF507438-7753-43e0-B8FC-AC1667EBCBE1}">
-                  <a14:hiddenEffects xmlns:a14="http://schemas.microsoft.com/office/drawing/2010/main" xmlns="">
+                  <a14:hiddenEffects xmlns="" xmlns:a14="http://schemas.microsoft.com/office/drawing/2010/main">
                     <a:effectLst>
                       <a:outerShdw blurRad="63500" dist="38099" dir="2700000" algn="ctr" rotWithShape="0">
                         <a:schemeClr val="bg2">
@@ -23447,7 +18421,7 @@
               <a:effectLst/>
               <a:extLst>
                 <a:ext uri="{AF507438-7753-43e0-B8FC-AC1667EBCBE1}">
-                  <a14:hiddenEffects xmlns:a14="http://schemas.microsoft.com/office/drawing/2010/main" xmlns="">
+                  <a14:hiddenEffects xmlns="" xmlns:a14="http://schemas.microsoft.com/office/drawing/2010/main">
                     <a:effectLst>
                       <a:outerShdw blurRad="63500" dist="38099" dir="2700000" algn="ctr" rotWithShape="0">
                         <a:schemeClr val="bg2">
@@ -23489,7 +18463,7 @@
               <a:effectLst/>
               <a:extLst>
                 <a:ext uri="{AF507438-7753-43e0-B8FC-AC1667EBCBE1}">
-                  <a14:hiddenEffects xmlns:a14="http://schemas.microsoft.com/office/drawing/2010/main" xmlns="">
+                  <a14:hiddenEffects xmlns="" xmlns:a14="http://schemas.microsoft.com/office/drawing/2010/main">
                     <a:effectLst>
                       <a:outerShdw blurRad="63500" dist="38099" dir="2700000" algn="ctr" rotWithShape="0">
                         <a:schemeClr val="bg2">
@@ -23856,7 +18830,7 @@
               <a:effectLst/>
               <a:extLst>
                 <a:ext uri="{AF507438-7753-43e0-B8FC-AC1667EBCBE1}">
-                  <a14:hiddenEffects xmlns:a14="http://schemas.microsoft.com/office/drawing/2010/main" xmlns="">
+                  <a14:hiddenEffects xmlns="" xmlns:a14="http://schemas.microsoft.com/office/drawing/2010/main">
                     <a:effectLst>
                       <a:outerShdw blurRad="63500" dist="38099" dir="2700000" algn="ctr" rotWithShape="0">
                         <a:schemeClr val="bg2">
@@ -24244,7 +19218,7 @@
 </p:sld>
 </file>
 
-<file path=ppt/slides/slide6.xml><?xml version="1.0" encoding="utf-8"?>
+<file path=ppt/slides/slide5.xml><?xml version="1.0" encoding="utf-8"?>
 <p:sld xmlns:a="http://schemas.openxmlformats.org/drawingml/2006/main" xmlns:r="http://schemas.openxmlformats.org/officeDocument/2006/relationships" xmlns:p="http://schemas.openxmlformats.org/presentationml/2006/main">
   <p:cSld>
     <p:spTree>
@@ -24375,7 +19349,7 @@
 </p:sld>
 </file>
 
-<file path=ppt/slides/slide7.xml><?xml version="1.0" encoding="utf-8"?>
+<file path=ppt/slides/slide6.xml><?xml version="1.0" encoding="utf-8"?>
 <p:sld xmlns:a="http://schemas.openxmlformats.org/drawingml/2006/main" xmlns:r="http://schemas.openxmlformats.org/officeDocument/2006/relationships" xmlns:p="http://schemas.openxmlformats.org/presentationml/2006/main">
   <p:cSld>
     <p:spTree>
@@ -26640,14 +21614,14 @@
           <a:effectLst/>
           <a:extLst>
             <a:ext uri="{909E8E84-426E-40dd-AFC4-6F175D3DCCD1}">
-              <a14:hiddenFill xmlns:a14="http://schemas.microsoft.com/office/drawing/2010/main" xmlns="">
+              <a14:hiddenFill xmlns="" xmlns:a14="http://schemas.microsoft.com/office/drawing/2010/main">
                 <a:solidFill>
                   <a:schemeClr val="accent1"/>
                 </a:solidFill>
               </a14:hiddenFill>
             </a:ext>
             <a:ext uri="{91240B29-F687-4f45-9708-019B960494DF}">
-              <a14:hiddenLine xmlns:a14="http://schemas.microsoft.com/office/drawing/2010/main" xmlns="" w="9525">
+              <a14:hiddenLine xmlns="" xmlns:a14="http://schemas.microsoft.com/office/drawing/2010/main" w="9525">
                 <a:solidFill>
                   <a:schemeClr val="tx1"/>
                 </a:solidFill>
@@ -26657,7 +21631,7 @@
               </a14:hiddenLine>
             </a:ext>
             <a:ext uri="{AF507438-7753-43e0-B8FC-AC1667EBCBE1}">
-              <a14:hiddenEffects xmlns:a14="http://schemas.microsoft.com/office/drawing/2010/main" xmlns="">
+              <a14:hiddenEffects xmlns="" xmlns:a14="http://schemas.microsoft.com/office/drawing/2010/main">
                 <a:effectLst>
                   <a:outerShdw blurRad="63500" dist="38099" dir="2700000" algn="ctr" rotWithShape="0">
                     <a:schemeClr val="bg2">
@@ -26668,7 +21642,7 @@
               </a14:hiddenEffects>
             </a:ext>
             <a:ext uri="{FAA26D3D-D897-4be2-8F04-BA451C77F1D7}">
-              <ma14:placeholderFlag xmlns:ma14="http://schemas.microsoft.com/office/mac/drawingml/2011/main" xmlns="" val="1"/>
+              <ma14:placeholderFlag xmlns="" xmlns:ma14="http://schemas.microsoft.com/office/mac/drawingml/2011/main" val="1"/>
             </a:ext>
           </a:extLst>
         </p:spPr>
@@ -28385,7 +23359,7 @@
 </p:sld>
 </file>
 
-<file path=ppt/slides/slide8.xml><?xml version="1.0" encoding="utf-8"?>
+<file path=ppt/slides/slide7.xml><?xml version="1.0" encoding="utf-8"?>
 <p:sld xmlns:a="http://schemas.openxmlformats.org/drawingml/2006/main" xmlns:r="http://schemas.openxmlformats.org/officeDocument/2006/relationships" xmlns:p="http://schemas.openxmlformats.org/presentationml/2006/main">
   <p:cSld>
     <p:spTree>
@@ -31688,7 +26662,7 @@
 </p:sld>
 </file>
 
-<file path=ppt/slides/slide9.xml><?xml version="1.0" encoding="utf-8"?>
+<file path=ppt/slides/slide8.xml><?xml version="1.0" encoding="utf-8"?>
 <p:sld xmlns:a="http://schemas.openxmlformats.org/drawingml/2006/main" xmlns:r="http://schemas.openxmlformats.org/officeDocument/2006/relationships" xmlns:p="http://schemas.openxmlformats.org/presentationml/2006/main">
   <p:cSld>
     <p:spTree>
@@ -35212,6 +30186,3752 @@
     <p:extLst>
       <p:ext uri="{BB962C8B-B14F-4D97-AF65-F5344CB8AC3E}">
         <p14:creationId xmlns:p14="http://schemas.microsoft.com/office/powerpoint/2010/main" val="322384735"/>
+      </p:ext>
+    </p:extLst>
+  </p:cSld>
+  <p:clrMapOvr>
+    <a:masterClrMapping/>
+  </p:clrMapOvr>
+</p:sld>
+</file>
+
+<file path=ppt/slides/slide9.xml><?xml version="1.0" encoding="utf-8"?>
+<p:sld xmlns:a="http://schemas.openxmlformats.org/drawingml/2006/main" xmlns:r="http://schemas.openxmlformats.org/officeDocument/2006/relationships" xmlns:p="http://schemas.openxmlformats.org/presentationml/2006/main">
+  <p:cSld>
+    <p:spTree>
+      <p:nvGrpSpPr>
+        <p:cNvPr id="1" name=""/>
+        <p:cNvGrpSpPr/>
+        <p:nvPr/>
+      </p:nvGrpSpPr>
+      <p:grpSpPr>
+        <a:xfrm>
+          <a:off x="0" y="0"/>
+          <a:ext cx="0" cy="0"/>
+          <a:chOff x="0" y="0"/>
+          <a:chExt cx="0" cy="0"/>
+        </a:xfrm>
+      </p:grpSpPr>
+      <p:graphicFrame>
+        <p:nvGraphicFramePr>
+          <p:cNvPr id="6" name="Content Placeholder 5"/>
+          <p:cNvGraphicFramePr>
+            <a:graphicFrameLocks noGrp="1"/>
+          </p:cNvGraphicFramePr>
+          <p:nvPr>
+            <p:ph idx="1"/>
+            <p:extLst>
+              <p:ext uri="{D42A27DB-BD31-4B8C-83A1-F6EECF244321}">
+                <p14:modId xmlns:p14="http://schemas.microsoft.com/office/powerpoint/2010/main" val="3802349619"/>
+              </p:ext>
+            </p:extLst>
+          </p:nvPr>
+        </p:nvGraphicFramePr>
+        <p:xfrm>
+          <a:off x="2639617" y="1556792"/>
+          <a:ext cx="7200795" cy="5147360"/>
+        </p:xfrm>
+        <a:graphic>
+          <a:graphicData uri="http://schemas.openxmlformats.org/drawingml/2006/table">
+            <a:tbl>
+              <a:tblPr firstRow="1" bandRow="1">
+                <a:tableStyleId>{46F890A9-2807-4EBB-B81D-B2AA78EC7F39}</a:tableStyleId>
+              </a:tblPr>
+              <a:tblGrid>
+                <a:gridCol w="621069">
+                  <a:extLst>
+                    <a:ext uri="{9D8B030D-6E8A-4147-A177-3AD203B41FA5}">
+                      <a16:colId xmlns:a16="http://schemas.microsoft.com/office/drawing/2014/main" val="20000"/>
+                    </a:ext>
+                  </a:extLst>
+                </a:gridCol>
+                <a:gridCol w="621069">
+                  <a:extLst>
+                    <a:ext uri="{9D8B030D-6E8A-4147-A177-3AD203B41FA5}">
+                      <a16:colId xmlns:a16="http://schemas.microsoft.com/office/drawing/2014/main" val="20001"/>
+                    </a:ext>
+                  </a:extLst>
+                </a:gridCol>
+                <a:gridCol w="621069">
+                  <a:extLst>
+                    <a:ext uri="{9D8B030D-6E8A-4147-A177-3AD203B41FA5}">
+                      <a16:colId xmlns:a16="http://schemas.microsoft.com/office/drawing/2014/main" val="20002"/>
+                    </a:ext>
+                  </a:extLst>
+                </a:gridCol>
+                <a:gridCol w="621069">
+                  <a:extLst>
+                    <a:ext uri="{9D8B030D-6E8A-4147-A177-3AD203B41FA5}">
+                      <a16:colId xmlns:a16="http://schemas.microsoft.com/office/drawing/2014/main" val="20003"/>
+                    </a:ext>
+                  </a:extLst>
+                </a:gridCol>
+                <a:gridCol w="621069">
+                  <a:extLst>
+                    <a:ext uri="{9D8B030D-6E8A-4147-A177-3AD203B41FA5}">
+                      <a16:colId xmlns:a16="http://schemas.microsoft.com/office/drawing/2014/main" val="20004"/>
+                    </a:ext>
+                  </a:extLst>
+                </a:gridCol>
+                <a:gridCol w="621069">
+                  <a:extLst>
+                    <a:ext uri="{9D8B030D-6E8A-4147-A177-3AD203B41FA5}">
+                      <a16:colId xmlns:a16="http://schemas.microsoft.com/office/drawing/2014/main" val="20005"/>
+                    </a:ext>
+                  </a:extLst>
+                </a:gridCol>
+                <a:gridCol w="621069">
+                  <a:extLst>
+                    <a:ext uri="{9D8B030D-6E8A-4147-A177-3AD203B41FA5}">
+                      <a16:colId xmlns:a16="http://schemas.microsoft.com/office/drawing/2014/main" val="20006"/>
+                    </a:ext>
+                  </a:extLst>
+                </a:gridCol>
+                <a:gridCol w="621069">
+                  <a:extLst>
+                    <a:ext uri="{9D8B030D-6E8A-4147-A177-3AD203B41FA5}">
+                      <a16:colId xmlns:a16="http://schemas.microsoft.com/office/drawing/2014/main" val="20007"/>
+                    </a:ext>
+                  </a:extLst>
+                </a:gridCol>
+                <a:gridCol w="2232243">
+                  <a:extLst>
+                    <a:ext uri="{9D8B030D-6E8A-4147-A177-3AD203B41FA5}">
+                      <a16:colId xmlns:a16="http://schemas.microsoft.com/office/drawing/2014/main" val="20008"/>
+                    </a:ext>
+                  </a:extLst>
+                </a:gridCol>
+              </a:tblGrid>
+              <a:tr h="369100">
+                <a:tc>
+                  <a:txBody>
+                    <a:bodyPr/>
+                    <a:lstStyle/>
+                    <a:p>
+                      <a:pPr algn="ctr"/>
+                      <a:r>
+                        <a:rPr lang="en-US" b="0" i="1" dirty="0" err="1">
+                          <a:solidFill>
+                            <a:srgbClr val="003D62"/>
+                          </a:solidFill>
+                        </a:rPr>
+                        <a:t>E</a:t>
+                      </a:r>
+                      <a:r>
+                        <a:rPr lang="en-US" b="0" i="1" baseline="-25000" dirty="0" err="1">
+                          <a:solidFill>
+                            <a:srgbClr val="003D62"/>
+                          </a:solidFill>
+                        </a:rPr>
+                        <a:t>ij</a:t>
+                      </a:r>
+                      <a:endParaRPr lang="en-US" b="0" i="1" baseline="-25000" dirty="0">
+                        <a:solidFill>
+                          <a:srgbClr val="003D62"/>
+                        </a:solidFill>
+                      </a:endParaRPr>
+                    </a:p>
+                  </a:txBody>
+                  <a:tcPr>
+                    <a:noFill/>
+                  </a:tcPr>
+                </a:tc>
+                <a:tc>
+                  <a:txBody>
+                    <a:bodyPr/>
+                    <a:lstStyle/>
+                    <a:p>
+                      <a:pPr algn="ctr"/>
+                      <a:r>
+                        <a:rPr lang="en-US" b="0" dirty="0">
+                          <a:solidFill>
+                            <a:srgbClr val="003D62"/>
+                          </a:solidFill>
+                        </a:rPr>
+                        <a:t>0</a:t>
+                      </a:r>
+                    </a:p>
+                  </a:txBody>
+                  <a:tcPr>
+                    <a:noFill/>
+                  </a:tcPr>
+                </a:tc>
+                <a:tc>
+                  <a:txBody>
+                    <a:bodyPr/>
+                    <a:lstStyle/>
+                    <a:p>
+                      <a:pPr algn="ctr"/>
+                      <a:r>
+                        <a:rPr lang="en-US" b="0" dirty="0">
+                          <a:solidFill>
+                            <a:srgbClr val="003D62"/>
+                          </a:solidFill>
+                        </a:rPr>
+                        <a:t>1</a:t>
+                      </a:r>
+                    </a:p>
+                  </a:txBody>
+                  <a:tcPr>
+                    <a:noFill/>
+                  </a:tcPr>
+                </a:tc>
+                <a:tc>
+                  <a:txBody>
+                    <a:bodyPr/>
+                    <a:lstStyle/>
+                    <a:p>
+                      <a:pPr algn="ctr"/>
+                      <a:r>
+                        <a:rPr lang="en-US" b="0" dirty="0">
+                          <a:solidFill>
+                            <a:srgbClr val="003D62"/>
+                          </a:solidFill>
+                        </a:rPr>
+                        <a:t>2</a:t>
+                      </a:r>
+                    </a:p>
+                  </a:txBody>
+                  <a:tcPr>
+                    <a:noFill/>
+                  </a:tcPr>
+                </a:tc>
+                <a:tc>
+                  <a:txBody>
+                    <a:bodyPr/>
+                    <a:lstStyle/>
+                    <a:p>
+                      <a:pPr algn="ctr"/>
+                      <a:r>
+                        <a:rPr lang="en-US" b="0" dirty="0">
+                          <a:solidFill>
+                            <a:srgbClr val="003D62"/>
+                          </a:solidFill>
+                        </a:rPr>
+                        <a:t>3</a:t>
+                      </a:r>
+                    </a:p>
+                  </a:txBody>
+                  <a:tcPr>
+                    <a:noFill/>
+                  </a:tcPr>
+                </a:tc>
+                <a:tc>
+                  <a:txBody>
+                    <a:bodyPr/>
+                    <a:lstStyle/>
+                    <a:p>
+                      <a:pPr algn="ctr"/>
+                      <a:r>
+                        <a:rPr lang="en-US" b="0" dirty="0">
+                          <a:solidFill>
+                            <a:srgbClr val="003D62"/>
+                          </a:solidFill>
+                        </a:rPr>
+                        <a:t>4</a:t>
+                      </a:r>
+                    </a:p>
+                  </a:txBody>
+                  <a:tcPr>
+                    <a:noFill/>
+                  </a:tcPr>
+                </a:tc>
+                <a:tc>
+                  <a:txBody>
+                    <a:bodyPr/>
+                    <a:lstStyle/>
+                    <a:p>
+                      <a:pPr algn="ctr"/>
+                      <a:r>
+                        <a:rPr lang="en-US" b="0" dirty="0">
+                          <a:solidFill>
+                            <a:srgbClr val="003D62"/>
+                          </a:solidFill>
+                        </a:rPr>
+                        <a:t>5</a:t>
+                      </a:r>
+                    </a:p>
+                  </a:txBody>
+                  <a:tcPr>
+                    <a:noFill/>
+                  </a:tcPr>
+                </a:tc>
+                <a:tc>
+                  <a:txBody>
+                    <a:bodyPr/>
+                    <a:lstStyle/>
+                    <a:p>
+                      <a:pPr algn="ctr"/>
+                      <a:r>
+                        <a:rPr lang="en-US" b="0" dirty="0">
+                          <a:solidFill>
+                            <a:srgbClr val="003D62"/>
+                          </a:solidFill>
+                        </a:rPr>
+                        <a:t>6</a:t>
+                      </a:r>
+                    </a:p>
+                  </a:txBody>
+                  <a:tcPr>
+                    <a:noFill/>
+                  </a:tcPr>
+                </a:tc>
+                <a:tc>
+                  <a:txBody>
+                    <a:bodyPr/>
+                    <a:lstStyle/>
+                    <a:p>
+                      <a:pPr algn="ctr"/>
+                      <a:r>
+                        <a:rPr lang="en-US" b="0" i="1" dirty="0" err="1">
+                          <a:solidFill>
+                            <a:srgbClr val="003D62"/>
+                          </a:solidFill>
+                        </a:rPr>
+                        <a:t>E</a:t>
+                      </a:r>
+                      <a:r>
+                        <a:rPr lang="en-US" b="0" i="1" baseline="-25000" dirty="0" err="1">
+                          <a:solidFill>
+                            <a:srgbClr val="003D62"/>
+                          </a:solidFill>
+                        </a:rPr>
+                        <a:t>row</a:t>
+                      </a:r>
+                      <a:endParaRPr lang="en-US" b="0" i="1" baseline="-25000" dirty="0">
+                        <a:solidFill>
+                          <a:srgbClr val="003D62"/>
+                        </a:solidFill>
+                      </a:endParaRPr>
+                    </a:p>
+                  </a:txBody>
+                  <a:tcPr>
+                    <a:lnB w="12700" cap="flat" cmpd="sng" algn="ctr">
+                      <a:solidFill>
+                        <a:scrgbClr r="0" g="0" b="0"/>
+                      </a:solidFill>
+                      <a:prstDash val="solid"/>
+                      <a:round/>
+                      <a:headEnd type="none" w="med" len="med"/>
+                      <a:tailEnd type="none" w="med" len="med"/>
+                    </a:lnB>
+                    <a:noFill/>
+                  </a:tcPr>
+                </a:tc>
+                <a:extLst>
+                  <a:ext uri="{0D108BD9-81ED-4DB2-BD59-A6C34878D82A}">
+                    <a16:rowId xmlns:a16="http://schemas.microsoft.com/office/drawing/2014/main" val="10000"/>
+                  </a:ext>
+                </a:extLst>
+              </a:tr>
+              <a:tr h="369100">
+                <a:tc>
+                  <a:txBody>
+                    <a:bodyPr/>
+                    <a:lstStyle/>
+                    <a:p>
+                      <a:pPr algn="ctr"/>
+                      <a:r>
+                        <a:rPr lang="en-US" dirty="0">
+                          <a:solidFill>
+                            <a:srgbClr val="003D62"/>
+                          </a:solidFill>
+                        </a:rPr>
+                        <a:t>0</a:t>
+                      </a:r>
+                    </a:p>
+                  </a:txBody>
+                  <a:tcPr>
+                    <a:noFill/>
+                  </a:tcPr>
+                </a:tc>
+                <a:tc>
+                  <a:txBody>
+                    <a:bodyPr/>
+                    <a:lstStyle/>
+                    <a:p>
+                      <a:pPr algn="ctr"/>
+                      <a:endParaRPr lang="en-US" dirty="0"/>
+                    </a:p>
+                  </a:txBody>
+                  <a:tcPr>
+                    <a:lnB w="12700" cap="flat" cmpd="sng" algn="ctr">
+                      <a:solidFill>
+                        <a:scrgbClr r="0" g="0" b="0"/>
+                      </a:solidFill>
+                      <a:prstDash val="solid"/>
+                      <a:round/>
+                      <a:headEnd type="none" w="med" len="med"/>
+                      <a:tailEnd type="none" w="med" len="med"/>
+                    </a:lnB>
+                    <a:solidFill>
+                      <a:schemeClr val="bg2"/>
+                    </a:solidFill>
+                  </a:tcPr>
+                </a:tc>
+                <a:tc>
+                  <a:txBody>
+                    <a:bodyPr/>
+                    <a:lstStyle/>
+                    <a:p>
+                      <a:pPr algn="ctr"/>
+                      <a:endParaRPr lang="en-US" dirty="0"/>
+                    </a:p>
+                  </a:txBody>
+                  <a:tcPr>
+                    <a:solidFill>
+                      <a:schemeClr val="bg2"/>
+                    </a:solidFill>
+                  </a:tcPr>
+                </a:tc>
+                <a:tc>
+                  <a:txBody>
+                    <a:bodyPr/>
+                    <a:lstStyle/>
+                    <a:p>
+                      <a:pPr algn="ctr"/>
+                      <a:endParaRPr lang="en-US" dirty="0"/>
+                    </a:p>
+                  </a:txBody>
+                  <a:tcPr>
+                    <a:solidFill>
+                      <a:schemeClr val="bg2"/>
+                    </a:solidFill>
+                  </a:tcPr>
+                </a:tc>
+                <a:tc>
+                  <a:txBody>
+                    <a:bodyPr/>
+                    <a:lstStyle/>
+                    <a:p>
+                      <a:pPr algn="ctr"/>
+                      <a:endParaRPr lang="en-US" dirty="0"/>
+                    </a:p>
+                  </a:txBody>
+                  <a:tcPr>
+                    <a:solidFill>
+                      <a:schemeClr val="bg2"/>
+                    </a:solidFill>
+                  </a:tcPr>
+                </a:tc>
+                <a:tc>
+                  <a:txBody>
+                    <a:bodyPr/>
+                    <a:lstStyle/>
+                    <a:p>
+                      <a:pPr algn="ctr"/>
+                      <a:endParaRPr lang="en-US" dirty="0"/>
+                    </a:p>
+                  </a:txBody>
+                  <a:tcPr>
+                    <a:solidFill>
+                      <a:schemeClr val="bg2"/>
+                    </a:solidFill>
+                  </a:tcPr>
+                </a:tc>
+                <a:tc>
+                  <a:txBody>
+                    <a:bodyPr/>
+                    <a:lstStyle/>
+                    <a:p>
+                      <a:pPr algn="ctr"/>
+                      <a:endParaRPr lang="en-US" dirty="0"/>
+                    </a:p>
+                  </a:txBody>
+                  <a:tcPr>
+                    <a:solidFill>
+                      <a:schemeClr val="bg2"/>
+                    </a:solidFill>
+                  </a:tcPr>
+                </a:tc>
+                <a:tc>
+                  <a:txBody>
+                    <a:bodyPr/>
+                    <a:lstStyle/>
+                    <a:p>
+                      <a:pPr algn="ctr"/>
+                      <a:endParaRPr lang="en-US" dirty="0"/>
+                    </a:p>
+                  </a:txBody>
+                  <a:tcPr>
+                    <a:lnR w="12700" cap="flat" cmpd="sng" algn="ctr">
+                      <a:solidFill>
+                        <a:scrgbClr r="0" g="0" b="0"/>
+                      </a:solidFill>
+                      <a:prstDash val="solid"/>
+                      <a:round/>
+                      <a:headEnd type="none" w="med" len="med"/>
+                      <a:tailEnd type="none" w="med" len="med"/>
+                    </a:lnR>
+                    <a:solidFill>
+                      <a:schemeClr val="bg2"/>
+                    </a:solidFill>
+                  </a:tcPr>
+                </a:tc>
+                <a:tc>
+                  <a:txBody>
+                    <a:bodyPr/>
+                    <a:lstStyle/>
+                    <a:p>
+                      <a:pPr algn="ctr"/>
+                      <a:endParaRPr lang="en-US" dirty="0"/>
+                    </a:p>
+                  </a:txBody>
+                  <a:tcPr>
+                    <a:lnL w="12700" cap="flat" cmpd="sng" algn="ctr">
+                      <a:solidFill>
+                        <a:scrgbClr r="0" g="0" b="0"/>
+                      </a:solidFill>
+                      <a:prstDash val="solid"/>
+                      <a:round/>
+                      <a:headEnd type="none" w="med" len="med"/>
+                      <a:tailEnd type="none" w="med" len="med"/>
+                    </a:lnL>
+                    <a:lnR w="12700" cap="flat" cmpd="sng" algn="ctr">
+                      <a:solidFill>
+                        <a:scrgbClr r="0" g="0" b="0"/>
+                      </a:solidFill>
+                      <a:prstDash val="solid"/>
+                      <a:round/>
+                      <a:headEnd type="none" w="med" len="med"/>
+                      <a:tailEnd type="none" w="med" len="med"/>
+                    </a:lnR>
+                    <a:lnT w="12700" cap="flat" cmpd="sng" algn="ctr">
+                      <a:solidFill>
+                        <a:scrgbClr r="0" g="0" b="0"/>
+                      </a:solidFill>
+                      <a:prstDash val="solid"/>
+                      <a:round/>
+                      <a:headEnd type="none" w="med" len="med"/>
+                      <a:tailEnd type="none" w="med" len="med"/>
+                    </a:lnT>
+                    <a:lnB w="12700" cap="flat" cmpd="sng" algn="ctr">
+                      <a:solidFill>
+                        <a:scrgbClr r="0" g="0" b="0"/>
+                      </a:solidFill>
+                      <a:prstDash val="solid"/>
+                      <a:round/>
+                      <a:headEnd type="none" w="med" len="med"/>
+                      <a:tailEnd type="none" w="med" len="med"/>
+                    </a:lnB>
+                    <a:solidFill>
+                      <a:schemeClr val="bg2"/>
+                    </a:solidFill>
+                  </a:tcPr>
+                </a:tc>
+                <a:extLst>
+                  <a:ext uri="{0D108BD9-81ED-4DB2-BD59-A6C34878D82A}">
+                    <a16:rowId xmlns:a16="http://schemas.microsoft.com/office/drawing/2014/main" val="10001"/>
+                  </a:ext>
+                </a:extLst>
+              </a:tr>
+              <a:tr h="369100">
+                <a:tc>
+                  <a:txBody>
+                    <a:bodyPr/>
+                    <a:lstStyle/>
+                    <a:p>
+                      <a:pPr algn="ctr"/>
+                      <a:r>
+                        <a:rPr lang="en-US" dirty="0">
+                          <a:solidFill>
+                            <a:srgbClr val="003D62"/>
+                          </a:solidFill>
+                        </a:rPr>
+                        <a:t>1</a:t>
+                      </a:r>
+                    </a:p>
+                  </a:txBody>
+                  <a:tcPr>
+                    <a:lnR w="12700" cap="flat" cmpd="sng" algn="ctr">
+                      <a:solidFill>
+                        <a:scrgbClr r="0" g="0" b="0"/>
+                      </a:solidFill>
+                      <a:prstDash val="solid"/>
+                      <a:round/>
+                      <a:headEnd type="none" w="med" len="med"/>
+                      <a:tailEnd type="none" w="med" len="med"/>
+                    </a:lnR>
+                    <a:noFill/>
+                  </a:tcPr>
+                </a:tc>
+                <a:tc>
+                  <a:txBody>
+                    <a:bodyPr/>
+                    <a:lstStyle/>
+                    <a:p>
+                      <a:pPr algn="ctr"/>
+                      <a:r>
+                        <a:rPr lang="en-US" dirty="0"/>
+                        <a:t>0</a:t>
+                      </a:r>
+                    </a:p>
+                  </a:txBody>
+                  <a:tcPr>
+                    <a:lnL w="12700" cap="flat" cmpd="sng" algn="ctr">
+                      <a:solidFill>
+                        <a:scrgbClr r="0" g="0" b="0"/>
+                      </a:solidFill>
+                      <a:prstDash val="solid"/>
+                      <a:round/>
+                      <a:headEnd type="none" w="med" len="med"/>
+                      <a:tailEnd type="none" w="med" len="med"/>
+                    </a:lnL>
+                    <a:lnR w="12700" cap="flat" cmpd="sng" algn="ctr">
+                      <a:solidFill>
+                        <a:scrgbClr r="0" g="0" b="0"/>
+                      </a:solidFill>
+                      <a:prstDash val="solid"/>
+                      <a:round/>
+                      <a:headEnd type="none" w="med" len="med"/>
+                      <a:tailEnd type="none" w="med" len="med"/>
+                    </a:lnR>
+                    <a:lnT w="12700" cap="flat" cmpd="sng" algn="ctr">
+                      <a:solidFill>
+                        <a:scrgbClr r="0" g="0" b="0"/>
+                      </a:solidFill>
+                      <a:prstDash val="solid"/>
+                      <a:round/>
+                      <a:headEnd type="none" w="med" len="med"/>
+                      <a:tailEnd type="none" w="med" len="med"/>
+                    </a:lnT>
+                    <a:lnB w="12700" cap="flat" cmpd="sng" algn="ctr">
+                      <a:solidFill>
+                        <a:scrgbClr r="0" g="0" b="0"/>
+                      </a:solidFill>
+                      <a:prstDash val="solid"/>
+                      <a:round/>
+                      <a:headEnd type="none" w="med" len="med"/>
+                      <a:tailEnd type="none" w="med" len="med"/>
+                    </a:lnB>
+                    <a:solidFill>
+                      <a:srgbClr val="A6A6A6"/>
+                    </a:solidFill>
+                  </a:tcPr>
+                </a:tc>
+                <a:tc>
+                  <a:txBody>
+                    <a:bodyPr/>
+                    <a:lstStyle/>
+                    <a:p>
+                      <a:pPr algn="ctr"/>
+                      <a:endParaRPr lang="en-US" dirty="0"/>
+                    </a:p>
+                  </a:txBody>
+                  <a:tcPr>
+                    <a:lnL w="12700" cap="flat" cmpd="sng" algn="ctr">
+                      <a:solidFill>
+                        <a:scrgbClr r="0" g="0" b="0"/>
+                      </a:solidFill>
+                      <a:prstDash val="solid"/>
+                      <a:round/>
+                      <a:headEnd type="none" w="med" len="med"/>
+                      <a:tailEnd type="none" w="med" len="med"/>
+                    </a:lnL>
+                    <a:lnB w="12700" cap="flat" cmpd="sng" algn="ctr">
+                      <a:solidFill>
+                        <a:scrgbClr r="0" g="0" b="0"/>
+                      </a:solidFill>
+                      <a:prstDash val="solid"/>
+                      <a:round/>
+                      <a:headEnd type="none" w="med" len="med"/>
+                      <a:tailEnd type="none" w="med" len="med"/>
+                    </a:lnB>
+                    <a:solidFill>
+                      <a:srgbClr val="DDDDDD"/>
+                    </a:solidFill>
+                  </a:tcPr>
+                </a:tc>
+                <a:tc>
+                  <a:txBody>
+                    <a:bodyPr/>
+                    <a:lstStyle/>
+                    <a:p>
+                      <a:pPr algn="ctr"/>
+                      <a:endParaRPr lang="en-US" dirty="0"/>
+                    </a:p>
+                  </a:txBody>
+                  <a:tcPr>
+                    <a:solidFill>
+                      <a:srgbClr val="DDDDDD"/>
+                    </a:solidFill>
+                  </a:tcPr>
+                </a:tc>
+                <a:tc>
+                  <a:txBody>
+                    <a:bodyPr/>
+                    <a:lstStyle/>
+                    <a:p>
+                      <a:pPr algn="ctr"/>
+                      <a:endParaRPr lang="en-US" dirty="0"/>
+                    </a:p>
+                  </a:txBody>
+                  <a:tcPr>
+                    <a:solidFill>
+                      <a:srgbClr val="DDDDDD"/>
+                    </a:solidFill>
+                  </a:tcPr>
+                </a:tc>
+                <a:tc>
+                  <a:txBody>
+                    <a:bodyPr/>
+                    <a:lstStyle/>
+                    <a:p>
+                      <a:pPr algn="ctr"/>
+                      <a:endParaRPr lang="en-US" dirty="0"/>
+                    </a:p>
+                  </a:txBody>
+                  <a:tcPr>
+                    <a:solidFill>
+                      <a:srgbClr val="DDDDDD"/>
+                    </a:solidFill>
+                  </a:tcPr>
+                </a:tc>
+                <a:tc>
+                  <a:txBody>
+                    <a:bodyPr/>
+                    <a:lstStyle/>
+                    <a:p>
+                      <a:pPr algn="ctr"/>
+                      <a:endParaRPr lang="en-US"/>
+                    </a:p>
+                  </a:txBody>
+                  <a:tcPr>
+                    <a:solidFill>
+                      <a:srgbClr val="DDDDDD"/>
+                    </a:solidFill>
+                  </a:tcPr>
+                </a:tc>
+                <a:tc>
+                  <a:txBody>
+                    <a:bodyPr/>
+                    <a:lstStyle/>
+                    <a:p>
+                      <a:pPr algn="ctr"/>
+                      <a:endParaRPr lang="en-US" dirty="0"/>
+                    </a:p>
+                  </a:txBody>
+                  <a:tcPr>
+                    <a:lnR w="12700" cap="flat" cmpd="sng" algn="ctr">
+                      <a:solidFill>
+                        <a:scrgbClr r="0" g="0" b="0"/>
+                      </a:solidFill>
+                      <a:prstDash val="solid"/>
+                      <a:round/>
+                      <a:headEnd type="none" w="med" len="med"/>
+                      <a:tailEnd type="none" w="med" len="med"/>
+                    </a:lnR>
+                    <a:solidFill>
+                      <a:srgbClr val="DDDDDD"/>
+                    </a:solidFill>
+                  </a:tcPr>
+                </a:tc>
+                <a:tc>
+                  <a:txBody>
+                    <a:bodyPr/>
+                    <a:lstStyle/>
+                    <a:p>
+                      <a:pPr algn="ctr"/>
+                      <a:r>
+                        <a:rPr lang="en-US" dirty="0"/>
+                        <a:t>E</a:t>
+                      </a:r>
+                      <a:r>
+                        <a:rPr lang="en-US" baseline="-25000" dirty="0"/>
+                        <a:t>0</a:t>
+                      </a:r>
+                      <a:endParaRPr lang="en-US" dirty="0"/>
+                    </a:p>
+                  </a:txBody>
+                  <a:tcPr>
+                    <a:lnL w="12700" cap="flat" cmpd="sng" algn="ctr">
+                      <a:solidFill>
+                        <a:scrgbClr r="0" g="0" b="0"/>
+                      </a:solidFill>
+                      <a:prstDash val="solid"/>
+                      <a:round/>
+                      <a:headEnd type="none" w="med" len="med"/>
+                      <a:tailEnd type="none" w="med" len="med"/>
+                    </a:lnL>
+                    <a:lnR w="12700" cap="flat" cmpd="sng" algn="ctr">
+                      <a:solidFill>
+                        <a:scrgbClr r="0" g="0" b="0"/>
+                      </a:solidFill>
+                      <a:prstDash val="solid"/>
+                      <a:round/>
+                      <a:headEnd type="none" w="med" len="med"/>
+                      <a:tailEnd type="none" w="med" len="med"/>
+                    </a:lnR>
+                    <a:lnT w="12700" cap="flat" cmpd="sng" algn="ctr">
+                      <a:solidFill>
+                        <a:scrgbClr r="0" g="0" b="0"/>
+                      </a:solidFill>
+                      <a:prstDash val="solid"/>
+                      <a:round/>
+                      <a:headEnd type="none" w="med" len="med"/>
+                      <a:tailEnd type="none" w="med" len="med"/>
+                    </a:lnT>
+                    <a:lnB w="12700" cap="flat" cmpd="sng" algn="ctr">
+                      <a:solidFill>
+                        <a:scrgbClr r="0" g="0" b="0"/>
+                      </a:solidFill>
+                      <a:prstDash val="solid"/>
+                      <a:round/>
+                      <a:headEnd type="none" w="med" len="med"/>
+                      <a:tailEnd type="none" w="med" len="med"/>
+                    </a:lnB>
+                    <a:solidFill>
+                      <a:srgbClr val="DDDDDD"/>
+                    </a:solidFill>
+                  </a:tcPr>
+                </a:tc>
+                <a:extLst>
+                  <a:ext uri="{0D108BD9-81ED-4DB2-BD59-A6C34878D82A}">
+                    <a16:rowId xmlns:a16="http://schemas.microsoft.com/office/drawing/2014/main" val="10002"/>
+                  </a:ext>
+                </a:extLst>
+              </a:tr>
+              <a:tr h="369100">
+                <a:tc>
+                  <a:txBody>
+                    <a:bodyPr/>
+                    <a:lstStyle/>
+                    <a:p>
+                      <a:pPr algn="ctr"/>
+                      <a:r>
+                        <a:rPr lang="en-US" dirty="0">
+                          <a:solidFill>
+                            <a:srgbClr val="003D62"/>
+                          </a:solidFill>
+                        </a:rPr>
+                        <a:t>2</a:t>
+                      </a:r>
+                    </a:p>
+                  </a:txBody>
+                  <a:tcPr>
+                    <a:lnR w="12700" cap="flat" cmpd="sng" algn="ctr">
+                      <a:solidFill>
+                        <a:scrgbClr r="0" g="0" b="0"/>
+                      </a:solidFill>
+                      <a:prstDash val="solid"/>
+                      <a:round/>
+                      <a:headEnd type="none" w="med" len="med"/>
+                      <a:tailEnd type="none" w="med" len="med"/>
+                    </a:lnR>
+                    <a:noFill/>
+                  </a:tcPr>
+                </a:tc>
+                <a:tc>
+                  <a:txBody>
+                    <a:bodyPr/>
+                    <a:lstStyle/>
+                    <a:p>
+                      <a:pPr algn="ctr"/>
+                      <a:r>
+                        <a:rPr lang="en-US" dirty="0"/>
+                        <a:t>1</a:t>
+                      </a:r>
+                    </a:p>
+                  </a:txBody>
+                  <a:tcPr>
+                    <a:lnL w="12700" cap="flat" cmpd="sng" algn="ctr">
+                      <a:solidFill>
+                        <a:scrgbClr r="0" g="0" b="0"/>
+                      </a:solidFill>
+                      <a:prstDash val="solid"/>
+                      <a:round/>
+                      <a:headEnd type="none" w="med" len="med"/>
+                      <a:tailEnd type="none" w="med" len="med"/>
+                    </a:lnL>
+                    <a:lnR w="12700" cap="flat" cmpd="sng" algn="ctr">
+                      <a:solidFill>
+                        <a:scrgbClr r="0" g="0" b="0"/>
+                      </a:solidFill>
+                      <a:prstDash val="solid"/>
+                      <a:round/>
+                      <a:headEnd type="none" w="med" len="med"/>
+                      <a:tailEnd type="none" w="med" len="med"/>
+                    </a:lnR>
+                    <a:lnT w="12700" cap="flat" cmpd="sng" algn="ctr">
+                      <a:solidFill>
+                        <a:scrgbClr r="0" g="0" b="0"/>
+                      </a:solidFill>
+                      <a:prstDash val="solid"/>
+                      <a:round/>
+                      <a:headEnd type="none" w="med" len="med"/>
+                      <a:tailEnd type="none" w="med" len="med"/>
+                    </a:lnT>
+                    <a:lnB w="12700" cap="flat" cmpd="sng" algn="ctr">
+                      <a:solidFill>
+                        <a:scrgbClr r="0" g="0" b="0"/>
+                      </a:solidFill>
+                      <a:prstDash val="solid"/>
+                      <a:round/>
+                      <a:headEnd type="none" w="med" len="med"/>
+                      <a:tailEnd type="none" w="med" len="med"/>
+                    </a:lnB>
+                    <a:solidFill>
+                      <a:srgbClr val="A6A6A6"/>
+                    </a:solidFill>
+                  </a:tcPr>
+                </a:tc>
+                <a:tc>
+                  <a:txBody>
+                    <a:bodyPr/>
+                    <a:lstStyle/>
+                    <a:p>
+                      <a:pPr algn="ctr"/>
+                      <a:r>
+                        <a:rPr lang="en-US" dirty="0"/>
+                        <a:t>2</a:t>
+                      </a:r>
+                    </a:p>
+                  </a:txBody>
+                  <a:tcPr>
+                    <a:lnL w="12700" cap="flat" cmpd="sng" algn="ctr">
+                      <a:solidFill>
+                        <a:scrgbClr r="0" g="0" b="0"/>
+                      </a:solidFill>
+                      <a:prstDash val="solid"/>
+                      <a:round/>
+                      <a:headEnd type="none" w="med" len="med"/>
+                      <a:tailEnd type="none" w="med" len="med"/>
+                    </a:lnL>
+                    <a:lnR w="12700" cap="flat" cmpd="sng" algn="ctr">
+                      <a:solidFill>
+                        <a:scrgbClr r="0" g="0" b="0"/>
+                      </a:solidFill>
+                      <a:prstDash val="solid"/>
+                      <a:round/>
+                      <a:headEnd type="none" w="med" len="med"/>
+                      <a:tailEnd type="none" w="med" len="med"/>
+                    </a:lnR>
+                    <a:lnT w="12700" cap="flat" cmpd="sng" algn="ctr">
+                      <a:solidFill>
+                        <a:scrgbClr r="0" g="0" b="0"/>
+                      </a:solidFill>
+                      <a:prstDash val="solid"/>
+                      <a:round/>
+                      <a:headEnd type="none" w="med" len="med"/>
+                      <a:tailEnd type="none" w="med" len="med"/>
+                    </a:lnT>
+                    <a:lnB w="12700" cap="flat" cmpd="sng" algn="ctr">
+                      <a:solidFill>
+                        <a:scrgbClr r="0" g="0" b="0"/>
+                      </a:solidFill>
+                      <a:prstDash val="solid"/>
+                      <a:round/>
+                      <a:headEnd type="none" w="med" len="med"/>
+                      <a:tailEnd type="none" w="med" len="med"/>
+                    </a:lnB>
+                    <a:solidFill>
+                      <a:srgbClr val="A6A6A6"/>
+                    </a:solidFill>
+                  </a:tcPr>
+                </a:tc>
+                <a:tc>
+                  <a:txBody>
+                    <a:bodyPr/>
+                    <a:lstStyle/>
+                    <a:p>
+                      <a:pPr algn="ctr"/>
+                      <a:endParaRPr lang="en-US" dirty="0"/>
+                    </a:p>
+                  </a:txBody>
+                  <a:tcPr>
+                    <a:lnL w="12700" cap="flat" cmpd="sng" algn="ctr">
+                      <a:solidFill>
+                        <a:scrgbClr r="0" g="0" b="0"/>
+                      </a:solidFill>
+                      <a:prstDash val="solid"/>
+                      <a:round/>
+                      <a:headEnd type="none" w="med" len="med"/>
+                      <a:tailEnd type="none" w="med" len="med"/>
+                    </a:lnL>
+                    <a:lnB w="12700" cap="flat" cmpd="sng" algn="ctr">
+                      <a:solidFill>
+                        <a:scrgbClr r="0" g="0" b="0"/>
+                      </a:solidFill>
+                      <a:prstDash val="solid"/>
+                      <a:round/>
+                      <a:headEnd type="none" w="med" len="med"/>
+                      <a:tailEnd type="none" w="med" len="med"/>
+                    </a:lnB>
+                    <a:solidFill>
+                      <a:srgbClr val="DDDDDD"/>
+                    </a:solidFill>
+                  </a:tcPr>
+                </a:tc>
+                <a:tc>
+                  <a:txBody>
+                    <a:bodyPr/>
+                    <a:lstStyle/>
+                    <a:p>
+                      <a:pPr algn="ctr"/>
+                      <a:endParaRPr lang="en-US" dirty="0"/>
+                    </a:p>
+                  </a:txBody>
+                  <a:tcPr>
+                    <a:solidFill>
+                      <a:srgbClr val="DDDDDD"/>
+                    </a:solidFill>
+                  </a:tcPr>
+                </a:tc>
+                <a:tc>
+                  <a:txBody>
+                    <a:bodyPr/>
+                    <a:lstStyle/>
+                    <a:p>
+                      <a:pPr algn="ctr"/>
+                      <a:endParaRPr lang="en-US" dirty="0"/>
+                    </a:p>
+                  </a:txBody>
+                  <a:tcPr>
+                    <a:solidFill>
+                      <a:srgbClr val="DDDDDD"/>
+                    </a:solidFill>
+                  </a:tcPr>
+                </a:tc>
+                <a:tc>
+                  <a:txBody>
+                    <a:bodyPr/>
+                    <a:lstStyle/>
+                    <a:p>
+                      <a:pPr algn="ctr"/>
+                      <a:endParaRPr lang="en-US" dirty="0"/>
+                    </a:p>
+                  </a:txBody>
+                  <a:tcPr>
+                    <a:solidFill>
+                      <a:srgbClr val="DDDDDD"/>
+                    </a:solidFill>
+                  </a:tcPr>
+                </a:tc>
+                <a:tc>
+                  <a:txBody>
+                    <a:bodyPr/>
+                    <a:lstStyle/>
+                    <a:p>
+                      <a:pPr algn="ctr"/>
+                      <a:endParaRPr lang="en-US" dirty="0"/>
+                    </a:p>
+                  </a:txBody>
+                  <a:tcPr>
+                    <a:lnR w="12700" cap="flat" cmpd="sng" algn="ctr">
+                      <a:solidFill>
+                        <a:scrgbClr r="0" g="0" b="0"/>
+                      </a:solidFill>
+                      <a:prstDash val="solid"/>
+                      <a:round/>
+                      <a:headEnd type="none" w="med" len="med"/>
+                      <a:tailEnd type="none" w="med" len="med"/>
+                    </a:lnR>
+                    <a:solidFill>
+                      <a:srgbClr val="DDDDDD"/>
+                    </a:solidFill>
+                  </a:tcPr>
+                </a:tc>
+                <a:tc>
+                  <a:txBody>
+                    <a:bodyPr/>
+                    <a:lstStyle/>
+                    <a:p>
+                      <a:pPr algn="ctr"/>
+                      <a:r>
+                        <a:rPr lang="en-US" dirty="0"/>
+                        <a:t>E</a:t>
+                      </a:r>
+                      <a:r>
+                        <a:rPr lang="en-US" baseline="-25000" dirty="0"/>
+                        <a:t>1</a:t>
+                      </a:r>
+                      <a:r>
+                        <a:rPr lang="en-US" dirty="0"/>
+                        <a:t>+E</a:t>
+                      </a:r>
+                      <a:r>
+                        <a:rPr lang="en-US" baseline="-25000" dirty="0"/>
+                        <a:t>2</a:t>
+                      </a:r>
+                      <a:endParaRPr lang="en-US" dirty="0"/>
+                    </a:p>
+                  </a:txBody>
+                  <a:tcPr>
+                    <a:lnL w="12700" cap="flat" cmpd="sng" algn="ctr">
+                      <a:solidFill>
+                        <a:scrgbClr r="0" g="0" b="0"/>
+                      </a:solidFill>
+                      <a:prstDash val="solid"/>
+                      <a:round/>
+                      <a:headEnd type="none" w="med" len="med"/>
+                      <a:tailEnd type="none" w="med" len="med"/>
+                    </a:lnL>
+                    <a:lnR w="12700" cap="flat" cmpd="sng" algn="ctr">
+                      <a:solidFill>
+                        <a:scrgbClr r="0" g="0" b="0"/>
+                      </a:solidFill>
+                      <a:prstDash val="solid"/>
+                      <a:round/>
+                      <a:headEnd type="none" w="med" len="med"/>
+                      <a:tailEnd type="none" w="med" len="med"/>
+                    </a:lnR>
+                    <a:lnT w="12700" cap="flat" cmpd="sng" algn="ctr">
+                      <a:solidFill>
+                        <a:scrgbClr r="0" g="0" b="0"/>
+                      </a:solidFill>
+                      <a:prstDash val="solid"/>
+                      <a:round/>
+                      <a:headEnd type="none" w="med" len="med"/>
+                      <a:tailEnd type="none" w="med" len="med"/>
+                    </a:lnT>
+                    <a:lnB w="12700" cap="flat" cmpd="sng" algn="ctr">
+                      <a:solidFill>
+                        <a:scrgbClr r="0" g="0" b="0"/>
+                      </a:solidFill>
+                      <a:prstDash val="solid"/>
+                      <a:round/>
+                      <a:headEnd type="none" w="med" len="med"/>
+                      <a:tailEnd type="none" w="med" len="med"/>
+                    </a:lnB>
+                    <a:solidFill>
+                      <a:srgbClr val="DDDDDD"/>
+                    </a:solidFill>
+                  </a:tcPr>
+                </a:tc>
+                <a:extLst>
+                  <a:ext uri="{0D108BD9-81ED-4DB2-BD59-A6C34878D82A}">
+                    <a16:rowId xmlns:a16="http://schemas.microsoft.com/office/drawing/2014/main" val="10003"/>
+                  </a:ext>
+                </a:extLst>
+              </a:tr>
+              <a:tr h="369100">
+                <a:tc>
+                  <a:txBody>
+                    <a:bodyPr/>
+                    <a:lstStyle/>
+                    <a:p>
+                      <a:pPr algn="ctr"/>
+                      <a:r>
+                        <a:rPr lang="en-US" dirty="0">
+                          <a:solidFill>
+                            <a:srgbClr val="003D62"/>
+                          </a:solidFill>
+                        </a:rPr>
+                        <a:t>3</a:t>
+                      </a:r>
+                    </a:p>
+                  </a:txBody>
+                  <a:tcPr>
+                    <a:lnR w="12700" cap="flat" cmpd="sng" algn="ctr">
+                      <a:solidFill>
+                        <a:scrgbClr r="0" g="0" b="0"/>
+                      </a:solidFill>
+                      <a:prstDash val="solid"/>
+                      <a:round/>
+                      <a:headEnd type="none" w="med" len="med"/>
+                      <a:tailEnd type="none" w="med" len="med"/>
+                    </a:lnR>
+                    <a:noFill/>
+                  </a:tcPr>
+                </a:tc>
+                <a:tc>
+                  <a:txBody>
+                    <a:bodyPr/>
+                    <a:lstStyle/>
+                    <a:p>
+                      <a:pPr algn="ctr"/>
+                      <a:r>
+                        <a:rPr lang="en-US" dirty="0"/>
+                        <a:t>3</a:t>
+                      </a:r>
+                    </a:p>
+                  </a:txBody>
+                  <a:tcPr>
+                    <a:lnL w="12700" cap="flat" cmpd="sng" algn="ctr">
+                      <a:solidFill>
+                        <a:scrgbClr r="0" g="0" b="0"/>
+                      </a:solidFill>
+                      <a:prstDash val="solid"/>
+                      <a:round/>
+                      <a:headEnd type="none" w="med" len="med"/>
+                      <a:tailEnd type="none" w="med" len="med"/>
+                    </a:lnL>
+                    <a:lnR w="12700" cap="flat" cmpd="sng" algn="ctr">
+                      <a:solidFill>
+                        <a:scrgbClr r="0" g="0" b="0"/>
+                      </a:solidFill>
+                      <a:prstDash val="solid"/>
+                      <a:round/>
+                      <a:headEnd type="none" w="med" len="med"/>
+                      <a:tailEnd type="none" w="med" len="med"/>
+                    </a:lnR>
+                    <a:lnT w="12700" cap="flat" cmpd="sng" algn="ctr">
+                      <a:solidFill>
+                        <a:scrgbClr r="0" g="0" b="0"/>
+                      </a:solidFill>
+                      <a:prstDash val="solid"/>
+                      <a:round/>
+                      <a:headEnd type="none" w="med" len="med"/>
+                      <a:tailEnd type="none" w="med" len="med"/>
+                    </a:lnT>
+                    <a:lnB w="12700" cap="flat" cmpd="sng" algn="ctr">
+                      <a:solidFill>
+                        <a:scrgbClr r="0" g="0" b="0"/>
+                      </a:solidFill>
+                      <a:prstDash val="solid"/>
+                      <a:round/>
+                      <a:headEnd type="none" w="med" len="med"/>
+                      <a:tailEnd type="none" w="med" len="med"/>
+                    </a:lnB>
+                    <a:solidFill>
+                      <a:srgbClr val="A6A6A6"/>
+                    </a:solidFill>
+                  </a:tcPr>
+                </a:tc>
+                <a:tc>
+                  <a:txBody>
+                    <a:bodyPr/>
+                    <a:lstStyle/>
+                    <a:p>
+                      <a:pPr algn="ctr"/>
+                      <a:r>
+                        <a:rPr lang="en-US" dirty="0"/>
+                        <a:t>4</a:t>
+                      </a:r>
+                    </a:p>
+                  </a:txBody>
+                  <a:tcPr>
+                    <a:lnL w="12700" cap="flat" cmpd="sng" algn="ctr">
+                      <a:solidFill>
+                        <a:scrgbClr r="0" g="0" b="0"/>
+                      </a:solidFill>
+                      <a:prstDash val="solid"/>
+                      <a:round/>
+                      <a:headEnd type="none" w="med" len="med"/>
+                      <a:tailEnd type="none" w="med" len="med"/>
+                    </a:lnL>
+                    <a:lnR w="12700" cap="flat" cmpd="sng" algn="ctr">
+                      <a:solidFill>
+                        <a:scrgbClr r="0" g="0" b="0"/>
+                      </a:solidFill>
+                      <a:prstDash val="solid"/>
+                      <a:round/>
+                      <a:headEnd type="none" w="med" len="med"/>
+                      <a:tailEnd type="none" w="med" len="med"/>
+                    </a:lnR>
+                    <a:lnT w="12700" cap="flat" cmpd="sng" algn="ctr">
+                      <a:solidFill>
+                        <a:scrgbClr r="0" g="0" b="0"/>
+                      </a:solidFill>
+                      <a:prstDash val="solid"/>
+                      <a:round/>
+                      <a:headEnd type="none" w="med" len="med"/>
+                      <a:tailEnd type="none" w="med" len="med"/>
+                    </a:lnT>
+                    <a:lnB w="12700" cap="flat" cmpd="sng" algn="ctr">
+                      <a:solidFill>
+                        <a:scrgbClr r="0" g="0" b="0"/>
+                      </a:solidFill>
+                      <a:prstDash val="solid"/>
+                      <a:round/>
+                      <a:headEnd type="none" w="med" len="med"/>
+                      <a:tailEnd type="none" w="med" len="med"/>
+                    </a:lnB>
+                    <a:solidFill>
+                      <a:srgbClr val="A6A6A6"/>
+                    </a:solidFill>
+                  </a:tcPr>
+                </a:tc>
+                <a:tc>
+                  <a:txBody>
+                    <a:bodyPr/>
+                    <a:lstStyle/>
+                    <a:p>
+                      <a:pPr algn="ctr"/>
+                      <a:r>
+                        <a:rPr lang="en-US" dirty="0"/>
+                        <a:t>5</a:t>
+                      </a:r>
+                    </a:p>
+                  </a:txBody>
+                  <a:tcPr>
+                    <a:lnL w="12700" cap="flat" cmpd="sng" algn="ctr">
+                      <a:solidFill>
+                        <a:scrgbClr r="0" g="0" b="0"/>
+                      </a:solidFill>
+                      <a:prstDash val="solid"/>
+                      <a:round/>
+                      <a:headEnd type="none" w="med" len="med"/>
+                      <a:tailEnd type="none" w="med" len="med"/>
+                    </a:lnL>
+                    <a:lnR w="12700" cap="flat" cmpd="sng" algn="ctr">
+                      <a:solidFill>
+                        <a:scrgbClr r="0" g="0" b="0"/>
+                      </a:solidFill>
+                      <a:prstDash val="solid"/>
+                      <a:round/>
+                      <a:headEnd type="none" w="med" len="med"/>
+                      <a:tailEnd type="none" w="med" len="med"/>
+                    </a:lnR>
+                    <a:lnT w="12700" cap="flat" cmpd="sng" algn="ctr">
+                      <a:solidFill>
+                        <a:scrgbClr r="0" g="0" b="0"/>
+                      </a:solidFill>
+                      <a:prstDash val="solid"/>
+                      <a:round/>
+                      <a:headEnd type="none" w="med" len="med"/>
+                      <a:tailEnd type="none" w="med" len="med"/>
+                    </a:lnT>
+                    <a:lnB w="12700" cap="flat" cmpd="sng" algn="ctr">
+                      <a:solidFill>
+                        <a:scrgbClr r="0" g="0" b="0"/>
+                      </a:solidFill>
+                      <a:prstDash val="solid"/>
+                      <a:round/>
+                      <a:headEnd type="none" w="med" len="med"/>
+                      <a:tailEnd type="none" w="med" len="med"/>
+                    </a:lnB>
+                    <a:solidFill>
+                      <a:srgbClr val="A6A6A6"/>
+                    </a:solidFill>
+                  </a:tcPr>
+                </a:tc>
+                <a:tc>
+                  <a:txBody>
+                    <a:bodyPr/>
+                    <a:lstStyle/>
+                    <a:p>
+                      <a:pPr algn="ctr"/>
+                      <a:endParaRPr lang="en-US" dirty="0"/>
+                    </a:p>
+                  </a:txBody>
+                  <a:tcPr>
+                    <a:lnL w="12700" cap="flat" cmpd="sng" algn="ctr">
+                      <a:solidFill>
+                        <a:scrgbClr r="0" g="0" b="0"/>
+                      </a:solidFill>
+                      <a:prstDash val="solid"/>
+                      <a:round/>
+                      <a:headEnd type="none" w="med" len="med"/>
+                      <a:tailEnd type="none" w="med" len="med"/>
+                    </a:lnL>
+                    <a:lnB w="12700" cap="flat" cmpd="sng" algn="ctr">
+                      <a:solidFill>
+                        <a:scrgbClr r="0" g="0" b="0"/>
+                      </a:solidFill>
+                      <a:prstDash val="solid"/>
+                      <a:round/>
+                      <a:headEnd type="none" w="med" len="med"/>
+                      <a:tailEnd type="none" w="med" len="med"/>
+                    </a:lnB>
+                    <a:solidFill>
+                      <a:srgbClr val="DDDDDD"/>
+                    </a:solidFill>
+                  </a:tcPr>
+                </a:tc>
+                <a:tc>
+                  <a:txBody>
+                    <a:bodyPr/>
+                    <a:lstStyle/>
+                    <a:p>
+                      <a:pPr algn="ctr"/>
+                      <a:endParaRPr lang="en-US" dirty="0"/>
+                    </a:p>
+                  </a:txBody>
+                  <a:tcPr>
+                    <a:solidFill>
+                      <a:srgbClr val="DDDDDD"/>
+                    </a:solidFill>
+                  </a:tcPr>
+                </a:tc>
+                <a:tc>
+                  <a:txBody>
+                    <a:bodyPr/>
+                    <a:lstStyle/>
+                    <a:p>
+                      <a:pPr algn="ctr"/>
+                      <a:endParaRPr lang="en-US" dirty="0"/>
+                    </a:p>
+                  </a:txBody>
+                  <a:tcPr>
+                    <a:solidFill>
+                      <a:srgbClr val="DDDDDD"/>
+                    </a:solidFill>
+                  </a:tcPr>
+                </a:tc>
+                <a:tc>
+                  <a:txBody>
+                    <a:bodyPr/>
+                    <a:lstStyle/>
+                    <a:p>
+                      <a:pPr algn="ctr"/>
+                      <a:endParaRPr lang="en-US" dirty="0"/>
+                    </a:p>
+                  </a:txBody>
+                  <a:tcPr>
+                    <a:lnR w="12700" cap="flat" cmpd="sng" algn="ctr">
+                      <a:solidFill>
+                        <a:scrgbClr r="0" g="0" b="0"/>
+                      </a:solidFill>
+                      <a:prstDash val="solid"/>
+                      <a:round/>
+                      <a:headEnd type="none" w="med" len="med"/>
+                      <a:tailEnd type="none" w="med" len="med"/>
+                    </a:lnR>
+                    <a:solidFill>
+                      <a:srgbClr val="DDDDDD"/>
+                    </a:solidFill>
+                  </a:tcPr>
+                </a:tc>
+                <a:tc>
+                  <a:txBody>
+                    <a:bodyPr/>
+                    <a:lstStyle/>
+                    <a:p>
+                      <a:pPr marL="0" marR="0" indent="0" algn="ctr" defTabSz="457200" rtl="0" eaLnBrk="1" fontAlgn="auto" latinLnBrk="0" hangingPunct="1">
+                        <a:lnSpc>
+                          <a:spcPct val="100000"/>
+                        </a:lnSpc>
+                        <a:spcBef>
+                          <a:spcPts val="0"/>
+                        </a:spcBef>
+                        <a:spcAft>
+                          <a:spcPts val="0"/>
+                        </a:spcAft>
+                        <a:buClrTx/>
+                        <a:buSzTx/>
+                        <a:buFontTx/>
+                        <a:buNone/>
+                        <a:tabLst/>
+                        <a:defRPr/>
+                      </a:pPr>
+                      <a:r>
+                        <a:rPr lang="en-US" dirty="0"/>
+                        <a:t>E</a:t>
+                      </a:r>
+                      <a:r>
+                        <a:rPr lang="en-US" baseline="-25000" dirty="0"/>
+                        <a:t>3</a:t>
+                      </a:r>
+                      <a:r>
+                        <a:rPr lang="en-US" dirty="0"/>
+                        <a:t>+E</a:t>
+                      </a:r>
+                      <a:r>
+                        <a:rPr lang="en-US" baseline="-25000" dirty="0"/>
+                        <a:t>4</a:t>
+                      </a:r>
+                      <a:r>
+                        <a:rPr lang="en-US" dirty="0"/>
+                        <a:t>+E</a:t>
+                      </a:r>
+                      <a:r>
+                        <a:rPr lang="en-US" baseline="-25000" dirty="0"/>
+                        <a:t>5</a:t>
+                      </a:r>
+                      <a:endParaRPr lang="en-US" dirty="0"/>
+                    </a:p>
+                  </a:txBody>
+                  <a:tcPr>
+                    <a:lnL w="12700" cap="flat" cmpd="sng" algn="ctr">
+                      <a:solidFill>
+                        <a:scrgbClr r="0" g="0" b="0"/>
+                      </a:solidFill>
+                      <a:prstDash val="solid"/>
+                      <a:round/>
+                      <a:headEnd type="none" w="med" len="med"/>
+                      <a:tailEnd type="none" w="med" len="med"/>
+                    </a:lnL>
+                    <a:lnR w="12700" cap="flat" cmpd="sng" algn="ctr">
+                      <a:solidFill>
+                        <a:scrgbClr r="0" g="0" b="0"/>
+                      </a:solidFill>
+                      <a:prstDash val="solid"/>
+                      <a:round/>
+                      <a:headEnd type="none" w="med" len="med"/>
+                      <a:tailEnd type="none" w="med" len="med"/>
+                    </a:lnR>
+                    <a:lnT w="12700" cap="flat" cmpd="sng" algn="ctr">
+                      <a:solidFill>
+                        <a:scrgbClr r="0" g="0" b="0"/>
+                      </a:solidFill>
+                      <a:prstDash val="solid"/>
+                      <a:round/>
+                      <a:headEnd type="none" w="med" len="med"/>
+                      <a:tailEnd type="none" w="med" len="med"/>
+                    </a:lnT>
+                    <a:lnB w="12700" cap="flat" cmpd="sng" algn="ctr">
+                      <a:solidFill>
+                        <a:scrgbClr r="0" g="0" b="0"/>
+                      </a:solidFill>
+                      <a:prstDash val="solid"/>
+                      <a:round/>
+                      <a:headEnd type="none" w="med" len="med"/>
+                      <a:tailEnd type="none" w="med" len="med"/>
+                    </a:lnB>
+                    <a:solidFill>
+                      <a:srgbClr val="DDDDDD"/>
+                    </a:solidFill>
+                  </a:tcPr>
+                </a:tc>
+                <a:extLst>
+                  <a:ext uri="{0D108BD9-81ED-4DB2-BD59-A6C34878D82A}">
+                    <a16:rowId xmlns:a16="http://schemas.microsoft.com/office/drawing/2014/main" val="10004"/>
+                  </a:ext>
+                </a:extLst>
+              </a:tr>
+              <a:tr h="369100">
+                <a:tc>
+                  <a:txBody>
+                    <a:bodyPr/>
+                    <a:lstStyle/>
+                    <a:p>
+                      <a:pPr algn="ctr"/>
+                      <a:r>
+                        <a:rPr lang="en-US" dirty="0">
+                          <a:solidFill>
+                            <a:srgbClr val="003D62"/>
+                          </a:solidFill>
+                        </a:rPr>
+                        <a:t>4</a:t>
+                      </a:r>
+                    </a:p>
+                  </a:txBody>
+                  <a:tcPr>
+                    <a:lnR w="12700" cap="flat" cmpd="sng" algn="ctr">
+                      <a:solidFill>
+                        <a:scrgbClr r="0" g="0" b="0"/>
+                      </a:solidFill>
+                      <a:prstDash val="solid"/>
+                      <a:round/>
+                      <a:headEnd type="none" w="med" len="med"/>
+                      <a:tailEnd type="none" w="med" len="med"/>
+                    </a:lnR>
+                    <a:noFill/>
+                  </a:tcPr>
+                </a:tc>
+                <a:tc>
+                  <a:txBody>
+                    <a:bodyPr/>
+                    <a:lstStyle/>
+                    <a:p>
+                      <a:pPr algn="ctr"/>
+                      <a:r>
+                        <a:rPr lang="en-US" dirty="0"/>
+                        <a:t>6</a:t>
+                      </a:r>
+                    </a:p>
+                  </a:txBody>
+                  <a:tcPr>
+                    <a:lnL w="12700" cap="flat" cmpd="sng" algn="ctr">
+                      <a:solidFill>
+                        <a:scrgbClr r="0" g="0" b="0"/>
+                      </a:solidFill>
+                      <a:prstDash val="solid"/>
+                      <a:round/>
+                      <a:headEnd type="none" w="med" len="med"/>
+                      <a:tailEnd type="none" w="med" len="med"/>
+                    </a:lnL>
+                    <a:lnR w="12700" cap="flat" cmpd="sng" algn="ctr">
+                      <a:solidFill>
+                        <a:scrgbClr r="0" g="0" b="0"/>
+                      </a:solidFill>
+                      <a:prstDash val="solid"/>
+                      <a:round/>
+                      <a:headEnd type="none" w="med" len="med"/>
+                      <a:tailEnd type="none" w="med" len="med"/>
+                    </a:lnR>
+                    <a:lnT w="12700" cap="flat" cmpd="sng" algn="ctr">
+                      <a:solidFill>
+                        <a:scrgbClr r="0" g="0" b="0"/>
+                      </a:solidFill>
+                      <a:prstDash val="solid"/>
+                      <a:round/>
+                      <a:headEnd type="none" w="med" len="med"/>
+                      <a:tailEnd type="none" w="med" len="med"/>
+                    </a:lnT>
+                    <a:lnB w="12700" cap="flat" cmpd="sng" algn="ctr">
+                      <a:solidFill>
+                        <a:scrgbClr r="0" g="0" b="0"/>
+                      </a:solidFill>
+                      <a:prstDash val="solid"/>
+                      <a:round/>
+                      <a:headEnd type="none" w="med" len="med"/>
+                      <a:tailEnd type="none" w="med" len="med"/>
+                    </a:lnB>
+                    <a:solidFill>
+                      <a:srgbClr val="FF7B11"/>
+                    </a:solidFill>
+                  </a:tcPr>
+                </a:tc>
+                <a:tc>
+                  <a:txBody>
+                    <a:bodyPr/>
+                    <a:lstStyle/>
+                    <a:p>
+                      <a:pPr algn="ctr"/>
+                      <a:r>
+                        <a:rPr lang="en-US" dirty="0"/>
+                        <a:t>7</a:t>
+                      </a:r>
+                    </a:p>
+                  </a:txBody>
+                  <a:tcPr>
+                    <a:lnL w="12700" cap="flat" cmpd="sng" algn="ctr">
+                      <a:solidFill>
+                        <a:scrgbClr r="0" g="0" b="0"/>
+                      </a:solidFill>
+                      <a:prstDash val="solid"/>
+                      <a:round/>
+                      <a:headEnd type="none" w="med" len="med"/>
+                      <a:tailEnd type="none" w="med" len="med"/>
+                    </a:lnL>
+                    <a:lnR w="12700" cap="flat" cmpd="sng" algn="ctr">
+                      <a:solidFill>
+                        <a:scrgbClr r="0" g="0" b="0"/>
+                      </a:solidFill>
+                      <a:prstDash val="solid"/>
+                      <a:round/>
+                      <a:headEnd type="none" w="med" len="med"/>
+                      <a:tailEnd type="none" w="med" len="med"/>
+                    </a:lnR>
+                    <a:lnT w="12700" cap="flat" cmpd="sng" algn="ctr">
+                      <a:solidFill>
+                        <a:scrgbClr r="0" g="0" b="0"/>
+                      </a:solidFill>
+                      <a:prstDash val="solid"/>
+                      <a:round/>
+                      <a:headEnd type="none" w="med" len="med"/>
+                      <a:tailEnd type="none" w="med" len="med"/>
+                    </a:lnT>
+                    <a:lnB w="12700" cap="flat" cmpd="sng" algn="ctr">
+                      <a:solidFill>
+                        <a:scrgbClr r="0" g="0" b="0"/>
+                      </a:solidFill>
+                      <a:prstDash val="solid"/>
+                      <a:round/>
+                      <a:headEnd type="none" w="med" len="med"/>
+                      <a:tailEnd type="none" w="med" len="med"/>
+                    </a:lnB>
+                    <a:solidFill>
+                      <a:srgbClr val="FF7B11"/>
+                    </a:solidFill>
+                  </a:tcPr>
+                </a:tc>
+                <a:tc>
+                  <a:txBody>
+                    <a:bodyPr/>
+                    <a:lstStyle/>
+                    <a:p>
+                      <a:pPr algn="ctr"/>
+                      <a:r>
+                        <a:rPr lang="en-US" dirty="0"/>
+                        <a:t>8</a:t>
+                      </a:r>
+                    </a:p>
+                  </a:txBody>
+                  <a:tcPr>
+                    <a:lnL w="12700" cap="flat" cmpd="sng" algn="ctr">
+                      <a:solidFill>
+                        <a:scrgbClr r="0" g="0" b="0"/>
+                      </a:solidFill>
+                      <a:prstDash val="solid"/>
+                      <a:round/>
+                      <a:headEnd type="none" w="med" len="med"/>
+                      <a:tailEnd type="none" w="med" len="med"/>
+                    </a:lnL>
+                    <a:lnR w="12700" cap="flat" cmpd="sng" algn="ctr">
+                      <a:solidFill>
+                        <a:scrgbClr r="0" g="0" b="0"/>
+                      </a:solidFill>
+                      <a:prstDash val="solid"/>
+                      <a:round/>
+                      <a:headEnd type="none" w="med" len="med"/>
+                      <a:tailEnd type="none" w="med" len="med"/>
+                    </a:lnR>
+                    <a:lnT w="12700" cap="flat" cmpd="sng" algn="ctr">
+                      <a:solidFill>
+                        <a:scrgbClr r="0" g="0" b="0"/>
+                      </a:solidFill>
+                      <a:prstDash val="solid"/>
+                      <a:round/>
+                      <a:headEnd type="none" w="med" len="med"/>
+                      <a:tailEnd type="none" w="med" len="med"/>
+                    </a:lnT>
+                    <a:lnB w="12700" cap="flat" cmpd="sng" algn="ctr">
+                      <a:solidFill>
+                        <a:scrgbClr r="0" g="0" b="0"/>
+                      </a:solidFill>
+                      <a:prstDash val="solid"/>
+                      <a:round/>
+                      <a:headEnd type="none" w="med" len="med"/>
+                      <a:tailEnd type="none" w="med" len="med"/>
+                    </a:lnB>
+                    <a:solidFill>
+                      <a:srgbClr val="FF7B11"/>
+                    </a:solidFill>
+                  </a:tcPr>
+                </a:tc>
+                <a:tc>
+                  <a:txBody>
+                    <a:bodyPr/>
+                    <a:lstStyle/>
+                    <a:p>
+                      <a:pPr algn="ctr"/>
+                      <a:r>
+                        <a:rPr lang="en-US" dirty="0"/>
+                        <a:t>9</a:t>
+                      </a:r>
+                    </a:p>
+                  </a:txBody>
+                  <a:tcPr>
+                    <a:lnL w="12700" cap="flat" cmpd="sng" algn="ctr">
+                      <a:solidFill>
+                        <a:scrgbClr r="0" g="0" b="0"/>
+                      </a:solidFill>
+                      <a:prstDash val="solid"/>
+                      <a:round/>
+                      <a:headEnd type="none" w="med" len="med"/>
+                      <a:tailEnd type="none" w="med" len="med"/>
+                    </a:lnL>
+                    <a:lnR w="12700" cap="flat" cmpd="sng" algn="ctr">
+                      <a:solidFill>
+                        <a:scrgbClr r="0" g="0" b="0"/>
+                      </a:solidFill>
+                      <a:prstDash val="solid"/>
+                      <a:round/>
+                      <a:headEnd type="none" w="med" len="med"/>
+                      <a:tailEnd type="none" w="med" len="med"/>
+                    </a:lnR>
+                    <a:lnT w="12700" cap="flat" cmpd="sng" algn="ctr">
+                      <a:solidFill>
+                        <a:scrgbClr r="0" g="0" b="0"/>
+                      </a:solidFill>
+                      <a:prstDash val="solid"/>
+                      <a:round/>
+                      <a:headEnd type="none" w="med" len="med"/>
+                      <a:tailEnd type="none" w="med" len="med"/>
+                    </a:lnT>
+                    <a:lnB w="12700" cap="flat" cmpd="sng" algn="ctr">
+                      <a:solidFill>
+                        <a:scrgbClr r="0" g="0" b="0"/>
+                      </a:solidFill>
+                      <a:prstDash val="solid"/>
+                      <a:round/>
+                      <a:headEnd type="none" w="med" len="med"/>
+                      <a:tailEnd type="none" w="med" len="med"/>
+                    </a:lnB>
+                    <a:solidFill>
+                      <a:srgbClr val="FF7B11"/>
+                    </a:solidFill>
+                  </a:tcPr>
+                </a:tc>
+                <a:tc>
+                  <a:txBody>
+                    <a:bodyPr/>
+                    <a:lstStyle/>
+                    <a:p>
+                      <a:pPr algn="ctr"/>
+                      <a:endParaRPr lang="en-US" dirty="0"/>
+                    </a:p>
+                  </a:txBody>
+                  <a:tcPr>
+                    <a:lnL w="12700" cap="flat" cmpd="sng" algn="ctr">
+                      <a:solidFill>
+                        <a:scrgbClr r="0" g="0" b="0"/>
+                      </a:solidFill>
+                      <a:prstDash val="solid"/>
+                      <a:round/>
+                      <a:headEnd type="none" w="med" len="med"/>
+                      <a:tailEnd type="none" w="med" len="med"/>
+                    </a:lnL>
+                    <a:lnB w="12700" cap="flat" cmpd="sng" algn="ctr">
+                      <a:solidFill>
+                        <a:scrgbClr r="0" g="0" b="0"/>
+                      </a:solidFill>
+                      <a:prstDash val="solid"/>
+                      <a:round/>
+                      <a:headEnd type="none" w="med" len="med"/>
+                      <a:tailEnd type="none" w="med" len="med"/>
+                    </a:lnB>
+                    <a:solidFill>
+                      <a:srgbClr val="DDDDDD"/>
+                    </a:solidFill>
+                  </a:tcPr>
+                </a:tc>
+                <a:tc>
+                  <a:txBody>
+                    <a:bodyPr/>
+                    <a:lstStyle/>
+                    <a:p>
+                      <a:pPr algn="ctr"/>
+                      <a:endParaRPr lang="en-US" dirty="0"/>
+                    </a:p>
+                  </a:txBody>
+                  <a:tcPr>
+                    <a:solidFill>
+                      <a:srgbClr val="DDDDDD"/>
+                    </a:solidFill>
+                  </a:tcPr>
+                </a:tc>
+                <a:tc>
+                  <a:txBody>
+                    <a:bodyPr/>
+                    <a:lstStyle/>
+                    <a:p>
+                      <a:pPr algn="ctr"/>
+                      <a:endParaRPr lang="en-US" dirty="0"/>
+                    </a:p>
+                  </a:txBody>
+                  <a:tcPr>
+                    <a:lnR w="12700" cap="flat" cmpd="sng" algn="ctr">
+                      <a:solidFill>
+                        <a:scrgbClr r="0" g="0" b="0"/>
+                      </a:solidFill>
+                      <a:prstDash val="solid"/>
+                      <a:round/>
+                      <a:headEnd type="none" w="med" len="med"/>
+                      <a:tailEnd type="none" w="med" len="med"/>
+                    </a:lnR>
+                    <a:solidFill>
+                      <a:srgbClr val="DDDDDD"/>
+                    </a:solidFill>
+                  </a:tcPr>
+                </a:tc>
+                <a:tc>
+                  <a:txBody>
+                    <a:bodyPr/>
+                    <a:lstStyle/>
+                    <a:p>
+                      <a:pPr marL="0" marR="0" indent="0" algn="ctr" defTabSz="457200" rtl="0" eaLnBrk="1" fontAlgn="auto" latinLnBrk="0" hangingPunct="1">
+                        <a:lnSpc>
+                          <a:spcPct val="100000"/>
+                        </a:lnSpc>
+                        <a:spcBef>
+                          <a:spcPts val="0"/>
+                        </a:spcBef>
+                        <a:spcAft>
+                          <a:spcPts val="0"/>
+                        </a:spcAft>
+                        <a:buClrTx/>
+                        <a:buSzTx/>
+                        <a:buFontTx/>
+                        <a:buNone/>
+                        <a:tabLst/>
+                        <a:defRPr/>
+                      </a:pPr>
+                      <a:r>
+                        <a:rPr lang="en-US" dirty="0">
+                          <a:solidFill>
+                            <a:srgbClr val="FF7B11"/>
+                          </a:solidFill>
+                        </a:rPr>
+                        <a:t>E</a:t>
+                      </a:r>
+                      <a:r>
+                        <a:rPr lang="en-US" baseline="-25000" dirty="0">
+                          <a:solidFill>
+                            <a:srgbClr val="FF7B11"/>
+                          </a:solidFill>
+                        </a:rPr>
+                        <a:t>6</a:t>
+                      </a:r>
+                      <a:r>
+                        <a:rPr lang="en-US" dirty="0">
+                          <a:solidFill>
+                            <a:srgbClr val="FF7B11"/>
+                          </a:solidFill>
+                        </a:rPr>
+                        <a:t>+…+E</a:t>
+                      </a:r>
+                      <a:r>
+                        <a:rPr lang="en-US" baseline="-25000" dirty="0">
+                          <a:solidFill>
+                            <a:srgbClr val="FF7B11"/>
+                          </a:solidFill>
+                        </a:rPr>
+                        <a:t>9</a:t>
+                      </a:r>
+                      <a:endParaRPr lang="en-US" dirty="0">
+                        <a:solidFill>
+                          <a:srgbClr val="FF7B11"/>
+                        </a:solidFill>
+                      </a:endParaRPr>
+                    </a:p>
+                  </a:txBody>
+                  <a:tcPr>
+                    <a:lnL w="12700" cap="flat" cmpd="sng" algn="ctr">
+                      <a:solidFill>
+                        <a:scrgbClr r="0" g="0" b="0"/>
+                      </a:solidFill>
+                      <a:prstDash val="solid"/>
+                      <a:round/>
+                      <a:headEnd type="none" w="med" len="med"/>
+                      <a:tailEnd type="none" w="med" len="med"/>
+                    </a:lnL>
+                    <a:lnR w="12700" cap="flat" cmpd="sng" algn="ctr">
+                      <a:solidFill>
+                        <a:scrgbClr r="0" g="0" b="0"/>
+                      </a:solidFill>
+                      <a:prstDash val="solid"/>
+                      <a:round/>
+                      <a:headEnd type="none" w="med" len="med"/>
+                      <a:tailEnd type="none" w="med" len="med"/>
+                    </a:lnR>
+                    <a:lnT w="12700" cap="flat" cmpd="sng" algn="ctr">
+                      <a:solidFill>
+                        <a:scrgbClr r="0" g="0" b="0"/>
+                      </a:solidFill>
+                      <a:prstDash val="solid"/>
+                      <a:round/>
+                      <a:headEnd type="none" w="med" len="med"/>
+                      <a:tailEnd type="none" w="med" len="med"/>
+                    </a:lnT>
+                    <a:lnB w="12700" cap="flat" cmpd="sng" algn="ctr">
+                      <a:solidFill>
+                        <a:scrgbClr r="0" g="0" b="0"/>
+                      </a:solidFill>
+                      <a:prstDash val="solid"/>
+                      <a:round/>
+                      <a:headEnd type="none" w="med" len="med"/>
+                      <a:tailEnd type="none" w="med" len="med"/>
+                    </a:lnB>
+                    <a:solidFill>
+                      <a:srgbClr val="DDDDDD"/>
+                    </a:solidFill>
+                  </a:tcPr>
+                </a:tc>
+                <a:extLst>
+                  <a:ext uri="{0D108BD9-81ED-4DB2-BD59-A6C34878D82A}">
+                    <a16:rowId xmlns:a16="http://schemas.microsoft.com/office/drawing/2014/main" val="10005"/>
+                  </a:ext>
+                </a:extLst>
+              </a:tr>
+              <a:tr h="369100">
+                <a:tc>
+                  <a:txBody>
+                    <a:bodyPr/>
+                    <a:lstStyle/>
+                    <a:p>
+                      <a:pPr algn="ctr"/>
+                      <a:r>
+                        <a:rPr lang="en-US" dirty="0">
+                          <a:solidFill>
+                            <a:srgbClr val="003D62"/>
+                          </a:solidFill>
+                        </a:rPr>
+                        <a:t>5</a:t>
+                      </a:r>
+                    </a:p>
+                  </a:txBody>
+                  <a:tcPr>
+                    <a:lnR w="12700" cap="flat" cmpd="sng" algn="ctr">
+                      <a:solidFill>
+                        <a:scrgbClr r="0" g="0" b="0"/>
+                      </a:solidFill>
+                      <a:prstDash val="solid"/>
+                      <a:round/>
+                      <a:headEnd type="none" w="med" len="med"/>
+                      <a:tailEnd type="none" w="med" len="med"/>
+                    </a:lnR>
+                    <a:noFill/>
+                  </a:tcPr>
+                </a:tc>
+                <a:tc>
+                  <a:txBody>
+                    <a:bodyPr/>
+                    <a:lstStyle/>
+                    <a:p>
+                      <a:pPr algn="ctr"/>
+                      <a:r>
+                        <a:rPr lang="en-US" dirty="0"/>
+                        <a:t>10</a:t>
+                      </a:r>
+                    </a:p>
+                  </a:txBody>
+                  <a:tcPr>
+                    <a:lnL w="12700" cap="flat" cmpd="sng" algn="ctr">
+                      <a:solidFill>
+                        <a:scrgbClr r="0" g="0" b="0"/>
+                      </a:solidFill>
+                      <a:prstDash val="solid"/>
+                      <a:round/>
+                      <a:headEnd type="none" w="med" len="med"/>
+                      <a:tailEnd type="none" w="med" len="med"/>
+                    </a:lnL>
+                    <a:lnR w="12700" cap="flat" cmpd="sng" algn="ctr">
+                      <a:solidFill>
+                        <a:scrgbClr r="0" g="0" b="0"/>
+                      </a:solidFill>
+                      <a:prstDash val="solid"/>
+                      <a:round/>
+                      <a:headEnd type="none" w="med" len="med"/>
+                      <a:tailEnd type="none" w="med" len="med"/>
+                    </a:lnR>
+                    <a:lnT w="12700" cap="flat" cmpd="sng" algn="ctr">
+                      <a:solidFill>
+                        <a:scrgbClr r="0" g="0" b="0"/>
+                      </a:solidFill>
+                      <a:prstDash val="solid"/>
+                      <a:round/>
+                      <a:headEnd type="none" w="med" len="med"/>
+                      <a:tailEnd type="none" w="med" len="med"/>
+                    </a:lnT>
+                    <a:lnB w="12700" cap="flat" cmpd="sng" algn="ctr">
+                      <a:solidFill>
+                        <a:schemeClr val="tx1"/>
+                      </a:solidFill>
+                      <a:prstDash val="solid"/>
+                      <a:round/>
+                      <a:headEnd type="none" w="med" len="med"/>
+                      <a:tailEnd type="none" w="med" len="med"/>
+                    </a:lnB>
+                    <a:solidFill>
+                      <a:srgbClr val="A6A6A6"/>
+                    </a:solidFill>
+                  </a:tcPr>
+                </a:tc>
+                <a:tc>
+                  <a:txBody>
+                    <a:bodyPr/>
+                    <a:lstStyle/>
+                    <a:p>
+                      <a:pPr algn="ctr"/>
+                      <a:r>
+                        <a:rPr lang="en-US" dirty="0"/>
+                        <a:t>11</a:t>
+                      </a:r>
+                    </a:p>
+                  </a:txBody>
+                  <a:tcPr>
+                    <a:lnL w="12700" cap="flat" cmpd="sng" algn="ctr">
+                      <a:solidFill>
+                        <a:scrgbClr r="0" g="0" b="0"/>
+                      </a:solidFill>
+                      <a:prstDash val="solid"/>
+                      <a:round/>
+                      <a:headEnd type="none" w="med" len="med"/>
+                      <a:tailEnd type="none" w="med" len="med"/>
+                    </a:lnL>
+                    <a:lnR w="12700" cap="flat" cmpd="sng" algn="ctr">
+                      <a:solidFill>
+                        <a:scrgbClr r="0" g="0" b="0"/>
+                      </a:solidFill>
+                      <a:prstDash val="solid"/>
+                      <a:round/>
+                      <a:headEnd type="none" w="med" len="med"/>
+                      <a:tailEnd type="none" w="med" len="med"/>
+                    </a:lnR>
+                    <a:lnT w="12700" cap="flat" cmpd="sng" algn="ctr">
+                      <a:solidFill>
+                        <a:scrgbClr r="0" g="0" b="0"/>
+                      </a:solidFill>
+                      <a:prstDash val="solid"/>
+                      <a:round/>
+                      <a:headEnd type="none" w="med" len="med"/>
+                      <a:tailEnd type="none" w="med" len="med"/>
+                    </a:lnT>
+                    <a:lnB w="12700" cap="flat" cmpd="sng" algn="ctr">
+                      <a:solidFill>
+                        <a:schemeClr val="tx1"/>
+                      </a:solidFill>
+                      <a:prstDash val="solid"/>
+                      <a:round/>
+                      <a:headEnd type="none" w="med" len="med"/>
+                      <a:tailEnd type="none" w="med" len="med"/>
+                    </a:lnB>
+                    <a:solidFill>
+                      <a:srgbClr val="A6A6A6"/>
+                    </a:solidFill>
+                  </a:tcPr>
+                </a:tc>
+                <a:tc>
+                  <a:txBody>
+                    <a:bodyPr/>
+                    <a:lstStyle/>
+                    <a:p>
+                      <a:pPr algn="ctr"/>
+                      <a:r>
+                        <a:rPr lang="en-US" dirty="0"/>
+                        <a:t>12</a:t>
+                      </a:r>
+                    </a:p>
+                  </a:txBody>
+                  <a:tcPr>
+                    <a:lnL w="12700" cap="flat" cmpd="sng" algn="ctr">
+                      <a:solidFill>
+                        <a:scrgbClr r="0" g="0" b="0"/>
+                      </a:solidFill>
+                      <a:prstDash val="solid"/>
+                      <a:round/>
+                      <a:headEnd type="none" w="med" len="med"/>
+                      <a:tailEnd type="none" w="med" len="med"/>
+                    </a:lnL>
+                    <a:lnR w="12700" cap="flat" cmpd="sng" algn="ctr">
+                      <a:solidFill>
+                        <a:scrgbClr r="0" g="0" b="0"/>
+                      </a:solidFill>
+                      <a:prstDash val="solid"/>
+                      <a:round/>
+                      <a:headEnd type="none" w="med" len="med"/>
+                      <a:tailEnd type="none" w="med" len="med"/>
+                    </a:lnR>
+                    <a:lnT w="12700" cap="flat" cmpd="sng" algn="ctr">
+                      <a:solidFill>
+                        <a:scrgbClr r="0" g="0" b="0"/>
+                      </a:solidFill>
+                      <a:prstDash val="solid"/>
+                      <a:round/>
+                      <a:headEnd type="none" w="med" len="med"/>
+                      <a:tailEnd type="none" w="med" len="med"/>
+                    </a:lnT>
+                    <a:lnB w="12700" cap="flat" cmpd="sng" algn="ctr">
+                      <a:solidFill>
+                        <a:schemeClr val="tx1"/>
+                      </a:solidFill>
+                      <a:prstDash val="solid"/>
+                      <a:round/>
+                      <a:headEnd type="none" w="med" len="med"/>
+                      <a:tailEnd type="none" w="med" len="med"/>
+                    </a:lnB>
+                    <a:solidFill>
+                      <a:srgbClr val="A6A6A6"/>
+                    </a:solidFill>
+                  </a:tcPr>
+                </a:tc>
+                <a:tc>
+                  <a:txBody>
+                    <a:bodyPr/>
+                    <a:lstStyle/>
+                    <a:p>
+                      <a:pPr algn="ctr"/>
+                      <a:r>
+                        <a:rPr lang="en-US" dirty="0"/>
+                        <a:t>13</a:t>
+                      </a:r>
+                    </a:p>
+                  </a:txBody>
+                  <a:tcPr>
+                    <a:lnL w="12700" cap="flat" cmpd="sng" algn="ctr">
+                      <a:solidFill>
+                        <a:scrgbClr r="0" g="0" b="0"/>
+                      </a:solidFill>
+                      <a:prstDash val="solid"/>
+                      <a:round/>
+                      <a:headEnd type="none" w="med" len="med"/>
+                      <a:tailEnd type="none" w="med" len="med"/>
+                    </a:lnL>
+                    <a:lnR w="12700" cap="flat" cmpd="sng" algn="ctr">
+                      <a:solidFill>
+                        <a:scrgbClr r="0" g="0" b="0"/>
+                      </a:solidFill>
+                      <a:prstDash val="solid"/>
+                      <a:round/>
+                      <a:headEnd type="none" w="med" len="med"/>
+                      <a:tailEnd type="none" w="med" len="med"/>
+                    </a:lnR>
+                    <a:lnT w="12700" cap="flat" cmpd="sng" algn="ctr">
+                      <a:solidFill>
+                        <a:scrgbClr r="0" g="0" b="0"/>
+                      </a:solidFill>
+                      <a:prstDash val="solid"/>
+                      <a:round/>
+                      <a:headEnd type="none" w="med" len="med"/>
+                      <a:tailEnd type="none" w="med" len="med"/>
+                    </a:lnT>
+                    <a:lnB w="12700" cap="flat" cmpd="sng" algn="ctr">
+                      <a:solidFill>
+                        <a:schemeClr val="tx1"/>
+                      </a:solidFill>
+                      <a:prstDash val="solid"/>
+                      <a:round/>
+                      <a:headEnd type="none" w="med" len="med"/>
+                      <a:tailEnd type="none" w="med" len="med"/>
+                    </a:lnB>
+                    <a:solidFill>
+                      <a:srgbClr val="A6A6A6"/>
+                    </a:solidFill>
+                  </a:tcPr>
+                </a:tc>
+                <a:tc>
+                  <a:txBody>
+                    <a:bodyPr/>
+                    <a:lstStyle/>
+                    <a:p>
+                      <a:pPr algn="ctr"/>
+                      <a:r>
+                        <a:rPr lang="en-US" dirty="0"/>
+                        <a:t>14</a:t>
+                      </a:r>
+                    </a:p>
+                  </a:txBody>
+                  <a:tcPr>
+                    <a:lnL w="12700" cap="flat" cmpd="sng" algn="ctr">
+                      <a:solidFill>
+                        <a:scrgbClr r="0" g="0" b="0"/>
+                      </a:solidFill>
+                      <a:prstDash val="solid"/>
+                      <a:round/>
+                      <a:headEnd type="none" w="med" len="med"/>
+                      <a:tailEnd type="none" w="med" len="med"/>
+                    </a:lnL>
+                    <a:lnR w="12700" cap="flat" cmpd="sng" algn="ctr">
+                      <a:solidFill>
+                        <a:scrgbClr r="0" g="0" b="0"/>
+                      </a:solidFill>
+                      <a:prstDash val="solid"/>
+                      <a:round/>
+                      <a:headEnd type="none" w="med" len="med"/>
+                      <a:tailEnd type="none" w="med" len="med"/>
+                    </a:lnR>
+                    <a:lnT w="12700" cap="flat" cmpd="sng" algn="ctr">
+                      <a:solidFill>
+                        <a:scrgbClr r="0" g="0" b="0"/>
+                      </a:solidFill>
+                      <a:prstDash val="solid"/>
+                      <a:round/>
+                      <a:headEnd type="none" w="med" len="med"/>
+                      <a:tailEnd type="none" w="med" len="med"/>
+                    </a:lnT>
+                    <a:lnB w="12700" cap="flat" cmpd="sng" algn="ctr">
+                      <a:solidFill>
+                        <a:schemeClr val="tx1"/>
+                      </a:solidFill>
+                      <a:prstDash val="solid"/>
+                      <a:round/>
+                      <a:headEnd type="none" w="med" len="med"/>
+                      <a:tailEnd type="none" w="med" len="med"/>
+                    </a:lnB>
+                    <a:solidFill>
+                      <a:srgbClr val="FF7B11"/>
+                    </a:solidFill>
+                  </a:tcPr>
+                </a:tc>
+                <a:tc>
+                  <a:txBody>
+                    <a:bodyPr/>
+                    <a:lstStyle/>
+                    <a:p>
+                      <a:pPr algn="ctr"/>
+                      <a:endParaRPr lang="en-US" dirty="0"/>
+                    </a:p>
+                  </a:txBody>
+                  <a:tcPr>
+                    <a:lnL w="12700" cap="flat" cmpd="sng" algn="ctr">
+                      <a:solidFill>
+                        <a:scrgbClr r="0" g="0" b="0"/>
+                      </a:solidFill>
+                      <a:prstDash val="solid"/>
+                      <a:round/>
+                      <a:headEnd type="none" w="med" len="med"/>
+                      <a:tailEnd type="none" w="med" len="med"/>
+                    </a:lnL>
+                    <a:lnB w="12700" cap="flat" cmpd="sng" algn="ctr">
+                      <a:solidFill>
+                        <a:schemeClr val="tx1"/>
+                      </a:solidFill>
+                      <a:prstDash val="solid"/>
+                      <a:round/>
+                      <a:headEnd type="none" w="med" len="med"/>
+                      <a:tailEnd type="none" w="med" len="med"/>
+                    </a:lnB>
+                    <a:solidFill>
+                      <a:srgbClr val="DDDDDD"/>
+                    </a:solidFill>
+                  </a:tcPr>
+                </a:tc>
+                <a:tc>
+                  <a:txBody>
+                    <a:bodyPr/>
+                    <a:lstStyle/>
+                    <a:p>
+                      <a:pPr algn="ctr"/>
+                      <a:endParaRPr lang="en-US" dirty="0"/>
+                    </a:p>
+                  </a:txBody>
+                  <a:tcPr>
+                    <a:lnR w="12700" cap="flat" cmpd="sng" algn="ctr">
+                      <a:solidFill>
+                        <a:scrgbClr r="0" g="0" b="0"/>
+                      </a:solidFill>
+                      <a:prstDash val="solid"/>
+                      <a:round/>
+                      <a:headEnd type="none" w="med" len="med"/>
+                      <a:tailEnd type="none" w="med" len="med"/>
+                    </a:lnR>
+                    <a:solidFill>
+                      <a:srgbClr val="DDDDDD"/>
+                    </a:solidFill>
+                  </a:tcPr>
+                </a:tc>
+                <a:tc>
+                  <a:txBody>
+                    <a:bodyPr/>
+                    <a:lstStyle/>
+                    <a:p>
+                      <a:pPr marL="0" marR="0" indent="0" algn="ctr" defTabSz="457200" rtl="0" eaLnBrk="1" fontAlgn="auto" latinLnBrk="0" hangingPunct="1">
+                        <a:lnSpc>
+                          <a:spcPct val="100000"/>
+                        </a:lnSpc>
+                        <a:spcBef>
+                          <a:spcPts val="0"/>
+                        </a:spcBef>
+                        <a:spcAft>
+                          <a:spcPts val="0"/>
+                        </a:spcAft>
+                        <a:buClrTx/>
+                        <a:buSzTx/>
+                        <a:buFontTx/>
+                        <a:buNone/>
+                        <a:tabLst/>
+                        <a:defRPr/>
+                      </a:pPr>
+                      <a:r>
+                        <a:rPr lang="en-US" dirty="0"/>
+                        <a:t>E</a:t>
+                      </a:r>
+                      <a:r>
+                        <a:rPr lang="en-US" baseline="-25000" dirty="0"/>
+                        <a:t>10</a:t>
+                      </a:r>
+                      <a:r>
+                        <a:rPr lang="en-US" dirty="0"/>
+                        <a:t>+…+E</a:t>
+                      </a:r>
+                      <a:r>
+                        <a:rPr lang="en-US" baseline="-25000" dirty="0"/>
+                        <a:t>14</a:t>
+                      </a:r>
+                      <a:r>
+                        <a:rPr lang="en-US" dirty="0"/>
+                        <a:t>-E</a:t>
+                      </a:r>
+                      <a:r>
+                        <a:rPr lang="en-US" baseline="-25000" dirty="0"/>
+                        <a:t>14</a:t>
+                      </a:r>
+                      <a:r>
+                        <a:rPr lang="en-US" dirty="0">
+                          <a:solidFill>
+                            <a:srgbClr val="FF7B11"/>
+                          </a:solidFill>
+                        </a:rPr>
+                        <a:t>-E</a:t>
+                      </a:r>
+                      <a:r>
+                        <a:rPr lang="en-US" baseline="-25000" dirty="0">
+                          <a:solidFill>
+                            <a:srgbClr val="FF7B11"/>
+                          </a:solidFill>
+                        </a:rPr>
+                        <a:t>14</a:t>
+                      </a:r>
+                    </a:p>
+                  </a:txBody>
+                  <a:tcPr>
+                    <a:lnL w="12700" cap="flat" cmpd="sng" algn="ctr">
+                      <a:solidFill>
+                        <a:scrgbClr r="0" g="0" b="0"/>
+                      </a:solidFill>
+                      <a:prstDash val="solid"/>
+                      <a:round/>
+                      <a:headEnd type="none" w="med" len="med"/>
+                      <a:tailEnd type="none" w="med" len="med"/>
+                    </a:lnL>
+                    <a:lnR w="12700" cap="flat" cmpd="sng" algn="ctr">
+                      <a:solidFill>
+                        <a:scrgbClr r="0" g="0" b="0"/>
+                      </a:solidFill>
+                      <a:prstDash val="solid"/>
+                      <a:round/>
+                      <a:headEnd type="none" w="med" len="med"/>
+                      <a:tailEnd type="none" w="med" len="med"/>
+                    </a:lnR>
+                    <a:lnT w="12700" cap="flat" cmpd="sng" algn="ctr">
+                      <a:solidFill>
+                        <a:scrgbClr r="0" g="0" b="0"/>
+                      </a:solidFill>
+                      <a:prstDash val="solid"/>
+                      <a:round/>
+                      <a:headEnd type="none" w="med" len="med"/>
+                      <a:tailEnd type="none" w="med" len="med"/>
+                    </a:lnT>
+                    <a:lnB w="12700" cap="flat" cmpd="sng" algn="ctr">
+                      <a:solidFill>
+                        <a:scrgbClr r="0" g="0" b="0"/>
+                      </a:solidFill>
+                      <a:prstDash val="solid"/>
+                      <a:round/>
+                      <a:headEnd type="none" w="med" len="med"/>
+                      <a:tailEnd type="none" w="med" len="med"/>
+                    </a:lnB>
+                    <a:solidFill>
+                      <a:srgbClr val="DDDDDD"/>
+                    </a:solidFill>
+                  </a:tcPr>
+                </a:tc>
+                <a:extLst>
+                  <a:ext uri="{0D108BD9-81ED-4DB2-BD59-A6C34878D82A}">
+                    <a16:rowId xmlns:a16="http://schemas.microsoft.com/office/drawing/2014/main" val="10006"/>
+                  </a:ext>
+                </a:extLst>
+              </a:tr>
+              <a:tr h="369100">
+                <a:tc>
+                  <a:txBody>
+                    <a:bodyPr/>
+                    <a:lstStyle/>
+                    <a:p>
+                      <a:pPr algn="ctr"/>
+                      <a:r>
+                        <a:rPr lang="en-US" dirty="0">
+                          <a:solidFill>
+                            <a:srgbClr val="003D62"/>
+                          </a:solidFill>
+                        </a:rPr>
+                        <a:t>6</a:t>
+                      </a:r>
+                    </a:p>
+                  </a:txBody>
+                  <a:tcPr>
+                    <a:lnR w="12700" cap="flat" cmpd="sng" algn="ctr">
+                      <a:solidFill>
+                        <a:schemeClr val="tx1"/>
+                      </a:solidFill>
+                      <a:prstDash val="solid"/>
+                      <a:round/>
+                      <a:headEnd type="none" w="med" len="med"/>
+                      <a:tailEnd type="none" w="med" len="med"/>
+                    </a:lnR>
+                    <a:noFill/>
+                  </a:tcPr>
+                </a:tc>
+                <a:tc>
+                  <a:txBody>
+                    <a:bodyPr/>
+                    <a:lstStyle/>
+                    <a:p>
+                      <a:pPr algn="ctr"/>
+                      <a:r>
+                        <a:rPr lang="en-US" dirty="0"/>
+                        <a:t>15</a:t>
+                      </a:r>
+                    </a:p>
+                  </a:txBody>
+                  <a:tcPr>
+                    <a:lnL w="12700" cap="flat" cmpd="sng" algn="ctr">
+                      <a:solidFill>
+                        <a:schemeClr val="tx1"/>
+                      </a:solidFill>
+                      <a:prstDash val="solid"/>
+                      <a:round/>
+                      <a:headEnd type="none" w="med" len="med"/>
+                      <a:tailEnd type="none" w="med" len="med"/>
+                    </a:lnL>
+                    <a:lnR w="12700" cap="flat" cmpd="sng" algn="ctr">
+                      <a:solidFill>
+                        <a:schemeClr val="tx1"/>
+                      </a:solidFill>
+                      <a:prstDash val="solid"/>
+                      <a:round/>
+                      <a:headEnd type="none" w="med" len="med"/>
+                      <a:tailEnd type="none" w="med" len="med"/>
+                    </a:lnR>
+                    <a:lnT w="12700" cap="flat" cmpd="sng" algn="ctr">
+                      <a:solidFill>
+                        <a:schemeClr val="tx1"/>
+                      </a:solidFill>
+                      <a:prstDash val="solid"/>
+                      <a:round/>
+                      <a:headEnd type="none" w="med" len="med"/>
+                      <a:tailEnd type="none" w="med" len="med"/>
+                    </a:lnT>
+                    <a:lnB w="12700" cap="flat" cmpd="sng" algn="ctr">
+                      <a:solidFill>
+                        <a:schemeClr val="tx1"/>
+                      </a:solidFill>
+                      <a:prstDash val="solid"/>
+                      <a:round/>
+                      <a:headEnd type="none" w="med" len="med"/>
+                      <a:tailEnd type="none" w="med" len="med"/>
+                    </a:lnB>
+                    <a:solidFill>
+                      <a:srgbClr val="A6A6A6"/>
+                    </a:solidFill>
+                  </a:tcPr>
+                </a:tc>
+                <a:tc>
+                  <a:txBody>
+                    <a:bodyPr/>
+                    <a:lstStyle/>
+                    <a:p>
+                      <a:pPr algn="ctr"/>
+                      <a:r>
+                        <a:rPr lang="en-US" dirty="0"/>
+                        <a:t>16</a:t>
+                      </a:r>
+                    </a:p>
+                  </a:txBody>
+                  <a:tcPr>
+                    <a:lnL w="12700" cap="flat" cmpd="sng" algn="ctr">
+                      <a:solidFill>
+                        <a:schemeClr val="tx1"/>
+                      </a:solidFill>
+                      <a:prstDash val="solid"/>
+                      <a:round/>
+                      <a:headEnd type="none" w="med" len="med"/>
+                      <a:tailEnd type="none" w="med" len="med"/>
+                    </a:lnL>
+                    <a:lnR w="12700" cap="flat" cmpd="sng" algn="ctr">
+                      <a:solidFill>
+                        <a:schemeClr val="tx1"/>
+                      </a:solidFill>
+                      <a:prstDash val="solid"/>
+                      <a:round/>
+                      <a:headEnd type="none" w="med" len="med"/>
+                      <a:tailEnd type="none" w="med" len="med"/>
+                    </a:lnR>
+                    <a:lnT w="12700" cap="flat" cmpd="sng" algn="ctr">
+                      <a:solidFill>
+                        <a:schemeClr val="tx1"/>
+                      </a:solidFill>
+                      <a:prstDash val="solid"/>
+                      <a:round/>
+                      <a:headEnd type="none" w="med" len="med"/>
+                      <a:tailEnd type="none" w="med" len="med"/>
+                    </a:lnT>
+                    <a:lnB w="12700" cap="flat" cmpd="sng" algn="ctr">
+                      <a:solidFill>
+                        <a:schemeClr val="tx1"/>
+                      </a:solidFill>
+                      <a:prstDash val="solid"/>
+                      <a:round/>
+                      <a:headEnd type="none" w="med" len="med"/>
+                      <a:tailEnd type="none" w="med" len="med"/>
+                    </a:lnB>
+                    <a:solidFill>
+                      <a:srgbClr val="A6A6A6"/>
+                    </a:solidFill>
+                  </a:tcPr>
+                </a:tc>
+                <a:tc>
+                  <a:txBody>
+                    <a:bodyPr/>
+                    <a:lstStyle/>
+                    <a:p>
+                      <a:pPr algn="ctr"/>
+                      <a:r>
+                        <a:rPr lang="en-US" dirty="0"/>
+                        <a:t>17</a:t>
+                      </a:r>
+                    </a:p>
+                  </a:txBody>
+                  <a:tcPr>
+                    <a:lnL w="12700" cap="flat" cmpd="sng" algn="ctr">
+                      <a:solidFill>
+                        <a:schemeClr val="tx1"/>
+                      </a:solidFill>
+                      <a:prstDash val="solid"/>
+                      <a:round/>
+                      <a:headEnd type="none" w="med" len="med"/>
+                      <a:tailEnd type="none" w="med" len="med"/>
+                    </a:lnL>
+                    <a:lnR w="12700" cap="flat" cmpd="sng" algn="ctr">
+                      <a:solidFill>
+                        <a:schemeClr val="tx1"/>
+                      </a:solidFill>
+                      <a:prstDash val="solid"/>
+                      <a:round/>
+                      <a:headEnd type="none" w="med" len="med"/>
+                      <a:tailEnd type="none" w="med" len="med"/>
+                    </a:lnR>
+                    <a:lnT w="12700" cap="flat" cmpd="sng" algn="ctr">
+                      <a:solidFill>
+                        <a:schemeClr val="tx1"/>
+                      </a:solidFill>
+                      <a:prstDash val="solid"/>
+                      <a:round/>
+                      <a:headEnd type="none" w="med" len="med"/>
+                      <a:tailEnd type="none" w="med" len="med"/>
+                    </a:lnT>
+                    <a:lnB w="12700" cap="flat" cmpd="sng" algn="ctr">
+                      <a:solidFill>
+                        <a:schemeClr val="tx1"/>
+                      </a:solidFill>
+                      <a:prstDash val="solid"/>
+                      <a:round/>
+                      <a:headEnd type="none" w="med" len="med"/>
+                      <a:tailEnd type="none" w="med" len="med"/>
+                    </a:lnB>
+                    <a:solidFill>
+                      <a:srgbClr val="A6A6A6"/>
+                    </a:solidFill>
+                  </a:tcPr>
+                </a:tc>
+                <a:tc>
+                  <a:txBody>
+                    <a:bodyPr/>
+                    <a:lstStyle/>
+                    <a:p>
+                      <a:pPr algn="ctr"/>
+                      <a:r>
+                        <a:rPr lang="en-US" dirty="0"/>
+                        <a:t>18</a:t>
+                      </a:r>
+                    </a:p>
+                  </a:txBody>
+                  <a:tcPr>
+                    <a:lnL w="12700" cap="flat" cmpd="sng" algn="ctr">
+                      <a:solidFill>
+                        <a:schemeClr val="tx1"/>
+                      </a:solidFill>
+                      <a:prstDash val="solid"/>
+                      <a:round/>
+                      <a:headEnd type="none" w="med" len="med"/>
+                      <a:tailEnd type="none" w="med" len="med"/>
+                    </a:lnL>
+                    <a:lnR w="12700" cap="flat" cmpd="sng" algn="ctr">
+                      <a:solidFill>
+                        <a:schemeClr val="tx1"/>
+                      </a:solidFill>
+                      <a:prstDash val="solid"/>
+                      <a:round/>
+                      <a:headEnd type="none" w="med" len="med"/>
+                      <a:tailEnd type="none" w="med" len="med"/>
+                    </a:lnR>
+                    <a:lnT w="12700" cap="flat" cmpd="sng" algn="ctr">
+                      <a:solidFill>
+                        <a:schemeClr val="tx1"/>
+                      </a:solidFill>
+                      <a:prstDash val="solid"/>
+                      <a:round/>
+                      <a:headEnd type="none" w="med" len="med"/>
+                      <a:tailEnd type="none" w="med" len="med"/>
+                    </a:lnT>
+                    <a:lnB w="12700" cap="flat" cmpd="sng" algn="ctr">
+                      <a:solidFill>
+                        <a:schemeClr val="tx1"/>
+                      </a:solidFill>
+                      <a:prstDash val="solid"/>
+                      <a:round/>
+                      <a:headEnd type="none" w="med" len="med"/>
+                      <a:tailEnd type="none" w="med" len="med"/>
+                    </a:lnB>
+                    <a:solidFill>
+                      <a:srgbClr val="A6A6A6"/>
+                    </a:solidFill>
+                  </a:tcPr>
+                </a:tc>
+                <a:tc>
+                  <a:txBody>
+                    <a:bodyPr/>
+                    <a:lstStyle/>
+                    <a:p>
+                      <a:pPr algn="ctr"/>
+                      <a:r>
+                        <a:rPr lang="en-US" dirty="0"/>
+                        <a:t>19</a:t>
+                      </a:r>
+                    </a:p>
+                  </a:txBody>
+                  <a:tcPr>
+                    <a:lnL w="12700" cap="flat" cmpd="sng" algn="ctr">
+                      <a:solidFill>
+                        <a:schemeClr val="tx1"/>
+                      </a:solidFill>
+                      <a:prstDash val="solid"/>
+                      <a:round/>
+                      <a:headEnd type="none" w="med" len="med"/>
+                      <a:tailEnd type="none" w="med" len="med"/>
+                    </a:lnL>
+                    <a:lnR w="12700" cap="flat" cmpd="sng" algn="ctr">
+                      <a:solidFill>
+                        <a:schemeClr val="tx1"/>
+                      </a:solidFill>
+                      <a:prstDash val="solid"/>
+                      <a:round/>
+                      <a:headEnd type="none" w="med" len="med"/>
+                      <a:tailEnd type="none" w="med" len="med"/>
+                    </a:lnR>
+                    <a:lnT w="12700" cap="flat" cmpd="sng" algn="ctr">
+                      <a:solidFill>
+                        <a:schemeClr val="tx1"/>
+                      </a:solidFill>
+                      <a:prstDash val="solid"/>
+                      <a:round/>
+                      <a:headEnd type="none" w="med" len="med"/>
+                      <a:tailEnd type="none" w="med" len="med"/>
+                    </a:lnT>
+                    <a:lnB w="12700" cap="flat" cmpd="sng" algn="ctr">
+                      <a:solidFill>
+                        <a:schemeClr val="tx1"/>
+                      </a:solidFill>
+                      <a:prstDash val="solid"/>
+                      <a:round/>
+                      <a:headEnd type="none" w="med" len="med"/>
+                      <a:tailEnd type="none" w="med" len="med"/>
+                    </a:lnB>
+                    <a:solidFill>
+                      <a:srgbClr val="FF7B11"/>
+                    </a:solidFill>
+                  </a:tcPr>
+                </a:tc>
+                <a:tc>
+                  <a:txBody>
+                    <a:bodyPr/>
+                    <a:lstStyle/>
+                    <a:p>
+                      <a:pPr algn="ctr"/>
+                      <a:r>
+                        <a:rPr lang="en-US" dirty="0"/>
+                        <a:t>20</a:t>
+                      </a:r>
+                    </a:p>
+                  </a:txBody>
+                  <a:tcPr>
+                    <a:lnL w="12700" cap="flat" cmpd="sng" algn="ctr">
+                      <a:solidFill>
+                        <a:schemeClr val="tx1"/>
+                      </a:solidFill>
+                      <a:prstDash val="solid"/>
+                      <a:round/>
+                      <a:headEnd type="none" w="med" len="med"/>
+                      <a:tailEnd type="none" w="med" len="med"/>
+                    </a:lnL>
+                    <a:lnR w="12700" cap="flat" cmpd="sng" algn="ctr">
+                      <a:solidFill>
+                        <a:schemeClr val="tx1"/>
+                      </a:solidFill>
+                      <a:prstDash val="solid"/>
+                      <a:round/>
+                      <a:headEnd type="none" w="med" len="med"/>
+                      <a:tailEnd type="none" w="med" len="med"/>
+                    </a:lnR>
+                    <a:lnT w="12700" cap="flat" cmpd="sng" algn="ctr">
+                      <a:solidFill>
+                        <a:schemeClr val="tx1"/>
+                      </a:solidFill>
+                      <a:prstDash val="solid"/>
+                      <a:round/>
+                      <a:headEnd type="none" w="med" len="med"/>
+                      <a:tailEnd type="none" w="med" len="med"/>
+                    </a:lnT>
+                    <a:lnB w="12700" cap="flat" cmpd="sng" algn="ctr">
+                      <a:solidFill>
+                        <a:schemeClr val="tx1"/>
+                      </a:solidFill>
+                      <a:prstDash val="solid"/>
+                      <a:round/>
+                      <a:headEnd type="none" w="med" len="med"/>
+                      <a:tailEnd type="none" w="med" len="med"/>
+                    </a:lnB>
+                    <a:solidFill>
+                      <a:srgbClr val="A6A6A6"/>
+                    </a:solidFill>
+                  </a:tcPr>
+                </a:tc>
+                <a:tc>
+                  <a:txBody>
+                    <a:bodyPr/>
+                    <a:lstStyle/>
+                    <a:p>
+                      <a:pPr algn="ctr"/>
+                      <a:endParaRPr lang="en-US" dirty="0"/>
+                    </a:p>
+                  </a:txBody>
+                  <a:tcPr>
+                    <a:lnL w="12700" cap="flat" cmpd="sng" algn="ctr">
+                      <a:solidFill>
+                        <a:schemeClr val="tx1"/>
+                      </a:solidFill>
+                      <a:prstDash val="solid"/>
+                      <a:round/>
+                      <a:headEnd type="none" w="med" len="med"/>
+                      <a:tailEnd type="none" w="med" len="med"/>
+                    </a:lnL>
+                    <a:lnR w="12700" cap="flat" cmpd="sng" algn="ctr">
+                      <a:solidFill>
+                        <a:scrgbClr r="0" g="0" b="0"/>
+                      </a:solidFill>
+                      <a:prstDash val="solid"/>
+                      <a:round/>
+                      <a:headEnd type="none" w="med" len="med"/>
+                      <a:tailEnd type="none" w="med" len="med"/>
+                    </a:lnR>
+                    <a:lnB w="12700" cap="flat" cmpd="sng" algn="ctr">
+                      <a:noFill/>
+                      <a:prstDash val="solid"/>
+                      <a:round/>
+                      <a:headEnd type="none" w="med" len="med"/>
+                      <a:tailEnd type="none" w="med" len="med"/>
+                    </a:lnB>
+                    <a:solidFill>
+                      <a:srgbClr val="DDDDDD"/>
+                    </a:solidFill>
+                  </a:tcPr>
+                </a:tc>
+                <a:tc>
+                  <a:txBody>
+                    <a:bodyPr/>
+                    <a:lstStyle/>
+                    <a:p>
+                      <a:pPr marL="0" marR="0" indent="0" algn="ctr" defTabSz="457200" rtl="0" eaLnBrk="1" fontAlgn="auto" latinLnBrk="0" hangingPunct="1">
+                        <a:lnSpc>
+                          <a:spcPct val="100000"/>
+                        </a:lnSpc>
+                        <a:spcBef>
+                          <a:spcPts val="0"/>
+                        </a:spcBef>
+                        <a:spcAft>
+                          <a:spcPts val="0"/>
+                        </a:spcAft>
+                        <a:buClrTx/>
+                        <a:buSzTx/>
+                        <a:buFontTx/>
+                        <a:buNone/>
+                        <a:tabLst/>
+                        <a:defRPr/>
+                      </a:pPr>
+                      <a:r>
+                        <a:rPr lang="en-US" dirty="0"/>
+                        <a:t>E</a:t>
+                      </a:r>
+                      <a:r>
+                        <a:rPr lang="en-US" baseline="-25000" dirty="0"/>
+                        <a:t>15</a:t>
+                      </a:r>
+                      <a:r>
+                        <a:rPr lang="en-US" dirty="0"/>
+                        <a:t>+…+E</a:t>
+                      </a:r>
+                      <a:r>
+                        <a:rPr lang="en-US" baseline="-25000" dirty="0"/>
+                        <a:t>20</a:t>
+                      </a:r>
+                      <a:r>
+                        <a:rPr lang="en-US" dirty="0"/>
+                        <a:t>-</a:t>
+                      </a:r>
+                      <a:r>
+                        <a:rPr lang="en-US" dirty="0">
+                          <a:solidFill>
+                            <a:schemeClr val="tx1"/>
+                          </a:solidFill>
+                        </a:rPr>
+                        <a:t>E</a:t>
+                      </a:r>
+                      <a:r>
+                        <a:rPr lang="en-US" baseline="-25000" dirty="0">
+                          <a:solidFill>
+                            <a:schemeClr val="tx1"/>
+                          </a:solidFill>
+                        </a:rPr>
+                        <a:t>19</a:t>
+                      </a:r>
+                      <a:r>
+                        <a:rPr lang="en-US" dirty="0"/>
+                        <a:t>+</a:t>
+                      </a:r>
+                      <a:r>
+                        <a:rPr lang="en-US" dirty="0">
+                          <a:solidFill>
+                            <a:srgbClr val="FF7B11"/>
+                          </a:solidFill>
+                        </a:rPr>
+                        <a:t>E</a:t>
+                      </a:r>
+                      <a:r>
+                        <a:rPr lang="en-US" baseline="-25000" dirty="0">
+                          <a:solidFill>
+                            <a:srgbClr val="FF7B11"/>
+                          </a:solidFill>
+                        </a:rPr>
+                        <a:t>19</a:t>
+                      </a:r>
+                      <a:endParaRPr lang="en-US" baseline="-25000" dirty="0"/>
+                    </a:p>
+                  </a:txBody>
+                  <a:tcPr>
+                    <a:lnL w="12700" cap="flat" cmpd="sng" algn="ctr">
+                      <a:solidFill>
+                        <a:scrgbClr r="0" g="0" b="0"/>
+                      </a:solidFill>
+                      <a:prstDash val="solid"/>
+                      <a:round/>
+                      <a:headEnd type="none" w="med" len="med"/>
+                      <a:tailEnd type="none" w="med" len="med"/>
+                    </a:lnL>
+                    <a:lnR w="12700" cap="flat" cmpd="sng" algn="ctr">
+                      <a:solidFill>
+                        <a:scrgbClr r="0" g="0" b="0"/>
+                      </a:solidFill>
+                      <a:prstDash val="solid"/>
+                      <a:round/>
+                      <a:headEnd type="none" w="med" len="med"/>
+                      <a:tailEnd type="none" w="med" len="med"/>
+                    </a:lnR>
+                    <a:lnT w="12700" cap="flat" cmpd="sng" algn="ctr">
+                      <a:solidFill>
+                        <a:scrgbClr r="0" g="0" b="0"/>
+                      </a:solidFill>
+                      <a:prstDash val="solid"/>
+                      <a:round/>
+                      <a:headEnd type="none" w="med" len="med"/>
+                      <a:tailEnd type="none" w="med" len="med"/>
+                    </a:lnT>
+                    <a:lnB w="38100" cap="flat" cmpd="sng" algn="ctr">
+                      <a:solidFill>
+                        <a:schemeClr val="tx1"/>
+                      </a:solidFill>
+                      <a:prstDash val="solid"/>
+                      <a:round/>
+                      <a:headEnd type="none" w="med" len="med"/>
+                      <a:tailEnd type="none" w="med" len="med"/>
+                    </a:lnB>
+                    <a:solidFill>
+                      <a:srgbClr val="DDDDDD"/>
+                    </a:solidFill>
+                  </a:tcPr>
+                </a:tc>
+                <a:extLst>
+                  <a:ext uri="{0D108BD9-81ED-4DB2-BD59-A6C34878D82A}">
+                    <a16:rowId xmlns:a16="http://schemas.microsoft.com/office/drawing/2014/main" val="10007"/>
+                  </a:ext>
+                </a:extLst>
+              </a:tr>
+              <a:tr h="369100">
+                <a:tc>
+                  <a:txBody>
+                    <a:bodyPr/>
+                    <a:lstStyle/>
+                    <a:p>
+                      <a:pPr algn="ctr"/>
+                      <a:endParaRPr lang="en-US" dirty="0">
+                        <a:solidFill>
+                          <a:srgbClr val="003D62"/>
+                        </a:solidFill>
+                      </a:endParaRPr>
+                    </a:p>
+                  </a:txBody>
+                  <a:tcPr>
+                    <a:lnR w="12700" cap="flat" cmpd="sng" algn="ctr">
+                      <a:noFill/>
+                      <a:prstDash val="solid"/>
+                      <a:round/>
+                      <a:headEnd type="none" w="med" len="med"/>
+                      <a:tailEnd type="none" w="med" len="med"/>
+                    </a:lnR>
+                    <a:noFill/>
+                  </a:tcPr>
+                </a:tc>
+                <a:tc>
+                  <a:txBody>
+                    <a:bodyPr/>
+                    <a:lstStyle/>
+                    <a:p>
+                      <a:pPr algn="ctr"/>
+                      <a:endParaRPr lang="en-US" dirty="0"/>
+                    </a:p>
+                  </a:txBody>
+                  <a:tcPr>
+                    <a:lnL w="12700" cap="flat" cmpd="sng" algn="ctr">
+                      <a:noFill/>
+                      <a:prstDash val="solid"/>
+                      <a:round/>
+                      <a:headEnd type="none" w="med" len="med"/>
+                      <a:tailEnd type="none" w="med" len="med"/>
+                    </a:lnL>
+                    <a:lnR w="12700" cap="flat" cmpd="sng" algn="ctr">
+                      <a:noFill/>
+                      <a:prstDash val="solid"/>
+                      <a:round/>
+                      <a:headEnd type="none" w="med" len="med"/>
+                      <a:tailEnd type="none" w="med" len="med"/>
+                    </a:lnR>
+                    <a:lnT w="12700" cap="flat" cmpd="sng" algn="ctr">
+                      <a:solidFill>
+                        <a:schemeClr val="tx1"/>
+                      </a:solidFill>
+                      <a:prstDash val="solid"/>
+                      <a:round/>
+                      <a:headEnd type="none" w="med" len="med"/>
+                      <a:tailEnd type="none" w="med" len="med"/>
+                    </a:lnT>
+                    <a:lnB w="12700" cap="flat" cmpd="sng" algn="ctr">
+                      <a:noFill/>
+                      <a:prstDash val="solid"/>
+                      <a:round/>
+                      <a:headEnd type="none" w="med" len="med"/>
+                      <a:tailEnd type="none" w="med" len="med"/>
+                    </a:lnB>
+                    <a:lnTlToBr w="12700" cmpd="sng">
+                      <a:noFill/>
+                      <a:prstDash val="solid"/>
+                    </a:lnTlToBr>
+                    <a:lnBlToTr w="12700" cmpd="sng">
+                      <a:noFill/>
+                      <a:prstDash val="solid"/>
+                    </a:lnBlToTr>
+                    <a:noFill/>
+                  </a:tcPr>
+                </a:tc>
+                <a:tc>
+                  <a:txBody>
+                    <a:bodyPr/>
+                    <a:lstStyle/>
+                    <a:p>
+                      <a:pPr algn="ctr"/>
+                      <a:endParaRPr lang="en-US" dirty="0"/>
+                    </a:p>
+                  </a:txBody>
+                  <a:tcPr>
+                    <a:lnL w="12700" cap="flat" cmpd="sng" algn="ctr">
+                      <a:noFill/>
+                      <a:prstDash val="solid"/>
+                      <a:round/>
+                      <a:headEnd type="none" w="med" len="med"/>
+                      <a:tailEnd type="none" w="med" len="med"/>
+                    </a:lnL>
+                    <a:lnR w="12700" cap="flat" cmpd="sng" algn="ctr">
+                      <a:noFill/>
+                      <a:prstDash val="solid"/>
+                      <a:round/>
+                      <a:headEnd type="none" w="med" len="med"/>
+                      <a:tailEnd type="none" w="med" len="med"/>
+                    </a:lnR>
+                    <a:lnT w="12700" cap="flat" cmpd="sng" algn="ctr">
+                      <a:solidFill>
+                        <a:schemeClr val="tx1"/>
+                      </a:solidFill>
+                      <a:prstDash val="solid"/>
+                      <a:round/>
+                      <a:headEnd type="none" w="med" len="med"/>
+                      <a:tailEnd type="none" w="med" len="med"/>
+                    </a:lnT>
+                    <a:lnB w="12700" cap="flat" cmpd="sng" algn="ctr">
+                      <a:noFill/>
+                      <a:prstDash val="solid"/>
+                      <a:round/>
+                      <a:headEnd type="none" w="med" len="med"/>
+                      <a:tailEnd type="none" w="med" len="med"/>
+                    </a:lnB>
+                    <a:lnTlToBr w="12700" cmpd="sng">
+                      <a:noFill/>
+                      <a:prstDash val="solid"/>
+                    </a:lnTlToBr>
+                    <a:lnBlToTr w="12700" cmpd="sng">
+                      <a:noFill/>
+                      <a:prstDash val="solid"/>
+                    </a:lnBlToTr>
+                    <a:noFill/>
+                  </a:tcPr>
+                </a:tc>
+                <a:tc>
+                  <a:txBody>
+                    <a:bodyPr/>
+                    <a:lstStyle/>
+                    <a:p>
+                      <a:pPr algn="ctr"/>
+                      <a:endParaRPr lang="en-US" dirty="0"/>
+                    </a:p>
+                  </a:txBody>
+                  <a:tcPr>
+                    <a:lnL w="12700" cap="flat" cmpd="sng" algn="ctr">
+                      <a:noFill/>
+                      <a:prstDash val="solid"/>
+                      <a:round/>
+                      <a:headEnd type="none" w="med" len="med"/>
+                      <a:tailEnd type="none" w="med" len="med"/>
+                    </a:lnL>
+                    <a:lnR w="12700" cap="flat" cmpd="sng" algn="ctr">
+                      <a:noFill/>
+                      <a:prstDash val="solid"/>
+                      <a:round/>
+                      <a:headEnd type="none" w="med" len="med"/>
+                      <a:tailEnd type="none" w="med" len="med"/>
+                    </a:lnR>
+                    <a:lnT w="12700" cap="flat" cmpd="sng" algn="ctr">
+                      <a:solidFill>
+                        <a:schemeClr val="tx1"/>
+                      </a:solidFill>
+                      <a:prstDash val="solid"/>
+                      <a:round/>
+                      <a:headEnd type="none" w="med" len="med"/>
+                      <a:tailEnd type="none" w="med" len="med"/>
+                    </a:lnT>
+                    <a:lnB w="12700" cap="flat" cmpd="sng" algn="ctr">
+                      <a:noFill/>
+                      <a:prstDash val="solid"/>
+                      <a:round/>
+                      <a:headEnd type="none" w="med" len="med"/>
+                      <a:tailEnd type="none" w="med" len="med"/>
+                    </a:lnB>
+                    <a:lnTlToBr w="12700" cmpd="sng">
+                      <a:noFill/>
+                      <a:prstDash val="solid"/>
+                    </a:lnTlToBr>
+                    <a:lnBlToTr w="12700" cmpd="sng">
+                      <a:noFill/>
+                      <a:prstDash val="solid"/>
+                    </a:lnBlToTr>
+                    <a:noFill/>
+                  </a:tcPr>
+                </a:tc>
+                <a:tc>
+                  <a:txBody>
+                    <a:bodyPr/>
+                    <a:lstStyle/>
+                    <a:p>
+                      <a:pPr algn="ctr"/>
+                      <a:endParaRPr lang="en-US" dirty="0"/>
+                    </a:p>
+                  </a:txBody>
+                  <a:tcPr>
+                    <a:lnL w="12700" cap="flat" cmpd="sng" algn="ctr">
+                      <a:noFill/>
+                      <a:prstDash val="solid"/>
+                      <a:round/>
+                      <a:headEnd type="none" w="med" len="med"/>
+                      <a:tailEnd type="none" w="med" len="med"/>
+                    </a:lnL>
+                    <a:lnR w="12700" cap="flat" cmpd="sng" algn="ctr">
+                      <a:noFill/>
+                      <a:prstDash val="solid"/>
+                      <a:round/>
+                      <a:headEnd type="none" w="med" len="med"/>
+                      <a:tailEnd type="none" w="med" len="med"/>
+                    </a:lnR>
+                    <a:lnT w="12700" cap="flat" cmpd="sng" algn="ctr">
+                      <a:solidFill>
+                        <a:schemeClr val="tx1"/>
+                      </a:solidFill>
+                      <a:prstDash val="solid"/>
+                      <a:round/>
+                      <a:headEnd type="none" w="med" len="med"/>
+                      <a:tailEnd type="none" w="med" len="med"/>
+                    </a:lnT>
+                    <a:lnB w="12700" cap="flat" cmpd="sng" algn="ctr">
+                      <a:noFill/>
+                      <a:prstDash val="solid"/>
+                      <a:round/>
+                      <a:headEnd type="none" w="med" len="med"/>
+                      <a:tailEnd type="none" w="med" len="med"/>
+                    </a:lnB>
+                    <a:lnTlToBr w="12700" cmpd="sng">
+                      <a:noFill/>
+                      <a:prstDash val="solid"/>
+                    </a:lnTlToBr>
+                    <a:lnBlToTr w="12700" cmpd="sng">
+                      <a:noFill/>
+                      <a:prstDash val="solid"/>
+                    </a:lnBlToTr>
+                    <a:noFill/>
+                  </a:tcPr>
+                </a:tc>
+                <a:tc>
+                  <a:txBody>
+                    <a:bodyPr/>
+                    <a:lstStyle/>
+                    <a:p>
+                      <a:pPr algn="ctr"/>
+                      <a:endParaRPr lang="en-US" dirty="0"/>
+                    </a:p>
+                  </a:txBody>
+                  <a:tcPr>
+                    <a:lnL w="12700" cap="flat" cmpd="sng" algn="ctr">
+                      <a:noFill/>
+                      <a:prstDash val="solid"/>
+                      <a:round/>
+                      <a:headEnd type="none" w="med" len="med"/>
+                      <a:tailEnd type="none" w="med" len="med"/>
+                    </a:lnL>
+                    <a:lnR w="12700" cap="flat" cmpd="sng" algn="ctr">
+                      <a:noFill/>
+                      <a:prstDash val="solid"/>
+                      <a:round/>
+                      <a:headEnd type="none" w="med" len="med"/>
+                      <a:tailEnd type="none" w="med" len="med"/>
+                    </a:lnR>
+                    <a:lnT w="12700" cap="flat" cmpd="sng" algn="ctr">
+                      <a:solidFill>
+                        <a:schemeClr val="tx1"/>
+                      </a:solidFill>
+                      <a:prstDash val="solid"/>
+                      <a:round/>
+                      <a:headEnd type="none" w="med" len="med"/>
+                      <a:tailEnd type="none" w="med" len="med"/>
+                    </a:lnT>
+                    <a:lnB w="12700" cap="flat" cmpd="sng" algn="ctr">
+                      <a:noFill/>
+                      <a:prstDash val="solid"/>
+                      <a:round/>
+                      <a:headEnd type="none" w="med" len="med"/>
+                      <a:tailEnd type="none" w="med" len="med"/>
+                    </a:lnB>
+                    <a:lnTlToBr w="12700" cmpd="sng">
+                      <a:noFill/>
+                      <a:prstDash val="solid"/>
+                    </a:lnTlToBr>
+                    <a:lnBlToTr w="12700" cmpd="sng">
+                      <a:noFill/>
+                      <a:prstDash val="solid"/>
+                    </a:lnBlToTr>
+                    <a:noFill/>
+                  </a:tcPr>
+                </a:tc>
+                <a:tc>
+                  <a:txBody>
+                    <a:bodyPr/>
+                    <a:lstStyle/>
+                    <a:p>
+                      <a:pPr algn="ctr"/>
+                      <a:endParaRPr lang="en-US" dirty="0"/>
+                    </a:p>
+                  </a:txBody>
+                  <a:tcPr>
+                    <a:lnL w="12700" cap="flat" cmpd="sng" algn="ctr">
+                      <a:noFill/>
+                      <a:prstDash val="solid"/>
+                      <a:round/>
+                      <a:headEnd type="none" w="med" len="med"/>
+                      <a:tailEnd type="none" w="med" len="med"/>
+                    </a:lnL>
+                    <a:lnR w="12700" cap="flat" cmpd="sng" algn="ctr">
+                      <a:noFill/>
+                      <a:prstDash val="solid"/>
+                      <a:round/>
+                      <a:headEnd type="none" w="med" len="med"/>
+                      <a:tailEnd type="none" w="med" len="med"/>
+                    </a:lnR>
+                    <a:lnT w="12700" cap="flat" cmpd="sng" algn="ctr">
+                      <a:solidFill>
+                        <a:schemeClr val="tx1"/>
+                      </a:solidFill>
+                      <a:prstDash val="solid"/>
+                      <a:round/>
+                      <a:headEnd type="none" w="med" len="med"/>
+                      <a:tailEnd type="none" w="med" len="med"/>
+                    </a:lnT>
+                    <a:lnB w="12700" cap="flat" cmpd="sng" algn="ctr">
+                      <a:noFill/>
+                      <a:prstDash val="solid"/>
+                      <a:round/>
+                      <a:headEnd type="none" w="med" len="med"/>
+                      <a:tailEnd type="none" w="med" len="med"/>
+                    </a:lnB>
+                    <a:lnTlToBr w="12700" cmpd="sng">
+                      <a:noFill/>
+                      <a:prstDash val="solid"/>
+                    </a:lnTlToBr>
+                    <a:lnBlToTr w="12700" cmpd="sng">
+                      <a:noFill/>
+                      <a:prstDash val="solid"/>
+                    </a:lnBlToTr>
+                    <a:noFill/>
+                  </a:tcPr>
+                </a:tc>
+                <a:tc>
+                  <a:txBody>
+                    <a:bodyPr/>
+                    <a:lstStyle/>
+                    <a:p>
+                      <a:pPr algn="ctr"/>
+                      <a:endParaRPr lang="en-US" dirty="0"/>
+                    </a:p>
+                  </a:txBody>
+                  <a:tcPr>
+                    <a:lnL w="12700" cap="flat" cmpd="sng" algn="ctr">
+                      <a:noFill/>
+                      <a:prstDash val="solid"/>
+                      <a:round/>
+                      <a:headEnd type="none" w="med" len="med"/>
+                      <a:tailEnd type="none" w="med" len="med"/>
+                    </a:lnL>
+                    <a:lnR w="12700" cap="flat" cmpd="sng" algn="ctr">
+                      <a:solidFill>
+                        <a:schemeClr val="tx1"/>
+                      </a:solidFill>
+                      <a:prstDash val="solid"/>
+                      <a:round/>
+                      <a:headEnd type="none" w="med" len="med"/>
+                      <a:tailEnd type="none" w="med" len="med"/>
+                    </a:lnR>
+                    <a:lnT w="12700" cap="flat" cmpd="sng" algn="ctr">
+                      <a:noFill/>
+                      <a:prstDash val="solid"/>
+                      <a:round/>
+                      <a:headEnd type="none" w="med" len="med"/>
+                      <a:tailEnd type="none" w="med" len="med"/>
+                    </a:lnT>
+                    <a:lnB>
+                      <a:noFill/>
+                    </a:lnB>
+                    <a:lnTlToBr w="12700" cmpd="sng">
+                      <a:noFill/>
+                      <a:prstDash val="solid"/>
+                    </a:lnTlToBr>
+                    <a:lnBlToTr w="12700" cmpd="sng">
+                      <a:noFill/>
+                      <a:prstDash val="solid"/>
+                    </a:lnBlToTr>
+                    <a:noFill/>
+                  </a:tcPr>
+                </a:tc>
+                <a:tc>
+                  <a:txBody>
+                    <a:bodyPr/>
+                    <a:lstStyle/>
+                    <a:p>
+                      <a:pPr marL="0" marR="0" lvl="0" indent="0" algn="ctr" defTabSz="457200" rtl="0" eaLnBrk="1" fontAlgn="auto" latinLnBrk="0" hangingPunct="1">
+                        <a:lnSpc>
+                          <a:spcPct val="100000"/>
+                        </a:lnSpc>
+                        <a:spcBef>
+                          <a:spcPts val="0"/>
+                        </a:spcBef>
+                        <a:spcAft>
+                          <a:spcPts val="0"/>
+                        </a:spcAft>
+                        <a:buClrTx/>
+                        <a:buSzTx/>
+                        <a:buFontTx/>
+                        <a:buNone/>
+                        <a:tabLst/>
+                        <a:defRPr/>
+                      </a:pPr>
+                      <a:r>
+                        <a:rPr lang="en-US" dirty="0"/>
+                        <a:t>E</a:t>
+                      </a:r>
+                      <a:r>
+                        <a:rPr lang="en-US" baseline="-25000" dirty="0"/>
+                        <a:t>0</a:t>
+                      </a:r>
+                      <a:r>
+                        <a:rPr lang="en-US" baseline="0" dirty="0"/>
+                        <a:t>+ … +E</a:t>
+                      </a:r>
+                      <a:r>
+                        <a:rPr lang="en-US" baseline="-25000" dirty="0"/>
+                        <a:t>5</a:t>
+                      </a:r>
+                      <a:endParaRPr lang="en-US" baseline="0" dirty="0"/>
+                    </a:p>
+                    <a:p>
+                      <a:pPr marL="0" marR="0" lvl="0" indent="0" algn="ctr" defTabSz="457200" rtl="0" eaLnBrk="1" fontAlgn="auto" latinLnBrk="0" hangingPunct="1">
+                        <a:lnSpc>
+                          <a:spcPct val="100000"/>
+                        </a:lnSpc>
+                        <a:spcBef>
+                          <a:spcPts val="0"/>
+                        </a:spcBef>
+                        <a:spcAft>
+                          <a:spcPts val="0"/>
+                        </a:spcAft>
+                        <a:buClrTx/>
+                        <a:buSzTx/>
+                        <a:buFontTx/>
+                        <a:buNone/>
+                        <a:tabLst/>
+                        <a:defRPr/>
+                      </a:pPr>
+                      <a:r>
+                        <a:rPr lang="en-US" dirty="0">
+                          <a:solidFill>
+                            <a:schemeClr val="tx1"/>
+                          </a:solidFill>
+                        </a:rPr>
+                        <a:t>+E</a:t>
+                      </a:r>
+                      <a:r>
+                        <a:rPr lang="en-US" baseline="-25000" dirty="0">
+                          <a:solidFill>
+                            <a:schemeClr val="tx1"/>
+                          </a:solidFill>
+                        </a:rPr>
+                        <a:t>6</a:t>
+                      </a:r>
+                      <a:r>
+                        <a:rPr lang="en-US" dirty="0">
+                          <a:solidFill>
+                            <a:schemeClr val="tx1"/>
+                          </a:solidFill>
+                        </a:rPr>
+                        <a:t>+ … +E</a:t>
+                      </a:r>
+                      <a:r>
+                        <a:rPr lang="en-US" baseline="-25000" dirty="0">
+                          <a:solidFill>
+                            <a:schemeClr val="tx1"/>
+                          </a:solidFill>
+                        </a:rPr>
+                        <a:t>9</a:t>
+                      </a:r>
+                      <a:endParaRPr lang="en-US" dirty="0">
+                        <a:solidFill>
+                          <a:schemeClr val="tx1"/>
+                        </a:solidFill>
+                      </a:endParaRPr>
+                    </a:p>
+                    <a:p>
+                      <a:pPr marL="0" marR="0" lvl="0" indent="0" algn="ctr" defTabSz="457200" rtl="0" eaLnBrk="1" fontAlgn="auto" latinLnBrk="0" hangingPunct="1">
+                        <a:lnSpc>
+                          <a:spcPct val="100000"/>
+                        </a:lnSpc>
+                        <a:spcBef>
+                          <a:spcPts val="0"/>
+                        </a:spcBef>
+                        <a:spcAft>
+                          <a:spcPts val="0"/>
+                        </a:spcAft>
+                        <a:buClrTx/>
+                        <a:buSzTx/>
+                        <a:buFontTx/>
+                        <a:buNone/>
+                        <a:tabLst/>
+                        <a:defRPr/>
+                      </a:pPr>
+                      <a:r>
+                        <a:rPr lang="en-US" dirty="0">
+                          <a:solidFill>
+                            <a:schemeClr val="tx1"/>
+                          </a:solidFill>
+                        </a:rPr>
+                        <a:t>-(E</a:t>
+                      </a:r>
+                      <a:r>
+                        <a:rPr lang="en-US" baseline="-25000" dirty="0">
+                          <a:solidFill>
+                            <a:schemeClr val="tx1"/>
+                          </a:solidFill>
+                        </a:rPr>
+                        <a:t>6</a:t>
+                      </a:r>
+                      <a:r>
+                        <a:rPr lang="en-US" dirty="0">
+                          <a:solidFill>
+                            <a:schemeClr val="tx1"/>
+                          </a:solidFill>
+                        </a:rPr>
+                        <a:t>+ … +E</a:t>
+                      </a:r>
+                      <a:r>
+                        <a:rPr lang="en-US" baseline="-25000" dirty="0">
+                          <a:solidFill>
+                            <a:schemeClr val="tx1"/>
+                          </a:solidFill>
+                        </a:rPr>
+                        <a:t>9</a:t>
+                      </a:r>
+                      <a:r>
+                        <a:rPr lang="en-US" baseline="0" dirty="0">
+                          <a:solidFill>
+                            <a:schemeClr val="tx1"/>
+                          </a:solidFill>
+                        </a:rPr>
+                        <a:t>)</a:t>
+                      </a:r>
+                    </a:p>
+                    <a:p>
+                      <a:pPr marL="0" marR="0" lvl="0" indent="0" algn="ctr" defTabSz="457200" rtl="0" eaLnBrk="1" fontAlgn="auto" latinLnBrk="0" hangingPunct="1">
+                        <a:lnSpc>
+                          <a:spcPct val="100000"/>
+                        </a:lnSpc>
+                        <a:spcBef>
+                          <a:spcPts val="0"/>
+                        </a:spcBef>
+                        <a:spcAft>
+                          <a:spcPts val="0"/>
+                        </a:spcAft>
+                        <a:buClrTx/>
+                        <a:buSzTx/>
+                        <a:buFontTx/>
+                        <a:buNone/>
+                        <a:tabLst/>
+                        <a:defRPr/>
+                      </a:pPr>
+                      <a:r>
+                        <a:rPr lang="en-US" dirty="0">
+                          <a:solidFill>
+                            <a:srgbClr val="FF7B11"/>
+                          </a:solidFill>
+                        </a:rPr>
+                        <a:t>+E</a:t>
+                      </a:r>
+                      <a:r>
+                        <a:rPr lang="en-US" baseline="-25000" dirty="0">
+                          <a:solidFill>
+                            <a:srgbClr val="FF7B11"/>
+                          </a:solidFill>
+                        </a:rPr>
+                        <a:t>6</a:t>
+                      </a:r>
+                      <a:r>
+                        <a:rPr lang="en-US" dirty="0">
+                          <a:solidFill>
+                            <a:srgbClr val="FF7B11"/>
+                          </a:solidFill>
+                        </a:rPr>
+                        <a:t>+ … +E</a:t>
+                      </a:r>
+                      <a:r>
+                        <a:rPr lang="en-US" baseline="-25000" dirty="0">
+                          <a:solidFill>
+                            <a:srgbClr val="FF7B11"/>
+                          </a:solidFill>
+                        </a:rPr>
+                        <a:t>9</a:t>
+                      </a:r>
+                      <a:endParaRPr lang="en-US" dirty="0">
+                        <a:solidFill>
+                          <a:srgbClr val="FF7B11"/>
+                        </a:solidFill>
+                      </a:endParaRPr>
+                    </a:p>
+                    <a:p>
+                      <a:pPr marL="0" marR="0" lvl="0" indent="0" algn="ctr" defTabSz="457200" rtl="0" eaLnBrk="1" fontAlgn="auto" latinLnBrk="0" hangingPunct="1">
+                        <a:lnSpc>
+                          <a:spcPct val="100000"/>
+                        </a:lnSpc>
+                        <a:spcBef>
+                          <a:spcPts val="0"/>
+                        </a:spcBef>
+                        <a:spcAft>
+                          <a:spcPts val="0"/>
+                        </a:spcAft>
+                        <a:buClrTx/>
+                        <a:buSzTx/>
+                        <a:buFontTx/>
+                        <a:buNone/>
+                        <a:tabLst/>
+                        <a:defRPr/>
+                      </a:pPr>
+                      <a:r>
+                        <a:rPr lang="en-US" dirty="0"/>
+                        <a:t>+E</a:t>
+                      </a:r>
+                      <a:r>
+                        <a:rPr lang="en-US" baseline="-25000" dirty="0"/>
+                        <a:t>10</a:t>
+                      </a:r>
+                      <a:r>
+                        <a:rPr lang="en-US" dirty="0"/>
+                        <a:t>+…+E</a:t>
+                      </a:r>
+                      <a:r>
+                        <a:rPr lang="en-US" baseline="-25000" dirty="0"/>
+                        <a:t>14</a:t>
+                      </a:r>
+                      <a:r>
+                        <a:rPr lang="en-US" dirty="0"/>
+                        <a:t>-E</a:t>
+                      </a:r>
+                      <a:r>
+                        <a:rPr lang="en-US" baseline="-25000" dirty="0"/>
+                        <a:t>14</a:t>
+                      </a:r>
+                      <a:r>
+                        <a:rPr lang="en-US" dirty="0">
+                          <a:solidFill>
+                            <a:srgbClr val="FF7B11"/>
+                          </a:solidFill>
+                        </a:rPr>
+                        <a:t>-E</a:t>
+                      </a:r>
+                      <a:r>
+                        <a:rPr lang="en-US" baseline="-25000" dirty="0">
+                          <a:solidFill>
+                            <a:srgbClr val="FF7B11"/>
+                          </a:solidFill>
+                        </a:rPr>
+                        <a:t>14</a:t>
+                      </a:r>
+                    </a:p>
+                    <a:p>
+                      <a:pPr marL="0" marR="0" lvl="0" indent="0" algn="ctr" defTabSz="457200" rtl="0" eaLnBrk="1" fontAlgn="auto" latinLnBrk="0" hangingPunct="1">
+                        <a:lnSpc>
+                          <a:spcPct val="100000"/>
+                        </a:lnSpc>
+                        <a:spcBef>
+                          <a:spcPts val="0"/>
+                        </a:spcBef>
+                        <a:spcAft>
+                          <a:spcPts val="0"/>
+                        </a:spcAft>
+                        <a:buClrTx/>
+                        <a:buSzTx/>
+                        <a:buFontTx/>
+                        <a:buNone/>
+                        <a:tabLst/>
+                        <a:defRPr/>
+                      </a:pPr>
+                      <a:r>
+                        <a:rPr lang="en-US" dirty="0"/>
+                        <a:t>+E</a:t>
+                      </a:r>
+                      <a:r>
+                        <a:rPr lang="en-US" baseline="-25000" dirty="0"/>
+                        <a:t>15</a:t>
+                      </a:r>
+                      <a:r>
+                        <a:rPr lang="en-US" dirty="0"/>
+                        <a:t>+…+E</a:t>
+                      </a:r>
+                      <a:r>
+                        <a:rPr lang="en-US" baseline="-25000" dirty="0"/>
+                        <a:t>20</a:t>
+                      </a:r>
+                      <a:r>
+                        <a:rPr lang="en-US" dirty="0"/>
+                        <a:t>-</a:t>
+                      </a:r>
+                      <a:r>
+                        <a:rPr lang="en-US" dirty="0">
+                          <a:solidFill>
+                            <a:schemeClr val="tx1"/>
+                          </a:solidFill>
+                        </a:rPr>
+                        <a:t>E</a:t>
+                      </a:r>
+                      <a:r>
+                        <a:rPr lang="en-US" baseline="-25000" dirty="0">
+                          <a:solidFill>
+                            <a:schemeClr val="tx1"/>
+                          </a:solidFill>
+                        </a:rPr>
+                        <a:t>19</a:t>
+                      </a:r>
+                      <a:r>
+                        <a:rPr lang="en-US" dirty="0"/>
+                        <a:t>+</a:t>
+                      </a:r>
+                      <a:r>
+                        <a:rPr lang="en-US" dirty="0">
+                          <a:solidFill>
+                            <a:srgbClr val="FF7B11"/>
+                          </a:solidFill>
+                        </a:rPr>
+                        <a:t>E</a:t>
+                      </a:r>
+                      <a:r>
+                        <a:rPr lang="en-US" baseline="-25000" dirty="0">
+                          <a:solidFill>
+                            <a:srgbClr val="FF7B11"/>
+                          </a:solidFill>
+                        </a:rPr>
+                        <a:t>19</a:t>
+                      </a:r>
+                      <a:endParaRPr lang="en-US" baseline="-25000" dirty="0"/>
+                    </a:p>
+                    <a:p>
+                      <a:pPr marL="0" marR="0" lvl="0" indent="0" algn="ctr" defTabSz="457200" rtl="0" eaLnBrk="1" fontAlgn="auto" latinLnBrk="0" hangingPunct="1">
+                        <a:lnSpc>
+                          <a:spcPct val="100000"/>
+                        </a:lnSpc>
+                        <a:spcBef>
+                          <a:spcPts val="0"/>
+                        </a:spcBef>
+                        <a:spcAft>
+                          <a:spcPts val="0"/>
+                        </a:spcAft>
+                        <a:buClrTx/>
+                        <a:buSzTx/>
+                        <a:buFontTx/>
+                        <a:buNone/>
+                        <a:tabLst/>
+                        <a:defRPr/>
+                      </a:pPr>
+                      <a:endParaRPr lang="en-US" baseline="-25000" dirty="0"/>
+                    </a:p>
+                    <a:p>
+                      <a:pPr marL="0" marR="0" lvl="0" indent="0" algn="ctr" defTabSz="457200" rtl="0" eaLnBrk="1" fontAlgn="auto" latinLnBrk="0" hangingPunct="1">
+                        <a:lnSpc>
+                          <a:spcPct val="100000"/>
+                        </a:lnSpc>
+                        <a:spcBef>
+                          <a:spcPts val="0"/>
+                        </a:spcBef>
+                        <a:spcAft>
+                          <a:spcPts val="0"/>
+                        </a:spcAft>
+                        <a:buClrTx/>
+                        <a:buSzTx/>
+                        <a:buFontTx/>
+                        <a:buNone/>
+                        <a:tabLst/>
+                        <a:defRPr/>
+                      </a:pPr>
+                      <a:r>
+                        <a:rPr lang="en-US" baseline="0" dirty="0"/>
+                        <a:t>+ </a:t>
+                      </a:r>
+                      <a:r>
+                        <a:rPr lang="en-US" dirty="0"/>
+                        <a:t>E</a:t>
+                      </a:r>
+                      <a:r>
+                        <a:rPr lang="en-US" baseline="-25000" dirty="0"/>
+                        <a:t>20</a:t>
+                      </a:r>
+                      <a:endParaRPr lang="en-US" dirty="0"/>
+                    </a:p>
+                  </a:txBody>
+                  <a:tcPr>
+                    <a:lnL w="12700" cap="flat" cmpd="sng" algn="ctr">
+                      <a:solidFill>
+                        <a:schemeClr val="tx1"/>
+                      </a:solidFill>
+                      <a:prstDash val="solid"/>
+                      <a:round/>
+                      <a:headEnd type="none" w="med" len="med"/>
+                      <a:tailEnd type="none" w="med" len="med"/>
+                    </a:lnL>
+                    <a:lnR w="12700" cap="flat" cmpd="sng" algn="ctr">
+                      <a:solidFill>
+                        <a:schemeClr val="tx1"/>
+                      </a:solidFill>
+                      <a:prstDash val="solid"/>
+                      <a:round/>
+                      <a:headEnd type="none" w="med" len="med"/>
+                      <a:tailEnd type="none" w="med" len="med"/>
+                    </a:lnR>
+                    <a:lnT w="38100" cap="flat" cmpd="sng" algn="ctr">
+                      <a:solidFill>
+                        <a:schemeClr val="tx1"/>
+                      </a:solidFill>
+                      <a:prstDash val="solid"/>
+                      <a:round/>
+                      <a:headEnd type="none" w="med" len="med"/>
+                      <a:tailEnd type="none" w="med" len="med"/>
+                    </a:lnT>
+                    <a:lnB w="12700" cap="flat" cmpd="sng" algn="ctr">
+                      <a:solidFill>
+                        <a:schemeClr val="tx1"/>
+                      </a:solidFill>
+                      <a:prstDash val="solid"/>
+                      <a:round/>
+                      <a:headEnd type="none" w="med" len="med"/>
+                      <a:tailEnd type="none" w="med" len="med"/>
+                    </a:lnB>
+                    <a:solidFill>
+                      <a:srgbClr val="DDDDDD"/>
+                    </a:solidFill>
+                  </a:tcPr>
+                </a:tc>
+                <a:extLst>
+                  <a:ext uri="{0D108BD9-81ED-4DB2-BD59-A6C34878D82A}">
+                    <a16:rowId xmlns:a16="http://schemas.microsoft.com/office/drawing/2014/main" val="3929910534"/>
+                  </a:ext>
+                </a:extLst>
+              </a:tr>
+            </a:tbl>
+          </a:graphicData>
+        </a:graphic>
+      </p:graphicFrame>
+    </p:spTree>
+    <p:extLst>
+      <p:ext uri="{BB962C8B-B14F-4D97-AF65-F5344CB8AC3E}">
+        <p14:creationId xmlns:p14="http://schemas.microsoft.com/office/powerpoint/2010/main" val="3224573192"/>
       </p:ext>
     </p:extLst>
   </p:cSld>
